--- a/Scripting/ScriptingDocumenation/DesignDiagrams.pptx
+++ b/Scripting/ScriptingDocumenation/DesignDiagrams.pptx
@@ -10,6 +10,7 @@
     <p:sldId id="257" r:id="rId4"/>
     <p:sldId id="258" r:id="rId5"/>
     <p:sldId id="260" r:id="rId6"/>
+    <p:sldId id="261" r:id="rId7"/>
   </p:sldIdLst>
   <p:sldSz cx="9144000" cy="6858000" type="screen4x3"/>
   <p:notesSz cx="6858000" cy="9144000"/>
@@ -292,6 +293,7 @@
           <a:p>
             <a:fld id="{00F2EA4F-E096-48CD-A1C4-A4124DB919D8}" type="datetimeFigureOut">
               <a:rPr lang="en-US" smtClean="0"/>
+              <a:pPr/>
               <a:t>12/23/2012</a:t>
             </a:fld>
             <a:endParaRPr lang="en-US"/>
@@ -334,6 +336,7 @@
           <a:p>
             <a:fld id="{5FA8C38A-1A0A-458A-8AC1-FB08A465F4EF}" type="slidenum">
               <a:rPr lang="en-US" smtClean="0"/>
+              <a:pPr/>
               <a:t>‹#›</a:t>
             </a:fld>
             <a:endParaRPr lang="en-US"/>
@@ -457,6 +460,7 @@
           <a:p>
             <a:fld id="{00F2EA4F-E096-48CD-A1C4-A4124DB919D8}" type="datetimeFigureOut">
               <a:rPr lang="en-US" smtClean="0"/>
+              <a:pPr/>
               <a:t>12/23/2012</a:t>
             </a:fld>
             <a:endParaRPr lang="en-US"/>
@@ -499,6 +503,7 @@
           <a:p>
             <a:fld id="{5FA8C38A-1A0A-458A-8AC1-FB08A465F4EF}" type="slidenum">
               <a:rPr lang="en-US" smtClean="0"/>
+              <a:pPr/>
               <a:t>‹#›</a:t>
             </a:fld>
             <a:endParaRPr lang="en-US"/>
@@ -632,6 +637,7 @@
           <a:p>
             <a:fld id="{00F2EA4F-E096-48CD-A1C4-A4124DB919D8}" type="datetimeFigureOut">
               <a:rPr lang="en-US" smtClean="0"/>
+              <a:pPr/>
               <a:t>12/23/2012</a:t>
             </a:fld>
             <a:endParaRPr lang="en-US"/>
@@ -674,6 +680,7 @@
           <a:p>
             <a:fld id="{5FA8C38A-1A0A-458A-8AC1-FB08A465F4EF}" type="slidenum">
               <a:rPr lang="en-US" smtClean="0"/>
+              <a:pPr/>
               <a:t>‹#›</a:t>
             </a:fld>
             <a:endParaRPr lang="en-US"/>
@@ -797,6 +804,7 @@
           <a:p>
             <a:fld id="{00F2EA4F-E096-48CD-A1C4-A4124DB919D8}" type="datetimeFigureOut">
               <a:rPr lang="en-US" smtClean="0"/>
+              <a:pPr/>
               <a:t>12/23/2012</a:t>
             </a:fld>
             <a:endParaRPr lang="en-US"/>
@@ -839,6 +847,7 @@
           <a:p>
             <a:fld id="{5FA8C38A-1A0A-458A-8AC1-FB08A465F4EF}" type="slidenum">
               <a:rPr lang="en-US" smtClean="0"/>
+              <a:pPr/>
               <a:t>‹#›</a:t>
             </a:fld>
             <a:endParaRPr lang="en-US"/>
@@ -1038,6 +1047,7 @@
           <a:p>
             <a:fld id="{00F2EA4F-E096-48CD-A1C4-A4124DB919D8}" type="datetimeFigureOut">
               <a:rPr lang="en-US" smtClean="0"/>
+              <a:pPr/>
               <a:t>12/23/2012</a:t>
             </a:fld>
             <a:endParaRPr lang="en-US"/>
@@ -1080,6 +1090,7 @@
           <a:p>
             <a:fld id="{5FA8C38A-1A0A-458A-8AC1-FB08A465F4EF}" type="slidenum">
               <a:rPr lang="en-US" smtClean="0"/>
+              <a:pPr/>
               <a:t>‹#›</a:t>
             </a:fld>
             <a:endParaRPr lang="en-US"/>
@@ -1321,6 +1332,7 @@
           <a:p>
             <a:fld id="{00F2EA4F-E096-48CD-A1C4-A4124DB919D8}" type="datetimeFigureOut">
               <a:rPr lang="en-US" smtClean="0"/>
+              <a:pPr/>
               <a:t>12/23/2012</a:t>
             </a:fld>
             <a:endParaRPr lang="en-US"/>
@@ -1363,6 +1375,7 @@
           <a:p>
             <a:fld id="{5FA8C38A-1A0A-458A-8AC1-FB08A465F4EF}" type="slidenum">
               <a:rPr lang="en-US" smtClean="0"/>
+              <a:pPr/>
               <a:t>‹#›</a:t>
             </a:fld>
             <a:endParaRPr lang="en-US"/>
@@ -1738,6 +1751,7 @@
           <a:p>
             <a:fld id="{00F2EA4F-E096-48CD-A1C4-A4124DB919D8}" type="datetimeFigureOut">
               <a:rPr lang="en-US" smtClean="0"/>
+              <a:pPr/>
               <a:t>12/23/2012</a:t>
             </a:fld>
             <a:endParaRPr lang="en-US"/>
@@ -1780,6 +1794,7 @@
           <a:p>
             <a:fld id="{5FA8C38A-1A0A-458A-8AC1-FB08A465F4EF}" type="slidenum">
               <a:rPr lang="en-US" smtClean="0"/>
+              <a:pPr/>
               <a:t>‹#›</a:t>
             </a:fld>
             <a:endParaRPr lang="en-US"/>
@@ -1851,6 +1866,7 @@
           <a:p>
             <a:fld id="{00F2EA4F-E096-48CD-A1C4-A4124DB919D8}" type="datetimeFigureOut">
               <a:rPr lang="en-US" smtClean="0"/>
+              <a:pPr/>
               <a:t>12/23/2012</a:t>
             </a:fld>
             <a:endParaRPr lang="en-US"/>
@@ -1893,6 +1909,7 @@
           <a:p>
             <a:fld id="{5FA8C38A-1A0A-458A-8AC1-FB08A465F4EF}" type="slidenum">
               <a:rPr lang="en-US" smtClean="0"/>
+              <a:pPr/>
               <a:t>‹#›</a:t>
             </a:fld>
             <a:endParaRPr lang="en-US"/>
@@ -1941,6 +1958,7 @@
           <a:p>
             <a:fld id="{00F2EA4F-E096-48CD-A1C4-A4124DB919D8}" type="datetimeFigureOut">
               <a:rPr lang="en-US" smtClean="0"/>
+              <a:pPr/>
               <a:t>12/23/2012</a:t>
             </a:fld>
             <a:endParaRPr lang="en-US"/>
@@ -1983,6 +2001,7 @@
           <a:p>
             <a:fld id="{5FA8C38A-1A0A-458A-8AC1-FB08A465F4EF}" type="slidenum">
               <a:rPr lang="en-US" smtClean="0"/>
+              <a:pPr/>
               <a:t>‹#›</a:t>
             </a:fld>
             <a:endParaRPr lang="en-US"/>
@@ -2213,6 +2232,7 @@
           <a:p>
             <a:fld id="{00F2EA4F-E096-48CD-A1C4-A4124DB919D8}" type="datetimeFigureOut">
               <a:rPr lang="en-US" smtClean="0"/>
+              <a:pPr/>
               <a:t>12/23/2012</a:t>
             </a:fld>
             <a:endParaRPr lang="en-US"/>
@@ -2255,6 +2275,7 @@
           <a:p>
             <a:fld id="{5FA8C38A-1A0A-458A-8AC1-FB08A465F4EF}" type="slidenum">
               <a:rPr lang="en-US" smtClean="0"/>
+              <a:pPr/>
               <a:t>‹#›</a:t>
             </a:fld>
             <a:endParaRPr lang="en-US"/>
@@ -2461,6 +2482,7 @@
           <a:p>
             <a:fld id="{00F2EA4F-E096-48CD-A1C4-A4124DB919D8}" type="datetimeFigureOut">
               <a:rPr lang="en-US" smtClean="0"/>
+              <a:pPr/>
               <a:t>12/23/2012</a:t>
             </a:fld>
             <a:endParaRPr lang="en-US"/>
@@ -2503,6 +2525,7 @@
           <a:p>
             <a:fld id="{5FA8C38A-1A0A-458A-8AC1-FB08A465F4EF}" type="slidenum">
               <a:rPr lang="en-US" smtClean="0"/>
+              <a:pPr/>
               <a:t>‹#›</a:t>
             </a:fld>
             <a:endParaRPr lang="en-US"/>
@@ -2669,6 +2692,7 @@
           <a:p>
             <a:fld id="{00F2EA4F-E096-48CD-A1C4-A4124DB919D8}" type="datetimeFigureOut">
               <a:rPr lang="en-US" smtClean="0"/>
+              <a:pPr/>
               <a:t>12/23/2012</a:t>
             </a:fld>
             <a:endParaRPr lang="en-US"/>
@@ -2747,6 +2771,7 @@
           <a:p>
             <a:fld id="{5FA8C38A-1A0A-458A-8AC1-FB08A465F4EF}" type="slidenum">
               <a:rPr lang="en-US" smtClean="0"/>
+              <a:pPr/>
               <a:t>‹#›</a:t>
             </a:fld>
             <a:endParaRPr lang="en-US"/>
@@ -3928,160 +3953,6 @@
       </p:grpSpPr>
       <p:sp>
         <p:nvSpPr>
-          <p:cNvPr id="2" name="TextBox 1"/>
-          <p:cNvSpPr txBox="1"/>
-          <p:nvPr/>
-        </p:nvSpPr>
-        <p:spPr>
-          <a:xfrm>
-            <a:off x="8328918" y="407543"/>
-            <a:ext cx="415498" cy="246221"/>
-          </a:xfrm>
-          <a:prstGeom prst="rect">
-            <a:avLst/>
-          </a:prstGeom>
-          <a:solidFill>
-            <a:schemeClr val="tx2">
-              <a:lumMod val="20000"/>
-              <a:lumOff val="80000"/>
-            </a:schemeClr>
-          </a:solidFill>
-          <a:ln cmpd="sng">
-            <a:solidFill>
-              <a:schemeClr val="tx1"/>
-            </a:solidFill>
-          </a:ln>
-        </p:spPr>
-        <p:txBody>
-          <a:bodyPr wrap="none" rtlCol="0">
-            <a:spAutoFit/>
-          </a:bodyPr>
-          <a:lstStyle/>
-          <a:p>
-            <a:r>
-              <a:rPr lang="en-US" sz="1000" smtClean="0">
-                <a:latin typeface="Courier New" pitchFamily="49" charset="0"/>
-                <a:cs typeface="Courier New" pitchFamily="49" charset="0"/>
-              </a:rPr>
-              <a:t>kkk</a:t>
-            </a:r>
-          </a:p>
-        </p:txBody>
-      </p:sp>
-      <p:sp>
-        <p:nvSpPr>
-          <p:cNvPr id="3" name="TextBox 2"/>
-          <p:cNvSpPr txBox="1"/>
-          <p:nvPr/>
-        </p:nvSpPr>
-        <p:spPr>
-          <a:xfrm>
-            <a:off x="6657655" y="297950"/>
-            <a:ext cx="415498" cy="246221"/>
-          </a:xfrm>
-          <a:prstGeom prst="rect">
-            <a:avLst/>
-          </a:prstGeom>
-          <a:noFill/>
-        </p:spPr>
-        <p:txBody>
-          <a:bodyPr wrap="none" rtlCol="0">
-            <a:spAutoFit/>
-          </a:bodyPr>
-          <a:lstStyle/>
-          <a:p>
-            <a:r>
-              <a:rPr lang="en-US" sz="1000" smtClean="0">
-                <a:latin typeface="Courier New" pitchFamily="49" charset="0"/>
-                <a:cs typeface="Courier New" pitchFamily="49" charset="0"/>
-              </a:rPr>
-              <a:t>kkk</a:t>
-            </a:r>
-            <a:endParaRPr lang="en-US" sz="1000">
-              <a:latin typeface="Courier New" pitchFamily="49" charset="0"/>
-              <a:cs typeface="Courier New" pitchFamily="49" charset="0"/>
-            </a:endParaRPr>
-          </a:p>
-        </p:txBody>
-      </p:sp>
-      <p:sp>
-        <p:nvSpPr>
-          <p:cNvPr id="4" name="TextBox 3"/>
-          <p:cNvSpPr txBox="1"/>
-          <p:nvPr/>
-        </p:nvSpPr>
-        <p:spPr>
-          <a:xfrm>
-            <a:off x="7200472" y="152400"/>
-            <a:ext cx="954107" cy="861774"/>
-          </a:xfrm>
-          <a:prstGeom prst="rect">
-            <a:avLst/>
-          </a:prstGeom>
-          <a:noFill/>
-          <a:ln cmpd="sng">
-            <a:solidFill>
-              <a:schemeClr val="tx1"/>
-            </a:solidFill>
-          </a:ln>
-        </p:spPr>
-        <p:txBody>
-          <a:bodyPr wrap="none" rtlCol="0">
-            <a:spAutoFit/>
-          </a:bodyPr>
-          <a:lstStyle/>
-          <a:p>
-            <a:r>
-              <a:rPr lang="en-US" sz="1000" b="1" smtClean="0">
-                <a:solidFill>
-                  <a:srgbClr val="FF0000"/>
-                </a:solidFill>
-                <a:latin typeface="Courier New" pitchFamily="49" charset="0"/>
-                <a:cs typeface="Courier New" pitchFamily="49" charset="0"/>
-              </a:rPr>
-              <a:t>kkk</a:t>
-            </a:r>
-          </a:p>
-          <a:p>
-            <a:r>
-              <a:rPr lang="en-US" sz="1000" smtClean="0">
-                <a:latin typeface="Courier New" pitchFamily="49" charset="0"/>
-                <a:cs typeface="Courier New" pitchFamily="49" charset="0"/>
-              </a:rPr>
-              <a:t>----------</a:t>
-            </a:r>
-          </a:p>
-          <a:p>
-            <a:r>
-              <a:rPr lang="en-US" sz="1000" smtClean="0">
-                <a:latin typeface="Courier New" pitchFamily="49" charset="0"/>
-                <a:cs typeface="Courier New" pitchFamily="49" charset="0"/>
-              </a:rPr>
-              <a:t>xx</a:t>
-            </a:r>
-          </a:p>
-          <a:p>
-            <a:r>
-              <a:rPr lang="en-US" sz="1000" smtClean="0">
-                <a:latin typeface="Courier New" pitchFamily="49" charset="0"/>
-                <a:cs typeface="Courier New" pitchFamily="49" charset="0"/>
-              </a:rPr>
-              <a:t>----------</a:t>
-            </a:r>
-          </a:p>
-          <a:p>
-            <a:r>
-              <a:rPr lang="en-US" sz="1000" smtClean="0">
-                <a:latin typeface="Courier New" pitchFamily="49" charset="0"/>
-                <a:cs typeface="Courier New" pitchFamily="49" charset="0"/>
-              </a:rPr>
-              <a:t>xx</a:t>
-            </a:r>
-          </a:p>
-        </p:txBody>
-      </p:sp>
-      <p:sp>
-        <p:nvSpPr>
           <p:cNvPr id="5" name="TextBox 4"/>
           <p:cNvSpPr txBox="1"/>
           <p:nvPr/>
@@ -4662,14 +4533,14 @@
       </p:grpSpPr>
       <p:sp>
         <p:nvSpPr>
-          <p:cNvPr id="2" name="TextBox 1"/>
+          <p:cNvPr id="7" name="TextBox 6"/>
           <p:cNvSpPr txBox="1"/>
           <p:nvPr/>
         </p:nvSpPr>
         <p:spPr>
           <a:xfrm>
-            <a:off x="3775755" y="1238037"/>
-            <a:ext cx="492443" cy="246221"/>
+            <a:off x="1082216" y="4893926"/>
+            <a:ext cx="1646605" cy="246221"/>
           </a:xfrm>
           <a:prstGeom prst="rect">
             <a:avLst/>
@@ -4697,21 +4568,25 @@
                 <a:latin typeface="Courier New" pitchFamily="49" charset="0"/>
                 <a:cs typeface="Courier New" pitchFamily="49" charset="0"/>
               </a:rPr>
-              <a:t>main</a:t>
-            </a:r>
-          </a:p>
-        </p:txBody>
-      </p:sp>
-      <p:sp>
-        <p:nvSpPr>
-          <p:cNvPr id="3" name="TextBox 2"/>
+              <a:t>ClientHandlerThread</a:t>
+            </a:r>
+            <a:endParaRPr lang="en-US" sz="1000" smtClean="0">
+              <a:latin typeface="Courier New" pitchFamily="49" charset="0"/>
+              <a:cs typeface="Courier New" pitchFamily="49" charset="0"/>
+            </a:endParaRPr>
+          </a:p>
+        </p:txBody>
+      </p:sp>
+      <p:sp>
+        <p:nvSpPr>
+          <p:cNvPr id="8" name="TextBox 7"/>
           <p:cNvSpPr txBox="1"/>
           <p:nvPr/>
         </p:nvSpPr>
         <p:spPr>
           <a:xfrm>
-            <a:off x="5357975" y="2172985"/>
-            <a:ext cx="1261884" cy="246221"/>
+            <a:off x="1193516" y="3905894"/>
+            <a:ext cx="1338828" cy="246221"/>
           </a:xfrm>
           <a:prstGeom prst="rect">
             <a:avLst/>
@@ -4739,37 +4614,41 @@
                 <a:latin typeface="Courier New" pitchFamily="49" charset="0"/>
                 <a:cs typeface="Courier New" pitchFamily="49" charset="0"/>
               </a:rPr>
-              <a:t>Client process</a:t>
-            </a:r>
-          </a:p>
-        </p:txBody>
-      </p:sp>
-      <p:sp>
-        <p:nvSpPr>
-          <p:cNvPr id="4" name="TextBox 3"/>
+              <a:t>MsgServerThread</a:t>
+            </a:r>
+          </a:p>
+        </p:txBody>
+      </p:sp>
+      <p:sp>
+        <p:nvSpPr>
+          <p:cNvPr id="9" name="TextBox 8"/>
           <p:cNvSpPr txBox="1"/>
           <p:nvPr/>
         </p:nvSpPr>
         <p:spPr>
           <a:xfrm>
-            <a:off x="3280883" y="2160999"/>
-            <a:ext cx="1261884" cy="246221"/>
+            <a:off x="5284342" y="3496641"/>
+            <a:ext cx="877163" cy="246221"/>
           </a:xfrm>
           <a:prstGeom prst="rect">
             <a:avLst/>
           </a:prstGeom>
-          <a:solidFill>
-            <a:schemeClr val="tx2">
-              <a:lumMod val="20000"/>
-              <a:lumOff val="80000"/>
-            </a:schemeClr>
-          </a:solidFill>
-          <a:ln cmpd="sng">
-            <a:solidFill>
-              <a:schemeClr val="tx1"/>
-            </a:solidFill>
-          </a:ln>
-        </p:spPr>
+          <a:ln/>
+        </p:spPr>
+        <p:style>
+          <a:lnRef idx="1">
+            <a:schemeClr val="accent3"/>
+          </a:lnRef>
+          <a:fillRef idx="2">
+            <a:schemeClr val="accent3"/>
+          </a:fillRef>
+          <a:effectRef idx="1">
+            <a:schemeClr val="accent3"/>
+          </a:effectRef>
+          <a:fontRef idx="minor">
+            <a:schemeClr val="dk1"/>
+          </a:fontRef>
+        </p:style>
         <p:txBody>
           <a:bodyPr wrap="none" rtlCol="0">
             <a:spAutoFit/>
@@ -4781,338 +4660,11 @@
                 <a:latin typeface="Courier New" pitchFamily="49" charset="0"/>
                 <a:cs typeface="Courier New" pitchFamily="49" charset="0"/>
               </a:rPr>
-              <a:t>Server process</a:t>
-            </a:r>
-          </a:p>
-        </p:txBody>
-      </p:sp>
-      <p:sp>
-        <p:nvSpPr>
-          <p:cNvPr id="5" name="TextBox 4"/>
-          <p:cNvSpPr txBox="1"/>
-          <p:nvPr/>
-        </p:nvSpPr>
-        <p:spPr>
-          <a:xfrm>
-            <a:off x="2662720" y="1460644"/>
-            <a:ext cx="415498" cy="246221"/>
-          </a:xfrm>
-          <a:prstGeom prst="rect">
-            <a:avLst/>
-          </a:prstGeom>
-          <a:solidFill>
-            <a:schemeClr val="tx2">
-              <a:lumMod val="20000"/>
-              <a:lumOff val="80000"/>
-            </a:schemeClr>
-          </a:solidFill>
-          <a:ln cmpd="sng">
-            <a:solidFill>
-              <a:schemeClr val="tx1"/>
-            </a:solidFill>
-          </a:ln>
-        </p:spPr>
-        <p:txBody>
-          <a:bodyPr wrap="none" rtlCol="0">
-            <a:spAutoFit/>
-          </a:bodyPr>
-          <a:lstStyle/>
-          <a:p>
-            <a:r>
-              <a:rPr lang="en-US" sz="1000" smtClean="0">
-                <a:latin typeface="Courier New" pitchFamily="49" charset="0"/>
-                <a:cs typeface="Courier New" pitchFamily="49" charset="0"/>
-              </a:rPr>
-              <a:t>Log</a:t>
-            </a:r>
-          </a:p>
-        </p:txBody>
-      </p:sp>
-      <p:sp>
-        <p:nvSpPr>
-          <p:cNvPr id="6" name="TextBox 5"/>
-          <p:cNvSpPr txBox="1"/>
-          <p:nvPr/>
-        </p:nvSpPr>
-        <p:spPr>
-          <a:xfrm>
-            <a:off x="2666144" y="3066838"/>
-            <a:ext cx="877163" cy="246221"/>
-          </a:xfrm>
-          <a:prstGeom prst="rect">
-            <a:avLst/>
-          </a:prstGeom>
-          <a:solidFill>
-            <a:schemeClr val="tx2">
-              <a:lumMod val="20000"/>
-              <a:lumOff val="80000"/>
-            </a:schemeClr>
-          </a:solidFill>
-          <a:ln cmpd="sng">
-            <a:solidFill>
-              <a:schemeClr val="tx1"/>
-            </a:solidFill>
-          </a:ln>
-        </p:spPr>
-        <p:txBody>
-          <a:bodyPr wrap="none" rtlCol="0">
-            <a:spAutoFit/>
-          </a:bodyPr>
-          <a:lstStyle/>
-          <a:p>
-            <a:r>
-              <a:rPr lang="en-US" sz="1000" smtClean="0">
-                <a:latin typeface="Courier New" pitchFamily="49" charset="0"/>
-                <a:cs typeface="Courier New" pitchFamily="49" charset="0"/>
-              </a:rPr>
               <a:t>MsgSocket</a:t>
             </a:r>
           </a:p>
         </p:txBody>
       </p:sp>
-      <p:sp>
-        <p:nvSpPr>
-          <p:cNvPr id="7" name="TextBox 6"/>
-          <p:cNvSpPr txBox="1"/>
-          <p:nvPr/>
-        </p:nvSpPr>
-        <p:spPr>
-          <a:xfrm>
-            <a:off x="2058261" y="4986393"/>
-            <a:ext cx="2185214" cy="400110"/>
-          </a:xfrm>
-          <a:prstGeom prst="rect">
-            <a:avLst/>
-          </a:prstGeom>
-          <a:solidFill>
-            <a:schemeClr val="tx2">
-              <a:lumMod val="20000"/>
-              <a:lumOff val="80000"/>
-            </a:schemeClr>
-          </a:solidFill>
-          <a:ln cmpd="sng">
-            <a:solidFill>
-              <a:schemeClr val="tx1"/>
-            </a:solidFill>
-          </a:ln>
-        </p:spPr>
-        <p:txBody>
-          <a:bodyPr wrap="none" rtlCol="0">
-            <a:spAutoFit/>
-          </a:bodyPr>
-          <a:lstStyle/>
-          <a:p>
-            <a:r>
-              <a:rPr lang="en-US" sz="1000" smtClean="0">
-                <a:latin typeface="Courier New" pitchFamily="49" charset="0"/>
-                <a:cs typeface="Courier New" pitchFamily="49" charset="0"/>
-              </a:rPr>
-              <a:t>ClientHandlerThread</a:t>
-            </a:r>
-          </a:p>
-          <a:p>
-            <a:r>
-              <a:rPr lang="en-US" sz="1000" smtClean="0">
-                <a:latin typeface="Courier New" pitchFamily="49" charset="0"/>
-                <a:cs typeface="Courier New" pitchFamily="49" charset="0"/>
-              </a:rPr>
-              <a:t>uses clientHandlerFunction</a:t>
-            </a:r>
-          </a:p>
-        </p:txBody>
-      </p:sp>
-      <p:sp>
-        <p:nvSpPr>
-          <p:cNvPr id="8" name="TextBox 7"/>
-          <p:cNvSpPr txBox="1"/>
-          <p:nvPr/>
-        </p:nvSpPr>
-        <p:spPr>
-          <a:xfrm>
-            <a:off x="2159287" y="3946991"/>
-            <a:ext cx="1338828" cy="246221"/>
-          </a:xfrm>
-          <a:prstGeom prst="rect">
-            <a:avLst/>
-          </a:prstGeom>
-          <a:solidFill>
-            <a:schemeClr val="tx2">
-              <a:lumMod val="20000"/>
-              <a:lumOff val="80000"/>
-            </a:schemeClr>
-          </a:solidFill>
-          <a:ln cmpd="sng">
-            <a:solidFill>
-              <a:schemeClr val="tx1"/>
-            </a:solidFill>
-          </a:ln>
-        </p:spPr>
-        <p:txBody>
-          <a:bodyPr wrap="none" rtlCol="0">
-            <a:spAutoFit/>
-          </a:bodyPr>
-          <a:lstStyle/>
-          <a:p>
-            <a:r>
-              <a:rPr lang="en-US" sz="1000" smtClean="0">
-                <a:latin typeface="Courier New" pitchFamily="49" charset="0"/>
-                <a:cs typeface="Courier New" pitchFamily="49" charset="0"/>
-              </a:rPr>
-              <a:t>MsgServerThread</a:t>
-            </a:r>
-          </a:p>
-        </p:txBody>
-      </p:sp>
-      <p:sp>
-        <p:nvSpPr>
-          <p:cNvPr id="9" name="TextBox 8"/>
-          <p:cNvSpPr txBox="1"/>
-          <p:nvPr/>
-        </p:nvSpPr>
-        <p:spPr>
-          <a:xfrm>
-            <a:off x="5202149" y="2993207"/>
-            <a:ext cx="877163" cy="246221"/>
-          </a:xfrm>
-          <a:prstGeom prst="rect">
-            <a:avLst/>
-          </a:prstGeom>
-          <a:solidFill>
-            <a:schemeClr val="tx2">
-              <a:lumMod val="20000"/>
-              <a:lumOff val="80000"/>
-            </a:schemeClr>
-          </a:solidFill>
-          <a:ln cmpd="sng">
-            <a:solidFill>
-              <a:schemeClr val="tx1"/>
-            </a:solidFill>
-          </a:ln>
-        </p:spPr>
-        <p:txBody>
-          <a:bodyPr wrap="none" rtlCol="0">
-            <a:spAutoFit/>
-          </a:bodyPr>
-          <a:lstStyle/>
-          <a:p>
-            <a:r>
-              <a:rPr lang="en-US" sz="1000" smtClean="0">
-                <a:latin typeface="Courier New" pitchFamily="49" charset="0"/>
-                <a:cs typeface="Courier New" pitchFamily="49" charset="0"/>
-              </a:rPr>
-              <a:t>MsgSocket</a:t>
-            </a:r>
-          </a:p>
-        </p:txBody>
-      </p:sp>
-      <p:cxnSp>
-        <p:nvCxnSpPr>
-          <p:cNvPr id="10" name="Straight Arrow Connector 9"/>
-          <p:cNvCxnSpPr>
-            <a:stCxn id="2" idx="1"/>
-            <a:endCxn id="5" idx="3"/>
-          </p:cNvCxnSpPr>
-          <p:nvPr/>
-        </p:nvCxnSpPr>
-        <p:spPr>
-          <a:xfrm flipH="1">
-            <a:off x="3078218" y="1361148"/>
-            <a:ext cx="697537" cy="222607"/>
-          </a:xfrm>
-          <a:prstGeom prst="straightConnector1">
-            <a:avLst/>
-          </a:prstGeom>
-          <a:ln>
-            <a:tailEnd type="arrow"/>
-          </a:ln>
-        </p:spPr>
-        <p:style>
-          <a:lnRef idx="1">
-            <a:schemeClr val="accent1"/>
-          </a:lnRef>
-          <a:fillRef idx="0">
-            <a:schemeClr val="accent1"/>
-          </a:fillRef>
-          <a:effectRef idx="0">
-            <a:schemeClr val="accent1"/>
-          </a:effectRef>
-          <a:fontRef idx="minor">
-            <a:schemeClr val="tx1"/>
-          </a:fontRef>
-        </p:style>
-      </p:cxnSp>
-      <p:cxnSp>
-        <p:nvCxnSpPr>
-          <p:cNvPr id="11" name="Straight Arrow Connector 10"/>
-          <p:cNvCxnSpPr>
-            <a:stCxn id="2" idx="2"/>
-            <a:endCxn id="4" idx="0"/>
-          </p:cNvCxnSpPr>
-          <p:nvPr/>
-        </p:nvCxnSpPr>
-        <p:spPr>
-          <a:xfrm flipH="1">
-            <a:off x="3911825" y="1484258"/>
-            <a:ext cx="110152" cy="676741"/>
-          </a:xfrm>
-          <a:prstGeom prst="straightConnector1">
-            <a:avLst/>
-          </a:prstGeom>
-          <a:ln>
-            <a:tailEnd type="arrow"/>
-          </a:ln>
-        </p:spPr>
-        <p:style>
-          <a:lnRef idx="1">
-            <a:schemeClr val="accent1"/>
-          </a:lnRef>
-          <a:fillRef idx="0">
-            <a:schemeClr val="accent1"/>
-          </a:fillRef>
-          <a:effectRef idx="0">
-            <a:schemeClr val="accent1"/>
-          </a:effectRef>
-          <a:fontRef idx="minor">
-            <a:schemeClr val="tx1"/>
-          </a:fontRef>
-        </p:style>
-      </p:cxnSp>
-      <p:cxnSp>
-        <p:nvCxnSpPr>
-          <p:cNvPr id="12" name="Straight Arrow Connector 11"/>
-          <p:cNvCxnSpPr>
-            <a:stCxn id="2" idx="2"/>
-            <a:endCxn id="3" idx="0"/>
-          </p:cNvCxnSpPr>
-          <p:nvPr/>
-        </p:nvCxnSpPr>
-        <p:spPr>
-          <a:xfrm>
-            <a:off x="4021977" y="1484258"/>
-            <a:ext cx="1966940" cy="688727"/>
-          </a:xfrm>
-          <a:prstGeom prst="straightConnector1">
-            <a:avLst/>
-          </a:prstGeom>
-          <a:ln>
-            <a:tailEnd type="arrow"/>
-          </a:ln>
-        </p:spPr>
-        <p:style>
-          <a:lnRef idx="1">
-            <a:schemeClr val="accent1"/>
-          </a:lnRef>
-          <a:fillRef idx="0">
-            <a:schemeClr val="accent1"/>
-          </a:fillRef>
-          <a:effectRef idx="0">
-            <a:schemeClr val="accent1"/>
-          </a:effectRef>
-          <a:fontRef idx="minor">
-            <a:schemeClr val="tx1"/>
-          </a:fontRef>
-        </p:style>
-      </p:cxnSp>
       <p:sp>
         <p:nvSpPr>
           <p:cNvPr id="13" name="TextBox 12"/>
@@ -5121,7 +4673,7 @@
         </p:nvSpPr>
         <p:spPr>
           <a:xfrm>
-            <a:off x="4107952" y="3450406"/>
+            <a:off x="4179871" y="3676438"/>
             <a:ext cx="954107" cy="246221"/>
           </a:xfrm>
           <a:prstGeom prst="rect">
@@ -5157,8 +4709,8 @@
         </p:nvSpPr>
         <p:spPr>
           <a:xfrm>
-            <a:off x="5637089" y="2472647"/>
-            <a:ext cx="723275" cy="400110"/>
+            <a:off x="6058329" y="2565114"/>
+            <a:ext cx="723275" cy="861774"/>
           </a:xfrm>
           <a:prstGeom prst="rect">
             <a:avLst/>
@@ -5185,7 +4737,48 @@
                 <a:latin typeface="Courier New" pitchFamily="49" charset="0"/>
                 <a:cs typeface="Courier New" pitchFamily="49" charset="0"/>
               </a:rPr>
-              <a:t>connect</a:t>
+              <a:t>co</a:t>
+            </a:r>
+            <a:r>
+              <a:rPr lang="en-US" sz="1000" smtClean="0">
+                <a:latin typeface="Courier New" pitchFamily="49" charset="0"/>
+                <a:cs typeface="Courier New" pitchFamily="49" charset="0"/>
+              </a:rPr>
+              <a:t>nnect</a:t>
+            </a:r>
+          </a:p>
+          <a:p>
+            <a:r>
+              <a:rPr lang="en-US" sz="1000" smtClean="0">
+                <a:latin typeface="Courier New" pitchFamily="49" charset="0"/>
+                <a:cs typeface="Courier New" pitchFamily="49" charset="0"/>
+              </a:rPr>
+              <a:t>s</a:t>
+            </a:r>
+            <a:r>
+              <a:rPr lang="en-US" sz="1000" smtClean="0">
+                <a:latin typeface="Courier New" pitchFamily="49" charset="0"/>
+                <a:cs typeface="Courier New" pitchFamily="49" charset="0"/>
+              </a:rPr>
+              <a:t>end</a:t>
+            </a:r>
+          </a:p>
+          <a:p>
+            <a:r>
+              <a:rPr lang="en-US" sz="1000" smtClean="0">
+                <a:latin typeface="Courier New" pitchFamily="49" charset="0"/>
+                <a:cs typeface="Courier New" pitchFamily="49" charset="0"/>
+              </a:rPr>
+              <a:t>receive</a:t>
+            </a:r>
+          </a:p>
+          <a:p>
+            <a:r>
+              <a:rPr lang="en-US" sz="1000" smtClean="0">
+                <a:latin typeface="Courier New" pitchFamily="49" charset="0"/>
+                <a:cs typeface="Courier New" pitchFamily="49" charset="0"/>
+              </a:rPr>
+              <a:t>close</a:t>
             </a:r>
             <a:endParaRPr lang="en-US" sz="1000">
               <a:latin typeface="Courier New" pitchFamily="49" charset="0"/>
@@ -5202,8 +4795,8 @@
         </p:nvSpPr>
         <p:spPr>
           <a:xfrm>
-            <a:off x="3025741" y="3436705"/>
-            <a:ext cx="646331" cy="246221"/>
+            <a:off x="446927" y="2840804"/>
+            <a:ext cx="2339102" cy="246221"/>
           </a:xfrm>
           <a:prstGeom prst="rect">
             <a:avLst/>
@@ -5221,7 +4814,7 @@
                 <a:latin typeface="Courier New" pitchFamily="49" charset="0"/>
                 <a:cs typeface="Courier New" pitchFamily="49" charset="0"/>
               </a:rPr>
-              <a:t>create</a:t>
+              <a:t>start(clientHandlerFunction)</a:t>
             </a:r>
             <a:endParaRPr lang="en-US" sz="1000">
               <a:latin typeface="Courier New" pitchFamily="49" charset="0"/>
@@ -5230,172 +4823,19 @@
           </a:p>
         </p:txBody>
       </p:sp>
-      <p:sp>
-        <p:nvSpPr>
-          <p:cNvPr id="16" name="TextBox 15"/>
-          <p:cNvSpPr txBox="1"/>
-          <p:nvPr/>
-        </p:nvSpPr>
-        <p:spPr>
-          <a:xfrm>
-            <a:off x="2458949" y="2510319"/>
-            <a:ext cx="1800493" cy="400110"/>
-          </a:xfrm>
-          <a:prstGeom prst="rect">
-            <a:avLst/>
-          </a:prstGeom>
-          <a:noFill/>
-        </p:spPr>
-        <p:txBody>
-          <a:bodyPr wrap="none" rtlCol="0">
-            <a:spAutoFit/>
-          </a:bodyPr>
-          <a:lstStyle/>
-          <a:p>
-            <a:r>
-              <a:rPr lang="en-US" sz="1000" smtClean="0">
-                <a:latin typeface="Courier New" pitchFamily="49" charset="0"/>
-                <a:cs typeface="Courier New" pitchFamily="49" charset="0"/>
-              </a:rPr>
-              <a:t>create</a:t>
-            </a:r>
-          </a:p>
-          <a:p>
-            <a:r>
-              <a:rPr lang="en-US" sz="1000" smtClean="0">
-                <a:latin typeface="Courier New" pitchFamily="49" charset="0"/>
-                <a:cs typeface="Courier New" pitchFamily="49" charset="0"/>
-              </a:rPr>
-              <a:t>createMsgServerThread</a:t>
-            </a:r>
-            <a:endParaRPr lang="en-US" sz="1000">
-              <a:latin typeface="Courier New" pitchFamily="49" charset="0"/>
-              <a:cs typeface="Courier New" pitchFamily="49" charset="0"/>
-            </a:endParaRPr>
-          </a:p>
-        </p:txBody>
-      </p:sp>
-      <p:sp>
-        <p:nvSpPr>
-          <p:cNvPr id="17" name="TextBox 16"/>
-          <p:cNvSpPr txBox="1"/>
-          <p:nvPr/>
-        </p:nvSpPr>
-        <p:spPr>
-          <a:xfrm>
-            <a:off x="4810019" y="1666126"/>
-            <a:ext cx="569387" cy="246221"/>
-          </a:xfrm>
-          <a:prstGeom prst="rect">
-            <a:avLst/>
-          </a:prstGeom>
-          <a:noFill/>
-        </p:spPr>
-        <p:txBody>
-          <a:bodyPr wrap="none" rtlCol="0">
-            <a:spAutoFit/>
-          </a:bodyPr>
-          <a:lstStyle/>
-          <a:p>
-            <a:r>
-              <a:rPr lang="en-US" sz="1000" smtClean="0">
-                <a:latin typeface="Courier New" pitchFamily="49" charset="0"/>
-                <a:cs typeface="Courier New" pitchFamily="49" charset="0"/>
-              </a:rPr>
-              <a:t>start</a:t>
-            </a:r>
-            <a:endParaRPr lang="en-US" sz="1000">
-              <a:latin typeface="Courier New" pitchFamily="49" charset="0"/>
-              <a:cs typeface="Courier New" pitchFamily="49" charset="0"/>
-            </a:endParaRPr>
-          </a:p>
-        </p:txBody>
-      </p:sp>
-      <p:sp>
-        <p:nvSpPr>
-          <p:cNvPr id="18" name="TextBox 17"/>
-          <p:cNvSpPr txBox="1"/>
-          <p:nvPr/>
-        </p:nvSpPr>
-        <p:spPr>
-          <a:xfrm>
-            <a:off x="3996649" y="1684962"/>
-            <a:ext cx="569387" cy="246221"/>
-          </a:xfrm>
-          <a:prstGeom prst="rect">
-            <a:avLst/>
-          </a:prstGeom>
-          <a:noFill/>
-        </p:spPr>
-        <p:txBody>
-          <a:bodyPr wrap="none" rtlCol="0">
-            <a:spAutoFit/>
-          </a:bodyPr>
-          <a:lstStyle/>
-          <a:p>
-            <a:r>
-              <a:rPr lang="en-US" sz="1000" smtClean="0">
-                <a:latin typeface="Courier New" pitchFamily="49" charset="0"/>
-                <a:cs typeface="Courier New" pitchFamily="49" charset="0"/>
-              </a:rPr>
-              <a:t>start</a:t>
-            </a:r>
-            <a:endParaRPr lang="en-US" sz="1000">
-              <a:latin typeface="Courier New" pitchFamily="49" charset="0"/>
-              <a:cs typeface="Courier New" pitchFamily="49" charset="0"/>
-            </a:endParaRPr>
-          </a:p>
-        </p:txBody>
-      </p:sp>
-      <p:cxnSp>
-        <p:nvCxnSpPr>
-          <p:cNvPr id="19" name="Straight Arrow Connector 18"/>
-          <p:cNvCxnSpPr>
-            <a:stCxn id="4" idx="2"/>
-            <a:endCxn id="6" idx="0"/>
-          </p:cNvCxnSpPr>
-          <p:nvPr/>
-        </p:nvCxnSpPr>
-        <p:spPr>
-          <a:xfrm flipH="1">
-            <a:off x="3104726" y="2407220"/>
-            <a:ext cx="807099" cy="659618"/>
-          </a:xfrm>
-          <a:prstGeom prst="straightConnector1">
-            <a:avLst/>
-          </a:prstGeom>
-          <a:ln>
-            <a:tailEnd type="arrow"/>
-          </a:ln>
-        </p:spPr>
-        <p:style>
-          <a:lnRef idx="1">
-            <a:schemeClr val="accent1"/>
-          </a:lnRef>
-          <a:fillRef idx="0">
-            <a:schemeClr val="accent1"/>
-          </a:fillRef>
-          <a:effectRef idx="0">
-            <a:schemeClr val="accent1"/>
-          </a:effectRef>
-          <a:fontRef idx="minor">
-            <a:schemeClr val="tx1"/>
-          </a:fontRef>
-        </p:style>
-      </p:cxnSp>
       <p:cxnSp>
         <p:nvCxnSpPr>
           <p:cNvPr id="20" name="Straight Arrow Connector 19"/>
           <p:cNvCxnSpPr>
-            <a:stCxn id="6" idx="2"/>
+            <a:stCxn id="69" idx="2"/>
             <a:endCxn id="8" idx="0"/>
           </p:cNvCxnSpPr>
           <p:nvPr/>
         </p:nvCxnSpPr>
         <p:spPr>
-          <a:xfrm flipH="1">
-            <a:off x="2828701" y="3313059"/>
-            <a:ext cx="276025" cy="633932"/>
+          <a:xfrm>
+            <a:off x="1769215" y="2165778"/>
+            <a:ext cx="93715" cy="1740116"/>
           </a:xfrm>
           <a:prstGeom prst="straightConnector1">
             <a:avLst/>
@@ -5430,8 +4870,8 @@
         </p:nvCxnSpPr>
         <p:spPr>
           <a:xfrm>
-            <a:off x="2828701" y="4193212"/>
-            <a:ext cx="322167" cy="793181"/>
+            <a:off x="1862930" y="4152115"/>
+            <a:ext cx="42589" cy="741811"/>
           </a:xfrm>
           <a:prstGeom prst="straightConnector1">
             <a:avLst/>
@@ -5459,15 +4899,15 @@
         <p:nvCxnSpPr>
           <p:cNvPr id="22" name="Straight Arrow Connector 21"/>
           <p:cNvCxnSpPr>
-            <a:stCxn id="3" idx="2"/>
+            <a:stCxn id="70" idx="2"/>
             <a:endCxn id="9" idx="0"/>
           </p:cNvCxnSpPr>
           <p:nvPr/>
         </p:nvCxnSpPr>
         <p:spPr>
           <a:xfrm flipH="1">
-            <a:off x="5640731" y="2419206"/>
-            <a:ext cx="348186" cy="574001"/>
+            <a:off x="5722924" y="2410646"/>
+            <a:ext cx="102871" cy="1085995"/>
           </a:xfrm>
           <a:prstGeom prst="straightConnector1">
             <a:avLst/>
@@ -5496,14 +4936,14 @@
           <p:cNvPr id="23" name="Straight Arrow Connector 22"/>
           <p:cNvCxnSpPr>
             <a:stCxn id="9" idx="1"/>
-            <a:endCxn id="8" idx="3"/>
+            <a:endCxn id="44" idx="3"/>
           </p:cNvCxnSpPr>
           <p:nvPr/>
         </p:nvCxnSpPr>
         <p:spPr>
           <a:xfrm flipH="1">
-            <a:off x="3498115" y="3116318"/>
-            <a:ext cx="1704034" cy="953784"/>
+            <a:off x="4190917" y="3619752"/>
+            <a:ext cx="1093425" cy="551380"/>
           </a:xfrm>
           <a:prstGeom prst="straightConnector1">
             <a:avLst/>
@@ -5536,8 +4976,8 @@
         </p:nvSpPr>
         <p:spPr>
           <a:xfrm>
-            <a:off x="2835669" y="4428162"/>
-            <a:ext cx="569387" cy="246221"/>
+            <a:off x="698644" y="4438436"/>
+            <a:ext cx="2339102" cy="246221"/>
           </a:xfrm>
           <a:prstGeom prst="rect">
             <a:avLst/>
@@ -5555,7 +4995,7 @@
                 <a:latin typeface="Courier New" pitchFamily="49" charset="0"/>
                 <a:cs typeface="Courier New" pitchFamily="49" charset="0"/>
               </a:rPr>
-              <a:t>start</a:t>
+              <a:t>start(clientHandlerFunction)</a:t>
             </a:r>
             <a:endParaRPr lang="en-US" sz="1000">
               <a:latin typeface="Courier New" pitchFamily="49" charset="0"/>
@@ -5569,14 +5009,14 @@
           <p:cNvPr id="25" name="Straight Arrow Connector 24"/>
           <p:cNvCxnSpPr>
             <a:stCxn id="9" idx="2"/>
-            <a:endCxn id="7" idx="3"/>
+            <a:endCxn id="37" idx="3"/>
           </p:cNvCxnSpPr>
           <p:nvPr/>
         </p:nvCxnSpPr>
         <p:spPr>
           <a:xfrm flipH="1">
-            <a:off x="4243475" y="3239428"/>
-            <a:ext cx="1397256" cy="1947020"/>
+            <a:off x="3994505" y="3742862"/>
+            <a:ext cx="1728419" cy="2433443"/>
           </a:xfrm>
           <a:prstGeom prst="straightConnector1">
             <a:avLst/>
@@ -5610,7 +5050,7 @@
         </p:nvSpPr>
         <p:spPr>
           <a:xfrm>
-            <a:off x="5083997" y="4015483"/>
+            <a:off x="4765498" y="4570288"/>
             <a:ext cx="723275" cy="400110"/>
           </a:xfrm>
           <a:prstGeom prst="rect">
@@ -5656,7 +5096,7 @@
         <p:spPr>
           <a:xfrm>
             <a:off x="2876765" y="277402"/>
-            <a:ext cx="1981440" cy="646331"/>
+            <a:ext cx="1586973" cy="646331"/>
           </a:xfrm>
           <a:prstGeom prst="rect">
             <a:avLst/>
@@ -5671,14 +5111,15 @@
           <a:p>
             <a:r>
               <a:rPr lang="en-US" smtClean="0"/>
-              <a:t>MsgHandlerTest.py</a:t>
-            </a:r>
+              <a:t>MsgHandler.py</a:t>
+            </a:r>
+            <a:endParaRPr lang="en-US" smtClean="0"/>
           </a:p>
           <a:p>
             <a:pPr algn="ctr"/>
             <a:r>
               <a:rPr lang="en-US" smtClean="0"/>
-              <a:t>Test 1</a:t>
+              <a:t>Usage</a:t>
             </a:r>
             <a:endParaRPr lang="en-US"/>
           </a:p>
@@ -5686,14 +5127,244 @@
       </p:sp>
       <p:sp>
         <p:nvSpPr>
-          <p:cNvPr id="28" name="TextBox 27"/>
+          <p:cNvPr id="33" name="TextBox 32"/>
           <p:cNvSpPr txBox="1"/>
           <p:nvPr/>
         </p:nvSpPr>
         <p:spPr>
           <a:xfrm>
-            <a:off x="4530905" y="2589090"/>
-            <a:ext cx="415498" cy="246221"/>
+            <a:off x="2681557" y="3657601"/>
+            <a:ext cx="646331" cy="553998"/>
+          </a:xfrm>
+          <a:prstGeom prst="rect">
+            <a:avLst/>
+          </a:prstGeom>
+          <a:noFill/>
+        </p:spPr>
+        <p:txBody>
+          <a:bodyPr wrap="none" rtlCol="0">
+            <a:spAutoFit/>
+          </a:bodyPr>
+          <a:lstStyle/>
+          <a:p>
+            <a:r>
+              <a:rPr lang="en-US" sz="1000" smtClean="0">
+                <a:latin typeface="Courier New" pitchFamily="49" charset="0"/>
+                <a:cs typeface="Courier New" pitchFamily="49" charset="0"/>
+              </a:rPr>
+              <a:t>bind</a:t>
+            </a:r>
+          </a:p>
+          <a:p>
+            <a:r>
+              <a:rPr lang="en-US" sz="1000" smtClean="0">
+                <a:latin typeface="Courier New" pitchFamily="49" charset="0"/>
+                <a:cs typeface="Courier New" pitchFamily="49" charset="0"/>
+              </a:rPr>
+              <a:t>listen</a:t>
+            </a:r>
+            <a:endParaRPr lang="en-US" sz="1000" smtClean="0">
+              <a:latin typeface="Courier New" pitchFamily="49" charset="0"/>
+              <a:cs typeface="Courier New" pitchFamily="49" charset="0"/>
+            </a:endParaRPr>
+          </a:p>
+          <a:p>
+            <a:r>
+              <a:rPr lang="en-US" sz="1000" smtClean="0">
+                <a:latin typeface="Courier New" pitchFamily="49" charset="0"/>
+                <a:cs typeface="Courier New" pitchFamily="49" charset="0"/>
+              </a:rPr>
+              <a:t>accept</a:t>
+            </a:r>
+            <a:endParaRPr lang="en-US" sz="1000">
+              <a:latin typeface="Courier New" pitchFamily="49" charset="0"/>
+              <a:cs typeface="Courier New" pitchFamily="49" charset="0"/>
+            </a:endParaRPr>
+          </a:p>
+        </p:txBody>
+      </p:sp>
+      <p:sp>
+        <p:nvSpPr>
+          <p:cNvPr id="37" name="TextBox 36"/>
+          <p:cNvSpPr txBox="1"/>
+          <p:nvPr/>
+        </p:nvSpPr>
+        <p:spPr>
+          <a:xfrm>
+            <a:off x="1347627" y="6053194"/>
+            <a:ext cx="2646878" cy="246221"/>
+          </a:xfrm>
+          <a:prstGeom prst="rect">
+            <a:avLst/>
+          </a:prstGeom>
+          <a:ln/>
+        </p:spPr>
+        <p:style>
+          <a:lnRef idx="1">
+            <a:schemeClr val="accent2"/>
+          </a:lnRef>
+          <a:fillRef idx="2">
+            <a:schemeClr val="accent2"/>
+          </a:fillRef>
+          <a:effectRef idx="1">
+            <a:schemeClr val="accent2"/>
+          </a:effectRef>
+          <a:fontRef idx="minor">
+            <a:schemeClr val="dk1"/>
+          </a:fontRef>
+        </p:style>
+        <p:txBody>
+          <a:bodyPr wrap="none" rtlCol="0">
+            <a:spAutoFit/>
+          </a:bodyPr>
+          <a:lstStyle/>
+          <a:p>
+            <a:r>
+              <a:rPr lang="en-US" sz="1000" smtClean="0">
+                <a:latin typeface="Courier New" pitchFamily="49" charset="0"/>
+                <a:cs typeface="Courier New" pitchFamily="49" charset="0"/>
+              </a:rPr>
+              <a:t>clientHandlerFunction(MsgSocket)</a:t>
+            </a:r>
+            <a:endParaRPr lang="en-US" sz="1000" smtClean="0">
+              <a:latin typeface="Courier New" pitchFamily="49" charset="0"/>
+              <a:cs typeface="Courier New" pitchFamily="49" charset="0"/>
+            </a:endParaRPr>
+          </a:p>
+        </p:txBody>
+      </p:sp>
+      <p:cxnSp>
+        <p:nvCxnSpPr>
+          <p:cNvPr id="39" name="Straight Arrow Connector 38"/>
+          <p:cNvCxnSpPr>
+            <a:stCxn id="7" idx="2"/>
+            <a:endCxn id="37" idx="0"/>
+          </p:cNvCxnSpPr>
+          <p:nvPr/>
+        </p:nvCxnSpPr>
+        <p:spPr>
+          <a:xfrm>
+            <a:off x="1905519" y="5140147"/>
+            <a:ext cx="765547" cy="913047"/>
+          </a:xfrm>
+          <a:prstGeom prst="straightConnector1">
+            <a:avLst/>
+          </a:prstGeom>
+          <a:ln>
+            <a:tailEnd type="arrow"/>
+          </a:ln>
+        </p:spPr>
+        <p:style>
+          <a:lnRef idx="1">
+            <a:schemeClr val="accent1"/>
+          </a:lnRef>
+          <a:fillRef idx="0">
+            <a:schemeClr val="accent1"/>
+          </a:fillRef>
+          <a:effectRef idx="0">
+            <a:schemeClr val="accent1"/>
+          </a:effectRef>
+          <a:fontRef idx="minor">
+            <a:schemeClr val="tx1"/>
+          </a:fontRef>
+        </p:style>
+      </p:cxnSp>
+      <p:sp>
+        <p:nvSpPr>
+          <p:cNvPr id="44" name="TextBox 43"/>
+          <p:cNvSpPr txBox="1"/>
+          <p:nvPr/>
+        </p:nvSpPr>
+        <p:spPr>
+          <a:xfrm>
+            <a:off x="3544586" y="4048021"/>
+            <a:ext cx="646331" cy="246221"/>
+          </a:xfrm>
+          <a:prstGeom prst="rect">
+            <a:avLst/>
+          </a:prstGeom>
+          <a:ln/>
+        </p:spPr>
+        <p:style>
+          <a:lnRef idx="1">
+            <a:schemeClr val="accent3"/>
+          </a:lnRef>
+          <a:fillRef idx="2">
+            <a:schemeClr val="accent3"/>
+          </a:fillRef>
+          <a:effectRef idx="1">
+            <a:schemeClr val="accent3"/>
+          </a:effectRef>
+          <a:fontRef idx="minor">
+            <a:schemeClr val="dk1"/>
+          </a:fontRef>
+        </p:style>
+        <p:txBody>
+          <a:bodyPr wrap="none" rtlCol="0">
+            <a:spAutoFit/>
+          </a:bodyPr>
+          <a:lstStyle/>
+          <a:p>
+            <a:r>
+              <a:rPr lang="en-US" sz="1000" smtClean="0">
+                <a:latin typeface="Courier New" pitchFamily="49" charset="0"/>
+                <a:cs typeface="Courier New" pitchFamily="49" charset="0"/>
+              </a:rPr>
+              <a:t>socket</a:t>
+            </a:r>
+            <a:endParaRPr lang="en-US" sz="1000" smtClean="0">
+              <a:latin typeface="Courier New" pitchFamily="49" charset="0"/>
+              <a:cs typeface="Courier New" pitchFamily="49" charset="0"/>
+            </a:endParaRPr>
+          </a:p>
+        </p:txBody>
+      </p:sp>
+      <p:cxnSp>
+        <p:nvCxnSpPr>
+          <p:cNvPr id="46" name="Straight Arrow Connector 45"/>
+          <p:cNvCxnSpPr>
+            <a:stCxn id="8" idx="3"/>
+            <a:endCxn id="44" idx="1"/>
+          </p:cNvCxnSpPr>
+          <p:nvPr/>
+        </p:nvCxnSpPr>
+        <p:spPr>
+          <a:xfrm>
+            <a:off x="2532344" y="4029005"/>
+            <a:ext cx="1012242" cy="142127"/>
+          </a:xfrm>
+          <a:prstGeom prst="straightConnector1">
+            <a:avLst/>
+          </a:prstGeom>
+          <a:ln>
+            <a:tailEnd type="arrow"/>
+          </a:ln>
+        </p:spPr>
+        <p:style>
+          <a:lnRef idx="1">
+            <a:schemeClr val="accent1"/>
+          </a:lnRef>
+          <a:fillRef idx="0">
+            <a:schemeClr val="accent1"/>
+          </a:fillRef>
+          <a:effectRef idx="0">
+            <a:schemeClr val="accent1"/>
+          </a:effectRef>
+          <a:fontRef idx="minor">
+            <a:schemeClr val="tx1"/>
+          </a:fontRef>
+        </p:style>
+      </p:cxnSp>
+      <p:sp>
+        <p:nvSpPr>
+          <p:cNvPr id="69" name="TextBox 68"/>
+          <p:cNvSpPr txBox="1"/>
+          <p:nvPr/>
+        </p:nvSpPr>
+        <p:spPr>
+          <a:xfrm>
+            <a:off x="830496" y="1919557"/>
+            <a:ext cx="1877437" cy="246221"/>
           </a:xfrm>
           <a:prstGeom prst="rect">
             <a:avLst/>
@@ -5721,21 +5392,25 @@
                 <a:latin typeface="Courier New" pitchFamily="49" charset="0"/>
                 <a:cs typeface="Courier New" pitchFamily="49" charset="0"/>
               </a:rPr>
-              <a:t>Log</a:t>
-            </a:r>
-          </a:p>
-        </p:txBody>
-      </p:sp>
-      <p:sp>
-        <p:nvSpPr>
-          <p:cNvPr id="29" name="TextBox 28"/>
+              <a:t>some process or thread</a:t>
+            </a:r>
+            <a:endParaRPr lang="en-US" sz="1000" smtClean="0">
+              <a:latin typeface="Courier New" pitchFamily="49" charset="0"/>
+              <a:cs typeface="Courier New" pitchFamily="49" charset="0"/>
+            </a:endParaRPr>
+          </a:p>
+        </p:txBody>
+      </p:sp>
+      <p:sp>
+        <p:nvSpPr>
+          <p:cNvPr id="70" name="TextBox 69"/>
           <p:cNvSpPr txBox="1"/>
           <p:nvPr/>
         </p:nvSpPr>
         <p:spPr>
           <a:xfrm>
-            <a:off x="6840878" y="2556554"/>
-            <a:ext cx="415498" cy="246221"/>
+            <a:off x="4887076" y="2164425"/>
+            <a:ext cx="1877437" cy="246221"/>
           </a:xfrm>
           <a:prstGeom prst="rect">
             <a:avLst/>
@@ -5763,24 +5438,353 @@
                 <a:latin typeface="Courier New" pitchFamily="49" charset="0"/>
                 <a:cs typeface="Courier New" pitchFamily="49" charset="0"/>
               </a:rPr>
-              <a:t>Log</a:t>
+              <a:t>some process or thread</a:t>
+            </a:r>
+            <a:endParaRPr lang="en-US" sz="1000" smtClean="0">
+              <a:latin typeface="Courier New" pitchFamily="49" charset="0"/>
+              <a:cs typeface="Courier New" pitchFamily="49" charset="0"/>
+            </a:endParaRPr>
+          </a:p>
+        </p:txBody>
+      </p:sp>
+      <p:sp>
+        <p:nvSpPr>
+          <p:cNvPr id="82" name="TextBox 81"/>
+          <p:cNvSpPr txBox="1"/>
+          <p:nvPr/>
+        </p:nvSpPr>
+        <p:spPr>
+          <a:xfrm>
+            <a:off x="1784279" y="5544623"/>
+            <a:ext cx="492443" cy="246221"/>
+          </a:xfrm>
+          <a:prstGeom prst="rect">
+            <a:avLst/>
+          </a:prstGeom>
+          <a:noFill/>
+        </p:spPr>
+        <p:txBody>
+          <a:bodyPr wrap="none" rtlCol="0">
+            <a:spAutoFit/>
+          </a:bodyPr>
+          <a:lstStyle/>
+          <a:p>
+            <a:r>
+              <a:rPr lang="en-US" sz="1000" smtClean="0">
+                <a:latin typeface="Courier New" pitchFamily="49" charset="0"/>
+                <a:cs typeface="Courier New" pitchFamily="49" charset="0"/>
+              </a:rPr>
+              <a:t>call</a:t>
+            </a:r>
+            <a:endParaRPr lang="en-US" sz="1000">
+              <a:latin typeface="Courier New" pitchFamily="49" charset="0"/>
+              <a:cs typeface="Courier New" pitchFamily="49" charset="0"/>
+            </a:endParaRPr>
+          </a:p>
+        </p:txBody>
+      </p:sp>
+    </p:spTree>
+  </p:cSld>
+  <p:clrMapOvr>
+    <a:masterClrMapping/>
+  </p:clrMapOvr>
+</p:sld>
+</file>
+
+<file path=ppt/slides/slide6.xml><?xml version="1.0" encoding="utf-8"?>
+<p:sld xmlns:a="http://schemas.openxmlformats.org/drawingml/2006/main" xmlns:r="http://schemas.openxmlformats.org/officeDocument/2006/relationships" xmlns:p="http://schemas.openxmlformats.org/presentationml/2006/main">
+  <p:cSld>
+    <p:spTree>
+      <p:nvGrpSpPr>
+        <p:cNvPr id="1" name=""/>
+        <p:cNvGrpSpPr/>
+        <p:nvPr/>
+      </p:nvGrpSpPr>
+      <p:grpSpPr>
+        <a:xfrm>
+          <a:off x="0" y="0"/>
+          <a:ext cx="0" cy="0"/>
+          <a:chOff x="0" y="0"/>
+          <a:chExt cx="0" cy="0"/>
+        </a:xfrm>
+      </p:grpSpPr>
+      <p:sp>
+        <p:nvSpPr>
+          <p:cNvPr id="66" name="TextBox 65"/>
+          <p:cNvSpPr txBox="1"/>
+          <p:nvPr/>
+        </p:nvSpPr>
+        <p:spPr>
+          <a:xfrm>
+            <a:off x="3775755" y="1238037"/>
+            <a:ext cx="492443" cy="246221"/>
+          </a:xfrm>
+          <a:prstGeom prst="rect">
+            <a:avLst/>
+          </a:prstGeom>
+          <a:solidFill>
+            <a:schemeClr val="tx2">
+              <a:lumMod val="20000"/>
+              <a:lumOff val="80000"/>
+            </a:schemeClr>
+          </a:solidFill>
+          <a:ln cmpd="sng">
+            <a:solidFill>
+              <a:schemeClr val="tx1"/>
+            </a:solidFill>
+          </a:ln>
+        </p:spPr>
+        <p:txBody>
+          <a:bodyPr wrap="none" rtlCol="0">
+            <a:spAutoFit/>
+          </a:bodyPr>
+          <a:lstStyle/>
+          <a:p>
+            <a:r>
+              <a:rPr lang="en-US" sz="1000" smtClean="0">
+                <a:latin typeface="Courier New" pitchFamily="49" charset="0"/>
+                <a:cs typeface="Courier New" pitchFamily="49" charset="0"/>
+              </a:rPr>
+              <a:t>main</a:t>
+            </a:r>
+          </a:p>
+        </p:txBody>
+      </p:sp>
+      <p:sp>
+        <p:nvSpPr>
+          <p:cNvPr id="67" name="TextBox 66"/>
+          <p:cNvSpPr txBox="1"/>
+          <p:nvPr/>
+        </p:nvSpPr>
+        <p:spPr>
+          <a:xfrm>
+            <a:off x="5357975" y="2172985"/>
+            <a:ext cx="1261884" cy="246221"/>
+          </a:xfrm>
+          <a:prstGeom prst="rect">
+            <a:avLst/>
+          </a:prstGeom>
+          <a:solidFill>
+            <a:schemeClr val="tx2">
+              <a:lumMod val="20000"/>
+              <a:lumOff val="80000"/>
+            </a:schemeClr>
+          </a:solidFill>
+          <a:ln cmpd="sng">
+            <a:solidFill>
+              <a:schemeClr val="tx1"/>
+            </a:solidFill>
+          </a:ln>
+        </p:spPr>
+        <p:txBody>
+          <a:bodyPr wrap="none" rtlCol="0">
+            <a:spAutoFit/>
+          </a:bodyPr>
+          <a:lstStyle/>
+          <a:p>
+            <a:r>
+              <a:rPr lang="en-US" sz="1000" smtClean="0">
+                <a:latin typeface="Courier New" pitchFamily="49" charset="0"/>
+                <a:cs typeface="Courier New" pitchFamily="49" charset="0"/>
+              </a:rPr>
+              <a:t>Client process</a:t>
+            </a:r>
+          </a:p>
+        </p:txBody>
+      </p:sp>
+      <p:sp>
+        <p:nvSpPr>
+          <p:cNvPr id="68" name="TextBox 67"/>
+          <p:cNvSpPr txBox="1"/>
+          <p:nvPr/>
+        </p:nvSpPr>
+        <p:spPr>
+          <a:xfrm>
+            <a:off x="3280883" y="2160999"/>
+            <a:ext cx="1261884" cy="246221"/>
+          </a:xfrm>
+          <a:prstGeom prst="rect">
+            <a:avLst/>
+          </a:prstGeom>
+          <a:solidFill>
+            <a:schemeClr val="tx2">
+              <a:lumMod val="20000"/>
+              <a:lumOff val="80000"/>
+            </a:schemeClr>
+          </a:solidFill>
+          <a:ln cmpd="sng">
+            <a:solidFill>
+              <a:schemeClr val="tx1"/>
+            </a:solidFill>
+          </a:ln>
+        </p:spPr>
+        <p:txBody>
+          <a:bodyPr wrap="none" rtlCol="0">
+            <a:spAutoFit/>
+          </a:bodyPr>
+          <a:lstStyle/>
+          <a:p>
+            <a:r>
+              <a:rPr lang="en-US" sz="1000" smtClean="0">
+                <a:latin typeface="Courier New" pitchFamily="49" charset="0"/>
+                <a:cs typeface="Courier New" pitchFamily="49" charset="0"/>
+              </a:rPr>
+              <a:t>Server process</a:t>
+            </a:r>
+          </a:p>
+        </p:txBody>
+      </p:sp>
+      <p:sp>
+        <p:nvSpPr>
+          <p:cNvPr id="70" name="TextBox 69"/>
+          <p:cNvSpPr txBox="1"/>
+          <p:nvPr/>
+        </p:nvSpPr>
+        <p:spPr>
+          <a:xfrm>
+            <a:off x="2212373" y="4164460"/>
+            <a:ext cx="1800493" cy="246221"/>
+          </a:xfrm>
+          <a:prstGeom prst="rect">
+            <a:avLst/>
+          </a:prstGeom>
+          <a:ln/>
+        </p:spPr>
+        <p:style>
+          <a:lnRef idx="1">
+            <a:schemeClr val="accent2"/>
+          </a:lnRef>
+          <a:fillRef idx="2">
+            <a:schemeClr val="accent2"/>
+          </a:fillRef>
+          <a:effectRef idx="1">
+            <a:schemeClr val="accent2"/>
+          </a:effectRef>
+          <a:fontRef idx="minor">
+            <a:schemeClr val="dk1"/>
+          </a:fontRef>
+        </p:style>
+        <p:txBody>
+          <a:bodyPr wrap="none" rtlCol="0">
+            <a:spAutoFit/>
+          </a:bodyPr>
+          <a:lstStyle/>
+          <a:p>
+            <a:r>
+              <a:rPr lang="en-US" sz="1000" smtClean="0">
+                <a:latin typeface="Courier New" pitchFamily="49" charset="0"/>
+                <a:cs typeface="Courier New" pitchFamily="49" charset="0"/>
+              </a:rPr>
+              <a:t>clientHandlerFunction</a:t>
+            </a:r>
+            <a:endParaRPr lang="en-US" sz="1000" smtClean="0">
+              <a:latin typeface="Courier New" pitchFamily="49" charset="0"/>
+              <a:cs typeface="Courier New" pitchFamily="49" charset="0"/>
+            </a:endParaRPr>
+          </a:p>
+        </p:txBody>
+      </p:sp>
+      <p:sp>
+        <p:nvSpPr>
+          <p:cNvPr id="71" name="TextBox 70"/>
+          <p:cNvSpPr txBox="1"/>
+          <p:nvPr/>
+        </p:nvSpPr>
+        <p:spPr>
+          <a:xfrm>
+            <a:off x="2436688" y="3443557"/>
+            <a:ext cx="1338828" cy="246221"/>
+          </a:xfrm>
+          <a:prstGeom prst="rect">
+            <a:avLst/>
+          </a:prstGeom>
+          <a:solidFill>
+            <a:schemeClr val="tx2">
+              <a:lumMod val="20000"/>
+              <a:lumOff val="80000"/>
+            </a:schemeClr>
+          </a:solidFill>
+          <a:ln cmpd="sng">
+            <a:solidFill>
+              <a:schemeClr val="tx1"/>
+            </a:solidFill>
+          </a:ln>
+        </p:spPr>
+        <p:txBody>
+          <a:bodyPr wrap="none" rtlCol="0">
+            <a:spAutoFit/>
+          </a:bodyPr>
+          <a:lstStyle/>
+          <a:p>
+            <a:r>
+              <a:rPr lang="en-US" sz="1000" smtClean="0">
+                <a:latin typeface="Courier New" pitchFamily="49" charset="0"/>
+                <a:cs typeface="Courier New" pitchFamily="49" charset="0"/>
+              </a:rPr>
+              <a:t>MsgServerThread</a:t>
+            </a:r>
+          </a:p>
+        </p:txBody>
+      </p:sp>
+      <p:sp>
+        <p:nvSpPr>
+          <p:cNvPr id="72" name="TextBox 71"/>
+          <p:cNvSpPr txBox="1"/>
+          <p:nvPr/>
+        </p:nvSpPr>
+        <p:spPr>
+          <a:xfrm>
+            <a:off x="5284342" y="3496641"/>
+            <a:ext cx="877163" cy="246221"/>
+          </a:xfrm>
+          <a:prstGeom prst="rect">
+            <a:avLst/>
+          </a:prstGeom>
+          <a:ln/>
+        </p:spPr>
+        <p:style>
+          <a:lnRef idx="1">
+            <a:schemeClr val="accent3"/>
+          </a:lnRef>
+          <a:fillRef idx="2">
+            <a:schemeClr val="accent3"/>
+          </a:fillRef>
+          <a:effectRef idx="1">
+            <a:schemeClr val="accent3"/>
+          </a:effectRef>
+          <a:fontRef idx="minor">
+            <a:schemeClr val="dk1"/>
+          </a:fontRef>
+        </p:style>
+        <p:txBody>
+          <a:bodyPr wrap="none" rtlCol="0">
+            <a:spAutoFit/>
+          </a:bodyPr>
+          <a:lstStyle/>
+          <a:p>
+            <a:r>
+              <a:rPr lang="en-US" sz="1000" smtClean="0">
+                <a:latin typeface="Courier New" pitchFamily="49" charset="0"/>
+                <a:cs typeface="Courier New" pitchFamily="49" charset="0"/>
+              </a:rPr>
+              <a:t>MsgSocket</a:t>
             </a:r>
           </a:p>
         </p:txBody>
       </p:sp>
       <p:cxnSp>
         <p:nvCxnSpPr>
-          <p:cNvPr id="30" name="Straight Arrow Connector 29"/>
+          <p:cNvPr id="74" name="Straight Arrow Connector 73"/>
           <p:cNvCxnSpPr>
-            <a:stCxn id="4" idx="3"/>
-            <a:endCxn id="28" idx="0"/>
+            <a:stCxn id="66" idx="2"/>
+            <a:endCxn id="68" idx="0"/>
           </p:cNvCxnSpPr>
           <p:nvPr/>
         </p:nvCxnSpPr>
         <p:spPr>
-          <a:xfrm>
-            <a:off x="4542767" y="2284110"/>
-            <a:ext cx="195887" cy="304980"/>
+          <a:xfrm flipH="1">
+            <a:off x="3911825" y="1484258"/>
+            <a:ext cx="110152" cy="676741"/>
           </a:xfrm>
           <a:prstGeom prst="straightConnector1">
             <a:avLst/>
@@ -5806,17 +5810,632 @@
       </p:cxnSp>
       <p:cxnSp>
         <p:nvCxnSpPr>
-          <p:cNvPr id="31" name="Straight Arrow Connector 30"/>
+          <p:cNvPr id="75" name="Straight Arrow Connector 74"/>
           <p:cNvCxnSpPr>
-            <a:stCxn id="3" idx="3"/>
-            <a:endCxn id="29" idx="0"/>
+            <a:stCxn id="66" idx="2"/>
+            <a:endCxn id="67" idx="0"/>
           </p:cNvCxnSpPr>
           <p:nvPr/>
         </p:nvCxnSpPr>
         <p:spPr>
           <a:xfrm>
+            <a:off x="4021977" y="1484258"/>
+            <a:ext cx="1966940" cy="688727"/>
+          </a:xfrm>
+          <a:prstGeom prst="straightConnector1">
+            <a:avLst/>
+          </a:prstGeom>
+          <a:ln>
+            <a:tailEnd type="arrow"/>
+          </a:ln>
+        </p:spPr>
+        <p:style>
+          <a:lnRef idx="1">
+            <a:schemeClr val="accent1"/>
+          </a:lnRef>
+          <a:fillRef idx="0">
+            <a:schemeClr val="accent1"/>
+          </a:fillRef>
+          <a:effectRef idx="0">
+            <a:schemeClr val="accent1"/>
+          </a:effectRef>
+          <a:fontRef idx="minor">
+            <a:schemeClr val="tx1"/>
+          </a:fontRef>
+        </p:style>
+      </p:cxnSp>
+      <p:sp>
+        <p:nvSpPr>
+          <p:cNvPr id="77" name="TextBox 76"/>
+          <p:cNvSpPr txBox="1"/>
+          <p:nvPr/>
+        </p:nvSpPr>
+        <p:spPr>
+          <a:xfrm>
+            <a:off x="5637089" y="2472647"/>
+            <a:ext cx="723275" cy="861774"/>
+          </a:xfrm>
+          <a:prstGeom prst="rect">
+            <a:avLst/>
+          </a:prstGeom>
+          <a:noFill/>
+        </p:spPr>
+        <p:txBody>
+          <a:bodyPr wrap="none" rtlCol="0">
+            <a:spAutoFit/>
+          </a:bodyPr>
+          <a:lstStyle/>
+          <a:p>
+            <a:r>
+              <a:rPr lang="en-US" sz="1000" smtClean="0">
+                <a:latin typeface="Courier New" pitchFamily="49" charset="0"/>
+                <a:cs typeface="Courier New" pitchFamily="49" charset="0"/>
+              </a:rPr>
+              <a:t>create</a:t>
+            </a:r>
+          </a:p>
+          <a:p>
+            <a:r>
+              <a:rPr lang="en-US" sz="1000" smtClean="0">
+                <a:latin typeface="Courier New" pitchFamily="49" charset="0"/>
+                <a:cs typeface="Courier New" pitchFamily="49" charset="0"/>
+              </a:rPr>
+              <a:t>co</a:t>
+            </a:r>
+            <a:r>
+              <a:rPr lang="en-US" sz="1000" smtClean="0">
+                <a:latin typeface="Courier New" pitchFamily="49" charset="0"/>
+                <a:cs typeface="Courier New" pitchFamily="49" charset="0"/>
+              </a:rPr>
+              <a:t>nnect</a:t>
+            </a:r>
+          </a:p>
+          <a:p>
+            <a:r>
+              <a:rPr lang="en-US" sz="1000" smtClean="0">
+                <a:latin typeface="Courier New" pitchFamily="49" charset="0"/>
+                <a:cs typeface="Courier New" pitchFamily="49" charset="0"/>
+              </a:rPr>
+              <a:t>s</a:t>
+            </a:r>
+            <a:r>
+              <a:rPr lang="en-US" sz="1000" smtClean="0">
+                <a:latin typeface="Courier New" pitchFamily="49" charset="0"/>
+                <a:cs typeface="Courier New" pitchFamily="49" charset="0"/>
+              </a:rPr>
+              <a:t>end</a:t>
+            </a:r>
+          </a:p>
+          <a:p>
+            <a:r>
+              <a:rPr lang="en-US" sz="1000" smtClean="0">
+                <a:latin typeface="Courier New" pitchFamily="49" charset="0"/>
+                <a:cs typeface="Courier New" pitchFamily="49" charset="0"/>
+              </a:rPr>
+              <a:t>receive</a:t>
+            </a:r>
+          </a:p>
+          <a:p>
+            <a:r>
+              <a:rPr lang="en-US" sz="1000" smtClean="0">
+                <a:latin typeface="Courier New" pitchFamily="49" charset="0"/>
+                <a:cs typeface="Courier New" pitchFamily="49" charset="0"/>
+              </a:rPr>
+              <a:t>close</a:t>
+            </a:r>
+            <a:endParaRPr lang="en-US" sz="1000">
+              <a:latin typeface="Courier New" pitchFamily="49" charset="0"/>
+              <a:cs typeface="Courier New" pitchFamily="49" charset="0"/>
+            </a:endParaRPr>
+          </a:p>
+        </p:txBody>
+      </p:sp>
+      <p:sp>
+        <p:nvSpPr>
+          <p:cNvPr id="78" name="TextBox 77"/>
+          <p:cNvSpPr txBox="1"/>
+          <p:nvPr/>
+        </p:nvSpPr>
+        <p:spPr>
+          <a:xfrm>
+            <a:off x="2553129" y="2881901"/>
+            <a:ext cx="2339102" cy="246221"/>
+          </a:xfrm>
+          <a:prstGeom prst="rect">
+            <a:avLst/>
+          </a:prstGeom>
+          <a:noFill/>
+        </p:spPr>
+        <p:txBody>
+          <a:bodyPr wrap="none" rtlCol="0">
+            <a:spAutoFit/>
+          </a:bodyPr>
+          <a:lstStyle/>
+          <a:p>
+            <a:r>
+              <a:rPr lang="en-US" sz="1000" smtClean="0">
+                <a:latin typeface="Courier New" pitchFamily="49" charset="0"/>
+                <a:cs typeface="Courier New" pitchFamily="49" charset="0"/>
+              </a:rPr>
+              <a:t>start(clientHandlerFunction)</a:t>
+            </a:r>
+            <a:endParaRPr lang="en-US" sz="1000">
+              <a:latin typeface="Courier New" pitchFamily="49" charset="0"/>
+              <a:cs typeface="Courier New" pitchFamily="49" charset="0"/>
+            </a:endParaRPr>
+          </a:p>
+        </p:txBody>
+      </p:sp>
+      <p:sp>
+        <p:nvSpPr>
+          <p:cNvPr id="79" name="TextBox 78"/>
+          <p:cNvSpPr txBox="1"/>
+          <p:nvPr/>
+        </p:nvSpPr>
+        <p:spPr>
+          <a:xfrm>
+            <a:off x="4810019" y="1666126"/>
+            <a:ext cx="569387" cy="246221"/>
+          </a:xfrm>
+          <a:prstGeom prst="rect">
+            <a:avLst/>
+          </a:prstGeom>
+          <a:noFill/>
+        </p:spPr>
+        <p:txBody>
+          <a:bodyPr wrap="none" rtlCol="0">
+            <a:spAutoFit/>
+          </a:bodyPr>
+          <a:lstStyle/>
+          <a:p>
+            <a:r>
+              <a:rPr lang="en-US" sz="1000" smtClean="0">
+                <a:latin typeface="Courier New" pitchFamily="49" charset="0"/>
+                <a:cs typeface="Courier New" pitchFamily="49" charset="0"/>
+              </a:rPr>
+              <a:t>start</a:t>
+            </a:r>
+            <a:endParaRPr lang="en-US" sz="1000">
+              <a:latin typeface="Courier New" pitchFamily="49" charset="0"/>
+              <a:cs typeface="Courier New" pitchFamily="49" charset="0"/>
+            </a:endParaRPr>
+          </a:p>
+        </p:txBody>
+      </p:sp>
+      <p:sp>
+        <p:nvSpPr>
+          <p:cNvPr id="80" name="TextBox 79"/>
+          <p:cNvSpPr txBox="1"/>
+          <p:nvPr/>
+        </p:nvSpPr>
+        <p:spPr>
+          <a:xfrm>
+            <a:off x="3996649" y="1684962"/>
+            <a:ext cx="569387" cy="246221"/>
+          </a:xfrm>
+          <a:prstGeom prst="rect">
+            <a:avLst/>
+          </a:prstGeom>
+          <a:noFill/>
+        </p:spPr>
+        <p:txBody>
+          <a:bodyPr wrap="none" rtlCol="0">
+            <a:spAutoFit/>
+          </a:bodyPr>
+          <a:lstStyle/>
+          <a:p>
+            <a:r>
+              <a:rPr lang="en-US" sz="1000" smtClean="0">
+                <a:latin typeface="Courier New" pitchFamily="49" charset="0"/>
+                <a:cs typeface="Courier New" pitchFamily="49" charset="0"/>
+              </a:rPr>
+              <a:t>start</a:t>
+            </a:r>
+            <a:endParaRPr lang="en-US" sz="1000">
+              <a:latin typeface="Courier New" pitchFamily="49" charset="0"/>
+              <a:cs typeface="Courier New" pitchFamily="49" charset="0"/>
+            </a:endParaRPr>
+          </a:p>
+        </p:txBody>
+      </p:sp>
+      <p:cxnSp>
+        <p:nvCxnSpPr>
+          <p:cNvPr id="81" name="Straight Arrow Connector 80"/>
+          <p:cNvCxnSpPr>
+            <a:stCxn id="68" idx="2"/>
+            <a:endCxn id="71" idx="0"/>
+          </p:cNvCxnSpPr>
+          <p:nvPr/>
+        </p:nvCxnSpPr>
+        <p:spPr>
+          <a:xfrm flipH="1">
+            <a:off x="3106102" y="2407220"/>
+            <a:ext cx="805723" cy="1036337"/>
+          </a:xfrm>
+          <a:prstGeom prst="straightConnector1">
+            <a:avLst/>
+          </a:prstGeom>
+          <a:ln>
+            <a:tailEnd type="arrow"/>
+          </a:ln>
+        </p:spPr>
+        <p:style>
+          <a:lnRef idx="1">
+            <a:schemeClr val="accent1"/>
+          </a:lnRef>
+          <a:fillRef idx="0">
+            <a:schemeClr val="accent1"/>
+          </a:fillRef>
+          <a:effectRef idx="0">
+            <a:schemeClr val="accent1"/>
+          </a:effectRef>
+          <a:fontRef idx="minor">
+            <a:schemeClr val="tx1"/>
+          </a:fontRef>
+        </p:style>
+      </p:cxnSp>
+      <p:cxnSp>
+        <p:nvCxnSpPr>
+          <p:cNvPr id="82" name="Straight Arrow Connector 81"/>
+          <p:cNvCxnSpPr>
+            <a:stCxn id="71" idx="2"/>
+            <a:endCxn id="70" idx="0"/>
+          </p:cNvCxnSpPr>
+          <p:nvPr/>
+        </p:nvCxnSpPr>
+        <p:spPr>
+          <a:xfrm>
+            <a:off x="3106102" y="3689778"/>
+            <a:ext cx="6518" cy="474682"/>
+          </a:xfrm>
+          <a:prstGeom prst="straightConnector1">
+            <a:avLst/>
+          </a:prstGeom>
+          <a:ln>
+            <a:tailEnd type="arrow"/>
+          </a:ln>
+        </p:spPr>
+        <p:style>
+          <a:lnRef idx="1">
+            <a:schemeClr val="accent1"/>
+          </a:lnRef>
+          <a:fillRef idx="0">
+            <a:schemeClr val="accent1"/>
+          </a:fillRef>
+          <a:effectRef idx="0">
+            <a:schemeClr val="accent1"/>
+          </a:effectRef>
+          <a:fontRef idx="minor">
+            <a:schemeClr val="tx1"/>
+          </a:fontRef>
+        </p:style>
+      </p:cxnSp>
+      <p:cxnSp>
+        <p:nvCxnSpPr>
+          <p:cNvPr id="83" name="Straight Arrow Connector 82"/>
+          <p:cNvCxnSpPr>
+            <a:stCxn id="67" idx="2"/>
+            <a:endCxn id="72" idx="0"/>
+          </p:cNvCxnSpPr>
+          <p:nvPr/>
+        </p:nvCxnSpPr>
+        <p:spPr>
+          <a:xfrm flipH="1">
+            <a:off x="5722924" y="2419206"/>
+            <a:ext cx="265993" cy="1077435"/>
+          </a:xfrm>
+          <a:prstGeom prst="straightConnector1">
+            <a:avLst/>
+          </a:prstGeom>
+          <a:ln>
+            <a:tailEnd type="arrow"/>
+          </a:ln>
+        </p:spPr>
+        <p:style>
+          <a:lnRef idx="1">
+            <a:schemeClr val="accent1"/>
+          </a:lnRef>
+          <a:fillRef idx="0">
+            <a:schemeClr val="accent1"/>
+          </a:fillRef>
+          <a:effectRef idx="0">
+            <a:schemeClr val="accent1"/>
+          </a:effectRef>
+          <a:fontRef idx="minor">
+            <a:schemeClr val="tx1"/>
+          </a:fontRef>
+        </p:style>
+      </p:cxnSp>
+      <p:sp>
+        <p:nvSpPr>
+          <p:cNvPr id="85" name="TextBox 84"/>
+          <p:cNvSpPr txBox="1"/>
+          <p:nvPr/>
+        </p:nvSpPr>
+        <p:spPr>
+          <a:xfrm>
+            <a:off x="2568541" y="3842535"/>
+            <a:ext cx="492443" cy="246221"/>
+          </a:xfrm>
+          <a:prstGeom prst="rect">
+            <a:avLst/>
+          </a:prstGeom>
+          <a:noFill/>
+        </p:spPr>
+        <p:txBody>
+          <a:bodyPr wrap="none" rtlCol="0">
+            <a:spAutoFit/>
+          </a:bodyPr>
+          <a:lstStyle/>
+          <a:p>
+            <a:r>
+              <a:rPr lang="en-US" sz="1000" smtClean="0">
+                <a:latin typeface="Courier New" pitchFamily="49" charset="0"/>
+                <a:cs typeface="Courier New" pitchFamily="49" charset="0"/>
+              </a:rPr>
+              <a:t>call</a:t>
+            </a:r>
+            <a:endParaRPr lang="en-US" sz="1000">
+              <a:latin typeface="Courier New" pitchFamily="49" charset="0"/>
+              <a:cs typeface="Courier New" pitchFamily="49" charset="0"/>
+            </a:endParaRPr>
+          </a:p>
+        </p:txBody>
+      </p:sp>
+      <p:cxnSp>
+        <p:nvCxnSpPr>
+          <p:cNvPr id="86" name="Straight Arrow Connector 85"/>
+          <p:cNvCxnSpPr>
+            <a:stCxn id="72" idx="2"/>
+            <a:endCxn id="70" idx="3"/>
+          </p:cNvCxnSpPr>
+          <p:nvPr/>
+        </p:nvCxnSpPr>
+        <p:spPr>
+          <a:xfrm flipH="1">
+            <a:off x="4012866" y="3742862"/>
+            <a:ext cx="1710058" cy="544709"/>
+          </a:xfrm>
+          <a:prstGeom prst="straightConnector1">
+            <a:avLst/>
+          </a:prstGeom>
+          <a:ln>
+            <a:prstDash val="sysDash"/>
+            <a:headEnd type="arrow"/>
+            <a:tailEnd type="arrow"/>
+          </a:ln>
+        </p:spPr>
+        <p:style>
+          <a:lnRef idx="1">
+            <a:schemeClr val="accent1"/>
+          </a:lnRef>
+          <a:fillRef idx="0">
+            <a:schemeClr val="accent1"/>
+          </a:fillRef>
+          <a:effectRef idx="0">
+            <a:schemeClr val="accent1"/>
+          </a:effectRef>
+          <a:fontRef idx="minor">
+            <a:schemeClr val="tx1"/>
+          </a:fontRef>
+        </p:style>
+      </p:cxnSp>
+      <p:sp>
+        <p:nvSpPr>
+          <p:cNvPr id="87" name="TextBox 86"/>
+          <p:cNvSpPr txBox="1"/>
+          <p:nvPr/>
+        </p:nvSpPr>
+        <p:spPr>
+          <a:xfrm>
+            <a:off x="4734676" y="3974387"/>
+            <a:ext cx="723275" cy="400110"/>
+          </a:xfrm>
+          <a:prstGeom prst="rect">
+            <a:avLst/>
+          </a:prstGeom>
+          <a:noFill/>
+        </p:spPr>
+        <p:txBody>
+          <a:bodyPr wrap="none" rtlCol="0">
+            <a:spAutoFit/>
+          </a:bodyPr>
+          <a:lstStyle/>
+          <a:p>
+            <a:r>
+              <a:rPr lang="en-US" sz="1000" smtClean="0">
+                <a:latin typeface="Courier New" pitchFamily="49" charset="0"/>
+                <a:cs typeface="Courier New" pitchFamily="49" charset="0"/>
+              </a:rPr>
+              <a:t>send</a:t>
+            </a:r>
+          </a:p>
+          <a:p>
+            <a:r>
+              <a:rPr lang="en-US" sz="1000" smtClean="0">
+                <a:latin typeface="Courier New" pitchFamily="49" charset="0"/>
+                <a:cs typeface="Courier New" pitchFamily="49" charset="0"/>
+              </a:rPr>
+              <a:t>receive</a:t>
+            </a:r>
+            <a:endParaRPr lang="en-US" sz="1000">
+              <a:latin typeface="Courier New" pitchFamily="49" charset="0"/>
+              <a:cs typeface="Courier New" pitchFamily="49" charset="0"/>
+            </a:endParaRPr>
+          </a:p>
+        </p:txBody>
+      </p:sp>
+      <p:sp>
+        <p:nvSpPr>
+          <p:cNvPr id="88" name="TextBox 87"/>
+          <p:cNvSpPr txBox="1"/>
+          <p:nvPr/>
+        </p:nvSpPr>
+        <p:spPr>
+          <a:xfrm>
+            <a:off x="2876765" y="277402"/>
+            <a:ext cx="2096856" cy="369332"/>
+          </a:xfrm>
+          <a:prstGeom prst="rect">
+            <a:avLst/>
+          </a:prstGeom>
+          <a:noFill/>
+        </p:spPr>
+        <p:txBody>
+          <a:bodyPr wrap="none" rtlCol="0">
+            <a:spAutoFit/>
+          </a:bodyPr>
+          <a:lstStyle/>
+          <a:p>
+            <a:r>
+              <a:rPr lang="en-US" smtClean="0"/>
+              <a:t>MsgHandler_Test.py</a:t>
+            </a:r>
+            <a:endParaRPr lang="en-US"/>
+          </a:p>
+        </p:txBody>
+      </p:sp>
+      <p:sp>
+        <p:nvSpPr>
+          <p:cNvPr id="89" name="TextBox 88"/>
+          <p:cNvSpPr txBox="1"/>
+          <p:nvPr/>
+        </p:nvSpPr>
+        <p:spPr>
+          <a:xfrm>
+            <a:off x="2301413" y="2517171"/>
+            <a:ext cx="415498" cy="246221"/>
+          </a:xfrm>
+          <a:prstGeom prst="rect">
+            <a:avLst/>
+          </a:prstGeom>
+          <a:ln/>
+        </p:spPr>
+        <p:style>
+          <a:lnRef idx="1">
+            <a:schemeClr val="accent3"/>
+          </a:lnRef>
+          <a:fillRef idx="2">
+            <a:schemeClr val="accent3"/>
+          </a:fillRef>
+          <a:effectRef idx="1">
+            <a:schemeClr val="accent3"/>
+          </a:effectRef>
+          <a:fontRef idx="minor">
+            <a:schemeClr val="dk1"/>
+          </a:fontRef>
+        </p:style>
+        <p:txBody>
+          <a:bodyPr wrap="none" rtlCol="0">
+            <a:spAutoFit/>
+          </a:bodyPr>
+          <a:lstStyle/>
+          <a:p>
+            <a:r>
+              <a:rPr lang="en-US" sz="1000" smtClean="0">
+                <a:latin typeface="Courier New" pitchFamily="49" charset="0"/>
+                <a:cs typeface="Courier New" pitchFamily="49" charset="0"/>
+              </a:rPr>
+              <a:t>Log</a:t>
+            </a:r>
+          </a:p>
+        </p:txBody>
+      </p:sp>
+      <p:sp>
+        <p:nvSpPr>
+          <p:cNvPr id="90" name="TextBox 89"/>
+          <p:cNvSpPr txBox="1"/>
+          <p:nvPr/>
+        </p:nvSpPr>
+        <p:spPr>
+          <a:xfrm>
+            <a:off x="7292941" y="2525732"/>
+            <a:ext cx="415498" cy="246221"/>
+          </a:xfrm>
+          <a:prstGeom prst="rect">
+            <a:avLst/>
+          </a:prstGeom>
+          <a:ln/>
+        </p:spPr>
+        <p:style>
+          <a:lnRef idx="1">
+            <a:schemeClr val="accent3"/>
+          </a:lnRef>
+          <a:fillRef idx="2">
+            <a:schemeClr val="accent3"/>
+          </a:fillRef>
+          <a:effectRef idx="1">
+            <a:schemeClr val="accent3"/>
+          </a:effectRef>
+          <a:fontRef idx="minor">
+            <a:schemeClr val="dk1"/>
+          </a:fontRef>
+        </p:style>
+        <p:txBody>
+          <a:bodyPr wrap="none" rtlCol="0">
+            <a:spAutoFit/>
+          </a:bodyPr>
+          <a:lstStyle/>
+          <a:p>
+            <a:r>
+              <a:rPr lang="en-US" sz="1000" smtClean="0">
+                <a:latin typeface="Courier New" pitchFamily="49" charset="0"/>
+                <a:cs typeface="Courier New" pitchFamily="49" charset="0"/>
+              </a:rPr>
+              <a:t>Log</a:t>
+            </a:r>
+          </a:p>
+        </p:txBody>
+      </p:sp>
+      <p:cxnSp>
+        <p:nvCxnSpPr>
+          <p:cNvPr id="91" name="Straight Arrow Connector 90"/>
+          <p:cNvCxnSpPr>
+            <a:stCxn id="68" idx="1"/>
+            <a:endCxn id="89" idx="3"/>
+          </p:cNvCxnSpPr>
+          <p:nvPr/>
+        </p:nvCxnSpPr>
+        <p:spPr>
+          <a:xfrm flipH="1">
+            <a:off x="2716911" y="2284110"/>
+            <a:ext cx="563972" cy="356172"/>
+          </a:xfrm>
+          <a:prstGeom prst="straightConnector1">
+            <a:avLst/>
+          </a:prstGeom>
+          <a:ln>
+            <a:tailEnd type="arrow"/>
+          </a:ln>
+        </p:spPr>
+        <p:style>
+          <a:lnRef idx="1">
+            <a:schemeClr val="accent1"/>
+          </a:lnRef>
+          <a:fillRef idx="0">
+            <a:schemeClr val="accent1"/>
+          </a:fillRef>
+          <a:effectRef idx="0">
+            <a:schemeClr val="accent1"/>
+          </a:effectRef>
+          <a:fontRef idx="minor">
+            <a:schemeClr val="tx1"/>
+          </a:fontRef>
+        </p:style>
+      </p:cxnSp>
+      <p:cxnSp>
+        <p:nvCxnSpPr>
+          <p:cNvPr id="92" name="Straight Arrow Connector 91"/>
+          <p:cNvCxnSpPr>
+            <a:stCxn id="67" idx="3"/>
+            <a:endCxn id="90" idx="1"/>
+          </p:cNvCxnSpPr>
+          <p:nvPr/>
+        </p:nvCxnSpPr>
+        <p:spPr>
+          <a:xfrm>
             <a:off x="6619859" y="2296096"/>
-            <a:ext cx="428768" cy="260458"/>
+            <a:ext cx="673082" cy="352747"/>
           </a:xfrm>
           <a:prstGeom prst="straightConnector1">
             <a:avLst/>

--- a/Scripting/ScriptingDocumenation/DesignDiagrams.pptx
+++ b/Scripting/ScriptingDocumenation/DesignDiagrams.pptx
@@ -3990,7 +3990,7 @@
         <p:spPr>
           <a:xfrm>
             <a:off x="150689" y="787685"/>
-            <a:ext cx="2185214" cy="2400657"/>
+            <a:ext cx="1569660" cy="2092881"/>
           </a:xfrm>
           <a:prstGeom prst="rect">
             <a:avLst/>
@@ -4038,8 +4038,28 @@
                 <a:latin typeface="Courier New" pitchFamily="49" charset="0"/>
                 <a:cs typeface="Courier New" pitchFamily="49" charset="0"/>
               </a:rPr>
-              <a:t>__init__(nm)</a:t>
-            </a:r>
+              <a:t>__init__(nm</a:t>
+            </a:r>
+            <a:r>
+              <a:rPr lang="en-US" sz="1000" smtClean="0">
+                <a:latin typeface="Courier New" pitchFamily="49" charset="0"/>
+                <a:cs typeface="Courier New" pitchFamily="49" charset="0"/>
+              </a:rPr>
+              <a:t>)</a:t>
+            </a:r>
+          </a:p>
+          <a:p>
+            <a:r>
+              <a:rPr lang="en-US" sz="1000" smtClean="0">
+                <a:latin typeface="Courier New" pitchFamily="49" charset="0"/>
+                <a:cs typeface="Courier New" pitchFamily="49" charset="0"/>
+              </a:rPr>
+              <a:t>attach(socket)</a:t>
+            </a:r>
+            <a:endParaRPr lang="en-US" sz="1000" smtClean="0">
+              <a:latin typeface="Courier New" pitchFamily="49" charset="0"/>
+              <a:cs typeface="Courier New" pitchFamily="49" charset="0"/>
+            </a:endParaRPr>
           </a:p>
           <a:p>
             <a:r>
@@ -4065,48 +4085,14 @@
                 <a:latin typeface="Courier New" pitchFamily="49" charset="0"/>
                 <a:cs typeface="Courier New" pitchFamily="49" charset="0"/>
               </a:rPr>
-              <a:t>createMsgServerThread</a:t>
-            </a:r>
-          </a:p>
-          <a:p>
-            <a:r>
-              <a:rPr lang="en-US" sz="1000">
-                <a:latin typeface="Courier New" pitchFamily="49" charset="0"/>
-                <a:cs typeface="Courier New" pitchFamily="49" charset="0"/>
-              </a:rPr>
-              <a:t> </a:t>
-            </a:r>
-            <a:r>
-              <a:rPr lang="en-US" sz="1000" smtClean="0">
-                <a:latin typeface="Courier New" pitchFamily="49" charset="0"/>
-                <a:cs typeface="Courier New" pitchFamily="49" charset="0"/>
-              </a:rPr>
-              <a:t>  (host,port,</a:t>
-            </a:r>
-          </a:p>
-          <a:p>
-            <a:r>
-              <a:rPr lang="en-US" sz="1000">
-                <a:latin typeface="Courier New" pitchFamily="49" charset="0"/>
-                <a:cs typeface="Courier New" pitchFamily="49" charset="0"/>
-              </a:rPr>
-              <a:t> </a:t>
-            </a:r>
-            <a:r>
-              <a:rPr lang="en-US" sz="1000" smtClean="0">
-                <a:latin typeface="Courier New" pitchFamily="49" charset="0"/>
-                <a:cs typeface="Courier New" pitchFamily="49" charset="0"/>
-              </a:rPr>
-              <a:t>   clientHandlerFunction)</a:t>
-            </a:r>
-          </a:p>
-          <a:p>
-            <a:r>
-              <a:rPr lang="en-US" sz="1000" smtClean="0">
-                <a:latin typeface="Courier New" pitchFamily="49" charset="0"/>
-                <a:cs typeface="Courier New" pitchFamily="49" charset="0"/>
-              </a:rPr>
-              <a:t>receive()</a:t>
+              <a:t>receive</a:t>
+            </a:r>
+            <a:r>
+              <a:rPr lang="en-US" sz="1000" smtClean="0">
+                <a:latin typeface="Courier New" pitchFamily="49" charset="0"/>
+                <a:cs typeface="Courier New" pitchFamily="49" charset="0"/>
+              </a:rPr>
+              <a:t>()</a:t>
             </a:r>
           </a:p>
           <a:p>
@@ -4124,8 +4110,12 @@
                 <a:latin typeface="Courier New" pitchFamily="49" charset="0"/>
                 <a:cs typeface="Courier New" pitchFamily="49" charset="0"/>
               </a:rPr>
-              <a:t>setup(sock)</a:t>
-            </a:r>
+              <a:t>setup(socket)</a:t>
+            </a:r>
+            <a:endParaRPr lang="en-US" sz="1000" smtClean="0">
+              <a:latin typeface="Courier New" pitchFamily="49" charset="0"/>
+              <a:cs typeface="Courier New" pitchFamily="49" charset="0"/>
+            </a:endParaRPr>
           </a:p>
           <a:p>
             <a:r>
@@ -4174,7 +4164,7 @@
         <p:spPr>
           <a:xfrm>
             <a:off x="191785" y="3417868"/>
-            <a:ext cx="2569934" cy="1631216"/>
+            <a:ext cx="2569934" cy="1785104"/>
           </a:xfrm>
           <a:prstGeom prst="rect">
             <a:avLst/>
@@ -4218,8 +4208,19 @@
                 <a:latin typeface="Courier New" pitchFamily="49" charset="0"/>
                 <a:cs typeface="Courier New" pitchFamily="49" charset="0"/>
               </a:rPr>
-              <a:t>__init__(host,port</a:t>
-            </a:r>
+              <a:t>__init__(</a:t>
+            </a:r>
+            <a:r>
+              <a:rPr lang="en-US" sz="1000" smtClean="0">
+                <a:latin typeface="Courier New" pitchFamily="49" charset="0"/>
+                <a:cs typeface="Courier New" pitchFamily="49" charset="0"/>
+              </a:rPr>
+              <a:t>host,nm,port</a:t>
+            </a:r>
+            <a:endParaRPr lang="en-US" sz="1000" smtClean="0">
+              <a:latin typeface="Courier New" pitchFamily="49" charset="0"/>
+              <a:cs typeface="Courier New" pitchFamily="49" charset="0"/>
+            </a:endParaRPr>
           </a:p>
           <a:p>
             <a:r>
@@ -4272,6 +4273,19 @@
               </a:rPr>
               <a:t>host</a:t>
             </a:r>
+          </a:p>
+          <a:p>
+            <a:r>
+              <a:rPr lang="en-US" sz="1000" smtClean="0">
+                <a:latin typeface="Courier New" pitchFamily="49" charset="0"/>
+                <a:cs typeface="Courier New" pitchFamily="49" charset="0"/>
+              </a:rPr>
+              <a:t>nm</a:t>
+            </a:r>
+            <a:endParaRPr lang="en-US" sz="1000" smtClean="0">
+              <a:latin typeface="Courier New" pitchFamily="49" charset="0"/>
+              <a:cs typeface="Courier New" pitchFamily="49" charset="0"/>
+            </a:endParaRPr>
           </a:p>
           <a:p>
             <a:r>
@@ -4302,7 +4316,7 @@
         <p:spPr>
           <a:xfrm>
             <a:off x="253429" y="5308314"/>
-            <a:ext cx="2569934" cy="1323439"/>
+            <a:ext cx="2569934" cy="1477328"/>
           </a:xfrm>
           <a:prstGeom prst="rect">
             <a:avLst/>
@@ -4346,8 +4360,19 @@
                 <a:latin typeface="Courier New" pitchFamily="49" charset="0"/>
                 <a:cs typeface="Courier New" pitchFamily="49" charset="0"/>
               </a:rPr>
-              <a:t>__init__(host,prot</a:t>
-            </a:r>
+              <a:t>__init__(</a:t>
+            </a:r>
+            <a:r>
+              <a:rPr lang="en-US" sz="1000" smtClean="0">
+                <a:latin typeface="Courier New" pitchFamily="49" charset="0"/>
+                <a:cs typeface="Courier New" pitchFamily="49" charset="0"/>
+              </a:rPr>
+              <a:t>host,nm,prot</a:t>
+            </a:r>
+            <a:endParaRPr lang="en-US" sz="1000" smtClean="0">
+              <a:latin typeface="Courier New" pitchFamily="49" charset="0"/>
+              <a:cs typeface="Courier New" pitchFamily="49" charset="0"/>
+            </a:endParaRPr>
           </a:p>
           <a:p>
             <a:r>
@@ -4391,6 +4416,19 @@
               </a:rPr>
               <a:t>clientHandlerFunction</a:t>
             </a:r>
+          </a:p>
+          <a:p>
+            <a:r>
+              <a:rPr lang="en-US" sz="1000" smtClean="0">
+                <a:latin typeface="Courier New" pitchFamily="49" charset="0"/>
+                <a:cs typeface="Courier New" pitchFamily="49" charset="0"/>
+              </a:rPr>
+              <a:t>nm</a:t>
+            </a:r>
+            <a:endParaRPr lang="en-US" sz="1000" smtClean="0">
+              <a:latin typeface="Courier New" pitchFamily="49" charset="0"/>
+              <a:cs typeface="Courier New" pitchFamily="49" charset="0"/>
+            </a:endParaRPr>
           </a:p>
           <a:p>
             <a:r>
@@ -4412,7 +4450,7 @@
         <p:spPr>
           <a:xfrm>
             <a:off x="3304855" y="705492"/>
-            <a:ext cx="1723549" cy="1323439"/>
+            <a:ext cx="2108269" cy="1323439"/>
           </a:xfrm>
           <a:prstGeom prst="rect">
             <a:avLst/>
@@ -4456,7 +4494,21 @@
                 <a:latin typeface="Courier New" pitchFamily="49" charset="0"/>
                 <a:cs typeface="Courier New" pitchFamily="49" charset="0"/>
               </a:rPr>
-              <a:t>__init__(nm,sock,qu)</a:t>
+              <a:t>__init__(</a:t>
+            </a:r>
+            <a:r>
+              <a:rPr lang="en-US" sz="1000" smtClean="0">
+                <a:latin typeface="Courier New" pitchFamily="49" charset="0"/>
+                <a:cs typeface="Courier New" pitchFamily="49" charset="0"/>
+              </a:rPr>
+              <a:t>nm,msgSocket,qu</a:t>
+            </a:r>
+            <a:r>
+              <a:rPr lang="en-US" sz="1000" smtClean="0">
+                <a:latin typeface="Courier New" pitchFamily="49" charset="0"/>
+                <a:cs typeface="Courier New" pitchFamily="49" charset="0"/>
+              </a:rPr>
+              <a:t>)</a:t>
             </a:r>
           </a:p>
           <a:p>
@@ -4503,6 +4555,405 @@
               </a:rPr>
               <a:t>sk</a:t>
             </a:r>
+          </a:p>
+        </p:txBody>
+      </p:sp>
+      <p:sp>
+        <p:nvSpPr>
+          <p:cNvPr id="11" name="TextBox 10"/>
+          <p:cNvSpPr txBox="1"/>
+          <p:nvPr/>
+        </p:nvSpPr>
+        <p:spPr>
+          <a:xfrm>
+            <a:off x="5373384" y="2527443"/>
+            <a:ext cx="1404552" cy="646331"/>
+          </a:xfrm>
+          <a:prstGeom prst="rect">
+            <a:avLst/>
+          </a:prstGeom>
+          <a:noFill/>
+        </p:spPr>
+        <p:txBody>
+          <a:bodyPr wrap="none" rtlCol="0">
+            <a:spAutoFit/>
+          </a:bodyPr>
+          <a:lstStyle/>
+          <a:p>
+            <a:pPr algn="ctr"/>
+            <a:r>
+              <a:rPr lang="en-US" smtClean="0"/>
+              <a:t>usage for</a:t>
+            </a:r>
+          </a:p>
+          <a:p>
+            <a:pPr algn="ctr"/>
+            <a:r>
+              <a:rPr lang="en-US" smtClean="0"/>
+              <a:t>MsgQuPump</a:t>
+            </a:r>
+            <a:endParaRPr lang="en-US"/>
+          </a:p>
+        </p:txBody>
+      </p:sp>
+      <p:sp>
+        <p:nvSpPr>
+          <p:cNvPr id="13" name="TextBox 12"/>
+          <p:cNvSpPr txBox="1"/>
+          <p:nvPr/>
+        </p:nvSpPr>
+        <p:spPr>
+          <a:xfrm>
+            <a:off x="5726136" y="4493234"/>
+            <a:ext cx="877163" cy="246221"/>
+          </a:xfrm>
+          <a:prstGeom prst="rect">
+            <a:avLst/>
+          </a:prstGeom>
+          <a:solidFill>
+            <a:schemeClr val="tx2">
+              <a:lumMod val="20000"/>
+              <a:lumOff val="80000"/>
+            </a:schemeClr>
+          </a:solidFill>
+          <a:ln cmpd="sng">
+            <a:solidFill>
+              <a:schemeClr val="tx1"/>
+            </a:solidFill>
+          </a:ln>
+        </p:spPr>
+        <p:txBody>
+          <a:bodyPr wrap="none" rtlCol="0">
+            <a:spAutoFit/>
+          </a:bodyPr>
+          <a:lstStyle/>
+          <a:p>
+            <a:r>
+              <a:rPr lang="en-US" sz="1000" smtClean="0">
+                <a:latin typeface="Courier New" pitchFamily="49" charset="0"/>
+                <a:cs typeface="Courier New" pitchFamily="49" charset="0"/>
+              </a:rPr>
+              <a:t>MsgQuPump</a:t>
+            </a:r>
+            <a:endParaRPr lang="en-US" sz="1000" smtClean="0">
+              <a:latin typeface="Courier New" pitchFamily="49" charset="0"/>
+              <a:cs typeface="Courier New" pitchFamily="49" charset="0"/>
+            </a:endParaRPr>
+          </a:p>
+        </p:txBody>
+      </p:sp>
+      <p:cxnSp>
+        <p:nvCxnSpPr>
+          <p:cNvPr id="15" name="Straight Arrow Connector 14"/>
+          <p:cNvCxnSpPr>
+            <a:endCxn id="13" idx="0"/>
+          </p:cNvCxnSpPr>
+          <p:nvPr/>
+        </p:nvCxnSpPr>
+        <p:spPr>
+          <a:xfrm flipH="1">
+            <a:off x="6164718" y="3380198"/>
+            <a:ext cx="349098" cy="1113036"/>
+          </a:xfrm>
+          <a:prstGeom prst="straightConnector1">
+            <a:avLst/>
+          </a:prstGeom>
+          <a:ln>
+            <a:tailEnd type="arrow"/>
+          </a:ln>
+        </p:spPr>
+        <p:style>
+          <a:lnRef idx="1">
+            <a:schemeClr val="accent1"/>
+          </a:lnRef>
+          <a:fillRef idx="0">
+            <a:schemeClr val="accent1"/>
+          </a:fillRef>
+          <a:effectRef idx="0">
+            <a:schemeClr val="accent1"/>
+          </a:effectRef>
+          <a:fontRef idx="minor">
+            <a:schemeClr val="tx1"/>
+          </a:fontRef>
+        </p:style>
+      </p:cxnSp>
+      <p:sp>
+        <p:nvSpPr>
+          <p:cNvPr id="16" name="TextBox 15"/>
+          <p:cNvSpPr txBox="1"/>
+          <p:nvPr/>
+        </p:nvSpPr>
+        <p:spPr>
+          <a:xfrm>
+            <a:off x="6306621" y="3799728"/>
+            <a:ext cx="569387" cy="246221"/>
+          </a:xfrm>
+          <a:prstGeom prst="rect">
+            <a:avLst/>
+          </a:prstGeom>
+          <a:noFill/>
+        </p:spPr>
+        <p:txBody>
+          <a:bodyPr wrap="none" rtlCol="0">
+            <a:spAutoFit/>
+          </a:bodyPr>
+          <a:lstStyle/>
+          <a:p>
+            <a:r>
+              <a:rPr lang="en-US" sz="1000" smtClean="0">
+                <a:latin typeface="Courier New" pitchFamily="49" charset="0"/>
+                <a:cs typeface="Courier New" pitchFamily="49" charset="0"/>
+              </a:rPr>
+              <a:t>start</a:t>
+            </a:r>
+            <a:endParaRPr lang="en-US" sz="1000">
+              <a:latin typeface="Courier New" pitchFamily="49" charset="0"/>
+              <a:cs typeface="Courier New" pitchFamily="49" charset="0"/>
+            </a:endParaRPr>
+          </a:p>
+        </p:txBody>
+      </p:sp>
+      <p:sp>
+        <p:nvSpPr>
+          <p:cNvPr id="17" name="TextBox 16"/>
+          <p:cNvSpPr txBox="1"/>
+          <p:nvPr/>
+        </p:nvSpPr>
+        <p:spPr>
+          <a:xfrm>
+            <a:off x="7303216" y="5371674"/>
+            <a:ext cx="877163" cy="246221"/>
+          </a:xfrm>
+          <a:prstGeom prst="rect">
+            <a:avLst/>
+          </a:prstGeom>
+          <a:ln/>
+        </p:spPr>
+        <p:style>
+          <a:lnRef idx="1">
+            <a:schemeClr val="accent3"/>
+          </a:lnRef>
+          <a:fillRef idx="2">
+            <a:schemeClr val="accent3"/>
+          </a:fillRef>
+          <a:effectRef idx="1">
+            <a:schemeClr val="accent3"/>
+          </a:effectRef>
+          <a:fontRef idx="minor">
+            <a:schemeClr val="dk1"/>
+          </a:fontRef>
+        </p:style>
+        <p:txBody>
+          <a:bodyPr wrap="none" rtlCol="0">
+            <a:spAutoFit/>
+          </a:bodyPr>
+          <a:lstStyle/>
+          <a:p>
+            <a:r>
+              <a:rPr lang="en-US" sz="1000" smtClean="0">
+                <a:latin typeface="Courier New" pitchFamily="49" charset="0"/>
+                <a:cs typeface="Courier New" pitchFamily="49" charset="0"/>
+              </a:rPr>
+              <a:t>msgSocket</a:t>
+            </a:r>
+            <a:endParaRPr lang="en-US" sz="1000" smtClean="0">
+              <a:latin typeface="Courier New" pitchFamily="49" charset="0"/>
+              <a:cs typeface="Courier New" pitchFamily="49" charset="0"/>
+            </a:endParaRPr>
+          </a:p>
+        </p:txBody>
+      </p:sp>
+      <p:sp>
+        <p:nvSpPr>
+          <p:cNvPr id="18" name="TextBox 17"/>
+          <p:cNvSpPr txBox="1"/>
+          <p:nvPr/>
+        </p:nvSpPr>
+        <p:spPr>
+          <a:xfrm>
+            <a:off x="4578850" y="5431607"/>
+            <a:ext cx="338554" cy="246221"/>
+          </a:xfrm>
+          <a:prstGeom prst="rect">
+            <a:avLst/>
+          </a:prstGeom>
+          <a:ln/>
+        </p:spPr>
+        <p:style>
+          <a:lnRef idx="1">
+            <a:schemeClr val="accent3"/>
+          </a:lnRef>
+          <a:fillRef idx="2">
+            <a:schemeClr val="accent3"/>
+          </a:fillRef>
+          <a:effectRef idx="1">
+            <a:schemeClr val="accent3"/>
+          </a:effectRef>
+          <a:fontRef idx="minor">
+            <a:schemeClr val="dk1"/>
+          </a:fontRef>
+        </p:style>
+        <p:txBody>
+          <a:bodyPr wrap="none" rtlCol="0">
+            <a:spAutoFit/>
+          </a:bodyPr>
+          <a:lstStyle/>
+          <a:p>
+            <a:r>
+              <a:rPr lang="en-US" sz="1000" smtClean="0">
+                <a:latin typeface="Courier New" pitchFamily="49" charset="0"/>
+                <a:cs typeface="Courier New" pitchFamily="49" charset="0"/>
+              </a:rPr>
+              <a:t>qu</a:t>
+            </a:r>
+            <a:endParaRPr lang="en-US" sz="1000" smtClean="0">
+              <a:latin typeface="Courier New" pitchFamily="49" charset="0"/>
+              <a:cs typeface="Courier New" pitchFamily="49" charset="0"/>
+            </a:endParaRPr>
+          </a:p>
+        </p:txBody>
+      </p:sp>
+      <p:cxnSp>
+        <p:nvCxnSpPr>
+          <p:cNvPr id="22" name="Straight Arrow Connector 21"/>
+          <p:cNvCxnSpPr>
+            <a:stCxn id="13" idx="2"/>
+            <a:endCxn id="17" idx="0"/>
+          </p:cNvCxnSpPr>
+          <p:nvPr/>
+        </p:nvCxnSpPr>
+        <p:spPr>
+          <a:xfrm>
+            <a:off x="6164718" y="4739455"/>
+            <a:ext cx="1577080" cy="632219"/>
+          </a:xfrm>
+          <a:prstGeom prst="straightConnector1">
+            <a:avLst/>
+          </a:prstGeom>
+          <a:ln>
+            <a:tailEnd type="arrow"/>
+          </a:ln>
+        </p:spPr>
+        <p:style>
+          <a:lnRef idx="1">
+            <a:schemeClr val="accent1"/>
+          </a:lnRef>
+          <a:fillRef idx="0">
+            <a:schemeClr val="accent1"/>
+          </a:fillRef>
+          <a:effectRef idx="0">
+            <a:schemeClr val="accent1"/>
+          </a:effectRef>
+          <a:fontRef idx="minor">
+            <a:schemeClr val="tx1"/>
+          </a:fontRef>
+        </p:style>
+      </p:cxnSp>
+      <p:cxnSp>
+        <p:nvCxnSpPr>
+          <p:cNvPr id="24" name="Straight Arrow Connector 23"/>
+          <p:cNvCxnSpPr>
+            <a:stCxn id="13" idx="2"/>
+            <a:endCxn id="18" idx="0"/>
+          </p:cNvCxnSpPr>
+          <p:nvPr/>
+        </p:nvCxnSpPr>
+        <p:spPr>
+          <a:xfrm flipH="1">
+            <a:off x="4748127" y="4739455"/>
+            <a:ext cx="1416591" cy="692152"/>
+          </a:xfrm>
+          <a:prstGeom prst="straightConnector1">
+            <a:avLst/>
+          </a:prstGeom>
+          <a:ln>
+            <a:tailEnd type="arrow"/>
+          </a:ln>
+        </p:spPr>
+        <p:style>
+          <a:lnRef idx="1">
+            <a:schemeClr val="accent1"/>
+          </a:lnRef>
+          <a:fillRef idx="0">
+            <a:schemeClr val="accent1"/>
+          </a:fillRef>
+          <a:effectRef idx="0">
+            <a:schemeClr val="accent1"/>
+          </a:effectRef>
+          <a:fontRef idx="minor">
+            <a:schemeClr val="tx1"/>
+          </a:fontRef>
+        </p:style>
+      </p:cxnSp>
+      <p:sp>
+        <p:nvSpPr>
+          <p:cNvPr id="26" name="TextBox 25"/>
+          <p:cNvSpPr txBox="1"/>
+          <p:nvPr/>
+        </p:nvSpPr>
+        <p:spPr>
+          <a:xfrm>
+            <a:off x="6962455" y="4825432"/>
+            <a:ext cx="492443" cy="246221"/>
+          </a:xfrm>
+          <a:prstGeom prst="rect">
+            <a:avLst/>
+          </a:prstGeom>
+          <a:noFill/>
+        </p:spPr>
+        <p:txBody>
+          <a:bodyPr wrap="none" rtlCol="0">
+            <a:spAutoFit/>
+          </a:bodyPr>
+          <a:lstStyle/>
+          <a:p>
+            <a:r>
+              <a:rPr lang="en-US" sz="1000" smtClean="0">
+                <a:latin typeface="Courier New" pitchFamily="49" charset="0"/>
+                <a:cs typeface="Courier New" pitchFamily="49" charset="0"/>
+              </a:rPr>
+              <a:t>send</a:t>
+            </a:r>
+            <a:endParaRPr lang="en-US" sz="1000">
+              <a:latin typeface="Courier New" pitchFamily="49" charset="0"/>
+              <a:cs typeface="Courier New" pitchFamily="49" charset="0"/>
+            </a:endParaRPr>
+          </a:p>
+        </p:txBody>
+      </p:sp>
+      <p:sp>
+        <p:nvSpPr>
+          <p:cNvPr id="27" name="TextBox 26"/>
+          <p:cNvSpPr txBox="1"/>
+          <p:nvPr/>
+        </p:nvSpPr>
+        <p:spPr>
+          <a:xfrm>
+            <a:off x="4905910" y="4936735"/>
+            <a:ext cx="415498" cy="246221"/>
+          </a:xfrm>
+          <a:prstGeom prst="rect">
+            <a:avLst/>
+          </a:prstGeom>
+          <a:noFill/>
+        </p:spPr>
+        <p:txBody>
+          <a:bodyPr wrap="none" rtlCol="0">
+            <a:spAutoFit/>
+          </a:bodyPr>
+          <a:lstStyle/>
+          <a:p>
+            <a:r>
+              <a:rPr lang="en-US" sz="1000" smtClean="0">
+                <a:latin typeface="Courier New" pitchFamily="49" charset="0"/>
+                <a:cs typeface="Courier New" pitchFamily="49" charset="0"/>
+              </a:rPr>
+              <a:t>get</a:t>
+            </a:r>
+            <a:endParaRPr lang="en-US" sz="1000">
+              <a:latin typeface="Courier New" pitchFamily="49" charset="0"/>
+              <a:cs typeface="Courier New" pitchFamily="49" charset="0"/>
+            </a:endParaRPr>
           </a:p>
         </p:txBody>
       </p:sp>
@@ -5095,8 +5546,8 @@
         </p:nvSpPr>
         <p:spPr>
           <a:xfrm>
-            <a:off x="2876765" y="277402"/>
-            <a:ext cx="1586973" cy="646331"/>
+            <a:off x="2290748" y="205483"/>
+            <a:ext cx="3309944" cy="923330"/>
           </a:xfrm>
           <a:prstGeom prst="rect">
             <a:avLst/>
@@ -5109,6 +5560,7 @@
           </a:bodyPr>
           <a:lstStyle/>
           <a:p>
+            <a:pPr algn="ctr"/>
             <a:r>
               <a:rPr lang="en-US" smtClean="0"/>
               <a:t>MsgHandler.py</a:t>
@@ -5119,7 +5571,18 @@
             <a:pPr algn="ctr"/>
             <a:r>
               <a:rPr lang="en-US" smtClean="0"/>
-              <a:t>Usage</a:t>
+              <a:t>u</a:t>
+            </a:r>
+            <a:r>
+              <a:rPr lang="en-US" smtClean="0"/>
+              <a:t>sage for</a:t>
+            </a:r>
+          </a:p>
+          <a:p>
+            <a:pPr algn="ctr"/>
+            <a:r>
+              <a:rPr lang="en-US" smtClean="0"/>
+              <a:t>MsgServerThread and MsgSocket</a:t>
             </a:r>
             <a:endParaRPr lang="en-US"/>
           </a:p>
@@ -5516,24 +5979,28 @@
         </p:nvSpPr>
         <p:spPr>
           <a:xfrm>
-            <a:off x="3775755" y="1238037"/>
+            <a:off x="1803116" y="744877"/>
             <a:ext cx="492443" cy="246221"/>
           </a:xfrm>
           <a:prstGeom prst="rect">
             <a:avLst/>
           </a:prstGeom>
-          <a:solidFill>
-            <a:schemeClr val="tx2">
-              <a:lumMod val="20000"/>
-              <a:lumOff val="80000"/>
-            </a:schemeClr>
-          </a:solidFill>
-          <a:ln cmpd="sng">
-            <a:solidFill>
-              <a:schemeClr val="tx1"/>
-            </a:solidFill>
-          </a:ln>
-        </p:spPr>
+          <a:ln/>
+        </p:spPr>
+        <p:style>
+          <a:lnRef idx="1">
+            <a:schemeClr val="accent1"/>
+          </a:lnRef>
+          <a:fillRef idx="3">
+            <a:schemeClr val="accent1"/>
+          </a:fillRef>
+          <a:effectRef idx="2">
+            <a:schemeClr val="accent1"/>
+          </a:effectRef>
+          <a:fontRef idx="minor">
+            <a:schemeClr val="lt1"/>
+          </a:fontRef>
+        </p:style>
         <p:txBody>
           <a:bodyPr wrap="none" rtlCol="0">
             <a:spAutoFit/>
@@ -5558,24 +6025,28 @@
         </p:nvSpPr>
         <p:spPr>
           <a:xfrm>
-            <a:off x="5357975" y="2172985"/>
+            <a:off x="3385336" y="1679825"/>
             <a:ext cx="1261884" cy="246221"/>
           </a:xfrm>
           <a:prstGeom prst="rect">
             <a:avLst/>
           </a:prstGeom>
-          <a:solidFill>
-            <a:schemeClr val="tx2">
-              <a:lumMod val="20000"/>
-              <a:lumOff val="80000"/>
-            </a:schemeClr>
-          </a:solidFill>
-          <a:ln cmpd="sng">
-            <a:solidFill>
-              <a:schemeClr val="tx1"/>
-            </a:solidFill>
-          </a:ln>
-        </p:spPr>
+          <a:ln/>
+        </p:spPr>
+        <p:style>
+          <a:lnRef idx="1">
+            <a:schemeClr val="accent1"/>
+          </a:lnRef>
+          <a:fillRef idx="3">
+            <a:schemeClr val="accent1"/>
+          </a:fillRef>
+          <a:effectRef idx="2">
+            <a:schemeClr val="accent1"/>
+          </a:effectRef>
+          <a:fontRef idx="minor">
+            <a:schemeClr val="lt1"/>
+          </a:fontRef>
+        </p:style>
         <p:txBody>
           <a:bodyPr wrap="none" rtlCol="0">
             <a:spAutoFit/>
@@ -5600,24 +6071,28 @@
         </p:nvSpPr>
         <p:spPr>
           <a:xfrm>
-            <a:off x="3280883" y="2160999"/>
+            <a:off x="1308244" y="1667839"/>
             <a:ext cx="1261884" cy="246221"/>
           </a:xfrm>
           <a:prstGeom prst="rect">
             <a:avLst/>
           </a:prstGeom>
-          <a:solidFill>
-            <a:schemeClr val="tx2">
-              <a:lumMod val="20000"/>
-              <a:lumOff val="80000"/>
-            </a:schemeClr>
-          </a:solidFill>
-          <a:ln cmpd="sng">
-            <a:solidFill>
-              <a:schemeClr val="tx1"/>
-            </a:solidFill>
-          </a:ln>
-        </p:spPr>
+          <a:ln/>
+        </p:spPr>
+        <p:style>
+          <a:lnRef idx="1">
+            <a:schemeClr val="accent1"/>
+          </a:lnRef>
+          <a:fillRef idx="3">
+            <a:schemeClr val="accent1"/>
+          </a:fillRef>
+          <a:effectRef idx="2">
+            <a:schemeClr val="accent1"/>
+          </a:effectRef>
+          <a:fontRef idx="minor">
+            <a:schemeClr val="lt1"/>
+          </a:fontRef>
+        </p:style>
         <p:txBody>
           <a:bodyPr wrap="none" rtlCol="0">
             <a:spAutoFit/>
@@ -5642,7 +6117,7 @@
         </p:nvSpPr>
         <p:spPr>
           <a:xfrm>
-            <a:off x="2212373" y="4164460"/>
+            <a:off x="239734" y="3671300"/>
             <a:ext cx="1800493" cy="246221"/>
           </a:xfrm>
           <a:prstGeom prst="rect">
@@ -5692,7 +6167,7 @@
         </p:nvSpPr>
         <p:spPr>
           <a:xfrm>
-            <a:off x="2436688" y="3443557"/>
+            <a:off x="464049" y="2950397"/>
             <a:ext cx="1338828" cy="246221"/>
           </a:xfrm>
           <a:prstGeom prst="rect">
@@ -5734,7 +6209,7 @@
         </p:nvSpPr>
         <p:spPr>
           <a:xfrm>
-            <a:off x="5284342" y="3496641"/>
+            <a:off x="3311703" y="3003481"/>
             <a:ext cx="877163" cy="246221"/>
           </a:xfrm>
           <a:prstGeom prst="rect">
@@ -5783,7 +6258,7 @@
         </p:nvCxnSpPr>
         <p:spPr>
           <a:xfrm flipH="1">
-            <a:off x="3911825" y="1484258"/>
+            <a:off x="1939186" y="991098"/>
             <a:ext cx="110152" cy="676741"/>
           </a:xfrm>
           <a:prstGeom prst="straightConnector1">
@@ -5819,7 +6294,7 @@
         </p:nvCxnSpPr>
         <p:spPr>
           <a:xfrm>
-            <a:off x="4021977" y="1484258"/>
+            <a:off x="2049338" y="991098"/>
             <a:ext cx="1966940" cy="688727"/>
           </a:xfrm>
           <a:prstGeom prst="straightConnector1">
@@ -5852,7 +6327,7 @@
         </p:nvSpPr>
         <p:spPr>
           <a:xfrm>
-            <a:off x="5637089" y="2472647"/>
+            <a:off x="3664450" y="1979487"/>
             <a:ext cx="723275" cy="861774"/>
           </a:xfrm>
           <a:prstGeom prst="rect">
@@ -5938,7 +6413,7 @@
         </p:nvSpPr>
         <p:spPr>
           <a:xfrm>
-            <a:off x="2553129" y="2881901"/>
+            <a:off x="580490" y="2388741"/>
             <a:ext cx="2339102" cy="246221"/>
           </a:xfrm>
           <a:prstGeom prst="rect">
@@ -5974,7 +6449,7 @@
         </p:nvSpPr>
         <p:spPr>
           <a:xfrm>
-            <a:off x="4810019" y="1666126"/>
+            <a:off x="2837380" y="1172966"/>
             <a:ext cx="569387" cy="246221"/>
           </a:xfrm>
           <a:prstGeom prst="rect">
@@ -6010,7 +6485,7 @@
         </p:nvSpPr>
         <p:spPr>
           <a:xfrm>
-            <a:off x="3996649" y="1684962"/>
+            <a:off x="2024010" y="1191802"/>
             <a:ext cx="569387" cy="246221"/>
           </a:xfrm>
           <a:prstGeom prst="rect">
@@ -6049,7 +6524,7 @@
         </p:nvCxnSpPr>
         <p:spPr>
           <a:xfrm flipH="1">
-            <a:off x="3106102" y="2407220"/>
+            <a:off x="1133463" y="1914060"/>
             <a:ext cx="805723" cy="1036337"/>
           </a:xfrm>
           <a:prstGeom prst="straightConnector1">
@@ -6085,7 +6560,7 @@
         </p:nvCxnSpPr>
         <p:spPr>
           <a:xfrm>
-            <a:off x="3106102" y="3689778"/>
+            <a:off x="1133463" y="3196618"/>
             <a:ext cx="6518" cy="474682"/>
           </a:xfrm>
           <a:prstGeom prst="straightConnector1">
@@ -6121,7 +6596,7 @@
         </p:nvCxnSpPr>
         <p:spPr>
           <a:xfrm flipH="1">
-            <a:off x="5722924" y="2419206"/>
+            <a:off x="3750285" y="1926046"/>
             <a:ext cx="265993" cy="1077435"/>
           </a:xfrm>
           <a:prstGeom prst="straightConnector1">
@@ -6154,7 +6629,7 @@
         </p:nvSpPr>
         <p:spPr>
           <a:xfrm>
-            <a:off x="2568541" y="3842535"/>
+            <a:off x="595902" y="3349375"/>
             <a:ext cx="492443" cy="246221"/>
           </a:xfrm>
           <a:prstGeom prst="rect">
@@ -6193,7 +6668,7 @@
         </p:nvCxnSpPr>
         <p:spPr>
           <a:xfrm flipH="1">
-            <a:off x="4012866" y="3742862"/>
+            <a:off x="2040227" y="3249702"/>
             <a:ext cx="1710058" cy="544709"/>
           </a:xfrm>
           <a:prstGeom prst="straightConnector1">
@@ -6228,7 +6703,7 @@
         </p:nvSpPr>
         <p:spPr>
           <a:xfrm>
-            <a:off x="4734676" y="3974387"/>
+            <a:off x="2762037" y="3481227"/>
             <a:ext cx="723275" cy="400110"/>
           </a:xfrm>
           <a:prstGeom prst="rect">
@@ -6274,7 +6749,7 @@
         <p:spPr>
           <a:xfrm>
             <a:off x="2876765" y="277402"/>
-            <a:ext cx="2096856" cy="369332"/>
+            <a:ext cx="2149756" cy="369332"/>
           </a:xfrm>
           <a:prstGeom prst="rect">
             <a:avLst/>
@@ -6303,7 +6778,7 @@
         </p:nvSpPr>
         <p:spPr>
           <a:xfrm>
-            <a:off x="2301413" y="2517171"/>
+            <a:off x="328774" y="2024011"/>
             <a:ext cx="415498" cy="246221"/>
           </a:xfrm>
           <a:prstGeom prst="rect">
@@ -6349,7 +6824,7 @@
         </p:nvSpPr>
         <p:spPr>
           <a:xfrm>
-            <a:off x="7292941" y="2525732"/>
+            <a:off x="5320302" y="2032572"/>
             <a:ext cx="415498" cy="246221"/>
           </a:xfrm>
           <a:prstGeom prst="rect">
@@ -6398,7 +6873,7 @@
         </p:nvCxnSpPr>
         <p:spPr>
           <a:xfrm flipH="1">
-            <a:off x="2716911" y="2284110"/>
+            <a:off x="744272" y="1790950"/>
             <a:ext cx="563972" cy="356172"/>
           </a:xfrm>
           <a:prstGeom prst="straightConnector1">
@@ -6434,7 +6909,7 @@
         </p:nvCxnSpPr>
         <p:spPr>
           <a:xfrm>
-            <a:off x="6619859" y="2296096"/>
+            <a:off x="4647220" y="1802936"/>
             <a:ext cx="673082" cy="352747"/>
           </a:xfrm>
           <a:prstGeom prst="straightConnector1">
@@ -6459,6 +6934,886 @@
           </a:fontRef>
         </p:style>
       </p:cxnSp>
+      <p:sp>
+        <p:nvSpPr>
+          <p:cNvPr id="116" name="TextBox 115"/>
+          <p:cNvSpPr txBox="1"/>
+          <p:nvPr/>
+        </p:nvSpPr>
+        <p:spPr>
+          <a:xfrm>
+            <a:off x="6030931" y="3195262"/>
+            <a:ext cx="725840" cy="369332"/>
+          </a:xfrm>
+          <a:prstGeom prst="rect">
+            <a:avLst/>
+          </a:prstGeom>
+          <a:noFill/>
+        </p:spPr>
+        <p:txBody>
+          <a:bodyPr wrap="none" rtlCol="0">
+            <a:spAutoFit/>
+          </a:bodyPr>
+          <a:lstStyle/>
+          <a:p>
+            <a:r>
+              <a:rPr lang="en-US" smtClean="0"/>
+              <a:t>Test 2</a:t>
+            </a:r>
+            <a:endParaRPr lang="en-US"/>
+          </a:p>
+        </p:txBody>
+      </p:sp>
+      <p:sp>
+        <p:nvSpPr>
+          <p:cNvPr id="117" name="TextBox 116"/>
+          <p:cNvSpPr txBox="1"/>
+          <p:nvPr/>
+        </p:nvSpPr>
+        <p:spPr>
+          <a:xfrm>
+            <a:off x="6239839" y="3835686"/>
+            <a:ext cx="492443" cy="246221"/>
+          </a:xfrm>
+          <a:prstGeom prst="rect">
+            <a:avLst/>
+          </a:prstGeom>
+          <a:ln/>
+        </p:spPr>
+        <p:style>
+          <a:lnRef idx="1">
+            <a:schemeClr val="accent1"/>
+          </a:lnRef>
+          <a:fillRef idx="3">
+            <a:schemeClr val="accent1"/>
+          </a:fillRef>
+          <a:effectRef idx="2">
+            <a:schemeClr val="accent1"/>
+          </a:effectRef>
+          <a:fontRef idx="minor">
+            <a:schemeClr val="lt1"/>
+          </a:fontRef>
+        </p:style>
+        <p:txBody>
+          <a:bodyPr wrap="none" rtlCol="0">
+            <a:spAutoFit/>
+          </a:bodyPr>
+          <a:lstStyle/>
+          <a:p>
+            <a:r>
+              <a:rPr lang="en-US" sz="1000" smtClean="0">
+                <a:latin typeface="Courier New" pitchFamily="49" charset="0"/>
+                <a:cs typeface="Courier New" pitchFamily="49" charset="0"/>
+              </a:rPr>
+              <a:t>main</a:t>
+            </a:r>
+          </a:p>
+        </p:txBody>
+      </p:sp>
+      <p:sp>
+        <p:nvSpPr>
+          <p:cNvPr id="118" name="TextBox 117"/>
+          <p:cNvSpPr txBox="1"/>
+          <p:nvPr/>
+        </p:nvSpPr>
+        <p:spPr>
+          <a:xfrm>
+            <a:off x="7558356" y="3561708"/>
+            <a:ext cx="415498" cy="246221"/>
+          </a:xfrm>
+          <a:prstGeom prst="rect">
+            <a:avLst/>
+          </a:prstGeom>
+          <a:ln/>
+        </p:spPr>
+        <p:style>
+          <a:lnRef idx="1">
+            <a:schemeClr val="accent3"/>
+          </a:lnRef>
+          <a:fillRef idx="2">
+            <a:schemeClr val="accent3"/>
+          </a:fillRef>
+          <a:effectRef idx="1">
+            <a:schemeClr val="accent3"/>
+          </a:effectRef>
+          <a:fontRef idx="minor">
+            <a:schemeClr val="dk1"/>
+          </a:fontRef>
+        </p:style>
+        <p:txBody>
+          <a:bodyPr wrap="none" rtlCol="0">
+            <a:spAutoFit/>
+          </a:bodyPr>
+          <a:lstStyle/>
+          <a:p>
+            <a:r>
+              <a:rPr lang="en-US" sz="1000" smtClean="0">
+                <a:latin typeface="Courier New" pitchFamily="49" charset="0"/>
+                <a:cs typeface="Courier New" pitchFamily="49" charset="0"/>
+              </a:rPr>
+              <a:t>Log</a:t>
+            </a:r>
+          </a:p>
+        </p:txBody>
+      </p:sp>
+      <p:cxnSp>
+        <p:nvCxnSpPr>
+          <p:cNvPr id="120" name="Straight Arrow Connector 119"/>
+          <p:cNvCxnSpPr>
+            <a:stCxn id="117" idx="3"/>
+            <a:endCxn id="118" idx="1"/>
+          </p:cNvCxnSpPr>
+          <p:nvPr/>
+        </p:nvCxnSpPr>
+        <p:spPr>
+          <a:xfrm flipV="1">
+            <a:off x="6732282" y="3684819"/>
+            <a:ext cx="826074" cy="273978"/>
+          </a:xfrm>
+          <a:prstGeom prst="straightConnector1">
+            <a:avLst/>
+          </a:prstGeom>
+          <a:ln>
+            <a:tailEnd type="arrow"/>
+          </a:ln>
+        </p:spPr>
+        <p:style>
+          <a:lnRef idx="1">
+            <a:schemeClr val="accent1"/>
+          </a:lnRef>
+          <a:fillRef idx="0">
+            <a:schemeClr val="accent1"/>
+          </a:fillRef>
+          <a:effectRef idx="0">
+            <a:schemeClr val="accent1"/>
+          </a:effectRef>
+          <a:fontRef idx="minor">
+            <a:schemeClr val="tx1"/>
+          </a:fontRef>
+        </p:style>
+      </p:cxnSp>
+      <p:sp>
+        <p:nvSpPr>
+          <p:cNvPr id="121" name="TextBox 120"/>
+          <p:cNvSpPr txBox="1"/>
+          <p:nvPr/>
+        </p:nvSpPr>
+        <p:spPr>
+          <a:xfrm>
+            <a:off x="4347681" y="4553165"/>
+            <a:ext cx="877163" cy="246221"/>
+          </a:xfrm>
+          <a:prstGeom prst="rect">
+            <a:avLst/>
+          </a:prstGeom>
+          <a:ln/>
+        </p:spPr>
+        <p:style>
+          <a:lnRef idx="1">
+            <a:schemeClr val="accent1"/>
+          </a:lnRef>
+          <a:fillRef idx="3">
+            <a:schemeClr val="accent1"/>
+          </a:fillRef>
+          <a:effectRef idx="2">
+            <a:schemeClr val="accent1"/>
+          </a:effectRef>
+          <a:fontRef idx="minor">
+            <a:schemeClr val="lt1"/>
+          </a:fontRef>
+        </p:style>
+        <p:txBody>
+          <a:bodyPr wrap="none" rtlCol="0">
+            <a:spAutoFit/>
+          </a:bodyPr>
+          <a:lstStyle/>
+          <a:p>
+            <a:r>
+              <a:rPr lang="en-US" sz="1000" smtClean="0">
+                <a:latin typeface="Courier New" pitchFamily="49" charset="0"/>
+                <a:cs typeface="Courier New" pitchFamily="49" charset="0"/>
+              </a:rPr>
+              <a:t>simulator</a:t>
+            </a:r>
+            <a:endParaRPr lang="en-US" sz="1000" smtClean="0">
+              <a:latin typeface="Courier New" pitchFamily="49" charset="0"/>
+              <a:cs typeface="Courier New" pitchFamily="49" charset="0"/>
+            </a:endParaRPr>
+          </a:p>
+        </p:txBody>
+      </p:sp>
+      <p:cxnSp>
+        <p:nvCxnSpPr>
+          <p:cNvPr id="125" name="Straight Arrow Connector 124"/>
+          <p:cNvCxnSpPr>
+            <a:stCxn id="117" idx="2"/>
+            <a:endCxn id="121" idx="0"/>
+          </p:cNvCxnSpPr>
+          <p:nvPr/>
+        </p:nvCxnSpPr>
+        <p:spPr>
+          <a:xfrm flipH="1">
+            <a:off x="4786263" y="4081907"/>
+            <a:ext cx="1699798" cy="471258"/>
+          </a:xfrm>
+          <a:prstGeom prst="straightConnector1">
+            <a:avLst/>
+          </a:prstGeom>
+          <a:ln>
+            <a:tailEnd type="arrow"/>
+          </a:ln>
+        </p:spPr>
+        <p:style>
+          <a:lnRef idx="1">
+            <a:schemeClr val="accent1"/>
+          </a:lnRef>
+          <a:fillRef idx="0">
+            <a:schemeClr val="accent1"/>
+          </a:fillRef>
+          <a:effectRef idx="0">
+            <a:schemeClr val="accent1"/>
+          </a:effectRef>
+          <a:fontRef idx="minor">
+            <a:schemeClr val="tx1"/>
+          </a:fontRef>
+        </p:style>
+      </p:cxnSp>
+      <p:sp>
+        <p:nvSpPr>
+          <p:cNvPr id="126" name="TextBox 125"/>
+          <p:cNvSpPr txBox="1"/>
+          <p:nvPr/>
+        </p:nvSpPr>
+        <p:spPr>
+          <a:xfrm>
+            <a:off x="5227835" y="3933288"/>
+            <a:ext cx="569387" cy="400110"/>
+          </a:xfrm>
+          <a:prstGeom prst="rect">
+            <a:avLst/>
+          </a:prstGeom>
+          <a:noFill/>
+        </p:spPr>
+        <p:txBody>
+          <a:bodyPr wrap="none" rtlCol="0">
+            <a:spAutoFit/>
+          </a:bodyPr>
+          <a:lstStyle/>
+          <a:p>
+            <a:r>
+              <a:rPr lang="en-US" sz="1000" smtClean="0">
+                <a:latin typeface="Courier New" pitchFamily="49" charset="0"/>
+                <a:cs typeface="Courier New" pitchFamily="49" charset="0"/>
+              </a:rPr>
+              <a:t>start</a:t>
+            </a:r>
+          </a:p>
+          <a:p>
+            <a:r>
+              <a:rPr lang="en-US" sz="1000" smtClean="0">
+                <a:latin typeface="Courier New" pitchFamily="49" charset="0"/>
+                <a:cs typeface="Courier New" pitchFamily="49" charset="0"/>
+              </a:rPr>
+              <a:t>kill</a:t>
+            </a:r>
+            <a:endParaRPr lang="en-US" sz="1000">
+              <a:latin typeface="Courier New" pitchFamily="49" charset="0"/>
+              <a:cs typeface="Courier New" pitchFamily="49" charset="0"/>
+            </a:endParaRPr>
+          </a:p>
+        </p:txBody>
+      </p:sp>
+      <p:sp>
+        <p:nvSpPr>
+          <p:cNvPr id="128" name="TextBox 127"/>
+          <p:cNvSpPr txBox="1"/>
+          <p:nvPr/>
+        </p:nvSpPr>
+        <p:spPr>
+          <a:xfrm>
+            <a:off x="7469313" y="5126805"/>
+            <a:ext cx="569387" cy="246221"/>
+          </a:xfrm>
+          <a:prstGeom prst="rect">
+            <a:avLst/>
+          </a:prstGeom>
+          <a:ln/>
+        </p:spPr>
+        <p:style>
+          <a:lnRef idx="1">
+            <a:schemeClr val="accent3"/>
+          </a:lnRef>
+          <a:fillRef idx="2">
+            <a:schemeClr val="accent3"/>
+          </a:fillRef>
+          <a:effectRef idx="1">
+            <a:schemeClr val="accent3"/>
+          </a:effectRef>
+          <a:fontRef idx="minor">
+            <a:schemeClr val="dk1"/>
+          </a:fontRef>
+        </p:style>
+        <p:txBody>
+          <a:bodyPr wrap="none" rtlCol="0">
+            <a:spAutoFit/>
+          </a:bodyPr>
+          <a:lstStyle/>
+          <a:p>
+            <a:r>
+              <a:rPr lang="en-US" sz="1000" smtClean="0">
+                <a:latin typeface="Courier New" pitchFamily="49" charset="0"/>
+                <a:cs typeface="Courier New" pitchFamily="49" charset="0"/>
+              </a:rPr>
+              <a:t>Queue</a:t>
+            </a:r>
+            <a:endParaRPr lang="en-US" sz="1000" smtClean="0">
+              <a:latin typeface="Courier New" pitchFamily="49" charset="0"/>
+              <a:cs typeface="Courier New" pitchFamily="49" charset="0"/>
+            </a:endParaRPr>
+          </a:p>
+        </p:txBody>
+      </p:sp>
+      <p:cxnSp>
+        <p:nvCxnSpPr>
+          <p:cNvPr id="130" name="Straight Arrow Connector 129"/>
+          <p:cNvCxnSpPr>
+            <a:stCxn id="117" idx="2"/>
+            <a:endCxn id="128" idx="0"/>
+          </p:cNvCxnSpPr>
+          <p:nvPr/>
+        </p:nvCxnSpPr>
+        <p:spPr>
+          <a:xfrm>
+            <a:off x="6486061" y="4081907"/>
+            <a:ext cx="1267946" cy="1044898"/>
+          </a:xfrm>
+          <a:prstGeom prst="straightConnector1">
+            <a:avLst/>
+          </a:prstGeom>
+          <a:ln>
+            <a:tailEnd type="arrow"/>
+          </a:ln>
+        </p:spPr>
+        <p:style>
+          <a:lnRef idx="1">
+            <a:schemeClr val="accent1"/>
+          </a:lnRef>
+          <a:fillRef idx="0">
+            <a:schemeClr val="accent1"/>
+          </a:fillRef>
+          <a:effectRef idx="0">
+            <a:schemeClr val="accent1"/>
+          </a:effectRef>
+          <a:fontRef idx="minor">
+            <a:schemeClr val="tx1"/>
+          </a:fontRef>
+        </p:style>
+      </p:cxnSp>
+      <p:sp>
+        <p:nvSpPr>
+          <p:cNvPr id="131" name="TextBox 130"/>
+          <p:cNvSpPr txBox="1"/>
+          <p:nvPr/>
+        </p:nvSpPr>
+        <p:spPr>
+          <a:xfrm>
+            <a:off x="7157662" y="4352816"/>
+            <a:ext cx="646331" cy="400110"/>
+          </a:xfrm>
+          <a:prstGeom prst="rect">
+            <a:avLst/>
+          </a:prstGeom>
+          <a:noFill/>
+        </p:spPr>
+        <p:txBody>
+          <a:bodyPr wrap="none" rtlCol="0">
+            <a:spAutoFit/>
+          </a:bodyPr>
+          <a:lstStyle/>
+          <a:p>
+            <a:r>
+              <a:rPr lang="en-US" sz="1000" smtClean="0">
+                <a:latin typeface="Courier New" pitchFamily="49" charset="0"/>
+                <a:cs typeface="Courier New" pitchFamily="49" charset="0"/>
+              </a:rPr>
+              <a:t>create</a:t>
+            </a:r>
+          </a:p>
+          <a:p>
+            <a:r>
+              <a:rPr lang="en-US" sz="1000" smtClean="0">
+                <a:latin typeface="Courier New" pitchFamily="49" charset="0"/>
+                <a:cs typeface="Courier New" pitchFamily="49" charset="0"/>
+              </a:rPr>
+              <a:t>put</a:t>
+            </a:r>
+            <a:endParaRPr lang="en-US" sz="1000">
+              <a:latin typeface="Courier New" pitchFamily="49" charset="0"/>
+              <a:cs typeface="Courier New" pitchFamily="49" charset="0"/>
+            </a:endParaRPr>
+          </a:p>
+        </p:txBody>
+      </p:sp>
+      <p:sp>
+        <p:nvSpPr>
+          <p:cNvPr id="134" name="TextBox 133"/>
+          <p:cNvSpPr txBox="1"/>
+          <p:nvPr/>
+        </p:nvSpPr>
+        <p:spPr>
+          <a:xfrm>
+            <a:off x="5090845" y="5871681"/>
+            <a:ext cx="877163" cy="246221"/>
+          </a:xfrm>
+          <a:prstGeom prst="rect">
+            <a:avLst/>
+          </a:prstGeom>
+          <a:ln/>
+        </p:spPr>
+        <p:style>
+          <a:lnRef idx="1">
+            <a:schemeClr val="accent3"/>
+          </a:lnRef>
+          <a:fillRef idx="2">
+            <a:schemeClr val="accent3"/>
+          </a:fillRef>
+          <a:effectRef idx="1">
+            <a:schemeClr val="accent3"/>
+          </a:effectRef>
+          <a:fontRef idx="minor">
+            <a:schemeClr val="dk1"/>
+          </a:fontRef>
+        </p:style>
+        <p:txBody>
+          <a:bodyPr wrap="none" rtlCol="0">
+            <a:spAutoFit/>
+          </a:bodyPr>
+          <a:lstStyle/>
+          <a:p>
+            <a:r>
+              <a:rPr lang="en-US" sz="1000" smtClean="0">
+                <a:latin typeface="Courier New" pitchFamily="49" charset="0"/>
+                <a:cs typeface="Courier New" pitchFamily="49" charset="0"/>
+              </a:rPr>
+              <a:t>MsgSocket</a:t>
+            </a:r>
+            <a:endParaRPr lang="en-US" sz="1000" smtClean="0">
+              <a:latin typeface="Courier New" pitchFamily="49" charset="0"/>
+              <a:cs typeface="Courier New" pitchFamily="49" charset="0"/>
+            </a:endParaRPr>
+          </a:p>
+        </p:txBody>
+      </p:sp>
+      <p:cxnSp>
+        <p:nvCxnSpPr>
+          <p:cNvPr id="136" name="Straight Arrow Connector 135"/>
+          <p:cNvCxnSpPr>
+            <a:stCxn id="117" idx="2"/>
+            <a:endCxn id="134" idx="0"/>
+          </p:cNvCxnSpPr>
+          <p:nvPr/>
+        </p:nvCxnSpPr>
+        <p:spPr>
+          <a:xfrm flipH="1">
+            <a:off x="5529427" y="4081907"/>
+            <a:ext cx="956634" cy="1789774"/>
+          </a:xfrm>
+          <a:prstGeom prst="straightConnector1">
+            <a:avLst/>
+          </a:prstGeom>
+          <a:ln>
+            <a:tailEnd type="arrow"/>
+          </a:ln>
+        </p:spPr>
+        <p:style>
+          <a:lnRef idx="1">
+            <a:schemeClr val="accent1"/>
+          </a:lnRef>
+          <a:fillRef idx="0">
+            <a:schemeClr val="accent1"/>
+          </a:fillRef>
+          <a:effectRef idx="0">
+            <a:schemeClr val="accent1"/>
+          </a:effectRef>
+          <a:fontRef idx="minor">
+            <a:schemeClr val="tx1"/>
+          </a:fontRef>
+        </p:style>
+      </p:cxnSp>
+      <p:sp>
+        <p:nvSpPr>
+          <p:cNvPr id="137" name="TextBox 136"/>
+          <p:cNvSpPr txBox="1"/>
+          <p:nvPr/>
+        </p:nvSpPr>
+        <p:spPr>
+          <a:xfrm>
+            <a:off x="5604553" y="5347698"/>
+            <a:ext cx="723275" cy="400110"/>
+          </a:xfrm>
+          <a:prstGeom prst="rect">
+            <a:avLst/>
+          </a:prstGeom>
+          <a:noFill/>
+        </p:spPr>
+        <p:txBody>
+          <a:bodyPr wrap="none" rtlCol="0">
+            <a:spAutoFit/>
+          </a:bodyPr>
+          <a:lstStyle/>
+          <a:p>
+            <a:r>
+              <a:rPr lang="en-US" sz="1000" smtClean="0">
+                <a:latin typeface="Courier New" pitchFamily="49" charset="0"/>
+                <a:cs typeface="Courier New" pitchFamily="49" charset="0"/>
+              </a:rPr>
+              <a:t>create</a:t>
+            </a:r>
+          </a:p>
+          <a:p>
+            <a:r>
+              <a:rPr lang="en-US" sz="1000" smtClean="0">
+                <a:latin typeface="Courier New" pitchFamily="49" charset="0"/>
+                <a:cs typeface="Courier New" pitchFamily="49" charset="0"/>
+              </a:rPr>
+              <a:t>connect</a:t>
+            </a:r>
+            <a:endParaRPr lang="en-US" sz="1000">
+              <a:latin typeface="Courier New" pitchFamily="49" charset="0"/>
+              <a:cs typeface="Courier New" pitchFamily="49" charset="0"/>
+            </a:endParaRPr>
+          </a:p>
+        </p:txBody>
+      </p:sp>
+      <p:cxnSp>
+        <p:nvCxnSpPr>
+          <p:cNvPr id="142" name="Straight Arrow Connector 141"/>
+          <p:cNvCxnSpPr>
+            <a:stCxn id="134" idx="0"/>
+            <a:endCxn id="121" idx="2"/>
+          </p:cNvCxnSpPr>
+          <p:nvPr/>
+        </p:nvCxnSpPr>
+        <p:spPr>
+          <a:xfrm flipH="1" flipV="1">
+            <a:off x="4786263" y="4799386"/>
+            <a:ext cx="743164" cy="1072295"/>
+          </a:xfrm>
+          <a:prstGeom prst="straightConnector1">
+            <a:avLst/>
+          </a:prstGeom>
+          <a:ln>
+            <a:prstDash val="sysDash"/>
+            <a:tailEnd type="arrow"/>
+          </a:ln>
+        </p:spPr>
+        <p:style>
+          <a:lnRef idx="1">
+            <a:schemeClr val="accent1"/>
+          </a:lnRef>
+          <a:fillRef idx="0">
+            <a:schemeClr val="accent1"/>
+          </a:fillRef>
+          <a:effectRef idx="0">
+            <a:schemeClr val="accent1"/>
+          </a:effectRef>
+          <a:fontRef idx="minor">
+            <a:schemeClr val="tx1"/>
+          </a:fontRef>
+        </p:style>
+      </p:cxnSp>
+      <p:sp>
+        <p:nvSpPr>
+          <p:cNvPr id="143" name="TextBox 142"/>
+          <p:cNvSpPr txBox="1"/>
+          <p:nvPr/>
+        </p:nvSpPr>
+        <p:spPr>
+          <a:xfrm>
+            <a:off x="7090880" y="6464159"/>
+            <a:ext cx="877163" cy="246221"/>
+          </a:xfrm>
+          <a:prstGeom prst="rect">
+            <a:avLst/>
+          </a:prstGeom>
+          <a:solidFill>
+            <a:schemeClr val="tx2">
+              <a:lumMod val="20000"/>
+              <a:lumOff val="80000"/>
+            </a:schemeClr>
+          </a:solidFill>
+          <a:ln cmpd="sng">
+            <a:solidFill>
+              <a:schemeClr val="tx1"/>
+            </a:solidFill>
+          </a:ln>
+        </p:spPr>
+        <p:txBody>
+          <a:bodyPr wrap="none" rtlCol="0">
+            <a:spAutoFit/>
+          </a:bodyPr>
+          <a:lstStyle/>
+          <a:p>
+            <a:r>
+              <a:rPr lang="en-US" sz="1000" smtClean="0">
+                <a:latin typeface="Courier New" pitchFamily="49" charset="0"/>
+                <a:cs typeface="Courier New" pitchFamily="49" charset="0"/>
+              </a:rPr>
+              <a:t>MsgQuPump</a:t>
+            </a:r>
+            <a:endParaRPr lang="en-US" sz="1000" smtClean="0">
+              <a:latin typeface="Courier New" pitchFamily="49" charset="0"/>
+              <a:cs typeface="Courier New" pitchFamily="49" charset="0"/>
+            </a:endParaRPr>
+          </a:p>
+        </p:txBody>
+      </p:sp>
+      <p:cxnSp>
+        <p:nvCxnSpPr>
+          <p:cNvPr id="145" name="Straight Arrow Connector 144"/>
+          <p:cNvCxnSpPr>
+            <a:stCxn id="117" idx="2"/>
+            <a:endCxn id="143" idx="0"/>
+          </p:cNvCxnSpPr>
+          <p:nvPr/>
+        </p:nvCxnSpPr>
+        <p:spPr>
+          <a:xfrm>
+            <a:off x="6486061" y="4081907"/>
+            <a:ext cx="1043401" cy="2382252"/>
+          </a:xfrm>
+          <a:prstGeom prst="straightConnector1">
+            <a:avLst/>
+          </a:prstGeom>
+          <a:ln>
+            <a:tailEnd type="arrow"/>
+          </a:ln>
+        </p:spPr>
+        <p:style>
+          <a:lnRef idx="1">
+            <a:schemeClr val="accent1"/>
+          </a:lnRef>
+          <a:fillRef idx="0">
+            <a:schemeClr val="accent1"/>
+          </a:fillRef>
+          <a:effectRef idx="0">
+            <a:schemeClr val="accent1"/>
+          </a:effectRef>
+          <a:fontRef idx="minor">
+            <a:schemeClr val="tx1"/>
+          </a:fontRef>
+        </p:style>
+      </p:cxnSp>
+      <p:sp>
+        <p:nvSpPr>
+          <p:cNvPr id="146" name="TextBox 145"/>
+          <p:cNvSpPr txBox="1"/>
+          <p:nvPr/>
+        </p:nvSpPr>
+        <p:spPr>
+          <a:xfrm>
+            <a:off x="6590872" y="5388795"/>
+            <a:ext cx="646331" cy="246221"/>
+          </a:xfrm>
+          <a:prstGeom prst="rect">
+            <a:avLst/>
+          </a:prstGeom>
+          <a:noFill/>
+        </p:spPr>
+        <p:txBody>
+          <a:bodyPr wrap="none" rtlCol="0">
+            <a:spAutoFit/>
+          </a:bodyPr>
+          <a:lstStyle/>
+          <a:p>
+            <a:r>
+              <a:rPr lang="en-US" sz="1000" smtClean="0">
+                <a:latin typeface="Courier New" pitchFamily="49" charset="0"/>
+                <a:cs typeface="Courier New" pitchFamily="49" charset="0"/>
+              </a:rPr>
+              <a:t>create</a:t>
+            </a:r>
+            <a:endParaRPr lang="en-US" sz="1000">
+              <a:latin typeface="Courier New" pitchFamily="49" charset="0"/>
+              <a:cs typeface="Courier New" pitchFamily="49" charset="0"/>
+            </a:endParaRPr>
+          </a:p>
+        </p:txBody>
+      </p:sp>
+      <p:cxnSp>
+        <p:nvCxnSpPr>
+          <p:cNvPr id="149" name="Straight Arrow Connector 148"/>
+          <p:cNvCxnSpPr>
+            <a:stCxn id="143" idx="1"/>
+            <a:endCxn id="134" idx="3"/>
+          </p:cNvCxnSpPr>
+          <p:nvPr/>
+        </p:nvCxnSpPr>
+        <p:spPr>
+          <a:xfrm flipH="1" flipV="1">
+            <a:off x="5968008" y="5994792"/>
+            <a:ext cx="1122872" cy="592478"/>
+          </a:xfrm>
+          <a:prstGeom prst="straightConnector1">
+            <a:avLst/>
+          </a:prstGeom>
+          <a:ln>
+            <a:tailEnd type="arrow"/>
+          </a:ln>
+        </p:spPr>
+        <p:style>
+          <a:lnRef idx="1">
+            <a:schemeClr val="accent1"/>
+          </a:lnRef>
+          <a:fillRef idx="0">
+            <a:schemeClr val="accent1"/>
+          </a:fillRef>
+          <a:effectRef idx="0">
+            <a:schemeClr val="accent1"/>
+          </a:effectRef>
+          <a:fontRef idx="minor">
+            <a:schemeClr val="tx1"/>
+          </a:fontRef>
+        </p:style>
+      </p:cxnSp>
+      <p:sp>
+        <p:nvSpPr>
+          <p:cNvPr id="150" name="TextBox 149"/>
+          <p:cNvSpPr txBox="1"/>
+          <p:nvPr/>
+        </p:nvSpPr>
+        <p:spPr>
+          <a:xfrm>
+            <a:off x="6034356" y="6229564"/>
+            <a:ext cx="492443" cy="246221"/>
+          </a:xfrm>
+          <a:prstGeom prst="rect">
+            <a:avLst/>
+          </a:prstGeom>
+          <a:noFill/>
+        </p:spPr>
+        <p:txBody>
+          <a:bodyPr wrap="none" rtlCol="0">
+            <a:spAutoFit/>
+          </a:bodyPr>
+          <a:lstStyle/>
+          <a:p>
+            <a:r>
+              <a:rPr lang="en-US" sz="1000" smtClean="0">
+                <a:latin typeface="Courier New" pitchFamily="49" charset="0"/>
+                <a:cs typeface="Courier New" pitchFamily="49" charset="0"/>
+              </a:rPr>
+              <a:t>send</a:t>
+            </a:r>
+            <a:endParaRPr lang="en-US" sz="1000">
+              <a:latin typeface="Courier New" pitchFamily="49" charset="0"/>
+              <a:cs typeface="Courier New" pitchFamily="49" charset="0"/>
+            </a:endParaRPr>
+          </a:p>
+        </p:txBody>
+      </p:sp>
+      <p:cxnSp>
+        <p:nvCxnSpPr>
+          <p:cNvPr id="152" name="Straight Arrow Connector 151"/>
+          <p:cNvCxnSpPr>
+            <a:stCxn id="143" idx="0"/>
+            <a:endCxn id="128" idx="2"/>
+          </p:cNvCxnSpPr>
+          <p:nvPr/>
+        </p:nvCxnSpPr>
+        <p:spPr>
+          <a:xfrm flipV="1">
+            <a:off x="7529462" y="5373026"/>
+            <a:ext cx="224545" cy="1091133"/>
+          </a:xfrm>
+          <a:prstGeom prst="straightConnector1">
+            <a:avLst/>
+          </a:prstGeom>
+          <a:ln>
+            <a:tailEnd type="arrow"/>
+          </a:ln>
+        </p:spPr>
+        <p:style>
+          <a:lnRef idx="1">
+            <a:schemeClr val="accent1"/>
+          </a:lnRef>
+          <a:fillRef idx="0">
+            <a:schemeClr val="accent1"/>
+          </a:fillRef>
+          <a:effectRef idx="0">
+            <a:schemeClr val="accent1"/>
+          </a:effectRef>
+          <a:fontRef idx="minor">
+            <a:schemeClr val="tx1"/>
+          </a:fontRef>
+        </p:style>
+      </p:cxnSp>
+      <p:sp>
+        <p:nvSpPr>
+          <p:cNvPr id="153" name="TextBox 152"/>
+          <p:cNvSpPr txBox="1"/>
+          <p:nvPr/>
+        </p:nvSpPr>
+        <p:spPr>
+          <a:xfrm>
+            <a:off x="7616574" y="5911062"/>
+            <a:ext cx="415498" cy="246221"/>
+          </a:xfrm>
+          <a:prstGeom prst="rect">
+            <a:avLst/>
+          </a:prstGeom>
+          <a:noFill/>
+        </p:spPr>
+        <p:txBody>
+          <a:bodyPr wrap="none" rtlCol="0">
+            <a:spAutoFit/>
+          </a:bodyPr>
+          <a:lstStyle/>
+          <a:p>
+            <a:r>
+              <a:rPr lang="en-US" sz="1000" smtClean="0">
+                <a:latin typeface="Courier New" pitchFamily="49" charset="0"/>
+                <a:cs typeface="Courier New" pitchFamily="49" charset="0"/>
+              </a:rPr>
+              <a:t>get</a:t>
+            </a:r>
+            <a:endParaRPr lang="en-US" sz="1000">
+              <a:latin typeface="Courier New" pitchFamily="49" charset="0"/>
+              <a:cs typeface="Courier New" pitchFamily="49" charset="0"/>
+            </a:endParaRPr>
+          </a:p>
+        </p:txBody>
+      </p:sp>
+      <p:sp>
+        <p:nvSpPr>
+          <p:cNvPr id="158" name="TextBox 157"/>
+          <p:cNvSpPr txBox="1"/>
+          <p:nvPr/>
+        </p:nvSpPr>
+        <p:spPr>
+          <a:xfrm>
+            <a:off x="306513" y="717479"/>
+            <a:ext cx="725840" cy="369332"/>
+          </a:xfrm>
+          <a:prstGeom prst="rect">
+            <a:avLst/>
+          </a:prstGeom>
+          <a:noFill/>
+        </p:spPr>
+        <p:txBody>
+          <a:bodyPr wrap="none" rtlCol="0">
+            <a:spAutoFit/>
+          </a:bodyPr>
+          <a:lstStyle/>
+          <a:p>
+            <a:r>
+              <a:rPr lang="en-US" smtClean="0"/>
+              <a:t>Test 1</a:t>
+            </a:r>
+            <a:endParaRPr lang="en-US"/>
+          </a:p>
+        </p:txBody>
+      </p:sp>
     </p:spTree>
   </p:cSld>
   <p:clrMapOvr>

--- a/Scripting/ScriptingDocumenation/DesignDiagrams.pptx
+++ b/Scripting/ScriptingDocumenation/DesignDiagrams.pptx
@@ -3139,8 +3139,8 @@
         </p:nvSpPr>
         <p:spPr>
           <a:xfrm>
-            <a:off x="4958995" y="2657583"/>
-            <a:ext cx="415498" cy="246221"/>
+            <a:off x="3808290" y="1732909"/>
+            <a:ext cx="646331" cy="246221"/>
           </a:xfrm>
           <a:prstGeom prst="rect">
             <a:avLst/>
@@ -3168,41 +3168,9 @@
                 <a:latin typeface="Courier New" pitchFamily="49" charset="0"/>
                 <a:cs typeface="Courier New" pitchFamily="49" charset="0"/>
               </a:rPr>
-              <a:t>kkk</a:t>
-            </a:r>
-          </a:p>
-        </p:txBody>
-      </p:sp>
-      <p:sp>
-        <p:nvSpPr>
-          <p:cNvPr id="3" name="TextBox 2"/>
-          <p:cNvSpPr txBox="1"/>
-          <p:nvPr/>
-        </p:nvSpPr>
-        <p:spPr>
-          <a:xfrm>
-            <a:off x="4962419" y="3041150"/>
-            <a:ext cx="415498" cy="246221"/>
-          </a:xfrm>
-          <a:prstGeom prst="rect">
-            <a:avLst/>
-          </a:prstGeom>
-          <a:noFill/>
-        </p:spPr>
-        <p:txBody>
-          <a:bodyPr wrap="none" rtlCol="0">
-            <a:spAutoFit/>
-          </a:bodyPr>
-          <a:lstStyle/>
-          <a:p>
-            <a:r>
-              <a:rPr lang="en-US" sz="1000" smtClean="0">
-                <a:latin typeface="Courier New" pitchFamily="49" charset="0"/>
-                <a:cs typeface="Courier New" pitchFamily="49" charset="0"/>
-              </a:rPr>
-              <a:t>kkk</a:t>
-            </a:r>
-            <a:endParaRPr lang="en-US" sz="1000">
+              <a:t>Thread</a:t>
+            </a:r>
+            <a:endParaRPr lang="en-US" sz="1000" smtClean="0">
               <a:latin typeface="Courier New" pitchFamily="49" charset="0"/>
               <a:cs typeface="Courier New" pitchFamily="49" charset="0"/>
             </a:endParaRPr>
@@ -3217,7 +3185,7 @@
         </p:nvSpPr>
         <p:spPr>
           <a:xfrm>
-            <a:off x="3830549" y="2402440"/>
+            <a:off x="614738" y="2638746"/>
             <a:ext cx="954107" cy="861774"/>
           </a:xfrm>
           <a:prstGeom prst="rect">
@@ -3244,8 +3212,15 @@
                 <a:latin typeface="Courier New" pitchFamily="49" charset="0"/>
                 <a:cs typeface="Courier New" pitchFamily="49" charset="0"/>
               </a:rPr>
-              <a:t>kkk</a:t>
-            </a:r>
+              <a:t>class</a:t>
+            </a:r>
+            <a:endParaRPr lang="en-US" sz="1000" b="1" smtClean="0">
+              <a:solidFill>
+                <a:srgbClr val="FF0000"/>
+              </a:solidFill>
+              <a:latin typeface="Courier New" pitchFamily="49" charset="0"/>
+              <a:cs typeface="Courier New" pitchFamily="49" charset="0"/>
+            </a:endParaRPr>
           </a:p>
           <a:p>
             <a:r>
@@ -3262,8 +3237,12 @@
                 <a:latin typeface="Courier New" pitchFamily="49" charset="0"/>
                 <a:cs typeface="Courier New" pitchFamily="49" charset="0"/>
               </a:rPr>
-              <a:t>xx</a:t>
-            </a:r>
+              <a:t>methods</a:t>
+            </a:r>
+            <a:endParaRPr lang="en-US" sz="1000" smtClean="0">
+              <a:latin typeface="Courier New" pitchFamily="49" charset="0"/>
+              <a:cs typeface="Courier New" pitchFamily="49" charset="0"/>
+            </a:endParaRPr>
           </a:p>
           <a:p>
             <a:r>
@@ -3280,8 +3259,378 @@
                 <a:latin typeface="Courier New" pitchFamily="49" charset="0"/>
                 <a:cs typeface="Courier New" pitchFamily="49" charset="0"/>
               </a:rPr>
-              <a:t>xx</a:t>
-            </a:r>
+              <a:t>data</a:t>
+            </a:r>
+            <a:endParaRPr lang="en-US" sz="1000" smtClean="0">
+              <a:latin typeface="Courier New" pitchFamily="49" charset="0"/>
+              <a:cs typeface="Courier New" pitchFamily="49" charset="0"/>
+            </a:endParaRPr>
+          </a:p>
+        </p:txBody>
+      </p:sp>
+      <p:sp>
+        <p:nvSpPr>
+          <p:cNvPr id="5" name="TextBox 4"/>
+          <p:cNvSpPr txBox="1"/>
+          <p:nvPr/>
+        </p:nvSpPr>
+        <p:spPr>
+          <a:xfrm>
+            <a:off x="2167848" y="1797980"/>
+            <a:ext cx="646331" cy="246221"/>
+          </a:xfrm>
+          <a:prstGeom prst="rect">
+            <a:avLst/>
+          </a:prstGeom>
+          <a:ln/>
+        </p:spPr>
+        <p:style>
+          <a:lnRef idx="1">
+            <a:schemeClr val="accent3"/>
+          </a:lnRef>
+          <a:fillRef idx="2">
+            <a:schemeClr val="accent3"/>
+          </a:fillRef>
+          <a:effectRef idx="1">
+            <a:schemeClr val="accent3"/>
+          </a:effectRef>
+          <a:fontRef idx="minor">
+            <a:schemeClr val="dk1"/>
+          </a:fontRef>
+        </p:style>
+        <p:txBody>
+          <a:bodyPr wrap="none" rtlCol="0">
+            <a:spAutoFit/>
+          </a:bodyPr>
+          <a:lstStyle/>
+          <a:p>
+            <a:r>
+              <a:rPr lang="en-US" sz="1000" smtClean="0">
+                <a:latin typeface="Courier New" pitchFamily="49" charset="0"/>
+                <a:cs typeface="Courier New" pitchFamily="49" charset="0"/>
+              </a:rPr>
+              <a:t>object</a:t>
+            </a:r>
+            <a:endParaRPr lang="en-US" sz="1000" smtClean="0">
+              <a:latin typeface="Courier New" pitchFamily="49" charset="0"/>
+              <a:cs typeface="Courier New" pitchFamily="49" charset="0"/>
+            </a:endParaRPr>
+          </a:p>
+        </p:txBody>
+      </p:sp>
+      <p:sp>
+        <p:nvSpPr>
+          <p:cNvPr id="6" name="TextBox 5"/>
+          <p:cNvSpPr txBox="1"/>
+          <p:nvPr/>
+        </p:nvSpPr>
+        <p:spPr>
+          <a:xfrm>
+            <a:off x="2738065" y="796249"/>
+            <a:ext cx="723275" cy="246221"/>
+          </a:xfrm>
+          <a:prstGeom prst="rect">
+            <a:avLst/>
+          </a:prstGeom>
+          <a:ln/>
+        </p:spPr>
+        <p:style>
+          <a:lnRef idx="1">
+            <a:schemeClr val="accent1"/>
+          </a:lnRef>
+          <a:fillRef idx="3">
+            <a:schemeClr val="accent1"/>
+          </a:fillRef>
+          <a:effectRef idx="2">
+            <a:schemeClr val="accent1"/>
+          </a:effectRef>
+          <a:fontRef idx="minor">
+            <a:schemeClr val="lt1"/>
+          </a:fontRef>
+        </p:style>
+        <p:txBody>
+          <a:bodyPr wrap="none" rtlCol="0">
+            <a:spAutoFit/>
+          </a:bodyPr>
+          <a:lstStyle/>
+          <a:p>
+            <a:r>
+              <a:rPr lang="en-US" sz="1000" smtClean="0">
+                <a:latin typeface="Courier New" pitchFamily="49" charset="0"/>
+                <a:cs typeface="Courier New" pitchFamily="49" charset="0"/>
+              </a:rPr>
+              <a:t>Process</a:t>
+            </a:r>
+            <a:endParaRPr lang="en-US" sz="1000" smtClean="0">
+              <a:latin typeface="Courier New" pitchFamily="49" charset="0"/>
+              <a:cs typeface="Courier New" pitchFamily="49" charset="0"/>
+            </a:endParaRPr>
+          </a:p>
+        </p:txBody>
+      </p:sp>
+      <p:cxnSp>
+        <p:nvCxnSpPr>
+          <p:cNvPr id="8" name="Straight Arrow Connector 7"/>
+          <p:cNvCxnSpPr>
+            <a:stCxn id="6" idx="2"/>
+            <a:endCxn id="5" idx="0"/>
+          </p:cNvCxnSpPr>
+          <p:nvPr/>
+        </p:nvCxnSpPr>
+        <p:spPr>
+          <a:xfrm flipH="1">
+            <a:off x="2491014" y="1042470"/>
+            <a:ext cx="608689" cy="755510"/>
+          </a:xfrm>
+          <a:prstGeom prst="straightConnector1">
+            <a:avLst/>
+          </a:prstGeom>
+          <a:ln>
+            <a:tailEnd type="arrow"/>
+          </a:ln>
+        </p:spPr>
+        <p:style>
+          <a:lnRef idx="1">
+            <a:schemeClr val="accent1"/>
+          </a:lnRef>
+          <a:fillRef idx="0">
+            <a:schemeClr val="accent1"/>
+          </a:fillRef>
+          <a:effectRef idx="0">
+            <a:schemeClr val="accent1"/>
+          </a:effectRef>
+          <a:fontRef idx="minor">
+            <a:schemeClr val="tx1"/>
+          </a:fontRef>
+        </p:style>
+      </p:cxnSp>
+      <p:sp>
+        <p:nvSpPr>
+          <p:cNvPr id="9" name="TextBox 8"/>
+          <p:cNvSpPr txBox="1"/>
+          <p:nvPr/>
+        </p:nvSpPr>
+        <p:spPr>
+          <a:xfrm>
+            <a:off x="4200419" y="2474362"/>
+            <a:ext cx="646331" cy="246221"/>
+          </a:xfrm>
+          <a:prstGeom prst="rect">
+            <a:avLst/>
+          </a:prstGeom>
+          <a:ln/>
+        </p:spPr>
+        <p:style>
+          <a:lnRef idx="1">
+            <a:schemeClr val="accent3"/>
+          </a:lnRef>
+          <a:fillRef idx="2">
+            <a:schemeClr val="accent3"/>
+          </a:fillRef>
+          <a:effectRef idx="1">
+            <a:schemeClr val="accent3"/>
+          </a:effectRef>
+          <a:fontRef idx="minor">
+            <a:schemeClr val="dk1"/>
+          </a:fontRef>
+        </p:style>
+        <p:txBody>
+          <a:bodyPr wrap="none" rtlCol="0">
+            <a:spAutoFit/>
+          </a:bodyPr>
+          <a:lstStyle/>
+          <a:p>
+            <a:r>
+              <a:rPr lang="en-US" sz="1000" smtClean="0">
+                <a:latin typeface="Courier New" pitchFamily="49" charset="0"/>
+                <a:cs typeface="Courier New" pitchFamily="49" charset="0"/>
+              </a:rPr>
+              <a:t>object</a:t>
+            </a:r>
+            <a:endParaRPr lang="en-US" sz="1000" smtClean="0">
+              <a:latin typeface="Courier New" pitchFamily="49" charset="0"/>
+              <a:cs typeface="Courier New" pitchFamily="49" charset="0"/>
+            </a:endParaRPr>
+          </a:p>
+        </p:txBody>
+      </p:sp>
+      <p:cxnSp>
+        <p:nvCxnSpPr>
+          <p:cNvPr id="11" name="Straight Arrow Connector 10"/>
+          <p:cNvCxnSpPr>
+            <a:stCxn id="2" idx="2"/>
+            <a:endCxn id="9" idx="0"/>
+          </p:cNvCxnSpPr>
+          <p:nvPr/>
+        </p:nvCxnSpPr>
+        <p:spPr>
+          <a:xfrm>
+            <a:off x="4131456" y="1979130"/>
+            <a:ext cx="392129" cy="495232"/>
+          </a:xfrm>
+          <a:prstGeom prst="straightConnector1">
+            <a:avLst/>
+          </a:prstGeom>
+          <a:ln>
+            <a:tailEnd type="arrow"/>
+          </a:ln>
+        </p:spPr>
+        <p:style>
+          <a:lnRef idx="1">
+            <a:schemeClr val="accent1"/>
+          </a:lnRef>
+          <a:fillRef idx="0">
+            <a:schemeClr val="accent1"/>
+          </a:fillRef>
+          <a:effectRef idx="0">
+            <a:schemeClr val="accent1"/>
+          </a:effectRef>
+          <a:fontRef idx="minor">
+            <a:schemeClr val="tx1"/>
+          </a:fontRef>
+        </p:style>
+      </p:cxnSp>
+      <p:cxnSp>
+        <p:nvCxnSpPr>
+          <p:cNvPr id="13" name="Straight Arrow Connector 12"/>
+          <p:cNvCxnSpPr>
+            <a:stCxn id="6" idx="2"/>
+            <a:endCxn id="2" idx="0"/>
+          </p:cNvCxnSpPr>
+          <p:nvPr/>
+        </p:nvCxnSpPr>
+        <p:spPr>
+          <a:xfrm>
+            <a:off x="3099703" y="1042470"/>
+            <a:ext cx="1031753" cy="690439"/>
+          </a:xfrm>
+          <a:prstGeom prst="straightConnector1">
+            <a:avLst/>
+          </a:prstGeom>
+          <a:ln>
+            <a:tailEnd type="arrow"/>
+          </a:ln>
+        </p:spPr>
+        <p:style>
+          <a:lnRef idx="1">
+            <a:schemeClr val="accent1"/>
+          </a:lnRef>
+          <a:fillRef idx="0">
+            <a:schemeClr val="accent1"/>
+          </a:fillRef>
+          <a:effectRef idx="0">
+            <a:schemeClr val="accent1"/>
+          </a:effectRef>
+          <a:fontRef idx="minor">
+            <a:schemeClr val="tx1"/>
+          </a:fontRef>
+        </p:style>
+      </p:cxnSp>
+      <p:sp>
+        <p:nvSpPr>
+          <p:cNvPr id="18" name="TextBox 17"/>
+          <p:cNvSpPr txBox="1"/>
+          <p:nvPr/>
+        </p:nvSpPr>
+        <p:spPr>
+          <a:xfrm>
+            <a:off x="3448692" y="1137006"/>
+            <a:ext cx="569387" cy="246221"/>
+          </a:xfrm>
+          <a:prstGeom prst="rect">
+            <a:avLst/>
+          </a:prstGeom>
+          <a:noFill/>
+        </p:spPr>
+        <p:txBody>
+          <a:bodyPr wrap="none" rtlCol="0">
+            <a:spAutoFit/>
+          </a:bodyPr>
+          <a:lstStyle/>
+          <a:p>
+            <a:r>
+              <a:rPr lang="en-US" sz="1000" smtClean="0">
+                <a:latin typeface="Courier New" pitchFamily="49" charset="0"/>
+                <a:cs typeface="Courier New" pitchFamily="49" charset="0"/>
+              </a:rPr>
+              <a:t>start</a:t>
+            </a:r>
+            <a:endParaRPr lang="en-US" sz="1000">
+              <a:latin typeface="Courier New" pitchFamily="49" charset="0"/>
+              <a:cs typeface="Courier New" pitchFamily="49" charset="0"/>
+            </a:endParaRPr>
+          </a:p>
+        </p:txBody>
+      </p:sp>
+      <p:sp>
+        <p:nvSpPr>
+          <p:cNvPr id="19" name="TextBox 18"/>
+          <p:cNvSpPr txBox="1"/>
+          <p:nvPr/>
+        </p:nvSpPr>
+        <p:spPr>
+          <a:xfrm>
+            <a:off x="2327097" y="1207212"/>
+            <a:ext cx="646331" cy="246221"/>
+          </a:xfrm>
+          <a:prstGeom prst="rect">
+            <a:avLst/>
+          </a:prstGeom>
+          <a:noFill/>
+        </p:spPr>
+        <p:txBody>
+          <a:bodyPr wrap="none" rtlCol="0">
+            <a:spAutoFit/>
+          </a:bodyPr>
+          <a:lstStyle/>
+          <a:p>
+            <a:r>
+              <a:rPr lang="en-US" sz="1000" smtClean="0">
+                <a:latin typeface="Courier New" pitchFamily="49" charset="0"/>
+                <a:cs typeface="Courier New" pitchFamily="49" charset="0"/>
+              </a:rPr>
+              <a:t>create</a:t>
+            </a:r>
+            <a:endParaRPr lang="en-US" sz="1000">
+              <a:latin typeface="Courier New" pitchFamily="49" charset="0"/>
+              <a:cs typeface="Courier New" pitchFamily="49" charset="0"/>
+            </a:endParaRPr>
+          </a:p>
+        </p:txBody>
+      </p:sp>
+      <p:sp>
+        <p:nvSpPr>
+          <p:cNvPr id="21" name="TextBox 20"/>
+          <p:cNvSpPr txBox="1"/>
+          <p:nvPr/>
+        </p:nvSpPr>
+        <p:spPr>
+          <a:xfrm>
+            <a:off x="4185007" y="2109626"/>
+            <a:ext cx="646331" cy="246221"/>
+          </a:xfrm>
+          <a:prstGeom prst="rect">
+            <a:avLst/>
+          </a:prstGeom>
+          <a:noFill/>
+        </p:spPr>
+        <p:txBody>
+          <a:bodyPr wrap="none" rtlCol="0">
+            <a:spAutoFit/>
+          </a:bodyPr>
+          <a:lstStyle/>
+          <a:p>
+            <a:r>
+              <a:rPr lang="en-US" sz="1000" smtClean="0">
+                <a:latin typeface="Courier New" pitchFamily="49" charset="0"/>
+                <a:cs typeface="Courier New" pitchFamily="49" charset="0"/>
+              </a:rPr>
+              <a:t>create</a:t>
+            </a:r>
+            <a:endParaRPr lang="en-US" sz="1000">
+              <a:latin typeface="Courier New" pitchFamily="49" charset="0"/>
+              <a:cs typeface="Courier New" pitchFamily="49" charset="0"/>
+            </a:endParaRPr>
           </a:p>
         </p:txBody>
       </p:sp>
@@ -4476,7 +4825,17 @@
                 <a:latin typeface="Courier New" pitchFamily="49" charset="0"/>
                 <a:cs typeface="Courier New" pitchFamily="49" charset="0"/>
               </a:rPr>
-              <a:t>MsgQuPump(Tread)</a:t>
+              <a:t>MsgOutQuPump(Thread</a:t>
+            </a:r>
+            <a:r>
+              <a:rPr lang="en-US" sz="1000" b="1" smtClean="0">
+                <a:solidFill>
+                  <a:srgbClr val="FF0000"/>
+                </a:solidFill>
+                <a:latin typeface="Courier New" pitchFamily="49" charset="0"/>
+                <a:cs typeface="Courier New" pitchFamily="49" charset="0"/>
+              </a:rPr>
+              <a:t>)</a:t>
             </a:r>
           </a:p>
           <a:p>
@@ -4566,8 +4925,8 @@
         </p:nvSpPr>
         <p:spPr>
           <a:xfrm>
-            <a:off x="5373384" y="2527443"/>
-            <a:ext cx="1404552" cy="646331"/>
+            <a:off x="6030063" y="277403"/>
+            <a:ext cx="1755610" cy="646331"/>
           </a:xfrm>
           <a:prstGeom prst="rect">
             <a:avLst/>
@@ -4590,7 +4949,7 @@
             <a:pPr algn="ctr"/>
             <a:r>
               <a:rPr lang="en-US" smtClean="0"/>
-              <a:t>MsgQuPump</a:t>
+              <a:t>MsgOutQuPump</a:t>
             </a:r>
             <a:endParaRPr lang="en-US"/>
           </a:p>
@@ -4604,7 +4963,7 @@
         </p:nvSpPr>
         <p:spPr>
           <a:xfrm>
-            <a:off x="5726136" y="4493234"/>
+            <a:off x="6517247" y="1606197"/>
             <a:ext cx="877163" cy="246221"/>
           </a:xfrm>
           <a:prstGeom prst="rect">
@@ -4646,14 +5005,15 @@
         <p:nvCxnSpPr>
           <p:cNvPr id="15" name="Straight Arrow Connector 14"/>
           <p:cNvCxnSpPr>
+            <a:stCxn id="16" idx="1"/>
             <a:endCxn id="13" idx="0"/>
           </p:cNvCxnSpPr>
           <p:nvPr/>
         </p:nvCxnSpPr>
         <p:spPr>
           <a:xfrm flipH="1">
-            <a:off x="6164718" y="3380198"/>
-            <a:ext cx="349098" cy="1113036"/>
+            <a:off x="6955829" y="1035802"/>
+            <a:ext cx="141903" cy="570395"/>
           </a:xfrm>
           <a:prstGeom prst="straightConnector1">
             <a:avLst/>
@@ -4685,7 +5045,7 @@
         </p:nvSpPr>
         <p:spPr>
           <a:xfrm>
-            <a:off x="6306621" y="3799728"/>
+            <a:off x="7097732" y="912691"/>
             <a:ext cx="569387" cy="246221"/>
           </a:xfrm>
           <a:prstGeom prst="rect">
@@ -4721,7 +5081,7 @@
         </p:nvSpPr>
         <p:spPr>
           <a:xfrm>
-            <a:off x="7303216" y="5371674"/>
+            <a:off x="7282668" y="2607927"/>
             <a:ext cx="877163" cy="246221"/>
           </a:xfrm>
           <a:prstGeom prst="rect">
@@ -4771,7 +5131,7 @@
         </p:nvSpPr>
         <p:spPr>
           <a:xfrm>
-            <a:off x="4578850" y="5431607"/>
+            <a:off x="5842572" y="2637038"/>
             <a:ext cx="338554" cy="246221"/>
           </a:xfrm>
           <a:prstGeom prst="rect">
@@ -4824,8 +5184,8 @@
         </p:nvCxnSpPr>
         <p:spPr>
           <a:xfrm>
-            <a:off x="6164718" y="4739455"/>
-            <a:ext cx="1577080" cy="632219"/>
+            <a:off x="6955829" y="1852418"/>
+            <a:ext cx="765421" cy="755509"/>
           </a:xfrm>
           <a:prstGeom prst="straightConnector1">
             <a:avLst/>
@@ -4860,8 +5220,8 @@
         </p:nvCxnSpPr>
         <p:spPr>
           <a:xfrm flipH="1">
-            <a:off x="4748127" y="4739455"/>
-            <a:ext cx="1416591" cy="692152"/>
+            <a:off x="6011849" y="1852418"/>
+            <a:ext cx="943980" cy="784620"/>
           </a:xfrm>
           <a:prstGeom prst="straightConnector1">
             <a:avLst/>
@@ -4893,7 +5253,7 @@
         </p:nvSpPr>
         <p:spPr>
           <a:xfrm>
-            <a:off x="6962455" y="4825432"/>
+            <a:off x="7229584" y="2010314"/>
             <a:ext cx="492443" cy="246221"/>
           </a:xfrm>
           <a:prstGeom prst="rect">
@@ -4929,7 +5289,7 @@
         </p:nvSpPr>
         <p:spPr>
           <a:xfrm>
-            <a:off x="4905910" y="4936735"/>
+            <a:off x="6159358" y="1998327"/>
             <a:ext cx="415498" cy="246221"/>
           </a:xfrm>
           <a:prstGeom prst="rect">
@@ -4949,6 +5309,533 @@
                 <a:cs typeface="Courier New" pitchFamily="49" charset="0"/>
               </a:rPr>
               <a:t>get</a:t>
+            </a:r>
+            <a:endParaRPr lang="en-US" sz="1000">
+              <a:latin typeface="Courier New" pitchFamily="49" charset="0"/>
+              <a:cs typeface="Courier New" pitchFamily="49" charset="0"/>
+            </a:endParaRPr>
+          </a:p>
+        </p:txBody>
+      </p:sp>
+      <p:sp>
+        <p:nvSpPr>
+          <p:cNvPr id="28" name="TextBox 27"/>
+          <p:cNvSpPr txBox="1"/>
+          <p:nvPr/>
+        </p:nvSpPr>
+        <p:spPr>
+          <a:xfrm>
+            <a:off x="3323690" y="2347644"/>
+            <a:ext cx="2108269" cy="1323439"/>
+          </a:xfrm>
+          <a:prstGeom prst="rect">
+            <a:avLst/>
+          </a:prstGeom>
+          <a:noFill/>
+          <a:ln cmpd="sng">
+            <a:solidFill>
+              <a:schemeClr val="tx1"/>
+            </a:solidFill>
+          </a:ln>
+        </p:spPr>
+        <p:txBody>
+          <a:bodyPr wrap="none" rtlCol="0">
+            <a:spAutoFit/>
+          </a:bodyPr>
+          <a:lstStyle/>
+          <a:p>
+            <a:r>
+              <a:rPr lang="en-US" sz="1000" b="1" smtClean="0">
+                <a:solidFill>
+                  <a:srgbClr val="FF0000"/>
+                </a:solidFill>
+                <a:latin typeface="Courier New" pitchFamily="49" charset="0"/>
+                <a:cs typeface="Courier New" pitchFamily="49" charset="0"/>
+              </a:rPr>
+              <a:t>MsgInQuPump(Thread</a:t>
+            </a:r>
+            <a:r>
+              <a:rPr lang="en-US" sz="1000" b="1" smtClean="0">
+                <a:solidFill>
+                  <a:srgbClr val="FF0000"/>
+                </a:solidFill>
+                <a:latin typeface="Courier New" pitchFamily="49" charset="0"/>
+                <a:cs typeface="Courier New" pitchFamily="49" charset="0"/>
+              </a:rPr>
+              <a:t>)</a:t>
+            </a:r>
+          </a:p>
+          <a:p>
+            <a:r>
+              <a:rPr lang="en-US" sz="1000" smtClean="0">
+                <a:latin typeface="Courier New" pitchFamily="49" charset="0"/>
+                <a:cs typeface="Courier New" pitchFamily="49" charset="0"/>
+              </a:rPr>
+              <a:t>----------</a:t>
+            </a:r>
+          </a:p>
+          <a:p>
+            <a:r>
+              <a:rPr lang="en-US" sz="1000" smtClean="0">
+                <a:latin typeface="Courier New" pitchFamily="49" charset="0"/>
+                <a:cs typeface="Courier New" pitchFamily="49" charset="0"/>
+              </a:rPr>
+              <a:t>__init__(</a:t>
+            </a:r>
+            <a:r>
+              <a:rPr lang="en-US" sz="1000" smtClean="0">
+                <a:latin typeface="Courier New" pitchFamily="49" charset="0"/>
+                <a:cs typeface="Courier New" pitchFamily="49" charset="0"/>
+              </a:rPr>
+              <a:t>nm,msgSocket,qu</a:t>
+            </a:r>
+            <a:r>
+              <a:rPr lang="en-US" sz="1000" smtClean="0">
+                <a:latin typeface="Courier New" pitchFamily="49" charset="0"/>
+                <a:cs typeface="Courier New" pitchFamily="49" charset="0"/>
+              </a:rPr>
+              <a:t>)</a:t>
+            </a:r>
+          </a:p>
+          <a:p>
+            <a:r>
+              <a:rPr lang="en-US" sz="1000" smtClean="0">
+                <a:latin typeface="Courier New" pitchFamily="49" charset="0"/>
+                <a:cs typeface="Courier New" pitchFamily="49" charset="0"/>
+              </a:rPr>
+              <a:t>run()</a:t>
+            </a:r>
+          </a:p>
+          <a:p>
+            <a:r>
+              <a:rPr lang="en-US" sz="1000" smtClean="0">
+                <a:latin typeface="Courier New" pitchFamily="49" charset="0"/>
+                <a:cs typeface="Courier New" pitchFamily="49" charset="0"/>
+              </a:rPr>
+              <a:t>----------</a:t>
+            </a:r>
+          </a:p>
+          <a:p>
+            <a:r>
+              <a:rPr lang="en-US" sz="1000" smtClean="0">
+                <a:latin typeface="Courier New" pitchFamily="49" charset="0"/>
+                <a:cs typeface="Courier New" pitchFamily="49" charset="0"/>
+              </a:rPr>
+              <a:t>nm</a:t>
+            </a:r>
+          </a:p>
+          <a:p>
+            <a:r>
+              <a:rPr lang="en-US" sz="1000" smtClean="0">
+                <a:latin typeface="Courier New" pitchFamily="49" charset="0"/>
+                <a:cs typeface="Courier New" pitchFamily="49" charset="0"/>
+              </a:rPr>
+              <a:t>qu</a:t>
+            </a:r>
+          </a:p>
+          <a:p>
+            <a:r>
+              <a:rPr lang="en-US" sz="1000" smtClean="0">
+                <a:latin typeface="Courier New" pitchFamily="49" charset="0"/>
+                <a:cs typeface="Courier New" pitchFamily="49" charset="0"/>
+              </a:rPr>
+              <a:t>sk</a:t>
+            </a:r>
+          </a:p>
+        </p:txBody>
+      </p:sp>
+      <p:sp>
+        <p:nvSpPr>
+          <p:cNvPr id="33" name="TextBox 32"/>
+          <p:cNvSpPr txBox="1"/>
+          <p:nvPr/>
+        </p:nvSpPr>
+        <p:spPr>
+          <a:xfrm>
+            <a:off x="6401787" y="3553147"/>
+            <a:ext cx="1584088" cy="646331"/>
+          </a:xfrm>
+          <a:prstGeom prst="rect">
+            <a:avLst/>
+          </a:prstGeom>
+          <a:noFill/>
+        </p:spPr>
+        <p:txBody>
+          <a:bodyPr wrap="none" rtlCol="0">
+            <a:spAutoFit/>
+          </a:bodyPr>
+          <a:lstStyle/>
+          <a:p>
+            <a:pPr algn="ctr"/>
+            <a:r>
+              <a:rPr lang="en-US" smtClean="0"/>
+              <a:t>usage for</a:t>
+            </a:r>
+          </a:p>
+          <a:p>
+            <a:pPr algn="ctr"/>
+            <a:r>
+              <a:rPr lang="en-US" smtClean="0"/>
+              <a:t>MsgInQuPump</a:t>
+            </a:r>
+            <a:endParaRPr lang="en-US"/>
+          </a:p>
+        </p:txBody>
+      </p:sp>
+      <p:sp>
+        <p:nvSpPr>
+          <p:cNvPr id="34" name="TextBox 33"/>
+          <p:cNvSpPr txBox="1"/>
+          <p:nvPr/>
+        </p:nvSpPr>
+        <p:spPr>
+          <a:xfrm>
+            <a:off x="6803211" y="4881941"/>
+            <a:ext cx="877163" cy="246221"/>
+          </a:xfrm>
+          <a:prstGeom prst="rect">
+            <a:avLst/>
+          </a:prstGeom>
+          <a:solidFill>
+            <a:schemeClr val="tx2">
+              <a:lumMod val="20000"/>
+              <a:lumOff val="80000"/>
+            </a:schemeClr>
+          </a:solidFill>
+          <a:ln cmpd="sng">
+            <a:solidFill>
+              <a:schemeClr val="tx1"/>
+            </a:solidFill>
+          </a:ln>
+        </p:spPr>
+        <p:txBody>
+          <a:bodyPr wrap="none" rtlCol="0">
+            <a:spAutoFit/>
+          </a:bodyPr>
+          <a:lstStyle/>
+          <a:p>
+            <a:r>
+              <a:rPr lang="en-US" sz="1000" smtClean="0">
+                <a:latin typeface="Courier New" pitchFamily="49" charset="0"/>
+                <a:cs typeface="Courier New" pitchFamily="49" charset="0"/>
+              </a:rPr>
+              <a:t>MsgQuPump</a:t>
+            </a:r>
+            <a:endParaRPr lang="en-US" sz="1000" smtClean="0">
+              <a:latin typeface="Courier New" pitchFamily="49" charset="0"/>
+              <a:cs typeface="Courier New" pitchFamily="49" charset="0"/>
+            </a:endParaRPr>
+          </a:p>
+        </p:txBody>
+      </p:sp>
+      <p:cxnSp>
+        <p:nvCxnSpPr>
+          <p:cNvPr id="35" name="Straight Arrow Connector 34"/>
+          <p:cNvCxnSpPr>
+            <a:stCxn id="36" idx="1"/>
+            <a:endCxn id="34" idx="0"/>
+          </p:cNvCxnSpPr>
+          <p:nvPr/>
+        </p:nvCxnSpPr>
+        <p:spPr>
+          <a:xfrm flipH="1">
+            <a:off x="7241793" y="4311546"/>
+            <a:ext cx="141903" cy="570395"/>
+          </a:xfrm>
+          <a:prstGeom prst="straightConnector1">
+            <a:avLst/>
+          </a:prstGeom>
+          <a:ln>
+            <a:tailEnd type="arrow"/>
+          </a:ln>
+        </p:spPr>
+        <p:style>
+          <a:lnRef idx="1">
+            <a:schemeClr val="accent1"/>
+          </a:lnRef>
+          <a:fillRef idx="0">
+            <a:schemeClr val="accent1"/>
+          </a:fillRef>
+          <a:effectRef idx="0">
+            <a:schemeClr val="accent1"/>
+          </a:effectRef>
+          <a:fontRef idx="minor">
+            <a:schemeClr val="tx1"/>
+          </a:fontRef>
+        </p:style>
+      </p:cxnSp>
+      <p:sp>
+        <p:nvSpPr>
+          <p:cNvPr id="36" name="TextBox 35"/>
+          <p:cNvSpPr txBox="1"/>
+          <p:nvPr/>
+        </p:nvSpPr>
+        <p:spPr>
+          <a:xfrm>
+            <a:off x="7383696" y="4188435"/>
+            <a:ext cx="569387" cy="246221"/>
+          </a:xfrm>
+          <a:prstGeom prst="rect">
+            <a:avLst/>
+          </a:prstGeom>
+          <a:noFill/>
+        </p:spPr>
+        <p:txBody>
+          <a:bodyPr wrap="none" rtlCol="0">
+            <a:spAutoFit/>
+          </a:bodyPr>
+          <a:lstStyle/>
+          <a:p>
+            <a:r>
+              <a:rPr lang="en-US" sz="1000" smtClean="0">
+                <a:latin typeface="Courier New" pitchFamily="49" charset="0"/>
+                <a:cs typeface="Courier New" pitchFamily="49" charset="0"/>
+              </a:rPr>
+              <a:t>start</a:t>
+            </a:r>
+            <a:endParaRPr lang="en-US" sz="1000">
+              <a:latin typeface="Courier New" pitchFamily="49" charset="0"/>
+              <a:cs typeface="Courier New" pitchFamily="49" charset="0"/>
+            </a:endParaRPr>
+          </a:p>
+        </p:txBody>
+      </p:sp>
+      <p:sp>
+        <p:nvSpPr>
+          <p:cNvPr id="37" name="TextBox 36"/>
+          <p:cNvSpPr txBox="1"/>
+          <p:nvPr/>
+        </p:nvSpPr>
+        <p:spPr>
+          <a:xfrm>
+            <a:off x="6027509" y="5893945"/>
+            <a:ext cx="877163" cy="246221"/>
+          </a:xfrm>
+          <a:prstGeom prst="rect">
+            <a:avLst/>
+          </a:prstGeom>
+          <a:ln/>
+        </p:spPr>
+        <p:style>
+          <a:lnRef idx="1">
+            <a:schemeClr val="accent3"/>
+          </a:lnRef>
+          <a:fillRef idx="2">
+            <a:schemeClr val="accent3"/>
+          </a:fillRef>
+          <a:effectRef idx="1">
+            <a:schemeClr val="accent3"/>
+          </a:effectRef>
+          <a:fontRef idx="minor">
+            <a:schemeClr val="dk1"/>
+          </a:fontRef>
+        </p:style>
+        <p:txBody>
+          <a:bodyPr wrap="none" rtlCol="0">
+            <a:spAutoFit/>
+          </a:bodyPr>
+          <a:lstStyle/>
+          <a:p>
+            <a:r>
+              <a:rPr lang="en-US" sz="1000" smtClean="0">
+                <a:latin typeface="Courier New" pitchFamily="49" charset="0"/>
+                <a:cs typeface="Courier New" pitchFamily="49" charset="0"/>
+              </a:rPr>
+              <a:t>msgSocket</a:t>
+            </a:r>
+            <a:endParaRPr lang="en-US" sz="1000" smtClean="0">
+              <a:latin typeface="Courier New" pitchFamily="49" charset="0"/>
+              <a:cs typeface="Courier New" pitchFamily="49" charset="0"/>
+            </a:endParaRPr>
+          </a:p>
+        </p:txBody>
+      </p:sp>
+      <p:sp>
+        <p:nvSpPr>
+          <p:cNvPr id="38" name="TextBox 37"/>
+          <p:cNvSpPr txBox="1"/>
+          <p:nvPr/>
+        </p:nvSpPr>
+        <p:spPr>
+          <a:xfrm>
+            <a:off x="7967611" y="5923057"/>
+            <a:ext cx="338554" cy="246221"/>
+          </a:xfrm>
+          <a:prstGeom prst="rect">
+            <a:avLst/>
+          </a:prstGeom>
+          <a:ln/>
+        </p:spPr>
+        <p:style>
+          <a:lnRef idx="1">
+            <a:schemeClr val="accent3"/>
+          </a:lnRef>
+          <a:fillRef idx="2">
+            <a:schemeClr val="accent3"/>
+          </a:fillRef>
+          <a:effectRef idx="1">
+            <a:schemeClr val="accent3"/>
+          </a:effectRef>
+          <a:fontRef idx="minor">
+            <a:schemeClr val="dk1"/>
+          </a:fontRef>
+        </p:style>
+        <p:txBody>
+          <a:bodyPr wrap="none" rtlCol="0">
+            <a:spAutoFit/>
+          </a:bodyPr>
+          <a:lstStyle/>
+          <a:p>
+            <a:r>
+              <a:rPr lang="en-US" sz="1000" smtClean="0">
+                <a:latin typeface="Courier New" pitchFamily="49" charset="0"/>
+                <a:cs typeface="Courier New" pitchFamily="49" charset="0"/>
+              </a:rPr>
+              <a:t>qu</a:t>
+            </a:r>
+            <a:endParaRPr lang="en-US" sz="1000" smtClean="0">
+              <a:latin typeface="Courier New" pitchFamily="49" charset="0"/>
+              <a:cs typeface="Courier New" pitchFamily="49" charset="0"/>
+            </a:endParaRPr>
+          </a:p>
+        </p:txBody>
+      </p:sp>
+      <p:cxnSp>
+        <p:nvCxnSpPr>
+          <p:cNvPr id="39" name="Straight Arrow Connector 38"/>
+          <p:cNvCxnSpPr>
+            <a:stCxn id="34" idx="2"/>
+            <a:endCxn id="37" idx="0"/>
+          </p:cNvCxnSpPr>
+          <p:nvPr/>
+        </p:nvCxnSpPr>
+        <p:spPr>
+          <a:xfrm flipH="1">
+            <a:off x="6466091" y="5128162"/>
+            <a:ext cx="775702" cy="765783"/>
+          </a:xfrm>
+          <a:prstGeom prst="straightConnector1">
+            <a:avLst/>
+          </a:prstGeom>
+          <a:ln>
+            <a:tailEnd type="arrow"/>
+          </a:ln>
+        </p:spPr>
+        <p:style>
+          <a:lnRef idx="1">
+            <a:schemeClr val="accent1"/>
+          </a:lnRef>
+          <a:fillRef idx="0">
+            <a:schemeClr val="accent1"/>
+          </a:fillRef>
+          <a:effectRef idx="0">
+            <a:schemeClr val="accent1"/>
+          </a:effectRef>
+          <a:fontRef idx="minor">
+            <a:schemeClr val="tx1"/>
+          </a:fontRef>
+        </p:style>
+      </p:cxnSp>
+      <p:cxnSp>
+        <p:nvCxnSpPr>
+          <p:cNvPr id="40" name="Straight Arrow Connector 39"/>
+          <p:cNvCxnSpPr>
+            <a:stCxn id="34" idx="2"/>
+            <a:endCxn id="38" idx="0"/>
+          </p:cNvCxnSpPr>
+          <p:nvPr/>
+        </p:nvCxnSpPr>
+        <p:spPr>
+          <a:xfrm>
+            <a:off x="7241793" y="5128162"/>
+            <a:ext cx="895095" cy="794895"/>
+          </a:xfrm>
+          <a:prstGeom prst="straightConnector1">
+            <a:avLst/>
+          </a:prstGeom>
+          <a:ln>
+            <a:tailEnd type="arrow"/>
+          </a:ln>
+        </p:spPr>
+        <p:style>
+          <a:lnRef idx="1">
+            <a:schemeClr val="accent1"/>
+          </a:lnRef>
+          <a:fillRef idx="0">
+            <a:schemeClr val="accent1"/>
+          </a:fillRef>
+          <a:effectRef idx="0">
+            <a:schemeClr val="accent1"/>
+          </a:effectRef>
+          <a:fontRef idx="minor">
+            <a:schemeClr val="tx1"/>
+          </a:fontRef>
+        </p:style>
+      </p:cxnSp>
+      <p:sp>
+        <p:nvSpPr>
+          <p:cNvPr id="41" name="TextBox 40"/>
+          <p:cNvSpPr txBox="1"/>
+          <p:nvPr/>
+        </p:nvSpPr>
+        <p:spPr>
+          <a:xfrm>
+            <a:off x="7515548" y="5286058"/>
+            <a:ext cx="415498" cy="246221"/>
+          </a:xfrm>
+          <a:prstGeom prst="rect">
+            <a:avLst/>
+          </a:prstGeom>
+          <a:noFill/>
+        </p:spPr>
+        <p:txBody>
+          <a:bodyPr wrap="none" rtlCol="0">
+            <a:spAutoFit/>
+          </a:bodyPr>
+          <a:lstStyle/>
+          <a:p>
+            <a:r>
+              <a:rPr lang="en-US" sz="1000" smtClean="0">
+                <a:latin typeface="Courier New" pitchFamily="49" charset="0"/>
+                <a:cs typeface="Courier New" pitchFamily="49" charset="0"/>
+              </a:rPr>
+              <a:t>put</a:t>
+            </a:r>
+            <a:endParaRPr lang="en-US" sz="1000">
+              <a:latin typeface="Courier New" pitchFamily="49" charset="0"/>
+              <a:cs typeface="Courier New" pitchFamily="49" charset="0"/>
+            </a:endParaRPr>
+          </a:p>
+        </p:txBody>
+      </p:sp>
+      <p:sp>
+        <p:nvSpPr>
+          <p:cNvPr id="42" name="TextBox 41"/>
+          <p:cNvSpPr txBox="1"/>
+          <p:nvPr/>
+        </p:nvSpPr>
+        <p:spPr>
+          <a:xfrm>
+            <a:off x="6445322" y="5274071"/>
+            <a:ext cx="723275" cy="246221"/>
+          </a:xfrm>
+          <a:prstGeom prst="rect">
+            <a:avLst/>
+          </a:prstGeom>
+          <a:noFill/>
+        </p:spPr>
+        <p:txBody>
+          <a:bodyPr wrap="none" rtlCol="0">
+            <a:spAutoFit/>
+          </a:bodyPr>
+          <a:lstStyle/>
+          <a:p>
+            <a:r>
+              <a:rPr lang="en-US" sz="1000" smtClean="0">
+                <a:latin typeface="Courier New" pitchFamily="49" charset="0"/>
+                <a:cs typeface="Courier New" pitchFamily="49" charset="0"/>
+              </a:rPr>
+              <a:t>receive</a:t>
             </a:r>
             <a:endParaRPr lang="en-US" sz="1000">
               <a:latin typeface="Courier New" pitchFamily="49" charset="0"/>
@@ -6025,7 +6912,7 @@
         </p:nvSpPr>
         <p:spPr>
           <a:xfrm>
-            <a:off x="3385336" y="1679825"/>
+            <a:off x="2994918" y="1649002"/>
             <a:ext cx="1261884" cy="246221"/>
           </a:xfrm>
           <a:prstGeom prst="rect">
@@ -6209,7 +7096,7 @@
         </p:nvSpPr>
         <p:spPr>
           <a:xfrm>
-            <a:off x="3311703" y="3003481"/>
+            <a:off x="2952108" y="2972658"/>
             <a:ext cx="877163" cy="246221"/>
           </a:xfrm>
           <a:prstGeom prst="rect">
@@ -6295,7 +7182,7 @@
         <p:spPr>
           <a:xfrm>
             <a:off x="2049338" y="991098"/>
-            <a:ext cx="1966940" cy="688727"/>
+            <a:ext cx="1576522" cy="657904"/>
           </a:xfrm>
           <a:prstGeom prst="straightConnector1">
             <a:avLst/>
@@ -6327,7 +7214,7 @@
         </p:nvSpPr>
         <p:spPr>
           <a:xfrm>
-            <a:off x="3664450" y="1979487"/>
+            <a:off x="3551434" y="2051406"/>
             <a:ext cx="723275" cy="861774"/>
           </a:xfrm>
           <a:prstGeom prst="rect">
@@ -6596,8 +7483,8 @@
         </p:nvCxnSpPr>
         <p:spPr>
           <a:xfrm flipH="1">
-            <a:off x="3750285" y="1926046"/>
-            <a:ext cx="265993" cy="1077435"/>
+            <a:off x="3390690" y="1895223"/>
+            <a:ext cx="235170" cy="1077435"/>
           </a:xfrm>
           <a:prstGeom prst="straightConnector1">
             <a:avLst/>
@@ -6668,8 +7555,8 @@
         </p:nvCxnSpPr>
         <p:spPr>
           <a:xfrm flipH="1">
-            <a:off x="2040227" y="3249702"/>
-            <a:ext cx="1710058" cy="544709"/>
+            <a:off x="2040227" y="3218879"/>
+            <a:ext cx="1350463" cy="575532"/>
           </a:xfrm>
           <a:prstGeom prst="straightConnector1">
             <a:avLst/>
@@ -6703,7 +7590,7 @@
         </p:nvSpPr>
         <p:spPr>
           <a:xfrm>
-            <a:off x="2762037" y="3481227"/>
+            <a:off x="2587376" y="3512050"/>
             <a:ext cx="723275" cy="400110"/>
           </a:xfrm>
           <a:prstGeom prst="rect">
@@ -6824,7 +7711,7 @@
         </p:nvSpPr>
         <p:spPr>
           <a:xfrm>
-            <a:off x="5320302" y="2032572"/>
+            <a:off x="4467548" y="1755169"/>
             <a:ext cx="415498" cy="246221"/>
           </a:xfrm>
           <a:prstGeom prst="rect">
@@ -6909,8 +7796,8 @@
         </p:nvCxnSpPr>
         <p:spPr>
           <a:xfrm>
-            <a:off x="4647220" y="1802936"/>
-            <a:ext cx="673082" cy="352747"/>
+            <a:off x="4256802" y="1772113"/>
+            <a:ext cx="210746" cy="106167"/>
           </a:xfrm>
           <a:prstGeom prst="straightConnector1">
             <a:avLst/>
@@ -6942,7 +7829,7 @@
         </p:nvSpPr>
         <p:spPr>
           <a:xfrm>
-            <a:off x="6030931" y="3195262"/>
+            <a:off x="6411075" y="1438380"/>
             <a:ext cx="725840" cy="369332"/>
           </a:xfrm>
           <a:prstGeom prst="rect">
@@ -6972,7 +7859,7 @@
         </p:nvSpPr>
         <p:spPr>
           <a:xfrm>
-            <a:off x="6239839" y="3835686"/>
+            <a:off x="6147372" y="2428125"/>
             <a:ext cx="492443" cy="246221"/>
           </a:xfrm>
           <a:prstGeom prst="rect">
@@ -7018,7 +7905,7 @@
         </p:nvSpPr>
         <p:spPr>
           <a:xfrm>
-            <a:off x="7558356" y="3561708"/>
+            <a:off x="7219309" y="2061680"/>
             <a:ext cx="415498" cy="246221"/>
           </a:xfrm>
           <a:prstGeom prst="rect">
@@ -7067,8 +7954,8 @@
         </p:nvCxnSpPr>
         <p:spPr>
           <a:xfrm flipV="1">
-            <a:off x="6732282" y="3684819"/>
-            <a:ext cx="826074" cy="273978"/>
+            <a:off x="6639815" y="2184791"/>
+            <a:ext cx="579494" cy="366445"/>
           </a:xfrm>
           <a:prstGeom prst="straightConnector1">
             <a:avLst/>
@@ -7100,7 +7987,7 @@
         </p:nvSpPr>
         <p:spPr>
           <a:xfrm>
-            <a:off x="4347681" y="4553165"/>
+            <a:off x="5262081" y="4409326"/>
             <a:ext cx="877163" cy="246221"/>
           </a:xfrm>
           <a:prstGeom prst="rect">
@@ -7153,8 +8040,8 @@
         </p:nvCxnSpPr>
         <p:spPr>
           <a:xfrm flipH="1">
-            <a:off x="4786263" y="4081907"/>
-            <a:ext cx="1699798" cy="471258"/>
+            <a:off x="5700663" y="2674346"/>
+            <a:ext cx="692931" cy="1734980"/>
           </a:xfrm>
           <a:prstGeom prst="straightConnector1">
             <a:avLst/>
@@ -7186,7 +8073,7 @@
         </p:nvSpPr>
         <p:spPr>
           <a:xfrm>
-            <a:off x="5227835" y="3933288"/>
+            <a:off x="5536061" y="3583966"/>
             <a:ext cx="569387" cy="400110"/>
           </a:xfrm>
           <a:prstGeom prst="rect">
@@ -7231,7 +8118,7 @@
         </p:nvSpPr>
         <p:spPr>
           <a:xfrm>
-            <a:off x="7469313" y="5126805"/>
+            <a:off x="8157682" y="4037745"/>
             <a:ext cx="569387" cy="246221"/>
           </a:xfrm>
           <a:prstGeom prst="rect">
@@ -7277,15 +8164,15 @@
         <p:nvCxnSpPr>
           <p:cNvPr id="130" name="Straight Arrow Connector 129"/>
           <p:cNvCxnSpPr>
-            <a:stCxn id="117" idx="2"/>
+            <a:stCxn id="250" idx="2"/>
             <a:endCxn id="128" idx="0"/>
           </p:cNvCxnSpPr>
           <p:nvPr/>
         </p:nvCxnSpPr>
         <p:spPr>
           <a:xfrm>
-            <a:off x="6486061" y="4081907"/>
-            <a:ext cx="1267946" cy="1044898"/>
+            <a:off x="8023536" y="3205179"/>
+            <a:ext cx="418840" cy="832566"/>
           </a:xfrm>
           <a:prstGeom prst="straightConnector1">
             <a:avLst/>
@@ -7317,7 +8204,7 @@
         </p:nvSpPr>
         <p:spPr>
           <a:xfrm>
-            <a:off x="7157662" y="4352816"/>
+            <a:off x="7989868" y="3366496"/>
             <a:ext cx="646331" cy="400110"/>
           </a:xfrm>
           <a:prstGeom prst="rect">
@@ -7362,7 +8249,7 @@
         </p:nvSpPr>
         <p:spPr>
           <a:xfrm>
-            <a:off x="5090845" y="5871681"/>
+            <a:off x="5953875" y="5881953"/>
             <a:ext cx="877163" cy="246221"/>
           </a:xfrm>
           <a:prstGeom prst="rect">
@@ -7415,8 +8302,8 @@
         </p:nvCxnSpPr>
         <p:spPr>
           <a:xfrm flipH="1">
-            <a:off x="5529427" y="4081907"/>
-            <a:ext cx="956634" cy="1789774"/>
+            <a:off x="6392457" y="2674346"/>
+            <a:ext cx="1137" cy="3207607"/>
           </a:xfrm>
           <a:prstGeom prst="straightConnector1">
             <a:avLst/>
@@ -7448,7 +8335,7 @@
         </p:nvSpPr>
         <p:spPr>
           <a:xfrm>
-            <a:off x="5604553" y="5347698"/>
+            <a:off x="6097714" y="4053153"/>
             <a:ext cx="723275" cy="400110"/>
           </a:xfrm>
           <a:prstGeom prst="rect">
@@ -7496,15 +8383,16 @@
         </p:nvCxnSpPr>
         <p:spPr>
           <a:xfrm flipH="1" flipV="1">
-            <a:off x="4786263" y="4799386"/>
-            <a:ext cx="743164" cy="1072295"/>
+            <a:off x="5700663" y="4655547"/>
+            <a:ext cx="691794" cy="1226406"/>
           </a:xfrm>
           <a:prstGeom prst="straightConnector1">
             <a:avLst/>
           </a:prstGeom>
           <a:ln>
             <a:prstDash val="sysDash"/>
-            <a:tailEnd type="arrow"/>
+            <a:headEnd type="arrow" w="med" len="med"/>
+            <a:tailEnd type="arrow" w="med" len="med"/>
           </a:ln>
         </p:spPr>
         <p:style>
@@ -7530,8 +8418,8 @@
         </p:nvSpPr>
         <p:spPr>
           <a:xfrm>
-            <a:off x="7090880" y="6464159"/>
-            <a:ext cx="877163" cy="246221"/>
+            <a:off x="7173074" y="5046325"/>
+            <a:ext cx="1107996" cy="246221"/>
           </a:xfrm>
           <a:prstGeom prst="rect">
             <a:avLst/>
@@ -7559,7 +8447,7 @@
                 <a:latin typeface="Courier New" pitchFamily="49" charset="0"/>
                 <a:cs typeface="Courier New" pitchFamily="49" charset="0"/>
               </a:rPr>
-              <a:t>MsgQuPump</a:t>
+              <a:t>MsgOutQuPump</a:t>
             </a:r>
             <a:endParaRPr lang="en-US" sz="1000" smtClean="0">
               <a:latin typeface="Courier New" pitchFamily="49" charset="0"/>
@@ -7572,15 +8460,15 @@
         <p:nvCxnSpPr>
           <p:cNvPr id="145" name="Straight Arrow Connector 144"/>
           <p:cNvCxnSpPr>
-            <a:stCxn id="117" idx="2"/>
+            <a:stCxn id="250" idx="2"/>
             <a:endCxn id="143" idx="0"/>
           </p:cNvCxnSpPr>
           <p:nvPr/>
         </p:nvCxnSpPr>
         <p:spPr>
-          <a:xfrm>
-            <a:off x="6486061" y="4081907"/>
-            <a:ext cx="1043401" cy="2382252"/>
+          <a:xfrm flipH="1">
+            <a:off x="7727072" y="3205179"/>
+            <a:ext cx="296464" cy="1841146"/>
           </a:xfrm>
           <a:prstGeom prst="straightConnector1">
             <a:avLst/>
@@ -7612,7 +8500,7 @@
         </p:nvSpPr>
         <p:spPr>
           <a:xfrm>
-            <a:off x="6590872" y="5388795"/>
+            <a:off x="7381982" y="4330556"/>
             <a:ext cx="646331" cy="246221"/>
           </a:xfrm>
           <a:prstGeom prst="rect">
@@ -7644,15 +8532,15 @@
         <p:nvCxnSpPr>
           <p:cNvPr id="149" name="Straight Arrow Connector 148"/>
           <p:cNvCxnSpPr>
-            <a:stCxn id="143" idx="1"/>
+            <a:stCxn id="143" idx="2"/>
             <a:endCxn id="134" idx="3"/>
           </p:cNvCxnSpPr>
           <p:nvPr/>
         </p:nvCxnSpPr>
         <p:spPr>
-          <a:xfrm flipH="1" flipV="1">
-            <a:off x="5968008" y="5994792"/>
-            <a:ext cx="1122872" cy="592478"/>
+          <a:xfrm flipH="1">
+            <a:off x="6831038" y="5292546"/>
+            <a:ext cx="896034" cy="712518"/>
           </a:xfrm>
           <a:prstGeom prst="straightConnector1">
             <a:avLst/>
@@ -7684,7 +8572,7 @@
         </p:nvSpPr>
         <p:spPr>
           <a:xfrm>
-            <a:off x="6034356" y="6229564"/>
+            <a:off x="7226159" y="5643937"/>
             <a:ext cx="492443" cy="246221"/>
           </a:xfrm>
           <a:prstGeom prst="rect">
@@ -7723,8 +8611,8 @@
         </p:nvCxnSpPr>
         <p:spPr>
           <a:xfrm flipV="1">
-            <a:off x="7529462" y="5373026"/>
-            <a:ext cx="224545" cy="1091133"/>
+            <a:off x="7727072" y="4283966"/>
+            <a:ext cx="715304" cy="762359"/>
           </a:xfrm>
           <a:prstGeom prst="straightConnector1">
             <a:avLst/>
@@ -7756,7 +8644,7 @@
         </p:nvSpPr>
         <p:spPr>
           <a:xfrm>
-            <a:off x="7616574" y="5911062"/>
+            <a:off x="8120007" y="4575420"/>
             <a:ext cx="415498" cy="246221"/>
           </a:xfrm>
           <a:prstGeom prst="rect">
@@ -7811,6 +8699,643 @@
               <a:t>Test 1</a:t>
             </a:r>
             <a:endParaRPr lang="en-US"/>
+          </a:p>
+        </p:txBody>
+      </p:sp>
+      <p:sp>
+        <p:nvSpPr>
+          <p:cNvPr id="236" name="TextBox 235"/>
+          <p:cNvSpPr txBox="1"/>
+          <p:nvPr/>
+        </p:nvSpPr>
+        <p:spPr>
+          <a:xfrm>
+            <a:off x="3914454" y="5034339"/>
+            <a:ext cx="1031051" cy="246221"/>
+          </a:xfrm>
+          <a:prstGeom prst="rect">
+            <a:avLst/>
+          </a:prstGeom>
+          <a:solidFill>
+            <a:schemeClr val="tx2">
+              <a:lumMod val="20000"/>
+              <a:lumOff val="80000"/>
+            </a:schemeClr>
+          </a:solidFill>
+          <a:ln cmpd="sng">
+            <a:solidFill>
+              <a:schemeClr val="tx1"/>
+            </a:solidFill>
+          </a:ln>
+        </p:spPr>
+        <p:txBody>
+          <a:bodyPr wrap="none" rtlCol="0">
+            <a:spAutoFit/>
+          </a:bodyPr>
+          <a:lstStyle/>
+          <a:p>
+            <a:r>
+              <a:rPr lang="en-US" sz="1000" smtClean="0">
+                <a:latin typeface="Courier New" pitchFamily="49" charset="0"/>
+                <a:cs typeface="Courier New" pitchFamily="49" charset="0"/>
+              </a:rPr>
+              <a:t>MsgInQuPump</a:t>
+            </a:r>
+            <a:endParaRPr lang="en-US" sz="1000" smtClean="0">
+              <a:latin typeface="Courier New" pitchFamily="49" charset="0"/>
+              <a:cs typeface="Courier New" pitchFamily="49" charset="0"/>
+            </a:endParaRPr>
+          </a:p>
+        </p:txBody>
+      </p:sp>
+      <p:sp>
+        <p:nvSpPr>
+          <p:cNvPr id="242" name="TextBox 241"/>
+          <p:cNvSpPr txBox="1"/>
+          <p:nvPr/>
+        </p:nvSpPr>
+        <p:spPr>
+          <a:xfrm>
+            <a:off x="3625066" y="3964113"/>
+            <a:ext cx="569387" cy="246221"/>
+          </a:xfrm>
+          <a:prstGeom prst="rect">
+            <a:avLst/>
+          </a:prstGeom>
+          <a:ln/>
+        </p:spPr>
+        <p:style>
+          <a:lnRef idx="1">
+            <a:schemeClr val="accent3"/>
+          </a:lnRef>
+          <a:fillRef idx="2">
+            <a:schemeClr val="accent3"/>
+          </a:fillRef>
+          <a:effectRef idx="1">
+            <a:schemeClr val="accent3"/>
+          </a:effectRef>
+          <a:fontRef idx="minor">
+            <a:schemeClr val="dk1"/>
+          </a:fontRef>
+        </p:style>
+        <p:txBody>
+          <a:bodyPr wrap="none" rtlCol="0">
+            <a:spAutoFit/>
+          </a:bodyPr>
+          <a:lstStyle/>
+          <a:p>
+            <a:r>
+              <a:rPr lang="en-US" sz="1000" smtClean="0">
+                <a:latin typeface="Courier New" pitchFamily="49" charset="0"/>
+                <a:cs typeface="Courier New" pitchFamily="49" charset="0"/>
+              </a:rPr>
+              <a:t>Queue</a:t>
+            </a:r>
+            <a:endParaRPr lang="en-US" sz="1000" smtClean="0">
+              <a:latin typeface="Courier New" pitchFamily="49" charset="0"/>
+              <a:cs typeface="Courier New" pitchFamily="49" charset="0"/>
+            </a:endParaRPr>
+          </a:p>
+        </p:txBody>
+      </p:sp>
+      <p:sp>
+        <p:nvSpPr>
+          <p:cNvPr id="249" name="TextBox 248"/>
+          <p:cNvSpPr txBox="1"/>
+          <p:nvPr/>
+        </p:nvSpPr>
+        <p:spPr>
+          <a:xfrm>
+            <a:off x="4676456" y="3083959"/>
+            <a:ext cx="800219" cy="246221"/>
+          </a:xfrm>
+          <a:prstGeom prst="rect">
+            <a:avLst/>
+          </a:prstGeom>
+          <a:ln/>
+        </p:spPr>
+        <p:style>
+          <a:lnRef idx="1">
+            <a:schemeClr val="accent1"/>
+          </a:lnRef>
+          <a:fillRef idx="2">
+            <a:schemeClr val="accent1"/>
+          </a:fillRef>
+          <a:effectRef idx="1">
+            <a:schemeClr val="accent1"/>
+          </a:effectRef>
+          <a:fontRef idx="minor">
+            <a:schemeClr val="dk1"/>
+          </a:fontRef>
+        </p:style>
+        <p:txBody>
+          <a:bodyPr wrap="none" rtlCol="0">
+            <a:spAutoFit/>
+          </a:bodyPr>
+          <a:lstStyle/>
+          <a:p>
+            <a:r>
+              <a:rPr lang="en-US" sz="1000" smtClean="0">
+                <a:latin typeface="Courier New" pitchFamily="49" charset="0"/>
+                <a:cs typeface="Courier New" pitchFamily="49" charset="0"/>
+              </a:rPr>
+              <a:t>Consumer</a:t>
+            </a:r>
+            <a:endParaRPr lang="en-US" sz="1000" smtClean="0">
+              <a:latin typeface="Courier New" pitchFamily="49" charset="0"/>
+              <a:cs typeface="Courier New" pitchFamily="49" charset="0"/>
+            </a:endParaRPr>
+          </a:p>
+        </p:txBody>
+      </p:sp>
+      <p:sp>
+        <p:nvSpPr>
+          <p:cNvPr id="250" name="TextBox 249"/>
+          <p:cNvSpPr txBox="1"/>
+          <p:nvPr/>
+        </p:nvSpPr>
+        <p:spPr>
+          <a:xfrm>
+            <a:off x="7623426" y="2958958"/>
+            <a:ext cx="800219" cy="246221"/>
+          </a:xfrm>
+          <a:prstGeom prst="rect">
+            <a:avLst/>
+          </a:prstGeom>
+          <a:ln/>
+        </p:spPr>
+        <p:style>
+          <a:lnRef idx="1">
+            <a:schemeClr val="accent1"/>
+          </a:lnRef>
+          <a:fillRef idx="2">
+            <a:schemeClr val="accent1"/>
+          </a:fillRef>
+          <a:effectRef idx="1">
+            <a:schemeClr val="accent1"/>
+          </a:effectRef>
+          <a:fontRef idx="minor">
+            <a:schemeClr val="dk1"/>
+          </a:fontRef>
+        </p:style>
+        <p:txBody>
+          <a:bodyPr wrap="none" rtlCol="0">
+            <a:spAutoFit/>
+          </a:bodyPr>
+          <a:lstStyle/>
+          <a:p>
+            <a:r>
+              <a:rPr lang="en-US" sz="1000" smtClean="0">
+                <a:latin typeface="Courier New" pitchFamily="49" charset="0"/>
+                <a:cs typeface="Courier New" pitchFamily="49" charset="0"/>
+              </a:rPr>
+              <a:t>Producer</a:t>
+            </a:r>
+            <a:endParaRPr lang="en-US" sz="1000" smtClean="0">
+              <a:latin typeface="Courier New" pitchFamily="49" charset="0"/>
+              <a:cs typeface="Courier New" pitchFamily="49" charset="0"/>
+            </a:endParaRPr>
+          </a:p>
+        </p:txBody>
+      </p:sp>
+      <p:cxnSp>
+        <p:nvCxnSpPr>
+          <p:cNvPr id="254" name="Straight Arrow Connector 253"/>
+          <p:cNvCxnSpPr>
+            <a:stCxn id="117" idx="2"/>
+            <a:endCxn id="250" idx="0"/>
+          </p:cNvCxnSpPr>
+          <p:nvPr/>
+        </p:nvCxnSpPr>
+        <p:spPr>
+          <a:xfrm>
+            <a:off x="6393594" y="2674346"/>
+            <a:ext cx="1629942" cy="284612"/>
+          </a:xfrm>
+          <a:prstGeom prst="straightConnector1">
+            <a:avLst/>
+          </a:prstGeom>
+          <a:ln>
+            <a:tailEnd type="arrow"/>
+          </a:ln>
+        </p:spPr>
+        <p:style>
+          <a:lnRef idx="1">
+            <a:schemeClr val="accent1"/>
+          </a:lnRef>
+          <a:fillRef idx="0">
+            <a:schemeClr val="accent1"/>
+          </a:fillRef>
+          <a:effectRef idx="0">
+            <a:schemeClr val="accent1"/>
+          </a:effectRef>
+          <a:fontRef idx="minor">
+            <a:schemeClr val="tx1"/>
+          </a:fontRef>
+        </p:style>
+      </p:cxnSp>
+      <p:cxnSp>
+        <p:nvCxnSpPr>
+          <p:cNvPr id="256" name="Straight Arrow Connector 255"/>
+          <p:cNvCxnSpPr>
+            <a:stCxn id="117" idx="2"/>
+            <a:endCxn id="249" idx="0"/>
+          </p:cNvCxnSpPr>
+          <p:nvPr/>
+        </p:nvCxnSpPr>
+        <p:spPr>
+          <a:xfrm flipH="1">
+            <a:off x="5076566" y="2674346"/>
+            <a:ext cx="1317028" cy="409613"/>
+          </a:xfrm>
+          <a:prstGeom prst="straightConnector1">
+            <a:avLst/>
+          </a:prstGeom>
+          <a:ln>
+            <a:tailEnd type="arrow"/>
+          </a:ln>
+        </p:spPr>
+        <p:style>
+          <a:lnRef idx="1">
+            <a:schemeClr val="accent1"/>
+          </a:lnRef>
+          <a:fillRef idx="0">
+            <a:schemeClr val="accent1"/>
+          </a:fillRef>
+          <a:effectRef idx="0">
+            <a:schemeClr val="accent1"/>
+          </a:effectRef>
+          <a:fontRef idx="minor">
+            <a:schemeClr val="tx1"/>
+          </a:fontRef>
+        </p:style>
+      </p:cxnSp>
+      <p:cxnSp>
+        <p:nvCxnSpPr>
+          <p:cNvPr id="261" name="Straight Arrow Connector 260"/>
+          <p:cNvCxnSpPr>
+            <a:stCxn id="236" idx="2"/>
+            <a:endCxn id="134" idx="1"/>
+          </p:cNvCxnSpPr>
+          <p:nvPr/>
+        </p:nvCxnSpPr>
+        <p:spPr>
+          <a:xfrm>
+            <a:off x="4429980" y="5280560"/>
+            <a:ext cx="1523895" cy="724504"/>
+          </a:xfrm>
+          <a:prstGeom prst="straightConnector1">
+            <a:avLst/>
+          </a:prstGeom>
+          <a:ln>
+            <a:tailEnd type="arrow"/>
+          </a:ln>
+        </p:spPr>
+        <p:style>
+          <a:lnRef idx="1">
+            <a:schemeClr val="accent1"/>
+          </a:lnRef>
+          <a:fillRef idx="0">
+            <a:schemeClr val="accent1"/>
+          </a:fillRef>
+          <a:effectRef idx="0">
+            <a:schemeClr val="accent1"/>
+          </a:effectRef>
+          <a:fontRef idx="minor">
+            <a:schemeClr val="tx1"/>
+          </a:fontRef>
+        </p:style>
+      </p:cxnSp>
+      <p:sp>
+        <p:nvSpPr>
+          <p:cNvPr id="262" name="TextBox 261"/>
+          <p:cNvSpPr txBox="1"/>
+          <p:nvPr/>
+        </p:nvSpPr>
+        <p:spPr>
+          <a:xfrm>
+            <a:off x="4686729" y="5570306"/>
+            <a:ext cx="723275" cy="246221"/>
+          </a:xfrm>
+          <a:prstGeom prst="rect">
+            <a:avLst/>
+          </a:prstGeom>
+          <a:noFill/>
+        </p:spPr>
+        <p:txBody>
+          <a:bodyPr wrap="none" rtlCol="0">
+            <a:spAutoFit/>
+          </a:bodyPr>
+          <a:lstStyle/>
+          <a:p>
+            <a:r>
+              <a:rPr lang="en-US" sz="1000" smtClean="0">
+                <a:latin typeface="Courier New" pitchFamily="49" charset="0"/>
+                <a:cs typeface="Courier New" pitchFamily="49" charset="0"/>
+              </a:rPr>
+              <a:t>receive</a:t>
+            </a:r>
+            <a:endParaRPr lang="en-US" sz="1000">
+              <a:latin typeface="Courier New" pitchFamily="49" charset="0"/>
+              <a:cs typeface="Courier New" pitchFamily="49" charset="0"/>
+            </a:endParaRPr>
+          </a:p>
+        </p:txBody>
+      </p:sp>
+      <p:sp>
+        <p:nvSpPr>
+          <p:cNvPr id="263" name="TextBox 262"/>
+          <p:cNvSpPr txBox="1"/>
+          <p:nvPr/>
+        </p:nvSpPr>
+        <p:spPr>
+          <a:xfrm>
+            <a:off x="6938480" y="2571963"/>
+            <a:ext cx="569387" cy="246221"/>
+          </a:xfrm>
+          <a:prstGeom prst="rect">
+            <a:avLst/>
+          </a:prstGeom>
+          <a:noFill/>
+        </p:spPr>
+        <p:txBody>
+          <a:bodyPr wrap="none" rtlCol="0">
+            <a:spAutoFit/>
+          </a:bodyPr>
+          <a:lstStyle/>
+          <a:p>
+            <a:r>
+              <a:rPr lang="en-US" sz="1000" smtClean="0">
+                <a:latin typeface="Courier New" pitchFamily="49" charset="0"/>
+                <a:cs typeface="Courier New" pitchFamily="49" charset="0"/>
+              </a:rPr>
+              <a:t>start</a:t>
+            </a:r>
+            <a:endParaRPr lang="en-US" sz="1000">
+              <a:latin typeface="Courier New" pitchFamily="49" charset="0"/>
+              <a:cs typeface="Courier New" pitchFamily="49" charset="0"/>
+            </a:endParaRPr>
+          </a:p>
+        </p:txBody>
+      </p:sp>
+      <p:sp>
+        <p:nvSpPr>
+          <p:cNvPr id="264" name="TextBox 263"/>
+          <p:cNvSpPr txBox="1"/>
+          <p:nvPr/>
+        </p:nvSpPr>
+        <p:spPr>
+          <a:xfrm>
+            <a:off x="5169613" y="2642170"/>
+            <a:ext cx="569387" cy="246221"/>
+          </a:xfrm>
+          <a:prstGeom prst="rect">
+            <a:avLst/>
+          </a:prstGeom>
+          <a:noFill/>
+        </p:spPr>
+        <p:txBody>
+          <a:bodyPr wrap="none" rtlCol="0">
+            <a:spAutoFit/>
+          </a:bodyPr>
+          <a:lstStyle/>
+          <a:p>
+            <a:r>
+              <a:rPr lang="en-US" sz="1000" smtClean="0">
+                <a:latin typeface="Courier New" pitchFamily="49" charset="0"/>
+                <a:cs typeface="Courier New" pitchFamily="49" charset="0"/>
+              </a:rPr>
+              <a:t>start</a:t>
+            </a:r>
+            <a:endParaRPr lang="en-US" sz="1000">
+              <a:latin typeface="Courier New" pitchFamily="49" charset="0"/>
+              <a:cs typeface="Courier New" pitchFamily="49" charset="0"/>
+            </a:endParaRPr>
+          </a:p>
+        </p:txBody>
+      </p:sp>
+      <p:cxnSp>
+        <p:nvCxnSpPr>
+          <p:cNvPr id="266" name="Straight Arrow Connector 265"/>
+          <p:cNvCxnSpPr>
+            <a:stCxn id="249" idx="2"/>
+            <a:endCxn id="242" idx="0"/>
+          </p:cNvCxnSpPr>
+          <p:nvPr/>
+        </p:nvCxnSpPr>
+        <p:spPr>
+          <a:xfrm flipH="1">
+            <a:off x="3909760" y="3330180"/>
+            <a:ext cx="1166806" cy="633933"/>
+          </a:xfrm>
+          <a:prstGeom prst="straightConnector1">
+            <a:avLst/>
+          </a:prstGeom>
+          <a:ln>
+            <a:tailEnd type="arrow"/>
+          </a:ln>
+        </p:spPr>
+        <p:style>
+          <a:lnRef idx="1">
+            <a:schemeClr val="accent1"/>
+          </a:lnRef>
+          <a:fillRef idx="0">
+            <a:schemeClr val="accent1"/>
+          </a:fillRef>
+          <a:effectRef idx="0">
+            <a:schemeClr val="accent1"/>
+          </a:effectRef>
+          <a:fontRef idx="minor">
+            <a:schemeClr val="tx1"/>
+          </a:fontRef>
+        </p:style>
+      </p:cxnSp>
+      <p:sp>
+        <p:nvSpPr>
+          <p:cNvPr id="268" name="TextBox 267"/>
+          <p:cNvSpPr txBox="1"/>
+          <p:nvPr/>
+        </p:nvSpPr>
+        <p:spPr>
+          <a:xfrm>
+            <a:off x="4212404" y="3380197"/>
+            <a:ext cx="646331" cy="400110"/>
+          </a:xfrm>
+          <a:prstGeom prst="rect">
+            <a:avLst/>
+          </a:prstGeom>
+          <a:noFill/>
+        </p:spPr>
+        <p:txBody>
+          <a:bodyPr wrap="none" rtlCol="0">
+            <a:spAutoFit/>
+          </a:bodyPr>
+          <a:lstStyle/>
+          <a:p>
+            <a:r>
+              <a:rPr lang="en-US" sz="1000" smtClean="0">
+                <a:latin typeface="Courier New" pitchFamily="49" charset="0"/>
+                <a:cs typeface="Courier New" pitchFamily="49" charset="0"/>
+              </a:rPr>
+              <a:t>create</a:t>
+            </a:r>
+          </a:p>
+          <a:p>
+            <a:r>
+              <a:rPr lang="en-US" sz="1000" smtClean="0">
+                <a:latin typeface="Courier New" pitchFamily="49" charset="0"/>
+                <a:cs typeface="Courier New" pitchFamily="49" charset="0"/>
+              </a:rPr>
+              <a:t>get</a:t>
+            </a:r>
+            <a:endParaRPr lang="en-US" sz="1000">
+              <a:latin typeface="Courier New" pitchFamily="49" charset="0"/>
+              <a:cs typeface="Courier New" pitchFamily="49" charset="0"/>
+            </a:endParaRPr>
+          </a:p>
+        </p:txBody>
+      </p:sp>
+      <p:cxnSp>
+        <p:nvCxnSpPr>
+          <p:cNvPr id="270" name="Straight Arrow Connector 269"/>
+          <p:cNvCxnSpPr>
+            <a:stCxn id="249" idx="2"/>
+            <a:endCxn id="236" idx="0"/>
+          </p:cNvCxnSpPr>
+          <p:nvPr/>
+        </p:nvCxnSpPr>
+        <p:spPr>
+          <a:xfrm flipH="1">
+            <a:off x="4429980" y="3330180"/>
+            <a:ext cx="646586" cy="1704159"/>
+          </a:xfrm>
+          <a:prstGeom prst="straightConnector1">
+            <a:avLst/>
+          </a:prstGeom>
+          <a:ln>
+            <a:tailEnd type="arrow"/>
+          </a:ln>
+        </p:spPr>
+        <p:style>
+          <a:lnRef idx="1">
+            <a:schemeClr val="accent1"/>
+          </a:lnRef>
+          <a:fillRef idx="0">
+            <a:schemeClr val="accent1"/>
+          </a:fillRef>
+          <a:effectRef idx="0">
+            <a:schemeClr val="accent1"/>
+          </a:effectRef>
+          <a:fontRef idx="minor">
+            <a:schemeClr val="tx1"/>
+          </a:fontRef>
+        </p:style>
+      </p:cxnSp>
+      <p:sp>
+        <p:nvSpPr>
+          <p:cNvPr id="271" name="TextBox 270"/>
+          <p:cNvSpPr txBox="1"/>
+          <p:nvPr/>
+        </p:nvSpPr>
+        <p:spPr>
+          <a:xfrm>
+            <a:off x="4400764" y="4256925"/>
+            <a:ext cx="646331" cy="246221"/>
+          </a:xfrm>
+          <a:prstGeom prst="rect">
+            <a:avLst/>
+          </a:prstGeom>
+          <a:noFill/>
+        </p:spPr>
+        <p:txBody>
+          <a:bodyPr wrap="none" rtlCol="0">
+            <a:spAutoFit/>
+          </a:bodyPr>
+          <a:lstStyle/>
+          <a:p>
+            <a:r>
+              <a:rPr lang="en-US" sz="1000" smtClean="0">
+                <a:latin typeface="Courier New" pitchFamily="49" charset="0"/>
+                <a:cs typeface="Courier New" pitchFamily="49" charset="0"/>
+              </a:rPr>
+              <a:t>create</a:t>
+            </a:r>
+            <a:endParaRPr lang="en-US" sz="1000">
+              <a:latin typeface="Courier New" pitchFamily="49" charset="0"/>
+              <a:cs typeface="Courier New" pitchFamily="49" charset="0"/>
+            </a:endParaRPr>
+          </a:p>
+        </p:txBody>
+      </p:sp>
+      <p:cxnSp>
+        <p:nvCxnSpPr>
+          <p:cNvPr id="273" name="Straight Arrow Connector 272"/>
+          <p:cNvCxnSpPr>
+            <a:stCxn id="236" idx="0"/>
+            <a:endCxn id="242" idx="2"/>
+          </p:cNvCxnSpPr>
+          <p:nvPr/>
+        </p:nvCxnSpPr>
+        <p:spPr>
+          <a:xfrm flipH="1" flipV="1">
+            <a:off x="3909760" y="4210334"/>
+            <a:ext cx="520220" cy="824005"/>
+          </a:xfrm>
+          <a:prstGeom prst="straightConnector1">
+            <a:avLst/>
+          </a:prstGeom>
+          <a:ln>
+            <a:tailEnd type="arrow"/>
+          </a:ln>
+        </p:spPr>
+        <p:style>
+          <a:lnRef idx="1">
+            <a:schemeClr val="accent1"/>
+          </a:lnRef>
+          <a:fillRef idx="0">
+            <a:schemeClr val="accent1"/>
+          </a:fillRef>
+          <a:effectRef idx="0">
+            <a:schemeClr val="accent1"/>
+          </a:effectRef>
+          <a:fontRef idx="minor">
+            <a:schemeClr val="tx1"/>
+          </a:fontRef>
+        </p:style>
+      </p:cxnSp>
+      <p:sp>
+        <p:nvSpPr>
+          <p:cNvPr id="274" name="TextBox 273"/>
+          <p:cNvSpPr txBox="1"/>
+          <p:nvPr/>
+        </p:nvSpPr>
+        <p:spPr>
+          <a:xfrm>
+            <a:off x="3731230" y="4470966"/>
+            <a:ext cx="415498" cy="246221"/>
+          </a:xfrm>
+          <a:prstGeom prst="rect">
+            <a:avLst/>
+          </a:prstGeom>
+          <a:noFill/>
+        </p:spPr>
+        <p:txBody>
+          <a:bodyPr wrap="none" rtlCol="0">
+            <a:spAutoFit/>
+          </a:bodyPr>
+          <a:lstStyle/>
+          <a:p>
+            <a:r>
+              <a:rPr lang="en-US" sz="1000" smtClean="0">
+                <a:latin typeface="Courier New" pitchFamily="49" charset="0"/>
+                <a:cs typeface="Courier New" pitchFamily="49" charset="0"/>
+              </a:rPr>
+              <a:t>put</a:t>
+            </a:r>
+            <a:endParaRPr lang="en-US" sz="1000">
+              <a:latin typeface="Courier New" pitchFamily="49" charset="0"/>
+              <a:cs typeface="Courier New" pitchFamily="49" charset="0"/>
+            </a:endParaRPr>
           </a:p>
         </p:txBody>
       </p:sp>

--- a/Scripting/ScriptingDocumenation/DesignDiagrams.pptx
+++ b/Scripting/ScriptingDocumenation/DesignDiagrams.pptx
@@ -11,6 +11,7 @@
     <p:sldId id="258" r:id="rId5"/>
     <p:sldId id="260" r:id="rId6"/>
     <p:sldId id="261" r:id="rId7"/>
+    <p:sldId id="262" r:id="rId8"/>
   </p:sldIdLst>
   <p:sldSz cx="9144000" cy="6858000" type="screen4x3"/>
   <p:notesSz cx="6858000" cy="9144000"/>
@@ -4338,7 +4339,7 @@
         </p:nvSpPr>
         <p:spPr>
           <a:xfrm>
-            <a:off x="150689" y="787685"/>
+            <a:off x="664397" y="849330"/>
             <a:ext cx="1569660" cy="2092881"/>
           </a:xfrm>
           <a:prstGeom prst="rect">
@@ -4416,50 +4417,7 @@
                 <a:latin typeface="Courier New" pitchFamily="49" charset="0"/>
                 <a:cs typeface="Courier New" pitchFamily="49" charset="0"/>
               </a:rPr>
-              <a:t>close()</a:t>
-            </a:r>
-          </a:p>
-          <a:p>
-            <a:r>
-              <a:rPr lang="en-US" sz="1000" smtClean="0">
-                <a:latin typeface="Courier New" pitchFamily="49" charset="0"/>
-                <a:cs typeface="Courier New" pitchFamily="49" charset="0"/>
-              </a:rPr>
-              <a:t>connect(host,port)</a:t>
-            </a:r>
-          </a:p>
-          <a:p>
-            <a:r>
-              <a:rPr lang="en-US" sz="1000" smtClean="0">
-                <a:latin typeface="Courier New" pitchFamily="49" charset="0"/>
-                <a:cs typeface="Courier New" pitchFamily="49" charset="0"/>
-              </a:rPr>
-              <a:t>receive</a:t>
-            </a:r>
-            <a:r>
-              <a:rPr lang="en-US" sz="1000" smtClean="0">
-                <a:latin typeface="Courier New" pitchFamily="49" charset="0"/>
-                <a:cs typeface="Courier New" pitchFamily="49" charset="0"/>
-              </a:rPr>
-              <a:t>()</a:t>
-            </a:r>
-          </a:p>
-          <a:p>
-            <a:r>
-              <a:rPr lang="en-US" sz="1000" smtClean="0">
-                <a:latin typeface="Courier New" pitchFamily="49" charset="0"/>
-                <a:cs typeface="Courier New" pitchFamily="49" charset="0"/>
-              </a:rPr>
-              <a:t>send(msg)</a:t>
-            </a:r>
-          </a:p>
-          <a:p>
-            <a:r>
-              <a:rPr lang="en-US" sz="1000" smtClean="0">
-                <a:latin typeface="Courier New" pitchFamily="49" charset="0"/>
-                <a:cs typeface="Courier New" pitchFamily="49" charset="0"/>
-              </a:rPr>
-              <a:t>setup(socket)</a:t>
+              <a:t>close</a:t>
             </a:r>
             <a:endParaRPr lang="en-US" sz="1000" smtClean="0">
               <a:latin typeface="Courier New" pitchFamily="49" charset="0"/>
@@ -4472,6 +4430,50 @@
                 <a:latin typeface="Courier New" pitchFamily="49" charset="0"/>
                 <a:cs typeface="Courier New" pitchFamily="49" charset="0"/>
               </a:rPr>
+              <a:t>connect(host,port)</a:t>
+            </a:r>
+          </a:p>
+          <a:p>
+            <a:r>
+              <a:rPr lang="en-US" sz="1000" smtClean="0">
+                <a:latin typeface="Courier New" pitchFamily="49" charset="0"/>
+                <a:cs typeface="Courier New" pitchFamily="49" charset="0"/>
+              </a:rPr>
+              <a:t>receive</a:t>
+            </a:r>
+            <a:endParaRPr lang="en-US" sz="1000" smtClean="0">
+              <a:latin typeface="Courier New" pitchFamily="49" charset="0"/>
+              <a:cs typeface="Courier New" pitchFamily="49" charset="0"/>
+            </a:endParaRPr>
+          </a:p>
+          <a:p>
+            <a:r>
+              <a:rPr lang="en-US" sz="1000" smtClean="0">
+                <a:latin typeface="Courier New" pitchFamily="49" charset="0"/>
+                <a:cs typeface="Courier New" pitchFamily="49" charset="0"/>
+              </a:rPr>
+              <a:t>send(msg)</a:t>
+            </a:r>
+          </a:p>
+          <a:p>
+            <a:r>
+              <a:rPr lang="en-US" sz="1000" smtClean="0">
+                <a:latin typeface="Courier New" pitchFamily="49" charset="0"/>
+                <a:cs typeface="Courier New" pitchFamily="49" charset="0"/>
+              </a:rPr>
+              <a:t>setup(socket)</a:t>
+            </a:r>
+            <a:endParaRPr lang="en-US" sz="1000" smtClean="0">
+              <a:latin typeface="Courier New" pitchFamily="49" charset="0"/>
+              <a:cs typeface="Courier New" pitchFamily="49" charset="0"/>
+            </a:endParaRPr>
+          </a:p>
+          <a:p>
+            <a:r>
+              <a:rPr lang="en-US" sz="1000" smtClean="0">
+                <a:latin typeface="Courier New" pitchFamily="49" charset="0"/>
+                <a:cs typeface="Courier New" pitchFamily="49" charset="0"/>
+              </a:rPr>
               <a:t>----------</a:t>
             </a:r>
           </a:p>
@@ -4512,7 +4514,7 @@
         </p:nvSpPr>
         <p:spPr>
           <a:xfrm>
-            <a:off x="191785" y="3417868"/>
+            <a:off x="150688" y="3130191"/>
             <a:ext cx="2569934" cy="1785104"/>
           </a:xfrm>
           <a:prstGeom prst="rect">
@@ -4593,43 +4595,7 @@
                 <a:latin typeface="Courier New" pitchFamily="49" charset="0"/>
                 <a:cs typeface="Courier New" pitchFamily="49" charset="0"/>
               </a:rPr>
-              <a:t>run()</a:t>
-            </a:r>
-          </a:p>
-          <a:p>
-            <a:r>
-              <a:rPr lang="en-US" sz="1000" smtClean="0">
-                <a:latin typeface="Courier New" pitchFamily="49" charset="0"/>
-                <a:cs typeface="Courier New" pitchFamily="49" charset="0"/>
-              </a:rPr>
-              <a:t>----------</a:t>
-            </a:r>
-          </a:p>
-          <a:p>
-            <a:r>
-              <a:rPr lang="en-US" sz="1000" smtClean="0">
-                <a:latin typeface="Courier New" pitchFamily="49" charset="0"/>
-                <a:cs typeface="Courier New" pitchFamily="49" charset="0"/>
-              </a:rPr>
-              <a:t>clientHandlerFunction</a:t>
-            </a:r>
-          </a:p>
-          <a:p>
-            <a:r>
-              <a:rPr lang="en-US" sz="1000" smtClean="0">
-                <a:latin typeface="Courier New" pitchFamily="49" charset="0"/>
-                <a:cs typeface="Courier New" pitchFamily="49" charset="0"/>
-              </a:rPr>
-              <a:t>host</a:t>
-            </a:r>
-          </a:p>
-          <a:p>
-            <a:r>
-              <a:rPr lang="en-US" sz="1000" smtClean="0">
-                <a:latin typeface="Courier New" pitchFamily="49" charset="0"/>
-                <a:cs typeface="Courier New" pitchFamily="49" charset="0"/>
-              </a:rPr>
-              <a:t>nm</a:t>
+              <a:t>run</a:t>
             </a:r>
             <a:endParaRPr lang="en-US" sz="1000" smtClean="0">
               <a:latin typeface="Courier New" pitchFamily="49" charset="0"/>
@@ -4642,6 +4608,46 @@
                 <a:latin typeface="Courier New" pitchFamily="49" charset="0"/>
                 <a:cs typeface="Courier New" pitchFamily="49" charset="0"/>
               </a:rPr>
+              <a:t>----------</a:t>
+            </a:r>
+          </a:p>
+          <a:p>
+            <a:r>
+              <a:rPr lang="en-US" sz="1000" smtClean="0">
+                <a:latin typeface="Courier New" pitchFamily="49" charset="0"/>
+                <a:cs typeface="Courier New" pitchFamily="49" charset="0"/>
+              </a:rPr>
+              <a:t>clientHandlerFunction</a:t>
+            </a:r>
+          </a:p>
+          <a:p>
+            <a:r>
+              <a:rPr lang="en-US" sz="1000" smtClean="0">
+                <a:latin typeface="Courier New" pitchFamily="49" charset="0"/>
+                <a:cs typeface="Courier New" pitchFamily="49" charset="0"/>
+              </a:rPr>
+              <a:t>host</a:t>
+            </a:r>
+          </a:p>
+          <a:p>
+            <a:r>
+              <a:rPr lang="en-US" sz="1000" smtClean="0">
+                <a:latin typeface="Courier New" pitchFamily="49" charset="0"/>
+                <a:cs typeface="Courier New" pitchFamily="49" charset="0"/>
+              </a:rPr>
+              <a:t>nm</a:t>
+            </a:r>
+            <a:endParaRPr lang="en-US" sz="1000" smtClean="0">
+              <a:latin typeface="Courier New" pitchFamily="49" charset="0"/>
+              <a:cs typeface="Courier New" pitchFamily="49" charset="0"/>
+            </a:endParaRPr>
+          </a:p>
+          <a:p>
+            <a:r>
+              <a:rPr lang="en-US" sz="1000" smtClean="0">
+                <a:latin typeface="Courier New" pitchFamily="49" charset="0"/>
+                <a:cs typeface="Courier New" pitchFamily="49" charset="0"/>
+              </a:rPr>
               <a:t>port</a:t>
             </a:r>
           </a:p>
@@ -4664,7 +4670,7 @@
         </p:nvSpPr>
         <p:spPr>
           <a:xfrm>
-            <a:off x="253429" y="5308314"/>
+            <a:off x="171236" y="5123379"/>
             <a:ext cx="2569934" cy="1477328"/>
           </a:xfrm>
           <a:prstGeom prst="rect">
@@ -4745,8 +4751,12 @@
                 <a:latin typeface="Courier New" pitchFamily="49" charset="0"/>
                 <a:cs typeface="Courier New" pitchFamily="49" charset="0"/>
               </a:rPr>
-              <a:t>run()</a:t>
-            </a:r>
+              <a:t>run</a:t>
+            </a:r>
+            <a:endParaRPr lang="en-US" sz="1000" smtClean="0">
+              <a:latin typeface="Courier New" pitchFamily="49" charset="0"/>
+              <a:cs typeface="Courier New" pitchFamily="49" charset="0"/>
+            </a:endParaRPr>
           </a:p>
           <a:p>
             <a:r>
@@ -4876,8 +4886,12 @@
                 <a:latin typeface="Courier New" pitchFamily="49" charset="0"/>
                 <a:cs typeface="Courier New" pitchFamily="49" charset="0"/>
               </a:rPr>
-              <a:t>run()</a:t>
-            </a:r>
+              <a:t>run</a:t>
+            </a:r>
+            <a:endParaRPr lang="en-US" sz="1000" smtClean="0">
+              <a:latin typeface="Courier New" pitchFamily="49" charset="0"/>
+              <a:cs typeface="Courier New" pitchFamily="49" charset="0"/>
+            </a:endParaRPr>
           </a:p>
           <a:p>
             <a:r>
@@ -4964,7 +4978,7 @@
         <p:spPr>
           <a:xfrm>
             <a:off x="6517247" y="1606197"/>
-            <a:ext cx="877163" cy="246221"/>
+            <a:ext cx="1107996" cy="246221"/>
           </a:xfrm>
           <a:prstGeom prst="rect">
             <a:avLst/>
@@ -4992,7 +5006,7 @@
                 <a:latin typeface="Courier New" pitchFamily="49" charset="0"/>
                 <a:cs typeface="Courier New" pitchFamily="49" charset="0"/>
               </a:rPr>
-              <a:t>MsgQuPump</a:t>
+              <a:t>MsgOutQuPump</a:t>
             </a:r>
             <a:endParaRPr lang="en-US" sz="1000" smtClean="0">
               <a:latin typeface="Courier New" pitchFamily="49" charset="0"/>
@@ -5012,8 +5026,8 @@
         </p:nvCxnSpPr>
         <p:spPr>
           <a:xfrm flipH="1">
-            <a:off x="6955829" y="1035802"/>
-            <a:ext cx="141903" cy="570395"/>
+            <a:off x="7071245" y="1035802"/>
+            <a:ext cx="26487" cy="570395"/>
           </a:xfrm>
           <a:prstGeom prst="straightConnector1">
             <a:avLst/>
@@ -5184,8 +5198,8 @@
         </p:nvCxnSpPr>
         <p:spPr>
           <a:xfrm>
-            <a:off x="6955829" y="1852418"/>
-            <a:ext cx="765421" cy="755509"/>
+            <a:off x="7071245" y="1852418"/>
+            <a:ext cx="650005" cy="755509"/>
           </a:xfrm>
           <a:prstGeom prst="straightConnector1">
             <a:avLst/>
@@ -5221,7 +5235,7 @@
         <p:spPr>
           <a:xfrm flipH="1">
             <a:off x="6011849" y="1852418"/>
-            <a:ext cx="943980" cy="784620"/>
+            <a:ext cx="1059396" cy="784620"/>
           </a:xfrm>
           <a:prstGeom prst="straightConnector1">
             <a:avLst/>
@@ -5403,8 +5417,12 @@
                 <a:latin typeface="Courier New" pitchFamily="49" charset="0"/>
                 <a:cs typeface="Courier New" pitchFamily="49" charset="0"/>
               </a:rPr>
-              <a:t>run()</a:t>
-            </a:r>
+              <a:t>run</a:t>
+            </a:r>
+            <a:endParaRPr lang="en-US" sz="1000" smtClean="0">
+              <a:latin typeface="Courier New" pitchFamily="49" charset="0"/>
+              <a:cs typeface="Courier New" pitchFamily="49" charset="0"/>
+            </a:endParaRPr>
           </a:p>
           <a:p>
             <a:r>
@@ -5491,7 +5509,7 @@
         <p:spPr>
           <a:xfrm>
             <a:off x="6803211" y="4881941"/>
-            <a:ext cx="877163" cy="246221"/>
+            <a:ext cx="1031051" cy="246221"/>
           </a:xfrm>
           <a:prstGeom prst="rect">
             <a:avLst/>
@@ -5519,7 +5537,7 @@
                 <a:latin typeface="Courier New" pitchFamily="49" charset="0"/>
                 <a:cs typeface="Courier New" pitchFamily="49" charset="0"/>
               </a:rPr>
-              <a:t>MsgQuPump</a:t>
+              <a:t>MsgInQuPump</a:t>
             </a:r>
             <a:endParaRPr lang="en-US" sz="1000" smtClean="0">
               <a:latin typeface="Courier New" pitchFamily="49" charset="0"/>
@@ -5539,8 +5557,8 @@
         </p:nvCxnSpPr>
         <p:spPr>
           <a:xfrm flipH="1">
-            <a:off x="7241793" y="4311546"/>
-            <a:ext cx="141903" cy="570395"/>
+            <a:off x="7318737" y="4311546"/>
+            <a:ext cx="64959" cy="570395"/>
           </a:xfrm>
           <a:prstGeom prst="straightConnector1">
             <a:avLst/>
@@ -5712,7 +5730,7 @@
         <p:spPr>
           <a:xfrm flipH="1">
             <a:off x="6466091" y="5128162"/>
-            <a:ext cx="775702" cy="765783"/>
+            <a:ext cx="852646" cy="765783"/>
           </a:xfrm>
           <a:prstGeom prst="straightConnector1">
             <a:avLst/>
@@ -5747,8 +5765,8 @@
         </p:nvCxnSpPr>
         <p:spPr>
           <a:xfrm>
-            <a:off x="7241793" y="5128162"/>
-            <a:ext cx="895095" cy="794895"/>
+            <a:off x="7318737" y="5128162"/>
+            <a:ext cx="818151" cy="794895"/>
           </a:xfrm>
           <a:prstGeom prst="straightConnector1">
             <a:avLst/>
@@ -6047,7 +6065,7 @@
         </p:nvSpPr>
         <p:spPr>
           <a:xfrm>
-            <a:off x="6058329" y="2565114"/>
+            <a:off x="5904216" y="2513743"/>
             <a:ext cx="723275" cy="861774"/>
           </a:xfrm>
           <a:prstGeom prst="rect">
@@ -9336,6 +9354,341 @@
               <a:latin typeface="Courier New" pitchFamily="49" charset="0"/>
               <a:cs typeface="Courier New" pitchFamily="49" charset="0"/>
             </a:endParaRPr>
+          </a:p>
+        </p:txBody>
+      </p:sp>
+    </p:spTree>
+  </p:cSld>
+  <p:clrMapOvr>
+    <a:masterClrMapping/>
+  </p:clrMapOvr>
+</p:sld>
+</file>
+
+<file path=ppt/slides/slide7.xml><?xml version="1.0" encoding="utf-8"?>
+<p:sld xmlns:a="http://schemas.openxmlformats.org/drawingml/2006/main" xmlns:r="http://schemas.openxmlformats.org/officeDocument/2006/relationships" xmlns:p="http://schemas.openxmlformats.org/presentationml/2006/main">
+  <p:cSld>
+    <p:spTree>
+      <p:nvGrpSpPr>
+        <p:cNvPr id="1" name=""/>
+        <p:cNvGrpSpPr/>
+        <p:nvPr/>
+      </p:nvGrpSpPr>
+      <p:grpSpPr>
+        <a:xfrm>
+          <a:off x="0" y="0"/>
+          <a:ext cx="0" cy="0"/>
+          <a:chOff x="0" y="0"/>
+          <a:chExt cx="0" cy="0"/>
+        </a:xfrm>
+      </p:grpSpPr>
+      <p:sp>
+        <p:nvSpPr>
+          <p:cNvPr id="2" name="TextBox 1"/>
+          <p:cNvSpPr txBox="1"/>
+          <p:nvPr/>
+        </p:nvSpPr>
+        <p:spPr>
+          <a:xfrm>
+            <a:off x="470900" y="1066800"/>
+            <a:ext cx="2031325" cy="4093428"/>
+          </a:xfrm>
+          <a:prstGeom prst="rect">
+            <a:avLst/>
+          </a:prstGeom>
+          <a:noFill/>
+          <a:ln cmpd="sng">
+            <a:solidFill>
+              <a:schemeClr val="tx1"/>
+            </a:solidFill>
+          </a:ln>
+        </p:spPr>
+        <p:txBody>
+          <a:bodyPr wrap="none" rtlCol="0">
+            <a:spAutoFit/>
+          </a:bodyPr>
+          <a:lstStyle/>
+          <a:p>
+            <a:r>
+              <a:rPr lang="en-US" sz="1000" b="1" smtClean="0">
+                <a:solidFill>
+                  <a:srgbClr val="FF0000"/>
+                </a:solidFill>
+                <a:latin typeface="Courier New" pitchFamily="49" charset="0"/>
+                <a:cs typeface="Courier New" pitchFamily="49" charset="0"/>
+              </a:rPr>
+              <a:t>Throttle(object)</a:t>
+            </a:r>
+            <a:endParaRPr lang="en-US" sz="1000" b="1" smtClean="0">
+              <a:solidFill>
+                <a:srgbClr val="FF0000"/>
+              </a:solidFill>
+              <a:latin typeface="Courier New" pitchFamily="49" charset="0"/>
+              <a:cs typeface="Courier New" pitchFamily="49" charset="0"/>
+            </a:endParaRPr>
+          </a:p>
+          <a:p>
+            <a:r>
+              <a:rPr lang="en-US" sz="1000" smtClean="0">
+                <a:latin typeface="Courier New" pitchFamily="49" charset="0"/>
+                <a:cs typeface="Courier New" pitchFamily="49" charset="0"/>
+              </a:rPr>
+              <a:t>----------</a:t>
+            </a:r>
+            <a:endParaRPr lang="en-US" sz="1000" smtClean="0">
+              <a:latin typeface="Courier New" pitchFamily="49" charset="0"/>
+              <a:cs typeface="Courier New" pitchFamily="49" charset="0"/>
+            </a:endParaRPr>
+          </a:p>
+          <a:p>
+            <a:r>
+              <a:rPr lang="en-US" sz="1000" smtClean="0">
+                <a:latin typeface="Courier New" pitchFamily="49" charset="0"/>
+                <a:cs typeface="Courier New" pitchFamily="49" charset="0"/>
+              </a:rPr>
+              <a:t>__init__(nm,quToCon)</a:t>
+            </a:r>
+          </a:p>
+          <a:p>
+            <a:r>
+              <a:rPr lang="en-US" sz="1000" smtClean="0">
+                <a:latin typeface="Courier New" pitchFamily="49" charset="0"/>
+                <a:cs typeface="Courier New" pitchFamily="49" charset="0"/>
+              </a:rPr>
+              <a:t>closeNextSwitch</a:t>
+            </a:r>
+          </a:p>
+          <a:p>
+            <a:r>
+              <a:rPr lang="en-US" sz="1000" smtClean="0">
+                <a:latin typeface="Courier New" pitchFamily="49" charset="0"/>
+                <a:cs typeface="Courier New" pitchFamily="49" charset="0"/>
+              </a:rPr>
+              <a:t>do(func, args)</a:t>
+            </a:r>
+          </a:p>
+          <a:p>
+            <a:r>
+              <a:rPr lang="en-US" sz="1000" smtClean="0">
+                <a:latin typeface="Courier New" pitchFamily="49" charset="0"/>
+                <a:cs typeface="Courier New" pitchFamily="49" charset="0"/>
+              </a:rPr>
+              <a:t>moveSwitch(id,direction)</a:t>
+            </a:r>
+          </a:p>
+          <a:p>
+            <a:r>
+              <a:rPr lang="en-US" sz="1000" smtClean="0">
+                <a:latin typeface="Courier New" pitchFamily="49" charset="0"/>
+                <a:cs typeface="Courier New" pitchFamily="49" charset="0"/>
+              </a:rPr>
+              <a:t>sendDirf</a:t>
+            </a:r>
+          </a:p>
+          <a:p>
+            <a:r>
+              <a:rPr lang="en-US" sz="1000" smtClean="0">
+                <a:latin typeface="Courier New" pitchFamily="49" charset="0"/>
+                <a:cs typeface="Courier New" pitchFamily="49" charset="0"/>
+              </a:rPr>
+              <a:t>sendSnd</a:t>
+            </a:r>
+          </a:p>
+          <a:p>
+            <a:r>
+              <a:rPr lang="en-US" sz="1000" smtClean="0">
+                <a:latin typeface="Courier New" pitchFamily="49" charset="0"/>
+                <a:cs typeface="Courier New" pitchFamily="49" charset="0"/>
+              </a:rPr>
+              <a:t>setBell(onOff)</a:t>
+            </a:r>
+          </a:p>
+          <a:p>
+            <a:r>
+              <a:rPr lang="en-US" sz="1000" smtClean="0">
+                <a:latin typeface="Courier New" pitchFamily="49" charset="0"/>
+                <a:cs typeface="Courier New" pitchFamily="49" charset="0"/>
+              </a:rPr>
+              <a:t>setDirectin(direction)</a:t>
+            </a:r>
+          </a:p>
+          <a:p>
+            <a:r>
+              <a:rPr lang="en-US" sz="1000" smtClean="0">
+                <a:latin typeface="Courier New" pitchFamily="49" charset="0"/>
+                <a:cs typeface="Courier New" pitchFamily="49" charset="0"/>
+              </a:rPr>
+              <a:t>setHorn(onOff)</a:t>
+            </a:r>
+          </a:p>
+          <a:p>
+            <a:r>
+              <a:rPr lang="en-US" sz="1000" smtClean="0">
+                <a:latin typeface="Courier New" pitchFamily="49" charset="0"/>
+                <a:cs typeface="Courier New" pitchFamily="49" charset="0"/>
+              </a:rPr>
+              <a:t>setLights(onOff)</a:t>
+            </a:r>
+          </a:p>
+          <a:p>
+            <a:r>
+              <a:rPr lang="en-US" sz="1000" smtClean="0">
+                <a:latin typeface="Courier New" pitchFamily="49" charset="0"/>
+                <a:cs typeface="Courier New" pitchFamily="49" charset="0"/>
+              </a:rPr>
+              <a:t>setMut(onOff)</a:t>
+            </a:r>
+          </a:p>
+          <a:p>
+            <a:r>
+              <a:rPr lang="en-US" sz="1000" smtClean="0">
+                <a:latin typeface="Courier New" pitchFamily="49" charset="0"/>
+                <a:cs typeface="Courier New" pitchFamily="49" charset="0"/>
+              </a:rPr>
+              <a:t>setSpeed(speed)</a:t>
+            </a:r>
+          </a:p>
+          <a:p>
+            <a:r>
+              <a:rPr lang="en-US" sz="1000" smtClean="0">
+                <a:latin typeface="Courier New" pitchFamily="49" charset="0"/>
+                <a:cs typeface="Courier New" pitchFamily="49" charset="0"/>
+              </a:rPr>
+              <a:t>setVirtSlot(virtSlot)</a:t>
+            </a:r>
+          </a:p>
+          <a:p>
+            <a:r>
+              <a:rPr lang="en-US" sz="1000" smtClean="0">
+                <a:latin typeface="Courier New" pitchFamily="49" charset="0"/>
+                <a:cs typeface="Courier New" pitchFamily="49" charset="0"/>
+              </a:rPr>
+              <a:t>throwNextSwitch</a:t>
+            </a:r>
+            <a:endParaRPr lang="en-US" sz="1000" smtClean="0">
+              <a:latin typeface="Courier New" pitchFamily="49" charset="0"/>
+              <a:cs typeface="Courier New" pitchFamily="49" charset="0"/>
+            </a:endParaRPr>
+          </a:p>
+          <a:p>
+            <a:r>
+              <a:rPr lang="en-US" sz="1000" smtClean="0">
+                <a:latin typeface="Courier New" pitchFamily="49" charset="0"/>
+                <a:cs typeface="Courier New" pitchFamily="49" charset="0"/>
+              </a:rPr>
+              <a:t>----------</a:t>
+            </a:r>
+          </a:p>
+          <a:p>
+            <a:r>
+              <a:rPr lang="en-US" sz="1000" smtClean="0">
+                <a:latin typeface="Courier New" pitchFamily="49" charset="0"/>
+                <a:cs typeface="Courier New" pitchFamily="49" charset="0"/>
+              </a:rPr>
+              <a:t>F5</a:t>
+            </a:r>
+          </a:p>
+          <a:p>
+            <a:r>
+              <a:rPr lang="en-US" sz="1000" smtClean="0">
+                <a:latin typeface="Courier New" pitchFamily="49" charset="0"/>
+                <a:cs typeface="Courier New" pitchFamily="49" charset="0"/>
+              </a:rPr>
+              <a:t>F6</a:t>
+            </a:r>
+          </a:p>
+          <a:p>
+            <a:r>
+              <a:rPr lang="en-US" sz="1000" smtClean="0">
+                <a:latin typeface="Courier New" pitchFamily="49" charset="0"/>
+                <a:cs typeface="Courier New" pitchFamily="49" charset="0"/>
+              </a:rPr>
+              <a:t>bell</a:t>
+            </a:r>
+          </a:p>
+          <a:p>
+            <a:r>
+              <a:rPr lang="en-US" sz="1000" smtClean="0">
+                <a:latin typeface="Courier New" pitchFamily="49" charset="0"/>
+                <a:cs typeface="Courier New" pitchFamily="49" charset="0"/>
+              </a:rPr>
+              <a:t>direction</a:t>
+            </a:r>
+          </a:p>
+          <a:p>
+            <a:r>
+              <a:rPr lang="en-US" sz="1000" smtClean="0">
+                <a:latin typeface="Courier New" pitchFamily="49" charset="0"/>
+                <a:cs typeface="Courier New" pitchFamily="49" charset="0"/>
+              </a:rPr>
+              <a:t>horn</a:t>
+            </a:r>
+          </a:p>
+          <a:p>
+            <a:r>
+              <a:rPr lang="en-US" sz="1000" smtClean="0">
+                <a:latin typeface="Courier New" pitchFamily="49" charset="0"/>
+                <a:cs typeface="Courier New" pitchFamily="49" charset="0"/>
+              </a:rPr>
+              <a:t>lights</a:t>
+            </a:r>
+          </a:p>
+          <a:p>
+            <a:r>
+              <a:rPr lang="en-US" sz="1000" smtClean="0">
+                <a:latin typeface="Courier New" pitchFamily="49" charset="0"/>
+                <a:cs typeface="Courier New" pitchFamily="49" charset="0"/>
+              </a:rPr>
+              <a:t>mute</a:t>
+            </a:r>
+          </a:p>
+          <a:p>
+            <a:r>
+              <a:rPr lang="en-US" sz="1000" smtClean="0">
+                <a:latin typeface="Courier New" pitchFamily="49" charset="0"/>
+                <a:cs typeface="Courier New" pitchFamily="49" charset="0"/>
+              </a:rPr>
+              <a:t>qitoCon</a:t>
+            </a:r>
+          </a:p>
+          <a:p>
+            <a:r>
+              <a:rPr lang="en-US" sz="1000" smtClean="0">
+                <a:latin typeface="Courier New" pitchFamily="49" charset="0"/>
+                <a:cs typeface="Courier New" pitchFamily="49" charset="0"/>
+              </a:rPr>
+              <a:t>virtSlot</a:t>
+            </a:r>
+          </a:p>
+        </p:txBody>
+      </p:sp>
+      <p:sp>
+        <p:nvSpPr>
+          <p:cNvPr id="3" name="TextBox 2"/>
+          <p:cNvSpPr txBox="1"/>
+          <p:nvPr/>
+        </p:nvSpPr>
+        <p:spPr>
+          <a:xfrm>
+            <a:off x="421240" y="421240"/>
+            <a:ext cx="1218475" cy="369332"/>
+          </a:xfrm>
+          <a:prstGeom prst="rect">
+            <a:avLst/>
+          </a:prstGeom>
+          <a:noFill/>
+        </p:spPr>
+        <p:txBody>
+          <a:bodyPr wrap="none" rtlCol="0">
+            <a:spAutoFit/>
+          </a:bodyPr>
+          <a:lstStyle/>
+          <a:p>
+            <a:r>
+              <a:rPr lang="en-US" smtClean="0"/>
+              <a:t>Throttle.py</a:t>
+            </a:r>
+            <a:endParaRPr lang="en-US"/>
           </a:p>
         </p:txBody>
       </p:sp>

--- a/Scripting/ScriptingDocumenation/DesignDiagrams.pptx
+++ b/Scripting/ScriptingDocumenation/DesignDiagrams.pptx
@@ -5856,6 +5856,50 @@
               <a:t>receive</a:t>
             </a:r>
             <a:endParaRPr lang="en-US" sz="1000">
+              <a:latin typeface="Courier New" pitchFamily="49" charset="0"/>
+              <a:cs typeface="Courier New" pitchFamily="49" charset="0"/>
+            </a:endParaRPr>
+          </a:p>
+        </p:txBody>
+      </p:sp>
+      <p:sp>
+        <p:nvSpPr>
+          <p:cNvPr id="47" name="TextBox 46"/>
+          <p:cNvSpPr txBox="1"/>
+          <p:nvPr/>
+        </p:nvSpPr>
+        <p:spPr>
+          <a:xfrm>
+            <a:off x="3573696" y="4149047"/>
+            <a:ext cx="1723549" cy="246221"/>
+          </a:xfrm>
+          <a:prstGeom prst="rect">
+            <a:avLst/>
+          </a:prstGeom>
+          <a:noFill/>
+          <a:ln cmpd="sng">
+            <a:solidFill>
+              <a:schemeClr val="tx1"/>
+            </a:solidFill>
+          </a:ln>
+        </p:spPr>
+        <p:txBody>
+          <a:bodyPr wrap="none" rtlCol="0">
+            <a:spAutoFit/>
+          </a:bodyPr>
+          <a:lstStyle/>
+          <a:p>
+            <a:r>
+              <a:rPr lang="en-US" sz="1000" b="1" smtClean="0">
+                <a:solidFill>
+                  <a:srgbClr val="FF0000"/>
+                </a:solidFill>
+                <a:latin typeface="Courier New" pitchFamily="49" charset="0"/>
+                <a:cs typeface="Courier New" pitchFamily="49" charset="0"/>
+              </a:rPr>
+              <a:t>def waitFor(qu, msg)</a:t>
+            </a:r>
+            <a:endParaRPr lang="en-US" sz="1000" smtClean="0">
               <a:latin typeface="Courier New" pitchFamily="49" charset="0"/>
               <a:cs typeface="Courier New" pitchFamily="49" charset="0"/>
             </a:endParaRPr>

--- a/Scripting/ScriptingDocumenation/DesignDiagrams.pptx
+++ b/Scripting/ScriptingDocumenation/DesignDiagrams.pptx
@@ -3635,6 +3635,125 @@
           </a:p>
         </p:txBody>
       </p:sp>
+      <p:sp>
+        <p:nvSpPr>
+          <p:cNvPr id="22" name="TextBox 21"/>
+          <p:cNvSpPr txBox="1"/>
+          <p:nvPr/>
+        </p:nvSpPr>
+        <p:spPr>
+          <a:xfrm>
+            <a:off x="2893889" y="3962404"/>
+            <a:ext cx="800219" cy="246221"/>
+          </a:xfrm>
+          <a:prstGeom prst="rect">
+            <a:avLst/>
+          </a:prstGeom>
+          <a:ln/>
+        </p:spPr>
+        <p:style>
+          <a:lnRef idx="1">
+            <a:schemeClr val="accent2"/>
+          </a:lnRef>
+          <a:fillRef idx="2">
+            <a:schemeClr val="accent2"/>
+          </a:fillRef>
+          <a:effectRef idx="1">
+            <a:schemeClr val="accent2"/>
+          </a:effectRef>
+          <a:fontRef idx="minor">
+            <a:schemeClr val="dk1"/>
+          </a:fontRef>
+        </p:style>
+        <p:txBody>
+          <a:bodyPr wrap="none" rtlCol="0">
+            <a:spAutoFit/>
+          </a:bodyPr>
+          <a:lstStyle/>
+          <a:p>
+            <a:r>
+              <a:rPr lang="en-US" sz="1000" smtClean="0">
+                <a:latin typeface="Courier New" pitchFamily="49" charset="0"/>
+                <a:cs typeface="Courier New" pitchFamily="49" charset="0"/>
+              </a:rPr>
+              <a:t>function</a:t>
+            </a:r>
+            <a:endParaRPr lang="en-US" sz="1000" smtClean="0">
+              <a:latin typeface="Courier New" pitchFamily="49" charset="0"/>
+              <a:cs typeface="Courier New" pitchFamily="49" charset="0"/>
+            </a:endParaRPr>
+          </a:p>
+        </p:txBody>
+      </p:sp>
+      <p:cxnSp>
+        <p:nvCxnSpPr>
+          <p:cNvPr id="24" name="Straight Arrow Connector 23"/>
+          <p:cNvCxnSpPr/>
+          <p:nvPr/>
+        </p:nvCxnSpPr>
+        <p:spPr>
+          <a:xfrm flipH="1">
+            <a:off x="3246634" y="3308279"/>
+            <a:ext cx="390418" cy="657547"/>
+          </a:xfrm>
+          <a:prstGeom prst="straightConnector1">
+            <a:avLst/>
+          </a:prstGeom>
+          <a:ln>
+            <a:tailEnd type="arrow"/>
+          </a:ln>
+        </p:spPr>
+        <p:style>
+          <a:lnRef idx="1">
+            <a:schemeClr val="accent1"/>
+          </a:lnRef>
+          <a:fillRef idx="0">
+            <a:schemeClr val="accent1"/>
+          </a:fillRef>
+          <a:effectRef idx="0">
+            <a:schemeClr val="accent1"/>
+          </a:effectRef>
+          <a:fontRef idx="minor">
+            <a:schemeClr val="tx1"/>
+          </a:fontRef>
+        </p:style>
+      </p:cxnSp>
+      <p:sp>
+        <p:nvSpPr>
+          <p:cNvPr id="26" name="TextBox 25"/>
+          <p:cNvSpPr txBox="1"/>
+          <p:nvPr/>
+        </p:nvSpPr>
+        <p:spPr>
+          <a:xfrm>
+            <a:off x="3559995" y="3416157"/>
+            <a:ext cx="954107" cy="246221"/>
+          </a:xfrm>
+          <a:prstGeom prst="rect">
+            <a:avLst/>
+          </a:prstGeom>
+          <a:noFill/>
+        </p:spPr>
+        <p:txBody>
+          <a:bodyPr wrap="none" rtlCol="0">
+            <a:spAutoFit/>
+          </a:bodyPr>
+          <a:lstStyle/>
+          <a:p>
+            <a:r>
+              <a:rPr lang="en-US" sz="1000" smtClean="0">
+                <a:latin typeface="Courier New" pitchFamily="49" charset="0"/>
+                <a:cs typeface="Courier New" pitchFamily="49" charset="0"/>
+              </a:rPr>
+              <a:t>call(args)</a:t>
+            </a:r>
+            <a:endParaRPr lang="en-US" sz="1000">
+              <a:latin typeface="Courier New" pitchFamily="49" charset="0"/>
+              <a:cs typeface="Courier New" pitchFamily="49" charset="0"/>
+            </a:endParaRPr>
+          </a:p>
+        </p:txBody>
+      </p:sp>
     </p:spTree>
   </p:cSld>
   <p:clrMapOvr>
@@ -4956,7 +5075,7 @@
             <a:pPr algn="ctr"/>
             <a:r>
               <a:rPr lang="en-US" smtClean="0"/>
-              <a:t>usage for</a:t>
+              <a:t>usage</a:t>
             </a:r>
           </a:p>
           <a:p>
@@ -4977,7 +5096,7 @@
         </p:nvSpPr>
         <p:spPr>
           <a:xfrm>
-            <a:off x="6517247" y="1606197"/>
+            <a:off x="6517247" y="1462358"/>
             <a:ext cx="1107996" cy="246221"/>
           </a:xfrm>
           <a:prstGeom prst="rect">
@@ -5027,7 +5146,7 @@
         <p:spPr>
           <a:xfrm flipH="1">
             <a:off x="7071245" y="1035802"/>
-            <a:ext cx="26487" cy="570395"/>
+            <a:ext cx="26487" cy="426556"/>
           </a:xfrm>
           <a:prstGeom prst="straightConnector1">
             <a:avLst/>
@@ -5095,7 +5214,7 @@
         </p:nvSpPr>
         <p:spPr>
           <a:xfrm>
-            <a:off x="7282668" y="2607927"/>
+            <a:off x="7036088" y="2196961"/>
             <a:ext cx="877163" cy="246221"/>
           </a:xfrm>
           <a:prstGeom prst="rect">
@@ -5145,7 +5264,7 @@
         </p:nvSpPr>
         <p:spPr>
           <a:xfrm>
-            <a:off x="5842572" y="2637038"/>
+            <a:off x="6304909" y="2205524"/>
             <a:ext cx="338554" cy="246221"/>
           </a:xfrm>
           <a:prstGeom prst="rect">
@@ -5198,8 +5317,8 @@
         </p:nvCxnSpPr>
         <p:spPr>
           <a:xfrm>
-            <a:off x="7071245" y="1852418"/>
-            <a:ext cx="650005" cy="755509"/>
+            <a:off x="7071245" y="1708579"/>
+            <a:ext cx="403425" cy="488382"/>
           </a:xfrm>
           <a:prstGeom prst="straightConnector1">
             <a:avLst/>
@@ -5234,8 +5353,8 @@
         </p:nvCxnSpPr>
         <p:spPr>
           <a:xfrm flipH="1">
-            <a:off x="6011849" y="1852418"/>
-            <a:ext cx="1059396" cy="784620"/>
+            <a:off x="6474186" y="1708579"/>
+            <a:ext cx="597059" cy="496945"/>
           </a:xfrm>
           <a:prstGeom prst="straightConnector1">
             <a:avLst/>
@@ -5267,7 +5386,7 @@
         </p:nvSpPr>
         <p:spPr>
           <a:xfrm>
-            <a:off x="7229584" y="2010314"/>
+            <a:off x="7147391" y="1825379"/>
             <a:ext cx="492443" cy="246221"/>
           </a:xfrm>
           <a:prstGeom prst="rect">
@@ -5303,7 +5422,7 @@
         </p:nvSpPr>
         <p:spPr>
           <a:xfrm>
-            <a:off x="6159358" y="1998327"/>
+            <a:off x="6385390" y="1782569"/>
             <a:ext cx="415498" cy="246221"/>
           </a:xfrm>
           <a:prstGeom prst="rect">
@@ -5470,7 +5589,7 @@
         </p:nvSpPr>
         <p:spPr>
           <a:xfrm>
-            <a:off x="6401787" y="3553147"/>
+            <a:off x="6401787" y="2731214"/>
             <a:ext cx="1584088" cy="646331"/>
           </a:xfrm>
           <a:prstGeom prst="rect">
@@ -5487,7 +5606,7 @@
             <a:pPr algn="ctr"/>
             <a:r>
               <a:rPr lang="en-US" smtClean="0"/>
-              <a:t>usage for</a:t>
+              <a:t>usage</a:t>
             </a:r>
           </a:p>
           <a:p>
@@ -5508,7 +5627,7 @@
         </p:nvSpPr>
         <p:spPr>
           <a:xfrm>
-            <a:off x="6803211" y="4881941"/>
+            <a:off x="6844308" y="3782606"/>
             <a:ext cx="1031051" cy="246221"/>
           </a:xfrm>
           <a:prstGeom prst="rect">
@@ -5557,8 +5676,8 @@
         </p:nvCxnSpPr>
         <p:spPr>
           <a:xfrm flipH="1">
-            <a:off x="7318737" y="4311546"/>
-            <a:ext cx="64959" cy="570395"/>
+            <a:off x="7359834" y="3489613"/>
+            <a:ext cx="23862" cy="292993"/>
           </a:xfrm>
           <a:prstGeom prst="straightConnector1">
             <a:avLst/>
@@ -5590,7 +5709,7 @@
         </p:nvSpPr>
         <p:spPr>
           <a:xfrm>
-            <a:off x="7383696" y="4188435"/>
+            <a:off x="7383696" y="3366502"/>
             <a:ext cx="569387" cy="246221"/>
           </a:xfrm>
           <a:prstGeom prst="rect">
@@ -5626,7 +5745,7 @@
         </p:nvSpPr>
         <p:spPr>
           <a:xfrm>
-            <a:off x="6027509" y="5893945"/>
+            <a:off x="6489846" y="4558304"/>
             <a:ext cx="877163" cy="246221"/>
           </a:xfrm>
           <a:prstGeom prst="rect">
@@ -5676,7 +5795,7 @@
         </p:nvSpPr>
         <p:spPr>
           <a:xfrm>
-            <a:off x="7967611" y="5923057"/>
+            <a:off x="7546371" y="4536045"/>
             <a:ext cx="338554" cy="246221"/>
           </a:xfrm>
           <a:prstGeom prst="rect">
@@ -5729,8 +5848,8 @@
         </p:nvCxnSpPr>
         <p:spPr>
           <a:xfrm flipH="1">
-            <a:off x="6466091" y="5128162"/>
-            <a:ext cx="852646" cy="765783"/>
+            <a:off x="6928428" y="4028827"/>
+            <a:ext cx="431406" cy="529477"/>
           </a:xfrm>
           <a:prstGeom prst="straightConnector1">
             <a:avLst/>
@@ -5765,8 +5884,8 @@
         </p:nvCxnSpPr>
         <p:spPr>
           <a:xfrm>
-            <a:off x="7318737" y="5128162"/>
-            <a:ext cx="818151" cy="794895"/>
+            <a:off x="7359834" y="4028827"/>
+            <a:ext cx="355814" cy="507218"/>
           </a:xfrm>
           <a:prstGeom prst="straightConnector1">
             <a:avLst/>
@@ -5798,7 +5917,7 @@
         </p:nvSpPr>
         <p:spPr>
           <a:xfrm>
-            <a:off x="7515548" y="5286058"/>
+            <a:off x="7546370" y="4166174"/>
             <a:ext cx="415498" cy="246221"/>
           </a:xfrm>
           <a:prstGeom prst="rect">
@@ -5834,7 +5953,7 @@
         </p:nvSpPr>
         <p:spPr>
           <a:xfrm>
-            <a:off x="6445322" y="5274071"/>
+            <a:off x="6599435" y="4195284"/>
             <a:ext cx="723275" cy="246221"/>
           </a:xfrm>
           <a:prstGeom prst="rect">
@@ -5870,7 +5989,7 @@
         </p:nvSpPr>
         <p:spPr>
           <a:xfrm>
-            <a:off x="3573696" y="4149047"/>
+            <a:off x="3409309" y="3984660"/>
             <a:ext cx="1723549" cy="246221"/>
           </a:xfrm>
           <a:prstGeom prst="rect">
@@ -5900,6 +6019,287 @@
               <a:t>def waitFor(qu, msg)</a:t>
             </a:r>
             <a:endParaRPr lang="en-US" sz="1000" smtClean="0">
+              <a:latin typeface="Courier New" pitchFamily="49" charset="0"/>
+              <a:cs typeface="Courier New" pitchFamily="49" charset="0"/>
+            </a:endParaRPr>
+          </a:p>
+        </p:txBody>
+      </p:sp>
+      <p:sp>
+        <p:nvSpPr>
+          <p:cNvPr id="58" name="TextBox 57"/>
+          <p:cNvSpPr txBox="1"/>
+          <p:nvPr/>
+        </p:nvSpPr>
+        <p:spPr>
+          <a:xfrm>
+            <a:off x="4578123" y="4404189"/>
+            <a:ext cx="892296" cy="646331"/>
+          </a:xfrm>
+          <a:prstGeom prst="rect">
+            <a:avLst/>
+          </a:prstGeom>
+          <a:noFill/>
+        </p:spPr>
+        <p:txBody>
+          <a:bodyPr wrap="none" rtlCol="0">
+            <a:spAutoFit/>
+          </a:bodyPr>
+          <a:lstStyle/>
+          <a:p>
+            <a:pPr algn="ctr"/>
+            <a:r>
+              <a:rPr lang="en-US" smtClean="0"/>
+              <a:t>usage</a:t>
+            </a:r>
+          </a:p>
+          <a:p>
+            <a:pPr algn="ctr"/>
+            <a:r>
+              <a:rPr lang="en-US" smtClean="0"/>
+              <a:t>waitFor</a:t>
+            </a:r>
+            <a:endParaRPr lang="en-US"/>
+          </a:p>
+        </p:txBody>
+      </p:sp>
+      <p:sp>
+        <p:nvSpPr>
+          <p:cNvPr id="59" name="TextBox 58"/>
+          <p:cNvSpPr txBox="1"/>
+          <p:nvPr/>
+        </p:nvSpPr>
+        <p:spPr>
+          <a:xfrm>
+            <a:off x="4294605" y="5527500"/>
+            <a:ext cx="723275" cy="246221"/>
+          </a:xfrm>
+          <a:prstGeom prst="rect">
+            <a:avLst/>
+          </a:prstGeom>
+          <a:ln/>
+        </p:spPr>
+        <p:style>
+          <a:lnRef idx="1">
+            <a:schemeClr val="accent2"/>
+          </a:lnRef>
+          <a:fillRef idx="2">
+            <a:schemeClr val="accent2"/>
+          </a:fillRef>
+          <a:effectRef idx="1">
+            <a:schemeClr val="accent2"/>
+          </a:effectRef>
+          <a:fontRef idx="minor">
+            <a:schemeClr val="dk1"/>
+          </a:fontRef>
+        </p:style>
+        <p:txBody>
+          <a:bodyPr wrap="none" rtlCol="0">
+            <a:spAutoFit/>
+          </a:bodyPr>
+          <a:lstStyle/>
+          <a:p>
+            <a:r>
+              <a:rPr lang="en-US" sz="1000" smtClean="0">
+                <a:latin typeface="Courier New" pitchFamily="49" charset="0"/>
+                <a:cs typeface="Courier New" pitchFamily="49" charset="0"/>
+              </a:rPr>
+              <a:t>waitFor</a:t>
+            </a:r>
+            <a:endParaRPr lang="en-US" sz="1000" smtClean="0">
+              <a:latin typeface="Courier New" pitchFamily="49" charset="0"/>
+              <a:cs typeface="Courier New" pitchFamily="49" charset="0"/>
+            </a:endParaRPr>
+          </a:p>
+        </p:txBody>
+      </p:sp>
+      <p:cxnSp>
+        <p:nvCxnSpPr>
+          <p:cNvPr id="60" name="Straight Arrow Connector 59"/>
+          <p:cNvCxnSpPr>
+            <a:endCxn id="59" idx="0"/>
+          </p:cNvCxnSpPr>
+          <p:nvPr/>
+        </p:nvCxnSpPr>
+        <p:spPr>
+          <a:xfrm flipH="1">
+            <a:off x="4656243" y="5116530"/>
+            <a:ext cx="182885" cy="410970"/>
+          </a:xfrm>
+          <a:prstGeom prst="straightConnector1">
+            <a:avLst/>
+          </a:prstGeom>
+          <a:ln>
+            <a:tailEnd type="arrow"/>
+          </a:ln>
+        </p:spPr>
+        <p:style>
+          <a:lnRef idx="1">
+            <a:schemeClr val="accent1"/>
+          </a:lnRef>
+          <a:fillRef idx="0">
+            <a:schemeClr val="accent1"/>
+          </a:fillRef>
+          <a:effectRef idx="0">
+            <a:schemeClr val="accent1"/>
+          </a:effectRef>
+          <a:fontRef idx="minor">
+            <a:schemeClr val="tx1"/>
+          </a:fontRef>
+        </p:style>
+      </p:cxnSp>
+      <p:sp>
+        <p:nvSpPr>
+          <p:cNvPr id="61" name="TextBox 60"/>
+          <p:cNvSpPr txBox="1"/>
+          <p:nvPr/>
+        </p:nvSpPr>
+        <p:spPr>
+          <a:xfrm>
+            <a:off x="4741526" y="5203864"/>
+            <a:ext cx="1569660" cy="246221"/>
+          </a:xfrm>
+          <a:prstGeom prst="rect">
+            <a:avLst/>
+          </a:prstGeom>
+          <a:noFill/>
+        </p:spPr>
+        <p:txBody>
+          <a:bodyPr wrap="none" rtlCol="0">
+            <a:spAutoFit/>
+          </a:bodyPr>
+          <a:lstStyle/>
+          <a:p>
+            <a:r>
+              <a:rPr lang="en-US" sz="1000" smtClean="0">
+                <a:latin typeface="Courier New" pitchFamily="49" charset="0"/>
+                <a:cs typeface="Courier New" pitchFamily="49" charset="0"/>
+              </a:rPr>
+              <a:t>call(qu, msg): msg</a:t>
+            </a:r>
+            <a:endParaRPr lang="en-US" sz="1000">
+              <a:latin typeface="Courier New" pitchFamily="49" charset="0"/>
+              <a:cs typeface="Courier New" pitchFamily="49" charset="0"/>
+            </a:endParaRPr>
+          </a:p>
+        </p:txBody>
+      </p:sp>
+      <p:sp>
+        <p:nvSpPr>
+          <p:cNvPr id="62" name="TextBox 61"/>
+          <p:cNvSpPr txBox="1"/>
+          <p:nvPr/>
+        </p:nvSpPr>
+        <p:spPr>
+          <a:xfrm>
+            <a:off x="4320287" y="6231279"/>
+            <a:ext cx="338554" cy="246221"/>
+          </a:xfrm>
+          <a:prstGeom prst="rect">
+            <a:avLst/>
+          </a:prstGeom>
+          <a:ln/>
+        </p:spPr>
+        <p:style>
+          <a:lnRef idx="1">
+            <a:schemeClr val="accent3"/>
+          </a:lnRef>
+          <a:fillRef idx="2">
+            <a:schemeClr val="accent3"/>
+          </a:fillRef>
+          <a:effectRef idx="1">
+            <a:schemeClr val="accent3"/>
+          </a:effectRef>
+          <a:fontRef idx="minor">
+            <a:schemeClr val="dk1"/>
+          </a:fontRef>
+        </p:style>
+        <p:txBody>
+          <a:bodyPr wrap="none" rtlCol="0">
+            <a:spAutoFit/>
+          </a:bodyPr>
+          <a:lstStyle/>
+          <a:p>
+            <a:r>
+              <a:rPr lang="en-US" sz="1000" smtClean="0">
+                <a:latin typeface="Courier New" pitchFamily="49" charset="0"/>
+                <a:cs typeface="Courier New" pitchFamily="49" charset="0"/>
+              </a:rPr>
+              <a:t>qu</a:t>
+            </a:r>
+            <a:endParaRPr lang="en-US" sz="1000" smtClean="0">
+              <a:latin typeface="Courier New" pitchFamily="49" charset="0"/>
+              <a:cs typeface="Courier New" pitchFamily="49" charset="0"/>
+            </a:endParaRPr>
+          </a:p>
+        </p:txBody>
+      </p:sp>
+      <p:cxnSp>
+        <p:nvCxnSpPr>
+          <p:cNvPr id="64" name="Straight Arrow Connector 63"/>
+          <p:cNvCxnSpPr>
+            <a:stCxn id="59" idx="2"/>
+            <a:endCxn id="62" idx="0"/>
+          </p:cNvCxnSpPr>
+          <p:nvPr/>
+        </p:nvCxnSpPr>
+        <p:spPr>
+          <a:xfrm flipH="1">
+            <a:off x="4489564" y="5773721"/>
+            <a:ext cx="166679" cy="457558"/>
+          </a:xfrm>
+          <a:prstGeom prst="straightConnector1">
+            <a:avLst/>
+          </a:prstGeom>
+          <a:ln>
+            <a:tailEnd type="arrow"/>
+          </a:ln>
+        </p:spPr>
+        <p:style>
+          <a:lnRef idx="1">
+            <a:schemeClr val="accent1"/>
+          </a:lnRef>
+          <a:fillRef idx="0">
+            <a:schemeClr val="accent1"/>
+          </a:fillRef>
+          <a:effectRef idx="0">
+            <a:schemeClr val="accent1"/>
+          </a:effectRef>
+          <a:fontRef idx="minor">
+            <a:schemeClr val="tx1"/>
+          </a:fontRef>
+        </p:style>
+      </p:cxnSp>
+      <p:sp>
+        <p:nvSpPr>
+          <p:cNvPr id="67" name="TextBox 66"/>
+          <p:cNvSpPr txBox="1"/>
+          <p:nvPr/>
+        </p:nvSpPr>
+        <p:spPr>
+          <a:xfrm>
+            <a:off x="4583986" y="5868259"/>
+            <a:ext cx="415498" cy="246221"/>
+          </a:xfrm>
+          <a:prstGeom prst="rect">
+            <a:avLst/>
+          </a:prstGeom>
+          <a:noFill/>
+        </p:spPr>
+        <p:txBody>
+          <a:bodyPr wrap="none" rtlCol="0">
+            <a:spAutoFit/>
+          </a:bodyPr>
+          <a:lstStyle/>
+          <a:p>
+            <a:r>
+              <a:rPr lang="en-US" sz="1000" smtClean="0">
+                <a:latin typeface="Courier New" pitchFamily="49" charset="0"/>
+                <a:cs typeface="Courier New" pitchFamily="49" charset="0"/>
+              </a:rPr>
+              <a:t>get</a:t>
+            </a:r>
+            <a:endParaRPr lang="en-US" sz="1000">
               <a:latin typeface="Courier New" pitchFamily="49" charset="0"/>
               <a:cs typeface="Courier New" pitchFamily="49" charset="0"/>
             </a:endParaRPr>
@@ -6524,7 +6924,7 @@
             </a:r>
             <a:r>
               <a:rPr lang="en-US" smtClean="0"/>
-              <a:t>sage for</a:t>
+              <a:t>sage</a:t>
             </a:r>
           </a:p>
           <a:p>
@@ -7020,7 +7420,7 @@
         </p:nvSpPr>
         <p:spPr>
           <a:xfrm>
-            <a:off x="1308244" y="1667839"/>
+            <a:off x="280828" y="1462356"/>
             <a:ext cx="1261884" cy="246221"/>
           </a:xfrm>
           <a:prstGeom prst="rect">
@@ -7066,7 +7466,7 @@
         </p:nvSpPr>
         <p:spPr>
           <a:xfrm>
-            <a:off x="239734" y="3671300"/>
+            <a:off x="650700" y="4174734"/>
             <a:ext cx="1800493" cy="246221"/>
           </a:xfrm>
           <a:prstGeom prst="rect">
@@ -7116,7 +7516,7 @@
         </p:nvSpPr>
         <p:spPr>
           <a:xfrm>
-            <a:off x="464049" y="2950397"/>
+            <a:off x="196921" y="2888752"/>
             <a:ext cx="1338828" cy="246221"/>
           </a:xfrm>
           <a:prstGeom prst="rect">
@@ -7207,8 +7607,8 @@
         </p:nvCxnSpPr>
         <p:spPr>
           <a:xfrm flipH="1">
-            <a:off x="1939186" y="991098"/>
-            <a:ext cx="110152" cy="676741"/>
+            <a:off x="911770" y="991098"/>
+            <a:ext cx="1137568" cy="471258"/>
           </a:xfrm>
           <a:prstGeom prst="straightConnector1">
             <a:avLst/>
@@ -7434,7 +7834,7 @@
         </p:nvSpPr>
         <p:spPr>
           <a:xfrm>
-            <a:off x="2024010" y="1191802"/>
+            <a:off x="1171255" y="1027415"/>
             <a:ext cx="569387" cy="246221"/>
           </a:xfrm>
           <a:prstGeom prst="rect">
@@ -7473,8 +7873,8 @@
         </p:nvCxnSpPr>
         <p:spPr>
           <a:xfrm flipH="1">
-            <a:off x="1133463" y="1914060"/>
-            <a:ext cx="805723" cy="1036337"/>
+            <a:off x="866335" y="1708577"/>
+            <a:ext cx="45435" cy="1180175"/>
           </a:xfrm>
           <a:prstGeom prst="straightConnector1">
             <a:avLst/>
@@ -7509,8 +7909,8 @@
         </p:nvCxnSpPr>
         <p:spPr>
           <a:xfrm>
-            <a:off x="1133463" y="3196618"/>
-            <a:ext cx="6518" cy="474682"/>
+            <a:off x="866335" y="3134973"/>
+            <a:ext cx="684612" cy="1039761"/>
           </a:xfrm>
           <a:prstGeom prst="straightConnector1">
             <a:avLst/>
@@ -7578,8 +7978,8 @@
         </p:nvSpPr>
         <p:spPr>
           <a:xfrm>
-            <a:off x="595902" y="3349375"/>
-            <a:ext cx="492443" cy="246221"/>
+            <a:off x="195210" y="3349375"/>
+            <a:ext cx="1338828" cy="246221"/>
           </a:xfrm>
           <a:prstGeom prst="rect">
             <a:avLst/>
@@ -7597,7 +7997,7 @@
                 <a:latin typeface="Courier New" pitchFamily="49" charset="0"/>
                 <a:cs typeface="Courier New" pitchFamily="49" charset="0"/>
               </a:rPr>
-              <a:t>call</a:t>
+              <a:t>call(msgSocket)</a:t>
             </a:r>
             <a:endParaRPr lang="en-US" sz="1000">
               <a:latin typeface="Courier New" pitchFamily="49" charset="0"/>
@@ -7617,8 +8017,8 @@
         </p:nvCxnSpPr>
         <p:spPr>
           <a:xfrm flipH="1">
-            <a:off x="2040227" y="3218879"/>
-            <a:ext cx="1350463" cy="575532"/>
+            <a:off x="2451193" y="3218879"/>
+            <a:ext cx="939497" cy="1078966"/>
           </a:xfrm>
           <a:prstGeom prst="straightConnector1">
             <a:avLst/>
@@ -7727,7 +8127,7 @@
         </p:nvSpPr>
         <p:spPr>
           <a:xfrm>
-            <a:off x="328774" y="2024011"/>
+            <a:off x="164388" y="2075382"/>
             <a:ext cx="415498" cy="246221"/>
           </a:xfrm>
           <a:prstGeom prst="rect">
@@ -7815,15 +8215,15 @@
         <p:nvCxnSpPr>
           <p:cNvPr id="91" name="Straight Arrow Connector 90"/>
           <p:cNvCxnSpPr>
-            <a:stCxn id="68" idx="1"/>
+            <a:stCxn id="68" idx="2"/>
             <a:endCxn id="89" idx="3"/>
           </p:cNvCxnSpPr>
           <p:nvPr/>
         </p:nvCxnSpPr>
         <p:spPr>
           <a:xfrm flipH="1">
-            <a:off x="744272" y="1790950"/>
-            <a:ext cx="563972" cy="356172"/>
+            <a:off x="579886" y="1708577"/>
+            <a:ext cx="331884" cy="489916"/>
           </a:xfrm>
           <a:prstGeom prst="straightConnector1">
             <a:avLst/>
@@ -9393,6 +9793,79 @@
                 <a:cs typeface="Courier New" pitchFamily="49" charset="0"/>
               </a:rPr>
               <a:t>put</a:t>
+            </a:r>
+            <a:endParaRPr lang="en-US" sz="1000">
+              <a:latin typeface="Courier New" pitchFamily="49" charset="0"/>
+              <a:cs typeface="Courier New" pitchFamily="49" charset="0"/>
+            </a:endParaRPr>
+          </a:p>
+        </p:txBody>
+      </p:sp>
+      <p:cxnSp>
+        <p:nvCxnSpPr>
+          <p:cNvPr id="278" name="Straight Arrow Connector 277"/>
+          <p:cNvCxnSpPr>
+            <a:stCxn id="66" idx="2"/>
+            <a:endCxn id="70" idx="0"/>
+          </p:cNvCxnSpPr>
+          <p:nvPr/>
+        </p:nvCxnSpPr>
+        <p:spPr>
+          <a:xfrm flipH="1">
+            <a:off x="1550947" y="991098"/>
+            <a:ext cx="498391" cy="3183636"/>
+          </a:xfrm>
+          <a:prstGeom prst="straightConnector1">
+            <a:avLst/>
+          </a:prstGeom>
+          <a:ln>
+            <a:prstDash val="sysDash"/>
+            <a:tailEnd type="arrow"/>
+          </a:ln>
+        </p:spPr>
+        <p:style>
+          <a:lnRef idx="1">
+            <a:schemeClr val="accent1"/>
+          </a:lnRef>
+          <a:fillRef idx="0">
+            <a:schemeClr val="accent1"/>
+          </a:fillRef>
+          <a:effectRef idx="0">
+            <a:schemeClr val="accent1"/>
+          </a:effectRef>
+          <a:fontRef idx="minor">
+            <a:schemeClr val="tx1"/>
+          </a:fontRef>
+        </p:style>
+      </p:cxnSp>
+      <p:sp>
+        <p:nvSpPr>
+          <p:cNvPr id="284" name="TextBox 283"/>
+          <p:cNvSpPr txBox="1"/>
+          <p:nvPr/>
+        </p:nvSpPr>
+        <p:spPr>
+          <a:xfrm>
+            <a:off x="1715785" y="1859621"/>
+            <a:ext cx="646331" cy="246221"/>
+          </a:xfrm>
+          <a:prstGeom prst="rect">
+            <a:avLst/>
+          </a:prstGeom>
+          <a:noFill/>
+        </p:spPr>
+        <p:txBody>
+          <a:bodyPr wrap="none" rtlCol="0">
+            <a:spAutoFit/>
+          </a:bodyPr>
+          <a:lstStyle/>
+          <a:p>
+            <a:r>
+              <a:rPr lang="en-US" sz="1000" smtClean="0">
+                <a:latin typeface="Courier New" pitchFamily="49" charset="0"/>
+                <a:cs typeface="Courier New" pitchFamily="49" charset="0"/>
+              </a:rPr>
+              <a:t>define</a:t>
             </a:r>
             <a:endParaRPr lang="en-US" sz="1000">
               <a:latin typeface="Courier New" pitchFamily="49" charset="0"/>

--- a/Scripting/ScriptingDocumenation/DesignDiagrams.pptx
+++ b/Scripting/ScriptingDocumenation/DesignDiagrams.pptx
@@ -4054,17 +4054,19 @@
           <a:ln/>
         </p:spPr>
         <p:style>
-          <a:lnRef idx="1">
-            <a:schemeClr val="accent4"/>
+          <a:lnRef idx="2">
+            <a:schemeClr val="accent3">
+              <a:shade val="50000"/>
+            </a:schemeClr>
           </a:lnRef>
-          <a:fillRef idx="2">
-            <a:schemeClr val="accent4"/>
+          <a:fillRef idx="1">
+            <a:schemeClr val="accent3"/>
           </a:fillRef>
-          <a:effectRef idx="1">
-            <a:schemeClr val="accent4"/>
+          <a:effectRef idx="0">
+            <a:schemeClr val="accent3"/>
           </a:effectRef>
           <a:fontRef idx="minor">
-            <a:schemeClr val="dk1"/>
+            <a:schemeClr val="lt1"/>
           </a:fontRef>
         </p:style>
         <p:txBody>
@@ -5044,7 +5046,7 @@
         </p:nvSpPr>
         <p:spPr>
           <a:xfrm>
-            <a:off x="236306" y="267128"/>
+            <a:off x="164387" y="174661"/>
             <a:ext cx="1570495" cy="369332"/>
           </a:xfrm>
           <a:prstGeom prst="rect">
@@ -5074,7 +5076,7 @@
         </p:nvSpPr>
         <p:spPr>
           <a:xfrm>
-            <a:off x="357884" y="943510"/>
+            <a:off x="142127" y="655834"/>
             <a:ext cx="1646605" cy="1477328"/>
           </a:xfrm>
           <a:prstGeom prst="rect">
@@ -5215,7 +5217,7 @@
         </p:nvSpPr>
         <p:spPr>
           <a:xfrm>
-            <a:off x="4618236" y="1083926"/>
+            <a:off x="2573678" y="898992"/>
             <a:ext cx="492443" cy="246221"/>
           </a:xfrm>
           <a:prstGeom prst="rect">
@@ -5265,7 +5267,7 @@
         </p:nvSpPr>
         <p:spPr>
           <a:xfrm>
-            <a:off x="3789452" y="398980"/>
+            <a:off x="1857910" y="183224"/>
             <a:ext cx="2057166" cy="369332"/>
           </a:xfrm>
           <a:prstGeom prst="rect">
@@ -5295,7 +5297,7 @@
         </p:nvSpPr>
         <p:spPr>
           <a:xfrm>
-            <a:off x="5667912" y="952071"/>
+            <a:off x="3356226" y="808233"/>
             <a:ext cx="415498" cy="246221"/>
           </a:xfrm>
           <a:prstGeom prst="rect">
@@ -5357,8 +5359,8 @@
         </p:nvCxnSpPr>
         <p:spPr>
           <a:xfrm flipV="1">
-            <a:off x="5110679" y="1075182"/>
-            <a:ext cx="557233" cy="131855"/>
+            <a:off x="3066121" y="931344"/>
+            <a:ext cx="290105" cy="90759"/>
           </a:xfrm>
           <a:prstGeom prst="straightConnector1">
             <a:avLst/>
@@ -5390,7 +5392,7 @@
         </p:nvSpPr>
         <p:spPr>
           <a:xfrm>
-            <a:off x="4412752" y="2244902"/>
+            <a:off x="2111340" y="1741469"/>
             <a:ext cx="1107996" cy="246221"/>
           </a:xfrm>
           <a:prstGeom prst="rect">
@@ -5444,9 +5446,9 @@
           <p:nvPr/>
         </p:nvCxnSpPr>
         <p:spPr>
-          <a:xfrm>
-            <a:off x="4864458" y="1330147"/>
-            <a:ext cx="102292" cy="914755"/>
+          <a:xfrm flipH="1">
+            <a:off x="2665338" y="1145213"/>
+            <a:ext cx="154562" cy="596256"/>
           </a:xfrm>
           <a:prstGeom prst="straightConnector1">
             <a:avLst/>
@@ -5478,7 +5480,7 @@
         </p:nvSpPr>
         <p:spPr>
           <a:xfrm>
-            <a:off x="4948719" y="1465779"/>
+            <a:off x="2842516" y="1198652"/>
             <a:ext cx="723275" cy="553998"/>
           </a:xfrm>
           <a:prstGeom prst="rect">
@@ -5516,6 +5518,2435 @@
                 <a:cs typeface="Courier New" pitchFamily="49" charset="0"/>
               </a:rPr>
               <a:t>kill</a:t>
+            </a:r>
+            <a:endParaRPr lang="en-US" sz="1000">
+              <a:latin typeface="Courier New" pitchFamily="49" charset="0"/>
+              <a:cs typeface="Courier New" pitchFamily="49" charset="0"/>
+            </a:endParaRPr>
+          </a:p>
+        </p:txBody>
+      </p:sp>
+      <p:sp>
+        <p:nvSpPr>
+          <p:cNvPr id="22" name="TextBox 21"/>
+          <p:cNvSpPr txBox="1"/>
+          <p:nvPr/>
+        </p:nvSpPr>
+        <p:spPr>
+          <a:xfrm>
+            <a:off x="7260405" y="481174"/>
+            <a:ext cx="1723549" cy="1631216"/>
+          </a:xfrm>
+          <a:prstGeom prst="rect">
+            <a:avLst/>
+          </a:prstGeom>
+          <a:noFill/>
+          <a:ln cmpd="sng">
+            <a:solidFill>
+              <a:schemeClr val="tx1"/>
+            </a:solidFill>
+          </a:ln>
+        </p:spPr>
+        <p:txBody>
+          <a:bodyPr wrap="none" rtlCol="0">
+            <a:spAutoFit/>
+          </a:bodyPr>
+          <a:lstStyle/>
+          <a:p>
+            <a:r>
+              <a:rPr lang="en-US" sz="1000" b="1" smtClean="0">
+                <a:solidFill>
+                  <a:srgbClr val="FF0000"/>
+                </a:solidFill>
+                <a:latin typeface="Courier New" pitchFamily="49" charset="0"/>
+                <a:cs typeface="Courier New" pitchFamily="49" charset="0"/>
+              </a:rPr>
+              <a:t>RailSocket</a:t>
+            </a:r>
+            <a:endParaRPr lang="en-US" sz="1000" b="1" smtClean="0">
+              <a:solidFill>
+                <a:srgbClr val="FF0000"/>
+              </a:solidFill>
+              <a:latin typeface="Courier New" pitchFamily="49" charset="0"/>
+              <a:cs typeface="Courier New" pitchFamily="49" charset="0"/>
+            </a:endParaRPr>
+          </a:p>
+          <a:p>
+            <a:r>
+              <a:rPr lang="en-US" sz="1000" smtClean="0">
+                <a:latin typeface="Courier New" pitchFamily="49" charset="0"/>
+                <a:cs typeface="Courier New" pitchFamily="49" charset="0"/>
+              </a:rPr>
+              <a:t>----------</a:t>
+            </a:r>
+          </a:p>
+          <a:p>
+            <a:r>
+              <a:rPr lang="en-US" sz="1000" smtClean="0">
+                <a:latin typeface="Courier New" pitchFamily="49" charset="0"/>
+                <a:cs typeface="Courier New" pitchFamily="49" charset="0"/>
+              </a:rPr>
+              <a:t>init(name,host,port)</a:t>
+            </a:r>
+          </a:p>
+          <a:p>
+            <a:r>
+              <a:rPr lang="en-US" sz="1000" smtClean="0">
+                <a:latin typeface="Courier New" pitchFamily="49" charset="0"/>
+                <a:cs typeface="Courier New" pitchFamily="49" charset="0"/>
+              </a:rPr>
+              <a:t>close</a:t>
+            </a:r>
+          </a:p>
+          <a:p>
+            <a:r>
+              <a:rPr lang="en-US" sz="1000" smtClean="0">
+                <a:latin typeface="Courier New" pitchFamily="49" charset="0"/>
+                <a:cs typeface="Courier New" pitchFamily="49" charset="0"/>
+              </a:rPr>
+              <a:t>receive</a:t>
+            </a:r>
+          </a:p>
+          <a:p>
+            <a:r>
+              <a:rPr lang="en-US" sz="1000" smtClean="0">
+                <a:latin typeface="Courier New" pitchFamily="49" charset="0"/>
+                <a:cs typeface="Courier New" pitchFamily="49" charset="0"/>
+              </a:rPr>
+              <a:t>send</a:t>
+            </a:r>
+            <a:endParaRPr lang="en-US" sz="1000" smtClean="0">
+              <a:latin typeface="Courier New" pitchFamily="49" charset="0"/>
+              <a:cs typeface="Courier New" pitchFamily="49" charset="0"/>
+            </a:endParaRPr>
+          </a:p>
+          <a:p>
+            <a:r>
+              <a:rPr lang="en-US" sz="1000" smtClean="0">
+                <a:latin typeface="Courier New" pitchFamily="49" charset="0"/>
+                <a:cs typeface="Courier New" pitchFamily="49" charset="0"/>
+              </a:rPr>
+              <a:t>----------</a:t>
+            </a:r>
+          </a:p>
+          <a:p>
+            <a:r>
+              <a:rPr lang="en-US" sz="1000" smtClean="0">
+                <a:latin typeface="Courier New" pitchFamily="49" charset="0"/>
+                <a:cs typeface="Courier New" pitchFamily="49" charset="0"/>
+              </a:rPr>
+              <a:t>inBuffer</a:t>
+            </a:r>
+          </a:p>
+          <a:p>
+            <a:r>
+              <a:rPr lang="en-US" sz="1000" smtClean="0">
+                <a:latin typeface="Courier New" pitchFamily="49" charset="0"/>
+                <a:cs typeface="Courier New" pitchFamily="49" charset="0"/>
+              </a:rPr>
+              <a:t>nm</a:t>
+            </a:r>
+          </a:p>
+          <a:p>
+            <a:r>
+              <a:rPr lang="en-US" sz="1000" smtClean="0">
+                <a:latin typeface="Courier New" pitchFamily="49" charset="0"/>
+                <a:cs typeface="Courier New" pitchFamily="49" charset="0"/>
+              </a:rPr>
+              <a:t>sock</a:t>
+            </a:r>
+            <a:endParaRPr lang="en-US" sz="1000" smtClean="0">
+              <a:latin typeface="Courier New" pitchFamily="49" charset="0"/>
+              <a:cs typeface="Courier New" pitchFamily="49" charset="0"/>
+            </a:endParaRPr>
+          </a:p>
+        </p:txBody>
+      </p:sp>
+      <p:sp>
+        <p:nvSpPr>
+          <p:cNvPr id="23" name="TextBox 22"/>
+          <p:cNvSpPr txBox="1"/>
+          <p:nvPr/>
+        </p:nvSpPr>
+        <p:spPr>
+          <a:xfrm>
+            <a:off x="7662809" y="0"/>
+            <a:ext cx="787331" cy="369332"/>
+          </a:xfrm>
+          <a:prstGeom prst="rect">
+            <a:avLst/>
+          </a:prstGeom>
+          <a:noFill/>
+        </p:spPr>
+        <p:txBody>
+          <a:bodyPr wrap="none" rtlCol="0">
+            <a:spAutoFit/>
+          </a:bodyPr>
+          <a:lstStyle/>
+          <a:p>
+            <a:r>
+              <a:rPr lang="en-US" smtClean="0"/>
+              <a:t>TCP.py</a:t>
+            </a:r>
+            <a:endParaRPr lang="en-US"/>
+          </a:p>
+        </p:txBody>
+      </p:sp>
+      <p:sp>
+        <p:nvSpPr>
+          <p:cNvPr id="24" name="TextBox 23"/>
+          <p:cNvSpPr txBox="1"/>
+          <p:nvPr/>
+        </p:nvSpPr>
+        <p:spPr>
+          <a:xfrm>
+            <a:off x="4667895" y="1595921"/>
+            <a:ext cx="492443" cy="246221"/>
+          </a:xfrm>
+          <a:prstGeom prst="rect">
+            <a:avLst/>
+          </a:prstGeom>
+          <a:ln/>
+        </p:spPr>
+        <p:style>
+          <a:lnRef idx="1">
+            <a:schemeClr val="accent1"/>
+          </a:lnRef>
+          <a:fillRef idx="3">
+            <a:schemeClr val="accent1"/>
+          </a:fillRef>
+          <a:effectRef idx="2">
+            <a:schemeClr val="accent1"/>
+          </a:effectRef>
+          <a:fontRef idx="minor">
+            <a:schemeClr val="lt1"/>
+          </a:fontRef>
+        </p:style>
+        <p:txBody>
+          <a:bodyPr wrap="none" rtlCol="0">
+            <a:spAutoFit/>
+          </a:bodyPr>
+          <a:lstStyle/>
+          <a:p>
+            <a:r>
+              <a:rPr lang="en-US" sz="1000" smtClean="0">
+                <a:latin typeface="Courier New" pitchFamily="49" charset="0"/>
+                <a:cs typeface="Courier New" pitchFamily="49" charset="0"/>
+              </a:rPr>
+              <a:t>main</a:t>
+            </a:r>
+            <a:endParaRPr lang="en-US" sz="1000" smtClean="0">
+              <a:latin typeface="Courier New" pitchFamily="49" charset="0"/>
+              <a:cs typeface="Courier New" pitchFamily="49" charset="0"/>
+            </a:endParaRPr>
+          </a:p>
+        </p:txBody>
+      </p:sp>
+      <p:sp>
+        <p:nvSpPr>
+          <p:cNvPr id="25" name="TextBox 24"/>
+          <p:cNvSpPr txBox="1"/>
+          <p:nvPr/>
+        </p:nvSpPr>
+        <p:spPr>
+          <a:xfrm>
+            <a:off x="5717571" y="1464066"/>
+            <a:ext cx="415498" cy="246221"/>
+          </a:xfrm>
+          <a:prstGeom prst="rect">
+            <a:avLst/>
+          </a:prstGeom>
+          <a:ln/>
+        </p:spPr>
+        <p:style>
+          <a:lnRef idx="2">
+            <a:schemeClr val="accent3">
+              <a:shade val="50000"/>
+            </a:schemeClr>
+          </a:lnRef>
+          <a:fillRef idx="1">
+            <a:schemeClr val="accent3"/>
+          </a:fillRef>
+          <a:effectRef idx="0">
+            <a:schemeClr val="accent3"/>
+          </a:effectRef>
+          <a:fontRef idx="minor">
+            <a:schemeClr val="lt1"/>
+          </a:fontRef>
+        </p:style>
+        <p:txBody>
+          <a:bodyPr wrap="square" rtlCol="0">
+            <a:spAutoFit/>
+          </a:bodyPr>
+          <a:lstStyle/>
+          <a:p>
+            <a:r>
+              <a:rPr lang="en-US" sz="1000" smtClean="0">
+                <a:latin typeface="Courier New" pitchFamily="49" charset="0"/>
+                <a:cs typeface="Courier New" pitchFamily="49" charset="0"/>
+              </a:rPr>
+              <a:t>l</a:t>
+            </a:r>
+            <a:r>
+              <a:rPr lang="en-US" sz="1000" smtClean="0">
+                <a:latin typeface="Courier New" pitchFamily="49" charset="0"/>
+                <a:cs typeface="Courier New" pitchFamily="49" charset="0"/>
+              </a:rPr>
+              <a:t>og</a:t>
+            </a:r>
+            <a:endParaRPr lang="en-US" sz="1000" smtClean="0">
+              <a:latin typeface="Courier New" pitchFamily="49" charset="0"/>
+              <a:cs typeface="Courier New" pitchFamily="49" charset="0"/>
+            </a:endParaRPr>
+          </a:p>
+        </p:txBody>
+      </p:sp>
+      <p:cxnSp>
+        <p:nvCxnSpPr>
+          <p:cNvPr id="26" name="Straight Arrow Connector 25"/>
+          <p:cNvCxnSpPr>
+            <a:stCxn id="24" idx="3"/>
+            <a:endCxn id="25" idx="1"/>
+          </p:cNvCxnSpPr>
+          <p:nvPr/>
+        </p:nvCxnSpPr>
+        <p:spPr>
+          <a:xfrm flipV="1">
+            <a:off x="5160338" y="1587177"/>
+            <a:ext cx="557233" cy="131855"/>
+          </a:xfrm>
+          <a:prstGeom prst="straightConnector1">
+            <a:avLst/>
+          </a:prstGeom>
+          <a:ln>
+            <a:tailEnd type="arrow"/>
+          </a:ln>
+        </p:spPr>
+        <p:style>
+          <a:lnRef idx="1">
+            <a:schemeClr val="accent1"/>
+          </a:lnRef>
+          <a:fillRef idx="0">
+            <a:schemeClr val="accent1"/>
+          </a:fillRef>
+          <a:effectRef idx="0">
+            <a:schemeClr val="accent1"/>
+          </a:effectRef>
+          <a:fontRef idx="minor">
+            <a:schemeClr val="tx1"/>
+          </a:fontRef>
+        </p:style>
+      </p:cxnSp>
+      <p:cxnSp>
+        <p:nvCxnSpPr>
+          <p:cNvPr id="28" name="Straight Arrow Connector 27"/>
+          <p:cNvCxnSpPr>
+            <a:stCxn id="24" idx="2"/>
+            <a:endCxn id="39" idx="0"/>
+          </p:cNvCxnSpPr>
+          <p:nvPr/>
+        </p:nvCxnSpPr>
+        <p:spPr>
+          <a:xfrm>
+            <a:off x="4914117" y="1842142"/>
+            <a:ext cx="2230996" cy="750374"/>
+          </a:xfrm>
+          <a:prstGeom prst="straightConnector1">
+            <a:avLst/>
+          </a:prstGeom>
+          <a:ln>
+            <a:tailEnd type="arrow"/>
+          </a:ln>
+        </p:spPr>
+        <p:style>
+          <a:lnRef idx="1">
+            <a:schemeClr val="accent1"/>
+          </a:lnRef>
+          <a:fillRef idx="0">
+            <a:schemeClr val="accent1"/>
+          </a:fillRef>
+          <a:effectRef idx="0">
+            <a:schemeClr val="accent1"/>
+          </a:effectRef>
+          <a:fontRef idx="minor">
+            <a:schemeClr val="tx1"/>
+          </a:fontRef>
+        </p:style>
+      </p:cxnSp>
+      <p:sp>
+        <p:nvSpPr>
+          <p:cNvPr id="32" name="TextBox 31"/>
+          <p:cNvSpPr txBox="1"/>
+          <p:nvPr/>
+        </p:nvSpPr>
+        <p:spPr>
+          <a:xfrm>
+            <a:off x="4650769" y="797959"/>
+            <a:ext cx="1303434" cy="369332"/>
+          </a:xfrm>
+          <a:prstGeom prst="rect">
+            <a:avLst/>
+          </a:prstGeom>
+          <a:noFill/>
+        </p:spPr>
+        <p:txBody>
+          <a:bodyPr wrap="none" rtlCol="0">
+            <a:spAutoFit/>
+          </a:bodyPr>
+          <a:lstStyle/>
+          <a:p>
+            <a:r>
+              <a:rPr lang="en-US" smtClean="0"/>
+              <a:t>TCP_Test.py</a:t>
+            </a:r>
+            <a:endParaRPr lang="en-US"/>
+          </a:p>
+        </p:txBody>
+      </p:sp>
+      <p:sp>
+        <p:nvSpPr>
+          <p:cNvPr id="33" name="TextBox 32"/>
+          <p:cNvSpPr txBox="1"/>
+          <p:nvPr/>
+        </p:nvSpPr>
+        <p:spPr>
+          <a:xfrm>
+            <a:off x="1051390" y="3181570"/>
+            <a:ext cx="800219" cy="246221"/>
+          </a:xfrm>
+          <a:prstGeom prst="rect">
+            <a:avLst/>
+          </a:prstGeom>
+          <a:ln/>
+        </p:spPr>
+        <p:style>
+          <a:lnRef idx="1">
+            <a:schemeClr val="accent2"/>
+          </a:lnRef>
+          <a:fillRef idx="2">
+            <a:schemeClr val="accent2"/>
+          </a:fillRef>
+          <a:effectRef idx="1">
+            <a:schemeClr val="accent2"/>
+          </a:effectRef>
+          <a:fontRef idx="minor">
+            <a:schemeClr val="dk1"/>
+          </a:fontRef>
+        </p:style>
+        <p:txBody>
+          <a:bodyPr wrap="none" rtlCol="0">
+            <a:spAutoFit/>
+          </a:bodyPr>
+          <a:lstStyle/>
+          <a:p>
+            <a:r>
+              <a:rPr lang="en-US" sz="1000" smtClean="0">
+                <a:latin typeface="Courier New" pitchFamily="49" charset="0"/>
+                <a:cs typeface="Courier New" pitchFamily="49" charset="0"/>
+              </a:rPr>
+              <a:t>testSend</a:t>
+            </a:r>
+            <a:endParaRPr lang="en-US" sz="1000" smtClean="0">
+              <a:latin typeface="Courier New" pitchFamily="49" charset="0"/>
+              <a:cs typeface="Courier New" pitchFamily="49" charset="0"/>
+            </a:endParaRPr>
+          </a:p>
+        </p:txBody>
+      </p:sp>
+      <p:cxnSp>
+        <p:nvCxnSpPr>
+          <p:cNvPr id="34" name="Straight Arrow Connector 33"/>
+          <p:cNvCxnSpPr>
+            <a:stCxn id="24" idx="2"/>
+            <a:endCxn id="33" idx="0"/>
+          </p:cNvCxnSpPr>
+          <p:nvPr/>
+        </p:nvCxnSpPr>
+        <p:spPr>
+          <a:xfrm flipH="1">
+            <a:off x="1451500" y="1842142"/>
+            <a:ext cx="3462617" cy="1339428"/>
+          </a:xfrm>
+          <a:prstGeom prst="straightConnector1">
+            <a:avLst/>
+          </a:prstGeom>
+          <a:ln>
+            <a:tailEnd type="arrow"/>
+          </a:ln>
+        </p:spPr>
+        <p:style>
+          <a:lnRef idx="1">
+            <a:schemeClr val="accent1"/>
+          </a:lnRef>
+          <a:fillRef idx="0">
+            <a:schemeClr val="accent1"/>
+          </a:fillRef>
+          <a:effectRef idx="0">
+            <a:schemeClr val="accent1"/>
+          </a:effectRef>
+          <a:fontRef idx="minor">
+            <a:schemeClr val="tx1"/>
+          </a:fontRef>
+        </p:style>
+      </p:cxnSp>
+      <p:sp>
+        <p:nvSpPr>
+          <p:cNvPr id="35" name="TextBox 34"/>
+          <p:cNvSpPr txBox="1"/>
+          <p:nvPr/>
+        </p:nvSpPr>
+        <p:spPr>
+          <a:xfrm>
+            <a:off x="1655851" y="2686693"/>
+            <a:ext cx="492443" cy="246221"/>
+          </a:xfrm>
+          <a:prstGeom prst="rect">
+            <a:avLst/>
+          </a:prstGeom>
+          <a:noFill/>
+        </p:spPr>
+        <p:txBody>
+          <a:bodyPr wrap="none" rtlCol="0">
+            <a:spAutoFit/>
+          </a:bodyPr>
+          <a:lstStyle/>
+          <a:p>
+            <a:r>
+              <a:rPr lang="en-US" sz="1000" smtClean="0">
+                <a:latin typeface="Courier New" pitchFamily="49" charset="0"/>
+                <a:cs typeface="Courier New" pitchFamily="49" charset="0"/>
+              </a:rPr>
+              <a:t>call</a:t>
+            </a:r>
+            <a:endParaRPr lang="en-US" sz="1000">
+              <a:latin typeface="Courier New" pitchFamily="49" charset="0"/>
+              <a:cs typeface="Courier New" pitchFamily="49" charset="0"/>
+            </a:endParaRPr>
+          </a:p>
+        </p:txBody>
+      </p:sp>
+      <p:sp>
+        <p:nvSpPr>
+          <p:cNvPr id="36" name="TextBox 35"/>
+          <p:cNvSpPr txBox="1"/>
+          <p:nvPr/>
+        </p:nvSpPr>
+        <p:spPr>
+          <a:xfrm>
+            <a:off x="2655878" y="4320270"/>
+            <a:ext cx="1031051" cy="246221"/>
+          </a:xfrm>
+          <a:prstGeom prst="rect">
+            <a:avLst/>
+          </a:prstGeom>
+          <a:ln/>
+        </p:spPr>
+        <p:style>
+          <a:lnRef idx="1">
+            <a:schemeClr val="accent2"/>
+          </a:lnRef>
+          <a:fillRef idx="2">
+            <a:schemeClr val="accent2"/>
+          </a:fillRef>
+          <a:effectRef idx="1">
+            <a:schemeClr val="accent2"/>
+          </a:effectRef>
+          <a:fontRef idx="minor">
+            <a:schemeClr val="dk1"/>
+          </a:fontRef>
+        </p:style>
+        <p:txBody>
+          <a:bodyPr wrap="none" rtlCol="0">
+            <a:spAutoFit/>
+          </a:bodyPr>
+          <a:lstStyle/>
+          <a:p>
+            <a:r>
+              <a:rPr lang="en-US" sz="1000" smtClean="0">
+                <a:latin typeface="Courier New" pitchFamily="49" charset="0"/>
+                <a:cs typeface="Courier New" pitchFamily="49" charset="0"/>
+              </a:rPr>
+              <a:t>testReceive</a:t>
+            </a:r>
+            <a:endParaRPr lang="en-US" sz="1000" smtClean="0">
+              <a:latin typeface="Courier New" pitchFamily="49" charset="0"/>
+              <a:cs typeface="Courier New" pitchFamily="49" charset="0"/>
+            </a:endParaRPr>
+          </a:p>
+        </p:txBody>
+      </p:sp>
+      <p:cxnSp>
+        <p:nvCxnSpPr>
+          <p:cNvPr id="37" name="Straight Arrow Connector 36"/>
+          <p:cNvCxnSpPr>
+            <a:stCxn id="24" idx="2"/>
+          </p:cNvCxnSpPr>
+          <p:nvPr/>
+        </p:nvCxnSpPr>
+        <p:spPr>
+          <a:xfrm flipH="1">
+            <a:off x="3142188" y="1842142"/>
+            <a:ext cx="1771929" cy="2430180"/>
+          </a:xfrm>
+          <a:prstGeom prst="straightConnector1">
+            <a:avLst/>
+          </a:prstGeom>
+          <a:ln>
+            <a:tailEnd type="arrow"/>
+          </a:ln>
+        </p:spPr>
+        <p:style>
+          <a:lnRef idx="1">
+            <a:schemeClr val="accent1"/>
+          </a:lnRef>
+          <a:fillRef idx="0">
+            <a:schemeClr val="accent1"/>
+          </a:fillRef>
+          <a:effectRef idx="0">
+            <a:schemeClr val="accent1"/>
+          </a:effectRef>
+          <a:fontRef idx="minor">
+            <a:schemeClr val="tx1"/>
+          </a:fontRef>
+        </p:style>
+      </p:cxnSp>
+      <p:sp>
+        <p:nvSpPr>
+          <p:cNvPr id="38" name="TextBox 37"/>
+          <p:cNvSpPr txBox="1"/>
+          <p:nvPr/>
+        </p:nvSpPr>
+        <p:spPr>
+          <a:xfrm>
+            <a:off x="3619934" y="2767155"/>
+            <a:ext cx="492443" cy="246221"/>
+          </a:xfrm>
+          <a:prstGeom prst="rect">
+            <a:avLst/>
+          </a:prstGeom>
+          <a:noFill/>
+        </p:spPr>
+        <p:txBody>
+          <a:bodyPr wrap="none" rtlCol="0">
+            <a:spAutoFit/>
+          </a:bodyPr>
+          <a:lstStyle/>
+          <a:p>
+            <a:r>
+              <a:rPr lang="en-US" sz="1000" smtClean="0">
+                <a:latin typeface="Courier New" pitchFamily="49" charset="0"/>
+                <a:cs typeface="Courier New" pitchFamily="49" charset="0"/>
+              </a:rPr>
+              <a:t>call</a:t>
+            </a:r>
+            <a:endParaRPr lang="en-US" sz="1000">
+              <a:latin typeface="Courier New" pitchFamily="49" charset="0"/>
+              <a:cs typeface="Courier New" pitchFamily="49" charset="0"/>
+            </a:endParaRPr>
+          </a:p>
+        </p:txBody>
+      </p:sp>
+      <p:sp>
+        <p:nvSpPr>
+          <p:cNvPr id="39" name="TextBox 38"/>
+          <p:cNvSpPr txBox="1"/>
+          <p:nvPr/>
+        </p:nvSpPr>
+        <p:spPr>
+          <a:xfrm>
+            <a:off x="6167922" y="2592516"/>
+            <a:ext cx="1954381" cy="246221"/>
+          </a:xfrm>
+          <a:prstGeom prst="rect">
+            <a:avLst/>
+          </a:prstGeom>
+          <a:ln/>
+        </p:spPr>
+        <p:style>
+          <a:lnRef idx="1">
+            <a:schemeClr val="accent2"/>
+          </a:lnRef>
+          <a:fillRef idx="2">
+            <a:schemeClr val="accent2"/>
+          </a:fillRef>
+          <a:effectRef idx="1">
+            <a:schemeClr val="accent2"/>
+          </a:effectRef>
+          <a:fontRef idx="minor">
+            <a:schemeClr val="dk1"/>
+          </a:fontRef>
+        </p:style>
+        <p:txBody>
+          <a:bodyPr wrap="none" rtlCol="0">
+            <a:spAutoFit/>
+          </a:bodyPr>
+          <a:lstStyle/>
+          <a:p>
+            <a:r>
+              <a:rPr lang="en-US" sz="1000" smtClean="0">
+                <a:latin typeface="Courier New" pitchFamily="49" charset="0"/>
+                <a:cs typeface="Courier New" pitchFamily="49" charset="0"/>
+              </a:rPr>
+              <a:t>testTalkingToController</a:t>
+            </a:r>
+            <a:endParaRPr lang="en-US" sz="1000" smtClean="0">
+              <a:latin typeface="Courier New" pitchFamily="49" charset="0"/>
+              <a:cs typeface="Courier New" pitchFamily="49" charset="0"/>
+            </a:endParaRPr>
+          </a:p>
+        </p:txBody>
+      </p:sp>
+      <p:sp>
+        <p:nvSpPr>
+          <p:cNvPr id="41" name="TextBox 40"/>
+          <p:cNvSpPr txBox="1"/>
+          <p:nvPr/>
+        </p:nvSpPr>
+        <p:spPr>
+          <a:xfrm>
+            <a:off x="6001821" y="2025721"/>
+            <a:ext cx="492443" cy="246221"/>
+          </a:xfrm>
+          <a:prstGeom prst="rect">
+            <a:avLst/>
+          </a:prstGeom>
+          <a:noFill/>
+        </p:spPr>
+        <p:txBody>
+          <a:bodyPr wrap="none" rtlCol="0">
+            <a:spAutoFit/>
+          </a:bodyPr>
+          <a:lstStyle/>
+          <a:p>
+            <a:r>
+              <a:rPr lang="en-US" sz="1000" smtClean="0">
+                <a:latin typeface="Courier New" pitchFamily="49" charset="0"/>
+                <a:cs typeface="Courier New" pitchFamily="49" charset="0"/>
+              </a:rPr>
+              <a:t>call</a:t>
+            </a:r>
+            <a:endParaRPr lang="en-US" sz="1000">
+              <a:latin typeface="Courier New" pitchFamily="49" charset="0"/>
+              <a:cs typeface="Courier New" pitchFamily="49" charset="0"/>
+            </a:endParaRPr>
+          </a:p>
+        </p:txBody>
+      </p:sp>
+      <p:sp>
+        <p:nvSpPr>
+          <p:cNvPr id="42" name="TextBox 41"/>
+          <p:cNvSpPr txBox="1"/>
+          <p:nvPr/>
+        </p:nvSpPr>
+        <p:spPr>
+          <a:xfrm>
+            <a:off x="1417834" y="4236378"/>
+            <a:ext cx="954107" cy="246221"/>
+          </a:xfrm>
+          <a:prstGeom prst="rect">
+            <a:avLst/>
+          </a:prstGeom>
+          <a:ln/>
+        </p:spPr>
+        <p:style>
+          <a:lnRef idx="1">
+            <a:schemeClr val="accent3"/>
+          </a:lnRef>
+          <a:fillRef idx="2">
+            <a:schemeClr val="accent3"/>
+          </a:fillRef>
+          <a:effectRef idx="1">
+            <a:schemeClr val="accent3"/>
+          </a:effectRef>
+          <a:fontRef idx="minor">
+            <a:schemeClr val="dk1"/>
+          </a:fontRef>
+        </p:style>
+        <p:txBody>
+          <a:bodyPr wrap="none" rtlCol="0">
+            <a:spAutoFit/>
+          </a:bodyPr>
+          <a:lstStyle/>
+          <a:p>
+            <a:r>
+              <a:rPr lang="en-US" sz="1000" smtClean="0">
+                <a:latin typeface="Courier New" pitchFamily="49" charset="0"/>
+                <a:cs typeface="Courier New" pitchFamily="49" charset="0"/>
+              </a:rPr>
+              <a:t>railSocket</a:t>
+            </a:r>
+            <a:endParaRPr lang="en-US" sz="1000" smtClean="0">
+              <a:latin typeface="Courier New" pitchFamily="49" charset="0"/>
+              <a:cs typeface="Courier New" pitchFamily="49" charset="0"/>
+            </a:endParaRPr>
+          </a:p>
+        </p:txBody>
+      </p:sp>
+      <p:cxnSp>
+        <p:nvCxnSpPr>
+          <p:cNvPr id="44" name="Straight Arrow Connector 43"/>
+          <p:cNvCxnSpPr>
+            <a:stCxn id="33" idx="2"/>
+            <a:endCxn id="42" idx="0"/>
+          </p:cNvCxnSpPr>
+          <p:nvPr/>
+        </p:nvCxnSpPr>
+        <p:spPr>
+          <a:xfrm>
+            <a:off x="1451500" y="3427791"/>
+            <a:ext cx="443388" cy="808587"/>
+          </a:xfrm>
+          <a:prstGeom prst="straightConnector1">
+            <a:avLst/>
+          </a:prstGeom>
+          <a:ln>
+            <a:tailEnd type="arrow"/>
+          </a:ln>
+        </p:spPr>
+        <p:style>
+          <a:lnRef idx="1">
+            <a:schemeClr val="accent1"/>
+          </a:lnRef>
+          <a:fillRef idx="0">
+            <a:schemeClr val="accent1"/>
+          </a:fillRef>
+          <a:effectRef idx="0">
+            <a:schemeClr val="accent1"/>
+          </a:effectRef>
+          <a:fontRef idx="minor">
+            <a:schemeClr val="tx1"/>
+          </a:fontRef>
+        </p:style>
+      </p:cxnSp>
+      <p:sp>
+        <p:nvSpPr>
+          <p:cNvPr id="46" name="TextBox 45"/>
+          <p:cNvSpPr txBox="1"/>
+          <p:nvPr/>
+        </p:nvSpPr>
+        <p:spPr>
+          <a:xfrm>
+            <a:off x="1614752" y="3498351"/>
+            <a:ext cx="569387" cy="553998"/>
+          </a:xfrm>
+          <a:prstGeom prst="rect">
+            <a:avLst/>
+          </a:prstGeom>
+          <a:noFill/>
+        </p:spPr>
+        <p:txBody>
+          <a:bodyPr wrap="none" rtlCol="0">
+            <a:spAutoFit/>
+          </a:bodyPr>
+          <a:lstStyle/>
+          <a:p>
+            <a:r>
+              <a:rPr lang="en-US" sz="1000" smtClean="0">
+                <a:latin typeface="Courier New" pitchFamily="49" charset="0"/>
+                <a:cs typeface="Courier New" pitchFamily="49" charset="0"/>
+              </a:rPr>
+              <a:t>init</a:t>
+            </a:r>
+          </a:p>
+          <a:p>
+            <a:r>
+              <a:rPr lang="en-US" sz="1000" smtClean="0">
+                <a:latin typeface="Courier New" pitchFamily="49" charset="0"/>
+                <a:cs typeface="Courier New" pitchFamily="49" charset="0"/>
+              </a:rPr>
+              <a:t>send</a:t>
+            </a:r>
+          </a:p>
+          <a:p>
+            <a:r>
+              <a:rPr lang="en-US" sz="1000" smtClean="0">
+                <a:latin typeface="Courier New" pitchFamily="49" charset="0"/>
+                <a:cs typeface="Courier New" pitchFamily="49" charset="0"/>
+              </a:rPr>
+              <a:t>close</a:t>
+            </a:r>
+            <a:endParaRPr lang="en-US" sz="1000">
+              <a:latin typeface="Courier New" pitchFamily="49" charset="0"/>
+              <a:cs typeface="Courier New" pitchFamily="49" charset="0"/>
+            </a:endParaRPr>
+          </a:p>
+        </p:txBody>
+      </p:sp>
+      <p:sp>
+        <p:nvSpPr>
+          <p:cNvPr id="49" name="TextBox 48"/>
+          <p:cNvSpPr txBox="1"/>
+          <p:nvPr/>
+        </p:nvSpPr>
+        <p:spPr>
+          <a:xfrm>
+            <a:off x="71918" y="4246651"/>
+            <a:ext cx="877163" cy="246221"/>
+          </a:xfrm>
+          <a:prstGeom prst="rect">
+            <a:avLst/>
+          </a:prstGeom>
+          <a:ln/>
+        </p:spPr>
+        <p:style>
+          <a:lnRef idx="2">
+            <a:schemeClr val="accent1">
+              <a:shade val="50000"/>
+            </a:schemeClr>
+          </a:lnRef>
+          <a:fillRef idx="1">
+            <a:schemeClr val="accent1"/>
+          </a:fillRef>
+          <a:effectRef idx="0">
+            <a:schemeClr val="accent1"/>
+          </a:effectRef>
+          <a:fontRef idx="minor">
+            <a:schemeClr val="lt1"/>
+          </a:fontRef>
+        </p:style>
+        <p:txBody>
+          <a:bodyPr wrap="none" rtlCol="0">
+            <a:spAutoFit/>
+          </a:bodyPr>
+          <a:lstStyle/>
+          <a:p>
+            <a:r>
+              <a:rPr lang="en-US" sz="1000" smtClean="0">
+                <a:latin typeface="Courier New" pitchFamily="49" charset="0"/>
+                <a:cs typeface="Courier New" pitchFamily="49" charset="0"/>
+              </a:rPr>
+              <a:t>simulator</a:t>
+            </a:r>
+            <a:endParaRPr lang="en-US" sz="1000" smtClean="0">
+              <a:latin typeface="Courier New" pitchFamily="49" charset="0"/>
+              <a:cs typeface="Courier New" pitchFamily="49" charset="0"/>
+            </a:endParaRPr>
+          </a:p>
+        </p:txBody>
+      </p:sp>
+      <p:cxnSp>
+        <p:nvCxnSpPr>
+          <p:cNvPr id="51" name="Straight Arrow Connector 50"/>
+          <p:cNvCxnSpPr>
+            <a:stCxn id="33" idx="2"/>
+            <a:endCxn id="49" idx="0"/>
+          </p:cNvCxnSpPr>
+          <p:nvPr/>
+        </p:nvCxnSpPr>
+        <p:spPr>
+          <a:xfrm flipH="1">
+            <a:off x="510500" y="3427791"/>
+            <a:ext cx="941000" cy="818860"/>
+          </a:xfrm>
+          <a:prstGeom prst="straightConnector1">
+            <a:avLst/>
+          </a:prstGeom>
+          <a:ln>
+            <a:tailEnd type="arrow"/>
+          </a:ln>
+        </p:spPr>
+        <p:style>
+          <a:lnRef idx="1">
+            <a:schemeClr val="accent1"/>
+          </a:lnRef>
+          <a:fillRef idx="0">
+            <a:schemeClr val="accent1"/>
+          </a:fillRef>
+          <a:effectRef idx="0">
+            <a:schemeClr val="accent1"/>
+          </a:effectRef>
+          <a:fontRef idx="minor">
+            <a:schemeClr val="tx1"/>
+          </a:fontRef>
+        </p:style>
+      </p:cxnSp>
+      <p:sp>
+        <p:nvSpPr>
+          <p:cNvPr id="52" name="TextBox 51"/>
+          <p:cNvSpPr txBox="1"/>
+          <p:nvPr/>
+        </p:nvSpPr>
+        <p:spPr>
+          <a:xfrm>
+            <a:off x="4092547" y="5089118"/>
+            <a:ext cx="1492716" cy="246221"/>
+          </a:xfrm>
+          <a:prstGeom prst="rect">
+            <a:avLst/>
+          </a:prstGeom>
+          <a:noFill/>
+        </p:spPr>
+        <p:txBody>
+          <a:bodyPr wrap="none" rtlCol="0">
+            <a:spAutoFit/>
+          </a:bodyPr>
+          <a:lstStyle/>
+          <a:p>
+            <a:r>
+              <a:rPr lang="en-US" sz="1000" smtClean="0">
+                <a:latin typeface="Courier New" pitchFamily="49" charset="0"/>
+                <a:cs typeface="Courier New" pitchFamily="49" charset="0"/>
+              </a:rPr>
+              <a:t>start(railSocket)</a:t>
+            </a:r>
+            <a:endParaRPr lang="en-US" sz="1000">
+              <a:latin typeface="Courier New" pitchFamily="49" charset="0"/>
+              <a:cs typeface="Courier New" pitchFamily="49" charset="0"/>
+            </a:endParaRPr>
+          </a:p>
+        </p:txBody>
+      </p:sp>
+      <p:cxnSp>
+        <p:nvCxnSpPr>
+          <p:cNvPr id="54" name="Straight Arrow Connector 53"/>
+          <p:cNvCxnSpPr>
+            <a:stCxn id="42" idx="1"/>
+            <a:endCxn id="49" idx="3"/>
+          </p:cNvCxnSpPr>
+          <p:nvPr/>
+        </p:nvCxnSpPr>
+        <p:spPr>
+          <a:xfrm flipH="1">
+            <a:off x="949081" y="4359489"/>
+            <a:ext cx="468753" cy="10273"/>
+          </a:xfrm>
+          <a:prstGeom prst="straightConnector1">
+            <a:avLst/>
+          </a:prstGeom>
+          <a:ln>
+            <a:solidFill>
+              <a:schemeClr val="accent1"/>
+            </a:solidFill>
+            <a:prstDash val="sysDash"/>
+            <a:headEnd type="none" w="med" len="med"/>
+            <a:tailEnd type="arrow" w="med" len="med"/>
+          </a:ln>
+        </p:spPr>
+        <p:style>
+          <a:lnRef idx="1">
+            <a:schemeClr val="accent1"/>
+          </a:lnRef>
+          <a:fillRef idx="0">
+            <a:schemeClr val="accent1"/>
+          </a:fillRef>
+          <a:effectRef idx="0">
+            <a:schemeClr val="accent1"/>
+          </a:effectRef>
+          <a:fontRef idx="minor">
+            <a:schemeClr val="tx1"/>
+          </a:fontRef>
+        </p:style>
+      </p:cxnSp>
+      <p:sp>
+        <p:nvSpPr>
+          <p:cNvPr id="59" name="TextBox 58"/>
+          <p:cNvSpPr txBox="1"/>
+          <p:nvPr/>
+        </p:nvSpPr>
+        <p:spPr>
+          <a:xfrm>
+            <a:off x="1933262" y="6299756"/>
+            <a:ext cx="877163" cy="246221"/>
+          </a:xfrm>
+          <a:prstGeom prst="rect">
+            <a:avLst/>
+          </a:prstGeom>
+          <a:ln/>
+        </p:spPr>
+        <p:style>
+          <a:lnRef idx="2">
+            <a:schemeClr val="accent1">
+              <a:shade val="50000"/>
+            </a:schemeClr>
+          </a:lnRef>
+          <a:fillRef idx="1">
+            <a:schemeClr val="accent1"/>
+          </a:fillRef>
+          <a:effectRef idx="0">
+            <a:schemeClr val="accent1"/>
+          </a:effectRef>
+          <a:fontRef idx="minor">
+            <a:schemeClr val="lt1"/>
+          </a:fontRef>
+        </p:style>
+        <p:txBody>
+          <a:bodyPr wrap="square" rtlCol="0">
+            <a:spAutoFit/>
+          </a:bodyPr>
+          <a:lstStyle/>
+          <a:p>
+            <a:r>
+              <a:rPr lang="en-US" sz="1000" smtClean="0">
+                <a:latin typeface="Courier New" pitchFamily="49" charset="0"/>
+                <a:cs typeface="Courier New" pitchFamily="49" charset="0"/>
+              </a:rPr>
+              <a:t>simulator</a:t>
+            </a:r>
+            <a:endParaRPr lang="en-US" sz="1000" smtClean="0">
+              <a:latin typeface="Courier New" pitchFamily="49" charset="0"/>
+              <a:cs typeface="Courier New" pitchFamily="49" charset="0"/>
+            </a:endParaRPr>
+          </a:p>
+        </p:txBody>
+      </p:sp>
+      <p:cxnSp>
+        <p:nvCxnSpPr>
+          <p:cNvPr id="60" name="Straight Arrow Connector 59"/>
+          <p:cNvCxnSpPr>
+            <a:stCxn id="36" idx="2"/>
+            <a:endCxn id="59" idx="0"/>
+          </p:cNvCxnSpPr>
+          <p:nvPr/>
+        </p:nvCxnSpPr>
+        <p:spPr>
+          <a:xfrm flipH="1">
+            <a:off x="2371844" y="4566491"/>
+            <a:ext cx="799560" cy="1733265"/>
+          </a:xfrm>
+          <a:prstGeom prst="straightConnector1">
+            <a:avLst/>
+          </a:prstGeom>
+          <a:ln>
+            <a:tailEnd type="arrow"/>
+          </a:ln>
+        </p:spPr>
+        <p:style>
+          <a:lnRef idx="1">
+            <a:schemeClr val="accent1"/>
+          </a:lnRef>
+          <a:fillRef idx="0">
+            <a:schemeClr val="accent1"/>
+          </a:fillRef>
+          <a:effectRef idx="0">
+            <a:schemeClr val="accent1"/>
+          </a:effectRef>
+          <a:fontRef idx="minor">
+            <a:schemeClr val="tx1"/>
+          </a:fontRef>
+        </p:style>
+      </p:cxnSp>
+      <p:sp>
+        <p:nvSpPr>
+          <p:cNvPr id="64" name="TextBox 63"/>
+          <p:cNvSpPr txBox="1"/>
+          <p:nvPr/>
+        </p:nvSpPr>
+        <p:spPr>
+          <a:xfrm>
+            <a:off x="3217532" y="5662758"/>
+            <a:ext cx="954107" cy="246221"/>
+          </a:xfrm>
+          <a:prstGeom prst="rect">
+            <a:avLst/>
+          </a:prstGeom>
+          <a:ln/>
+        </p:spPr>
+        <p:style>
+          <a:lnRef idx="1">
+            <a:schemeClr val="accent3"/>
+          </a:lnRef>
+          <a:fillRef idx="2">
+            <a:schemeClr val="accent3"/>
+          </a:fillRef>
+          <a:effectRef idx="1">
+            <a:schemeClr val="accent3"/>
+          </a:effectRef>
+          <a:fontRef idx="minor">
+            <a:schemeClr val="dk1"/>
+          </a:fontRef>
+        </p:style>
+        <p:txBody>
+          <a:bodyPr wrap="none" rtlCol="0">
+            <a:spAutoFit/>
+          </a:bodyPr>
+          <a:lstStyle/>
+          <a:p>
+            <a:r>
+              <a:rPr lang="en-US" sz="1000" smtClean="0">
+                <a:latin typeface="Courier New" pitchFamily="49" charset="0"/>
+                <a:cs typeface="Courier New" pitchFamily="49" charset="0"/>
+              </a:rPr>
+              <a:t>railSocket</a:t>
+            </a:r>
+            <a:endParaRPr lang="en-US" sz="1000" smtClean="0">
+              <a:latin typeface="Courier New" pitchFamily="49" charset="0"/>
+              <a:cs typeface="Courier New" pitchFamily="49" charset="0"/>
+            </a:endParaRPr>
+          </a:p>
+        </p:txBody>
+      </p:sp>
+      <p:cxnSp>
+        <p:nvCxnSpPr>
+          <p:cNvPr id="65" name="Straight Arrow Connector 64"/>
+          <p:cNvCxnSpPr>
+            <a:stCxn id="64" idx="0"/>
+            <a:endCxn id="36" idx="2"/>
+          </p:cNvCxnSpPr>
+          <p:nvPr/>
+        </p:nvCxnSpPr>
+        <p:spPr>
+          <a:xfrm flipH="1" flipV="1">
+            <a:off x="3171404" y="4566491"/>
+            <a:ext cx="523182" cy="1096267"/>
+          </a:xfrm>
+          <a:prstGeom prst="straightConnector1">
+            <a:avLst/>
+          </a:prstGeom>
+          <a:ln>
+            <a:headEnd type="arrow" w="med" len="med"/>
+            <a:tailEnd type="none" w="med" len="med"/>
+          </a:ln>
+        </p:spPr>
+        <p:style>
+          <a:lnRef idx="1">
+            <a:schemeClr val="accent1"/>
+          </a:lnRef>
+          <a:fillRef idx="0">
+            <a:schemeClr val="accent1"/>
+          </a:fillRef>
+          <a:effectRef idx="0">
+            <a:schemeClr val="accent1"/>
+          </a:effectRef>
+          <a:fontRef idx="minor">
+            <a:schemeClr val="tx1"/>
+          </a:fontRef>
+        </p:style>
+      </p:cxnSp>
+      <p:sp>
+        <p:nvSpPr>
+          <p:cNvPr id="66" name="TextBox 65"/>
+          <p:cNvSpPr txBox="1"/>
+          <p:nvPr/>
+        </p:nvSpPr>
+        <p:spPr>
+          <a:xfrm>
+            <a:off x="3311710" y="4852811"/>
+            <a:ext cx="723275" cy="553998"/>
+          </a:xfrm>
+          <a:prstGeom prst="rect">
+            <a:avLst/>
+          </a:prstGeom>
+          <a:noFill/>
+        </p:spPr>
+        <p:txBody>
+          <a:bodyPr wrap="none" rtlCol="0">
+            <a:spAutoFit/>
+          </a:bodyPr>
+          <a:lstStyle/>
+          <a:p>
+            <a:r>
+              <a:rPr lang="en-US" sz="1000" smtClean="0">
+                <a:latin typeface="Courier New" pitchFamily="49" charset="0"/>
+                <a:cs typeface="Courier New" pitchFamily="49" charset="0"/>
+              </a:rPr>
+              <a:t>create</a:t>
+            </a:r>
+          </a:p>
+          <a:p>
+            <a:r>
+              <a:rPr lang="en-US" sz="1000" smtClean="0">
+                <a:latin typeface="Courier New" pitchFamily="49" charset="0"/>
+                <a:cs typeface="Courier New" pitchFamily="49" charset="0"/>
+              </a:rPr>
+              <a:t>receive</a:t>
+            </a:r>
+          </a:p>
+          <a:p>
+            <a:r>
+              <a:rPr lang="en-US" sz="1000" smtClean="0">
+                <a:latin typeface="Courier New" pitchFamily="49" charset="0"/>
+                <a:cs typeface="Courier New" pitchFamily="49" charset="0"/>
+              </a:rPr>
+              <a:t>close</a:t>
+            </a:r>
+            <a:endParaRPr lang="en-US" sz="1000">
+              <a:latin typeface="Courier New" pitchFamily="49" charset="0"/>
+              <a:cs typeface="Courier New" pitchFamily="49" charset="0"/>
+            </a:endParaRPr>
+          </a:p>
+        </p:txBody>
+      </p:sp>
+      <p:sp>
+        <p:nvSpPr>
+          <p:cNvPr id="69" name="TextBox 68"/>
+          <p:cNvSpPr txBox="1"/>
+          <p:nvPr/>
+        </p:nvSpPr>
+        <p:spPr>
+          <a:xfrm>
+            <a:off x="4705572" y="5568577"/>
+            <a:ext cx="877163" cy="553998"/>
+          </a:xfrm>
+          <a:prstGeom prst="rect">
+            <a:avLst/>
+          </a:prstGeom>
+          <a:ln/>
+        </p:spPr>
+        <p:style>
+          <a:lnRef idx="1">
+            <a:schemeClr val="accent1"/>
+          </a:lnRef>
+          <a:fillRef idx="2">
+            <a:schemeClr val="accent1"/>
+          </a:fillRef>
+          <a:effectRef idx="1">
+            <a:schemeClr val="accent1"/>
+          </a:effectRef>
+          <a:fontRef idx="minor">
+            <a:schemeClr val="dk1"/>
+          </a:fontRef>
+        </p:style>
+        <p:txBody>
+          <a:bodyPr wrap="square" rtlCol="0">
+            <a:spAutoFit/>
+          </a:bodyPr>
+          <a:lstStyle/>
+          <a:p>
+            <a:pPr algn="ctr"/>
+            <a:r>
+              <a:rPr lang="en-US" sz="1000" smtClean="0">
+                <a:latin typeface="Courier New" pitchFamily="49" charset="0"/>
+                <a:cs typeface="Courier New" pitchFamily="49" charset="0"/>
+              </a:rPr>
+              <a:t>testBlink</a:t>
+            </a:r>
+          </a:p>
+          <a:p>
+            <a:pPr algn="ctr"/>
+            <a:r>
+              <a:rPr lang="en-US" sz="1000" smtClean="0">
+                <a:latin typeface="Courier New" pitchFamily="49" charset="0"/>
+                <a:cs typeface="Courier New" pitchFamily="49" charset="0"/>
+              </a:rPr>
+              <a:t>Lights</a:t>
+            </a:r>
+          </a:p>
+          <a:p>
+            <a:pPr algn="ctr"/>
+            <a:r>
+              <a:rPr lang="en-US" sz="1000" smtClean="0">
+                <a:latin typeface="Courier New" pitchFamily="49" charset="0"/>
+                <a:cs typeface="Courier New" pitchFamily="49" charset="0"/>
+              </a:rPr>
+              <a:t>Directly</a:t>
+            </a:r>
+            <a:endParaRPr lang="en-US" sz="1000" smtClean="0">
+              <a:latin typeface="Courier New" pitchFamily="49" charset="0"/>
+              <a:cs typeface="Courier New" pitchFamily="49" charset="0"/>
+            </a:endParaRPr>
+          </a:p>
+        </p:txBody>
+      </p:sp>
+      <p:cxnSp>
+        <p:nvCxnSpPr>
+          <p:cNvPr id="71" name="Straight Arrow Connector 70"/>
+          <p:cNvCxnSpPr>
+            <a:stCxn id="36" idx="2"/>
+            <a:endCxn id="69" idx="0"/>
+          </p:cNvCxnSpPr>
+          <p:nvPr/>
+        </p:nvCxnSpPr>
+        <p:spPr>
+          <a:xfrm>
+            <a:off x="3171404" y="4566491"/>
+            <a:ext cx="1972750" cy="1002086"/>
+          </a:xfrm>
+          <a:prstGeom prst="straightConnector1">
+            <a:avLst/>
+          </a:prstGeom>
+          <a:ln>
+            <a:tailEnd type="arrow"/>
+          </a:ln>
+        </p:spPr>
+        <p:style>
+          <a:lnRef idx="1">
+            <a:schemeClr val="accent1"/>
+          </a:lnRef>
+          <a:fillRef idx="0">
+            <a:schemeClr val="accent1"/>
+          </a:fillRef>
+          <a:effectRef idx="0">
+            <a:schemeClr val="accent1"/>
+          </a:effectRef>
+          <a:fontRef idx="minor">
+            <a:schemeClr val="tx1"/>
+          </a:fontRef>
+        </p:style>
+      </p:cxnSp>
+      <p:cxnSp>
+        <p:nvCxnSpPr>
+          <p:cNvPr id="76" name="Straight Arrow Connector 75"/>
+          <p:cNvCxnSpPr>
+            <a:stCxn id="59" idx="3"/>
+            <a:endCxn id="64" idx="1"/>
+          </p:cNvCxnSpPr>
+          <p:nvPr/>
+        </p:nvCxnSpPr>
+        <p:spPr>
+          <a:xfrm flipV="1">
+            <a:off x="2810425" y="5785869"/>
+            <a:ext cx="407107" cy="636998"/>
+          </a:xfrm>
+          <a:prstGeom prst="straightConnector1">
+            <a:avLst/>
+          </a:prstGeom>
+          <a:ln>
+            <a:prstDash val="dash"/>
+            <a:headEnd type="arrow" w="med" len="med"/>
+            <a:tailEnd type="arrow" w="med" len="med"/>
+          </a:ln>
+        </p:spPr>
+        <p:style>
+          <a:lnRef idx="1">
+            <a:schemeClr val="accent1"/>
+          </a:lnRef>
+          <a:fillRef idx="0">
+            <a:schemeClr val="accent1"/>
+          </a:fillRef>
+          <a:effectRef idx="0">
+            <a:schemeClr val="accent1"/>
+          </a:effectRef>
+          <a:fontRef idx="minor">
+            <a:schemeClr val="tx1"/>
+          </a:fontRef>
+        </p:style>
+      </p:cxnSp>
+      <p:cxnSp>
+        <p:nvCxnSpPr>
+          <p:cNvPr id="89" name="Straight Arrow Connector 88"/>
+          <p:cNvCxnSpPr>
+            <a:stCxn id="69" idx="1"/>
+            <a:endCxn id="64" idx="3"/>
+          </p:cNvCxnSpPr>
+          <p:nvPr/>
+        </p:nvCxnSpPr>
+        <p:spPr>
+          <a:xfrm flipH="1" flipV="1">
+            <a:off x="4171639" y="5785869"/>
+            <a:ext cx="533933" cy="59707"/>
+          </a:xfrm>
+          <a:prstGeom prst="straightConnector1">
+            <a:avLst/>
+          </a:prstGeom>
+          <a:ln>
+            <a:tailEnd type="arrow"/>
+          </a:ln>
+        </p:spPr>
+        <p:style>
+          <a:lnRef idx="1">
+            <a:schemeClr val="accent1"/>
+          </a:lnRef>
+          <a:fillRef idx="0">
+            <a:schemeClr val="accent1"/>
+          </a:fillRef>
+          <a:effectRef idx="0">
+            <a:schemeClr val="accent1"/>
+          </a:effectRef>
+          <a:fontRef idx="minor">
+            <a:schemeClr val="tx1"/>
+          </a:fontRef>
+        </p:style>
+      </p:cxnSp>
+      <p:sp>
+        <p:nvSpPr>
+          <p:cNvPr id="95" name="TextBox 94"/>
+          <p:cNvSpPr txBox="1"/>
+          <p:nvPr/>
+        </p:nvSpPr>
+        <p:spPr>
+          <a:xfrm>
+            <a:off x="4214123" y="5560017"/>
+            <a:ext cx="492443" cy="246221"/>
+          </a:xfrm>
+          <a:prstGeom prst="rect">
+            <a:avLst/>
+          </a:prstGeom>
+          <a:noFill/>
+        </p:spPr>
+        <p:txBody>
+          <a:bodyPr wrap="none" rtlCol="0">
+            <a:spAutoFit/>
+          </a:bodyPr>
+          <a:lstStyle/>
+          <a:p>
+            <a:r>
+              <a:rPr lang="en-US" sz="1000" smtClean="0">
+                <a:latin typeface="Courier New" pitchFamily="49" charset="0"/>
+                <a:cs typeface="Courier New" pitchFamily="49" charset="0"/>
+              </a:rPr>
+              <a:t>send</a:t>
+            </a:r>
+            <a:endParaRPr lang="en-US" sz="1000">
+              <a:latin typeface="Courier New" pitchFamily="49" charset="0"/>
+              <a:cs typeface="Courier New" pitchFamily="49" charset="0"/>
+            </a:endParaRPr>
+          </a:p>
+        </p:txBody>
+      </p:sp>
+      <p:sp>
+        <p:nvSpPr>
+          <p:cNvPr id="96" name="TextBox 95"/>
+          <p:cNvSpPr txBox="1"/>
+          <p:nvPr/>
+        </p:nvSpPr>
+        <p:spPr>
+          <a:xfrm>
+            <a:off x="2313405" y="4799728"/>
+            <a:ext cx="569387" cy="246221"/>
+          </a:xfrm>
+          <a:prstGeom prst="rect">
+            <a:avLst/>
+          </a:prstGeom>
+          <a:noFill/>
+        </p:spPr>
+        <p:txBody>
+          <a:bodyPr wrap="none" rtlCol="0">
+            <a:spAutoFit/>
+          </a:bodyPr>
+          <a:lstStyle/>
+          <a:p>
+            <a:r>
+              <a:rPr lang="en-US" sz="1000" smtClean="0">
+                <a:latin typeface="Courier New" pitchFamily="49" charset="0"/>
+                <a:cs typeface="Courier New" pitchFamily="49" charset="0"/>
+              </a:rPr>
+              <a:t>start</a:t>
+            </a:r>
+            <a:endParaRPr lang="en-US" sz="1000">
+              <a:latin typeface="Courier New" pitchFamily="49" charset="0"/>
+              <a:cs typeface="Courier New" pitchFamily="49" charset="0"/>
+            </a:endParaRPr>
+          </a:p>
+        </p:txBody>
+      </p:sp>
+      <p:sp>
+        <p:nvSpPr>
+          <p:cNvPr id="97" name="TextBox 96"/>
+          <p:cNvSpPr txBox="1"/>
+          <p:nvPr/>
+        </p:nvSpPr>
+        <p:spPr>
+          <a:xfrm>
+            <a:off x="583914" y="3597668"/>
+            <a:ext cx="569387" cy="246221"/>
+          </a:xfrm>
+          <a:prstGeom prst="rect">
+            <a:avLst/>
+          </a:prstGeom>
+          <a:noFill/>
+        </p:spPr>
+        <p:txBody>
+          <a:bodyPr wrap="none" rtlCol="0">
+            <a:spAutoFit/>
+          </a:bodyPr>
+          <a:lstStyle/>
+          <a:p>
+            <a:r>
+              <a:rPr lang="en-US" sz="1000" smtClean="0">
+                <a:latin typeface="Courier New" pitchFamily="49" charset="0"/>
+                <a:cs typeface="Courier New" pitchFamily="49" charset="0"/>
+              </a:rPr>
+              <a:t>start</a:t>
+            </a:r>
+            <a:endParaRPr lang="en-US" sz="1000">
+              <a:latin typeface="Courier New" pitchFamily="49" charset="0"/>
+              <a:cs typeface="Courier New" pitchFamily="49" charset="0"/>
+            </a:endParaRPr>
+          </a:p>
+        </p:txBody>
+      </p:sp>
+      <p:cxnSp>
+        <p:nvCxnSpPr>
+          <p:cNvPr id="106" name="Straight Arrow Connector 105"/>
+          <p:cNvCxnSpPr>
+            <a:stCxn id="69" idx="1"/>
+            <a:endCxn id="59" idx="3"/>
+          </p:cNvCxnSpPr>
+          <p:nvPr/>
+        </p:nvCxnSpPr>
+        <p:spPr>
+          <a:xfrm flipH="1">
+            <a:off x="2810425" y="5845576"/>
+            <a:ext cx="1895147" cy="577291"/>
+          </a:xfrm>
+          <a:prstGeom prst="straightConnector1">
+            <a:avLst/>
+          </a:prstGeom>
+          <a:ln>
+            <a:tailEnd type="arrow"/>
+          </a:ln>
+        </p:spPr>
+        <p:style>
+          <a:lnRef idx="1">
+            <a:schemeClr val="accent1"/>
+          </a:lnRef>
+          <a:fillRef idx="0">
+            <a:schemeClr val="accent1"/>
+          </a:fillRef>
+          <a:effectRef idx="0">
+            <a:schemeClr val="accent1"/>
+          </a:effectRef>
+          <a:fontRef idx="minor">
+            <a:schemeClr val="tx1"/>
+          </a:fontRef>
+        </p:style>
+      </p:cxnSp>
+      <p:sp>
+        <p:nvSpPr>
+          <p:cNvPr id="107" name="TextBox 106"/>
+          <p:cNvSpPr txBox="1"/>
+          <p:nvPr/>
+        </p:nvSpPr>
+        <p:spPr>
+          <a:xfrm>
+            <a:off x="3493221" y="6339139"/>
+            <a:ext cx="492443" cy="246221"/>
+          </a:xfrm>
+          <a:prstGeom prst="rect">
+            <a:avLst/>
+          </a:prstGeom>
+          <a:noFill/>
+        </p:spPr>
+        <p:txBody>
+          <a:bodyPr wrap="none" rtlCol="0">
+            <a:spAutoFit/>
+          </a:bodyPr>
+          <a:lstStyle/>
+          <a:p>
+            <a:r>
+              <a:rPr lang="en-US" sz="1000" smtClean="0">
+                <a:latin typeface="Courier New" pitchFamily="49" charset="0"/>
+                <a:cs typeface="Courier New" pitchFamily="49" charset="0"/>
+              </a:rPr>
+              <a:t>kill</a:t>
+            </a:r>
+            <a:endParaRPr lang="en-US" sz="1000">
+              <a:latin typeface="Courier New" pitchFamily="49" charset="0"/>
+              <a:cs typeface="Courier New" pitchFamily="49" charset="0"/>
+            </a:endParaRPr>
+          </a:p>
+        </p:txBody>
+      </p:sp>
+      <p:sp>
+        <p:nvSpPr>
+          <p:cNvPr id="116" name="TextBox 115"/>
+          <p:cNvSpPr txBox="1"/>
+          <p:nvPr/>
+        </p:nvSpPr>
+        <p:spPr>
+          <a:xfrm>
+            <a:off x="5012076" y="4111375"/>
+            <a:ext cx="954107" cy="246221"/>
+          </a:xfrm>
+          <a:prstGeom prst="rect">
+            <a:avLst/>
+          </a:prstGeom>
+          <a:ln/>
+        </p:spPr>
+        <p:style>
+          <a:lnRef idx="2">
+            <a:schemeClr val="accent1">
+              <a:shade val="50000"/>
+            </a:schemeClr>
+          </a:lnRef>
+          <a:fillRef idx="1">
+            <a:schemeClr val="accent1"/>
+          </a:fillRef>
+          <a:effectRef idx="0">
+            <a:schemeClr val="accent1"/>
+          </a:effectRef>
+          <a:fontRef idx="minor">
+            <a:schemeClr val="lt1"/>
+          </a:fontRef>
+        </p:style>
+        <p:txBody>
+          <a:bodyPr wrap="none" rtlCol="0">
+            <a:spAutoFit/>
+          </a:bodyPr>
+          <a:lstStyle/>
+          <a:p>
+            <a:r>
+              <a:rPr lang="en-US" sz="1000" smtClean="0">
+                <a:latin typeface="Courier New" pitchFamily="49" charset="0"/>
+                <a:cs typeface="Courier New" pitchFamily="49" charset="0"/>
+              </a:rPr>
+              <a:t>controller</a:t>
+            </a:r>
+            <a:endParaRPr lang="en-US" sz="1000" smtClean="0">
+              <a:latin typeface="Courier New" pitchFamily="49" charset="0"/>
+              <a:cs typeface="Courier New" pitchFamily="49" charset="0"/>
+            </a:endParaRPr>
+          </a:p>
+        </p:txBody>
+      </p:sp>
+      <p:sp>
+        <p:nvSpPr>
+          <p:cNvPr id="117" name="TextBox 116"/>
+          <p:cNvSpPr txBox="1"/>
+          <p:nvPr/>
+        </p:nvSpPr>
+        <p:spPr>
+          <a:xfrm>
+            <a:off x="4280898" y="3441842"/>
+            <a:ext cx="877163" cy="246221"/>
+          </a:xfrm>
+          <a:prstGeom prst="rect">
+            <a:avLst/>
+          </a:prstGeom>
+          <a:ln/>
+        </p:spPr>
+        <p:style>
+          <a:lnRef idx="2">
+            <a:schemeClr val="accent1">
+              <a:shade val="50000"/>
+            </a:schemeClr>
+          </a:lnRef>
+          <a:fillRef idx="1">
+            <a:schemeClr val="accent1"/>
+          </a:fillRef>
+          <a:effectRef idx="0">
+            <a:schemeClr val="accent1"/>
+          </a:effectRef>
+          <a:fontRef idx="minor">
+            <a:schemeClr val="lt1"/>
+          </a:fontRef>
+        </p:style>
+        <p:txBody>
+          <a:bodyPr wrap="none" rtlCol="0">
+            <a:spAutoFit/>
+          </a:bodyPr>
+          <a:lstStyle/>
+          <a:p>
+            <a:r>
+              <a:rPr lang="en-US" sz="1000" smtClean="0">
+                <a:latin typeface="Courier New" pitchFamily="49" charset="0"/>
+                <a:cs typeface="Courier New" pitchFamily="49" charset="0"/>
+              </a:rPr>
+              <a:t>simulator</a:t>
+            </a:r>
+            <a:endParaRPr lang="en-US" sz="1000" smtClean="0">
+              <a:latin typeface="Courier New" pitchFamily="49" charset="0"/>
+              <a:cs typeface="Courier New" pitchFamily="49" charset="0"/>
+            </a:endParaRPr>
+          </a:p>
+        </p:txBody>
+      </p:sp>
+      <p:sp>
+        <p:nvSpPr>
+          <p:cNvPr id="118" name="TextBox 117"/>
+          <p:cNvSpPr txBox="1"/>
+          <p:nvPr/>
+        </p:nvSpPr>
+        <p:spPr>
+          <a:xfrm>
+            <a:off x="6431631" y="3482923"/>
+            <a:ext cx="954107" cy="246221"/>
+          </a:xfrm>
+          <a:prstGeom prst="rect">
+            <a:avLst/>
+          </a:prstGeom>
+          <a:ln/>
+        </p:spPr>
+        <p:style>
+          <a:lnRef idx="1">
+            <a:schemeClr val="accent3"/>
+          </a:lnRef>
+          <a:fillRef idx="2">
+            <a:schemeClr val="accent3"/>
+          </a:fillRef>
+          <a:effectRef idx="1">
+            <a:schemeClr val="accent3"/>
+          </a:effectRef>
+          <a:fontRef idx="minor">
+            <a:schemeClr val="dk1"/>
+          </a:fontRef>
+        </p:style>
+        <p:txBody>
+          <a:bodyPr wrap="none" rtlCol="0">
+            <a:spAutoFit/>
+          </a:bodyPr>
+          <a:lstStyle/>
+          <a:p>
+            <a:r>
+              <a:rPr lang="en-US" sz="1000" smtClean="0">
+                <a:latin typeface="Courier New" pitchFamily="49" charset="0"/>
+                <a:cs typeface="Courier New" pitchFamily="49" charset="0"/>
+              </a:rPr>
+              <a:t>railSocket</a:t>
+            </a:r>
+            <a:endParaRPr lang="en-US" sz="1000" smtClean="0">
+              <a:latin typeface="Courier New" pitchFamily="49" charset="0"/>
+              <a:cs typeface="Courier New" pitchFamily="49" charset="0"/>
+            </a:endParaRPr>
+          </a:p>
+        </p:txBody>
+      </p:sp>
+      <p:sp>
+        <p:nvSpPr>
+          <p:cNvPr id="119" name="TextBox 118"/>
+          <p:cNvSpPr txBox="1"/>
+          <p:nvPr/>
+        </p:nvSpPr>
+        <p:spPr>
+          <a:xfrm>
+            <a:off x="7922296" y="4046290"/>
+            <a:ext cx="954108" cy="553998"/>
+          </a:xfrm>
+          <a:prstGeom prst="rect">
+            <a:avLst/>
+          </a:prstGeom>
+          <a:ln/>
+        </p:spPr>
+        <p:style>
+          <a:lnRef idx="1">
+            <a:schemeClr val="accent1"/>
+          </a:lnRef>
+          <a:fillRef idx="2">
+            <a:schemeClr val="accent1"/>
+          </a:fillRef>
+          <a:effectRef idx="1">
+            <a:schemeClr val="accent1"/>
+          </a:effectRef>
+          <a:fontRef idx="minor">
+            <a:schemeClr val="dk1"/>
+          </a:fontRef>
+        </p:style>
+        <p:txBody>
+          <a:bodyPr wrap="none" rtlCol="0">
+            <a:spAutoFit/>
+          </a:bodyPr>
+          <a:lstStyle/>
+          <a:p>
+            <a:pPr algn="ctr"/>
+            <a:r>
+              <a:rPr lang="en-US" sz="1000" smtClean="0">
+                <a:latin typeface="Courier New" pitchFamily="49" charset="0"/>
+                <a:cs typeface="Courier New" pitchFamily="49" charset="0"/>
+              </a:rPr>
+              <a:t>testBlink</a:t>
+            </a:r>
+            <a:br>
+              <a:rPr lang="en-US" sz="1000" smtClean="0">
+                <a:latin typeface="Courier New" pitchFamily="49" charset="0"/>
+                <a:cs typeface="Courier New" pitchFamily="49" charset="0"/>
+              </a:rPr>
+            </a:br>
+            <a:r>
+              <a:rPr lang="en-US" sz="1000" smtClean="0">
+                <a:latin typeface="Courier New" pitchFamily="49" charset="0"/>
+                <a:cs typeface="Courier New" pitchFamily="49" charset="0"/>
+              </a:rPr>
+              <a:t>LightsVia</a:t>
+            </a:r>
+          </a:p>
+          <a:p>
+            <a:pPr algn="ctr"/>
+            <a:r>
+              <a:rPr lang="en-US" sz="1000" smtClean="0">
+                <a:latin typeface="Courier New" pitchFamily="49" charset="0"/>
+                <a:cs typeface="Courier New" pitchFamily="49" charset="0"/>
+              </a:rPr>
+              <a:t>Controller</a:t>
+            </a:r>
+            <a:endParaRPr lang="en-US" sz="1000" smtClean="0">
+              <a:latin typeface="Courier New" pitchFamily="49" charset="0"/>
+              <a:cs typeface="Courier New" pitchFamily="49" charset="0"/>
+            </a:endParaRPr>
+          </a:p>
+        </p:txBody>
+      </p:sp>
+      <p:cxnSp>
+        <p:nvCxnSpPr>
+          <p:cNvPr id="120" name="Straight Arrow Connector 119"/>
+          <p:cNvCxnSpPr>
+            <a:stCxn id="116" idx="3"/>
+            <a:endCxn id="118" idx="1"/>
+          </p:cNvCxnSpPr>
+          <p:nvPr/>
+        </p:nvCxnSpPr>
+        <p:spPr>
+          <a:xfrm flipV="1">
+            <a:off x="5966183" y="3606034"/>
+            <a:ext cx="465448" cy="628452"/>
+          </a:xfrm>
+          <a:prstGeom prst="straightConnector1">
+            <a:avLst/>
+          </a:prstGeom>
+          <a:ln>
+            <a:prstDash val="dash"/>
+            <a:headEnd type="arrow" w="med" len="med"/>
+            <a:tailEnd type="arrow" w="med" len="med"/>
+          </a:ln>
+        </p:spPr>
+        <p:style>
+          <a:lnRef idx="1">
+            <a:schemeClr val="accent1"/>
+          </a:lnRef>
+          <a:fillRef idx="0">
+            <a:schemeClr val="accent1"/>
+          </a:fillRef>
+          <a:effectRef idx="0">
+            <a:schemeClr val="accent1"/>
+          </a:effectRef>
+          <a:fontRef idx="minor">
+            <a:schemeClr val="tx1"/>
+          </a:fontRef>
+        </p:style>
+      </p:cxnSp>
+      <p:cxnSp>
+        <p:nvCxnSpPr>
+          <p:cNvPr id="124" name="Straight Arrow Connector 123"/>
+          <p:cNvCxnSpPr>
+            <a:stCxn id="39" idx="1"/>
+            <a:endCxn id="117" idx="0"/>
+          </p:cNvCxnSpPr>
+          <p:nvPr/>
+        </p:nvCxnSpPr>
+        <p:spPr>
+          <a:xfrm flipH="1">
+            <a:off x="4719480" y="2715627"/>
+            <a:ext cx="1448442" cy="726215"/>
+          </a:xfrm>
+          <a:prstGeom prst="straightConnector1">
+            <a:avLst/>
+          </a:prstGeom>
+          <a:ln>
+            <a:tailEnd type="arrow"/>
+          </a:ln>
+        </p:spPr>
+        <p:style>
+          <a:lnRef idx="1">
+            <a:schemeClr val="accent1"/>
+          </a:lnRef>
+          <a:fillRef idx="0">
+            <a:schemeClr val="accent1"/>
+          </a:fillRef>
+          <a:effectRef idx="0">
+            <a:schemeClr val="accent1"/>
+          </a:effectRef>
+          <a:fontRef idx="minor">
+            <a:schemeClr val="tx1"/>
+          </a:fontRef>
+        </p:style>
+      </p:cxnSp>
+      <p:cxnSp>
+        <p:nvCxnSpPr>
+          <p:cNvPr id="126" name="Straight Arrow Connector 125"/>
+          <p:cNvCxnSpPr>
+            <a:stCxn id="39" idx="1"/>
+            <a:endCxn id="116" idx="0"/>
+          </p:cNvCxnSpPr>
+          <p:nvPr/>
+        </p:nvCxnSpPr>
+        <p:spPr>
+          <a:xfrm flipH="1">
+            <a:off x="5489130" y="2715627"/>
+            <a:ext cx="678792" cy="1395748"/>
+          </a:xfrm>
+          <a:prstGeom prst="straightConnector1">
+            <a:avLst/>
+          </a:prstGeom>
+          <a:ln>
+            <a:tailEnd type="arrow"/>
+          </a:ln>
+        </p:spPr>
+        <p:style>
+          <a:lnRef idx="1">
+            <a:schemeClr val="accent1"/>
+          </a:lnRef>
+          <a:fillRef idx="0">
+            <a:schemeClr val="accent1"/>
+          </a:fillRef>
+          <a:effectRef idx="0">
+            <a:schemeClr val="accent1"/>
+          </a:effectRef>
+          <a:fontRef idx="minor">
+            <a:schemeClr val="tx1"/>
+          </a:fontRef>
+        </p:style>
+      </p:cxnSp>
+      <p:cxnSp>
+        <p:nvCxnSpPr>
+          <p:cNvPr id="132" name="Straight Arrow Connector 131"/>
+          <p:cNvCxnSpPr>
+            <a:stCxn id="116" idx="0"/>
+            <a:endCxn id="117" idx="2"/>
+          </p:cNvCxnSpPr>
+          <p:nvPr/>
+        </p:nvCxnSpPr>
+        <p:spPr>
+          <a:xfrm flipH="1" flipV="1">
+            <a:off x="4719480" y="3688063"/>
+            <a:ext cx="769650" cy="423312"/>
+          </a:xfrm>
+          <a:prstGeom prst="straightConnector1">
+            <a:avLst/>
+          </a:prstGeom>
+          <a:ln>
+            <a:prstDash val="dash"/>
+            <a:headEnd type="arrow" w="med" len="med"/>
+            <a:tailEnd type="arrow" w="med" len="med"/>
+          </a:ln>
+        </p:spPr>
+        <p:style>
+          <a:lnRef idx="1">
+            <a:schemeClr val="accent1"/>
+          </a:lnRef>
+          <a:fillRef idx="0">
+            <a:schemeClr val="accent1"/>
+          </a:fillRef>
+          <a:effectRef idx="0">
+            <a:schemeClr val="accent1"/>
+          </a:effectRef>
+          <a:fontRef idx="minor">
+            <a:schemeClr val="tx1"/>
+          </a:fontRef>
+        </p:style>
+      </p:cxnSp>
+      <p:cxnSp>
+        <p:nvCxnSpPr>
+          <p:cNvPr id="136" name="Straight Arrow Connector 135"/>
+          <p:cNvCxnSpPr>
+            <a:stCxn id="39" idx="2"/>
+            <a:endCxn id="118" idx="0"/>
+          </p:cNvCxnSpPr>
+          <p:nvPr/>
+        </p:nvCxnSpPr>
+        <p:spPr>
+          <a:xfrm flipH="1">
+            <a:off x="6908685" y="2838737"/>
+            <a:ext cx="236428" cy="644186"/>
+          </a:xfrm>
+          <a:prstGeom prst="straightConnector1">
+            <a:avLst/>
+          </a:prstGeom>
+          <a:ln>
+            <a:tailEnd type="arrow"/>
+          </a:ln>
+        </p:spPr>
+        <p:style>
+          <a:lnRef idx="1">
+            <a:schemeClr val="accent1"/>
+          </a:lnRef>
+          <a:fillRef idx="0">
+            <a:schemeClr val="accent1"/>
+          </a:fillRef>
+          <a:effectRef idx="0">
+            <a:schemeClr val="accent1"/>
+          </a:effectRef>
+          <a:fontRef idx="minor">
+            <a:schemeClr val="tx1"/>
+          </a:fontRef>
+        </p:style>
+      </p:cxnSp>
+      <p:cxnSp>
+        <p:nvCxnSpPr>
+          <p:cNvPr id="138" name="Straight Arrow Connector 137"/>
+          <p:cNvCxnSpPr>
+            <a:stCxn id="39" idx="2"/>
+            <a:endCxn id="119" idx="0"/>
+          </p:cNvCxnSpPr>
+          <p:nvPr/>
+        </p:nvCxnSpPr>
+        <p:spPr>
+          <a:xfrm>
+            <a:off x="7145113" y="2838737"/>
+            <a:ext cx="1254237" cy="1207553"/>
+          </a:xfrm>
+          <a:prstGeom prst="straightConnector1">
+            <a:avLst/>
+          </a:prstGeom>
+          <a:ln>
+            <a:tailEnd type="arrow"/>
+          </a:ln>
+        </p:spPr>
+        <p:style>
+          <a:lnRef idx="1">
+            <a:schemeClr val="accent1"/>
+          </a:lnRef>
+          <a:fillRef idx="0">
+            <a:schemeClr val="accent1"/>
+          </a:fillRef>
+          <a:effectRef idx="0">
+            <a:schemeClr val="accent1"/>
+          </a:effectRef>
+          <a:fontRef idx="minor">
+            <a:schemeClr val="tx1"/>
+          </a:fontRef>
+        </p:style>
+      </p:cxnSp>
+      <p:cxnSp>
+        <p:nvCxnSpPr>
+          <p:cNvPr id="140" name="Straight Arrow Connector 139"/>
+          <p:cNvCxnSpPr>
+            <a:stCxn id="119" idx="1"/>
+            <a:endCxn id="118" idx="3"/>
+          </p:cNvCxnSpPr>
+          <p:nvPr/>
+        </p:nvCxnSpPr>
+        <p:spPr>
+          <a:xfrm flipH="1" flipV="1">
+            <a:off x="7385738" y="3606034"/>
+            <a:ext cx="536558" cy="717255"/>
+          </a:xfrm>
+          <a:prstGeom prst="straightConnector1">
+            <a:avLst/>
+          </a:prstGeom>
+          <a:ln>
+            <a:tailEnd type="arrow"/>
+          </a:ln>
+        </p:spPr>
+        <p:style>
+          <a:lnRef idx="1">
+            <a:schemeClr val="accent1"/>
+          </a:lnRef>
+          <a:fillRef idx="0">
+            <a:schemeClr val="accent1"/>
+          </a:fillRef>
+          <a:effectRef idx="0">
+            <a:schemeClr val="accent1"/>
+          </a:effectRef>
+          <a:fontRef idx="minor">
+            <a:schemeClr val="tx1"/>
+          </a:fontRef>
+        </p:style>
+      </p:cxnSp>
+      <p:cxnSp>
+        <p:nvCxnSpPr>
+          <p:cNvPr id="142" name="Elbow Connector 141"/>
+          <p:cNvCxnSpPr>
+            <a:stCxn id="119" idx="2"/>
+            <a:endCxn id="117" idx="2"/>
+          </p:cNvCxnSpPr>
+          <p:nvPr/>
+        </p:nvCxnSpPr>
+        <p:spPr>
+          <a:xfrm rot="5400000" flipH="1">
+            <a:off x="6103302" y="2304241"/>
+            <a:ext cx="912225" cy="3679870"/>
+          </a:xfrm>
+          <a:prstGeom prst="bentConnector3">
+            <a:avLst>
+              <a:gd name="adj1" fmla="val -25060"/>
+            </a:avLst>
+          </a:prstGeom>
+          <a:ln>
+            <a:tailEnd type="arrow"/>
+          </a:ln>
+        </p:spPr>
+        <p:style>
+          <a:lnRef idx="1">
+            <a:schemeClr val="accent1"/>
+          </a:lnRef>
+          <a:fillRef idx="0">
+            <a:schemeClr val="accent1"/>
+          </a:fillRef>
+          <a:effectRef idx="0">
+            <a:schemeClr val="accent1"/>
+          </a:effectRef>
+          <a:fontRef idx="minor">
+            <a:schemeClr val="tx1"/>
+          </a:fontRef>
+        </p:style>
+      </p:cxnSp>
+      <p:cxnSp>
+        <p:nvCxnSpPr>
+          <p:cNvPr id="144" name="Straight Arrow Connector 143"/>
+          <p:cNvCxnSpPr>
+            <a:stCxn id="119" idx="1"/>
+            <a:endCxn id="116" idx="3"/>
+          </p:cNvCxnSpPr>
+          <p:nvPr/>
+        </p:nvCxnSpPr>
+        <p:spPr>
+          <a:xfrm flipH="1" flipV="1">
+            <a:off x="5966183" y="4234486"/>
+            <a:ext cx="1956113" cy="88803"/>
+          </a:xfrm>
+          <a:prstGeom prst="straightConnector1">
+            <a:avLst/>
+          </a:prstGeom>
+          <a:ln>
+            <a:tailEnd type="arrow"/>
+          </a:ln>
+        </p:spPr>
+        <p:style>
+          <a:lnRef idx="1">
+            <a:schemeClr val="accent1"/>
+          </a:lnRef>
+          <a:fillRef idx="0">
+            <a:schemeClr val="accent1"/>
+          </a:fillRef>
+          <a:effectRef idx="0">
+            <a:schemeClr val="accent1"/>
+          </a:effectRef>
+          <a:fontRef idx="minor">
+            <a:schemeClr val="tx1"/>
+          </a:fontRef>
+        </p:style>
+      </p:cxnSp>
+      <p:sp>
+        <p:nvSpPr>
+          <p:cNvPr id="145" name="TextBox 144"/>
+          <p:cNvSpPr txBox="1"/>
+          <p:nvPr/>
+        </p:nvSpPr>
+        <p:spPr>
+          <a:xfrm>
+            <a:off x="6460740" y="4241499"/>
+            <a:ext cx="492443" cy="246221"/>
+          </a:xfrm>
+          <a:prstGeom prst="rect">
+            <a:avLst/>
+          </a:prstGeom>
+          <a:noFill/>
+        </p:spPr>
+        <p:txBody>
+          <a:bodyPr wrap="none" rtlCol="0">
+            <a:spAutoFit/>
+          </a:bodyPr>
+          <a:lstStyle/>
+          <a:p>
+            <a:r>
+              <a:rPr lang="en-US" sz="1000" smtClean="0">
+                <a:latin typeface="Courier New" pitchFamily="49" charset="0"/>
+                <a:cs typeface="Courier New" pitchFamily="49" charset="0"/>
+              </a:rPr>
+              <a:t>kill</a:t>
+            </a:r>
+            <a:endParaRPr lang="en-US" sz="1000">
+              <a:latin typeface="Courier New" pitchFamily="49" charset="0"/>
+              <a:cs typeface="Courier New" pitchFamily="49" charset="0"/>
+            </a:endParaRPr>
+          </a:p>
+        </p:txBody>
+      </p:sp>
+      <p:sp>
+        <p:nvSpPr>
+          <p:cNvPr id="146" name="TextBox 145"/>
+          <p:cNvSpPr txBox="1"/>
+          <p:nvPr/>
+        </p:nvSpPr>
+        <p:spPr>
+          <a:xfrm>
+            <a:off x="6346012" y="4835688"/>
+            <a:ext cx="492443" cy="246221"/>
+          </a:xfrm>
+          <a:prstGeom prst="rect">
+            <a:avLst/>
+          </a:prstGeom>
+          <a:noFill/>
+        </p:spPr>
+        <p:txBody>
+          <a:bodyPr wrap="none" rtlCol="0">
+            <a:spAutoFit/>
+          </a:bodyPr>
+          <a:lstStyle/>
+          <a:p>
+            <a:r>
+              <a:rPr lang="en-US" sz="1000" smtClean="0">
+                <a:latin typeface="Courier New" pitchFamily="49" charset="0"/>
+                <a:cs typeface="Courier New" pitchFamily="49" charset="0"/>
+              </a:rPr>
+              <a:t>kill</a:t>
+            </a:r>
+            <a:endParaRPr lang="en-US" sz="1000">
+              <a:latin typeface="Courier New" pitchFamily="49" charset="0"/>
+              <a:cs typeface="Courier New" pitchFamily="49" charset="0"/>
+            </a:endParaRPr>
+          </a:p>
+        </p:txBody>
+      </p:sp>
+      <p:sp>
+        <p:nvSpPr>
+          <p:cNvPr id="147" name="TextBox 146"/>
+          <p:cNvSpPr txBox="1"/>
+          <p:nvPr/>
+        </p:nvSpPr>
+        <p:spPr>
+          <a:xfrm>
+            <a:off x="7337468" y="3125041"/>
+            <a:ext cx="1492716" cy="246221"/>
+          </a:xfrm>
+          <a:prstGeom prst="rect">
+            <a:avLst/>
+          </a:prstGeom>
+          <a:noFill/>
+        </p:spPr>
+        <p:txBody>
+          <a:bodyPr wrap="none" rtlCol="0">
+            <a:spAutoFit/>
+          </a:bodyPr>
+          <a:lstStyle/>
+          <a:p>
+            <a:r>
+              <a:rPr lang="en-US" sz="1000" smtClean="0">
+                <a:latin typeface="Courier New" pitchFamily="49" charset="0"/>
+                <a:cs typeface="Courier New" pitchFamily="49" charset="0"/>
+              </a:rPr>
+              <a:t>start(railSocket)</a:t>
+            </a:r>
+            <a:endParaRPr lang="en-US" sz="1000">
+              <a:latin typeface="Courier New" pitchFamily="49" charset="0"/>
+              <a:cs typeface="Courier New" pitchFamily="49" charset="0"/>
+            </a:endParaRPr>
+          </a:p>
+        </p:txBody>
+      </p:sp>
+      <p:sp>
+        <p:nvSpPr>
+          <p:cNvPr id="148" name="TextBox 147"/>
+          <p:cNvSpPr txBox="1"/>
+          <p:nvPr/>
+        </p:nvSpPr>
+        <p:spPr>
+          <a:xfrm>
+            <a:off x="6371697" y="2868186"/>
+            <a:ext cx="723275" cy="553998"/>
+          </a:xfrm>
+          <a:prstGeom prst="rect">
+            <a:avLst/>
+          </a:prstGeom>
+          <a:noFill/>
+        </p:spPr>
+        <p:txBody>
+          <a:bodyPr wrap="none" rtlCol="0">
+            <a:spAutoFit/>
+          </a:bodyPr>
+          <a:lstStyle/>
+          <a:p>
+            <a:r>
+              <a:rPr lang="en-US" sz="1000" smtClean="0">
+                <a:latin typeface="Courier New" pitchFamily="49" charset="0"/>
+                <a:cs typeface="Courier New" pitchFamily="49" charset="0"/>
+              </a:rPr>
+              <a:t>create</a:t>
+            </a:r>
+          </a:p>
+          <a:p>
+            <a:r>
+              <a:rPr lang="en-US" sz="1000" smtClean="0">
+                <a:latin typeface="Courier New" pitchFamily="49" charset="0"/>
+                <a:cs typeface="Courier New" pitchFamily="49" charset="0"/>
+              </a:rPr>
+              <a:t>receive</a:t>
+            </a:r>
+          </a:p>
+          <a:p>
+            <a:r>
+              <a:rPr lang="en-US" sz="1000" smtClean="0">
+                <a:latin typeface="Courier New" pitchFamily="49" charset="0"/>
+                <a:cs typeface="Courier New" pitchFamily="49" charset="0"/>
+              </a:rPr>
+              <a:t>close</a:t>
+            </a:r>
+            <a:endParaRPr lang="en-US" sz="1000">
+              <a:latin typeface="Courier New" pitchFamily="49" charset="0"/>
+              <a:cs typeface="Courier New" pitchFamily="49" charset="0"/>
+            </a:endParaRPr>
+          </a:p>
+        </p:txBody>
+      </p:sp>
+      <p:sp>
+        <p:nvSpPr>
+          <p:cNvPr id="149" name="TextBox 148"/>
+          <p:cNvSpPr txBox="1"/>
+          <p:nvPr/>
+        </p:nvSpPr>
+        <p:spPr>
+          <a:xfrm>
+            <a:off x="5147360" y="2928119"/>
+            <a:ext cx="569387" cy="246221"/>
+          </a:xfrm>
+          <a:prstGeom prst="rect">
+            <a:avLst/>
+          </a:prstGeom>
+          <a:noFill/>
+        </p:spPr>
+        <p:txBody>
+          <a:bodyPr wrap="none" rtlCol="0">
+            <a:spAutoFit/>
+          </a:bodyPr>
+          <a:lstStyle/>
+          <a:p>
+            <a:r>
+              <a:rPr lang="en-US" sz="1000" smtClean="0">
+                <a:latin typeface="Courier New" pitchFamily="49" charset="0"/>
+                <a:cs typeface="Courier New" pitchFamily="49" charset="0"/>
+              </a:rPr>
+              <a:t>start</a:t>
+            </a:r>
+            <a:endParaRPr lang="en-US" sz="1000">
+              <a:latin typeface="Courier New" pitchFamily="49" charset="0"/>
+              <a:cs typeface="Courier New" pitchFamily="49" charset="0"/>
+            </a:endParaRPr>
+          </a:p>
+        </p:txBody>
+      </p:sp>
+      <p:sp>
+        <p:nvSpPr>
+          <p:cNvPr id="150" name="TextBox 149"/>
+          <p:cNvSpPr txBox="1"/>
+          <p:nvPr/>
+        </p:nvSpPr>
+        <p:spPr>
+          <a:xfrm>
+            <a:off x="5443598" y="3399018"/>
+            <a:ext cx="569387" cy="246221"/>
+          </a:xfrm>
+          <a:prstGeom prst="rect">
+            <a:avLst/>
+          </a:prstGeom>
+          <a:noFill/>
+        </p:spPr>
+        <p:txBody>
+          <a:bodyPr wrap="none" rtlCol="0">
+            <a:spAutoFit/>
+          </a:bodyPr>
+          <a:lstStyle/>
+          <a:p>
+            <a:r>
+              <a:rPr lang="en-US" sz="1000" smtClean="0">
+                <a:latin typeface="Courier New" pitchFamily="49" charset="0"/>
+                <a:cs typeface="Courier New" pitchFamily="49" charset="0"/>
+              </a:rPr>
+              <a:t>start</a:t>
+            </a:r>
+            <a:endParaRPr lang="en-US" sz="1000">
+              <a:latin typeface="Courier New" pitchFamily="49" charset="0"/>
+              <a:cs typeface="Courier New" pitchFamily="49" charset="0"/>
+            </a:endParaRPr>
+          </a:p>
+        </p:txBody>
+      </p:sp>
+      <p:sp>
+        <p:nvSpPr>
+          <p:cNvPr id="151" name="TextBox 150"/>
+          <p:cNvSpPr txBox="1"/>
+          <p:nvPr/>
+        </p:nvSpPr>
+        <p:spPr>
+          <a:xfrm>
+            <a:off x="7315206" y="3832246"/>
+            <a:ext cx="492443" cy="246221"/>
+          </a:xfrm>
+          <a:prstGeom prst="rect">
+            <a:avLst/>
+          </a:prstGeom>
+          <a:noFill/>
+        </p:spPr>
+        <p:txBody>
+          <a:bodyPr wrap="none" rtlCol="0">
+            <a:spAutoFit/>
+          </a:bodyPr>
+          <a:lstStyle/>
+          <a:p>
+            <a:r>
+              <a:rPr lang="en-US" sz="1000" smtClean="0">
+                <a:latin typeface="Courier New" pitchFamily="49" charset="0"/>
+                <a:cs typeface="Courier New" pitchFamily="49" charset="0"/>
+              </a:rPr>
+              <a:t>send</a:t>
             </a:r>
             <a:endParaRPr lang="en-US" sz="1000">
               <a:latin typeface="Courier New" pitchFamily="49" charset="0"/>
@@ -5636,14 +8067,7 @@
                 <a:latin typeface="Courier New" pitchFamily="49" charset="0"/>
                 <a:cs typeface="Courier New" pitchFamily="49" charset="0"/>
               </a:rPr>
-              <a:t>__init__(nm</a:t>
-            </a:r>
-            <a:r>
-              <a:rPr lang="en-US" sz="1000" smtClean="0">
-                <a:latin typeface="Courier New" pitchFamily="49" charset="0"/>
-                <a:cs typeface="Courier New" pitchFamily="49" charset="0"/>
-              </a:rPr>
-              <a:t>)</a:t>
+              <a:t>init(nm)</a:t>
             </a:r>
           </a:p>
           <a:p>
@@ -5763,7 +8187,7 @@
         <p:spPr>
           <a:xfrm>
             <a:off x="150688" y="3130191"/>
-            <a:ext cx="2569934" cy="1785104"/>
+            <a:ext cx="2262158" cy="1785104"/>
           </a:xfrm>
           <a:prstGeom prst="rect">
             <a:avLst/>
@@ -5807,14 +8231,7 @@
                 <a:latin typeface="Courier New" pitchFamily="49" charset="0"/>
                 <a:cs typeface="Courier New" pitchFamily="49" charset="0"/>
               </a:rPr>
-              <a:t>__init__(</a:t>
-            </a:r>
-            <a:r>
-              <a:rPr lang="en-US" sz="1000" smtClean="0">
-                <a:latin typeface="Courier New" pitchFamily="49" charset="0"/>
-                <a:cs typeface="Courier New" pitchFamily="49" charset="0"/>
-              </a:rPr>
-              <a:t>host,nm,port</a:t>
+              <a:t>init(host,nm,port</a:t>
             </a:r>
             <a:endParaRPr lang="en-US" sz="1000" smtClean="0">
               <a:latin typeface="Courier New" pitchFamily="49" charset="0"/>
@@ -5834,7 +8251,21 @@
                 <a:latin typeface="Courier New" pitchFamily="49" charset="0"/>
                 <a:cs typeface="Courier New" pitchFamily="49" charset="0"/>
               </a:rPr>
-              <a:t>        clientHandlerFunction)</a:t>
+              <a:t>    </a:t>
+            </a:r>
+            <a:r>
+              <a:rPr lang="en-US" sz="1000" smtClean="0">
+                <a:latin typeface="Courier New" pitchFamily="49" charset="0"/>
+                <a:cs typeface="Courier New" pitchFamily="49" charset="0"/>
+              </a:rPr>
+              <a:t>clientHandlerFunction</a:t>
+            </a:r>
+            <a:r>
+              <a:rPr lang="en-US" sz="1000" smtClean="0">
+                <a:latin typeface="Courier New" pitchFamily="49" charset="0"/>
+                <a:cs typeface="Courier New" pitchFamily="49" charset="0"/>
+              </a:rPr>
+              <a:t>)</a:t>
             </a:r>
           </a:p>
           <a:p>
@@ -5919,7 +8350,7 @@
         <p:spPr>
           <a:xfrm>
             <a:off x="171236" y="5123379"/>
-            <a:ext cx="2569934" cy="1477328"/>
+            <a:ext cx="2262158" cy="1477328"/>
           </a:xfrm>
           <a:prstGeom prst="rect">
             <a:avLst/>
@@ -5963,14 +8394,7 @@
                 <a:latin typeface="Courier New" pitchFamily="49" charset="0"/>
                 <a:cs typeface="Courier New" pitchFamily="49" charset="0"/>
               </a:rPr>
-              <a:t>__init__(</a:t>
-            </a:r>
-            <a:r>
-              <a:rPr lang="en-US" sz="1000" smtClean="0">
-                <a:latin typeface="Courier New" pitchFamily="49" charset="0"/>
-                <a:cs typeface="Courier New" pitchFamily="49" charset="0"/>
-              </a:rPr>
-              <a:t>host,nm,prot</a:t>
+              <a:t>init(host,nm,prot</a:t>
             </a:r>
             <a:endParaRPr lang="en-US" sz="1000" smtClean="0">
               <a:latin typeface="Courier New" pitchFamily="49" charset="0"/>
@@ -5990,7 +8414,21 @@
                 <a:latin typeface="Courier New" pitchFamily="49" charset="0"/>
                 <a:cs typeface="Courier New" pitchFamily="49" charset="0"/>
               </a:rPr>
-              <a:t>        clientHandlerFunction)</a:t>
+              <a:t>    </a:t>
+            </a:r>
+            <a:r>
+              <a:rPr lang="en-US" sz="1000" smtClean="0">
+                <a:latin typeface="Courier New" pitchFamily="49" charset="0"/>
+                <a:cs typeface="Courier New" pitchFamily="49" charset="0"/>
+              </a:rPr>
+              <a:t>clientHandlerFunction</a:t>
+            </a:r>
+            <a:r>
+              <a:rPr lang="en-US" sz="1000" smtClean="0">
+                <a:latin typeface="Courier New" pitchFamily="49" charset="0"/>
+                <a:cs typeface="Courier New" pitchFamily="49" charset="0"/>
+              </a:rPr>
+              <a:t>)</a:t>
             </a:r>
           </a:p>
           <a:p>
@@ -6057,7 +8495,7 @@
         <p:spPr>
           <a:xfrm>
             <a:off x="3304855" y="705492"/>
-            <a:ext cx="2108269" cy="1323439"/>
+            <a:ext cx="1800493" cy="1323439"/>
           </a:xfrm>
           <a:prstGeom prst="rect">
             <a:avLst/>
@@ -6111,14 +8549,7 @@
                 <a:latin typeface="Courier New" pitchFamily="49" charset="0"/>
                 <a:cs typeface="Courier New" pitchFamily="49" charset="0"/>
               </a:rPr>
-              <a:t>__init__(</a:t>
-            </a:r>
-            <a:r>
-              <a:rPr lang="en-US" sz="1000" smtClean="0">
-                <a:latin typeface="Courier New" pitchFamily="49" charset="0"/>
-                <a:cs typeface="Courier New" pitchFamily="49" charset="0"/>
-              </a:rPr>
-              <a:t>nm,msgSocket,qu</a:t>
+              <a:t>init(nm,msgSocket,qu</a:t>
             </a:r>
             <a:r>
               <a:rPr lang="en-US" sz="1000" smtClean="0">
@@ -6595,7 +9026,7 @@
         <p:spPr>
           <a:xfrm>
             <a:off x="3323690" y="2347644"/>
-            <a:ext cx="2108269" cy="1323439"/>
+            <a:ext cx="1800493" cy="1323439"/>
           </a:xfrm>
           <a:prstGeom prst="rect">
             <a:avLst/>
@@ -6649,14 +9080,7 @@
                 <a:latin typeface="Courier New" pitchFamily="49" charset="0"/>
                 <a:cs typeface="Courier New" pitchFamily="49" charset="0"/>
               </a:rPr>
-              <a:t>__init__(</a:t>
-            </a:r>
-            <a:r>
-              <a:rPr lang="en-US" sz="1000" smtClean="0">
-                <a:latin typeface="Courier New" pitchFamily="49" charset="0"/>
-                <a:cs typeface="Courier New" pitchFamily="49" charset="0"/>
-              </a:rPr>
-              <a:t>nm,msgSocket,qu</a:t>
+              <a:t>init(nm,msgSocket,qu</a:t>
             </a:r>
             <a:r>
               <a:rPr lang="en-US" sz="1000" smtClean="0">
@@ -11742,7 +14166,7 @@
                 <a:latin typeface="Courier New" pitchFamily="49" charset="0"/>
                 <a:cs typeface="Courier New" pitchFamily="49" charset="0"/>
               </a:rPr>
-              <a:t>__init__(nm,quToCon)</a:t>
+              <a:t>init(nm,quToCon)</a:t>
             </a:r>
           </a:p>
           <a:p>

--- a/Scripting/ScriptingDocumenation/DesignDiagrams.pptx
+++ b/Scripting/ScriptingDocumenation/DesignDiagrams.pptx
@@ -4512,10 +4512,22 @@
           <a:lstStyle/>
           <a:p>
             <a:r>
-              <a:rPr lang="en-US" smtClean="0"/>
+              <a:rPr lang="en-US" smtClean="0">
+                <a:solidFill>
+                  <a:schemeClr val="accent6">
+                    <a:lumMod val="75000"/>
+                  </a:schemeClr>
+                </a:solidFill>
+              </a:rPr>
               <a:t>Log.py</a:t>
             </a:r>
-            <a:endParaRPr lang="en-US"/>
+            <a:endParaRPr lang="en-US">
+              <a:solidFill>
+                <a:schemeClr val="accent6">
+                  <a:lumMod val="75000"/>
+                </a:schemeClr>
+              </a:solidFill>
+            </a:endParaRPr>
           </a:p>
         </p:txBody>
       </p:sp>
@@ -4542,10 +4554,22 @@
           <a:lstStyle/>
           <a:p>
             <a:r>
-              <a:rPr lang="en-US" smtClean="0"/>
+              <a:rPr lang="en-US" smtClean="0">
+                <a:solidFill>
+                  <a:schemeClr val="accent6">
+                    <a:lumMod val="75000"/>
+                  </a:schemeClr>
+                </a:solidFill>
+              </a:rPr>
               <a:t>Log_Test.py</a:t>
             </a:r>
-            <a:endParaRPr lang="en-US"/>
+            <a:endParaRPr lang="en-US">
+              <a:solidFill>
+                <a:schemeClr val="accent6">
+                  <a:lumMod val="75000"/>
+                </a:schemeClr>
+              </a:solidFill>
+            </a:endParaRPr>
           </a:p>
         </p:txBody>
       </p:sp>
@@ -5002,14 +5026,32 @@
           <a:lstStyle/>
           <a:p>
             <a:r>
-              <a:rPr lang="en-US" smtClean="0"/>
+              <a:rPr lang="en-US" smtClean="0">
+                <a:solidFill>
+                  <a:schemeClr val="accent6">
+                    <a:lumMod val="75000"/>
+                  </a:schemeClr>
+                </a:solidFill>
+              </a:rPr>
               <a:t>MyPrint</a:t>
             </a:r>
             <a:r>
-              <a:rPr lang="en-US" smtClean="0"/>
+              <a:rPr lang="en-US" smtClean="0">
+                <a:solidFill>
+                  <a:schemeClr val="accent6">
+                    <a:lumMod val="75000"/>
+                  </a:schemeClr>
+                </a:solidFill>
+              </a:rPr>
               <a:t>_Test.py</a:t>
             </a:r>
-            <a:endParaRPr lang="en-US"/>
+            <a:endParaRPr lang="en-US">
+              <a:solidFill>
+                <a:schemeClr val="accent6">
+                  <a:lumMod val="75000"/>
+                </a:schemeClr>
+              </a:solidFill>
+            </a:endParaRPr>
           </a:p>
         </p:txBody>
       </p:sp>
@@ -5061,10 +5103,22 @@
           <a:lstStyle/>
           <a:p>
             <a:r>
-              <a:rPr lang="en-US" smtClean="0"/>
+              <a:rPr lang="en-US" smtClean="0">
+                <a:solidFill>
+                  <a:schemeClr val="accent6">
+                    <a:lumMod val="75000"/>
+                  </a:schemeClr>
+                </a:solidFill>
+              </a:rPr>
               <a:t>StartAndKill.py</a:t>
             </a:r>
-            <a:endParaRPr lang="en-US"/>
+            <a:endParaRPr lang="en-US">
+              <a:solidFill>
+                <a:schemeClr val="accent6">
+                  <a:lumMod val="75000"/>
+                </a:schemeClr>
+              </a:solidFill>
+            </a:endParaRPr>
           </a:p>
         </p:txBody>
       </p:sp>
@@ -5282,10 +5336,22 @@
           <a:lstStyle/>
           <a:p>
             <a:r>
-              <a:rPr lang="en-US" smtClean="0"/>
+              <a:rPr lang="en-US" smtClean="0">
+                <a:solidFill>
+                  <a:schemeClr val="accent6">
+                    <a:lumMod val="75000"/>
+                  </a:schemeClr>
+                </a:solidFill>
+              </a:rPr>
               <a:t>StartAndKill_Test.py</a:t>
             </a:r>
-            <a:endParaRPr lang="en-US"/>
+            <a:endParaRPr lang="en-US">
+              <a:solidFill>
+                <a:schemeClr val="accent6">
+                  <a:lumMod val="75000"/>
+                </a:schemeClr>
+              </a:solidFill>
+            </a:endParaRPr>
           </a:p>
         </p:txBody>
       </p:sp>
@@ -5685,10 +5751,22 @@
           <a:lstStyle/>
           <a:p>
             <a:r>
-              <a:rPr lang="en-US" smtClean="0"/>
+              <a:rPr lang="en-US" smtClean="0">
+                <a:solidFill>
+                  <a:schemeClr val="accent6">
+                    <a:lumMod val="75000"/>
+                  </a:schemeClr>
+                </a:solidFill>
+              </a:rPr>
               <a:t>TCP.py</a:t>
             </a:r>
-            <a:endParaRPr lang="en-US"/>
+            <a:endParaRPr lang="en-US">
+              <a:solidFill>
+                <a:schemeClr val="accent6">
+                  <a:lumMod val="75000"/>
+                </a:schemeClr>
+              </a:solidFill>
+            </a:endParaRPr>
           </a:p>
         </p:txBody>
       </p:sp>
@@ -5896,10 +5974,22 @@
           <a:lstStyle/>
           <a:p>
             <a:r>
-              <a:rPr lang="en-US" smtClean="0"/>
+              <a:rPr lang="en-US" smtClean="0">
+                <a:solidFill>
+                  <a:schemeClr val="accent6">
+                    <a:lumMod val="75000"/>
+                  </a:schemeClr>
+                </a:solidFill>
+              </a:rPr>
               <a:t>TCP_Test.py</a:t>
             </a:r>
-            <a:endParaRPr lang="en-US"/>
+            <a:endParaRPr lang="en-US">
+              <a:solidFill>
+                <a:schemeClr val="accent6">
+                  <a:lumMod val="75000"/>
+                </a:schemeClr>
+              </a:solidFill>
+            </a:endParaRPr>
           </a:p>
         </p:txBody>
       </p:sp>
@@ -7955,6 +8045,96 @@
           </a:p>
         </p:txBody>
       </p:sp>
+      <p:cxnSp>
+        <p:nvCxnSpPr>
+          <p:cNvPr id="153" name="Straight Connector 152"/>
+          <p:cNvCxnSpPr/>
+          <p:nvPr/>
+        </p:nvCxnSpPr>
+        <p:spPr>
+          <a:xfrm flipH="1">
+            <a:off x="3811712" y="287676"/>
+            <a:ext cx="780836" cy="1571946"/>
+          </a:xfrm>
+          <a:prstGeom prst="line">
+            <a:avLst/>
+          </a:prstGeom>
+        </p:spPr>
+        <p:style>
+          <a:lnRef idx="2">
+            <a:schemeClr val="accent6"/>
+          </a:lnRef>
+          <a:fillRef idx="0">
+            <a:schemeClr val="accent6"/>
+          </a:fillRef>
+          <a:effectRef idx="1">
+            <a:schemeClr val="accent6"/>
+          </a:effectRef>
+          <a:fontRef idx="minor">
+            <a:schemeClr val="tx1"/>
+          </a:fontRef>
+        </p:style>
+      </p:cxnSp>
+      <p:cxnSp>
+        <p:nvCxnSpPr>
+          <p:cNvPr id="155" name="Straight Connector 154"/>
+          <p:cNvCxnSpPr/>
+          <p:nvPr/>
+        </p:nvCxnSpPr>
+        <p:spPr>
+          <a:xfrm flipH="1">
+            <a:off x="1582220" y="1880171"/>
+            <a:ext cx="2229492" cy="719191"/>
+          </a:xfrm>
+          <a:prstGeom prst="line">
+            <a:avLst/>
+          </a:prstGeom>
+        </p:spPr>
+        <p:style>
+          <a:lnRef idx="2">
+            <a:schemeClr val="accent6"/>
+          </a:lnRef>
+          <a:fillRef idx="0">
+            <a:schemeClr val="accent6"/>
+          </a:fillRef>
+          <a:effectRef idx="1">
+            <a:schemeClr val="accent6"/>
+          </a:effectRef>
+          <a:fontRef idx="minor">
+            <a:schemeClr val="tx1"/>
+          </a:fontRef>
+        </p:style>
+      </p:cxnSp>
+      <p:cxnSp>
+        <p:nvCxnSpPr>
+          <p:cNvPr id="157" name="Straight Connector 156"/>
+          <p:cNvCxnSpPr/>
+          <p:nvPr/>
+        </p:nvCxnSpPr>
+        <p:spPr>
+          <a:xfrm flipH="1">
+            <a:off x="308226" y="2599362"/>
+            <a:ext cx="1284268" cy="0"/>
+          </a:xfrm>
+          <a:prstGeom prst="line">
+            <a:avLst/>
+          </a:prstGeom>
+        </p:spPr>
+        <p:style>
+          <a:lnRef idx="2">
+            <a:schemeClr val="accent6"/>
+          </a:lnRef>
+          <a:fillRef idx="0">
+            <a:schemeClr val="accent6"/>
+          </a:fillRef>
+          <a:effectRef idx="1">
+            <a:schemeClr val="accent6"/>
+          </a:effectRef>
+          <a:fontRef idx="minor">
+            <a:schemeClr val="tx1"/>
+          </a:fontRef>
+        </p:style>
+      </p:cxnSp>
     </p:spTree>
   </p:cSld>
   <p:clrMapOvr>
@@ -8003,10 +8183,22 @@
           <a:lstStyle/>
           <a:p>
             <a:r>
-              <a:rPr lang="en-US" smtClean="0"/>
+              <a:rPr lang="en-US" smtClean="0">
+                <a:solidFill>
+                  <a:schemeClr val="accent6">
+                    <a:lumMod val="75000"/>
+                  </a:schemeClr>
+                </a:solidFill>
+              </a:rPr>
               <a:t>MsgHandler.py</a:t>
             </a:r>
-            <a:endParaRPr lang="en-US"/>
+            <a:endParaRPr lang="en-US">
+              <a:solidFill>
+                <a:schemeClr val="accent6">
+                  <a:lumMod val="75000"/>
+                </a:schemeClr>
+              </a:solidFill>
+            </a:endParaRPr>
           </a:p>
         </p:txBody>
       </p:sp>
@@ -8634,17 +8826,35 @@
           <a:p>
             <a:pPr algn="ctr"/>
             <a:r>
-              <a:rPr lang="en-US" smtClean="0"/>
+              <a:rPr lang="en-US" smtClean="0">
+                <a:solidFill>
+                  <a:schemeClr val="accent6">
+                    <a:lumMod val="75000"/>
+                  </a:schemeClr>
+                </a:solidFill>
+              </a:rPr>
               <a:t>usage</a:t>
             </a:r>
           </a:p>
           <a:p>
             <a:pPr algn="ctr"/>
             <a:r>
-              <a:rPr lang="en-US" smtClean="0"/>
+              <a:rPr lang="en-US" smtClean="0">
+                <a:solidFill>
+                  <a:schemeClr val="accent6">
+                    <a:lumMod val="75000"/>
+                  </a:schemeClr>
+                </a:solidFill>
+              </a:rPr>
               <a:t>MsgOutQuPump</a:t>
             </a:r>
-            <a:endParaRPr lang="en-US"/>
+            <a:endParaRPr lang="en-US">
+              <a:solidFill>
+                <a:schemeClr val="accent6">
+                  <a:lumMod val="75000"/>
+                </a:schemeClr>
+              </a:solidFill>
+            </a:endParaRPr>
           </a:p>
         </p:txBody>
       </p:sp>
@@ -9165,17 +9375,35 @@
           <a:p>
             <a:pPr algn="ctr"/>
             <a:r>
-              <a:rPr lang="en-US" smtClean="0"/>
+              <a:rPr lang="en-US" smtClean="0">
+                <a:solidFill>
+                  <a:schemeClr val="accent6">
+                    <a:lumMod val="75000"/>
+                  </a:schemeClr>
+                </a:solidFill>
+              </a:rPr>
               <a:t>usage</a:t>
             </a:r>
           </a:p>
           <a:p>
             <a:pPr algn="ctr"/>
             <a:r>
-              <a:rPr lang="en-US" smtClean="0"/>
+              <a:rPr lang="en-US" smtClean="0">
+                <a:solidFill>
+                  <a:schemeClr val="accent6">
+                    <a:lumMod val="75000"/>
+                  </a:schemeClr>
+                </a:solidFill>
+              </a:rPr>
               <a:t>MsgInQuPump</a:t>
             </a:r>
-            <a:endParaRPr lang="en-US"/>
+            <a:endParaRPr lang="en-US">
+              <a:solidFill>
+                <a:schemeClr val="accent6">
+                  <a:lumMod val="75000"/>
+                </a:schemeClr>
+              </a:solidFill>
+            </a:endParaRPr>
           </a:p>
         </p:txBody>
       </p:sp>
@@ -9616,17 +9844,35 @@
           <a:p>
             <a:pPr algn="ctr"/>
             <a:r>
-              <a:rPr lang="en-US" smtClean="0"/>
+              <a:rPr lang="en-US" smtClean="0">
+                <a:solidFill>
+                  <a:schemeClr val="accent6">
+                    <a:lumMod val="75000"/>
+                  </a:schemeClr>
+                </a:solidFill>
+              </a:rPr>
               <a:t>usage</a:t>
             </a:r>
           </a:p>
           <a:p>
             <a:pPr algn="ctr"/>
             <a:r>
-              <a:rPr lang="en-US" smtClean="0"/>
+              <a:rPr lang="en-US" smtClean="0">
+                <a:solidFill>
+                  <a:schemeClr val="accent6">
+                    <a:lumMod val="75000"/>
+                  </a:schemeClr>
+                </a:solidFill>
+              </a:rPr>
               <a:t>waitFor</a:t>
             </a:r>
-            <a:endParaRPr lang="en-US"/>
+            <a:endParaRPr lang="en-US">
+              <a:solidFill>
+                <a:schemeClr val="accent6">
+                  <a:lumMod val="75000"/>
+                </a:schemeClr>
+              </a:solidFill>
+            </a:endParaRPr>
           </a:p>
         </p:txBody>
       </p:sp>
@@ -10507,29 +10753,65 @@
           <a:p>
             <a:pPr algn="ctr"/>
             <a:r>
-              <a:rPr lang="en-US" smtClean="0"/>
+              <a:rPr lang="en-US" smtClean="0">
+                <a:solidFill>
+                  <a:schemeClr val="accent6">
+                    <a:lumMod val="75000"/>
+                  </a:schemeClr>
+                </a:solidFill>
+              </a:rPr>
               <a:t>MsgHandler.py</a:t>
             </a:r>
-            <a:endParaRPr lang="en-US" smtClean="0"/>
+            <a:endParaRPr lang="en-US" smtClean="0">
+              <a:solidFill>
+                <a:schemeClr val="accent6">
+                  <a:lumMod val="75000"/>
+                </a:schemeClr>
+              </a:solidFill>
+            </a:endParaRPr>
           </a:p>
           <a:p>
             <a:pPr algn="ctr"/>
             <a:r>
-              <a:rPr lang="en-US" smtClean="0"/>
+              <a:rPr lang="en-US" smtClean="0">
+                <a:solidFill>
+                  <a:schemeClr val="accent6">
+                    <a:lumMod val="75000"/>
+                  </a:schemeClr>
+                </a:solidFill>
+              </a:rPr>
               <a:t>u</a:t>
             </a:r>
             <a:r>
-              <a:rPr lang="en-US" smtClean="0"/>
+              <a:rPr lang="en-US" smtClean="0">
+                <a:solidFill>
+                  <a:schemeClr val="accent6">
+                    <a:lumMod val="75000"/>
+                  </a:schemeClr>
+                </a:solidFill>
+              </a:rPr>
               <a:t>sage</a:t>
             </a:r>
           </a:p>
           <a:p>
             <a:pPr algn="ctr"/>
             <a:r>
-              <a:rPr lang="en-US" smtClean="0"/>
+              <a:rPr lang="en-US" smtClean="0">
+                <a:solidFill>
+                  <a:schemeClr val="accent6">
+                    <a:lumMod val="75000"/>
+                  </a:schemeClr>
+                </a:solidFill>
+              </a:rPr>
               <a:t>MsgServerThread and MsgSocket</a:t>
             </a:r>
-            <a:endParaRPr lang="en-US"/>
+            <a:endParaRPr lang="en-US">
+              <a:solidFill>
+                <a:schemeClr val="accent6">
+                  <a:lumMod val="75000"/>
+                </a:schemeClr>
+              </a:solidFill>
+            </a:endParaRPr>
           </a:p>
         </p:txBody>
       </p:sp>
@@ -11757,10 +12039,22 @@
           <a:lstStyle/>
           <a:p>
             <a:r>
-              <a:rPr lang="en-US" b="1" smtClean="0"/>
+              <a:rPr lang="en-US" b="1" smtClean="0">
+                <a:solidFill>
+                  <a:schemeClr val="accent6">
+                    <a:lumMod val="75000"/>
+                  </a:schemeClr>
+                </a:solidFill>
+              </a:rPr>
               <a:t>MsgHandler_Test.py</a:t>
             </a:r>
-            <a:endParaRPr lang="en-US" b="1"/>
+            <a:endParaRPr lang="en-US" b="1">
+              <a:solidFill>
+                <a:schemeClr val="accent6">
+                  <a:lumMod val="75000"/>
+                </a:schemeClr>
+              </a:solidFill>
+            </a:endParaRPr>
           </a:p>
         </p:txBody>
       </p:sp>
@@ -11977,10 +12271,22 @@
           <a:lstStyle/>
           <a:p>
             <a:r>
-              <a:rPr lang="en-US" b="1" smtClean="0"/>
+              <a:rPr lang="en-US" b="1" smtClean="0">
+                <a:solidFill>
+                  <a:schemeClr val="accent6">
+                    <a:lumMod val="75000"/>
+                  </a:schemeClr>
+                </a:solidFill>
+              </a:rPr>
               <a:t>Test 2</a:t>
             </a:r>
-            <a:endParaRPr lang="en-US" b="1"/>
+            <a:endParaRPr lang="en-US" b="1">
+              <a:solidFill>
+                <a:schemeClr val="accent6">
+                  <a:lumMod val="75000"/>
+                </a:schemeClr>
+              </a:solidFill>
+            </a:endParaRPr>
           </a:p>
         </p:txBody>
       </p:sp>
@@ -13677,10 +13983,22 @@
           <a:lstStyle/>
           <a:p>
             <a:r>
-              <a:rPr lang="en-US" b="1" smtClean="0"/>
+              <a:rPr lang="en-US" b="1" smtClean="0">
+                <a:solidFill>
+                  <a:schemeClr val="accent6">
+                    <a:lumMod val="75000"/>
+                  </a:schemeClr>
+                </a:solidFill>
+              </a:rPr>
               <a:t>Test 3</a:t>
             </a:r>
-            <a:endParaRPr lang="en-US" b="1"/>
+            <a:endParaRPr lang="en-US" b="1">
+              <a:solidFill>
+                <a:schemeClr val="accent6">
+                  <a:lumMod val="75000"/>
+                </a:schemeClr>
+              </a:solidFill>
+            </a:endParaRPr>
           </a:p>
         </p:txBody>
       </p:sp>
@@ -13707,10 +14025,22 @@
           <a:lstStyle/>
           <a:p>
             <a:r>
-              <a:rPr lang="en-US" b="1" smtClean="0"/>
+              <a:rPr lang="en-US" b="1" smtClean="0">
+                <a:solidFill>
+                  <a:schemeClr val="accent6">
+                    <a:lumMod val="75000"/>
+                  </a:schemeClr>
+                </a:solidFill>
+              </a:rPr>
               <a:t>Test 1</a:t>
             </a:r>
-            <a:endParaRPr lang="en-US" b="1"/>
+            <a:endParaRPr lang="en-US" b="1">
+              <a:solidFill>
+                <a:schemeClr val="accent6">
+                  <a:lumMod val="75000"/>
+                </a:schemeClr>
+              </a:solidFill>
+            </a:endParaRPr>
           </a:p>
         </p:txBody>
       </p:sp>
@@ -14166,7 +14496,7 @@
                 <a:latin typeface="Courier New" pitchFamily="49" charset="0"/>
                 <a:cs typeface="Courier New" pitchFamily="49" charset="0"/>
               </a:rPr>
-              <a:t>init(nm,quToCon)</a:t>
+              <a:t>init(nm,inQu,outQu)</a:t>
             </a:r>
           </a:p>
           <a:p>
@@ -14440,10 +14770,22 @@
           <a:lstStyle/>
           <a:p>
             <a:r>
-              <a:rPr lang="en-US" b="1" smtClean="0"/>
+              <a:rPr lang="en-US" b="1" smtClean="0">
+                <a:solidFill>
+                  <a:schemeClr val="accent6">
+                    <a:lumMod val="75000"/>
+                  </a:schemeClr>
+                </a:solidFill>
+              </a:rPr>
               <a:t>Throttle.py</a:t>
             </a:r>
-            <a:endParaRPr lang="en-US" b="1"/>
+            <a:endParaRPr lang="en-US" b="1">
+              <a:solidFill>
+                <a:schemeClr val="accent6">
+                  <a:lumMod val="75000"/>
+                </a:schemeClr>
+              </a:solidFill>
+            </a:endParaRPr>
           </a:p>
         </p:txBody>
       </p:sp>
@@ -14470,10 +14812,22 @@
           <a:lstStyle/>
           <a:p>
             <a:r>
-              <a:rPr lang="en-US" b="1" smtClean="0"/>
+              <a:rPr lang="en-US" b="1" smtClean="0">
+                <a:solidFill>
+                  <a:schemeClr val="accent6">
+                    <a:lumMod val="75000"/>
+                  </a:schemeClr>
+                </a:solidFill>
+              </a:rPr>
               <a:t>Throttle_Test.py</a:t>
             </a:r>
-            <a:endParaRPr lang="en-US" b="1"/>
+            <a:endParaRPr lang="en-US" b="1">
+              <a:solidFill>
+                <a:schemeClr val="accent6">
+                  <a:lumMod val="75000"/>
+                </a:schemeClr>
+              </a:solidFill>
+            </a:endParaRPr>
           </a:p>
         </p:txBody>
       </p:sp>
@@ -14955,7 +15309,7 @@
         </p:nvSpPr>
         <p:spPr>
           <a:xfrm>
-            <a:off x="7082317" y="2479852"/>
+            <a:off x="6681625" y="2500401"/>
             <a:ext cx="415498" cy="246221"/>
           </a:xfrm>
           <a:prstGeom prst="rect">
@@ -15094,7 +15448,7 @@
         </p:nvSpPr>
         <p:spPr>
           <a:xfrm>
-            <a:off x="5457289" y="1440453"/>
+            <a:off x="6227851" y="1378808"/>
             <a:ext cx="954107" cy="707886"/>
           </a:xfrm>
           <a:prstGeom prst="rect">
@@ -15415,7 +15769,7 @@
         </p:nvSpPr>
         <p:spPr>
           <a:xfrm>
-            <a:off x="5488111" y="2416495"/>
+            <a:off x="5919626" y="2570607"/>
             <a:ext cx="415498" cy="246221"/>
           </a:xfrm>
           <a:prstGeom prst="rect">
@@ -15631,7 +15985,7 @@
         </p:nvSpPr>
         <p:spPr>
           <a:xfrm>
-            <a:off x="5179886" y="3279524"/>
+            <a:off x="5714142" y="3526104"/>
             <a:ext cx="415498" cy="246221"/>
           </a:xfrm>
           <a:prstGeom prst="rect">
@@ -15667,7 +16021,7 @@
         </p:nvSpPr>
         <p:spPr>
           <a:xfrm>
-            <a:off x="7214169" y="3310346"/>
+            <a:off x="7121701" y="3454184"/>
             <a:ext cx="415498" cy="246221"/>
           </a:xfrm>
           <a:prstGeom prst="rect">
@@ -15849,6 +16203,850 @@
           </a:fontRef>
         </p:style>
       </p:cxnSp>
+      <p:sp>
+        <p:nvSpPr>
+          <p:cNvPr id="88" name="Freeform 87"/>
+          <p:cNvSpPr/>
+          <p:nvPr/>
+        </p:nvSpPr>
+        <p:spPr>
+          <a:xfrm>
+            <a:off x="3840823" y="577065"/>
+            <a:ext cx="3587393" cy="6435048"/>
+          </a:xfrm>
+          <a:custGeom>
+            <a:avLst/>
+            <a:gdLst>
+              <a:gd name="connsiteX0" fmla="*/ 2323671 w 3587393"/>
+              <a:gd name="connsiteY0" fmla="*/ 573641 h 6435048"/>
+              <a:gd name="connsiteX1" fmla="*/ 494871 w 3587393"/>
+              <a:gd name="connsiteY1" fmla="*/ 861317 h 6435048"/>
+              <a:gd name="connsiteX2" fmla="*/ 515420 w 3587393"/>
+              <a:gd name="connsiteY2" fmla="*/ 5741542 h 6435048"/>
+              <a:gd name="connsiteX3" fmla="*/ 3587393 w 3587393"/>
+              <a:gd name="connsiteY3" fmla="*/ 5022351 h 6435048"/>
+            </a:gdLst>
+            <a:ahLst/>
+            <a:cxnLst>
+              <a:cxn ang="0">
+                <a:pos x="connsiteX0" y="connsiteY0"/>
+              </a:cxn>
+              <a:cxn ang="0">
+                <a:pos x="connsiteX1" y="connsiteY1"/>
+              </a:cxn>
+              <a:cxn ang="0">
+                <a:pos x="connsiteX2" y="connsiteY2"/>
+              </a:cxn>
+              <a:cxn ang="0">
+                <a:pos x="connsiteX3" y="connsiteY3"/>
+              </a:cxn>
+            </a:cxnLst>
+            <a:rect l="l" t="t" r="r" b="b"/>
+            <a:pathLst>
+              <a:path w="3587393" h="6435048">
+                <a:moveTo>
+                  <a:pt x="2323671" y="573641"/>
+                </a:moveTo>
+                <a:cubicBezTo>
+                  <a:pt x="1559958" y="286820"/>
+                  <a:pt x="796246" y="0"/>
+                  <a:pt x="494871" y="861317"/>
+                </a:cubicBezTo>
+                <a:cubicBezTo>
+                  <a:pt x="193496" y="1722634"/>
+                  <a:pt x="0" y="5048036"/>
+                  <a:pt x="515420" y="5741542"/>
+                </a:cubicBezTo>
+                <a:cubicBezTo>
+                  <a:pt x="1030840" y="6435048"/>
+                  <a:pt x="2309116" y="5728699"/>
+                  <a:pt x="3587393" y="5022351"/>
+                </a:cubicBezTo>
+              </a:path>
+            </a:pathLst>
+          </a:custGeom>
+          <a:ln>
+            <a:solidFill>
+              <a:schemeClr val="bg1">
+                <a:lumMod val="85000"/>
+              </a:schemeClr>
+            </a:solidFill>
+            <a:headEnd type="none" w="med" len="med"/>
+            <a:tailEnd type="arrow" w="med" len="med"/>
+          </a:ln>
+        </p:spPr>
+        <p:style>
+          <a:lnRef idx="1">
+            <a:schemeClr val="accent1"/>
+          </a:lnRef>
+          <a:fillRef idx="0">
+            <a:schemeClr val="accent1"/>
+          </a:fillRef>
+          <a:effectRef idx="0">
+            <a:schemeClr val="accent1"/>
+          </a:effectRef>
+          <a:fontRef idx="minor">
+            <a:schemeClr val="tx1"/>
+          </a:fontRef>
+        </p:style>
+        <p:txBody>
+          <a:bodyPr rtlCol="0" anchor="ctr"/>
+          <a:lstStyle/>
+          <a:p>
+            <a:pPr algn="ctr"/>
+            <a:endParaRPr lang="en-US"/>
+          </a:p>
+        </p:txBody>
+      </p:sp>
+      <p:sp>
+        <p:nvSpPr>
+          <p:cNvPr id="89" name="Freeform 88"/>
+          <p:cNvSpPr/>
+          <p:nvPr/>
+        </p:nvSpPr>
+        <p:spPr>
+          <a:xfrm>
+            <a:off x="4243227" y="5630238"/>
+            <a:ext cx="1561672" cy="500009"/>
+          </a:xfrm>
+          <a:custGeom>
+            <a:avLst/>
+            <a:gdLst>
+              <a:gd name="connsiteX0" fmla="*/ 0 w 1561672"/>
+              <a:gd name="connsiteY0" fmla="*/ 472611 h 500009"/>
+              <a:gd name="connsiteX1" fmla="*/ 1202076 w 1561672"/>
+              <a:gd name="connsiteY1" fmla="*/ 421241 h 500009"/>
+              <a:gd name="connsiteX2" fmla="*/ 1561672 w 1561672"/>
+              <a:gd name="connsiteY2" fmla="*/ 0 h 500009"/>
+            </a:gdLst>
+            <a:ahLst/>
+            <a:cxnLst>
+              <a:cxn ang="0">
+                <a:pos x="connsiteX0" y="connsiteY0"/>
+              </a:cxn>
+              <a:cxn ang="0">
+                <a:pos x="connsiteX1" y="connsiteY1"/>
+              </a:cxn>
+              <a:cxn ang="0">
+                <a:pos x="connsiteX2" y="connsiteY2"/>
+              </a:cxn>
+            </a:cxnLst>
+            <a:rect l="l" t="t" r="r" b="b"/>
+            <a:pathLst>
+              <a:path w="1561672" h="500009">
+                <a:moveTo>
+                  <a:pt x="0" y="472611"/>
+                </a:moveTo>
+                <a:cubicBezTo>
+                  <a:pt x="470898" y="486310"/>
+                  <a:pt x="941797" y="500009"/>
+                  <a:pt x="1202076" y="421241"/>
+                </a:cubicBezTo>
+                <a:cubicBezTo>
+                  <a:pt x="1462355" y="342473"/>
+                  <a:pt x="1512013" y="171236"/>
+                  <a:pt x="1561672" y="0"/>
+                </a:cubicBezTo>
+              </a:path>
+            </a:pathLst>
+          </a:custGeom>
+          <a:ln>
+            <a:solidFill>
+              <a:schemeClr val="bg1">
+                <a:lumMod val="85000"/>
+              </a:schemeClr>
+            </a:solidFill>
+            <a:headEnd type="none" w="med" len="med"/>
+            <a:tailEnd type="arrow" w="med" len="med"/>
+          </a:ln>
+        </p:spPr>
+        <p:style>
+          <a:lnRef idx="1">
+            <a:schemeClr val="accent1"/>
+          </a:lnRef>
+          <a:fillRef idx="0">
+            <a:schemeClr val="accent1"/>
+          </a:fillRef>
+          <a:effectRef idx="0">
+            <a:schemeClr val="accent1"/>
+          </a:effectRef>
+          <a:fontRef idx="minor">
+            <a:schemeClr val="tx1"/>
+          </a:fontRef>
+        </p:style>
+        <p:txBody>
+          <a:bodyPr rtlCol="0" anchor="ctr"/>
+          <a:lstStyle/>
+          <a:p>
+            <a:pPr algn="ctr"/>
+            <a:endParaRPr lang="en-US"/>
+          </a:p>
+        </p:txBody>
+      </p:sp>
+      <p:sp>
+        <p:nvSpPr>
+          <p:cNvPr id="90" name="TextBox 89"/>
+          <p:cNvSpPr txBox="1"/>
+          <p:nvPr/>
+        </p:nvSpPr>
+        <p:spPr>
+          <a:xfrm>
+            <a:off x="3852807" y="5620320"/>
+            <a:ext cx="569387" cy="246221"/>
+          </a:xfrm>
+          <a:prstGeom prst="rect">
+            <a:avLst/>
+          </a:prstGeom>
+          <a:noFill/>
+        </p:spPr>
+        <p:txBody>
+          <a:bodyPr wrap="none" rtlCol="0">
+            <a:spAutoFit/>
+          </a:bodyPr>
+          <a:lstStyle/>
+          <a:p>
+            <a:r>
+              <a:rPr lang="en-US" sz="1000" smtClean="0">
+                <a:solidFill>
+                  <a:schemeClr val="bg1">
+                    <a:lumMod val="75000"/>
+                  </a:schemeClr>
+                </a:solidFill>
+                <a:latin typeface="Courier New" pitchFamily="49" charset="0"/>
+                <a:cs typeface="Courier New" pitchFamily="49" charset="0"/>
+              </a:rPr>
+              <a:t>start</a:t>
+            </a:r>
+            <a:endParaRPr lang="en-US" sz="1000">
+              <a:solidFill>
+                <a:schemeClr val="bg1">
+                  <a:lumMod val="75000"/>
+                </a:schemeClr>
+              </a:solidFill>
+              <a:latin typeface="Courier New" pitchFamily="49" charset="0"/>
+              <a:cs typeface="Courier New" pitchFamily="49" charset="0"/>
+            </a:endParaRPr>
+          </a:p>
+        </p:txBody>
+      </p:sp>
+      <p:sp>
+        <p:nvSpPr>
+          <p:cNvPr id="91" name="Freeform 90"/>
+          <p:cNvSpPr/>
+          <p:nvPr/>
+        </p:nvSpPr>
+        <p:spPr>
+          <a:xfrm>
+            <a:off x="4143910" y="806521"/>
+            <a:ext cx="2020584" cy="4001785"/>
+          </a:xfrm>
+          <a:custGeom>
+            <a:avLst/>
+            <a:gdLst>
+              <a:gd name="connsiteX0" fmla="*/ 2020584 w 2020584"/>
+              <a:gd name="connsiteY0" fmla="*/ 364733 h 4001785"/>
+              <a:gd name="connsiteX1" fmla="*/ 541106 w 2020584"/>
+              <a:gd name="connsiteY1" fmla="*/ 457200 h 4001785"/>
+              <a:gd name="connsiteX2" fmla="*/ 212333 w 2020584"/>
+              <a:gd name="connsiteY2" fmla="*/ 3107933 h 4001785"/>
+              <a:gd name="connsiteX3" fmla="*/ 1815101 w 2020584"/>
+              <a:gd name="connsiteY3" fmla="*/ 4001785 h 4001785"/>
+            </a:gdLst>
+            <a:ahLst/>
+            <a:cxnLst>
+              <a:cxn ang="0">
+                <a:pos x="connsiteX0" y="connsiteY0"/>
+              </a:cxn>
+              <a:cxn ang="0">
+                <a:pos x="connsiteX1" y="connsiteY1"/>
+              </a:cxn>
+              <a:cxn ang="0">
+                <a:pos x="connsiteX2" y="connsiteY2"/>
+              </a:cxn>
+              <a:cxn ang="0">
+                <a:pos x="connsiteX3" y="connsiteY3"/>
+              </a:cxn>
+            </a:cxnLst>
+            <a:rect l="l" t="t" r="r" b="b"/>
+            <a:pathLst>
+              <a:path w="2020584" h="4001785">
+                <a:moveTo>
+                  <a:pt x="2020584" y="364733"/>
+                </a:moveTo>
+                <a:cubicBezTo>
+                  <a:pt x="1431532" y="182366"/>
+                  <a:pt x="842481" y="0"/>
+                  <a:pt x="541106" y="457200"/>
+                </a:cubicBezTo>
+                <a:cubicBezTo>
+                  <a:pt x="239731" y="914400"/>
+                  <a:pt x="0" y="2517169"/>
+                  <a:pt x="212333" y="3107933"/>
+                </a:cubicBezTo>
+                <a:cubicBezTo>
+                  <a:pt x="424666" y="3698697"/>
+                  <a:pt x="1119883" y="3850241"/>
+                  <a:pt x="1815101" y="4001785"/>
+                </a:cubicBezTo>
+              </a:path>
+            </a:pathLst>
+          </a:custGeom>
+          <a:ln>
+            <a:solidFill>
+              <a:schemeClr val="bg1">
+                <a:lumMod val="85000"/>
+              </a:schemeClr>
+            </a:solidFill>
+            <a:headEnd type="none" w="med" len="med"/>
+            <a:tailEnd type="arrow" w="med" len="med"/>
+          </a:ln>
+        </p:spPr>
+        <p:style>
+          <a:lnRef idx="1">
+            <a:schemeClr val="accent1"/>
+          </a:lnRef>
+          <a:fillRef idx="0">
+            <a:schemeClr val="accent1"/>
+          </a:fillRef>
+          <a:effectRef idx="0">
+            <a:schemeClr val="accent1"/>
+          </a:effectRef>
+          <a:fontRef idx="minor">
+            <a:schemeClr val="tx1"/>
+          </a:fontRef>
+        </p:style>
+        <p:txBody>
+          <a:bodyPr rtlCol="0" anchor="ctr"/>
+          <a:lstStyle/>
+          <a:p>
+            <a:pPr algn="ctr"/>
+            <a:endParaRPr lang="en-US"/>
+          </a:p>
+        </p:txBody>
+      </p:sp>
+      <p:sp>
+        <p:nvSpPr>
+          <p:cNvPr id="92" name="TextBox 91"/>
+          <p:cNvSpPr txBox="1"/>
+          <p:nvPr/>
+        </p:nvSpPr>
+        <p:spPr>
+          <a:xfrm>
+            <a:off x="4518916" y="1272639"/>
+            <a:ext cx="723275" cy="400110"/>
+          </a:xfrm>
+          <a:prstGeom prst="rect">
+            <a:avLst/>
+          </a:prstGeom>
+          <a:noFill/>
+        </p:spPr>
+        <p:txBody>
+          <a:bodyPr wrap="none" rtlCol="0">
+            <a:spAutoFit/>
+          </a:bodyPr>
+          <a:lstStyle/>
+          <a:p>
+            <a:r>
+              <a:rPr lang="en-US" sz="1000" smtClean="0">
+                <a:solidFill>
+                  <a:schemeClr val="bg1">
+                    <a:lumMod val="75000"/>
+                  </a:schemeClr>
+                </a:solidFill>
+                <a:latin typeface="Courier New" pitchFamily="49" charset="0"/>
+                <a:cs typeface="Courier New" pitchFamily="49" charset="0"/>
+              </a:rPr>
+              <a:t>create</a:t>
+            </a:r>
+          </a:p>
+          <a:p>
+            <a:r>
+              <a:rPr lang="en-US" sz="1000" smtClean="0">
+                <a:solidFill>
+                  <a:schemeClr val="bg1">
+                    <a:lumMod val="75000"/>
+                  </a:schemeClr>
+                </a:solidFill>
+                <a:latin typeface="Courier New" pitchFamily="49" charset="0"/>
+                <a:cs typeface="Courier New" pitchFamily="49" charset="0"/>
+              </a:rPr>
+              <a:t>connect</a:t>
+            </a:r>
+            <a:endParaRPr lang="en-US" sz="1000">
+              <a:solidFill>
+                <a:schemeClr val="bg1">
+                  <a:lumMod val="75000"/>
+                </a:schemeClr>
+              </a:solidFill>
+              <a:latin typeface="Courier New" pitchFamily="49" charset="0"/>
+              <a:cs typeface="Courier New" pitchFamily="49" charset="0"/>
+            </a:endParaRPr>
+          </a:p>
+        </p:txBody>
+      </p:sp>
+      <p:sp>
+        <p:nvSpPr>
+          <p:cNvPr id="93" name="Freeform 92"/>
+          <p:cNvSpPr/>
+          <p:nvPr/>
+        </p:nvSpPr>
+        <p:spPr>
+          <a:xfrm>
+            <a:off x="5157627" y="1171254"/>
+            <a:ext cx="1006867" cy="1876746"/>
+          </a:xfrm>
+          <a:custGeom>
+            <a:avLst/>
+            <a:gdLst>
+              <a:gd name="connsiteX0" fmla="*/ 1006867 w 1006867"/>
+              <a:gd name="connsiteY0" fmla="*/ 0 h 1876746"/>
+              <a:gd name="connsiteX1" fmla="*/ 195209 w 1006867"/>
+              <a:gd name="connsiteY1" fmla="*/ 1047964 h 1876746"/>
+              <a:gd name="connsiteX2" fmla="*/ 10274 w 1006867"/>
+              <a:gd name="connsiteY2" fmla="*/ 1756881 h 1876746"/>
+              <a:gd name="connsiteX3" fmla="*/ 256854 w 1006867"/>
+              <a:gd name="connsiteY3" fmla="*/ 1767155 h 1876746"/>
+            </a:gdLst>
+            <a:ahLst/>
+            <a:cxnLst>
+              <a:cxn ang="0">
+                <a:pos x="connsiteX0" y="connsiteY0"/>
+              </a:cxn>
+              <a:cxn ang="0">
+                <a:pos x="connsiteX1" y="connsiteY1"/>
+              </a:cxn>
+              <a:cxn ang="0">
+                <a:pos x="connsiteX2" y="connsiteY2"/>
+              </a:cxn>
+              <a:cxn ang="0">
+                <a:pos x="connsiteX3" y="connsiteY3"/>
+              </a:cxn>
+            </a:cxnLst>
+            <a:rect l="l" t="t" r="r" b="b"/>
+            <a:pathLst>
+              <a:path w="1006867" h="1876746">
+                <a:moveTo>
+                  <a:pt x="1006867" y="0"/>
+                </a:moveTo>
+                <a:cubicBezTo>
+                  <a:pt x="684087" y="377575"/>
+                  <a:pt x="361308" y="755151"/>
+                  <a:pt x="195209" y="1047964"/>
+                </a:cubicBezTo>
+                <a:cubicBezTo>
+                  <a:pt x="29110" y="1340778"/>
+                  <a:pt x="0" y="1637016"/>
+                  <a:pt x="10274" y="1756881"/>
+                </a:cubicBezTo>
+                <a:cubicBezTo>
+                  <a:pt x="20548" y="1876746"/>
+                  <a:pt x="138701" y="1821950"/>
+                  <a:pt x="256854" y="1767155"/>
+                </a:cubicBezTo>
+              </a:path>
+            </a:pathLst>
+          </a:custGeom>
+          <a:ln>
+            <a:solidFill>
+              <a:schemeClr val="bg1">
+                <a:lumMod val="85000"/>
+              </a:schemeClr>
+            </a:solidFill>
+            <a:headEnd type="none" w="med" len="med"/>
+            <a:tailEnd type="arrow" w="med" len="med"/>
+          </a:ln>
+        </p:spPr>
+        <p:style>
+          <a:lnRef idx="1">
+            <a:schemeClr val="accent1"/>
+          </a:lnRef>
+          <a:fillRef idx="0">
+            <a:schemeClr val="accent1"/>
+          </a:fillRef>
+          <a:effectRef idx="0">
+            <a:schemeClr val="accent1"/>
+          </a:effectRef>
+          <a:fontRef idx="minor">
+            <a:schemeClr val="tx1"/>
+          </a:fontRef>
+        </p:style>
+        <p:txBody>
+          <a:bodyPr rtlCol="0" anchor="ctr"/>
+          <a:lstStyle/>
+          <a:p>
+            <a:pPr algn="ctr"/>
+            <a:endParaRPr lang="en-US"/>
+          </a:p>
+        </p:txBody>
+      </p:sp>
+      <p:sp>
+        <p:nvSpPr>
+          <p:cNvPr id="94" name="Freeform 93"/>
+          <p:cNvSpPr/>
+          <p:nvPr/>
+        </p:nvSpPr>
+        <p:spPr>
+          <a:xfrm>
+            <a:off x="4923033" y="2496620"/>
+            <a:ext cx="1868185" cy="1041115"/>
+          </a:xfrm>
+          <a:custGeom>
+            <a:avLst/>
+            <a:gdLst>
+              <a:gd name="connsiteX0" fmla="*/ 316787 w 1868185"/>
+              <a:gd name="connsiteY0" fmla="*/ 0 h 1041115"/>
+              <a:gd name="connsiteX1" fmla="*/ 131852 w 1868185"/>
+              <a:gd name="connsiteY1" fmla="*/ 883578 h 1041115"/>
+              <a:gd name="connsiteX2" fmla="*/ 1107897 w 1868185"/>
+              <a:gd name="connsiteY2" fmla="*/ 945223 h 1041115"/>
+              <a:gd name="connsiteX3" fmla="*/ 1868185 w 1868185"/>
+              <a:gd name="connsiteY3" fmla="*/ 482886 h 1041115"/>
+            </a:gdLst>
+            <a:ahLst/>
+            <a:cxnLst>
+              <a:cxn ang="0">
+                <a:pos x="connsiteX0" y="connsiteY0"/>
+              </a:cxn>
+              <a:cxn ang="0">
+                <a:pos x="connsiteX1" y="connsiteY1"/>
+              </a:cxn>
+              <a:cxn ang="0">
+                <a:pos x="connsiteX2" y="connsiteY2"/>
+              </a:cxn>
+              <a:cxn ang="0">
+                <a:pos x="connsiteX3" y="connsiteY3"/>
+              </a:cxn>
+            </a:cxnLst>
+            <a:rect l="l" t="t" r="r" b="b"/>
+            <a:pathLst>
+              <a:path w="1868185" h="1041115">
+                <a:moveTo>
+                  <a:pt x="316787" y="0"/>
+                </a:moveTo>
+                <a:cubicBezTo>
+                  <a:pt x="158393" y="363020"/>
+                  <a:pt x="0" y="726041"/>
+                  <a:pt x="131852" y="883578"/>
+                </a:cubicBezTo>
+                <a:cubicBezTo>
+                  <a:pt x="263704" y="1041115"/>
+                  <a:pt x="818508" y="1012005"/>
+                  <a:pt x="1107897" y="945223"/>
+                </a:cubicBezTo>
+                <a:cubicBezTo>
+                  <a:pt x="1397286" y="878441"/>
+                  <a:pt x="1632735" y="680663"/>
+                  <a:pt x="1868185" y="482886"/>
+                </a:cubicBezTo>
+              </a:path>
+            </a:pathLst>
+          </a:custGeom>
+          <a:ln>
+            <a:solidFill>
+              <a:schemeClr val="bg1">
+                <a:lumMod val="85000"/>
+              </a:schemeClr>
+            </a:solidFill>
+            <a:headEnd type="none" w="med" len="med"/>
+            <a:tailEnd type="arrow" w="med" len="med"/>
+          </a:ln>
+        </p:spPr>
+        <p:style>
+          <a:lnRef idx="1">
+            <a:schemeClr val="accent1"/>
+          </a:lnRef>
+          <a:fillRef idx="0">
+            <a:schemeClr val="accent1"/>
+          </a:fillRef>
+          <a:effectRef idx="0">
+            <a:schemeClr val="accent1"/>
+          </a:effectRef>
+          <a:fontRef idx="minor">
+            <a:schemeClr val="tx1"/>
+          </a:fontRef>
+        </p:style>
+        <p:txBody>
+          <a:bodyPr rtlCol="0" anchor="ctr"/>
+          <a:lstStyle/>
+          <a:p>
+            <a:pPr algn="ctr"/>
+            <a:endParaRPr lang="en-US"/>
+          </a:p>
+        </p:txBody>
+      </p:sp>
+      <p:sp>
+        <p:nvSpPr>
+          <p:cNvPr id="95" name="TextBox 94"/>
+          <p:cNvSpPr txBox="1"/>
+          <p:nvPr/>
+        </p:nvSpPr>
+        <p:spPr>
+          <a:xfrm>
+            <a:off x="5277490" y="2092858"/>
+            <a:ext cx="646331" cy="246221"/>
+          </a:xfrm>
+          <a:prstGeom prst="rect">
+            <a:avLst/>
+          </a:prstGeom>
+          <a:noFill/>
+        </p:spPr>
+        <p:txBody>
+          <a:bodyPr wrap="none" rtlCol="0">
+            <a:spAutoFit/>
+          </a:bodyPr>
+          <a:lstStyle/>
+          <a:p>
+            <a:r>
+              <a:rPr lang="en-US" sz="1000" smtClean="0">
+                <a:solidFill>
+                  <a:schemeClr val="bg1">
+                    <a:lumMod val="75000"/>
+                  </a:schemeClr>
+                </a:solidFill>
+                <a:latin typeface="Courier New" pitchFamily="49" charset="0"/>
+                <a:cs typeface="Courier New" pitchFamily="49" charset="0"/>
+              </a:rPr>
+              <a:t>create</a:t>
+            </a:r>
+          </a:p>
+        </p:txBody>
+      </p:sp>
+      <p:sp>
+        <p:nvSpPr>
+          <p:cNvPr id="96" name="Freeform 95"/>
+          <p:cNvSpPr/>
+          <p:nvPr/>
+        </p:nvSpPr>
+        <p:spPr>
+          <a:xfrm>
+            <a:off x="4306585" y="1140431"/>
+            <a:ext cx="2299698" cy="3388760"/>
+          </a:xfrm>
+          <a:custGeom>
+            <a:avLst/>
+            <a:gdLst>
+              <a:gd name="connsiteX0" fmla="*/ 1847635 w 2299698"/>
+              <a:gd name="connsiteY0" fmla="*/ 0 h 3388760"/>
+              <a:gd name="connsiteX1" fmla="*/ 255141 w 2299698"/>
+              <a:gd name="connsiteY1" fmla="*/ 1705511 h 3388760"/>
+              <a:gd name="connsiteX2" fmla="*/ 316786 w 2299698"/>
+              <a:gd name="connsiteY2" fmla="*/ 2732926 h 3388760"/>
+              <a:gd name="connsiteX3" fmla="*/ 1529136 w 2299698"/>
+              <a:gd name="connsiteY3" fmla="*/ 3380198 h 3388760"/>
+              <a:gd name="connsiteX4" fmla="*/ 2299698 w 2299698"/>
+              <a:gd name="connsiteY4" fmla="*/ 2784297 h 3388760"/>
+            </a:gdLst>
+            <a:ahLst/>
+            <a:cxnLst>
+              <a:cxn ang="0">
+                <a:pos x="connsiteX0" y="connsiteY0"/>
+              </a:cxn>
+              <a:cxn ang="0">
+                <a:pos x="connsiteX1" y="connsiteY1"/>
+              </a:cxn>
+              <a:cxn ang="0">
+                <a:pos x="connsiteX2" y="connsiteY2"/>
+              </a:cxn>
+              <a:cxn ang="0">
+                <a:pos x="connsiteX3" y="connsiteY3"/>
+              </a:cxn>
+              <a:cxn ang="0">
+                <a:pos x="connsiteX4" y="connsiteY4"/>
+              </a:cxn>
+            </a:cxnLst>
+            <a:rect l="l" t="t" r="r" b="b"/>
+            <a:pathLst>
+              <a:path w="2299698" h="3388760">
+                <a:moveTo>
+                  <a:pt x="1847635" y="0"/>
+                </a:moveTo>
+                <a:cubicBezTo>
+                  <a:pt x="1178959" y="625011"/>
+                  <a:pt x="510283" y="1250023"/>
+                  <a:pt x="255141" y="1705511"/>
+                </a:cubicBezTo>
+                <a:cubicBezTo>
+                  <a:pt x="0" y="2160999"/>
+                  <a:pt x="104454" y="2453812"/>
+                  <a:pt x="316786" y="2732926"/>
+                </a:cubicBezTo>
+                <a:cubicBezTo>
+                  <a:pt x="529118" y="3012040"/>
+                  <a:pt x="1198651" y="3371636"/>
+                  <a:pt x="1529136" y="3380198"/>
+                </a:cubicBezTo>
+                <a:cubicBezTo>
+                  <a:pt x="1859621" y="3388760"/>
+                  <a:pt x="2079659" y="3086528"/>
+                  <a:pt x="2299698" y="2784297"/>
+                </a:cubicBezTo>
+              </a:path>
+            </a:pathLst>
+          </a:custGeom>
+          <a:ln>
+            <a:solidFill>
+              <a:schemeClr val="bg1">
+                <a:lumMod val="85000"/>
+              </a:schemeClr>
+            </a:solidFill>
+            <a:headEnd type="none" w="med" len="med"/>
+            <a:tailEnd type="arrow" w="med" len="med"/>
+          </a:ln>
+        </p:spPr>
+        <p:style>
+          <a:lnRef idx="1">
+            <a:schemeClr val="accent1"/>
+          </a:lnRef>
+          <a:fillRef idx="0">
+            <a:schemeClr val="accent1"/>
+          </a:fillRef>
+          <a:effectRef idx="0">
+            <a:schemeClr val="accent1"/>
+          </a:effectRef>
+          <a:fontRef idx="minor">
+            <a:schemeClr val="tx1"/>
+          </a:fontRef>
+        </p:style>
+        <p:txBody>
+          <a:bodyPr rtlCol="0" anchor="ctr"/>
+          <a:lstStyle/>
+          <a:p>
+            <a:pPr algn="ctr"/>
+            <a:endParaRPr lang="en-US"/>
+          </a:p>
+        </p:txBody>
+      </p:sp>
+      <p:sp>
+        <p:nvSpPr>
+          <p:cNvPr id="97" name="Freeform 96"/>
+          <p:cNvSpPr/>
+          <p:nvPr/>
+        </p:nvSpPr>
+        <p:spPr>
+          <a:xfrm>
+            <a:off x="4428162" y="3236360"/>
+            <a:ext cx="719191" cy="647271"/>
+          </a:xfrm>
+          <a:custGeom>
+            <a:avLst/>
+            <a:gdLst>
+              <a:gd name="connsiteX0" fmla="*/ 0 w 719191"/>
+              <a:gd name="connsiteY0" fmla="*/ 0 h 647271"/>
+              <a:gd name="connsiteX1" fmla="*/ 318499 w 719191"/>
+              <a:gd name="connsiteY1" fmla="*/ 534256 h 647271"/>
+              <a:gd name="connsiteX2" fmla="*/ 719191 w 719191"/>
+              <a:gd name="connsiteY2" fmla="*/ 647271 h 647271"/>
+            </a:gdLst>
+            <a:ahLst/>
+            <a:cxnLst>
+              <a:cxn ang="0">
+                <a:pos x="connsiteX0" y="connsiteY0"/>
+              </a:cxn>
+              <a:cxn ang="0">
+                <a:pos x="connsiteX1" y="connsiteY1"/>
+              </a:cxn>
+              <a:cxn ang="0">
+                <a:pos x="connsiteX2" y="connsiteY2"/>
+              </a:cxn>
+            </a:cxnLst>
+            <a:rect l="l" t="t" r="r" b="b"/>
+            <a:pathLst>
+              <a:path w="719191" h="647271">
+                <a:moveTo>
+                  <a:pt x="0" y="0"/>
+                </a:moveTo>
+                <a:cubicBezTo>
+                  <a:pt x="99317" y="213189"/>
+                  <a:pt x="198634" y="426378"/>
+                  <a:pt x="318499" y="534256"/>
+                </a:cubicBezTo>
+                <a:cubicBezTo>
+                  <a:pt x="438364" y="642134"/>
+                  <a:pt x="578777" y="644702"/>
+                  <a:pt x="719191" y="647271"/>
+                </a:cubicBezTo>
+              </a:path>
+            </a:pathLst>
+          </a:custGeom>
+          <a:ln>
+            <a:solidFill>
+              <a:schemeClr val="bg1">
+                <a:lumMod val="85000"/>
+              </a:schemeClr>
+            </a:solidFill>
+            <a:headEnd type="none" w="med" len="med"/>
+            <a:tailEnd type="arrow" w="med" len="med"/>
+          </a:ln>
+        </p:spPr>
+        <p:style>
+          <a:lnRef idx="1">
+            <a:schemeClr val="accent1"/>
+          </a:lnRef>
+          <a:fillRef idx="0">
+            <a:schemeClr val="accent1"/>
+          </a:fillRef>
+          <a:effectRef idx="0">
+            <a:schemeClr val="accent1"/>
+          </a:effectRef>
+          <a:fontRef idx="minor">
+            <a:schemeClr val="tx1"/>
+          </a:fontRef>
+        </p:style>
+        <p:txBody>
+          <a:bodyPr rtlCol="0" anchor="ctr"/>
+          <a:lstStyle/>
+          <a:p>
+            <a:pPr algn="ctr"/>
+            <a:endParaRPr lang="en-US"/>
+          </a:p>
+        </p:txBody>
+      </p:sp>
+      <p:sp>
+        <p:nvSpPr>
+          <p:cNvPr id="98" name="TextBox 97"/>
+          <p:cNvSpPr txBox="1"/>
+          <p:nvPr/>
+        </p:nvSpPr>
+        <p:spPr>
+          <a:xfrm>
+            <a:off x="4498367" y="2526087"/>
+            <a:ext cx="569387" cy="246221"/>
+          </a:xfrm>
+          <a:prstGeom prst="rect">
+            <a:avLst/>
+          </a:prstGeom>
+          <a:noFill/>
+        </p:spPr>
+        <p:txBody>
+          <a:bodyPr wrap="none" rtlCol="0">
+            <a:spAutoFit/>
+          </a:bodyPr>
+          <a:lstStyle/>
+          <a:p>
+            <a:r>
+              <a:rPr lang="en-US" sz="1000" smtClean="0">
+                <a:solidFill>
+                  <a:schemeClr val="bg1">
+                    <a:lumMod val="75000"/>
+                  </a:schemeClr>
+                </a:solidFill>
+                <a:latin typeface="Courier New" pitchFamily="49" charset="0"/>
+                <a:cs typeface="Courier New" pitchFamily="49" charset="0"/>
+              </a:rPr>
+              <a:t>start</a:t>
+            </a:r>
+            <a:endParaRPr lang="en-US" sz="1000">
+              <a:solidFill>
+                <a:schemeClr val="bg1">
+                  <a:lumMod val="75000"/>
+                </a:schemeClr>
+              </a:solidFill>
+              <a:latin typeface="Courier New" pitchFamily="49" charset="0"/>
+              <a:cs typeface="Courier New" pitchFamily="49" charset="0"/>
+            </a:endParaRPr>
+          </a:p>
+        </p:txBody>
+      </p:sp>
     </p:spTree>
   </p:cSld>
   <p:clrMapOvr>
@@ -15874,6 +17072,1795 @@
           <a:chExt cx="0" cy="0"/>
         </a:xfrm>
       </p:grpSpPr>
+      <p:sp>
+        <p:nvSpPr>
+          <p:cNvPr id="2" name="TextBox 1"/>
+          <p:cNvSpPr txBox="1"/>
+          <p:nvPr/>
+        </p:nvSpPr>
+        <p:spPr>
+          <a:xfrm>
+            <a:off x="215757" y="184898"/>
+            <a:ext cx="1572546" cy="369332"/>
+          </a:xfrm>
+          <a:prstGeom prst="rect">
+            <a:avLst/>
+          </a:prstGeom>
+          <a:noFill/>
+        </p:spPr>
+        <p:txBody>
+          <a:bodyPr wrap="none" rtlCol="0">
+            <a:spAutoFit/>
+          </a:bodyPr>
+          <a:lstStyle/>
+          <a:p>
+            <a:r>
+              <a:rPr lang="en-US" b="1" smtClean="0">
+                <a:solidFill>
+                  <a:schemeClr val="accent6">
+                    <a:lumMod val="75000"/>
+                  </a:schemeClr>
+                </a:solidFill>
+              </a:rPr>
+              <a:t>GuiThrottle.py</a:t>
+            </a:r>
+            <a:endParaRPr lang="en-US" b="1">
+              <a:solidFill>
+                <a:schemeClr val="accent6">
+                  <a:lumMod val="75000"/>
+                </a:schemeClr>
+              </a:solidFill>
+            </a:endParaRPr>
+          </a:p>
+        </p:txBody>
+      </p:sp>
+      <p:sp>
+        <p:nvSpPr>
+          <p:cNvPr id="3" name="TextBox 2"/>
+          <p:cNvSpPr txBox="1"/>
+          <p:nvPr/>
+        </p:nvSpPr>
+        <p:spPr>
+          <a:xfrm>
+            <a:off x="183224" y="2587336"/>
+            <a:ext cx="2569934" cy="3323987"/>
+          </a:xfrm>
+          <a:prstGeom prst="rect">
+            <a:avLst/>
+          </a:prstGeom>
+          <a:noFill/>
+          <a:ln cmpd="sng">
+            <a:solidFill>
+              <a:schemeClr val="tx1"/>
+            </a:solidFill>
+          </a:ln>
+        </p:spPr>
+        <p:txBody>
+          <a:bodyPr wrap="none" rtlCol="0">
+            <a:spAutoFit/>
+          </a:bodyPr>
+          <a:lstStyle/>
+          <a:p>
+            <a:r>
+              <a:rPr lang="en-US" sz="1000" b="1" smtClean="0">
+                <a:solidFill>
+                  <a:srgbClr val="FF0000"/>
+                </a:solidFill>
+                <a:latin typeface="Courier New" pitchFamily="49" charset="0"/>
+                <a:cs typeface="Courier New" pitchFamily="49" charset="0"/>
+              </a:rPr>
+              <a:t>GuiThrottle(EasyFrame)</a:t>
+            </a:r>
+            <a:endParaRPr lang="en-US" sz="1000" b="1" smtClean="0">
+              <a:solidFill>
+                <a:srgbClr val="FF0000"/>
+              </a:solidFill>
+              <a:latin typeface="Courier New" pitchFamily="49" charset="0"/>
+              <a:cs typeface="Courier New" pitchFamily="49" charset="0"/>
+            </a:endParaRPr>
+          </a:p>
+          <a:p>
+            <a:r>
+              <a:rPr lang="en-US" sz="1000" smtClean="0">
+                <a:latin typeface="Courier New" pitchFamily="49" charset="0"/>
+                <a:cs typeface="Courier New" pitchFamily="49" charset="0"/>
+              </a:rPr>
+              <a:t>----------</a:t>
+            </a:r>
+            <a:endParaRPr lang="en-US" sz="1000" smtClean="0">
+              <a:latin typeface="Courier New" pitchFamily="49" charset="0"/>
+              <a:cs typeface="Courier New" pitchFamily="49" charset="0"/>
+            </a:endParaRPr>
+          </a:p>
+          <a:p>
+            <a:r>
+              <a:rPr lang="en-US" sz="1000" smtClean="0">
+                <a:latin typeface="Courier New" pitchFamily="49" charset="0"/>
+                <a:cs typeface="Courier New" pitchFamily="49" charset="0"/>
+              </a:rPr>
+              <a:t>init(nm,inQu,outQu)</a:t>
+            </a:r>
+          </a:p>
+          <a:p>
+            <a:r>
+              <a:rPr lang="en-US" sz="1000" smtClean="0">
+                <a:latin typeface="Courier New" pitchFamily="49" charset="0"/>
+                <a:cs typeface="Courier New" pitchFamily="49" charset="0"/>
+              </a:rPr>
+              <a:t>changeBell</a:t>
+            </a:r>
+          </a:p>
+          <a:p>
+            <a:r>
+              <a:rPr lang="en-US" sz="1000" smtClean="0">
+                <a:latin typeface="Courier New" pitchFamily="49" charset="0"/>
+                <a:cs typeface="Courier New" pitchFamily="49" charset="0"/>
+              </a:rPr>
+              <a:t>changeDirection</a:t>
+            </a:r>
+          </a:p>
+          <a:p>
+            <a:r>
+              <a:rPr lang="en-US" sz="1000" smtClean="0">
+                <a:latin typeface="Courier New" pitchFamily="49" charset="0"/>
+                <a:cs typeface="Courier New" pitchFamily="49" charset="0"/>
+              </a:rPr>
+              <a:t>changeLights</a:t>
+            </a:r>
+          </a:p>
+          <a:p>
+            <a:r>
+              <a:rPr lang="en-US" sz="1000" smtClean="0">
+                <a:latin typeface="Courier New" pitchFamily="49" charset="0"/>
+                <a:cs typeface="Courier New" pitchFamily="49" charset="0"/>
+              </a:rPr>
+              <a:t>changeMute</a:t>
+            </a:r>
+          </a:p>
+          <a:p>
+            <a:r>
+              <a:rPr lang="en-US" sz="1000" smtClean="0">
+                <a:latin typeface="Courier New" pitchFamily="49" charset="0"/>
+                <a:cs typeface="Courier New" pitchFamily="49" charset="0"/>
+              </a:rPr>
+              <a:t>changeSpeed</a:t>
+            </a:r>
+            <a:endParaRPr lang="en-US" sz="1000" smtClean="0">
+              <a:latin typeface="Courier New" pitchFamily="49" charset="0"/>
+              <a:cs typeface="Courier New" pitchFamily="49" charset="0"/>
+            </a:endParaRPr>
+          </a:p>
+          <a:p>
+            <a:r>
+              <a:rPr lang="en-US" sz="1000" smtClean="0">
+                <a:latin typeface="Courier New" pitchFamily="49" charset="0"/>
+                <a:cs typeface="Courier New" pitchFamily="49" charset="0"/>
+              </a:rPr>
+              <a:t>closeNext</a:t>
+            </a:r>
+          </a:p>
+          <a:p>
+            <a:r>
+              <a:rPr lang="en-US" sz="1000" smtClean="0">
+                <a:latin typeface="Courier New" pitchFamily="49" charset="0"/>
+                <a:cs typeface="Courier New" pitchFamily="49" charset="0"/>
+              </a:rPr>
+              <a:t>flipToggle(key)</a:t>
+            </a:r>
+          </a:p>
+          <a:p>
+            <a:r>
+              <a:rPr lang="en-US" sz="1000" smtClean="0">
+                <a:latin typeface="Courier New" pitchFamily="49" charset="0"/>
+                <a:cs typeface="Courier New" pitchFamily="49" charset="0"/>
+              </a:rPr>
+              <a:t>haltTrain</a:t>
+            </a:r>
+            <a:endParaRPr lang="en-US" sz="1000" smtClean="0">
+              <a:latin typeface="Courier New" pitchFamily="49" charset="0"/>
+              <a:cs typeface="Courier New" pitchFamily="49" charset="0"/>
+            </a:endParaRPr>
+          </a:p>
+          <a:p>
+            <a:r>
+              <a:rPr lang="en-US" sz="1000" smtClean="0">
+                <a:latin typeface="Courier New" pitchFamily="49" charset="0"/>
+                <a:cs typeface="Courier New" pitchFamily="49" charset="0"/>
+              </a:rPr>
+              <a:t>initTrain(locoAddress,position)</a:t>
+            </a:r>
+          </a:p>
+          <a:p>
+            <a:r>
+              <a:rPr lang="en-US" sz="1000" smtClean="0">
+                <a:latin typeface="Courier New" pitchFamily="49" charset="0"/>
+                <a:cs typeface="Courier New" pitchFamily="49" charset="0"/>
+              </a:rPr>
+              <a:t>processPutInitOutcomeMsg(msg)</a:t>
+            </a:r>
+          </a:p>
+          <a:p>
+            <a:r>
+              <a:rPr lang="en-US" sz="1000" smtClean="0">
+                <a:latin typeface="Courier New" pitchFamily="49" charset="0"/>
+                <a:cs typeface="Courier New" pitchFamily="49" charset="0"/>
+              </a:rPr>
+              <a:t>startHorn(location)</a:t>
+            </a:r>
+          </a:p>
+          <a:p>
+            <a:r>
+              <a:rPr lang="en-US" sz="1000" smtClean="0">
+                <a:latin typeface="Courier New" pitchFamily="49" charset="0"/>
+                <a:cs typeface="Courier New" pitchFamily="49" charset="0"/>
+              </a:rPr>
+              <a:t>stopHorn</a:t>
+            </a:r>
+          </a:p>
+          <a:p>
+            <a:r>
+              <a:rPr lang="en-US" sz="1000" smtClean="0">
+                <a:latin typeface="Courier New" pitchFamily="49" charset="0"/>
+                <a:cs typeface="Courier New" pitchFamily="49" charset="0"/>
+              </a:rPr>
+              <a:t>throwNext</a:t>
+            </a:r>
+            <a:endParaRPr lang="en-US" sz="1000" smtClean="0">
+              <a:latin typeface="Courier New" pitchFamily="49" charset="0"/>
+              <a:cs typeface="Courier New" pitchFamily="49" charset="0"/>
+            </a:endParaRPr>
+          </a:p>
+          <a:p>
+            <a:r>
+              <a:rPr lang="en-US" sz="1000" smtClean="0">
+                <a:latin typeface="Courier New" pitchFamily="49" charset="0"/>
+                <a:cs typeface="Courier New" pitchFamily="49" charset="0"/>
+              </a:rPr>
+              <a:t>----------</a:t>
+            </a:r>
+          </a:p>
+          <a:p>
+            <a:r>
+              <a:rPr lang="en-US" sz="1000" smtClean="0">
+                <a:latin typeface="Courier New" pitchFamily="49" charset="0"/>
+                <a:cs typeface="Courier New" pitchFamily="49" charset="0"/>
+              </a:rPr>
+              <a:t>inQu</a:t>
+            </a:r>
+          </a:p>
+          <a:p>
+            <a:r>
+              <a:rPr lang="en-US" sz="1000" smtClean="0">
+                <a:latin typeface="Courier New" pitchFamily="49" charset="0"/>
+                <a:cs typeface="Courier New" pitchFamily="49" charset="0"/>
+              </a:rPr>
+              <a:t>outQue</a:t>
+            </a:r>
+          </a:p>
+          <a:p>
+            <a:r>
+              <a:rPr lang="en-US" sz="1000" smtClean="0">
+                <a:latin typeface="Courier New" pitchFamily="49" charset="0"/>
+                <a:cs typeface="Courier New" pitchFamily="49" charset="0"/>
+              </a:rPr>
+              <a:t>throttle</a:t>
+            </a:r>
+          </a:p>
+          <a:p>
+            <a:r>
+              <a:rPr lang="en-US" sz="1000" smtClean="0">
+                <a:latin typeface="Courier New" pitchFamily="49" charset="0"/>
+                <a:cs typeface="Courier New" pitchFamily="49" charset="0"/>
+              </a:rPr>
+              <a:t>toggles</a:t>
+            </a:r>
+            <a:endParaRPr lang="en-US" sz="1000" smtClean="0">
+              <a:latin typeface="Courier New" pitchFamily="49" charset="0"/>
+              <a:cs typeface="Courier New" pitchFamily="49" charset="0"/>
+            </a:endParaRPr>
+          </a:p>
+        </p:txBody>
+      </p:sp>
+      <p:sp>
+        <p:nvSpPr>
+          <p:cNvPr id="5" name="TextBox 4"/>
+          <p:cNvSpPr txBox="1"/>
+          <p:nvPr/>
+        </p:nvSpPr>
+        <p:spPr>
+          <a:xfrm>
+            <a:off x="202059" y="1075323"/>
+            <a:ext cx="2262158" cy="1323439"/>
+          </a:xfrm>
+          <a:prstGeom prst="rect">
+            <a:avLst/>
+          </a:prstGeom>
+          <a:noFill/>
+          <a:ln cmpd="sng">
+            <a:solidFill>
+              <a:schemeClr val="tx1"/>
+            </a:solidFill>
+          </a:ln>
+        </p:spPr>
+        <p:txBody>
+          <a:bodyPr wrap="none" rtlCol="0">
+            <a:spAutoFit/>
+          </a:bodyPr>
+          <a:lstStyle/>
+          <a:p>
+            <a:r>
+              <a:rPr lang="en-US" sz="1000" b="1" smtClean="0">
+                <a:solidFill>
+                  <a:srgbClr val="FF0000"/>
+                </a:solidFill>
+                <a:latin typeface="Courier New" pitchFamily="49" charset="0"/>
+                <a:cs typeface="Courier New" pitchFamily="49" charset="0"/>
+              </a:rPr>
+              <a:t>GuiThrottleProcess(Process)</a:t>
+            </a:r>
+            <a:endParaRPr lang="en-US" sz="1000" b="1" smtClean="0">
+              <a:solidFill>
+                <a:srgbClr val="FF0000"/>
+              </a:solidFill>
+              <a:latin typeface="Courier New" pitchFamily="49" charset="0"/>
+              <a:cs typeface="Courier New" pitchFamily="49" charset="0"/>
+            </a:endParaRPr>
+          </a:p>
+          <a:p>
+            <a:r>
+              <a:rPr lang="en-US" sz="1000" smtClean="0">
+                <a:latin typeface="Courier New" pitchFamily="49" charset="0"/>
+                <a:cs typeface="Courier New" pitchFamily="49" charset="0"/>
+              </a:rPr>
+              <a:t>----------</a:t>
+            </a:r>
+            <a:endParaRPr lang="en-US" sz="1000" smtClean="0">
+              <a:latin typeface="Courier New" pitchFamily="49" charset="0"/>
+              <a:cs typeface="Courier New" pitchFamily="49" charset="0"/>
+            </a:endParaRPr>
+          </a:p>
+          <a:p>
+            <a:r>
+              <a:rPr lang="en-US" sz="1000" smtClean="0">
+                <a:latin typeface="Courier New" pitchFamily="49" charset="0"/>
+                <a:cs typeface="Courier New" pitchFamily="49" charset="0"/>
+              </a:rPr>
+              <a:t>init(nm,inQu,outQu)</a:t>
+            </a:r>
+          </a:p>
+          <a:p>
+            <a:r>
+              <a:rPr lang="en-US" sz="1000" smtClean="0">
+                <a:latin typeface="Courier New" pitchFamily="49" charset="0"/>
+                <a:cs typeface="Courier New" pitchFamily="49" charset="0"/>
+              </a:rPr>
+              <a:t>run</a:t>
+            </a:r>
+            <a:endParaRPr lang="en-US" sz="1000" smtClean="0">
+              <a:latin typeface="Courier New" pitchFamily="49" charset="0"/>
+              <a:cs typeface="Courier New" pitchFamily="49" charset="0"/>
+            </a:endParaRPr>
+          </a:p>
+          <a:p>
+            <a:r>
+              <a:rPr lang="en-US" sz="1000" smtClean="0">
+                <a:latin typeface="Courier New" pitchFamily="49" charset="0"/>
+                <a:cs typeface="Courier New" pitchFamily="49" charset="0"/>
+              </a:rPr>
+              <a:t>----------</a:t>
+            </a:r>
+          </a:p>
+          <a:p>
+            <a:r>
+              <a:rPr lang="en-US" sz="1000" smtClean="0">
+                <a:latin typeface="Courier New" pitchFamily="49" charset="0"/>
+                <a:cs typeface="Courier New" pitchFamily="49" charset="0"/>
+              </a:rPr>
+              <a:t>inQu</a:t>
+            </a:r>
+          </a:p>
+          <a:p>
+            <a:r>
+              <a:rPr lang="en-US" sz="1000" smtClean="0">
+                <a:latin typeface="Courier New" pitchFamily="49" charset="0"/>
+                <a:cs typeface="Courier New" pitchFamily="49" charset="0"/>
+              </a:rPr>
+              <a:t>nm</a:t>
+            </a:r>
+          </a:p>
+          <a:p>
+            <a:r>
+              <a:rPr lang="en-US" sz="1000" smtClean="0">
+                <a:latin typeface="Courier New" pitchFamily="49" charset="0"/>
+                <a:cs typeface="Courier New" pitchFamily="49" charset="0"/>
+              </a:rPr>
+              <a:t>outQu</a:t>
+            </a:r>
+            <a:endParaRPr lang="en-US" sz="1000" smtClean="0">
+              <a:latin typeface="Courier New" pitchFamily="49" charset="0"/>
+              <a:cs typeface="Courier New" pitchFamily="49" charset="0"/>
+            </a:endParaRPr>
+          </a:p>
+        </p:txBody>
+      </p:sp>
+      <p:sp>
+        <p:nvSpPr>
+          <p:cNvPr id="6" name="TextBox 5"/>
+          <p:cNvSpPr txBox="1"/>
+          <p:nvPr/>
+        </p:nvSpPr>
+        <p:spPr>
+          <a:xfrm>
+            <a:off x="5619965" y="236305"/>
+            <a:ext cx="2066207" cy="369332"/>
+          </a:xfrm>
+          <a:prstGeom prst="rect">
+            <a:avLst/>
+          </a:prstGeom>
+          <a:noFill/>
+        </p:spPr>
+        <p:txBody>
+          <a:bodyPr wrap="none" rtlCol="0">
+            <a:spAutoFit/>
+          </a:bodyPr>
+          <a:lstStyle/>
+          <a:p>
+            <a:r>
+              <a:rPr lang="en-US" b="1" smtClean="0">
+                <a:solidFill>
+                  <a:schemeClr val="accent6">
+                    <a:lumMod val="75000"/>
+                  </a:schemeClr>
+                </a:solidFill>
+              </a:rPr>
+              <a:t>GuiThrottle_Test.py</a:t>
+            </a:r>
+            <a:endParaRPr lang="en-US" b="1">
+              <a:solidFill>
+                <a:schemeClr val="accent6">
+                  <a:lumMod val="75000"/>
+                </a:schemeClr>
+              </a:solidFill>
+            </a:endParaRPr>
+          </a:p>
+        </p:txBody>
+      </p:sp>
+      <p:sp>
+        <p:nvSpPr>
+          <p:cNvPr id="35" name="TextBox 34"/>
+          <p:cNvSpPr txBox="1"/>
+          <p:nvPr/>
+        </p:nvSpPr>
+        <p:spPr>
+          <a:xfrm>
+            <a:off x="6167919" y="1031201"/>
+            <a:ext cx="492443" cy="246221"/>
+          </a:xfrm>
+          <a:prstGeom prst="rect">
+            <a:avLst/>
+          </a:prstGeom>
+          <a:ln/>
+        </p:spPr>
+        <p:style>
+          <a:lnRef idx="1">
+            <a:schemeClr val="accent1"/>
+          </a:lnRef>
+          <a:fillRef idx="3">
+            <a:schemeClr val="accent1"/>
+          </a:fillRef>
+          <a:effectRef idx="2">
+            <a:schemeClr val="accent1"/>
+          </a:effectRef>
+          <a:fontRef idx="minor">
+            <a:schemeClr val="lt1"/>
+          </a:fontRef>
+        </p:style>
+        <p:txBody>
+          <a:bodyPr wrap="none" rtlCol="0">
+            <a:spAutoFit/>
+          </a:bodyPr>
+          <a:lstStyle/>
+          <a:p>
+            <a:r>
+              <a:rPr lang="en-US" sz="1000" smtClean="0">
+                <a:latin typeface="Courier New" pitchFamily="49" charset="0"/>
+                <a:cs typeface="Courier New" pitchFamily="49" charset="0"/>
+              </a:rPr>
+              <a:t>main</a:t>
+            </a:r>
+          </a:p>
+        </p:txBody>
+      </p:sp>
+      <p:sp>
+        <p:nvSpPr>
+          <p:cNvPr id="36" name="TextBox 35"/>
+          <p:cNvSpPr txBox="1"/>
+          <p:nvPr/>
+        </p:nvSpPr>
+        <p:spPr>
+          <a:xfrm>
+            <a:off x="7219309" y="911336"/>
+            <a:ext cx="415498" cy="246221"/>
+          </a:xfrm>
+          <a:prstGeom prst="rect">
+            <a:avLst/>
+          </a:prstGeom>
+          <a:ln/>
+        </p:spPr>
+        <p:style>
+          <a:lnRef idx="2">
+            <a:schemeClr val="accent3">
+              <a:shade val="50000"/>
+            </a:schemeClr>
+          </a:lnRef>
+          <a:fillRef idx="1">
+            <a:schemeClr val="accent3"/>
+          </a:fillRef>
+          <a:effectRef idx="0">
+            <a:schemeClr val="accent3"/>
+          </a:effectRef>
+          <a:fontRef idx="minor">
+            <a:schemeClr val="lt1"/>
+          </a:fontRef>
+        </p:style>
+        <p:txBody>
+          <a:bodyPr wrap="none" rtlCol="0">
+            <a:spAutoFit/>
+          </a:bodyPr>
+          <a:lstStyle/>
+          <a:p>
+            <a:r>
+              <a:rPr lang="en-US" sz="1000" smtClean="0">
+                <a:latin typeface="Courier New" pitchFamily="49" charset="0"/>
+                <a:cs typeface="Courier New" pitchFamily="49" charset="0"/>
+              </a:rPr>
+              <a:t>l</a:t>
+            </a:r>
+            <a:r>
+              <a:rPr lang="en-US" sz="1000" smtClean="0">
+                <a:latin typeface="Courier New" pitchFamily="49" charset="0"/>
+                <a:cs typeface="Courier New" pitchFamily="49" charset="0"/>
+              </a:rPr>
+              <a:t>og</a:t>
+            </a:r>
+            <a:endParaRPr lang="en-US" sz="1000" smtClean="0">
+              <a:latin typeface="Courier New" pitchFamily="49" charset="0"/>
+              <a:cs typeface="Courier New" pitchFamily="49" charset="0"/>
+            </a:endParaRPr>
+          </a:p>
+        </p:txBody>
+      </p:sp>
+      <p:sp>
+        <p:nvSpPr>
+          <p:cNvPr id="37" name="TextBox 36"/>
+          <p:cNvSpPr txBox="1"/>
+          <p:nvPr/>
+        </p:nvSpPr>
+        <p:spPr>
+          <a:xfrm>
+            <a:off x="6967599" y="5354899"/>
+            <a:ext cx="877163" cy="246221"/>
+          </a:xfrm>
+          <a:prstGeom prst="rect">
+            <a:avLst/>
+          </a:prstGeom>
+          <a:ln/>
+        </p:spPr>
+        <p:style>
+          <a:lnRef idx="1">
+            <a:schemeClr val="accent1"/>
+          </a:lnRef>
+          <a:fillRef idx="3">
+            <a:schemeClr val="accent1"/>
+          </a:fillRef>
+          <a:effectRef idx="2">
+            <a:schemeClr val="accent1"/>
+          </a:effectRef>
+          <a:fontRef idx="minor">
+            <a:schemeClr val="lt1"/>
+          </a:fontRef>
+        </p:style>
+        <p:txBody>
+          <a:bodyPr wrap="none" rtlCol="0">
+            <a:spAutoFit/>
+          </a:bodyPr>
+          <a:lstStyle/>
+          <a:p>
+            <a:r>
+              <a:rPr lang="en-US" sz="1000" smtClean="0">
+                <a:latin typeface="Courier New" pitchFamily="49" charset="0"/>
+                <a:cs typeface="Courier New" pitchFamily="49" charset="0"/>
+              </a:rPr>
+              <a:t>simulator</a:t>
+            </a:r>
+            <a:endParaRPr lang="en-US" sz="1000" smtClean="0">
+              <a:latin typeface="Courier New" pitchFamily="49" charset="0"/>
+              <a:cs typeface="Courier New" pitchFamily="49" charset="0"/>
+            </a:endParaRPr>
+          </a:p>
+        </p:txBody>
+      </p:sp>
+      <p:sp>
+        <p:nvSpPr>
+          <p:cNvPr id="38" name="TextBox 37"/>
+          <p:cNvSpPr txBox="1"/>
+          <p:nvPr/>
+        </p:nvSpPr>
+        <p:spPr>
+          <a:xfrm>
+            <a:off x="7303216" y="1344559"/>
+            <a:ext cx="1646605" cy="1015663"/>
+          </a:xfrm>
+          <a:prstGeom prst="rect">
+            <a:avLst/>
+          </a:prstGeom>
+          <a:noFill/>
+        </p:spPr>
+        <p:txBody>
+          <a:bodyPr wrap="none" rtlCol="0">
+            <a:spAutoFit/>
+          </a:bodyPr>
+          <a:lstStyle/>
+          <a:p>
+            <a:r>
+              <a:rPr lang="en-US" sz="1000" b="1" smtClean="0">
+                <a:solidFill>
+                  <a:schemeClr val="accent6">
+                    <a:lumMod val="75000"/>
+                  </a:schemeClr>
+                </a:solidFill>
+                <a:latin typeface="Courier New" pitchFamily="49" charset="0"/>
+                <a:cs typeface="Courier New" pitchFamily="49" charset="0"/>
+              </a:rPr>
+              <a:t>main creates/starts</a:t>
+            </a:r>
+          </a:p>
+          <a:p>
+            <a:r>
+              <a:rPr lang="en-US" sz="1000" b="1" smtClean="0">
+                <a:solidFill>
+                  <a:schemeClr val="accent6">
+                    <a:lumMod val="75000"/>
+                  </a:schemeClr>
+                </a:solidFill>
+                <a:latin typeface="Courier New" pitchFamily="49" charset="0"/>
+                <a:cs typeface="Courier New" pitchFamily="49" charset="0"/>
+              </a:rPr>
+              <a:t> </a:t>
+            </a:r>
+            <a:r>
+              <a:rPr lang="en-US" sz="1000" b="1" smtClean="0">
+                <a:solidFill>
+                  <a:schemeClr val="accent6">
+                    <a:lumMod val="75000"/>
+                  </a:schemeClr>
+                </a:solidFill>
+                <a:latin typeface="Courier New" pitchFamily="49" charset="0"/>
+                <a:cs typeface="Courier New" pitchFamily="49" charset="0"/>
+              </a:rPr>
+              <a:t> msgSocket</a:t>
+            </a:r>
+          </a:p>
+          <a:p>
+            <a:r>
+              <a:rPr lang="en-US" sz="1000" b="1" smtClean="0">
+                <a:solidFill>
+                  <a:schemeClr val="accent6">
+                    <a:lumMod val="75000"/>
+                  </a:schemeClr>
+                </a:solidFill>
+                <a:latin typeface="Courier New" pitchFamily="49" charset="0"/>
+                <a:cs typeface="Courier New" pitchFamily="49" charset="0"/>
+              </a:rPr>
+              <a:t> </a:t>
+            </a:r>
+            <a:r>
+              <a:rPr lang="en-US" sz="1000" b="1" smtClean="0">
+                <a:solidFill>
+                  <a:schemeClr val="accent6">
+                    <a:lumMod val="75000"/>
+                  </a:schemeClr>
+                </a:solidFill>
+                <a:latin typeface="Courier New" pitchFamily="49" charset="0"/>
+                <a:cs typeface="Courier New" pitchFamily="49" charset="0"/>
+              </a:rPr>
+              <a:t> outQu, inQu</a:t>
+            </a:r>
+          </a:p>
+          <a:p>
+            <a:r>
+              <a:rPr lang="en-US" sz="1000" b="1" smtClean="0">
+                <a:solidFill>
+                  <a:schemeClr val="accent6">
+                    <a:lumMod val="75000"/>
+                  </a:schemeClr>
+                </a:solidFill>
+                <a:latin typeface="Courier New" pitchFamily="49" charset="0"/>
+                <a:cs typeface="Courier New" pitchFamily="49" charset="0"/>
+              </a:rPr>
+              <a:t> </a:t>
+            </a:r>
+            <a:r>
+              <a:rPr lang="en-US" sz="1000" b="1" smtClean="0">
+                <a:solidFill>
+                  <a:schemeClr val="accent6">
+                    <a:lumMod val="75000"/>
+                  </a:schemeClr>
+                </a:solidFill>
+                <a:latin typeface="Courier New" pitchFamily="49" charset="0"/>
+                <a:cs typeface="Courier New" pitchFamily="49" charset="0"/>
+              </a:rPr>
+              <a:t> pumps</a:t>
+            </a:r>
+          </a:p>
+          <a:p>
+            <a:r>
+              <a:rPr lang="en-US" sz="1000" b="1" smtClean="0">
+                <a:solidFill>
+                  <a:schemeClr val="accent6">
+                    <a:lumMod val="75000"/>
+                  </a:schemeClr>
+                </a:solidFill>
+                <a:latin typeface="Courier New" pitchFamily="49" charset="0"/>
+                <a:cs typeface="Courier New" pitchFamily="49" charset="0"/>
+              </a:rPr>
+              <a:t> </a:t>
+            </a:r>
+            <a:r>
+              <a:rPr lang="en-US" sz="1000" b="1" smtClean="0">
+                <a:solidFill>
+                  <a:schemeClr val="accent6">
+                    <a:lumMod val="75000"/>
+                  </a:schemeClr>
+                </a:solidFill>
+                <a:latin typeface="Courier New" pitchFamily="49" charset="0"/>
+                <a:cs typeface="Courier New" pitchFamily="49" charset="0"/>
+              </a:rPr>
+              <a:t> controller</a:t>
+            </a:r>
+          </a:p>
+          <a:p>
+            <a:r>
+              <a:rPr lang="en-US" sz="1000" b="1" smtClean="0">
+                <a:solidFill>
+                  <a:schemeClr val="accent6">
+                    <a:lumMod val="75000"/>
+                  </a:schemeClr>
+                </a:solidFill>
+                <a:latin typeface="Courier New" pitchFamily="49" charset="0"/>
+                <a:cs typeface="Courier New" pitchFamily="49" charset="0"/>
+              </a:rPr>
+              <a:t> </a:t>
+            </a:r>
+            <a:r>
+              <a:rPr lang="en-US" sz="1000" b="1" smtClean="0">
+                <a:solidFill>
+                  <a:schemeClr val="accent6">
+                    <a:lumMod val="75000"/>
+                  </a:schemeClr>
+                </a:solidFill>
+                <a:latin typeface="Courier New" pitchFamily="49" charset="0"/>
+                <a:cs typeface="Courier New" pitchFamily="49" charset="0"/>
+              </a:rPr>
+              <a:t> simulator</a:t>
+            </a:r>
+            <a:endParaRPr lang="en-US" sz="1000" b="1">
+              <a:solidFill>
+                <a:schemeClr val="accent6">
+                  <a:lumMod val="75000"/>
+                </a:schemeClr>
+              </a:solidFill>
+              <a:latin typeface="Courier New" pitchFamily="49" charset="0"/>
+              <a:cs typeface="Courier New" pitchFamily="49" charset="0"/>
+            </a:endParaRPr>
+          </a:p>
+        </p:txBody>
+      </p:sp>
+      <p:sp>
+        <p:nvSpPr>
+          <p:cNvPr id="39" name="TextBox 38"/>
+          <p:cNvSpPr txBox="1"/>
+          <p:nvPr/>
+        </p:nvSpPr>
+        <p:spPr>
+          <a:xfrm>
+            <a:off x="6801495" y="2815472"/>
+            <a:ext cx="492443" cy="246221"/>
+          </a:xfrm>
+          <a:prstGeom prst="rect">
+            <a:avLst/>
+          </a:prstGeom>
+          <a:ln/>
+        </p:spPr>
+        <p:style>
+          <a:lnRef idx="1">
+            <a:schemeClr val="accent3"/>
+          </a:lnRef>
+          <a:fillRef idx="2">
+            <a:schemeClr val="accent3"/>
+          </a:fillRef>
+          <a:effectRef idx="1">
+            <a:schemeClr val="accent3"/>
+          </a:effectRef>
+          <a:fontRef idx="minor">
+            <a:schemeClr val="dk1"/>
+          </a:fontRef>
+        </p:style>
+        <p:txBody>
+          <a:bodyPr wrap="none" rtlCol="0">
+            <a:spAutoFit/>
+          </a:bodyPr>
+          <a:lstStyle/>
+          <a:p>
+            <a:r>
+              <a:rPr lang="en-US" sz="1000" smtClean="0">
+                <a:latin typeface="Courier New" pitchFamily="49" charset="0"/>
+                <a:cs typeface="Courier New" pitchFamily="49" charset="0"/>
+              </a:rPr>
+              <a:t>inQu</a:t>
+            </a:r>
+            <a:endParaRPr lang="en-US" sz="1000" smtClean="0">
+              <a:latin typeface="Courier New" pitchFamily="49" charset="0"/>
+              <a:cs typeface="Courier New" pitchFamily="49" charset="0"/>
+            </a:endParaRPr>
+          </a:p>
+        </p:txBody>
+      </p:sp>
+      <p:sp>
+        <p:nvSpPr>
+          <p:cNvPr id="40" name="TextBox 39"/>
+          <p:cNvSpPr txBox="1"/>
+          <p:nvPr/>
+        </p:nvSpPr>
+        <p:spPr>
+          <a:xfrm>
+            <a:off x="5138791" y="3762408"/>
+            <a:ext cx="1107996" cy="246221"/>
+          </a:xfrm>
+          <a:prstGeom prst="rect">
+            <a:avLst/>
+          </a:prstGeom>
+          <a:solidFill>
+            <a:schemeClr val="tx2">
+              <a:lumMod val="20000"/>
+              <a:lumOff val="80000"/>
+            </a:schemeClr>
+          </a:solidFill>
+          <a:ln cmpd="sng">
+            <a:solidFill>
+              <a:schemeClr val="tx1"/>
+            </a:solidFill>
+          </a:ln>
+        </p:spPr>
+        <p:txBody>
+          <a:bodyPr wrap="none" rtlCol="0">
+            <a:spAutoFit/>
+          </a:bodyPr>
+          <a:lstStyle/>
+          <a:p>
+            <a:r>
+              <a:rPr lang="en-US" sz="1000" smtClean="0">
+                <a:latin typeface="Courier New" pitchFamily="49" charset="0"/>
+                <a:cs typeface="Courier New" pitchFamily="49" charset="0"/>
+              </a:rPr>
+              <a:t>m</a:t>
+            </a:r>
+            <a:r>
+              <a:rPr lang="en-US" sz="1000" smtClean="0">
+                <a:latin typeface="Courier New" pitchFamily="49" charset="0"/>
+                <a:cs typeface="Courier New" pitchFamily="49" charset="0"/>
+              </a:rPr>
+              <a:t>sgOutQuPump</a:t>
+            </a:r>
+            <a:endParaRPr lang="en-US" sz="1000" smtClean="0">
+              <a:latin typeface="Courier New" pitchFamily="49" charset="0"/>
+              <a:cs typeface="Courier New" pitchFamily="49" charset="0"/>
+            </a:endParaRPr>
+          </a:p>
+        </p:txBody>
+      </p:sp>
+      <p:sp>
+        <p:nvSpPr>
+          <p:cNvPr id="41" name="TextBox 40"/>
+          <p:cNvSpPr txBox="1"/>
+          <p:nvPr/>
+        </p:nvSpPr>
+        <p:spPr>
+          <a:xfrm>
+            <a:off x="6681625" y="2500401"/>
+            <a:ext cx="415498" cy="246221"/>
+          </a:xfrm>
+          <a:prstGeom prst="rect">
+            <a:avLst/>
+          </a:prstGeom>
+          <a:noFill/>
+        </p:spPr>
+        <p:txBody>
+          <a:bodyPr wrap="none" rtlCol="0">
+            <a:spAutoFit/>
+          </a:bodyPr>
+          <a:lstStyle/>
+          <a:p>
+            <a:r>
+              <a:rPr lang="en-US" sz="1000" smtClean="0">
+                <a:latin typeface="Courier New" pitchFamily="49" charset="0"/>
+                <a:cs typeface="Courier New" pitchFamily="49" charset="0"/>
+              </a:rPr>
+              <a:t>get</a:t>
+            </a:r>
+            <a:endParaRPr lang="en-US" sz="1000">
+              <a:latin typeface="Courier New" pitchFamily="49" charset="0"/>
+              <a:cs typeface="Courier New" pitchFamily="49" charset="0"/>
+            </a:endParaRPr>
+          </a:p>
+        </p:txBody>
+      </p:sp>
+      <p:sp>
+        <p:nvSpPr>
+          <p:cNvPr id="42" name="TextBox 41"/>
+          <p:cNvSpPr txBox="1"/>
+          <p:nvPr/>
+        </p:nvSpPr>
+        <p:spPr>
+          <a:xfrm>
+            <a:off x="6616556" y="3750422"/>
+            <a:ext cx="1031051" cy="246221"/>
+          </a:xfrm>
+          <a:prstGeom prst="rect">
+            <a:avLst/>
+          </a:prstGeom>
+          <a:solidFill>
+            <a:schemeClr val="tx2">
+              <a:lumMod val="20000"/>
+              <a:lumOff val="80000"/>
+            </a:schemeClr>
+          </a:solidFill>
+          <a:ln cmpd="sng">
+            <a:solidFill>
+              <a:schemeClr val="tx1"/>
+            </a:solidFill>
+          </a:ln>
+        </p:spPr>
+        <p:txBody>
+          <a:bodyPr wrap="none" rtlCol="0">
+            <a:spAutoFit/>
+          </a:bodyPr>
+          <a:lstStyle/>
+          <a:p>
+            <a:r>
+              <a:rPr lang="en-US" sz="1000" smtClean="0">
+                <a:latin typeface="Courier New" pitchFamily="49" charset="0"/>
+                <a:cs typeface="Courier New" pitchFamily="49" charset="0"/>
+              </a:rPr>
+              <a:t>m</a:t>
+            </a:r>
+            <a:r>
+              <a:rPr lang="en-US" sz="1000" smtClean="0">
+                <a:latin typeface="Courier New" pitchFamily="49" charset="0"/>
+                <a:cs typeface="Courier New" pitchFamily="49" charset="0"/>
+              </a:rPr>
+              <a:t>sgInQuPump</a:t>
+            </a:r>
+            <a:endParaRPr lang="en-US" sz="1000" smtClean="0">
+              <a:latin typeface="Courier New" pitchFamily="49" charset="0"/>
+              <a:cs typeface="Courier New" pitchFamily="49" charset="0"/>
+            </a:endParaRPr>
+          </a:p>
+        </p:txBody>
+      </p:sp>
+      <p:sp>
+        <p:nvSpPr>
+          <p:cNvPr id="43" name="TextBox 42"/>
+          <p:cNvSpPr txBox="1"/>
+          <p:nvPr/>
+        </p:nvSpPr>
+        <p:spPr>
+          <a:xfrm>
+            <a:off x="5402497" y="2813757"/>
+            <a:ext cx="569387" cy="246221"/>
+          </a:xfrm>
+          <a:prstGeom prst="rect">
+            <a:avLst/>
+          </a:prstGeom>
+          <a:ln/>
+        </p:spPr>
+        <p:style>
+          <a:lnRef idx="1">
+            <a:schemeClr val="accent3"/>
+          </a:lnRef>
+          <a:fillRef idx="2">
+            <a:schemeClr val="accent3"/>
+          </a:fillRef>
+          <a:effectRef idx="1">
+            <a:schemeClr val="accent3"/>
+          </a:effectRef>
+          <a:fontRef idx="minor">
+            <a:schemeClr val="dk1"/>
+          </a:fontRef>
+        </p:style>
+        <p:txBody>
+          <a:bodyPr wrap="none" rtlCol="0">
+            <a:spAutoFit/>
+          </a:bodyPr>
+          <a:lstStyle/>
+          <a:p>
+            <a:r>
+              <a:rPr lang="en-US" sz="1000" smtClean="0">
+                <a:latin typeface="Courier New" pitchFamily="49" charset="0"/>
+                <a:cs typeface="Courier New" pitchFamily="49" charset="0"/>
+              </a:rPr>
+              <a:t>outQu</a:t>
+            </a:r>
+            <a:endParaRPr lang="en-US" sz="1000" smtClean="0">
+              <a:latin typeface="Courier New" pitchFamily="49" charset="0"/>
+              <a:cs typeface="Courier New" pitchFamily="49" charset="0"/>
+            </a:endParaRPr>
+          </a:p>
+        </p:txBody>
+      </p:sp>
+      <p:sp>
+        <p:nvSpPr>
+          <p:cNvPr id="44" name="TextBox 43"/>
+          <p:cNvSpPr txBox="1"/>
+          <p:nvPr/>
+        </p:nvSpPr>
+        <p:spPr>
+          <a:xfrm>
+            <a:off x="6227851" y="1378808"/>
+            <a:ext cx="954107" cy="707886"/>
+          </a:xfrm>
+          <a:prstGeom prst="rect">
+            <a:avLst/>
+          </a:prstGeom>
+          <a:noFill/>
+        </p:spPr>
+        <p:txBody>
+          <a:bodyPr wrap="none" rtlCol="0">
+            <a:spAutoFit/>
+          </a:bodyPr>
+          <a:lstStyle/>
+          <a:p>
+            <a:r>
+              <a:rPr lang="en-US" sz="1000" smtClean="0">
+                <a:latin typeface="Courier New" pitchFamily="49" charset="0"/>
+                <a:cs typeface="Courier New" pitchFamily="49" charset="0"/>
+              </a:rPr>
+              <a:t>create</a:t>
+            </a:r>
+          </a:p>
+          <a:p>
+            <a:r>
+              <a:rPr lang="en-US" sz="1000" smtClean="0">
+                <a:latin typeface="Courier New" pitchFamily="49" charset="0"/>
+                <a:cs typeface="Courier New" pitchFamily="49" charset="0"/>
+              </a:rPr>
+              <a:t>readLayout</a:t>
+            </a:r>
+          </a:p>
+          <a:p>
+            <a:r>
+              <a:rPr lang="en-US" sz="1000" smtClean="0">
+                <a:latin typeface="Courier New" pitchFamily="49" charset="0"/>
+                <a:cs typeface="Courier New" pitchFamily="49" charset="0"/>
+              </a:rPr>
+              <a:t>initTrain</a:t>
+            </a:r>
+          </a:p>
+          <a:p>
+            <a:r>
+              <a:rPr lang="en-US" sz="1000" smtClean="0">
+                <a:latin typeface="Courier New" pitchFamily="49" charset="0"/>
+                <a:cs typeface="Courier New" pitchFamily="49" charset="0"/>
+              </a:rPr>
+              <a:t>. . . </a:t>
+            </a:r>
+            <a:endParaRPr lang="en-US" sz="1000">
+              <a:latin typeface="Courier New" pitchFamily="49" charset="0"/>
+              <a:cs typeface="Courier New" pitchFamily="49" charset="0"/>
+            </a:endParaRPr>
+          </a:p>
+        </p:txBody>
+      </p:sp>
+      <p:sp>
+        <p:nvSpPr>
+          <p:cNvPr id="45" name="TextBox 44"/>
+          <p:cNvSpPr txBox="1"/>
+          <p:nvPr/>
+        </p:nvSpPr>
+        <p:spPr>
+          <a:xfrm>
+            <a:off x="5291195" y="5373729"/>
+            <a:ext cx="954107" cy="246221"/>
+          </a:xfrm>
+          <a:prstGeom prst="rect">
+            <a:avLst/>
+          </a:prstGeom>
+          <a:ln/>
+        </p:spPr>
+        <p:style>
+          <a:lnRef idx="1">
+            <a:schemeClr val="accent1"/>
+          </a:lnRef>
+          <a:fillRef idx="3">
+            <a:schemeClr val="accent1"/>
+          </a:fillRef>
+          <a:effectRef idx="2">
+            <a:schemeClr val="accent1"/>
+          </a:effectRef>
+          <a:fontRef idx="minor">
+            <a:schemeClr val="lt1"/>
+          </a:fontRef>
+        </p:style>
+        <p:txBody>
+          <a:bodyPr wrap="none" rtlCol="0">
+            <a:spAutoFit/>
+          </a:bodyPr>
+          <a:lstStyle/>
+          <a:p>
+            <a:r>
+              <a:rPr lang="en-US" sz="1000" smtClean="0">
+                <a:latin typeface="Courier New" pitchFamily="49" charset="0"/>
+                <a:cs typeface="Courier New" pitchFamily="49" charset="0"/>
+              </a:rPr>
+              <a:t>controller</a:t>
+            </a:r>
+            <a:endParaRPr lang="en-US" sz="1000" smtClean="0">
+              <a:latin typeface="Courier New" pitchFamily="49" charset="0"/>
+              <a:cs typeface="Courier New" pitchFamily="49" charset="0"/>
+            </a:endParaRPr>
+          </a:p>
+        </p:txBody>
+      </p:sp>
+      <p:sp>
+        <p:nvSpPr>
+          <p:cNvPr id="46" name="TextBox 45"/>
+          <p:cNvSpPr txBox="1"/>
+          <p:nvPr/>
+        </p:nvSpPr>
+        <p:spPr>
+          <a:xfrm>
+            <a:off x="6006958" y="2236698"/>
+            <a:ext cx="800219" cy="246221"/>
+          </a:xfrm>
+          <a:prstGeom prst="rect">
+            <a:avLst/>
+          </a:prstGeom>
+          <a:ln/>
+        </p:spPr>
+        <p:style>
+          <a:lnRef idx="1">
+            <a:schemeClr val="accent3"/>
+          </a:lnRef>
+          <a:fillRef idx="2">
+            <a:schemeClr val="accent3"/>
+          </a:fillRef>
+          <a:effectRef idx="1">
+            <a:schemeClr val="accent3"/>
+          </a:effectRef>
+          <a:fontRef idx="minor">
+            <a:schemeClr val="dk1"/>
+          </a:fontRef>
+        </p:style>
+        <p:txBody>
+          <a:bodyPr wrap="none" rtlCol="0">
+            <a:spAutoFit/>
+          </a:bodyPr>
+          <a:lstStyle/>
+          <a:p>
+            <a:r>
+              <a:rPr lang="en-US" sz="1000" smtClean="0">
+                <a:latin typeface="Courier New" pitchFamily="49" charset="0"/>
+                <a:cs typeface="Courier New" pitchFamily="49" charset="0"/>
+              </a:rPr>
+              <a:t>throttle</a:t>
+            </a:r>
+            <a:endParaRPr lang="en-US" sz="1000" smtClean="0">
+              <a:latin typeface="Courier New" pitchFamily="49" charset="0"/>
+              <a:cs typeface="Courier New" pitchFamily="49" charset="0"/>
+            </a:endParaRPr>
+          </a:p>
+        </p:txBody>
+      </p:sp>
+      <p:sp>
+        <p:nvSpPr>
+          <p:cNvPr id="47" name="TextBox 46"/>
+          <p:cNvSpPr txBox="1"/>
+          <p:nvPr/>
+        </p:nvSpPr>
+        <p:spPr>
+          <a:xfrm>
+            <a:off x="5964150" y="4680229"/>
+            <a:ext cx="877163" cy="246221"/>
+          </a:xfrm>
+          <a:prstGeom prst="rect">
+            <a:avLst/>
+          </a:prstGeom>
+          <a:ln/>
+        </p:spPr>
+        <p:style>
+          <a:lnRef idx="1">
+            <a:schemeClr val="accent3"/>
+          </a:lnRef>
+          <a:fillRef idx="2">
+            <a:schemeClr val="accent3"/>
+          </a:fillRef>
+          <a:effectRef idx="1">
+            <a:schemeClr val="accent3"/>
+          </a:effectRef>
+          <a:fontRef idx="minor">
+            <a:schemeClr val="dk1"/>
+          </a:fontRef>
+        </p:style>
+        <p:txBody>
+          <a:bodyPr wrap="none" rtlCol="0">
+            <a:spAutoFit/>
+          </a:bodyPr>
+          <a:lstStyle/>
+          <a:p>
+            <a:r>
+              <a:rPr lang="en-US" sz="1000" smtClean="0">
+                <a:latin typeface="Courier New" pitchFamily="49" charset="0"/>
+                <a:cs typeface="Courier New" pitchFamily="49" charset="0"/>
+              </a:rPr>
+              <a:t>msgSocket</a:t>
+            </a:r>
+            <a:endParaRPr lang="en-US" sz="1000" smtClean="0">
+              <a:latin typeface="Courier New" pitchFamily="49" charset="0"/>
+              <a:cs typeface="Courier New" pitchFamily="49" charset="0"/>
+            </a:endParaRPr>
+          </a:p>
+        </p:txBody>
+      </p:sp>
+      <p:cxnSp>
+        <p:nvCxnSpPr>
+          <p:cNvPr id="48" name="Straight Arrow Connector 47"/>
+          <p:cNvCxnSpPr>
+            <a:stCxn id="35" idx="3"/>
+            <a:endCxn id="36" idx="1"/>
+          </p:cNvCxnSpPr>
+          <p:nvPr/>
+        </p:nvCxnSpPr>
+        <p:spPr>
+          <a:xfrm flipV="1">
+            <a:off x="6660362" y="1034447"/>
+            <a:ext cx="558947" cy="119865"/>
+          </a:xfrm>
+          <a:prstGeom prst="straightConnector1">
+            <a:avLst/>
+          </a:prstGeom>
+          <a:ln>
+            <a:tailEnd type="arrow"/>
+          </a:ln>
+        </p:spPr>
+        <p:style>
+          <a:lnRef idx="1">
+            <a:schemeClr val="accent1"/>
+          </a:lnRef>
+          <a:fillRef idx="0">
+            <a:schemeClr val="accent1"/>
+          </a:fillRef>
+          <a:effectRef idx="0">
+            <a:schemeClr val="accent1"/>
+          </a:effectRef>
+          <a:fontRef idx="minor">
+            <a:schemeClr val="tx1"/>
+          </a:fontRef>
+        </p:style>
+      </p:cxnSp>
+      <p:cxnSp>
+        <p:nvCxnSpPr>
+          <p:cNvPr id="49" name="Straight Arrow Connector 48"/>
+          <p:cNvCxnSpPr>
+            <a:stCxn id="35" idx="2"/>
+            <a:endCxn id="46" idx="0"/>
+          </p:cNvCxnSpPr>
+          <p:nvPr/>
+        </p:nvCxnSpPr>
+        <p:spPr>
+          <a:xfrm flipH="1">
+            <a:off x="6407068" y="1277422"/>
+            <a:ext cx="7073" cy="959276"/>
+          </a:xfrm>
+          <a:prstGeom prst="straightConnector1">
+            <a:avLst/>
+          </a:prstGeom>
+          <a:ln>
+            <a:tailEnd type="arrow"/>
+          </a:ln>
+        </p:spPr>
+        <p:style>
+          <a:lnRef idx="1">
+            <a:schemeClr val="accent1"/>
+          </a:lnRef>
+          <a:fillRef idx="0">
+            <a:schemeClr val="accent1"/>
+          </a:fillRef>
+          <a:effectRef idx="0">
+            <a:schemeClr val="accent1"/>
+          </a:effectRef>
+          <a:fontRef idx="minor">
+            <a:schemeClr val="tx1"/>
+          </a:fontRef>
+        </p:style>
+      </p:cxnSp>
+      <p:cxnSp>
+        <p:nvCxnSpPr>
+          <p:cNvPr id="50" name="Straight Arrow Connector 49"/>
+          <p:cNvCxnSpPr>
+            <a:stCxn id="46" idx="2"/>
+            <a:endCxn id="43" idx="0"/>
+          </p:cNvCxnSpPr>
+          <p:nvPr/>
+        </p:nvCxnSpPr>
+        <p:spPr>
+          <a:xfrm flipH="1">
+            <a:off x="5687191" y="2482919"/>
+            <a:ext cx="719877" cy="330838"/>
+          </a:xfrm>
+          <a:prstGeom prst="straightConnector1">
+            <a:avLst/>
+          </a:prstGeom>
+          <a:ln>
+            <a:tailEnd type="arrow"/>
+          </a:ln>
+        </p:spPr>
+        <p:style>
+          <a:lnRef idx="1">
+            <a:schemeClr val="accent1"/>
+          </a:lnRef>
+          <a:fillRef idx="0">
+            <a:schemeClr val="accent1"/>
+          </a:fillRef>
+          <a:effectRef idx="0">
+            <a:schemeClr val="accent1"/>
+          </a:effectRef>
+          <a:fontRef idx="minor">
+            <a:schemeClr val="tx1"/>
+          </a:fontRef>
+        </p:style>
+      </p:cxnSp>
+      <p:sp>
+        <p:nvSpPr>
+          <p:cNvPr id="51" name="TextBox 50"/>
+          <p:cNvSpPr txBox="1"/>
+          <p:nvPr/>
+        </p:nvSpPr>
+        <p:spPr>
+          <a:xfrm>
+            <a:off x="5919626" y="2570607"/>
+            <a:ext cx="415498" cy="246221"/>
+          </a:xfrm>
+          <a:prstGeom prst="rect">
+            <a:avLst/>
+          </a:prstGeom>
+          <a:noFill/>
+        </p:spPr>
+        <p:txBody>
+          <a:bodyPr wrap="none" rtlCol="0">
+            <a:spAutoFit/>
+          </a:bodyPr>
+          <a:lstStyle/>
+          <a:p>
+            <a:r>
+              <a:rPr lang="en-US" sz="1000" smtClean="0">
+                <a:latin typeface="Courier New" pitchFamily="49" charset="0"/>
+                <a:cs typeface="Courier New" pitchFamily="49" charset="0"/>
+              </a:rPr>
+              <a:t>put</a:t>
+            </a:r>
+            <a:endParaRPr lang="en-US" sz="1000">
+              <a:latin typeface="Courier New" pitchFamily="49" charset="0"/>
+              <a:cs typeface="Courier New" pitchFamily="49" charset="0"/>
+            </a:endParaRPr>
+          </a:p>
+        </p:txBody>
+      </p:sp>
+      <p:cxnSp>
+        <p:nvCxnSpPr>
+          <p:cNvPr id="52" name="Straight Arrow Connector 51"/>
+          <p:cNvCxnSpPr>
+            <a:stCxn id="46" idx="2"/>
+            <a:endCxn id="39" idx="0"/>
+          </p:cNvCxnSpPr>
+          <p:nvPr/>
+        </p:nvCxnSpPr>
+        <p:spPr>
+          <a:xfrm>
+            <a:off x="6407068" y="2482919"/>
+            <a:ext cx="640649" cy="332553"/>
+          </a:xfrm>
+          <a:prstGeom prst="straightConnector1">
+            <a:avLst/>
+          </a:prstGeom>
+          <a:ln>
+            <a:tailEnd type="arrow"/>
+          </a:ln>
+        </p:spPr>
+        <p:style>
+          <a:lnRef idx="1">
+            <a:schemeClr val="accent1"/>
+          </a:lnRef>
+          <a:fillRef idx="0">
+            <a:schemeClr val="accent1"/>
+          </a:fillRef>
+          <a:effectRef idx="0">
+            <a:schemeClr val="accent1"/>
+          </a:effectRef>
+          <a:fontRef idx="minor">
+            <a:schemeClr val="tx1"/>
+          </a:fontRef>
+        </p:style>
+      </p:cxnSp>
+      <p:cxnSp>
+        <p:nvCxnSpPr>
+          <p:cNvPr id="53" name="Straight Arrow Connector 52"/>
+          <p:cNvCxnSpPr>
+            <a:stCxn id="40" idx="0"/>
+            <a:endCxn id="43" idx="2"/>
+          </p:cNvCxnSpPr>
+          <p:nvPr/>
+        </p:nvCxnSpPr>
+        <p:spPr>
+          <a:xfrm flipH="1" flipV="1">
+            <a:off x="5687191" y="3059978"/>
+            <a:ext cx="5598" cy="702430"/>
+          </a:xfrm>
+          <a:prstGeom prst="straightConnector1">
+            <a:avLst/>
+          </a:prstGeom>
+          <a:ln>
+            <a:tailEnd type="arrow"/>
+          </a:ln>
+        </p:spPr>
+        <p:style>
+          <a:lnRef idx="1">
+            <a:schemeClr val="accent1"/>
+          </a:lnRef>
+          <a:fillRef idx="0">
+            <a:schemeClr val="accent1"/>
+          </a:fillRef>
+          <a:effectRef idx="0">
+            <a:schemeClr val="accent1"/>
+          </a:effectRef>
+          <a:fontRef idx="minor">
+            <a:schemeClr val="tx1"/>
+          </a:fontRef>
+        </p:style>
+      </p:cxnSp>
+      <p:cxnSp>
+        <p:nvCxnSpPr>
+          <p:cNvPr id="54" name="Straight Arrow Connector 53"/>
+          <p:cNvCxnSpPr>
+            <a:stCxn id="42" idx="0"/>
+            <a:endCxn id="39" idx="2"/>
+          </p:cNvCxnSpPr>
+          <p:nvPr/>
+        </p:nvCxnSpPr>
+        <p:spPr>
+          <a:xfrm flipH="1" flipV="1">
+            <a:off x="7047717" y="3061693"/>
+            <a:ext cx="84365" cy="688729"/>
+          </a:xfrm>
+          <a:prstGeom prst="straightConnector1">
+            <a:avLst/>
+          </a:prstGeom>
+          <a:ln>
+            <a:tailEnd type="arrow"/>
+          </a:ln>
+        </p:spPr>
+        <p:style>
+          <a:lnRef idx="1">
+            <a:schemeClr val="accent1"/>
+          </a:lnRef>
+          <a:fillRef idx="0">
+            <a:schemeClr val="accent1"/>
+          </a:fillRef>
+          <a:effectRef idx="0">
+            <a:schemeClr val="accent1"/>
+          </a:effectRef>
+          <a:fontRef idx="minor">
+            <a:schemeClr val="tx1"/>
+          </a:fontRef>
+        </p:style>
+      </p:cxnSp>
+      <p:cxnSp>
+        <p:nvCxnSpPr>
+          <p:cNvPr id="55" name="Straight Arrow Connector 54"/>
+          <p:cNvCxnSpPr>
+            <a:stCxn id="40" idx="2"/>
+            <a:endCxn id="47" idx="0"/>
+          </p:cNvCxnSpPr>
+          <p:nvPr/>
+        </p:nvCxnSpPr>
+        <p:spPr>
+          <a:xfrm>
+            <a:off x="5692789" y="4008629"/>
+            <a:ext cx="709943" cy="671600"/>
+          </a:xfrm>
+          <a:prstGeom prst="straightConnector1">
+            <a:avLst/>
+          </a:prstGeom>
+          <a:ln>
+            <a:tailEnd type="arrow"/>
+          </a:ln>
+        </p:spPr>
+        <p:style>
+          <a:lnRef idx="1">
+            <a:schemeClr val="accent1"/>
+          </a:lnRef>
+          <a:fillRef idx="0">
+            <a:schemeClr val="accent1"/>
+          </a:fillRef>
+          <a:effectRef idx="0">
+            <a:schemeClr val="accent1"/>
+          </a:effectRef>
+          <a:fontRef idx="minor">
+            <a:schemeClr val="tx1"/>
+          </a:fontRef>
+        </p:style>
+      </p:cxnSp>
+      <p:cxnSp>
+        <p:nvCxnSpPr>
+          <p:cNvPr id="56" name="Straight Arrow Connector 55"/>
+          <p:cNvCxnSpPr>
+            <a:stCxn id="42" idx="2"/>
+            <a:endCxn id="47" idx="0"/>
+          </p:cNvCxnSpPr>
+          <p:nvPr/>
+        </p:nvCxnSpPr>
+        <p:spPr>
+          <a:xfrm flipH="1">
+            <a:off x="6402732" y="3996643"/>
+            <a:ext cx="729350" cy="683586"/>
+          </a:xfrm>
+          <a:prstGeom prst="straightConnector1">
+            <a:avLst/>
+          </a:prstGeom>
+          <a:ln>
+            <a:tailEnd type="arrow"/>
+          </a:ln>
+        </p:spPr>
+        <p:style>
+          <a:lnRef idx="1">
+            <a:schemeClr val="accent1"/>
+          </a:lnRef>
+          <a:fillRef idx="0">
+            <a:schemeClr val="accent1"/>
+          </a:fillRef>
+          <a:effectRef idx="0">
+            <a:schemeClr val="accent1"/>
+          </a:effectRef>
+          <a:fontRef idx="minor">
+            <a:schemeClr val="tx1"/>
+          </a:fontRef>
+        </p:style>
+      </p:cxnSp>
+      <p:sp>
+        <p:nvSpPr>
+          <p:cNvPr id="57" name="TextBox 56"/>
+          <p:cNvSpPr txBox="1"/>
+          <p:nvPr/>
+        </p:nvSpPr>
+        <p:spPr>
+          <a:xfrm>
+            <a:off x="5714142" y="3526104"/>
+            <a:ext cx="415498" cy="246221"/>
+          </a:xfrm>
+          <a:prstGeom prst="rect">
+            <a:avLst/>
+          </a:prstGeom>
+          <a:noFill/>
+        </p:spPr>
+        <p:txBody>
+          <a:bodyPr wrap="none" rtlCol="0">
+            <a:spAutoFit/>
+          </a:bodyPr>
+          <a:lstStyle/>
+          <a:p>
+            <a:r>
+              <a:rPr lang="en-US" sz="1000" smtClean="0">
+                <a:latin typeface="Courier New" pitchFamily="49" charset="0"/>
+                <a:cs typeface="Courier New" pitchFamily="49" charset="0"/>
+              </a:rPr>
+              <a:t>get</a:t>
+            </a:r>
+            <a:endParaRPr lang="en-US" sz="1000">
+              <a:latin typeface="Courier New" pitchFamily="49" charset="0"/>
+              <a:cs typeface="Courier New" pitchFamily="49" charset="0"/>
+            </a:endParaRPr>
+          </a:p>
+        </p:txBody>
+      </p:sp>
+      <p:sp>
+        <p:nvSpPr>
+          <p:cNvPr id="58" name="TextBox 57"/>
+          <p:cNvSpPr txBox="1"/>
+          <p:nvPr/>
+        </p:nvSpPr>
+        <p:spPr>
+          <a:xfrm>
+            <a:off x="7121701" y="3454184"/>
+            <a:ext cx="415498" cy="246221"/>
+          </a:xfrm>
+          <a:prstGeom prst="rect">
+            <a:avLst/>
+          </a:prstGeom>
+          <a:noFill/>
+        </p:spPr>
+        <p:txBody>
+          <a:bodyPr wrap="none" rtlCol="0">
+            <a:spAutoFit/>
+          </a:bodyPr>
+          <a:lstStyle/>
+          <a:p>
+            <a:r>
+              <a:rPr lang="en-US" sz="1000" smtClean="0">
+                <a:latin typeface="Courier New" pitchFamily="49" charset="0"/>
+                <a:cs typeface="Courier New" pitchFamily="49" charset="0"/>
+              </a:rPr>
+              <a:t>put</a:t>
+            </a:r>
+            <a:endParaRPr lang="en-US" sz="1000">
+              <a:latin typeface="Courier New" pitchFamily="49" charset="0"/>
+              <a:cs typeface="Courier New" pitchFamily="49" charset="0"/>
+            </a:endParaRPr>
+          </a:p>
+        </p:txBody>
+      </p:sp>
+      <p:sp>
+        <p:nvSpPr>
+          <p:cNvPr id="59" name="TextBox 58"/>
+          <p:cNvSpPr txBox="1"/>
+          <p:nvPr/>
+        </p:nvSpPr>
+        <p:spPr>
+          <a:xfrm>
+            <a:off x="5426465" y="4245294"/>
+            <a:ext cx="492443" cy="246221"/>
+          </a:xfrm>
+          <a:prstGeom prst="rect">
+            <a:avLst/>
+          </a:prstGeom>
+          <a:noFill/>
+        </p:spPr>
+        <p:txBody>
+          <a:bodyPr wrap="none" rtlCol="0">
+            <a:spAutoFit/>
+          </a:bodyPr>
+          <a:lstStyle/>
+          <a:p>
+            <a:r>
+              <a:rPr lang="en-US" sz="1000" smtClean="0">
+                <a:latin typeface="Courier New" pitchFamily="49" charset="0"/>
+                <a:cs typeface="Courier New" pitchFamily="49" charset="0"/>
+              </a:rPr>
+              <a:t>send</a:t>
+            </a:r>
+            <a:endParaRPr lang="en-US" sz="1000">
+              <a:latin typeface="Courier New" pitchFamily="49" charset="0"/>
+              <a:cs typeface="Courier New" pitchFamily="49" charset="0"/>
+            </a:endParaRPr>
+          </a:p>
+        </p:txBody>
+      </p:sp>
+      <p:sp>
+        <p:nvSpPr>
+          <p:cNvPr id="60" name="TextBox 59"/>
+          <p:cNvSpPr txBox="1"/>
+          <p:nvPr/>
+        </p:nvSpPr>
+        <p:spPr>
+          <a:xfrm>
+            <a:off x="7060056" y="4265843"/>
+            <a:ext cx="723275" cy="246221"/>
+          </a:xfrm>
+          <a:prstGeom prst="rect">
+            <a:avLst/>
+          </a:prstGeom>
+          <a:noFill/>
+        </p:spPr>
+        <p:txBody>
+          <a:bodyPr wrap="none" rtlCol="0">
+            <a:spAutoFit/>
+          </a:bodyPr>
+          <a:lstStyle/>
+          <a:p>
+            <a:r>
+              <a:rPr lang="en-US" sz="1000" smtClean="0">
+                <a:latin typeface="Courier New" pitchFamily="49" charset="0"/>
+                <a:cs typeface="Courier New" pitchFamily="49" charset="0"/>
+              </a:rPr>
+              <a:t>receive</a:t>
+            </a:r>
+            <a:endParaRPr lang="en-US" sz="1000">
+              <a:latin typeface="Courier New" pitchFamily="49" charset="0"/>
+              <a:cs typeface="Courier New" pitchFamily="49" charset="0"/>
+            </a:endParaRPr>
+          </a:p>
+        </p:txBody>
+      </p:sp>
+      <p:cxnSp>
+        <p:nvCxnSpPr>
+          <p:cNvPr id="61" name="Straight Arrow Connector 60"/>
+          <p:cNvCxnSpPr>
+            <a:stCxn id="47" idx="2"/>
+            <a:endCxn id="45" idx="0"/>
+          </p:cNvCxnSpPr>
+          <p:nvPr/>
+        </p:nvCxnSpPr>
+        <p:spPr>
+          <a:xfrm flipH="1">
+            <a:off x="5768249" y="4926450"/>
+            <a:ext cx="634483" cy="447279"/>
+          </a:xfrm>
+          <a:prstGeom prst="straightConnector1">
+            <a:avLst/>
+          </a:prstGeom>
+          <a:ln>
+            <a:solidFill>
+              <a:schemeClr val="accent1"/>
+            </a:solidFill>
+            <a:prstDash val="sysDash"/>
+            <a:headEnd type="triangle" w="med" len="med"/>
+            <a:tailEnd type="triangle" w="med" len="med"/>
+          </a:ln>
+        </p:spPr>
+        <p:style>
+          <a:lnRef idx="1">
+            <a:schemeClr val="accent1"/>
+          </a:lnRef>
+          <a:fillRef idx="0">
+            <a:schemeClr val="accent1"/>
+          </a:fillRef>
+          <a:effectRef idx="0">
+            <a:schemeClr val="accent1"/>
+          </a:effectRef>
+          <a:fontRef idx="minor">
+            <a:schemeClr val="tx1"/>
+          </a:fontRef>
+        </p:style>
+      </p:cxnSp>
+      <p:cxnSp>
+        <p:nvCxnSpPr>
+          <p:cNvPr id="62" name="Straight Arrow Connector 61"/>
+          <p:cNvCxnSpPr>
+            <a:stCxn id="37" idx="1"/>
+            <a:endCxn id="45" idx="3"/>
+          </p:cNvCxnSpPr>
+          <p:nvPr/>
+        </p:nvCxnSpPr>
+        <p:spPr>
+          <a:xfrm flipH="1">
+            <a:off x="6245302" y="5478010"/>
+            <a:ext cx="722297" cy="18830"/>
+          </a:xfrm>
+          <a:prstGeom prst="straightConnector1">
+            <a:avLst/>
+          </a:prstGeom>
+          <a:ln>
+            <a:solidFill>
+              <a:schemeClr val="accent1"/>
+            </a:solidFill>
+            <a:prstDash val="sysDash"/>
+            <a:headEnd type="triangle" w="med" len="med"/>
+            <a:tailEnd type="triangle" w="med" len="med"/>
+          </a:ln>
+        </p:spPr>
+        <p:style>
+          <a:lnRef idx="1">
+            <a:schemeClr val="accent1"/>
+          </a:lnRef>
+          <a:fillRef idx="0">
+            <a:schemeClr val="accent1"/>
+          </a:fillRef>
+          <a:effectRef idx="0">
+            <a:schemeClr val="accent1"/>
+          </a:effectRef>
+          <a:fontRef idx="minor">
+            <a:schemeClr val="tx1"/>
+          </a:fontRef>
+        </p:style>
+      </p:cxnSp>
     </p:spTree>
   </p:cSld>
   <p:clrMapOvr>

--- a/Scripting/ScriptingDocumenation/DesignDiagrams.pptx
+++ b/Scripting/ScriptingDocumenation/DesignDiagrams.pptx
@@ -298,7 +298,7 @@
             <a:fld id="{00F2EA4F-E096-48CD-A1C4-A4124DB919D8}" type="datetimeFigureOut">
               <a:rPr lang="en-US" smtClean="0"/>
               <a:pPr/>
-              <a:t>12/23/2012</a:t>
+              <a:t>12/28/2012</a:t>
             </a:fld>
             <a:endParaRPr lang="en-US"/>
           </a:p>
@@ -465,7 +465,7 @@
             <a:fld id="{00F2EA4F-E096-48CD-A1C4-A4124DB919D8}" type="datetimeFigureOut">
               <a:rPr lang="en-US" smtClean="0"/>
               <a:pPr/>
-              <a:t>12/23/2012</a:t>
+              <a:t>12/28/2012</a:t>
             </a:fld>
             <a:endParaRPr lang="en-US"/>
           </a:p>
@@ -642,7 +642,7 @@
             <a:fld id="{00F2EA4F-E096-48CD-A1C4-A4124DB919D8}" type="datetimeFigureOut">
               <a:rPr lang="en-US" smtClean="0"/>
               <a:pPr/>
-              <a:t>12/23/2012</a:t>
+              <a:t>12/28/2012</a:t>
             </a:fld>
             <a:endParaRPr lang="en-US"/>
           </a:p>
@@ -809,7 +809,7 @@
             <a:fld id="{00F2EA4F-E096-48CD-A1C4-A4124DB919D8}" type="datetimeFigureOut">
               <a:rPr lang="en-US" smtClean="0"/>
               <a:pPr/>
-              <a:t>12/23/2012</a:t>
+              <a:t>12/28/2012</a:t>
             </a:fld>
             <a:endParaRPr lang="en-US"/>
           </a:p>
@@ -1052,7 +1052,7 @@
             <a:fld id="{00F2EA4F-E096-48CD-A1C4-A4124DB919D8}" type="datetimeFigureOut">
               <a:rPr lang="en-US" smtClean="0"/>
               <a:pPr/>
-              <a:t>12/23/2012</a:t>
+              <a:t>12/28/2012</a:t>
             </a:fld>
             <a:endParaRPr lang="en-US"/>
           </a:p>
@@ -1337,7 +1337,7 @@
             <a:fld id="{00F2EA4F-E096-48CD-A1C4-A4124DB919D8}" type="datetimeFigureOut">
               <a:rPr lang="en-US" smtClean="0"/>
               <a:pPr/>
-              <a:t>12/23/2012</a:t>
+              <a:t>12/28/2012</a:t>
             </a:fld>
             <a:endParaRPr lang="en-US"/>
           </a:p>
@@ -1756,7 +1756,7 @@
             <a:fld id="{00F2EA4F-E096-48CD-A1C4-A4124DB919D8}" type="datetimeFigureOut">
               <a:rPr lang="en-US" smtClean="0"/>
               <a:pPr/>
-              <a:t>12/23/2012</a:t>
+              <a:t>12/28/2012</a:t>
             </a:fld>
             <a:endParaRPr lang="en-US"/>
           </a:p>
@@ -1871,7 +1871,7 @@
             <a:fld id="{00F2EA4F-E096-48CD-A1C4-A4124DB919D8}" type="datetimeFigureOut">
               <a:rPr lang="en-US" smtClean="0"/>
               <a:pPr/>
-              <a:t>12/23/2012</a:t>
+              <a:t>12/28/2012</a:t>
             </a:fld>
             <a:endParaRPr lang="en-US"/>
           </a:p>
@@ -1963,7 +1963,7 @@
             <a:fld id="{00F2EA4F-E096-48CD-A1C4-A4124DB919D8}" type="datetimeFigureOut">
               <a:rPr lang="en-US" smtClean="0"/>
               <a:pPr/>
-              <a:t>12/23/2012</a:t>
+              <a:t>12/28/2012</a:t>
             </a:fld>
             <a:endParaRPr lang="en-US"/>
           </a:p>
@@ -2237,7 +2237,7 @@
             <a:fld id="{00F2EA4F-E096-48CD-A1C4-A4124DB919D8}" type="datetimeFigureOut">
               <a:rPr lang="en-US" smtClean="0"/>
               <a:pPr/>
-              <a:t>12/23/2012</a:t>
+              <a:t>12/28/2012</a:t>
             </a:fld>
             <a:endParaRPr lang="en-US"/>
           </a:p>
@@ -2487,7 +2487,7 @@
             <a:fld id="{00F2EA4F-E096-48CD-A1C4-A4124DB919D8}" type="datetimeFigureOut">
               <a:rPr lang="en-US" smtClean="0"/>
               <a:pPr/>
-              <a:t>12/23/2012</a:t>
+              <a:t>12/28/2012</a:t>
             </a:fld>
             <a:endParaRPr lang="en-US"/>
           </a:p>
@@ -2697,7 +2697,7 @@
             <a:fld id="{00F2EA4F-E096-48CD-A1C4-A4124DB919D8}" type="datetimeFigureOut">
               <a:rPr lang="en-US" smtClean="0"/>
               <a:pPr/>
-              <a:t>12/23/2012</a:t>
+              <a:t>12/28/2012</a:t>
             </a:fld>
             <a:endParaRPr lang="en-US"/>
           </a:p>
@@ -3214,13 +3214,6 @@
               </a:rPr>
               <a:t>GuiThrottle(EasyFrame)</a:t>
             </a:r>
-            <a:endParaRPr lang="en-US" sz="1000" b="1" smtClean="0">
-              <a:solidFill>
-                <a:srgbClr val="FF0000"/>
-              </a:solidFill>
-              <a:latin typeface="Courier New" pitchFamily="49" charset="0"/>
-              <a:cs typeface="Courier New" pitchFamily="49" charset="0"/>
-            </a:endParaRPr>
           </a:p>
           <a:p>
             <a:r>
@@ -3230,10 +3223,6 @@
               </a:rPr>
               <a:t>----------</a:t>
             </a:r>
-            <a:endParaRPr lang="en-US" sz="1000" smtClean="0">
-              <a:latin typeface="Courier New" pitchFamily="49" charset="0"/>
-              <a:cs typeface="Courier New" pitchFamily="49" charset="0"/>
-            </a:endParaRPr>
           </a:p>
           <a:p>
             <a:r>
@@ -3288,10 +3277,6 @@
               </a:rPr>
               <a:t>changeSpeed</a:t>
             </a:r>
-            <a:endParaRPr lang="en-US" sz="1000" smtClean="0">
-              <a:latin typeface="Courier New" pitchFamily="49" charset="0"/>
-              <a:cs typeface="Courier New" pitchFamily="49" charset="0"/>
-            </a:endParaRPr>
           </a:p>
           <a:p>
             <a:r>
@@ -3319,10 +3304,6 @@
               </a:rPr>
               <a:t>haltTrain</a:t>
             </a:r>
-            <a:endParaRPr lang="en-US" sz="1000" smtClean="0">
-              <a:latin typeface="Courier New" pitchFamily="49" charset="0"/>
-              <a:cs typeface="Courier New" pitchFamily="49" charset="0"/>
-            </a:endParaRPr>
           </a:p>
           <a:p>
             <a:r>
@@ -3368,10 +3349,6 @@
               </a:rPr>
               <a:t>throwNext</a:t>
             </a:r>
-            <a:endParaRPr lang="en-US" sz="1000" smtClean="0">
-              <a:latin typeface="Courier New" pitchFamily="49" charset="0"/>
-              <a:cs typeface="Courier New" pitchFamily="49" charset="0"/>
-            </a:endParaRPr>
           </a:p>
           <a:p>
             <a:r>
@@ -3417,10 +3394,6 @@
               </a:rPr>
               <a:t>toggles</a:t>
             </a:r>
-            <a:endParaRPr lang="en-US" sz="1000" smtClean="0">
-              <a:latin typeface="Courier New" pitchFamily="49" charset="0"/>
-              <a:cs typeface="Courier New" pitchFamily="49" charset="0"/>
-            </a:endParaRPr>
           </a:p>
         </p:txBody>
       </p:sp>
@@ -3461,13 +3434,6 @@
               </a:rPr>
               <a:t>GuiThrottleProcess(Process)</a:t>
             </a:r>
-            <a:endParaRPr lang="en-US" sz="1000" b="1" smtClean="0">
-              <a:solidFill>
-                <a:srgbClr val="FF0000"/>
-              </a:solidFill>
-              <a:latin typeface="Courier New" pitchFamily="49" charset="0"/>
-              <a:cs typeface="Courier New" pitchFamily="49" charset="0"/>
-            </a:endParaRPr>
           </a:p>
           <a:p>
             <a:r>
@@ -3477,10 +3443,6 @@
               </a:rPr>
               <a:t>----------</a:t>
             </a:r>
-            <a:endParaRPr lang="en-US" sz="1000" smtClean="0">
-              <a:latin typeface="Courier New" pitchFamily="49" charset="0"/>
-              <a:cs typeface="Courier New" pitchFamily="49" charset="0"/>
-            </a:endParaRPr>
           </a:p>
           <a:p>
             <a:r>
@@ -3499,10 +3461,6 @@
               </a:rPr>
               <a:t>run</a:t>
             </a:r>
-            <a:endParaRPr lang="en-US" sz="1000" smtClean="0">
-              <a:latin typeface="Courier New" pitchFamily="49" charset="0"/>
-              <a:cs typeface="Courier New" pitchFamily="49" charset="0"/>
-            </a:endParaRPr>
           </a:p>
           <a:p>
             <a:r>
@@ -3539,10 +3497,6 @@
               </a:rPr>
               <a:t>outQu</a:t>
             </a:r>
-            <a:endParaRPr lang="en-US" sz="1000" smtClean="0">
-              <a:latin typeface="Courier New" pitchFamily="49" charset="0"/>
-              <a:cs typeface="Courier New" pitchFamily="49" charset="0"/>
-            </a:endParaRPr>
           </a:p>
         </p:txBody>
       </p:sp>
@@ -3596,7 +3550,7 @@
         </p:nvSpPr>
         <p:spPr>
           <a:xfrm>
-            <a:off x="6167919" y="1031201"/>
+            <a:off x="5274068" y="784621"/>
             <a:ext cx="492443" cy="246221"/>
           </a:xfrm>
           <a:prstGeom prst="rect">
@@ -3642,7 +3596,7 @@
         </p:nvSpPr>
         <p:spPr>
           <a:xfrm>
-            <a:off x="7219309" y="911336"/>
+            <a:off x="6315184" y="746950"/>
             <a:ext cx="415498" cy="246221"/>
           </a:xfrm>
           <a:prstGeom prst="rect">
@@ -3677,19 +3631,8 @@
                 <a:latin typeface="Courier New" pitchFamily="49" charset="0"/>
                 <a:cs typeface="Courier New" pitchFamily="49" charset="0"/>
               </a:rPr>
-              <a:t>l</a:t>
-            </a:r>
-            <a:r>
-              <a:rPr lang="en-US" sz="1000" smtClean="0">
-                <a:latin typeface="Courier New" pitchFamily="49" charset="0"/>
-                <a:cs typeface="Courier New" pitchFamily="49" charset="0"/>
-              </a:rPr>
-              <a:t>og</a:t>
-            </a:r>
-            <a:endParaRPr lang="en-US" sz="1000" smtClean="0">
-              <a:latin typeface="Courier New" pitchFamily="49" charset="0"/>
-              <a:cs typeface="Courier New" pitchFamily="49" charset="0"/>
-            </a:endParaRPr>
+              <a:t>log</a:t>
+            </a:r>
           </a:p>
         </p:txBody>
       </p:sp>
@@ -3701,7 +3644,7 @@
         </p:nvSpPr>
         <p:spPr>
           <a:xfrm>
-            <a:off x="6967599" y="5354899"/>
+            <a:off x="7203904" y="6310395"/>
             <a:ext cx="877163" cy="246221"/>
           </a:xfrm>
           <a:prstGeom prst="rect">
@@ -3736,10 +3679,6 @@
               </a:rPr>
               <a:t>simulator</a:t>
             </a:r>
-            <a:endParaRPr lang="en-US" sz="1000" smtClean="0">
-              <a:latin typeface="Courier New" pitchFamily="49" charset="0"/>
-              <a:cs typeface="Courier New" pitchFamily="49" charset="0"/>
-            </a:endParaRPr>
           </a:p>
         </p:txBody>
       </p:sp>
@@ -3789,8 +3728,10 @@
                 <a:latin typeface="Courier New" pitchFamily="49" charset="0"/>
                 <a:cs typeface="Courier New" pitchFamily="49" charset="0"/>
               </a:rPr>
-              <a:t> </a:t>
-            </a:r>
+              <a:t>  msgSocket</a:t>
+            </a:r>
+          </a:p>
+          <a:p>
             <a:r>
               <a:rPr lang="en-US" sz="1000" b="1" smtClean="0">
                 <a:solidFill>
@@ -3801,7 +3742,7 @@
                 <a:latin typeface="Courier New" pitchFamily="49" charset="0"/>
                 <a:cs typeface="Courier New" pitchFamily="49" charset="0"/>
               </a:rPr>
-              <a:t> msgSocket</a:t>
+              <a:t>  outQu, inQu</a:t>
             </a:r>
           </a:p>
           <a:p>
@@ -3815,8 +3756,10 @@
                 <a:latin typeface="Courier New" pitchFamily="49" charset="0"/>
                 <a:cs typeface="Courier New" pitchFamily="49" charset="0"/>
               </a:rPr>
-              <a:t> </a:t>
-            </a:r>
+              <a:t>  pumps</a:t>
+            </a:r>
+          </a:p>
+          <a:p>
             <a:r>
               <a:rPr lang="en-US" sz="1000" b="1" smtClean="0">
                 <a:solidFill>
@@ -3827,7 +3770,7 @@
                 <a:latin typeface="Courier New" pitchFamily="49" charset="0"/>
                 <a:cs typeface="Courier New" pitchFamily="49" charset="0"/>
               </a:rPr>
-              <a:t> outQu, inQu</a:t>
+              <a:t>  controller</a:t>
             </a:r>
           </a:p>
           <a:p>
@@ -3841,71 +3784,7 @@
                 <a:latin typeface="Courier New" pitchFamily="49" charset="0"/>
                 <a:cs typeface="Courier New" pitchFamily="49" charset="0"/>
               </a:rPr>
-              <a:t> </a:t>
-            </a:r>
-            <a:r>
-              <a:rPr lang="en-US" sz="1000" b="1" smtClean="0">
-                <a:solidFill>
-                  <a:schemeClr val="accent6">
-                    <a:lumMod val="75000"/>
-                  </a:schemeClr>
-                </a:solidFill>
-                <a:latin typeface="Courier New" pitchFamily="49" charset="0"/>
-                <a:cs typeface="Courier New" pitchFamily="49" charset="0"/>
-              </a:rPr>
-              <a:t> pumps</a:t>
-            </a:r>
-          </a:p>
-          <a:p>
-            <a:r>
-              <a:rPr lang="en-US" sz="1000" b="1" smtClean="0">
-                <a:solidFill>
-                  <a:schemeClr val="accent6">
-                    <a:lumMod val="75000"/>
-                  </a:schemeClr>
-                </a:solidFill>
-                <a:latin typeface="Courier New" pitchFamily="49" charset="0"/>
-                <a:cs typeface="Courier New" pitchFamily="49" charset="0"/>
-              </a:rPr>
-              <a:t> </a:t>
-            </a:r>
-            <a:r>
-              <a:rPr lang="en-US" sz="1000" b="1" smtClean="0">
-                <a:solidFill>
-                  <a:schemeClr val="accent6">
-                    <a:lumMod val="75000"/>
-                  </a:schemeClr>
-                </a:solidFill>
-                <a:latin typeface="Courier New" pitchFamily="49" charset="0"/>
-                <a:cs typeface="Courier New" pitchFamily="49" charset="0"/>
-              </a:rPr>
-              <a:t> controller</a:t>
-            </a:r>
-          </a:p>
-          <a:p>
-            <a:r>
-              <a:rPr lang="en-US" sz="1000" b="1" smtClean="0">
-                <a:solidFill>
-                  <a:schemeClr val="accent6">
-                    <a:lumMod val="75000"/>
-                  </a:schemeClr>
-                </a:solidFill>
-                <a:latin typeface="Courier New" pitchFamily="49" charset="0"/>
-                <a:cs typeface="Courier New" pitchFamily="49" charset="0"/>
-              </a:rPr>
-              <a:t> </a:t>
-            </a:r>
-            <a:r>
-              <a:rPr lang="en-US" sz="1000" b="1" smtClean="0">
-                <a:solidFill>
-                  <a:schemeClr val="accent6">
-                    <a:lumMod val="75000"/>
-                  </a:schemeClr>
-                </a:solidFill>
-                <a:latin typeface="Courier New" pitchFamily="49" charset="0"/>
-                <a:cs typeface="Courier New" pitchFamily="49" charset="0"/>
-              </a:rPr>
-              <a:t> simulator</a:t>
+              <a:t>  simulator</a:t>
             </a:r>
             <a:endParaRPr lang="en-US" sz="1000" b="1">
               <a:solidFill>
@@ -3927,7 +3806,7 @@
         </p:nvSpPr>
         <p:spPr>
           <a:xfrm>
-            <a:off x="6801495" y="2815472"/>
+            <a:off x="7119994" y="3894259"/>
             <a:ext cx="492443" cy="246221"/>
           </a:xfrm>
           <a:prstGeom prst="rect">
@@ -3962,10 +3841,6 @@
               </a:rPr>
               <a:t>inQu</a:t>
             </a:r>
-            <a:endParaRPr lang="en-US" sz="1000" smtClean="0">
-              <a:latin typeface="Courier New" pitchFamily="49" charset="0"/>
-              <a:cs typeface="Courier New" pitchFamily="49" charset="0"/>
-            </a:endParaRPr>
           </a:p>
         </p:txBody>
       </p:sp>
@@ -3977,7 +3852,7 @@
         </p:nvSpPr>
         <p:spPr>
           <a:xfrm>
-            <a:off x="5138791" y="3762408"/>
+            <a:off x="5375096" y="4717904"/>
             <a:ext cx="1107996" cy="246221"/>
           </a:xfrm>
           <a:prstGeom prst="rect">
@@ -4006,19 +3881,8 @@
                 <a:latin typeface="Courier New" pitchFamily="49" charset="0"/>
                 <a:cs typeface="Courier New" pitchFamily="49" charset="0"/>
               </a:rPr>
-              <a:t>m</a:t>
-            </a:r>
-            <a:r>
-              <a:rPr lang="en-US" sz="1000" smtClean="0">
-                <a:latin typeface="Courier New" pitchFamily="49" charset="0"/>
-                <a:cs typeface="Courier New" pitchFamily="49" charset="0"/>
-              </a:rPr>
-              <a:t>sgOutQuPump</a:t>
-            </a:r>
-            <a:endParaRPr lang="en-US" sz="1000" smtClean="0">
-              <a:latin typeface="Courier New" pitchFamily="49" charset="0"/>
-              <a:cs typeface="Courier New" pitchFamily="49" charset="0"/>
-            </a:endParaRPr>
+              <a:t>msgOutQuPump</a:t>
+            </a:r>
           </a:p>
         </p:txBody>
       </p:sp>
@@ -4030,7 +3894,7 @@
         </p:nvSpPr>
         <p:spPr>
           <a:xfrm>
-            <a:off x="6681625" y="2500401"/>
+            <a:off x="6876834" y="2695610"/>
             <a:ext cx="415498" cy="246221"/>
           </a:xfrm>
           <a:prstGeom prst="rect">
@@ -4066,7 +3930,7 @@
         </p:nvSpPr>
         <p:spPr>
           <a:xfrm>
-            <a:off x="6616556" y="3750422"/>
+            <a:off x="6852861" y="4705918"/>
             <a:ext cx="1031051" cy="246221"/>
           </a:xfrm>
           <a:prstGeom prst="rect">
@@ -4095,19 +3959,8 @@
                 <a:latin typeface="Courier New" pitchFamily="49" charset="0"/>
                 <a:cs typeface="Courier New" pitchFamily="49" charset="0"/>
               </a:rPr>
-              <a:t>m</a:t>
-            </a:r>
-            <a:r>
-              <a:rPr lang="en-US" sz="1000" smtClean="0">
-                <a:latin typeface="Courier New" pitchFamily="49" charset="0"/>
-                <a:cs typeface="Courier New" pitchFamily="49" charset="0"/>
-              </a:rPr>
-              <a:t>sgInQuPump</a:t>
-            </a:r>
-            <a:endParaRPr lang="en-US" sz="1000" smtClean="0">
-              <a:latin typeface="Courier New" pitchFamily="49" charset="0"/>
-              <a:cs typeface="Courier New" pitchFamily="49" charset="0"/>
-            </a:endParaRPr>
+              <a:t>msgInQuPump</a:t>
+            </a:r>
           </a:p>
         </p:txBody>
       </p:sp>
@@ -4119,7 +3972,7 @@
         </p:nvSpPr>
         <p:spPr>
           <a:xfrm>
-            <a:off x="5402497" y="2813757"/>
+            <a:off x="5649077" y="3882270"/>
             <a:ext cx="569387" cy="246221"/>
           </a:xfrm>
           <a:prstGeom prst="rect">
@@ -4154,68 +4007,50 @@
               </a:rPr>
               <a:t>outQu</a:t>
             </a:r>
+          </a:p>
+        </p:txBody>
+      </p:sp>
+      <p:sp>
+        <p:nvSpPr>
+          <p:cNvPr id="44" name="TextBox 43"/>
+          <p:cNvSpPr txBox="1"/>
+          <p:nvPr/>
+        </p:nvSpPr>
+        <p:spPr>
+          <a:xfrm>
+            <a:off x="5498385" y="1347986"/>
+            <a:ext cx="1569660" cy="400110"/>
+          </a:xfrm>
+          <a:prstGeom prst="rect">
+            <a:avLst/>
+          </a:prstGeom>
+          <a:noFill/>
+        </p:spPr>
+        <p:txBody>
+          <a:bodyPr wrap="none" rtlCol="0">
+            <a:spAutoFit/>
+          </a:bodyPr>
+          <a:lstStyle/>
+          <a:p>
+            <a:r>
+              <a:rPr lang="en-US" sz="1000" smtClean="0">
+                <a:latin typeface="Courier New" pitchFamily="49" charset="0"/>
+                <a:cs typeface="Courier New" pitchFamily="49" charset="0"/>
+              </a:rPr>
+              <a:t>create(inQu,outQu)</a:t>
+            </a:r>
             <a:endParaRPr lang="en-US" sz="1000" smtClean="0">
               <a:latin typeface="Courier New" pitchFamily="49" charset="0"/>
               <a:cs typeface="Courier New" pitchFamily="49" charset="0"/>
             </a:endParaRPr>
           </a:p>
-        </p:txBody>
-      </p:sp>
-      <p:sp>
-        <p:nvSpPr>
-          <p:cNvPr id="44" name="TextBox 43"/>
-          <p:cNvSpPr txBox="1"/>
-          <p:nvPr/>
-        </p:nvSpPr>
-        <p:spPr>
-          <a:xfrm>
-            <a:off x="6227851" y="1378808"/>
-            <a:ext cx="954107" cy="707886"/>
-          </a:xfrm>
-          <a:prstGeom prst="rect">
-            <a:avLst/>
-          </a:prstGeom>
-          <a:noFill/>
-        </p:spPr>
-        <p:txBody>
-          <a:bodyPr wrap="none" rtlCol="0">
-            <a:spAutoFit/>
-          </a:bodyPr>
-          <a:lstStyle/>
-          <a:p>
-            <a:r>
-              <a:rPr lang="en-US" sz="1000" smtClean="0">
-                <a:latin typeface="Courier New" pitchFamily="49" charset="0"/>
-                <a:cs typeface="Courier New" pitchFamily="49" charset="0"/>
-              </a:rPr>
-              <a:t>create</a:t>
-            </a:r>
-          </a:p>
-          <a:p>
-            <a:r>
-              <a:rPr lang="en-US" sz="1000" smtClean="0">
-                <a:latin typeface="Courier New" pitchFamily="49" charset="0"/>
-                <a:cs typeface="Courier New" pitchFamily="49" charset="0"/>
-              </a:rPr>
-              <a:t>readLayout</a:t>
-            </a:r>
-          </a:p>
-          <a:p>
-            <a:r>
-              <a:rPr lang="en-US" sz="1000" smtClean="0">
-                <a:latin typeface="Courier New" pitchFamily="49" charset="0"/>
-                <a:cs typeface="Courier New" pitchFamily="49" charset="0"/>
-              </a:rPr>
-              <a:t>initTrain</a:t>
-            </a:r>
-          </a:p>
-          <a:p>
-            <a:r>
-              <a:rPr lang="en-US" sz="1000" smtClean="0">
-                <a:latin typeface="Courier New" pitchFamily="49" charset="0"/>
-                <a:cs typeface="Courier New" pitchFamily="49" charset="0"/>
-              </a:rPr>
-              <a:t>. . . </a:t>
+          <a:p>
+            <a:r>
+              <a:rPr lang="en-US" sz="1000" smtClean="0">
+                <a:latin typeface="Courier New" pitchFamily="49" charset="0"/>
+                <a:cs typeface="Courier New" pitchFamily="49" charset="0"/>
+              </a:rPr>
+              <a:t>readLayout </a:t>
             </a:r>
             <a:endParaRPr lang="en-US" sz="1000">
               <a:latin typeface="Courier New" pitchFamily="49" charset="0"/>
@@ -4232,7 +4067,7 @@
         </p:nvSpPr>
         <p:spPr>
           <a:xfrm>
-            <a:off x="5291195" y="5373729"/>
+            <a:off x="5527500" y="6329225"/>
             <a:ext cx="954107" cy="246221"/>
           </a:xfrm>
           <a:prstGeom prst="rect">
@@ -4267,10 +4102,6 @@
               </a:rPr>
               <a:t>controller</a:t>
             </a:r>
-            <a:endParaRPr lang="en-US" sz="1000" smtClean="0">
-              <a:latin typeface="Courier New" pitchFamily="49" charset="0"/>
-              <a:cs typeface="Courier New" pitchFamily="49" charset="0"/>
-            </a:endParaRPr>
           </a:p>
         </p:txBody>
       </p:sp>
@@ -4282,7 +4113,7 @@
         </p:nvSpPr>
         <p:spPr>
           <a:xfrm>
-            <a:off x="6006958" y="2236698"/>
+            <a:off x="6469295" y="2236698"/>
             <a:ext cx="800219" cy="246221"/>
           </a:xfrm>
           <a:prstGeom prst="rect">
@@ -4317,10 +4148,6 @@
               </a:rPr>
               <a:t>throttle</a:t>
             </a:r>
-            <a:endParaRPr lang="en-US" sz="1000" smtClean="0">
-              <a:latin typeface="Courier New" pitchFamily="49" charset="0"/>
-              <a:cs typeface="Courier New" pitchFamily="49" charset="0"/>
-            </a:endParaRPr>
           </a:p>
         </p:txBody>
       </p:sp>
@@ -4332,7 +4159,7 @@
         </p:nvSpPr>
         <p:spPr>
           <a:xfrm>
-            <a:off x="5964150" y="4680229"/>
+            <a:off x="6200455" y="5635725"/>
             <a:ext cx="877163" cy="246221"/>
           </a:xfrm>
           <a:prstGeom prst="rect">
@@ -4367,10 +4194,6 @@
               </a:rPr>
               <a:t>msgSocket</a:t>
             </a:r>
-            <a:endParaRPr lang="en-US" sz="1000" smtClean="0">
-              <a:latin typeface="Courier New" pitchFamily="49" charset="0"/>
-              <a:cs typeface="Courier New" pitchFamily="49" charset="0"/>
-            </a:endParaRPr>
           </a:p>
         </p:txBody>
       </p:sp>
@@ -4385,8 +4208,8 @@
         </p:nvCxnSpPr>
         <p:spPr>
           <a:xfrm flipV="1">
-            <a:off x="6660362" y="1034447"/>
-            <a:ext cx="558947" cy="119865"/>
+            <a:off x="5766511" y="870061"/>
+            <a:ext cx="548673" cy="37671"/>
           </a:xfrm>
           <a:prstGeom prst="straightConnector1">
             <a:avLst/>
@@ -4420,9 +4243,9 @@
           <p:nvPr/>
         </p:nvCxnSpPr>
         <p:spPr>
-          <a:xfrm flipH="1">
-            <a:off x="6407068" y="1277422"/>
-            <a:ext cx="7073" cy="959276"/>
+          <a:xfrm>
+            <a:off x="5520290" y="1030842"/>
+            <a:ext cx="1349115" cy="1205856"/>
           </a:xfrm>
           <a:prstGeom prst="straightConnector1">
             <a:avLst/>
@@ -4457,8 +4280,8 @@
         </p:nvCxnSpPr>
         <p:spPr>
           <a:xfrm flipH="1">
-            <a:off x="5687191" y="2482919"/>
-            <a:ext cx="719877" cy="330838"/>
+            <a:off x="5933771" y="2482919"/>
+            <a:ext cx="935634" cy="1399351"/>
           </a:xfrm>
           <a:prstGeom prst="straightConnector1">
             <a:avLst/>
@@ -4490,7 +4313,7 @@
         </p:nvSpPr>
         <p:spPr>
           <a:xfrm>
-            <a:off x="5919626" y="2570607"/>
+            <a:off x="6381963" y="2745268"/>
             <a:ext cx="415498" cy="246221"/>
           </a:xfrm>
           <a:prstGeom prst="rect">
@@ -4529,8 +4352,8 @@
         </p:nvCxnSpPr>
         <p:spPr>
           <a:xfrm>
-            <a:off x="6407068" y="2482919"/>
-            <a:ext cx="640649" cy="332553"/>
+            <a:off x="6869405" y="2482919"/>
+            <a:ext cx="496811" cy="1411340"/>
           </a:xfrm>
           <a:prstGeom prst="straightConnector1">
             <a:avLst/>
@@ -4564,9 +4387,9 @@
           <p:nvPr/>
         </p:nvCxnSpPr>
         <p:spPr>
-          <a:xfrm flipH="1" flipV="1">
-            <a:off x="5687191" y="3059978"/>
-            <a:ext cx="5598" cy="702430"/>
+          <a:xfrm flipV="1">
+            <a:off x="5929094" y="4128491"/>
+            <a:ext cx="4677" cy="589413"/>
           </a:xfrm>
           <a:prstGeom prst="straightConnector1">
             <a:avLst/>
@@ -4601,8 +4424,8 @@
         </p:nvCxnSpPr>
         <p:spPr>
           <a:xfrm flipH="1" flipV="1">
-            <a:off x="7047717" y="3061693"/>
-            <a:ext cx="84365" cy="688729"/>
+            <a:off x="7366216" y="4140480"/>
+            <a:ext cx="2171" cy="565438"/>
           </a:xfrm>
           <a:prstGeom prst="straightConnector1">
             <a:avLst/>
@@ -4637,7 +4460,7 @@
         </p:nvCxnSpPr>
         <p:spPr>
           <a:xfrm>
-            <a:off x="5692789" y="4008629"/>
+            <a:off x="5929094" y="4964125"/>
             <a:ext cx="709943" cy="671600"/>
           </a:xfrm>
           <a:prstGeom prst="straightConnector1">
@@ -4673,7 +4496,7 @@
         </p:nvCxnSpPr>
         <p:spPr>
           <a:xfrm flipH="1">
-            <a:off x="6402732" y="3996643"/>
+            <a:off x="6639037" y="4952139"/>
             <a:ext cx="729350" cy="683586"/>
           </a:xfrm>
           <a:prstGeom prst="straightConnector1">
@@ -4706,7 +4529,7 @@
         </p:nvSpPr>
         <p:spPr>
           <a:xfrm>
-            <a:off x="5714142" y="3526104"/>
+            <a:off x="5950447" y="4481600"/>
             <a:ext cx="415498" cy="246221"/>
           </a:xfrm>
           <a:prstGeom prst="rect">
@@ -4742,7 +4565,7 @@
         </p:nvSpPr>
         <p:spPr>
           <a:xfrm>
-            <a:off x="7121701" y="3454184"/>
+            <a:off x="7358006" y="4409680"/>
             <a:ext cx="415498" cy="246221"/>
           </a:xfrm>
           <a:prstGeom prst="rect">
@@ -4778,7 +4601,7 @@
         </p:nvSpPr>
         <p:spPr>
           <a:xfrm>
-            <a:off x="5426465" y="4245294"/>
+            <a:off x="5662770" y="5200790"/>
             <a:ext cx="492443" cy="246221"/>
           </a:xfrm>
           <a:prstGeom prst="rect">
@@ -4814,7 +4637,7 @@
         </p:nvSpPr>
         <p:spPr>
           <a:xfrm>
-            <a:off x="7060056" y="4265843"/>
+            <a:off x="7296361" y="5221339"/>
             <a:ext cx="723275" cy="246221"/>
           </a:xfrm>
           <a:prstGeom prst="rect">
@@ -4853,7 +4676,7 @@
         </p:nvCxnSpPr>
         <p:spPr>
           <a:xfrm flipH="1">
-            <a:off x="5768249" y="4926450"/>
+            <a:off x="6004554" y="5881946"/>
             <a:ext cx="634483" cy="447279"/>
           </a:xfrm>
           <a:prstGeom prst="straightConnector1">
@@ -4894,7 +4717,7 @@
         </p:nvCxnSpPr>
         <p:spPr>
           <a:xfrm flipH="1">
-            <a:off x="6245302" y="5478010"/>
+            <a:off x="6481607" y="6433506"/>
             <a:ext cx="722297" cy="18830"/>
           </a:xfrm>
           <a:prstGeom prst="straightConnector1">
@@ -4924,6 +4747,534 @@
           </a:fontRef>
         </p:style>
       </p:cxnSp>
+      <p:sp>
+        <p:nvSpPr>
+          <p:cNvPr id="34" name="TextBox 33"/>
+          <p:cNvSpPr txBox="1"/>
+          <p:nvPr/>
+        </p:nvSpPr>
+        <p:spPr>
+          <a:xfrm>
+            <a:off x="3224377" y="1437014"/>
+            <a:ext cx="1569660" cy="246221"/>
+          </a:xfrm>
+          <a:prstGeom prst="rect">
+            <a:avLst/>
+          </a:prstGeom>
+          <a:ln/>
+        </p:spPr>
+        <p:style>
+          <a:lnRef idx="1">
+            <a:schemeClr val="accent1"/>
+          </a:lnRef>
+          <a:fillRef idx="3">
+            <a:schemeClr val="accent1"/>
+          </a:fillRef>
+          <a:effectRef idx="2">
+            <a:schemeClr val="accent1"/>
+          </a:effectRef>
+          <a:fontRef idx="minor">
+            <a:schemeClr val="lt1"/>
+          </a:fontRef>
+        </p:style>
+        <p:txBody>
+          <a:bodyPr wrap="none" rtlCol="0">
+            <a:spAutoFit/>
+          </a:bodyPr>
+          <a:lstStyle/>
+          <a:p>
+            <a:r>
+              <a:rPr lang="en-US" sz="1000" smtClean="0">
+                <a:latin typeface="Courier New" pitchFamily="49" charset="0"/>
+                <a:cs typeface="Courier New" pitchFamily="49" charset="0"/>
+              </a:rPr>
+              <a:t>guiThrottleProcess</a:t>
+            </a:r>
+            <a:endParaRPr lang="en-US" sz="1000" smtClean="0">
+              <a:latin typeface="Courier New" pitchFamily="49" charset="0"/>
+              <a:cs typeface="Courier New" pitchFamily="49" charset="0"/>
+            </a:endParaRPr>
+          </a:p>
+        </p:txBody>
+      </p:sp>
+      <p:cxnSp>
+        <p:nvCxnSpPr>
+          <p:cNvPr id="64" name="Straight Arrow Connector 63"/>
+          <p:cNvCxnSpPr>
+            <a:stCxn id="35" idx="1"/>
+            <a:endCxn id="34" idx="0"/>
+          </p:cNvCxnSpPr>
+          <p:nvPr/>
+        </p:nvCxnSpPr>
+        <p:spPr>
+          <a:xfrm flipH="1">
+            <a:off x="4009207" y="907732"/>
+            <a:ext cx="1264861" cy="529282"/>
+          </a:xfrm>
+          <a:prstGeom prst="straightConnector1">
+            <a:avLst/>
+          </a:prstGeom>
+          <a:ln>
+            <a:tailEnd type="arrow"/>
+          </a:ln>
+        </p:spPr>
+        <p:style>
+          <a:lnRef idx="1">
+            <a:schemeClr val="accent1"/>
+          </a:lnRef>
+          <a:fillRef idx="0">
+            <a:schemeClr val="accent1"/>
+          </a:fillRef>
+          <a:effectRef idx="0">
+            <a:schemeClr val="accent1"/>
+          </a:effectRef>
+          <a:fontRef idx="minor">
+            <a:schemeClr val="tx1"/>
+          </a:fontRef>
+        </p:style>
+      </p:cxnSp>
+      <p:sp>
+        <p:nvSpPr>
+          <p:cNvPr id="65" name="TextBox 64"/>
+          <p:cNvSpPr txBox="1"/>
+          <p:nvPr/>
+        </p:nvSpPr>
+        <p:spPr>
+          <a:xfrm>
+            <a:off x="3524035" y="976401"/>
+            <a:ext cx="1492716" cy="246221"/>
+          </a:xfrm>
+          <a:prstGeom prst="rect">
+            <a:avLst/>
+          </a:prstGeom>
+          <a:noFill/>
+        </p:spPr>
+        <p:txBody>
+          <a:bodyPr wrap="none" rtlCol="0">
+            <a:spAutoFit/>
+          </a:bodyPr>
+          <a:lstStyle/>
+          <a:p>
+            <a:r>
+              <a:rPr lang="en-US" sz="1000" smtClean="0">
+                <a:latin typeface="Courier New" pitchFamily="49" charset="0"/>
+                <a:cs typeface="Courier New" pitchFamily="49" charset="0"/>
+              </a:rPr>
+              <a:t>start(inQu,outQu)</a:t>
+            </a:r>
+            <a:endParaRPr lang="en-US" sz="1000">
+              <a:latin typeface="Courier New" pitchFamily="49" charset="0"/>
+              <a:cs typeface="Courier New" pitchFamily="49" charset="0"/>
+            </a:endParaRPr>
+          </a:p>
+        </p:txBody>
+      </p:sp>
+      <p:sp>
+        <p:nvSpPr>
+          <p:cNvPr id="66" name="TextBox 65"/>
+          <p:cNvSpPr txBox="1"/>
+          <p:nvPr/>
+        </p:nvSpPr>
+        <p:spPr>
+          <a:xfrm>
+            <a:off x="3236361" y="2147653"/>
+            <a:ext cx="1031051" cy="246221"/>
+          </a:xfrm>
+          <a:prstGeom prst="rect">
+            <a:avLst/>
+          </a:prstGeom>
+          <a:solidFill>
+            <a:schemeClr val="tx2">
+              <a:lumMod val="20000"/>
+              <a:lumOff val="80000"/>
+            </a:schemeClr>
+          </a:solidFill>
+          <a:ln cmpd="sng">
+            <a:solidFill>
+              <a:schemeClr val="tx1"/>
+            </a:solidFill>
+          </a:ln>
+        </p:spPr>
+        <p:txBody>
+          <a:bodyPr wrap="none" rtlCol="0">
+            <a:spAutoFit/>
+          </a:bodyPr>
+          <a:lstStyle/>
+          <a:p>
+            <a:r>
+              <a:rPr lang="en-US" sz="1000" smtClean="0">
+                <a:latin typeface="Courier New" pitchFamily="49" charset="0"/>
+                <a:cs typeface="Courier New" pitchFamily="49" charset="0"/>
+              </a:rPr>
+              <a:t>guiThrottle</a:t>
+            </a:r>
+            <a:endParaRPr lang="en-US" sz="1000" smtClean="0">
+              <a:latin typeface="Courier New" pitchFamily="49" charset="0"/>
+              <a:cs typeface="Courier New" pitchFamily="49" charset="0"/>
+            </a:endParaRPr>
+          </a:p>
+        </p:txBody>
+      </p:sp>
+      <p:sp>
+        <p:nvSpPr>
+          <p:cNvPr id="67" name="TextBox 66"/>
+          <p:cNvSpPr txBox="1"/>
+          <p:nvPr/>
+        </p:nvSpPr>
+        <p:spPr>
+          <a:xfrm>
+            <a:off x="2905874" y="1817168"/>
+            <a:ext cx="1492716" cy="246221"/>
+          </a:xfrm>
+          <a:prstGeom prst="rect">
+            <a:avLst/>
+          </a:prstGeom>
+          <a:noFill/>
+        </p:spPr>
+        <p:txBody>
+          <a:bodyPr wrap="none" rtlCol="0">
+            <a:spAutoFit/>
+          </a:bodyPr>
+          <a:lstStyle/>
+          <a:p>
+            <a:r>
+              <a:rPr lang="en-US" sz="1000" smtClean="0">
+                <a:latin typeface="Courier New" pitchFamily="49" charset="0"/>
+                <a:cs typeface="Courier New" pitchFamily="49" charset="0"/>
+              </a:rPr>
+              <a:t>start(inQu,outQu)</a:t>
+            </a:r>
+            <a:endParaRPr lang="en-US" sz="1000">
+              <a:latin typeface="Courier New" pitchFamily="49" charset="0"/>
+              <a:cs typeface="Courier New" pitchFamily="49" charset="0"/>
+            </a:endParaRPr>
+          </a:p>
+        </p:txBody>
+      </p:sp>
+      <p:cxnSp>
+        <p:nvCxnSpPr>
+          <p:cNvPr id="69" name="Straight Arrow Connector 68"/>
+          <p:cNvCxnSpPr>
+            <a:stCxn id="34" idx="2"/>
+            <a:endCxn id="66" idx="0"/>
+          </p:cNvCxnSpPr>
+          <p:nvPr/>
+        </p:nvCxnSpPr>
+        <p:spPr>
+          <a:xfrm flipH="1">
+            <a:off x="3751887" y="1683235"/>
+            <a:ext cx="257320" cy="464418"/>
+          </a:xfrm>
+          <a:prstGeom prst="straightConnector1">
+            <a:avLst/>
+          </a:prstGeom>
+          <a:ln>
+            <a:tailEnd type="arrow"/>
+          </a:ln>
+        </p:spPr>
+        <p:style>
+          <a:lnRef idx="1">
+            <a:schemeClr val="accent1"/>
+          </a:lnRef>
+          <a:fillRef idx="0">
+            <a:schemeClr val="accent1"/>
+          </a:fillRef>
+          <a:effectRef idx="0">
+            <a:schemeClr val="accent1"/>
+          </a:effectRef>
+          <a:fontRef idx="minor">
+            <a:schemeClr val="tx1"/>
+          </a:fontRef>
+        </p:style>
+      </p:cxnSp>
+      <p:sp>
+        <p:nvSpPr>
+          <p:cNvPr id="73" name="TextBox 72"/>
+          <p:cNvSpPr txBox="1"/>
+          <p:nvPr/>
+        </p:nvSpPr>
+        <p:spPr>
+          <a:xfrm>
+            <a:off x="4762073" y="2676775"/>
+            <a:ext cx="800219" cy="246221"/>
+          </a:xfrm>
+          <a:prstGeom prst="rect">
+            <a:avLst/>
+          </a:prstGeom>
+          <a:ln/>
+        </p:spPr>
+        <p:style>
+          <a:lnRef idx="1">
+            <a:schemeClr val="accent3"/>
+          </a:lnRef>
+          <a:fillRef idx="2">
+            <a:schemeClr val="accent3"/>
+          </a:fillRef>
+          <a:effectRef idx="1">
+            <a:schemeClr val="accent3"/>
+          </a:effectRef>
+          <a:fontRef idx="minor">
+            <a:schemeClr val="dk1"/>
+          </a:fontRef>
+        </p:style>
+        <p:txBody>
+          <a:bodyPr wrap="none" rtlCol="0">
+            <a:spAutoFit/>
+          </a:bodyPr>
+          <a:lstStyle/>
+          <a:p>
+            <a:r>
+              <a:rPr lang="en-US" sz="1000" smtClean="0">
+                <a:latin typeface="Courier New" pitchFamily="49" charset="0"/>
+                <a:cs typeface="Courier New" pitchFamily="49" charset="0"/>
+              </a:rPr>
+              <a:t>throttle</a:t>
+            </a:r>
+          </a:p>
+        </p:txBody>
+      </p:sp>
+      <p:sp>
+        <p:nvSpPr>
+          <p:cNvPr id="80" name="TextBox 79"/>
+          <p:cNvSpPr txBox="1"/>
+          <p:nvPr/>
+        </p:nvSpPr>
+        <p:spPr>
+          <a:xfrm>
+            <a:off x="3102794" y="2527801"/>
+            <a:ext cx="1569660" cy="553998"/>
+          </a:xfrm>
+          <a:prstGeom prst="rect">
+            <a:avLst/>
+          </a:prstGeom>
+          <a:noFill/>
+        </p:spPr>
+        <p:txBody>
+          <a:bodyPr wrap="none" rtlCol="0">
+            <a:spAutoFit/>
+          </a:bodyPr>
+          <a:lstStyle/>
+          <a:p>
+            <a:r>
+              <a:rPr lang="en-US" sz="1000" smtClean="0">
+                <a:latin typeface="Courier New" pitchFamily="49" charset="0"/>
+                <a:cs typeface="Courier New" pitchFamily="49" charset="0"/>
+              </a:rPr>
+              <a:t>create(inQu,outQu)</a:t>
+            </a:r>
+            <a:endParaRPr lang="en-US" sz="1000" smtClean="0">
+              <a:latin typeface="Courier New" pitchFamily="49" charset="0"/>
+              <a:cs typeface="Courier New" pitchFamily="49" charset="0"/>
+            </a:endParaRPr>
+          </a:p>
+          <a:p>
+            <a:r>
+              <a:rPr lang="en-US" sz="1000" smtClean="0">
+                <a:latin typeface="Courier New" pitchFamily="49" charset="0"/>
+                <a:cs typeface="Courier New" pitchFamily="49" charset="0"/>
+              </a:rPr>
+              <a:t>initTrain</a:t>
+            </a:r>
+            <a:endParaRPr lang="en-US" sz="1000" smtClean="0">
+              <a:latin typeface="Courier New" pitchFamily="49" charset="0"/>
+              <a:cs typeface="Courier New" pitchFamily="49" charset="0"/>
+            </a:endParaRPr>
+          </a:p>
+          <a:p>
+            <a:r>
+              <a:rPr lang="en-US" sz="1000" smtClean="0">
+                <a:latin typeface="Courier New" pitchFamily="49" charset="0"/>
+                <a:cs typeface="Courier New" pitchFamily="49" charset="0"/>
+              </a:rPr>
+              <a:t>. . . </a:t>
+            </a:r>
+            <a:endParaRPr lang="en-US" sz="1000">
+              <a:latin typeface="Courier New" pitchFamily="49" charset="0"/>
+              <a:cs typeface="Courier New" pitchFamily="49" charset="0"/>
+            </a:endParaRPr>
+          </a:p>
+        </p:txBody>
+      </p:sp>
+      <p:cxnSp>
+        <p:nvCxnSpPr>
+          <p:cNvPr id="85" name="Straight Arrow Connector 84"/>
+          <p:cNvCxnSpPr>
+            <a:stCxn id="66" idx="3"/>
+            <a:endCxn id="73" idx="0"/>
+          </p:cNvCxnSpPr>
+          <p:nvPr/>
+        </p:nvCxnSpPr>
+        <p:spPr>
+          <a:xfrm>
+            <a:off x="4267412" y="2270764"/>
+            <a:ext cx="894771" cy="406011"/>
+          </a:xfrm>
+          <a:prstGeom prst="straightConnector1">
+            <a:avLst/>
+          </a:prstGeom>
+          <a:ln>
+            <a:tailEnd type="arrow"/>
+          </a:ln>
+        </p:spPr>
+        <p:style>
+          <a:lnRef idx="1">
+            <a:schemeClr val="accent1"/>
+          </a:lnRef>
+          <a:fillRef idx="0">
+            <a:schemeClr val="accent1"/>
+          </a:fillRef>
+          <a:effectRef idx="0">
+            <a:schemeClr val="accent1"/>
+          </a:effectRef>
+          <a:fontRef idx="minor">
+            <a:schemeClr val="tx1"/>
+          </a:fontRef>
+        </p:style>
+      </p:cxnSp>
+      <p:cxnSp>
+        <p:nvCxnSpPr>
+          <p:cNvPr id="109" name="Straight Arrow Connector 108"/>
+          <p:cNvCxnSpPr>
+            <a:stCxn id="73" idx="2"/>
+            <a:endCxn id="39" idx="0"/>
+          </p:cNvCxnSpPr>
+          <p:nvPr/>
+        </p:nvCxnSpPr>
+        <p:spPr>
+          <a:xfrm>
+            <a:off x="5162183" y="2922996"/>
+            <a:ext cx="2204033" cy="971263"/>
+          </a:xfrm>
+          <a:prstGeom prst="straightConnector1">
+            <a:avLst/>
+          </a:prstGeom>
+          <a:ln>
+            <a:tailEnd type="arrow"/>
+          </a:ln>
+        </p:spPr>
+        <p:style>
+          <a:lnRef idx="1">
+            <a:schemeClr val="accent1"/>
+          </a:lnRef>
+          <a:fillRef idx="0">
+            <a:schemeClr val="accent1"/>
+          </a:fillRef>
+          <a:effectRef idx="0">
+            <a:schemeClr val="accent1"/>
+          </a:effectRef>
+          <a:fontRef idx="minor">
+            <a:schemeClr val="tx1"/>
+          </a:fontRef>
+        </p:style>
+      </p:cxnSp>
+      <p:cxnSp>
+        <p:nvCxnSpPr>
+          <p:cNvPr id="111" name="Straight Arrow Connector 110"/>
+          <p:cNvCxnSpPr>
+            <a:stCxn id="73" idx="2"/>
+            <a:endCxn id="43" idx="0"/>
+          </p:cNvCxnSpPr>
+          <p:nvPr/>
+        </p:nvCxnSpPr>
+        <p:spPr>
+          <a:xfrm>
+            <a:off x="5162183" y="2922996"/>
+            <a:ext cx="771588" cy="959274"/>
+          </a:xfrm>
+          <a:prstGeom prst="straightConnector1">
+            <a:avLst/>
+          </a:prstGeom>
+          <a:ln>
+            <a:tailEnd type="arrow"/>
+          </a:ln>
+        </p:spPr>
+        <p:style>
+          <a:lnRef idx="1">
+            <a:schemeClr val="accent1"/>
+          </a:lnRef>
+          <a:fillRef idx="0">
+            <a:schemeClr val="accent1"/>
+          </a:fillRef>
+          <a:effectRef idx="0">
+            <a:schemeClr val="accent1"/>
+          </a:effectRef>
+          <a:fontRef idx="minor">
+            <a:schemeClr val="tx1"/>
+          </a:fontRef>
+        </p:style>
+      </p:cxnSp>
+      <p:sp>
+        <p:nvSpPr>
+          <p:cNvPr id="112" name="TextBox 111"/>
+          <p:cNvSpPr txBox="1"/>
+          <p:nvPr/>
+        </p:nvSpPr>
+        <p:spPr>
+          <a:xfrm>
+            <a:off x="5208997" y="3298360"/>
+            <a:ext cx="415498" cy="246221"/>
+          </a:xfrm>
+          <a:prstGeom prst="rect">
+            <a:avLst/>
+          </a:prstGeom>
+          <a:noFill/>
+        </p:spPr>
+        <p:txBody>
+          <a:bodyPr wrap="none" rtlCol="0">
+            <a:spAutoFit/>
+          </a:bodyPr>
+          <a:lstStyle/>
+          <a:p>
+            <a:r>
+              <a:rPr lang="en-US" sz="1000" smtClean="0">
+                <a:latin typeface="Courier New" pitchFamily="49" charset="0"/>
+                <a:cs typeface="Courier New" pitchFamily="49" charset="0"/>
+              </a:rPr>
+              <a:t>put</a:t>
+            </a:r>
+            <a:endParaRPr lang="en-US" sz="1000">
+              <a:latin typeface="Courier New" pitchFamily="49" charset="0"/>
+              <a:cs typeface="Courier New" pitchFamily="49" charset="0"/>
+            </a:endParaRPr>
+          </a:p>
+        </p:txBody>
+      </p:sp>
+      <p:sp>
+        <p:nvSpPr>
+          <p:cNvPr id="113" name="TextBox 112"/>
+          <p:cNvSpPr txBox="1"/>
+          <p:nvPr/>
+        </p:nvSpPr>
+        <p:spPr>
+          <a:xfrm>
+            <a:off x="5488110" y="3012396"/>
+            <a:ext cx="415498" cy="246221"/>
+          </a:xfrm>
+          <a:prstGeom prst="rect">
+            <a:avLst/>
+          </a:prstGeom>
+          <a:noFill/>
+        </p:spPr>
+        <p:txBody>
+          <a:bodyPr wrap="none" rtlCol="0">
+            <a:spAutoFit/>
+          </a:bodyPr>
+          <a:lstStyle/>
+          <a:p>
+            <a:r>
+              <a:rPr lang="en-US" sz="1000" smtClean="0">
+                <a:latin typeface="Courier New" pitchFamily="49" charset="0"/>
+                <a:cs typeface="Courier New" pitchFamily="49" charset="0"/>
+              </a:rPr>
+              <a:t>get</a:t>
+            </a:r>
+            <a:endParaRPr lang="en-US" sz="1000">
+              <a:latin typeface="Courier New" pitchFamily="49" charset="0"/>
+              <a:cs typeface="Courier New" pitchFamily="49" charset="0"/>
+            </a:endParaRPr>
+          </a:p>
+        </p:txBody>
+      </p:sp>
     </p:spTree>
   </p:cSld>
   <p:clrMapOvr>
@@ -4986,19 +5337,8 @@
                 <a:latin typeface="Courier New" pitchFamily="49" charset="0"/>
                 <a:cs typeface="Courier New" pitchFamily="49" charset="0"/>
               </a:rPr>
-              <a:t>t</a:t>
-            </a:r>
-            <a:r>
-              <a:rPr lang="en-US" sz="1000" smtClean="0">
-                <a:latin typeface="Courier New" pitchFamily="49" charset="0"/>
-                <a:cs typeface="Courier New" pitchFamily="49" charset="0"/>
-              </a:rPr>
-              <a:t>hread</a:t>
-            </a:r>
-            <a:endParaRPr lang="en-US" sz="1000" smtClean="0">
-              <a:latin typeface="Courier New" pitchFamily="49" charset="0"/>
-              <a:cs typeface="Courier New" pitchFamily="49" charset="0"/>
-            </a:endParaRPr>
+              <a:t>thread</a:t>
+            </a:r>
           </a:p>
         </p:txBody>
       </p:sp>
@@ -5039,13 +5379,6 @@
               </a:rPr>
               <a:t>class</a:t>
             </a:r>
-            <a:endParaRPr lang="en-US" sz="1000" b="1" smtClean="0">
-              <a:solidFill>
-                <a:srgbClr val="FF0000"/>
-              </a:solidFill>
-              <a:latin typeface="Courier New" pitchFamily="49" charset="0"/>
-              <a:cs typeface="Courier New" pitchFamily="49" charset="0"/>
-            </a:endParaRPr>
           </a:p>
           <a:p>
             <a:r>
@@ -5064,10 +5397,6 @@
               </a:rPr>
               <a:t>methods</a:t>
             </a:r>
-            <a:endParaRPr lang="en-US" sz="1000" smtClean="0">
-              <a:latin typeface="Courier New" pitchFamily="49" charset="0"/>
-              <a:cs typeface="Courier New" pitchFamily="49" charset="0"/>
-            </a:endParaRPr>
           </a:p>
           <a:p>
             <a:r>
@@ -5086,10 +5415,6 @@
               </a:rPr>
               <a:t>data</a:t>
             </a:r>
-            <a:endParaRPr lang="en-US" sz="1000" smtClean="0">
-              <a:latin typeface="Courier New" pitchFamily="49" charset="0"/>
-              <a:cs typeface="Courier New" pitchFamily="49" charset="0"/>
-            </a:endParaRPr>
           </a:p>
         </p:txBody>
       </p:sp>
@@ -5136,10 +5461,6 @@
               </a:rPr>
               <a:t>object</a:t>
             </a:r>
-            <a:endParaRPr lang="en-US" sz="1000" smtClean="0">
-              <a:latin typeface="Courier New" pitchFamily="49" charset="0"/>
-              <a:cs typeface="Courier New" pitchFamily="49" charset="0"/>
-            </a:endParaRPr>
           </a:p>
         </p:txBody>
       </p:sp>
@@ -5184,19 +5505,8 @@
                 <a:latin typeface="Courier New" pitchFamily="49" charset="0"/>
                 <a:cs typeface="Courier New" pitchFamily="49" charset="0"/>
               </a:rPr>
-              <a:t>p</a:t>
-            </a:r>
-            <a:r>
-              <a:rPr lang="en-US" sz="1000" smtClean="0">
-                <a:latin typeface="Courier New" pitchFamily="49" charset="0"/>
-                <a:cs typeface="Courier New" pitchFamily="49" charset="0"/>
-              </a:rPr>
-              <a:t>rocess</a:t>
-            </a:r>
-            <a:endParaRPr lang="en-US" sz="1000" smtClean="0">
-              <a:latin typeface="Courier New" pitchFamily="49" charset="0"/>
-              <a:cs typeface="Courier New" pitchFamily="49" charset="0"/>
-            </a:endParaRPr>
+              <a:t>process</a:t>
+            </a:r>
           </a:p>
         </p:txBody>
       </p:sp>
@@ -5279,10 +5589,6 @@
               </a:rPr>
               <a:t>object</a:t>
             </a:r>
-            <a:endParaRPr lang="en-US" sz="1000" smtClean="0">
-              <a:latin typeface="Courier New" pitchFamily="49" charset="0"/>
-              <a:cs typeface="Courier New" pitchFamily="49" charset="0"/>
-            </a:endParaRPr>
           </a:p>
         </p:txBody>
       </p:sp>
@@ -5509,10 +5815,6 @@
               </a:rPr>
               <a:t>function</a:t>
             </a:r>
-            <a:endParaRPr lang="en-US" sz="1000" smtClean="0">
-              <a:latin typeface="Courier New" pitchFamily="49" charset="0"/>
-              <a:cs typeface="Courier New" pitchFamily="49" charset="0"/>
-            </a:endParaRPr>
           </a:p>
         </p:txBody>
       </p:sp>
@@ -5630,10 +5932,6 @@
               </a:rPr>
               <a:t>objFile</a:t>
             </a:r>
-            <a:endParaRPr lang="en-US" sz="1000" smtClean="0">
-              <a:latin typeface="Courier New" pitchFamily="49" charset="0"/>
-              <a:cs typeface="Courier New" pitchFamily="49" charset="0"/>
-            </a:endParaRPr>
           </a:p>
         </p:txBody>
       </p:sp>
@@ -5778,10 +6076,6 @@
               </a:rPr>
               <a:t>flushLog</a:t>
             </a:r>
-            <a:endParaRPr lang="en-US" sz="1000" smtClean="0">
-              <a:latin typeface="Courier New" pitchFamily="49" charset="0"/>
-              <a:cs typeface="Courier New" pitchFamily="49" charset="0"/>
-            </a:endParaRPr>
           </a:p>
           <a:p>
             <a:r>
@@ -5791,10 +6085,6 @@
               </a:rPr>
               <a:t>closeLog</a:t>
             </a:r>
-            <a:endParaRPr lang="en-US" sz="1000" smtClean="0">
-              <a:latin typeface="Courier New" pitchFamily="49" charset="0"/>
-              <a:cs typeface="Courier New" pitchFamily="49" charset="0"/>
-            </a:endParaRPr>
           </a:p>
           <a:p>
             <a:r>
@@ -5895,19 +6185,8 @@
                 <a:latin typeface="Courier New" pitchFamily="49" charset="0"/>
                 <a:cs typeface="Courier New" pitchFamily="49" charset="0"/>
               </a:rPr>
-              <a:t>l</a:t>
-            </a:r>
-            <a:r>
-              <a:rPr lang="en-US" sz="1000" smtClean="0">
-                <a:latin typeface="Courier New" pitchFamily="49" charset="0"/>
-                <a:cs typeface="Courier New" pitchFamily="49" charset="0"/>
-              </a:rPr>
-              <a:t>og</a:t>
-            </a:r>
-            <a:endParaRPr lang="en-US" sz="1000" smtClean="0">
-              <a:latin typeface="Courier New" pitchFamily="49" charset="0"/>
-              <a:cs typeface="Courier New" pitchFamily="49" charset="0"/>
-            </a:endParaRPr>
+              <a:t>log</a:t>
+            </a:r>
           </a:p>
         </p:txBody>
       </p:sp>
@@ -5948,21 +6227,7 @@
                 <a:latin typeface="Courier New" pitchFamily="49" charset="0"/>
                 <a:cs typeface="Courier New" pitchFamily="49" charset="0"/>
               </a:rPr>
-              <a:t>manyLinesToLog</a:t>
-            </a:r>
-            <a:r>
-              <a:rPr lang="en-US" sz="1000" smtClean="0">
-                <a:latin typeface="Courier New" pitchFamily="49" charset="0"/>
-                <a:cs typeface="Courier New" pitchFamily="49" charset="0"/>
-              </a:rPr>
-              <a:t> </a:t>
-            </a:r>
-            <a:r>
-              <a:rPr lang="en-US" sz="1000" smtClean="0">
-                <a:latin typeface="Courier New" pitchFamily="49" charset="0"/>
-                <a:cs typeface="Courier New" pitchFamily="49" charset="0"/>
-              </a:rPr>
-              <a:t>thread</a:t>
+              <a:t>manyLinesToLog thread</a:t>
             </a:r>
           </a:p>
         </p:txBody>
@@ -6217,19 +6482,8 @@
                 <a:latin typeface="Courier New" pitchFamily="49" charset="0"/>
                 <a:cs typeface="Courier New" pitchFamily="49" charset="0"/>
               </a:rPr>
-              <a:t>manyLinesToLog </a:t>
-            </a:r>
-            <a:r>
-              <a:rPr lang="en-US" sz="1000" smtClean="0">
-                <a:latin typeface="Courier New" pitchFamily="49" charset="0"/>
-                <a:cs typeface="Courier New" pitchFamily="49" charset="0"/>
-              </a:rPr>
-              <a:t>thread</a:t>
-            </a:r>
-            <a:endParaRPr lang="en-US" sz="1000" smtClean="0">
-              <a:latin typeface="Courier New" pitchFamily="49" charset="0"/>
-              <a:cs typeface="Courier New" pitchFamily="49" charset="0"/>
-            </a:endParaRPr>
+              <a:t>manyLinesToLog thread</a:t>
+            </a:r>
           </a:p>
         </p:txBody>
       </p:sp>
@@ -6430,14 +6684,7 @@
                 <a:latin typeface="Courier New" pitchFamily="49" charset="0"/>
                 <a:cs typeface="Courier New" pitchFamily="49" charset="0"/>
               </a:rPr>
-              <a:t>– </a:t>
-            </a:r>
-            <a:r>
-              <a:rPr lang="en-US" sz="1000" b="1" smtClean="0">
-                <a:latin typeface="Courier New" pitchFamily="49" charset="0"/>
-                <a:cs typeface="Courier New" pitchFamily="49" charset="0"/>
-              </a:rPr>
-              <a:t>protected data type</a:t>
+              <a:t>– protected data type</a:t>
             </a:r>
           </a:p>
           <a:p>
@@ -6457,10 +6704,6 @@
               </a:rPr>
               <a:t>myPrint(str)</a:t>
             </a:r>
-            <a:endParaRPr lang="en-US" sz="1000" smtClean="0">
-              <a:latin typeface="Courier New" pitchFamily="49" charset="0"/>
-              <a:cs typeface="Courier New" pitchFamily="49" charset="0"/>
-            </a:endParaRPr>
           </a:p>
           <a:p>
             <a:r>
@@ -6479,10 +6722,6 @@
               </a:rPr>
               <a:t>printCondition</a:t>
             </a:r>
-            <a:endParaRPr lang="en-US" sz="1000" smtClean="0">
-              <a:latin typeface="Courier New" pitchFamily="49" charset="0"/>
-              <a:cs typeface="Courier New" pitchFamily="49" charset="0"/>
-            </a:endParaRPr>
           </a:p>
         </p:txBody>
       </p:sp>
@@ -6531,10 +6770,6 @@
               </a:rPr>
               <a:t>screen</a:t>
             </a:r>
-            <a:endParaRPr lang="en-US" sz="1000" smtClean="0">
-              <a:latin typeface="Courier New" pitchFamily="49" charset="0"/>
-              <a:cs typeface="Courier New" pitchFamily="49" charset="0"/>
-            </a:endParaRPr>
           </a:p>
         </p:txBody>
       </p:sp>
@@ -6575,14 +6810,7 @@
                 <a:latin typeface="Courier New" pitchFamily="49" charset="0"/>
                 <a:cs typeface="Courier New" pitchFamily="49" charset="0"/>
               </a:rPr>
-              <a:t>manyLinesToScreen </a:t>
-            </a:r>
-            <a:r>
-              <a:rPr lang="en-US" sz="1000" smtClean="0">
-                <a:latin typeface="Courier New" pitchFamily="49" charset="0"/>
-                <a:cs typeface="Courier New" pitchFamily="49" charset="0"/>
-              </a:rPr>
-              <a:t>thread</a:t>
+              <a:t>manyLinesToScreen thread</a:t>
             </a:r>
           </a:p>
         </p:txBody>
@@ -6740,10 +6968,6 @@
               </a:rPr>
               <a:t>manyLinesToScreenthread</a:t>
             </a:r>
-            <a:endParaRPr lang="en-US" sz="1000" smtClean="0">
-              <a:latin typeface="Courier New" pitchFamily="49" charset="0"/>
-              <a:cs typeface="Courier New" pitchFamily="49" charset="0"/>
-            </a:endParaRPr>
           </a:p>
         </p:txBody>
       </p:sp>
@@ -6848,17 +7072,7 @@
                   </a:schemeClr>
                 </a:solidFill>
               </a:rPr>
-              <a:t>MyPrint</a:t>
-            </a:r>
-            <a:r>
-              <a:rPr lang="en-US" smtClean="0">
-                <a:solidFill>
-                  <a:schemeClr val="accent6">
-                    <a:lumMod val="75000"/>
-                  </a:schemeClr>
-                </a:solidFill>
-              </a:rPr>
-              <a:t>_Test.py</a:t>
+              <a:t>MyPrint_Test.py</a:t>
             </a:r>
             <a:endParaRPr lang="en-US">
               <a:solidFill>
@@ -6974,13 +7188,6 @@
               </a:rPr>
               <a:t>StartAndKill</a:t>
             </a:r>
-            <a:endParaRPr lang="en-US" sz="1000" b="1" smtClean="0">
-              <a:solidFill>
-                <a:srgbClr val="FF0000"/>
-              </a:solidFill>
-              <a:latin typeface="Courier New" pitchFamily="49" charset="0"/>
-              <a:cs typeface="Courier New" pitchFamily="49" charset="0"/>
-            </a:endParaRPr>
           </a:p>
           <a:p>
             <a:r>
@@ -7024,35 +7231,17 @@
                 <a:latin typeface="Courier New" pitchFamily="49" charset="0"/>
                 <a:cs typeface="Courier New" pitchFamily="49" charset="0"/>
               </a:rPr>
-              <a:t> </a:t>
-            </a:r>
-            <a:r>
-              <a:rPr lang="en-US" sz="1000" smtClean="0">
-                <a:latin typeface="Courier New" pitchFamily="49" charset="0"/>
-                <a:cs typeface="Courier New" pitchFamily="49" charset="0"/>
-              </a:rPr>
-              <a:t>     trace,logs,</a:t>
-            </a:r>
-          </a:p>
-          <a:p>
-            <a:r>
-              <a:rPr lang="en-US" sz="1000" smtClean="0">
-                <a:latin typeface="Courier New" pitchFamily="49" charset="0"/>
-                <a:cs typeface="Courier New" pitchFamily="49" charset="0"/>
-              </a:rPr>
-              <a:t> </a:t>
-            </a:r>
-            <a:r>
-              <a:rPr lang="en-US" sz="1000" smtClean="0">
-                <a:latin typeface="Courier New" pitchFamily="49" charset="0"/>
-                <a:cs typeface="Courier New" pitchFamily="49" charset="0"/>
-              </a:rPr>
-              <a:t>     layoutFile</a:t>
-            </a:r>
-            <a:endParaRPr lang="en-US" sz="1000" smtClean="0">
-              <a:latin typeface="Courier New" pitchFamily="49" charset="0"/>
-              <a:cs typeface="Courier New" pitchFamily="49" charset="0"/>
-            </a:endParaRPr>
+              <a:t>      trace,logs,</a:t>
+            </a:r>
+          </a:p>
+          <a:p>
+            <a:r>
+              <a:rPr lang="en-US" sz="1000" smtClean="0">
+                <a:latin typeface="Courier New" pitchFamily="49" charset="0"/>
+                <a:cs typeface="Courier New" pitchFamily="49" charset="0"/>
+              </a:rPr>
+              <a:t>      layoutFile</a:t>
+            </a:r>
           </a:p>
           <a:p>
             <a:r>
@@ -7071,10 +7260,6 @@
               </a:rPr>
               <a:t>gPath</a:t>
             </a:r>
-            <a:endParaRPr lang="en-US" sz="1000" smtClean="0">
-              <a:latin typeface="Courier New" pitchFamily="49" charset="0"/>
-              <a:cs typeface="Courier New" pitchFamily="49" charset="0"/>
-            </a:endParaRPr>
           </a:p>
         </p:txBody>
       </p:sp>
@@ -7086,7 +7271,7 @@
         </p:nvSpPr>
         <p:spPr>
           <a:xfrm>
-            <a:off x="3899045" y="1464070"/>
+            <a:off x="5676475" y="4125076"/>
             <a:ext cx="492443" cy="246221"/>
           </a:xfrm>
           <a:prstGeom prst="rect">
@@ -7121,10 +7306,6 @@
               </a:rPr>
               <a:t>main</a:t>
             </a:r>
-            <a:endParaRPr lang="en-US" sz="1000" smtClean="0">
-              <a:latin typeface="Courier New" pitchFamily="49" charset="0"/>
-              <a:cs typeface="Courier New" pitchFamily="49" charset="0"/>
-            </a:endParaRPr>
           </a:p>
         </p:txBody>
       </p:sp>
@@ -7136,7 +7317,7 @@
         </p:nvSpPr>
         <p:spPr>
           <a:xfrm>
-            <a:off x="3183277" y="748302"/>
+            <a:off x="4960707" y="3409308"/>
             <a:ext cx="2057166" cy="369332"/>
           </a:xfrm>
           <a:prstGeom prst="rect">
@@ -7178,7 +7359,7 @@
         </p:nvSpPr>
         <p:spPr>
           <a:xfrm>
-            <a:off x="4681593" y="1373311"/>
+            <a:off x="6459023" y="4034317"/>
             <a:ext cx="415498" cy="246221"/>
           </a:xfrm>
           <a:prstGeom prst="rect">
@@ -7213,19 +7394,8 @@
                 <a:latin typeface="Courier New" pitchFamily="49" charset="0"/>
                 <a:cs typeface="Courier New" pitchFamily="49" charset="0"/>
               </a:rPr>
-              <a:t>l</a:t>
-            </a:r>
-            <a:r>
-              <a:rPr lang="en-US" sz="1000" smtClean="0">
-                <a:latin typeface="Courier New" pitchFamily="49" charset="0"/>
-                <a:cs typeface="Courier New" pitchFamily="49" charset="0"/>
-              </a:rPr>
-              <a:t>og</a:t>
-            </a:r>
-            <a:endParaRPr lang="en-US" sz="1000" smtClean="0">
-              <a:latin typeface="Courier New" pitchFamily="49" charset="0"/>
-              <a:cs typeface="Courier New" pitchFamily="49" charset="0"/>
-            </a:endParaRPr>
+              <a:t>log</a:t>
+            </a:r>
           </a:p>
         </p:txBody>
       </p:sp>
@@ -7240,7 +7410,7 @@
         </p:nvCxnSpPr>
         <p:spPr>
           <a:xfrm flipV="1">
-            <a:off x="4391488" y="1496422"/>
+            <a:off x="6168918" y="4157428"/>
             <a:ext cx="290105" cy="90759"/>
           </a:xfrm>
           <a:prstGeom prst="straightConnector1">
@@ -7273,7 +7443,7 @@
         </p:nvSpPr>
         <p:spPr>
           <a:xfrm>
-            <a:off x="3436707" y="2306547"/>
+            <a:off x="5214137" y="4967553"/>
             <a:ext cx="1107996" cy="246221"/>
           </a:xfrm>
           <a:prstGeom prst="rect">
@@ -7310,10 +7480,6 @@
               </a:rPr>
               <a:t>startAndKill</a:t>
             </a:r>
-            <a:endParaRPr lang="en-US" sz="1000" smtClean="0">
-              <a:latin typeface="Courier New" pitchFamily="49" charset="0"/>
-              <a:cs typeface="Courier New" pitchFamily="49" charset="0"/>
-            </a:endParaRPr>
           </a:p>
         </p:txBody>
       </p:sp>
@@ -7328,7 +7494,7 @@
         </p:nvCxnSpPr>
         <p:spPr>
           <a:xfrm flipH="1">
-            <a:off x="3990705" y="1710291"/>
+            <a:off x="5768135" y="4371297"/>
             <a:ext cx="154562" cy="596256"/>
           </a:xfrm>
           <a:prstGeom prst="straightConnector1">
@@ -7361,7 +7527,7 @@
         </p:nvSpPr>
         <p:spPr>
           <a:xfrm>
-            <a:off x="4167883" y="1763730"/>
+            <a:off x="5945313" y="4424736"/>
             <a:ext cx="723275" cy="553998"/>
           </a:xfrm>
           <a:prstGeom prst="rect">
@@ -7542,10 +7708,6 @@
               </a:rPr>
               <a:t>attach(socket)</a:t>
             </a:r>
-            <a:endParaRPr lang="en-US" sz="1000" smtClean="0">
-              <a:latin typeface="Courier New" pitchFamily="49" charset="0"/>
-              <a:cs typeface="Courier New" pitchFamily="49" charset="0"/>
-            </a:endParaRPr>
           </a:p>
           <a:p>
             <a:r>
@@ -7555,10 +7717,6 @@
               </a:rPr>
               <a:t>close</a:t>
             </a:r>
-            <a:endParaRPr lang="en-US" sz="1000" smtClean="0">
-              <a:latin typeface="Courier New" pitchFamily="49" charset="0"/>
-              <a:cs typeface="Courier New" pitchFamily="49" charset="0"/>
-            </a:endParaRPr>
           </a:p>
           <a:p>
             <a:r>
@@ -7577,10 +7735,6 @@
               </a:rPr>
               <a:t>receive</a:t>
             </a:r>
-            <a:endParaRPr lang="en-US" sz="1000" smtClean="0">
-              <a:latin typeface="Courier New" pitchFamily="49" charset="0"/>
-              <a:cs typeface="Courier New" pitchFamily="49" charset="0"/>
-            </a:endParaRPr>
           </a:p>
           <a:p>
             <a:r>
@@ -7599,10 +7753,6 @@
               </a:rPr>
               <a:t>setup(socket)</a:t>
             </a:r>
-            <a:endParaRPr lang="en-US" sz="1000" smtClean="0">
-              <a:latin typeface="Courier New" pitchFamily="49" charset="0"/>
-              <a:cs typeface="Courier New" pitchFamily="49" charset="0"/>
-            </a:endParaRPr>
           </a:p>
           <a:p>
             <a:r>
@@ -7697,10 +7847,6 @@
               </a:rPr>
               <a:t>init(host,nm,port</a:t>
             </a:r>
-            <a:endParaRPr lang="en-US" sz="1000" smtClean="0">
-              <a:latin typeface="Courier New" pitchFamily="49" charset="0"/>
-              <a:cs typeface="Courier New" pitchFamily="49" charset="0"/>
-            </a:endParaRPr>
           </a:p>
           <a:p>
             <a:r>
@@ -7715,8 +7861,28 @@
                 <a:latin typeface="Courier New" pitchFamily="49" charset="0"/>
                 <a:cs typeface="Courier New" pitchFamily="49" charset="0"/>
               </a:rPr>
-              <a:t>    </a:t>
-            </a:r>
+              <a:t>    clientHandlerFunction)</a:t>
+            </a:r>
+          </a:p>
+          <a:p>
+            <a:r>
+              <a:rPr lang="en-US" sz="1000" smtClean="0">
+                <a:latin typeface="Courier New" pitchFamily="49" charset="0"/>
+                <a:cs typeface="Courier New" pitchFamily="49" charset="0"/>
+              </a:rPr>
+              <a:t>run</a:t>
+            </a:r>
+          </a:p>
+          <a:p>
+            <a:r>
+              <a:rPr lang="en-US" sz="1000" smtClean="0">
+                <a:latin typeface="Courier New" pitchFamily="49" charset="0"/>
+                <a:cs typeface="Courier New" pitchFamily="49" charset="0"/>
+              </a:rPr>
+              <a:t>----------</a:t>
+            </a:r>
+          </a:p>
+          <a:p>
             <a:r>
               <a:rPr lang="en-US" sz="1000" smtClean="0">
                 <a:latin typeface="Courier New" pitchFamily="49" charset="0"/>
@@ -7724,44 +7890,6 @@
               </a:rPr>
               <a:t>clientHandlerFunction</a:t>
             </a:r>
-            <a:r>
-              <a:rPr lang="en-US" sz="1000" smtClean="0">
-                <a:latin typeface="Courier New" pitchFamily="49" charset="0"/>
-                <a:cs typeface="Courier New" pitchFamily="49" charset="0"/>
-              </a:rPr>
-              <a:t>)</a:t>
-            </a:r>
-          </a:p>
-          <a:p>
-            <a:r>
-              <a:rPr lang="en-US" sz="1000" smtClean="0">
-                <a:latin typeface="Courier New" pitchFamily="49" charset="0"/>
-                <a:cs typeface="Courier New" pitchFamily="49" charset="0"/>
-              </a:rPr>
-              <a:t>run</a:t>
-            </a:r>
-            <a:endParaRPr lang="en-US" sz="1000" smtClean="0">
-              <a:latin typeface="Courier New" pitchFamily="49" charset="0"/>
-              <a:cs typeface="Courier New" pitchFamily="49" charset="0"/>
-            </a:endParaRPr>
-          </a:p>
-          <a:p>
-            <a:r>
-              <a:rPr lang="en-US" sz="1000" smtClean="0">
-                <a:latin typeface="Courier New" pitchFamily="49" charset="0"/>
-                <a:cs typeface="Courier New" pitchFamily="49" charset="0"/>
-              </a:rPr>
-              <a:t>----------</a:t>
-            </a:r>
-          </a:p>
-          <a:p>
-            <a:r>
-              <a:rPr lang="en-US" sz="1000" smtClean="0">
-                <a:latin typeface="Courier New" pitchFamily="49" charset="0"/>
-                <a:cs typeface="Courier New" pitchFamily="49" charset="0"/>
-              </a:rPr>
-              <a:t>clientHandlerFunction</a:t>
-            </a:r>
           </a:p>
           <a:p>
             <a:r>
@@ -7780,10 +7908,6 @@
               </a:rPr>
               <a:t>nm</a:t>
             </a:r>
-            <a:endParaRPr lang="en-US" sz="1000" smtClean="0">
-              <a:latin typeface="Courier New" pitchFamily="49" charset="0"/>
-              <a:cs typeface="Courier New" pitchFamily="49" charset="0"/>
-            </a:endParaRPr>
           </a:p>
           <a:p>
             <a:r>
@@ -7860,10 +7984,6 @@
               </a:rPr>
               <a:t>init(host,nm,prot</a:t>
             </a:r>
-            <a:endParaRPr lang="en-US" sz="1000" smtClean="0">
-              <a:latin typeface="Courier New" pitchFamily="49" charset="0"/>
-              <a:cs typeface="Courier New" pitchFamily="49" charset="0"/>
-            </a:endParaRPr>
           </a:p>
           <a:p>
             <a:r>
@@ -7878,8 +7998,28 @@
                 <a:latin typeface="Courier New" pitchFamily="49" charset="0"/>
                 <a:cs typeface="Courier New" pitchFamily="49" charset="0"/>
               </a:rPr>
-              <a:t>    </a:t>
-            </a:r>
+              <a:t>    clientHandlerFunction)</a:t>
+            </a:r>
+          </a:p>
+          <a:p>
+            <a:r>
+              <a:rPr lang="en-US" sz="1000" smtClean="0">
+                <a:latin typeface="Courier New" pitchFamily="49" charset="0"/>
+                <a:cs typeface="Courier New" pitchFamily="49" charset="0"/>
+              </a:rPr>
+              <a:t>run</a:t>
+            </a:r>
+          </a:p>
+          <a:p>
+            <a:r>
+              <a:rPr lang="en-US" sz="1000" smtClean="0">
+                <a:latin typeface="Courier New" pitchFamily="49" charset="0"/>
+                <a:cs typeface="Courier New" pitchFamily="49" charset="0"/>
+              </a:rPr>
+              <a:t>----------</a:t>
+            </a:r>
+          </a:p>
+          <a:p>
             <a:r>
               <a:rPr lang="en-US" sz="1000" smtClean="0">
                 <a:latin typeface="Courier New" pitchFamily="49" charset="0"/>
@@ -7887,44 +8027,6 @@
               </a:rPr>
               <a:t>clientHandlerFunction</a:t>
             </a:r>
-            <a:r>
-              <a:rPr lang="en-US" sz="1000" smtClean="0">
-                <a:latin typeface="Courier New" pitchFamily="49" charset="0"/>
-                <a:cs typeface="Courier New" pitchFamily="49" charset="0"/>
-              </a:rPr>
-              <a:t>)</a:t>
-            </a:r>
-          </a:p>
-          <a:p>
-            <a:r>
-              <a:rPr lang="en-US" sz="1000" smtClean="0">
-                <a:latin typeface="Courier New" pitchFamily="49" charset="0"/>
-                <a:cs typeface="Courier New" pitchFamily="49" charset="0"/>
-              </a:rPr>
-              <a:t>run</a:t>
-            </a:r>
-            <a:endParaRPr lang="en-US" sz="1000" smtClean="0">
-              <a:latin typeface="Courier New" pitchFamily="49" charset="0"/>
-              <a:cs typeface="Courier New" pitchFamily="49" charset="0"/>
-            </a:endParaRPr>
-          </a:p>
-          <a:p>
-            <a:r>
-              <a:rPr lang="en-US" sz="1000" smtClean="0">
-                <a:latin typeface="Courier New" pitchFamily="49" charset="0"/>
-                <a:cs typeface="Courier New" pitchFamily="49" charset="0"/>
-              </a:rPr>
-              <a:t>----------</a:t>
-            </a:r>
-          </a:p>
-          <a:p>
-            <a:r>
-              <a:rPr lang="en-US" sz="1000" smtClean="0">
-                <a:latin typeface="Courier New" pitchFamily="49" charset="0"/>
-                <a:cs typeface="Courier New" pitchFamily="49" charset="0"/>
-              </a:rPr>
-              <a:t>clientHandlerFunction</a:t>
-            </a:r>
           </a:p>
           <a:p>
             <a:r>
@@ -7934,10 +8036,6 @@
               </a:rPr>
               <a:t>nm</a:t>
             </a:r>
-            <a:endParaRPr lang="en-US" sz="1000" smtClean="0">
-              <a:latin typeface="Courier New" pitchFamily="49" charset="0"/>
-              <a:cs typeface="Courier New" pitchFamily="49" charset="0"/>
-            </a:endParaRPr>
           </a:p>
           <a:p>
             <a:r>
@@ -7985,17 +8083,7 @@
                 <a:latin typeface="Courier New" pitchFamily="49" charset="0"/>
                 <a:cs typeface="Courier New" pitchFamily="49" charset="0"/>
               </a:rPr>
-              <a:t>MsgOutQuPump(Thread</a:t>
-            </a:r>
-            <a:r>
-              <a:rPr lang="en-US" sz="1000" b="1" smtClean="0">
-                <a:solidFill>
-                  <a:srgbClr val="FF0000"/>
-                </a:solidFill>
-                <a:latin typeface="Courier New" pitchFamily="49" charset="0"/>
-                <a:cs typeface="Courier New" pitchFamily="49" charset="0"/>
-              </a:rPr>
-              <a:t>)</a:t>
+              <a:t>MsgOutQuPump(Thread)</a:t>
             </a:r>
           </a:p>
           <a:p>
@@ -8013,14 +8101,7 @@
                 <a:latin typeface="Courier New" pitchFamily="49" charset="0"/>
                 <a:cs typeface="Courier New" pitchFamily="49" charset="0"/>
               </a:rPr>
-              <a:t>init(nm,msgSocket,qu</a:t>
-            </a:r>
-            <a:r>
-              <a:rPr lang="en-US" sz="1000" smtClean="0">
-                <a:latin typeface="Courier New" pitchFamily="49" charset="0"/>
-                <a:cs typeface="Courier New" pitchFamily="49" charset="0"/>
-              </a:rPr>
-              <a:t>)</a:t>
+              <a:t>init(nm,msgSocket,qu)</a:t>
             </a:r>
           </a:p>
           <a:p>
@@ -8031,10 +8112,6 @@
               </a:rPr>
               <a:t>run</a:t>
             </a:r>
-            <a:endParaRPr lang="en-US" sz="1000" smtClean="0">
-              <a:latin typeface="Courier New" pitchFamily="49" charset="0"/>
-              <a:cs typeface="Courier New" pitchFamily="49" charset="0"/>
-            </a:endParaRPr>
           </a:p>
           <a:p>
             <a:r>
@@ -8167,19 +8244,8 @@
                 <a:latin typeface="Courier New" pitchFamily="49" charset="0"/>
                 <a:cs typeface="Courier New" pitchFamily="49" charset="0"/>
               </a:rPr>
-              <a:t>m</a:t>
-            </a:r>
-            <a:r>
-              <a:rPr lang="en-US" sz="1000" smtClean="0">
-                <a:latin typeface="Courier New" pitchFamily="49" charset="0"/>
-                <a:cs typeface="Courier New" pitchFamily="49" charset="0"/>
-              </a:rPr>
-              <a:t>sgOutQuPump</a:t>
-            </a:r>
-            <a:endParaRPr lang="en-US" sz="1000" smtClean="0">
-              <a:latin typeface="Courier New" pitchFamily="49" charset="0"/>
-              <a:cs typeface="Courier New" pitchFamily="49" charset="0"/>
-            </a:endParaRPr>
+              <a:t>msgOutQuPump</a:t>
+            </a:r>
           </a:p>
         </p:txBody>
       </p:sp>
@@ -8298,10 +8364,6 @@
               </a:rPr>
               <a:t>msgSocket</a:t>
             </a:r>
-            <a:endParaRPr lang="en-US" sz="1000" smtClean="0">
-              <a:latin typeface="Courier New" pitchFamily="49" charset="0"/>
-              <a:cs typeface="Courier New" pitchFamily="49" charset="0"/>
-            </a:endParaRPr>
           </a:p>
         </p:txBody>
       </p:sp>
@@ -8348,10 +8410,6 @@
               </a:rPr>
               <a:t>qu</a:t>
             </a:r>
-            <a:endParaRPr lang="en-US" sz="1000" smtClean="0">
-              <a:latin typeface="Courier New" pitchFamily="49" charset="0"/>
-              <a:cs typeface="Courier New" pitchFamily="49" charset="0"/>
-            </a:endParaRPr>
           </a:p>
         </p:txBody>
       </p:sp>
@@ -8534,17 +8592,7 @@
                 <a:latin typeface="Courier New" pitchFamily="49" charset="0"/>
                 <a:cs typeface="Courier New" pitchFamily="49" charset="0"/>
               </a:rPr>
-              <a:t>MsgInQuPump(Thread</a:t>
-            </a:r>
-            <a:r>
-              <a:rPr lang="en-US" sz="1000" b="1" smtClean="0">
-                <a:solidFill>
-                  <a:srgbClr val="FF0000"/>
-                </a:solidFill>
-                <a:latin typeface="Courier New" pitchFamily="49" charset="0"/>
-                <a:cs typeface="Courier New" pitchFamily="49" charset="0"/>
-              </a:rPr>
-              <a:t>)</a:t>
+              <a:t>MsgInQuPump(Thread)</a:t>
             </a:r>
           </a:p>
           <a:p>
@@ -8562,14 +8610,7 @@
                 <a:latin typeface="Courier New" pitchFamily="49" charset="0"/>
                 <a:cs typeface="Courier New" pitchFamily="49" charset="0"/>
               </a:rPr>
-              <a:t>init(nm,msgSocket,qu</a:t>
-            </a:r>
-            <a:r>
-              <a:rPr lang="en-US" sz="1000" smtClean="0">
-                <a:latin typeface="Courier New" pitchFamily="49" charset="0"/>
-                <a:cs typeface="Courier New" pitchFamily="49" charset="0"/>
-              </a:rPr>
-              <a:t>)</a:t>
+              <a:t>init(nm,msgSocket,qu)</a:t>
             </a:r>
           </a:p>
           <a:p>
@@ -8580,10 +8621,6 @@
               </a:rPr>
               <a:t>run</a:t>
             </a:r>
-            <a:endParaRPr lang="en-US" sz="1000" smtClean="0">
-              <a:latin typeface="Courier New" pitchFamily="49" charset="0"/>
-              <a:cs typeface="Courier New" pitchFamily="49" charset="0"/>
-            </a:endParaRPr>
           </a:p>
           <a:p>
             <a:r>
@@ -8716,19 +8753,8 @@
                 <a:latin typeface="Courier New" pitchFamily="49" charset="0"/>
                 <a:cs typeface="Courier New" pitchFamily="49" charset="0"/>
               </a:rPr>
-              <a:t>m</a:t>
-            </a:r>
-            <a:r>
-              <a:rPr lang="en-US" sz="1000" smtClean="0">
-                <a:latin typeface="Courier New" pitchFamily="49" charset="0"/>
-                <a:cs typeface="Courier New" pitchFamily="49" charset="0"/>
-              </a:rPr>
-              <a:t>sgInQuPump</a:t>
-            </a:r>
-            <a:endParaRPr lang="en-US" sz="1000" smtClean="0">
-              <a:latin typeface="Courier New" pitchFamily="49" charset="0"/>
-              <a:cs typeface="Courier New" pitchFamily="49" charset="0"/>
-            </a:endParaRPr>
+              <a:t>msgInQuPump</a:t>
+            </a:r>
           </a:p>
         </p:txBody>
       </p:sp>
@@ -8847,10 +8873,6 @@
               </a:rPr>
               <a:t>msgSocket</a:t>
             </a:r>
-            <a:endParaRPr lang="en-US" sz="1000" smtClean="0">
-              <a:latin typeface="Courier New" pitchFamily="49" charset="0"/>
-              <a:cs typeface="Courier New" pitchFamily="49" charset="0"/>
-            </a:endParaRPr>
           </a:p>
         </p:txBody>
       </p:sp>
@@ -8897,10 +8919,6 @@
               </a:rPr>
               <a:t>qu</a:t>
             </a:r>
-            <a:endParaRPr lang="en-US" sz="1000" smtClean="0">
-              <a:latin typeface="Courier New" pitchFamily="49" charset="0"/>
-              <a:cs typeface="Courier New" pitchFamily="49" charset="0"/>
-            </a:endParaRPr>
           </a:p>
         </p:txBody>
       </p:sp>
@@ -9191,10 +9209,6 @@
               </a:rPr>
               <a:t>waitFor</a:t>
             </a:r>
-            <a:endParaRPr lang="en-US" sz="1000" smtClean="0">
-              <a:latin typeface="Courier New" pitchFamily="49" charset="0"/>
-              <a:cs typeface="Courier New" pitchFamily="49" charset="0"/>
-            </a:endParaRPr>
           </a:p>
         </p:txBody>
       </p:sp>
@@ -9312,10 +9326,6 @@
               </a:rPr>
               <a:t>qu</a:t>
             </a:r>
-            <a:endParaRPr lang="en-US" sz="1000" smtClean="0">
-              <a:latin typeface="Courier New" pitchFamily="49" charset="0"/>
-              <a:cs typeface="Courier New" pitchFamily="49" charset="0"/>
-            </a:endParaRPr>
           </a:p>
         </p:txBody>
       </p:sp>
@@ -9453,19 +9463,8 @@
                 <a:latin typeface="Courier New" pitchFamily="49" charset="0"/>
                 <a:cs typeface="Courier New" pitchFamily="49" charset="0"/>
               </a:rPr>
-              <a:t>c</a:t>
-            </a:r>
-            <a:r>
-              <a:rPr lang="en-US" sz="1000" smtClean="0">
-                <a:latin typeface="Courier New" pitchFamily="49" charset="0"/>
-                <a:cs typeface="Courier New" pitchFamily="49" charset="0"/>
-              </a:rPr>
-              <a:t>lientHandlerThread</a:t>
-            </a:r>
-            <a:endParaRPr lang="en-US" sz="1000" smtClean="0">
-              <a:latin typeface="Courier New" pitchFamily="49" charset="0"/>
-              <a:cs typeface="Courier New" pitchFamily="49" charset="0"/>
-            </a:endParaRPr>
+              <a:t>clientHandlerThread</a:t>
+            </a:r>
           </a:p>
         </p:txBody>
       </p:sp>
@@ -9506,19 +9505,8 @@
                 <a:latin typeface="Courier New" pitchFamily="49" charset="0"/>
                 <a:cs typeface="Courier New" pitchFamily="49" charset="0"/>
               </a:rPr>
-              <a:t>m</a:t>
-            </a:r>
-            <a:r>
-              <a:rPr lang="en-US" sz="1000" smtClean="0">
-                <a:latin typeface="Courier New" pitchFamily="49" charset="0"/>
-                <a:cs typeface="Courier New" pitchFamily="49" charset="0"/>
-              </a:rPr>
-              <a:t>sgServerThread</a:t>
-            </a:r>
-            <a:endParaRPr lang="en-US" sz="1000" smtClean="0">
-              <a:latin typeface="Courier New" pitchFamily="49" charset="0"/>
-              <a:cs typeface="Courier New" pitchFamily="49" charset="0"/>
-            </a:endParaRPr>
+              <a:t>msgServerThread</a:t>
+            </a:r>
           </a:p>
         </p:txBody>
       </p:sp>
@@ -9563,19 +9551,8 @@
                 <a:latin typeface="Courier New" pitchFamily="49" charset="0"/>
                 <a:cs typeface="Courier New" pitchFamily="49" charset="0"/>
               </a:rPr>
-              <a:t>m</a:t>
-            </a:r>
-            <a:r>
-              <a:rPr lang="en-US" sz="1000" smtClean="0">
-                <a:latin typeface="Courier New" pitchFamily="49" charset="0"/>
-                <a:cs typeface="Courier New" pitchFamily="49" charset="0"/>
-              </a:rPr>
-              <a:t>sgSocket</a:t>
-            </a:r>
-            <a:endParaRPr lang="en-US" sz="1000" smtClean="0">
-              <a:latin typeface="Courier New" pitchFamily="49" charset="0"/>
-              <a:cs typeface="Courier New" pitchFamily="49" charset="0"/>
-            </a:endParaRPr>
+              <a:t>msgSocket</a:t>
+            </a:r>
           </a:p>
         </p:txBody>
       </p:sp>
@@ -9651,30 +9628,16 @@
                 <a:latin typeface="Courier New" pitchFamily="49" charset="0"/>
                 <a:cs typeface="Courier New" pitchFamily="49" charset="0"/>
               </a:rPr>
-              <a:t>co</a:t>
-            </a:r>
-            <a:r>
-              <a:rPr lang="en-US" sz="1000" smtClean="0">
-                <a:latin typeface="Courier New" pitchFamily="49" charset="0"/>
-                <a:cs typeface="Courier New" pitchFamily="49" charset="0"/>
-              </a:rPr>
-              <a:t>nnect</a:t>
-            </a:r>
-          </a:p>
-          <a:p>
-            <a:r>
-              <a:rPr lang="en-US" sz="1000" smtClean="0">
-                <a:latin typeface="Courier New" pitchFamily="49" charset="0"/>
-                <a:cs typeface="Courier New" pitchFamily="49" charset="0"/>
-              </a:rPr>
-              <a:t>s</a:t>
-            </a:r>
-            <a:r>
-              <a:rPr lang="en-US" sz="1000" smtClean="0">
-                <a:latin typeface="Courier New" pitchFamily="49" charset="0"/>
-                <a:cs typeface="Courier New" pitchFamily="49" charset="0"/>
-              </a:rPr>
-              <a:t>end</a:t>
+              <a:t>connect</a:t>
+            </a:r>
+          </a:p>
+          <a:p>
+            <a:r>
+              <a:rPr lang="en-US" sz="1000" smtClean="0">
+                <a:latin typeface="Courier New" pitchFamily="49" charset="0"/>
+                <a:cs typeface="Courier New" pitchFamily="49" charset="0"/>
+              </a:rPr>
+              <a:t>send</a:t>
             </a:r>
           </a:p>
           <a:p>
@@ -10034,13 +9997,6 @@
               </a:rPr>
               <a:t>MsgHandler.py</a:t>
             </a:r>
-            <a:endParaRPr lang="en-US" smtClean="0">
-              <a:solidFill>
-                <a:schemeClr val="accent6">
-                  <a:lumMod val="75000"/>
-                </a:schemeClr>
-              </a:solidFill>
-            </a:endParaRPr>
           </a:p>
           <a:p>
             <a:pPr algn="ctr"/>
@@ -10052,17 +10008,7 @@
                   </a:schemeClr>
                 </a:solidFill>
               </a:rPr>
-              <a:t>u</a:t>
-            </a:r>
-            <a:r>
-              <a:rPr lang="en-US" smtClean="0">
-                <a:solidFill>
-                  <a:schemeClr val="accent6">
-                    <a:lumMod val="75000"/>
-                  </a:schemeClr>
-                </a:solidFill>
-              </a:rPr>
-              <a:t>sage</a:t>
+              <a:t>usage</a:t>
             </a:r>
           </a:p>
           <a:p>
@@ -10125,10 +10071,6 @@
               </a:rPr>
               <a:t>listen</a:t>
             </a:r>
-            <a:endParaRPr lang="en-US" sz="1000" smtClean="0">
-              <a:latin typeface="Courier New" pitchFamily="49" charset="0"/>
-              <a:cs typeface="Courier New" pitchFamily="49" charset="0"/>
-            </a:endParaRPr>
           </a:p>
           <a:p>
             <a:r>
@@ -10188,10 +10130,6 @@
               </a:rPr>
               <a:t>clientHandlerFunction(MsgSocket)</a:t>
             </a:r>
-            <a:endParaRPr lang="en-US" sz="1000" smtClean="0">
-              <a:latin typeface="Courier New" pitchFamily="49" charset="0"/>
-              <a:cs typeface="Courier New" pitchFamily="49" charset="0"/>
-            </a:endParaRPr>
           </a:p>
         </p:txBody>
       </p:sp>
@@ -10274,10 +10212,6 @@
               </a:rPr>
               <a:t>socket</a:t>
             </a:r>
-            <a:endParaRPr lang="en-US" sz="1000" smtClean="0">
-              <a:latin typeface="Courier New" pitchFamily="49" charset="0"/>
-              <a:cs typeface="Courier New" pitchFamily="49" charset="0"/>
-            </a:endParaRPr>
           </a:p>
         </p:txBody>
       </p:sp>
@@ -10356,10 +10290,6 @@
               </a:rPr>
               <a:t>some process or thread</a:t>
             </a:r>
-            <a:endParaRPr lang="en-US" sz="1000" smtClean="0">
-              <a:latin typeface="Courier New" pitchFamily="49" charset="0"/>
-              <a:cs typeface="Courier New" pitchFamily="49" charset="0"/>
-            </a:endParaRPr>
           </a:p>
         </p:txBody>
       </p:sp>
@@ -10402,10 +10332,6 @@
               </a:rPr>
               <a:t>some process or thread</a:t>
             </a:r>
-            <a:endParaRPr lang="en-US" sz="1000" smtClean="0">
-              <a:latin typeface="Courier New" pitchFamily="49" charset="0"/>
-              <a:cs typeface="Courier New" pitchFamily="49" charset="0"/>
-            </a:endParaRPr>
           </a:p>
         </p:txBody>
       </p:sp>
@@ -10513,10 +10439,6 @@
               </a:rPr>
               <a:t>main</a:t>
             </a:r>
-            <a:endParaRPr lang="en-US" sz="1000" smtClean="0">
-              <a:latin typeface="Courier New" pitchFamily="49" charset="0"/>
-              <a:cs typeface="Courier New" pitchFamily="49" charset="0"/>
-            </a:endParaRPr>
           </a:p>
         </p:txBody>
       </p:sp>
@@ -10563,19 +10485,8 @@
                 <a:latin typeface="Courier New" pitchFamily="49" charset="0"/>
                 <a:cs typeface="Courier New" pitchFamily="49" charset="0"/>
               </a:rPr>
-              <a:t>l</a:t>
-            </a:r>
-            <a:r>
-              <a:rPr lang="en-US" sz="1000" smtClean="0">
-                <a:latin typeface="Courier New" pitchFamily="49" charset="0"/>
-                <a:cs typeface="Courier New" pitchFamily="49" charset="0"/>
-              </a:rPr>
-              <a:t>og</a:t>
-            </a:r>
-            <a:endParaRPr lang="en-US" sz="1000" smtClean="0">
-              <a:latin typeface="Courier New" pitchFamily="49" charset="0"/>
-              <a:cs typeface="Courier New" pitchFamily="49" charset="0"/>
-            </a:endParaRPr>
+              <a:t>log</a:t>
+            </a:r>
           </a:p>
         </p:txBody>
       </p:sp>
@@ -10736,10 +10647,6 @@
               </a:rPr>
               <a:t>testSend</a:t>
             </a:r>
-            <a:endParaRPr lang="en-US" sz="1000" smtClean="0">
-              <a:latin typeface="Courier New" pitchFamily="49" charset="0"/>
-              <a:cs typeface="Courier New" pitchFamily="49" charset="0"/>
-            </a:endParaRPr>
           </a:p>
         </p:txBody>
       </p:sp>
@@ -10858,10 +10765,6 @@
               </a:rPr>
               <a:t>testReceive</a:t>
             </a:r>
-            <a:endParaRPr lang="en-US" sz="1000" smtClean="0">
-              <a:latin typeface="Courier New" pitchFamily="49" charset="0"/>
-              <a:cs typeface="Courier New" pitchFamily="49" charset="0"/>
-            </a:endParaRPr>
           </a:p>
         </p:txBody>
       </p:sp>
@@ -10979,10 +10882,6 @@
               </a:rPr>
               <a:t>testTalkingToController</a:t>
             </a:r>
-            <a:endParaRPr lang="en-US" sz="1000" smtClean="0">
-              <a:latin typeface="Courier New" pitchFamily="49" charset="0"/>
-              <a:cs typeface="Courier New" pitchFamily="49" charset="0"/>
-            </a:endParaRPr>
           </a:p>
         </p:txBody>
       </p:sp>
@@ -11065,10 +10964,6 @@
               </a:rPr>
               <a:t>railSocket</a:t>
             </a:r>
-            <a:endParaRPr lang="en-US" sz="1000" smtClean="0">
-              <a:latin typeface="Courier New" pitchFamily="49" charset="0"/>
-              <a:cs typeface="Courier New" pitchFamily="49" charset="0"/>
-            </a:endParaRPr>
           </a:p>
         </p:txBody>
       </p:sp>
@@ -11146,10 +11041,6 @@
               </a:rPr>
               <a:t>connect</a:t>
             </a:r>
-            <a:endParaRPr lang="en-US" sz="1000" smtClean="0">
-              <a:latin typeface="Courier New" pitchFamily="49" charset="0"/>
-              <a:cs typeface="Courier New" pitchFamily="49" charset="0"/>
-            </a:endParaRPr>
           </a:p>
           <a:p>
             <a:r>
@@ -11220,10 +11111,6 @@
               </a:rPr>
               <a:t>simulator</a:t>
             </a:r>
-            <a:endParaRPr lang="en-US" sz="1000" smtClean="0">
-              <a:latin typeface="Courier New" pitchFamily="49" charset="0"/>
-              <a:cs typeface="Courier New" pitchFamily="49" charset="0"/>
-            </a:endParaRPr>
           </a:p>
         </p:txBody>
       </p:sp>
@@ -11385,10 +11272,6 @@
               </a:rPr>
               <a:t>simulator</a:t>
             </a:r>
-            <a:endParaRPr lang="en-US" sz="1000" smtClean="0">
-              <a:latin typeface="Courier New" pitchFamily="49" charset="0"/>
-              <a:cs typeface="Courier New" pitchFamily="49" charset="0"/>
-            </a:endParaRPr>
           </a:p>
         </p:txBody>
       </p:sp>
@@ -11471,10 +11354,6 @@
               </a:rPr>
               <a:t>railSocket</a:t>
             </a:r>
-            <a:endParaRPr lang="en-US" sz="1000" smtClean="0">
-              <a:latin typeface="Courier New" pitchFamily="49" charset="0"/>
-              <a:cs typeface="Courier New" pitchFamily="49" charset="0"/>
-            </a:endParaRPr>
           </a:p>
         </p:txBody>
       </p:sp>
@@ -11553,10 +11432,6 @@
               </a:rPr>
               <a:t>connect</a:t>
             </a:r>
-            <a:endParaRPr lang="en-US" sz="1000" smtClean="0">
-              <a:latin typeface="Courier New" pitchFamily="49" charset="0"/>
-              <a:cs typeface="Courier New" pitchFamily="49" charset="0"/>
-            </a:endParaRPr>
           </a:p>
           <a:p>
             <a:r>
@@ -11646,10 +11521,6 @@
               </a:rPr>
               <a:t>Directly</a:t>
             </a:r>
-            <a:endParaRPr lang="en-US" sz="1000" smtClean="0">
-              <a:latin typeface="Courier New" pitchFamily="49" charset="0"/>
-              <a:cs typeface="Courier New" pitchFamily="49" charset="0"/>
-            </a:endParaRPr>
           </a:p>
         </p:txBody>
       </p:sp>
@@ -11988,10 +11859,6 @@
               </a:rPr>
               <a:t>controller</a:t>
             </a:r>
-            <a:endParaRPr lang="en-US" sz="1000" smtClean="0">
-              <a:latin typeface="Courier New" pitchFamily="49" charset="0"/>
-              <a:cs typeface="Courier New" pitchFamily="49" charset="0"/>
-            </a:endParaRPr>
           </a:p>
         </p:txBody>
       </p:sp>
@@ -12040,10 +11907,6 @@
               </a:rPr>
               <a:t>simulator</a:t>
             </a:r>
-            <a:endParaRPr lang="en-US" sz="1000" smtClean="0">
-              <a:latin typeface="Courier New" pitchFamily="49" charset="0"/>
-              <a:cs typeface="Courier New" pitchFamily="49" charset="0"/>
-            </a:endParaRPr>
           </a:p>
         </p:txBody>
       </p:sp>
@@ -12090,10 +11953,6 @@
               </a:rPr>
               <a:t>railSocket</a:t>
             </a:r>
-            <a:endParaRPr lang="en-US" sz="1000" smtClean="0">
-              <a:latin typeface="Courier New" pitchFamily="49" charset="0"/>
-              <a:cs typeface="Courier New" pitchFamily="49" charset="0"/>
-            </a:endParaRPr>
           </a:p>
         </p:txBody>
       </p:sp>
@@ -12164,10 +12023,6 @@
               </a:rPr>
               <a:t>Controller</a:t>
             </a:r>
-            <a:endParaRPr lang="en-US" sz="1000" smtClean="0">
-              <a:latin typeface="Courier New" pitchFamily="49" charset="0"/>
-              <a:cs typeface="Courier New" pitchFamily="49" charset="0"/>
-            </a:endParaRPr>
           </a:p>
         </p:txBody>
       </p:sp>
@@ -12647,10 +12502,6 @@
               </a:rPr>
               <a:t>connect</a:t>
             </a:r>
-            <a:endParaRPr lang="en-US" sz="1000" smtClean="0">
-              <a:latin typeface="Courier New" pitchFamily="49" charset="0"/>
-              <a:cs typeface="Courier New" pitchFamily="49" charset="0"/>
-            </a:endParaRPr>
           </a:p>
           <a:p>
             <a:r>
@@ -12896,21 +12747,7 @@
                 <a:latin typeface="Courier New" pitchFamily="49" charset="0"/>
                 <a:cs typeface="Courier New" pitchFamily="49" charset="0"/>
               </a:rPr>
-              <a:t>c</a:t>
-            </a:r>
-            <a:r>
-              <a:rPr lang="en-US" sz="1000" smtClean="0">
-                <a:latin typeface="Courier New" pitchFamily="49" charset="0"/>
-                <a:cs typeface="Courier New" pitchFamily="49" charset="0"/>
-              </a:rPr>
-              <a:t>lient </a:t>
-            </a:r>
-            <a:r>
-              <a:rPr lang="en-US" sz="1000" smtClean="0">
-                <a:latin typeface="Courier New" pitchFamily="49" charset="0"/>
-                <a:cs typeface="Courier New" pitchFamily="49" charset="0"/>
-              </a:rPr>
-              <a:t>process</a:t>
+              <a:t>client process</a:t>
             </a:r>
           </a:p>
         </p:txBody>
@@ -12956,21 +12793,7 @@
                 <a:latin typeface="Courier New" pitchFamily="49" charset="0"/>
                 <a:cs typeface="Courier New" pitchFamily="49" charset="0"/>
               </a:rPr>
-              <a:t>s</a:t>
-            </a:r>
-            <a:r>
-              <a:rPr lang="en-US" sz="1000" smtClean="0">
-                <a:latin typeface="Courier New" pitchFamily="49" charset="0"/>
-                <a:cs typeface="Courier New" pitchFamily="49" charset="0"/>
-              </a:rPr>
-              <a:t>erver </a:t>
-            </a:r>
-            <a:r>
-              <a:rPr lang="en-US" sz="1000" smtClean="0">
-                <a:latin typeface="Courier New" pitchFamily="49" charset="0"/>
-                <a:cs typeface="Courier New" pitchFamily="49" charset="0"/>
-              </a:rPr>
-              <a:t>process</a:t>
+              <a:t>server process</a:t>
             </a:r>
           </a:p>
         </p:txBody>
@@ -13018,10 +12841,6 @@
               </a:rPr>
               <a:t>clientHandlerFunction</a:t>
             </a:r>
-            <a:endParaRPr lang="en-US" sz="1000" smtClean="0">
-              <a:latin typeface="Courier New" pitchFamily="49" charset="0"/>
-              <a:cs typeface="Courier New" pitchFamily="49" charset="0"/>
-            </a:endParaRPr>
           </a:p>
         </p:txBody>
       </p:sp>
@@ -13062,19 +12881,8 @@
                 <a:latin typeface="Courier New" pitchFamily="49" charset="0"/>
                 <a:cs typeface="Courier New" pitchFamily="49" charset="0"/>
               </a:rPr>
-              <a:t>m</a:t>
-            </a:r>
-            <a:r>
-              <a:rPr lang="en-US" sz="1000" smtClean="0">
-                <a:latin typeface="Courier New" pitchFamily="49" charset="0"/>
-                <a:cs typeface="Courier New" pitchFamily="49" charset="0"/>
-              </a:rPr>
-              <a:t>sgServerThread</a:t>
-            </a:r>
-            <a:endParaRPr lang="en-US" sz="1000" smtClean="0">
-              <a:latin typeface="Courier New" pitchFamily="49" charset="0"/>
-              <a:cs typeface="Courier New" pitchFamily="49" charset="0"/>
-            </a:endParaRPr>
+              <a:t>msgServerThread</a:t>
+            </a:r>
           </a:p>
         </p:txBody>
       </p:sp>
@@ -13119,19 +12927,8 @@
                 <a:latin typeface="Courier New" pitchFamily="49" charset="0"/>
                 <a:cs typeface="Courier New" pitchFamily="49" charset="0"/>
               </a:rPr>
-              <a:t>m</a:t>
-            </a:r>
-            <a:r>
-              <a:rPr lang="en-US" sz="1000" smtClean="0">
-                <a:latin typeface="Courier New" pitchFamily="49" charset="0"/>
-                <a:cs typeface="Courier New" pitchFamily="49" charset="0"/>
-              </a:rPr>
-              <a:t>sgSocket</a:t>
-            </a:r>
-            <a:endParaRPr lang="en-US" sz="1000" smtClean="0">
-              <a:latin typeface="Courier New" pitchFamily="49" charset="0"/>
-              <a:cs typeface="Courier New" pitchFamily="49" charset="0"/>
-            </a:endParaRPr>
+              <a:t>msgSocket</a:t>
+            </a:r>
           </a:p>
         </p:txBody>
       </p:sp>
@@ -13243,30 +13040,16 @@
                 <a:latin typeface="Courier New" pitchFamily="49" charset="0"/>
                 <a:cs typeface="Courier New" pitchFamily="49" charset="0"/>
               </a:rPr>
-              <a:t>co</a:t>
-            </a:r>
-            <a:r>
-              <a:rPr lang="en-US" sz="1000" smtClean="0">
-                <a:latin typeface="Courier New" pitchFamily="49" charset="0"/>
-                <a:cs typeface="Courier New" pitchFamily="49" charset="0"/>
-              </a:rPr>
-              <a:t>nnect</a:t>
-            </a:r>
-          </a:p>
-          <a:p>
-            <a:r>
-              <a:rPr lang="en-US" sz="1000" smtClean="0">
-                <a:latin typeface="Courier New" pitchFamily="49" charset="0"/>
-                <a:cs typeface="Courier New" pitchFamily="49" charset="0"/>
-              </a:rPr>
-              <a:t>s</a:t>
-            </a:r>
-            <a:r>
-              <a:rPr lang="en-US" sz="1000" smtClean="0">
-                <a:latin typeface="Courier New" pitchFamily="49" charset="0"/>
-                <a:cs typeface="Courier New" pitchFamily="49" charset="0"/>
-              </a:rPr>
-              <a:t>end</a:t>
+              <a:t>connect</a:t>
+            </a:r>
+          </a:p>
+          <a:p>
+            <a:r>
+              <a:rPr lang="en-US" sz="1000" smtClean="0">
+                <a:latin typeface="Courier New" pitchFamily="49" charset="0"/>
+                <a:cs typeface="Courier New" pitchFamily="49" charset="0"/>
+              </a:rPr>
+              <a:t>send</a:t>
             </a:r>
           </a:p>
           <a:p>
@@ -13574,10 +13357,6 @@
               </a:rPr>
               <a:t>send</a:t>
             </a:r>
-            <a:endParaRPr lang="en-US" sz="1000" smtClean="0">
-              <a:latin typeface="Courier New" pitchFamily="49" charset="0"/>
-              <a:cs typeface="Courier New" pitchFamily="49" charset="0"/>
-            </a:endParaRPr>
           </a:p>
           <a:p>
             <a:r>
@@ -13679,19 +13458,8 @@
                 <a:latin typeface="Courier New" pitchFamily="49" charset="0"/>
                 <a:cs typeface="Courier New" pitchFamily="49" charset="0"/>
               </a:rPr>
-              <a:t>l</a:t>
-            </a:r>
-            <a:r>
-              <a:rPr lang="en-US" sz="1000" smtClean="0">
-                <a:latin typeface="Courier New" pitchFamily="49" charset="0"/>
-                <a:cs typeface="Courier New" pitchFamily="49" charset="0"/>
-              </a:rPr>
-              <a:t>og</a:t>
-            </a:r>
-            <a:endParaRPr lang="en-US" sz="1000" smtClean="0">
-              <a:latin typeface="Courier New" pitchFamily="49" charset="0"/>
-              <a:cs typeface="Courier New" pitchFamily="49" charset="0"/>
-            </a:endParaRPr>
+              <a:t>log</a:t>
+            </a:r>
           </a:p>
         </p:txBody>
       </p:sp>
@@ -13738,19 +13506,8 @@
                 <a:latin typeface="Courier New" pitchFamily="49" charset="0"/>
                 <a:cs typeface="Courier New" pitchFamily="49" charset="0"/>
               </a:rPr>
-              <a:t>l</a:t>
-            </a:r>
-            <a:r>
-              <a:rPr lang="en-US" sz="1000" smtClean="0">
-                <a:latin typeface="Courier New" pitchFamily="49" charset="0"/>
-                <a:cs typeface="Courier New" pitchFamily="49" charset="0"/>
-              </a:rPr>
-              <a:t>og</a:t>
-            </a:r>
-            <a:endParaRPr lang="en-US" sz="1000" smtClean="0">
-              <a:latin typeface="Courier New" pitchFamily="49" charset="0"/>
-              <a:cs typeface="Courier New" pitchFamily="49" charset="0"/>
-            </a:endParaRPr>
+              <a:t>log</a:t>
+            </a:r>
           </a:p>
         </p:txBody>
       </p:sp>
@@ -13969,19 +13726,8 @@
                 <a:latin typeface="Courier New" pitchFamily="49" charset="0"/>
                 <a:cs typeface="Courier New" pitchFamily="49" charset="0"/>
               </a:rPr>
-              <a:t>l</a:t>
-            </a:r>
-            <a:r>
-              <a:rPr lang="en-US" sz="1000" smtClean="0">
-                <a:latin typeface="Courier New" pitchFamily="49" charset="0"/>
-                <a:cs typeface="Courier New" pitchFamily="49" charset="0"/>
-              </a:rPr>
-              <a:t>og</a:t>
-            </a:r>
-            <a:endParaRPr lang="en-US" sz="1000" smtClean="0">
-              <a:latin typeface="Courier New" pitchFamily="49" charset="0"/>
-              <a:cs typeface="Courier New" pitchFamily="49" charset="0"/>
-            </a:endParaRPr>
+              <a:t>log</a:t>
+            </a:r>
           </a:p>
         </p:txBody>
       </p:sp>
@@ -14064,10 +13810,6 @@
               </a:rPr>
               <a:t>simulator</a:t>
             </a:r>
-            <a:endParaRPr lang="en-US" sz="1000" smtClean="0">
-              <a:latin typeface="Courier New" pitchFamily="49" charset="0"/>
-              <a:cs typeface="Courier New" pitchFamily="49" charset="0"/>
-            </a:endParaRPr>
           </a:p>
         </p:txBody>
       </p:sp>
@@ -14195,10 +13937,6 @@
               </a:rPr>
               <a:t>outQu</a:t>
             </a:r>
-            <a:endParaRPr lang="en-US" sz="1000" smtClean="0">
-              <a:latin typeface="Courier New" pitchFamily="49" charset="0"/>
-              <a:cs typeface="Courier New" pitchFamily="49" charset="0"/>
-            </a:endParaRPr>
           </a:p>
         </p:txBody>
       </p:sp>
@@ -14324,19 +14062,8 @@
                 <a:latin typeface="Courier New" pitchFamily="49" charset="0"/>
                 <a:cs typeface="Courier New" pitchFamily="49" charset="0"/>
               </a:rPr>
-              <a:t>m</a:t>
-            </a:r>
-            <a:r>
-              <a:rPr lang="en-US" sz="1000" smtClean="0">
-                <a:latin typeface="Courier New" pitchFamily="49" charset="0"/>
-                <a:cs typeface="Courier New" pitchFamily="49" charset="0"/>
-              </a:rPr>
-              <a:t>sgSocket</a:t>
-            </a:r>
-            <a:endParaRPr lang="en-US" sz="1000" smtClean="0">
-              <a:latin typeface="Courier New" pitchFamily="49" charset="0"/>
-              <a:cs typeface="Courier New" pitchFamily="49" charset="0"/>
-            </a:endParaRPr>
+              <a:t>msgSocket</a:t>
+            </a:r>
           </a:p>
         </p:txBody>
       </p:sp>
@@ -14496,19 +14223,8 @@
                 <a:latin typeface="Courier New" pitchFamily="49" charset="0"/>
                 <a:cs typeface="Courier New" pitchFamily="49" charset="0"/>
               </a:rPr>
-              <a:t>m</a:t>
-            </a:r>
-            <a:r>
-              <a:rPr lang="en-US" sz="1000" smtClean="0">
-                <a:latin typeface="Courier New" pitchFamily="49" charset="0"/>
-                <a:cs typeface="Courier New" pitchFamily="49" charset="0"/>
-              </a:rPr>
-              <a:t>sgOutQuPump</a:t>
-            </a:r>
-            <a:endParaRPr lang="en-US" sz="1000" smtClean="0">
-              <a:latin typeface="Courier New" pitchFamily="49" charset="0"/>
-              <a:cs typeface="Courier New" pitchFamily="49" charset="0"/>
-            </a:endParaRPr>
+              <a:t>msgOutQuPump</a:t>
+            </a:r>
           </a:p>
         </p:txBody>
       </p:sp>
@@ -14764,19 +14480,8 @@
                 <a:latin typeface="Courier New" pitchFamily="49" charset="0"/>
                 <a:cs typeface="Courier New" pitchFamily="49" charset="0"/>
               </a:rPr>
-              <a:t>m</a:t>
-            </a:r>
-            <a:r>
-              <a:rPr lang="en-US" sz="1000" smtClean="0">
-                <a:latin typeface="Courier New" pitchFamily="49" charset="0"/>
-                <a:cs typeface="Courier New" pitchFamily="49" charset="0"/>
-              </a:rPr>
-              <a:t>sgInQuPump</a:t>
-            </a:r>
-            <a:endParaRPr lang="en-US" sz="1000" smtClean="0">
-              <a:latin typeface="Courier New" pitchFamily="49" charset="0"/>
-              <a:cs typeface="Courier New" pitchFamily="49" charset="0"/>
-            </a:endParaRPr>
+              <a:t>msgInQuPump</a:t>
+            </a:r>
           </a:p>
         </p:txBody>
       </p:sp>
@@ -14823,10 +14528,6 @@
               </a:rPr>
               <a:t>inQu</a:t>
             </a:r>
-            <a:endParaRPr lang="en-US" sz="1000" smtClean="0">
-              <a:latin typeface="Courier New" pitchFamily="49" charset="0"/>
-              <a:cs typeface="Courier New" pitchFamily="49" charset="0"/>
-            </a:endParaRPr>
           </a:p>
         </p:txBody>
       </p:sp>
@@ -14871,19 +14572,8 @@
                 <a:latin typeface="Courier New" pitchFamily="49" charset="0"/>
                 <a:cs typeface="Courier New" pitchFamily="49" charset="0"/>
               </a:rPr>
-              <a:t>c</a:t>
-            </a:r>
-            <a:r>
-              <a:rPr lang="en-US" sz="1000" smtClean="0">
-                <a:latin typeface="Courier New" pitchFamily="49" charset="0"/>
-                <a:cs typeface="Courier New" pitchFamily="49" charset="0"/>
-              </a:rPr>
-              <a:t>onsumer</a:t>
-            </a:r>
-            <a:endParaRPr lang="en-US" sz="1000" smtClean="0">
-              <a:latin typeface="Courier New" pitchFamily="49" charset="0"/>
-              <a:cs typeface="Courier New" pitchFamily="49" charset="0"/>
-            </a:endParaRPr>
+              <a:t>consumer</a:t>
+            </a:r>
           </a:p>
         </p:txBody>
       </p:sp>
@@ -14928,19 +14618,8 @@
                 <a:latin typeface="Courier New" pitchFamily="49" charset="0"/>
                 <a:cs typeface="Courier New" pitchFamily="49" charset="0"/>
               </a:rPr>
-              <a:t>p</a:t>
-            </a:r>
-            <a:r>
-              <a:rPr lang="en-US" sz="1000" smtClean="0">
-                <a:latin typeface="Courier New" pitchFamily="49" charset="0"/>
-                <a:cs typeface="Courier New" pitchFamily="49" charset="0"/>
-              </a:rPr>
-              <a:t>roducer</a:t>
-            </a:r>
-            <a:endParaRPr lang="en-US" sz="1000" smtClean="0">
-              <a:latin typeface="Courier New" pitchFamily="49" charset="0"/>
-              <a:cs typeface="Courier New" pitchFamily="49" charset="0"/>
-            </a:endParaRPr>
+              <a:t>producer</a:t>
+            </a:r>
           </a:p>
         </p:txBody>
       </p:sp>
@@ -15798,10 +15477,6 @@
               </a:rPr>
               <a:t>waitFor</a:t>
             </a:r>
-            <a:endParaRPr lang="en-US" sz="1000" smtClean="0">
-              <a:latin typeface="Courier New" pitchFamily="49" charset="0"/>
-              <a:cs typeface="Courier New" pitchFamily="49" charset="0"/>
-            </a:endParaRPr>
           </a:p>
         </p:txBody>
       </p:sp>
@@ -15848,10 +15523,6 @@
               </a:rPr>
               <a:t>qu</a:t>
             </a:r>
-            <a:endParaRPr lang="en-US" sz="1000" smtClean="0">
-              <a:latin typeface="Courier New" pitchFamily="49" charset="0"/>
-              <a:cs typeface="Courier New" pitchFamily="49" charset="0"/>
-            </a:endParaRPr>
           </a:p>
         </p:txBody>
       </p:sp>
@@ -16073,19 +15744,8 @@
                 <a:latin typeface="Courier New" pitchFamily="49" charset="0"/>
                 <a:cs typeface="Courier New" pitchFamily="49" charset="0"/>
               </a:rPr>
-              <a:t>m</a:t>
-            </a:r>
-            <a:r>
-              <a:rPr lang="en-US" sz="1000" smtClean="0">
-                <a:latin typeface="Courier New" pitchFamily="49" charset="0"/>
-                <a:cs typeface="Courier New" pitchFamily="49" charset="0"/>
-              </a:rPr>
-              <a:t>sgClientHandlerThread</a:t>
-            </a:r>
-            <a:endParaRPr lang="en-US" sz="1000" smtClean="0">
-              <a:latin typeface="Courier New" pitchFamily="49" charset="0"/>
-              <a:cs typeface="Courier New" pitchFamily="49" charset="0"/>
-            </a:endParaRPr>
+              <a:t>msgClientHandlerThread</a:t>
+            </a:r>
           </a:p>
         </p:txBody>
       </p:sp>
@@ -16213,10 +15873,6 @@
               </a:rPr>
               <a:t>serverSocket</a:t>
             </a:r>
-            <a:endParaRPr lang="en-US" sz="1000" smtClean="0">
-              <a:latin typeface="Courier New" pitchFamily="49" charset="0"/>
-              <a:cs typeface="Courier New" pitchFamily="49" charset="0"/>
-            </a:endParaRPr>
           </a:p>
         </p:txBody>
       </p:sp>
@@ -16263,10 +15919,6 @@
               </a:rPr>
               <a:t>socketToClient</a:t>
             </a:r>
-            <a:endParaRPr lang="en-US" sz="1000" smtClean="0">
-              <a:latin typeface="Courier New" pitchFamily="49" charset="0"/>
-              <a:cs typeface="Courier New" pitchFamily="49" charset="0"/>
-            </a:endParaRPr>
           </a:p>
         </p:txBody>
       </p:sp>
@@ -16437,19 +16089,8 @@
                 <a:latin typeface="Courier New" pitchFamily="49" charset="0"/>
                 <a:cs typeface="Courier New" pitchFamily="49" charset="0"/>
               </a:rPr>
-              <a:t>m</a:t>
-            </a:r>
-            <a:r>
-              <a:rPr lang="en-US" sz="1000" smtClean="0">
-                <a:latin typeface="Courier New" pitchFamily="49" charset="0"/>
-                <a:cs typeface="Courier New" pitchFamily="49" charset="0"/>
-              </a:rPr>
-              <a:t>sgSocket</a:t>
-            </a:r>
-            <a:endParaRPr lang="en-US" sz="1000" smtClean="0">
-              <a:latin typeface="Courier New" pitchFamily="49" charset="0"/>
-              <a:cs typeface="Courier New" pitchFamily="49" charset="0"/>
-            </a:endParaRPr>
+              <a:t>msgSocket</a:t>
+            </a:r>
           </a:p>
         </p:txBody>
       </p:sp>
@@ -16667,13 +16308,6 @@
               </a:rPr>
               <a:t>Throttle(object)</a:t>
             </a:r>
-            <a:endParaRPr lang="en-US" sz="1000" b="1" smtClean="0">
-              <a:solidFill>
-                <a:srgbClr val="FF0000"/>
-              </a:solidFill>
-              <a:latin typeface="Courier New" pitchFamily="49" charset="0"/>
-              <a:cs typeface="Courier New" pitchFamily="49" charset="0"/>
-            </a:endParaRPr>
           </a:p>
           <a:p>
             <a:r>
@@ -16683,10 +16317,6 @@
               </a:rPr>
               <a:t>----------</a:t>
             </a:r>
-            <a:endParaRPr lang="en-US" sz="1000" smtClean="0">
-              <a:latin typeface="Courier New" pitchFamily="49" charset="0"/>
-              <a:cs typeface="Courier New" pitchFamily="49" charset="0"/>
-            </a:endParaRPr>
           </a:p>
           <a:p>
             <a:r>
@@ -16723,10 +16353,6 @@
               </a:rPr>
               <a:t>initTrain(locoAddress,position)</a:t>
             </a:r>
-            <a:endParaRPr lang="en-US" sz="1000" smtClean="0">
-              <a:latin typeface="Courier New" pitchFamily="49" charset="0"/>
-              <a:cs typeface="Courier New" pitchFamily="49" charset="0"/>
-            </a:endParaRPr>
           </a:p>
           <a:p>
             <a:r>
@@ -16835,10 +16461,6 @@
               </a:rPr>
               <a:t>throwNextSwitch</a:t>
             </a:r>
-            <a:endParaRPr lang="en-US" sz="1000" smtClean="0">
-              <a:latin typeface="Courier New" pitchFamily="49" charset="0"/>
-              <a:cs typeface="Courier New" pitchFamily="49" charset="0"/>
-            </a:endParaRPr>
           </a:p>
           <a:p>
             <a:r>
@@ -16902,10 +16524,6 @@
               </a:rPr>
               <a:t>inQu</a:t>
             </a:r>
-            <a:endParaRPr lang="en-US" sz="1000" smtClean="0">
-              <a:latin typeface="Courier New" pitchFamily="49" charset="0"/>
-              <a:cs typeface="Courier New" pitchFamily="49" charset="0"/>
-            </a:endParaRPr>
           </a:p>
           <a:p>
             <a:r>
@@ -17118,19 +16736,8 @@
                 <a:latin typeface="Courier New" pitchFamily="49" charset="0"/>
                 <a:cs typeface="Courier New" pitchFamily="49" charset="0"/>
               </a:rPr>
-              <a:t>l</a:t>
-            </a:r>
-            <a:r>
-              <a:rPr lang="en-US" sz="1000" smtClean="0">
-                <a:latin typeface="Courier New" pitchFamily="49" charset="0"/>
-                <a:cs typeface="Courier New" pitchFamily="49" charset="0"/>
-              </a:rPr>
-              <a:t>og</a:t>
-            </a:r>
-            <a:endParaRPr lang="en-US" sz="1000" smtClean="0">
-              <a:latin typeface="Courier New" pitchFamily="49" charset="0"/>
-              <a:cs typeface="Courier New" pitchFamily="49" charset="0"/>
-            </a:endParaRPr>
+              <a:t>log</a:t>
+            </a:r>
           </a:p>
         </p:txBody>
       </p:sp>
@@ -17177,10 +16784,6 @@
               </a:rPr>
               <a:t>simulator</a:t>
             </a:r>
-            <a:endParaRPr lang="en-US" sz="1000" smtClean="0">
-              <a:latin typeface="Courier New" pitchFamily="49" charset="0"/>
-              <a:cs typeface="Courier New" pitchFamily="49" charset="0"/>
-            </a:endParaRPr>
           </a:p>
         </p:txBody>
       </p:sp>
@@ -17230,8 +16833,10 @@
                 <a:latin typeface="Courier New" pitchFamily="49" charset="0"/>
                 <a:cs typeface="Courier New" pitchFamily="49" charset="0"/>
               </a:rPr>
-              <a:t> </a:t>
-            </a:r>
+              <a:t>  msgSocket</a:t>
+            </a:r>
+          </a:p>
+          <a:p>
             <a:r>
               <a:rPr lang="en-US" sz="1000" b="1" smtClean="0">
                 <a:solidFill>
@@ -17242,7 +16847,7 @@
                 <a:latin typeface="Courier New" pitchFamily="49" charset="0"/>
                 <a:cs typeface="Courier New" pitchFamily="49" charset="0"/>
               </a:rPr>
-              <a:t> msgSocket</a:t>
+              <a:t>  outQu, inQu</a:t>
             </a:r>
           </a:p>
           <a:p>
@@ -17256,8 +16861,10 @@
                 <a:latin typeface="Courier New" pitchFamily="49" charset="0"/>
                 <a:cs typeface="Courier New" pitchFamily="49" charset="0"/>
               </a:rPr>
-              <a:t> </a:t>
-            </a:r>
+              <a:t>  pumps</a:t>
+            </a:r>
+          </a:p>
+          <a:p>
             <a:r>
               <a:rPr lang="en-US" sz="1000" b="1" smtClean="0">
                 <a:solidFill>
@@ -17268,7 +16875,7 @@
                 <a:latin typeface="Courier New" pitchFamily="49" charset="0"/>
                 <a:cs typeface="Courier New" pitchFamily="49" charset="0"/>
               </a:rPr>
-              <a:t> outQu, inQu</a:t>
+              <a:t>  controller</a:t>
             </a:r>
           </a:p>
           <a:p>
@@ -17282,71 +16889,7 @@
                 <a:latin typeface="Courier New" pitchFamily="49" charset="0"/>
                 <a:cs typeface="Courier New" pitchFamily="49" charset="0"/>
               </a:rPr>
-              <a:t> </a:t>
-            </a:r>
-            <a:r>
-              <a:rPr lang="en-US" sz="1000" b="1" smtClean="0">
-                <a:solidFill>
-                  <a:schemeClr val="accent6">
-                    <a:lumMod val="75000"/>
-                  </a:schemeClr>
-                </a:solidFill>
-                <a:latin typeface="Courier New" pitchFamily="49" charset="0"/>
-                <a:cs typeface="Courier New" pitchFamily="49" charset="0"/>
-              </a:rPr>
-              <a:t> pumps</a:t>
-            </a:r>
-          </a:p>
-          <a:p>
-            <a:r>
-              <a:rPr lang="en-US" sz="1000" b="1" smtClean="0">
-                <a:solidFill>
-                  <a:schemeClr val="accent6">
-                    <a:lumMod val="75000"/>
-                  </a:schemeClr>
-                </a:solidFill>
-                <a:latin typeface="Courier New" pitchFamily="49" charset="0"/>
-                <a:cs typeface="Courier New" pitchFamily="49" charset="0"/>
-              </a:rPr>
-              <a:t> </a:t>
-            </a:r>
-            <a:r>
-              <a:rPr lang="en-US" sz="1000" b="1" smtClean="0">
-                <a:solidFill>
-                  <a:schemeClr val="accent6">
-                    <a:lumMod val="75000"/>
-                  </a:schemeClr>
-                </a:solidFill>
-                <a:latin typeface="Courier New" pitchFamily="49" charset="0"/>
-                <a:cs typeface="Courier New" pitchFamily="49" charset="0"/>
-              </a:rPr>
-              <a:t> controller</a:t>
-            </a:r>
-          </a:p>
-          <a:p>
-            <a:r>
-              <a:rPr lang="en-US" sz="1000" b="1" smtClean="0">
-                <a:solidFill>
-                  <a:schemeClr val="accent6">
-                    <a:lumMod val="75000"/>
-                  </a:schemeClr>
-                </a:solidFill>
-                <a:latin typeface="Courier New" pitchFamily="49" charset="0"/>
-                <a:cs typeface="Courier New" pitchFamily="49" charset="0"/>
-              </a:rPr>
-              <a:t> </a:t>
-            </a:r>
-            <a:r>
-              <a:rPr lang="en-US" sz="1000" b="1" smtClean="0">
-                <a:solidFill>
-                  <a:schemeClr val="accent6">
-                    <a:lumMod val="75000"/>
-                  </a:schemeClr>
-                </a:solidFill>
-                <a:latin typeface="Courier New" pitchFamily="49" charset="0"/>
-                <a:cs typeface="Courier New" pitchFamily="49" charset="0"/>
-              </a:rPr>
-              <a:t> simulator</a:t>
+              <a:t>  simulator</a:t>
             </a:r>
             <a:endParaRPr lang="en-US" sz="1000" b="1">
               <a:solidFill>
@@ -17403,10 +16946,6 @@
               </a:rPr>
               <a:t>inQu</a:t>
             </a:r>
-            <a:endParaRPr lang="en-US" sz="1000" smtClean="0">
-              <a:latin typeface="Courier New" pitchFamily="49" charset="0"/>
-              <a:cs typeface="Courier New" pitchFamily="49" charset="0"/>
-            </a:endParaRPr>
           </a:p>
         </p:txBody>
       </p:sp>
@@ -17447,19 +16986,8 @@
                 <a:latin typeface="Courier New" pitchFamily="49" charset="0"/>
                 <a:cs typeface="Courier New" pitchFamily="49" charset="0"/>
               </a:rPr>
-              <a:t>m</a:t>
-            </a:r>
-            <a:r>
-              <a:rPr lang="en-US" sz="1000" smtClean="0">
-                <a:latin typeface="Courier New" pitchFamily="49" charset="0"/>
-                <a:cs typeface="Courier New" pitchFamily="49" charset="0"/>
-              </a:rPr>
-              <a:t>sgOutQuPump</a:t>
-            </a:r>
-            <a:endParaRPr lang="en-US" sz="1000" smtClean="0">
-              <a:latin typeface="Courier New" pitchFamily="49" charset="0"/>
-              <a:cs typeface="Courier New" pitchFamily="49" charset="0"/>
-            </a:endParaRPr>
+              <a:t>msgOutQuPump</a:t>
+            </a:r>
           </a:p>
         </p:txBody>
       </p:sp>
@@ -17572,19 +17100,8 @@
                 <a:latin typeface="Courier New" pitchFamily="49" charset="0"/>
                 <a:cs typeface="Courier New" pitchFamily="49" charset="0"/>
               </a:rPr>
-              <a:t>m</a:t>
-            </a:r>
-            <a:r>
-              <a:rPr lang="en-US" sz="1000" smtClean="0">
-                <a:latin typeface="Courier New" pitchFamily="49" charset="0"/>
-                <a:cs typeface="Courier New" pitchFamily="49" charset="0"/>
-              </a:rPr>
-              <a:t>sgInQuPump</a:t>
-            </a:r>
-            <a:endParaRPr lang="en-US" sz="1000" smtClean="0">
-              <a:latin typeface="Courier New" pitchFamily="49" charset="0"/>
-              <a:cs typeface="Courier New" pitchFamily="49" charset="0"/>
-            </a:endParaRPr>
+              <a:t>msgInQuPump</a:t>
+            </a:r>
           </a:p>
         </p:txBody>
       </p:sp>
@@ -17631,10 +17148,6 @@
               </a:rPr>
               <a:t>outQu</a:t>
             </a:r>
-            <a:endParaRPr lang="en-US" sz="1000" smtClean="0">
-              <a:latin typeface="Courier New" pitchFamily="49" charset="0"/>
-              <a:cs typeface="Courier New" pitchFamily="49" charset="0"/>
-            </a:endParaRPr>
           </a:p>
         </p:txBody>
       </p:sp>
@@ -17744,10 +17257,6 @@
               </a:rPr>
               <a:t>controller</a:t>
             </a:r>
-            <a:endParaRPr lang="en-US" sz="1000" smtClean="0">
-              <a:latin typeface="Courier New" pitchFamily="49" charset="0"/>
-              <a:cs typeface="Courier New" pitchFamily="49" charset="0"/>
-            </a:endParaRPr>
           </a:p>
         </p:txBody>
       </p:sp>
@@ -17794,10 +17303,6 @@
               </a:rPr>
               <a:t>throttle</a:t>
             </a:r>
-            <a:endParaRPr lang="en-US" sz="1000" smtClean="0">
-              <a:latin typeface="Courier New" pitchFamily="49" charset="0"/>
-              <a:cs typeface="Courier New" pitchFamily="49" charset="0"/>
-            </a:endParaRPr>
           </a:p>
         </p:txBody>
       </p:sp>
@@ -17844,10 +17349,6 @@
               </a:rPr>
               <a:t>msgSocket</a:t>
             </a:r>
-            <a:endParaRPr lang="en-US" sz="1000" smtClean="0">
-              <a:latin typeface="Courier New" pitchFamily="49" charset="0"/>
-              <a:cs typeface="Courier New" pitchFamily="49" charset="0"/>
-            </a:endParaRPr>
           </a:p>
         </p:txBody>
       </p:sp>

--- a/Scripting/ScriptingDocumenation/DesignDiagrams.pptx
+++ b/Scripting/ScriptingDocumenation/DesignDiagrams.pptx
@@ -298,7 +298,7 @@
             <a:fld id="{00F2EA4F-E096-48CD-A1C4-A4124DB919D8}" type="datetimeFigureOut">
               <a:rPr lang="en-US" smtClean="0"/>
               <a:pPr/>
-              <a:t>12/28/2012</a:t>
+              <a:t>12/29/2012</a:t>
             </a:fld>
             <a:endParaRPr lang="en-US"/>
           </a:p>
@@ -465,7 +465,7 @@
             <a:fld id="{00F2EA4F-E096-48CD-A1C4-A4124DB919D8}" type="datetimeFigureOut">
               <a:rPr lang="en-US" smtClean="0"/>
               <a:pPr/>
-              <a:t>12/28/2012</a:t>
+              <a:t>12/29/2012</a:t>
             </a:fld>
             <a:endParaRPr lang="en-US"/>
           </a:p>
@@ -642,7 +642,7 @@
             <a:fld id="{00F2EA4F-E096-48CD-A1C4-A4124DB919D8}" type="datetimeFigureOut">
               <a:rPr lang="en-US" smtClean="0"/>
               <a:pPr/>
-              <a:t>12/28/2012</a:t>
+              <a:t>12/29/2012</a:t>
             </a:fld>
             <a:endParaRPr lang="en-US"/>
           </a:p>
@@ -809,7 +809,7 @@
             <a:fld id="{00F2EA4F-E096-48CD-A1C4-A4124DB919D8}" type="datetimeFigureOut">
               <a:rPr lang="en-US" smtClean="0"/>
               <a:pPr/>
-              <a:t>12/28/2012</a:t>
+              <a:t>12/29/2012</a:t>
             </a:fld>
             <a:endParaRPr lang="en-US"/>
           </a:p>
@@ -1052,7 +1052,7 @@
             <a:fld id="{00F2EA4F-E096-48CD-A1C4-A4124DB919D8}" type="datetimeFigureOut">
               <a:rPr lang="en-US" smtClean="0"/>
               <a:pPr/>
-              <a:t>12/28/2012</a:t>
+              <a:t>12/29/2012</a:t>
             </a:fld>
             <a:endParaRPr lang="en-US"/>
           </a:p>
@@ -1337,7 +1337,7 @@
             <a:fld id="{00F2EA4F-E096-48CD-A1C4-A4124DB919D8}" type="datetimeFigureOut">
               <a:rPr lang="en-US" smtClean="0"/>
               <a:pPr/>
-              <a:t>12/28/2012</a:t>
+              <a:t>12/29/2012</a:t>
             </a:fld>
             <a:endParaRPr lang="en-US"/>
           </a:p>
@@ -1756,7 +1756,7 @@
             <a:fld id="{00F2EA4F-E096-48CD-A1C4-A4124DB919D8}" type="datetimeFigureOut">
               <a:rPr lang="en-US" smtClean="0"/>
               <a:pPr/>
-              <a:t>12/28/2012</a:t>
+              <a:t>12/29/2012</a:t>
             </a:fld>
             <a:endParaRPr lang="en-US"/>
           </a:p>
@@ -1871,7 +1871,7 @@
             <a:fld id="{00F2EA4F-E096-48CD-A1C4-A4124DB919D8}" type="datetimeFigureOut">
               <a:rPr lang="en-US" smtClean="0"/>
               <a:pPr/>
-              <a:t>12/28/2012</a:t>
+              <a:t>12/29/2012</a:t>
             </a:fld>
             <a:endParaRPr lang="en-US"/>
           </a:p>
@@ -1963,7 +1963,7 @@
             <a:fld id="{00F2EA4F-E096-48CD-A1C4-A4124DB919D8}" type="datetimeFigureOut">
               <a:rPr lang="en-US" smtClean="0"/>
               <a:pPr/>
-              <a:t>12/28/2012</a:t>
+              <a:t>12/29/2012</a:t>
             </a:fld>
             <a:endParaRPr lang="en-US"/>
           </a:p>
@@ -2237,7 +2237,7 @@
             <a:fld id="{00F2EA4F-E096-48CD-A1C4-A4124DB919D8}" type="datetimeFigureOut">
               <a:rPr lang="en-US" smtClean="0"/>
               <a:pPr/>
-              <a:t>12/28/2012</a:t>
+              <a:t>12/29/2012</a:t>
             </a:fld>
             <a:endParaRPr lang="en-US"/>
           </a:p>
@@ -2487,7 +2487,7 @@
             <a:fld id="{00F2EA4F-E096-48CD-A1C4-A4124DB919D8}" type="datetimeFigureOut">
               <a:rPr lang="en-US" smtClean="0"/>
               <a:pPr/>
-              <a:t>12/28/2012</a:t>
+              <a:t>12/29/2012</a:t>
             </a:fld>
             <a:endParaRPr lang="en-US"/>
           </a:p>
@@ -2697,7 +2697,7 @@
             <a:fld id="{00F2EA4F-E096-48CD-A1C4-A4124DB919D8}" type="datetimeFigureOut">
               <a:rPr lang="en-US" smtClean="0"/>
               <a:pPr/>
-              <a:t>12/28/2012</a:t>
+              <a:t>12/29/2012</a:t>
             </a:fld>
             <a:endParaRPr lang="en-US"/>
           </a:p>
@@ -3137,6 +3137,140 @@
       </p:grpSpPr>
       <p:sp>
         <p:nvSpPr>
+          <p:cNvPr id="70" name="TextBox 69"/>
+          <p:cNvSpPr txBox="1"/>
+          <p:nvPr/>
+        </p:nvSpPr>
+        <p:spPr>
+          <a:xfrm>
+            <a:off x="4904199" y="2592869"/>
+            <a:ext cx="800219" cy="246221"/>
+          </a:xfrm>
+          <a:prstGeom prst="rect">
+            <a:avLst/>
+          </a:prstGeom>
+          <a:ln/>
+        </p:spPr>
+        <p:style>
+          <a:lnRef idx="1">
+            <a:schemeClr val="accent3"/>
+          </a:lnRef>
+          <a:fillRef idx="2">
+            <a:schemeClr val="accent3"/>
+          </a:fillRef>
+          <a:effectRef idx="1">
+            <a:schemeClr val="accent3"/>
+          </a:effectRef>
+          <a:fontRef idx="minor">
+            <a:schemeClr val="dk1"/>
+          </a:fontRef>
+        </p:style>
+        <p:txBody>
+          <a:bodyPr wrap="none" rtlCol="0">
+            <a:spAutoFit/>
+          </a:bodyPr>
+          <a:lstStyle/>
+          <a:p>
+            <a:r>
+              <a:rPr lang="en-US" sz="1000" smtClean="0">
+                <a:latin typeface="Courier New" pitchFamily="49" charset="0"/>
+                <a:cs typeface="Courier New" pitchFamily="49" charset="0"/>
+              </a:rPr>
+              <a:t>throttle</a:t>
+            </a:r>
+          </a:p>
+        </p:txBody>
+      </p:sp>
+      <p:sp>
+        <p:nvSpPr>
+          <p:cNvPr id="63" name="TextBox 62"/>
+          <p:cNvSpPr txBox="1"/>
+          <p:nvPr/>
+        </p:nvSpPr>
+        <p:spPr>
+          <a:xfrm>
+            <a:off x="3397325" y="1363383"/>
+            <a:ext cx="1569660" cy="246221"/>
+          </a:xfrm>
+          <a:prstGeom prst="rect">
+            <a:avLst/>
+          </a:prstGeom>
+          <a:ln/>
+        </p:spPr>
+        <p:style>
+          <a:lnRef idx="1">
+            <a:schemeClr val="accent1"/>
+          </a:lnRef>
+          <a:fillRef idx="3">
+            <a:schemeClr val="accent1"/>
+          </a:fillRef>
+          <a:effectRef idx="2">
+            <a:schemeClr val="accent1"/>
+          </a:effectRef>
+          <a:fontRef idx="minor">
+            <a:schemeClr val="lt1"/>
+          </a:fontRef>
+        </p:style>
+        <p:txBody>
+          <a:bodyPr wrap="none" rtlCol="0">
+            <a:spAutoFit/>
+          </a:bodyPr>
+          <a:lstStyle/>
+          <a:p>
+            <a:r>
+              <a:rPr lang="en-US" sz="1000" smtClean="0">
+                <a:latin typeface="Courier New" pitchFamily="49" charset="0"/>
+                <a:cs typeface="Courier New" pitchFamily="49" charset="0"/>
+              </a:rPr>
+              <a:t>guiThrottleProcess</a:t>
+            </a:r>
+          </a:p>
+        </p:txBody>
+      </p:sp>
+      <p:sp>
+        <p:nvSpPr>
+          <p:cNvPr id="68" name="TextBox 67"/>
+          <p:cNvSpPr txBox="1"/>
+          <p:nvPr/>
+        </p:nvSpPr>
+        <p:spPr>
+          <a:xfrm>
+            <a:off x="3409309" y="2074022"/>
+            <a:ext cx="1031051" cy="246221"/>
+          </a:xfrm>
+          <a:prstGeom prst="rect">
+            <a:avLst/>
+          </a:prstGeom>
+          <a:solidFill>
+            <a:schemeClr val="tx2">
+              <a:lumMod val="20000"/>
+              <a:lumOff val="80000"/>
+            </a:schemeClr>
+          </a:solidFill>
+          <a:ln cmpd="sng">
+            <a:solidFill>
+              <a:schemeClr val="tx1"/>
+            </a:solidFill>
+          </a:ln>
+        </p:spPr>
+        <p:txBody>
+          <a:bodyPr wrap="none" rtlCol="0">
+            <a:spAutoFit/>
+          </a:bodyPr>
+          <a:lstStyle/>
+          <a:p>
+            <a:r>
+              <a:rPr lang="en-US" sz="1000" smtClean="0">
+                <a:latin typeface="Courier New" pitchFamily="49" charset="0"/>
+                <a:cs typeface="Courier New" pitchFamily="49" charset="0"/>
+              </a:rPr>
+              <a:t>guiThrottle</a:t>
+            </a:r>
+          </a:p>
+        </p:txBody>
+      </p:sp>
+      <p:sp>
+        <p:nvSpPr>
           <p:cNvPr id="2" name="TextBox 1"/>
           <p:cNvSpPr txBox="1"/>
           <p:nvPr/>
@@ -3742,8 +3876,29 @@
                 <a:latin typeface="Courier New" pitchFamily="49" charset="0"/>
                 <a:cs typeface="Courier New" pitchFamily="49" charset="0"/>
               </a:rPr>
-              <a:t>  outQu, inQu</a:t>
-            </a:r>
+              <a:t>  outQu, </a:t>
+            </a:r>
+            <a:r>
+              <a:rPr lang="en-US" sz="1000" b="1" smtClean="0">
+                <a:solidFill>
+                  <a:schemeClr val="accent6">
+                    <a:lumMod val="75000"/>
+                  </a:schemeClr>
+                </a:solidFill>
+                <a:latin typeface="Courier New" pitchFamily="49" charset="0"/>
+                <a:cs typeface="Courier New" pitchFamily="49" charset="0"/>
+              </a:rPr>
+              <a:t>inQuList</a:t>
+            </a:r>
+            <a:endParaRPr lang="en-US" sz="1000" b="1" smtClean="0">
+              <a:solidFill>
+                <a:schemeClr val="accent6">
+                  <a:lumMod val="75000"/>
+                </a:schemeClr>
+              </a:solidFill>
+              <a:latin typeface="Courier New" pitchFamily="49" charset="0"/>
+              <a:cs typeface="Courier New" pitchFamily="49" charset="0"/>
+            </a:endParaRPr>
           </a:p>
           <a:p>
             <a:r>
@@ -3807,7 +3962,7 @@
         <p:spPr>
           <a:xfrm>
             <a:off x="7119994" y="3894259"/>
-            <a:ext cx="492443" cy="246221"/>
+            <a:ext cx="800219" cy="246221"/>
           </a:xfrm>
           <a:prstGeom prst="rect">
             <a:avLst/>
@@ -3839,8 +3994,12 @@
                 <a:latin typeface="Courier New" pitchFamily="49" charset="0"/>
                 <a:cs typeface="Courier New" pitchFamily="49" charset="0"/>
               </a:rPr>
-              <a:t>inQu</a:t>
-            </a:r>
+              <a:t>inQuList</a:t>
+            </a:r>
+            <a:endParaRPr lang="en-US" sz="1000" smtClean="0">
+              <a:latin typeface="Courier New" pitchFamily="49" charset="0"/>
+              <a:cs typeface="Courier New" pitchFamily="49" charset="0"/>
+            </a:endParaRPr>
           </a:p>
         </p:txBody>
       </p:sp>
@@ -4039,10 +4198,6 @@
               </a:rPr>
               <a:t>create(inQu,outQu)</a:t>
             </a:r>
-            <a:endParaRPr lang="en-US" sz="1000" smtClean="0">
-              <a:latin typeface="Courier New" pitchFamily="49" charset="0"/>
-              <a:cs typeface="Courier New" pitchFamily="49" charset="0"/>
-            </a:endParaRPr>
           </a:p>
           <a:p>
             <a:r>
@@ -4353,7 +4508,7 @@
         <p:spPr>
           <a:xfrm>
             <a:off x="6869405" y="2482919"/>
-            <a:ext cx="496811" cy="1411340"/>
+            <a:ext cx="650699" cy="1411340"/>
           </a:xfrm>
           <a:prstGeom prst="straightConnector1">
             <a:avLst/>
@@ -4423,9 +4578,9 @@
           <p:nvPr/>
         </p:nvCxnSpPr>
         <p:spPr>
-          <a:xfrm flipH="1" flipV="1">
-            <a:off x="7366216" y="4140480"/>
-            <a:ext cx="2171" cy="565438"/>
+          <a:xfrm flipV="1">
+            <a:off x="7368387" y="4140480"/>
+            <a:ext cx="151717" cy="565438"/>
           </a:xfrm>
           <a:prstGeom prst="straightConnector1">
             <a:avLst/>
@@ -4790,10 +4945,6 @@
               </a:rPr>
               <a:t>guiThrottleProcess</a:t>
             </a:r>
-            <a:endParaRPr lang="en-US" sz="1000" smtClean="0">
-              <a:latin typeface="Courier New" pitchFamily="49" charset="0"/>
-              <a:cs typeface="Courier New" pitchFamily="49" charset="0"/>
-            </a:endParaRPr>
           </a:p>
         </p:txBody>
       </p:sp>
@@ -4908,10 +5059,6 @@
               </a:rPr>
               <a:t>guiThrottle</a:t>
             </a:r>
-            <a:endParaRPr lang="en-US" sz="1000" smtClean="0">
-              <a:latin typeface="Courier New" pitchFamily="49" charset="0"/>
-              <a:cs typeface="Courier New" pitchFamily="49" charset="0"/>
-            </a:endParaRPr>
           </a:p>
         </p:txBody>
       </p:sp>
@@ -5062,10 +5209,6 @@
               </a:rPr>
               <a:t>create(inQu,outQu)</a:t>
             </a:r>
-            <a:endParaRPr lang="en-US" sz="1000" smtClean="0">
-              <a:latin typeface="Courier New" pitchFamily="49" charset="0"/>
-              <a:cs typeface="Courier New" pitchFamily="49" charset="0"/>
-            </a:endParaRPr>
           </a:p>
           <a:p>
             <a:r>
@@ -5075,10 +5218,6 @@
               </a:rPr>
               <a:t>initTrain</a:t>
             </a:r>
-            <a:endParaRPr lang="en-US" sz="1000" smtClean="0">
-              <a:latin typeface="Courier New" pitchFamily="49" charset="0"/>
-              <a:cs typeface="Courier New" pitchFamily="49" charset="0"/>
-            </a:endParaRPr>
           </a:p>
           <a:p>
             <a:r>
@@ -5143,7 +5282,7 @@
         <p:spPr>
           <a:xfrm>
             <a:off x="5162183" y="2922996"/>
-            <a:ext cx="2204033" cy="971263"/>
+            <a:ext cx="2357921" cy="971263"/>
           </a:xfrm>
           <a:prstGeom prst="straightConnector1">
             <a:avLst/>
@@ -8566,7 +8705,7 @@
         <p:spPr>
           <a:xfrm>
             <a:off x="3323690" y="2347644"/>
-            <a:ext cx="1800493" cy="1323439"/>
+            <a:ext cx="2108269" cy="1323439"/>
           </a:xfrm>
           <a:prstGeom prst="rect">
             <a:avLst/>
@@ -8610,8 +8749,12 @@
                 <a:latin typeface="Courier New" pitchFamily="49" charset="0"/>
                 <a:cs typeface="Courier New" pitchFamily="49" charset="0"/>
               </a:rPr>
-              <a:t>init(nm,msgSocket,qu)</a:t>
-            </a:r>
+              <a:t>init(nm,msgSocket,quList)</a:t>
+            </a:r>
+            <a:endParaRPr lang="en-US" sz="1000" smtClean="0">
+              <a:latin typeface="Courier New" pitchFamily="49" charset="0"/>
+              <a:cs typeface="Courier New" pitchFamily="49" charset="0"/>
+            </a:endParaRPr>
           </a:p>
           <a:p>
             <a:r>
@@ -8885,7 +9028,7 @@
         <p:spPr>
           <a:xfrm>
             <a:off x="7546371" y="4536045"/>
-            <a:ext cx="338554" cy="246221"/>
+            <a:ext cx="646331" cy="246221"/>
           </a:xfrm>
           <a:prstGeom prst="rect">
             <a:avLst/>
@@ -8917,8 +9060,12 @@
                 <a:latin typeface="Courier New" pitchFamily="49" charset="0"/>
                 <a:cs typeface="Courier New" pitchFamily="49" charset="0"/>
               </a:rPr>
-              <a:t>qu</a:t>
-            </a:r>
+              <a:t>quList</a:t>
+            </a:r>
+            <a:endParaRPr lang="en-US" sz="1000" smtClean="0">
+              <a:latin typeface="Courier New" pitchFamily="49" charset="0"/>
+              <a:cs typeface="Courier New" pitchFamily="49" charset="0"/>
+            </a:endParaRPr>
           </a:p>
         </p:txBody>
       </p:sp>
@@ -8970,7 +9117,7 @@
         <p:spPr>
           <a:xfrm>
             <a:off x="7359834" y="4028827"/>
-            <a:ext cx="355814" cy="507218"/>
+            <a:ext cx="509703" cy="507218"/>
           </a:xfrm>
           <a:prstGeom prst="straightConnector1">
             <a:avLst/>
@@ -12662,6 +12809,52 @@
       </p:grpSpPr>
       <p:sp>
         <p:nvSpPr>
+          <p:cNvPr id="95" name="TextBox 94"/>
+          <p:cNvSpPr txBox="1"/>
+          <p:nvPr/>
+        </p:nvSpPr>
+        <p:spPr>
+          <a:xfrm>
+            <a:off x="4818582" y="1910994"/>
+            <a:ext cx="800219" cy="246221"/>
+          </a:xfrm>
+          <a:prstGeom prst="rect">
+            <a:avLst/>
+          </a:prstGeom>
+          <a:ln/>
+        </p:spPr>
+        <p:style>
+          <a:lnRef idx="1">
+            <a:schemeClr val="accent1"/>
+          </a:lnRef>
+          <a:fillRef idx="2">
+            <a:schemeClr val="accent1"/>
+          </a:fillRef>
+          <a:effectRef idx="1">
+            <a:schemeClr val="accent1"/>
+          </a:effectRef>
+          <a:fontRef idx="minor">
+            <a:schemeClr val="dk1"/>
+          </a:fontRef>
+        </p:style>
+        <p:txBody>
+          <a:bodyPr wrap="none" rtlCol="0">
+            <a:spAutoFit/>
+          </a:bodyPr>
+          <a:lstStyle/>
+          <a:p>
+            <a:r>
+              <a:rPr lang="en-US" sz="1000" smtClean="0">
+                <a:latin typeface="Courier New" pitchFamily="49" charset="0"/>
+                <a:cs typeface="Courier New" pitchFamily="49" charset="0"/>
+              </a:rPr>
+              <a:t>consumer</a:t>
+            </a:r>
+          </a:p>
+        </p:txBody>
+      </p:sp>
+      <p:sp>
+        <p:nvSpPr>
           <p:cNvPr id="66" name="TextBox 65"/>
           <p:cNvSpPr txBox="1"/>
           <p:nvPr/>
@@ -13691,7 +13884,7 @@
         </p:nvSpPr>
         <p:spPr>
           <a:xfrm>
-            <a:off x="7589179" y="1095910"/>
+            <a:off x="7137116" y="910975"/>
             <a:ext cx="415498" cy="246221"/>
           </a:xfrm>
           <a:prstGeom prst="rect">
@@ -13735,15 +13928,15 @@
         <p:nvCxnSpPr>
           <p:cNvPr id="120" name="Straight Arrow Connector 119"/>
           <p:cNvCxnSpPr>
-            <a:stCxn id="117" idx="3"/>
+            <a:stCxn id="117" idx="0"/>
             <a:endCxn id="118" idx="1"/>
           </p:cNvCxnSpPr>
           <p:nvPr/>
         </p:nvCxnSpPr>
         <p:spPr>
           <a:xfrm flipV="1">
-            <a:off x="7009685" y="1219021"/>
-            <a:ext cx="579494" cy="366445"/>
+            <a:off x="6763464" y="1034086"/>
+            <a:ext cx="373652" cy="428269"/>
           </a:xfrm>
           <a:prstGeom prst="straightConnector1">
             <a:avLst/>
@@ -13902,7 +14095,7 @@
         </p:nvSpPr>
         <p:spPr>
           <a:xfrm>
-            <a:off x="8435084" y="3123345"/>
+            <a:off x="7941925" y="2989780"/>
             <a:ext cx="569387" cy="246221"/>
           </a:xfrm>
           <a:prstGeom prst="rect">
@@ -13950,9 +14143,9 @@
           <p:nvPr/>
         </p:nvCxnSpPr>
         <p:spPr>
-          <a:xfrm>
-            <a:off x="8393406" y="2342149"/>
-            <a:ext cx="326372" cy="781196"/>
+          <a:xfrm flipH="1">
+            <a:off x="8226619" y="2342149"/>
+            <a:ext cx="166787" cy="647631"/>
           </a:xfrm>
           <a:prstGeom prst="straightConnector1">
             <a:avLst/>
@@ -13984,8 +14177,8 @@
         </p:nvSpPr>
         <p:spPr>
           <a:xfrm>
-            <a:off x="8359738" y="2503466"/>
-            <a:ext cx="646331" cy="400110"/>
+            <a:off x="8256997" y="2462369"/>
+            <a:ext cx="415498" cy="246221"/>
           </a:xfrm>
           <a:prstGeom prst="rect">
             <a:avLst/>
@@ -13997,15 +14190,6 @@
             <a:spAutoFit/>
           </a:bodyPr>
           <a:lstStyle/>
-          <a:p>
-            <a:r>
-              <a:rPr lang="en-US" sz="1000" smtClean="0">
-                <a:latin typeface="Courier New" pitchFamily="49" charset="0"/>
-                <a:cs typeface="Courier New" pitchFamily="49" charset="0"/>
-              </a:rPr>
-              <a:t>create</a:t>
-            </a:r>
-          </a:p>
           <a:p>
             <a:r>
               <a:rPr lang="en-US" sz="1000" smtClean="0">
@@ -14194,7 +14378,7 @@
         </p:nvSpPr>
         <p:spPr>
           <a:xfrm>
-            <a:off x="7542944" y="4080555"/>
+            <a:off x="7388832" y="4296313"/>
             <a:ext cx="1107996" cy="246221"/>
           </a:xfrm>
           <a:prstGeom prst="rect">
@@ -14232,14 +14416,15 @@
         <p:nvCxnSpPr>
           <p:cNvPr id="145" name="Straight Arrow Connector 144"/>
           <p:cNvCxnSpPr>
+            <a:stCxn id="117" idx="2"/>
             <a:endCxn id="143" idx="0"/>
           </p:cNvCxnSpPr>
           <p:nvPr/>
         </p:nvCxnSpPr>
         <p:spPr>
-          <a:xfrm flipH="1">
-            <a:off x="8096942" y="2239409"/>
-            <a:ext cx="296464" cy="1841146"/>
+          <a:xfrm>
+            <a:off x="6763464" y="1708576"/>
+            <a:ext cx="1179366" cy="2587737"/>
           </a:xfrm>
           <a:prstGeom prst="straightConnector1">
             <a:avLst/>
@@ -14271,8 +14456,8 @@
         </p:nvSpPr>
         <p:spPr>
           <a:xfrm>
-            <a:off x="7751852" y="3364786"/>
-            <a:ext cx="646331" cy="246221"/>
+            <a:off x="7197048" y="3077109"/>
+            <a:ext cx="569387" cy="246221"/>
           </a:xfrm>
           <a:prstGeom prst="rect">
             <a:avLst/>
@@ -14290,7 +14475,7 @@
                 <a:latin typeface="Courier New" pitchFamily="49" charset="0"/>
                 <a:cs typeface="Courier New" pitchFamily="49" charset="0"/>
               </a:rPr>
-              <a:t>create</a:t>
+              <a:t>start</a:t>
             </a:r>
             <a:endParaRPr lang="en-US" sz="1000">
               <a:latin typeface="Courier New" pitchFamily="49" charset="0"/>
@@ -14310,8 +14495,8 @@
         </p:nvCxnSpPr>
         <p:spPr>
           <a:xfrm flipH="1">
-            <a:off x="7200908" y="4326776"/>
-            <a:ext cx="896034" cy="712518"/>
+            <a:off x="7200908" y="4542534"/>
+            <a:ext cx="741922" cy="496760"/>
           </a:xfrm>
           <a:prstGeom prst="straightConnector1">
             <a:avLst/>
@@ -14382,8 +14567,8 @@
         </p:nvCxnSpPr>
         <p:spPr>
           <a:xfrm flipV="1">
-            <a:off x="8096942" y="3369566"/>
-            <a:ext cx="622836" cy="710989"/>
+            <a:off x="7942830" y="3236001"/>
+            <a:ext cx="283789" cy="1060312"/>
           </a:xfrm>
           <a:prstGeom prst="straightConnector1">
             <a:avLst/>
@@ -14415,7 +14600,7 @@
         </p:nvSpPr>
         <p:spPr>
           <a:xfrm>
-            <a:off x="8489877" y="3609650"/>
+            <a:off x="8048088" y="3537731"/>
             <a:ext cx="415498" cy="246221"/>
           </a:xfrm>
           <a:prstGeom prst="rect">
@@ -14451,7 +14636,7 @@
         </p:nvSpPr>
         <p:spPr>
           <a:xfrm>
-            <a:off x="4284324" y="4068569"/>
+            <a:off x="4438436" y="4181584"/>
             <a:ext cx="1031051" cy="246221"/>
           </a:xfrm>
           <a:prstGeom prst="rect">
@@ -14487,59 +14672,13 @@
       </p:sp>
       <p:sp>
         <p:nvSpPr>
-          <p:cNvPr id="242" name="TextBox 241"/>
-          <p:cNvSpPr txBox="1"/>
-          <p:nvPr/>
-        </p:nvSpPr>
-        <p:spPr>
-          <a:xfrm>
-            <a:off x="3994936" y="2998343"/>
-            <a:ext cx="492443" cy="246221"/>
-          </a:xfrm>
-          <a:prstGeom prst="rect">
-            <a:avLst/>
-          </a:prstGeom>
-          <a:ln/>
-        </p:spPr>
-        <p:style>
-          <a:lnRef idx="1">
-            <a:schemeClr val="accent3"/>
-          </a:lnRef>
-          <a:fillRef idx="2">
-            <a:schemeClr val="accent3"/>
-          </a:fillRef>
-          <a:effectRef idx="1">
-            <a:schemeClr val="accent3"/>
-          </a:effectRef>
-          <a:fontRef idx="minor">
-            <a:schemeClr val="dk1"/>
-          </a:fontRef>
-        </p:style>
-        <p:txBody>
-          <a:bodyPr wrap="none" rtlCol="0">
-            <a:spAutoFit/>
-          </a:bodyPr>
-          <a:lstStyle/>
-          <a:p>
-            <a:r>
-              <a:rPr lang="en-US" sz="1000" smtClean="0">
-                <a:latin typeface="Courier New" pitchFamily="49" charset="0"/>
-                <a:cs typeface="Courier New" pitchFamily="49" charset="0"/>
-              </a:rPr>
-              <a:t>inQu</a:t>
-            </a:r>
-          </a:p>
-        </p:txBody>
-      </p:sp>
-      <p:sp>
-        <p:nvSpPr>
           <p:cNvPr id="249" name="TextBox 248"/>
           <p:cNvSpPr txBox="1"/>
           <p:nvPr/>
         </p:nvSpPr>
         <p:spPr>
           <a:xfrm>
-            <a:off x="5046326" y="2077093"/>
+            <a:off x="4707279" y="1994899"/>
             <a:ext cx="800219" cy="246221"/>
           </a:xfrm>
           <a:prstGeom prst="rect">
@@ -14664,13 +14803,14 @@
           <p:cNvPr id="256" name="Straight Arrow Connector 255"/>
           <p:cNvCxnSpPr>
             <a:stCxn id="117" idx="2"/>
+            <a:endCxn id="249" idx="0"/>
           </p:cNvCxnSpPr>
           <p:nvPr/>
         </p:nvCxnSpPr>
         <p:spPr>
           <a:xfrm flipH="1">
-            <a:off x="5446436" y="1708576"/>
-            <a:ext cx="1317028" cy="409613"/>
+            <a:off x="5107389" y="1708576"/>
+            <a:ext cx="1656075" cy="286323"/>
           </a:xfrm>
           <a:prstGeom prst="straightConnector1">
             <a:avLst/>
@@ -14705,8 +14845,8 @@
         </p:nvCxnSpPr>
         <p:spPr>
           <a:xfrm>
-            <a:off x="4799850" y="4314790"/>
-            <a:ext cx="1523895" cy="724504"/>
+            <a:off x="4953962" y="4427805"/>
+            <a:ext cx="1369783" cy="611489"/>
           </a:xfrm>
           <a:prstGeom prst="straightConnector1">
             <a:avLst/>
@@ -14774,8 +14914,8 @@
         </p:nvSpPr>
         <p:spPr>
           <a:xfrm>
-            <a:off x="7308350" y="1606193"/>
-            <a:ext cx="569387" cy="246221"/>
+            <a:off x="7267251" y="1595922"/>
+            <a:ext cx="1107996" cy="246221"/>
           </a:xfrm>
           <a:prstGeom prst="rect">
             <a:avLst/>
@@ -14793,9 +14933,16 @@
                 <a:latin typeface="Courier New" pitchFamily="49" charset="0"/>
                 <a:cs typeface="Courier New" pitchFamily="49" charset="0"/>
               </a:rPr>
-              <a:t>start</a:t>
-            </a:r>
-            <a:endParaRPr lang="en-US" sz="1000">
+              <a:t>start(o</a:t>
+            </a:r>
+            <a:r>
+              <a:rPr lang="en-US" sz="1000" smtClean="0">
+                <a:latin typeface="Courier New" pitchFamily="49" charset="0"/>
+                <a:cs typeface="Courier New" pitchFamily="49" charset="0"/>
+              </a:rPr>
+              <a:t>utQu)</a:t>
+            </a:r>
+            <a:endParaRPr lang="en-US" sz="1000" smtClean="0">
               <a:latin typeface="Courier New" pitchFamily="49" charset="0"/>
               <a:cs typeface="Courier New" pitchFamily="49" charset="0"/>
             </a:endParaRPr>
@@ -14810,7 +14957,7 @@
         </p:nvSpPr>
         <p:spPr>
           <a:xfrm>
-            <a:off x="5539483" y="1676400"/>
+            <a:off x="5190162" y="1378451"/>
             <a:ext cx="569387" cy="246221"/>
           </a:xfrm>
           <a:prstGeom prst="rect">
@@ -14843,14 +14990,14 @@
           <p:cNvPr id="266" name="Straight Arrow Connector 265"/>
           <p:cNvCxnSpPr>
             <a:stCxn id="249" idx="2"/>
-            <a:endCxn id="242" idx="0"/>
+            <a:endCxn id="96" idx="0"/>
           </p:cNvCxnSpPr>
           <p:nvPr/>
         </p:nvCxnSpPr>
         <p:spPr>
           <a:xfrm flipH="1">
-            <a:off x="4241158" y="2323314"/>
-            <a:ext cx="1205278" cy="675029"/>
+            <a:off x="4619366" y="2241120"/>
+            <a:ext cx="488023" cy="642495"/>
           </a:xfrm>
           <a:prstGeom prst="straightConnector1">
             <a:avLst/>
@@ -14883,7 +15030,7 @@
         <p:spPr>
           <a:xfrm>
             <a:off x="4582274" y="2517167"/>
-            <a:ext cx="646331" cy="400110"/>
+            <a:ext cx="415498" cy="246221"/>
           </a:xfrm>
           <a:prstGeom prst="rect">
             <a:avLst/>
@@ -14895,15 +15042,6 @@
             <a:spAutoFit/>
           </a:bodyPr>
           <a:lstStyle/>
-          <a:p>
-            <a:r>
-              <a:rPr lang="en-US" sz="1000" smtClean="0">
-                <a:latin typeface="Courier New" pitchFamily="49" charset="0"/>
-                <a:cs typeface="Courier New" pitchFamily="49" charset="0"/>
-              </a:rPr>
-              <a:t>create</a:t>
-            </a:r>
-          </a:p>
           <a:p>
             <a:r>
               <a:rPr lang="en-US" sz="1000" smtClean="0">
@@ -14923,15 +15061,15 @@
         <p:nvCxnSpPr>
           <p:cNvPr id="270" name="Straight Arrow Connector 269"/>
           <p:cNvCxnSpPr>
-            <a:stCxn id="249" idx="2"/>
+            <a:stCxn id="117" idx="2"/>
             <a:endCxn id="236" idx="0"/>
           </p:cNvCxnSpPr>
           <p:nvPr/>
         </p:nvCxnSpPr>
         <p:spPr>
           <a:xfrm flipH="1">
-            <a:off x="4799850" y="2323314"/>
-            <a:ext cx="646586" cy="1745255"/>
+            <a:off x="4953962" y="1708576"/>
+            <a:ext cx="1809502" cy="2473008"/>
           </a:xfrm>
           <a:prstGeom prst="straightConnector1">
             <a:avLst/>
@@ -14963,8 +15101,8 @@
         </p:nvSpPr>
         <p:spPr>
           <a:xfrm>
-            <a:off x="4770634" y="3291155"/>
-            <a:ext cx="646331" cy="246221"/>
+            <a:off x="4893924" y="3640476"/>
+            <a:ext cx="569387" cy="246221"/>
           </a:xfrm>
           <a:prstGeom prst="rect">
             <a:avLst/>
@@ -14982,7 +15120,7 @@
                 <a:latin typeface="Courier New" pitchFamily="49" charset="0"/>
                 <a:cs typeface="Courier New" pitchFamily="49" charset="0"/>
               </a:rPr>
-              <a:t>create</a:t>
+              <a:t>start</a:t>
             </a:r>
             <a:endParaRPr lang="en-US" sz="1000">
               <a:latin typeface="Courier New" pitchFamily="49" charset="0"/>
@@ -14996,14 +15134,14 @@
           <p:cNvPr id="273" name="Straight Arrow Connector 272"/>
           <p:cNvCxnSpPr>
             <a:stCxn id="236" idx="0"/>
-            <a:endCxn id="242" idx="2"/>
+            <a:endCxn id="96" idx="2"/>
           </p:cNvCxnSpPr>
           <p:nvPr/>
         </p:nvCxnSpPr>
         <p:spPr>
           <a:xfrm flipH="1" flipV="1">
-            <a:off x="4241158" y="3244564"/>
-            <a:ext cx="558692" cy="824005"/>
+            <a:off x="4619366" y="3129836"/>
+            <a:ext cx="334596" cy="1051748"/>
           </a:xfrm>
           <a:prstGeom prst="straightConnector1">
             <a:avLst/>
@@ -15035,7 +15173,7 @@
         </p:nvSpPr>
         <p:spPr>
           <a:xfrm>
-            <a:off x="4101100" y="3505196"/>
+            <a:off x="4388777" y="3309987"/>
             <a:ext cx="415498" cy="246221"/>
           </a:xfrm>
           <a:prstGeom prst="rect">
@@ -16246,6 +16384,200 @@
           </a:fontRef>
         </p:style>
       </p:cxnSp>
+      <p:sp>
+        <p:nvSpPr>
+          <p:cNvPr id="96" name="TextBox 95"/>
+          <p:cNvSpPr txBox="1"/>
+          <p:nvPr/>
+        </p:nvSpPr>
+        <p:spPr>
+          <a:xfrm>
+            <a:off x="4219256" y="2883615"/>
+            <a:ext cx="800219" cy="246221"/>
+          </a:xfrm>
+          <a:prstGeom prst="rect">
+            <a:avLst/>
+          </a:prstGeom>
+          <a:ln/>
+        </p:spPr>
+        <p:style>
+          <a:lnRef idx="1">
+            <a:schemeClr val="accent3"/>
+          </a:lnRef>
+          <a:fillRef idx="2">
+            <a:schemeClr val="accent3"/>
+          </a:fillRef>
+          <a:effectRef idx="1">
+            <a:schemeClr val="accent3"/>
+          </a:effectRef>
+          <a:fontRef idx="minor">
+            <a:schemeClr val="dk1"/>
+          </a:fontRef>
+        </p:style>
+        <p:txBody>
+          <a:bodyPr wrap="none" rtlCol="0">
+            <a:spAutoFit/>
+          </a:bodyPr>
+          <a:lstStyle/>
+          <a:p>
+            <a:r>
+              <a:rPr lang="en-US" sz="1000" smtClean="0">
+                <a:latin typeface="Courier New" pitchFamily="49" charset="0"/>
+                <a:cs typeface="Courier New" pitchFamily="49" charset="0"/>
+              </a:rPr>
+              <a:t>inQuList</a:t>
+            </a:r>
+            <a:endParaRPr lang="en-US" sz="1000" smtClean="0">
+              <a:latin typeface="Courier New" pitchFamily="49" charset="0"/>
+              <a:cs typeface="Courier New" pitchFamily="49" charset="0"/>
+            </a:endParaRPr>
+          </a:p>
+        </p:txBody>
+      </p:sp>
+      <p:cxnSp>
+        <p:nvCxnSpPr>
+          <p:cNvPr id="107" name="Straight Arrow Connector 106"/>
+          <p:cNvCxnSpPr>
+            <a:stCxn id="117" idx="2"/>
+            <a:endCxn id="128" idx="0"/>
+          </p:cNvCxnSpPr>
+          <p:nvPr/>
+        </p:nvCxnSpPr>
+        <p:spPr>
+          <a:xfrm>
+            <a:off x="6763464" y="1708576"/>
+            <a:ext cx="1463155" cy="1281204"/>
+          </a:xfrm>
+          <a:prstGeom prst="straightConnector1">
+            <a:avLst/>
+          </a:prstGeom>
+          <a:ln>
+            <a:tailEnd type="arrow"/>
+          </a:ln>
+        </p:spPr>
+        <p:style>
+          <a:lnRef idx="1">
+            <a:schemeClr val="accent1"/>
+          </a:lnRef>
+          <a:fillRef idx="0">
+            <a:schemeClr val="accent1"/>
+          </a:fillRef>
+          <a:effectRef idx="0">
+            <a:schemeClr val="accent1"/>
+          </a:effectRef>
+          <a:fontRef idx="minor">
+            <a:schemeClr val="tx1"/>
+          </a:fontRef>
+        </p:style>
+      </p:cxnSp>
+      <p:sp>
+        <p:nvSpPr>
+          <p:cNvPr id="108" name="TextBox 107"/>
+          <p:cNvSpPr txBox="1"/>
+          <p:nvPr/>
+        </p:nvSpPr>
+        <p:spPr>
+          <a:xfrm>
+            <a:off x="7084031" y="2018868"/>
+            <a:ext cx="646331" cy="246221"/>
+          </a:xfrm>
+          <a:prstGeom prst="rect">
+            <a:avLst/>
+          </a:prstGeom>
+          <a:noFill/>
+        </p:spPr>
+        <p:txBody>
+          <a:bodyPr wrap="none" rtlCol="0">
+            <a:spAutoFit/>
+          </a:bodyPr>
+          <a:lstStyle/>
+          <a:p>
+            <a:r>
+              <a:rPr lang="en-US" sz="1000" smtClean="0">
+                <a:latin typeface="Courier New" pitchFamily="49" charset="0"/>
+                <a:cs typeface="Courier New" pitchFamily="49" charset="0"/>
+              </a:rPr>
+              <a:t>create</a:t>
+            </a:r>
+            <a:endParaRPr lang="en-US" sz="1000">
+              <a:latin typeface="Courier New" pitchFamily="49" charset="0"/>
+              <a:cs typeface="Courier New" pitchFamily="49" charset="0"/>
+            </a:endParaRPr>
+          </a:p>
+        </p:txBody>
+      </p:sp>
+      <p:cxnSp>
+        <p:nvCxnSpPr>
+          <p:cNvPr id="144" name="Straight Arrow Connector 143"/>
+          <p:cNvCxnSpPr>
+            <a:stCxn id="117" idx="2"/>
+            <a:endCxn id="96" idx="0"/>
+          </p:cNvCxnSpPr>
+          <p:nvPr/>
+        </p:nvCxnSpPr>
+        <p:spPr>
+          <a:xfrm flipH="1">
+            <a:off x="4619366" y="1708576"/>
+            <a:ext cx="2144098" cy="1175039"/>
+          </a:xfrm>
+          <a:prstGeom prst="straightConnector1">
+            <a:avLst/>
+          </a:prstGeom>
+          <a:ln>
+            <a:tailEnd type="arrow"/>
+          </a:ln>
+        </p:spPr>
+        <p:style>
+          <a:lnRef idx="1">
+            <a:schemeClr val="accent1"/>
+          </a:lnRef>
+          <a:fillRef idx="0">
+            <a:schemeClr val="accent1"/>
+          </a:fillRef>
+          <a:effectRef idx="0">
+            <a:schemeClr val="accent1"/>
+          </a:effectRef>
+          <a:fontRef idx="minor">
+            <a:schemeClr val="tx1"/>
+          </a:fontRef>
+        </p:style>
+      </p:cxnSp>
+      <p:sp>
+        <p:nvSpPr>
+          <p:cNvPr id="147" name="TextBox 146"/>
+          <p:cNvSpPr txBox="1"/>
+          <p:nvPr/>
+        </p:nvSpPr>
+        <p:spPr>
+          <a:xfrm>
+            <a:off x="5284341" y="2387026"/>
+            <a:ext cx="646331" cy="246221"/>
+          </a:xfrm>
+          <a:prstGeom prst="rect">
+            <a:avLst/>
+          </a:prstGeom>
+          <a:noFill/>
+        </p:spPr>
+        <p:txBody>
+          <a:bodyPr wrap="none" rtlCol="0">
+            <a:spAutoFit/>
+          </a:bodyPr>
+          <a:lstStyle/>
+          <a:p>
+            <a:r>
+              <a:rPr lang="en-US" sz="1000" smtClean="0">
+                <a:latin typeface="Courier New" pitchFamily="49" charset="0"/>
+                <a:cs typeface="Courier New" pitchFamily="49" charset="0"/>
+              </a:rPr>
+              <a:t>create</a:t>
+            </a:r>
+            <a:endParaRPr lang="en-US" sz="1000">
+              <a:latin typeface="Courier New" pitchFamily="49" charset="0"/>
+              <a:cs typeface="Courier New" pitchFamily="49" charset="0"/>
+            </a:endParaRPr>
+          </a:p>
+        </p:txBody>
+      </p:sp>
     </p:spTree>
   </p:cSld>
   <p:clrMapOvr>
@@ -16912,7 +17244,7 @@
         <p:spPr>
           <a:xfrm>
             <a:off x="6801495" y="2815472"/>
-            <a:ext cx="492443" cy="246221"/>
+            <a:ext cx="800219" cy="246221"/>
           </a:xfrm>
           <a:prstGeom prst="rect">
             <a:avLst/>
@@ -16944,8 +17276,12 @@
                 <a:latin typeface="Courier New" pitchFamily="49" charset="0"/>
                 <a:cs typeface="Courier New" pitchFamily="49" charset="0"/>
               </a:rPr>
-              <a:t>inQu</a:t>
-            </a:r>
+              <a:t>inQuList</a:t>
+            </a:r>
+            <a:endParaRPr lang="en-US" sz="1000" smtClean="0">
+              <a:latin typeface="Courier New" pitchFamily="49" charset="0"/>
+              <a:cs typeface="Courier New" pitchFamily="49" charset="0"/>
+            </a:endParaRPr>
           </a:p>
         </p:txBody>
       </p:sp>
@@ -17508,7 +17844,7 @@
         <p:spPr>
           <a:xfrm>
             <a:off x="6407068" y="2482919"/>
-            <a:ext cx="640649" cy="332553"/>
+            <a:ext cx="794537" cy="332553"/>
           </a:xfrm>
           <a:prstGeom prst="straightConnector1">
             <a:avLst/>
@@ -17578,9 +17914,9 @@
           <p:nvPr/>
         </p:nvCxnSpPr>
         <p:spPr>
-          <a:xfrm flipH="1" flipV="1">
-            <a:off x="7047717" y="3061693"/>
-            <a:ext cx="84365" cy="688729"/>
+          <a:xfrm flipV="1">
+            <a:off x="7132082" y="3061693"/>
+            <a:ext cx="69523" cy="688729"/>
           </a:xfrm>
           <a:prstGeom prst="straightConnector1">
             <a:avLst/>
@@ -17720,7 +18056,7 @@
         </p:nvSpPr>
         <p:spPr>
           <a:xfrm>
-            <a:off x="7121701" y="3454184"/>
+            <a:off x="7152523" y="3300071"/>
             <a:ext cx="415498" cy="246221"/>
           </a:xfrm>
           <a:prstGeom prst="rect">
@@ -17792,7 +18128,7 @@
         </p:nvSpPr>
         <p:spPr>
           <a:xfrm>
-            <a:off x="7060056" y="4265843"/>
+            <a:off x="6875121" y="4214472"/>
             <a:ext cx="723275" cy="246221"/>
           </a:xfrm>
           <a:prstGeom prst="rect">

--- a/Scripting/ScriptingDocumenation/DesignDiagrams.pptx
+++ b/Scripting/ScriptingDocumenation/DesignDiagrams.pptx
@@ -298,7 +298,7 @@
             <a:fld id="{00F2EA4F-E096-48CD-A1C4-A4124DB919D8}" type="datetimeFigureOut">
               <a:rPr lang="en-US" smtClean="0"/>
               <a:pPr/>
-              <a:t>12/29/2012</a:t>
+              <a:t>12/30/2012</a:t>
             </a:fld>
             <a:endParaRPr lang="en-US"/>
           </a:p>
@@ -465,7 +465,7 @@
             <a:fld id="{00F2EA4F-E096-48CD-A1C4-A4124DB919D8}" type="datetimeFigureOut">
               <a:rPr lang="en-US" smtClean="0"/>
               <a:pPr/>
-              <a:t>12/29/2012</a:t>
+              <a:t>12/30/2012</a:t>
             </a:fld>
             <a:endParaRPr lang="en-US"/>
           </a:p>
@@ -642,7 +642,7 @@
             <a:fld id="{00F2EA4F-E096-48CD-A1C4-A4124DB919D8}" type="datetimeFigureOut">
               <a:rPr lang="en-US" smtClean="0"/>
               <a:pPr/>
-              <a:t>12/29/2012</a:t>
+              <a:t>12/30/2012</a:t>
             </a:fld>
             <a:endParaRPr lang="en-US"/>
           </a:p>
@@ -809,7 +809,7 @@
             <a:fld id="{00F2EA4F-E096-48CD-A1C4-A4124DB919D8}" type="datetimeFigureOut">
               <a:rPr lang="en-US" smtClean="0"/>
               <a:pPr/>
-              <a:t>12/29/2012</a:t>
+              <a:t>12/30/2012</a:t>
             </a:fld>
             <a:endParaRPr lang="en-US"/>
           </a:p>
@@ -1052,7 +1052,7 @@
             <a:fld id="{00F2EA4F-E096-48CD-A1C4-A4124DB919D8}" type="datetimeFigureOut">
               <a:rPr lang="en-US" smtClean="0"/>
               <a:pPr/>
-              <a:t>12/29/2012</a:t>
+              <a:t>12/30/2012</a:t>
             </a:fld>
             <a:endParaRPr lang="en-US"/>
           </a:p>
@@ -1337,7 +1337,7 @@
             <a:fld id="{00F2EA4F-E096-48CD-A1C4-A4124DB919D8}" type="datetimeFigureOut">
               <a:rPr lang="en-US" smtClean="0"/>
               <a:pPr/>
-              <a:t>12/29/2012</a:t>
+              <a:t>12/30/2012</a:t>
             </a:fld>
             <a:endParaRPr lang="en-US"/>
           </a:p>
@@ -1756,7 +1756,7 @@
             <a:fld id="{00F2EA4F-E096-48CD-A1C4-A4124DB919D8}" type="datetimeFigureOut">
               <a:rPr lang="en-US" smtClean="0"/>
               <a:pPr/>
-              <a:t>12/29/2012</a:t>
+              <a:t>12/30/2012</a:t>
             </a:fld>
             <a:endParaRPr lang="en-US"/>
           </a:p>
@@ -1871,7 +1871,7 @@
             <a:fld id="{00F2EA4F-E096-48CD-A1C4-A4124DB919D8}" type="datetimeFigureOut">
               <a:rPr lang="en-US" smtClean="0"/>
               <a:pPr/>
-              <a:t>12/29/2012</a:t>
+              <a:t>12/30/2012</a:t>
             </a:fld>
             <a:endParaRPr lang="en-US"/>
           </a:p>
@@ -1963,7 +1963,7 @@
             <a:fld id="{00F2EA4F-E096-48CD-A1C4-A4124DB919D8}" type="datetimeFigureOut">
               <a:rPr lang="en-US" smtClean="0"/>
               <a:pPr/>
-              <a:t>12/29/2012</a:t>
+              <a:t>12/30/2012</a:t>
             </a:fld>
             <a:endParaRPr lang="en-US"/>
           </a:p>
@@ -2237,7 +2237,7 @@
             <a:fld id="{00F2EA4F-E096-48CD-A1C4-A4124DB919D8}" type="datetimeFigureOut">
               <a:rPr lang="en-US" smtClean="0"/>
               <a:pPr/>
-              <a:t>12/29/2012</a:t>
+              <a:t>12/30/2012</a:t>
             </a:fld>
             <a:endParaRPr lang="en-US"/>
           </a:p>
@@ -2487,7 +2487,7 @@
             <a:fld id="{00F2EA4F-E096-48CD-A1C4-A4124DB919D8}" type="datetimeFigureOut">
               <a:rPr lang="en-US" smtClean="0"/>
               <a:pPr/>
-              <a:t>12/29/2012</a:t>
+              <a:t>12/30/2012</a:t>
             </a:fld>
             <a:endParaRPr lang="en-US"/>
           </a:p>
@@ -2697,7 +2697,7 @@
             <a:fld id="{00F2EA4F-E096-48CD-A1C4-A4124DB919D8}" type="datetimeFigureOut">
               <a:rPr lang="en-US" smtClean="0"/>
               <a:pPr/>
-              <a:t>12/29/2012</a:t>
+              <a:t>12/30/2012</a:t>
             </a:fld>
             <a:endParaRPr lang="en-US"/>
           </a:p>
@@ -3876,29 +3876,8 @@
                 <a:latin typeface="Courier New" pitchFamily="49" charset="0"/>
                 <a:cs typeface="Courier New" pitchFamily="49" charset="0"/>
               </a:rPr>
-              <a:t>  outQu, </a:t>
-            </a:r>
-            <a:r>
-              <a:rPr lang="en-US" sz="1000" b="1" smtClean="0">
-                <a:solidFill>
-                  <a:schemeClr val="accent6">
-                    <a:lumMod val="75000"/>
-                  </a:schemeClr>
-                </a:solidFill>
-                <a:latin typeface="Courier New" pitchFamily="49" charset="0"/>
-                <a:cs typeface="Courier New" pitchFamily="49" charset="0"/>
-              </a:rPr>
-              <a:t>inQuList</a:t>
-            </a:r>
-            <a:endParaRPr lang="en-US" sz="1000" b="1" smtClean="0">
-              <a:solidFill>
-                <a:schemeClr val="accent6">
-                  <a:lumMod val="75000"/>
-                </a:schemeClr>
-              </a:solidFill>
-              <a:latin typeface="Courier New" pitchFamily="49" charset="0"/>
-              <a:cs typeface="Courier New" pitchFamily="49" charset="0"/>
-            </a:endParaRPr>
+              <a:t>  outQu, inQuList</a:t>
+            </a:r>
           </a:p>
           <a:p>
             <a:r>
@@ -3996,10 +3975,6 @@
               </a:rPr>
               <a:t>inQuList</a:t>
             </a:r>
-            <a:endParaRPr lang="en-US" sz="1000" smtClean="0">
-              <a:latin typeface="Courier New" pitchFamily="49" charset="0"/>
-              <a:cs typeface="Courier New" pitchFamily="49" charset="0"/>
-            </a:endParaRPr>
           </a:p>
         </p:txBody>
       </p:sp>
@@ -8751,10 +8726,6 @@
               </a:rPr>
               <a:t>init(nm,msgSocket,quList)</a:t>
             </a:r>
-            <a:endParaRPr lang="en-US" sz="1000" smtClean="0">
-              <a:latin typeface="Courier New" pitchFamily="49" charset="0"/>
-              <a:cs typeface="Courier New" pitchFamily="49" charset="0"/>
-            </a:endParaRPr>
           </a:p>
           <a:p>
             <a:r>
@@ -9062,10 +9033,6 @@
               </a:rPr>
               <a:t>quList</a:t>
             </a:r>
-            <a:endParaRPr lang="en-US" sz="1000" smtClean="0">
-              <a:latin typeface="Courier New" pitchFamily="49" charset="0"/>
-              <a:cs typeface="Courier New" pitchFamily="49" charset="0"/>
-            </a:endParaRPr>
           </a:p>
         </p:txBody>
       </p:sp>
@@ -14933,19 +14900,8 @@
                 <a:latin typeface="Courier New" pitchFamily="49" charset="0"/>
                 <a:cs typeface="Courier New" pitchFamily="49" charset="0"/>
               </a:rPr>
-              <a:t>start(o</a:t>
-            </a:r>
-            <a:r>
-              <a:rPr lang="en-US" sz="1000" smtClean="0">
-                <a:latin typeface="Courier New" pitchFamily="49" charset="0"/>
-                <a:cs typeface="Courier New" pitchFamily="49" charset="0"/>
-              </a:rPr>
-              <a:t>utQu)</a:t>
-            </a:r>
-            <a:endParaRPr lang="en-US" sz="1000" smtClean="0">
-              <a:latin typeface="Courier New" pitchFamily="49" charset="0"/>
-              <a:cs typeface="Courier New" pitchFamily="49" charset="0"/>
-            </a:endParaRPr>
+              <a:t>start(outQu)</a:t>
+            </a:r>
           </a:p>
         </p:txBody>
       </p:sp>
@@ -16427,10 +16383,6 @@
               </a:rPr>
               <a:t>inQuList</a:t>
             </a:r>
-            <a:endParaRPr lang="en-US" sz="1000" smtClean="0">
-              <a:latin typeface="Courier New" pitchFamily="49" charset="0"/>
-              <a:cs typeface="Courier New" pitchFamily="49" charset="0"/>
-            </a:endParaRPr>
           </a:p>
         </p:txBody>
       </p:sp>
@@ -17278,10 +17230,6 @@
               </a:rPr>
               <a:t>inQuList</a:t>
             </a:r>
-            <a:endParaRPr lang="en-US" sz="1000" smtClean="0">
-              <a:latin typeface="Courier New" pitchFamily="49" charset="0"/>
-              <a:cs typeface="Courier New" pitchFamily="49" charset="0"/>
-            </a:endParaRPr>
           </a:p>
         </p:txBody>
       </p:sp>

--- a/Scripting/ScriptingDocumenation/DesignDiagrams.pptx
+++ b/Scripting/ScriptingDocumenation/DesignDiagrams.pptx
@@ -8547,10 +8547,6 @@
               </a:rPr>
               <a:t>protected object</a:t>
             </a:r>
-            <a:endParaRPr lang="en-US" sz="1000" smtClean="0">
-              <a:latin typeface="Courier New" pitchFamily="49" charset="0"/>
-              <a:cs typeface="Courier New" pitchFamily="49" charset="0"/>
-            </a:endParaRPr>
           </a:p>
         </p:txBody>
       </p:sp>
@@ -10225,7 +10221,7 @@
         </p:nvSpPr>
         <p:spPr>
           <a:xfrm>
-            <a:off x="3578837" y="5869971"/>
+            <a:off x="3702127" y="5469279"/>
             <a:ext cx="1107996" cy="246221"/>
           </a:xfrm>
           <a:prstGeom prst="rect">
@@ -10333,59 +10329,13 @@
       </p:sp>
       <p:sp>
         <p:nvSpPr>
-          <p:cNvPr id="5" name="TextBox 4"/>
-          <p:cNvSpPr txBox="1"/>
-          <p:nvPr/>
-        </p:nvSpPr>
-        <p:spPr>
-          <a:xfrm>
-            <a:off x="7036088" y="2196961"/>
-            <a:ext cx="877163" cy="246221"/>
-          </a:xfrm>
-          <a:prstGeom prst="rect">
-            <a:avLst/>
-          </a:prstGeom>
-          <a:ln/>
-        </p:spPr>
-        <p:style>
-          <a:lnRef idx="1">
-            <a:schemeClr val="accent3"/>
-          </a:lnRef>
-          <a:fillRef idx="2">
-            <a:schemeClr val="accent3"/>
-          </a:fillRef>
-          <a:effectRef idx="1">
-            <a:schemeClr val="accent3"/>
-          </a:effectRef>
-          <a:fontRef idx="minor">
-            <a:schemeClr val="dk1"/>
-          </a:fontRef>
-        </p:style>
-        <p:txBody>
-          <a:bodyPr wrap="none" rtlCol="0">
-            <a:spAutoFit/>
-          </a:bodyPr>
-          <a:lstStyle/>
-          <a:p>
-            <a:r>
-              <a:rPr lang="en-US" sz="1000" smtClean="0">
-                <a:latin typeface="Courier New" pitchFamily="49" charset="0"/>
-                <a:cs typeface="Courier New" pitchFamily="49" charset="0"/>
-              </a:rPr>
-              <a:t>msgSocket</a:t>
-            </a:r>
-          </a:p>
-        </p:txBody>
-      </p:sp>
-      <p:sp>
-        <p:nvSpPr>
           <p:cNvPr id="6" name="TextBox 5"/>
           <p:cNvSpPr txBox="1"/>
           <p:nvPr/>
         </p:nvSpPr>
         <p:spPr>
           <a:xfrm>
-            <a:off x="2369907" y="4712418"/>
+            <a:off x="1979489" y="4435015"/>
             <a:ext cx="954107" cy="246221"/>
           </a:xfrm>
           <a:prstGeom prst="rect">
@@ -10422,23 +10372,19 @@
               </a:rPr>
               <a:t>internalQu</a:t>
             </a:r>
-            <a:endParaRPr lang="en-US" sz="1000" smtClean="0">
-              <a:latin typeface="Courier New" pitchFamily="49" charset="0"/>
-              <a:cs typeface="Courier New" pitchFamily="49" charset="0"/>
-            </a:endParaRPr>
-          </a:p>
-        </p:txBody>
-      </p:sp>
-      <p:sp>
-        <p:nvSpPr>
-          <p:cNvPr id="9" name="TextBox 8"/>
-          <p:cNvSpPr txBox="1"/>
-          <p:nvPr/>
-        </p:nvSpPr>
-        <p:spPr>
-          <a:xfrm>
-            <a:off x="7147391" y="1825379"/>
-            <a:ext cx="492443" cy="246221"/>
+          </a:p>
+        </p:txBody>
+      </p:sp>
+      <p:sp>
+        <p:nvSpPr>
+          <p:cNvPr id="10" name="TextBox 9"/>
+          <p:cNvSpPr txBox="1"/>
+          <p:nvPr/>
+        </p:nvSpPr>
+        <p:spPr>
+          <a:xfrm>
+            <a:off x="303089" y="1885310"/>
+            <a:ext cx="415498" cy="246221"/>
           </a:xfrm>
           <a:prstGeom prst="rect">
             <a:avLst/>
@@ -10456,7 +10402,7 @@
                 <a:latin typeface="Courier New" pitchFamily="49" charset="0"/>
                 <a:cs typeface="Courier New" pitchFamily="49" charset="0"/>
               </a:rPr>
-              <a:t>send</a:t>
+              <a:t>get</a:t>
             </a:r>
             <a:endParaRPr lang="en-US" sz="1000">
               <a:latin typeface="Courier New" pitchFamily="49" charset="0"/>
@@ -10467,49 +10413,13 @@
       </p:sp>
       <p:sp>
         <p:nvSpPr>
-          <p:cNvPr id="10" name="TextBox 9"/>
-          <p:cNvSpPr txBox="1"/>
-          <p:nvPr/>
-        </p:nvSpPr>
-        <p:spPr>
-          <a:xfrm>
-            <a:off x="559943" y="2203809"/>
-            <a:ext cx="415498" cy="246221"/>
-          </a:xfrm>
-          <a:prstGeom prst="rect">
-            <a:avLst/>
-          </a:prstGeom>
-          <a:noFill/>
-        </p:spPr>
-        <p:txBody>
-          <a:bodyPr wrap="none" rtlCol="0">
-            <a:spAutoFit/>
-          </a:bodyPr>
-          <a:lstStyle/>
-          <a:p>
-            <a:r>
-              <a:rPr lang="en-US" sz="1000" smtClean="0">
-                <a:latin typeface="Courier New" pitchFamily="49" charset="0"/>
-                <a:cs typeface="Courier New" pitchFamily="49" charset="0"/>
-              </a:rPr>
-              <a:t>get</a:t>
-            </a:r>
-            <a:endParaRPr lang="en-US" sz="1000">
-              <a:latin typeface="Courier New" pitchFamily="49" charset="0"/>
-              <a:cs typeface="Courier New" pitchFamily="49" charset="0"/>
-            </a:endParaRPr>
-          </a:p>
-        </p:txBody>
-      </p:sp>
-      <p:sp>
-        <p:nvSpPr>
           <p:cNvPr id="12" name="TextBox 11"/>
           <p:cNvSpPr txBox="1"/>
           <p:nvPr/>
         </p:nvSpPr>
         <p:spPr>
           <a:xfrm>
-            <a:off x="844202" y="5313455"/>
+            <a:off x="422961" y="4892215"/>
             <a:ext cx="1031051" cy="246221"/>
           </a:xfrm>
           <a:prstGeom prst="rect">
@@ -10545,14 +10455,108 @@
       </p:sp>
       <p:sp>
         <p:nvSpPr>
-          <p:cNvPr id="14" name="TextBox 13"/>
-          <p:cNvSpPr txBox="1"/>
-          <p:nvPr/>
-        </p:nvSpPr>
-        <p:spPr>
-          <a:xfrm>
-            <a:off x="7383696" y="3366502"/>
-            <a:ext cx="569387" cy="246221"/>
+          <p:cNvPr id="15" name="TextBox 14"/>
+          <p:cNvSpPr txBox="1"/>
+          <p:nvPr/>
+        </p:nvSpPr>
+        <p:spPr>
+          <a:xfrm>
+            <a:off x="2708958" y="6488489"/>
+            <a:ext cx="877163" cy="246221"/>
+          </a:xfrm>
+          <a:prstGeom prst="rect">
+            <a:avLst/>
+          </a:prstGeom>
+          <a:ln/>
+        </p:spPr>
+        <p:style>
+          <a:lnRef idx="1">
+            <a:schemeClr val="accent3"/>
+          </a:lnRef>
+          <a:fillRef idx="2">
+            <a:schemeClr val="accent3"/>
+          </a:fillRef>
+          <a:effectRef idx="1">
+            <a:schemeClr val="accent3"/>
+          </a:effectRef>
+          <a:fontRef idx="minor">
+            <a:schemeClr val="dk1"/>
+          </a:fontRef>
+        </p:style>
+        <p:txBody>
+          <a:bodyPr wrap="none" rtlCol="0">
+            <a:spAutoFit/>
+          </a:bodyPr>
+          <a:lstStyle/>
+          <a:p>
+            <a:r>
+              <a:rPr lang="en-US" sz="1000" smtClean="0">
+                <a:latin typeface="Courier New" pitchFamily="49" charset="0"/>
+                <a:cs typeface="Courier New" pitchFamily="49" charset="0"/>
+              </a:rPr>
+              <a:t>msgSocket</a:t>
+            </a:r>
+          </a:p>
+        </p:txBody>
+      </p:sp>
+      <p:sp>
+        <p:nvSpPr>
+          <p:cNvPr id="16" name="TextBox 15"/>
+          <p:cNvSpPr txBox="1"/>
+          <p:nvPr/>
+        </p:nvSpPr>
+        <p:spPr>
+          <a:xfrm>
+            <a:off x="200349" y="2316827"/>
+            <a:ext cx="800219" cy="246221"/>
+          </a:xfrm>
+          <a:prstGeom prst="rect">
+            <a:avLst/>
+          </a:prstGeom>
+          <a:ln/>
+        </p:spPr>
+        <p:style>
+          <a:lnRef idx="2">
+            <a:schemeClr val="accent3">
+              <a:shade val="50000"/>
+            </a:schemeClr>
+          </a:lnRef>
+          <a:fillRef idx="1">
+            <a:schemeClr val="accent3"/>
+          </a:fillRef>
+          <a:effectRef idx="0">
+            <a:schemeClr val="accent3"/>
+          </a:effectRef>
+          <a:fontRef idx="minor">
+            <a:schemeClr val="lt1"/>
+          </a:fontRef>
+        </p:style>
+        <p:txBody>
+          <a:bodyPr wrap="none" rtlCol="0">
+            <a:spAutoFit/>
+          </a:bodyPr>
+          <a:lstStyle/>
+          <a:p>
+            <a:r>
+              <a:rPr lang="en-US" sz="1000" smtClean="0">
+                <a:latin typeface="Courier New" pitchFamily="49" charset="0"/>
+                <a:cs typeface="Courier New" pitchFamily="49" charset="0"/>
+              </a:rPr>
+              <a:t>inQuList</a:t>
+            </a:r>
+          </a:p>
+        </p:txBody>
+      </p:sp>
+      <p:sp>
+        <p:nvSpPr>
+          <p:cNvPr id="19" name="TextBox 18"/>
+          <p:cNvSpPr txBox="1"/>
+          <p:nvPr/>
+        </p:nvSpPr>
+        <p:spPr>
+          <a:xfrm>
+            <a:off x="1998325" y="1895585"/>
+            <a:ext cx="2954655" cy="707886"/>
           </a:xfrm>
           <a:prstGeom prst="rect">
             <a:avLst/>
@@ -10570,7 +10574,46 @@
                 <a:latin typeface="Courier New" pitchFamily="49" charset="0"/>
                 <a:cs typeface="Courier New" pitchFamily="49" charset="0"/>
               </a:rPr>
-              <a:t>start</a:t>
+              <a:t>put(AddInQuMsg(name,qu))</a:t>
+            </a:r>
+            <a:endParaRPr lang="en-US" sz="1000" smtClean="0">
+              <a:latin typeface="Courier New" pitchFamily="49" charset="0"/>
+              <a:cs typeface="Courier New" pitchFamily="49" charset="0"/>
+            </a:endParaRPr>
+          </a:p>
+          <a:p>
+            <a:r>
+              <a:rPr lang="en-US" sz="1000" smtClean="0">
+                <a:latin typeface="Courier New" pitchFamily="49" charset="0"/>
+                <a:cs typeface="Courier New" pitchFamily="49" charset="0"/>
+              </a:rPr>
+              <a:t>put(RemoveInQuMsg(name))</a:t>
+            </a:r>
+            <a:endParaRPr lang="en-US" sz="1000" smtClean="0">
+              <a:latin typeface="Courier New" pitchFamily="49" charset="0"/>
+              <a:cs typeface="Courier New" pitchFamily="49" charset="0"/>
+            </a:endParaRPr>
+          </a:p>
+          <a:p>
+            <a:r>
+              <a:rPr lang="en-US" sz="1000" smtClean="0">
+                <a:latin typeface="Courier New" pitchFamily="49" charset="0"/>
+                <a:cs typeface="Courier New" pitchFamily="49" charset="0"/>
+              </a:rPr>
+              <a:t>put(AddInterestMsg(name,msgType))</a:t>
+            </a:r>
+            <a:endParaRPr lang="en-US" sz="1000" smtClean="0">
+              <a:latin typeface="Courier New" pitchFamily="49" charset="0"/>
+              <a:cs typeface="Courier New" pitchFamily="49" charset="0"/>
+            </a:endParaRPr>
+          </a:p>
+          <a:p>
+            <a:r>
+              <a:rPr lang="en-US" sz="1000" smtClean="0">
+                <a:latin typeface="Courier New" pitchFamily="49" charset="0"/>
+                <a:cs typeface="Courier New" pitchFamily="49" charset="0"/>
+              </a:rPr>
+              <a:t>put(RemoveInterestMsg(name,msgType))</a:t>
             </a:r>
             <a:endParaRPr lang="en-US" sz="1000">
               <a:latin typeface="Courier New" pitchFamily="49" charset="0"/>
@@ -10581,219 +10624,13 @@
       </p:sp>
       <p:sp>
         <p:nvSpPr>
-          <p:cNvPr id="15" name="TextBox 14"/>
-          <p:cNvSpPr txBox="1"/>
-          <p:nvPr/>
-        </p:nvSpPr>
-        <p:spPr>
-          <a:xfrm>
-            <a:off x="1537703" y="6611779"/>
-            <a:ext cx="877163" cy="246221"/>
-          </a:xfrm>
-          <a:prstGeom prst="rect">
-            <a:avLst/>
-          </a:prstGeom>
-          <a:ln/>
-        </p:spPr>
-        <p:style>
-          <a:lnRef idx="2">
-            <a:schemeClr val="accent3">
-              <a:shade val="50000"/>
-            </a:schemeClr>
-          </a:lnRef>
-          <a:fillRef idx="1">
-            <a:schemeClr val="accent3"/>
-          </a:fillRef>
-          <a:effectRef idx="0">
-            <a:schemeClr val="accent3"/>
-          </a:effectRef>
-          <a:fontRef idx="minor">
-            <a:schemeClr val="lt1"/>
-          </a:fontRef>
-        </p:style>
-        <p:txBody>
-          <a:bodyPr wrap="none" rtlCol="0">
-            <a:spAutoFit/>
-          </a:bodyPr>
-          <a:lstStyle/>
-          <a:p>
-            <a:r>
-              <a:rPr lang="en-US" sz="1000" smtClean="0">
-                <a:latin typeface="Courier New" pitchFamily="49" charset="0"/>
-                <a:cs typeface="Courier New" pitchFamily="49" charset="0"/>
-              </a:rPr>
-              <a:t>msgSocket</a:t>
-            </a:r>
-          </a:p>
-        </p:txBody>
-      </p:sp>
-      <p:sp>
-        <p:nvSpPr>
-          <p:cNvPr id="16" name="TextBox 15"/>
-          <p:cNvSpPr txBox="1"/>
-          <p:nvPr/>
-        </p:nvSpPr>
-        <p:spPr>
-          <a:xfrm>
-            <a:off x="179800" y="2696971"/>
-            <a:ext cx="800219" cy="246221"/>
-          </a:xfrm>
-          <a:prstGeom prst="rect">
-            <a:avLst/>
-          </a:prstGeom>
-          <a:ln/>
-        </p:spPr>
-        <p:style>
-          <a:lnRef idx="2">
-            <a:schemeClr val="accent3">
-              <a:shade val="50000"/>
-            </a:schemeClr>
-          </a:lnRef>
-          <a:fillRef idx="1">
-            <a:schemeClr val="accent3"/>
-          </a:fillRef>
-          <a:effectRef idx="0">
-            <a:schemeClr val="accent3"/>
-          </a:effectRef>
-          <a:fontRef idx="minor">
-            <a:schemeClr val="lt1"/>
-          </a:fontRef>
-        </p:style>
-        <p:txBody>
-          <a:bodyPr wrap="none" rtlCol="0">
-            <a:spAutoFit/>
-          </a:bodyPr>
-          <a:lstStyle/>
-          <a:p>
-            <a:r>
-              <a:rPr lang="en-US" sz="1000" smtClean="0">
-                <a:latin typeface="Courier New" pitchFamily="49" charset="0"/>
-                <a:cs typeface="Courier New" pitchFamily="49" charset="0"/>
-              </a:rPr>
-              <a:t>inQ</a:t>
-            </a:r>
-            <a:r>
-              <a:rPr lang="en-US" sz="1000" smtClean="0">
-                <a:latin typeface="Courier New" pitchFamily="49" charset="0"/>
-                <a:cs typeface="Courier New" pitchFamily="49" charset="0"/>
-              </a:rPr>
-              <a:t>uList</a:t>
-            </a:r>
-            <a:endParaRPr lang="en-US" sz="1000" smtClean="0">
-              <a:latin typeface="Courier New" pitchFamily="49" charset="0"/>
-              <a:cs typeface="Courier New" pitchFamily="49" charset="0"/>
-            </a:endParaRPr>
-          </a:p>
-        </p:txBody>
-      </p:sp>
-      <p:sp>
-        <p:nvSpPr>
-          <p:cNvPr id="19" name="TextBox 18"/>
-          <p:cNvSpPr txBox="1"/>
-          <p:nvPr/>
-        </p:nvSpPr>
-        <p:spPr>
-          <a:xfrm>
-            <a:off x="1669552" y="2522309"/>
-            <a:ext cx="1877437" cy="707886"/>
-          </a:xfrm>
-          <a:prstGeom prst="rect">
-            <a:avLst/>
-          </a:prstGeom>
-          <a:noFill/>
-        </p:spPr>
-        <p:txBody>
-          <a:bodyPr wrap="none" rtlCol="0">
-            <a:spAutoFit/>
-          </a:bodyPr>
-          <a:lstStyle/>
-          <a:p>
-            <a:r>
-              <a:rPr lang="en-US" sz="1000" smtClean="0">
-                <a:latin typeface="Courier New" pitchFamily="49" charset="0"/>
-                <a:cs typeface="Courier New" pitchFamily="49" charset="0"/>
-              </a:rPr>
-              <a:t>put(AddInQuMsg)</a:t>
-            </a:r>
-          </a:p>
-          <a:p>
-            <a:r>
-              <a:rPr lang="en-US" sz="1000" smtClean="0">
-                <a:latin typeface="Courier New" pitchFamily="49" charset="0"/>
-                <a:cs typeface="Courier New" pitchFamily="49" charset="0"/>
-              </a:rPr>
-              <a:t>put(RemoveInQuMsg)</a:t>
-            </a:r>
-          </a:p>
-          <a:p>
-            <a:r>
-              <a:rPr lang="en-US" sz="1000" smtClean="0">
-                <a:latin typeface="Courier New" pitchFamily="49" charset="0"/>
-                <a:cs typeface="Courier New" pitchFamily="49" charset="0"/>
-              </a:rPr>
-              <a:t>put(AddInterestMsg)</a:t>
-            </a:r>
-          </a:p>
-          <a:p>
-            <a:r>
-              <a:rPr lang="en-US" sz="1000" smtClean="0">
-                <a:latin typeface="Courier New" pitchFamily="49" charset="0"/>
-                <a:cs typeface="Courier New" pitchFamily="49" charset="0"/>
-              </a:rPr>
-              <a:t>put(RemoveInterestMsg)</a:t>
-            </a:r>
-            <a:endParaRPr lang="en-US" sz="1000">
-              <a:latin typeface="Courier New" pitchFamily="49" charset="0"/>
-              <a:cs typeface="Courier New" pitchFamily="49" charset="0"/>
-            </a:endParaRPr>
-          </a:p>
-        </p:txBody>
-      </p:sp>
-      <p:sp>
-        <p:nvSpPr>
-          <p:cNvPr id="20" name="TextBox 19"/>
-          <p:cNvSpPr txBox="1"/>
-          <p:nvPr/>
-        </p:nvSpPr>
-        <p:spPr>
-          <a:xfrm>
-            <a:off x="6599435" y="4195284"/>
-            <a:ext cx="723275" cy="246221"/>
-          </a:xfrm>
-          <a:prstGeom prst="rect">
-            <a:avLst/>
-          </a:prstGeom>
-          <a:noFill/>
-        </p:spPr>
-        <p:txBody>
-          <a:bodyPr wrap="none" rtlCol="0">
-            <a:spAutoFit/>
-          </a:bodyPr>
-          <a:lstStyle/>
-          <a:p>
-            <a:r>
-              <a:rPr lang="en-US" sz="1000" smtClean="0">
-                <a:latin typeface="Courier New" pitchFamily="49" charset="0"/>
-                <a:cs typeface="Courier New" pitchFamily="49" charset="0"/>
-              </a:rPr>
-              <a:t>receive</a:t>
-            </a:r>
-            <a:endParaRPr lang="en-US" sz="1000">
-              <a:latin typeface="Courier New" pitchFamily="49" charset="0"/>
-              <a:cs typeface="Courier New" pitchFamily="49" charset="0"/>
-            </a:endParaRPr>
-          </a:p>
-        </p:txBody>
-      </p:sp>
-      <p:sp>
-        <p:nvSpPr>
           <p:cNvPr id="24" name="TextBox 23"/>
           <p:cNvSpPr txBox="1"/>
           <p:nvPr/>
         </p:nvSpPr>
         <p:spPr>
           <a:xfrm>
-            <a:off x="1316810" y="3936719"/>
+            <a:off x="1214068" y="3494930"/>
             <a:ext cx="1338828" cy="246221"/>
           </a:xfrm>
           <a:prstGeom prst="rect">
@@ -10824,10 +10661,6 @@
               </a:rPr>
               <a:t>msgInternalPump</a:t>
             </a:r>
-            <a:endParaRPr lang="en-US" sz="1000" smtClean="0">
-              <a:latin typeface="Courier New" pitchFamily="49" charset="0"/>
-              <a:cs typeface="Courier New" pitchFamily="49" charset="0"/>
-            </a:endParaRPr>
           </a:p>
         </p:txBody>
       </p:sp>
@@ -10839,7 +10672,7 @@
         </p:nvSpPr>
         <p:spPr>
           <a:xfrm>
-            <a:off x="4720977" y="4196998"/>
+            <a:off x="4751799" y="3169583"/>
             <a:ext cx="569387" cy="246221"/>
           </a:xfrm>
           <a:prstGeom prst="rect">
@@ -10876,10 +10709,6 @@
               </a:rPr>
               <a:t>outQu</a:t>
             </a:r>
-            <a:endParaRPr lang="en-US" sz="1000" smtClean="0">
-              <a:latin typeface="Courier New" pitchFamily="49" charset="0"/>
-              <a:cs typeface="Courier New" pitchFamily="49" charset="0"/>
-            </a:endParaRPr>
           </a:p>
         </p:txBody>
       </p:sp>
@@ -10894,8 +10723,8 @@
         </p:nvCxnSpPr>
         <p:spPr>
           <a:xfrm flipH="1">
-            <a:off x="1976285" y="6116192"/>
-            <a:ext cx="2156550" cy="495587"/>
+            <a:off x="3147540" y="5715500"/>
+            <a:ext cx="1108585" cy="772989"/>
           </a:xfrm>
           <a:prstGeom prst="straightConnector1">
             <a:avLst/>
@@ -10930,8 +10759,8 @@
         </p:nvCxnSpPr>
         <p:spPr>
           <a:xfrm flipV="1">
-            <a:off x="4132835" y="4443219"/>
-            <a:ext cx="872836" cy="1426752"/>
+            <a:off x="4256125" y="3415804"/>
+            <a:ext cx="780368" cy="2053475"/>
           </a:xfrm>
           <a:prstGeom prst="straightConnector1">
             <a:avLst/>
@@ -10966,8 +10795,8 @@
         </p:nvCxnSpPr>
         <p:spPr>
           <a:xfrm flipH="1" flipV="1">
-            <a:off x="2846961" y="4958639"/>
-            <a:ext cx="1285874" cy="911332"/>
+            <a:off x="2456543" y="4681236"/>
+            <a:ext cx="1799582" cy="788043"/>
           </a:xfrm>
           <a:prstGeom prst="straightConnector1">
             <a:avLst/>
@@ -11002,8 +10831,8 @@
         </p:nvCxnSpPr>
         <p:spPr>
           <a:xfrm>
-            <a:off x="1986224" y="4182940"/>
-            <a:ext cx="860737" cy="529478"/>
+            <a:off x="1883482" y="3741151"/>
+            <a:ext cx="573061" cy="693864"/>
           </a:xfrm>
           <a:prstGeom prst="straightConnector1">
             <a:avLst/>
@@ -11038,8 +10867,8 @@
         </p:nvCxnSpPr>
         <p:spPr>
           <a:xfrm flipH="1" flipV="1">
-            <a:off x="579910" y="2943192"/>
-            <a:ext cx="1406314" cy="993527"/>
+            <a:off x="600459" y="2563048"/>
+            <a:ext cx="1283023" cy="931882"/>
           </a:xfrm>
           <a:prstGeom prst="straightConnector1">
             <a:avLst/>
@@ -11067,15 +10896,15 @@
         <p:nvCxnSpPr>
           <p:cNvPr id="37" name="Straight Arrow Connector 36"/>
           <p:cNvCxnSpPr>
-            <a:stCxn id="46" idx="2"/>
+            <a:stCxn id="45" idx="2"/>
             <a:endCxn id="25" idx="0"/>
           </p:cNvCxnSpPr>
           <p:nvPr/>
         </p:nvCxnSpPr>
         <p:spPr>
-          <a:xfrm>
-            <a:off x="4682611" y="3023672"/>
-            <a:ext cx="323060" cy="1173326"/>
+          <a:xfrm flipH="1">
+            <a:off x="5036493" y="2306194"/>
+            <a:ext cx="623877" cy="863389"/>
           </a:xfrm>
           <a:prstGeom prst="straightConnector1">
             <a:avLst/>
@@ -11110,8 +10939,8 @@
         </p:nvCxnSpPr>
         <p:spPr>
           <a:xfrm flipH="1">
-            <a:off x="579910" y="2018516"/>
-            <a:ext cx="395443" cy="678455"/>
+            <a:off x="600459" y="1771937"/>
+            <a:ext cx="354346" cy="544890"/>
           </a:xfrm>
           <a:prstGeom prst="straightConnector1">
             <a:avLst/>
@@ -11137,13 +10966,13 @@
       </p:cxnSp>
       <p:sp>
         <p:nvSpPr>
-          <p:cNvPr id="40" name="TextBox 39"/>
-          <p:cNvSpPr txBox="1"/>
-          <p:nvPr/>
-        </p:nvSpPr>
-        <p:spPr>
-          <a:xfrm>
-            <a:off x="602754" y="1660992"/>
+          <p:cNvPr id="42" name="TextBox 41"/>
+          <p:cNvSpPr txBox="1"/>
+          <p:nvPr/>
+        </p:nvSpPr>
+        <p:spPr>
+          <a:xfrm>
+            <a:off x="477751" y="1525716"/>
             <a:ext cx="954107" cy="246221"/>
           </a:xfrm>
           <a:prstGeom prst="rect">
@@ -11178,22 +11007,18 @@
               </a:rPr>
               <a:t>msgHandler</a:t>
             </a:r>
-            <a:endParaRPr lang="en-US" sz="1000" smtClean="0">
-              <a:latin typeface="Courier New" pitchFamily="49" charset="0"/>
-              <a:cs typeface="Courier New" pitchFamily="49" charset="0"/>
-            </a:endParaRPr>
-          </a:p>
-        </p:txBody>
-      </p:sp>
-      <p:sp>
-        <p:nvSpPr>
-          <p:cNvPr id="42" name="TextBox 41"/>
-          <p:cNvSpPr txBox="1"/>
-          <p:nvPr/>
-        </p:nvSpPr>
-        <p:spPr>
-          <a:xfrm>
-            <a:off x="498299" y="1772295"/>
+          </a:p>
+        </p:txBody>
+      </p:sp>
+      <p:sp>
+        <p:nvSpPr>
+          <p:cNvPr id="45" name="TextBox 44"/>
+          <p:cNvSpPr txBox="1"/>
+          <p:nvPr/>
+        </p:nvSpPr>
+        <p:spPr>
+          <a:xfrm>
+            <a:off x="5183316" y="2059973"/>
             <a:ext cx="954107" cy="246221"/>
           </a:xfrm>
           <a:prstGeom prst="rect">
@@ -11228,110 +11053,6 @@
               </a:rPr>
               <a:t>msgHandler</a:t>
             </a:r>
-            <a:endParaRPr lang="en-US" sz="1000" smtClean="0">
-              <a:latin typeface="Courier New" pitchFamily="49" charset="0"/>
-              <a:cs typeface="Courier New" pitchFamily="49" charset="0"/>
-            </a:endParaRPr>
-          </a:p>
-        </p:txBody>
-      </p:sp>
-      <p:sp>
-        <p:nvSpPr>
-          <p:cNvPr id="45" name="TextBox 44"/>
-          <p:cNvSpPr txBox="1"/>
-          <p:nvPr/>
-        </p:nvSpPr>
-        <p:spPr>
-          <a:xfrm>
-            <a:off x="4310012" y="2666148"/>
-            <a:ext cx="954107" cy="246221"/>
-          </a:xfrm>
-          <a:prstGeom prst="rect">
-            <a:avLst/>
-          </a:prstGeom>
-          <a:ln/>
-        </p:spPr>
-        <p:style>
-          <a:lnRef idx="1">
-            <a:schemeClr val="accent3"/>
-          </a:lnRef>
-          <a:fillRef idx="2">
-            <a:schemeClr val="accent3"/>
-          </a:fillRef>
-          <a:effectRef idx="1">
-            <a:schemeClr val="accent3"/>
-          </a:effectRef>
-          <a:fontRef idx="minor">
-            <a:schemeClr val="dk1"/>
-          </a:fontRef>
-        </p:style>
-        <p:txBody>
-          <a:bodyPr wrap="none" rtlCol="0">
-            <a:spAutoFit/>
-          </a:bodyPr>
-          <a:lstStyle/>
-          <a:p>
-            <a:r>
-              <a:rPr lang="en-US" sz="1000" smtClean="0">
-                <a:latin typeface="Courier New" pitchFamily="49" charset="0"/>
-                <a:cs typeface="Courier New" pitchFamily="49" charset="0"/>
-              </a:rPr>
-              <a:t>msgHandler</a:t>
-            </a:r>
-            <a:endParaRPr lang="en-US" sz="1000" smtClean="0">
-              <a:latin typeface="Courier New" pitchFamily="49" charset="0"/>
-              <a:cs typeface="Courier New" pitchFamily="49" charset="0"/>
-            </a:endParaRPr>
-          </a:p>
-        </p:txBody>
-      </p:sp>
-      <p:sp>
-        <p:nvSpPr>
-          <p:cNvPr id="46" name="TextBox 45"/>
-          <p:cNvSpPr txBox="1"/>
-          <p:nvPr/>
-        </p:nvSpPr>
-        <p:spPr>
-          <a:xfrm>
-            <a:off x="4205557" y="2777451"/>
-            <a:ext cx="954107" cy="246221"/>
-          </a:xfrm>
-          <a:prstGeom prst="rect">
-            <a:avLst/>
-          </a:prstGeom>
-          <a:ln/>
-        </p:spPr>
-        <p:style>
-          <a:lnRef idx="1">
-            <a:schemeClr val="accent3"/>
-          </a:lnRef>
-          <a:fillRef idx="2">
-            <a:schemeClr val="accent3"/>
-          </a:fillRef>
-          <a:effectRef idx="1">
-            <a:schemeClr val="accent3"/>
-          </a:effectRef>
-          <a:fontRef idx="minor">
-            <a:schemeClr val="dk1"/>
-          </a:fontRef>
-        </p:style>
-        <p:txBody>
-          <a:bodyPr wrap="none" rtlCol="0">
-            <a:spAutoFit/>
-          </a:bodyPr>
-          <a:lstStyle/>
-          <a:p>
-            <a:r>
-              <a:rPr lang="en-US" sz="1000" smtClean="0">
-                <a:latin typeface="Courier New" pitchFamily="49" charset="0"/>
-                <a:cs typeface="Courier New" pitchFamily="49" charset="0"/>
-              </a:rPr>
-              <a:t>msgHandler</a:t>
-            </a:r>
-            <a:endParaRPr lang="en-US" sz="1000" smtClean="0">
-              <a:latin typeface="Courier New" pitchFamily="49" charset="0"/>
-              <a:cs typeface="Courier New" pitchFamily="49" charset="0"/>
-            </a:endParaRPr>
           </a:p>
         </p:txBody>
       </p:sp>
@@ -11346,8 +11067,8 @@
         </p:nvCxnSpPr>
         <p:spPr>
           <a:xfrm flipH="1" flipV="1">
-            <a:off x="579910" y="2943192"/>
-            <a:ext cx="779818" cy="2370263"/>
+            <a:off x="600459" y="2563048"/>
+            <a:ext cx="338028" cy="2329167"/>
           </a:xfrm>
           <a:prstGeom prst="straightConnector1">
             <a:avLst/>
@@ -11382,8 +11103,8 @@
         </p:nvCxnSpPr>
         <p:spPr>
           <a:xfrm>
-            <a:off x="1359728" y="5559676"/>
-            <a:ext cx="616557" cy="1052103"/>
+            <a:off x="938487" y="5138436"/>
+            <a:ext cx="2209053" cy="1350053"/>
           </a:xfrm>
           <a:prstGeom prst="straightConnector1">
             <a:avLst/>
@@ -11416,7 +11137,7 @@
         <p:spPr>
           <a:xfrm>
             <a:off x="1164407" y="195209"/>
-            <a:ext cx="877163" cy="246221"/>
+            <a:ext cx="1954381" cy="246221"/>
           </a:xfrm>
           <a:prstGeom prst="rect">
             <a:avLst/>
@@ -11425,13 +11146,13 @@
         </p:spPr>
         <p:style>
           <a:lnRef idx="1">
-            <a:schemeClr val="accent3"/>
+            <a:schemeClr val="accent1"/>
           </a:lnRef>
           <a:fillRef idx="2">
-            <a:schemeClr val="accent3"/>
+            <a:schemeClr val="accent1"/>
           </a:fillRef>
           <a:effectRef idx="1">
-            <a:schemeClr val="accent3"/>
+            <a:schemeClr val="accent1"/>
           </a:effectRef>
           <a:fontRef idx="minor">
             <a:schemeClr val="dk1"/>
@@ -11448,7 +11169,7 @@
                 <a:latin typeface="Courier New" pitchFamily="49" charset="0"/>
                 <a:cs typeface="Courier New" pitchFamily="49" charset="0"/>
               </a:rPr>
-              <a:t>process i</a:t>
+              <a:t>consumer thread/process</a:t>
             </a:r>
             <a:endParaRPr lang="en-US" sz="1000" smtClean="0">
               <a:latin typeface="Courier New" pitchFamily="49" charset="0"/>
@@ -11457,69 +11178,19 @@
           </a:p>
         </p:txBody>
       </p:sp>
-      <p:sp>
-        <p:nvSpPr>
-          <p:cNvPr id="54" name="TextBox 53"/>
-          <p:cNvSpPr txBox="1"/>
-          <p:nvPr/>
-        </p:nvSpPr>
-        <p:spPr>
-          <a:xfrm>
-            <a:off x="5107970" y="535972"/>
-            <a:ext cx="877163" cy="246221"/>
-          </a:xfrm>
-          <a:prstGeom prst="rect">
-            <a:avLst/>
-          </a:prstGeom>
-          <a:ln/>
-        </p:spPr>
-        <p:style>
-          <a:lnRef idx="1">
-            <a:schemeClr val="accent3"/>
-          </a:lnRef>
-          <a:fillRef idx="2">
-            <a:schemeClr val="accent3"/>
-          </a:fillRef>
-          <a:effectRef idx="1">
-            <a:schemeClr val="accent3"/>
-          </a:effectRef>
-          <a:fontRef idx="minor">
-            <a:schemeClr val="dk1"/>
-          </a:fontRef>
-        </p:style>
-        <p:txBody>
-          <a:bodyPr wrap="none" rtlCol="0">
-            <a:spAutoFit/>
-          </a:bodyPr>
-          <a:lstStyle/>
-          <a:p>
-            <a:r>
-              <a:rPr lang="en-US" sz="1000" smtClean="0">
-                <a:latin typeface="Courier New" pitchFamily="49" charset="0"/>
-                <a:cs typeface="Courier New" pitchFamily="49" charset="0"/>
-              </a:rPr>
-              <a:t>process j</a:t>
-            </a:r>
-            <a:endParaRPr lang="en-US" sz="1000" smtClean="0">
-              <a:latin typeface="Courier New" pitchFamily="49" charset="0"/>
-              <a:cs typeface="Courier New" pitchFamily="49" charset="0"/>
-            </a:endParaRPr>
-          </a:p>
-        </p:txBody>
-      </p:sp>
       <p:cxnSp>
         <p:nvCxnSpPr>
           <p:cNvPr id="56" name="Straight Arrow Connector 55"/>
           <p:cNvCxnSpPr>
-            <a:stCxn id="54" idx="2"/>
+            <a:stCxn id="61" idx="2"/>
             <a:endCxn id="45" idx="0"/>
           </p:cNvCxnSpPr>
           <p:nvPr/>
         </p:nvCxnSpPr>
         <p:spPr>
           <a:xfrm flipH="1">
-            <a:off x="4787066" y="782193"/>
-            <a:ext cx="759486" cy="1883955"/>
+            <a:off x="5660370" y="934593"/>
+            <a:ext cx="577191" cy="1125380"/>
           </a:xfrm>
           <a:prstGeom prst="straightConnector1">
             <a:avLst/>
@@ -11554,8 +11225,8 @@
         </p:nvCxnSpPr>
         <p:spPr>
           <a:xfrm flipH="1">
-            <a:off x="975353" y="441430"/>
-            <a:ext cx="627636" cy="1330865"/>
+            <a:off x="954805" y="441430"/>
+            <a:ext cx="1186793" cy="1084286"/>
           </a:xfrm>
           <a:prstGeom prst="straightConnector1">
             <a:avLst/>
@@ -11590,8 +11261,8 @@
         </p:nvCxnSpPr>
         <p:spPr>
           <a:xfrm>
-            <a:off x="975353" y="2018516"/>
-            <a:ext cx="4030318" cy="2178482"/>
+            <a:off x="954805" y="1771937"/>
+            <a:ext cx="4081688" cy="1397646"/>
           </a:xfrm>
           <a:prstGeom prst="straightConnector1">
             <a:avLst/>
@@ -11623,7 +11294,7 @@
         </p:nvSpPr>
         <p:spPr>
           <a:xfrm>
-            <a:off x="2037709" y="4267202"/>
+            <a:off x="1544550" y="3887058"/>
             <a:ext cx="415498" cy="246221"/>
           </a:xfrm>
           <a:prstGeom prst="rect">
@@ -11659,7 +11330,7 @@
         </p:nvSpPr>
         <p:spPr>
           <a:xfrm>
-            <a:off x="3094235" y="5251809"/>
+            <a:off x="3320267" y="5118245"/>
             <a:ext cx="415498" cy="246221"/>
           </a:xfrm>
           <a:prstGeom prst="rect">
@@ -11695,8 +11366,8 @@
         </p:nvSpPr>
         <p:spPr>
           <a:xfrm>
-            <a:off x="3071976" y="6277512"/>
-            <a:ext cx="415498" cy="246221"/>
+            <a:off x="3493217" y="5835723"/>
+            <a:ext cx="492443" cy="246221"/>
           </a:xfrm>
           <a:prstGeom prst="rect">
             <a:avLst/>
@@ -11714,7 +11385,7 @@
                 <a:latin typeface="Courier New" pitchFamily="49" charset="0"/>
                 <a:cs typeface="Courier New" pitchFamily="49" charset="0"/>
               </a:rPr>
-              <a:t>put</a:t>
+              <a:t>send</a:t>
             </a:r>
             <a:endParaRPr lang="en-US" sz="1000">
               <a:latin typeface="Courier New" pitchFamily="49" charset="0"/>
@@ -11731,7 +11402,7 @@
         </p:nvSpPr>
         <p:spPr>
           <a:xfrm>
-            <a:off x="4667894" y="4801458"/>
+            <a:off x="4236379" y="5181602"/>
             <a:ext cx="415498" cy="246221"/>
           </a:xfrm>
           <a:prstGeom prst="rect">
@@ -11767,8 +11438,8 @@
         </p:nvSpPr>
         <p:spPr>
           <a:xfrm>
-            <a:off x="1398999" y="3474379"/>
-            <a:ext cx="646331" cy="246221"/>
+            <a:off x="977758" y="2970946"/>
+            <a:ext cx="1338828" cy="400110"/>
           </a:xfrm>
           <a:prstGeom prst="rect">
             <a:avLst/>
@@ -11786,7 +11457,16 @@
                 <a:latin typeface="Courier New" pitchFamily="49" charset="0"/>
                 <a:cs typeface="Courier New" pitchFamily="49" charset="0"/>
               </a:rPr>
-              <a:t>modify</a:t>
+              <a:t>add/remove</a:t>
+            </a:r>
+          </a:p>
+          <a:p>
+            <a:r>
+              <a:rPr lang="en-US" sz="1000" smtClean="0">
+                <a:latin typeface="Courier New" pitchFamily="49" charset="0"/>
+                <a:cs typeface="Courier New" pitchFamily="49" charset="0"/>
+              </a:rPr>
+              <a:t>qus &amp; interests</a:t>
             </a:r>
             <a:endParaRPr lang="en-US" sz="1000">
               <a:latin typeface="Courier New" pitchFamily="49" charset="0"/>
@@ -11803,7 +11483,7 @@
         </p:nvSpPr>
         <p:spPr>
           <a:xfrm>
-            <a:off x="4633646" y="3267184"/>
+            <a:off x="5414482" y="2496622"/>
             <a:ext cx="415498" cy="246221"/>
           </a:xfrm>
           <a:prstGeom prst="rect">
@@ -11839,8 +11519,8 @@
         </p:nvSpPr>
         <p:spPr>
           <a:xfrm>
-            <a:off x="4630222" y="1013721"/>
-            <a:ext cx="1954381" cy="1015663"/>
+            <a:off x="6243265" y="1157559"/>
+            <a:ext cx="1415772" cy="553998"/>
           </a:xfrm>
           <a:prstGeom prst="rect">
             <a:avLst/>
@@ -11858,43 +11538,30 @@
                 <a:latin typeface="Courier New" pitchFamily="49" charset="0"/>
                 <a:cs typeface="Courier New" pitchFamily="49" charset="0"/>
               </a:rPr>
-              <a:t>init(name,outQu)</a:t>
-            </a:r>
-          </a:p>
-          <a:p>
-            <a:r>
-              <a:rPr lang="en-US" sz="1000" smtClean="0">
-                <a:latin typeface="Courier New" pitchFamily="49" charset="0"/>
-                <a:cs typeface="Courier New" pitchFamily="49" charset="0"/>
-              </a:rPr>
-              <a:t>addInterest(msgType)</a:t>
-            </a:r>
-          </a:p>
-          <a:p>
-            <a:r>
-              <a:rPr lang="en-US" sz="1000" smtClean="0">
-                <a:latin typeface="Courier New" pitchFamily="49" charset="0"/>
-                <a:cs typeface="Courier New" pitchFamily="49" charset="0"/>
-              </a:rPr>
-              <a:t>removeInterest(msgType)</a:t>
-            </a:r>
-          </a:p>
-          <a:p>
-            <a:r>
-              <a:rPr lang="en-US" sz="1000" smtClean="0">
-                <a:latin typeface="Courier New" pitchFamily="49" charset="0"/>
-                <a:cs typeface="Courier New" pitchFamily="49" charset="0"/>
-              </a:rPr>
-              <a:t>get:msg</a:t>
-            </a:r>
-          </a:p>
-          <a:p>
-            <a:r>
-              <a:rPr lang="en-US" sz="1000" smtClean="0">
-                <a:latin typeface="Courier New" pitchFamily="49" charset="0"/>
-                <a:cs typeface="Courier New" pitchFamily="49" charset="0"/>
-              </a:rPr>
-              <a:t>put(msg)</a:t>
+              <a:t>init(name,outQu</a:t>
+            </a:r>
+            <a:r>
+              <a:rPr lang="en-US" sz="1000" smtClean="0">
+                <a:latin typeface="Courier New" pitchFamily="49" charset="0"/>
+                <a:cs typeface="Courier New" pitchFamily="49" charset="0"/>
+              </a:rPr>
+              <a:t>)</a:t>
+            </a:r>
+          </a:p>
+          <a:p>
+            <a:r>
+              <a:rPr lang="en-US" sz="1000" smtClean="0">
+                <a:latin typeface="Courier New" pitchFamily="49" charset="0"/>
+                <a:cs typeface="Courier New" pitchFamily="49" charset="0"/>
+              </a:rPr>
+              <a:t>put(msg</a:t>
+            </a:r>
+            <a:r>
+              <a:rPr lang="en-US" sz="1000" smtClean="0">
+                <a:latin typeface="Courier New" pitchFamily="49" charset="0"/>
+                <a:cs typeface="Courier New" pitchFamily="49" charset="0"/>
+              </a:rPr>
+              <a:t>)</a:t>
             </a:r>
           </a:p>
           <a:p>
@@ -11904,6 +11571,604 @@
                 <a:cs typeface="Courier New" pitchFamily="49" charset="0"/>
               </a:rPr>
               <a:t>close</a:t>
+            </a:r>
+            <a:endParaRPr lang="en-US" sz="1000">
+              <a:latin typeface="Courier New" pitchFamily="49" charset="0"/>
+              <a:cs typeface="Courier New" pitchFamily="49" charset="0"/>
+            </a:endParaRPr>
+          </a:p>
+        </p:txBody>
+      </p:sp>
+      <p:sp>
+        <p:nvSpPr>
+          <p:cNvPr id="41" name="TextBox 40"/>
+          <p:cNvSpPr txBox="1"/>
+          <p:nvPr/>
+        </p:nvSpPr>
+        <p:spPr>
+          <a:xfrm>
+            <a:off x="7695344" y="2589091"/>
+            <a:ext cx="492443" cy="246221"/>
+          </a:xfrm>
+          <a:prstGeom prst="rect">
+            <a:avLst/>
+          </a:prstGeom>
+          <a:ln/>
+        </p:spPr>
+        <p:style>
+          <a:lnRef idx="1">
+            <a:schemeClr val="accent1"/>
+          </a:lnRef>
+          <a:fillRef idx="2">
+            <a:schemeClr val="accent1"/>
+          </a:fillRef>
+          <a:effectRef idx="1">
+            <a:schemeClr val="accent1"/>
+          </a:effectRef>
+          <a:fontRef idx="minor">
+            <a:schemeClr val="dk1"/>
+          </a:fontRef>
+        </p:style>
+        <p:txBody>
+          <a:bodyPr wrap="none" rtlCol="0">
+            <a:spAutoFit/>
+          </a:bodyPr>
+          <a:lstStyle/>
+          <a:p>
+            <a:r>
+              <a:rPr lang="en-US" sz="1000" smtClean="0">
+                <a:latin typeface="Courier New" pitchFamily="49" charset="0"/>
+                <a:cs typeface="Courier New" pitchFamily="49" charset="0"/>
+              </a:rPr>
+              <a:t>main</a:t>
+            </a:r>
+            <a:endParaRPr lang="en-US" sz="1000" smtClean="0">
+              <a:latin typeface="Courier New" pitchFamily="49" charset="0"/>
+              <a:cs typeface="Courier New" pitchFamily="49" charset="0"/>
+            </a:endParaRPr>
+          </a:p>
+        </p:txBody>
+      </p:sp>
+      <p:cxnSp>
+        <p:nvCxnSpPr>
+          <p:cNvPr id="44" name="Straight Arrow Connector 43"/>
+          <p:cNvCxnSpPr>
+            <a:stCxn id="75" idx="1"/>
+            <a:endCxn id="12" idx="3"/>
+          </p:cNvCxnSpPr>
+          <p:nvPr/>
+        </p:nvCxnSpPr>
+        <p:spPr>
+          <a:xfrm flipH="1" flipV="1">
+            <a:off x="1454012" y="5015326"/>
+            <a:ext cx="5595773" cy="308224"/>
+          </a:xfrm>
+          <a:prstGeom prst="straightConnector1">
+            <a:avLst/>
+          </a:prstGeom>
+          <a:ln>
+            <a:prstDash val="dash"/>
+            <a:tailEnd type="arrow"/>
+          </a:ln>
+        </p:spPr>
+        <p:style>
+          <a:lnRef idx="1">
+            <a:schemeClr val="accent1"/>
+          </a:lnRef>
+          <a:fillRef idx="0">
+            <a:schemeClr val="accent1"/>
+          </a:fillRef>
+          <a:effectRef idx="0">
+            <a:schemeClr val="accent1"/>
+          </a:effectRef>
+          <a:fontRef idx="minor">
+            <a:schemeClr val="tx1"/>
+          </a:fontRef>
+        </p:style>
+      </p:cxnSp>
+      <p:cxnSp>
+        <p:nvCxnSpPr>
+          <p:cNvPr id="48" name="Straight Arrow Connector 47"/>
+          <p:cNvCxnSpPr>
+            <a:stCxn id="75" idx="1"/>
+            <a:endCxn id="2" idx="3"/>
+          </p:cNvCxnSpPr>
+          <p:nvPr/>
+        </p:nvCxnSpPr>
+        <p:spPr>
+          <a:xfrm flipH="1">
+            <a:off x="4810123" y="5323550"/>
+            <a:ext cx="2239662" cy="268840"/>
+          </a:xfrm>
+          <a:prstGeom prst="straightConnector1">
+            <a:avLst/>
+          </a:prstGeom>
+          <a:ln>
+            <a:prstDash val="dash"/>
+            <a:tailEnd type="arrow"/>
+          </a:ln>
+        </p:spPr>
+        <p:style>
+          <a:lnRef idx="1">
+            <a:schemeClr val="accent1"/>
+          </a:lnRef>
+          <a:fillRef idx="0">
+            <a:schemeClr val="accent1"/>
+          </a:fillRef>
+          <a:effectRef idx="0">
+            <a:schemeClr val="accent1"/>
+          </a:effectRef>
+          <a:fontRef idx="minor">
+            <a:schemeClr val="tx1"/>
+          </a:fontRef>
+        </p:style>
+      </p:cxnSp>
+      <p:cxnSp>
+        <p:nvCxnSpPr>
+          <p:cNvPr id="52" name="Straight Arrow Connector 51"/>
+          <p:cNvCxnSpPr>
+            <a:stCxn id="75" idx="1"/>
+            <a:endCxn id="25" idx="3"/>
+          </p:cNvCxnSpPr>
+          <p:nvPr/>
+        </p:nvCxnSpPr>
+        <p:spPr>
+          <a:xfrm flipH="1" flipV="1">
+            <a:off x="5321186" y="3292694"/>
+            <a:ext cx="1728599" cy="2030856"/>
+          </a:xfrm>
+          <a:prstGeom prst="straightConnector1">
+            <a:avLst/>
+          </a:prstGeom>
+          <a:ln>
+            <a:prstDash val="dash"/>
+            <a:tailEnd type="arrow"/>
+          </a:ln>
+        </p:spPr>
+        <p:style>
+          <a:lnRef idx="1">
+            <a:schemeClr val="accent1"/>
+          </a:lnRef>
+          <a:fillRef idx="0">
+            <a:schemeClr val="accent1"/>
+          </a:fillRef>
+          <a:effectRef idx="0">
+            <a:schemeClr val="accent1"/>
+          </a:effectRef>
+          <a:fontRef idx="minor">
+            <a:schemeClr val="tx1"/>
+          </a:fontRef>
+        </p:style>
+      </p:cxnSp>
+      <p:sp>
+        <p:nvSpPr>
+          <p:cNvPr id="61" name="TextBox 60"/>
+          <p:cNvSpPr txBox="1"/>
+          <p:nvPr/>
+        </p:nvSpPr>
+        <p:spPr>
+          <a:xfrm>
+            <a:off x="5260370" y="688372"/>
+            <a:ext cx="1954381" cy="246221"/>
+          </a:xfrm>
+          <a:prstGeom prst="rect">
+            <a:avLst/>
+          </a:prstGeom>
+          <a:ln/>
+        </p:spPr>
+        <p:style>
+          <a:lnRef idx="1">
+            <a:schemeClr val="accent1"/>
+          </a:lnRef>
+          <a:fillRef idx="2">
+            <a:schemeClr val="accent1"/>
+          </a:fillRef>
+          <a:effectRef idx="1">
+            <a:schemeClr val="accent1"/>
+          </a:effectRef>
+          <a:fontRef idx="minor">
+            <a:schemeClr val="dk1"/>
+          </a:fontRef>
+        </p:style>
+        <p:txBody>
+          <a:bodyPr wrap="none" rtlCol="0">
+            <a:spAutoFit/>
+          </a:bodyPr>
+          <a:lstStyle/>
+          <a:p>
+            <a:r>
+              <a:rPr lang="en-US" sz="1000" smtClean="0">
+                <a:latin typeface="Courier New" pitchFamily="49" charset="0"/>
+                <a:cs typeface="Courier New" pitchFamily="49" charset="0"/>
+              </a:rPr>
+              <a:t>producer thread/process</a:t>
+            </a:r>
+            <a:endParaRPr lang="en-US" sz="1000" smtClean="0">
+              <a:latin typeface="Courier New" pitchFamily="49" charset="0"/>
+              <a:cs typeface="Courier New" pitchFamily="49" charset="0"/>
+            </a:endParaRPr>
+          </a:p>
+        </p:txBody>
+      </p:sp>
+      <p:sp>
+        <p:nvSpPr>
+          <p:cNvPr id="64" name="TextBox 63"/>
+          <p:cNvSpPr txBox="1"/>
+          <p:nvPr/>
+        </p:nvSpPr>
+        <p:spPr>
+          <a:xfrm>
+            <a:off x="5957300" y="4837417"/>
+            <a:ext cx="1107996" cy="246221"/>
+          </a:xfrm>
+          <a:prstGeom prst="rect">
+            <a:avLst/>
+          </a:prstGeom>
+          <a:noFill/>
+        </p:spPr>
+        <p:txBody>
+          <a:bodyPr wrap="none" rtlCol="0">
+            <a:spAutoFit/>
+          </a:bodyPr>
+          <a:lstStyle/>
+          <a:p>
+            <a:r>
+              <a:rPr lang="en-US" sz="1000" smtClean="0">
+                <a:latin typeface="Courier New" pitchFamily="49" charset="0"/>
+                <a:cs typeface="Courier New" pitchFamily="49" charset="0"/>
+              </a:rPr>
+              <a:t>create/start</a:t>
+            </a:r>
+            <a:endParaRPr lang="en-US" sz="1000">
+              <a:latin typeface="Courier New" pitchFamily="49" charset="0"/>
+              <a:cs typeface="Courier New" pitchFamily="49" charset="0"/>
+            </a:endParaRPr>
+          </a:p>
+        </p:txBody>
+      </p:sp>
+      <p:sp>
+        <p:nvSpPr>
+          <p:cNvPr id="75" name="TextBox 74"/>
+          <p:cNvSpPr txBox="1"/>
+          <p:nvPr/>
+        </p:nvSpPr>
+        <p:spPr>
+          <a:xfrm>
+            <a:off x="7049785" y="5200439"/>
+            <a:ext cx="1261884" cy="246221"/>
+          </a:xfrm>
+          <a:prstGeom prst="rect">
+            <a:avLst/>
+          </a:prstGeom>
+          <a:ln/>
+        </p:spPr>
+        <p:style>
+          <a:lnRef idx="1">
+            <a:schemeClr val="accent3"/>
+          </a:lnRef>
+          <a:fillRef idx="2">
+            <a:schemeClr val="accent3"/>
+          </a:fillRef>
+          <a:effectRef idx="1">
+            <a:schemeClr val="accent3"/>
+          </a:effectRef>
+          <a:fontRef idx="minor">
+            <a:schemeClr val="dk1"/>
+          </a:fontRef>
+        </p:style>
+        <p:txBody>
+          <a:bodyPr wrap="none" rtlCol="0">
+            <a:spAutoFit/>
+          </a:bodyPr>
+          <a:lstStyle/>
+          <a:p>
+            <a:r>
+              <a:rPr lang="en-US" sz="1000" smtClean="0">
+                <a:latin typeface="Courier New" pitchFamily="49" charset="0"/>
+                <a:cs typeface="Courier New" pitchFamily="49" charset="0"/>
+              </a:rPr>
+              <a:t>msgPumpHandler</a:t>
+            </a:r>
+            <a:endParaRPr lang="en-US" sz="1000" smtClean="0">
+              <a:latin typeface="Courier New" pitchFamily="49" charset="0"/>
+              <a:cs typeface="Courier New" pitchFamily="49" charset="0"/>
+            </a:endParaRPr>
+          </a:p>
+        </p:txBody>
+      </p:sp>
+      <p:cxnSp>
+        <p:nvCxnSpPr>
+          <p:cNvPr id="80" name="Straight Arrow Connector 79"/>
+          <p:cNvCxnSpPr>
+            <a:stCxn id="41" idx="2"/>
+            <a:endCxn id="75" idx="0"/>
+          </p:cNvCxnSpPr>
+          <p:nvPr/>
+        </p:nvCxnSpPr>
+        <p:spPr>
+          <a:xfrm flipH="1">
+            <a:off x="7680727" y="2835312"/>
+            <a:ext cx="260839" cy="2365127"/>
+          </a:xfrm>
+          <a:prstGeom prst="straightConnector1">
+            <a:avLst/>
+          </a:prstGeom>
+          <a:ln>
+            <a:tailEnd type="arrow"/>
+          </a:ln>
+        </p:spPr>
+        <p:style>
+          <a:lnRef idx="1">
+            <a:schemeClr val="accent1"/>
+          </a:lnRef>
+          <a:fillRef idx="0">
+            <a:schemeClr val="accent1"/>
+          </a:fillRef>
+          <a:effectRef idx="0">
+            <a:schemeClr val="accent1"/>
+          </a:effectRef>
+          <a:fontRef idx="minor">
+            <a:schemeClr val="tx1"/>
+          </a:fontRef>
+        </p:style>
+      </p:cxnSp>
+      <p:sp>
+        <p:nvSpPr>
+          <p:cNvPr id="82" name="TextBox 81"/>
+          <p:cNvSpPr txBox="1"/>
+          <p:nvPr/>
+        </p:nvSpPr>
+        <p:spPr>
+          <a:xfrm>
+            <a:off x="6851152" y="3234648"/>
+            <a:ext cx="1338828" cy="400110"/>
+          </a:xfrm>
+          <a:prstGeom prst="rect">
+            <a:avLst/>
+          </a:prstGeom>
+          <a:noFill/>
+        </p:spPr>
+        <p:txBody>
+          <a:bodyPr wrap="none" rtlCol="0">
+            <a:spAutoFit/>
+          </a:bodyPr>
+          <a:lstStyle/>
+          <a:p>
+            <a:r>
+              <a:rPr lang="en-US" sz="1000" smtClean="0">
+                <a:latin typeface="Courier New" pitchFamily="49" charset="0"/>
+                <a:cs typeface="Courier New" pitchFamily="49" charset="0"/>
+              </a:rPr>
+              <a:t>init(host,port)</a:t>
+            </a:r>
+          </a:p>
+          <a:p>
+            <a:r>
+              <a:rPr lang="en-US" sz="1000" smtClean="0">
+                <a:latin typeface="Courier New" pitchFamily="49" charset="0"/>
+                <a:cs typeface="Courier New" pitchFamily="49" charset="0"/>
+              </a:rPr>
+              <a:t>startPumps</a:t>
+            </a:r>
+            <a:endParaRPr lang="en-US" sz="1000">
+              <a:latin typeface="Courier New" pitchFamily="49" charset="0"/>
+              <a:cs typeface="Courier New" pitchFamily="49" charset="0"/>
+            </a:endParaRPr>
+          </a:p>
+        </p:txBody>
+      </p:sp>
+      <p:cxnSp>
+        <p:nvCxnSpPr>
+          <p:cNvPr id="89" name="Straight Arrow Connector 88"/>
+          <p:cNvCxnSpPr>
+            <a:stCxn id="75" idx="1"/>
+            <a:endCxn id="24" idx="3"/>
+          </p:cNvCxnSpPr>
+          <p:nvPr/>
+        </p:nvCxnSpPr>
+        <p:spPr>
+          <a:xfrm flipH="1" flipV="1">
+            <a:off x="2552896" y="3618041"/>
+            <a:ext cx="4496889" cy="1705509"/>
+          </a:xfrm>
+          <a:prstGeom prst="straightConnector1">
+            <a:avLst/>
+          </a:prstGeom>
+          <a:ln>
+            <a:prstDash val="dash"/>
+            <a:tailEnd type="arrow"/>
+          </a:ln>
+        </p:spPr>
+        <p:style>
+          <a:lnRef idx="1">
+            <a:schemeClr val="accent1"/>
+          </a:lnRef>
+          <a:fillRef idx="0">
+            <a:schemeClr val="accent1"/>
+          </a:fillRef>
+          <a:effectRef idx="0">
+            <a:schemeClr val="accent1"/>
+          </a:effectRef>
+          <a:fontRef idx="minor">
+            <a:schemeClr val="tx1"/>
+          </a:fontRef>
+        </p:style>
+      </p:cxnSp>
+      <p:cxnSp>
+        <p:nvCxnSpPr>
+          <p:cNvPr id="91" name="Straight Arrow Connector 90"/>
+          <p:cNvCxnSpPr>
+            <a:stCxn id="75" idx="1"/>
+            <a:endCxn id="6" idx="3"/>
+          </p:cNvCxnSpPr>
+          <p:nvPr/>
+        </p:nvCxnSpPr>
+        <p:spPr>
+          <a:xfrm flipH="1" flipV="1">
+            <a:off x="2933596" y="4558126"/>
+            <a:ext cx="4116189" cy="765424"/>
+          </a:xfrm>
+          <a:prstGeom prst="straightConnector1">
+            <a:avLst/>
+          </a:prstGeom>
+          <a:ln>
+            <a:prstDash val="dash"/>
+            <a:tailEnd type="arrow"/>
+          </a:ln>
+        </p:spPr>
+        <p:style>
+          <a:lnRef idx="1">
+            <a:schemeClr val="accent1"/>
+          </a:lnRef>
+          <a:fillRef idx="0">
+            <a:schemeClr val="accent1"/>
+          </a:fillRef>
+          <a:effectRef idx="0">
+            <a:schemeClr val="accent1"/>
+          </a:effectRef>
+          <a:fontRef idx="minor">
+            <a:schemeClr val="tx1"/>
+          </a:fontRef>
+        </p:style>
+      </p:cxnSp>
+      <p:cxnSp>
+        <p:nvCxnSpPr>
+          <p:cNvPr id="95" name="Straight Arrow Connector 94"/>
+          <p:cNvCxnSpPr>
+            <a:stCxn id="75" idx="1"/>
+            <a:endCxn id="15" idx="3"/>
+          </p:cNvCxnSpPr>
+          <p:nvPr/>
+        </p:nvCxnSpPr>
+        <p:spPr>
+          <a:xfrm flipH="1">
+            <a:off x="3586121" y="5323550"/>
+            <a:ext cx="3463664" cy="1288050"/>
+          </a:xfrm>
+          <a:prstGeom prst="straightConnector1">
+            <a:avLst/>
+          </a:prstGeom>
+          <a:ln>
+            <a:prstDash val="dash"/>
+            <a:tailEnd type="arrow"/>
+          </a:ln>
+        </p:spPr>
+        <p:style>
+          <a:lnRef idx="1">
+            <a:schemeClr val="accent1"/>
+          </a:lnRef>
+          <a:fillRef idx="0">
+            <a:schemeClr val="accent1"/>
+          </a:fillRef>
+          <a:effectRef idx="0">
+            <a:schemeClr val="accent1"/>
+          </a:effectRef>
+          <a:fontRef idx="minor">
+            <a:schemeClr val="tx1"/>
+          </a:fontRef>
+        </p:style>
+      </p:cxnSp>
+      <p:cxnSp>
+        <p:nvCxnSpPr>
+          <p:cNvPr id="106" name="Straight Arrow Connector 105"/>
+          <p:cNvCxnSpPr>
+            <a:stCxn id="75" idx="1"/>
+            <a:endCxn id="16" idx="3"/>
+          </p:cNvCxnSpPr>
+          <p:nvPr/>
+        </p:nvCxnSpPr>
+        <p:spPr>
+          <a:xfrm flipH="1" flipV="1">
+            <a:off x="1000568" y="2439938"/>
+            <a:ext cx="6049217" cy="2883612"/>
+          </a:xfrm>
+          <a:prstGeom prst="straightConnector1">
+            <a:avLst/>
+          </a:prstGeom>
+          <a:ln>
+            <a:prstDash val="dash"/>
+            <a:tailEnd type="arrow"/>
+          </a:ln>
+        </p:spPr>
+        <p:style>
+          <a:lnRef idx="1">
+            <a:schemeClr val="accent1"/>
+          </a:lnRef>
+          <a:fillRef idx="0">
+            <a:schemeClr val="accent1"/>
+          </a:fillRef>
+          <a:effectRef idx="0">
+            <a:schemeClr val="accent1"/>
+          </a:effectRef>
+          <a:fontRef idx="minor">
+            <a:schemeClr val="tx1"/>
+          </a:fontRef>
+        </p:style>
+      </p:cxnSp>
+      <p:sp>
+        <p:nvSpPr>
+          <p:cNvPr id="150" name="TextBox 149"/>
+          <p:cNvSpPr txBox="1"/>
+          <p:nvPr/>
+        </p:nvSpPr>
+        <p:spPr>
+          <a:xfrm>
+            <a:off x="1262013" y="5546334"/>
+            <a:ext cx="723275" cy="246221"/>
+          </a:xfrm>
+          <a:prstGeom prst="rect">
+            <a:avLst/>
+          </a:prstGeom>
+          <a:noFill/>
+        </p:spPr>
+        <p:txBody>
+          <a:bodyPr wrap="none" rtlCol="0">
+            <a:spAutoFit/>
+          </a:bodyPr>
+          <a:lstStyle/>
+          <a:p>
+            <a:r>
+              <a:rPr lang="en-US" sz="1000" smtClean="0">
+                <a:latin typeface="Courier New" pitchFamily="49" charset="0"/>
+                <a:cs typeface="Courier New" pitchFamily="49" charset="0"/>
+              </a:rPr>
+              <a:t>receive</a:t>
+            </a:r>
+            <a:endParaRPr lang="en-US" sz="1000">
+              <a:latin typeface="Courier New" pitchFamily="49" charset="0"/>
+              <a:cs typeface="Courier New" pitchFamily="49" charset="0"/>
+            </a:endParaRPr>
+          </a:p>
+        </p:txBody>
+      </p:sp>
+      <p:sp>
+        <p:nvSpPr>
+          <p:cNvPr id="151" name="TextBox 150"/>
+          <p:cNvSpPr txBox="1"/>
+          <p:nvPr/>
+        </p:nvSpPr>
+        <p:spPr>
+          <a:xfrm>
+            <a:off x="565081" y="4387068"/>
+            <a:ext cx="415498" cy="246221"/>
+          </a:xfrm>
+          <a:prstGeom prst="rect">
+            <a:avLst/>
+          </a:prstGeom>
+          <a:noFill/>
+        </p:spPr>
+        <p:txBody>
+          <a:bodyPr wrap="none" rtlCol="0">
+            <a:spAutoFit/>
+          </a:bodyPr>
+          <a:lstStyle/>
+          <a:p>
+            <a:r>
+              <a:rPr lang="en-US" sz="1000" smtClean="0">
+                <a:latin typeface="Courier New" pitchFamily="49" charset="0"/>
+                <a:cs typeface="Courier New" pitchFamily="49" charset="0"/>
+              </a:rPr>
+              <a:t>put</a:t>
             </a:r>
             <a:endParaRPr lang="en-US" sz="1000">
               <a:latin typeface="Courier New" pitchFamily="49" charset="0"/>

--- a/Scripting/ScriptingDocumenation/DesignDiagrams.pptx
+++ b/Scripting/ScriptingDocumenation/DesignDiagrams.pptx
@@ -15,8 +15,6 @@
     <p:sldId id="260" r:id="rId9"/>
     <p:sldId id="265" r:id="rId10"/>
     <p:sldId id="261" r:id="rId11"/>
-    <p:sldId id="262" r:id="rId12"/>
-    <p:sldId id="263" r:id="rId13"/>
   </p:sldIdLst>
   <p:sldSz cx="9144000" cy="6858000" type="screen4x3"/>
   <p:notesSz cx="6858000" cy="9144000"/>
@@ -300,7 +298,7 @@
             <a:fld id="{00F2EA4F-E096-48CD-A1C4-A4124DB919D8}" type="datetimeFigureOut">
               <a:rPr lang="en-US" smtClean="0"/>
               <a:pPr/>
-              <a:t>1/1/2013</a:t>
+              <a:t>1/4/2013</a:t>
             </a:fld>
             <a:endParaRPr lang="en-US"/>
           </a:p>
@@ -467,7 +465,7 @@
             <a:fld id="{00F2EA4F-E096-48CD-A1C4-A4124DB919D8}" type="datetimeFigureOut">
               <a:rPr lang="en-US" smtClean="0"/>
               <a:pPr/>
-              <a:t>1/1/2013</a:t>
+              <a:t>1/4/2013</a:t>
             </a:fld>
             <a:endParaRPr lang="en-US"/>
           </a:p>
@@ -644,7 +642,7 @@
             <a:fld id="{00F2EA4F-E096-48CD-A1C4-A4124DB919D8}" type="datetimeFigureOut">
               <a:rPr lang="en-US" smtClean="0"/>
               <a:pPr/>
-              <a:t>1/1/2013</a:t>
+              <a:t>1/4/2013</a:t>
             </a:fld>
             <a:endParaRPr lang="en-US"/>
           </a:p>
@@ -811,7 +809,7 @@
             <a:fld id="{00F2EA4F-E096-48CD-A1C4-A4124DB919D8}" type="datetimeFigureOut">
               <a:rPr lang="en-US" smtClean="0"/>
               <a:pPr/>
-              <a:t>1/1/2013</a:t>
+              <a:t>1/4/2013</a:t>
             </a:fld>
             <a:endParaRPr lang="en-US"/>
           </a:p>
@@ -1054,7 +1052,7 @@
             <a:fld id="{00F2EA4F-E096-48CD-A1C4-A4124DB919D8}" type="datetimeFigureOut">
               <a:rPr lang="en-US" smtClean="0"/>
               <a:pPr/>
-              <a:t>1/1/2013</a:t>
+              <a:t>1/4/2013</a:t>
             </a:fld>
             <a:endParaRPr lang="en-US"/>
           </a:p>
@@ -1339,7 +1337,7 @@
             <a:fld id="{00F2EA4F-E096-48CD-A1C4-A4124DB919D8}" type="datetimeFigureOut">
               <a:rPr lang="en-US" smtClean="0"/>
               <a:pPr/>
-              <a:t>1/1/2013</a:t>
+              <a:t>1/4/2013</a:t>
             </a:fld>
             <a:endParaRPr lang="en-US"/>
           </a:p>
@@ -1758,7 +1756,7 @@
             <a:fld id="{00F2EA4F-E096-48CD-A1C4-A4124DB919D8}" type="datetimeFigureOut">
               <a:rPr lang="en-US" smtClean="0"/>
               <a:pPr/>
-              <a:t>1/1/2013</a:t>
+              <a:t>1/4/2013</a:t>
             </a:fld>
             <a:endParaRPr lang="en-US"/>
           </a:p>
@@ -1873,7 +1871,7 @@
             <a:fld id="{00F2EA4F-E096-48CD-A1C4-A4124DB919D8}" type="datetimeFigureOut">
               <a:rPr lang="en-US" smtClean="0"/>
               <a:pPr/>
-              <a:t>1/1/2013</a:t>
+              <a:t>1/4/2013</a:t>
             </a:fld>
             <a:endParaRPr lang="en-US"/>
           </a:p>
@@ -1965,7 +1963,7 @@
             <a:fld id="{00F2EA4F-E096-48CD-A1C4-A4124DB919D8}" type="datetimeFigureOut">
               <a:rPr lang="en-US" smtClean="0"/>
               <a:pPr/>
-              <a:t>1/1/2013</a:t>
+              <a:t>1/4/2013</a:t>
             </a:fld>
             <a:endParaRPr lang="en-US"/>
           </a:p>
@@ -2239,7 +2237,7 @@
             <a:fld id="{00F2EA4F-E096-48CD-A1C4-A4124DB919D8}" type="datetimeFigureOut">
               <a:rPr lang="en-US" smtClean="0"/>
               <a:pPr/>
-              <a:t>1/1/2013</a:t>
+              <a:t>1/4/2013</a:t>
             </a:fld>
             <a:endParaRPr lang="en-US"/>
           </a:p>
@@ -2489,7 +2487,7 @@
             <a:fld id="{00F2EA4F-E096-48CD-A1C4-A4124DB919D8}" type="datetimeFigureOut">
               <a:rPr lang="en-US" smtClean="0"/>
               <a:pPr/>
-              <a:t>1/1/2013</a:t>
+              <a:t>1/4/2013</a:t>
             </a:fld>
             <a:endParaRPr lang="en-US"/>
           </a:p>
@@ -2699,7 +2697,7 @@
             <a:fld id="{00F2EA4F-E096-48CD-A1C4-A4124DB919D8}" type="datetimeFigureOut">
               <a:rPr lang="en-US" smtClean="0"/>
               <a:pPr/>
-              <a:t>1/1/2013</a:t>
+              <a:t>1/4/2013</a:t>
             </a:fld>
             <a:endParaRPr lang="en-US"/>
           </a:p>
@@ -6901,4785 +6899,6 @@
 </p:sld>
 </file>
 
-<file path=ppt/slides/slide11.xml><?xml version="1.0" encoding="utf-8"?>
-<p:sld xmlns:a="http://schemas.openxmlformats.org/drawingml/2006/main" xmlns:r="http://schemas.openxmlformats.org/officeDocument/2006/relationships" xmlns:p="http://schemas.openxmlformats.org/presentationml/2006/main">
-  <p:cSld>
-    <p:spTree>
-      <p:nvGrpSpPr>
-        <p:cNvPr id="1" name=""/>
-        <p:cNvGrpSpPr/>
-        <p:nvPr/>
-      </p:nvGrpSpPr>
-      <p:grpSpPr>
-        <a:xfrm>
-          <a:off x="0" y="0"/>
-          <a:ext cx="0" cy="0"/>
-          <a:chOff x="0" y="0"/>
-          <a:chExt cx="0" cy="0"/>
-        </a:xfrm>
-      </p:grpSpPr>
-      <p:sp>
-        <p:nvSpPr>
-          <p:cNvPr id="2" name="TextBox 1"/>
-          <p:cNvSpPr txBox="1"/>
-          <p:nvPr/>
-        </p:nvSpPr>
-        <p:spPr>
-          <a:xfrm>
-            <a:off x="244869" y="614736"/>
-            <a:ext cx="2569934" cy="4555093"/>
-          </a:xfrm>
-          <a:prstGeom prst="rect">
-            <a:avLst/>
-          </a:prstGeom>
-          <a:noFill/>
-          <a:ln cmpd="sng">
-            <a:solidFill>
-              <a:schemeClr val="tx1"/>
-            </a:solidFill>
-          </a:ln>
-        </p:spPr>
-        <p:txBody>
-          <a:bodyPr wrap="none" rtlCol="0">
-            <a:spAutoFit/>
-          </a:bodyPr>
-          <a:lstStyle/>
-          <a:p>
-            <a:r>
-              <a:rPr lang="en-US" sz="1000" b="1" smtClean="0">
-                <a:solidFill>
-                  <a:srgbClr val="FF0000"/>
-                </a:solidFill>
-                <a:latin typeface="Courier New" pitchFamily="49" charset="0"/>
-                <a:cs typeface="Courier New" pitchFamily="49" charset="0"/>
-              </a:rPr>
-              <a:t>Throttle(object)</a:t>
-            </a:r>
-          </a:p>
-          <a:p>
-            <a:r>
-              <a:rPr lang="en-US" sz="1000" smtClean="0">
-                <a:latin typeface="Courier New" pitchFamily="49" charset="0"/>
-                <a:cs typeface="Courier New" pitchFamily="49" charset="0"/>
-              </a:rPr>
-              <a:t>----------</a:t>
-            </a:r>
-          </a:p>
-          <a:p>
-            <a:r>
-              <a:rPr lang="en-US" sz="1000" smtClean="0">
-                <a:latin typeface="Courier New" pitchFamily="49" charset="0"/>
-                <a:cs typeface="Courier New" pitchFamily="49" charset="0"/>
-              </a:rPr>
-              <a:t>init(nm,inQu,outQu)</a:t>
-            </a:r>
-          </a:p>
-          <a:p>
-            <a:r>
-              <a:rPr lang="en-US" sz="1000" smtClean="0">
-                <a:latin typeface="Courier New" pitchFamily="49" charset="0"/>
-                <a:cs typeface="Courier New" pitchFamily="49" charset="0"/>
-              </a:rPr>
-              <a:t>closeNextSwitch</a:t>
-            </a:r>
-          </a:p>
-          <a:p>
-            <a:r>
-              <a:rPr lang="en-US" sz="1000" smtClean="0">
-                <a:latin typeface="Courier New" pitchFamily="49" charset="0"/>
-                <a:cs typeface="Courier New" pitchFamily="49" charset="0"/>
-              </a:rPr>
-              <a:t>do(func, args)</a:t>
-            </a:r>
-          </a:p>
-          <a:p>
-            <a:r>
-              <a:rPr lang="en-US" sz="1000" smtClean="0">
-                <a:latin typeface="Courier New" pitchFamily="49" charset="0"/>
-                <a:cs typeface="Courier New" pitchFamily="49" charset="0"/>
-              </a:rPr>
-              <a:t>initTrain(locoAddress,position)</a:t>
-            </a:r>
-          </a:p>
-          <a:p>
-            <a:r>
-              <a:rPr lang="en-US" sz="1000" smtClean="0">
-                <a:latin typeface="Courier New" pitchFamily="49" charset="0"/>
-                <a:cs typeface="Courier New" pitchFamily="49" charset="0"/>
-              </a:rPr>
-              <a:t>moveSwitch(id,direction)</a:t>
-            </a:r>
-          </a:p>
-          <a:p>
-            <a:r>
-              <a:rPr lang="en-US" sz="1000" smtClean="0">
-                <a:latin typeface="Courier New" pitchFamily="49" charset="0"/>
-                <a:cs typeface="Courier New" pitchFamily="49" charset="0"/>
-              </a:rPr>
-              <a:t>readLayout(fileName)</a:t>
-            </a:r>
-          </a:p>
-          <a:p>
-            <a:r>
-              <a:rPr lang="en-US" sz="1000" smtClean="0">
-                <a:latin typeface="Courier New" pitchFamily="49" charset="0"/>
-                <a:cs typeface="Courier New" pitchFamily="49" charset="0"/>
-              </a:rPr>
-              <a:t>sendDirf</a:t>
-            </a:r>
-          </a:p>
-          <a:p>
-            <a:r>
-              <a:rPr lang="en-US" sz="1000" smtClean="0">
-                <a:latin typeface="Courier New" pitchFamily="49" charset="0"/>
-                <a:cs typeface="Courier New" pitchFamily="49" charset="0"/>
-              </a:rPr>
-              <a:t>sendSnd</a:t>
-            </a:r>
-          </a:p>
-          <a:p>
-            <a:r>
-              <a:rPr lang="en-US" sz="1000" smtClean="0">
-                <a:latin typeface="Courier New" pitchFamily="49" charset="0"/>
-                <a:cs typeface="Courier New" pitchFamily="49" charset="0"/>
-              </a:rPr>
-              <a:t>setBell(onOff)</a:t>
-            </a:r>
-          </a:p>
-          <a:p>
-            <a:r>
-              <a:rPr lang="en-US" sz="1000" smtClean="0">
-                <a:latin typeface="Courier New" pitchFamily="49" charset="0"/>
-                <a:cs typeface="Courier New" pitchFamily="49" charset="0"/>
-              </a:rPr>
-              <a:t>setDirectin(direction)</a:t>
-            </a:r>
-          </a:p>
-          <a:p>
-            <a:r>
-              <a:rPr lang="en-US" sz="1000" smtClean="0">
-                <a:latin typeface="Courier New" pitchFamily="49" charset="0"/>
-                <a:cs typeface="Courier New" pitchFamily="49" charset="0"/>
-              </a:rPr>
-              <a:t>setHorn(onOff)</a:t>
-            </a:r>
-          </a:p>
-          <a:p>
-            <a:r>
-              <a:rPr lang="en-US" sz="1000" smtClean="0">
-                <a:latin typeface="Courier New" pitchFamily="49" charset="0"/>
-                <a:cs typeface="Courier New" pitchFamily="49" charset="0"/>
-              </a:rPr>
-              <a:t>setLights(onOff)</a:t>
-            </a:r>
-          </a:p>
-          <a:p>
-            <a:r>
-              <a:rPr lang="en-US" sz="1000" smtClean="0">
-                <a:latin typeface="Courier New" pitchFamily="49" charset="0"/>
-                <a:cs typeface="Courier New" pitchFamily="49" charset="0"/>
-              </a:rPr>
-              <a:t>setMut(onOff)</a:t>
-            </a:r>
-          </a:p>
-          <a:p>
-            <a:r>
-              <a:rPr lang="en-US" sz="1000" smtClean="0">
-                <a:latin typeface="Courier New" pitchFamily="49" charset="0"/>
-                <a:cs typeface="Courier New" pitchFamily="49" charset="0"/>
-              </a:rPr>
-              <a:t>setSpeed(speed)</a:t>
-            </a:r>
-          </a:p>
-          <a:p>
-            <a:r>
-              <a:rPr lang="en-US" sz="1000" smtClean="0">
-                <a:latin typeface="Courier New" pitchFamily="49" charset="0"/>
-                <a:cs typeface="Courier New" pitchFamily="49" charset="0"/>
-              </a:rPr>
-              <a:t>setVirtSlot(virtSlot)</a:t>
-            </a:r>
-          </a:p>
-          <a:p>
-            <a:r>
-              <a:rPr lang="en-US" sz="1000" smtClean="0">
-                <a:latin typeface="Courier New" pitchFamily="49" charset="0"/>
-                <a:cs typeface="Courier New" pitchFamily="49" charset="0"/>
-              </a:rPr>
-              <a:t>throwNextSwitch</a:t>
-            </a:r>
-          </a:p>
-          <a:p>
-            <a:r>
-              <a:rPr lang="en-US" sz="1000" smtClean="0">
-                <a:latin typeface="Courier New" pitchFamily="49" charset="0"/>
-                <a:cs typeface="Courier New" pitchFamily="49" charset="0"/>
-              </a:rPr>
-              <a:t>----------</a:t>
-            </a:r>
-          </a:p>
-          <a:p>
-            <a:r>
-              <a:rPr lang="en-US" sz="1000" smtClean="0">
-                <a:latin typeface="Courier New" pitchFamily="49" charset="0"/>
-                <a:cs typeface="Courier New" pitchFamily="49" charset="0"/>
-              </a:rPr>
-              <a:t>F5</a:t>
-            </a:r>
-          </a:p>
-          <a:p>
-            <a:r>
-              <a:rPr lang="en-US" sz="1000" smtClean="0">
-                <a:latin typeface="Courier New" pitchFamily="49" charset="0"/>
-                <a:cs typeface="Courier New" pitchFamily="49" charset="0"/>
-              </a:rPr>
-              <a:t>F6</a:t>
-            </a:r>
-          </a:p>
-          <a:p>
-            <a:r>
-              <a:rPr lang="en-US" sz="1000" smtClean="0">
-                <a:latin typeface="Courier New" pitchFamily="49" charset="0"/>
-                <a:cs typeface="Courier New" pitchFamily="49" charset="0"/>
-              </a:rPr>
-              <a:t>bell</a:t>
-            </a:r>
-          </a:p>
-          <a:p>
-            <a:r>
-              <a:rPr lang="en-US" sz="1000" smtClean="0">
-                <a:latin typeface="Courier New" pitchFamily="49" charset="0"/>
-                <a:cs typeface="Courier New" pitchFamily="49" charset="0"/>
-              </a:rPr>
-              <a:t>direction</a:t>
-            </a:r>
-          </a:p>
-          <a:p>
-            <a:r>
-              <a:rPr lang="en-US" sz="1000" smtClean="0">
-                <a:latin typeface="Courier New" pitchFamily="49" charset="0"/>
-                <a:cs typeface="Courier New" pitchFamily="49" charset="0"/>
-              </a:rPr>
-              <a:t>horn</a:t>
-            </a:r>
-          </a:p>
-          <a:p>
-            <a:r>
-              <a:rPr lang="en-US" sz="1000" smtClean="0">
-                <a:latin typeface="Courier New" pitchFamily="49" charset="0"/>
-                <a:cs typeface="Courier New" pitchFamily="49" charset="0"/>
-              </a:rPr>
-              <a:t>inQu</a:t>
-            </a:r>
-          </a:p>
-          <a:p>
-            <a:r>
-              <a:rPr lang="en-US" sz="1000" smtClean="0">
-                <a:latin typeface="Courier New" pitchFamily="49" charset="0"/>
-                <a:cs typeface="Courier New" pitchFamily="49" charset="0"/>
-              </a:rPr>
-              <a:t>lights</a:t>
-            </a:r>
-          </a:p>
-          <a:p>
-            <a:r>
-              <a:rPr lang="en-US" sz="1000" smtClean="0">
-                <a:latin typeface="Courier New" pitchFamily="49" charset="0"/>
-                <a:cs typeface="Courier New" pitchFamily="49" charset="0"/>
-              </a:rPr>
-              <a:t>mute</a:t>
-            </a:r>
-          </a:p>
-          <a:p>
-            <a:r>
-              <a:rPr lang="en-US" sz="1000" smtClean="0">
-                <a:latin typeface="Courier New" pitchFamily="49" charset="0"/>
-                <a:cs typeface="Courier New" pitchFamily="49" charset="0"/>
-              </a:rPr>
-              <a:t>outQu</a:t>
-            </a:r>
-          </a:p>
-          <a:p>
-            <a:r>
-              <a:rPr lang="en-US" sz="1000" smtClean="0">
-                <a:latin typeface="Courier New" pitchFamily="49" charset="0"/>
-                <a:cs typeface="Courier New" pitchFamily="49" charset="0"/>
-              </a:rPr>
-              <a:t>virtSlot</a:t>
-            </a:r>
-          </a:p>
-        </p:txBody>
-      </p:sp>
-      <p:sp>
-        <p:nvSpPr>
-          <p:cNvPr id="3" name="TextBox 2"/>
-          <p:cNvSpPr txBox="1"/>
-          <p:nvPr/>
-        </p:nvSpPr>
-        <p:spPr>
-          <a:xfrm>
-            <a:off x="195209" y="195209"/>
-            <a:ext cx="1245534" cy="369332"/>
-          </a:xfrm>
-          <a:prstGeom prst="rect">
-            <a:avLst/>
-          </a:prstGeom>
-          <a:noFill/>
-        </p:spPr>
-        <p:txBody>
-          <a:bodyPr wrap="none" rtlCol="0">
-            <a:spAutoFit/>
-          </a:bodyPr>
-          <a:lstStyle/>
-          <a:p>
-            <a:r>
-              <a:rPr lang="en-US" b="1" smtClean="0">
-                <a:solidFill>
-                  <a:schemeClr val="accent6">
-                    <a:lumMod val="75000"/>
-                  </a:schemeClr>
-                </a:solidFill>
-              </a:rPr>
-              <a:t>Throttle.py</a:t>
-            </a:r>
-            <a:endParaRPr lang="en-US" b="1">
-              <a:solidFill>
-                <a:schemeClr val="accent6">
-                  <a:lumMod val="75000"/>
-                </a:schemeClr>
-              </a:solidFill>
-            </a:endParaRPr>
-          </a:p>
-        </p:txBody>
-      </p:sp>
-      <p:sp>
-        <p:nvSpPr>
-          <p:cNvPr id="5" name="TextBox 4"/>
-          <p:cNvSpPr txBox="1"/>
-          <p:nvPr/>
-        </p:nvSpPr>
-        <p:spPr>
-          <a:xfrm>
-            <a:off x="5619965" y="236305"/>
-            <a:ext cx="1739194" cy="369332"/>
-          </a:xfrm>
-          <a:prstGeom prst="rect">
-            <a:avLst/>
-          </a:prstGeom>
-          <a:noFill/>
-        </p:spPr>
-        <p:txBody>
-          <a:bodyPr wrap="none" rtlCol="0">
-            <a:spAutoFit/>
-          </a:bodyPr>
-          <a:lstStyle/>
-          <a:p>
-            <a:r>
-              <a:rPr lang="en-US" b="1" smtClean="0">
-                <a:solidFill>
-                  <a:schemeClr val="accent6">
-                    <a:lumMod val="75000"/>
-                  </a:schemeClr>
-                </a:solidFill>
-              </a:rPr>
-              <a:t>Throttle_Test.py</a:t>
-            </a:r>
-            <a:endParaRPr lang="en-US" b="1">
-              <a:solidFill>
-                <a:schemeClr val="accent6">
-                  <a:lumMod val="75000"/>
-                </a:schemeClr>
-              </a:solidFill>
-            </a:endParaRPr>
-          </a:p>
-        </p:txBody>
-      </p:sp>
-      <p:sp>
-        <p:nvSpPr>
-          <p:cNvPr id="6" name="TextBox 5"/>
-          <p:cNvSpPr txBox="1"/>
-          <p:nvPr/>
-        </p:nvSpPr>
-        <p:spPr>
-          <a:xfrm>
-            <a:off x="6167919" y="1031201"/>
-            <a:ext cx="492443" cy="246221"/>
-          </a:xfrm>
-          <a:prstGeom prst="rect">
-            <a:avLst/>
-          </a:prstGeom>
-          <a:ln/>
-        </p:spPr>
-        <p:style>
-          <a:lnRef idx="1">
-            <a:schemeClr val="accent1"/>
-          </a:lnRef>
-          <a:fillRef idx="3">
-            <a:schemeClr val="accent1"/>
-          </a:fillRef>
-          <a:effectRef idx="2">
-            <a:schemeClr val="accent1"/>
-          </a:effectRef>
-          <a:fontRef idx="minor">
-            <a:schemeClr val="lt1"/>
-          </a:fontRef>
-        </p:style>
-        <p:txBody>
-          <a:bodyPr wrap="none" rtlCol="0">
-            <a:spAutoFit/>
-          </a:bodyPr>
-          <a:lstStyle/>
-          <a:p>
-            <a:r>
-              <a:rPr lang="en-US" sz="1000" smtClean="0">
-                <a:latin typeface="Courier New" pitchFamily="49" charset="0"/>
-                <a:cs typeface="Courier New" pitchFamily="49" charset="0"/>
-              </a:rPr>
-              <a:t>main</a:t>
-            </a:r>
-          </a:p>
-        </p:txBody>
-      </p:sp>
-      <p:sp>
-        <p:nvSpPr>
-          <p:cNvPr id="7" name="TextBox 6"/>
-          <p:cNvSpPr txBox="1"/>
-          <p:nvPr/>
-        </p:nvSpPr>
-        <p:spPr>
-          <a:xfrm>
-            <a:off x="7219309" y="911336"/>
-            <a:ext cx="415498" cy="246221"/>
-          </a:xfrm>
-          <a:prstGeom prst="rect">
-            <a:avLst/>
-          </a:prstGeom>
-          <a:ln/>
-        </p:spPr>
-        <p:style>
-          <a:lnRef idx="2">
-            <a:schemeClr val="accent3">
-              <a:shade val="50000"/>
-            </a:schemeClr>
-          </a:lnRef>
-          <a:fillRef idx="1">
-            <a:schemeClr val="accent3"/>
-          </a:fillRef>
-          <a:effectRef idx="0">
-            <a:schemeClr val="accent3"/>
-          </a:effectRef>
-          <a:fontRef idx="minor">
-            <a:schemeClr val="lt1"/>
-          </a:fontRef>
-        </p:style>
-        <p:txBody>
-          <a:bodyPr wrap="none" rtlCol="0">
-            <a:spAutoFit/>
-          </a:bodyPr>
-          <a:lstStyle/>
-          <a:p>
-            <a:r>
-              <a:rPr lang="en-US" sz="1000" smtClean="0">
-                <a:latin typeface="Courier New" pitchFamily="49" charset="0"/>
-                <a:cs typeface="Courier New" pitchFamily="49" charset="0"/>
-              </a:rPr>
-              <a:t>log</a:t>
-            </a:r>
-          </a:p>
-        </p:txBody>
-      </p:sp>
-      <p:sp>
-        <p:nvSpPr>
-          <p:cNvPr id="9" name="TextBox 8"/>
-          <p:cNvSpPr txBox="1"/>
-          <p:nvPr/>
-        </p:nvSpPr>
-        <p:spPr>
-          <a:xfrm>
-            <a:off x="6967599" y="5354899"/>
-            <a:ext cx="877163" cy="246221"/>
-          </a:xfrm>
-          <a:prstGeom prst="rect">
-            <a:avLst/>
-          </a:prstGeom>
-          <a:ln/>
-        </p:spPr>
-        <p:style>
-          <a:lnRef idx="1">
-            <a:schemeClr val="accent1"/>
-          </a:lnRef>
-          <a:fillRef idx="3">
-            <a:schemeClr val="accent1"/>
-          </a:fillRef>
-          <a:effectRef idx="2">
-            <a:schemeClr val="accent1"/>
-          </a:effectRef>
-          <a:fontRef idx="minor">
-            <a:schemeClr val="lt1"/>
-          </a:fontRef>
-        </p:style>
-        <p:txBody>
-          <a:bodyPr wrap="none" rtlCol="0">
-            <a:spAutoFit/>
-          </a:bodyPr>
-          <a:lstStyle/>
-          <a:p>
-            <a:r>
-              <a:rPr lang="en-US" sz="1000" smtClean="0">
-                <a:latin typeface="Courier New" pitchFamily="49" charset="0"/>
-                <a:cs typeface="Courier New" pitchFamily="49" charset="0"/>
-              </a:rPr>
-              <a:t>simulator</a:t>
-            </a:r>
-          </a:p>
-        </p:txBody>
-      </p:sp>
-      <p:sp>
-        <p:nvSpPr>
-          <p:cNvPr id="11" name="TextBox 10"/>
-          <p:cNvSpPr txBox="1"/>
-          <p:nvPr/>
-        </p:nvSpPr>
-        <p:spPr>
-          <a:xfrm>
-            <a:off x="7303216" y="1344559"/>
-            <a:ext cx="1646605" cy="1015663"/>
-          </a:xfrm>
-          <a:prstGeom prst="rect">
-            <a:avLst/>
-          </a:prstGeom>
-          <a:noFill/>
-        </p:spPr>
-        <p:txBody>
-          <a:bodyPr wrap="none" rtlCol="0">
-            <a:spAutoFit/>
-          </a:bodyPr>
-          <a:lstStyle/>
-          <a:p>
-            <a:r>
-              <a:rPr lang="en-US" sz="1000" b="1" smtClean="0">
-                <a:solidFill>
-                  <a:schemeClr val="accent6">
-                    <a:lumMod val="75000"/>
-                  </a:schemeClr>
-                </a:solidFill>
-                <a:latin typeface="Courier New" pitchFamily="49" charset="0"/>
-                <a:cs typeface="Courier New" pitchFamily="49" charset="0"/>
-              </a:rPr>
-              <a:t>main creates/starts</a:t>
-            </a:r>
-          </a:p>
-          <a:p>
-            <a:r>
-              <a:rPr lang="en-US" sz="1000" b="1" smtClean="0">
-                <a:solidFill>
-                  <a:schemeClr val="accent6">
-                    <a:lumMod val="75000"/>
-                  </a:schemeClr>
-                </a:solidFill>
-                <a:latin typeface="Courier New" pitchFamily="49" charset="0"/>
-                <a:cs typeface="Courier New" pitchFamily="49" charset="0"/>
-              </a:rPr>
-              <a:t>  msgSocket</a:t>
-            </a:r>
-          </a:p>
-          <a:p>
-            <a:r>
-              <a:rPr lang="en-US" sz="1000" b="1" smtClean="0">
-                <a:solidFill>
-                  <a:schemeClr val="accent6">
-                    <a:lumMod val="75000"/>
-                  </a:schemeClr>
-                </a:solidFill>
-                <a:latin typeface="Courier New" pitchFamily="49" charset="0"/>
-                <a:cs typeface="Courier New" pitchFamily="49" charset="0"/>
-              </a:rPr>
-              <a:t>  outQu, inQu</a:t>
-            </a:r>
-          </a:p>
-          <a:p>
-            <a:r>
-              <a:rPr lang="en-US" sz="1000" b="1" smtClean="0">
-                <a:solidFill>
-                  <a:schemeClr val="accent6">
-                    <a:lumMod val="75000"/>
-                  </a:schemeClr>
-                </a:solidFill>
-                <a:latin typeface="Courier New" pitchFamily="49" charset="0"/>
-                <a:cs typeface="Courier New" pitchFamily="49" charset="0"/>
-              </a:rPr>
-              <a:t>  pumps</a:t>
-            </a:r>
-          </a:p>
-          <a:p>
-            <a:r>
-              <a:rPr lang="en-US" sz="1000" b="1" smtClean="0">
-                <a:solidFill>
-                  <a:schemeClr val="accent6">
-                    <a:lumMod val="75000"/>
-                  </a:schemeClr>
-                </a:solidFill>
-                <a:latin typeface="Courier New" pitchFamily="49" charset="0"/>
-                <a:cs typeface="Courier New" pitchFamily="49" charset="0"/>
-              </a:rPr>
-              <a:t>  controller</a:t>
-            </a:r>
-          </a:p>
-          <a:p>
-            <a:r>
-              <a:rPr lang="en-US" sz="1000" b="1" smtClean="0">
-                <a:solidFill>
-                  <a:schemeClr val="accent6">
-                    <a:lumMod val="75000"/>
-                  </a:schemeClr>
-                </a:solidFill>
-                <a:latin typeface="Courier New" pitchFamily="49" charset="0"/>
-                <a:cs typeface="Courier New" pitchFamily="49" charset="0"/>
-              </a:rPr>
-              <a:t>  simulator</a:t>
-            </a:r>
-            <a:endParaRPr lang="en-US" sz="1000" b="1">
-              <a:solidFill>
-                <a:schemeClr val="accent6">
-                  <a:lumMod val="75000"/>
-                </a:schemeClr>
-              </a:solidFill>
-              <a:latin typeface="Courier New" pitchFamily="49" charset="0"/>
-              <a:cs typeface="Courier New" pitchFamily="49" charset="0"/>
-            </a:endParaRPr>
-          </a:p>
-        </p:txBody>
-      </p:sp>
-      <p:sp>
-        <p:nvSpPr>
-          <p:cNvPr id="12" name="TextBox 11"/>
-          <p:cNvSpPr txBox="1"/>
-          <p:nvPr/>
-        </p:nvSpPr>
-        <p:spPr>
-          <a:xfrm>
-            <a:off x="6801495" y="2815472"/>
-            <a:ext cx="800219" cy="246221"/>
-          </a:xfrm>
-          <a:prstGeom prst="rect">
-            <a:avLst/>
-          </a:prstGeom>
-          <a:ln/>
-        </p:spPr>
-        <p:style>
-          <a:lnRef idx="1">
-            <a:schemeClr val="accent3"/>
-          </a:lnRef>
-          <a:fillRef idx="2">
-            <a:schemeClr val="accent3"/>
-          </a:fillRef>
-          <a:effectRef idx="1">
-            <a:schemeClr val="accent3"/>
-          </a:effectRef>
-          <a:fontRef idx="minor">
-            <a:schemeClr val="dk1"/>
-          </a:fontRef>
-        </p:style>
-        <p:txBody>
-          <a:bodyPr wrap="none" rtlCol="0">
-            <a:spAutoFit/>
-          </a:bodyPr>
-          <a:lstStyle/>
-          <a:p>
-            <a:r>
-              <a:rPr lang="en-US" sz="1000" smtClean="0">
-                <a:latin typeface="Courier New" pitchFamily="49" charset="0"/>
-                <a:cs typeface="Courier New" pitchFamily="49" charset="0"/>
-              </a:rPr>
-              <a:t>inQuList</a:t>
-            </a:r>
-          </a:p>
-        </p:txBody>
-      </p:sp>
-      <p:sp>
-        <p:nvSpPr>
-          <p:cNvPr id="19" name="TextBox 18"/>
-          <p:cNvSpPr txBox="1"/>
-          <p:nvPr/>
-        </p:nvSpPr>
-        <p:spPr>
-          <a:xfrm>
-            <a:off x="5138791" y="3762408"/>
-            <a:ext cx="1107996" cy="246221"/>
-          </a:xfrm>
-          <a:prstGeom prst="rect">
-            <a:avLst/>
-          </a:prstGeom>
-          <a:solidFill>
-            <a:schemeClr val="tx2">
-              <a:lumMod val="20000"/>
-              <a:lumOff val="80000"/>
-            </a:schemeClr>
-          </a:solidFill>
-          <a:ln cmpd="sng">
-            <a:solidFill>
-              <a:schemeClr val="tx1"/>
-            </a:solidFill>
-          </a:ln>
-        </p:spPr>
-        <p:txBody>
-          <a:bodyPr wrap="none" rtlCol="0">
-            <a:spAutoFit/>
-          </a:bodyPr>
-          <a:lstStyle/>
-          <a:p>
-            <a:r>
-              <a:rPr lang="en-US" sz="1000" smtClean="0">
-                <a:latin typeface="Courier New" pitchFamily="49" charset="0"/>
-                <a:cs typeface="Courier New" pitchFamily="49" charset="0"/>
-              </a:rPr>
-              <a:t>msgOutQuPump</a:t>
-            </a:r>
-          </a:p>
-        </p:txBody>
-      </p:sp>
-      <p:sp>
-        <p:nvSpPr>
-          <p:cNvPr id="23" name="TextBox 22"/>
-          <p:cNvSpPr txBox="1"/>
-          <p:nvPr/>
-        </p:nvSpPr>
-        <p:spPr>
-          <a:xfrm>
-            <a:off x="5171328" y="7473096"/>
-            <a:ext cx="492443" cy="246221"/>
-          </a:xfrm>
-          <a:prstGeom prst="rect">
-            <a:avLst/>
-          </a:prstGeom>
-          <a:noFill/>
-        </p:spPr>
-        <p:txBody>
-          <a:bodyPr wrap="none" rtlCol="0">
-            <a:spAutoFit/>
-          </a:bodyPr>
-          <a:lstStyle/>
-          <a:p>
-            <a:r>
-              <a:rPr lang="en-US" sz="1000" smtClean="0">
-                <a:latin typeface="Courier New" pitchFamily="49" charset="0"/>
-                <a:cs typeface="Courier New" pitchFamily="49" charset="0"/>
-              </a:rPr>
-              <a:t>send</a:t>
-            </a:r>
-            <a:endParaRPr lang="en-US" sz="1000">
-              <a:latin typeface="Courier New" pitchFamily="49" charset="0"/>
-              <a:cs typeface="Courier New" pitchFamily="49" charset="0"/>
-            </a:endParaRPr>
-          </a:p>
-        </p:txBody>
-      </p:sp>
-      <p:sp>
-        <p:nvSpPr>
-          <p:cNvPr id="25" name="TextBox 24"/>
-          <p:cNvSpPr txBox="1"/>
-          <p:nvPr/>
-        </p:nvSpPr>
-        <p:spPr>
-          <a:xfrm>
-            <a:off x="6681625" y="2500401"/>
-            <a:ext cx="415498" cy="246221"/>
-          </a:xfrm>
-          <a:prstGeom prst="rect">
-            <a:avLst/>
-          </a:prstGeom>
-          <a:noFill/>
-        </p:spPr>
-        <p:txBody>
-          <a:bodyPr wrap="none" rtlCol="0">
-            <a:spAutoFit/>
-          </a:bodyPr>
-          <a:lstStyle/>
-          <a:p>
-            <a:r>
-              <a:rPr lang="en-US" sz="1000" smtClean="0">
-                <a:latin typeface="Courier New" pitchFamily="49" charset="0"/>
-                <a:cs typeface="Courier New" pitchFamily="49" charset="0"/>
-              </a:rPr>
-              <a:t>get</a:t>
-            </a:r>
-            <a:endParaRPr lang="en-US" sz="1000">
-              <a:latin typeface="Courier New" pitchFamily="49" charset="0"/>
-              <a:cs typeface="Courier New" pitchFamily="49" charset="0"/>
-            </a:endParaRPr>
-          </a:p>
-        </p:txBody>
-      </p:sp>
-      <p:sp>
-        <p:nvSpPr>
-          <p:cNvPr id="26" name="TextBox 25"/>
-          <p:cNvSpPr txBox="1"/>
-          <p:nvPr/>
-        </p:nvSpPr>
-        <p:spPr>
-          <a:xfrm>
-            <a:off x="6616556" y="3750422"/>
-            <a:ext cx="1031051" cy="246221"/>
-          </a:xfrm>
-          <a:prstGeom prst="rect">
-            <a:avLst/>
-          </a:prstGeom>
-          <a:solidFill>
-            <a:schemeClr val="tx2">
-              <a:lumMod val="20000"/>
-              <a:lumOff val="80000"/>
-            </a:schemeClr>
-          </a:solidFill>
-          <a:ln cmpd="sng">
-            <a:solidFill>
-              <a:schemeClr val="tx1"/>
-            </a:solidFill>
-          </a:ln>
-        </p:spPr>
-        <p:txBody>
-          <a:bodyPr wrap="none" rtlCol="0">
-            <a:spAutoFit/>
-          </a:bodyPr>
-          <a:lstStyle/>
-          <a:p>
-            <a:r>
-              <a:rPr lang="en-US" sz="1000" smtClean="0">
-                <a:latin typeface="Courier New" pitchFamily="49" charset="0"/>
-                <a:cs typeface="Courier New" pitchFamily="49" charset="0"/>
-              </a:rPr>
-              <a:t>msgInQuPump</a:t>
-            </a:r>
-          </a:p>
-        </p:txBody>
-      </p:sp>
-      <p:sp>
-        <p:nvSpPr>
-          <p:cNvPr id="27" name="TextBox 26"/>
-          <p:cNvSpPr txBox="1"/>
-          <p:nvPr/>
-        </p:nvSpPr>
-        <p:spPr>
-          <a:xfrm>
-            <a:off x="5402497" y="2813757"/>
-            <a:ext cx="569387" cy="246221"/>
-          </a:xfrm>
-          <a:prstGeom prst="rect">
-            <a:avLst/>
-          </a:prstGeom>
-          <a:ln/>
-        </p:spPr>
-        <p:style>
-          <a:lnRef idx="1">
-            <a:schemeClr val="accent3"/>
-          </a:lnRef>
-          <a:fillRef idx="2">
-            <a:schemeClr val="accent3"/>
-          </a:fillRef>
-          <a:effectRef idx="1">
-            <a:schemeClr val="accent3"/>
-          </a:effectRef>
-          <a:fontRef idx="minor">
-            <a:schemeClr val="dk1"/>
-          </a:fontRef>
-        </p:style>
-        <p:txBody>
-          <a:bodyPr wrap="none" rtlCol="0">
-            <a:spAutoFit/>
-          </a:bodyPr>
-          <a:lstStyle/>
-          <a:p>
-            <a:r>
-              <a:rPr lang="en-US" sz="1000" smtClean="0">
-                <a:latin typeface="Courier New" pitchFamily="49" charset="0"/>
-                <a:cs typeface="Courier New" pitchFamily="49" charset="0"/>
-              </a:rPr>
-              <a:t>outQu</a:t>
-            </a:r>
-          </a:p>
-        </p:txBody>
-      </p:sp>
-      <p:sp>
-        <p:nvSpPr>
-          <p:cNvPr id="35" name="TextBox 34"/>
-          <p:cNvSpPr txBox="1"/>
-          <p:nvPr/>
-        </p:nvSpPr>
-        <p:spPr>
-          <a:xfrm>
-            <a:off x="6227851" y="1378808"/>
-            <a:ext cx="954107" cy="707886"/>
-          </a:xfrm>
-          <a:prstGeom prst="rect">
-            <a:avLst/>
-          </a:prstGeom>
-          <a:noFill/>
-        </p:spPr>
-        <p:txBody>
-          <a:bodyPr wrap="none" rtlCol="0">
-            <a:spAutoFit/>
-          </a:bodyPr>
-          <a:lstStyle/>
-          <a:p>
-            <a:r>
-              <a:rPr lang="en-US" sz="1000" smtClean="0">
-                <a:latin typeface="Courier New" pitchFamily="49" charset="0"/>
-                <a:cs typeface="Courier New" pitchFamily="49" charset="0"/>
-              </a:rPr>
-              <a:t>create</a:t>
-            </a:r>
-          </a:p>
-          <a:p>
-            <a:r>
-              <a:rPr lang="en-US" sz="1000" smtClean="0">
-                <a:latin typeface="Courier New" pitchFamily="49" charset="0"/>
-                <a:cs typeface="Courier New" pitchFamily="49" charset="0"/>
-              </a:rPr>
-              <a:t>readLayout</a:t>
-            </a:r>
-          </a:p>
-          <a:p>
-            <a:r>
-              <a:rPr lang="en-US" sz="1000" smtClean="0">
-                <a:latin typeface="Courier New" pitchFamily="49" charset="0"/>
-                <a:cs typeface="Courier New" pitchFamily="49" charset="0"/>
-              </a:rPr>
-              <a:t>initTrain</a:t>
-            </a:r>
-          </a:p>
-          <a:p>
-            <a:r>
-              <a:rPr lang="en-US" sz="1000" smtClean="0">
-                <a:latin typeface="Courier New" pitchFamily="49" charset="0"/>
-                <a:cs typeface="Courier New" pitchFamily="49" charset="0"/>
-              </a:rPr>
-              <a:t>. . . </a:t>
-            </a:r>
-            <a:endParaRPr lang="en-US" sz="1000">
-              <a:latin typeface="Courier New" pitchFamily="49" charset="0"/>
-              <a:cs typeface="Courier New" pitchFamily="49" charset="0"/>
-            </a:endParaRPr>
-          </a:p>
-        </p:txBody>
-      </p:sp>
-      <p:sp>
-        <p:nvSpPr>
-          <p:cNvPr id="42" name="TextBox 41"/>
-          <p:cNvSpPr txBox="1"/>
-          <p:nvPr/>
-        </p:nvSpPr>
-        <p:spPr>
-          <a:xfrm>
-            <a:off x="5291195" y="5373729"/>
-            <a:ext cx="954107" cy="246221"/>
-          </a:xfrm>
-          <a:prstGeom prst="rect">
-            <a:avLst/>
-          </a:prstGeom>
-          <a:ln/>
-        </p:spPr>
-        <p:style>
-          <a:lnRef idx="1">
-            <a:schemeClr val="accent1"/>
-          </a:lnRef>
-          <a:fillRef idx="3">
-            <a:schemeClr val="accent1"/>
-          </a:fillRef>
-          <a:effectRef idx="2">
-            <a:schemeClr val="accent1"/>
-          </a:effectRef>
-          <a:fontRef idx="minor">
-            <a:schemeClr val="lt1"/>
-          </a:fontRef>
-        </p:style>
-        <p:txBody>
-          <a:bodyPr wrap="none" rtlCol="0">
-            <a:spAutoFit/>
-          </a:bodyPr>
-          <a:lstStyle/>
-          <a:p>
-            <a:r>
-              <a:rPr lang="en-US" sz="1000" smtClean="0">
-                <a:latin typeface="Courier New" pitchFamily="49" charset="0"/>
-                <a:cs typeface="Courier New" pitchFamily="49" charset="0"/>
-              </a:rPr>
-              <a:t>controller</a:t>
-            </a:r>
-          </a:p>
-        </p:txBody>
-      </p:sp>
-      <p:sp>
-        <p:nvSpPr>
-          <p:cNvPr id="44" name="TextBox 43"/>
-          <p:cNvSpPr txBox="1"/>
-          <p:nvPr/>
-        </p:nvSpPr>
-        <p:spPr>
-          <a:xfrm>
-            <a:off x="6006958" y="2236698"/>
-            <a:ext cx="800219" cy="246221"/>
-          </a:xfrm>
-          <a:prstGeom prst="rect">
-            <a:avLst/>
-          </a:prstGeom>
-          <a:ln/>
-        </p:spPr>
-        <p:style>
-          <a:lnRef idx="1">
-            <a:schemeClr val="accent3"/>
-          </a:lnRef>
-          <a:fillRef idx="2">
-            <a:schemeClr val="accent3"/>
-          </a:fillRef>
-          <a:effectRef idx="1">
-            <a:schemeClr val="accent3"/>
-          </a:effectRef>
-          <a:fontRef idx="minor">
-            <a:schemeClr val="dk1"/>
-          </a:fontRef>
-        </p:style>
-        <p:txBody>
-          <a:bodyPr wrap="none" rtlCol="0">
-            <a:spAutoFit/>
-          </a:bodyPr>
-          <a:lstStyle/>
-          <a:p>
-            <a:r>
-              <a:rPr lang="en-US" sz="1000" smtClean="0">
-                <a:latin typeface="Courier New" pitchFamily="49" charset="0"/>
-                <a:cs typeface="Courier New" pitchFamily="49" charset="0"/>
-              </a:rPr>
-              <a:t>throttle</a:t>
-            </a:r>
-          </a:p>
-        </p:txBody>
-      </p:sp>
-      <p:sp>
-        <p:nvSpPr>
-          <p:cNvPr id="45" name="TextBox 44"/>
-          <p:cNvSpPr txBox="1"/>
-          <p:nvPr/>
-        </p:nvSpPr>
-        <p:spPr>
-          <a:xfrm>
-            <a:off x="5964150" y="4680229"/>
-            <a:ext cx="877163" cy="246221"/>
-          </a:xfrm>
-          <a:prstGeom prst="rect">
-            <a:avLst/>
-          </a:prstGeom>
-          <a:ln/>
-        </p:spPr>
-        <p:style>
-          <a:lnRef idx="1">
-            <a:schemeClr val="accent3"/>
-          </a:lnRef>
-          <a:fillRef idx="2">
-            <a:schemeClr val="accent3"/>
-          </a:fillRef>
-          <a:effectRef idx="1">
-            <a:schemeClr val="accent3"/>
-          </a:effectRef>
-          <a:fontRef idx="minor">
-            <a:schemeClr val="dk1"/>
-          </a:fontRef>
-        </p:style>
-        <p:txBody>
-          <a:bodyPr wrap="none" rtlCol="0">
-            <a:spAutoFit/>
-          </a:bodyPr>
-          <a:lstStyle/>
-          <a:p>
-            <a:r>
-              <a:rPr lang="en-US" sz="1000" smtClean="0">
-                <a:latin typeface="Courier New" pitchFamily="49" charset="0"/>
-                <a:cs typeface="Courier New" pitchFamily="49" charset="0"/>
-              </a:rPr>
-              <a:t>msgSocket</a:t>
-            </a:r>
-          </a:p>
-        </p:txBody>
-      </p:sp>
-      <p:cxnSp>
-        <p:nvCxnSpPr>
-          <p:cNvPr id="49" name="Straight Arrow Connector 48"/>
-          <p:cNvCxnSpPr>
-            <a:stCxn id="6" idx="3"/>
-            <a:endCxn id="7" idx="1"/>
-          </p:cNvCxnSpPr>
-          <p:nvPr/>
-        </p:nvCxnSpPr>
-        <p:spPr>
-          <a:xfrm flipV="1">
-            <a:off x="6660362" y="1034447"/>
-            <a:ext cx="558947" cy="119865"/>
-          </a:xfrm>
-          <a:prstGeom prst="straightConnector1">
-            <a:avLst/>
-          </a:prstGeom>
-          <a:ln>
-            <a:tailEnd type="arrow"/>
-          </a:ln>
-        </p:spPr>
-        <p:style>
-          <a:lnRef idx="1">
-            <a:schemeClr val="accent1"/>
-          </a:lnRef>
-          <a:fillRef idx="0">
-            <a:schemeClr val="accent1"/>
-          </a:fillRef>
-          <a:effectRef idx="0">
-            <a:schemeClr val="accent1"/>
-          </a:effectRef>
-          <a:fontRef idx="minor">
-            <a:schemeClr val="tx1"/>
-          </a:fontRef>
-        </p:style>
-      </p:cxnSp>
-      <p:cxnSp>
-        <p:nvCxnSpPr>
-          <p:cNvPr id="51" name="Straight Arrow Connector 50"/>
-          <p:cNvCxnSpPr>
-            <a:stCxn id="6" idx="2"/>
-            <a:endCxn id="44" idx="0"/>
-          </p:cNvCxnSpPr>
-          <p:nvPr/>
-        </p:nvCxnSpPr>
-        <p:spPr>
-          <a:xfrm flipH="1">
-            <a:off x="6407068" y="1277422"/>
-            <a:ext cx="7073" cy="959276"/>
-          </a:xfrm>
-          <a:prstGeom prst="straightConnector1">
-            <a:avLst/>
-          </a:prstGeom>
-          <a:ln>
-            <a:tailEnd type="arrow"/>
-          </a:ln>
-        </p:spPr>
-        <p:style>
-          <a:lnRef idx="1">
-            <a:schemeClr val="accent1"/>
-          </a:lnRef>
-          <a:fillRef idx="0">
-            <a:schemeClr val="accent1"/>
-          </a:fillRef>
-          <a:effectRef idx="0">
-            <a:schemeClr val="accent1"/>
-          </a:effectRef>
-          <a:fontRef idx="minor">
-            <a:schemeClr val="tx1"/>
-          </a:fontRef>
-        </p:style>
-      </p:cxnSp>
-      <p:cxnSp>
-        <p:nvCxnSpPr>
-          <p:cNvPr id="54" name="Straight Arrow Connector 53"/>
-          <p:cNvCxnSpPr>
-            <a:stCxn id="44" idx="2"/>
-            <a:endCxn id="27" idx="0"/>
-          </p:cNvCxnSpPr>
-          <p:nvPr/>
-        </p:nvCxnSpPr>
-        <p:spPr>
-          <a:xfrm flipH="1">
-            <a:off x="5687191" y="2482919"/>
-            <a:ext cx="719877" cy="330838"/>
-          </a:xfrm>
-          <a:prstGeom prst="straightConnector1">
-            <a:avLst/>
-          </a:prstGeom>
-          <a:ln>
-            <a:tailEnd type="arrow"/>
-          </a:ln>
-        </p:spPr>
-        <p:style>
-          <a:lnRef idx="1">
-            <a:schemeClr val="accent1"/>
-          </a:lnRef>
-          <a:fillRef idx="0">
-            <a:schemeClr val="accent1"/>
-          </a:fillRef>
-          <a:effectRef idx="0">
-            <a:schemeClr val="accent1"/>
-          </a:effectRef>
-          <a:fontRef idx="minor">
-            <a:schemeClr val="tx1"/>
-          </a:fontRef>
-        </p:style>
-      </p:cxnSp>
-      <p:sp>
-        <p:nvSpPr>
-          <p:cNvPr id="55" name="TextBox 54"/>
-          <p:cNvSpPr txBox="1"/>
-          <p:nvPr/>
-        </p:nvSpPr>
-        <p:spPr>
-          <a:xfrm>
-            <a:off x="5919626" y="2570607"/>
-            <a:ext cx="415498" cy="246221"/>
-          </a:xfrm>
-          <a:prstGeom prst="rect">
-            <a:avLst/>
-          </a:prstGeom>
-          <a:noFill/>
-        </p:spPr>
-        <p:txBody>
-          <a:bodyPr wrap="none" rtlCol="0">
-            <a:spAutoFit/>
-          </a:bodyPr>
-          <a:lstStyle/>
-          <a:p>
-            <a:r>
-              <a:rPr lang="en-US" sz="1000" smtClean="0">
-                <a:latin typeface="Courier New" pitchFamily="49" charset="0"/>
-                <a:cs typeface="Courier New" pitchFamily="49" charset="0"/>
-              </a:rPr>
-              <a:t>put</a:t>
-            </a:r>
-            <a:endParaRPr lang="en-US" sz="1000">
-              <a:latin typeface="Courier New" pitchFamily="49" charset="0"/>
-              <a:cs typeface="Courier New" pitchFamily="49" charset="0"/>
-            </a:endParaRPr>
-          </a:p>
-        </p:txBody>
-      </p:sp>
-      <p:cxnSp>
-        <p:nvCxnSpPr>
-          <p:cNvPr id="57" name="Straight Arrow Connector 56"/>
-          <p:cNvCxnSpPr>
-            <a:stCxn id="44" idx="2"/>
-            <a:endCxn id="12" idx="0"/>
-          </p:cNvCxnSpPr>
-          <p:nvPr/>
-        </p:nvCxnSpPr>
-        <p:spPr>
-          <a:xfrm>
-            <a:off x="6407068" y="2482919"/>
-            <a:ext cx="794537" cy="332553"/>
-          </a:xfrm>
-          <a:prstGeom prst="straightConnector1">
-            <a:avLst/>
-          </a:prstGeom>
-          <a:ln>
-            <a:tailEnd type="arrow"/>
-          </a:ln>
-        </p:spPr>
-        <p:style>
-          <a:lnRef idx="1">
-            <a:schemeClr val="accent1"/>
-          </a:lnRef>
-          <a:fillRef idx="0">
-            <a:schemeClr val="accent1"/>
-          </a:fillRef>
-          <a:effectRef idx="0">
-            <a:schemeClr val="accent1"/>
-          </a:effectRef>
-          <a:fontRef idx="minor">
-            <a:schemeClr val="tx1"/>
-          </a:fontRef>
-        </p:style>
-      </p:cxnSp>
-      <p:cxnSp>
-        <p:nvCxnSpPr>
-          <p:cNvPr id="63" name="Straight Arrow Connector 62"/>
-          <p:cNvCxnSpPr>
-            <a:stCxn id="19" idx="0"/>
-            <a:endCxn id="27" idx="2"/>
-          </p:cNvCxnSpPr>
-          <p:nvPr/>
-        </p:nvCxnSpPr>
-        <p:spPr>
-          <a:xfrm flipH="1" flipV="1">
-            <a:off x="5687191" y="3059978"/>
-            <a:ext cx="5598" cy="702430"/>
-          </a:xfrm>
-          <a:prstGeom prst="straightConnector1">
-            <a:avLst/>
-          </a:prstGeom>
-          <a:ln>
-            <a:tailEnd type="arrow"/>
-          </a:ln>
-        </p:spPr>
-        <p:style>
-          <a:lnRef idx="1">
-            <a:schemeClr val="accent1"/>
-          </a:lnRef>
-          <a:fillRef idx="0">
-            <a:schemeClr val="accent1"/>
-          </a:fillRef>
-          <a:effectRef idx="0">
-            <a:schemeClr val="accent1"/>
-          </a:effectRef>
-          <a:fontRef idx="minor">
-            <a:schemeClr val="tx1"/>
-          </a:fontRef>
-        </p:style>
-      </p:cxnSp>
-      <p:cxnSp>
-        <p:nvCxnSpPr>
-          <p:cNvPr id="65" name="Straight Arrow Connector 64"/>
-          <p:cNvCxnSpPr>
-            <a:stCxn id="26" idx="0"/>
-            <a:endCxn id="12" idx="2"/>
-          </p:cNvCxnSpPr>
-          <p:nvPr/>
-        </p:nvCxnSpPr>
-        <p:spPr>
-          <a:xfrm flipV="1">
-            <a:off x="7132082" y="3061693"/>
-            <a:ext cx="69523" cy="688729"/>
-          </a:xfrm>
-          <a:prstGeom prst="straightConnector1">
-            <a:avLst/>
-          </a:prstGeom>
-          <a:ln>
-            <a:tailEnd type="arrow"/>
-          </a:ln>
-        </p:spPr>
-        <p:style>
-          <a:lnRef idx="1">
-            <a:schemeClr val="accent1"/>
-          </a:lnRef>
-          <a:fillRef idx="0">
-            <a:schemeClr val="accent1"/>
-          </a:fillRef>
-          <a:effectRef idx="0">
-            <a:schemeClr val="accent1"/>
-          </a:effectRef>
-          <a:fontRef idx="minor">
-            <a:schemeClr val="tx1"/>
-          </a:fontRef>
-        </p:style>
-      </p:cxnSp>
-      <p:cxnSp>
-        <p:nvCxnSpPr>
-          <p:cNvPr id="67" name="Straight Arrow Connector 66"/>
-          <p:cNvCxnSpPr>
-            <a:stCxn id="19" idx="2"/>
-            <a:endCxn id="45" idx="0"/>
-          </p:cNvCxnSpPr>
-          <p:nvPr/>
-        </p:nvCxnSpPr>
-        <p:spPr>
-          <a:xfrm>
-            <a:off x="5692789" y="4008629"/>
-            <a:ext cx="709943" cy="671600"/>
-          </a:xfrm>
-          <a:prstGeom prst="straightConnector1">
-            <a:avLst/>
-          </a:prstGeom>
-          <a:ln>
-            <a:tailEnd type="arrow"/>
-          </a:ln>
-        </p:spPr>
-        <p:style>
-          <a:lnRef idx="1">
-            <a:schemeClr val="accent1"/>
-          </a:lnRef>
-          <a:fillRef idx="0">
-            <a:schemeClr val="accent1"/>
-          </a:fillRef>
-          <a:effectRef idx="0">
-            <a:schemeClr val="accent1"/>
-          </a:effectRef>
-          <a:fontRef idx="minor">
-            <a:schemeClr val="tx1"/>
-          </a:fontRef>
-        </p:style>
-      </p:cxnSp>
-      <p:cxnSp>
-        <p:nvCxnSpPr>
-          <p:cNvPr id="70" name="Straight Arrow Connector 69"/>
-          <p:cNvCxnSpPr>
-            <a:stCxn id="26" idx="2"/>
-            <a:endCxn id="45" idx="0"/>
-          </p:cNvCxnSpPr>
-          <p:nvPr/>
-        </p:nvCxnSpPr>
-        <p:spPr>
-          <a:xfrm flipH="1">
-            <a:off x="6402732" y="3996643"/>
-            <a:ext cx="729350" cy="683586"/>
-          </a:xfrm>
-          <a:prstGeom prst="straightConnector1">
-            <a:avLst/>
-          </a:prstGeom>
-          <a:ln>
-            <a:tailEnd type="arrow"/>
-          </a:ln>
-        </p:spPr>
-        <p:style>
-          <a:lnRef idx="1">
-            <a:schemeClr val="accent1"/>
-          </a:lnRef>
-          <a:fillRef idx="0">
-            <a:schemeClr val="accent1"/>
-          </a:fillRef>
-          <a:effectRef idx="0">
-            <a:schemeClr val="accent1"/>
-          </a:effectRef>
-          <a:fontRef idx="minor">
-            <a:schemeClr val="tx1"/>
-          </a:fontRef>
-        </p:style>
-      </p:cxnSp>
-      <p:sp>
-        <p:nvSpPr>
-          <p:cNvPr id="71" name="TextBox 70"/>
-          <p:cNvSpPr txBox="1"/>
-          <p:nvPr/>
-        </p:nvSpPr>
-        <p:spPr>
-          <a:xfrm>
-            <a:off x="5714142" y="3526104"/>
-            <a:ext cx="415498" cy="246221"/>
-          </a:xfrm>
-          <a:prstGeom prst="rect">
-            <a:avLst/>
-          </a:prstGeom>
-          <a:noFill/>
-        </p:spPr>
-        <p:txBody>
-          <a:bodyPr wrap="none" rtlCol="0">
-            <a:spAutoFit/>
-          </a:bodyPr>
-          <a:lstStyle/>
-          <a:p>
-            <a:r>
-              <a:rPr lang="en-US" sz="1000" smtClean="0">
-                <a:latin typeface="Courier New" pitchFamily="49" charset="0"/>
-                <a:cs typeface="Courier New" pitchFamily="49" charset="0"/>
-              </a:rPr>
-              <a:t>get</a:t>
-            </a:r>
-            <a:endParaRPr lang="en-US" sz="1000">
-              <a:latin typeface="Courier New" pitchFamily="49" charset="0"/>
-              <a:cs typeface="Courier New" pitchFamily="49" charset="0"/>
-            </a:endParaRPr>
-          </a:p>
-        </p:txBody>
-      </p:sp>
-      <p:sp>
-        <p:nvSpPr>
-          <p:cNvPr id="72" name="TextBox 71"/>
-          <p:cNvSpPr txBox="1"/>
-          <p:nvPr/>
-        </p:nvSpPr>
-        <p:spPr>
-          <a:xfrm>
-            <a:off x="7152523" y="3300071"/>
-            <a:ext cx="415498" cy="246221"/>
-          </a:xfrm>
-          <a:prstGeom prst="rect">
-            <a:avLst/>
-          </a:prstGeom>
-          <a:noFill/>
-        </p:spPr>
-        <p:txBody>
-          <a:bodyPr wrap="none" rtlCol="0">
-            <a:spAutoFit/>
-          </a:bodyPr>
-          <a:lstStyle/>
-          <a:p>
-            <a:r>
-              <a:rPr lang="en-US" sz="1000" smtClean="0">
-                <a:latin typeface="Courier New" pitchFamily="49" charset="0"/>
-                <a:cs typeface="Courier New" pitchFamily="49" charset="0"/>
-              </a:rPr>
-              <a:t>put</a:t>
-            </a:r>
-            <a:endParaRPr lang="en-US" sz="1000">
-              <a:latin typeface="Courier New" pitchFamily="49" charset="0"/>
-              <a:cs typeface="Courier New" pitchFamily="49" charset="0"/>
-            </a:endParaRPr>
-          </a:p>
-        </p:txBody>
-      </p:sp>
-      <p:sp>
-        <p:nvSpPr>
-          <p:cNvPr id="73" name="TextBox 72"/>
-          <p:cNvSpPr txBox="1"/>
-          <p:nvPr/>
-        </p:nvSpPr>
-        <p:spPr>
-          <a:xfrm>
-            <a:off x="5426465" y="4245294"/>
-            <a:ext cx="492443" cy="246221"/>
-          </a:xfrm>
-          <a:prstGeom prst="rect">
-            <a:avLst/>
-          </a:prstGeom>
-          <a:noFill/>
-        </p:spPr>
-        <p:txBody>
-          <a:bodyPr wrap="none" rtlCol="0">
-            <a:spAutoFit/>
-          </a:bodyPr>
-          <a:lstStyle/>
-          <a:p>
-            <a:r>
-              <a:rPr lang="en-US" sz="1000" smtClean="0">
-                <a:latin typeface="Courier New" pitchFamily="49" charset="0"/>
-                <a:cs typeface="Courier New" pitchFamily="49" charset="0"/>
-              </a:rPr>
-              <a:t>send</a:t>
-            </a:r>
-            <a:endParaRPr lang="en-US" sz="1000">
-              <a:latin typeface="Courier New" pitchFamily="49" charset="0"/>
-              <a:cs typeface="Courier New" pitchFamily="49" charset="0"/>
-            </a:endParaRPr>
-          </a:p>
-        </p:txBody>
-      </p:sp>
-      <p:sp>
-        <p:nvSpPr>
-          <p:cNvPr id="74" name="TextBox 73"/>
-          <p:cNvSpPr txBox="1"/>
-          <p:nvPr/>
-        </p:nvSpPr>
-        <p:spPr>
-          <a:xfrm>
-            <a:off x="6875121" y="4214472"/>
-            <a:ext cx="723275" cy="246221"/>
-          </a:xfrm>
-          <a:prstGeom prst="rect">
-            <a:avLst/>
-          </a:prstGeom>
-          <a:noFill/>
-        </p:spPr>
-        <p:txBody>
-          <a:bodyPr wrap="none" rtlCol="0">
-            <a:spAutoFit/>
-          </a:bodyPr>
-          <a:lstStyle/>
-          <a:p>
-            <a:r>
-              <a:rPr lang="en-US" sz="1000" smtClean="0">
-                <a:latin typeface="Courier New" pitchFamily="49" charset="0"/>
-                <a:cs typeface="Courier New" pitchFamily="49" charset="0"/>
-              </a:rPr>
-              <a:t>receive</a:t>
-            </a:r>
-            <a:endParaRPr lang="en-US" sz="1000">
-              <a:latin typeface="Courier New" pitchFamily="49" charset="0"/>
-              <a:cs typeface="Courier New" pitchFamily="49" charset="0"/>
-            </a:endParaRPr>
-          </a:p>
-        </p:txBody>
-      </p:sp>
-      <p:cxnSp>
-        <p:nvCxnSpPr>
-          <p:cNvPr id="76" name="Straight Arrow Connector 75"/>
-          <p:cNvCxnSpPr>
-            <a:stCxn id="45" idx="2"/>
-            <a:endCxn id="42" idx="0"/>
-          </p:cNvCxnSpPr>
-          <p:nvPr/>
-        </p:nvCxnSpPr>
-        <p:spPr>
-          <a:xfrm flipH="1">
-            <a:off x="5768249" y="4926450"/>
-            <a:ext cx="634483" cy="447279"/>
-          </a:xfrm>
-          <a:prstGeom prst="straightConnector1">
-            <a:avLst/>
-          </a:prstGeom>
-          <a:ln>
-            <a:solidFill>
-              <a:schemeClr val="accent1"/>
-            </a:solidFill>
-            <a:prstDash val="sysDash"/>
-            <a:headEnd type="triangle" w="med" len="med"/>
-            <a:tailEnd type="triangle" w="med" len="med"/>
-          </a:ln>
-        </p:spPr>
-        <p:style>
-          <a:lnRef idx="1">
-            <a:schemeClr val="accent1"/>
-          </a:lnRef>
-          <a:fillRef idx="0">
-            <a:schemeClr val="accent1"/>
-          </a:fillRef>
-          <a:effectRef idx="0">
-            <a:schemeClr val="accent1"/>
-          </a:effectRef>
-          <a:fontRef idx="minor">
-            <a:schemeClr val="tx1"/>
-          </a:fontRef>
-        </p:style>
-      </p:cxnSp>
-      <p:cxnSp>
-        <p:nvCxnSpPr>
-          <p:cNvPr id="77" name="Straight Arrow Connector 76"/>
-          <p:cNvCxnSpPr>
-            <a:stCxn id="9" idx="1"/>
-            <a:endCxn id="42" idx="3"/>
-          </p:cNvCxnSpPr>
-          <p:nvPr/>
-        </p:nvCxnSpPr>
-        <p:spPr>
-          <a:xfrm flipH="1">
-            <a:off x="6245302" y="5478010"/>
-            <a:ext cx="722297" cy="18830"/>
-          </a:xfrm>
-          <a:prstGeom prst="straightConnector1">
-            <a:avLst/>
-          </a:prstGeom>
-          <a:ln>
-            <a:solidFill>
-              <a:schemeClr val="accent1"/>
-            </a:solidFill>
-            <a:prstDash val="sysDash"/>
-            <a:headEnd type="triangle" w="med" len="med"/>
-            <a:tailEnd type="triangle" w="med" len="med"/>
-          </a:ln>
-        </p:spPr>
-        <p:style>
-          <a:lnRef idx="1">
-            <a:schemeClr val="accent1"/>
-          </a:lnRef>
-          <a:fillRef idx="0">
-            <a:schemeClr val="accent1"/>
-          </a:fillRef>
-          <a:effectRef idx="0">
-            <a:schemeClr val="accent1"/>
-          </a:effectRef>
-          <a:fontRef idx="minor">
-            <a:schemeClr val="tx1"/>
-          </a:fontRef>
-        </p:style>
-      </p:cxnSp>
-      <p:sp>
-        <p:nvSpPr>
-          <p:cNvPr id="88" name="Freeform 87"/>
-          <p:cNvSpPr/>
-          <p:nvPr/>
-        </p:nvSpPr>
-        <p:spPr>
-          <a:xfrm>
-            <a:off x="3840823" y="577065"/>
-            <a:ext cx="3587393" cy="6435048"/>
-          </a:xfrm>
-          <a:custGeom>
-            <a:avLst/>
-            <a:gdLst>
-              <a:gd name="connsiteX0" fmla="*/ 2323671 w 3587393"/>
-              <a:gd name="connsiteY0" fmla="*/ 573641 h 6435048"/>
-              <a:gd name="connsiteX1" fmla="*/ 494871 w 3587393"/>
-              <a:gd name="connsiteY1" fmla="*/ 861317 h 6435048"/>
-              <a:gd name="connsiteX2" fmla="*/ 515420 w 3587393"/>
-              <a:gd name="connsiteY2" fmla="*/ 5741542 h 6435048"/>
-              <a:gd name="connsiteX3" fmla="*/ 3587393 w 3587393"/>
-              <a:gd name="connsiteY3" fmla="*/ 5022351 h 6435048"/>
-            </a:gdLst>
-            <a:ahLst/>
-            <a:cxnLst>
-              <a:cxn ang="0">
-                <a:pos x="connsiteX0" y="connsiteY0"/>
-              </a:cxn>
-              <a:cxn ang="0">
-                <a:pos x="connsiteX1" y="connsiteY1"/>
-              </a:cxn>
-              <a:cxn ang="0">
-                <a:pos x="connsiteX2" y="connsiteY2"/>
-              </a:cxn>
-              <a:cxn ang="0">
-                <a:pos x="connsiteX3" y="connsiteY3"/>
-              </a:cxn>
-            </a:cxnLst>
-            <a:rect l="l" t="t" r="r" b="b"/>
-            <a:pathLst>
-              <a:path w="3587393" h="6435048">
-                <a:moveTo>
-                  <a:pt x="2323671" y="573641"/>
-                </a:moveTo>
-                <a:cubicBezTo>
-                  <a:pt x="1559958" y="286820"/>
-                  <a:pt x="796246" y="0"/>
-                  <a:pt x="494871" y="861317"/>
-                </a:cubicBezTo>
-                <a:cubicBezTo>
-                  <a:pt x="193496" y="1722634"/>
-                  <a:pt x="0" y="5048036"/>
-                  <a:pt x="515420" y="5741542"/>
-                </a:cubicBezTo>
-                <a:cubicBezTo>
-                  <a:pt x="1030840" y="6435048"/>
-                  <a:pt x="2309116" y="5728699"/>
-                  <a:pt x="3587393" y="5022351"/>
-                </a:cubicBezTo>
-              </a:path>
-            </a:pathLst>
-          </a:custGeom>
-          <a:ln>
-            <a:solidFill>
-              <a:schemeClr val="bg1">
-                <a:lumMod val="85000"/>
-              </a:schemeClr>
-            </a:solidFill>
-            <a:headEnd type="none" w="med" len="med"/>
-            <a:tailEnd type="arrow" w="med" len="med"/>
-          </a:ln>
-        </p:spPr>
-        <p:style>
-          <a:lnRef idx="1">
-            <a:schemeClr val="accent1"/>
-          </a:lnRef>
-          <a:fillRef idx="0">
-            <a:schemeClr val="accent1"/>
-          </a:fillRef>
-          <a:effectRef idx="0">
-            <a:schemeClr val="accent1"/>
-          </a:effectRef>
-          <a:fontRef idx="minor">
-            <a:schemeClr val="tx1"/>
-          </a:fontRef>
-        </p:style>
-        <p:txBody>
-          <a:bodyPr rtlCol="0" anchor="ctr"/>
-          <a:lstStyle/>
-          <a:p>
-            <a:pPr algn="ctr"/>
-            <a:endParaRPr lang="en-US"/>
-          </a:p>
-        </p:txBody>
-      </p:sp>
-      <p:sp>
-        <p:nvSpPr>
-          <p:cNvPr id="89" name="Freeform 88"/>
-          <p:cNvSpPr/>
-          <p:nvPr/>
-        </p:nvSpPr>
-        <p:spPr>
-          <a:xfrm>
-            <a:off x="4243227" y="5630238"/>
-            <a:ext cx="1561672" cy="500009"/>
-          </a:xfrm>
-          <a:custGeom>
-            <a:avLst/>
-            <a:gdLst>
-              <a:gd name="connsiteX0" fmla="*/ 0 w 1561672"/>
-              <a:gd name="connsiteY0" fmla="*/ 472611 h 500009"/>
-              <a:gd name="connsiteX1" fmla="*/ 1202076 w 1561672"/>
-              <a:gd name="connsiteY1" fmla="*/ 421241 h 500009"/>
-              <a:gd name="connsiteX2" fmla="*/ 1561672 w 1561672"/>
-              <a:gd name="connsiteY2" fmla="*/ 0 h 500009"/>
-            </a:gdLst>
-            <a:ahLst/>
-            <a:cxnLst>
-              <a:cxn ang="0">
-                <a:pos x="connsiteX0" y="connsiteY0"/>
-              </a:cxn>
-              <a:cxn ang="0">
-                <a:pos x="connsiteX1" y="connsiteY1"/>
-              </a:cxn>
-              <a:cxn ang="0">
-                <a:pos x="connsiteX2" y="connsiteY2"/>
-              </a:cxn>
-            </a:cxnLst>
-            <a:rect l="l" t="t" r="r" b="b"/>
-            <a:pathLst>
-              <a:path w="1561672" h="500009">
-                <a:moveTo>
-                  <a:pt x="0" y="472611"/>
-                </a:moveTo>
-                <a:cubicBezTo>
-                  <a:pt x="470898" y="486310"/>
-                  <a:pt x="941797" y="500009"/>
-                  <a:pt x="1202076" y="421241"/>
-                </a:cubicBezTo>
-                <a:cubicBezTo>
-                  <a:pt x="1462355" y="342473"/>
-                  <a:pt x="1512013" y="171236"/>
-                  <a:pt x="1561672" y="0"/>
-                </a:cubicBezTo>
-              </a:path>
-            </a:pathLst>
-          </a:custGeom>
-          <a:ln>
-            <a:solidFill>
-              <a:schemeClr val="bg1">
-                <a:lumMod val="85000"/>
-              </a:schemeClr>
-            </a:solidFill>
-            <a:headEnd type="none" w="med" len="med"/>
-            <a:tailEnd type="arrow" w="med" len="med"/>
-          </a:ln>
-        </p:spPr>
-        <p:style>
-          <a:lnRef idx="1">
-            <a:schemeClr val="accent1"/>
-          </a:lnRef>
-          <a:fillRef idx="0">
-            <a:schemeClr val="accent1"/>
-          </a:fillRef>
-          <a:effectRef idx="0">
-            <a:schemeClr val="accent1"/>
-          </a:effectRef>
-          <a:fontRef idx="minor">
-            <a:schemeClr val="tx1"/>
-          </a:fontRef>
-        </p:style>
-        <p:txBody>
-          <a:bodyPr rtlCol="0" anchor="ctr"/>
-          <a:lstStyle/>
-          <a:p>
-            <a:pPr algn="ctr"/>
-            <a:endParaRPr lang="en-US"/>
-          </a:p>
-        </p:txBody>
-      </p:sp>
-      <p:sp>
-        <p:nvSpPr>
-          <p:cNvPr id="90" name="TextBox 89"/>
-          <p:cNvSpPr txBox="1"/>
-          <p:nvPr/>
-        </p:nvSpPr>
-        <p:spPr>
-          <a:xfrm>
-            <a:off x="3852807" y="5620320"/>
-            <a:ext cx="569387" cy="246221"/>
-          </a:xfrm>
-          <a:prstGeom prst="rect">
-            <a:avLst/>
-          </a:prstGeom>
-          <a:noFill/>
-        </p:spPr>
-        <p:txBody>
-          <a:bodyPr wrap="none" rtlCol="0">
-            <a:spAutoFit/>
-          </a:bodyPr>
-          <a:lstStyle/>
-          <a:p>
-            <a:r>
-              <a:rPr lang="en-US" sz="1000" smtClean="0">
-                <a:solidFill>
-                  <a:schemeClr val="bg1">
-                    <a:lumMod val="75000"/>
-                  </a:schemeClr>
-                </a:solidFill>
-                <a:latin typeface="Courier New" pitchFamily="49" charset="0"/>
-                <a:cs typeface="Courier New" pitchFamily="49" charset="0"/>
-              </a:rPr>
-              <a:t>start</a:t>
-            </a:r>
-            <a:endParaRPr lang="en-US" sz="1000">
-              <a:solidFill>
-                <a:schemeClr val="bg1">
-                  <a:lumMod val="75000"/>
-                </a:schemeClr>
-              </a:solidFill>
-              <a:latin typeface="Courier New" pitchFamily="49" charset="0"/>
-              <a:cs typeface="Courier New" pitchFamily="49" charset="0"/>
-            </a:endParaRPr>
-          </a:p>
-        </p:txBody>
-      </p:sp>
-      <p:sp>
-        <p:nvSpPr>
-          <p:cNvPr id="91" name="Freeform 90"/>
-          <p:cNvSpPr/>
-          <p:nvPr/>
-        </p:nvSpPr>
-        <p:spPr>
-          <a:xfrm>
-            <a:off x="4143910" y="806521"/>
-            <a:ext cx="2020584" cy="4001785"/>
-          </a:xfrm>
-          <a:custGeom>
-            <a:avLst/>
-            <a:gdLst>
-              <a:gd name="connsiteX0" fmla="*/ 2020584 w 2020584"/>
-              <a:gd name="connsiteY0" fmla="*/ 364733 h 4001785"/>
-              <a:gd name="connsiteX1" fmla="*/ 541106 w 2020584"/>
-              <a:gd name="connsiteY1" fmla="*/ 457200 h 4001785"/>
-              <a:gd name="connsiteX2" fmla="*/ 212333 w 2020584"/>
-              <a:gd name="connsiteY2" fmla="*/ 3107933 h 4001785"/>
-              <a:gd name="connsiteX3" fmla="*/ 1815101 w 2020584"/>
-              <a:gd name="connsiteY3" fmla="*/ 4001785 h 4001785"/>
-            </a:gdLst>
-            <a:ahLst/>
-            <a:cxnLst>
-              <a:cxn ang="0">
-                <a:pos x="connsiteX0" y="connsiteY0"/>
-              </a:cxn>
-              <a:cxn ang="0">
-                <a:pos x="connsiteX1" y="connsiteY1"/>
-              </a:cxn>
-              <a:cxn ang="0">
-                <a:pos x="connsiteX2" y="connsiteY2"/>
-              </a:cxn>
-              <a:cxn ang="0">
-                <a:pos x="connsiteX3" y="connsiteY3"/>
-              </a:cxn>
-            </a:cxnLst>
-            <a:rect l="l" t="t" r="r" b="b"/>
-            <a:pathLst>
-              <a:path w="2020584" h="4001785">
-                <a:moveTo>
-                  <a:pt x="2020584" y="364733"/>
-                </a:moveTo>
-                <a:cubicBezTo>
-                  <a:pt x="1431532" y="182366"/>
-                  <a:pt x="842481" y="0"/>
-                  <a:pt x="541106" y="457200"/>
-                </a:cubicBezTo>
-                <a:cubicBezTo>
-                  <a:pt x="239731" y="914400"/>
-                  <a:pt x="0" y="2517169"/>
-                  <a:pt x="212333" y="3107933"/>
-                </a:cubicBezTo>
-                <a:cubicBezTo>
-                  <a:pt x="424666" y="3698697"/>
-                  <a:pt x="1119883" y="3850241"/>
-                  <a:pt x="1815101" y="4001785"/>
-                </a:cubicBezTo>
-              </a:path>
-            </a:pathLst>
-          </a:custGeom>
-          <a:ln>
-            <a:solidFill>
-              <a:schemeClr val="bg1">
-                <a:lumMod val="85000"/>
-              </a:schemeClr>
-            </a:solidFill>
-            <a:headEnd type="none" w="med" len="med"/>
-            <a:tailEnd type="arrow" w="med" len="med"/>
-          </a:ln>
-        </p:spPr>
-        <p:style>
-          <a:lnRef idx="1">
-            <a:schemeClr val="accent1"/>
-          </a:lnRef>
-          <a:fillRef idx="0">
-            <a:schemeClr val="accent1"/>
-          </a:fillRef>
-          <a:effectRef idx="0">
-            <a:schemeClr val="accent1"/>
-          </a:effectRef>
-          <a:fontRef idx="minor">
-            <a:schemeClr val="tx1"/>
-          </a:fontRef>
-        </p:style>
-        <p:txBody>
-          <a:bodyPr rtlCol="0" anchor="ctr"/>
-          <a:lstStyle/>
-          <a:p>
-            <a:pPr algn="ctr"/>
-            <a:endParaRPr lang="en-US"/>
-          </a:p>
-        </p:txBody>
-      </p:sp>
-      <p:sp>
-        <p:nvSpPr>
-          <p:cNvPr id="92" name="TextBox 91"/>
-          <p:cNvSpPr txBox="1"/>
-          <p:nvPr/>
-        </p:nvSpPr>
-        <p:spPr>
-          <a:xfrm>
-            <a:off x="4518916" y="1272639"/>
-            <a:ext cx="723275" cy="400110"/>
-          </a:xfrm>
-          <a:prstGeom prst="rect">
-            <a:avLst/>
-          </a:prstGeom>
-          <a:noFill/>
-        </p:spPr>
-        <p:txBody>
-          <a:bodyPr wrap="none" rtlCol="0">
-            <a:spAutoFit/>
-          </a:bodyPr>
-          <a:lstStyle/>
-          <a:p>
-            <a:r>
-              <a:rPr lang="en-US" sz="1000" smtClean="0">
-                <a:solidFill>
-                  <a:schemeClr val="bg1">
-                    <a:lumMod val="75000"/>
-                  </a:schemeClr>
-                </a:solidFill>
-                <a:latin typeface="Courier New" pitchFamily="49" charset="0"/>
-                <a:cs typeface="Courier New" pitchFamily="49" charset="0"/>
-              </a:rPr>
-              <a:t>create</a:t>
-            </a:r>
-          </a:p>
-          <a:p>
-            <a:r>
-              <a:rPr lang="en-US" sz="1000" smtClean="0">
-                <a:solidFill>
-                  <a:schemeClr val="bg1">
-                    <a:lumMod val="75000"/>
-                  </a:schemeClr>
-                </a:solidFill>
-                <a:latin typeface="Courier New" pitchFamily="49" charset="0"/>
-                <a:cs typeface="Courier New" pitchFamily="49" charset="0"/>
-              </a:rPr>
-              <a:t>connect</a:t>
-            </a:r>
-            <a:endParaRPr lang="en-US" sz="1000">
-              <a:solidFill>
-                <a:schemeClr val="bg1">
-                  <a:lumMod val="75000"/>
-                </a:schemeClr>
-              </a:solidFill>
-              <a:latin typeface="Courier New" pitchFamily="49" charset="0"/>
-              <a:cs typeface="Courier New" pitchFamily="49" charset="0"/>
-            </a:endParaRPr>
-          </a:p>
-        </p:txBody>
-      </p:sp>
-      <p:sp>
-        <p:nvSpPr>
-          <p:cNvPr id="93" name="Freeform 92"/>
-          <p:cNvSpPr/>
-          <p:nvPr/>
-        </p:nvSpPr>
-        <p:spPr>
-          <a:xfrm>
-            <a:off x="5157627" y="1171254"/>
-            <a:ext cx="1006867" cy="1876746"/>
-          </a:xfrm>
-          <a:custGeom>
-            <a:avLst/>
-            <a:gdLst>
-              <a:gd name="connsiteX0" fmla="*/ 1006867 w 1006867"/>
-              <a:gd name="connsiteY0" fmla="*/ 0 h 1876746"/>
-              <a:gd name="connsiteX1" fmla="*/ 195209 w 1006867"/>
-              <a:gd name="connsiteY1" fmla="*/ 1047964 h 1876746"/>
-              <a:gd name="connsiteX2" fmla="*/ 10274 w 1006867"/>
-              <a:gd name="connsiteY2" fmla="*/ 1756881 h 1876746"/>
-              <a:gd name="connsiteX3" fmla="*/ 256854 w 1006867"/>
-              <a:gd name="connsiteY3" fmla="*/ 1767155 h 1876746"/>
-            </a:gdLst>
-            <a:ahLst/>
-            <a:cxnLst>
-              <a:cxn ang="0">
-                <a:pos x="connsiteX0" y="connsiteY0"/>
-              </a:cxn>
-              <a:cxn ang="0">
-                <a:pos x="connsiteX1" y="connsiteY1"/>
-              </a:cxn>
-              <a:cxn ang="0">
-                <a:pos x="connsiteX2" y="connsiteY2"/>
-              </a:cxn>
-              <a:cxn ang="0">
-                <a:pos x="connsiteX3" y="connsiteY3"/>
-              </a:cxn>
-            </a:cxnLst>
-            <a:rect l="l" t="t" r="r" b="b"/>
-            <a:pathLst>
-              <a:path w="1006867" h="1876746">
-                <a:moveTo>
-                  <a:pt x="1006867" y="0"/>
-                </a:moveTo>
-                <a:cubicBezTo>
-                  <a:pt x="684087" y="377575"/>
-                  <a:pt x="361308" y="755151"/>
-                  <a:pt x="195209" y="1047964"/>
-                </a:cubicBezTo>
-                <a:cubicBezTo>
-                  <a:pt x="29110" y="1340778"/>
-                  <a:pt x="0" y="1637016"/>
-                  <a:pt x="10274" y="1756881"/>
-                </a:cubicBezTo>
-                <a:cubicBezTo>
-                  <a:pt x="20548" y="1876746"/>
-                  <a:pt x="138701" y="1821950"/>
-                  <a:pt x="256854" y="1767155"/>
-                </a:cubicBezTo>
-              </a:path>
-            </a:pathLst>
-          </a:custGeom>
-          <a:ln>
-            <a:solidFill>
-              <a:schemeClr val="bg1">
-                <a:lumMod val="85000"/>
-              </a:schemeClr>
-            </a:solidFill>
-            <a:headEnd type="none" w="med" len="med"/>
-            <a:tailEnd type="arrow" w="med" len="med"/>
-          </a:ln>
-        </p:spPr>
-        <p:style>
-          <a:lnRef idx="1">
-            <a:schemeClr val="accent1"/>
-          </a:lnRef>
-          <a:fillRef idx="0">
-            <a:schemeClr val="accent1"/>
-          </a:fillRef>
-          <a:effectRef idx="0">
-            <a:schemeClr val="accent1"/>
-          </a:effectRef>
-          <a:fontRef idx="minor">
-            <a:schemeClr val="tx1"/>
-          </a:fontRef>
-        </p:style>
-        <p:txBody>
-          <a:bodyPr rtlCol="0" anchor="ctr"/>
-          <a:lstStyle/>
-          <a:p>
-            <a:pPr algn="ctr"/>
-            <a:endParaRPr lang="en-US"/>
-          </a:p>
-        </p:txBody>
-      </p:sp>
-      <p:sp>
-        <p:nvSpPr>
-          <p:cNvPr id="94" name="Freeform 93"/>
-          <p:cNvSpPr/>
-          <p:nvPr/>
-        </p:nvSpPr>
-        <p:spPr>
-          <a:xfrm>
-            <a:off x="4923033" y="2496620"/>
-            <a:ext cx="1868185" cy="1041115"/>
-          </a:xfrm>
-          <a:custGeom>
-            <a:avLst/>
-            <a:gdLst>
-              <a:gd name="connsiteX0" fmla="*/ 316787 w 1868185"/>
-              <a:gd name="connsiteY0" fmla="*/ 0 h 1041115"/>
-              <a:gd name="connsiteX1" fmla="*/ 131852 w 1868185"/>
-              <a:gd name="connsiteY1" fmla="*/ 883578 h 1041115"/>
-              <a:gd name="connsiteX2" fmla="*/ 1107897 w 1868185"/>
-              <a:gd name="connsiteY2" fmla="*/ 945223 h 1041115"/>
-              <a:gd name="connsiteX3" fmla="*/ 1868185 w 1868185"/>
-              <a:gd name="connsiteY3" fmla="*/ 482886 h 1041115"/>
-            </a:gdLst>
-            <a:ahLst/>
-            <a:cxnLst>
-              <a:cxn ang="0">
-                <a:pos x="connsiteX0" y="connsiteY0"/>
-              </a:cxn>
-              <a:cxn ang="0">
-                <a:pos x="connsiteX1" y="connsiteY1"/>
-              </a:cxn>
-              <a:cxn ang="0">
-                <a:pos x="connsiteX2" y="connsiteY2"/>
-              </a:cxn>
-              <a:cxn ang="0">
-                <a:pos x="connsiteX3" y="connsiteY3"/>
-              </a:cxn>
-            </a:cxnLst>
-            <a:rect l="l" t="t" r="r" b="b"/>
-            <a:pathLst>
-              <a:path w="1868185" h="1041115">
-                <a:moveTo>
-                  <a:pt x="316787" y="0"/>
-                </a:moveTo>
-                <a:cubicBezTo>
-                  <a:pt x="158393" y="363020"/>
-                  <a:pt x="0" y="726041"/>
-                  <a:pt x="131852" y="883578"/>
-                </a:cubicBezTo>
-                <a:cubicBezTo>
-                  <a:pt x="263704" y="1041115"/>
-                  <a:pt x="818508" y="1012005"/>
-                  <a:pt x="1107897" y="945223"/>
-                </a:cubicBezTo>
-                <a:cubicBezTo>
-                  <a:pt x="1397286" y="878441"/>
-                  <a:pt x="1632735" y="680663"/>
-                  <a:pt x="1868185" y="482886"/>
-                </a:cubicBezTo>
-              </a:path>
-            </a:pathLst>
-          </a:custGeom>
-          <a:ln>
-            <a:solidFill>
-              <a:schemeClr val="bg1">
-                <a:lumMod val="85000"/>
-              </a:schemeClr>
-            </a:solidFill>
-            <a:headEnd type="none" w="med" len="med"/>
-            <a:tailEnd type="arrow" w="med" len="med"/>
-          </a:ln>
-        </p:spPr>
-        <p:style>
-          <a:lnRef idx="1">
-            <a:schemeClr val="accent1"/>
-          </a:lnRef>
-          <a:fillRef idx="0">
-            <a:schemeClr val="accent1"/>
-          </a:fillRef>
-          <a:effectRef idx="0">
-            <a:schemeClr val="accent1"/>
-          </a:effectRef>
-          <a:fontRef idx="minor">
-            <a:schemeClr val="tx1"/>
-          </a:fontRef>
-        </p:style>
-        <p:txBody>
-          <a:bodyPr rtlCol="0" anchor="ctr"/>
-          <a:lstStyle/>
-          <a:p>
-            <a:pPr algn="ctr"/>
-            <a:endParaRPr lang="en-US"/>
-          </a:p>
-        </p:txBody>
-      </p:sp>
-      <p:sp>
-        <p:nvSpPr>
-          <p:cNvPr id="95" name="TextBox 94"/>
-          <p:cNvSpPr txBox="1"/>
-          <p:nvPr/>
-        </p:nvSpPr>
-        <p:spPr>
-          <a:xfrm>
-            <a:off x="5277490" y="2092858"/>
-            <a:ext cx="646331" cy="246221"/>
-          </a:xfrm>
-          <a:prstGeom prst="rect">
-            <a:avLst/>
-          </a:prstGeom>
-          <a:noFill/>
-        </p:spPr>
-        <p:txBody>
-          <a:bodyPr wrap="none" rtlCol="0">
-            <a:spAutoFit/>
-          </a:bodyPr>
-          <a:lstStyle/>
-          <a:p>
-            <a:r>
-              <a:rPr lang="en-US" sz="1000" smtClean="0">
-                <a:solidFill>
-                  <a:schemeClr val="bg1">
-                    <a:lumMod val="75000"/>
-                  </a:schemeClr>
-                </a:solidFill>
-                <a:latin typeface="Courier New" pitchFamily="49" charset="0"/>
-                <a:cs typeface="Courier New" pitchFamily="49" charset="0"/>
-              </a:rPr>
-              <a:t>create</a:t>
-            </a:r>
-          </a:p>
-        </p:txBody>
-      </p:sp>
-      <p:sp>
-        <p:nvSpPr>
-          <p:cNvPr id="96" name="Freeform 95"/>
-          <p:cNvSpPr/>
-          <p:nvPr/>
-        </p:nvSpPr>
-        <p:spPr>
-          <a:xfrm>
-            <a:off x="4306585" y="1140431"/>
-            <a:ext cx="2299698" cy="3388760"/>
-          </a:xfrm>
-          <a:custGeom>
-            <a:avLst/>
-            <a:gdLst>
-              <a:gd name="connsiteX0" fmla="*/ 1847635 w 2299698"/>
-              <a:gd name="connsiteY0" fmla="*/ 0 h 3388760"/>
-              <a:gd name="connsiteX1" fmla="*/ 255141 w 2299698"/>
-              <a:gd name="connsiteY1" fmla="*/ 1705511 h 3388760"/>
-              <a:gd name="connsiteX2" fmla="*/ 316786 w 2299698"/>
-              <a:gd name="connsiteY2" fmla="*/ 2732926 h 3388760"/>
-              <a:gd name="connsiteX3" fmla="*/ 1529136 w 2299698"/>
-              <a:gd name="connsiteY3" fmla="*/ 3380198 h 3388760"/>
-              <a:gd name="connsiteX4" fmla="*/ 2299698 w 2299698"/>
-              <a:gd name="connsiteY4" fmla="*/ 2784297 h 3388760"/>
-            </a:gdLst>
-            <a:ahLst/>
-            <a:cxnLst>
-              <a:cxn ang="0">
-                <a:pos x="connsiteX0" y="connsiteY0"/>
-              </a:cxn>
-              <a:cxn ang="0">
-                <a:pos x="connsiteX1" y="connsiteY1"/>
-              </a:cxn>
-              <a:cxn ang="0">
-                <a:pos x="connsiteX2" y="connsiteY2"/>
-              </a:cxn>
-              <a:cxn ang="0">
-                <a:pos x="connsiteX3" y="connsiteY3"/>
-              </a:cxn>
-              <a:cxn ang="0">
-                <a:pos x="connsiteX4" y="connsiteY4"/>
-              </a:cxn>
-            </a:cxnLst>
-            <a:rect l="l" t="t" r="r" b="b"/>
-            <a:pathLst>
-              <a:path w="2299698" h="3388760">
-                <a:moveTo>
-                  <a:pt x="1847635" y="0"/>
-                </a:moveTo>
-                <a:cubicBezTo>
-                  <a:pt x="1178959" y="625011"/>
-                  <a:pt x="510283" y="1250023"/>
-                  <a:pt x="255141" y="1705511"/>
-                </a:cubicBezTo>
-                <a:cubicBezTo>
-                  <a:pt x="0" y="2160999"/>
-                  <a:pt x="104454" y="2453812"/>
-                  <a:pt x="316786" y="2732926"/>
-                </a:cubicBezTo>
-                <a:cubicBezTo>
-                  <a:pt x="529118" y="3012040"/>
-                  <a:pt x="1198651" y="3371636"/>
-                  <a:pt x="1529136" y="3380198"/>
-                </a:cubicBezTo>
-                <a:cubicBezTo>
-                  <a:pt x="1859621" y="3388760"/>
-                  <a:pt x="2079659" y="3086528"/>
-                  <a:pt x="2299698" y="2784297"/>
-                </a:cubicBezTo>
-              </a:path>
-            </a:pathLst>
-          </a:custGeom>
-          <a:ln>
-            <a:solidFill>
-              <a:schemeClr val="bg1">
-                <a:lumMod val="85000"/>
-              </a:schemeClr>
-            </a:solidFill>
-            <a:headEnd type="none" w="med" len="med"/>
-            <a:tailEnd type="arrow" w="med" len="med"/>
-          </a:ln>
-        </p:spPr>
-        <p:style>
-          <a:lnRef idx="1">
-            <a:schemeClr val="accent1"/>
-          </a:lnRef>
-          <a:fillRef idx="0">
-            <a:schemeClr val="accent1"/>
-          </a:fillRef>
-          <a:effectRef idx="0">
-            <a:schemeClr val="accent1"/>
-          </a:effectRef>
-          <a:fontRef idx="minor">
-            <a:schemeClr val="tx1"/>
-          </a:fontRef>
-        </p:style>
-        <p:txBody>
-          <a:bodyPr rtlCol="0" anchor="ctr"/>
-          <a:lstStyle/>
-          <a:p>
-            <a:pPr algn="ctr"/>
-            <a:endParaRPr lang="en-US"/>
-          </a:p>
-        </p:txBody>
-      </p:sp>
-      <p:sp>
-        <p:nvSpPr>
-          <p:cNvPr id="97" name="Freeform 96"/>
-          <p:cNvSpPr/>
-          <p:nvPr/>
-        </p:nvSpPr>
-        <p:spPr>
-          <a:xfrm>
-            <a:off x="4428162" y="3236360"/>
-            <a:ext cx="719191" cy="647271"/>
-          </a:xfrm>
-          <a:custGeom>
-            <a:avLst/>
-            <a:gdLst>
-              <a:gd name="connsiteX0" fmla="*/ 0 w 719191"/>
-              <a:gd name="connsiteY0" fmla="*/ 0 h 647271"/>
-              <a:gd name="connsiteX1" fmla="*/ 318499 w 719191"/>
-              <a:gd name="connsiteY1" fmla="*/ 534256 h 647271"/>
-              <a:gd name="connsiteX2" fmla="*/ 719191 w 719191"/>
-              <a:gd name="connsiteY2" fmla="*/ 647271 h 647271"/>
-            </a:gdLst>
-            <a:ahLst/>
-            <a:cxnLst>
-              <a:cxn ang="0">
-                <a:pos x="connsiteX0" y="connsiteY0"/>
-              </a:cxn>
-              <a:cxn ang="0">
-                <a:pos x="connsiteX1" y="connsiteY1"/>
-              </a:cxn>
-              <a:cxn ang="0">
-                <a:pos x="connsiteX2" y="connsiteY2"/>
-              </a:cxn>
-            </a:cxnLst>
-            <a:rect l="l" t="t" r="r" b="b"/>
-            <a:pathLst>
-              <a:path w="719191" h="647271">
-                <a:moveTo>
-                  <a:pt x="0" y="0"/>
-                </a:moveTo>
-                <a:cubicBezTo>
-                  <a:pt x="99317" y="213189"/>
-                  <a:pt x="198634" y="426378"/>
-                  <a:pt x="318499" y="534256"/>
-                </a:cubicBezTo>
-                <a:cubicBezTo>
-                  <a:pt x="438364" y="642134"/>
-                  <a:pt x="578777" y="644702"/>
-                  <a:pt x="719191" y="647271"/>
-                </a:cubicBezTo>
-              </a:path>
-            </a:pathLst>
-          </a:custGeom>
-          <a:ln>
-            <a:solidFill>
-              <a:schemeClr val="bg1">
-                <a:lumMod val="85000"/>
-              </a:schemeClr>
-            </a:solidFill>
-            <a:headEnd type="none" w="med" len="med"/>
-            <a:tailEnd type="arrow" w="med" len="med"/>
-          </a:ln>
-        </p:spPr>
-        <p:style>
-          <a:lnRef idx="1">
-            <a:schemeClr val="accent1"/>
-          </a:lnRef>
-          <a:fillRef idx="0">
-            <a:schemeClr val="accent1"/>
-          </a:fillRef>
-          <a:effectRef idx="0">
-            <a:schemeClr val="accent1"/>
-          </a:effectRef>
-          <a:fontRef idx="minor">
-            <a:schemeClr val="tx1"/>
-          </a:fontRef>
-        </p:style>
-        <p:txBody>
-          <a:bodyPr rtlCol="0" anchor="ctr"/>
-          <a:lstStyle/>
-          <a:p>
-            <a:pPr algn="ctr"/>
-            <a:endParaRPr lang="en-US"/>
-          </a:p>
-        </p:txBody>
-      </p:sp>
-      <p:sp>
-        <p:nvSpPr>
-          <p:cNvPr id="98" name="TextBox 97"/>
-          <p:cNvSpPr txBox="1"/>
-          <p:nvPr/>
-        </p:nvSpPr>
-        <p:spPr>
-          <a:xfrm>
-            <a:off x="4498367" y="2526087"/>
-            <a:ext cx="569387" cy="246221"/>
-          </a:xfrm>
-          <a:prstGeom prst="rect">
-            <a:avLst/>
-          </a:prstGeom>
-          <a:noFill/>
-        </p:spPr>
-        <p:txBody>
-          <a:bodyPr wrap="none" rtlCol="0">
-            <a:spAutoFit/>
-          </a:bodyPr>
-          <a:lstStyle/>
-          <a:p>
-            <a:r>
-              <a:rPr lang="en-US" sz="1000" smtClean="0">
-                <a:solidFill>
-                  <a:schemeClr val="bg1">
-                    <a:lumMod val="75000"/>
-                  </a:schemeClr>
-                </a:solidFill>
-                <a:latin typeface="Courier New" pitchFamily="49" charset="0"/>
-                <a:cs typeface="Courier New" pitchFamily="49" charset="0"/>
-              </a:rPr>
-              <a:t>start</a:t>
-            </a:r>
-            <a:endParaRPr lang="en-US" sz="1000">
-              <a:solidFill>
-                <a:schemeClr val="bg1">
-                  <a:lumMod val="75000"/>
-                </a:schemeClr>
-              </a:solidFill>
-              <a:latin typeface="Courier New" pitchFamily="49" charset="0"/>
-              <a:cs typeface="Courier New" pitchFamily="49" charset="0"/>
-            </a:endParaRPr>
-          </a:p>
-        </p:txBody>
-      </p:sp>
-    </p:spTree>
-  </p:cSld>
-  <p:clrMapOvr>
-    <a:masterClrMapping/>
-  </p:clrMapOvr>
-</p:sld>
-</file>
-
-<file path=ppt/slides/slide12.xml><?xml version="1.0" encoding="utf-8"?>
-<p:sld xmlns:a="http://schemas.openxmlformats.org/drawingml/2006/main" xmlns:r="http://schemas.openxmlformats.org/officeDocument/2006/relationships" xmlns:p="http://schemas.openxmlformats.org/presentationml/2006/main">
-  <p:cSld>
-    <p:spTree>
-      <p:nvGrpSpPr>
-        <p:cNvPr id="1" name=""/>
-        <p:cNvGrpSpPr/>
-        <p:nvPr/>
-      </p:nvGrpSpPr>
-      <p:grpSpPr>
-        <a:xfrm>
-          <a:off x="0" y="0"/>
-          <a:ext cx="0" cy="0"/>
-          <a:chOff x="0" y="0"/>
-          <a:chExt cx="0" cy="0"/>
-        </a:xfrm>
-      </p:grpSpPr>
-      <p:sp>
-        <p:nvSpPr>
-          <p:cNvPr id="70" name="TextBox 69"/>
-          <p:cNvSpPr txBox="1"/>
-          <p:nvPr/>
-        </p:nvSpPr>
-        <p:spPr>
-          <a:xfrm>
-            <a:off x="4904199" y="2592869"/>
-            <a:ext cx="800219" cy="246221"/>
-          </a:xfrm>
-          <a:prstGeom prst="rect">
-            <a:avLst/>
-          </a:prstGeom>
-          <a:ln/>
-        </p:spPr>
-        <p:style>
-          <a:lnRef idx="1">
-            <a:schemeClr val="accent3"/>
-          </a:lnRef>
-          <a:fillRef idx="2">
-            <a:schemeClr val="accent3"/>
-          </a:fillRef>
-          <a:effectRef idx="1">
-            <a:schemeClr val="accent3"/>
-          </a:effectRef>
-          <a:fontRef idx="minor">
-            <a:schemeClr val="dk1"/>
-          </a:fontRef>
-        </p:style>
-        <p:txBody>
-          <a:bodyPr wrap="none" rtlCol="0">
-            <a:spAutoFit/>
-          </a:bodyPr>
-          <a:lstStyle/>
-          <a:p>
-            <a:r>
-              <a:rPr lang="en-US" sz="1000" smtClean="0">
-                <a:latin typeface="Courier New" pitchFamily="49" charset="0"/>
-                <a:cs typeface="Courier New" pitchFamily="49" charset="0"/>
-              </a:rPr>
-              <a:t>throttle</a:t>
-            </a:r>
-          </a:p>
-        </p:txBody>
-      </p:sp>
-      <p:sp>
-        <p:nvSpPr>
-          <p:cNvPr id="63" name="TextBox 62"/>
-          <p:cNvSpPr txBox="1"/>
-          <p:nvPr/>
-        </p:nvSpPr>
-        <p:spPr>
-          <a:xfrm>
-            <a:off x="3397325" y="1363383"/>
-            <a:ext cx="1569660" cy="246221"/>
-          </a:xfrm>
-          <a:prstGeom prst="rect">
-            <a:avLst/>
-          </a:prstGeom>
-          <a:ln/>
-        </p:spPr>
-        <p:style>
-          <a:lnRef idx="1">
-            <a:schemeClr val="accent1"/>
-          </a:lnRef>
-          <a:fillRef idx="3">
-            <a:schemeClr val="accent1"/>
-          </a:fillRef>
-          <a:effectRef idx="2">
-            <a:schemeClr val="accent1"/>
-          </a:effectRef>
-          <a:fontRef idx="minor">
-            <a:schemeClr val="lt1"/>
-          </a:fontRef>
-        </p:style>
-        <p:txBody>
-          <a:bodyPr wrap="none" rtlCol="0">
-            <a:spAutoFit/>
-          </a:bodyPr>
-          <a:lstStyle/>
-          <a:p>
-            <a:r>
-              <a:rPr lang="en-US" sz="1000" smtClean="0">
-                <a:latin typeface="Courier New" pitchFamily="49" charset="0"/>
-                <a:cs typeface="Courier New" pitchFamily="49" charset="0"/>
-              </a:rPr>
-              <a:t>guiThrottleProcess</a:t>
-            </a:r>
-          </a:p>
-        </p:txBody>
-      </p:sp>
-      <p:sp>
-        <p:nvSpPr>
-          <p:cNvPr id="68" name="TextBox 67"/>
-          <p:cNvSpPr txBox="1"/>
-          <p:nvPr/>
-        </p:nvSpPr>
-        <p:spPr>
-          <a:xfrm>
-            <a:off x="3409309" y="2074022"/>
-            <a:ext cx="1031051" cy="246221"/>
-          </a:xfrm>
-          <a:prstGeom prst="rect">
-            <a:avLst/>
-          </a:prstGeom>
-          <a:solidFill>
-            <a:schemeClr val="tx2">
-              <a:lumMod val="20000"/>
-              <a:lumOff val="80000"/>
-            </a:schemeClr>
-          </a:solidFill>
-          <a:ln cmpd="sng">
-            <a:solidFill>
-              <a:schemeClr val="tx1"/>
-            </a:solidFill>
-          </a:ln>
-        </p:spPr>
-        <p:txBody>
-          <a:bodyPr wrap="none" rtlCol="0">
-            <a:spAutoFit/>
-          </a:bodyPr>
-          <a:lstStyle/>
-          <a:p>
-            <a:r>
-              <a:rPr lang="en-US" sz="1000" smtClean="0">
-                <a:latin typeface="Courier New" pitchFamily="49" charset="0"/>
-                <a:cs typeface="Courier New" pitchFamily="49" charset="0"/>
-              </a:rPr>
-              <a:t>guiThrottle</a:t>
-            </a:r>
-          </a:p>
-        </p:txBody>
-      </p:sp>
-      <p:sp>
-        <p:nvSpPr>
-          <p:cNvPr id="2" name="TextBox 1"/>
-          <p:cNvSpPr txBox="1"/>
-          <p:nvPr/>
-        </p:nvSpPr>
-        <p:spPr>
-          <a:xfrm>
-            <a:off x="215757" y="184898"/>
-            <a:ext cx="1572546" cy="369332"/>
-          </a:xfrm>
-          <a:prstGeom prst="rect">
-            <a:avLst/>
-          </a:prstGeom>
-          <a:noFill/>
-        </p:spPr>
-        <p:txBody>
-          <a:bodyPr wrap="none" rtlCol="0">
-            <a:spAutoFit/>
-          </a:bodyPr>
-          <a:lstStyle/>
-          <a:p>
-            <a:r>
-              <a:rPr lang="en-US" b="1" smtClean="0">
-                <a:solidFill>
-                  <a:schemeClr val="accent6">
-                    <a:lumMod val="75000"/>
-                  </a:schemeClr>
-                </a:solidFill>
-              </a:rPr>
-              <a:t>GuiThrottle.py</a:t>
-            </a:r>
-            <a:endParaRPr lang="en-US" b="1">
-              <a:solidFill>
-                <a:schemeClr val="accent6">
-                  <a:lumMod val="75000"/>
-                </a:schemeClr>
-              </a:solidFill>
-            </a:endParaRPr>
-          </a:p>
-        </p:txBody>
-      </p:sp>
-      <p:sp>
-        <p:nvSpPr>
-          <p:cNvPr id="3" name="TextBox 2"/>
-          <p:cNvSpPr txBox="1"/>
-          <p:nvPr/>
-        </p:nvSpPr>
-        <p:spPr>
-          <a:xfrm>
-            <a:off x="183224" y="2587336"/>
-            <a:ext cx="2569934" cy="3323987"/>
-          </a:xfrm>
-          <a:prstGeom prst="rect">
-            <a:avLst/>
-          </a:prstGeom>
-          <a:noFill/>
-          <a:ln cmpd="sng">
-            <a:solidFill>
-              <a:schemeClr val="tx1"/>
-            </a:solidFill>
-          </a:ln>
-        </p:spPr>
-        <p:txBody>
-          <a:bodyPr wrap="none" rtlCol="0">
-            <a:spAutoFit/>
-          </a:bodyPr>
-          <a:lstStyle/>
-          <a:p>
-            <a:r>
-              <a:rPr lang="en-US" sz="1000" b="1" smtClean="0">
-                <a:solidFill>
-                  <a:srgbClr val="FF0000"/>
-                </a:solidFill>
-                <a:latin typeface="Courier New" pitchFamily="49" charset="0"/>
-                <a:cs typeface="Courier New" pitchFamily="49" charset="0"/>
-              </a:rPr>
-              <a:t>GuiThrottle(EasyFrame)</a:t>
-            </a:r>
-          </a:p>
-          <a:p>
-            <a:r>
-              <a:rPr lang="en-US" sz="1000" smtClean="0">
-                <a:latin typeface="Courier New" pitchFamily="49" charset="0"/>
-                <a:cs typeface="Courier New" pitchFamily="49" charset="0"/>
-              </a:rPr>
-              <a:t>----------</a:t>
-            </a:r>
-          </a:p>
-          <a:p>
-            <a:r>
-              <a:rPr lang="en-US" sz="1000" smtClean="0">
-                <a:latin typeface="Courier New" pitchFamily="49" charset="0"/>
-                <a:cs typeface="Courier New" pitchFamily="49" charset="0"/>
-              </a:rPr>
-              <a:t>init(nm,inQu,outQu)</a:t>
-            </a:r>
-          </a:p>
-          <a:p>
-            <a:r>
-              <a:rPr lang="en-US" sz="1000" smtClean="0">
-                <a:latin typeface="Courier New" pitchFamily="49" charset="0"/>
-                <a:cs typeface="Courier New" pitchFamily="49" charset="0"/>
-              </a:rPr>
-              <a:t>changeBell</a:t>
-            </a:r>
-          </a:p>
-          <a:p>
-            <a:r>
-              <a:rPr lang="en-US" sz="1000" smtClean="0">
-                <a:latin typeface="Courier New" pitchFamily="49" charset="0"/>
-                <a:cs typeface="Courier New" pitchFamily="49" charset="0"/>
-              </a:rPr>
-              <a:t>changeDirection</a:t>
-            </a:r>
-          </a:p>
-          <a:p>
-            <a:r>
-              <a:rPr lang="en-US" sz="1000" smtClean="0">
-                <a:latin typeface="Courier New" pitchFamily="49" charset="0"/>
-                <a:cs typeface="Courier New" pitchFamily="49" charset="0"/>
-              </a:rPr>
-              <a:t>changeLights</a:t>
-            </a:r>
-          </a:p>
-          <a:p>
-            <a:r>
-              <a:rPr lang="en-US" sz="1000" smtClean="0">
-                <a:latin typeface="Courier New" pitchFamily="49" charset="0"/>
-                <a:cs typeface="Courier New" pitchFamily="49" charset="0"/>
-              </a:rPr>
-              <a:t>changeMute</a:t>
-            </a:r>
-          </a:p>
-          <a:p>
-            <a:r>
-              <a:rPr lang="en-US" sz="1000" smtClean="0">
-                <a:latin typeface="Courier New" pitchFamily="49" charset="0"/>
-                <a:cs typeface="Courier New" pitchFamily="49" charset="0"/>
-              </a:rPr>
-              <a:t>changeSpeed</a:t>
-            </a:r>
-          </a:p>
-          <a:p>
-            <a:r>
-              <a:rPr lang="en-US" sz="1000" smtClean="0">
-                <a:latin typeface="Courier New" pitchFamily="49" charset="0"/>
-                <a:cs typeface="Courier New" pitchFamily="49" charset="0"/>
-              </a:rPr>
-              <a:t>closeNext</a:t>
-            </a:r>
-          </a:p>
-          <a:p>
-            <a:r>
-              <a:rPr lang="en-US" sz="1000" smtClean="0">
-                <a:latin typeface="Courier New" pitchFamily="49" charset="0"/>
-                <a:cs typeface="Courier New" pitchFamily="49" charset="0"/>
-              </a:rPr>
-              <a:t>flipToggle(key)</a:t>
-            </a:r>
-          </a:p>
-          <a:p>
-            <a:r>
-              <a:rPr lang="en-US" sz="1000" smtClean="0">
-                <a:latin typeface="Courier New" pitchFamily="49" charset="0"/>
-                <a:cs typeface="Courier New" pitchFamily="49" charset="0"/>
-              </a:rPr>
-              <a:t>haltTrain</a:t>
-            </a:r>
-          </a:p>
-          <a:p>
-            <a:r>
-              <a:rPr lang="en-US" sz="1000" smtClean="0">
-                <a:latin typeface="Courier New" pitchFamily="49" charset="0"/>
-                <a:cs typeface="Courier New" pitchFamily="49" charset="0"/>
-              </a:rPr>
-              <a:t>initTrain(locoAddress,position)</a:t>
-            </a:r>
-          </a:p>
-          <a:p>
-            <a:r>
-              <a:rPr lang="en-US" sz="1000" smtClean="0">
-                <a:latin typeface="Courier New" pitchFamily="49" charset="0"/>
-                <a:cs typeface="Courier New" pitchFamily="49" charset="0"/>
-              </a:rPr>
-              <a:t>processPutInitOutcomeMsg(msg)</a:t>
-            </a:r>
-          </a:p>
-          <a:p>
-            <a:r>
-              <a:rPr lang="en-US" sz="1000" smtClean="0">
-                <a:latin typeface="Courier New" pitchFamily="49" charset="0"/>
-                <a:cs typeface="Courier New" pitchFamily="49" charset="0"/>
-              </a:rPr>
-              <a:t>startHorn(location)</a:t>
-            </a:r>
-          </a:p>
-          <a:p>
-            <a:r>
-              <a:rPr lang="en-US" sz="1000" smtClean="0">
-                <a:latin typeface="Courier New" pitchFamily="49" charset="0"/>
-                <a:cs typeface="Courier New" pitchFamily="49" charset="0"/>
-              </a:rPr>
-              <a:t>stopHorn</a:t>
-            </a:r>
-          </a:p>
-          <a:p>
-            <a:r>
-              <a:rPr lang="en-US" sz="1000" smtClean="0">
-                <a:latin typeface="Courier New" pitchFamily="49" charset="0"/>
-                <a:cs typeface="Courier New" pitchFamily="49" charset="0"/>
-              </a:rPr>
-              <a:t>throwNext</a:t>
-            </a:r>
-          </a:p>
-          <a:p>
-            <a:r>
-              <a:rPr lang="en-US" sz="1000" smtClean="0">
-                <a:latin typeface="Courier New" pitchFamily="49" charset="0"/>
-                <a:cs typeface="Courier New" pitchFamily="49" charset="0"/>
-              </a:rPr>
-              <a:t>----------</a:t>
-            </a:r>
-          </a:p>
-          <a:p>
-            <a:r>
-              <a:rPr lang="en-US" sz="1000" smtClean="0">
-                <a:latin typeface="Courier New" pitchFamily="49" charset="0"/>
-                <a:cs typeface="Courier New" pitchFamily="49" charset="0"/>
-              </a:rPr>
-              <a:t>inQu</a:t>
-            </a:r>
-          </a:p>
-          <a:p>
-            <a:r>
-              <a:rPr lang="en-US" sz="1000" smtClean="0">
-                <a:latin typeface="Courier New" pitchFamily="49" charset="0"/>
-                <a:cs typeface="Courier New" pitchFamily="49" charset="0"/>
-              </a:rPr>
-              <a:t>outQue</a:t>
-            </a:r>
-          </a:p>
-          <a:p>
-            <a:r>
-              <a:rPr lang="en-US" sz="1000" smtClean="0">
-                <a:latin typeface="Courier New" pitchFamily="49" charset="0"/>
-                <a:cs typeface="Courier New" pitchFamily="49" charset="0"/>
-              </a:rPr>
-              <a:t>throttle</a:t>
-            </a:r>
-          </a:p>
-          <a:p>
-            <a:r>
-              <a:rPr lang="en-US" sz="1000" smtClean="0">
-                <a:latin typeface="Courier New" pitchFamily="49" charset="0"/>
-                <a:cs typeface="Courier New" pitchFamily="49" charset="0"/>
-              </a:rPr>
-              <a:t>toggles</a:t>
-            </a:r>
-          </a:p>
-        </p:txBody>
-      </p:sp>
-      <p:sp>
-        <p:nvSpPr>
-          <p:cNvPr id="5" name="TextBox 4"/>
-          <p:cNvSpPr txBox="1"/>
-          <p:nvPr/>
-        </p:nvSpPr>
-        <p:spPr>
-          <a:xfrm>
-            <a:off x="202059" y="1075323"/>
-            <a:ext cx="2262158" cy="1323439"/>
-          </a:xfrm>
-          <a:prstGeom prst="rect">
-            <a:avLst/>
-          </a:prstGeom>
-          <a:noFill/>
-          <a:ln cmpd="sng">
-            <a:solidFill>
-              <a:schemeClr val="tx1"/>
-            </a:solidFill>
-          </a:ln>
-        </p:spPr>
-        <p:txBody>
-          <a:bodyPr wrap="none" rtlCol="0">
-            <a:spAutoFit/>
-          </a:bodyPr>
-          <a:lstStyle/>
-          <a:p>
-            <a:r>
-              <a:rPr lang="en-US" sz="1000" b="1" smtClean="0">
-                <a:solidFill>
-                  <a:srgbClr val="FF0000"/>
-                </a:solidFill>
-                <a:latin typeface="Courier New" pitchFamily="49" charset="0"/>
-                <a:cs typeface="Courier New" pitchFamily="49" charset="0"/>
-              </a:rPr>
-              <a:t>GuiThrottleProcess(Process)</a:t>
-            </a:r>
-          </a:p>
-          <a:p>
-            <a:r>
-              <a:rPr lang="en-US" sz="1000" smtClean="0">
-                <a:latin typeface="Courier New" pitchFamily="49" charset="0"/>
-                <a:cs typeface="Courier New" pitchFamily="49" charset="0"/>
-              </a:rPr>
-              <a:t>----------</a:t>
-            </a:r>
-          </a:p>
-          <a:p>
-            <a:r>
-              <a:rPr lang="en-US" sz="1000" smtClean="0">
-                <a:latin typeface="Courier New" pitchFamily="49" charset="0"/>
-                <a:cs typeface="Courier New" pitchFamily="49" charset="0"/>
-              </a:rPr>
-              <a:t>init(nm,inQu,outQu)</a:t>
-            </a:r>
-          </a:p>
-          <a:p>
-            <a:r>
-              <a:rPr lang="en-US" sz="1000" smtClean="0">
-                <a:latin typeface="Courier New" pitchFamily="49" charset="0"/>
-                <a:cs typeface="Courier New" pitchFamily="49" charset="0"/>
-              </a:rPr>
-              <a:t>run</a:t>
-            </a:r>
-          </a:p>
-          <a:p>
-            <a:r>
-              <a:rPr lang="en-US" sz="1000" smtClean="0">
-                <a:latin typeface="Courier New" pitchFamily="49" charset="0"/>
-                <a:cs typeface="Courier New" pitchFamily="49" charset="0"/>
-              </a:rPr>
-              <a:t>----------</a:t>
-            </a:r>
-          </a:p>
-          <a:p>
-            <a:r>
-              <a:rPr lang="en-US" sz="1000" smtClean="0">
-                <a:latin typeface="Courier New" pitchFamily="49" charset="0"/>
-                <a:cs typeface="Courier New" pitchFamily="49" charset="0"/>
-              </a:rPr>
-              <a:t>inQu</a:t>
-            </a:r>
-          </a:p>
-          <a:p>
-            <a:r>
-              <a:rPr lang="en-US" sz="1000" smtClean="0">
-                <a:latin typeface="Courier New" pitchFamily="49" charset="0"/>
-                <a:cs typeface="Courier New" pitchFamily="49" charset="0"/>
-              </a:rPr>
-              <a:t>nm</a:t>
-            </a:r>
-          </a:p>
-          <a:p>
-            <a:r>
-              <a:rPr lang="en-US" sz="1000" smtClean="0">
-                <a:latin typeface="Courier New" pitchFamily="49" charset="0"/>
-                <a:cs typeface="Courier New" pitchFamily="49" charset="0"/>
-              </a:rPr>
-              <a:t>outQu</a:t>
-            </a:r>
-          </a:p>
-        </p:txBody>
-      </p:sp>
-      <p:sp>
-        <p:nvSpPr>
-          <p:cNvPr id="6" name="TextBox 5"/>
-          <p:cNvSpPr txBox="1"/>
-          <p:nvPr/>
-        </p:nvSpPr>
-        <p:spPr>
-          <a:xfrm>
-            <a:off x="5619965" y="236305"/>
-            <a:ext cx="2066207" cy="369332"/>
-          </a:xfrm>
-          <a:prstGeom prst="rect">
-            <a:avLst/>
-          </a:prstGeom>
-          <a:noFill/>
-        </p:spPr>
-        <p:txBody>
-          <a:bodyPr wrap="none" rtlCol="0">
-            <a:spAutoFit/>
-          </a:bodyPr>
-          <a:lstStyle/>
-          <a:p>
-            <a:r>
-              <a:rPr lang="en-US" b="1" smtClean="0">
-                <a:solidFill>
-                  <a:schemeClr val="accent6">
-                    <a:lumMod val="75000"/>
-                  </a:schemeClr>
-                </a:solidFill>
-              </a:rPr>
-              <a:t>GuiThrottle_Test.py</a:t>
-            </a:r>
-            <a:endParaRPr lang="en-US" b="1">
-              <a:solidFill>
-                <a:schemeClr val="accent6">
-                  <a:lumMod val="75000"/>
-                </a:schemeClr>
-              </a:solidFill>
-            </a:endParaRPr>
-          </a:p>
-        </p:txBody>
-      </p:sp>
-      <p:sp>
-        <p:nvSpPr>
-          <p:cNvPr id="35" name="TextBox 34"/>
-          <p:cNvSpPr txBox="1"/>
-          <p:nvPr/>
-        </p:nvSpPr>
-        <p:spPr>
-          <a:xfrm>
-            <a:off x="5274068" y="784621"/>
-            <a:ext cx="492443" cy="246221"/>
-          </a:xfrm>
-          <a:prstGeom prst="rect">
-            <a:avLst/>
-          </a:prstGeom>
-          <a:ln/>
-        </p:spPr>
-        <p:style>
-          <a:lnRef idx="1">
-            <a:schemeClr val="accent1"/>
-          </a:lnRef>
-          <a:fillRef idx="3">
-            <a:schemeClr val="accent1"/>
-          </a:fillRef>
-          <a:effectRef idx="2">
-            <a:schemeClr val="accent1"/>
-          </a:effectRef>
-          <a:fontRef idx="minor">
-            <a:schemeClr val="lt1"/>
-          </a:fontRef>
-        </p:style>
-        <p:txBody>
-          <a:bodyPr wrap="none" rtlCol="0">
-            <a:spAutoFit/>
-          </a:bodyPr>
-          <a:lstStyle/>
-          <a:p>
-            <a:r>
-              <a:rPr lang="en-US" sz="1000" smtClean="0">
-                <a:latin typeface="Courier New" pitchFamily="49" charset="0"/>
-                <a:cs typeface="Courier New" pitchFamily="49" charset="0"/>
-              </a:rPr>
-              <a:t>main</a:t>
-            </a:r>
-          </a:p>
-        </p:txBody>
-      </p:sp>
-      <p:sp>
-        <p:nvSpPr>
-          <p:cNvPr id="36" name="TextBox 35"/>
-          <p:cNvSpPr txBox="1"/>
-          <p:nvPr/>
-        </p:nvSpPr>
-        <p:spPr>
-          <a:xfrm>
-            <a:off x="6315184" y="746950"/>
-            <a:ext cx="415498" cy="246221"/>
-          </a:xfrm>
-          <a:prstGeom prst="rect">
-            <a:avLst/>
-          </a:prstGeom>
-          <a:ln/>
-        </p:spPr>
-        <p:style>
-          <a:lnRef idx="2">
-            <a:schemeClr val="accent3">
-              <a:shade val="50000"/>
-            </a:schemeClr>
-          </a:lnRef>
-          <a:fillRef idx="1">
-            <a:schemeClr val="accent3"/>
-          </a:fillRef>
-          <a:effectRef idx="0">
-            <a:schemeClr val="accent3"/>
-          </a:effectRef>
-          <a:fontRef idx="minor">
-            <a:schemeClr val="lt1"/>
-          </a:fontRef>
-        </p:style>
-        <p:txBody>
-          <a:bodyPr wrap="none" rtlCol="0">
-            <a:spAutoFit/>
-          </a:bodyPr>
-          <a:lstStyle/>
-          <a:p>
-            <a:r>
-              <a:rPr lang="en-US" sz="1000" smtClean="0">
-                <a:latin typeface="Courier New" pitchFamily="49" charset="0"/>
-                <a:cs typeface="Courier New" pitchFamily="49" charset="0"/>
-              </a:rPr>
-              <a:t>log</a:t>
-            </a:r>
-          </a:p>
-        </p:txBody>
-      </p:sp>
-      <p:sp>
-        <p:nvSpPr>
-          <p:cNvPr id="37" name="TextBox 36"/>
-          <p:cNvSpPr txBox="1"/>
-          <p:nvPr/>
-        </p:nvSpPr>
-        <p:spPr>
-          <a:xfrm>
-            <a:off x="7203904" y="6310395"/>
-            <a:ext cx="877163" cy="246221"/>
-          </a:xfrm>
-          <a:prstGeom prst="rect">
-            <a:avLst/>
-          </a:prstGeom>
-          <a:ln/>
-        </p:spPr>
-        <p:style>
-          <a:lnRef idx="1">
-            <a:schemeClr val="accent1"/>
-          </a:lnRef>
-          <a:fillRef idx="3">
-            <a:schemeClr val="accent1"/>
-          </a:fillRef>
-          <a:effectRef idx="2">
-            <a:schemeClr val="accent1"/>
-          </a:effectRef>
-          <a:fontRef idx="minor">
-            <a:schemeClr val="lt1"/>
-          </a:fontRef>
-        </p:style>
-        <p:txBody>
-          <a:bodyPr wrap="none" rtlCol="0">
-            <a:spAutoFit/>
-          </a:bodyPr>
-          <a:lstStyle/>
-          <a:p>
-            <a:r>
-              <a:rPr lang="en-US" sz="1000" smtClean="0">
-                <a:latin typeface="Courier New" pitchFamily="49" charset="0"/>
-                <a:cs typeface="Courier New" pitchFamily="49" charset="0"/>
-              </a:rPr>
-              <a:t>simulator</a:t>
-            </a:r>
-          </a:p>
-        </p:txBody>
-      </p:sp>
-      <p:sp>
-        <p:nvSpPr>
-          <p:cNvPr id="38" name="TextBox 37"/>
-          <p:cNvSpPr txBox="1"/>
-          <p:nvPr/>
-        </p:nvSpPr>
-        <p:spPr>
-          <a:xfrm>
-            <a:off x="7303216" y="1344559"/>
-            <a:ext cx="1646605" cy="1015663"/>
-          </a:xfrm>
-          <a:prstGeom prst="rect">
-            <a:avLst/>
-          </a:prstGeom>
-          <a:noFill/>
-        </p:spPr>
-        <p:txBody>
-          <a:bodyPr wrap="none" rtlCol="0">
-            <a:spAutoFit/>
-          </a:bodyPr>
-          <a:lstStyle/>
-          <a:p>
-            <a:r>
-              <a:rPr lang="en-US" sz="1000" b="1" smtClean="0">
-                <a:solidFill>
-                  <a:schemeClr val="accent6">
-                    <a:lumMod val="75000"/>
-                  </a:schemeClr>
-                </a:solidFill>
-                <a:latin typeface="Courier New" pitchFamily="49" charset="0"/>
-                <a:cs typeface="Courier New" pitchFamily="49" charset="0"/>
-              </a:rPr>
-              <a:t>main creates/starts</a:t>
-            </a:r>
-          </a:p>
-          <a:p>
-            <a:r>
-              <a:rPr lang="en-US" sz="1000" b="1" smtClean="0">
-                <a:solidFill>
-                  <a:schemeClr val="accent6">
-                    <a:lumMod val="75000"/>
-                  </a:schemeClr>
-                </a:solidFill>
-                <a:latin typeface="Courier New" pitchFamily="49" charset="0"/>
-                <a:cs typeface="Courier New" pitchFamily="49" charset="0"/>
-              </a:rPr>
-              <a:t>  msgSocket</a:t>
-            </a:r>
-          </a:p>
-          <a:p>
-            <a:r>
-              <a:rPr lang="en-US" sz="1000" b="1" smtClean="0">
-                <a:solidFill>
-                  <a:schemeClr val="accent6">
-                    <a:lumMod val="75000"/>
-                  </a:schemeClr>
-                </a:solidFill>
-                <a:latin typeface="Courier New" pitchFamily="49" charset="0"/>
-                <a:cs typeface="Courier New" pitchFamily="49" charset="0"/>
-              </a:rPr>
-              <a:t>  outQu, inQuList</a:t>
-            </a:r>
-          </a:p>
-          <a:p>
-            <a:r>
-              <a:rPr lang="en-US" sz="1000" b="1" smtClean="0">
-                <a:solidFill>
-                  <a:schemeClr val="accent6">
-                    <a:lumMod val="75000"/>
-                  </a:schemeClr>
-                </a:solidFill>
-                <a:latin typeface="Courier New" pitchFamily="49" charset="0"/>
-                <a:cs typeface="Courier New" pitchFamily="49" charset="0"/>
-              </a:rPr>
-              <a:t>  pumps</a:t>
-            </a:r>
-          </a:p>
-          <a:p>
-            <a:r>
-              <a:rPr lang="en-US" sz="1000" b="1" smtClean="0">
-                <a:solidFill>
-                  <a:schemeClr val="accent6">
-                    <a:lumMod val="75000"/>
-                  </a:schemeClr>
-                </a:solidFill>
-                <a:latin typeface="Courier New" pitchFamily="49" charset="0"/>
-                <a:cs typeface="Courier New" pitchFamily="49" charset="0"/>
-              </a:rPr>
-              <a:t>  controller</a:t>
-            </a:r>
-          </a:p>
-          <a:p>
-            <a:r>
-              <a:rPr lang="en-US" sz="1000" b="1" smtClean="0">
-                <a:solidFill>
-                  <a:schemeClr val="accent6">
-                    <a:lumMod val="75000"/>
-                  </a:schemeClr>
-                </a:solidFill>
-                <a:latin typeface="Courier New" pitchFamily="49" charset="0"/>
-                <a:cs typeface="Courier New" pitchFamily="49" charset="0"/>
-              </a:rPr>
-              <a:t>  simulator</a:t>
-            </a:r>
-            <a:endParaRPr lang="en-US" sz="1000" b="1">
-              <a:solidFill>
-                <a:schemeClr val="accent6">
-                  <a:lumMod val="75000"/>
-                </a:schemeClr>
-              </a:solidFill>
-              <a:latin typeface="Courier New" pitchFamily="49" charset="0"/>
-              <a:cs typeface="Courier New" pitchFamily="49" charset="0"/>
-            </a:endParaRPr>
-          </a:p>
-        </p:txBody>
-      </p:sp>
-      <p:sp>
-        <p:nvSpPr>
-          <p:cNvPr id="39" name="TextBox 38"/>
-          <p:cNvSpPr txBox="1"/>
-          <p:nvPr/>
-        </p:nvSpPr>
-        <p:spPr>
-          <a:xfrm>
-            <a:off x="7119994" y="3894259"/>
-            <a:ext cx="800219" cy="246221"/>
-          </a:xfrm>
-          <a:prstGeom prst="rect">
-            <a:avLst/>
-          </a:prstGeom>
-          <a:ln/>
-        </p:spPr>
-        <p:style>
-          <a:lnRef idx="1">
-            <a:schemeClr val="accent3"/>
-          </a:lnRef>
-          <a:fillRef idx="2">
-            <a:schemeClr val="accent3"/>
-          </a:fillRef>
-          <a:effectRef idx="1">
-            <a:schemeClr val="accent3"/>
-          </a:effectRef>
-          <a:fontRef idx="minor">
-            <a:schemeClr val="dk1"/>
-          </a:fontRef>
-        </p:style>
-        <p:txBody>
-          <a:bodyPr wrap="none" rtlCol="0">
-            <a:spAutoFit/>
-          </a:bodyPr>
-          <a:lstStyle/>
-          <a:p>
-            <a:r>
-              <a:rPr lang="en-US" sz="1000" smtClean="0">
-                <a:latin typeface="Courier New" pitchFamily="49" charset="0"/>
-                <a:cs typeface="Courier New" pitchFamily="49" charset="0"/>
-              </a:rPr>
-              <a:t>inQuList</a:t>
-            </a:r>
-          </a:p>
-        </p:txBody>
-      </p:sp>
-      <p:sp>
-        <p:nvSpPr>
-          <p:cNvPr id="40" name="TextBox 39"/>
-          <p:cNvSpPr txBox="1"/>
-          <p:nvPr/>
-        </p:nvSpPr>
-        <p:spPr>
-          <a:xfrm>
-            <a:off x="5375096" y="4717904"/>
-            <a:ext cx="1107996" cy="246221"/>
-          </a:xfrm>
-          <a:prstGeom prst="rect">
-            <a:avLst/>
-          </a:prstGeom>
-          <a:solidFill>
-            <a:schemeClr val="tx2">
-              <a:lumMod val="20000"/>
-              <a:lumOff val="80000"/>
-            </a:schemeClr>
-          </a:solidFill>
-          <a:ln cmpd="sng">
-            <a:solidFill>
-              <a:schemeClr val="tx1"/>
-            </a:solidFill>
-          </a:ln>
-        </p:spPr>
-        <p:txBody>
-          <a:bodyPr wrap="none" rtlCol="0">
-            <a:spAutoFit/>
-          </a:bodyPr>
-          <a:lstStyle/>
-          <a:p>
-            <a:r>
-              <a:rPr lang="en-US" sz="1000" smtClean="0">
-                <a:latin typeface="Courier New" pitchFamily="49" charset="0"/>
-                <a:cs typeface="Courier New" pitchFamily="49" charset="0"/>
-              </a:rPr>
-              <a:t>msgOutQuPump</a:t>
-            </a:r>
-          </a:p>
-        </p:txBody>
-      </p:sp>
-      <p:sp>
-        <p:nvSpPr>
-          <p:cNvPr id="41" name="TextBox 40"/>
-          <p:cNvSpPr txBox="1"/>
-          <p:nvPr/>
-        </p:nvSpPr>
-        <p:spPr>
-          <a:xfrm>
-            <a:off x="6876834" y="2695610"/>
-            <a:ext cx="415498" cy="246221"/>
-          </a:xfrm>
-          <a:prstGeom prst="rect">
-            <a:avLst/>
-          </a:prstGeom>
-          <a:noFill/>
-        </p:spPr>
-        <p:txBody>
-          <a:bodyPr wrap="none" rtlCol="0">
-            <a:spAutoFit/>
-          </a:bodyPr>
-          <a:lstStyle/>
-          <a:p>
-            <a:r>
-              <a:rPr lang="en-US" sz="1000" smtClean="0">
-                <a:latin typeface="Courier New" pitchFamily="49" charset="0"/>
-                <a:cs typeface="Courier New" pitchFamily="49" charset="0"/>
-              </a:rPr>
-              <a:t>get</a:t>
-            </a:r>
-            <a:endParaRPr lang="en-US" sz="1000">
-              <a:latin typeface="Courier New" pitchFamily="49" charset="0"/>
-              <a:cs typeface="Courier New" pitchFamily="49" charset="0"/>
-            </a:endParaRPr>
-          </a:p>
-        </p:txBody>
-      </p:sp>
-      <p:sp>
-        <p:nvSpPr>
-          <p:cNvPr id="42" name="TextBox 41"/>
-          <p:cNvSpPr txBox="1"/>
-          <p:nvPr/>
-        </p:nvSpPr>
-        <p:spPr>
-          <a:xfrm>
-            <a:off x="6852861" y="4705918"/>
-            <a:ext cx="1031051" cy="246221"/>
-          </a:xfrm>
-          <a:prstGeom prst="rect">
-            <a:avLst/>
-          </a:prstGeom>
-          <a:solidFill>
-            <a:schemeClr val="tx2">
-              <a:lumMod val="20000"/>
-              <a:lumOff val="80000"/>
-            </a:schemeClr>
-          </a:solidFill>
-          <a:ln cmpd="sng">
-            <a:solidFill>
-              <a:schemeClr val="tx1"/>
-            </a:solidFill>
-          </a:ln>
-        </p:spPr>
-        <p:txBody>
-          <a:bodyPr wrap="none" rtlCol="0">
-            <a:spAutoFit/>
-          </a:bodyPr>
-          <a:lstStyle/>
-          <a:p>
-            <a:r>
-              <a:rPr lang="en-US" sz="1000" smtClean="0">
-                <a:latin typeface="Courier New" pitchFamily="49" charset="0"/>
-                <a:cs typeface="Courier New" pitchFamily="49" charset="0"/>
-              </a:rPr>
-              <a:t>msgInQuPump</a:t>
-            </a:r>
-          </a:p>
-        </p:txBody>
-      </p:sp>
-      <p:sp>
-        <p:nvSpPr>
-          <p:cNvPr id="43" name="TextBox 42"/>
-          <p:cNvSpPr txBox="1"/>
-          <p:nvPr/>
-        </p:nvSpPr>
-        <p:spPr>
-          <a:xfrm>
-            <a:off x="5649077" y="3882270"/>
-            <a:ext cx="569387" cy="246221"/>
-          </a:xfrm>
-          <a:prstGeom prst="rect">
-            <a:avLst/>
-          </a:prstGeom>
-          <a:ln/>
-        </p:spPr>
-        <p:style>
-          <a:lnRef idx="1">
-            <a:schemeClr val="accent3"/>
-          </a:lnRef>
-          <a:fillRef idx="2">
-            <a:schemeClr val="accent3"/>
-          </a:fillRef>
-          <a:effectRef idx="1">
-            <a:schemeClr val="accent3"/>
-          </a:effectRef>
-          <a:fontRef idx="minor">
-            <a:schemeClr val="dk1"/>
-          </a:fontRef>
-        </p:style>
-        <p:txBody>
-          <a:bodyPr wrap="none" rtlCol="0">
-            <a:spAutoFit/>
-          </a:bodyPr>
-          <a:lstStyle/>
-          <a:p>
-            <a:r>
-              <a:rPr lang="en-US" sz="1000" smtClean="0">
-                <a:latin typeface="Courier New" pitchFamily="49" charset="0"/>
-                <a:cs typeface="Courier New" pitchFamily="49" charset="0"/>
-              </a:rPr>
-              <a:t>outQu</a:t>
-            </a:r>
-          </a:p>
-        </p:txBody>
-      </p:sp>
-      <p:sp>
-        <p:nvSpPr>
-          <p:cNvPr id="44" name="TextBox 43"/>
-          <p:cNvSpPr txBox="1"/>
-          <p:nvPr/>
-        </p:nvSpPr>
-        <p:spPr>
-          <a:xfrm>
-            <a:off x="5498385" y="1347986"/>
-            <a:ext cx="1569660" cy="400110"/>
-          </a:xfrm>
-          <a:prstGeom prst="rect">
-            <a:avLst/>
-          </a:prstGeom>
-          <a:noFill/>
-        </p:spPr>
-        <p:txBody>
-          <a:bodyPr wrap="none" rtlCol="0">
-            <a:spAutoFit/>
-          </a:bodyPr>
-          <a:lstStyle/>
-          <a:p>
-            <a:r>
-              <a:rPr lang="en-US" sz="1000" smtClean="0">
-                <a:latin typeface="Courier New" pitchFamily="49" charset="0"/>
-                <a:cs typeface="Courier New" pitchFamily="49" charset="0"/>
-              </a:rPr>
-              <a:t>create(inQu,outQu)</a:t>
-            </a:r>
-          </a:p>
-          <a:p>
-            <a:r>
-              <a:rPr lang="en-US" sz="1000" smtClean="0">
-                <a:latin typeface="Courier New" pitchFamily="49" charset="0"/>
-                <a:cs typeface="Courier New" pitchFamily="49" charset="0"/>
-              </a:rPr>
-              <a:t>readLayout </a:t>
-            </a:r>
-            <a:endParaRPr lang="en-US" sz="1000">
-              <a:latin typeface="Courier New" pitchFamily="49" charset="0"/>
-              <a:cs typeface="Courier New" pitchFamily="49" charset="0"/>
-            </a:endParaRPr>
-          </a:p>
-        </p:txBody>
-      </p:sp>
-      <p:sp>
-        <p:nvSpPr>
-          <p:cNvPr id="45" name="TextBox 44"/>
-          <p:cNvSpPr txBox="1"/>
-          <p:nvPr/>
-        </p:nvSpPr>
-        <p:spPr>
-          <a:xfrm>
-            <a:off x="5527500" y="6329225"/>
-            <a:ext cx="954107" cy="246221"/>
-          </a:xfrm>
-          <a:prstGeom prst="rect">
-            <a:avLst/>
-          </a:prstGeom>
-          <a:ln/>
-        </p:spPr>
-        <p:style>
-          <a:lnRef idx="1">
-            <a:schemeClr val="accent1"/>
-          </a:lnRef>
-          <a:fillRef idx="3">
-            <a:schemeClr val="accent1"/>
-          </a:fillRef>
-          <a:effectRef idx="2">
-            <a:schemeClr val="accent1"/>
-          </a:effectRef>
-          <a:fontRef idx="minor">
-            <a:schemeClr val="lt1"/>
-          </a:fontRef>
-        </p:style>
-        <p:txBody>
-          <a:bodyPr wrap="none" rtlCol="0">
-            <a:spAutoFit/>
-          </a:bodyPr>
-          <a:lstStyle/>
-          <a:p>
-            <a:r>
-              <a:rPr lang="en-US" sz="1000" smtClean="0">
-                <a:latin typeface="Courier New" pitchFamily="49" charset="0"/>
-                <a:cs typeface="Courier New" pitchFamily="49" charset="0"/>
-              </a:rPr>
-              <a:t>controller</a:t>
-            </a:r>
-          </a:p>
-        </p:txBody>
-      </p:sp>
-      <p:sp>
-        <p:nvSpPr>
-          <p:cNvPr id="46" name="TextBox 45"/>
-          <p:cNvSpPr txBox="1"/>
-          <p:nvPr/>
-        </p:nvSpPr>
-        <p:spPr>
-          <a:xfrm>
-            <a:off x="6469295" y="2236698"/>
-            <a:ext cx="800219" cy="246221"/>
-          </a:xfrm>
-          <a:prstGeom prst="rect">
-            <a:avLst/>
-          </a:prstGeom>
-          <a:ln/>
-        </p:spPr>
-        <p:style>
-          <a:lnRef idx="1">
-            <a:schemeClr val="accent3"/>
-          </a:lnRef>
-          <a:fillRef idx="2">
-            <a:schemeClr val="accent3"/>
-          </a:fillRef>
-          <a:effectRef idx="1">
-            <a:schemeClr val="accent3"/>
-          </a:effectRef>
-          <a:fontRef idx="minor">
-            <a:schemeClr val="dk1"/>
-          </a:fontRef>
-        </p:style>
-        <p:txBody>
-          <a:bodyPr wrap="none" rtlCol="0">
-            <a:spAutoFit/>
-          </a:bodyPr>
-          <a:lstStyle/>
-          <a:p>
-            <a:r>
-              <a:rPr lang="en-US" sz="1000" smtClean="0">
-                <a:latin typeface="Courier New" pitchFamily="49" charset="0"/>
-                <a:cs typeface="Courier New" pitchFamily="49" charset="0"/>
-              </a:rPr>
-              <a:t>throttle</a:t>
-            </a:r>
-          </a:p>
-        </p:txBody>
-      </p:sp>
-      <p:sp>
-        <p:nvSpPr>
-          <p:cNvPr id="47" name="TextBox 46"/>
-          <p:cNvSpPr txBox="1"/>
-          <p:nvPr/>
-        </p:nvSpPr>
-        <p:spPr>
-          <a:xfrm>
-            <a:off x="6200455" y="5635725"/>
-            <a:ext cx="877163" cy="246221"/>
-          </a:xfrm>
-          <a:prstGeom prst="rect">
-            <a:avLst/>
-          </a:prstGeom>
-          <a:ln/>
-        </p:spPr>
-        <p:style>
-          <a:lnRef idx="1">
-            <a:schemeClr val="accent3"/>
-          </a:lnRef>
-          <a:fillRef idx="2">
-            <a:schemeClr val="accent3"/>
-          </a:fillRef>
-          <a:effectRef idx="1">
-            <a:schemeClr val="accent3"/>
-          </a:effectRef>
-          <a:fontRef idx="minor">
-            <a:schemeClr val="dk1"/>
-          </a:fontRef>
-        </p:style>
-        <p:txBody>
-          <a:bodyPr wrap="none" rtlCol="0">
-            <a:spAutoFit/>
-          </a:bodyPr>
-          <a:lstStyle/>
-          <a:p>
-            <a:r>
-              <a:rPr lang="en-US" sz="1000" smtClean="0">
-                <a:latin typeface="Courier New" pitchFamily="49" charset="0"/>
-                <a:cs typeface="Courier New" pitchFamily="49" charset="0"/>
-              </a:rPr>
-              <a:t>msgSocket</a:t>
-            </a:r>
-          </a:p>
-        </p:txBody>
-      </p:sp>
-      <p:cxnSp>
-        <p:nvCxnSpPr>
-          <p:cNvPr id="48" name="Straight Arrow Connector 47"/>
-          <p:cNvCxnSpPr>
-            <a:stCxn id="35" idx="3"/>
-            <a:endCxn id="36" idx="1"/>
-          </p:cNvCxnSpPr>
-          <p:nvPr/>
-        </p:nvCxnSpPr>
-        <p:spPr>
-          <a:xfrm flipV="1">
-            <a:off x="5766511" y="870061"/>
-            <a:ext cx="548673" cy="37671"/>
-          </a:xfrm>
-          <a:prstGeom prst="straightConnector1">
-            <a:avLst/>
-          </a:prstGeom>
-          <a:ln>
-            <a:tailEnd type="arrow"/>
-          </a:ln>
-        </p:spPr>
-        <p:style>
-          <a:lnRef idx="1">
-            <a:schemeClr val="accent1"/>
-          </a:lnRef>
-          <a:fillRef idx="0">
-            <a:schemeClr val="accent1"/>
-          </a:fillRef>
-          <a:effectRef idx="0">
-            <a:schemeClr val="accent1"/>
-          </a:effectRef>
-          <a:fontRef idx="minor">
-            <a:schemeClr val="tx1"/>
-          </a:fontRef>
-        </p:style>
-      </p:cxnSp>
-      <p:cxnSp>
-        <p:nvCxnSpPr>
-          <p:cNvPr id="49" name="Straight Arrow Connector 48"/>
-          <p:cNvCxnSpPr>
-            <a:stCxn id="35" idx="2"/>
-            <a:endCxn id="46" idx="0"/>
-          </p:cNvCxnSpPr>
-          <p:nvPr/>
-        </p:nvCxnSpPr>
-        <p:spPr>
-          <a:xfrm>
-            <a:off x="5520290" y="1030842"/>
-            <a:ext cx="1349115" cy="1205856"/>
-          </a:xfrm>
-          <a:prstGeom prst="straightConnector1">
-            <a:avLst/>
-          </a:prstGeom>
-          <a:ln>
-            <a:tailEnd type="arrow"/>
-          </a:ln>
-        </p:spPr>
-        <p:style>
-          <a:lnRef idx="1">
-            <a:schemeClr val="accent1"/>
-          </a:lnRef>
-          <a:fillRef idx="0">
-            <a:schemeClr val="accent1"/>
-          </a:fillRef>
-          <a:effectRef idx="0">
-            <a:schemeClr val="accent1"/>
-          </a:effectRef>
-          <a:fontRef idx="minor">
-            <a:schemeClr val="tx1"/>
-          </a:fontRef>
-        </p:style>
-      </p:cxnSp>
-      <p:cxnSp>
-        <p:nvCxnSpPr>
-          <p:cNvPr id="50" name="Straight Arrow Connector 49"/>
-          <p:cNvCxnSpPr>
-            <a:stCxn id="46" idx="2"/>
-            <a:endCxn id="43" idx="0"/>
-          </p:cNvCxnSpPr>
-          <p:nvPr/>
-        </p:nvCxnSpPr>
-        <p:spPr>
-          <a:xfrm flipH="1">
-            <a:off x="5933771" y="2482919"/>
-            <a:ext cx="935634" cy="1399351"/>
-          </a:xfrm>
-          <a:prstGeom prst="straightConnector1">
-            <a:avLst/>
-          </a:prstGeom>
-          <a:ln>
-            <a:tailEnd type="arrow"/>
-          </a:ln>
-        </p:spPr>
-        <p:style>
-          <a:lnRef idx="1">
-            <a:schemeClr val="accent1"/>
-          </a:lnRef>
-          <a:fillRef idx="0">
-            <a:schemeClr val="accent1"/>
-          </a:fillRef>
-          <a:effectRef idx="0">
-            <a:schemeClr val="accent1"/>
-          </a:effectRef>
-          <a:fontRef idx="minor">
-            <a:schemeClr val="tx1"/>
-          </a:fontRef>
-        </p:style>
-      </p:cxnSp>
-      <p:sp>
-        <p:nvSpPr>
-          <p:cNvPr id="51" name="TextBox 50"/>
-          <p:cNvSpPr txBox="1"/>
-          <p:nvPr/>
-        </p:nvSpPr>
-        <p:spPr>
-          <a:xfrm>
-            <a:off x="6381963" y="2745268"/>
-            <a:ext cx="415498" cy="246221"/>
-          </a:xfrm>
-          <a:prstGeom prst="rect">
-            <a:avLst/>
-          </a:prstGeom>
-          <a:noFill/>
-        </p:spPr>
-        <p:txBody>
-          <a:bodyPr wrap="none" rtlCol="0">
-            <a:spAutoFit/>
-          </a:bodyPr>
-          <a:lstStyle/>
-          <a:p>
-            <a:r>
-              <a:rPr lang="en-US" sz="1000" smtClean="0">
-                <a:latin typeface="Courier New" pitchFamily="49" charset="0"/>
-                <a:cs typeface="Courier New" pitchFamily="49" charset="0"/>
-              </a:rPr>
-              <a:t>put</a:t>
-            </a:r>
-            <a:endParaRPr lang="en-US" sz="1000">
-              <a:latin typeface="Courier New" pitchFamily="49" charset="0"/>
-              <a:cs typeface="Courier New" pitchFamily="49" charset="0"/>
-            </a:endParaRPr>
-          </a:p>
-        </p:txBody>
-      </p:sp>
-      <p:cxnSp>
-        <p:nvCxnSpPr>
-          <p:cNvPr id="52" name="Straight Arrow Connector 51"/>
-          <p:cNvCxnSpPr>
-            <a:stCxn id="46" idx="2"/>
-            <a:endCxn id="39" idx="0"/>
-          </p:cNvCxnSpPr>
-          <p:nvPr/>
-        </p:nvCxnSpPr>
-        <p:spPr>
-          <a:xfrm>
-            <a:off x="6869405" y="2482919"/>
-            <a:ext cx="650699" cy="1411340"/>
-          </a:xfrm>
-          <a:prstGeom prst="straightConnector1">
-            <a:avLst/>
-          </a:prstGeom>
-          <a:ln>
-            <a:tailEnd type="arrow"/>
-          </a:ln>
-        </p:spPr>
-        <p:style>
-          <a:lnRef idx="1">
-            <a:schemeClr val="accent1"/>
-          </a:lnRef>
-          <a:fillRef idx="0">
-            <a:schemeClr val="accent1"/>
-          </a:fillRef>
-          <a:effectRef idx="0">
-            <a:schemeClr val="accent1"/>
-          </a:effectRef>
-          <a:fontRef idx="minor">
-            <a:schemeClr val="tx1"/>
-          </a:fontRef>
-        </p:style>
-      </p:cxnSp>
-      <p:cxnSp>
-        <p:nvCxnSpPr>
-          <p:cNvPr id="53" name="Straight Arrow Connector 52"/>
-          <p:cNvCxnSpPr>
-            <a:stCxn id="40" idx="0"/>
-            <a:endCxn id="43" idx="2"/>
-          </p:cNvCxnSpPr>
-          <p:nvPr/>
-        </p:nvCxnSpPr>
-        <p:spPr>
-          <a:xfrm flipV="1">
-            <a:off x="5929094" y="4128491"/>
-            <a:ext cx="4677" cy="589413"/>
-          </a:xfrm>
-          <a:prstGeom prst="straightConnector1">
-            <a:avLst/>
-          </a:prstGeom>
-          <a:ln>
-            <a:tailEnd type="arrow"/>
-          </a:ln>
-        </p:spPr>
-        <p:style>
-          <a:lnRef idx="1">
-            <a:schemeClr val="accent1"/>
-          </a:lnRef>
-          <a:fillRef idx="0">
-            <a:schemeClr val="accent1"/>
-          </a:fillRef>
-          <a:effectRef idx="0">
-            <a:schemeClr val="accent1"/>
-          </a:effectRef>
-          <a:fontRef idx="minor">
-            <a:schemeClr val="tx1"/>
-          </a:fontRef>
-        </p:style>
-      </p:cxnSp>
-      <p:cxnSp>
-        <p:nvCxnSpPr>
-          <p:cNvPr id="54" name="Straight Arrow Connector 53"/>
-          <p:cNvCxnSpPr>
-            <a:stCxn id="42" idx="0"/>
-            <a:endCxn id="39" idx="2"/>
-          </p:cNvCxnSpPr>
-          <p:nvPr/>
-        </p:nvCxnSpPr>
-        <p:spPr>
-          <a:xfrm flipV="1">
-            <a:off x="7368387" y="4140480"/>
-            <a:ext cx="151717" cy="565438"/>
-          </a:xfrm>
-          <a:prstGeom prst="straightConnector1">
-            <a:avLst/>
-          </a:prstGeom>
-          <a:ln>
-            <a:tailEnd type="arrow"/>
-          </a:ln>
-        </p:spPr>
-        <p:style>
-          <a:lnRef idx="1">
-            <a:schemeClr val="accent1"/>
-          </a:lnRef>
-          <a:fillRef idx="0">
-            <a:schemeClr val="accent1"/>
-          </a:fillRef>
-          <a:effectRef idx="0">
-            <a:schemeClr val="accent1"/>
-          </a:effectRef>
-          <a:fontRef idx="minor">
-            <a:schemeClr val="tx1"/>
-          </a:fontRef>
-        </p:style>
-      </p:cxnSp>
-      <p:cxnSp>
-        <p:nvCxnSpPr>
-          <p:cNvPr id="55" name="Straight Arrow Connector 54"/>
-          <p:cNvCxnSpPr>
-            <a:stCxn id="40" idx="2"/>
-            <a:endCxn id="47" idx="0"/>
-          </p:cNvCxnSpPr>
-          <p:nvPr/>
-        </p:nvCxnSpPr>
-        <p:spPr>
-          <a:xfrm>
-            <a:off x="5929094" y="4964125"/>
-            <a:ext cx="709943" cy="671600"/>
-          </a:xfrm>
-          <a:prstGeom prst="straightConnector1">
-            <a:avLst/>
-          </a:prstGeom>
-          <a:ln>
-            <a:tailEnd type="arrow"/>
-          </a:ln>
-        </p:spPr>
-        <p:style>
-          <a:lnRef idx="1">
-            <a:schemeClr val="accent1"/>
-          </a:lnRef>
-          <a:fillRef idx="0">
-            <a:schemeClr val="accent1"/>
-          </a:fillRef>
-          <a:effectRef idx="0">
-            <a:schemeClr val="accent1"/>
-          </a:effectRef>
-          <a:fontRef idx="minor">
-            <a:schemeClr val="tx1"/>
-          </a:fontRef>
-        </p:style>
-      </p:cxnSp>
-      <p:cxnSp>
-        <p:nvCxnSpPr>
-          <p:cNvPr id="56" name="Straight Arrow Connector 55"/>
-          <p:cNvCxnSpPr>
-            <a:stCxn id="42" idx="2"/>
-            <a:endCxn id="47" idx="0"/>
-          </p:cNvCxnSpPr>
-          <p:nvPr/>
-        </p:nvCxnSpPr>
-        <p:spPr>
-          <a:xfrm flipH="1">
-            <a:off x="6639037" y="4952139"/>
-            <a:ext cx="729350" cy="683586"/>
-          </a:xfrm>
-          <a:prstGeom prst="straightConnector1">
-            <a:avLst/>
-          </a:prstGeom>
-          <a:ln>
-            <a:tailEnd type="arrow"/>
-          </a:ln>
-        </p:spPr>
-        <p:style>
-          <a:lnRef idx="1">
-            <a:schemeClr val="accent1"/>
-          </a:lnRef>
-          <a:fillRef idx="0">
-            <a:schemeClr val="accent1"/>
-          </a:fillRef>
-          <a:effectRef idx="0">
-            <a:schemeClr val="accent1"/>
-          </a:effectRef>
-          <a:fontRef idx="minor">
-            <a:schemeClr val="tx1"/>
-          </a:fontRef>
-        </p:style>
-      </p:cxnSp>
-      <p:sp>
-        <p:nvSpPr>
-          <p:cNvPr id="57" name="TextBox 56"/>
-          <p:cNvSpPr txBox="1"/>
-          <p:nvPr/>
-        </p:nvSpPr>
-        <p:spPr>
-          <a:xfrm>
-            <a:off x="5950447" y="4481600"/>
-            <a:ext cx="415498" cy="246221"/>
-          </a:xfrm>
-          <a:prstGeom prst="rect">
-            <a:avLst/>
-          </a:prstGeom>
-          <a:noFill/>
-        </p:spPr>
-        <p:txBody>
-          <a:bodyPr wrap="none" rtlCol="0">
-            <a:spAutoFit/>
-          </a:bodyPr>
-          <a:lstStyle/>
-          <a:p>
-            <a:r>
-              <a:rPr lang="en-US" sz="1000" smtClean="0">
-                <a:latin typeface="Courier New" pitchFamily="49" charset="0"/>
-                <a:cs typeface="Courier New" pitchFamily="49" charset="0"/>
-              </a:rPr>
-              <a:t>get</a:t>
-            </a:r>
-            <a:endParaRPr lang="en-US" sz="1000">
-              <a:latin typeface="Courier New" pitchFamily="49" charset="0"/>
-              <a:cs typeface="Courier New" pitchFamily="49" charset="0"/>
-            </a:endParaRPr>
-          </a:p>
-        </p:txBody>
-      </p:sp>
-      <p:sp>
-        <p:nvSpPr>
-          <p:cNvPr id="58" name="TextBox 57"/>
-          <p:cNvSpPr txBox="1"/>
-          <p:nvPr/>
-        </p:nvSpPr>
-        <p:spPr>
-          <a:xfrm>
-            <a:off x="7358006" y="4409680"/>
-            <a:ext cx="415498" cy="246221"/>
-          </a:xfrm>
-          <a:prstGeom prst="rect">
-            <a:avLst/>
-          </a:prstGeom>
-          <a:noFill/>
-        </p:spPr>
-        <p:txBody>
-          <a:bodyPr wrap="none" rtlCol="0">
-            <a:spAutoFit/>
-          </a:bodyPr>
-          <a:lstStyle/>
-          <a:p>
-            <a:r>
-              <a:rPr lang="en-US" sz="1000" smtClean="0">
-                <a:latin typeface="Courier New" pitchFamily="49" charset="0"/>
-                <a:cs typeface="Courier New" pitchFamily="49" charset="0"/>
-              </a:rPr>
-              <a:t>put</a:t>
-            </a:r>
-            <a:endParaRPr lang="en-US" sz="1000">
-              <a:latin typeface="Courier New" pitchFamily="49" charset="0"/>
-              <a:cs typeface="Courier New" pitchFamily="49" charset="0"/>
-            </a:endParaRPr>
-          </a:p>
-        </p:txBody>
-      </p:sp>
-      <p:sp>
-        <p:nvSpPr>
-          <p:cNvPr id="59" name="TextBox 58"/>
-          <p:cNvSpPr txBox="1"/>
-          <p:nvPr/>
-        </p:nvSpPr>
-        <p:spPr>
-          <a:xfrm>
-            <a:off x="5662770" y="5200790"/>
-            <a:ext cx="492443" cy="246221"/>
-          </a:xfrm>
-          <a:prstGeom prst="rect">
-            <a:avLst/>
-          </a:prstGeom>
-          <a:noFill/>
-        </p:spPr>
-        <p:txBody>
-          <a:bodyPr wrap="none" rtlCol="0">
-            <a:spAutoFit/>
-          </a:bodyPr>
-          <a:lstStyle/>
-          <a:p>
-            <a:r>
-              <a:rPr lang="en-US" sz="1000" smtClean="0">
-                <a:latin typeface="Courier New" pitchFamily="49" charset="0"/>
-                <a:cs typeface="Courier New" pitchFamily="49" charset="0"/>
-              </a:rPr>
-              <a:t>send</a:t>
-            </a:r>
-            <a:endParaRPr lang="en-US" sz="1000">
-              <a:latin typeface="Courier New" pitchFamily="49" charset="0"/>
-              <a:cs typeface="Courier New" pitchFamily="49" charset="0"/>
-            </a:endParaRPr>
-          </a:p>
-        </p:txBody>
-      </p:sp>
-      <p:sp>
-        <p:nvSpPr>
-          <p:cNvPr id="60" name="TextBox 59"/>
-          <p:cNvSpPr txBox="1"/>
-          <p:nvPr/>
-        </p:nvSpPr>
-        <p:spPr>
-          <a:xfrm>
-            <a:off x="7296361" y="5221339"/>
-            <a:ext cx="723275" cy="246221"/>
-          </a:xfrm>
-          <a:prstGeom prst="rect">
-            <a:avLst/>
-          </a:prstGeom>
-          <a:noFill/>
-        </p:spPr>
-        <p:txBody>
-          <a:bodyPr wrap="none" rtlCol="0">
-            <a:spAutoFit/>
-          </a:bodyPr>
-          <a:lstStyle/>
-          <a:p>
-            <a:r>
-              <a:rPr lang="en-US" sz="1000" smtClean="0">
-                <a:latin typeface="Courier New" pitchFamily="49" charset="0"/>
-                <a:cs typeface="Courier New" pitchFamily="49" charset="0"/>
-              </a:rPr>
-              <a:t>receive</a:t>
-            </a:r>
-            <a:endParaRPr lang="en-US" sz="1000">
-              <a:latin typeface="Courier New" pitchFamily="49" charset="0"/>
-              <a:cs typeface="Courier New" pitchFamily="49" charset="0"/>
-            </a:endParaRPr>
-          </a:p>
-        </p:txBody>
-      </p:sp>
-      <p:cxnSp>
-        <p:nvCxnSpPr>
-          <p:cNvPr id="61" name="Straight Arrow Connector 60"/>
-          <p:cNvCxnSpPr>
-            <a:stCxn id="47" idx="2"/>
-            <a:endCxn id="45" idx="0"/>
-          </p:cNvCxnSpPr>
-          <p:nvPr/>
-        </p:nvCxnSpPr>
-        <p:spPr>
-          <a:xfrm flipH="1">
-            <a:off x="6004554" y="5881946"/>
-            <a:ext cx="634483" cy="447279"/>
-          </a:xfrm>
-          <a:prstGeom prst="straightConnector1">
-            <a:avLst/>
-          </a:prstGeom>
-          <a:ln>
-            <a:solidFill>
-              <a:schemeClr val="accent1"/>
-            </a:solidFill>
-            <a:prstDash val="sysDash"/>
-            <a:headEnd type="triangle" w="med" len="med"/>
-            <a:tailEnd type="triangle" w="med" len="med"/>
-          </a:ln>
-        </p:spPr>
-        <p:style>
-          <a:lnRef idx="1">
-            <a:schemeClr val="accent1"/>
-          </a:lnRef>
-          <a:fillRef idx="0">
-            <a:schemeClr val="accent1"/>
-          </a:fillRef>
-          <a:effectRef idx="0">
-            <a:schemeClr val="accent1"/>
-          </a:effectRef>
-          <a:fontRef idx="minor">
-            <a:schemeClr val="tx1"/>
-          </a:fontRef>
-        </p:style>
-      </p:cxnSp>
-      <p:cxnSp>
-        <p:nvCxnSpPr>
-          <p:cNvPr id="62" name="Straight Arrow Connector 61"/>
-          <p:cNvCxnSpPr>
-            <a:stCxn id="37" idx="1"/>
-            <a:endCxn id="45" idx="3"/>
-          </p:cNvCxnSpPr>
-          <p:nvPr/>
-        </p:nvCxnSpPr>
-        <p:spPr>
-          <a:xfrm flipH="1">
-            <a:off x="6481607" y="6433506"/>
-            <a:ext cx="722297" cy="18830"/>
-          </a:xfrm>
-          <a:prstGeom prst="straightConnector1">
-            <a:avLst/>
-          </a:prstGeom>
-          <a:ln>
-            <a:solidFill>
-              <a:schemeClr val="accent1"/>
-            </a:solidFill>
-            <a:prstDash val="sysDash"/>
-            <a:headEnd type="triangle" w="med" len="med"/>
-            <a:tailEnd type="triangle" w="med" len="med"/>
-          </a:ln>
-        </p:spPr>
-        <p:style>
-          <a:lnRef idx="1">
-            <a:schemeClr val="accent1"/>
-          </a:lnRef>
-          <a:fillRef idx="0">
-            <a:schemeClr val="accent1"/>
-          </a:fillRef>
-          <a:effectRef idx="0">
-            <a:schemeClr val="accent1"/>
-          </a:effectRef>
-          <a:fontRef idx="minor">
-            <a:schemeClr val="tx1"/>
-          </a:fontRef>
-        </p:style>
-      </p:cxnSp>
-      <p:sp>
-        <p:nvSpPr>
-          <p:cNvPr id="34" name="TextBox 33"/>
-          <p:cNvSpPr txBox="1"/>
-          <p:nvPr/>
-        </p:nvSpPr>
-        <p:spPr>
-          <a:xfrm>
-            <a:off x="3224377" y="1437014"/>
-            <a:ext cx="1569660" cy="246221"/>
-          </a:xfrm>
-          <a:prstGeom prst="rect">
-            <a:avLst/>
-          </a:prstGeom>
-          <a:ln/>
-        </p:spPr>
-        <p:style>
-          <a:lnRef idx="1">
-            <a:schemeClr val="accent1"/>
-          </a:lnRef>
-          <a:fillRef idx="3">
-            <a:schemeClr val="accent1"/>
-          </a:fillRef>
-          <a:effectRef idx="2">
-            <a:schemeClr val="accent1"/>
-          </a:effectRef>
-          <a:fontRef idx="minor">
-            <a:schemeClr val="lt1"/>
-          </a:fontRef>
-        </p:style>
-        <p:txBody>
-          <a:bodyPr wrap="none" rtlCol="0">
-            <a:spAutoFit/>
-          </a:bodyPr>
-          <a:lstStyle/>
-          <a:p>
-            <a:r>
-              <a:rPr lang="en-US" sz="1000" smtClean="0">
-                <a:latin typeface="Courier New" pitchFamily="49" charset="0"/>
-                <a:cs typeface="Courier New" pitchFamily="49" charset="0"/>
-              </a:rPr>
-              <a:t>guiThrottleProcess</a:t>
-            </a:r>
-          </a:p>
-        </p:txBody>
-      </p:sp>
-      <p:cxnSp>
-        <p:nvCxnSpPr>
-          <p:cNvPr id="64" name="Straight Arrow Connector 63"/>
-          <p:cNvCxnSpPr>
-            <a:stCxn id="35" idx="1"/>
-            <a:endCxn id="34" idx="0"/>
-          </p:cNvCxnSpPr>
-          <p:nvPr/>
-        </p:nvCxnSpPr>
-        <p:spPr>
-          <a:xfrm flipH="1">
-            <a:off x="4009207" y="907732"/>
-            <a:ext cx="1264861" cy="529282"/>
-          </a:xfrm>
-          <a:prstGeom prst="straightConnector1">
-            <a:avLst/>
-          </a:prstGeom>
-          <a:ln>
-            <a:tailEnd type="arrow"/>
-          </a:ln>
-        </p:spPr>
-        <p:style>
-          <a:lnRef idx="1">
-            <a:schemeClr val="accent1"/>
-          </a:lnRef>
-          <a:fillRef idx="0">
-            <a:schemeClr val="accent1"/>
-          </a:fillRef>
-          <a:effectRef idx="0">
-            <a:schemeClr val="accent1"/>
-          </a:effectRef>
-          <a:fontRef idx="minor">
-            <a:schemeClr val="tx1"/>
-          </a:fontRef>
-        </p:style>
-      </p:cxnSp>
-      <p:sp>
-        <p:nvSpPr>
-          <p:cNvPr id="65" name="TextBox 64"/>
-          <p:cNvSpPr txBox="1"/>
-          <p:nvPr/>
-        </p:nvSpPr>
-        <p:spPr>
-          <a:xfrm>
-            <a:off x="3524035" y="976401"/>
-            <a:ext cx="1492716" cy="246221"/>
-          </a:xfrm>
-          <a:prstGeom prst="rect">
-            <a:avLst/>
-          </a:prstGeom>
-          <a:noFill/>
-        </p:spPr>
-        <p:txBody>
-          <a:bodyPr wrap="none" rtlCol="0">
-            <a:spAutoFit/>
-          </a:bodyPr>
-          <a:lstStyle/>
-          <a:p>
-            <a:r>
-              <a:rPr lang="en-US" sz="1000" smtClean="0">
-                <a:latin typeface="Courier New" pitchFamily="49" charset="0"/>
-                <a:cs typeface="Courier New" pitchFamily="49" charset="0"/>
-              </a:rPr>
-              <a:t>start(inQu,outQu)</a:t>
-            </a:r>
-            <a:endParaRPr lang="en-US" sz="1000">
-              <a:latin typeface="Courier New" pitchFamily="49" charset="0"/>
-              <a:cs typeface="Courier New" pitchFamily="49" charset="0"/>
-            </a:endParaRPr>
-          </a:p>
-        </p:txBody>
-      </p:sp>
-      <p:sp>
-        <p:nvSpPr>
-          <p:cNvPr id="66" name="TextBox 65"/>
-          <p:cNvSpPr txBox="1"/>
-          <p:nvPr/>
-        </p:nvSpPr>
-        <p:spPr>
-          <a:xfrm>
-            <a:off x="3236361" y="2147653"/>
-            <a:ext cx="1031051" cy="246221"/>
-          </a:xfrm>
-          <a:prstGeom prst="rect">
-            <a:avLst/>
-          </a:prstGeom>
-          <a:solidFill>
-            <a:schemeClr val="tx2">
-              <a:lumMod val="20000"/>
-              <a:lumOff val="80000"/>
-            </a:schemeClr>
-          </a:solidFill>
-          <a:ln cmpd="sng">
-            <a:solidFill>
-              <a:schemeClr val="tx1"/>
-            </a:solidFill>
-          </a:ln>
-        </p:spPr>
-        <p:txBody>
-          <a:bodyPr wrap="none" rtlCol="0">
-            <a:spAutoFit/>
-          </a:bodyPr>
-          <a:lstStyle/>
-          <a:p>
-            <a:r>
-              <a:rPr lang="en-US" sz="1000" smtClean="0">
-                <a:latin typeface="Courier New" pitchFamily="49" charset="0"/>
-                <a:cs typeface="Courier New" pitchFamily="49" charset="0"/>
-              </a:rPr>
-              <a:t>guiThrottle</a:t>
-            </a:r>
-          </a:p>
-        </p:txBody>
-      </p:sp>
-      <p:sp>
-        <p:nvSpPr>
-          <p:cNvPr id="67" name="TextBox 66"/>
-          <p:cNvSpPr txBox="1"/>
-          <p:nvPr/>
-        </p:nvSpPr>
-        <p:spPr>
-          <a:xfrm>
-            <a:off x="2905874" y="1817168"/>
-            <a:ext cx="1492716" cy="246221"/>
-          </a:xfrm>
-          <a:prstGeom prst="rect">
-            <a:avLst/>
-          </a:prstGeom>
-          <a:noFill/>
-        </p:spPr>
-        <p:txBody>
-          <a:bodyPr wrap="none" rtlCol="0">
-            <a:spAutoFit/>
-          </a:bodyPr>
-          <a:lstStyle/>
-          <a:p>
-            <a:r>
-              <a:rPr lang="en-US" sz="1000" smtClean="0">
-                <a:latin typeface="Courier New" pitchFamily="49" charset="0"/>
-                <a:cs typeface="Courier New" pitchFamily="49" charset="0"/>
-              </a:rPr>
-              <a:t>start(inQu,outQu)</a:t>
-            </a:r>
-            <a:endParaRPr lang="en-US" sz="1000">
-              <a:latin typeface="Courier New" pitchFamily="49" charset="0"/>
-              <a:cs typeface="Courier New" pitchFamily="49" charset="0"/>
-            </a:endParaRPr>
-          </a:p>
-        </p:txBody>
-      </p:sp>
-      <p:cxnSp>
-        <p:nvCxnSpPr>
-          <p:cNvPr id="69" name="Straight Arrow Connector 68"/>
-          <p:cNvCxnSpPr>
-            <a:stCxn id="34" idx="2"/>
-            <a:endCxn id="66" idx="0"/>
-          </p:cNvCxnSpPr>
-          <p:nvPr/>
-        </p:nvCxnSpPr>
-        <p:spPr>
-          <a:xfrm flipH="1">
-            <a:off x="3751887" y="1683235"/>
-            <a:ext cx="257320" cy="464418"/>
-          </a:xfrm>
-          <a:prstGeom prst="straightConnector1">
-            <a:avLst/>
-          </a:prstGeom>
-          <a:ln>
-            <a:tailEnd type="arrow"/>
-          </a:ln>
-        </p:spPr>
-        <p:style>
-          <a:lnRef idx="1">
-            <a:schemeClr val="accent1"/>
-          </a:lnRef>
-          <a:fillRef idx="0">
-            <a:schemeClr val="accent1"/>
-          </a:fillRef>
-          <a:effectRef idx="0">
-            <a:schemeClr val="accent1"/>
-          </a:effectRef>
-          <a:fontRef idx="minor">
-            <a:schemeClr val="tx1"/>
-          </a:fontRef>
-        </p:style>
-      </p:cxnSp>
-      <p:sp>
-        <p:nvSpPr>
-          <p:cNvPr id="73" name="TextBox 72"/>
-          <p:cNvSpPr txBox="1"/>
-          <p:nvPr/>
-        </p:nvSpPr>
-        <p:spPr>
-          <a:xfrm>
-            <a:off x="4762073" y="2676775"/>
-            <a:ext cx="800219" cy="246221"/>
-          </a:xfrm>
-          <a:prstGeom prst="rect">
-            <a:avLst/>
-          </a:prstGeom>
-          <a:ln/>
-        </p:spPr>
-        <p:style>
-          <a:lnRef idx="1">
-            <a:schemeClr val="accent3"/>
-          </a:lnRef>
-          <a:fillRef idx="2">
-            <a:schemeClr val="accent3"/>
-          </a:fillRef>
-          <a:effectRef idx="1">
-            <a:schemeClr val="accent3"/>
-          </a:effectRef>
-          <a:fontRef idx="minor">
-            <a:schemeClr val="dk1"/>
-          </a:fontRef>
-        </p:style>
-        <p:txBody>
-          <a:bodyPr wrap="none" rtlCol="0">
-            <a:spAutoFit/>
-          </a:bodyPr>
-          <a:lstStyle/>
-          <a:p>
-            <a:r>
-              <a:rPr lang="en-US" sz="1000" smtClean="0">
-                <a:latin typeface="Courier New" pitchFamily="49" charset="0"/>
-                <a:cs typeface="Courier New" pitchFamily="49" charset="0"/>
-              </a:rPr>
-              <a:t>throttle</a:t>
-            </a:r>
-          </a:p>
-        </p:txBody>
-      </p:sp>
-      <p:sp>
-        <p:nvSpPr>
-          <p:cNvPr id="80" name="TextBox 79"/>
-          <p:cNvSpPr txBox="1"/>
-          <p:nvPr/>
-        </p:nvSpPr>
-        <p:spPr>
-          <a:xfrm>
-            <a:off x="3102794" y="2527801"/>
-            <a:ext cx="1569660" cy="553998"/>
-          </a:xfrm>
-          <a:prstGeom prst="rect">
-            <a:avLst/>
-          </a:prstGeom>
-          <a:noFill/>
-        </p:spPr>
-        <p:txBody>
-          <a:bodyPr wrap="none" rtlCol="0">
-            <a:spAutoFit/>
-          </a:bodyPr>
-          <a:lstStyle/>
-          <a:p>
-            <a:r>
-              <a:rPr lang="en-US" sz="1000" smtClean="0">
-                <a:latin typeface="Courier New" pitchFamily="49" charset="0"/>
-                <a:cs typeface="Courier New" pitchFamily="49" charset="0"/>
-              </a:rPr>
-              <a:t>create(inQu,outQu)</a:t>
-            </a:r>
-          </a:p>
-          <a:p>
-            <a:r>
-              <a:rPr lang="en-US" sz="1000" smtClean="0">
-                <a:latin typeface="Courier New" pitchFamily="49" charset="0"/>
-                <a:cs typeface="Courier New" pitchFamily="49" charset="0"/>
-              </a:rPr>
-              <a:t>initTrain</a:t>
-            </a:r>
-          </a:p>
-          <a:p>
-            <a:r>
-              <a:rPr lang="en-US" sz="1000" smtClean="0">
-                <a:latin typeface="Courier New" pitchFamily="49" charset="0"/>
-                <a:cs typeface="Courier New" pitchFamily="49" charset="0"/>
-              </a:rPr>
-              <a:t>. . . </a:t>
-            </a:r>
-            <a:endParaRPr lang="en-US" sz="1000">
-              <a:latin typeface="Courier New" pitchFamily="49" charset="0"/>
-              <a:cs typeface="Courier New" pitchFamily="49" charset="0"/>
-            </a:endParaRPr>
-          </a:p>
-        </p:txBody>
-      </p:sp>
-      <p:cxnSp>
-        <p:nvCxnSpPr>
-          <p:cNvPr id="85" name="Straight Arrow Connector 84"/>
-          <p:cNvCxnSpPr>
-            <a:stCxn id="66" idx="3"/>
-            <a:endCxn id="73" idx="0"/>
-          </p:cNvCxnSpPr>
-          <p:nvPr/>
-        </p:nvCxnSpPr>
-        <p:spPr>
-          <a:xfrm>
-            <a:off x="4267412" y="2270764"/>
-            <a:ext cx="894771" cy="406011"/>
-          </a:xfrm>
-          <a:prstGeom prst="straightConnector1">
-            <a:avLst/>
-          </a:prstGeom>
-          <a:ln>
-            <a:tailEnd type="arrow"/>
-          </a:ln>
-        </p:spPr>
-        <p:style>
-          <a:lnRef idx="1">
-            <a:schemeClr val="accent1"/>
-          </a:lnRef>
-          <a:fillRef idx="0">
-            <a:schemeClr val="accent1"/>
-          </a:fillRef>
-          <a:effectRef idx="0">
-            <a:schemeClr val="accent1"/>
-          </a:effectRef>
-          <a:fontRef idx="minor">
-            <a:schemeClr val="tx1"/>
-          </a:fontRef>
-        </p:style>
-      </p:cxnSp>
-      <p:cxnSp>
-        <p:nvCxnSpPr>
-          <p:cNvPr id="109" name="Straight Arrow Connector 108"/>
-          <p:cNvCxnSpPr>
-            <a:stCxn id="73" idx="2"/>
-            <a:endCxn id="39" idx="0"/>
-          </p:cNvCxnSpPr>
-          <p:nvPr/>
-        </p:nvCxnSpPr>
-        <p:spPr>
-          <a:xfrm>
-            <a:off x="5162183" y="2922996"/>
-            <a:ext cx="2357921" cy="971263"/>
-          </a:xfrm>
-          <a:prstGeom prst="straightConnector1">
-            <a:avLst/>
-          </a:prstGeom>
-          <a:ln>
-            <a:tailEnd type="arrow"/>
-          </a:ln>
-        </p:spPr>
-        <p:style>
-          <a:lnRef idx="1">
-            <a:schemeClr val="accent1"/>
-          </a:lnRef>
-          <a:fillRef idx="0">
-            <a:schemeClr val="accent1"/>
-          </a:fillRef>
-          <a:effectRef idx="0">
-            <a:schemeClr val="accent1"/>
-          </a:effectRef>
-          <a:fontRef idx="minor">
-            <a:schemeClr val="tx1"/>
-          </a:fontRef>
-        </p:style>
-      </p:cxnSp>
-      <p:cxnSp>
-        <p:nvCxnSpPr>
-          <p:cNvPr id="111" name="Straight Arrow Connector 110"/>
-          <p:cNvCxnSpPr>
-            <a:stCxn id="73" idx="2"/>
-            <a:endCxn id="43" idx="0"/>
-          </p:cNvCxnSpPr>
-          <p:nvPr/>
-        </p:nvCxnSpPr>
-        <p:spPr>
-          <a:xfrm>
-            <a:off x="5162183" y="2922996"/>
-            <a:ext cx="771588" cy="959274"/>
-          </a:xfrm>
-          <a:prstGeom prst="straightConnector1">
-            <a:avLst/>
-          </a:prstGeom>
-          <a:ln>
-            <a:tailEnd type="arrow"/>
-          </a:ln>
-        </p:spPr>
-        <p:style>
-          <a:lnRef idx="1">
-            <a:schemeClr val="accent1"/>
-          </a:lnRef>
-          <a:fillRef idx="0">
-            <a:schemeClr val="accent1"/>
-          </a:fillRef>
-          <a:effectRef idx="0">
-            <a:schemeClr val="accent1"/>
-          </a:effectRef>
-          <a:fontRef idx="minor">
-            <a:schemeClr val="tx1"/>
-          </a:fontRef>
-        </p:style>
-      </p:cxnSp>
-      <p:sp>
-        <p:nvSpPr>
-          <p:cNvPr id="112" name="TextBox 111"/>
-          <p:cNvSpPr txBox="1"/>
-          <p:nvPr/>
-        </p:nvSpPr>
-        <p:spPr>
-          <a:xfrm>
-            <a:off x="5208997" y="3298360"/>
-            <a:ext cx="415498" cy="246221"/>
-          </a:xfrm>
-          <a:prstGeom prst="rect">
-            <a:avLst/>
-          </a:prstGeom>
-          <a:noFill/>
-        </p:spPr>
-        <p:txBody>
-          <a:bodyPr wrap="none" rtlCol="0">
-            <a:spAutoFit/>
-          </a:bodyPr>
-          <a:lstStyle/>
-          <a:p>
-            <a:r>
-              <a:rPr lang="en-US" sz="1000" smtClean="0">
-                <a:latin typeface="Courier New" pitchFamily="49" charset="0"/>
-                <a:cs typeface="Courier New" pitchFamily="49" charset="0"/>
-              </a:rPr>
-              <a:t>put</a:t>
-            </a:r>
-            <a:endParaRPr lang="en-US" sz="1000">
-              <a:latin typeface="Courier New" pitchFamily="49" charset="0"/>
-              <a:cs typeface="Courier New" pitchFamily="49" charset="0"/>
-            </a:endParaRPr>
-          </a:p>
-        </p:txBody>
-      </p:sp>
-      <p:sp>
-        <p:nvSpPr>
-          <p:cNvPr id="113" name="TextBox 112"/>
-          <p:cNvSpPr txBox="1"/>
-          <p:nvPr/>
-        </p:nvSpPr>
-        <p:spPr>
-          <a:xfrm>
-            <a:off x="5488110" y="3012396"/>
-            <a:ext cx="415498" cy="246221"/>
-          </a:xfrm>
-          <a:prstGeom prst="rect">
-            <a:avLst/>
-          </a:prstGeom>
-          <a:noFill/>
-        </p:spPr>
-        <p:txBody>
-          <a:bodyPr wrap="none" rtlCol="0">
-            <a:spAutoFit/>
-          </a:bodyPr>
-          <a:lstStyle/>
-          <a:p>
-            <a:r>
-              <a:rPr lang="en-US" sz="1000" smtClean="0">
-                <a:latin typeface="Courier New" pitchFamily="49" charset="0"/>
-                <a:cs typeface="Courier New" pitchFamily="49" charset="0"/>
-              </a:rPr>
-              <a:t>get</a:t>
-            </a:r>
-            <a:endParaRPr lang="en-US" sz="1000">
-              <a:latin typeface="Courier New" pitchFamily="49" charset="0"/>
-              <a:cs typeface="Courier New" pitchFamily="49" charset="0"/>
-            </a:endParaRPr>
-          </a:p>
-        </p:txBody>
-      </p:sp>
-    </p:spTree>
-  </p:cSld>
-  <p:clrMapOvr>
-    <a:masterClrMapping/>
-  </p:clrMapOvr>
-</p:sld>
-</file>
-
 <file path=ppt/slides/slide2.xml><?xml version="1.0" encoding="utf-8"?>
 <p:sld xmlns:a="http://schemas.openxmlformats.org/drawingml/2006/main" xmlns:r="http://schemas.openxmlformats.org/officeDocument/2006/relationships" xmlns:p="http://schemas.openxmlformats.org/presentationml/2006/main">
   <p:cSld>
@@ -12395,159 +7614,13 @@
       </p:grpSpPr>
       <p:sp>
         <p:nvSpPr>
-          <p:cNvPr id="2" name="TextBox 1"/>
-          <p:cNvSpPr txBox="1"/>
-          <p:nvPr/>
-        </p:nvSpPr>
-        <p:spPr>
-          <a:xfrm>
-            <a:off x="883578" y="760288"/>
-            <a:ext cx="2262158" cy="1938992"/>
-          </a:xfrm>
-          <a:prstGeom prst="rect">
-            <a:avLst/>
-          </a:prstGeom>
-          <a:noFill/>
-          <a:ln cmpd="sng">
-            <a:solidFill>
-              <a:schemeClr val="tx1"/>
-            </a:solidFill>
-          </a:ln>
-        </p:spPr>
-        <p:txBody>
-          <a:bodyPr wrap="square" rtlCol="0">
-            <a:spAutoFit/>
-          </a:bodyPr>
-          <a:lstStyle/>
-          <a:p>
-            <a:r>
-              <a:rPr lang="en-US" sz="1000" b="1" smtClean="0">
-                <a:solidFill>
-                  <a:srgbClr val="FF0000"/>
-                </a:solidFill>
-                <a:latin typeface="Courier New" pitchFamily="49" charset="0"/>
-                <a:cs typeface="Courier New" pitchFamily="49" charset="0"/>
-              </a:rPr>
-              <a:t>Log </a:t>
-            </a:r>
-            <a:r>
-              <a:rPr lang="en-US" sz="1000" b="1" smtClean="0">
-                <a:latin typeface="Courier New" pitchFamily="49" charset="0"/>
-                <a:cs typeface="Courier New" pitchFamily="49" charset="0"/>
-              </a:rPr>
-              <a:t>– protected data type</a:t>
-            </a:r>
-          </a:p>
-          <a:p>
-            <a:r>
-              <a:rPr lang="en-US" sz="1000" smtClean="0">
-                <a:latin typeface="Courier New" pitchFamily="49" charset="0"/>
-                <a:cs typeface="Courier New" pitchFamily="49" charset="0"/>
-              </a:rPr>
-              <a:t>----------</a:t>
-            </a:r>
-          </a:p>
-          <a:p>
-            <a:r>
-              <a:rPr lang="en-US" sz="1000" smtClean="0">
-                <a:latin typeface="Courier New" pitchFamily="49" charset="0"/>
-                <a:cs typeface="Courier New" pitchFamily="49" charset="0"/>
-              </a:rPr>
-              <a:t>openLog(nm, flushFrequency)</a:t>
-            </a:r>
-          </a:p>
-          <a:p>
-            <a:r>
-              <a:rPr lang="en-US" sz="1000" smtClean="0">
-                <a:latin typeface="Courier New" pitchFamily="49" charset="0"/>
-                <a:cs typeface="Courier New" pitchFamily="49" charset="0"/>
-              </a:rPr>
-              <a:t>printLog(str)</a:t>
-            </a:r>
-          </a:p>
-          <a:p>
-            <a:r>
-              <a:rPr lang="en-US" sz="1000" smtClean="0">
-                <a:latin typeface="Courier New" pitchFamily="49" charset="0"/>
-                <a:cs typeface="Courier New" pitchFamily="49" charset="0"/>
-              </a:rPr>
-              <a:t>flushLog</a:t>
-            </a:r>
-          </a:p>
-          <a:p>
-            <a:r>
-              <a:rPr lang="en-US" sz="1000" smtClean="0">
-                <a:latin typeface="Courier New" pitchFamily="49" charset="0"/>
-                <a:cs typeface="Courier New" pitchFamily="49" charset="0"/>
-              </a:rPr>
-              <a:t>closeLog</a:t>
-            </a:r>
-          </a:p>
-          <a:p>
-            <a:r>
-              <a:rPr lang="en-US" sz="1000" smtClean="0">
-                <a:latin typeface="Courier New" pitchFamily="49" charset="0"/>
-                <a:cs typeface="Courier New" pitchFamily="49" charset="0"/>
-              </a:rPr>
-              <a:t>----------</a:t>
-            </a:r>
-          </a:p>
-          <a:p>
-            <a:r>
-              <a:rPr lang="en-US" sz="1000" smtClean="0">
-                <a:latin typeface="Courier New" pitchFamily="49" charset="0"/>
-                <a:cs typeface="Courier New" pitchFamily="49" charset="0"/>
-              </a:rPr>
-              <a:t>logFile</a:t>
-            </a:r>
-          </a:p>
-          <a:p>
-            <a:r>
-              <a:rPr lang="en-US" sz="1000" smtClean="0">
-                <a:latin typeface="Courier New" pitchFamily="49" charset="0"/>
-                <a:cs typeface="Courier New" pitchFamily="49" charset="0"/>
-              </a:rPr>
-              <a:t>logFileName</a:t>
-            </a:r>
-          </a:p>
-          <a:p>
-            <a:r>
-              <a:rPr lang="en-US" sz="1000" smtClean="0">
-                <a:latin typeface="Courier New" pitchFamily="49" charset="0"/>
-                <a:cs typeface="Courier New" pitchFamily="49" charset="0"/>
-              </a:rPr>
-              <a:t>logCondition</a:t>
-            </a:r>
-          </a:p>
-          <a:p>
-            <a:r>
-              <a:rPr lang="en-US" sz="1000" smtClean="0">
-                <a:latin typeface="Courier New" pitchFamily="49" charset="0"/>
-                <a:cs typeface="Courier New" pitchFamily="49" charset="0"/>
-              </a:rPr>
-              <a:t>logLineCount</a:t>
-            </a:r>
-          </a:p>
-          <a:p>
-            <a:r>
-              <a:rPr lang="en-US" sz="1000" smtClean="0">
-                <a:latin typeface="Courier New" pitchFamily="49" charset="0"/>
-                <a:cs typeface="Courier New" pitchFamily="49" charset="0"/>
-              </a:rPr>
-              <a:t>logFlushFrequency</a:t>
-            </a:r>
-          </a:p>
-        </p:txBody>
-      </p:sp>
-      <p:sp>
-        <p:nvSpPr>
           <p:cNvPr id="5" name="TextBox 4"/>
           <p:cNvSpPr txBox="1"/>
           <p:nvPr/>
         </p:nvSpPr>
         <p:spPr>
           <a:xfrm>
-            <a:off x="4238090" y="1720922"/>
+            <a:off x="2828838" y="2323350"/>
             <a:ext cx="415498" cy="246221"/>
           </a:xfrm>
           <a:prstGeom prst="rect">
@@ -12595,7 +7668,7 @@
         </p:nvSpPr>
         <p:spPr>
           <a:xfrm>
-            <a:off x="6517242" y="1554823"/>
+            <a:off x="5107990" y="2157251"/>
             <a:ext cx="1800493" cy="246221"/>
           </a:xfrm>
           <a:prstGeom prst="rect">
@@ -12637,7 +7710,7 @@
         </p:nvSpPr>
         <p:spPr>
           <a:xfrm>
-            <a:off x="5292904" y="772274"/>
+            <a:off x="3883652" y="1374702"/>
             <a:ext cx="492443" cy="246221"/>
           </a:xfrm>
           <a:prstGeom prst="rect">
@@ -12682,7 +7755,7 @@
         </p:nvCxnSpPr>
         <p:spPr>
           <a:xfrm flipH="1">
-            <a:off x="4445839" y="895385"/>
+            <a:off x="3036587" y="1497813"/>
             <a:ext cx="847065" cy="825537"/>
           </a:xfrm>
           <a:prstGeom prst="straightConnector1">
@@ -12715,7 +7788,7 @@
         </p:nvSpPr>
         <p:spPr>
           <a:xfrm>
-            <a:off x="5227834" y="1919555"/>
+            <a:off x="3818582" y="2521983"/>
             <a:ext cx="800219" cy="246221"/>
           </a:xfrm>
           <a:prstGeom prst="rect">
@@ -12751,7 +7824,7 @@
         </p:nvSpPr>
         <p:spPr>
           <a:xfrm>
-            <a:off x="6068602" y="910975"/>
+            <a:off x="4659350" y="1513403"/>
             <a:ext cx="569387" cy="246221"/>
           </a:xfrm>
           <a:prstGeom prst="rect">
@@ -12787,7 +7860,7 @@
         </p:nvSpPr>
         <p:spPr>
           <a:xfrm>
-            <a:off x="4012059" y="683231"/>
+            <a:off x="2602807" y="1285659"/>
             <a:ext cx="800219" cy="707886"/>
           </a:xfrm>
           <a:prstGeom prst="rect">
@@ -12850,7 +7923,7 @@
         </p:nvSpPr>
         <p:spPr>
           <a:xfrm>
-            <a:off x="6400801" y="1705511"/>
+            <a:off x="4991549" y="2307939"/>
             <a:ext cx="1800493" cy="246221"/>
           </a:xfrm>
           <a:prstGeom prst="rect">
@@ -12894,7 +7967,7 @@
         </p:nvCxnSpPr>
         <p:spPr>
           <a:xfrm>
-            <a:off x="5785347" y="895385"/>
+            <a:off x="4376095" y="1497813"/>
             <a:ext cx="646275" cy="656013"/>
           </a:xfrm>
           <a:prstGeom prst="straightConnector1">
@@ -12930,7 +8003,7 @@
         </p:nvCxnSpPr>
         <p:spPr>
           <a:xfrm flipH="1">
-            <a:off x="4653588" y="1828622"/>
+            <a:off x="3244336" y="2431050"/>
             <a:ext cx="1747213" cy="15411"/>
           </a:xfrm>
           <a:prstGeom prst="straightConnector1">
@@ -12957,14 +8030,14 @@
       </p:cxnSp>
       <p:sp>
         <p:nvSpPr>
-          <p:cNvPr id="22" name="TextBox 21"/>
-          <p:cNvSpPr txBox="1"/>
-          <p:nvPr/>
-        </p:nvSpPr>
-        <p:spPr>
-          <a:xfrm>
-            <a:off x="1387011" y="154113"/>
-            <a:ext cx="795859" cy="369332"/>
+          <p:cNvPr id="23" name="TextBox 22"/>
+          <p:cNvSpPr txBox="1"/>
+          <p:nvPr/>
+        </p:nvSpPr>
+        <p:spPr>
+          <a:xfrm>
+            <a:off x="3573715" y="746266"/>
+            <a:ext cx="1282531" cy="369332"/>
           </a:xfrm>
           <a:prstGeom prst="rect">
             <a:avLst/>
@@ -12985,7 +8058,7 @@
                   </a:schemeClr>
                 </a:solidFill>
               </a:rPr>
-              <a:t>Log.py</a:t>
+              <a:t>Log_Test.py</a:t>
             </a:r>
             <a:endParaRPr lang="en-US">
               <a:solidFill>
@@ -12999,138 +8072,13 @@
       </p:sp>
       <p:sp>
         <p:nvSpPr>
-          <p:cNvPr id="23" name="TextBox 22"/>
-          <p:cNvSpPr txBox="1"/>
-          <p:nvPr/>
-        </p:nvSpPr>
-        <p:spPr>
-          <a:xfrm>
-            <a:off x="4982967" y="143838"/>
-            <a:ext cx="1282531" cy="369332"/>
-          </a:xfrm>
-          <a:prstGeom prst="rect">
-            <a:avLst/>
-          </a:prstGeom>
-          <a:noFill/>
-        </p:spPr>
-        <p:txBody>
-          <a:bodyPr wrap="none" rtlCol="0">
-            <a:spAutoFit/>
-          </a:bodyPr>
-          <a:lstStyle/>
-          <a:p>
-            <a:r>
-              <a:rPr lang="en-US" smtClean="0">
-                <a:solidFill>
-                  <a:schemeClr val="accent6">
-                    <a:lumMod val="75000"/>
-                  </a:schemeClr>
-                </a:solidFill>
-              </a:rPr>
-              <a:t>Log_Test.py</a:t>
-            </a:r>
-            <a:endParaRPr lang="en-US">
-              <a:solidFill>
-                <a:schemeClr val="accent6">
-                  <a:lumMod val="75000"/>
-                </a:schemeClr>
-              </a:solidFill>
-            </a:endParaRPr>
-          </a:p>
-        </p:txBody>
-      </p:sp>
-      <p:sp>
-        <p:nvSpPr>
-          <p:cNvPr id="15" name="TextBox 14"/>
-          <p:cNvSpPr txBox="1"/>
-          <p:nvPr/>
-        </p:nvSpPr>
-        <p:spPr>
-          <a:xfrm>
-            <a:off x="902414" y="3214099"/>
-            <a:ext cx="2339102" cy="861774"/>
-          </a:xfrm>
-          <a:prstGeom prst="rect">
-            <a:avLst/>
-          </a:prstGeom>
-          <a:noFill/>
-          <a:ln cmpd="sng">
-            <a:solidFill>
-              <a:schemeClr val="tx1"/>
-            </a:solidFill>
-          </a:ln>
-        </p:spPr>
-        <p:txBody>
-          <a:bodyPr wrap="none" rtlCol="0">
-            <a:spAutoFit/>
-          </a:bodyPr>
-          <a:lstStyle/>
-          <a:p>
-            <a:r>
-              <a:rPr lang="en-US" sz="1000" b="1" smtClean="0">
-                <a:solidFill>
-                  <a:srgbClr val="FF0000"/>
-                </a:solidFill>
-                <a:latin typeface="Courier New" pitchFamily="49" charset="0"/>
-                <a:cs typeface="Courier New" pitchFamily="49" charset="0"/>
-              </a:rPr>
-              <a:t>MyPrint</a:t>
-            </a:r>
-            <a:r>
-              <a:rPr lang="en-US" sz="1000" b="1" smtClean="0">
-                <a:latin typeface="Courier New" pitchFamily="49" charset="0"/>
-                <a:cs typeface="Courier New" pitchFamily="49" charset="0"/>
-              </a:rPr>
-              <a:t>– protected data type</a:t>
-            </a:r>
-          </a:p>
-          <a:p>
-            <a:r>
-              <a:rPr lang="en-US" sz="1000" smtClean="0">
-                <a:latin typeface="Courier New" pitchFamily="49" charset="0"/>
-                <a:cs typeface="Courier New" pitchFamily="49" charset="0"/>
-              </a:rPr>
-              <a:t>----------</a:t>
-            </a:r>
-          </a:p>
-          <a:p>
-            <a:r>
-              <a:rPr lang="en-US" sz="1000" smtClean="0">
-                <a:latin typeface="Courier New" pitchFamily="49" charset="0"/>
-                <a:cs typeface="Courier New" pitchFamily="49" charset="0"/>
-              </a:rPr>
-              <a:t>myPrint(str)</a:t>
-            </a:r>
-          </a:p>
-          <a:p>
-            <a:r>
-              <a:rPr lang="en-US" sz="1000" smtClean="0">
-                <a:latin typeface="Courier New" pitchFamily="49" charset="0"/>
-                <a:cs typeface="Courier New" pitchFamily="49" charset="0"/>
-              </a:rPr>
-              <a:t>----------</a:t>
-            </a:r>
-          </a:p>
-          <a:p>
-            <a:r>
-              <a:rPr lang="en-US" sz="1000" smtClean="0">
-                <a:latin typeface="Courier New" pitchFamily="49" charset="0"/>
-                <a:cs typeface="Courier New" pitchFamily="49" charset="0"/>
-              </a:rPr>
-              <a:t>printCondition</a:t>
-            </a:r>
-          </a:p>
-        </p:txBody>
-      </p:sp>
-      <p:sp>
-        <p:nvSpPr>
           <p:cNvPr id="17" name="TextBox 16"/>
           <p:cNvSpPr txBox="1"/>
           <p:nvPr/>
         </p:nvSpPr>
         <p:spPr>
           <a:xfrm>
-            <a:off x="4493232" y="4431587"/>
+            <a:off x="3083980" y="5034015"/>
             <a:ext cx="646331" cy="246221"/>
           </a:xfrm>
           <a:prstGeom prst="rect">
@@ -13178,7 +8126,7 @@
         </p:nvSpPr>
         <p:spPr>
           <a:xfrm>
-            <a:off x="6772384" y="4265488"/>
+            <a:off x="5363132" y="4867916"/>
             <a:ext cx="2031325" cy="246221"/>
           </a:xfrm>
           <a:prstGeom prst="rect">
@@ -13220,7 +8168,7 @@
         </p:nvSpPr>
         <p:spPr>
           <a:xfrm>
-            <a:off x="5548046" y="3482939"/>
+            <a:off x="4138794" y="4085367"/>
             <a:ext cx="492443" cy="246221"/>
           </a:xfrm>
           <a:prstGeom prst="rect">
@@ -13262,7 +8210,7 @@
         </p:nvSpPr>
         <p:spPr>
           <a:xfrm>
-            <a:off x="5482976" y="4630220"/>
+            <a:off x="4073724" y="5232648"/>
             <a:ext cx="723275" cy="246221"/>
           </a:xfrm>
           <a:prstGeom prst="rect">
@@ -13298,7 +8246,7 @@
         </p:nvSpPr>
         <p:spPr>
           <a:xfrm>
-            <a:off x="6323744" y="3621640"/>
+            <a:off x="4914492" y="4224068"/>
             <a:ext cx="569387" cy="246221"/>
           </a:xfrm>
           <a:prstGeom prst="rect">
@@ -13334,7 +8282,7 @@
         </p:nvSpPr>
         <p:spPr>
           <a:xfrm>
-            <a:off x="6655943" y="4416176"/>
+            <a:off x="5246691" y="5018604"/>
             <a:ext cx="2031325" cy="246221"/>
           </a:xfrm>
           <a:prstGeom prst="rect">
@@ -13378,7 +8326,7 @@
         </p:nvCxnSpPr>
         <p:spPr>
           <a:xfrm>
-            <a:off x="6040489" y="3606050"/>
+            <a:off x="4631237" y="4208478"/>
             <a:ext cx="646275" cy="656013"/>
           </a:xfrm>
           <a:prstGeom prst="straightConnector1">
@@ -13414,7 +8362,7 @@
         </p:nvCxnSpPr>
         <p:spPr>
           <a:xfrm flipH="1">
-            <a:off x="5139563" y="4539287"/>
+            <a:off x="3730311" y="5141715"/>
             <a:ext cx="1516380" cy="15411"/>
           </a:xfrm>
           <a:prstGeom prst="straightConnector1">
@@ -13447,7 +8395,7 @@
         </p:nvSpPr>
         <p:spPr>
           <a:xfrm>
-            <a:off x="5238109" y="2854503"/>
+            <a:off x="3828857" y="3456931"/>
             <a:ext cx="1703608" cy="369332"/>
           </a:xfrm>
           <a:prstGeom prst="rect">
@@ -13508,14 +8456,60 @@
       </p:grpSpPr>
       <p:sp>
         <p:nvSpPr>
-          <p:cNvPr id="2" name="TextBox 1"/>
-          <p:cNvSpPr txBox="1"/>
-          <p:nvPr/>
-        </p:nvSpPr>
-        <p:spPr>
-          <a:xfrm>
-            <a:off x="1489754" y="739739"/>
-            <a:ext cx="1570495" cy="369332"/>
+          <p:cNvPr id="4" name="TextBox 3"/>
+          <p:cNvSpPr txBox="1"/>
+          <p:nvPr/>
+        </p:nvSpPr>
+        <p:spPr>
+          <a:xfrm>
+            <a:off x="3933735" y="2091881"/>
+            <a:ext cx="492443" cy="246221"/>
+          </a:xfrm>
+          <a:prstGeom prst="rect">
+            <a:avLst/>
+          </a:prstGeom>
+          <a:ln/>
+        </p:spPr>
+        <p:style>
+          <a:lnRef idx="1">
+            <a:schemeClr val="accent1"/>
+          </a:lnRef>
+          <a:fillRef idx="3">
+            <a:schemeClr val="accent1"/>
+          </a:fillRef>
+          <a:effectRef idx="2">
+            <a:schemeClr val="accent1"/>
+          </a:effectRef>
+          <a:fontRef idx="minor">
+            <a:schemeClr val="lt1"/>
+          </a:fontRef>
+        </p:style>
+        <p:txBody>
+          <a:bodyPr wrap="none" rtlCol="0">
+            <a:spAutoFit/>
+          </a:bodyPr>
+          <a:lstStyle/>
+          <a:p>
+            <a:r>
+              <a:rPr lang="en-US" sz="1000" smtClean="0">
+                <a:latin typeface="Courier New" pitchFamily="49" charset="0"/>
+                <a:cs typeface="Courier New" pitchFamily="49" charset="0"/>
+              </a:rPr>
+              <a:t>main</a:t>
+            </a:r>
+          </a:p>
+        </p:txBody>
+      </p:sp>
+      <p:sp>
+        <p:nvSpPr>
+          <p:cNvPr id="6" name="TextBox 5"/>
+          <p:cNvSpPr txBox="1"/>
+          <p:nvPr/>
+        </p:nvSpPr>
+        <p:spPr>
+          <a:xfrm>
+            <a:off x="3217967" y="1376113"/>
+            <a:ext cx="2057166" cy="369332"/>
           </a:xfrm>
           <a:prstGeom prst="rect">
             <a:avLst/>
@@ -13536,7 +8530,7 @@
                   </a:schemeClr>
                 </a:solidFill>
               </a:rPr>
-              <a:t>StartAndKill.py</a:t>
+              <a:t>StartAndKill_Test.py</a:t>
             </a:r>
             <a:endParaRPr lang="en-US">
               <a:solidFill>
@@ -13550,213 +8544,13 @@
       </p:sp>
       <p:sp>
         <p:nvSpPr>
-          <p:cNvPr id="3" name="TextBox 2"/>
-          <p:cNvSpPr txBox="1"/>
-          <p:nvPr/>
-        </p:nvSpPr>
-        <p:spPr>
-          <a:xfrm>
-            <a:off x="1467494" y="1220912"/>
-            <a:ext cx="1646605" cy="1477328"/>
-          </a:xfrm>
-          <a:prstGeom prst="rect">
-            <a:avLst/>
-          </a:prstGeom>
-          <a:noFill/>
-          <a:ln cmpd="sng">
-            <a:solidFill>
-              <a:schemeClr val="tx1"/>
-            </a:solidFill>
-          </a:ln>
-        </p:spPr>
-        <p:txBody>
-          <a:bodyPr wrap="none" rtlCol="0">
-            <a:spAutoFit/>
-          </a:bodyPr>
-          <a:lstStyle/>
-          <a:p>
-            <a:r>
-              <a:rPr lang="en-US" sz="1000" b="1" smtClean="0">
-                <a:solidFill>
-                  <a:srgbClr val="FF0000"/>
-                </a:solidFill>
-                <a:latin typeface="Courier New" pitchFamily="49" charset="0"/>
-                <a:cs typeface="Courier New" pitchFamily="49" charset="0"/>
-              </a:rPr>
-              <a:t>StartAndKill</a:t>
-            </a:r>
-          </a:p>
-          <a:p>
-            <a:r>
-              <a:rPr lang="en-US" sz="1000" smtClean="0">
-                <a:latin typeface="Courier New" pitchFamily="49" charset="0"/>
-                <a:cs typeface="Courier New" pitchFamily="49" charset="0"/>
-              </a:rPr>
-              <a:t>----------</a:t>
-            </a:r>
-          </a:p>
-          <a:p>
-            <a:r>
-              <a:rPr lang="en-US" sz="1000" smtClean="0">
-                <a:latin typeface="Courier New" pitchFamily="49" charset="0"/>
-                <a:cs typeface="Courier New" pitchFamily="49" charset="0"/>
-              </a:rPr>
-              <a:t>kill(name)</a:t>
-            </a:r>
-          </a:p>
-          <a:p>
-            <a:r>
-              <a:rPr lang="en-US" sz="1000" smtClean="0">
-                <a:latin typeface="Courier New" pitchFamily="49" charset="0"/>
-                <a:cs typeface="Courier New" pitchFamily="49" charset="0"/>
-              </a:rPr>
-              <a:t>setPath(str)</a:t>
-            </a:r>
-          </a:p>
-          <a:p>
-            <a:r>
-              <a:rPr lang="en-US" sz="1000" smtClean="0">
-                <a:latin typeface="Courier New" pitchFamily="49" charset="0"/>
-                <a:cs typeface="Courier New" pitchFamily="49" charset="0"/>
-              </a:rPr>
-              <a:t>start(name,ip,port,</a:t>
-            </a:r>
-          </a:p>
-          <a:p>
-            <a:r>
-              <a:rPr lang="en-US" sz="1000" smtClean="0">
-                <a:latin typeface="Courier New" pitchFamily="49" charset="0"/>
-                <a:cs typeface="Courier New" pitchFamily="49" charset="0"/>
-              </a:rPr>
-              <a:t>      trace,logs,</a:t>
-            </a:r>
-          </a:p>
-          <a:p>
-            <a:r>
-              <a:rPr lang="en-US" sz="1000" smtClean="0">
-                <a:latin typeface="Courier New" pitchFamily="49" charset="0"/>
-                <a:cs typeface="Courier New" pitchFamily="49" charset="0"/>
-              </a:rPr>
-              <a:t>      layoutFile</a:t>
-            </a:r>
-          </a:p>
-          <a:p>
-            <a:r>
-              <a:rPr lang="en-US" sz="1000" smtClean="0">
-                <a:latin typeface="Courier New" pitchFamily="49" charset="0"/>
-                <a:cs typeface="Courier New" pitchFamily="49" charset="0"/>
-              </a:rPr>
-              <a:t>----------</a:t>
-            </a:r>
-          </a:p>
-          <a:p>
-            <a:r>
-              <a:rPr lang="en-US" sz="1000" smtClean="0">
-                <a:latin typeface="Courier New" pitchFamily="49" charset="0"/>
-                <a:cs typeface="Courier New" pitchFamily="49" charset="0"/>
-              </a:rPr>
-              <a:t>gPath</a:t>
-            </a:r>
-          </a:p>
-        </p:txBody>
-      </p:sp>
-      <p:sp>
-        <p:nvSpPr>
-          <p:cNvPr id="4" name="TextBox 3"/>
-          <p:cNvSpPr txBox="1"/>
-          <p:nvPr/>
-        </p:nvSpPr>
-        <p:spPr>
-          <a:xfrm>
-            <a:off x="5676475" y="4125076"/>
-            <a:ext cx="492443" cy="246221"/>
-          </a:xfrm>
-          <a:prstGeom prst="rect">
-            <a:avLst/>
-          </a:prstGeom>
-          <a:ln/>
-        </p:spPr>
-        <p:style>
-          <a:lnRef idx="1">
-            <a:schemeClr val="accent1"/>
-          </a:lnRef>
-          <a:fillRef idx="3">
-            <a:schemeClr val="accent1"/>
-          </a:fillRef>
-          <a:effectRef idx="2">
-            <a:schemeClr val="accent1"/>
-          </a:effectRef>
-          <a:fontRef idx="minor">
-            <a:schemeClr val="lt1"/>
-          </a:fontRef>
-        </p:style>
-        <p:txBody>
-          <a:bodyPr wrap="none" rtlCol="0">
-            <a:spAutoFit/>
-          </a:bodyPr>
-          <a:lstStyle/>
-          <a:p>
-            <a:r>
-              <a:rPr lang="en-US" sz="1000" smtClean="0">
-                <a:latin typeface="Courier New" pitchFamily="49" charset="0"/>
-                <a:cs typeface="Courier New" pitchFamily="49" charset="0"/>
-              </a:rPr>
-              <a:t>main</a:t>
-            </a:r>
-          </a:p>
-        </p:txBody>
-      </p:sp>
-      <p:sp>
-        <p:nvSpPr>
-          <p:cNvPr id="6" name="TextBox 5"/>
-          <p:cNvSpPr txBox="1"/>
-          <p:nvPr/>
-        </p:nvSpPr>
-        <p:spPr>
-          <a:xfrm>
-            <a:off x="4960707" y="3409308"/>
-            <a:ext cx="2057166" cy="369332"/>
-          </a:xfrm>
-          <a:prstGeom prst="rect">
-            <a:avLst/>
-          </a:prstGeom>
-          <a:noFill/>
-        </p:spPr>
-        <p:txBody>
-          <a:bodyPr wrap="none" rtlCol="0">
-            <a:spAutoFit/>
-          </a:bodyPr>
-          <a:lstStyle/>
-          <a:p>
-            <a:r>
-              <a:rPr lang="en-US" smtClean="0">
-                <a:solidFill>
-                  <a:schemeClr val="accent6">
-                    <a:lumMod val="75000"/>
-                  </a:schemeClr>
-                </a:solidFill>
-              </a:rPr>
-              <a:t>StartAndKill_Test.py</a:t>
-            </a:r>
-            <a:endParaRPr lang="en-US">
-              <a:solidFill>
-                <a:schemeClr val="accent6">
-                  <a:lumMod val="75000"/>
-                </a:schemeClr>
-              </a:solidFill>
-            </a:endParaRPr>
-          </a:p>
-        </p:txBody>
-      </p:sp>
-      <p:sp>
-        <p:nvSpPr>
           <p:cNvPr id="7" name="TextBox 6"/>
           <p:cNvSpPr txBox="1"/>
           <p:nvPr/>
         </p:nvSpPr>
         <p:spPr>
           <a:xfrm>
-            <a:off x="6459023" y="4034317"/>
+            <a:off x="4716283" y="2001122"/>
             <a:ext cx="415498" cy="246221"/>
           </a:xfrm>
           <a:prstGeom prst="rect">
@@ -13807,7 +8601,7 @@
         </p:nvCxnSpPr>
         <p:spPr>
           <a:xfrm flipV="1">
-            <a:off x="6168918" y="4157428"/>
+            <a:off x="4426178" y="2124233"/>
             <a:ext cx="290105" cy="90759"/>
           </a:xfrm>
           <a:prstGeom prst="straightConnector1">
@@ -13840,7 +8634,7 @@
         </p:nvSpPr>
         <p:spPr>
           <a:xfrm>
-            <a:off x="5214137" y="4967553"/>
+            <a:off x="3471397" y="2934358"/>
             <a:ext cx="1107996" cy="246221"/>
           </a:xfrm>
           <a:prstGeom prst="rect">
@@ -13891,7 +8685,7 @@
         </p:nvCxnSpPr>
         <p:spPr>
           <a:xfrm flipH="1">
-            <a:off x="5768135" y="4371297"/>
+            <a:off x="4025395" y="2338102"/>
             <a:ext cx="154562" cy="596256"/>
           </a:xfrm>
           <a:prstGeom prst="straightConnector1">
@@ -13924,7 +8718,7 @@
         </p:nvSpPr>
         <p:spPr>
           <a:xfrm>
-            <a:off x="5945313" y="4424736"/>
+            <a:off x="4202573" y="2391541"/>
             <a:ext cx="723275" cy="553998"/>
           </a:xfrm>
           <a:prstGeom prst="rect">
@@ -14064,46 +8858,25 @@
                 <a:latin typeface="Courier New" pitchFamily="49" charset="0"/>
                 <a:cs typeface="Courier New" pitchFamily="49" charset="0"/>
               </a:rPr>
-              <a:t>init(name,outQu</a:t>
-            </a:r>
-            <a:r>
-              <a:rPr lang="en-US" sz="1000" smtClean="0">
-                <a:latin typeface="Courier New" pitchFamily="49" charset="0"/>
-                <a:cs typeface="Courier New" pitchFamily="49" charset="0"/>
-              </a:rPr>
-              <a:t>)</a:t>
-            </a:r>
-          </a:p>
-          <a:p>
-            <a:r>
-              <a:rPr lang="en-US" sz="1000" smtClean="0">
-                <a:latin typeface="Courier New" pitchFamily="49" charset="0"/>
-                <a:cs typeface="Courier New" pitchFamily="49" charset="0"/>
-              </a:rPr>
-              <a:t>addInterest(msgType</a:t>
-            </a:r>
-            <a:r>
-              <a:rPr lang="en-US" sz="1000" smtClean="0">
-                <a:latin typeface="Courier New" pitchFamily="49" charset="0"/>
-                <a:cs typeface="Courier New" pitchFamily="49" charset="0"/>
-              </a:rPr>
-              <a:t>)</a:t>
-            </a:r>
-          </a:p>
-          <a:p>
-            <a:r>
-              <a:rPr lang="en-US" sz="1000" smtClean="0">
-                <a:latin typeface="Courier New" pitchFamily="49" charset="0"/>
-                <a:cs typeface="Courier New" pitchFamily="49" charset="0"/>
-              </a:rPr>
-              <a:t>removeInterest(msgType</a:t>
-            </a:r>
-            <a:r>
-              <a:rPr lang="en-US" sz="1000" smtClean="0">
-                <a:latin typeface="Courier New" pitchFamily="49" charset="0"/>
-                <a:cs typeface="Courier New" pitchFamily="49" charset="0"/>
-              </a:rPr>
-              <a:t>)</a:t>
+              <a:t>init(name,outQu)</a:t>
+            </a:r>
+          </a:p>
+          <a:p>
+            <a:r>
+              <a:rPr lang="en-US" sz="1000" smtClean="0">
+                <a:latin typeface="Courier New" pitchFamily="49" charset="0"/>
+                <a:cs typeface="Courier New" pitchFamily="49" charset="0"/>
+              </a:rPr>
+              <a:t>addInterest(msgType)</a:t>
+            </a:r>
+          </a:p>
+          <a:p>
+            <a:r>
+              <a:rPr lang="en-US" sz="1000" smtClean="0">
+                <a:latin typeface="Courier New" pitchFamily="49" charset="0"/>
+                <a:cs typeface="Courier New" pitchFamily="49" charset="0"/>
+              </a:rPr>
+              <a:t>removeInterest(msgType)</a:t>
             </a:r>
           </a:p>
           <a:p>
@@ -14114,10 +8887,6 @@
               </a:rPr>
               <a:t>get:msg</a:t>
             </a:r>
-            <a:endParaRPr lang="en-US" sz="1000" smtClean="0">
-              <a:latin typeface="Courier New" pitchFamily="49" charset="0"/>
-              <a:cs typeface="Courier New" pitchFamily="49" charset="0"/>
-            </a:endParaRPr>
           </a:p>
           <a:p>
             <a:r>
@@ -14211,10 +8980,6 @@
               </a:rPr>
               <a:t>create</a:t>
             </a:r>
-            <a:endParaRPr lang="en-US" sz="1000" smtClean="0">
-              <a:latin typeface="Courier New" pitchFamily="49" charset="0"/>
-              <a:cs typeface="Courier New" pitchFamily="49" charset="0"/>
-            </a:endParaRPr>
           </a:p>
           <a:p>
             <a:r>
@@ -14336,19 +9101,17 @@
           <a:ln/>
         </p:spPr>
         <p:style>
-          <a:lnRef idx="2">
-            <a:schemeClr val="accent3">
-              <a:shade val="50000"/>
-            </a:schemeClr>
-          </a:lnRef>
-          <a:fillRef idx="1">
+          <a:lnRef idx="1">
             <a:schemeClr val="accent3"/>
-          </a:fillRef>
-          <a:effectRef idx="0">
+          </a:lnRef>
+          <a:fillRef idx="2">
             <a:schemeClr val="accent3"/>
-          </a:effectRef>
-          <a:fontRef idx="minor">
-            <a:schemeClr val="lt1"/>
+          </a:fillRef>
+          <a:effectRef idx="1">
+            <a:schemeClr val="accent3"/>
+          </a:effectRef>
+          <a:fontRef idx="minor">
+            <a:schemeClr val="dk1"/>
           </a:fontRef>
         </p:style>
         <p:txBody>
@@ -14396,10 +9159,6 @@
               </a:rPr>
               <a:t>put(AddInQuMsg(name,inQu))</a:t>
             </a:r>
-            <a:endParaRPr lang="en-US" sz="1000" smtClean="0">
-              <a:latin typeface="Courier New" pitchFamily="49" charset="0"/>
-              <a:cs typeface="Courier New" pitchFamily="49" charset="0"/>
-            </a:endParaRPr>
           </a:p>
           <a:p>
             <a:r>
@@ -14409,10 +9168,6 @@
               </a:rPr>
               <a:t>put(RemoveInQuMsg(name))</a:t>
             </a:r>
-            <a:endParaRPr lang="en-US" sz="1000" smtClean="0">
-              <a:latin typeface="Courier New" pitchFamily="49" charset="0"/>
-              <a:cs typeface="Courier New" pitchFamily="49" charset="0"/>
-            </a:endParaRPr>
           </a:p>
           <a:p>
             <a:r>
@@ -14422,10 +9177,6 @@
               </a:rPr>
               <a:t>put(AddInterestMsg(name,msgType))</a:t>
             </a:r>
-            <a:endParaRPr lang="en-US" sz="1000" smtClean="0">
-              <a:latin typeface="Courier New" pitchFamily="49" charset="0"/>
-              <a:cs typeface="Courier New" pitchFamily="49" charset="0"/>
-            </a:endParaRPr>
           </a:p>
           <a:p>
             <a:r>
@@ -14451,7 +9202,7 @@
         <p:spPr>
           <a:xfrm>
             <a:off x="1537341" y="3707366"/>
-            <a:ext cx="1338828" cy="246221"/>
+            <a:ext cx="1492716" cy="246221"/>
           </a:xfrm>
           <a:prstGeom prst="rect">
             <a:avLst/>
@@ -14475,12 +9226,16 @@
           <a:lstStyle/>
           <a:p>
             <a:r>
-              <a:rPr lang="en-US" sz="1000" smtClean="0">
-                <a:latin typeface="Courier New" pitchFamily="49" charset="0"/>
-                <a:cs typeface="Courier New" pitchFamily="49" charset="0"/>
-              </a:rPr>
-              <a:t>msgInternalPump</a:t>
-            </a:r>
+              <a:rPr lang="en-US" sz="1000" dirty="0" err="1" smtClean="0">
+                <a:latin typeface="Courier New" pitchFamily="49" charset="0"/>
+                <a:cs typeface="Courier New" pitchFamily="49" charset="0"/>
+              </a:rPr>
+              <a:t>msgInternalQuPump</a:t>
+            </a:r>
+            <a:endParaRPr lang="en-US" sz="1000" dirty="0" smtClean="0">
+              <a:latin typeface="Courier New" pitchFamily="49" charset="0"/>
+              <a:cs typeface="Courier New" pitchFamily="49" charset="0"/>
+            </a:endParaRPr>
           </a:p>
         </p:txBody>
       </p:sp>
@@ -14651,8 +9406,8 @@
         </p:nvCxnSpPr>
         <p:spPr>
           <a:xfrm>
-            <a:off x="2206755" y="3953587"/>
-            <a:ext cx="249788" cy="481428"/>
+            <a:off x="2283699" y="3953587"/>
+            <a:ext cx="172844" cy="481428"/>
           </a:xfrm>
           <a:prstGeom prst="straightConnector1">
             <a:avLst/>
@@ -14688,7 +9443,7 @@
         <p:spPr>
           <a:xfrm flipH="1" flipV="1">
             <a:off x="1459440" y="3043338"/>
-            <a:ext cx="747315" cy="664028"/>
+            <a:ext cx="824259" cy="664028"/>
           </a:xfrm>
           <a:prstGeom prst="straightConnector1">
             <a:avLst/>
@@ -14955,10 +9710,6 @@
               </a:rPr>
               <a:t>consumer thread/process</a:t>
             </a:r>
-            <a:endParaRPr lang="en-US" sz="1000" smtClean="0">
-              <a:latin typeface="Courier New" pitchFamily="49" charset="0"/>
-              <a:cs typeface="Courier New" pitchFamily="49" charset="0"/>
-            </a:endParaRPr>
           </a:p>
         </p:txBody>
       </p:sp>
@@ -14973,8 +9724,8 @@
         </p:nvCxnSpPr>
         <p:spPr>
           <a:xfrm flipH="1">
-            <a:off x="5660370" y="934593"/>
-            <a:ext cx="577191" cy="1125380"/>
+            <a:off x="5660370" y="1106715"/>
+            <a:ext cx="2094020" cy="953258"/>
           </a:xfrm>
           <a:prstGeom prst="straightConnector1">
             <a:avLst/>
@@ -15303,7 +10054,7 @@
         </p:nvSpPr>
         <p:spPr>
           <a:xfrm>
-            <a:off x="5215849" y="982898"/>
+            <a:off x="5818277" y="1273355"/>
             <a:ext cx="1415772" cy="553998"/>
           </a:xfrm>
           <a:prstGeom prst="rect">
@@ -15318,14 +10069,21 @@
           <a:lstStyle/>
           <a:p>
             <a:r>
-              <a:rPr lang="en-US" sz="1000" smtClean="0">
-                <a:latin typeface="Courier New" pitchFamily="49" charset="0"/>
-                <a:cs typeface="Courier New" pitchFamily="49" charset="0"/>
-              </a:rPr>
-              <a:t>init(name,outQu</a:t>
-            </a:r>
-            <a:r>
-              <a:rPr lang="en-US" sz="1000" smtClean="0">
+              <a:rPr lang="en-US" sz="1000" dirty="0" smtClean="0">
+                <a:latin typeface="Courier New" pitchFamily="49" charset="0"/>
+                <a:cs typeface="Courier New" pitchFamily="49" charset="0"/>
+              </a:rPr>
+              <a:t>init(</a:t>
+            </a:r>
+            <a:r>
+              <a:rPr lang="en-US" sz="1000" dirty="0" err="1" smtClean="0">
+                <a:latin typeface="Courier New" pitchFamily="49" charset="0"/>
+                <a:cs typeface="Courier New" pitchFamily="49" charset="0"/>
+              </a:rPr>
+              <a:t>name,outQu</a:t>
+            </a:r>
+            <a:r>
+              <a:rPr lang="en-US" sz="1000" dirty="0" smtClean="0">
                 <a:latin typeface="Courier New" pitchFamily="49" charset="0"/>
                 <a:cs typeface="Courier New" pitchFamily="49" charset="0"/>
               </a:rPr>
@@ -15334,14 +10092,21 @@
           </a:p>
           <a:p>
             <a:r>
-              <a:rPr lang="en-US" sz="1000" smtClean="0">
-                <a:latin typeface="Courier New" pitchFamily="49" charset="0"/>
-                <a:cs typeface="Courier New" pitchFamily="49" charset="0"/>
-              </a:rPr>
-              <a:t>put(msg</a:t>
-            </a:r>
-            <a:r>
-              <a:rPr lang="en-US" sz="1000" smtClean="0">
+              <a:rPr lang="en-US" sz="1000" dirty="0" smtClean="0">
+                <a:latin typeface="Courier New" pitchFamily="49" charset="0"/>
+                <a:cs typeface="Courier New" pitchFamily="49" charset="0"/>
+              </a:rPr>
+              <a:t>put(</a:t>
+            </a:r>
+            <a:r>
+              <a:rPr lang="en-US" sz="1000" dirty="0" err="1" smtClean="0">
+                <a:latin typeface="Courier New" pitchFamily="49" charset="0"/>
+                <a:cs typeface="Courier New" pitchFamily="49" charset="0"/>
+              </a:rPr>
+              <a:t>msg</a:t>
+            </a:r>
+            <a:r>
+              <a:rPr lang="en-US" sz="1000" dirty="0" smtClean="0">
                 <a:latin typeface="Courier New" pitchFamily="49" charset="0"/>
                 <a:cs typeface="Courier New" pitchFamily="49" charset="0"/>
               </a:rPr>
@@ -15350,13 +10115,13 @@
           </a:p>
           <a:p>
             <a:r>
-              <a:rPr lang="en-US" sz="1000" smtClean="0">
+              <a:rPr lang="en-US" sz="1000" dirty="0" smtClean="0">
                 <a:latin typeface="Courier New" pitchFamily="49" charset="0"/>
                 <a:cs typeface="Courier New" pitchFamily="49" charset="0"/>
               </a:rPr>
               <a:t>close</a:t>
             </a:r>
-            <a:endParaRPr lang="en-US" sz="1000">
+            <a:endParaRPr lang="en-US" sz="1000" dirty="0">
               <a:latin typeface="Courier New" pitchFamily="49" charset="0"/>
               <a:cs typeface="Courier New" pitchFamily="49" charset="0"/>
             </a:endParaRPr>
@@ -15406,10 +10171,6 @@
               </a:rPr>
               <a:t>main</a:t>
             </a:r>
-            <a:endParaRPr lang="en-US" sz="1000" smtClean="0">
-              <a:latin typeface="Courier New" pitchFamily="49" charset="0"/>
-              <a:cs typeface="Courier New" pitchFamily="49" charset="0"/>
-            </a:endParaRPr>
           </a:p>
         </p:txBody>
       </p:sp>
@@ -15532,7 +10293,7 @@
         </p:nvSpPr>
         <p:spPr>
           <a:xfrm>
-            <a:off x="5260370" y="688372"/>
+            <a:off x="6777199" y="860494"/>
             <a:ext cx="1954381" cy="246221"/>
           </a:xfrm>
           <a:prstGeom prst="rect">
@@ -15567,10 +10328,6 @@
               </a:rPr>
               <a:t>producer thread/process</a:t>
             </a:r>
-            <a:endParaRPr lang="en-US" sz="1000" smtClean="0">
-              <a:latin typeface="Courier New" pitchFamily="49" charset="0"/>
-              <a:cs typeface="Courier New" pitchFamily="49" charset="0"/>
-            </a:endParaRPr>
           </a:p>
         </p:txBody>
       </p:sp>
@@ -15653,10 +10410,6 @@
               </a:rPr>
               <a:t>msgPumpHandler</a:t>
             </a:r>
-            <a:endParaRPr lang="en-US" sz="1000" smtClean="0">
-              <a:latin typeface="Courier New" pitchFamily="49" charset="0"/>
-              <a:cs typeface="Courier New" pitchFamily="49" charset="0"/>
-            </a:endParaRPr>
           </a:p>
         </p:txBody>
       </p:sp>
@@ -15704,8 +10457,8 @@
         </p:nvSpPr>
         <p:spPr>
           <a:xfrm>
-            <a:off x="7169651" y="3388761"/>
-            <a:ext cx="1492716" cy="400110"/>
+            <a:off x="6707072" y="3431792"/>
+            <a:ext cx="2185214" cy="400110"/>
           </a:xfrm>
           <a:prstGeom prst="rect">
             <a:avLst/>
@@ -15719,22 +10472,47 @@
           <a:lstStyle/>
           <a:p>
             <a:r>
-              <a:rPr lang="en-US" sz="1000" smtClean="0">
-                <a:latin typeface="Courier New" pitchFamily="49" charset="0"/>
-                <a:cs typeface="Courier New" pitchFamily="49" charset="0"/>
-              </a:rPr>
-              <a:t>init(host,port)</a:t>
-            </a:r>
-          </a:p>
-          <a:p>
-            <a:r>
-              <a:rPr lang="en-US" sz="1000" smtClean="0">
-                <a:latin typeface="Courier New" pitchFamily="49" charset="0"/>
-                <a:cs typeface="Courier New" pitchFamily="49" charset="0"/>
-              </a:rPr>
-              <a:t>startPumps(outQu)</a:t>
-            </a:r>
-            <a:endParaRPr lang="en-US" sz="1000">
+              <a:rPr lang="en-US" sz="1000" dirty="0" smtClean="0">
+                <a:latin typeface="Courier New" pitchFamily="49" charset="0"/>
+                <a:cs typeface="Courier New" pitchFamily="49" charset="0"/>
+              </a:rPr>
+              <a:t>init(</a:t>
+            </a:r>
+            <a:r>
+              <a:rPr lang="en-US" sz="1000" dirty="0" err="1" smtClean="0">
+                <a:latin typeface="Courier New" pitchFamily="49" charset="0"/>
+                <a:cs typeface="Courier New" pitchFamily="49" charset="0"/>
+              </a:rPr>
+              <a:t>host,name,port</a:t>
+            </a:r>
+            <a:r>
+              <a:rPr lang="en-US" sz="1000" dirty="0" err="1" smtClean="0">
+                <a:latin typeface="Courier New" pitchFamily="49" charset="0"/>
+                <a:cs typeface="Courier New" pitchFamily="49" charset="0"/>
+              </a:rPr>
+              <a:t>,outQu</a:t>
+            </a:r>
+            <a:r>
+              <a:rPr lang="en-US" sz="1000" dirty="0" smtClean="0">
+                <a:latin typeface="Courier New" pitchFamily="49" charset="0"/>
+                <a:cs typeface="Courier New" pitchFamily="49" charset="0"/>
+              </a:rPr>
+              <a:t>)</a:t>
+            </a:r>
+            <a:endParaRPr lang="en-US" sz="1000" dirty="0" smtClean="0">
+              <a:latin typeface="Courier New" pitchFamily="49" charset="0"/>
+              <a:cs typeface="Courier New" pitchFamily="49" charset="0"/>
+            </a:endParaRPr>
+          </a:p>
+          <a:p>
+            <a:r>
+              <a:rPr lang="en-US" sz="1000" dirty="0" err="1" smtClean="0">
+                <a:latin typeface="Courier New" pitchFamily="49" charset="0"/>
+                <a:cs typeface="Courier New" pitchFamily="49" charset="0"/>
+              </a:rPr>
+              <a:t>startPumps</a:t>
+            </a:r>
+            <a:endParaRPr lang="en-US" sz="1000" dirty="0">
               <a:latin typeface="Courier New" pitchFamily="49" charset="0"/>
               <a:cs typeface="Courier New" pitchFamily="49" charset="0"/>
             </a:endParaRPr>
@@ -15752,8 +10530,8 @@
         </p:nvCxnSpPr>
         <p:spPr>
           <a:xfrm flipH="1" flipV="1">
-            <a:off x="2876169" y="3830477"/>
-            <a:ext cx="4173616" cy="1493073"/>
+            <a:off x="3030057" y="3830477"/>
+            <a:ext cx="4019728" cy="1493073"/>
           </a:xfrm>
           <a:prstGeom prst="straightConnector1">
             <a:avLst/>
@@ -16009,8 +10787,8 @@
         </p:nvCxnSpPr>
         <p:spPr>
           <a:xfrm flipH="1" flipV="1">
-            <a:off x="6237561" y="934593"/>
-            <a:ext cx="1704005" cy="1654498"/>
+            <a:off x="7754390" y="1106715"/>
+            <a:ext cx="187176" cy="1482376"/>
           </a:xfrm>
           <a:prstGeom prst="straightConnector1">
             <a:avLst/>
@@ -16114,19 +10892,8 @@
                 <a:latin typeface="Courier New" pitchFamily="49" charset="0"/>
                 <a:cs typeface="Courier New" pitchFamily="49" charset="0"/>
               </a:rPr>
-              <a:t>in</a:t>
-            </a:r>
-            <a:r>
-              <a:rPr lang="en-US" sz="1000" smtClean="0">
-                <a:latin typeface="Courier New" pitchFamily="49" charset="0"/>
-                <a:cs typeface="Courier New" pitchFamily="49" charset="0"/>
-              </a:rPr>
-              <a:t>Qu</a:t>
-            </a:r>
-            <a:endParaRPr lang="en-US" sz="1000" smtClean="0">
-              <a:latin typeface="Courier New" pitchFamily="49" charset="0"/>
-              <a:cs typeface="Courier New" pitchFamily="49" charset="0"/>
-            </a:endParaRPr>
+              <a:t>inQu</a:t>
+            </a:r>
           </a:p>
         </p:txBody>
       </p:sp>
@@ -16327,6 +11094,116 @@
           </a:p>
         </p:txBody>
       </p:sp>
+      <p:sp>
+        <p:nvSpPr>
+          <p:cNvPr id="57" name="TextBox 56"/>
+          <p:cNvSpPr txBox="1"/>
+          <p:nvPr/>
+        </p:nvSpPr>
+        <p:spPr>
+          <a:xfrm>
+            <a:off x="4425139" y="139849"/>
+            <a:ext cx="1586973" cy="553998"/>
+          </a:xfrm>
+          <a:prstGeom prst="rect">
+            <a:avLst/>
+          </a:prstGeom>
+          <a:noFill/>
+        </p:spPr>
+        <p:txBody>
+          <a:bodyPr wrap="none" rtlCol="0">
+            <a:spAutoFit/>
+          </a:bodyPr>
+          <a:lstStyle/>
+          <a:p>
+            <a:pPr algn="ctr"/>
+            <a:r>
+              <a:rPr lang="en-US" dirty="0" smtClean="0">
+                <a:solidFill>
+                  <a:schemeClr val="accent6">
+                    <a:lumMod val="75000"/>
+                  </a:schemeClr>
+                </a:solidFill>
+              </a:rPr>
+              <a:t>MsgHandler.py</a:t>
+            </a:r>
+          </a:p>
+          <a:p>
+            <a:pPr algn="ctr"/>
+            <a:r>
+              <a:rPr lang="en-US" sz="1200" dirty="0" smtClean="0">
+                <a:solidFill>
+                  <a:schemeClr val="accent6">
+                    <a:lumMod val="75000"/>
+                  </a:schemeClr>
+                </a:solidFill>
+              </a:rPr>
+              <a:t>How it all fits together</a:t>
+            </a:r>
+            <a:endParaRPr lang="en-US" sz="1200" dirty="0">
+              <a:solidFill>
+                <a:schemeClr val="accent6">
+                  <a:lumMod val="75000"/>
+                </a:schemeClr>
+              </a:solidFill>
+            </a:endParaRPr>
+          </a:p>
+        </p:txBody>
+      </p:sp>
+      <p:sp>
+        <p:nvSpPr>
+          <p:cNvPr id="65" name="TextBox 64"/>
+          <p:cNvSpPr txBox="1"/>
+          <p:nvPr/>
+        </p:nvSpPr>
+        <p:spPr>
+          <a:xfrm>
+            <a:off x="7175351" y="5981252"/>
+            <a:ext cx="1775011" cy="461665"/>
+          </a:xfrm>
+          <a:prstGeom prst="rect">
+            <a:avLst/>
+          </a:prstGeom>
+          <a:noFill/>
+        </p:spPr>
+        <p:txBody>
+          <a:bodyPr wrap="square" rtlCol="0">
+            <a:spAutoFit/>
+          </a:bodyPr>
+          <a:lstStyle/>
+          <a:p>
+            <a:r>
+              <a:rPr lang="en-US" sz="1200" dirty="0" smtClean="0">
+                <a:solidFill>
+                  <a:srgbClr val="FF0000"/>
+                </a:solidFill>
+              </a:rPr>
+              <a:t>should </a:t>
+            </a:r>
+            <a:r>
+              <a:rPr lang="en-US" sz="1200" dirty="0" err="1" smtClean="0">
+                <a:solidFill>
+                  <a:srgbClr val="FF0000"/>
+                </a:solidFill>
+              </a:rPr>
+              <a:t>inQuList</a:t>
+            </a:r>
+            <a:r>
+              <a:rPr lang="en-US" sz="1200" dirty="0" smtClean="0">
+                <a:solidFill>
+                  <a:srgbClr val="FF0000"/>
+                </a:solidFill>
+              </a:rPr>
+              <a:t> be a protected object???</a:t>
+            </a:r>
+            <a:endParaRPr lang="en-US" sz="1200" dirty="0">
+              <a:solidFill>
+                <a:srgbClr val="FF0000"/>
+              </a:solidFill>
+            </a:endParaRPr>
+          </a:p>
+        </p:txBody>
+      </p:sp>
     </p:spTree>
   </p:cSld>
   <p:clrMapOvr>
@@ -16360,7 +11237,7 @@
         </p:nvSpPr>
         <p:spPr>
           <a:xfrm>
-            <a:off x="1586682" y="301528"/>
+            <a:off x="1586682" y="1732342"/>
             <a:ext cx="492443" cy="246221"/>
           </a:xfrm>
           <a:prstGeom prst="rect">
@@ -16406,7 +11283,7 @@
         </p:nvSpPr>
         <p:spPr>
           <a:xfrm>
-            <a:off x="277091" y="319937"/>
+            <a:off x="277091" y="1750751"/>
             <a:ext cx="569387" cy="246221"/>
           </a:xfrm>
           <a:prstGeom prst="rect">
@@ -16454,7 +11331,7 @@
         </p:nvSpPr>
         <p:spPr>
           <a:xfrm>
-            <a:off x="261939" y="2356773"/>
+            <a:off x="261939" y="3787587"/>
             <a:ext cx="800219" cy="246221"/>
           </a:xfrm>
           <a:prstGeom prst="rect">
@@ -16500,7 +11377,7 @@
         </p:nvSpPr>
         <p:spPr>
           <a:xfrm>
-            <a:off x="1812766" y="1293456"/>
+            <a:off x="1812766" y="2724270"/>
             <a:ext cx="1261884" cy="246221"/>
           </a:xfrm>
           <a:prstGeom prst="rect">
@@ -16535,10 +11412,6 @@
               </a:rPr>
               <a:t>msgPumpHandler</a:t>
             </a:r>
-            <a:endParaRPr lang="en-US" sz="1000" smtClean="0">
-              <a:latin typeface="Courier New" pitchFamily="49" charset="0"/>
-              <a:cs typeface="Courier New" pitchFamily="49" charset="0"/>
-            </a:endParaRPr>
           </a:p>
         </p:txBody>
       </p:sp>
@@ -16550,7 +11423,7 @@
         </p:nvSpPr>
         <p:spPr>
           <a:xfrm>
-            <a:off x="334226" y="3851827"/>
+            <a:off x="334226" y="5282641"/>
             <a:ext cx="954107" cy="246221"/>
           </a:xfrm>
           <a:prstGeom prst="rect">
@@ -16596,7 +11469,7 @@
         </p:nvSpPr>
         <p:spPr>
           <a:xfrm>
-            <a:off x="131128" y="2731841"/>
+            <a:off x="131128" y="4162655"/>
             <a:ext cx="2492990" cy="1015663"/>
           </a:xfrm>
           <a:prstGeom prst="rect">
@@ -16615,14 +11488,7 @@
                 <a:latin typeface="Courier New" pitchFamily="49" charset="0"/>
                 <a:cs typeface="Courier New" pitchFamily="49" charset="0"/>
               </a:rPr>
-              <a:t>init(name,outQu</a:t>
-            </a:r>
-            <a:r>
-              <a:rPr lang="en-US" sz="1000" smtClean="0">
-                <a:latin typeface="Courier New" pitchFamily="49" charset="0"/>
-                <a:cs typeface="Courier New" pitchFamily="49" charset="0"/>
-              </a:rPr>
-              <a:t>)</a:t>
+              <a:t>init(name,outQu)</a:t>
             </a:r>
           </a:p>
           <a:p>
@@ -16633,10 +11499,6 @@
               </a:rPr>
               <a:t>addInterest(PutInitOutcomeMsg)</a:t>
             </a:r>
-            <a:endParaRPr lang="en-US" sz="1000" smtClean="0">
-              <a:latin typeface="Courier New" pitchFamily="49" charset="0"/>
-              <a:cs typeface="Courier New" pitchFamily="49" charset="0"/>
-            </a:endParaRPr>
           </a:p>
           <a:p>
             <a:r>
@@ -16664,10 +11526,6 @@
               </a:rPr>
               <a:t>getBlocking(msg)</a:t>
             </a:r>
-            <a:endParaRPr lang="en-US" sz="1000" smtClean="0">
-              <a:latin typeface="Courier New" pitchFamily="49" charset="0"/>
-              <a:cs typeface="Courier New" pitchFamily="49" charset="0"/>
-            </a:endParaRPr>
           </a:p>
           <a:p>
             <a:r>
@@ -16692,7 +11550,7 @@
         </p:nvSpPr>
         <p:spPr>
           <a:xfrm>
-            <a:off x="1794088" y="756397"/>
+            <a:off x="1794088" y="2187211"/>
             <a:ext cx="1723549" cy="400110"/>
           </a:xfrm>
           <a:prstGeom prst="rect">
@@ -16720,14 +11578,7 @@
                 <a:latin typeface="Courier New" pitchFamily="49" charset="0"/>
                 <a:cs typeface="Courier New" pitchFamily="49" charset="0"/>
               </a:rPr>
-              <a:t>startPumps(o</a:t>
-            </a:r>
-            <a:r>
-              <a:rPr lang="en-US" sz="1000" smtClean="0">
-                <a:latin typeface="Courier New" pitchFamily="49" charset="0"/>
-                <a:cs typeface="Courier New" pitchFamily="49" charset="0"/>
-              </a:rPr>
-              <a:t>utQu)</a:t>
+              <a:t>startPumps(outQu)</a:t>
             </a:r>
           </a:p>
         </p:txBody>
@@ -16740,7 +11591,7 @@
         </p:nvSpPr>
         <p:spPr>
           <a:xfrm>
-            <a:off x="270499" y="1248255"/>
+            <a:off x="270499" y="2679069"/>
             <a:ext cx="1031051" cy="400110"/>
           </a:xfrm>
           <a:prstGeom prst="rect">
@@ -16786,10 +11637,6 @@
               </a:rPr>
               <a:t>application</a:t>
             </a:r>
-            <a:endParaRPr lang="en-US" sz="1000" smtClean="0">
-              <a:latin typeface="Courier New" pitchFamily="49" charset="0"/>
-              <a:cs typeface="Courier New" pitchFamily="49" charset="0"/>
-            </a:endParaRPr>
           </a:p>
         </p:txBody>
       </p:sp>
@@ -16804,7 +11651,7 @@
         </p:nvCxnSpPr>
         <p:spPr>
           <a:xfrm flipH="1">
-            <a:off x="846478" y="424639"/>
+            <a:off x="846478" y="1855453"/>
             <a:ext cx="740204" cy="18409"/>
           </a:xfrm>
           <a:prstGeom prst="straightConnector1">
@@ -16840,7 +11687,7 @@
         </p:nvCxnSpPr>
         <p:spPr>
           <a:xfrm>
-            <a:off x="1832904" y="547749"/>
+            <a:off x="1832904" y="1978563"/>
             <a:ext cx="610804" cy="745707"/>
           </a:xfrm>
           <a:prstGeom prst="straightConnector1">
@@ -16876,7 +11723,7 @@
         </p:nvCxnSpPr>
         <p:spPr>
           <a:xfrm flipH="1">
-            <a:off x="786025" y="547749"/>
+            <a:off x="786025" y="1978563"/>
             <a:ext cx="1046879" cy="700506"/>
           </a:xfrm>
           <a:prstGeom prst="straightConnector1">
@@ -16912,7 +11759,7 @@
         </p:nvCxnSpPr>
         <p:spPr>
           <a:xfrm flipH="1">
-            <a:off x="662049" y="1648365"/>
+            <a:off x="662049" y="3079179"/>
             <a:ext cx="123976" cy="708408"/>
           </a:xfrm>
           <a:prstGeom prst="straightConnector1">
@@ -16948,7 +11795,7 @@
         </p:nvCxnSpPr>
         <p:spPr>
           <a:xfrm>
-            <a:off x="662049" y="2602994"/>
+            <a:off x="662049" y="4033808"/>
             <a:ext cx="149231" cy="1248833"/>
           </a:xfrm>
           <a:prstGeom prst="straightConnector1">
@@ -16981,7 +11828,7 @@
         </p:nvSpPr>
         <p:spPr>
           <a:xfrm>
-            <a:off x="917308" y="245855"/>
+            <a:off x="917308" y="1676669"/>
             <a:ext cx="646331" cy="246221"/>
           </a:xfrm>
           <a:prstGeom prst="rect">
@@ -17002,10 +11849,6 @@
               </a:rPr>
               <a:t>create</a:t>
             </a:r>
-            <a:endParaRPr lang="en-US" sz="1000" smtClean="0">
-              <a:latin typeface="Courier New" pitchFamily="49" charset="0"/>
-              <a:cs typeface="Courier New" pitchFamily="49" charset="0"/>
-            </a:endParaRPr>
           </a:p>
         </p:txBody>
       </p:sp>
@@ -17017,7 +11860,7 @@
         </p:nvSpPr>
         <p:spPr>
           <a:xfrm>
-            <a:off x="681781" y="721528"/>
+            <a:off x="681781" y="2152342"/>
             <a:ext cx="1107996" cy="246221"/>
           </a:xfrm>
           <a:prstGeom prst="rect">
@@ -17038,10 +11881,6 @@
               </a:rPr>
               <a:t>start(outQu)</a:t>
             </a:r>
-            <a:endParaRPr lang="en-US" sz="1000" smtClean="0">
-              <a:latin typeface="Courier New" pitchFamily="49" charset="0"/>
-              <a:cs typeface="Courier New" pitchFamily="49" charset="0"/>
-            </a:endParaRPr>
           </a:p>
         </p:txBody>
       </p:sp>
@@ -17053,7 +11892,7 @@
         </p:nvSpPr>
         <p:spPr>
           <a:xfrm>
-            <a:off x="326181" y="1751383"/>
+            <a:off x="326181" y="3182197"/>
             <a:ext cx="1492716" cy="400110"/>
           </a:xfrm>
           <a:prstGeom prst="rect">
@@ -17094,7 +11933,7 @@
         </p:nvSpPr>
         <p:spPr>
           <a:xfrm>
-            <a:off x="409046" y="4739601"/>
+            <a:off x="409046" y="6170415"/>
             <a:ext cx="877163" cy="400110"/>
           </a:xfrm>
           <a:prstGeom prst="rect">
@@ -17138,10 +11977,6 @@
               </a:rPr>
               <a:t>at 1234</a:t>
             </a:r>
-            <a:endParaRPr lang="en-US" sz="1000" smtClean="0">
-              <a:latin typeface="Courier New" pitchFamily="49" charset="0"/>
-              <a:cs typeface="Courier New" pitchFamily="49" charset="0"/>
-            </a:endParaRPr>
           </a:p>
         </p:txBody>
       </p:sp>
@@ -17156,7 +11991,7 @@
         </p:nvCxnSpPr>
         <p:spPr>
           <a:xfrm flipH="1" flipV="1">
-            <a:off x="811280" y="4098048"/>
+            <a:off x="811280" y="5528862"/>
             <a:ext cx="36348" cy="641553"/>
           </a:xfrm>
           <a:prstGeom prst="straightConnector1">
@@ -17191,7 +12026,7 @@
         </p:nvSpPr>
         <p:spPr>
           <a:xfrm>
-            <a:off x="6953011" y="3377237"/>
+            <a:off x="6953011" y="4808051"/>
             <a:ext cx="877163" cy="400110"/>
           </a:xfrm>
           <a:prstGeom prst="rect">
@@ -17235,10 +12070,6 @@
               </a:rPr>
               <a:t>at 1234</a:t>
             </a:r>
-            <a:endParaRPr lang="en-US" sz="1000" smtClean="0">
-              <a:latin typeface="Courier New" pitchFamily="49" charset="0"/>
-              <a:cs typeface="Courier New" pitchFamily="49" charset="0"/>
-            </a:endParaRPr>
           </a:p>
         </p:txBody>
       </p:sp>
@@ -17250,7 +12081,7 @@
         </p:nvSpPr>
         <p:spPr>
           <a:xfrm>
-            <a:off x="5193483" y="3391092"/>
+            <a:off x="5193483" y="4821906"/>
             <a:ext cx="954107" cy="400110"/>
           </a:xfrm>
           <a:prstGeom prst="rect">
@@ -17294,10 +12125,6 @@
               </a:rPr>
               <a:t>at 1235</a:t>
             </a:r>
-            <a:endParaRPr lang="en-US" sz="1000" smtClean="0">
-              <a:latin typeface="Courier New" pitchFamily="49" charset="0"/>
-              <a:cs typeface="Courier New" pitchFamily="49" charset="0"/>
-            </a:endParaRPr>
           </a:p>
         </p:txBody>
       </p:sp>
@@ -17312,7 +12139,7 @@
         </p:nvCxnSpPr>
         <p:spPr>
           <a:xfrm flipV="1">
-            <a:off x="6147590" y="3577292"/>
+            <a:off x="6147590" y="5008106"/>
             <a:ext cx="805421" cy="13855"/>
           </a:xfrm>
           <a:prstGeom prst="straightConnector1">
@@ -17347,7 +12174,7 @@
         </p:nvSpPr>
         <p:spPr>
           <a:xfrm>
-            <a:off x="6643591" y="278437"/>
+            <a:off x="6643591" y="1709251"/>
             <a:ext cx="492443" cy="246221"/>
           </a:xfrm>
           <a:prstGeom prst="rect">
@@ -17393,7 +12220,7 @@
         </p:nvSpPr>
         <p:spPr>
           <a:xfrm>
-            <a:off x="5334000" y="296846"/>
+            <a:off x="5334000" y="1727660"/>
             <a:ext cx="569387" cy="246221"/>
           </a:xfrm>
           <a:prstGeom prst="rect">
@@ -17441,7 +12268,7 @@
         </p:nvSpPr>
         <p:spPr>
           <a:xfrm>
-            <a:off x="5199493" y="2611043"/>
+            <a:off x="5199493" y="4041857"/>
             <a:ext cx="800219" cy="246221"/>
           </a:xfrm>
           <a:prstGeom prst="rect">
@@ -17487,7 +12314,7 @@
         </p:nvSpPr>
         <p:spPr>
           <a:xfrm>
-            <a:off x="6869675" y="1270365"/>
+            <a:off x="6869675" y="2701179"/>
             <a:ext cx="1261884" cy="246221"/>
           </a:xfrm>
           <a:prstGeom prst="rect">
@@ -17522,10 +12349,6 @@
               </a:rPr>
               <a:t>msgPumpHandler</a:t>
             </a:r>
-            <a:endParaRPr lang="en-US" sz="1000" smtClean="0">
-              <a:latin typeface="Courier New" pitchFamily="49" charset="0"/>
-              <a:cs typeface="Courier New" pitchFamily="49" charset="0"/>
-            </a:endParaRPr>
           </a:p>
         </p:txBody>
       </p:sp>
@@ -17537,7 +12360,7 @@
         </p:nvSpPr>
         <p:spPr>
           <a:xfrm>
-            <a:off x="6850997" y="733306"/>
+            <a:off x="6850997" y="2164120"/>
             <a:ext cx="1723549" cy="400110"/>
           </a:xfrm>
           <a:prstGeom prst="rect">
@@ -17565,14 +12388,7 @@
                 <a:latin typeface="Courier New" pitchFamily="49" charset="0"/>
                 <a:cs typeface="Courier New" pitchFamily="49" charset="0"/>
               </a:rPr>
-              <a:t>startPumps(o</a:t>
-            </a:r>
-            <a:r>
-              <a:rPr lang="en-US" sz="1000" smtClean="0">
-                <a:latin typeface="Courier New" pitchFamily="49" charset="0"/>
-                <a:cs typeface="Courier New" pitchFamily="49" charset="0"/>
-              </a:rPr>
-              <a:t>utQu)</a:t>
+              <a:t>startPumps(outQu)</a:t>
             </a:r>
           </a:p>
         </p:txBody>
@@ -17585,7 +12401,7 @@
         </p:nvSpPr>
         <p:spPr>
           <a:xfrm>
-            <a:off x="5058103" y="1225164"/>
+            <a:off x="5058103" y="2655978"/>
             <a:ext cx="1569660" cy="400110"/>
           </a:xfrm>
           <a:prstGeom prst="rect">
@@ -17631,10 +12447,6 @@
               </a:rPr>
               <a:t>with guiThrottle</a:t>
             </a:r>
-            <a:endParaRPr lang="en-US" sz="1000" smtClean="0">
-              <a:latin typeface="Courier New" pitchFamily="49" charset="0"/>
-              <a:cs typeface="Courier New" pitchFamily="49" charset="0"/>
-            </a:endParaRPr>
           </a:p>
         </p:txBody>
       </p:sp>
@@ -17649,7 +12461,7 @@
         </p:nvCxnSpPr>
         <p:spPr>
           <a:xfrm flipH="1">
-            <a:off x="5903387" y="401548"/>
+            <a:off x="5903387" y="1832362"/>
             <a:ext cx="740204" cy="18409"/>
           </a:xfrm>
           <a:prstGeom prst="straightConnector1">
@@ -17685,7 +12497,7 @@
         </p:nvCxnSpPr>
         <p:spPr>
           <a:xfrm>
-            <a:off x="6889813" y="524658"/>
+            <a:off x="6889813" y="1955472"/>
             <a:ext cx="610804" cy="745707"/>
           </a:xfrm>
           <a:prstGeom prst="straightConnector1">
@@ -17721,7 +12533,7 @@
         </p:nvCxnSpPr>
         <p:spPr>
           <a:xfrm flipH="1">
-            <a:off x="5842933" y="524658"/>
+            <a:off x="5842933" y="1955472"/>
             <a:ext cx="1046880" cy="700506"/>
           </a:xfrm>
           <a:prstGeom prst="straightConnector1">
@@ -17757,7 +12569,7 @@
         </p:nvCxnSpPr>
         <p:spPr>
           <a:xfrm flipH="1">
-            <a:off x="5599603" y="1625274"/>
+            <a:off x="5599603" y="3056088"/>
             <a:ext cx="243330" cy="985769"/>
           </a:xfrm>
           <a:prstGeom prst="straightConnector1">
@@ -17790,7 +12602,7 @@
         </p:nvSpPr>
         <p:spPr>
           <a:xfrm>
-            <a:off x="5974217" y="222764"/>
+            <a:off x="5974217" y="1653578"/>
             <a:ext cx="646331" cy="246221"/>
           </a:xfrm>
           <a:prstGeom prst="rect">
@@ -17811,10 +12623,6 @@
               </a:rPr>
               <a:t>create</a:t>
             </a:r>
-            <a:endParaRPr lang="en-US" sz="1000" smtClean="0">
-              <a:latin typeface="Courier New" pitchFamily="49" charset="0"/>
-              <a:cs typeface="Courier New" pitchFamily="49" charset="0"/>
-            </a:endParaRPr>
           </a:p>
         </p:txBody>
       </p:sp>
@@ -17826,7 +12634,7 @@
         </p:nvSpPr>
         <p:spPr>
           <a:xfrm>
-            <a:off x="5099498" y="680682"/>
+            <a:off x="5099498" y="2111496"/>
             <a:ext cx="1492716" cy="246221"/>
           </a:xfrm>
           <a:prstGeom prst="rect">
@@ -17847,10 +12655,6 @@
               </a:rPr>
               <a:t>start(name,outQu)</a:t>
             </a:r>
-            <a:endParaRPr lang="en-US" sz="1000" smtClean="0">
-              <a:latin typeface="Courier New" pitchFamily="49" charset="0"/>
-              <a:cs typeface="Courier New" pitchFamily="49" charset="0"/>
-            </a:endParaRPr>
           </a:p>
         </p:txBody>
       </p:sp>
@@ -17862,7 +12666,7 @@
         </p:nvSpPr>
         <p:spPr>
           <a:xfrm>
-            <a:off x="5115593" y="1749994"/>
+            <a:off x="5115593" y="3180808"/>
             <a:ext cx="2646878" cy="861774"/>
           </a:xfrm>
           <a:prstGeom prst="rect">
@@ -17899,14 +12703,7 @@
                 <a:latin typeface="Courier New" pitchFamily="49" charset="0"/>
                 <a:cs typeface="Courier New" pitchFamily="49" charset="0"/>
               </a:rPr>
-              <a:t>addInterest(PutTrainPositionMsg</a:t>
-            </a:r>
-            <a:r>
-              <a:rPr lang="en-US" sz="1000" smtClean="0">
-                <a:latin typeface="Courier New" pitchFamily="49" charset="0"/>
-                <a:cs typeface="Courier New" pitchFamily="49" charset="0"/>
-              </a:rPr>
-              <a:t>)</a:t>
+              <a:t>addInterest(PutTrainPositionMsg)</a:t>
             </a:r>
           </a:p>
           <a:p>
@@ -17940,7 +12737,7 @@
         </p:nvCxnSpPr>
         <p:spPr>
           <a:xfrm flipH="1" flipV="1">
-            <a:off x="5599603" y="2857264"/>
+            <a:off x="5599603" y="4288078"/>
             <a:ext cx="70934" cy="533828"/>
           </a:xfrm>
           <a:prstGeom prst="straightConnector1">
@@ -17967,6 +12764,72 @@
           </a:fontRef>
         </p:style>
       </p:cxnSp>
+      <p:sp>
+        <p:nvSpPr>
+          <p:cNvPr id="37" name="TextBox 36"/>
+          <p:cNvSpPr txBox="1"/>
+          <p:nvPr/>
+        </p:nvSpPr>
+        <p:spPr>
+          <a:xfrm>
+            <a:off x="3058917" y="355002"/>
+            <a:ext cx="2289088" cy="553998"/>
+          </a:xfrm>
+          <a:prstGeom prst="rect">
+            <a:avLst/>
+          </a:prstGeom>
+          <a:noFill/>
+        </p:spPr>
+        <p:txBody>
+          <a:bodyPr wrap="none" rtlCol="0">
+            <a:spAutoFit/>
+          </a:bodyPr>
+          <a:lstStyle/>
+          <a:p>
+            <a:pPr algn="ctr"/>
+            <a:r>
+              <a:rPr lang="en-US" dirty="0" smtClean="0">
+                <a:solidFill>
+                  <a:schemeClr val="accent6">
+                    <a:lumMod val="75000"/>
+                  </a:schemeClr>
+                </a:solidFill>
+              </a:rPr>
+              <a:t>MsgHandler.py</a:t>
+            </a:r>
+          </a:p>
+          <a:p>
+            <a:pPr algn="ctr"/>
+            <a:r>
+              <a:rPr lang="en-US" sz="1200" dirty="0" smtClean="0">
+                <a:solidFill>
+                  <a:schemeClr val="accent6">
+                    <a:lumMod val="75000"/>
+                  </a:schemeClr>
+                </a:solidFill>
+              </a:rPr>
+              <a:t>How use a Throttle or </a:t>
+            </a:r>
+            <a:r>
+              <a:rPr lang="en-US" sz="1200" dirty="0" err="1" smtClean="0">
+                <a:solidFill>
+                  <a:schemeClr val="accent6">
+                    <a:lumMod val="75000"/>
+                  </a:schemeClr>
+                </a:solidFill>
+              </a:rPr>
+              <a:t>GuiThrottle</a:t>
+            </a:r>
+            <a:endParaRPr lang="en-US" sz="1200" dirty="0">
+              <a:solidFill>
+                <a:schemeClr val="accent6">
+                  <a:lumMod val="75000"/>
+                </a:schemeClr>
+              </a:solidFill>
+            </a:endParaRPr>
+          </a:p>
+        </p:txBody>
+      </p:sp>
     </p:spTree>
   </p:cSld>
   <p:clrMapOvr>
@@ -18000,7 +12863,7 @@
         </p:nvSpPr>
         <p:spPr>
           <a:xfrm>
-            <a:off x="606175" y="174661"/>
+            <a:off x="3715135" y="260722"/>
             <a:ext cx="1586973" cy="369332"/>
           </a:xfrm>
           <a:prstGeom prst="rect">
@@ -18015,7 +12878,7 @@
           <a:lstStyle/>
           <a:p>
             <a:r>
-              <a:rPr lang="en-US" smtClean="0">
+              <a:rPr lang="en-US" dirty="0" smtClean="0">
                 <a:solidFill>
                   <a:schemeClr val="accent6">
                     <a:lumMod val="75000"/>
@@ -18024,7 +12887,7 @@
               </a:rPr>
               <a:t>MsgHandler.py</a:t>
             </a:r>
-            <a:endParaRPr lang="en-US">
+            <a:endParaRPr lang="en-US" dirty="0">
               <a:solidFill>
                 <a:schemeClr val="accent6">
                   <a:lumMod val="75000"/>
@@ -18036,530 +12899,19 @@
       </p:sp>
       <p:sp>
         <p:nvSpPr>
-          <p:cNvPr id="6" name="TextBox 5"/>
-          <p:cNvSpPr txBox="1"/>
-          <p:nvPr/>
-        </p:nvSpPr>
-        <p:spPr>
-          <a:xfrm>
-            <a:off x="664397" y="849330"/>
-            <a:ext cx="1569660" cy="2092881"/>
+          <p:cNvPr id="11" name="TextBox 10"/>
+          <p:cNvSpPr txBox="1"/>
+          <p:nvPr/>
+        </p:nvSpPr>
+        <p:spPr>
+          <a:xfrm>
+            <a:off x="6593368" y="1363925"/>
+            <a:ext cx="1231427" cy="461665"/>
           </a:xfrm>
           <a:prstGeom prst="rect">
             <a:avLst/>
           </a:prstGeom>
           <a:noFill/>
-          <a:ln cmpd="sng">
-            <a:solidFill>
-              <a:schemeClr val="tx1"/>
-            </a:solidFill>
-          </a:ln>
-        </p:spPr>
-        <p:txBody>
-          <a:bodyPr wrap="none" rtlCol="0">
-            <a:spAutoFit/>
-          </a:bodyPr>
-          <a:lstStyle/>
-          <a:p>
-            <a:r>
-              <a:rPr lang="en-US" sz="1000" b="1" smtClean="0">
-                <a:solidFill>
-                  <a:srgbClr val="FF0000"/>
-                </a:solidFill>
-                <a:latin typeface="Courier New" pitchFamily="49" charset="0"/>
-                <a:cs typeface="Courier New" pitchFamily="49" charset="0"/>
-              </a:rPr>
-              <a:t>MsgSocket(object)</a:t>
-            </a:r>
-            <a:endParaRPr lang="en-US" sz="1000">
-              <a:latin typeface="Courier New" pitchFamily="49" charset="0"/>
-              <a:cs typeface="Courier New" pitchFamily="49" charset="0"/>
-            </a:endParaRPr>
-          </a:p>
-          <a:p>
-            <a:r>
-              <a:rPr lang="en-US" sz="1000" smtClean="0">
-                <a:latin typeface="Courier New" pitchFamily="49" charset="0"/>
-                <a:cs typeface="Courier New" pitchFamily="49" charset="0"/>
-              </a:rPr>
-              <a:t>----------</a:t>
-            </a:r>
-          </a:p>
-          <a:p>
-            <a:r>
-              <a:rPr lang="en-US" sz="1000" smtClean="0">
-                <a:latin typeface="Courier New" pitchFamily="49" charset="0"/>
-                <a:cs typeface="Courier New" pitchFamily="49" charset="0"/>
-              </a:rPr>
-              <a:t>init(nm)</a:t>
-            </a:r>
-          </a:p>
-          <a:p>
-            <a:r>
-              <a:rPr lang="en-US" sz="1000" smtClean="0">
-                <a:latin typeface="Courier New" pitchFamily="49" charset="0"/>
-                <a:cs typeface="Courier New" pitchFamily="49" charset="0"/>
-              </a:rPr>
-              <a:t>attach(socket)</a:t>
-            </a:r>
-          </a:p>
-          <a:p>
-            <a:r>
-              <a:rPr lang="en-US" sz="1000" smtClean="0">
-                <a:latin typeface="Courier New" pitchFamily="49" charset="0"/>
-                <a:cs typeface="Courier New" pitchFamily="49" charset="0"/>
-              </a:rPr>
-              <a:t>close</a:t>
-            </a:r>
-          </a:p>
-          <a:p>
-            <a:r>
-              <a:rPr lang="en-US" sz="1000" smtClean="0">
-                <a:latin typeface="Courier New" pitchFamily="49" charset="0"/>
-                <a:cs typeface="Courier New" pitchFamily="49" charset="0"/>
-              </a:rPr>
-              <a:t>connect(host,port)</a:t>
-            </a:r>
-          </a:p>
-          <a:p>
-            <a:r>
-              <a:rPr lang="en-US" sz="1000" smtClean="0">
-                <a:latin typeface="Courier New" pitchFamily="49" charset="0"/>
-                <a:cs typeface="Courier New" pitchFamily="49" charset="0"/>
-              </a:rPr>
-              <a:t>receive</a:t>
-            </a:r>
-          </a:p>
-          <a:p>
-            <a:r>
-              <a:rPr lang="en-US" sz="1000" smtClean="0">
-                <a:latin typeface="Courier New" pitchFamily="49" charset="0"/>
-                <a:cs typeface="Courier New" pitchFamily="49" charset="0"/>
-              </a:rPr>
-              <a:t>send(msg)</a:t>
-            </a:r>
-          </a:p>
-          <a:p>
-            <a:r>
-              <a:rPr lang="en-US" sz="1000" smtClean="0">
-                <a:latin typeface="Courier New" pitchFamily="49" charset="0"/>
-                <a:cs typeface="Courier New" pitchFamily="49" charset="0"/>
-              </a:rPr>
-              <a:t>setup(socket)</a:t>
-            </a:r>
-          </a:p>
-          <a:p>
-            <a:r>
-              <a:rPr lang="en-US" sz="1000" smtClean="0">
-                <a:latin typeface="Courier New" pitchFamily="49" charset="0"/>
-                <a:cs typeface="Courier New" pitchFamily="49" charset="0"/>
-              </a:rPr>
-              <a:t>----------</a:t>
-            </a:r>
-          </a:p>
-          <a:p>
-            <a:r>
-              <a:rPr lang="en-US" sz="1000" smtClean="0">
-                <a:latin typeface="Courier New" pitchFamily="49" charset="0"/>
-                <a:cs typeface="Courier New" pitchFamily="49" charset="0"/>
-              </a:rPr>
-              <a:t>inBuffer</a:t>
-            </a:r>
-          </a:p>
-          <a:p>
-            <a:r>
-              <a:rPr lang="en-US" sz="1000" smtClean="0">
-                <a:latin typeface="Courier New" pitchFamily="49" charset="0"/>
-                <a:cs typeface="Courier New" pitchFamily="49" charset="0"/>
-              </a:rPr>
-              <a:t>nm</a:t>
-            </a:r>
-          </a:p>
-          <a:p>
-            <a:r>
-              <a:rPr lang="en-US" sz="1000" smtClean="0">
-                <a:latin typeface="Courier New" pitchFamily="49" charset="0"/>
-                <a:cs typeface="Courier New" pitchFamily="49" charset="0"/>
-              </a:rPr>
-              <a:t>sock</a:t>
-            </a:r>
-          </a:p>
-        </p:txBody>
-      </p:sp>
-      <p:sp>
-        <p:nvSpPr>
-          <p:cNvPr id="8" name="TextBox 7"/>
-          <p:cNvSpPr txBox="1"/>
-          <p:nvPr/>
-        </p:nvSpPr>
-        <p:spPr>
-          <a:xfrm>
-            <a:off x="150688" y="3130191"/>
-            <a:ext cx="2262158" cy="1785104"/>
-          </a:xfrm>
-          <a:prstGeom prst="rect">
-            <a:avLst/>
-          </a:prstGeom>
-          <a:noFill/>
-          <a:ln cmpd="sng">
-            <a:solidFill>
-              <a:schemeClr val="tx1"/>
-            </a:solidFill>
-          </a:ln>
-        </p:spPr>
-        <p:txBody>
-          <a:bodyPr wrap="none" rtlCol="0">
-            <a:spAutoFit/>
-          </a:bodyPr>
-          <a:lstStyle/>
-          <a:p>
-            <a:r>
-              <a:rPr lang="en-US" sz="1000" b="1" smtClean="0">
-                <a:solidFill>
-                  <a:srgbClr val="FF0000"/>
-                </a:solidFill>
-                <a:latin typeface="Courier New" pitchFamily="49" charset="0"/>
-                <a:cs typeface="Courier New" pitchFamily="49" charset="0"/>
-              </a:rPr>
-              <a:t>MsgServerThread(Thread)</a:t>
-            </a:r>
-          </a:p>
-          <a:p>
-            <a:r>
-              <a:rPr lang="en-US" sz="1000" smtClean="0">
-                <a:latin typeface="Courier New" pitchFamily="49" charset="0"/>
-                <a:cs typeface="Courier New" pitchFamily="49" charset="0"/>
-              </a:rPr>
-              <a:t>----------</a:t>
-            </a:r>
-          </a:p>
-          <a:p>
-            <a:r>
-              <a:rPr lang="en-US" sz="1000" smtClean="0">
-                <a:latin typeface="Courier New" pitchFamily="49" charset="0"/>
-                <a:cs typeface="Courier New" pitchFamily="49" charset="0"/>
-              </a:rPr>
-              <a:t>init(host,nm,port</a:t>
-            </a:r>
-          </a:p>
-          <a:p>
-            <a:r>
-              <a:rPr lang="en-US" sz="1000">
-                <a:latin typeface="Courier New" pitchFamily="49" charset="0"/>
-                <a:cs typeface="Courier New" pitchFamily="49" charset="0"/>
-              </a:rPr>
-              <a:t> </a:t>
-            </a:r>
-            <a:r>
-              <a:rPr lang="en-US" sz="1000" smtClean="0">
-                <a:latin typeface="Courier New" pitchFamily="49" charset="0"/>
-                <a:cs typeface="Courier New" pitchFamily="49" charset="0"/>
-              </a:rPr>
-              <a:t>    clientHandlerFunction)</a:t>
-            </a:r>
-          </a:p>
-          <a:p>
-            <a:r>
-              <a:rPr lang="en-US" sz="1000" smtClean="0">
-                <a:latin typeface="Courier New" pitchFamily="49" charset="0"/>
-                <a:cs typeface="Courier New" pitchFamily="49" charset="0"/>
-              </a:rPr>
-              <a:t>run</a:t>
-            </a:r>
-          </a:p>
-          <a:p>
-            <a:r>
-              <a:rPr lang="en-US" sz="1000" smtClean="0">
-                <a:latin typeface="Courier New" pitchFamily="49" charset="0"/>
-                <a:cs typeface="Courier New" pitchFamily="49" charset="0"/>
-              </a:rPr>
-              <a:t>----------</a:t>
-            </a:r>
-          </a:p>
-          <a:p>
-            <a:r>
-              <a:rPr lang="en-US" sz="1000" smtClean="0">
-                <a:latin typeface="Courier New" pitchFamily="49" charset="0"/>
-                <a:cs typeface="Courier New" pitchFamily="49" charset="0"/>
-              </a:rPr>
-              <a:t>clientHandlerFunction</a:t>
-            </a:r>
-          </a:p>
-          <a:p>
-            <a:r>
-              <a:rPr lang="en-US" sz="1000" smtClean="0">
-                <a:latin typeface="Courier New" pitchFamily="49" charset="0"/>
-                <a:cs typeface="Courier New" pitchFamily="49" charset="0"/>
-              </a:rPr>
-              <a:t>host</a:t>
-            </a:r>
-          </a:p>
-          <a:p>
-            <a:r>
-              <a:rPr lang="en-US" sz="1000" smtClean="0">
-                <a:latin typeface="Courier New" pitchFamily="49" charset="0"/>
-                <a:cs typeface="Courier New" pitchFamily="49" charset="0"/>
-              </a:rPr>
-              <a:t>nm</a:t>
-            </a:r>
-          </a:p>
-          <a:p>
-            <a:r>
-              <a:rPr lang="en-US" sz="1000" smtClean="0">
-                <a:latin typeface="Courier New" pitchFamily="49" charset="0"/>
-                <a:cs typeface="Courier New" pitchFamily="49" charset="0"/>
-              </a:rPr>
-              <a:t>port</a:t>
-            </a:r>
-          </a:p>
-          <a:p>
-            <a:r>
-              <a:rPr lang="en-US" sz="1000" smtClean="0">
-                <a:latin typeface="Courier New" pitchFamily="49" charset="0"/>
-                <a:cs typeface="Courier New" pitchFamily="49" charset="0"/>
-              </a:rPr>
-              <a:t>serverSocket</a:t>
-            </a:r>
-          </a:p>
-        </p:txBody>
-      </p:sp>
-      <p:sp>
-        <p:nvSpPr>
-          <p:cNvPr id="9" name="TextBox 8"/>
-          <p:cNvSpPr txBox="1"/>
-          <p:nvPr/>
-        </p:nvSpPr>
-        <p:spPr>
-          <a:xfrm>
-            <a:off x="171236" y="5123379"/>
-            <a:ext cx="2262158" cy="1477328"/>
-          </a:xfrm>
-          <a:prstGeom prst="rect">
-            <a:avLst/>
-          </a:prstGeom>
-          <a:noFill/>
-          <a:ln cmpd="sng">
-            <a:solidFill>
-              <a:schemeClr val="tx1"/>
-            </a:solidFill>
-          </a:ln>
-        </p:spPr>
-        <p:txBody>
-          <a:bodyPr wrap="none" rtlCol="0">
-            <a:spAutoFit/>
-          </a:bodyPr>
-          <a:lstStyle/>
-          <a:p>
-            <a:r>
-              <a:rPr lang="en-US" sz="1000" b="1" smtClean="0">
-                <a:solidFill>
-                  <a:srgbClr val="FF0000"/>
-                </a:solidFill>
-                <a:latin typeface="Courier New" pitchFamily="49" charset="0"/>
-                <a:cs typeface="Courier New" pitchFamily="49" charset="0"/>
-              </a:rPr>
-              <a:t>ClientHandlerThread(Thread)</a:t>
-            </a:r>
-          </a:p>
-          <a:p>
-            <a:r>
-              <a:rPr lang="en-US" sz="1000" smtClean="0">
-                <a:latin typeface="Courier New" pitchFamily="49" charset="0"/>
-                <a:cs typeface="Courier New" pitchFamily="49" charset="0"/>
-              </a:rPr>
-              <a:t>----------</a:t>
-            </a:r>
-          </a:p>
-          <a:p>
-            <a:r>
-              <a:rPr lang="en-US" sz="1000" smtClean="0">
-                <a:latin typeface="Courier New" pitchFamily="49" charset="0"/>
-                <a:cs typeface="Courier New" pitchFamily="49" charset="0"/>
-              </a:rPr>
-              <a:t>init(host,nm,prot</a:t>
-            </a:r>
-          </a:p>
-          <a:p>
-            <a:r>
-              <a:rPr lang="en-US" sz="1000">
-                <a:latin typeface="Courier New" pitchFamily="49" charset="0"/>
-                <a:cs typeface="Courier New" pitchFamily="49" charset="0"/>
-              </a:rPr>
-              <a:t> </a:t>
-            </a:r>
-            <a:r>
-              <a:rPr lang="en-US" sz="1000" smtClean="0">
-                <a:latin typeface="Courier New" pitchFamily="49" charset="0"/>
-                <a:cs typeface="Courier New" pitchFamily="49" charset="0"/>
-              </a:rPr>
-              <a:t>    clientHandlerFunction)</a:t>
-            </a:r>
-          </a:p>
-          <a:p>
-            <a:r>
-              <a:rPr lang="en-US" sz="1000" smtClean="0">
-                <a:latin typeface="Courier New" pitchFamily="49" charset="0"/>
-                <a:cs typeface="Courier New" pitchFamily="49" charset="0"/>
-              </a:rPr>
-              <a:t>run</a:t>
-            </a:r>
-          </a:p>
-          <a:p>
-            <a:r>
-              <a:rPr lang="en-US" sz="1000" smtClean="0">
-                <a:latin typeface="Courier New" pitchFamily="49" charset="0"/>
-                <a:cs typeface="Courier New" pitchFamily="49" charset="0"/>
-              </a:rPr>
-              <a:t>----------</a:t>
-            </a:r>
-          </a:p>
-          <a:p>
-            <a:r>
-              <a:rPr lang="en-US" sz="1000" smtClean="0">
-                <a:latin typeface="Courier New" pitchFamily="49" charset="0"/>
-                <a:cs typeface="Courier New" pitchFamily="49" charset="0"/>
-              </a:rPr>
-              <a:t>clientHandlerFunction</a:t>
-            </a:r>
-          </a:p>
-          <a:p>
-            <a:r>
-              <a:rPr lang="en-US" sz="1000" smtClean="0">
-                <a:latin typeface="Courier New" pitchFamily="49" charset="0"/>
-                <a:cs typeface="Courier New" pitchFamily="49" charset="0"/>
-              </a:rPr>
-              <a:t>nm</a:t>
-            </a:r>
-          </a:p>
-          <a:p>
-            <a:r>
-              <a:rPr lang="en-US" sz="1000" smtClean="0">
-                <a:latin typeface="Courier New" pitchFamily="49" charset="0"/>
-                <a:cs typeface="Courier New" pitchFamily="49" charset="0"/>
-              </a:rPr>
-              <a:t>socketToClient</a:t>
-            </a:r>
-          </a:p>
-        </p:txBody>
-      </p:sp>
-      <p:sp>
-        <p:nvSpPr>
-          <p:cNvPr id="10" name="TextBox 9"/>
-          <p:cNvSpPr txBox="1"/>
-          <p:nvPr/>
-        </p:nvSpPr>
-        <p:spPr>
-          <a:xfrm>
-            <a:off x="3304855" y="705492"/>
-            <a:ext cx="1800493" cy="1323439"/>
-          </a:xfrm>
-          <a:prstGeom prst="rect">
-            <a:avLst/>
-          </a:prstGeom>
-          <a:noFill/>
-          <a:ln cmpd="sng">
-            <a:solidFill>
-              <a:schemeClr val="tx1"/>
-            </a:solidFill>
-          </a:ln>
-        </p:spPr>
-        <p:txBody>
-          <a:bodyPr wrap="none" rtlCol="0">
-            <a:spAutoFit/>
-          </a:bodyPr>
-          <a:lstStyle/>
-          <a:p>
-            <a:r>
-              <a:rPr lang="en-US" sz="1000" b="1" smtClean="0">
-                <a:solidFill>
-                  <a:srgbClr val="FF0000"/>
-                </a:solidFill>
-                <a:latin typeface="Courier New" pitchFamily="49" charset="0"/>
-                <a:cs typeface="Courier New" pitchFamily="49" charset="0"/>
-              </a:rPr>
-              <a:t>MsgOutQuPump(Thread)</a:t>
-            </a:r>
-          </a:p>
-          <a:p>
-            <a:r>
-              <a:rPr lang="en-US" sz="1000" smtClean="0">
-                <a:latin typeface="Courier New" pitchFamily="49" charset="0"/>
-                <a:cs typeface="Courier New" pitchFamily="49" charset="0"/>
-              </a:rPr>
-              <a:t>----------</a:t>
-            </a:r>
-          </a:p>
-          <a:p>
-            <a:r>
-              <a:rPr lang="en-US" sz="1000" smtClean="0">
-                <a:latin typeface="Courier New" pitchFamily="49" charset="0"/>
-                <a:cs typeface="Courier New" pitchFamily="49" charset="0"/>
-              </a:rPr>
-              <a:t>init(nm,msgSocket,qu)</a:t>
-            </a:r>
-          </a:p>
-          <a:p>
-            <a:r>
-              <a:rPr lang="en-US" sz="1000" smtClean="0">
-                <a:latin typeface="Courier New" pitchFamily="49" charset="0"/>
-                <a:cs typeface="Courier New" pitchFamily="49" charset="0"/>
-              </a:rPr>
-              <a:t>run</a:t>
-            </a:r>
-          </a:p>
-          <a:p>
-            <a:r>
-              <a:rPr lang="en-US" sz="1000" smtClean="0">
-                <a:latin typeface="Courier New" pitchFamily="49" charset="0"/>
-                <a:cs typeface="Courier New" pitchFamily="49" charset="0"/>
-              </a:rPr>
-              <a:t>----------</a:t>
-            </a:r>
-          </a:p>
-          <a:p>
-            <a:r>
-              <a:rPr lang="en-US" sz="1000" smtClean="0">
-                <a:latin typeface="Courier New" pitchFamily="49" charset="0"/>
-                <a:cs typeface="Courier New" pitchFamily="49" charset="0"/>
-              </a:rPr>
-              <a:t>nm</a:t>
-            </a:r>
-          </a:p>
-          <a:p>
-            <a:r>
-              <a:rPr lang="en-US" sz="1000" smtClean="0">
-                <a:latin typeface="Courier New" pitchFamily="49" charset="0"/>
-                <a:cs typeface="Courier New" pitchFamily="49" charset="0"/>
-              </a:rPr>
-              <a:t>qu</a:t>
-            </a:r>
-          </a:p>
-          <a:p>
-            <a:r>
-              <a:rPr lang="en-US" sz="1000" smtClean="0">
-                <a:latin typeface="Courier New" pitchFamily="49" charset="0"/>
-                <a:cs typeface="Courier New" pitchFamily="49" charset="0"/>
-              </a:rPr>
-              <a:t>sk</a:t>
-            </a:r>
-          </a:p>
-        </p:txBody>
-      </p:sp>
-      <p:sp>
-        <p:nvSpPr>
-          <p:cNvPr id="11" name="TextBox 10"/>
-          <p:cNvSpPr txBox="1"/>
-          <p:nvPr/>
-        </p:nvSpPr>
-        <p:spPr>
-          <a:xfrm>
-            <a:off x="6030063" y="277403"/>
-            <a:ext cx="1755610" cy="646331"/>
-          </a:xfrm>
-          <a:prstGeom prst="rect">
-            <a:avLst/>
-          </a:prstGeom>
-          <a:noFill/>
         </p:spPr>
         <p:txBody>
           <a:bodyPr wrap="none" rtlCol="0">
@@ -18569,7 +12921,7 @@
           <a:p>
             <a:pPr algn="ctr"/>
             <a:r>
-              <a:rPr lang="en-US" smtClean="0">
+              <a:rPr lang="en-US" sz="1200" smtClean="0">
                 <a:solidFill>
                   <a:schemeClr val="accent6">
                     <a:lumMod val="75000"/>
@@ -18582,7 +12934,7 @@
           <a:p>
             <a:pPr algn="ctr"/>
             <a:r>
-              <a:rPr lang="en-US" smtClean="0">
+              <a:rPr lang="en-US" sz="1200" smtClean="0">
                 <a:solidFill>
                   <a:schemeClr val="accent6">
                     <a:lumMod val="75000"/>
@@ -18591,7 +12943,7 @@
               </a:rPr>
               <a:t>MsgOutQuPump</a:t>
             </a:r>
-            <a:endParaRPr lang="en-US">
+            <a:endParaRPr lang="en-US" sz="1200">
               <a:solidFill>
                 <a:schemeClr val="accent6">
                   <a:lumMod val="75000"/>
@@ -18609,7 +12961,7 @@
         </p:nvSpPr>
         <p:spPr>
           <a:xfrm>
-            <a:off x="6517247" y="1462358"/>
+            <a:off x="6818461" y="2548880"/>
             <a:ext cx="1107996" cy="246221"/>
           </a:xfrm>
           <a:prstGeom prst="rect">
@@ -18654,7 +13006,7 @@
         </p:nvCxnSpPr>
         <p:spPr>
           <a:xfrm flipH="1">
-            <a:off x="7071245" y="1035802"/>
+            <a:off x="7372459" y="2122324"/>
             <a:ext cx="26487" cy="426556"/>
           </a:xfrm>
           <a:prstGeom prst="straightConnector1">
@@ -18687,7 +13039,7 @@
         </p:nvSpPr>
         <p:spPr>
           <a:xfrm>
-            <a:off x="7097732" y="912691"/>
+            <a:off x="7398946" y="1999213"/>
             <a:ext cx="569387" cy="246221"/>
           </a:xfrm>
           <a:prstGeom prst="rect">
@@ -18723,7 +13075,7 @@
         </p:nvSpPr>
         <p:spPr>
           <a:xfrm>
-            <a:off x="7036088" y="2196961"/>
+            <a:off x="7337302" y="3283483"/>
             <a:ext cx="877163" cy="246221"/>
           </a:xfrm>
           <a:prstGeom prst="rect">
@@ -18769,7 +13121,7 @@
         </p:nvSpPr>
         <p:spPr>
           <a:xfrm>
-            <a:off x="6304909" y="2205524"/>
+            <a:off x="6606123" y="3292046"/>
             <a:ext cx="338554" cy="246221"/>
           </a:xfrm>
           <a:prstGeom prst="rect">
@@ -18818,7 +13170,7 @@
         </p:nvCxnSpPr>
         <p:spPr>
           <a:xfrm>
-            <a:off x="7071245" y="1708579"/>
+            <a:off x="7372459" y="2795101"/>
             <a:ext cx="403425" cy="488382"/>
           </a:xfrm>
           <a:prstGeom prst="straightConnector1">
@@ -18854,7 +13206,7 @@
         </p:nvCxnSpPr>
         <p:spPr>
           <a:xfrm flipH="1">
-            <a:off x="6474186" y="1708579"/>
+            <a:off x="6775400" y="2795101"/>
             <a:ext cx="597059" cy="496945"/>
           </a:xfrm>
           <a:prstGeom prst="straightConnector1">
@@ -18887,7 +13239,7 @@
         </p:nvSpPr>
         <p:spPr>
           <a:xfrm>
-            <a:off x="7147391" y="1825379"/>
+            <a:off x="7448605" y="2911901"/>
             <a:ext cx="492443" cy="246221"/>
           </a:xfrm>
           <a:prstGeom prst="rect">
@@ -18923,7 +13275,7 @@
         </p:nvSpPr>
         <p:spPr>
           <a:xfrm>
-            <a:off x="6385390" y="1782569"/>
+            <a:off x="6686604" y="2869091"/>
             <a:ext cx="415498" cy="246221"/>
           </a:xfrm>
           <a:prstGeom prst="rect">
@@ -18953,122 +13305,19 @@
       </p:sp>
       <p:sp>
         <p:nvSpPr>
-          <p:cNvPr id="28" name="TextBox 27"/>
-          <p:cNvSpPr txBox="1"/>
-          <p:nvPr/>
-        </p:nvSpPr>
-        <p:spPr>
-          <a:xfrm>
-            <a:off x="3323690" y="2347644"/>
-            <a:ext cx="2108269" cy="1323439"/>
+          <p:cNvPr id="33" name="TextBox 32"/>
+          <p:cNvSpPr txBox="1"/>
+          <p:nvPr/>
+        </p:nvSpPr>
+        <p:spPr>
+          <a:xfrm>
+            <a:off x="3828079" y="3236823"/>
+            <a:ext cx="1116011" cy="461665"/>
           </a:xfrm>
           <a:prstGeom prst="rect">
             <a:avLst/>
           </a:prstGeom>
           <a:noFill/>
-          <a:ln cmpd="sng">
-            <a:solidFill>
-              <a:schemeClr val="tx1"/>
-            </a:solidFill>
-          </a:ln>
-        </p:spPr>
-        <p:txBody>
-          <a:bodyPr wrap="none" rtlCol="0">
-            <a:spAutoFit/>
-          </a:bodyPr>
-          <a:lstStyle/>
-          <a:p>
-            <a:r>
-              <a:rPr lang="en-US" sz="1000" b="1" smtClean="0">
-                <a:solidFill>
-                  <a:srgbClr val="FF0000"/>
-                </a:solidFill>
-                <a:latin typeface="Courier New" pitchFamily="49" charset="0"/>
-                <a:cs typeface="Courier New" pitchFamily="49" charset="0"/>
-              </a:rPr>
-              <a:t>MsgInQuPump(Thread)</a:t>
-            </a:r>
-          </a:p>
-          <a:p>
-            <a:r>
-              <a:rPr lang="en-US" sz="1000" smtClean="0">
-                <a:latin typeface="Courier New" pitchFamily="49" charset="0"/>
-                <a:cs typeface="Courier New" pitchFamily="49" charset="0"/>
-              </a:rPr>
-              <a:t>----------</a:t>
-            </a:r>
-          </a:p>
-          <a:p>
-            <a:r>
-              <a:rPr lang="en-US" sz="1000" smtClean="0">
-                <a:latin typeface="Courier New" pitchFamily="49" charset="0"/>
-                <a:cs typeface="Courier New" pitchFamily="49" charset="0"/>
-              </a:rPr>
-              <a:t>init(nm,msgSocket,quList)</a:t>
-            </a:r>
-          </a:p>
-          <a:p>
-            <a:r>
-              <a:rPr lang="en-US" sz="1000" smtClean="0">
-                <a:latin typeface="Courier New" pitchFamily="49" charset="0"/>
-                <a:cs typeface="Courier New" pitchFamily="49" charset="0"/>
-              </a:rPr>
-              <a:t>run</a:t>
-            </a:r>
-          </a:p>
-          <a:p>
-            <a:r>
-              <a:rPr lang="en-US" sz="1000" smtClean="0">
-                <a:latin typeface="Courier New" pitchFamily="49" charset="0"/>
-                <a:cs typeface="Courier New" pitchFamily="49" charset="0"/>
-              </a:rPr>
-              <a:t>----------</a:t>
-            </a:r>
-          </a:p>
-          <a:p>
-            <a:r>
-              <a:rPr lang="en-US" sz="1000" smtClean="0">
-                <a:latin typeface="Courier New" pitchFamily="49" charset="0"/>
-                <a:cs typeface="Courier New" pitchFamily="49" charset="0"/>
-              </a:rPr>
-              <a:t>nm</a:t>
-            </a:r>
-          </a:p>
-          <a:p>
-            <a:r>
-              <a:rPr lang="en-US" sz="1000" smtClean="0">
-                <a:latin typeface="Courier New" pitchFamily="49" charset="0"/>
-                <a:cs typeface="Courier New" pitchFamily="49" charset="0"/>
-              </a:rPr>
-              <a:t>qu</a:t>
-            </a:r>
-          </a:p>
-          <a:p>
-            <a:r>
-              <a:rPr lang="en-US" sz="1000" smtClean="0">
-                <a:latin typeface="Courier New" pitchFamily="49" charset="0"/>
-                <a:cs typeface="Courier New" pitchFamily="49" charset="0"/>
-              </a:rPr>
-              <a:t>sk</a:t>
-            </a:r>
-          </a:p>
-        </p:txBody>
-      </p:sp>
-      <p:sp>
-        <p:nvSpPr>
-          <p:cNvPr id="33" name="TextBox 32"/>
-          <p:cNvSpPr txBox="1"/>
-          <p:nvPr/>
-        </p:nvSpPr>
-        <p:spPr>
-          <a:xfrm>
-            <a:off x="6401787" y="2731214"/>
-            <a:ext cx="1584088" cy="646331"/>
-          </a:xfrm>
-          <a:prstGeom prst="rect">
-            <a:avLst/>
-          </a:prstGeom>
-          <a:noFill/>
         </p:spPr>
         <p:txBody>
           <a:bodyPr wrap="none" rtlCol="0">
@@ -19078,7 +13327,7 @@
           <a:p>
             <a:pPr algn="ctr"/>
             <a:r>
-              <a:rPr lang="en-US" smtClean="0">
+              <a:rPr lang="en-US" sz="1200" smtClean="0">
                 <a:solidFill>
                   <a:schemeClr val="accent6">
                     <a:lumMod val="75000"/>
@@ -19091,7 +13340,7 @@
           <a:p>
             <a:pPr algn="ctr"/>
             <a:r>
-              <a:rPr lang="en-US" smtClean="0">
+              <a:rPr lang="en-US" sz="1200" smtClean="0">
                 <a:solidFill>
                   <a:schemeClr val="accent6">
                     <a:lumMod val="75000"/>
@@ -19100,7 +13349,7 @@
               </a:rPr>
               <a:t>MsgInQuPump</a:t>
             </a:r>
-            <a:endParaRPr lang="en-US">
+            <a:endParaRPr lang="en-US" sz="1200">
               <a:solidFill>
                 <a:schemeClr val="accent6">
                   <a:lumMod val="75000"/>
@@ -19118,7 +13367,7 @@
         </p:nvSpPr>
         <p:spPr>
           <a:xfrm>
-            <a:off x="6844308" y="3782606"/>
+            <a:off x="4036562" y="4288215"/>
             <a:ext cx="1031051" cy="246221"/>
           </a:xfrm>
           <a:prstGeom prst="rect">
@@ -19163,7 +13412,7 @@
         </p:nvCxnSpPr>
         <p:spPr>
           <a:xfrm flipH="1">
-            <a:off x="7359834" y="3489613"/>
+            <a:off x="4552088" y="3995222"/>
             <a:ext cx="23862" cy="292993"/>
           </a:xfrm>
           <a:prstGeom prst="straightConnector1">
@@ -19196,7 +13445,7 @@
         </p:nvSpPr>
         <p:spPr>
           <a:xfrm>
-            <a:off x="7383696" y="3366502"/>
+            <a:off x="4575950" y="3872111"/>
             <a:ext cx="569387" cy="246221"/>
           </a:xfrm>
           <a:prstGeom prst="rect">
@@ -19232,7 +13481,7 @@
         </p:nvSpPr>
         <p:spPr>
           <a:xfrm>
-            <a:off x="6489846" y="4558304"/>
+            <a:off x="3682100" y="5063913"/>
             <a:ext cx="877163" cy="246221"/>
           </a:xfrm>
           <a:prstGeom prst="rect">
@@ -19278,7 +13527,7 @@
         </p:nvSpPr>
         <p:spPr>
           <a:xfrm>
-            <a:off x="7546371" y="4536045"/>
+            <a:off x="4738625" y="5041654"/>
             <a:ext cx="646331" cy="246221"/>
           </a:xfrm>
           <a:prstGeom prst="rect">
@@ -19327,7 +13576,7 @@
         </p:nvCxnSpPr>
         <p:spPr>
           <a:xfrm flipH="1">
-            <a:off x="6928428" y="4028827"/>
+            <a:off x="4120682" y="4534436"/>
             <a:ext cx="431406" cy="529477"/>
           </a:xfrm>
           <a:prstGeom prst="straightConnector1">
@@ -19363,7 +13612,7 @@
         </p:nvCxnSpPr>
         <p:spPr>
           <a:xfrm>
-            <a:off x="7359834" y="4028827"/>
+            <a:off x="4552088" y="4534436"/>
             <a:ext cx="509703" cy="507218"/>
           </a:xfrm>
           <a:prstGeom prst="straightConnector1">
@@ -19396,7 +13645,7 @@
         </p:nvSpPr>
         <p:spPr>
           <a:xfrm>
-            <a:off x="7546370" y="4166174"/>
+            <a:off x="4738624" y="4671783"/>
             <a:ext cx="415498" cy="246221"/>
           </a:xfrm>
           <a:prstGeom prst="rect">
@@ -19432,7 +13681,7 @@
         </p:nvSpPr>
         <p:spPr>
           <a:xfrm>
-            <a:off x="6599435" y="4195284"/>
+            <a:off x="3791689" y="4700893"/>
             <a:ext cx="723275" cy="246221"/>
           </a:xfrm>
           <a:prstGeom prst="rect">
@@ -19462,63 +13711,19 @@
       </p:sp>
       <p:sp>
         <p:nvSpPr>
-          <p:cNvPr id="47" name="TextBox 46"/>
-          <p:cNvSpPr txBox="1"/>
-          <p:nvPr/>
-        </p:nvSpPr>
-        <p:spPr>
-          <a:xfrm>
-            <a:off x="3409309" y="3984660"/>
-            <a:ext cx="1723549" cy="246221"/>
+          <p:cNvPr id="58" name="TextBox 57"/>
+          <p:cNvSpPr txBox="1"/>
+          <p:nvPr/>
+        </p:nvSpPr>
+        <p:spPr>
+          <a:xfrm>
+            <a:off x="973669" y="1704020"/>
+            <a:ext cx="656911" cy="461665"/>
           </a:xfrm>
           <a:prstGeom prst="rect">
             <a:avLst/>
           </a:prstGeom>
           <a:noFill/>
-          <a:ln cmpd="sng">
-            <a:solidFill>
-              <a:schemeClr val="tx1"/>
-            </a:solidFill>
-          </a:ln>
-        </p:spPr>
-        <p:txBody>
-          <a:bodyPr wrap="none" rtlCol="0">
-            <a:spAutoFit/>
-          </a:bodyPr>
-          <a:lstStyle/>
-          <a:p>
-            <a:r>
-              <a:rPr lang="en-US" sz="1000" b="1" smtClean="0">
-                <a:solidFill>
-                  <a:srgbClr val="FF0000"/>
-                </a:solidFill>
-                <a:latin typeface="Courier New" pitchFamily="49" charset="0"/>
-                <a:cs typeface="Courier New" pitchFamily="49" charset="0"/>
-              </a:rPr>
-              <a:t>def waitFor(qu, msg)</a:t>
-            </a:r>
-            <a:endParaRPr lang="en-US" sz="1000" smtClean="0">
-              <a:latin typeface="Courier New" pitchFamily="49" charset="0"/>
-              <a:cs typeface="Courier New" pitchFamily="49" charset="0"/>
-            </a:endParaRPr>
-          </a:p>
-        </p:txBody>
-      </p:sp>
-      <p:sp>
-        <p:nvSpPr>
-          <p:cNvPr id="58" name="TextBox 57"/>
-          <p:cNvSpPr txBox="1"/>
-          <p:nvPr/>
-        </p:nvSpPr>
-        <p:spPr>
-          <a:xfrm>
-            <a:off x="4578123" y="4404189"/>
-            <a:ext cx="892296" cy="646331"/>
-          </a:xfrm>
-          <a:prstGeom prst="rect">
-            <a:avLst/>
-          </a:prstGeom>
-          <a:noFill/>
         </p:spPr>
         <p:txBody>
           <a:bodyPr wrap="none" rtlCol="0">
@@ -19528,7 +13733,7 @@
           <a:p>
             <a:pPr algn="ctr"/>
             <a:r>
-              <a:rPr lang="en-US" smtClean="0">
+              <a:rPr lang="en-US" sz="1200" dirty="0" smtClean="0">
                 <a:solidFill>
                   <a:schemeClr val="accent6">
                     <a:lumMod val="75000"/>
@@ -19541,7 +13746,7 @@
           <a:p>
             <a:pPr algn="ctr"/>
             <a:r>
-              <a:rPr lang="en-US" smtClean="0">
+              <a:rPr lang="en-US" sz="1200" dirty="0" err="1" smtClean="0">
                 <a:solidFill>
                   <a:schemeClr val="accent6">
                     <a:lumMod val="75000"/>
@@ -19550,7 +13755,7 @@
               </a:rPr>
               <a:t>waitFor</a:t>
             </a:r>
-            <a:endParaRPr lang="en-US">
+            <a:endParaRPr lang="en-US" sz="1200" dirty="0">
               <a:solidFill>
                 <a:schemeClr val="accent6">
                   <a:lumMod val="75000"/>
@@ -19568,7 +13773,7 @@
         </p:nvSpPr>
         <p:spPr>
           <a:xfrm>
-            <a:off x="4294605" y="5527500"/>
+            <a:off x="572459" y="2827331"/>
             <a:ext cx="723275" cy="246221"/>
           </a:xfrm>
           <a:prstGeom prst="rect">
@@ -19616,7 +13821,7 @@
         </p:nvCxnSpPr>
         <p:spPr>
           <a:xfrm flipH="1">
-            <a:off x="4656243" y="5116530"/>
+            <a:off x="934097" y="2416361"/>
             <a:ext cx="182885" cy="410970"/>
           </a:xfrm>
           <a:prstGeom prst="straightConnector1">
@@ -19649,7 +13854,7 @@
         </p:nvSpPr>
         <p:spPr>
           <a:xfrm>
-            <a:off x="4741526" y="5203864"/>
+            <a:off x="1019380" y="2503695"/>
             <a:ext cx="1569660" cy="246221"/>
           </a:xfrm>
           <a:prstGeom prst="rect">
@@ -19685,7 +13890,7 @@
         </p:nvSpPr>
         <p:spPr>
           <a:xfrm>
-            <a:off x="4320287" y="6231279"/>
+            <a:off x="598141" y="3531110"/>
             <a:ext cx="338554" cy="246221"/>
           </a:xfrm>
           <a:prstGeom prst="rect">
@@ -19734,7 +13939,7 @@
         </p:nvCxnSpPr>
         <p:spPr>
           <a:xfrm flipH="1">
-            <a:off x="4489564" y="5773721"/>
+            <a:off x="767418" y="3073552"/>
             <a:ext cx="166679" cy="457558"/>
           </a:xfrm>
           <a:prstGeom prst="straightConnector1">
@@ -19767,7 +13972,7 @@
         </p:nvSpPr>
         <p:spPr>
           <a:xfrm>
-            <a:off x="4583986" y="5868259"/>
+            <a:off x="861840" y="3168090"/>
             <a:ext cx="415498" cy="246221"/>
           </a:xfrm>
           <a:prstGeom prst="rect">
@@ -20366,8 +14571,8 @@
         </p:nvSpPr>
         <p:spPr>
           <a:xfrm>
-            <a:off x="2290748" y="205483"/>
-            <a:ext cx="3309944" cy="923330"/>
+            <a:off x="2812974" y="205483"/>
+            <a:ext cx="2265492" cy="738664"/>
           </a:xfrm>
           <a:prstGeom prst="rect">
             <a:avLst/>
@@ -20382,7 +14587,7 @@
           <a:p>
             <a:pPr algn="ctr"/>
             <a:r>
-              <a:rPr lang="en-US" smtClean="0">
+              <a:rPr lang="en-US" dirty="0" smtClean="0">
                 <a:solidFill>
                   <a:schemeClr val="accent6">
                     <a:lumMod val="75000"/>
@@ -20395,7 +14600,7 @@
           <a:p>
             <a:pPr algn="ctr"/>
             <a:r>
-              <a:rPr lang="en-US" smtClean="0">
+              <a:rPr lang="en-US" sz="1200" dirty="0" smtClean="0">
                 <a:solidFill>
                   <a:schemeClr val="accent6">
                     <a:lumMod val="75000"/>
@@ -20408,16 +14613,36 @@
           <a:p>
             <a:pPr algn="ctr"/>
             <a:r>
-              <a:rPr lang="en-US" smtClean="0">
+              <a:rPr lang="en-US" sz="1200" dirty="0" err="1" smtClean="0">
                 <a:solidFill>
                   <a:schemeClr val="accent6">
                     <a:lumMod val="75000"/>
                   </a:schemeClr>
                 </a:solidFill>
               </a:rPr>
-              <a:t>MsgServerThread and MsgSocket</a:t>
-            </a:r>
-            <a:endParaRPr lang="en-US">
+              <a:t>MsgServerThread</a:t>
+            </a:r>
+            <a:r>
+              <a:rPr lang="en-US" sz="1200" dirty="0" smtClean="0">
+                <a:solidFill>
+                  <a:schemeClr val="accent6">
+                    <a:lumMod val="75000"/>
+                  </a:schemeClr>
+                </a:solidFill>
+              </a:rPr>
+              <a:t> and </a:t>
+            </a:r>
+            <a:r>
+              <a:rPr lang="en-US" sz="1200" dirty="0" err="1" smtClean="0">
+                <a:solidFill>
+                  <a:schemeClr val="accent6">
+                    <a:lumMod val="75000"/>
+                  </a:schemeClr>
+                </a:solidFill>
+              </a:rPr>
+              <a:t>MsgSocket</a:t>
+            </a:r>
+            <a:endParaRPr lang="en-US" sz="1200" dirty="0">
               <a:solidFill>
                 <a:schemeClr val="accent6">
                   <a:lumMod val="75000"/>

--- a/Scripting/ScriptingDocumenation/DesignDiagrams.pptx
+++ b/Scripting/ScriptingDocumenation/DesignDiagrams.pptx
@@ -8840,7 +8840,7 @@
         <p:spPr>
           <a:xfrm>
             <a:off x="0" y="524348"/>
-            <a:ext cx="1954381" cy="861774"/>
+            <a:ext cx="2492990" cy="861774"/>
           </a:xfrm>
           <a:prstGeom prst="rect">
             <a:avLst/>
@@ -8858,45 +8858,158 @@
                 <a:latin typeface="Courier New" pitchFamily="49" charset="0"/>
                 <a:cs typeface="Courier New" pitchFamily="49" charset="0"/>
               </a:rPr>
-              <a:t>init(name,outQu)</a:t>
-            </a:r>
-          </a:p>
-          <a:p>
-            <a:r>
-              <a:rPr lang="en-US" sz="1000" smtClean="0">
-                <a:latin typeface="Courier New" pitchFamily="49" charset="0"/>
-                <a:cs typeface="Courier New" pitchFamily="49" charset="0"/>
-              </a:rPr>
-              <a:t>addInterest(msgType)</a:t>
-            </a:r>
-          </a:p>
-          <a:p>
-            <a:r>
-              <a:rPr lang="en-US" sz="1000" smtClean="0">
-                <a:latin typeface="Courier New" pitchFamily="49" charset="0"/>
-                <a:cs typeface="Courier New" pitchFamily="49" charset="0"/>
-              </a:rPr>
-              <a:t>removeInterest(msgType)</a:t>
-            </a:r>
-          </a:p>
-          <a:p>
-            <a:r>
-              <a:rPr lang="en-US" sz="1000" smtClean="0">
+              <a:t>init(</a:t>
+            </a:r>
+            <a:r>
+              <a:rPr lang="en-US" sz="1000" err="1" smtClean="0">
+                <a:latin typeface="Courier New" pitchFamily="49" charset="0"/>
+                <a:cs typeface="Courier New" pitchFamily="49" charset="0"/>
+              </a:rPr>
+              <a:t>name,</a:t>
+            </a:r>
+            <a:r>
+              <a:rPr lang="en-US" sz="1000" err="1" smtClean="0">
+                <a:solidFill>
+                  <a:srgbClr val="FF0000"/>
+                </a:solidFill>
+                <a:latin typeface="Courier New" pitchFamily="49" charset="0"/>
+                <a:cs typeface="Courier New" pitchFamily="49" charset="0"/>
+              </a:rPr>
+              <a:t>inQu,inQuNum</a:t>
+            </a:r>
+            <a:r>
+              <a:rPr lang="en-US" sz="1000" err="1" smtClean="0">
+                <a:latin typeface="Courier New" pitchFamily="49" charset="0"/>
+                <a:cs typeface="Courier New" pitchFamily="49" charset="0"/>
+              </a:rPr>
+              <a:t>,outQu</a:t>
+            </a:r>
+            <a:r>
+              <a:rPr lang="en-US" sz="1000" smtClean="0">
+                <a:latin typeface="Courier New" pitchFamily="49" charset="0"/>
+                <a:cs typeface="Courier New" pitchFamily="49" charset="0"/>
+              </a:rPr>
+              <a:t>)</a:t>
+            </a:r>
+          </a:p>
+          <a:p>
+            <a:r>
+              <a:rPr lang="en-US" sz="1000" err="1" smtClean="0">
+                <a:latin typeface="Courier New" pitchFamily="49" charset="0"/>
+                <a:cs typeface="Courier New" pitchFamily="49" charset="0"/>
+              </a:rPr>
+              <a:t>addInterest</a:t>
+            </a:r>
+            <a:r>
+              <a:rPr lang="en-US" sz="1000" smtClean="0">
+                <a:latin typeface="Courier New" pitchFamily="49" charset="0"/>
+                <a:cs typeface="Courier New" pitchFamily="49" charset="0"/>
+              </a:rPr>
+              <a:t>(</a:t>
+            </a:r>
+            <a:r>
+              <a:rPr lang="en-US" sz="1000" err="1" smtClean="0">
+                <a:latin typeface="Courier New" pitchFamily="49" charset="0"/>
+                <a:cs typeface="Courier New" pitchFamily="49" charset="0"/>
+              </a:rPr>
+              <a:t>msgType</a:t>
+            </a:r>
+            <a:r>
+              <a:rPr lang="en-US" sz="1000" smtClean="0">
+                <a:latin typeface="Courier New" pitchFamily="49" charset="0"/>
+                <a:cs typeface="Courier New" pitchFamily="49" charset="0"/>
+              </a:rPr>
+              <a:t>)</a:t>
+            </a:r>
+          </a:p>
+          <a:p>
+            <a:r>
+              <a:rPr lang="en-US" sz="1000" err="1" smtClean="0">
+                <a:latin typeface="Courier New" pitchFamily="49" charset="0"/>
+                <a:cs typeface="Courier New" pitchFamily="49" charset="0"/>
+              </a:rPr>
+              <a:t>removeInterest</a:t>
+            </a:r>
+            <a:r>
+              <a:rPr lang="en-US" sz="1000" smtClean="0">
+                <a:latin typeface="Courier New" pitchFamily="49" charset="0"/>
+                <a:cs typeface="Courier New" pitchFamily="49" charset="0"/>
+              </a:rPr>
+              <a:t>(</a:t>
+            </a:r>
+            <a:r>
+              <a:rPr lang="en-US" sz="1000" err="1" smtClean="0">
+                <a:latin typeface="Courier New" pitchFamily="49" charset="0"/>
+                <a:cs typeface="Courier New" pitchFamily="49" charset="0"/>
+              </a:rPr>
+              <a:t>msgType</a:t>
+            </a:r>
+            <a:r>
+              <a:rPr lang="en-US" sz="1000" smtClean="0">
+                <a:latin typeface="Courier New" pitchFamily="49" charset="0"/>
+                <a:cs typeface="Courier New" pitchFamily="49" charset="0"/>
+              </a:rPr>
+              <a:t>)</a:t>
+            </a:r>
+          </a:p>
+          <a:p>
+            <a:r>
+              <a:rPr lang="en-US" sz="1000" err="1" smtClean="0">
                 <a:latin typeface="Courier New" pitchFamily="49" charset="0"/>
                 <a:cs typeface="Courier New" pitchFamily="49" charset="0"/>
               </a:rPr>
               <a:t>get:msg</a:t>
             </a:r>
-          </a:p>
-          <a:p>
-            <a:r>
-              <a:rPr lang="en-US" sz="1000" smtClean="0">
-                <a:latin typeface="Courier New" pitchFamily="49" charset="0"/>
-                <a:cs typeface="Courier New" pitchFamily="49" charset="0"/>
-              </a:rPr>
-              <a:t>close</a:t>
+            <a:endParaRPr lang="en-US" sz="1000" smtClean="0">
+              <a:latin typeface="Courier New" pitchFamily="49" charset="0"/>
+              <a:cs typeface="Courier New" pitchFamily="49" charset="0"/>
+            </a:endParaRPr>
+          </a:p>
+          <a:p>
+            <a:r>
+              <a:rPr lang="en-US" sz="1000" smtClean="0">
+                <a:solidFill>
+                  <a:srgbClr val="FF0000"/>
+                </a:solidFill>
+                <a:latin typeface="Courier New" pitchFamily="49" charset="0"/>
+                <a:cs typeface="Courier New" pitchFamily="49" charset="0"/>
+              </a:rPr>
+              <a:t>c</a:t>
+            </a:r>
+            <a:r>
+              <a:rPr lang="en-US" sz="1000" smtClean="0">
+                <a:solidFill>
+                  <a:srgbClr val="FF0000"/>
+                </a:solidFill>
+                <a:latin typeface="Courier New" pitchFamily="49" charset="0"/>
+                <a:cs typeface="Courier New" pitchFamily="49" charset="0"/>
+              </a:rPr>
+              <a:t>lose(</a:t>
+            </a:r>
+            <a:r>
+              <a:rPr lang="en-US" sz="1000" err="1" smtClean="0">
+                <a:solidFill>
+                  <a:srgbClr val="FF0000"/>
+                </a:solidFill>
+                <a:latin typeface="Courier New" pitchFamily="49" charset="0"/>
+                <a:cs typeface="Courier New" pitchFamily="49" charset="0"/>
+              </a:rPr>
+              <a:t>inQuNum</a:t>
+            </a:r>
+            <a:r>
+              <a:rPr lang="en-US" sz="1000" smtClean="0">
+                <a:solidFill>
+                  <a:srgbClr val="FF0000"/>
+                </a:solidFill>
+                <a:latin typeface="Courier New" pitchFamily="49" charset="0"/>
+                <a:cs typeface="Courier New" pitchFamily="49" charset="0"/>
+              </a:rPr>
+              <a:t>)</a:t>
             </a:r>
             <a:endParaRPr lang="en-US" sz="1000">
+              <a:solidFill>
+                <a:srgbClr val="FF0000"/>
+              </a:solidFill>
               <a:latin typeface="Courier New" pitchFamily="49" charset="0"/>
               <a:cs typeface="Courier New" pitchFamily="49" charset="0"/>
             </a:endParaRPr>
@@ -9092,7 +9205,7 @@
         </p:nvSpPr>
         <p:spPr>
           <a:xfrm>
-            <a:off x="1059330" y="2797117"/>
+            <a:off x="994784" y="2807874"/>
             <a:ext cx="800219" cy="246221"/>
           </a:xfrm>
           <a:prstGeom prst="rect">
@@ -9139,7 +9252,7 @@
         <p:spPr>
           <a:xfrm>
             <a:off x="1998325" y="1895585"/>
-            <a:ext cx="2954655" cy="707886"/>
+            <a:ext cx="3185487" cy="861774"/>
           </a:xfrm>
           <a:prstGeom prst="rect">
             <a:avLst/>
@@ -9153,40 +9266,258 @@
           <a:lstStyle/>
           <a:p>
             <a:r>
-              <a:rPr lang="en-US" sz="1000" smtClean="0">
-                <a:latin typeface="Courier New" pitchFamily="49" charset="0"/>
-                <a:cs typeface="Courier New" pitchFamily="49" charset="0"/>
-              </a:rPr>
-              <a:t>put(AddInQuMsg(name,inQu))</a:t>
-            </a:r>
-          </a:p>
-          <a:p>
-            <a:r>
-              <a:rPr lang="en-US" sz="1000" smtClean="0">
-                <a:latin typeface="Courier New" pitchFamily="49" charset="0"/>
-                <a:cs typeface="Courier New" pitchFamily="49" charset="0"/>
-              </a:rPr>
-              <a:t>put(RemoveInQuMsg(name))</a:t>
-            </a:r>
-          </a:p>
-          <a:p>
-            <a:r>
-              <a:rPr lang="en-US" sz="1000" smtClean="0">
-                <a:latin typeface="Courier New" pitchFamily="49" charset="0"/>
-                <a:cs typeface="Courier New" pitchFamily="49" charset="0"/>
-              </a:rPr>
-              <a:t>put(AddInterestMsg(name,msgType))</a:t>
-            </a:r>
-          </a:p>
-          <a:p>
-            <a:r>
-              <a:rPr lang="en-US" sz="1000" smtClean="0">
-                <a:latin typeface="Courier New" pitchFamily="49" charset="0"/>
-                <a:cs typeface="Courier New" pitchFamily="49" charset="0"/>
-              </a:rPr>
-              <a:t>put(RemoveInterestMsg(name,msgType))</a:t>
-            </a:r>
-            <a:endParaRPr lang="en-US" sz="1000">
+              <a:rPr lang="en-US" sz="1000" strike="sngStrike" dirty="0" smtClean="0">
+                <a:solidFill>
+                  <a:srgbClr val="FF0000"/>
+                </a:solidFill>
+                <a:latin typeface="Courier New" pitchFamily="49" charset="0"/>
+                <a:cs typeface="Courier New" pitchFamily="49" charset="0"/>
+              </a:rPr>
+              <a:t>put(</a:t>
+            </a:r>
+            <a:r>
+              <a:rPr lang="en-US" sz="1000" strike="sngStrike" dirty="0" err="1" smtClean="0">
+                <a:solidFill>
+                  <a:srgbClr val="FF0000"/>
+                </a:solidFill>
+                <a:latin typeface="Courier New" pitchFamily="49" charset="0"/>
+                <a:cs typeface="Courier New" pitchFamily="49" charset="0"/>
+              </a:rPr>
+              <a:t>AddInQuMsg</a:t>
+            </a:r>
+            <a:r>
+              <a:rPr lang="en-US" sz="1000" strike="sngStrike" dirty="0" smtClean="0">
+                <a:solidFill>
+                  <a:srgbClr val="FF0000"/>
+                </a:solidFill>
+                <a:latin typeface="Courier New" pitchFamily="49" charset="0"/>
+                <a:cs typeface="Courier New" pitchFamily="49" charset="0"/>
+              </a:rPr>
+              <a:t>(</a:t>
+            </a:r>
+            <a:r>
+              <a:rPr lang="en-US" sz="1000" strike="sngStrike" dirty="0" err="1" smtClean="0">
+                <a:solidFill>
+                  <a:srgbClr val="FF0000"/>
+                </a:solidFill>
+                <a:latin typeface="Courier New" pitchFamily="49" charset="0"/>
+                <a:cs typeface="Courier New" pitchFamily="49" charset="0"/>
+              </a:rPr>
+              <a:t>owner</a:t>
+            </a:r>
+            <a:r>
+              <a:rPr lang="en-US" sz="1000" strike="sngStrike" dirty="0" err="1" smtClean="0">
+                <a:solidFill>
+                  <a:srgbClr val="FF0000"/>
+                </a:solidFill>
+                <a:latin typeface="Courier New" pitchFamily="49" charset="0"/>
+                <a:cs typeface="Courier New" pitchFamily="49" charset="0"/>
+              </a:rPr>
+              <a:t>,inQu</a:t>
+            </a:r>
+            <a:r>
+              <a:rPr lang="en-US" sz="1000" strike="sngStrike" dirty="0" smtClean="0">
+                <a:solidFill>
+                  <a:srgbClr val="FF0000"/>
+                </a:solidFill>
+                <a:latin typeface="Courier New" pitchFamily="49" charset="0"/>
+                <a:cs typeface="Courier New" pitchFamily="49" charset="0"/>
+              </a:rPr>
+              <a:t>))</a:t>
+            </a:r>
+          </a:p>
+          <a:p>
+            <a:r>
+              <a:rPr lang="en-US" sz="1000" strike="sngStrike" dirty="0" smtClean="0">
+                <a:solidFill>
+                  <a:srgbClr val="FF0000"/>
+                </a:solidFill>
+                <a:latin typeface="Courier New" pitchFamily="49" charset="0"/>
+                <a:cs typeface="Courier New" pitchFamily="49" charset="0"/>
+              </a:rPr>
+              <a:t>put(</a:t>
+            </a:r>
+            <a:r>
+              <a:rPr lang="en-US" sz="1000" strike="sngStrike" dirty="0" err="1" smtClean="0">
+                <a:solidFill>
+                  <a:srgbClr val="FF0000"/>
+                </a:solidFill>
+                <a:latin typeface="Courier New" pitchFamily="49" charset="0"/>
+                <a:cs typeface="Courier New" pitchFamily="49" charset="0"/>
+              </a:rPr>
+              <a:t>RemoveInQuMsg</a:t>
+            </a:r>
+            <a:r>
+              <a:rPr lang="en-US" sz="1000" strike="sngStrike" dirty="0" smtClean="0">
+                <a:solidFill>
+                  <a:srgbClr val="FF0000"/>
+                </a:solidFill>
+                <a:latin typeface="Courier New" pitchFamily="49" charset="0"/>
+                <a:cs typeface="Courier New" pitchFamily="49" charset="0"/>
+              </a:rPr>
+              <a:t>(owner))</a:t>
+            </a:r>
+            <a:endParaRPr lang="en-US" sz="1000" strike="sngStrike" dirty="0" smtClean="0">
+              <a:solidFill>
+                <a:srgbClr val="FF0000"/>
+              </a:solidFill>
+              <a:latin typeface="Courier New" pitchFamily="49" charset="0"/>
+              <a:cs typeface="Courier New" pitchFamily="49" charset="0"/>
+            </a:endParaRPr>
+          </a:p>
+          <a:p>
+            <a:r>
+              <a:rPr lang="en-US" sz="1000" dirty="0" smtClean="0">
+                <a:solidFill>
+                  <a:srgbClr val="FF0000"/>
+                </a:solidFill>
+                <a:latin typeface="Courier New" pitchFamily="49" charset="0"/>
+                <a:cs typeface="Courier New" pitchFamily="49" charset="0"/>
+              </a:rPr>
+              <a:t>p</a:t>
+            </a:r>
+            <a:r>
+              <a:rPr lang="en-US" sz="1000" dirty="0" smtClean="0">
+                <a:solidFill>
+                  <a:srgbClr val="FF0000"/>
+                </a:solidFill>
+                <a:latin typeface="Courier New" pitchFamily="49" charset="0"/>
+                <a:cs typeface="Courier New" pitchFamily="49" charset="0"/>
+              </a:rPr>
+              <a:t>ut(</a:t>
+            </a:r>
+            <a:r>
+              <a:rPr lang="en-US" sz="1000" dirty="0" err="1" smtClean="0">
+                <a:solidFill>
+                  <a:srgbClr val="FF0000"/>
+                </a:solidFill>
+                <a:latin typeface="Courier New" pitchFamily="49" charset="0"/>
+                <a:cs typeface="Courier New" pitchFamily="49" charset="0"/>
+              </a:rPr>
+              <a:t>RemoveAllInterests</a:t>
+            </a:r>
+            <a:r>
+              <a:rPr lang="en-US" sz="1000" dirty="0" smtClean="0">
+                <a:solidFill>
+                  <a:srgbClr val="FF0000"/>
+                </a:solidFill>
+                <a:latin typeface="Courier New" pitchFamily="49" charset="0"/>
+                <a:cs typeface="Courier New" pitchFamily="49" charset="0"/>
+              </a:rPr>
+              <a:t>(</a:t>
+            </a:r>
+            <a:r>
+              <a:rPr lang="en-US" sz="1000" dirty="0" err="1" smtClean="0">
+                <a:solidFill>
+                  <a:srgbClr val="FF0000"/>
+                </a:solidFill>
+                <a:latin typeface="Courier New" pitchFamily="49" charset="0"/>
+                <a:cs typeface="Courier New" pitchFamily="49" charset="0"/>
+              </a:rPr>
+              <a:t>inQuNum</a:t>
+            </a:r>
+            <a:r>
+              <a:rPr lang="en-US" sz="1000" dirty="0" smtClean="0">
+                <a:latin typeface="Courier New" pitchFamily="49" charset="0"/>
+                <a:cs typeface="Courier New" pitchFamily="49" charset="0"/>
+              </a:rPr>
+              <a:t>)</a:t>
+            </a:r>
+          </a:p>
+          <a:p>
+            <a:r>
+              <a:rPr lang="en-US" sz="1000" dirty="0" smtClean="0">
+                <a:latin typeface="Courier New" pitchFamily="49" charset="0"/>
+                <a:cs typeface="Courier New" pitchFamily="49" charset="0"/>
+              </a:rPr>
+              <a:t>put(</a:t>
+            </a:r>
+            <a:r>
+              <a:rPr lang="en-US" sz="1000" dirty="0" err="1" smtClean="0">
+                <a:latin typeface="Courier New" pitchFamily="49" charset="0"/>
+                <a:cs typeface="Courier New" pitchFamily="49" charset="0"/>
+              </a:rPr>
+              <a:t>AddInterestMsg</a:t>
+            </a:r>
+            <a:r>
+              <a:rPr lang="en-US" sz="1000" dirty="0" smtClean="0">
+                <a:latin typeface="Courier New" pitchFamily="49" charset="0"/>
+                <a:cs typeface="Courier New" pitchFamily="49" charset="0"/>
+              </a:rPr>
+              <a:t>(</a:t>
+            </a:r>
+            <a:r>
+              <a:rPr lang="en-US" sz="1000" dirty="0" err="1" smtClean="0">
+                <a:solidFill>
+                  <a:srgbClr val="FF0000"/>
+                </a:solidFill>
+                <a:latin typeface="Courier New" pitchFamily="49" charset="0"/>
+                <a:cs typeface="Courier New" pitchFamily="49" charset="0"/>
+              </a:rPr>
+              <a:t>inQuNum</a:t>
+            </a:r>
+            <a:r>
+              <a:rPr lang="en-US" sz="1000" dirty="0" err="1" smtClean="0">
+                <a:latin typeface="Courier New" pitchFamily="49" charset="0"/>
+                <a:cs typeface="Courier New" pitchFamily="49" charset="0"/>
+              </a:rPr>
+              <a:t>,msgType</a:t>
+            </a:r>
+            <a:r>
+              <a:rPr lang="en-US" sz="1000" dirty="0" smtClean="0">
+                <a:latin typeface="Courier New" pitchFamily="49" charset="0"/>
+                <a:cs typeface="Courier New" pitchFamily="49" charset="0"/>
+              </a:rPr>
+              <a:t>))</a:t>
+            </a:r>
+          </a:p>
+          <a:p>
+            <a:r>
+              <a:rPr lang="en-US" sz="1000" dirty="0" smtClean="0">
+                <a:latin typeface="Courier New" pitchFamily="49" charset="0"/>
+                <a:cs typeface="Courier New" pitchFamily="49" charset="0"/>
+              </a:rPr>
+              <a:t>put(</a:t>
+            </a:r>
+            <a:r>
+              <a:rPr lang="en-US" sz="1000" dirty="0" err="1" smtClean="0">
+                <a:latin typeface="Courier New" pitchFamily="49" charset="0"/>
+                <a:cs typeface="Courier New" pitchFamily="49" charset="0"/>
+              </a:rPr>
+              <a:t>RemoveInterestMsg</a:t>
+            </a:r>
+            <a:r>
+              <a:rPr lang="en-US" sz="1000" dirty="0" smtClean="0">
+                <a:latin typeface="Courier New" pitchFamily="49" charset="0"/>
+                <a:cs typeface="Courier New" pitchFamily="49" charset="0"/>
+              </a:rPr>
+              <a:t>(</a:t>
+            </a:r>
+            <a:r>
+              <a:rPr lang="en-US" sz="1000" dirty="0" err="1" smtClean="0">
+                <a:solidFill>
+                  <a:srgbClr val="FF0000"/>
+                </a:solidFill>
+                <a:latin typeface="Courier New" pitchFamily="49" charset="0"/>
+                <a:cs typeface="Courier New" pitchFamily="49" charset="0"/>
+              </a:rPr>
+              <a:t>inQuNum</a:t>
+            </a:r>
+            <a:r>
+              <a:rPr lang="en-US" sz="1000" dirty="0" err="1" smtClean="0">
+                <a:latin typeface="Courier New" pitchFamily="49" charset="0"/>
+                <a:cs typeface="Courier New" pitchFamily="49" charset="0"/>
+              </a:rPr>
+              <a:t>,msgType</a:t>
+            </a:r>
+            <a:r>
+              <a:rPr lang="en-US" sz="1000" dirty="0" smtClean="0">
+                <a:latin typeface="Courier New" pitchFamily="49" charset="0"/>
+                <a:cs typeface="Courier New" pitchFamily="49" charset="0"/>
+              </a:rPr>
+              <a:t>))</a:t>
+            </a:r>
+            <a:endParaRPr lang="en-US" sz="1000" dirty="0">
               <a:latin typeface="Courier New" pitchFamily="49" charset="0"/>
               <a:cs typeface="Courier New" pitchFamily="49" charset="0"/>
             </a:endParaRPr>
@@ -9226,13 +9557,13 @@
           <a:lstStyle/>
           <a:p>
             <a:r>
-              <a:rPr lang="en-US" sz="1000" dirty="0" err="1" smtClean="0">
+              <a:rPr lang="en-US" sz="1000" err="1" smtClean="0">
                 <a:latin typeface="Courier New" pitchFamily="49" charset="0"/>
                 <a:cs typeface="Courier New" pitchFamily="49" charset="0"/>
               </a:rPr>
               <a:t>msgInternalQuPump</a:t>
             </a:r>
-            <a:endParaRPr lang="en-US" sz="1000" dirty="0" smtClean="0">
+            <a:endParaRPr lang="en-US" sz="1000" smtClean="0">
               <a:latin typeface="Courier New" pitchFamily="49" charset="0"/>
               <a:cs typeface="Courier New" pitchFamily="49" charset="0"/>
             </a:endParaRPr>
@@ -9442,8 +9773,8 @@
         </p:nvCxnSpPr>
         <p:spPr>
           <a:xfrm flipH="1" flipV="1">
-            <a:off x="1459440" y="3043338"/>
-            <a:ext cx="824259" cy="664028"/>
+            <a:off x="1394894" y="3054095"/>
+            <a:ext cx="888805" cy="653271"/>
           </a:xfrm>
           <a:prstGeom prst="straightConnector1">
             <a:avLst/>
@@ -9606,8 +9937,8 @@
         </p:nvCxnSpPr>
         <p:spPr>
           <a:xfrm flipV="1">
-            <a:off x="938487" y="3043338"/>
-            <a:ext cx="520953" cy="1848877"/>
+            <a:off x="938487" y="3054095"/>
+            <a:ext cx="456407" cy="1838120"/>
           </a:xfrm>
           <a:prstGeom prst="straightConnector1">
             <a:avLst/>
@@ -10069,21 +10400,21 @@
           <a:lstStyle/>
           <a:p>
             <a:r>
-              <a:rPr lang="en-US" sz="1000" dirty="0" smtClean="0">
+              <a:rPr lang="en-US" sz="1000" smtClean="0">
                 <a:latin typeface="Courier New" pitchFamily="49" charset="0"/>
                 <a:cs typeface="Courier New" pitchFamily="49" charset="0"/>
               </a:rPr>
               <a:t>init(</a:t>
             </a:r>
             <a:r>
-              <a:rPr lang="en-US" sz="1000" dirty="0" err="1" smtClean="0">
+              <a:rPr lang="en-US" sz="1000" err="1" smtClean="0">
                 <a:latin typeface="Courier New" pitchFamily="49" charset="0"/>
                 <a:cs typeface="Courier New" pitchFamily="49" charset="0"/>
               </a:rPr>
               <a:t>name,outQu</a:t>
             </a:r>
             <a:r>
-              <a:rPr lang="en-US" sz="1000" dirty="0" smtClean="0">
+              <a:rPr lang="en-US" sz="1000" smtClean="0">
                 <a:latin typeface="Courier New" pitchFamily="49" charset="0"/>
                 <a:cs typeface="Courier New" pitchFamily="49" charset="0"/>
               </a:rPr>
@@ -10092,21 +10423,21 @@
           </a:p>
           <a:p>
             <a:r>
-              <a:rPr lang="en-US" sz="1000" dirty="0" smtClean="0">
+              <a:rPr lang="en-US" sz="1000" smtClean="0">
                 <a:latin typeface="Courier New" pitchFamily="49" charset="0"/>
                 <a:cs typeface="Courier New" pitchFamily="49" charset="0"/>
               </a:rPr>
               <a:t>put(</a:t>
             </a:r>
             <a:r>
-              <a:rPr lang="en-US" sz="1000" dirty="0" err="1" smtClean="0">
+              <a:rPr lang="en-US" sz="1000" err="1" smtClean="0">
                 <a:latin typeface="Courier New" pitchFamily="49" charset="0"/>
                 <a:cs typeface="Courier New" pitchFamily="49" charset="0"/>
               </a:rPr>
               <a:t>msg</a:t>
             </a:r>
             <a:r>
-              <a:rPr lang="en-US" sz="1000" dirty="0" smtClean="0">
+              <a:rPr lang="en-US" sz="1000" smtClean="0">
                 <a:latin typeface="Courier New" pitchFamily="49" charset="0"/>
                 <a:cs typeface="Courier New" pitchFamily="49" charset="0"/>
               </a:rPr>
@@ -10115,13 +10446,13 @@
           </a:p>
           <a:p>
             <a:r>
-              <a:rPr lang="en-US" sz="1000" dirty="0" smtClean="0">
+              <a:rPr lang="en-US" sz="1000" smtClean="0">
                 <a:latin typeface="Courier New" pitchFamily="49" charset="0"/>
                 <a:cs typeface="Courier New" pitchFamily="49" charset="0"/>
               </a:rPr>
               <a:t>close</a:t>
             </a:r>
-            <a:endParaRPr lang="en-US" sz="1000" dirty="0">
+            <a:endParaRPr lang="en-US" sz="1000">
               <a:latin typeface="Courier New" pitchFamily="49" charset="0"/>
               <a:cs typeface="Courier New" pitchFamily="49" charset="0"/>
             </a:endParaRPr>
@@ -10457,8 +10788,8 @@
         </p:nvSpPr>
         <p:spPr>
           <a:xfrm>
-            <a:off x="6707072" y="3431792"/>
-            <a:ext cx="2185214" cy="400110"/>
+            <a:off x="6266289" y="3324216"/>
+            <a:ext cx="2877711" cy="400110"/>
           </a:xfrm>
           <a:prstGeom prst="rect">
             <a:avLst/>
@@ -10472,47 +10803,40 @@
           <a:lstStyle/>
           <a:p>
             <a:r>
-              <a:rPr lang="en-US" sz="1000" dirty="0" smtClean="0">
+              <a:rPr lang="en-US" sz="1000" smtClean="0">
                 <a:latin typeface="Courier New" pitchFamily="49" charset="0"/>
                 <a:cs typeface="Courier New" pitchFamily="49" charset="0"/>
               </a:rPr>
               <a:t>init(</a:t>
             </a:r>
             <a:r>
-              <a:rPr lang="en-US" sz="1000" dirty="0" err="1" smtClean="0">
-                <a:latin typeface="Courier New" pitchFamily="49" charset="0"/>
-                <a:cs typeface="Courier New" pitchFamily="49" charset="0"/>
-              </a:rPr>
-              <a:t>host,name,port</a:t>
-            </a:r>
-            <a:r>
-              <a:rPr lang="en-US" sz="1000" dirty="0" err="1" smtClean="0">
-                <a:latin typeface="Courier New" pitchFamily="49" charset="0"/>
-                <a:cs typeface="Courier New" pitchFamily="49" charset="0"/>
-              </a:rPr>
-              <a:t>,outQu</a:t>
-            </a:r>
-            <a:r>
-              <a:rPr lang="en-US" sz="1000" dirty="0" smtClean="0">
+              <a:rPr lang="en-US" sz="1000" err="1" smtClean="0">
+                <a:latin typeface="Courier New" pitchFamily="49" charset="0"/>
+                <a:cs typeface="Courier New" pitchFamily="49" charset="0"/>
+              </a:rPr>
+              <a:t>name,host,port,inQuList,outQu</a:t>
+            </a:r>
+            <a:r>
+              <a:rPr lang="en-US" sz="1000" smtClean="0">
                 <a:latin typeface="Courier New" pitchFamily="49" charset="0"/>
                 <a:cs typeface="Courier New" pitchFamily="49" charset="0"/>
               </a:rPr>
               <a:t>)</a:t>
             </a:r>
-            <a:endParaRPr lang="en-US" sz="1000" dirty="0" smtClean="0">
+            <a:endParaRPr lang="en-US" sz="1000" smtClean="0">
               <a:latin typeface="Courier New" pitchFamily="49" charset="0"/>
               <a:cs typeface="Courier New" pitchFamily="49" charset="0"/>
             </a:endParaRPr>
           </a:p>
           <a:p>
             <a:r>
-              <a:rPr lang="en-US" sz="1000" dirty="0" err="1" smtClean="0">
+              <a:rPr lang="en-US" sz="1000" err="1" smtClean="0">
                 <a:latin typeface="Courier New" pitchFamily="49" charset="0"/>
                 <a:cs typeface="Courier New" pitchFamily="49" charset="0"/>
               </a:rPr>
               <a:t>startPumps</a:t>
             </a:r>
-            <a:endParaRPr lang="en-US" sz="1000" dirty="0">
+            <a:endParaRPr lang="en-US" sz="1000">
               <a:latin typeface="Courier New" pitchFamily="49" charset="0"/>
               <a:cs typeface="Courier New" pitchFamily="49" charset="0"/>
             </a:endParaRPr>
@@ -10634,15 +10958,15 @@
         <p:nvCxnSpPr>
           <p:cNvPr id="106" name="Straight Arrow Connector 105"/>
           <p:cNvCxnSpPr>
-            <a:stCxn id="75" idx="1"/>
+            <a:stCxn id="41" idx="1"/>
             <a:endCxn id="16" idx="3"/>
           </p:cNvCxnSpPr>
           <p:nvPr/>
         </p:nvCxnSpPr>
         <p:spPr>
-          <a:xfrm flipH="1" flipV="1">
-            <a:off x="1859549" y="2920228"/>
-            <a:ext cx="5190236" cy="2403322"/>
+          <a:xfrm flipH="1">
+            <a:off x="1795003" y="2712202"/>
+            <a:ext cx="5900341" cy="218783"/>
           </a:xfrm>
           <a:prstGeom prst="straightConnector1">
             <a:avLst/>
@@ -10822,7 +11146,7 @@
         <p:spPr>
           <a:xfrm>
             <a:off x="6643956" y="2339084"/>
-            <a:ext cx="1107996" cy="246221"/>
+            <a:ext cx="2108269" cy="246221"/>
           </a:xfrm>
           <a:prstGeom prst="rect">
             <a:avLst/>
@@ -10840,7 +11164,31 @@
                 <a:latin typeface="Courier New" pitchFamily="49" charset="0"/>
                 <a:cs typeface="Courier New" pitchFamily="49" charset="0"/>
               </a:rPr>
-              <a:t>start(outQu)</a:t>
+              <a:t>start(</a:t>
+            </a:r>
+            <a:r>
+              <a:rPr lang="en-US" sz="1000" err="1" smtClean="0">
+                <a:solidFill>
+                  <a:srgbClr val="FF0000"/>
+                </a:solidFill>
+                <a:latin typeface="Courier New" pitchFamily="49" charset="0"/>
+                <a:cs typeface="Courier New" pitchFamily="49" charset="0"/>
+              </a:rPr>
+              <a:t>inQu,inQuNum</a:t>
+            </a:r>
+            <a:r>
+              <a:rPr lang="en-US" sz="1000" err="1" smtClean="0">
+                <a:latin typeface="Courier New" pitchFamily="49" charset="0"/>
+                <a:cs typeface="Courier New" pitchFamily="49" charset="0"/>
+              </a:rPr>
+              <a:t>,outQu</a:t>
+            </a:r>
+            <a:r>
+              <a:rPr lang="en-US" sz="1000" smtClean="0">
+                <a:latin typeface="Courier New" pitchFamily="49" charset="0"/>
+                <a:cs typeface="Courier New" pitchFamily="49" charset="0"/>
+              </a:rPr>
+              <a:t>)</a:t>
             </a:r>
             <a:endParaRPr lang="en-US" sz="1000">
               <a:latin typeface="Courier New" pitchFamily="49" charset="0"/>
@@ -10945,7 +11293,7 @@
         <p:spPr>
           <a:xfrm flipH="1" flipV="1">
             <a:off x="883221" y="2496786"/>
-            <a:ext cx="576219" cy="300331"/>
+            <a:ext cx="511673" cy="311088"/>
           </a:xfrm>
           <a:prstGeom prst="straightConnector1">
             <a:avLst/>
@@ -11118,7 +11466,7 @@
           <a:p>
             <a:pPr algn="ctr"/>
             <a:r>
-              <a:rPr lang="en-US" dirty="0" smtClean="0">
+              <a:rPr lang="en-US" smtClean="0">
                 <a:solidFill>
                   <a:schemeClr val="accent6">
                     <a:lumMod val="75000"/>
@@ -11131,7 +11479,7 @@
           <a:p>
             <a:pPr algn="ctr"/>
             <a:r>
-              <a:rPr lang="en-US" sz="1200" dirty="0" smtClean="0">
+              <a:rPr lang="en-US" sz="1200" smtClean="0">
                 <a:solidFill>
                   <a:schemeClr val="accent6">
                     <a:lumMod val="75000"/>
@@ -11140,7 +11488,7 @@
               </a:rPr>
               <a:t>How it all fits together</a:t>
             </a:r>
-            <a:endParaRPr lang="en-US" sz="1200" dirty="0">
+            <a:endParaRPr lang="en-US" sz="1200">
               <a:solidFill>
                 <a:schemeClr val="accent6">
                   <a:lumMod val="75000"/>
@@ -11173,7 +11521,7 @@
           <a:lstStyle/>
           <a:p>
             <a:r>
-              <a:rPr lang="en-US" sz="1200" dirty="0" smtClean="0">
+              <a:rPr lang="en-US" sz="1200" smtClean="0">
                 <a:solidFill>
                   <a:srgbClr val="FF0000"/>
                 </a:solidFill>
@@ -11181,7 +11529,7 @@
               <a:t>should </a:t>
             </a:r>
             <a:r>
-              <a:rPr lang="en-US" sz="1200" dirty="0" err="1" smtClean="0">
+              <a:rPr lang="en-US" sz="1200" err="1" smtClean="0">
                 <a:solidFill>
                   <a:srgbClr val="FF0000"/>
                 </a:solidFill>
@@ -11189,17 +11537,104 @@
               <a:t>inQuList</a:t>
             </a:r>
             <a:r>
-              <a:rPr lang="en-US" sz="1200" dirty="0" smtClean="0">
+              <a:rPr lang="en-US" sz="1200" smtClean="0">
                 <a:solidFill>
                   <a:srgbClr val="FF0000"/>
                 </a:solidFill>
               </a:rPr>
               <a:t> be a protected object???</a:t>
             </a:r>
-            <a:endParaRPr lang="en-US" sz="1200" dirty="0">
+            <a:endParaRPr lang="en-US" sz="1200">
               <a:solidFill>
                 <a:srgbClr val="FF0000"/>
               </a:solidFill>
+            </a:endParaRPr>
+          </a:p>
+        </p:txBody>
+      </p:sp>
+      <p:cxnSp>
+        <p:nvCxnSpPr>
+          <p:cNvPr id="74" name="Straight Arrow Connector 73"/>
+          <p:cNvCxnSpPr>
+            <a:stCxn id="41" idx="1"/>
+            <a:endCxn id="167" idx="3"/>
+          </p:cNvCxnSpPr>
+          <p:nvPr/>
+        </p:nvCxnSpPr>
+        <p:spPr>
+          <a:xfrm flipH="1" flipV="1">
+            <a:off x="1129442" y="2373676"/>
+            <a:ext cx="6565902" cy="338526"/>
+          </a:xfrm>
+          <a:prstGeom prst="straightConnector1">
+            <a:avLst/>
+          </a:prstGeom>
+          <a:ln>
+            <a:prstDash val="dash"/>
+            <a:tailEnd type="arrow"/>
+          </a:ln>
+        </p:spPr>
+        <p:style>
+          <a:lnRef idx="1">
+            <a:schemeClr val="accent1"/>
+          </a:lnRef>
+          <a:fillRef idx="0">
+            <a:schemeClr val="accent1"/>
+          </a:fillRef>
+          <a:effectRef idx="0">
+            <a:schemeClr val="accent1"/>
+          </a:effectRef>
+          <a:fontRef idx="minor">
+            <a:schemeClr val="tx1"/>
+          </a:fontRef>
+        </p:style>
+      </p:cxnSp>
+      <p:sp>
+        <p:nvSpPr>
+          <p:cNvPr id="78" name="TextBox 77"/>
+          <p:cNvSpPr txBox="1"/>
+          <p:nvPr/>
+        </p:nvSpPr>
+        <p:spPr>
+          <a:xfrm>
+            <a:off x="7336945" y="1749205"/>
+            <a:ext cx="1107996" cy="246221"/>
+          </a:xfrm>
+          <a:prstGeom prst="rect">
+            <a:avLst/>
+          </a:prstGeom>
+          <a:noFill/>
+        </p:spPr>
+        <p:txBody>
+          <a:bodyPr wrap="none" rtlCol="0">
+            <a:spAutoFit/>
+          </a:bodyPr>
+          <a:lstStyle/>
+          <a:p>
+            <a:r>
+              <a:rPr lang="en-US" sz="1000" smtClean="0">
+                <a:latin typeface="Courier New" pitchFamily="49" charset="0"/>
+                <a:cs typeface="Courier New" pitchFamily="49" charset="0"/>
+              </a:rPr>
+              <a:t>Start(</a:t>
+            </a:r>
+            <a:r>
+              <a:rPr lang="en-US" sz="1000" err="1" smtClean="0">
+                <a:latin typeface="Courier New" pitchFamily="49" charset="0"/>
+                <a:cs typeface="Courier New" pitchFamily="49" charset="0"/>
+              </a:rPr>
+              <a:t>outQu</a:t>
+            </a:r>
+            <a:r>
+              <a:rPr lang="en-US" sz="1000" smtClean="0">
+                <a:latin typeface="Courier New" pitchFamily="49" charset="0"/>
+                <a:cs typeface="Courier New" pitchFamily="49" charset="0"/>
+              </a:rPr>
+              <a:t>)</a:t>
+            </a:r>
+            <a:endParaRPr lang="en-US" sz="1000">
+              <a:latin typeface="Courier New" pitchFamily="49" charset="0"/>
+              <a:cs typeface="Courier New" pitchFamily="49" charset="0"/>
             </a:endParaRPr>
           </a:p>
         </p:txBody>
@@ -11331,7 +11766,7 @@
         </p:nvSpPr>
         <p:spPr>
           <a:xfrm>
-            <a:off x="261939" y="3787587"/>
+            <a:off x="261939" y="2959221"/>
             <a:ext cx="800219" cy="246221"/>
           </a:xfrm>
           <a:prstGeom prst="rect">
@@ -11423,7 +11858,7 @@
         </p:nvSpPr>
         <p:spPr>
           <a:xfrm>
-            <a:off x="334226" y="5282641"/>
+            <a:off x="334226" y="4454275"/>
             <a:ext cx="954107" cy="246221"/>
           </a:xfrm>
           <a:prstGeom prst="rect">
@@ -11469,8 +11904,8 @@
         </p:nvSpPr>
         <p:spPr>
           <a:xfrm>
-            <a:off x="131128" y="4162655"/>
-            <a:ext cx="2492990" cy="1015663"/>
+            <a:off x="131128" y="3334289"/>
+            <a:ext cx="2723823" cy="1015663"/>
           </a:xfrm>
           <a:prstGeom prst="rect">
             <a:avLst/>
@@ -11488,43 +11923,142 @@
                 <a:latin typeface="Courier New" pitchFamily="49" charset="0"/>
                 <a:cs typeface="Courier New" pitchFamily="49" charset="0"/>
               </a:rPr>
-              <a:t>init(name,outQu)</a:t>
-            </a:r>
-          </a:p>
-          <a:p>
-            <a:r>
-              <a:rPr lang="en-US" sz="1000" smtClean="0">
-                <a:latin typeface="Courier New" pitchFamily="49" charset="0"/>
-                <a:cs typeface="Courier New" pitchFamily="49" charset="0"/>
-              </a:rPr>
-              <a:t>addInterest(PutInitOutcomeMsg)</a:t>
-            </a:r>
-          </a:p>
-          <a:p>
-            <a:r>
-              <a:rPr lang="en-US" sz="1000" smtClean="0">
-                <a:latin typeface="Courier New" pitchFamily="49" charset="0"/>
-                <a:cs typeface="Courier New" pitchFamily="49" charset="0"/>
-              </a:rPr>
-              <a:t>removeInterest(msgType)</a:t>
-            </a:r>
-          </a:p>
-          <a:p>
-            <a:r>
-              <a:rPr lang="en-US" sz="1000" smtClean="0">
-                <a:latin typeface="Courier New" pitchFamily="49" charset="0"/>
-                <a:cs typeface="Courier New" pitchFamily="49" charset="0"/>
-              </a:rPr>
-              <a:t>put(msg)</a:t>
-            </a:r>
-          </a:p>
-          <a:p>
-            <a:r>
-              <a:rPr lang="en-US" sz="1000" smtClean="0">
-                <a:latin typeface="Courier New" pitchFamily="49" charset="0"/>
-                <a:cs typeface="Courier New" pitchFamily="49" charset="0"/>
-              </a:rPr>
-              <a:t>getBlocking(msg)</a:t>
+              <a:t>init(</a:t>
+            </a:r>
+            <a:r>
+              <a:rPr lang="en-US" sz="1000" err="1" smtClean="0">
+                <a:latin typeface="Courier New" pitchFamily="49" charset="0"/>
+                <a:cs typeface="Courier New" pitchFamily="49" charset="0"/>
+              </a:rPr>
+              <a:t>name,outQu</a:t>
+            </a:r>
+            <a:r>
+              <a:rPr lang="en-US" sz="1000" smtClean="0">
+                <a:latin typeface="Courier New" pitchFamily="49" charset="0"/>
+                <a:cs typeface="Courier New" pitchFamily="49" charset="0"/>
+              </a:rPr>
+              <a:t>)</a:t>
+            </a:r>
+          </a:p>
+          <a:p>
+            <a:r>
+              <a:rPr lang="en-US" sz="1000" err="1" smtClean="0">
+                <a:latin typeface="Courier New" pitchFamily="49" charset="0"/>
+                <a:cs typeface="Courier New" pitchFamily="49" charset="0"/>
+              </a:rPr>
+              <a:t>addInterest</a:t>
+            </a:r>
+            <a:r>
+              <a:rPr lang="en-US" sz="1000" smtClean="0">
+                <a:latin typeface="Courier New" pitchFamily="49" charset="0"/>
+                <a:cs typeface="Courier New" pitchFamily="49" charset="0"/>
+              </a:rPr>
+              <a:t>(</a:t>
+            </a:r>
+            <a:r>
+              <a:rPr lang="en-US" sz="1000" err="1" smtClean="0">
+                <a:latin typeface="Courier New" pitchFamily="49" charset="0"/>
+                <a:cs typeface="Courier New" pitchFamily="49" charset="0"/>
+              </a:rPr>
+              <a:t>PutInitOutcomeMsg</a:t>
+            </a:r>
+            <a:r>
+              <a:rPr lang="en-US" sz="1000" smtClean="0">
+                <a:latin typeface="Courier New" pitchFamily="49" charset="0"/>
+                <a:cs typeface="Courier New" pitchFamily="49" charset="0"/>
+              </a:rPr>
+              <a:t>)</a:t>
+            </a:r>
+            <a:endParaRPr lang="en-US" sz="1000" smtClean="0">
+              <a:latin typeface="Courier New" pitchFamily="49" charset="0"/>
+              <a:cs typeface="Courier New" pitchFamily="49" charset="0"/>
+            </a:endParaRPr>
+          </a:p>
+          <a:p>
+            <a:r>
+              <a:rPr lang="en-US" sz="1000" err="1" smtClean="0">
+                <a:latin typeface="Courier New" pitchFamily="49" charset="0"/>
+                <a:cs typeface="Courier New" pitchFamily="49" charset="0"/>
+              </a:rPr>
+              <a:t>removeInterest</a:t>
+            </a:r>
+            <a:r>
+              <a:rPr lang="en-US" sz="1000" smtClean="0">
+                <a:latin typeface="Courier New" pitchFamily="49" charset="0"/>
+                <a:cs typeface="Courier New" pitchFamily="49" charset="0"/>
+              </a:rPr>
+              <a:t>(</a:t>
+            </a:r>
+            <a:r>
+              <a:rPr lang="en-US" sz="1000" err="1" smtClean="0">
+                <a:latin typeface="Courier New" pitchFamily="49" charset="0"/>
+                <a:cs typeface="Courier New" pitchFamily="49" charset="0"/>
+              </a:rPr>
+              <a:t>PutInitOutcomeMsg</a:t>
+            </a:r>
+            <a:r>
+              <a:rPr lang="en-US" sz="1000" smtClean="0">
+                <a:latin typeface="Courier New" pitchFamily="49" charset="0"/>
+                <a:cs typeface="Courier New" pitchFamily="49" charset="0"/>
+              </a:rPr>
+              <a:t>)</a:t>
+            </a:r>
+            <a:endParaRPr lang="en-US" sz="1000" smtClean="0">
+              <a:latin typeface="Courier New" pitchFamily="49" charset="0"/>
+              <a:cs typeface="Courier New" pitchFamily="49" charset="0"/>
+            </a:endParaRPr>
+          </a:p>
+          <a:p>
+            <a:r>
+              <a:rPr lang="en-US" sz="1000" smtClean="0">
+                <a:latin typeface="Courier New" pitchFamily="49" charset="0"/>
+                <a:cs typeface="Courier New" pitchFamily="49" charset="0"/>
+              </a:rPr>
+              <a:t>put(</a:t>
+            </a:r>
+            <a:r>
+              <a:rPr lang="en-US" sz="1000" err="1" smtClean="0">
+                <a:latin typeface="Courier New" pitchFamily="49" charset="0"/>
+                <a:cs typeface="Courier New" pitchFamily="49" charset="0"/>
+              </a:rPr>
+              <a:t>msg</a:t>
+            </a:r>
+            <a:r>
+              <a:rPr lang="en-US" sz="1000" smtClean="0">
+                <a:latin typeface="Courier New" pitchFamily="49" charset="0"/>
+                <a:cs typeface="Courier New" pitchFamily="49" charset="0"/>
+              </a:rPr>
+              <a:t>)</a:t>
+            </a:r>
+          </a:p>
+          <a:p>
+            <a:r>
+              <a:rPr lang="en-US" sz="1000" err="1" smtClean="0">
+                <a:latin typeface="Courier New" pitchFamily="49" charset="0"/>
+                <a:cs typeface="Courier New" pitchFamily="49" charset="0"/>
+              </a:rPr>
+              <a:t>getBlocking</a:t>
+            </a:r>
+            <a:r>
+              <a:rPr lang="en-US" sz="1000" smtClean="0">
+                <a:latin typeface="Courier New" pitchFamily="49" charset="0"/>
+                <a:cs typeface="Courier New" pitchFamily="49" charset="0"/>
+              </a:rPr>
+              <a:t>(</a:t>
+            </a:r>
+            <a:r>
+              <a:rPr lang="en-US" sz="1000" err="1" smtClean="0">
+                <a:latin typeface="Courier New" pitchFamily="49" charset="0"/>
+                <a:cs typeface="Courier New" pitchFamily="49" charset="0"/>
+              </a:rPr>
+              <a:t>msg</a:t>
+            </a:r>
+            <a:r>
+              <a:rPr lang="en-US" sz="1000" smtClean="0">
+                <a:latin typeface="Courier New" pitchFamily="49" charset="0"/>
+                <a:cs typeface="Courier New" pitchFamily="49" charset="0"/>
+              </a:rPr>
+              <a:t>)</a:t>
             </a:r>
           </a:p>
           <a:p>
@@ -11569,73 +12103,41 @@
                 <a:latin typeface="Courier New" pitchFamily="49" charset="0"/>
                 <a:cs typeface="Courier New" pitchFamily="49" charset="0"/>
               </a:rPr>
-              <a:t>init(localhost,1234)</a:t>
-            </a:r>
-          </a:p>
-          <a:p>
-            <a:r>
-              <a:rPr lang="en-US" sz="1000" smtClean="0">
-                <a:latin typeface="Courier New" pitchFamily="49" charset="0"/>
-                <a:cs typeface="Courier New" pitchFamily="49" charset="0"/>
-              </a:rPr>
-              <a:t>startPumps(outQu)</a:t>
-            </a:r>
-          </a:p>
-        </p:txBody>
-      </p:sp>
-      <p:sp>
-        <p:nvSpPr>
-          <p:cNvPr id="49" name="TextBox 48"/>
-          <p:cNvSpPr txBox="1"/>
-          <p:nvPr/>
-        </p:nvSpPr>
-        <p:spPr>
-          <a:xfrm>
-            <a:off x="270499" y="2679069"/>
-            <a:ext cx="1031051" cy="400110"/>
-          </a:xfrm>
-          <a:prstGeom prst="rect">
-            <a:avLst/>
-          </a:prstGeom>
-          <a:ln/>
-        </p:spPr>
-        <p:style>
-          <a:lnRef idx="1">
-            <a:schemeClr val="accent1"/>
-          </a:lnRef>
-          <a:fillRef idx="2">
-            <a:schemeClr val="accent1"/>
-          </a:fillRef>
-          <a:effectRef idx="1">
-            <a:schemeClr val="accent1"/>
-          </a:effectRef>
-          <a:fontRef idx="minor">
-            <a:schemeClr val="dk1"/>
-          </a:fontRef>
-        </p:style>
-        <p:txBody>
-          <a:bodyPr wrap="none" rtlCol="0">
-            <a:spAutoFit/>
-          </a:bodyPr>
-          <a:lstStyle/>
-          <a:p>
-            <a:pPr algn="ctr"/>
-            <a:r>
-              <a:rPr lang="en-US" sz="1000" smtClean="0">
-                <a:latin typeface="Courier New" pitchFamily="49" charset="0"/>
-                <a:cs typeface="Courier New" pitchFamily="49" charset="0"/>
-              </a:rPr>
-              <a:t>throttle</a:t>
-            </a:r>
-          </a:p>
-          <a:p>
-            <a:pPr algn="ctr"/>
-            <a:r>
-              <a:rPr lang="en-US" sz="1000" smtClean="0">
-                <a:latin typeface="Courier New" pitchFamily="49" charset="0"/>
-                <a:cs typeface="Courier New" pitchFamily="49" charset="0"/>
-              </a:rPr>
-              <a:t>application</a:t>
+              <a:t>init(localhost,1235)</a:t>
+            </a:r>
+            <a:endParaRPr lang="en-US" sz="1000" smtClean="0">
+              <a:latin typeface="Courier New" pitchFamily="49" charset="0"/>
+              <a:cs typeface="Courier New" pitchFamily="49" charset="0"/>
+            </a:endParaRPr>
+          </a:p>
+          <a:p>
+            <a:r>
+              <a:rPr lang="en-US" sz="1000" err="1" smtClean="0">
+                <a:latin typeface="Courier New" pitchFamily="49" charset="0"/>
+                <a:cs typeface="Courier New" pitchFamily="49" charset="0"/>
+              </a:rPr>
+              <a:t>startPumps</a:t>
+            </a:r>
+            <a:r>
+              <a:rPr lang="en-US" sz="1000" smtClean="0">
+                <a:latin typeface="Courier New" pitchFamily="49" charset="0"/>
+                <a:cs typeface="Courier New" pitchFamily="49" charset="0"/>
+              </a:rPr>
+              <a:t>(</a:t>
+            </a:r>
+            <a:r>
+              <a:rPr lang="en-US" sz="1000" err="1" smtClean="0">
+                <a:latin typeface="Courier New" pitchFamily="49" charset="0"/>
+                <a:cs typeface="Courier New" pitchFamily="49" charset="0"/>
+              </a:rPr>
+              <a:t>outQu</a:t>
+            </a:r>
+            <a:r>
+              <a:rPr lang="en-US" sz="1000" smtClean="0">
+                <a:latin typeface="Courier New" pitchFamily="49" charset="0"/>
+                <a:cs typeface="Courier New" pitchFamily="49" charset="0"/>
+              </a:rPr>
+              <a:t>)</a:t>
             </a:r>
           </a:p>
         </p:txBody>
@@ -11714,53 +12216,17 @@
       </p:cxnSp>
       <p:cxnSp>
         <p:nvCxnSpPr>
-          <p:cNvPr id="55" name="Straight Arrow Connector 54"/>
+          <p:cNvPr id="57" name="Straight Arrow Connector 56"/>
           <p:cNvCxnSpPr>
             <a:stCxn id="2" idx="2"/>
-            <a:endCxn id="49" idx="0"/>
-          </p:cNvCxnSpPr>
-          <p:nvPr/>
-        </p:nvCxnSpPr>
-        <p:spPr>
-          <a:xfrm flipH="1">
-            <a:off x="786025" y="1978563"/>
-            <a:ext cx="1046879" cy="700506"/>
-          </a:xfrm>
-          <a:prstGeom prst="straightConnector1">
-            <a:avLst/>
-          </a:prstGeom>
-          <a:ln>
-            <a:tailEnd type="arrow"/>
-          </a:ln>
-        </p:spPr>
-        <p:style>
-          <a:lnRef idx="1">
-            <a:schemeClr val="accent1"/>
-          </a:lnRef>
-          <a:fillRef idx="0">
-            <a:schemeClr val="accent1"/>
-          </a:fillRef>
-          <a:effectRef idx="0">
-            <a:schemeClr val="accent1"/>
-          </a:effectRef>
-          <a:fontRef idx="minor">
-            <a:schemeClr val="tx1"/>
-          </a:fontRef>
-        </p:style>
-      </p:cxnSp>
-      <p:cxnSp>
-        <p:nvCxnSpPr>
-          <p:cNvPr id="57" name="Straight Arrow Connector 56"/>
-          <p:cNvCxnSpPr>
-            <a:stCxn id="49" idx="2"/>
             <a:endCxn id="13" idx="0"/>
           </p:cNvCxnSpPr>
           <p:nvPr/>
         </p:nvCxnSpPr>
         <p:spPr>
           <a:xfrm flipH="1">
-            <a:off x="662049" y="3079179"/>
-            <a:ext cx="123976" cy="708408"/>
+            <a:off x="662049" y="1978563"/>
+            <a:ext cx="1170855" cy="980658"/>
           </a:xfrm>
           <a:prstGeom prst="straightConnector1">
             <a:avLst/>
@@ -11795,7 +12261,7 @@
         </p:nvCxnSpPr>
         <p:spPr>
           <a:xfrm>
-            <a:off x="662049" y="4033808"/>
+            <a:off x="662049" y="3205442"/>
             <a:ext cx="149231" cy="1248833"/>
           </a:xfrm>
           <a:prstGeom prst="straightConnector1">
@@ -11854,14 +12320,14 @@
       </p:sp>
       <p:sp>
         <p:nvSpPr>
-          <p:cNvPr id="68" name="TextBox 67"/>
-          <p:cNvSpPr txBox="1"/>
-          <p:nvPr/>
-        </p:nvSpPr>
-        <p:spPr>
-          <a:xfrm>
-            <a:off x="681781" y="2152342"/>
-            <a:ext cx="1107996" cy="246221"/>
+          <p:cNvPr id="69" name="TextBox 68"/>
+          <p:cNvSpPr txBox="1"/>
+          <p:nvPr/>
+        </p:nvSpPr>
+        <p:spPr>
+          <a:xfrm>
+            <a:off x="326181" y="2353831"/>
+            <a:ext cx="1492716" cy="400110"/>
           </a:xfrm>
           <a:prstGeom prst="rect">
             <a:avLst/>
@@ -11879,39 +12345,21 @@
                 <a:latin typeface="Courier New" pitchFamily="49" charset="0"/>
                 <a:cs typeface="Courier New" pitchFamily="49" charset="0"/>
               </a:rPr>
-              <a:t>start(outQu)</a:t>
-            </a:r>
-          </a:p>
-        </p:txBody>
-      </p:sp>
-      <p:sp>
-        <p:nvSpPr>
-          <p:cNvPr id="69" name="TextBox 68"/>
-          <p:cNvSpPr txBox="1"/>
-          <p:nvPr/>
-        </p:nvSpPr>
-        <p:spPr>
-          <a:xfrm>
-            <a:off x="326181" y="3182197"/>
-            <a:ext cx="1492716" cy="400110"/>
-          </a:xfrm>
-          <a:prstGeom prst="rect">
-            <a:avLst/>
-          </a:prstGeom>
-          <a:noFill/>
-        </p:spPr>
-        <p:txBody>
-          <a:bodyPr wrap="none" rtlCol="0">
-            <a:spAutoFit/>
-          </a:bodyPr>
-          <a:lstStyle/>
-          <a:p>
-            <a:r>
-              <a:rPr lang="en-US" sz="1000" smtClean="0">
-                <a:latin typeface="Courier New" pitchFamily="49" charset="0"/>
-                <a:cs typeface="Courier New" pitchFamily="49" charset="0"/>
-              </a:rPr>
-              <a:t>create(outQu)</a:t>
+              <a:t>create(</a:t>
+            </a:r>
+            <a:r>
+              <a:rPr lang="en-US" sz="1000" err="1" smtClean="0">
+                <a:latin typeface="Courier New" pitchFamily="49" charset="0"/>
+                <a:cs typeface="Courier New" pitchFamily="49" charset="0"/>
+              </a:rPr>
+              <a:t>outQu</a:t>
+            </a:r>
+            <a:r>
+              <a:rPr lang="en-US" sz="1000" smtClean="0">
+                <a:latin typeface="Courier New" pitchFamily="49" charset="0"/>
+                <a:cs typeface="Courier New" pitchFamily="49" charset="0"/>
+              </a:rPr>
+              <a:t>)</a:t>
             </a:r>
           </a:p>
           <a:p>
@@ -11921,61 +12369,6 @@
                 <a:cs typeface="Courier New" pitchFamily="49" charset="0"/>
               </a:rPr>
               <a:t>throttle commands</a:t>
-            </a:r>
-          </a:p>
-        </p:txBody>
-      </p:sp>
-      <p:sp>
-        <p:nvSpPr>
-          <p:cNvPr id="75" name="TextBox 74"/>
-          <p:cNvSpPr txBox="1"/>
-          <p:nvPr/>
-        </p:nvSpPr>
-        <p:spPr>
-          <a:xfrm>
-            <a:off x="409046" y="6170415"/>
-            <a:ext cx="877163" cy="400110"/>
-          </a:xfrm>
-          <a:prstGeom prst="rect">
-            <a:avLst/>
-          </a:prstGeom>
-          <a:ln/>
-        </p:spPr>
-        <p:style>
-          <a:lnRef idx="1">
-            <a:schemeClr val="accent1"/>
-          </a:lnRef>
-          <a:fillRef idx="3">
-            <a:schemeClr val="accent1"/>
-          </a:fillRef>
-          <a:effectRef idx="2">
-            <a:schemeClr val="accent1"/>
-          </a:effectRef>
-          <a:fontRef idx="minor">
-            <a:schemeClr val="lt1"/>
-          </a:fontRef>
-        </p:style>
-        <p:txBody>
-          <a:bodyPr wrap="none" rtlCol="0">
-            <a:spAutoFit/>
-          </a:bodyPr>
-          <a:lstStyle/>
-          <a:p>
-            <a:r>
-              <a:rPr lang="en-US" sz="1000" smtClean="0">
-                <a:latin typeface="Courier New" pitchFamily="49" charset="0"/>
-                <a:cs typeface="Courier New" pitchFamily="49" charset="0"/>
-              </a:rPr>
-              <a:t>simulator</a:t>
-            </a:r>
-          </a:p>
-          <a:p>
-            <a:r>
-              <a:rPr lang="en-US" sz="1000" smtClean="0">
-                <a:latin typeface="Courier New" pitchFamily="49" charset="0"/>
-                <a:cs typeface="Courier New" pitchFamily="49" charset="0"/>
-              </a:rPr>
-              <a:t>at 1234</a:t>
             </a:r>
           </a:p>
         </p:txBody>
@@ -11984,15 +12377,15 @@
         <p:nvCxnSpPr>
           <p:cNvPr id="76" name="Straight Arrow Connector 75"/>
           <p:cNvCxnSpPr>
-            <a:stCxn id="75" idx="0"/>
+            <a:stCxn id="39" idx="0"/>
             <a:endCxn id="42" idx="2"/>
           </p:cNvCxnSpPr>
           <p:nvPr/>
         </p:nvCxnSpPr>
         <p:spPr>
           <a:xfrm flipH="1" flipV="1">
-            <a:off x="811280" y="5528862"/>
-            <a:ext cx="36348" cy="641553"/>
+            <a:off x="811280" y="4700496"/>
+            <a:ext cx="20109" cy="553481"/>
           </a:xfrm>
           <a:prstGeom prst="straightConnector1">
             <a:avLst/>
@@ -12431,12 +12824,16 @@
           <a:p>
             <a:pPr algn="ctr"/>
             <a:r>
-              <a:rPr lang="en-US" sz="1000" smtClean="0">
+              <a:rPr lang="en-US" sz="1000" err="1" smtClean="0">
                 <a:latin typeface="Courier New" pitchFamily="49" charset="0"/>
                 <a:cs typeface="Courier New" pitchFamily="49" charset="0"/>
               </a:rPr>
               <a:t>guiThrottleProcess</a:t>
             </a:r>
+            <a:endParaRPr lang="en-US" sz="1000" smtClean="0">
+              <a:latin typeface="Courier New" pitchFamily="49" charset="0"/>
+              <a:cs typeface="Courier New" pitchFamily="49" charset="0"/>
+            </a:endParaRPr>
           </a:p>
           <a:p>
             <a:pPr algn="ctr"/>
@@ -12445,8 +12842,19 @@
                 <a:latin typeface="Courier New" pitchFamily="49" charset="0"/>
                 <a:cs typeface="Courier New" pitchFamily="49" charset="0"/>
               </a:rPr>
-              <a:t>with guiThrottle</a:t>
-            </a:r>
+              <a:t>with </a:t>
+            </a:r>
+            <a:r>
+              <a:rPr lang="en-US" sz="1000" err="1" smtClean="0">
+                <a:latin typeface="Courier New" pitchFamily="49" charset="0"/>
+                <a:cs typeface="Courier New" pitchFamily="49" charset="0"/>
+              </a:rPr>
+              <a:t>guiThrottle</a:t>
+            </a:r>
+            <a:endParaRPr lang="en-US" sz="1000" smtClean="0">
+              <a:latin typeface="Courier New" pitchFamily="49" charset="0"/>
+              <a:cs typeface="Courier New" pitchFamily="49" charset="0"/>
+            </a:endParaRPr>
           </a:p>
         </p:txBody>
       </p:sp>
@@ -12772,8 +13180,8 @@
         </p:nvSpPr>
         <p:spPr>
           <a:xfrm>
-            <a:off x="3058917" y="355002"/>
-            <a:ext cx="2289088" cy="553998"/>
+            <a:off x="2991591" y="355002"/>
+            <a:ext cx="2423741" cy="553998"/>
           </a:xfrm>
           <a:prstGeom prst="rect">
             <a:avLst/>
@@ -12788,7 +13196,7 @@
           <a:p>
             <a:pPr algn="ctr"/>
             <a:r>
-              <a:rPr lang="en-US" dirty="0" smtClean="0">
+              <a:rPr lang="en-US" smtClean="0">
                 <a:solidFill>
                   <a:schemeClr val="accent6">
                     <a:lumMod val="75000"/>
@@ -12801,17 +13209,17 @@
           <a:p>
             <a:pPr algn="ctr"/>
             <a:r>
-              <a:rPr lang="en-US" sz="1200" dirty="0" smtClean="0">
+              <a:rPr lang="en-US" sz="1200" smtClean="0">
                 <a:solidFill>
                   <a:schemeClr val="accent6">
                     <a:lumMod val="75000"/>
                   </a:schemeClr>
                 </a:solidFill>
               </a:rPr>
-              <a:t>How use a Throttle or </a:t>
-            </a:r>
-            <a:r>
-              <a:rPr lang="en-US" sz="1200" dirty="0" err="1" smtClean="0">
+              <a:t>How use a Throttle and </a:t>
+            </a:r>
+            <a:r>
+              <a:rPr lang="en-US" sz="1200" err="1" smtClean="0">
                 <a:solidFill>
                   <a:schemeClr val="accent6">
                     <a:lumMod val="75000"/>
@@ -12820,13 +13228,284 @@
               </a:rPr>
               <a:t>GuiThrottle</a:t>
             </a:r>
-            <a:endParaRPr lang="en-US" sz="1200" dirty="0">
+            <a:endParaRPr lang="en-US" sz="1200">
               <a:solidFill>
                 <a:schemeClr val="accent6">
                   <a:lumMod val="75000"/>
                 </a:schemeClr>
               </a:solidFill>
             </a:endParaRPr>
+          </a:p>
+        </p:txBody>
+      </p:sp>
+      <p:sp>
+        <p:nvSpPr>
+          <p:cNvPr id="38" name="TextBox 37"/>
+          <p:cNvSpPr txBox="1"/>
+          <p:nvPr/>
+        </p:nvSpPr>
+        <p:spPr>
+          <a:xfrm>
+            <a:off x="2113863" y="5240122"/>
+            <a:ext cx="877163" cy="400110"/>
+          </a:xfrm>
+          <a:prstGeom prst="rect">
+            <a:avLst/>
+          </a:prstGeom>
+          <a:ln/>
+        </p:spPr>
+        <p:style>
+          <a:lnRef idx="1">
+            <a:schemeClr val="accent1"/>
+          </a:lnRef>
+          <a:fillRef idx="3">
+            <a:schemeClr val="accent1"/>
+          </a:fillRef>
+          <a:effectRef idx="2">
+            <a:schemeClr val="accent1"/>
+          </a:effectRef>
+          <a:fontRef idx="minor">
+            <a:schemeClr val="lt1"/>
+          </a:fontRef>
+        </p:style>
+        <p:txBody>
+          <a:bodyPr wrap="none" rtlCol="0">
+            <a:spAutoFit/>
+          </a:bodyPr>
+          <a:lstStyle/>
+          <a:p>
+            <a:r>
+              <a:rPr lang="en-US" sz="1000" smtClean="0">
+                <a:latin typeface="Courier New" pitchFamily="49" charset="0"/>
+                <a:cs typeface="Courier New" pitchFamily="49" charset="0"/>
+              </a:rPr>
+              <a:t>simulator</a:t>
+            </a:r>
+          </a:p>
+          <a:p>
+            <a:r>
+              <a:rPr lang="en-US" sz="1000" smtClean="0">
+                <a:latin typeface="Courier New" pitchFamily="49" charset="0"/>
+                <a:cs typeface="Courier New" pitchFamily="49" charset="0"/>
+              </a:rPr>
+              <a:t>at 1234</a:t>
+            </a:r>
+          </a:p>
+        </p:txBody>
+      </p:sp>
+      <p:sp>
+        <p:nvSpPr>
+          <p:cNvPr id="39" name="TextBox 38"/>
+          <p:cNvSpPr txBox="1"/>
+          <p:nvPr/>
+        </p:nvSpPr>
+        <p:spPr>
+          <a:xfrm>
+            <a:off x="354335" y="5253977"/>
+            <a:ext cx="954107" cy="400110"/>
+          </a:xfrm>
+          <a:prstGeom prst="rect">
+            <a:avLst/>
+          </a:prstGeom>
+          <a:ln/>
+        </p:spPr>
+        <p:style>
+          <a:lnRef idx="1">
+            <a:schemeClr val="accent1"/>
+          </a:lnRef>
+          <a:fillRef idx="3">
+            <a:schemeClr val="accent1"/>
+          </a:fillRef>
+          <a:effectRef idx="2">
+            <a:schemeClr val="accent1"/>
+          </a:effectRef>
+          <a:fontRef idx="minor">
+            <a:schemeClr val="lt1"/>
+          </a:fontRef>
+        </p:style>
+        <p:txBody>
+          <a:bodyPr wrap="none" rtlCol="0">
+            <a:spAutoFit/>
+          </a:bodyPr>
+          <a:lstStyle/>
+          <a:p>
+            <a:r>
+              <a:rPr lang="en-US" sz="1000" smtClean="0">
+                <a:latin typeface="Courier New" pitchFamily="49" charset="0"/>
+                <a:cs typeface="Courier New" pitchFamily="49" charset="0"/>
+              </a:rPr>
+              <a:t>controller</a:t>
+            </a:r>
+          </a:p>
+          <a:p>
+            <a:r>
+              <a:rPr lang="en-US" sz="1000" smtClean="0">
+                <a:latin typeface="Courier New" pitchFamily="49" charset="0"/>
+                <a:cs typeface="Courier New" pitchFamily="49" charset="0"/>
+              </a:rPr>
+              <a:t>at 1235</a:t>
+            </a:r>
+          </a:p>
+        </p:txBody>
+      </p:sp>
+      <p:cxnSp>
+        <p:nvCxnSpPr>
+          <p:cNvPr id="40" name="Straight Arrow Connector 39"/>
+          <p:cNvCxnSpPr>
+            <a:stCxn id="39" idx="3"/>
+            <a:endCxn id="38" idx="1"/>
+          </p:cNvCxnSpPr>
+          <p:nvPr/>
+        </p:nvCxnSpPr>
+        <p:spPr>
+          <a:xfrm flipV="1">
+            <a:off x="1308442" y="5440177"/>
+            <a:ext cx="805421" cy="13855"/>
+          </a:xfrm>
+          <a:prstGeom prst="straightConnector1">
+            <a:avLst/>
+          </a:prstGeom>
+          <a:ln>
+            <a:prstDash val="dash"/>
+            <a:headEnd type="arrow" w="med" len="med"/>
+            <a:tailEnd type="arrow" w="med" len="med"/>
+          </a:ln>
+        </p:spPr>
+        <p:style>
+          <a:lnRef idx="1">
+            <a:schemeClr val="accent1"/>
+          </a:lnRef>
+          <a:fillRef idx="0">
+            <a:schemeClr val="accent1"/>
+          </a:fillRef>
+          <a:effectRef idx="0">
+            <a:schemeClr val="accent1"/>
+          </a:effectRef>
+          <a:fontRef idx="minor">
+            <a:schemeClr val="tx1"/>
+          </a:fontRef>
+        </p:style>
+      </p:cxnSp>
+      <p:sp>
+        <p:nvSpPr>
+          <p:cNvPr id="46" name="TextBox 45"/>
+          <p:cNvSpPr txBox="1"/>
+          <p:nvPr/>
+        </p:nvSpPr>
+        <p:spPr>
+          <a:xfrm>
+            <a:off x="701812" y="1077558"/>
+            <a:ext cx="1197764" cy="276999"/>
+          </a:xfrm>
+          <a:prstGeom prst="rect">
+            <a:avLst/>
+          </a:prstGeom>
+          <a:noFill/>
+        </p:spPr>
+        <p:txBody>
+          <a:bodyPr wrap="none" rtlCol="0">
+            <a:spAutoFit/>
+          </a:bodyPr>
+          <a:lstStyle/>
+          <a:p>
+            <a:pPr algn="ctr"/>
+            <a:r>
+              <a:rPr lang="en-US" sz="1200" smtClean="0">
+                <a:solidFill>
+                  <a:schemeClr val="accent6">
+                    <a:lumMod val="75000"/>
+                  </a:schemeClr>
+                </a:solidFill>
+              </a:rPr>
+              <a:t>Throttle_Test.py</a:t>
+            </a:r>
+            <a:endParaRPr lang="en-US" sz="1200">
+              <a:solidFill>
+                <a:schemeClr val="accent6">
+                  <a:lumMod val="75000"/>
+                </a:schemeClr>
+              </a:solidFill>
+            </a:endParaRPr>
+          </a:p>
+        </p:txBody>
+      </p:sp>
+      <p:sp>
+        <p:nvSpPr>
+          <p:cNvPr id="52" name="Freeform 51"/>
+          <p:cNvSpPr/>
+          <p:nvPr/>
+        </p:nvSpPr>
+        <p:spPr>
+          <a:xfrm>
+            <a:off x="53788" y="3227294"/>
+            <a:ext cx="3485478" cy="3560781"/>
+          </a:xfrm>
+          <a:custGeom>
+            <a:avLst/>
+            <a:gdLst>
+              <a:gd name="connsiteX0" fmla="*/ 0 w 3485478"/>
+              <a:gd name="connsiteY0" fmla="*/ 96819 h 3560781"/>
+              <a:gd name="connsiteX1" fmla="*/ 2538805 w 3485478"/>
+              <a:gd name="connsiteY1" fmla="*/ 0 h 3560781"/>
+              <a:gd name="connsiteX2" fmla="*/ 3485478 w 3485478"/>
+              <a:gd name="connsiteY2" fmla="*/ 1538344 h 3560781"/>
+              <a:gd name="connsiteX3" fmla="*/ 2786231 w 3485478"/>
+              <a:gd name="connsiteY3" fmla="*/ 3560781 h 3560781"/>
+            </a:gdLst>
+            <a:ahLst/>
+            <a:cxnLst>
+              <a:cxn ang="0">
+                <a:pos x="connsiteX0" y="connsiteY0"/>
+              </a:cxn>
+              <a:cxn ang="0">
+                <a:pos x="connsiteX1" y="connsiteY1"/>
+              </a:cxn>
+              <a:cxn ang="0">
+                <a:pos x="connsiteX2" y="connsiteY2"/>
+              </a:cxn>
+              <a:cxn ang="0">
+                <a:pos x="connsiteX3" y="connsiteY3"/>
+              </a:cxn>
+            </a:cxnLst>
+            <a:rect l="l" t="t" r="r" b="b"/>
+            <a:pathLst>
+              <a:path w="3485478" h="3560781">
+                <a:moveTo>
+                  <a:pt x="0" y="96819"/>
+                </a:moveTo>
+                <a:lnTo>
+                  <a:pt x="2538805" y="0"/>
+                </a:lnTo>
+                <a:lnTo>
+                  <a:pt x="3485478" y="1538344"/>
+                </a:lnTo>
+                <a:lnTo>
+                  <a:pt x="2786231" y="3560781"/>
+                </a:lnTo>
+              </a:path>
+            </a:pathLst>
+          </a:custGeom>
+        </p:spPr>
+        <p:style>
+          <a:lnRef idx="2">
+            <a:schemeClr val="accent6"/>
+          </a:lnRef>
+          <a:fillRef idx="0">
+            <a:schemeClr val="accent6"/>
+          </a:fillRef>
+          <a:effectRef idx="1">
+            <a:schemeClr val="accent6"/>
+          </a:effectRef>
+          <a:fontRef idx="minor">
+            <a:schemeClr val="tx1"/>
+          </a:fontRef>
+        </p:style>
+        <p:txBody>
+          <a:bodyPr rtlCol="0" anchor="ctr"/>
+          <a:lstStyle/>
+          <a:p>
+            <a:pPr algn="ctr"/>
+            <a:endParaRPr lang="en-US"/>
           </a:p>
         </p:txBody>
       </p:sp>
@@ -12878,7 +13557,7 @@
           <a:lstStyle/>
           <a:p>
             <a:r>
-              <a:rPr lang="en-US" dirty="0" smtClean="0">
+              <a:rPr lang="en-US" smtClean="0">
                 <a:solidFill>
                   <a:schemeClr val="accent6">
                     <a:lumMod val="75000"/>
@@ -12887,7 +13566,7 @@
               </a:rPr>
               <a:t>MsgHandler.py</a:t>
             </a:r>
-            <a:endParaRPr lang="en-US" dirty="0">
+            <a:endParaRPr lang="en-US">
               <a:solidFill>
                 <a:schemeClr val="accent6">
                   <a:lumMod val="75000"/>
@@ -13733,7 +14412,7 @@
           <a:p>
             <a:pPr algn="ctr"/>
             <a:r>
-              <a:rPr lang="en-US" sz="1200" dirty="0" smtClean="0">
+              <a:rPr lang="en-US" sz="1200" smtClean="0">
                 <a:solidFill>
                   <a:schemeClr val="accent6">
                     <a:lumMod val="75000"/>
@@ -13746,7 +14425,7 @@
           <a:p>
             <a:pPr algn="ctr"/>
             <a:r>
-              <a:rPr lang="en-US" sz="1200" dirty="0" err="1" smtClean="0">
+              <a:rPr lang="en-US" sz="1200" err="1" smtClean="0">
                 <a:solidFill>
                   <a:schemeClr val="accent6">
                     <a:lumMod val="75000"/>
@@ -13755,7 +14434,7 @@
               </a:rPr>
               <a:t>waitFor</a:t>
             </a:r>
-            <a:endParaRPr lang="en-US" sz="1200" dirty="0">
+            <a:endParaRPr lang="en-US" sz="1200">
               <a:solidFill>
                 <a:schemeClr val="accent6">
                   <a:lumMod val="75000"/>
@@ -13855,7 +14534,7 @@
         <p:spPr>
           <a:xfrm>
             <a:off x="1019380" y="2503695"/>
-            <a:ext cx="1569660" cy="246221"/>
+            <a:ext cx="2185214" cy="246221"/>
           </a:xfrm>
           <a:prstGeom prst="rect">
             <a:avLst/>
@@ -13873,7 +14552,42 @@
                 <a:latin typeface="Courier New" pitchFamily="49" charset="0"/>
                 <a:cs typeface="Courier New" pitchFamily="49" charset="0"/>
               </a:rPr>
-              <a:t>call(qu, msg): msg</a:t>
+              <a:t>call(</a:t>
+            </a:r>
+            <a:r>
+              <a:rPr lang="en-US" sz="1000" err="1" smtClean="0">
+                <a:latin typeface="Courier New" pitchFamily="49" charset="0"/>
+                <a:cs typeface="Courier New" pitchFamily="49" charset="0"/>
+              </a:rPr>
+              <a:t>msgHandler</a:t>
+            </a:r>
+            <a:r>
+              <a:rPr lang="en-US" sz="1000" smtClean="0">
+                <a:latin typeface="Courier New" pitchFamily="49" charset="0"/>
+                <a:cs typeface="Courier New" pitchFamily="49" charset="0"/>
+              </a:rPr>
+              <a:t>, </a:t>
+            </a:r>
+            <a:r>
+              <a:rPr lang="en-US" sz="1000" err="1" smtClean="0">
+                <a:latin typeface="Courier New" pitchFamily="49" charset="0"/>
+                <a:cs typeface="Courier New" pitchFamily="49" charset="0"/>
+              </a:rPr>
+              <a:t>msg</a:t>
+            </a:r>
+            <a:r>
+              <a:rPr lang="en-US" sz="1000" smtClean="0">
+                <a:latin typeface="Courier New" pitchFamily="49" charset="0"/>
+                <a:cs typeface="Courier New" pitchFamily="49" charset="0"/>
+              </a:rPr>
+              <a:t>): </a:t>
+            </a:r>
+            <a:r>
+              <a:rPr lang="en-US" sz="1000" err="1" smtClean="0">
+                <a:latin typeface="Courier New" pitchFamily="49" charset="0"/>
+                <a:cs typeface="Courier New" pitchFamily="49" charset="0"/>
+              </a:rPr>
+              <a:t>msg</a:t>
             </a:r>
             <a:endParaRPr lang="en-US" sz="1000">
               <a:latin typeface="Courier New" pitchFamily="49" charset="0"/>
@@ -13890,8 +14604,8 @@
         </p:nvSpPr>
         <p:spPr>
           <a:xfrm>
-            <a:off x="598141" y="3531110"/>
-            <a:ext cx="338554" cy="246221"/>
+            <a:off x="447534" y="3617171"/>
+            <a:ext cx="954107" cy="246221"/>
           </a:xfrm>
           <a:prstGeom prst="rect">
             <a:avLst/>
@@ -13919,12 +14633,16 @@
           <a:lstStyle/>
           <a:p>
             <a:r>
-              <a:rPr lang="en-US" sz="1000" smtClean="0">
-                <a:latin typeface="Courier New" pitchFamily="49" charset="0"/>
-                <a:cs typeface="Courier New" pitchFamily="49" charset="0"/>
-              </a:rPr>
-              <a:t>qu</a:t>
-            </a:r>
+              <a:rPr lang="en-US" sz="1000" err="1" smtClean="0">
+                <a:latin typeface="Courier New" pitchFamily="49" charset="0"/>
+                <a:cs typeface="Courier New" pitchFamily="49" charset="0"/>
+              </a:rPr>
+              <a:t>msgHandler</a:t>
+            </a:r>
+            <a:endParaRPr lang="en-US" sz="1000" smtClean="0">
+              <a:latin typeface="Courier New" pitchFamily="49" charset="0"/>
+              <a:cs typeface="Courier New" pitchFamily="49" charset="0"/>
+            </a:endParaRPr>
           </a:p>
         </p:txBody>
       </p:sp>
@@ -13939,8 +14657,8 @@
         </p:nvCxnSpPr>
         <p:spPr>
           <a:xfrm flipH="1">
-            <a:off x="767418" y="3073552"/>
-            <a:ext cx="166679" cy="457558"/>
+            <a:off x="924588" y="3073552"/>
+            <a:ext cx="9509" cy="543619"/>
           </a:xfrm>
           <a:prstGeom prst="straightConnector1">
             <a:avLst/>
@@ -14587,7 +15305,7 @@
           <a:p>
             <a:pPr algn="ctr"/>
             <a:r>
-              <a:rPr lang="en-US" dirty="0" smtClean="0">
+              <a:rPr lang="en-US" smtClean="0">
                 <a:solidFill>
                   <a:schemeClr val="accent6">
                     <a:lumMod val="75000"/>
@@ -14600,7 +15318,7 @@
           <a:p>
             <a:pPr algn="ctr"/>
             <a:r>
-              <a:rPr lang="en-US" sz="1200" dirty="0" smtClean="0">
+              <a:rPr lang="en-US" sz="1200" smtClean="0">
                 <a:solidFill>
                   <a:schemeClr val="accent6">
                     <a:lumMod val="75000"/>
@@ -14613,7 +15331,7 @@
           <a:p>
             <a:pPr algn="ctr"/>
             <a:r>
-              <a:rPr lang="en-US" sz="1200" dirty="0" err="1" smtClean="0">
+              <a:rPr lang="en-US" sz="1200" err="1" smtClean="0">
                 <a:solidFill>
                   <a:schemeClr val="accent6">
                     <a:lumMod val="75000"/>
@@ -14623,7 +15341,7 @@
               <a:t>MsgServerThread</a:t>
             </a:r>
             <a:r>
-              <a:rPr lang="en-US" sz="1200" dirty="0" smtClean="0">
+              <a:rPr lang="en-US" sz="1200" smtClean="0">
                 <a:solidFill>
                   <a:schemeClr val="accent6">
                     <a:lumMod val="75000"/>
@@ -14633,7 +15351,7 @@
               <a:t> and </a:t>
             </a:r>
             <a:r>
-              <a:rPr lang="en-US" sz="1200" dirty="0" err="1" smtClean="0">
+              <a:rPr lang="en-US" sz="1200" err="1" smtClean="0">
                 <a:solidFill>
                   <a:schemeClr val="accent6">
                     <a:lumMod val="75000"/>
@@ -14642,7 +15360,7 @@
               </a:rPr>
               <a:t>MsgSocket</a:t>
             </a:r>
-            <a:endParaRPr lang="en-US" sz="1200" dirty="0">
+            <a:endParaRPr lang="en-US" sz="1200">
               <a:solidFill>
                 <a:schemeClr val="accent6">
                   <a:lumMod val="75000"/>

--- a/Scripting/ScriptingDocumenation/DesignDiagrams.pptx
+++ b/Scripting/ScriptingDocumenation/DesignDiagrams.pptx
@@ -8854,21 +8854,21 @@
           <a:lstStyle/>
           <a:p>
             <a:r>
-              <a:rPr lang="en-US" sz="1000" smtClean="0">
+              <a:rPr lang="en-US" sz="1000" dirty="0" smtClean="0">
                 <a:latin typeface="Courier New" pitchFamily="49" charset="0"/>
                 <a:cs typeface="Courier New" pitchFamily="49" charset="0"/>
               </a:rPr>
               <a:t>init(</a:t>
             </a:r>
             <a:r>
-              <a:rPr lang="en-US" sz="1000" err="1" smtClean="0">
+              <a:rPr lang="en-US" sz="1000" dirty="0" err="1" smtClean="0">
                 <a:latin typeface="Courier New" pitchFamily="49" charset="0"/>
                 <a:cs typeface="Courier New" pitchFamily="49" charset="0"/>
               </a:rPr>
               <a:t>name,</a:t>
             </a:r>
             <a:r>
-              <a:rPr lang="en-US" sz="1000" err="1" smtClean="0">
+              <a:rPr lang="en-US" sz="1000" dirty="0" err="1" smtClean="0">
                 <a:solidFill>
                   <a:srgbClr val="FF0000"/>
                 </a:solidFill>
@@ -8878,14 +8878,14 @@
               <a:t>inQu,inQuNum</a:t>
             </a:r>
             <a:r>
-              <a:rPr lang="en-US" sz="1000" err="1" smtClean="0">
+              <a:rPr lang="en-US" sz="1000" dirty="0" err="1" smtClean="0">
                 <a:latin typeface="Courier New" pitchFamily="49" charset="0"/>
                 <a:cs typeface="Courier New" pitchFamily="49" charset="0"/>
               </a:rPr>
               <a:t>,outQu</a:t>
             </a:r>
             <a:r>
-              <a:rPr lang="en-US" sz="1000" smtClean="0">
+              <a:rPr lang="en-US" sz="1000" dirty="0" smtClean="0">
                 <a:latin typeface="Courier New" pitchFamily="49" charset="0"/>
                 <a:cs typeface="Courier New" pitchFamily="49" charset="0"/>
               </a:rPr>
@@ -8894,28 +8894,28 @@
           </a:p>
           <a:p>
             <a:r>
-              <a:rPr lang="en-US" sz="1000" err="1" smtClean="0">
+              <a:rPr lang="en-US" sz="1000" dirty="0" err="1" smtClean="0">
                 <a:latin typeface="Courier New" pitchFamily="49" charset="0"/>
                 <a:cs typeface="Courier New" pitchFamily="49" charset="0"/>
               </a:rPr>
               <a:t>addInterest</a:t>
             </a:r>
             <a:r>
-              <a:rPr lang="en-US" sz="1000" smtClean="0">
+              <a:rPr lang="en-US" sz="1000" dirty="0" smtClean="0">
                 <a:latin typeface="Courier New" pitchFamily="49" charset="0"/>
                 <a:cs typeface="Courier New" pitchFamily="49" charset="0"/>
               </a:rPr>
               <a:t>(</a:t>
             </a:r>
             <a:r>
-              <a:rPr lang="en-US" sz="1000" err="1" smtClean="0">
+              <a:rPr lang="en-US" sz="1000" dirty="0" err="1" smtClean="0">
                 <a:latin typeface="Courier New" pitchFamily="49" charset="0"/>
                 <a:cs typeface="Courier New" pitchFamily="49" charset="0"/>
               </a:rPr>
               <a:t>msgType</a:t>
             </a:r>
             <a:r>
-              <a:rPr lang="en-US" sz="1000" smtClean="0">
+              <a:rPr lang="en-US" sz="1000" dirty="0" smtClean="0">
                 <a:latin typeface="Courier New" pitchFamily="49" charset="0"/>
                 <a:cs typeface="Courier New" pitchFamily="49" charset="0"/>
               </a:rPr>
@@ -8924,28 +8924,28 @@
           </a:p>
           <a:p>
             <a:r>
-              <a:rPr lang="en-US" sz="1000" err="1" smtClean="0">
+              <a:rPr lang="en-US" sz="1000" dirty="0" err="1" smtClean="0">
                 <a:latin typeface="Courier New" pitchFamily="49" charset="0"/>
                 <a:cs typeface="Courier New" pitchFamily="49" charset="0"/>
               </a:rPr>
               <a:t>removeInterest</a:t>
             </a:r>
             <a:r>
-              <a:rPr lang="en-US" sz="1000" smtClean="0">
+              <a:rPr lang="en-US" sz="1000" dirty="0" smtClean="0">
                 <a:latin typeface="Courier New" pitchFamily="49" charset="0"/>
                 <a:cs typeface="Courier New" pitchFamily="49" charset="0"/>
               </a:rPr>
               <a:t>(</a:t>
             </a:r>
             <a:r>
-              <a:rPr lang="en-US" sz="1000" err="1" smtClean="0">
+              <a:rPr lang="en-US" sz="1000" dirty="0" err="1" smtClean="0">
                 <a:latin typeface="Courier New" pitchFamily="49" charset="0"/>
                 <a:cs typeface="Courier New" pitchFamily="49" charset="0"/>
               </a:rPr>
               <a:t>msgType</a:t>
             </a:r>
             <a:r>
-              <a:rPr lang="en-US" sz="1000" smtClean="0">
+              <a:rPr lang="en-US" sz="1000" dirty="0" smtClean="0">
                 <a:latin typeface="Courier New" pitchFamily="49" charset="0"/>
                 <a:cs typeface="Courier New" pitchFamily="49" charset="0"/>
               </a:rPr>
@@ -8954,20 +8954,34 @@
           </a:p>
           <a:p>
             <a:r>
-              <a:rPr lang="en-US" sz="1000" err="1" smtClean="0">
-                <a:latin typeface="Courier New" pitchFamily="49" charset="0"/>
-                <a:cs typeface="Courier New" pitchFamily="49" charset="0"/>
-              </a:rPr>
-              <a:t>get:msg</a:t>
-            </a:r>
-            <a:endParaRPr lang="en-US" sz="1000" smtClean="0">
+              <a:rPr lang="en-US" sz="1000" dirty="0" err="1" smtClean="0">
+                <a:latin typeface="Courier New" pitchFamily="49" charset="0"/>
+                <a:cs typeface="Courier New" pitchFamily="49" charset="0"/>
+              </a:rPr>
+              <a:t>getBlocking</a:t>
+            </a:r>
+            <a:r>
+              <a:rPr lang="en-US" sz="1000" dirty="0" smtClean="0">
+                <a:latin typeface="Courier New" pitchFamily="49" charset="0"/>
+                <a:cs typeface="Courier New" pitchFamily="49" charset="0"/>
+              </a:rPr>
+              <a:t>/</a:t>
+            </a:r>
+            <a:r>
+              <a:rPr lang="en-US" sz="1000" dirty="0" err="1" smtClean="0">
+                <a:latin typeface="Courier New" pitchFamily="49" charset="0"/>
+                <a:cs typeface="Courier New" pitchFamily="49" charset="0"/>
+              </a:rPr>
+              <a:t>getNonblocking:msg</a:t>
+            </a:r>
+            <a:endParaRPr lang="en-US" sz="1000" dirty="0" smtClean="0">
               <a:latin typeface="Courier New" pitchFamily="49" charset="0"/>
               <a:cs typeface="Courier New" pitchFamily="49" charset="0"/>
             </a:endParaRPr>
           </a:p>
           <a:p>
             <a:r>
-              <a:rPr lang="en-US" sz="1000" smtClean="0">
+              <a:rPr lang="en-US" sz="1000" dirty="0" smtClean="0">
                 <a:solidFill>
                   <a:srgbClr val="FF0000"/>
                 </a:solidFill>
@@ -8977,7 +8991,7 @@
               <a:t>c</a:t>
             </a:r>
             <a:r>
-              <a:rPr lang="en-US" sz="1000" smtClean="0">
+              <a:rPr lang="en-US" sz="1000" dirty="0" smtClean="0">
                 <a:solidFill>
                   <a:srgbClr val="FF0000"/>
                 </a:solidFill>
@@ -8987,7 +9001,7 @@
               <a:t>lose(</a:t>
             </a:r>
             <a:r>
-              <a:rPr lang="en-US" sz="1000" err="1" smtClean="0">
+              <a:rPr lang="en-US" sz="1000" dirty="0" err="1" smtClean="0">
                 <a:solidFill>
                   <a:srgbClr val="FF0000"/>
                 </a:solidFill>
@@ -8997,7 +9011,7 @@
               <a:t>inQuNum</a:t>
             </a:r>
             <a:r>
-              <a:rPr lang="en-US" sz="1000" smtClean="0">
+              <a:rPr lang="en-US" sz="1000" dirty="0" smtClean="0">
                 <a:solidFill>
                   <a:srgbClr val="FF0000"/>
                 </a:solidFill>
@@ -9006,7 +9020,7 @@
               </a:rPr>
               <a:t>)</a:t>
             </a:r>
-            <a:endParaRPr lang="en-US" sz="1000">
+            <a:endParaRPr lang="en-US" sz="1000" dirty="0">
               <a:solidFill>
                 <a:srgbClr val="FF0000"/>
               </a:solidFill>
@@ -9087,7 +9101,10 @@
           <a:lstStyle/>
           <a:p>
             <a:r>
-              <a:rPr lang="en-US" sz="1000" smtClean="0">
+              <a:rPr lang="en-US" sz="1000" strike="sngStrike" dirty="0" smtClean="0">
+                <a:solidFill>
+                  <a:srgbClr val="FF0000"/>
+                </a:solidFill>
                 <a:latin typeface="Courier New" pitchFamily="49" charset="0"/>
                 <a:cs typeface="Courier New" pitchFamily="49" charset="0"/>
               </a:rPr>
@@ -9096,13 +9113,13 @@
           </a:p>
           <a:p>
             <a:r>
-              <a:rPr lang="en-US" sz="1000" smtClean="0">
+              <a:rPr lang="en-US" sz="1000" dirty="0" smtClean="0">
                 <a:latin typeface="Courier New" pitchFamily="49" charset="0"/>
                 <a:cs typeface="Courier New" pitchFamily="49" charset="0"/>
               </a:rPr>
               <a:t>get</a:t>
             </a:r>
-            <a:endParaRPr lang="en-US" sz="1000">
+            <a:endParaRPr lang="en-US" sz="1000" dirty="0">
               <a:latin typeface="Courier New" pitchFamily="49" charset="0"/>
               <a:cs typeface="Courier New" pitchFamily="49" charset="0"/>
             </a:endParaRPr>
@@ -10803,40 +10820,57 @@
           <a:lstStyle/>
           <a:p>
             <a:r>
-              <a:rPr lang="en-US" sz="1000" smtClean="0">
+              <a:rPr lang="en-US" sz="1000" dirty="0" smtClean="0">
                 <a:latin typeface="Courier New" pitchFamily="49" charset="0"/>
                 <a:cs typeface="Courier New" pitchFamily="49" charset="0"/>
               </a:rPr>
               <a:t>init(</a:t>
             </a:r>
             <a:r>
-              <a:rPr lang="en-US" sz="1000" err="1" smtClean="0">
-                <a:latin typeface="Courier New" pitchFamily="49" charset="0"/>
-                <a:cs typeface="Courier New" pitchFamily="49" charset="0"/>
-              </a:rPr>
-              <a:t>name,host,port,inQuList,outQu</a:t>
-            </a:r>
-            <a:r>
-              <a:rPr lang="en-US" sz="1000" smtClean="0">
+              <a:rPr lang="en-US" sz="1000" dirty="0" err="1" smtClean="0">
+                <a:latin typeface="Courier New" pitchFamily="49" charset="0"/>
+                <a:cs typeface="Courier New" pitchFamily="49" charset="0"/>
+              </a:rPr>
+              <a:t>name,host,port,</a:t>
+            </a:r>
+            <a:r>
+              <a:rPr lang="en-US" sz="1000" dirty="0" err="1" smtClean="0">
+                <a:solidFill>
+                  <a:srgbClr val="FF0000"/>
+                </a:solidFill>
+                <a:latin typeface="Courier New" pitchFamily="49" charset="0"/>
+                <a:cs typeface="Courier New" pitchFamily="49" charset="0"/>
+              </a:rPr>
+              <a:t>inQuList</a:t>
+            </a:r>
+            <a:r>
+              <a:rPr lang="en-US" sz="1000" dirty="0" err="1" smtClean="0">
+                <a:latin typeface="Courier New" pitchFamily="49" charset="0"/>
+                <a:cs typeface="Courier New" pitchFamily="49" charset="0"/>
+              </a:rPr>
+              <a:t>,outQu</a:t>
+            </a:r>
+            <a:r>
+              <a:rPr lang="en-US" sz="1000" dirty="0" smtClean="0">
                 <a:latin typeface="Courier New" pitchFamily="49" charset="0"/>
                 <a:cs typeface="Courier New" pitchFamily="49" charset="0"/>
               </a:rPr>
               <a:t>)</a:t>
             </a:r>
-            <a:endParaRPr lang="en-US" sz="1000" smtClean="0">
+            <a:endParaRPr lang="en-US" sz="1000" dirty="0" smtClean="0">
               <a:latin typeface="Courier New" pitchFamily="49" charset="0"/>
               <a:cs typeface="Courier New" pitchFamily="49" charset="0"/>
             </a:endParaRPr>
           </a:p>
           <a:p>
             <a:r>
-              <a:rPr lang="en-US" sz="1000" err="1" smtClean="0">
+              <a:rPr lang="en-US" sz="1000" dirty="0" err="1" smtClean="0">
                 <a:latin typeface="Courier New" pitchFamily="49" charset="0"/>
                 <a:cs typeface="Courier New" pitchFamily="49" charset="0"/>
               </a:rPr>
               <a:t>startPumps</a:t>
             </a:r>
-            <a:endParaRPr lang="en-US" sz="1000">
+            <a:endParaRPr lang="en-US" sz="1000" dirty="0">
               <a:latin typeface="Courier New" pitchFamily="49" charset="0"/>
               <a:cs typeface="Courier New" pitchFamily="49" charset="0"/>
             </a:endParaRPr>
@@ -11919,226 +11953,261 @@
           <a:lstStyle/>
           <a:p>
             <a:r>
-              <a:rPr lang="en-US" sz="1000" smtClean="0">
+              <a:rPr lang="en-US" sz="1000" dirty="0" smtClean="0">
                 <a:latin typeface="Courier New" pitchFamily="49" charset="0"/>
                 <a:cs typeface="Courier New" pitchFamily="49" charset="0"/>
               </a:rPr>
               <a:t>init(</a:t>
             </a:r>
             <a:r>
-              <a:rPr lang="en-US" sz="1000" err="1" smtClean="0">
-                <a:latin typeface="Courier New" pitchFamily="49" charset="0"/>
-                <a:cs typeface="Courier New" pitchFamily="49" charset="0"/>
-              </a:rPr>
-              <a:t>name,outQu</a:t>
-            </a:r>
-            <a:r>
-              <a:rPr lang="en-US" sz="1000" smtClean="0">
+              <a:rPr lang="en-US" sz="1000" dirty="0" err="1" smtClean="0">
+                <a:latin typeface="Courier New" pitchFamily="49" charset="0"/>
+                <a:cs typeface="Courier New" pitchFamily="49" charset="0"/>
+              </a:rPr>
+              <a:t>name,</a:t>
+            </a:r>
+            <a:r>
+              <a:rPr lang="en-US" sz="1000" dirty="0" err="1" smtClean="0">
+                <a:solidFill>
+                  <a:srgbClr val="FF0000"/>
+                </a:solidFill>
+                <a:latin typeface="Courier New" pitchFamily="49" charset="0"/>
+                <a:cs typeface="Courier New" pitchFamily="49" charset="0"/>
+              </a:rPr>
+              <a:t>inQu,inQuNum</a:t>
+            </a:r>
+            <a:r>
+              <a:rPr lang="en-US" sz="1000" dirty="0" err="1" smtClean="0">
+                <a:latin typeface="Courier New" pitchFamily="49" charset="0"/>
+                <a:cs typeface="Courier New" pitchFamily="49" charset="0"/>
+              </a:rPr>
+              <a:t>,outQu</a:t>
+            </a:r>
+            <a:r>
+              <a:rPr lang="en-US" sz="1000" dirty="0" smtClean="0">
                 <a:latin typeface="Courier New" pitchFamily="49" charset="0"/>
                 <a:cs typeface="Courier New" pitchFamily="49" charset="0"/>
               </a:rPr>
               <a:t>)</a:t>
             </a:r>
-          </a:p>
-          <a:p>
-            <a:r>
-              <a:rPr lang="en-US" sz="1000" err="1" smtClean="0">
-                <a:latin typeface="Courier New" pitchFamily="49" charset="0"/>
-                <a:cs typeface="Courier New" pitchFamily="49" charset="0"/>
-              </a:rPr>
-              <a:t>addInterest</a:t>
-            </a:r>
-            <a:r>
-              <a:rPr lang="en-US" sz="1000" smtClean="0">
-                <a:latin typeface="Courier New" pitchFamily="49" charset="0"/>
-                <a:cs typeface="Courier New" pitchFamily="49" charset="0"/>
-              </a:rPr>
-              <a:t>(</a:t>
-            </a:r>
-            <a:r>
-              <a:rPr lang="en-US" sz="1000" err="1" smtClean="0">
-                <a:latin typeface="Courier New" pitchFamily="49" charset="0"/>
-                <a:cs typeface="Courier New" pitchFamily="49" charset="0"/>
-              </a:rPr>
-              <a:t>PutInitOutcomeMsg</a:t>
-            </a:r>
-            <a:r>
-              <a:rPr lang="en-US" sz="1000" smtClean="0">
-                <a:latin typeface="Courier New" pitchFamily="49" charset="0"/>
-                <a:cs typeface="Courier New" pitchFamily="49" charset="0"/>
-              </a:rPr>
-              <a:t>)</a:t>
-            </a:r>
-            <a:endParaRPr lang="en-US" sz="1000" smtClean="0">
+            <a:endParaRPr lang="en-US" sz="1000" dirty="0" smtClean="0">
               <a:latin typeface="Courier New" pitchFamily="49" charset="0"/>
               <a:cs typeface="Courier New" pitchFamily="49" charset="0"/>
             </a:endParaRPr>
           </a:p>
           <a:p>
             <a:r>
-              <a:rPr lang="en-US" sz="1000" err="1" smtClean="0">
-                <a:latin typeface="Courier New" pitchFamily="49" charset="0"/>
-                <a:cs typeface="Courier New" pitchFamily="49" charset="0"/>
-              </a:rPr>
-              <a:t>removeInterest</a:t>
-            </a:r>
-            <a:r>
-              <a:rPr lang="en-US" sz="1000" smtClean="0">
+              <a:rPr lang="en-US" sz="1000" dirty="0" err="1" smtClean="0">
+                <a:latin typeface="Courier New" pitchFamily="49" charset="0"/>
+                <a:cs typeface="Courier New" pitchFamily="49" charset="0"/>
+              </a:rPr>
+              <a:t>addInterest</a:t>
+            </a:r>
+            <a:r>
+              <a:rPr lang="en-US" sz="1000" dirty="0" smtClean="0">
                 <a:latin typeface="Courier New" pitchFamily="49" charset="0"/>
                 <a:cs typeface="Courier New" pitchFamily="49" charset="0"/>
               </a:rPr>
               <a:t>(</a:t>
             </a:r>
             <a:r>
-              <a:rPr lang="en-US" sz="1000" err="1" smtClean="0">
+              <a:rPr lang="en-US" sz="1000" dirty="0" err="1" smtClean="0">
                 <a:latin typeface="Courier New" pitchFamily="49" charset="0"/>
                 <a:cs typeface="Courier New" pitchFamily="49" charset="0"/>
               </a:rPr>
               <a:t>PutInitOutcomeMsg</a:t>
             </a:r>
             <a:r>
-              <a:rPr lang="en-US" sz="1000" smtClean="0">
+              <a:rPr lang="en-US" sz="1000" dirty="0" smtClean="0">
                 <a:latin typeface="Courier New" pitchFamily="49" charset="0"/>
                 <a:cs typeface="Courier New" pitchFamily="49" charset="0"/>
               </a:rPr>
               <a:t>)</a:t>
             </a:r>
-            <a:endParaRPr lang="en-US" sz="1000" smtClean="0">
+            <a:endParaRPr lang="en-US" sz="1000" dirty="0" smtClean="0">
               <a:latin typeface="Courier New" pitchFamily="49" charset="0"/>
               <a:cs typeface="Courier New" pitchFamily="49" charset="0"/>
             </a:endParaRPr>
           </a:p>
           <a:p>
             <a:r>
-              <a:rPr lang="en-US" sz="1000" smtClean="0">
-                <a:latin typeface="Courier New" pitchFamily="49" charset="0"/>
-                <a:cs typeface="Courier New" pitchFamily="49" charset="0"/>
-              </a:rPr>
-              <a:t>put(</a:t>
-            </a:r>
-            <a:r>
-              <a:rPr lang="en-US" sz="1000" err="1" smtClean="0">
-                <a:latin typeface="Courier New" pitchFamily="49" charset="0"/>
-                <a:cs typeface="Courier New" pitchFamily="49" charset="0"/>
-              </a:rPr>
-              <a:t>msg</a:t>
-            </a:r>
-            <a:r>
-              <a:rPr lang="en-US" sz="1000" smtClean="0">
+              <a:rPr lang="en-US" sz="1000" dirty="0" err="1" smtClean="0">
+                <a:latin typeface="Courier New" pitchFamily="49" charset="0"/>
+                <a:cs typeface="Courier New" pitchFamily="49" charset="0"/>
+              </a:rPr>
+              <a:t>removeInterest</a:t>
+            </a:r>
+            <a:r>
+              <a:rPr lang="en-US" sz="1000" dirty="0" smtClean="0">
+                <a:latin typeface="Courier New" pitchFamily="49" charset="0"/>
+                <a:cs typeface="Courier New" pitchFamily="49" charset="0"/>
+              </a:rPr>
+              <a:t>(</a:t>
+            </a:r>
+            <a:r>
+              <a:rPr lang="en-US" sz="1000" dirty="0" err="1" smtClean="0">
+                <a:latin typeface="Courier New" pitchFamily="49" charset="0"/>
+                <a:cs typeface="Courier New" pitchFamily="49" charset="0"/>
+              </a:rPr>
+              <a:t>PutInitOutcomeMsg</a:t>
+            </a:r>
+            <a:r>
+              <a:rPr lang="en-US" sz="1000" dirty="0" smtClean="0">
                 <a:latin typeface="Courier New" pitchFamily="49" charset="0"/>
                 <a:cs typeface="Courier New" pitchFamily="49" charset="0"/>
               </a:rPr>
               <a:t>)</a:t>
             </a:r>
-          </a:p>
-          <a:p>
-            <a:r>
-              <a:rPr lang="en-US" sz="1000" err="1" smtClean="0">
-                <a:latin typeface="Courier New" pitchFamily="49" charset="0"/>
-                <a:cs typeface="Courier New" pitchFamily="49" charset="0"/>
-              </a:rPr>
-              <a:t>getBlocking</a:t>
-            </a:r>
-            <a:r>
-              <a:rPr lang="en-US" sz="1000" smtClean="0">
-                <a:latin typeface="Courier New" pitchFamily="49" charset="0"/>
-                <a:cs typeface="Courier New" pitchFamily="49" charset="0"/>
-              </a:rPr>
-              <a:t>(</a:t>
-            </a:r>
-            <a:r>
-              <a:rPr lang="en-US" sz="1000" err="1" smtClean="0">
-                <a:latin typeface="Courier New" pitchFamily="49" charset="0"/>
-                <a:cs typeface="Courier New" pitchFamily="49" charset="0"/>
-              </a:rPr>
-              <a:t>msg</a:t>
-            </a:r>
-            <a:r>
-              <a:rPr lang="en-US" sz="1000" smtClean="0">
-                <a:latin typeface="Courier New" pitchFamily="49" charset="0"/>
-                <a:cs typeface="Courier New" pitchFamily="49" charset="0"/>
-              </a:rPr>
-              <a:t>)</a:t>
-            </a:r>
-          </a:p>
-          <a:p>
-            <a:r>
-              <a:rPr lang="en-US" sz="1000" smtClean="0">
-                <a:latin typeface="Courier New" pitchFamily="49" charset="0"/>
-                <a:cs typeface="Courier New" pitchFamily="49" charset="0"/>
-              </a:rPr>
-              <a:t>close</a:t>
-            </a:r>
-            <a:endParaRPr lang="en-US" sz="1000">
+            <a:endParaRPr lang="en-US" sz="1000" dirty="0" smtClean="0">
               <a:latin typeface="Courier New" pitchFamily="49" charset="0"/>
               <a:cs typeface="Courier New" pitchFamily="49" charset="0"/>
             </a:endParaRPr>
           </a:p>
-        </p:txBody>
-      </p:sp>
-      <p:sp>
-        <p:nvSpPr>
-          <p:cNvPr id="48" name="TextBox 47"/>
-          <p:cNvSpPr txBox="1"/>
-          <p:nvPr/>
-        </p:nvSpPr>
-        <p:spPr>
-          <a:xfrm>
-            <a:off x="1794088" y="2187211"/>
-            <a:ext cx="1723549" cy="400110"/>
-          </a:xfrm>
-          <a:prstGeom prst="rect">
-            <a:avLst/>
-          </a:prstGeom>
-          <a:noFill/>
-        </p:spPr>
-        <p:txBody>
-          <a:bodyPr wrap="none" rtlCol="0">
-            <a:spAutoFit/>
-          </a:bodyPr>
-          <a:lstStyle/>
-          <a:p>
-            <a:r>
-              <a:rPr lang="en-US" sz="1000" smtClean="0">
-                <a:latin typeface="Courier New" pitchFamily="49" charset="0"/>
-                <a:cs typeface="Courier New" pitchFamily="49" charset="0"/>
-              </a:rPr>
-              <a:t>init(localhost,1235)</a:t>
-            </a:r>
-            <a:endParaRPr lang="en-US" sz="1000" smtClean="0">
+          <a:p>
+            <a:r>
+              <a:rPr lang="en-US" sz="1000" dirty="0" smtClean="0">
+                <a:latin typeface="Courier New" pitchFamily="49" charset="0"/>
+                <a:cs typeface="Courier New" pitchFamily="49" charset="0"/>
+              </a:rPr>
+              <a:t>put(</a:t>
+            </a:r>
+            <a:r>
+              <a:rPr lang="en-US" sz="1000" dirty="0" err="1" smtClean="0">
+                <a:latin typeface="Courier New" pitchFamily="49" charset="0"/>
+                <a:cs typeface="Courier New" pitchFamily="49" charset="0"/>
+              </a:rPr>
+              <a:t>msg</a:t>
+            </a:r>
+            <a:r>
+              <a:rPr lang="en-US" sz="1000" dirty="0" smtClean="0">
+                <a:latin typeface="Courier New" pitchFamily="49" charset="0"/>
+                <a:cs typeface="Courier New" pitchFamily="49" charset="0"/>
+              </a:rPr>
+              <a:t>)</a:t>
+            </a:r>
+          </a:p>
+          <a:p>
+            <a:r>
+              <a:rPr lang="en-US" sz="1000" dirty="0" err="1" smtClean="0">
+                <a:latin typeface="Courier New" pitchFamily="49" charset="0"/>
+                <a:cs typeface="Courier New" pitchFamily="49" charset="0"/>
+              </a:rPr>
+              <a:t>getBlocking</a:t>
+            </a:r>
+            <a:r>
+              <a:rPr lang="en-US" sz="1000" dirty="0" smtClean="0">
+                <a:latin typeface="Courier New" pitchFamily="49" charset="0"/>
+                <a:cs typeface="Courier New" pitchFamily="49" charset="0"/>
+              </a:rPr>
+              <a:t>(</a:t>
+            </a:r>
+            <a:r>
+              <a:rPr lang="en-US" sz="1000" dirty="0" err="1" smtClean="0">
+                <a:latin typeface="Courier New" pitchFamily="49" charset="0"/>
+                <a:cs typeface="Courier New" pitchFamily="49" charset="0"/>
+              </a:rPr>
+              <a:t>msg</a:t>
+            </a:r>
+            <a:r>
+              <a:rPr lang="en-US" sz="1000" dirty="0" smtClean="0">
+                <a:latin typeface="Courier New" pitchFamily="49" charset="0"/>
+                <a:cs typeface="Courier New" pitchFamily="49" charset="0"/>
+              </a:rPr>
+              <a:t>)</a:t>
+            </a:r>
+          </a:p>
+          <a:p>
+            <a:r>
+              <a:rPr lang="en-US" sz="1000" dirty="0" smtClean="0">
+                <a:latin typeface="Courier New" pitchFamily="49" charset="0"/>
+                <a:cs typeface="Courier New" pitchFamily="49" charset="0"/>
+              </a:rPr>
+              <a:t>close</a:t>
+            </a:r>
+            <a:endParaRPr lang="en-US" sz="1000" dirty="0">
               <a:latin typeface="Courier New" pitchFamily="49" charset="0"/>
               <a:cs typeface="Courier New" pitchFamily="49" charset="0"/>
             </a:endParaRPr>
           </a:p>
-          <a:p>
-            <a:r>
-              <a:rPr lang="en-US" sz="1000" err="1" smtClean="0">
+        </p:txBody>
+      </p:sp>
+      <p:sp>
+        <p:nvSpPr>
+          <p:cNvPr id="48" name="TextBox 47"/>
+          <p:cNvSpPr txBox="1"/>
+          <p:nvPr/>
+        </p:nvSpPr>
+        <p:spPr>
+          <a:xfrm>
+            <a:off x="2052272" y="1918269"/>
+            <a:ext cx="3416320" cy="400110"/>
+          </a:xfrm>
+          <a:prstGeom prst="rect">
+            <a:avLst/>
+          </a:prstGeom>
+          <a:noFill/>
+        </p:spPr>
+        <p:txBody>
+          <a:bodyPr wrap="none" rtlCol="0">
+            <a:spAutoFit/>
+          </a:bodyPr>
+          <a:lstStyle/>
+          <a:p>
+            <a:r>
+              <a:rPr lang="en-US" sz="1000" dirty="0" smtClean="0">
+                <a:latin typeface="Courier New" pitchFamily="49" charset="0"/>
+                <a:cs typeface="Courier New" pitchFamily="49" charset="0"/>
+              </a:rPr>
+              <a:t>init(name</a:t>
+            </a:r>
+            <a:r>
+              <a:rPr lang="en-US" sz="1000" dirty="0" smtClean="0">
+                <a:latin typeface="Courier New" pitchFamily="49" charset="0"/>
+                <a:cs typeface="Courier New" pitchFamily="49" charset="0"/>
+              </a:rPr>
+              <a:t>,’localhost’,1235,</a:t>
+            </a:r>
+            <a:r>
+              <a:rPr lang="en-US" sz="1000" dirty="0" smtClean="0">
+                <a:solidFill>
+                  <a:srgbClr val="FF0000"/>
+                </a:solidFill>
+                <a:latin typeface="Courier New" pitchFamily="49" charset="0"/>
+                <a:cs typeface="Courier New" pitchFamily="49" charset="0"/>
+              </a:rPr>
+              <a:t>inQuList</a:t>
+            </a:r>
+            <a:r>
+              <a:rPr lang="en-US" sz="1000" dirty="0" smtClean="0">
+                <a:latin typeface="Courier New" pitchFamily="49" charset="0"/>
+                <a:cs typeface="Courier New" pitchFamily="49" charset="0"/>
+              </a:rPr>
+              <a:t>,outQu</a:t>
+            </a:r>
+            <a:r>
+              <a:rPr lang="en-US" sz="1000" dirty="0" smtClean="0">
+                <a:latin typeface="Courier New" pitchFamily="49" charset="0"/>
+                <a:cs typeface="Courier New" pitchFamily="49" charset="0"/>
+              </a:rPr>
+              <a:t>)</a:t>
+            </a:r>
+            <a:endParaRPr lang="en-US" sz="1000" dirty="0" smtClean="0">
+              <a:latin typeface="Courier New" pitchFamily="49" charset="0"/>
+              <a:cs typeface="Courier New" pitchFamily="49" charset="0"/>
+            </a:endParaRPr>
+          </a:p>
+          <a:p>
+            <a:r>
+              <a:rPr lang="en-US" sz="1000" dirty="0" err="1" smtClean="0">
                 <a:latin typeface="Courier New" pitchFamily="49" charset="0"/>
                 <a:cs typeface="Courier New" pitchFamily="49" charset="0"/>
               </a:rPr>
               <a:t>startPumps</a:t>
             </a:r>
-            <a:r>
-              <a:rPr lang="en-US" sz="1000" smtClean="0">
-                <a:latin typeface="Courier New" pitchFamily="49" charset="0"/>
-                <a:cs typeface="Courier New" pitchFamily="49" charset="0"/>
-              </a:rPr>
-              <a:t>(</a:t>
-            </a:r>
-            <a:r>
-              <a:rPr lang="en-US" sz="1000" err="1" smtClean="0">
-                <a:latin typeface="Courier New" pitchFamily="49" charset="0"/>
-                <a:cs typeface="Courier New" pitchFamily="49" charset="0"/>
-              </a:rPr>
-              <a:t>outQu</a:t>
-            </a:r>
-            <a:r>
-              <a:rPr lang="en-US" sz="1000" smtClean="0">
-                <a:latin typeface="Courier New" pitchFamily="49" charset="0"/>
-                <a:cs typeface="Courier New" pitchFamily="49" charset="0"/>
-              </a:rPr>
-              <a:t>)</a:t>
-            </a:r>
+            <a:endParaRPr lang="en-US" sz="1000" dirty="0" smtClean="0">
+              <a:latin typeface="Courier New" pitchFamily="49" charset="0"/>
+              <a:cs typeface="Courier New" pitchFamily="49" charset="0"/>
+            </a:endParaRPr>
           </a:p>
         </p:txBody>
       </p:sp>
@@ -12309,7 +12378,7 @@
           <a:lstStyle/>
           <a:p>
             <a:r>
-              <a:rPr lang="en-US" sz="1000" smtClean="0">
+              <a:rPr lang="en-US" sz="1000" dirty="0" smtClean="0">
                 <a:latin typeface="Courier New" pitchFamily="49" charset="0"/>
                 <a:cs typeface="Courier New" pitchFamily="49" charset="0"/>
               </a:rPr>
@@ -12326,8 +12395,8 @@
         </p:nvSpPr>
         <p:spPr>
           <a:xfrm>
-            <a:off x="326181" y="2353831"/>
-            <a:ext cx="1492716" cy="400110"/>
+            <a:off x="0" y="2300043"/>
+            <a:ext cx="2569934" cy="400110"/>
           </a:xfrm>
           <a:prstGeom prst="rect">
             <a:avLst/>
@@ -12341,30 +12410,51 @@
           <a:lstStyle/>
           <a:p>
             <a:r>
-              <a:rPr lang="en-US" sz="1000" smtClean="0">
+              <a:rPr lang="en-US" sz="1000" dirty="0" smtClean="0">
                 <a:latin typeface="Courier New" pitchFamily="49" charset="0"/>
                 <a:cs typeface="Courier New" pitchFamily="49" charset="0"/>
               </a:rPr>
               <a:t>create(</a:t>
             </a:r>
             <a:r>
-              <a:rPr lang="en-US" sz="1000" err="1" smtClean="0">
-                <a:latin typeface="Courier New" pitchFamily="49" charset="0"/>
-                <a:cs typeface="Courier New" pitchFamily="49" charset="0"/>
-              </a:rPr>
-              <a:t>outQu</a:t>
-            </a:r>
-            <a:r>
-              <a:rPr lang="en-US" sz="1000" smtClean="0">
+              <a:rPr lang="en-US" sz="1000" dirty="0" err="1" smtClean="0">
+                <a:latin typeface="Courier New" pitchFamily="49" charset="0"/>
+                <a:cs typeface="Courier New" pitchFamily="49" charset="0"/>
+              </a:rPr>
+              <a:t>name,</a:t>
+            </a:r>
+            <a:r>
+              <a:rPr lang="en-US" sz="1000" dirty="0" err="1" smtClean="0">
+                <a:solidFill>
+                  <a:srgbClr val="FF0000"/>
+                </a:solidFill>
+                <a:latin typeface="Courier New" pitchFamily="49" charset="0"/>
+                <a:cs typeface="Courier New" pitchFamily="49" charset="0"/>
+              </a:rPr>
+              <a:t>inQu,inQuNum</a:t>
+            </a:r>
+            <a:r>
+              <a:rPr lang="en-US" sz="1000" dirty="0" err="1" smtClean="0">
+                <a:latin typeface="Courier New" pitchFamily="49" charset="0"/>
+                <a:cs typeface="Courier New" pitchFamily="49" charset="0"/>
+              </a:rPr>
+              <a:t>,outQu</a:t>
+            </a:r>
+            <a:r>
+              <a:rPr lang="en-US" sz="1000" dirty="0" smtClean="0">
                 <a:latin typeface="Courier New" pitchFamily="49" charset="0"/>
                 <a:cs typeface="Courier New" pitchFamily="49" charset="0"/>
               </a:rPr>
               <a:t>)</a:t>
             </a:r>
-          </a:p>
-          <a:p>
-            <a:r>
-              <a:rPr lang="en-US" sz="1000" smtClean="0">
+            <a:endParaRPr lang="en-US" sz="1000" dirty="0" smtClean="0">
+              <a:latin typeface="Courier New" pitchFamily="49" charset="0"/>
+              <a:cs typeface="Courier New" pitchFamily="49" charset="0"/>
+            </a:endParaRPr>
+          </a:p>
+          <a:p>
+            <a:r>
+              <a:rPr lang="en-US" sz="1000" dirty="0" smtClean="0">
                 <a:latin typeface="Courier New" pitchFamily="49" charset="0"/>
                 <a:cs typeface="Courier New" pitchFamily="49" charset="0"/>
               </a:rPr>
@@ -12567,7 +12657,7 @@
         </p:nvSpPr>
         <p:spPr>
           <a:xfrm>
-            <a:off x="6643591" y="1709251"/>
+            <a:off x="6837229" y="1268188"/>
             <a:ext cx="492443" cy="246221"/>
           </a:xfrm>
           <a:prstGeom prst="rect">
@@ -12613,7 +12703,7 @@
         </p:nvSpPr>
         <p:spPr>
           <a:xfrm>
-            <a:off x="5334000" y="1727660"/>
+            <a:off x="5570668" y="1297354"/>
             <a:ext cx="569387" cy="246221"/>
           </a:xfrm>
           <a:prstGeom prst="rect">
@@ -12753,8 +12843,8 @@
         </p:nvSpPr>
         <p:spPr>
           <a:xfrm>
-            <a:off x="6850997" y="2164120"/>
-            <a:ext cx="1723549" cy="400110"/>
+            <a:off x="5727680" y="1755329"/>
+            <a:ext cx="3416320" cy="400110"/>
           </a:xfrm>
           <a:prstGeom prst="rect">
             <a:avLst/>
@@ -12768,21 +12858,42 @@
           <a:lstStyle/>
           <a:p>
             <a:r>
-              <a:rPr lang="en-US" sz="1000" smtClean="0">
-                <a:latin typeface="Courier New" pitchFamily="49" charset="0"/>
-                <a:cs typeface="Courier New" pitchFamily="49" charset="0"/>
-              </a:rPr>
-              <a:t>init(localhost,1235)</a:t>
-            </a:r>
-          </a:p>
-          <a:p>
-            <a:r>
-              <a:rPr lang="en-US" sz="1000" smtClean="0">
-                <a:latin typeface="Courier New" pitchFamily="49" charset="0"/>
-                <a:cs typeface="Courier New" pitchFamily="49" charset="0"/>
-              </a:rPr>
-              <a:t>startPumps(outQu)</a:t>
-            </a:r>
+              <a:rPr lang="en-US" sz="1000" dirty="0" smtClean="0">
+                <a:latin typeface="Courier New" pitchFamily="49" charset="0"/>
+                <a:cs typeface="Courier New" pitchFamily="49" charset="0"/>
+              </a:rPr>
+              <a:t>init(name,’localhost’,1235,</a:t>
+            </a:r>
+            <a:r>
+              <a:rPr lang="en-US" sz="1000" dirty="0" smtClean="0">
+                <a:solidFill>
+                  <a:srgbClr val="FF0000"/>
+                </a:solidFill>
+                <a:latin typeface="Courier New" pitchFamily="49" charset="0"/>
+                <a:cs typeface="Courier New" pitchFamily="49" charset="0"/>
+              </a:rPr>
+              <a:t>inQuList</a:t>
+            </a:r>
+            <a:r>
+              <a:rPr lang="en-US" sz="1000" dirty="0" smtClean="0">
+                <a:latin typeface="Courier New" pitchFamily="49" charset="0"/>
+                <a:cs typeface="Courier New" pitchFamily="49" charset="0"/>
+              </a:rPr>
+              <a:t>,outQu)</a:t>
+            </a:r>
+          </a:p>
+          <a:p>
+            <a:r>
+              <a:rPr lang="en-US" sz="1000" dirty="0" err="1" smtClean="0">
+                <a:latin typeface="Courier New" pitchFamily="49" charset="0"/>
+                <a:cs typeface="Courier New" pitchFamily="49" charset="0"/>
+              </a:rPr>
+              <a:t>startPumps</a:t>
+            </a:r>
+            <a:endParaRPr lang="en-US" sz="1000" dirty="0" smtClean="0">
+              <a:latin typeface="Courier New" pitchFamily="49" charset="0"/>
+              <a:cs typeface="Courier New" pitchFamily="49" charset="0"/>
+            </a:endParaRPr>
           </a:p>
         </p:txBody>
       </p:sp>
@@ -12869,8 +12980,8 @@
         </p:nvCxnSpPr>
         <p:spPr>
           <a:xfrm flipH="1">
-            <a:off x="5903387" y="1832362"/>
-            <a:ext cx="740204" cy="18409"/>
+            <a:off x="6140055" y="1391299"/>
+            <a:ext cx="697174" cy="29166"/>
           </a:xfrm>
           <a:prstGeom prst="straightConnector1">
             <a:avLst/>
@@ -12905,8 +13016,8 @@
         </p:nvCxnSpPr>
         <p:spPr>
           <a:xfrm>
-            <a:off x="6889813" y="1955472"/>
-            <a:ext cx="610804" cy="745707"/>
+            <a:off x="7083451" y="1514409"/>
+            <a:ext cx="417166" cy="1186770"/>
           </a:xfrm>
           <a:prstGeom prst="straightConnector1">
             <a:avLst/>
@@ -12941,8 +13052,8 @@
         </p:nvCxnSpPr>
         <p:spPr>
           <a:xfrm flipH="1">
-            <a:off x="5842933" y="1955472"/>
-            <a:ext cx="1046880" cy="700506"/>
+            <a:off x="5842933" y="1514409"/>
+            <a:ext cx="1240518" cy="1141569"/>
           </a:xfrm>
           <a:prstGeom prst="straightConnector1">
             <a:avLst/>
@@ -13010,7 +13121,7 @@
         </p:nvSpPr>
         <p:spPr>
           <a:xfrm>
-            <a:off x="5974217" y="1653578"/>
+            <a:off x="6146339" y="1126452"/>
             <a:ext cx="646331" cy="246221"/>
           </a:xfrm>
           <a:prstGeom prst="rect">
@@ -13025,7 +13136,7 @@
           <a:lstStyle/>
           <a:p>
             <a:r>
-              <a:rPr lang="en-US" sz="1000" smtClean="0">
+              <a:rPr lang="en-US" sz="1000" dirty="0" smtClean="0">
                 <a:latin typeface="Courier New" pitchFamily="49" charset="0"/>
                 <a:cs typeface="Courier New" pitchFamily="49" charset="0"/>
               </a:rPr>
@@ -13042,8 +13153,8 @@
         </p:nvSpPr>
         <p:spPr>
           <a:xfrm>
-            <a:off x="5099498" y="2111496"/>
-            <a:ext cx="1492716" cy="246221"/>
+            <a:off x="4217371" y="2305134"/>
+            <a:ext cx="2492990" cy="246221"/>
           </a:xfrm>
           <a:prstGeom prst="rect">
             <a:avLst/>
@@ -13057,12 +13168,47 @@
           <a:lstStyle/>
           <a:p>
             <a:r>
-              <a:rPr lang="en-US" sz="1000" smtClean="0">
-                <a:latin typeface="Courier New" pitchFamily="49" charset="0"/>
-                <a:cs typeface="Courier New" pitchFamily="49" charset="0"/>
-              </a:rPr>
-              <a:t>start(name,outQu)</a:t>
-            </a:r>
+              <a:rPr lang="en-US" sz="1000" dirty="0" smtClean="0">
+                <a:latin typeface="Courier New" pitchFamily="49" charset="0"/>
+                <a:cs typeface="Courier New" pitchFamily="49" charset="0"/>
+              </a:rPr>
+              <a:t>start(</a:t>
+            </a:r>
+            <a:r>
+              <a:rPr lang="en-US" sz="1000" dirty="0" err="1" smtClean="0">
+                <a:latin typeface="Courier New" pitchFamily="49" charset="0"/>
+                <a:cs typeface="Courier New" pitchFamily="49" charset="0"/>
+              </a:rPr>
+              <a:t>name,</a:t>
+            </a:r>
+            <a:r>
+              <a:rPr lang="en-US" sz="1000" dirty="0" err="1" smtClean="0">
+                <a:solidFill>
+                  <a:srgbClr val="FF0000"/>
+                </a:solidFill>
+                <a:latin typeface="Courier New" pitchFamily="49" charset="0"/>
+                <a:cs typeface="Courier New" pitchFamily="49" charset="0"/>
+              </a:rPr>
+              <a:t>inQu,inQuNum</a:t>
+            </a:r>
+            <a:r>
+              <a:rPr lang="en-US" sz="1000" dirty="0" err="1" smtClean="0">
+                <a:latin typeface="Courier New" pitchFamily="49" charset="0"/>
+                <a:cs typeface="Courier New" pitchFamily="49" charset="0"/>
+              </a:rPr>
+              <a:t>,outQu</a:t>
+            </a:r>
+            <a:r>
+              <a:rPr lang="en-US" sz="1000" dirty="0" smtClean="0">
+                <a:latin typeface="Courier New" pitchFamily="49" charset="0"/>
+                <a:cs typeface="Courier New" pitchFamily="49" charset="0"/>
+              </a:rPr>
+              <a:t>)</a:t>
+            </a:r>
+            <a:endParaRPr lang="en-US" sz="1000" dirty="0" smtClean="0">
+              <a:latin typeface="Courier New" pitchFamily="49" charset="0"/>
+              <a:cs typeface="Courier New" pitchFamily="49" charset="0"/>
+            </a:endParaRPr>
           </a:p>
         </p:txBody>
       </p:sp>
@@ -13089,43 +13235,120 @@
           <a:lstStyle/>
           <a:p>
             <a:r>
-              <a:rPr lang="en-US" sz="1000" smtClean="0">
-                <a:latin typeface="Courier New" pitchFamily="49" charset="0"/>
-                <a:cs typeface="Courier New" pitchFamily="49" charset="0"/>
-              </a:rPr>
-              <a:t>create(name,outQu)</a:t>
-            </a:r>
-          </a:p>
-          <a:p>
-            <a:r>
-              <a:rPr lang="en-US" sz="1000" smtClean="0">
-                <a:latin typeface="Courier New" pitchFamily="49" charset="0"/>
-                <a:cs typeface="Courier New" pitchFamily="49" charset="0"/>
-              </a:rPr>
-              <a:t>addInterest(PutTrainStateMsg)</a:t>
-            </a:r>
-          </a:p>
-          <a:p>
-            <a:r>
-              <a:rPr lang="en-US" sz="1000" smtClean="0">
-                <a:latin typeface="Courier New" pitchFamily="49" charset="0"/>
-                <a:cs typeface="Courier New" pitchFamily="49" charset="0"/>
-              </a:rPr>
-              <a:t>addInterest(PutTrainPositionMsg)</a:t>
-            </a:r>
-          </a:p>
-          <a:p>
-            <a:r>
-              <a:rPr lang="en-US" sz="1000" smtClean="0">
+              <a:rPr lang="en-US" sz="1000" dirty="0" smtClean="0">
+                <a:latin typeface="Courier New" pitchFamily="49" charset="0"/>
+                <a:cs typeface="Courier New" pitchFamily="49" charset="0"/>
+              </a:rPr>
+              <a:t>create(</a:t>
+            </a:r>
+            <a:r>
+              <a:rPr lang="en-US" sz="1000" dirty="0" err="1" smtClean="0">
+                <a:latin typeface="Courier New" pitchFamily="49" charset="0"/>
+                <a:cs typeface="Courier New" pitchFamily="49" charset="0"/>
+              </a:rPr>
+              <a:t>name,</a:t>
+            </a:r>
+            <a:r>
+              <a:rPr lang="en-US" sz="1000" dirty="0" err="1" smtClean="0">
+                <a:solidFill>
+                  <a:srgbClr val="FF0000"/>
+                </a:solidFill>
+                <a:latin typeface="Courier New" pitchFamily="49" charset="0"/>
+                <a:cs typeface="Courier New" pitchFamily="49" charset="0"/>
+              </a:rPr>
+              <a:t>inQu,inQuNum</a:t>
+            </a:r>
+            <a:r>
+              <a:rPr lang="en-US" sz="1000" dirty="0" err="1" smtClean="0">
+                <a:latin typeface="Courier New" pitchFamily="49" charset="0"/>
+                <a:cs typeface="Courier New" pitchFamily="49" charset="0"/>
+              </a:rPr>
+              <a:t>,outQu</a:t>
+            </a:r>
+            <a:r>
+              <a:rPr lang="en-US" sz="1000" dirty="0" smtClean="0">
+                <a:latin typeface="Courier New" pitchFamily="49" charset="0"/>
+                <a:cs typeface="Courier New" pitchFamily="49" charset="0"/>
+              </a:rPr>
+              <a:t>)</a:t>
+            </a:r>
+          </a:p>
+          <a:p>
+            <a:r>
+              <a:rPr lang="en-US" sz="1000" dirty="0" err="1" smtClean="0">
+                <a:latin typeface="Courier New" pitchFamily="49" charset="0"/>
+                <a:cs typeface="Courier New" pitchFamily="49" charset="0"/>
+              </a:rPr>
+              <a:t>addInterest</a:t>
+            </a:r>
+            <a:r>
+              <a:rPr lang="en-US" sz="1000" dirty="0" smtClean="0">
+                <a:latin typeface="Courier New" pitchFamily="49" charset="0"/>
+                <a:cs typeface="Courier New" pitchFamily="49" charset="0"/>
+              </a:rPr>
+              <a:t>(</a:t>
+            </a:r>
+            <a:r>
+              <a:rPr lang="en-US" sz="1000" dirty="0" err="1" smtClean="0">
+                <a:latin typeface="Courier New" pitchFamily="49" charset="0"/>
+                <a:cs typeface="Courier New" pitchFamily="49" charset="0"/>
+              </a:rPr>
+              <a:t>PutTrainStateMsg</a:t>
+            </a:r>
+            <a:r>
+              <a:rPr lang="en-US" sz="1000" dirty="0" smtClean="0">
+                <a:latin typeface="Courier New" pitchFamily="49" charset="0"/>
+                <a:cs typeface="Courier New" pitchFamily="49" charset="0"/>
+              </a:rPr>
+              <a:t>)</a:t>
+            </a:r>
+          </a:p>
+          <a:p>
+            <a:r>
+              <a:rPr lang="en-US" sz="1000" dirty="0" err="1" smtClean="0">
+                <a:latin typeface="Courier New" pitchFamily="49" charset="0"/>
+                <a:cs typeface="Courier New" pitchFamily="49" charset="0"/>
+              </a:rPr>
+              <a:t>addInterest</a:t>
+            </a:r>
+            <a:r>
+              <a:rPr lang="en-US" sz="1000" dirty="0" smtClean="0">
+                <a:latin typeface="Courier New" pitchFamily="49" charset="0"/>
+                <a:cs typeface="Courier New" pitchFamily="49" charset="0"/>
+              </a:rPr>
+              <a:t>(</a:t>
+            </a:r>
+            <a:r>
+              <a:rPr lang="en-US" sz="1000" dirty="0" err="1" smtClean="0">
+                <a:latin typeface="Courier New" pitchFamily="49" charset="0"/>
+                <a:cs typeface="Courier New" pitchFamily="49" charset="0"/>
+              </a:rPr>
+              <a:t>PutTrainPositionMsg</a:t>
+            </a:r>
+            <a:r>
+              <a:rPr lang="en-US" sz="1000" dirty="0" smtClean="0">
+                <a:latin typeface="Courier New" pitchFamily="49" charset="0"/>
+                <a:cs typeface="Courier New" pitchFamily="49" charset="0"/>
+              </a:rPr>
+              <a:t>)</a:t>
+            </a:r>
+          </a:p>
+          <a:p>
+            <a:r>
+              <a:rPr lang="en-US" sz="1000" dirty="0" err="1" smtClean="0">
                 <a:latin typeface="Courier New" pitchFamily="49" charset="0"/>
                 <a:cs typeface="Courier New" pitchFamily="49" charset="0"/>
               </a:rPr>
               <a:t>getNonblocking:msg</a:t>
             </a:r>
-          </a:p>
-          <a:p>
-            <a:r>
-              <a:rPr lang="en-US" sz="1000" smtClean="0">
+            <a:endParaRPr lang="en-US" sz="1000" dirty="0" smtClean="0">
+              <a:latin typeface="Courier New" pitchFamily="49" charset="0"/>
+              <a:cs typeface="Courier New" pitchFamily="49" charset="0"/>
+            </a:endParaRPr>
+          </a:p>
+          <a:p>
+            <a:r>
+              <a:rPr lang="en-US" sz="1000" dirty="0" smtClean="0">
                 <a:latin typeface="Courier New" pitchFamily="49" charset="0"/>
                 <a:cs typeface="Courier New" pitchFamily="49" charset="0"/>
               </a:rPr>
@@ -13180,7 +13403,7 @@
         </p:nvSpPr>
         <p:spPr>
           <a:xfrm>
-            <a:off x="2991591" y="355002"/>
+            <a:off x="280664" y="172122"/>
             <a:ext cx="2423741" cy="553998"/>
           </a:xfrm>
           <a:prstGeom prst="rect">
@@ -13196,7 +13419,7 @@
           <a:p>
             <a:pPr algn="ctr"/>
             <a:r>
-              <a:rPr lang="en-US" smtClean="0">
+              <a:rPr lang="en-US" dirty="0" smtClean="0">
                 <a:solidFill>
                   <a:schemeClr val="accent6">
                     <a:lumMod val="75000"/>
@@ -13209,7 +13432,7 @@
           <a:p>
             <a:pPr algn="ctr"/>
             <a:r>
-              <a:rPr lang="en-US" sz="1200" smtClean="0">
+              <a:rPr lang="en-US" sz="1200" dirty="0" smtClean="0">
                 <a:solidFill>
                   <a:schemeClr val="accent6">
                     <a:lumMod val="75000"/>
@@ -13219,7 +13442,7 @@
               <a:t>How use a Throttle and </a:t>
             </a:r>
             <a:r>
-              <a:rPr lang="en-US" sz="1200" err="1" smtClean="0">
+              <a:rPr lang="en-US" sz="1200" dirty="0" err="1" smtClean="0">
                 <a:solidFill>
                   <a:schemeClr val="accent6">
                     <a:lumMod val="75000"/>
@@ -13228,7 +13451,7 @@
               </a:rPr>
               <a:t>GuiThrottle</a:t>
             </a:r>
-            <a:endParaRPr lang="en-US" sz="1200">
+            <a:endParaRPr lang="en-US" sz="1200" dirty="0">
               <a:solidFill>
                 <a:schemeClr val="accent6">
                   <a:lumMod val="75000"/>
@@ -13410,7 +13633,7 @@
           <a:p>
             <a:pPr algn="ctr"/>
             <a:r>
-              <a:rPr lang="en-US" sz="1200" smtClean="0">
+              <a:rPr lang="en-US" sz="1200" dirty="0" smtClean="0">
                 <a:solidFill>
                   <a:schemeClr val="accent6">
                     <a:lumMod val="75000"/>
@@ -13419,7 +13642,7 @@
               </a:rPr>
               <a:t>Throttle_Test.py</a:t>
             </a:r>
-            <a:endParaRPr lang="en-US" sz="1200">
+            <a:endParaRPr lang="en-US" sz="1200" dirty="0">
               <a:solidFill>
                 <a:schemeClr val="accent6">
                   <a:lumMod val="75000"/>
@@ -13481,6 +13704,627 @@
                 </a:lnTo>
                 <a:lnTo>
                   <a:pt x="2786231" y="3560781"/>
+                </a:lnTo>
+              </a:path>
+            </a:pathLst>
+          </a:custGeom>
+        </p:spPr>
+        <p:style>
+          <a:lnRef idx="2">
+            <a:schemeClr val="accent6"/>
+          </a:lnRef>
+          <a:fillRef idx="0">
+            <a:schemeClr val="accent6"/>
+          </a:fillRef>
+          <a:effectRef idx="1">
+            <a:schemeClr val="accent6"/>
+          </a:effectRef>
+          <a:fontRef idx="minor">
+            <a:schemeClr val="tx1"/>
+          </a:fontRef>
+        </p:style>
+        <p:txBody>
+          <a:bodyPr rtlCol="0" anchor="ctr"/>
+          <a:lstStyle/>
+          <a:p>
+            <a:pPr algn="ctr"/>
+            <a:endParaRPr lang="en-US"/>
+          </a:p>
+        </p:txBody>
+      </p:sp>
+      <p:sp>
+        <p:nvSpPr>
+          <p:cNvPr id="54" name="TextBox 53"/>
+          <p:cNvSpPr txBox="1"/>
+          <p:nvPr/>
+        </p:nvSpPr>
+        <p:spPr>
+          <a:xfrm>
+            <a:off x="2344351" y="1160874"/>
+            <a:ext cx="492443" cy="246221"/>
+          </a:xfrm>
+          <a:prstGeom prst="rect">
+            <a:avLst/>
+          </a:prstGeom>
+          <a:ln/>
+        </p:spPr>
+        <p:style>
+          <a:lnRef idx="2">
+            <a:schemeClr val="accent3">
+              <a:shade val="50000"/>
+            </a:schemeClr>
+          </a:lnRef>
+          <a:fillRef idx="1">
+            <a:schemeClr val="accent3"/>
+          </a:fillRef>
+          <a:effectRef idx="0">
+            <a:schemeClr val="accent3"/>
+          </a:effectRef>
+          <a:fontRef idx="minor">
+            <a:schemeClr val="lt1"/>
+          </a:fontRef>
+        </p:style>
+        <p:txBody>
+          <a:bodyPr wrap="none" rtlCol="0">
+            <a:spAutoFit/>
+          </a:bodyPr>
+          <a:lstStyle/>
+          <a:p>
+            <a:r>
+              <a:rPr lang="en-US" sz="1000" dirty="0" err="1" smtClean="0">
+                <a:latin typeface="Courier New" pitchFamily="49" charset="0"/>
+                <a:cs typeface="Courier New" pitchFamily="49" charset="0"/>
+              </a:rPr>
+              <a:t>in</a:t>
+            </a:r>
+            <a:r>
+              <a:rPr lang="en-US" sz="1000" dirty="0" err="1" smtClean="0">
+                <a:latin typeface="Courier New" pitchFamily="49" charset="0"/>
+                <a:cs typeface="Courier New" pitchFamily="49" charset="0"/>
+              </a:rPr>
+              <a:t>Qu</a:t>
+            </a:r>
+            <a:endParaRPr lang="en-US" sz="1000" dirty="0" smtClean="0">
+              <a:latin typeface="Courier New" pitchFamily="49" charset="0"/>
+              <a:cs typeface="Courier New" pitchFamily="49" charset="0"/>
+            </a:endParaRPr>
+          </a:p>
+        </p:txBody>
+      </p:sp>
+      <p:sp>
+        <p:nvSpPr>
+          <p:cNvPr id="56" name="TextBox 55"/>
+          <p:cNvSpPr txBox="1"/>
+          <p:nvPr/>
+        </p:nvSpPr>
+        <p:spPr>
+          <a:xfrm>
+            <a:off x="1704410" y="1355732"/>
+            <a:ext cx="646331" cy="246221"/>
+          </a:xfrm>
+          <a:prstGeom prst="rect">
+            <a:avLst/>
+          </a:prstGeom>
+          <a:noFill/>
+        </p:spPr>
+        <p:txBody>
+          <a:bodyPr wrap="none" rtlCol="0">
+            <a:spAutoFit/>
+          </a:bodyPr>
+          <a:lstStyle/>
+          <a:p>
+            <a:r>
+              <a:rPr lang="en-US" sz="1000" dirty="0" smtClean="0">
+                <a:latin typeface="Courier New" pitchFamily="49" charset="0"/>
+                <a:cs typeface="Courier New" pitchFamily="49" charset="0"/>
+              </a:rPr>
+              <a:t>create</a:t>
+            </a:r>
+          </a:p>
+        </p:txBody>
+      </p:sp>
+      <p:cxnSp>
+        <p:nvCxnSpPr>
+          <p:cNvPr id="58" name="Straight Arrow Connector 57"/>
+          <p:cNvCxnSpPr>
+            <a:stCxn id="2" idx="0"/>
+            <a:endCxn id="54" idx="1"/>
+          </p:cNvCxnSpPr>
+          <p:nvPr/>
+        </p:nvCxnSpPr>
+        <p:spPr>
+          <a:xfrm flipV="1">
+            <a:off x="1832904" y="1283985"/>
+            <a:ext cx="511447" cy="448357"/>
+          </a:xfrm>
+          <a:prstGeom prst="straightConnector1">
+            <a:avLst/>
+          </a:prstGeom>
+          <a:ln>
+            <a:tailEnd type="arrow"/>
+          </a:ln>
+        </p:spPr>
+        <p:style>
+          <a:lnRef idx="1">
+            <a:schemeClr val="accent1"/>
+          </a:lnRef>
+          <a:fillRef idx="0">
+            <a:schemeClr val="accent1"/>
+          </a:fillRef>
+          <a:effectRef idx="0">
+            <a:schemeClr val="accent1"/>
+          </a:effectRef>
+          <a:fontRef idx="minor">
+            <a:schemeClr val="tx1"/>
+          </a:fontRef>
+        </p:style>
+      </p:cxnSp>
+      <p:sp>
+        <p:nvSpPr>
+          <p:cNvPr id="63" name="TextBox 62"/>
+          <p:cNvSpPr txBox="1"/>
+          <p:nvPr/>
+        </p:nvSpPr>
+        <p:spPr>
+          <a:xfrm>
+            <a:off x="3126992" y="1467419"/>
+            <a:ext cx="800219" cy="246221"/>
+          </a:xfrm>
+          <a:prstGeom prst="rect">
+            <a:avLst/>
+          </a:prstGeom>
+          <a:ln/>
+        </p:spPr>
+        <p:style>
+          <a:lnRef idx="1">
+            <a:schemeClr val="accent3"/>
+          </a:lnRef>
+          <a:fillRef idx="2">
+            <a:schemeClr val="accent3"/>
+          </a:fillRef>
+          <a:effectRef idx="1">
+            <a:schemeClr val="accent3"/>
+          </a:effectRef>
+          <a:fontRef idx="minor">
+            <a:schemeClr val="dk1"/>
+          </a:fontRef>
+        </p:style>
+        <p:txBody>
+          <a:bodyPr wrap="none" rtlCol="0">
+            <a:spAutoFit/>
+          </a:bodyPr>
+          <a:lstStyle/>
+          <a:p>
+            <a:r>
+              <a:rPr lang="en-US" sz="1000" dirty="0" err="1" smtClean="0">
+                <a:latin typeface="Courier New" pitchFamily="49" charset="0"/>
+                <a:cs typeface="Courier New" pitchFamily="49" charset="0"/>
+              </a:rPr>
+              <a:t>inQuList</a:t>
+            </a:r>
+            <a:endParaRPr lang="en-US" sz="1000" dirty="0" smtClean="0">
+              <a:latin typeface="Courier New" pitchFamily="49" charset="0"/>
+              <a:cs typeface="Courier New" pitchFamily="49" charset="0"/>
+            </a:endParaRPr>
+          </a:p>
+        </p:txBody>
+      </p:sp>
+      <p:cxnSp>
+        <p:nvCxnSpPr>
+          <p:cNvPr id="70" name="Straight Arrow Connector 69"/>
+          <p:cNvCxnSpPr>
+            <a:stCxn id="2" idx="3"/>
+            <a:endCxn id="63" idx="1"/>
+          </p:cNvCxnSpPr>
+          <p:nvPr/>
+        </p:nvCxnSpPr>
+        <p:spPr>
+          <a:xfrm flipV="1">
+            <a:off x="2079125" y="1590530"/>
+            <a:ext cx="1047867" cy="264923"/>
+          </a:xfrm>
+          <a:prstGeom prst="straightConnector1">
+            <a:avLst/>
+          </a:prstGeom>
+          <a:ln>
+            <a:tailEnd type="arrow"/>
+          </a:ln>
+        </p:spPr>
+        <p:style>
+          <a:lnRef idx="1">
+            <a:schemeClr val="accent1"/>
+          </a:lnRef>
+          <a:fillRef idx="0">
+            <a:schemeClr val="accent1"/>
+          </a:fillRef>
+          <a:effectRef idx="0">
+            <a:schemeClr val="accent1"/>
+          </a:effectRef>
+          <a:fontRef idx="minor">
+            <a:schemeClr val="tx1"/>
+          </a:fontRef>
+        </p:style>
+      </p:cxnSp>
+      <p:sp>
+        <p:nvSpPr>
+          <p:cNvPr id="71" name="TextBox 70"/>
+          <p:cNvSpPr txBox="1"/>
+          <p:nvPr/>
+        </p:nvSpPr>
+        <p:spPr>
+          <a:xfrm>
+            <a:off x="2233338" y="1594193"/>
+            <a:ext cx="646331" cy="246221"/>
+          </a:xfrm>
+          <a:prstGeom prst="rect">
+            <a:avLst/>
+          </a:prstGeom>
+          <a:noFill/>
+        </p:spPr>
+        <p:txBody>
+          <a:bodyPr wrap="none" rtlCol="0">
+            <a:spAutoFit/>
+          </a:bodyPr>
+          <a:lstStyle/>
+          <a:p>
+            <a:r>
+              <a:rPr lang="en-US" sz="1000" dirty="0" smtClean="0">
+                <a:latin typeface="Courier New" pitchFamily="49" charset="0"/>
+                <a:cs typeface="Courier New" pitchFamily="49" charset="0"/>
+              </a:rPr>
+              <a:t>create</a:t>
+            </a:r>
+          </a:p>
+        </p:txBody>
+      </p:sp>
+      <p:sp>
+        <p:nvSpPr>
+          <p:cNvPr id="79" name="TextBox 78"/>
+          <p:cNvSpPr txBox="1"/>
+          <p:nvPr/>
+        </p:nvSpPr>
+        <p:spPr>
+          <a:xfrm>
+            <a:off x="7369965" y="431147"/>
+            <a:ext cx="492443" cy="246221"/>
+          </a:xfrm>
+          <a:prstGeom prst="rect">
+            <a:avLst/>
+          </a:prstGeom>
+          <a:ln/>
+        </p:spPr>
+        <p:style>
+          <a:lnRef idx="2">
+            <a:schemeClr val="accent3">
+              <a:shade val="50000"/>
+            </a:schemeClr>
+          </a:lnRef>
+          <a:fillRef idx="1">
+            <a:schemeClr val="accent3"/>
+          </a:fillRef>
+          <a:effectRef idx="0">
+            <a:schemeClr val="accent3"/>
+          </a:effectRef>
+          <a:fontRef idx="minor">
+            <a:schemeClr val="lt1"/>
+          </a:fontRef>
+        </p:style>
+        <p:txBody>
+          <a:bodyPr wrap="none" rtlCol="0">
+            <a:spAutoFit/>
+          </a:bodyPr>
+          <a:lstStyle/>
+          <a:p>
+            <a:r>
+              <a:rPr lang="en-US" sz="1000" dirty="0" err="1" smtClean="0">
+                <a:latin typeface="Courier New" pitchFamily="49" charset="0"/>
+                <a:cs typeface="Courier New" pitchFamily="49" charset="0"/>
+              </a:rPr>
+              <a:t>in</a:t>
+            </a:r>
+            <a:r>
+              <a:rPr lang="en-US" sz="1000" dirty="0" err="1" smtClean="0">
+                <a:latin typeface="Courier New" pitchFamily="49" charset="0"/>
+                <a:cs typeface="Courier New" pitchFamily="49" charset="0"/>
+              </a:rPr>
+              <a:t>Qu</a:t>
+            </a:r>
+            <a:endParaRPr lang="en-US" sz="1000" dirty="0" smtClean="0">
+              <a:latin typeface="Courier New" pitchFamily="49" charset="0"/>
+              <a:cs typeface="Courier New" pitchFamily="49" charset="0"/>
+            </a:endParaRPr>
+          </a:p>
+        </p:txBody>
+      </p:sp>
+      <p:cxnSp>
+        <p:nvCxnSpPr>
+          <p:cNvPr id="83" name="Straight Arrow Connector 82"/>
+          <p:cNvCxnSpPr>
+            <a:stCxn id="85" idx="0"/>
+            <a:endCxn id="79" idx="2"/>
+          </p:cNvCxnSpPr>
+          <p:nvPr/>
+        </p:nvCxnSpPr>
+        <p:spPr>
+          <a:xfrm flipV="1">
+            <a:off x="7083451" y="677368"/>
+            <a:ext cx="532736" cy="590820"/>
+          </a:xfrm>
+          <a:prstGeom prst="straightConnector1">
+            <a:avLst/>
+          </a:prstGeom>
+          <a:ln>
+            <a:tailEnd type="arrow"/>
+          </a:ln>
+        </p:spPr>
+        <p:style>
+          <a:lnRef idx="1">
+            <a:schemeClr val="accent1"/>
+          </a:lnRef>
+          <a:fillRef idx="0">
+            <a:schemeClr val="accent1"/>
+          </a:fillRef>
+          <a:effectRef idx="0">
+            <a:schemeClr val="accent1"/>
+          </a:effectRef>
+          <a:fontRef idx="minor">
+            <a:schemeClr val="tx1"/>
+          </a:fontRef>
+        </p:style>
+      </p:cxnSp>
+      <p:sp>
+        <p:nvSpPr>
+          <p:cNvPr id="84" name="TextBox 83"/>
+          <p:cNvSpPr txBox="1"/>
+          <p:nvPr/>
+        </p:nvSpPr>
+        <p:spPr>
+          <a:xfrm>
+            <a:off x="8152606" y="737692"/>
+            <a:ext cx="800219" cy="246221"/>
+          </a:xfrm>
+          <a:prstGeom prst="rect">
+            <a:avLst/>
+          </a:prstGeom>
+          <a:ln/>
+        </p:spPr>
+        <p:style>
+          <a:lnRef idx="1">
+            <a:schemeClr val="accent3"/>
+          </a:lnRef>
+          <a:fillRef idx="2">
+            <a:schemeClr val="accent3"/>
+          </a:fillRef>
+          <a:effectRef idx="1">
+            <a:schemeClr val="accent3"/>
+          </a:effectRef>
+          <a:fontRef idx="minor">
+            <a:schemeClr val="dk1"/>
+          </a:fontRef>
+        </p:style>
+        <p:txBody>
+          <a:bodyPr wrap="none" rtlCol="0">
+            <a:spAutoFit/>
+          </a:bodyPr>
+          <a:lstStyle/>
+          <a:p>
+            <a:r>
+              <a:rPr lang="en-US" sz="1000" dirty="0" err="1" smtClean="0">
+                <a:latin typeface="Courier New" pitchFamily="49" charset="0"/>
+                <a:cs typeface="Courier New" pitchFamily="49" charset="0"/>
+              </a:rPr>
+              <a:t>inQuList</a:t>
+            </a:r>
+            <a:endParaRPr lang="en-US" sz="1000" dirty="0" smtClean="0">
+              <a:latin typeface="Courier New" pitchFamily="49" charset="0"/>
+              <a:cs typeface="Courier New" pitchFamily="49" charset="0"/>
+            </a:endParaRPr>
+          </a:p>
+        </p:txBody>
+      </p:sp>
+      <p:sp>
+        <p:nvSpPr>
+          <p:cNvPr id="98" name="TextBox 97"/>
+          <p:cNvSpPr txBox="1"/>
+          <p:nvPr/>
+        </p:nvSpPr>
+        <p:spPr>
+          <a:xfrm>
+            <a:off x="7345013" y="1036588"/>
+            <a:ext cx="646331" cy="246221"/>
+          </a:xfrm>
+          <a:prstGeom prst="rect">
+            <a:avLst/>
+          </a:prstGeom>
+          <a:noFill/>
+        </p:spPr>
+        <p:txBody>
+          <a:bodyPr wrap="none" rtlCol="0">
+            <a:spAutoFit/>
+          </a:bodyPr>
+          <a:lstStyle/>
+          <a:p>
+            <a:r>
+              <a:rPr lang="en-US" sz="1000" dirty="0" smtClean="0">
+                <a:latin typeface="Courier New" pitchFamily="49" charset="0"/>
+                <a:cs typeface="Courier New" pitchFamily="49" charset="0"/>
+              </a:rPr>
+              <a:t>create</a:t>
+            </a:r>
+          </a:p>
+        </p:txBody>
+      </p:sp>
+      <p:sp>
+        <p:nvSpPr>
+          <p:cNvPr id="99" name="TextBox 98"/>
+          <p:cNvSpPr txBox="1"/>
+          <p:nvPr/>
+        </p:nvSpPr>
+        <p:spPr>
+          <a:xfrm>
+            <a:off x="6848358" y="755097"/>
+            <a:ext cx="646331" cy="246221"/>
+          </a:xfrm>
+          <a:prstGeom prst="rect">
+            <a:avLst/>
+          </a:prstGeom>
+          <a:noFill/>
+        </p:spPr>
+        <p:txBody>
+          <a:bodyPr wrap="none" rtlCol="0">
+            <a:spAutoFit/>
+          </a:bodyPr>
+          <a:lstStyle/>
+          <a:p>
+            <a:r>
+              <a:rPr lang="en-US" sz="1000" dirty="0" smtClean="0">
+                <a:latin typeface="Courier New" pitchFamily="49" charset="0"/>
+                <a:cs typeface="Courier New" pitchFamily="49" charset="0"/>
+              </a:rPr>
+              <a:t>create</a:t>
+            </a:r>
+          </a:p>
+        </p:txBody>
+      </p:sp>
+      <p:cxnSp>
+        <p:nvCxnSpPr>
+          <p:cNvPr id="101" name="Straight Arrow Connector 100"/>
+          <p:cNvCxnSpPr>
+            <a:stCxn id="85" idx="3"/>
+            <a:endCxn id="84" idx="1"/>
+          </p:cNvCxnSpPr>
+          <p:nvPr/>
+        </p:nvCxnSpPr>
+        <p:spPr>
+          <a:xfrm flipV="1">
+            <a:off x="7329672" y="860803"/>
+            <a:ext cx="822934" cy="530496"/>
+          </a:xfrm>
+          <a:prstGeom prst="straightConnector1">
+            <a:avLst/>
+          </a:prstGeom>
+          <a:ln>
+            <a:tailEnd type="arrow"/>
+          </a:ln>
+        </p:spPr>
+        <p:style>
+          <a:lnRef idx="1">
+            <a:schemeClr val="accent1"/>
+          </a:lnRef>
+          <a:fillRef idx="0">
+            <a:schemeClr val="accent1"/>
+          </a:fillRef>
+          <a:effectRef idx="0">
+            <a:schemeClr val="accent1"/>
+          </a:effectRef>
+          <a:fontRef idx="minor">
+            <a:schemeClr val="tx1"/>
+          </a:fontRef>
+        </p:style>
+      </p:cxnSp>
+      <p:sp>
+        <p:nvSpPr>
+          <p:cNvPr id="106" name="TextBox 105"/>
+          <p:cNvSpPr txBox="1"/>
+          <p:nvPr/>
+        </p:nvSpPr>
+        <p:spPr>
+          <a:xfrm>
+            <a:off x="5610069" y="326316"/>
+            <a:ext cx="1410964" cy="276999"/>
+          </a:xfrm>
+          <a:prstGeom prst="rect">
+            <a:avLst/>
+          </a:prstGeom>
+          <a:noFill/>
+        </p:spPr>
+        <p:txBody>
+          <a:bodyPr wrap="none" rtlCol="0">
+            <a:spAutoFit/>
+          </a:bodyPr>
+          <a:lstStyle/>
+          <a:p>
+            <a:pPr algn="ctr"/>
+            <a:r>
+              <a:rPr lang="en-US" sz="1200" dirty="0" smtClean="0">
+                <a:solidFill>
+                  <a:schemeClr val="accent6">
+                    <a:lumMod val="75000"/>
+                  </a:schemeClr>
+                </a:solidFill>
+              </a:rPr>
+              <a:t>GuiThrottle_Test.py</a:t>
+            </a:r>
+            <a:endParaRPr lang="en-US" sz="1200" dirty="0">
+              <a:solidFill>
+                <a:schemeClr val="accent6">
+                  <a:lumMod val="75000"/>
+                </a:schemeClr>
+              </a:solidFill>
+            </a:endParaRPr>
+          </a:p>
+        </p:txBody>
+      </p:sp>
+      <p:sp>
+        <p:nvSpPr>
+          <p:cNvPr id="107" name="Freeform 106"/>
+          <p:cNvSpPr/>
+          <p:nvPr/>
+        </p:nvSpPr>
+        <p:spPr>
+          <a:xfrm>
+            <a:off x="4346089" y="3151991"/>
+            <a:ext cx="4485939" cy="2151529"/>
+          </a:xfrm>
+          <a:custGeom>
+            <a:avLst/>
+            <a:gdLst>
+              <a:gd name="connsiteX0" fmla="*/ 0 w 4485939"/>
+              <a:gd name="connsiteY0" fmla="*/ 0 h 2151529"/>
+              <a:gd name="connsiteX1" fmla="*/ 3797450 w 4485939"/>
+              <a:gd name="connsiteY1" fmla="*/ 0 h 2151529"/>
+              <a:gd name="connsiteX2" fmla="*/ 4485939 w 4485939"/>
+              <a:gd name="connsiteY2" fmla="*/ 2151529 h 2151529"/>
+              <a:gd name="connsiteX3" fmla="*/ 4485939 w 4485939"/>
+              <a:gd name="connsiteY3" fmla="*/ 2151529 h 2151529"/>
+              <a:gd name="connsiteX4" fmla="*/ 4485939 w 4485939"/>
+              <a:gd name="connsiteY4" fmla="*/ 2151529 h 2151529"/>
+            </a:gdLst>
+            <a:ahLst/>
+            <a:cxnLst>
+              <a:cxn ang="0">
+                <a:pos x="connsiteX0" y="connsiteY0"/>
+              </a:cxn>
+              <a:cxn ang="0">
+                <a:pos x="connsiteX1" y="connsiteY1"/>
+              </a:cxn>
+              <a:cxn ang="0">
+                <a:pos x="connsiteX2" y="connsiteY2"/>
+              </a:cxn>
+              <a:cxn ang="0">
+                <a:pos x="connsiteX3" y="connsiteY3"/>
+              </a:cxn>
+              <a:cxn ang="0">
+                <a:pos x="connsiteX4" y="connsiteY4"/>
+              </a:cxn>
+            </a:cxnLst>
+            <a:rect l="l" t="t" r="r" b="b"/>
+            <a:pathLst>
+              <a:path w="4485939" h="2151529">
+                <a:moveTo>
+                  <a:pt x="0" y="0"/>
+                </a:moveTo>
+                <a:lnTo>
+                  <a:pt x="3797450" y="0"/>
+                </a:lnTo>
+                <a:lnTo>
+                  <a:pt x="4485939" y="2151529"/>
+                </a:lnTo>
+                <a:lnTo>
+                  <a:pt x="4485939" y="2151529"/>
+                </a:lnTo>
+                <a:lnTo>
+                  <a:pt x="4485939" y="2151529"/>
                 </a:lnTo>
               </a:path>
             </a:pathLst>

--- a/Scripting/ScriptingDocumenation/DesignDiagrams.pptx
+++ b/Scripting/ScriptingDocumenation/DesignDiagrams.pptx
@@ -298,7 +298,7 @@
             <a:fld id="{00F2EA4F-E096-48CD-A1C4-A4124DB919D8}" type="datetimeFigureOut">
               <a:rPr lang="en-US" smtClean="0"/>
               <a:pPr/>
-              <a:t>1/4/2013</a:t>
+              <a:t>4/2/2013</a:t>
             </a:fld>
             <a:endParaRPr lang="en-US"/>
           </a:p>
@@ -465,7 +465,7 @@
             <a:fld id="{00F2EA4F-E096-48CD-A1C4-A4124DB919D8}" type="datetimeFigureOut">
               <a:rPr lang="en-US" smtClean="0"/>
               <a:pPr/>
-              <a:t>1/4/2013</a:t>
+              <a:t>4/2/2013</a:t>
             </a:fld>
             <a:endParaRPr lang="en-US"/>
           </a:p>
@@ -642,7 +642,7 @@
             <a:fld id="{00F2EA4F-E096-48CD-A1C4-A4124DB919D8}" type="datetimeFigureOut">
               <a:rPr lang="en-US" smtClean="0"/>
               <a:pPr/>
-              <a:t>1/4/2013</a:t>
+              <a:t>4/2/2013</a:t>
             </a:fld>
             <a:endParaRPr lang="en-US"/>
           </a:p>
@@ -809,7 +809,7 @@
             <a:fld id="{00F2EA4F-E096-48CD-A1C4-A4124DB919D8}" type="datetimeFigureOut">
               <a:rPr lang="en-US" smtClean="0"/>
               <a:pPr/>
-              <a:t>1/4/2013</a:t>
+              <a:t>4/2/2013</a:t>
             </a:fld>
             <a:endParaRPr lang="en-US"/>
           </a:p>
@@ -1052,7 +1052,7 @@
             <a:fld id="{00F2EA4F-E096-48CD-A1C4-A4124DB919D8}" type="datetimeFigureOut">
               <a:rPr lang="en-US" smtClean="0"/>
               <a:pPr/>
-              <a:t>1/4/2013</a:t>
+              <a:t>4/2/2013</a:t>
             </a:fld>
             <a:endParaRPr lang="en-US"/>
           </a:p>
@@ -1337,7 +1337,7 @@
             <a:fld id="{00F2EA4F-E096-48CD-A1C4-A4124DB919D8}" type="datetimeFigureOut">
               <a:rPr lang="en-US" smtClean="0"/>
               <a:pPr/>
-              <a:t>1/4/2013</a:t>
+              <a:t>4/2/2013</a:t>
             </a:fld>
             <a:endParaRPr lang="en-US"/>
           </a:p>
@@ -1756,7 +1756,7 @@
             <a:fld id="{00F2EA4F-E096-48CD-A1C4-A4124DB919D8}" type="datetimeFigureOut">
               <a:rPr lang="en-US" smtClean="0"/>
               <a:pPr/>
-              <a:t>1/4/2013</a:t>
+              <a:t>4/2/2013</a:t>
             </a:fld>
             <a:endParaRPr lang="en-US"/>
           </a:p>
@@ -1871,7 +1871,7 @@
             <a:fld id="{00F2EA4F-E096-48CD-A1C4-A4124DB919D8}" type="datetimeFigureOut">
               <a:rPr lang="en-US" smtClean="0"/>
               <a:pPr/>
-              <a:t>1/4/2013</a:t>
+              <a:t>4/2/2013</a:t>
             </a:fld>
             <a:endParaRPr lang="en-US"/>
           </a:p>
@@ -1963,7 +1963,7 @@
             <a:fld id="{00F2EA4F-E096-48CD-A1C4-A4124DB919D8}" type="datetimeFigureOut">
               <a:rPr lang="en-US" smtClean="0"/>
               <a:pPr/>
-              <a:t>1/4/2013</a:t>
+              <a:t>4/2/2013</a:t>
             </a:fld>
             <a:endParaRPr lang="en-US"/>
           </a:p>
@@ -2237,7 +2237,7 @@
             <a:fld id="{00F2EA4F-E096-48CD-A1C4-A4124DB919D8}" type="datetimeFigureOut">
               <a:rPr lang="en-US" smtClean="0"/>
               <a:pPr/>
-              <a:t>1/4/2013</a:t>
+              <a:t>4/2/2013</a:t>
             </a:fld>
             <a:endParaRPr lang="en-US"/>
           </a:p>
@@ -2487,7 +2487,7 @@
             <a:fld id="{00F2EA4F-E096-48CD-A1C4-A4124DB919D8}" type="datetimeFigureOut">
               <a:rPr lang="en-US" smtClean="0"/>
               <a:pPr/>
-              <a:t>1/4/2013</a:t>
+              <a:t>4/2/2013</a:t>
             </a:fld>
             <a:endParaRPr lang="en-US"/>
           </a:p>
@@ -2697,7 +2697,7 @@
             <a:fld id="{00F2EA4F-E096-48CD-A1C4-A4124DB919D8}" type="datetimeFigureOut">
               <a:rPr lang="en-US" smtClean="0"/>
               <a:pPr/>
-              <a:t>1/4/2013</a:t>
+              <a:t>4/2/2013</a:t>
             </a:fld>
             <a:endParaRPr lang="en-US"/>
           </a:p>
@@ -8854,21 +8854,21 @@
           <a:lstStyle/>
           <a:p>
             <a:r>
-              <a:rPr lang="en-US" sz="1000" dirty="0" smtClean="0">
+              <a:rPr lang="en-US" sz="1000" smtClean="0">
                 <a:latin typeface="Courier New" pitchFamily="49" charset="0"/>
                 <a:cs typeface="Courier New" pitchFamily="49" charset="0"/>
               </a:rPr>
               <a:t>init(</a:t>
             </a:r>
             <a:r>
-              <a:rPr lang="en-US" sz="1000" dirty="0" err="1" smtClean="0">
+              <a:rPr lang="en-US" sz="1000" err="1" smtClean="0">
                 <a:latin typeface="Courier New" pitchFamily="49" charset="0"/>
                 <a:cs typeface="Courier New" pitchFamily="49" charset="0"/>
               </a:rPr>
               <a:t>name,</a:t>
             </a:r>
             <a:r>
-              <a:rPr lang="en-US" sz="1000" dirty="0" err="1" smtClean="0">
+              <a:rPr lang="en-US" sz="1000" err="1" smtClean="0">
                 <a:solidFill>
                   <a:srgbClr val="FF0000"/>
                 </a:solidFill>
@@ -8878,14 +8878,14 @@
               <a:t>inQu,inQuNum</a:t>
             </a:r>
             <a:r>
-              <a:rPr lang="en-US" sz="1000" dirty="0" err="1" smtClean="0">
+              <a:rPr lang="en-US" sz="1000" err="1" smtClean="0">
                 <a:latin typeface="Courier New" pitchFamily="49" charset="0"/>
                 <a:cs typeface="Courier New" pitchFamily="49" charset="0"/>
               </a:rPr>
               <a:t>,outQu</a:t>
             </a:r>
             <a:r>
-              <a:rPr lang="en-US" sz="1000" dirty="0" smtClean="0">
+              <a:rPr lang="en-US" sz="1000" smtClean="0">
                 <a:latin typeface="Courier New" pitchFamily="49" charset="0"/>
                 <a:cs typeface="Courier New" pitchFamily="49" charset="0"/>
               </a:rPr>
@@ -8894,28 +8894,28 @@
           </a:p>
           <a:p>
             <a:r>
-              <a:rPr lang="en-US" sz="1000" dirty="0" err="1" smtClean="0">
+              <a:rPr lang="en-US" sz="1000" err="1" smtClean="0">
                 <a:latin typeface="Courier New" pitchFamily="49" charset="0"/>
                 <a:cs typeface="Courier New" pitchFamily="49" charset="0"/>
               </a:rPr>
               <a:t>addInterest</a:t>
             </a:r>
             <a:r>
-              <a:rPr lang="en-US" sz="1000" dirty="0" smtClean="0">
+              <a:rPr lang="en-US" sz="1000" smtClean="0">
                 <a:latin typeface="Courier New" pitchFamily="49" charset="0"/>
                 <a:cs typeface="Courier New" pitchFamily="49" charset="0"/>
               </a:rPr>
               <a:t>(</a:t>
             </a:r>
             <a:r>
-              <a:rPr lang="en-US" sz="1000" dirty="0" err="1" smtClean="0">
+              <a:rPr lang="en-US" sz="1000" err="1" smtClean="0">
                 <a:latin typeface="Courier New" pitchFamily="49" charset="0"/>
                 <a:cs typeface="Courier New" pitchFamily="49" charset="0"/>
               </a:rPr>
               <a:t>msgType</a:t>
             </a:r>
             <a:r>
-              <a:rPr lang="en-US" sz="1000" dirty="0" smtClean="0">
+              <a:rPr lang="en-US" sz="1000" smtClean="0">
                 <a:latin typeface="Courier New" pitchFamily="49" charset="0"/>
                 <a:cs typeface="Courier New" pitchFamily="49" charset="0"/>
               </a:rPr>
@@ -8924,28 +8924,28 @@
           </a:p>
           <a:p>
             <a:r>
-              <a:rPr lang="en-US" sz="1000" dirty="0" err="1" smtClean="0">
+              <a:rPr lang="en-US" sz="1000" err="1" smtClean="0">
                 <a:latin typeface="Courier New" pitchFamily="49" charset="0"/>
                 <a:cs typeface="Courier New" pitchFamily="49" charset="0"/>
               </a:rPr>
               <a:t>removeInterest</a:t>
             </a:r>
             <a:r>
-              <a:rPr lang="en-US" sz="1000" dirty="0" smtClean="0">
+              <a:rPr lang="en-US" sz="1000" smtClean="0">
                 <a:latin typeface="Courier New" pitchFamily="49" charset="0"/>
                 <a:cs typeface="Courier New" pitchFamily="49" charset="0"/>
               </a:rPr>
               <a:t>(</a:t>
             </a:r>
             <a:r>
-              <a:rPr lang="en-US" sz="1000" dirty="0" err="1" smtClean="0">
+              <a:rPr lang="en-US" sz="1000" err="1" smtClean="0">
                 <a:latin typeface="Courier New" pitchFamily="49" charset="0"/>
                 <a:cs typeface="Courier New" pitchFamily="49" charset="0"/>
               </a:rPr>
               <a:t>msgType</a:t>
             </a:r>
             <a:r>
-              <a:rPr lang="en-US" sz="1000" dirty="0" smtClean="0">
+              <a:rPr lang="en-US" sz="1000" smtClean="0">
                 <a:latin typeface="Courier New" pitchFamily="49" charset="0"/>
                 <a:cs typeface="Courier New" pitchFamily="49" charset="0"/>
               </a:rPr>
@@ -8954,73 +8954,63 @@
           </a:p>
           <a:p>
             <a:r>
-              <a:rPr lang="en-US" sz="1000" dirty="0" err="1" smtClean="0">
+              <a:rPr lang="en-US" sz="1000" err="1" smtClean="0">
                 <a:latin typeface="Courier New" pitchFamily="49" charset="0"/>
                 <a:cs typeface="Courier New" pitchFamily="49" charset="0"/>
               </a:rPr>
               <a:t>getBlocking</a:t>
             </a:r>
             <a:r>
-              <a:rPr lang="en-US" sz="1000" dirty="0" smtClean="0">
+              <a:rPr lang="en-US" sz="1000" smtClean="0">
                 <a:latin typeface="Courier New" pitchFamily="49" charset="0"/>
                 <a:cs typeface="Courier New" pitchFamily="49" charset="0"/>
               </a:rPr>
               <a:t>/</a:t>
             </a:r>
             <a:r>
-              <a:rPr lang="en-US" sz="1000" dirty="0" err="1" smtClean="0">
+              <a:rPr lang="en-US" sz="1000" err="1" smtClean="0">
                 <a:latin typeface="Courier New" pitchFamily="49" charset="0"/>
                 <a:cs typeface="Courier New" pitchFamily="49" charset="0"/>
               </a:rPr>
               <a:t>getNonblocking:msg</a:t>
             </a:r>
-            <a:endParaRPr lang="en-US" sz="1000" dirty="0" smtClean="0">
+            <a:endParaRPr lang="en-US" sz="1000" smtClean="0">
               <a:latin typeface="Courier New" pitchFamily="49" charset="0"/>
               <a:cs typeface="Courier New" pitchFamily="49" charset="0"/>
             </a:endParaRPr>
           </a:p>
           <a:p>
             <a:r>
-              <a:rPr lang="en-US" sz="1000" dirty="0" smtClean="0">
+              <a:rPr lang="en-US" sz="1000" smtClean="0">
                 <a:solidFill>
                   <a:srgbClr val="FF0000"/>
                 </a:solidFill>
                 <a:latin typeface="Courier New" pitchFamily="49" charset="0"/>
                 <a:cs typeface="Courier New" pitchFamily="49" charset="0"/>
               </a:rPr>
-              <a:t>c</a:t>
-            </a:r>
-            <a:r>
-              <a:rPr lang="en-US" sz="1000" dirty="0" smtClean="0">
+              <a:t>close(</a:t>
+            </a:r>
+            <a:r>
+              <a:rPr lang="en-US" sz="1000" err="1" smtClean="0">
                 <a:solidFill>
                   <a:srgbClr val="FF0000"/>
                 </a:solidFill>
                 <a:latin typeface="Courier New" pitchFamily="49" charset="0"/>
                 <a:cs typeface="Courier New" pitchFamily="49" charset="0"/>
               </a:rPr>
-              <a:t>lose(</a:t>
-            </a:r>
-            <a:r>
-              <a:rPr lang="en-US" sz="1000" dirty="0" err="1" smtClean="0">
+              <a:t>inQuNum</a:t>
+            </a:r>
+            <a:r>
+              <a:rPr lang="en-US" sz="1000" smtClean="0">
                 <a:solidFill>
                   <a:srgbClr val="FF0000"/>
                 </a:solidFill>
                 <a:latin typeface="Courier New" pitchFamily="49" charset="0"/>
                 <a:cs typeface="Courier New" pitchFamily="49" charset="0"/>
               </a:rPr>
-              <a:t>inQuNum</a:t>
-            </a:r>
-            <a:r>
-              <a:rPr lang="en-US" sz="1000" dirty="0" smtClean="0">
-                <a:solidFill>
-                  <a:srgbClr val="FF0000"/>
-                </a:solidFill>
-                <a:latin typeface="Courier New" pitchFamily="49" charset="0"/>
-                <a:cs typeface="Courier New" pitchFamily="49" charset="0"/>
-              </a:rPr>
               <a:t>)</a:t>
             </a:r>
-            <a:endParaRPr lang="en-US" sz="1000" dirty="0">
+            <a:endParaRPr lang="en-US" sz="1000">
               <a:solidFill>
                 <a:srgbClr val="FF0000"/>
               </a:solidFill>
@@ -9101,7 +9091,7 @@
           <a:lstStyle/>
           <a:p>
             <a:r>
-              <a:rPr lang="en-US" sz="1000" strike="sngStrike" dirty="0" smtClean="0">
+              <a:rPr lang="en-US" sz="1000" strike="sngStrike" smtClean="0">
                 <a:solidFill>
                   <a:srgbClr val="FF0000"/>
                 </a:solidFill>
@@ -9113,13 +9103,13 @@
           </a:p>
           <a:p>
             <a:r>
-              <a:rPr lang="en-US" sz="1000" dirty="0" smtClean="0">
+              <a:rPr lang="en-US" sz="1000" smtClean="0">
                 <a:latin typeface="Courier New" pitchFamily="49" charset="0"/>
                 <a:cs typeface="Courier New" pitchFamily="49" charset="0"/>
               </a:rPr>
               <a:t>get</a:t>
             </a:r>
-            <a:endParaRPr lang="en-US" sz="1000" dirty="0">
+            <a:endParaRPr lang="en-US" sz="1000">
               <a:latin typeface="Courier New" pitchFamily="49" charset="0"/>
               <a:cs typeface="Courier New" pitchFamily="49" charset="0"/>
             </a:endParaRPr>
@@ -9268,8 +9258,8 @@
         </p:nvSpPr>
         <p:spPr>
           <a:xfrm>
-            <a:off x="1998325" y="1895585"/>
-            <a:ext cx="3185487" cy="861774"/>
+            <a:off x="1540338" y="1914485"/>
+            <a:ext cx="3185487" cy="553998"/>
           </a:xfrm>
           <a:prstGeom prst="rect">
             <a:avLst/>
@@ -9283,7 +9273,7 @@
           <a:lstStyle/>
           <a:p>
             <a:r>
-              <a:rPr lang="en-US" sz="1000" strike="sngStrike" dirty="0" smtClean="0">
+              <a:rPr lang="en-US" sz="1000" smtClean="0">
                 <a:solidFill>
                   <a:srgbClr val="FF0000"/>
                 </a:solidFill>
@@ -9293,17 +9283,17 @@
               <a:t>put(</a:t>
             </a:r>
             <a:r>
-              <a:rPr lang="en-US" sz="1000" strike="sngStrike" dirty="0" err="1" smtClean="0">
+              <a:rPr lang="en-US" sz="1000" err="1" smtClean="0">
                 <a:solidFill>
                   <a:srgbClr val="FF0000"/>
                 </a:solidFill>
                 <a:latin typeface="Courier New" pitchFamily="49" charset="0"/>
                 <a:cs typeface="Courier New" pitchFamily="49" charset="0"/>
               </a:rPr>
-              <a:t>AddInQuMsg</a:t>
-            </a:r>
-            <a:r>
-              <a:rPr lang="en-US" sz="1000" strike="sngStrike" dirty="0" smtClean="0">
+              <a:t>RemoveAllInterests</a:t>
+            </a:r>
+            <a:r>
+              <a:rPr lang="en-US" sz="1000" smtClean="0">
                 <a:solidFill>
                   <a:srgbClr val="FF0000"/>
                 </a:solidFill>
@@ -9313,228 +9303,117 @@
               <a:t>(</a:t>
             </a:r>
             <a:r>
-              <a:rPr lang="en-US" sz="1000" strike="sngStrike" dirty="0" err="1" smtClean="0">
+              <a:rPr lang="en-US" sz="1000" err="1" smtClean="0">
                 <a:solidFill>
                   <a:srgbClr val="FF0000"/>
                 </a:solidFill>
                 <a:latin typeface="Courier New" pitchFamily="49" charset="0"/>
                 <a:cs typeface="Courier New" pitchFamily="49" charset="0"/>
               </a:rPr>
-              <a:t>owner</a:t>
-            </a:r>
-            <a:r>
-              <a:rPr lang="en-US" sz="1000" strike="sngStrike" dirty="0" err="1" smtClean="0">
+              <a:t>inQuNum</a:t>
+            </a:r>
+            <a:r>
+              <a:rPr lang="en-US" sz="1000" smtClean="0">
+                <a:latin typeface="Courier New" pitchFamily="49" charset="0"/>
+                <a:cs typeface="Courier New" pitchFamily="49" charset="0"/>
+              </a:rPr>
+              <a:t>)</a:t>
+            </a:r>
+          </a:p>
+          <a:p>
+            <a:r>
+              <a:rPr lang="en-US" sz="1000" smtClean="0">
+                <a:latin typeface="Courier New" pitchFamily="49" charset="0"/>
+                <a:cs typeface="Courier New" pitchFamily="49" charset="0"/>
+              </a:rPr>
+              <a:t>put(</a:t>
+            </a:r>
+            <a:r>
+              <a:rPr lang="en-US" sz="1000" err="1" smtClean="0">
+                <a:latin typeface="Courier New" pitchFamily="49" charset="0"/>
+                <a:cs typeface="Courier New" pitchFamily="49" charset="0"/>
+              </a:rPr>
+              <a:t>AddInterestMsg</a:t>
+            </a:r>
+            <a:r>
+              <a:rPr lang="en-US" sz="1000" smtClean="0">
+                <a:latin typeface="Courier New" pitchFamily="49" charset="0"/>
+                <a:cs typeface="Courier New" pitchFamily="49" charset="0"/>
+              </a:rPr>
+              <a:t>(</a:t>
+            </a:r>
+            <a:r>
+              <a:rPr lang="en-US" sz="1000" err="1" smtClean="0">
                 <a:solidFill>
                   <a:srgbClr val="FF0000"/>
                 </a:solidFill>
                 <a:latin typeface="Courier New" pitchFamily="49" charset="0"/>
                 <a:cs typeface="Courier New" pitchFamily="49" charset="0"/>
               </a:rPr>
-              <a:t>,inQu</a:t>
-            </a:r>
-            <a:r>
-              <a:rPr lang="en-US" sz="1000" strike="sngStrike" dirty="0" smtClean="0">
+              <a:t>inQuNum</a:t>
+            </a:r>
+            <a:r>
+              <a:rPr lang="en-US" sz="1000" err="1" smtClean="0">
+                <a:latin typeface="Courier New" pitchFamily="49" charset="0"/>
+                <a:cs typeface="Courier New" pitchFamily="49" charset="0"/>
+              </a:rPr>
+              <a:t>,msgType</a:t>
+            </a:r>
+            <a:r>
+              <a:rPr lang="en-US" sz="1000" smtClean="0">
+                <a:latin typeface="Courier New" pitchFamily="49" charset="0"/>
+                <a:cs typeface="Courier New" pitchFamily="49" charset="0"/>
+              </a:rPr>
+              <a:t>))</a:t>
+            </a:r>
+          </a:p>
+          <a:p>
+            <a:r>
+              <a:rPr lang="en-US" sz="1000" smtClean="0">
+                <a:latin typeface="Courier New" pitchFamily="49" charset="0"/>
+                <a:cs typeface="Courier New" pitchFamily="49" charset="0"/>
+              </a:rPr>
+              <a:t>put(</a:t>
+            </a:r>
+            <a:r>
+              <a:rPr lang="en-US" sz="1000" err="1" smtClean="0">
+                <a:latin typeface="Courier New" pitchFamily="49" charset="0"/>
+                <a:cs typeface="Courier New" pitchFamily="49" charset="0"/>
+              </a:rPr>
+              <a:t>RemoveInterestMsg</a:t>
+            </a:r>
+            <a:r>
+              <a:rPr lang="en-US" sz="1000" smtClean="0">
+                <a:latin typeface="Courier New" pitchFamily="49" charset="0"/>
+                <a:cs typeface="Courier New" pitchFamily="49" charset="0"/>
+              </a:rPr>
+              <a:t>(</a:t>
+            </a:r>
+            <a:r>
+              <a:rPr lang="en-US" sz="1000" err="1" smtClean="0">
                 <a:solidFill>
                   <a:srgbClr val="FF0000"/>
                 </a:solidFill>
                 <a:latin typeface="Courier New" pitchFamily="49" charset="0"/>
                 <a:cs typeface="Courier New" pitchFamily="49" charset="0"/>
               </a:rPr>
+              <a:t>inQuNum</a:t>
+            </a:r>
+            <a:r>
+              <a:rPr lang="en-US" sz="1000" err="1" smtClean="0">
+                <a:latin typeface="Courier New" pitchFamily="49" charset="0"/>
+                <a:cs typeface="Courier New" pitchFamily="49" charset="0"/>
+              </a:rPr>
+              <a:t>,msgType</a:t>
+            </a:r>
+            <a:r>
+              <a:rPr lang="en-US" sz="1000" smtClean="0">
+                <a:latin typeface="Courier New" pitchFamily="49" charset="0"/>
+                <a:cs typeface="Courier New" pitchFamily="49" charset="0"/>
+              </a:rPr>
               <a:t>))</a:t>
             </a:r>
-          </a:p>
-          <a:p>
-            <a:r>
-              <a:rPr lang="en-US" sz="1000" strike="sngStrike" dirty="0" smtClean="0">
-                <a:solidFill>
-                  <a:srgbClr val="FF0000"/>
-                </a:solidFill>
-                <a:latin typeface="Courier New" pitchFamily="49" charset="0"/>
-                <a:cs typeface="Courier New" pitchFamily="49" charset="0"/>
-              </a:rPr>
-              <a:t>put(</a:t>
-            </a:r>
-            <a:r>
-              <a:rPr lang="en-US" sz="1000" strike="sngStrike" dirty="0" err="1" smtClean="0">
-                <a:solidFill>
-                  <a:srgbClr val="FF0000"/>
-                </a:solidFill>
-                <a:latin typeface="Courier New" pitchFamily="49" charset="0"/>
-                <a:cs typeface="Courier New" pitchFamily="49" charset="0"/>
-              </a:rPr>
-              <a:t>RemoveInQuMsg</a:t>
-            </a:r>
-            <a:r>
-              <a:rPr lang="en-US" sz="1000" strike="sngStrike" dirty="0" smtClean="0">
-                <a:solidFill>
-                  <a:srgbClr val="FF0000"/>
-                </a:solidFill>
-                <a:latin typeface="Courier New" pitchFamily="49" charset="0"/>
-                <a:cs typeface="Courier New" pitchFamily="49" charset="0"/>
-              </a:rPr>
-              <a:t>(owner))</a:t>
-            </a:r>
-            <a:endParaRPr lang="en-US" sz="1000" strike="sngStrike" dirty="0" smtClean="0">
-              <a:solidFill>
-                <a:srgbClr val="FF0000"/>
-              </a:solidFill>
-              <a:latin typeface="Courier New" pitchFamily="49" charset="0"/>
-              <a:cs typeface="Courier New" pitchFamily="49" charset="0"/>
-            </a:endParaRPr>
-          </a:p>
-          <a:p>
-            <a:r>
-              <a:rPr lang="en-US" sz="1000" dirty="0" smtClean="0">
-                <a:solidFill>
-                  <a:srgbClr val="FF0000"/>
-                </a:solidFill>
-                <a:latin typeface="Courier New" pitchFamily="49" charset="0"/>
-                <a:cs typeface="Courier New" pitchFamily="49" charset="0"/>
-              </a:rPr>
-              <a:t>p</a:t>
-            </a:r>
-            <a:r>
-              <a:rPr lang="en-US" sz="1000" dirty="0" smtClean="0">
-                <a:solidFill>
-                  <a:srgbClr val="FF0000"/>
-                </a:solidFill>
-                <a:latin typeface="Courier New" pitchFamily="49" charset="0"/>
-                <a:cs typeface="Courier New" pitchFamily="49" charset="0"/>
-              </a:rPr>
-              <a:t>ut(</a:t>
-            </a:r>
-            <a:r>
-              <a:rPr lang="en-US" sz="1000" dirty="0" err="1" smtClean="0">
-                <a:solidFill>
-                  <a:srgbClr val="FF0000"/>
-                </a:solidFill>
-                <a:latin typeface="Courier New" pitchFamily="49" charset="0"/>
-                <a:cs typeface="Courier New" pitchFamily="49" charset="0"/>
-              </a:rPr>
-              <a:t>RemoveAllInterests</a:t>
-            </a:r>
-            <a:r>
-              <a:rPr lang="en-US" sz="1000" dirty="0" smtClean="0">
-                <a:solidFill>
-                  <a:srgbClr val="FF0000"/>
-                </a:solidFill>
-                <a:latin typeface="Courier New" pitchFamily="49" charset="0"/>
-                <a:cs typeface="Courier New" pitchFamily="49" charset="0"/>
-              </a:rPr>
-              <a:t>(</a:t>
-            </a:r>
-            <a:r>
-              <a:rPr lang="en-US" sz="1000" dirty="0" err="1" smtClean="0">
-                <a:solidFill>
-                  <a:srgbClr val="FF0000"/>
-                </a:solidFill>
-                <a:latin typeface="Courier New" pitchFamily="49" charset="0"/>
-                <a:cs typeface="Courier New" pitchFamily="49" charset="0"/>
-              </a:rPr>
-              <a:t>inQuNum</a:t>
-            </a:r>
-            <a:r>
-              <a:rPr lang="en-US" sz="1000" dirty="0" smtClean="0">
-                <a:latin typeface="Courier New" pitchFamily="49" charset="0"/>
-                <a:cs typeface="Courier New" pitchFamily="49" charset="0"/>
-              </a:rPr>
-              <a:t>)</a:t>
-            </a:r>
-          </a:p>
-          <a:p>
-            <a:r>
-              <a:rPr lang="en-US" sz="1000" dirty="0" smtClean="0">
-                <a:latin typeface="Courier New" pitchFamily="49" charset="0"/>
-                <a:cs typeface="Courier New" pitchFamily="49" charset="0"/>
-              </a:rPr>
-              <a:t>put(</a:t>
-            </a:r>
-            <a:r>
-              <a:rPr lang="en-US" sz="1000" dirty="0" err="1" smtClean="0">
-                <a:latin typeface="Courier New" pitchFamily="49" charset="0"/>
-                <a:cs typeface="Courier New" pitchFamily="49" charset="0"/>
-              </a:rPr>
-              <a:t>AddInterestMsg</a:t>
-            </a:r>
-            <a:r>
-              <a:rPr lang="en-US" sz="1000" dirty="0" smtClean="0">
-                <a:latin typeface="Courier New" pitchFamily="49" charset="0"/>
-                <a:cs typeface="Courier New" pitchFamily="49" charset="0"/>
-              </a:rPr>
-              <a:t>(</a:t>
-            </a:r>
-            <a:r>
-              <a:rPr lang="en-US" sz="1000" dirty="0" err="1" smtClean="0">
-                <a:solidFill>
-                  <a:srgbClr val="FF0000"/>
-                </a:solidFill>
-                <a:latin typeface="Courier New" pitchFamily="49" charset="0"/>
-                <a:cs typeface="Courier New" pitchFamily="49" charset="0"/>
-              </a:rPr>
-              <a:t>inQuNum</a:t>
-            </a:r>
-            <a:r>
-              <a:rPr lang="en-US" sz="1000" dirty="0" err="1" smtClean="0">
-                <a:latin typeface="Courier New" pitchFamily="49" charset="0"/>
-                <a:cs typeface="Courier New" pitchFamily="49" charset="0"/>
-              </a:rPr>
-              <a:t>,msgType</a:t>
-            </a:r>
-            <a:r>
-              <a:rPr lang="en-US" sz="1000" dirty="0" smtClean="0">
-                <a:latin typeface="Courier New" pitchFamily="49" charset="0"/>
-                <a:cs typeface="Courier New" pitchFamily="49" charset="0"/>
-              </a:rPr>
-              <a:t>))</a:t>
-            </a:r>
-          </a:p>
-          <a:p>
-            <a:r>
-              <a:rPr lang="en-US" sz="1000" dirty="0" smtClean="0">
-                <a:latin typeface="Courier New" pitchFamily="49" charset="0"/>
-                <a:cs typeface="Courier New" pitchFamily="49" charset="0"/>
-              </a:rPr>
-              <a:t>put(</a:t>
-            </a:r>
-            <a:r>
-              <a:rPr lang="en-US" sz="1000" dirty="0" err="1" smtClean="0">
-                <a:latin typeface="Courier New" pitchFamily="49" charset="0"/>
-                <a:cs typeface="Courier New" pitchFamily="49" charset="0"/>
-              </a:rPr>
-              <a:t>RemoveInterestMsg</a:t>
-            </a:r>
-            <a:r>
-              <a:rPr lang="en-US" sz="1000" dirty="0" smtClean="0">
-                <a:latin typeface="Courier New" pitchFamily="49" charset="0"/>
-                <a:cs typeface="Courier New" pitchFamily="49" charset="0"/>
-              </a:rPr>
-              <a:t>(</a:t>
-            </a:r>
-            <a:r>
-              <a:rPr lang="en-US" sz="1000" dirty="0" err="1" smtClean="0">
-                <a:solidFill>
-                  <a:srgbClr val="FF0000"/>
-                </a:solidFill>
-                <a:latin typeface="Courier New" pitchFamily="49" charset="0"/>
-                <a:cs typeface="Courier New" pitchFamily="49" charset="0"/>
-              </a:rPr>
-              <a:t>inQuNum</a:t>
-            </a:r>
-            <a:r>
-              <a:rPr lang="en-US" sz="1000" dirty="0" err="1" smtClean="0">
-                <a:latin typeface="Courier New" pitchFamily="49" charset="0"/>
-                <a:cs typeface="Courier New" pitchFamily="49" charset="0"/>
-              </a:rPr>
-              <a:t>,msgType</a:t>
-            </a:r>
-            <a:r>
-              <a:rPr lang="en-US" sz="1000" dirty="0" smtClean="0">
-                <a:latin typeface="Courier New" pitchFamily="49" charset="0"/>
-                <a:cs typeface="Courier New" pitchFamily="49" charset="0"/>
-              </a:rPr>
-              <a:t>))</a:t>
-            </a:r>
-            <a:endParaRPr lang="en-US" sz="1000" dirty="0">
+            <a:endParaRPr lang="en-US" sz="1000">
               <a:latin typeface="Courier New" pitchFamily="49" charset="0"/>
               <a:cs typeface="Courier New" pitchFamily="49" charset="0"/>
             </a:endParaRPr>
@@ -9595,7 +9474,7 @@
         </p:nvSpPr>
         <p:spPr>
           <a:xfrm>
-            <a:off x="4751799" y="3169583"/>
+            <a:off x="4935382" y="3809110"/>
             <a:ext cx="569387" cy="246221"/>
           </a:xfrm>
           <a:prstGeom prst="rect">
@@ -9682,8 +9561,8 @@
         </p:nvCxnSpPr>
         <p:spPr>
           <a:xfrm flipV="1">
-            <a:off x="4256125" y="3415804"/>
-            <a:ext cx="780368" cy="2053475"/>
+            <a:off x="4256125" y="4055331"/>
+            <a:ext cx="963951" cy="1413948"/>
           </a:xfrm>
           <a:prstGeom prst="straightConnector1">
             <a:avLst/>
@@ -9826,8 +9705,8 @@
         </p:nvCxnSpPr>
         <p:spPr>
           <a:xfrm flipH="1">
-            <a:off x="5036493" y="2306194"/>
-            <a:ext cx="623877" cy="863389"/>
+            <a:off x="5220076" y="2306194"/>
+            <a:ext cx="440294" cy="1502916"/>
           </a:xfrm>
           <a:prstGeom prst="straightConnector1">
             <a:avLst/>
@@ -10145,7 +10024,7 @@
         <p:spPr>
           <a:xfrm>
             <a:off x="714658" y="1661099"/>
-            <a:ext cx="4321835" cy="1508484"/>
+            <a:ext cx="4505418" cy="2148011"/>
           </a:xfrm>
           <a:prstGeom prst="straightConnector1">
             <a:avLst/>
@@ -10321,7 +10200,7 @@
         </p:nvSpPr>
         <p:spPr>
           <a:xfrm>
-            <a:off x="257323" y="3266509"/>
+            <a:off x="1872476" y="3155415"/>
             <a:ext cx="1338828" cy="400110"/>
           </a:xfrm>
           <a:prstGeom prst="rect">
@@ -10345,11 +10224,18 @@
           </a:p>
           <a:p>
             <a:r>
-              <a:rPr lang="en-US" sz="1000" smtClean="0">
-                <a:latin typeface="Courier New" pitchFamily="49" charset="0"/>
-                <a:cs typeface="Courier New" pitchFamily="49" charset="0"/>
-              </a:rPr>
-              <a:t>qus &amp; interests</a:t>
+              <a:rPr lang="en-US" sz="1000" err="1" smtClean="0">
+                <a:latin typeface="Courier New" pitchFamily="49" charset="0"/>
+                <a:cs typeface="Courier New" pitchFamily="49" charset="0"/>
+              </a:rPr>
+              <a:t>qus</a:t>
+            </a:r>
+            <a:r>
+              <a:rPr lang="en-US" sz="1000" smtClean="0">
+                <a:latin typeface="Courier New" pitchFamily="49" charset="0"/>
+                <a:cs typeface="Courier New" pitchFamily="49" charset="0"/>
+              </a:rPr>
+              <a:t> &amp; interests</a:t>
             </a:r>
             <a:endParaRPr lang="en-US" sz="1000">
               <a:latin typeface="Courier New" pitchFamily="49" charset="0"/>
@@ -10366,7 +10252,7 @@
         </p:nvSpPr>
         <p:spPr>
           <a:xfrm>
-            <a:off x="5414482" y="2496622"/>
+            <a:off x="5138603" y="3216479"/>
             <a:ext cx="415498" cy="246221"/>
           </a:xfrm>
           <a:prstGeom prst="rect">
@@ -10607,8 +10493,8 @@
         </p:nvCxnSpPr>
         <p:spPr>
           <a:xfrm flipH="1">
-            <a:off x="5321186" y="2712202"/>
-            <a:ext cx="2374158" cy="580492"/>
+            <a:off x="5504769" y="2712202"/>
+            <a:ext cx="2190575" cy="1220019"/>
           </a:xfrm>
           <a:prstGeom prst="straightConnector1">
             <a:avLst/>
@@ -10820,21 +10706,21 @@
           <a:lstStyle/>
           <a:p>
             <a:r>
-              <a:rPr lang="en-US" sz="1000" dirty="0" smtClean="0">
+              <a:rPr lang="en-US" sz="1000" smtClean="0">
                 <a:latin typeface="Courier New" pitchFamily="49" charset="0"/>
                 <a:cs typeface="Courier New" pitchFamily="49" charset="0"/>
               </a:rPr>
               <a:t>init(</a:t>
             </a:r>
             <a:r>
-              <a:rPr lang="en-US" sz="1000" dirty="0" err="1" smtClean="0">
+              <a:rPr lang="en-US" sz="1000" err="1" smtClean="0">
                 <a:latin typeface="Courier New" pitchFamily="49" charset="0"/>
                 <a:cs typeface="Courier New" pitchFamily="49" charset="0"/>
               </a:rPr>
               <a:t>name,host,port,</a:t>
             </a:r>
             <a:r>
-              <a:rPr lang="en-US" sz="1000" dirty="0" err="1" smtClean="0">
+              <a:rPr lang="en-US" sz="1000" err="1" smtClean="0">
                 <a:solidFill>
                   <a:srgbClr val="FF0000"/>
                 </a:solidFill>
@@ -10844,33 +10730,29 @@
               <a:t>inQuList</a:t>
             </a:r>
             <a:r>
-              <a:rPr lang="en-US" sz="1000" dirty="0" err="1" smtClean="0">
+              <a:rPr lang="en-US" sz="1000" err="1" smtClean="0">
                 <a:latin typeface="Courier New" pitchFamily="49" charset="0"/>
                 <a:cs typeface="Courier New" pitchFamily="49" charset="0"/>
               </a:rPr>
               <a:t>,outQu</a:t>
             </a:r>
             <a:r>
-              <a:rPr lang="en-US" sz="1000" dirty="0" smtClean="0">
+              <a:rPr lang="en-US" sz="1000" smtClean="0">
                 <a:latin typeface="Courier New" pitchFamily="49" charset="0"/>
                 <a:cs typeface="Courier New" pitchFamily="49" charset="0"/>
               </a:rPr>
               <a:t>)</a:t>
             </a:r>
-            <a:endParaRPr lang="en-US" sz="1000" dirty="0" smtClean="0">
-              <a:latin typeface="Courier New" pitchFamily="49" charset="0"/>
-              <a:cs typeface="Courier New" pitchFamily="49" charset="0"/>
-            </a:endParaRPr>
-          </a:p>
-          <a:p>
-            <a:r>
-              <a:rPr lang="en-US" sz="1000" dirty="0" err="1" smtClean="0">
+          </a:p>
+          <a:p>
+            <a:r>
+              <a:rPr lang="en-US" sz="1000" err="1" smtClean="0">
                 <a:latin typeface="Courier New" pitchFamily="49" charset="0"/>
                 <a:cs typeface="Courier New" pitchFamily="49" charset="0"/>
               </a:rPr>
               <a:t>startPumps</a:t>
             </a:r>
-            <a:endParaRPr lang="en-US" sz="1000" dirty="0">
+            <a:endParaRPr lang="en-US" sz="1000">
               <a:latin typeface="Courier New" pitchFamily="49" charset="0"/>
               <a:cs typeface="Courier New" pitchFamily="49" charset="0"/>
             </a:endParaRPr>
@@ -11442,42 +11324,6 @@
       </p:sp>
       <p:sp>
         <p:nvSpPr>
-          <p:cNvPr id="222" name="TextBox 221"/>
-          <p:cNvSpPr txBox="1"/>
-          <p:nvPr/>
-        </p:nvSpPr>
-        <p:spPr>
-          <a:xfrm>
-            <a:off x="1687610" y="3249386"/>
-            <a:ext cx="415498" cy="246221"/>
-          </a:xfrm>
-          <a:prstGeom prst="rect">
-            <a:avLst/>
-          </a:prstGeom>
-          <a:noFill/>
-        </p:spPr>
-        <p:txBody>
-          <a:bodyPr wrap="none" rtlCol="0">
-            <a:spAutoFit/>
-          </a:bodyPr>
-          <a:lstStyle/>
-          <a:p>
-            <a:r>
-              <a:rPr lang="en-US" sz="1000" smtClean="0">
-                <a:latin typeface="Courier New" pitchFamily="49" charset="0"/>
-                <a:cs typeface="Courier New" pitchFamily="49" charset="0"/>
-              </a:rPr>
-              <a:t>put</a:t>
-            </a:r>
-            <a:endParaRPr lang="en-US" sz="1000">
-              <a:latin typeface="Courier New" pitchFamily="49" charset="0"/>
-              <a:cs typeface="Courier New" pitchFamily="49" charset="0"/>
-            </a:endParaRPr>
-          </a:p>
-        </p:txBody>
-      </p:sp>
-      <p:sp>
-        <p:nvSpPr>
           <p:cNvPr id="57" name="TextBox 56"/>
           <p:cNvSpPr txBox="1"/>
           <p:nvPr/>
@@ -11953,21 +11799,21 @@
           <a:lstStyle/>
           <a:p>
             <a:r>
-              <a:rPr lang="en-US" sz="1000" dirty="0" smtClean="0">
+              <a:rPr lang="en-US" sz="1000" smtClean="0">
                 <a:latin typeface="Courier New" pitchFamily="49" charset="0"/>
                 <a:cs typeface="Courier New" pitchFamily="49" charset="0"/>
               </a:rPr>
               <a:t>init(</a:t>
             </a:r>
             <a:r>
-              <a:rPr lang="en-US" sz="1000" dirty="0" err="1" smtClean="0">
+              <a:rPr lang="en-US" sz="1000" err="1" smtClean="0">
                 <a:latin typeface="Courier New" pitchFamily="49" charset="0"/>
                 <a:cs typeface="Courier New" pitchFamily="49" charset="0"/>
               </a:rPr>
               <a:t>name,</a:t>
             </a:r>
             <a:r>
-              <a:rPr lang="en-US" sz="1000" dirty="0" err="1" smtClean="0">
+              <a:rPr lang="en-US" sz="1000" err="1" smtClean="0">
                 <a:solidFill>
                   <a:srgbClr val="FF0000"/>
                 </a:solidFill>
@@ -11977,158 +11823,146 @@
               <a:t>inQu,inQuNum</a:t>
             </a:r>
             <a:r>
-              <a:rPr lang="en-US" sz="1000" dirty="0" err="1" smtClean="0">
+              <a:rPr lang="en-US" sz="1000" err="1" smtClean="0">
                 <a:latin typeface="Courier New" pitchFamily="49" charset="0"/>
                 <a:cs typeface="Courier New" pitchFamily="49" charset="0"/>
               </a:rPr>
               <a:t>,outQu</a:t>
             </a:r>
             <a:r>
-              <a:rPr lang="en-US" sz="1000" dirty="0" smtClean="0">
+              <a:rPr lang="en-US" sz="1000" smtClean="0">
                 <a:latin typeface="Courier New" pitchFamily="49" charset="0"/>
                 <a:cs typeface="Courier New" pitchFamily="49" charset="0"/>
               </a:rPr>
               <a:t>)</a:t>
             </a:r>
-            <a:endParaRPr lang="en-US" sz="1000" dirty="0" smtClean="0">
+          </a:p>
+          <a:p>
+            <a:r>
+              <a:rPr lang="en-US" sz="1000" err="1" smtClean="0">
+                <a:latin typeface="Courier New" pitchFamily="49" charset="0"/>
+                <a:cs typeface="Courier New" pitchFamily="49" charset="0"/>
+              </a:rPr>
+              <a:t>addInterest</a:t>
+            </a:r>
+            <a:r>
+              <a:rPr lang="en-US" sz="1000" smtClean="0">
+                <a:latin typeface="Courier New" pitchFamily="49" charset="0"/>
+                <a:cs typeface="Courier New" pitchFamily="49" charset="0"/>
+              </a:rPr>
+              <a:t>(</a:t>
+            </a:r>
+            <a:r>
+              <a:rPr lang="en-US" sz="1000" err="1" smtClean="0">
+                <a:latin typeface="Courier New" pitchFamily="49" charset="0"/>
+                <a:cs typeface="Courier New" pitchFamily="49" charset="0"/>
+              </a:rPr>
+              <a:t>PutInitOutcomeMsg</a:t>
+            </a:r>
+            <a:r>
+              <a:rPr lang="en-US" sz="1000" smtClean="0">
+                <a:latin typeface="Courier New" pitchFamily="49" charset="0"/>
+                <a:cs typeface="Courier New" pitchFamily="49" charset="0"/>
+              </a:rPr>
+              <a:t>)</a:t>
+            </a:r>
+          </a:p>
+          <a:p>
+            <a:r>
+              <a:rPr lang="en-US" sz="1000" err="1" smtClean="0">
+                <a:latin typeface="Courier New" pitchFamily="49" charset="0"/>
+                <a:cs typeface="Courier New" pitchFamily="49" charset="0"/>
+              </a:rPr>
+              <a:t>removeInterest</a:t>
+            </a:r>
+            <a:r>
+              <a:rPr lang="en-US" sz="1000" smtClean="0">
+                <a:latin typeface="Courier New" pitchFamily="49" charset="0"/>
+                <a:cs typeface="Courier New" pitchFamily="49" charset="0"/>
+              </a:rPr>
+              <a:t>(</a:t>
+            </a:r>
+            <a:r>
+              <a:rPr lang="en-US" sz="1000" err="1" smtClean="0">
+                <a:latin typeface="Courier New" pitchFamily="49" charset="0"/>
+                <a:cs typeface="Courier New" pitchFamily="49" charset="0"/>
+              </a:rPr>
+              <a:t>PutInitOutcomeMsg</a:t>
+            </a:r>
+            <a:r>
+              <a:rPr lang="en-US" sz="1000" smtClean="0">
+                <a:latin typeface="Courier New" pitchFamily="49" charset="0"/>
+                <a:cs typeface="Courier New" pitchFamily="49" charset="0"/>
+              </a:rPr>
+              <a:t>)</a:t>
+            </a:r>
+          </a:p>
+          <a:p>
+            <a:r>
+              <a:rPr lang="en-US" sz="1000" smtClean="0">
+                <a:latin typeface="Courier New" pitchFamily="49" charset="0"/>
+                <a:cs typeface="Courier New" pitchFamily="49" charset="0"/>
+              </a:rPr>
+              <a:t>put(</a:t>
+            </a:r>
+            <a:r>
+              <a:rPr lang="en-US" sz="1000" err="1" smtClean="0">
+                <a:latin typeface="Courier New" pitchFamily="49" charset="0"/>
+                <a:cs typeface="Courier New" pitchFamily="49" charset="0"/>
+              </a:rPr>
+              <a:t>msg</a:t>
+            </a:r>
+            <a:r>
+              <a:rPr lang="en-US" sz="1000" smtClean="0">
+                <a:latin typeface="Courier New" pitchFamily="49" charset="0"/>
+                <a:cs typeface="Courier New" pitchFamily="49" charset="0"/>
+              </a:rPr>
+              <a:t>)</a:t>
+            </a:r>
+          </a:p>
+          <a:p>
+            <a:r>
+              <a:rPr lang="en-US" sz="1000" err="1" smtClean="0">
+                <a:latin typeface="Courier New" pitchFamily="49" charset="0"/>
+                <a:cs typeface="Courier New" pitchFamily="49" charset="0"/>
+              </a:rPr>
+              <a:t>getBlocking</a:t>
+            </a:r>
+            <a:r>
+              <a:rPr lang="en-US" sz="1000" smtClean="0">
+                <a:latin typeface="Courier New" pitchFamily="49" charset="0"/>
+                <a:cs typeface="Courier New" pitchFamily="49" charset="0"/>
+              </a:rPr>
+              <a:t>(</a:t>
+            </a:r>
+            <a:r>
+              <a:rPr lang="en-US" sz="1000" err="1" smtClean="0">
+                <a:latin typeface="Courier New" pitchFamily="49" charset="0"/>
+                <a:cs typeface="Courier New" pitchFamily="49" charset="0"/>
+              </a:rPr>
+              <a:t>msg</a:t>
+            </a:r>
+            <a:r>
+              <a:rPr lang="en-US" sz="1000" smtClean="0">
+                <a:latin typeface="Courier New" pitchFamily="49" charset="0"/>
+                <a:cs typeface="Courier New" pitchFamily="49" charset="0"/>
+              </a:rPr>
+              <a:t>)</a:t>
+            </a:r>
+          </a:p>
+          <a:p>
+            <a:r>
+              <a:rPr lang="en-US" sz="1000" smtClean="0">
+                <a:latin typeface="Courier New" pitchFamily="49" charset="0"/>
+                <a:cs typeface="Courier New" pitchFamily="49" charset="0"/>
+              </a:rPr>
+              <a:t>close</a:t>
+            </a:r>
+            <a:endParaRPr lang="en-US" sz="1000">
               <a:latin typeface="Courier New" pitchFamily="49" charset="0"/>
               <a:cs typeface="Courier New" pitchFamily="49" charset="0"/>
             </a:endParaRPr>
           </a:p>
-          <a:p>
-            <a:r>
-              <a:rPr lang="en-US" sz="1000" dirty="0" err="1" smtClean="0">
-                <a:latin typeface="Courier New" pitchFamily="49" charset="0"/>
-                <a:cs typeface="Courier New" pitchFamily="49" charset="0"/>
-              </a:rPr>
-              <a:t>addInterest</a:t>
-            </a:r>
-            <a:r>
-              <a:rPr lang="en-US" sz="1000" dirty="0" smtClean="0">
-                <a:latin typeface="Courier New" pitchFamily="49" charset="0"/>
-                <a:cs typeface="Courier New" pitchFamily="49" charset="0"/>
-              </a:rPr>
-              <a:t>(</a:t>
-            </a:r>
-            <a:r>
-              <a:rPr lang="en-US" sz="1000" dirty="0" err="1" smtClean="0">
-                <a:latin typeface="Courier New" pitchFamily="49" charset="0"/>
-                <a:cs typeface="Courier New" pitchFamily="49" charset="0"/>
-              </a:rPr>
-              <a:t>PutInitOutcomeMsg</a:t>
-            </a:r>
-            <a:r>
-              <a:rPr lang="en-US" sz="1000" dirty="0" smtClean="0">
-                <a:latin typeface="Courier New" pitchFamily="49" charset="0"/>
-                <a:cs typeface="Courier New" pitchFamily="49" charset="0"/>
-              </a:rPr>
-              <a:t>)</a:t>
-            </a:r>
-            <a:endParaRPr lang="en-US" sz="1000" dirty="0" smtClean="0">
-              <a:latin typeface="Courier New" pitchFamily="49" charset="0"/>
-              <a:cs typeface="Courier New" pitchFamily="49" charset="0"/>
-            </a:endParaRPr>
-          </a:p>
-          <a:p>
-            <a:r>
-              <a:rPr lang="en-US" sz="1000" dirty="0" err="1" smtClean="0">
-                <a:latin typeface="Courier New" pitchFamily="49" charset="0"/>
-                <a:cs typeface="Courier New" pitchFamily="49" charset="0"/>
-              </a:rPr>
-              <a:t>removeInterest</a:t>
-            </a:r>
-            <a:r>
-              <a:rPr lang="en-US" sz="1000" dirty="0" smtClean="0">
-                <a:latin typeface="Courier New" pitchFamily="49" charset="0"/>
-                <a:cs typeface="Courier New" pitchFamily="49" charset="0"/>
-              </a:rPr>
-              <a:t>(</a:t>
-            </a:r>
-            <a:r>
-              <a:rPr lang="en-US" sz="1000" dirty="0" err="1" smtClean="0">
-                <a:latin typeface="Courier New" pitchFamily="49" charset="0"/>
-                <a:cs typeface="Courier New" pitchFamily="49" charset="0"/>
-              </a:rPr>
-              <a:t>PutInitOutcomeMsg</a:t>
-            </a:r>
-            <a:r>
-              <a:rPr lang="en-US" sz="1000" dirty="0" smtClean="0">
-                <a:latin typeface="Courier New" pitchFamily="49" charset="0"/>
-                <a:cs typeface="Courier New" pitchFamily="49" charset="0"/>
-              </a:rPr>
-              <a:t>)</a:t>
-            </a:r>
-            <a:endParaRPr lang="en-US" sz="1000" dirty="0" smtClean="0">
-              <a:latin typeface="Courier New" pitchFamily="49" charset="0"/>
-              <a:cs typeface="Courier New" pitchFamily="49" charset="0"/>
-            </a:endParaRPr>
-          </a:p>
-          <a:p>
-            <a:r>
-              <a:rPr lang="en-US" sz="1000" dirty="0" smtClean="0">
-                <a:latin typeface="Courier New" pitchFamily="49" charset="0"/>
-                <a:cs typeface="Courier New" pitchFamily="49" charset="0"/>
-              </a:rPr>
-              <a:t>put(</a:t>
-            </a:r>
-            <a:r>
-              <a:rPr lang="en-US" sz="1000" dirty="0" err="1" smtClean="0">
-                <a:latin typeface="Courier New" pitchFamily="49" charset="0"/>
-                <a:cs typeface="Courier New" pitchFamily="49" charset="0"/>
-              </a:rPr>
-              <a:t>msg</a:t>
-            </a:r>
-            <a:r>
-              <a:rPr lang="en-US" sz="1000" dirty="0" smtClean="0">
-                <a:latin typeface="Courier New" pitchFamily="49" charset="0"/>
-                <a:cs typeface="Courier New" pitchFamily="49" charset="0"/>
-              </a:rPr>
-              <a:t>)</a:t>
-            </a:r>
-          </a:p>
-          <a:p>
-            <a:r>
-              <a:rPr lang="en-US" sz="1000" dirty="0" err="1" smtClean="0">
-                <a:latin typeface="Courier New" pitchFamily="49" charset="0"/>
-                <a:cs typeface="Courier New" pitchFamily="49" charset="0"/>
-              </a:rPr>
-              <a:t>getBlocking</a:t>
-            </a:r>
-            <a:r>
-              <a:rPr lang="en-US" sz="1000" dirty="0" smtClean="0">
-                <a:latin typeface="Courier New" pitchFamily="49" charset="0"/>
-                <a:cs typeface="Courier New" pitchFamily="49" charset="0"/>
-              </a:rPr>
-              <a:t>(</a:t>
-            </a:r>
-            <a:r>
-              <a:rPr lang="en-US" sz="1000" dirty="0" err="1" smtClean="0">
-                <a:latin typeface="Courier New" pitchFamily="49" charset="0"/>
-                <a:cs typeface="Courier New" pitchFamily="49" charset="0"/>
-              </a:rPr>
-              <a:t>msg</a:t>
-            </a:r>
-            <a:r>
-              <a:rPr lang="en-US" sz="1000" dirty="0" smtClean="0">
-                <a:latin typeface="Courier New" pitchFamily="49" charset="0"/>
-                <a:cs typeface="Courier New" pitchFamily="49" charset="0"/>
-              </a:rPr>
-              <a:t>)</a:t>
-            </a:r>
-          </a:p>
-          <a:p>
-            <a:r>
-              <a:rPr lang="en-US" sz="1000" dirty="0" smtClean="0">
-                <a:latin typeface="Courier New" pitchFamily="49" charset="0"/>
-                <a:cs typeface="Courier New" pitchFamily="49" charset="0"/>
-              </a:rPr>
-              <a:t>close</a:t>
-            </a:r>
-            <a:endParaRPr lang="en-US" sz="1000" dirty="0">
-              <a:latin typeface="Courier New" pitchFamily="49" charset="0"/>
-              <a:cs typeface="Courier New" pitchFamily="49" charset="0"/>
-            </a:endParaRPr>
-          </a:p>
         </p:txBody>
       </p:sp>
       <p:sp>
@@ -12154,21 +11988,14 @@
           <a:lstStyle/>
           <a:p>
             <a:r>
-              <a:rPr lang="en-US" sz="1000" dirty="0" smtClean="0">
-                <a:latin typeface="Courier New" pitchFamily="49" charset="0"/>
-                <a:cs typeface="Courier New" pitchFamily="49" charset="0"/>
-              </a:rPr>
-              <a:t>init(name</a:t>
-            </a:r>
-            <a:r>
-              <a:rPr lang="en-US" sz="1000" dirty="0" smtClean="0">
-                <a:latin typeface="Courier New" pitchFamily="49" charset="0"/>
-                <a:cs typeface="Courier New" pitchFamily="49" charset="0"/>
-              </a:rPr>
-              <a:t>,’localhost’,1235,</a:t>
-            </a:r>
-            <a:r>
-              <a:rPr lang="en-US" sz="1000" dirty="0" smtClean="0">
+              <a:rPr lang="en-US" sz="1000" smtClean="0">
+                <a:latin typeface="Courier New" pitchFamily="49" charset="0"/>
+                <a:cs typeface="Courier New" pitchFamily="49" charset="0"/>
+              </a:rPr>
+              <a:t>init(name,’localhost’,1235,</a:t>
+            </a:r>
+            <a:r>
+              <a:rPr lang="en-US" sz="1000" smtClean="0">
                 <a:solidFill>
                   <a:srgbClr val="FF0000"/>
                 </a:solidFill>
@@ -12178,33 +12005,22 @@
               <a:t>inQuList</a:t>
             </a:r>
             <a:r>
-              <a:rPr lang="en-US" sz="1000" dirty="0" smtClean="0">
-                <a:latin typeface="Courier New" pitchFamily="49" charset="0"/>
-                <a:cs typeface="Courier New" pitchFamily="49" charset="0"/>
-              </a:rPr>
-              <a:t>,outQu</a:t>
-            </a:r>
-            <a:r>
-              <a:rPr lang="en-US" sz="1000" dirty="0" smtClean="0">
-                <a:latin typeface="Courier New" pitchFamily="49" charset="0"/>
-                <a:cs typeface="Courier New" pitchFamily="49" charset="0"/>
-              </a:rPr>
-              <a:t>)</a:t>
-            </a:r>
-            <a:endParaRPr lang="en-US" sz="1000" dirty="0" smtClean="0">
-              <a:latin typeface="Courier New" pitchFamily="49" charset="0"/>
-              <a:cs typeface="Courier New" pitchFamily="49" charset="0"/>
-            </a:endParaRPr>
-          </a:p>
-          <a:p>
-            <a:r>
-              <a:rPr lang="en-US" sz="1000" dirty="0" err="1" smtClean="0">
+              <a:rPr lang="en-US" sz="1000" smtClean="0">
+                <a:latin typeface="Courier New" pitchFamily="49" charset="0"/>
+                <a:cs typeface="Courier New" pitchFamily="49" charset="0"/>
+              </a:rPr>
+              <a:t>,outQu)</a:t>
+            </a:r>
+          </a:p>
+          <a:p>
+            <a:r>
+              <a:rPr lang="en-US" sz="1000" err="1" smtClean="0">
                 <a:latin typeface="Courier New" pitchFamily="49" charset="0"/>
                 <a:cs typeface="Courier New" pitchFamily="49" charset="0"/>
               </a:rPr>
               <a:t>startPumps</a:t>
             </a:r>
-            <a:endParaRPr lang="en-US" sz="1000" dirty="0" smtClean="0">
+            <a:endParaRPr lang="en-US" sz="1000" smtClean="0">
               <a:latin typeface="Courier New" pitchFamily="49" charset="0"/>
               <a:cs typeface="Courier New" pitchFamily="49" charset="0"/>
             </a:endParaRPr>
@@ -12378,7 +12194,7 @@
           <a:lstStyle/>
           <a:p>
             <a:r>
-              <a:rPr lang="en-US" sz="1000" dirty="0" smtClean="0">
+              <a:rPr lang="en-US" sz="1000" smtClean="0">
                 <a:latin typeface="Courier New" pitchFamily="49" charset="0"/>
                 <a:cs typeface="Courier New" pitchFamily="49" charset="0"/>
               </a:rPr>
@@ -12410,21 +12226,21 @@
           <a:lstStyle/>
           <a:p>
             <a:r>
-              <a:rPr lang="en-US" sz="1000" dirty="0" smtClean="0">
+              <a:rPr lang="en-US" sz="1000" smtClean="0">
                 <a:latin typeface="Courier New" pitchFamily="49" charset="0"/>
                 <a:cs typeface="Courier New" pitchFamily="49" charset="0"/>
               </a:rPr>
               <a:t>create(</a:t>
             </a:r>
             <a:r>
-              <a:rPr lang="en-US" sz="1000" dirty="0" err="1" smtClean="0">
+              <a:rPr lang="en-US" sz="1000" err="1" smtClean="0">
                 <a:latin typeface="Courier New" pitchFamily="49" charset="0"/>
                 <a:cs typeface="Courier New" pitchFamily="49" charset="0"/>
               </a:rPr>
               <a:t>name,</a:t>
             </a:r>
             <a:r>
-              <a:rPr lang="en-US" sz="1000" dirty="0" err="1" smtClean="0">
+              <a:rPr lang="en-US" sz="1000" err="1" smtClean="0">
                 <a:solidFill>
                   <a:srgbClr val="FF0000"/>
                 </a:solidFill>
@@ -12434,27 +12250,23 @@
               <a:t>inQu,inQuNum</a:t>
             </a:r>
             <a:r>
-              <a:rPr lang="en-US" sz="1000" dirty="0" err="1" smtClean="0">
+              <a:rPr lang="en-US" sz="1000" err="1" smtClean="0">
                 <a:latin typeface="Courier New" pitchFamily="49" charset="0"/>
                 <a:cs typeface="Courier New" pitchFamily="49" charset="0"/>
               </a:rPr>
               <a:t>,outQu</a:t>
             </a:r>
             <a:r>
-              <a:rPr lang="en-US" sz="1000" dirty="0" smtClean="0">
+              <a:rPr lang="en-US" sz="1000" smtClean="0">
                 <a:latin typeface="Courier New" pitchFamily="49" charset="0"/>
                 <a:cs typeface="Courier New" pitchFamily="49" charset="0"/>
               </a:rPr>
               <a:t>)</a:t>
             </a:r>
-            <a:endParaRPr lang="en-US" sz="1000" dirty="0" smtClean="0">
-              <a:latin typeface="Courier New" pitchFamily="49" charset="0"/>
-              <a:cs typeface="Courier New" pitchFamily="49" charset="0"/>
-            </a:endParaRPr>
-          </a:p>
-          <a:p>
-            <a:r>
-              <a:rPr lang="en-US" sz="1000" dirty="0" smtClean="0">
+          </a:p>
+          <a:p>
+            <a:r>
+              <a:rPr lang="en-US" sz="1000" smtClean="0">
                 <a:latin typeface="Courier New" pitchFamily="49" charset="0"/>
                 <a:cs typeface="Courier New" pitchFamily="49" charset="0"/>
               </a:rPr>
@@ -12858,14 +12670,14 @@
           <a:lstStyle/>
           <a:p>
             <a:r>
-              <a:rPr lang="en-US" sz="1000" dirty="0" smtClean="0">
+              <a:rPr lang="en-US" sz="1000" smtClean="0">
                 <a:latin typeface="Courier New" pitchFamily="49" charset="0"/>
                 <a:cs typeface="Courier New" pitchFamily="49" charset="0"/>
               </a:rPr>
               <a:t>init(name,’localhost’,1235,</a:t>
             </a:r>
             <a:r>
-              <a:rPr lang="en-US" sz="1000" dirty="0" smtClean="0">
+              <a:rPr lang="en-US" sz="1000" smtClean="0">
                 <a:solidFill>
                   <a:srgbClr val="FF0000"/>
                 </a:solidFill>
@@ -12875,7 +12687,7 @@
               <a:t>inQuList</a:t>
             </a:r>
             <a:r>
-              <a:rPr lang="en-US" sz="1000" dirty="0" smtClean="0">
+              <a:rPr lang="en-US" sz="1000" smtClean="0">
                 <a:latin typeface="Courier New" pitchFamily="49" charset="0"/>
                 <a:cs typeface="Courier New" pitchFamily="49" charset="0"/>
               </a:rPr>
@@ -12884,13 +12696,13 @@
           </a:p>
           <a:p>
             <a:r>
-              <a:rPr lang="en-US" sz="1000" dirty="0" err="1" smtClean="0">
+              <a:rPr lang="en-US" sz="1000" err="1" smtClean="0">
                 <a:latin typeface="Courier New" pitchFamily="49" charset="0"/>
                 <a:cs typeface="Courier New" pitchFamily="49" charset="0"/>
               </a:rPr>
               <a:t>startPumps</a:t>
             </a:r>
-            <a:endParaRPr lang="en-US" sz="1000" dirty="0" smtClean="0">
+            <a:endParaRPr lang="en-US" sz="1000" smtClean="0">
               <a:latin typeface="Courier New" pitchFamily="49" charset="0"/>
               <a:cs typeface="Courier New" pitchFamily="49" charset="0"/>
             </a:endParaRPr>
@@ -13136,7 +12948,7 @@
           <a:lstStyle/>
           <a:p>
             <a:r>
-              <a:rPr lang="en-US" sz="1000" dirty="0" smtClean="0">
+              <a:rPr lang="en-US" sz="1000" smtClean="0">
                 <a:latin typeface="Courier New" pitchFamily="49" charset="0"/>
                 <a:cs typeface="Courier New" pitchFamily="49" charset="0"/>
               </a:rPr>
@@ -13168,21 +12980,21 @@
           <a:lstStyle/>
           <a:p>
             <a:r>
-              <a:rPr lang="en-US" sz="1000" dirty="0" smtClean="0">
+              <a:rPr lang="en-US" sz="1000" smtClean="0">
                 <a:latin typeface="Courier New" pitchFamily="49" charset="0"/>
                 <a:cs typeface="Courier New" pitchFamily="49" charset="0"/>
               </a:rPr>
               <a:t>start(</a:t>
             </a:r>
             <a:r>
-              <a:rPr lang="en-US" sz="1000" dirty="0" err="1" smtClean="0">
+              <a:rPr lang="en-US" sz="1000" err="1" smtClean="0">
                 <a:latin typeface="Courier New" pitchFamily="49" charset="0"/>
                 <a:cs typeface="Courier New" pitchFamily="49" charset="0"/>
               </a:rPr>
               <a:t>name,</a:t>
             </a:r>
             <a:r>
-              <a:rPr lang="en-US" sz="1000" dirty="0" err="1" smtClean="0">
+              <a:rPr lang="en-US" sz="1000" err="1" smtClean="0">
                 <a:solidFill>
                   <a:srgbClr val="FF0000"/>
                 </a:solidFill>
@@ -13192,163 +13004,159 @@
               <a:t>inQu,inQuNum</a:t>
             </a:r>
             <a:r>
-              <a:rPr lang="en-US" sz="1000" dirty="0" err="1" smtClean="0">
+              <a:rPr lang="en-US" sz="1000" err="1" smtClean="0">
                 <a:latin typeface="Courier New" pitchFamily="49" charset="0"/>
                 <a:cs typeface="Courier New" pitchFamily="49" charset="0"/>
               </a:rPr>
               <a:t>,outQu</a:t>
             </a:r>
             <a:r>
-              <a:rPr lang="en-US" sz="1000" dirty="0" smtClean="0">
+              <a:rPr lang="en-US" sz="1000" smtClean="0">
                 <a:latin typeface="Courier New" pitchFamily="49" charset="0"/>
                 <a:cs typeface="Courier New" pitchFamily="49" charset="0"/>
               </a:rPr>
               <a:t>)</a:t>
             </a:r>
-            <a:endParaRPr lang="en-US" sz="1000" dirty="0" smtClean="0">
+          </a:p>
+        </p:txBody>
+      </p:sp>
+      <p:sp>
+        <p:nvSpPr>
+          <p:cNvPr id="97" name="TextBox 96"/>
+          <p:cNvSpPr txBox="1"/>
+          <p:nvPr/>
+        </p:nvSpPr>
+        <p:spPr>
+          <a:xfrm>
+            <a:off x="5115593" y="3180808"/>
+            <a:ext cx="2646878" cy="861774"/>
+          </a:xfrm>
+          <a:prstGeom prst="rect">
+            <a:avLst/>
+          </a:prstGeom>
+          <a:noFill/>
+        </p:spPr>
+        <p:txBody>
+          <a:bodyPr wrap="none" rtlCol="0">
+            <a:spAutoFit/>
+          </a:bodyPr>
+          <a:lstStyle/>
+          <a:p>
+            <a:r>
+              <a:rPr lang="en-US" sz="1000" smtClean="0">
+                <a:latin typeface="Courier New" pitchFamily="49" charset="0"/>
+                <a:cs typeface="Courier New" pitchFamily="49" charset="0"/>
+              </a:rPr>
+              <a:t>create(</a:t>
+            </a:r>
+            <a:r>
+              <a:rPr lang="en-US" sz="1000" err="1" smtClean="0">
+                <a:latin typeface="Courier New" pitchFamily="49" charset="0"/>
+                <a:cs typeface="Courier New" pitchFamily="49" charset="0"/>
+              </a:rPr>
+              <a:t>name,</a:t>
+            </a:r>
+            <a:r>
+              <a:rPr lang="en-US" sz="1000" err="1" smtClean="0">
+                <a:solidFill>
+                  <a:srgbClr val="FF0000"/>
+                </a:solidFill>
+                <a:latin typeface="Courier New" pitchFamily="49" charset="0"/>
+                <a:cs typeface="Courier New" pitchFamily="49" charset="0"/>
+              </a:rPr>
+              <a:t>inQu,inQuNum</a:t>
+            </a:r>
+            <a:r>
+              <a:rPr lang="en-US" sz="1000" err="1" smtClean="0">
+                <a:latin typeface="Courier New" pitchFamily="49" charset="0"/>
+                <a:cs typeface="Courier New" pitchFamily="49" charset="0"/>
+              </a:rPr>
+              <a:t>,outQu</a:t>
+            </a:r>
+            <a:r>
+              <a:rPr lang="en-US" sz="1000" smtClean="0">
+                <a:latin typeface="Courier New" pitchFamily="49" charset="0"/>
+                <a:cs typeface="Courier New" pitchFamily="49" charset="0"/>
+              </a:rPr>
+              <a:t>)</a:t>
+            </a:r>
+          </a:p>
+          <a:p>
+            <a:r>
+              <a:rPr lang="en-US" sz="1000" err="1" smtClean="0">
+                <a:latin typeface="Courier New" pitchFamily="49" charset="0"/>
+                <a:cs typeface="Courier New" pitchFamily="49" charset="0"/>
+              </a:rPr>
+              <a:t>addInterest</a:t>
+            </a:r>
+            <a:r>
+              <a:rPr lang="en-US" sz="1000" smtClean="0">
+                <a:latin typeface="Courier New" pitchFamily="49" charset="0"/>
+                <a:cs typeface="Courier New" pitchFamily="49" charset="0"/>
+              </a:rPr>
+              <a:t>(</a:t>
+            </a:r>
+            <a:r>
+              <a:rPr lang="en-US" sz="1000" err="1" smtClean="0">
+                <a:latin typeface="Courier New" pitchFamily="49" charset="0"/>
+                <a:cs typeface="Courier New" pitchFamily="49" charset="0"/>
+              </a:rPr>
+              <a:t>PutTrainStateMsg</a:t>
+            </a:r>
+            <a:r>
+              <a:rPr lang="en-US" sz="1000" smtClean="0">
+                <a:latin typeface="Courier New" pitchFamily="49" charset="0"/>
+                <a:cs typeface="Courier New" pitchFamily="49" charset="0"/>
+              </a:rPr>
+              <a:t>)</a:t>
+            </a:r>
+          </a:p>
+          <a:p>
+            <a:r>
+              <a:rPr lang="en-US" sz="1000" err="1" smtClean="0">
+                <a:latin typeface="Courier New" pitchFamily="49" charset="0"/>
+                <a:cs typeface="Courier New" pitchFamily="49" charset="0"/>
+              </a:rPr>
+              <a:t>addInterest</a:t>
+            </a:r>
+            <a:r>
+              <a:rPr lang="en-US" sz="1000" smtClean="0">
+                <a:latin typeface="Courier New" pitchFamily="49" charset="0"/>
+                <a:cs typeface="Courier New" pitchFamily="49" charset="0"/>
+              </a:rPr>
+              <a:t>(</a:t>
+            </a:r>
+            <a:r>
+              <a:rPr lang="en-US" sz="1000" err="1" smtClean="0">
+                <a:latin typeface="Courier New" pitchFamily="49" charset="0"/>
+                <a:cs typeface="Courier New" pitchFamily="49" charset="0"/>
+              </a:rPr>
+              <a:t>PutTrainPositionMsg</a:t>
+            </a:r>
+            <a:r>
+              <a:rPr lang="en-US" sz="1000" smtClean="0">
+                <a:latin typeface="Courier New" pitchFamily="49" charset="0"/>
+                <a:cs typeface="Courier New" pitchFamily="49" charset="0"/>
+              </a:rPr>
+              <a:t>)</a:t>
+            </a:r>
+          </a:p>
+          <a:p>
+            <a:r>
+              <a:rPr lang="en-US" sz="1000" err="1" smtClean="0">
+                <a:latin typeface="Courier New" pitchFamily="49" charset="0"/>
+                <a:cs typeface="Courier New" pitchFamily="49" charset="0"/>
+              </a:rPr>
+              <a:t>getNonblocking:msg</a:t>
+            </a:r>
+            <a:endParaRPr lang="en-US" sz="1000" smtClean="0">
               <a:latin typeface="Courier New" pitchFamily="49" charset="0"/>
               <a:cs typeface="Courier New" pitchFamily="49" charset="0"/>
             </a:endParaRPr>
           </a:p>
-        </p:txBody>
-      </p:sp>
-      <p:sp>
-        <p:nvSpPr>
-          <p:cNvPr id="97" name="TextBox 96"/>
-          <p:cNvSpPr txBox="1"/>
-          <p:nvPr/>
-        </p:nvSpPr>
-        <p:spPr>
-          <a:xfrm>
-            <a:off x="5115593" y="3180808"/>
-            <a:ext cx="2646878" cy="861774"/>
-          </a:xfrm>
-          <a:prstGeom prst="rect">
-            <a:avLst/>
-          </a:prstGeom>
-          <a:noFill/>
-        </p:spPr>
-        <p:txBody>
-          <a:bodyPr wrap="none" rtlCol="0">
-            <a:spAutoFit/>
-          </a:bodyPr>
-          <a:lstStyle/>
-          <a:p>
-            <a:r>
-              <a:rPr lang="en-US" sz="1000" dirty="0" smtClean="0">
-                <a:latin typeface="Courier New" pitchFamily="49" charset="0"/>
-                <a:cs typeface="Courier New" pitchFamily="49" charset="0"/>
-              </a:rPr>
-              <a:t>create(</a:t>
-            </a:r>
-            <a:r>
-              <a:rPr lang="en-US" sz="1000" dirty="0" err="1" smtClean="0">
-                <a:latin typeface="Courier New" pitchFamily="49" charset="0"/>
-                <a:cs typeface="Courier New" pitchFamily="49" charset="0"/>
-              </a:rPr>
-              <a:t>name,</a:t>
-            </a:r>
-            <a:r>
-              <a:rPr lang="en-US" sz="1000" dirty="0" err="1" smtClean="0">
-                <a:solidFill>
-                  <a:srgbClr val="FF0000"/>
-                </a:solidFill>
-                <a:latin typeface="Courier New" pitchFamily="49" charset="0"/>
-                <a:cs typeface="Courier New" pitchFamily="49" charset="0"/>
-              </a:rPr>
-              <a:t>inQu,inQuNum</a:t>
-            </a:r>
-            <a:r>
-              <a:rPr lang="en-US" sz="1000" dirty="0" err="1" smtClean="0">
-                <a:latin typeface="Courier New" pitchFamily="49" charset="0"/>
-                <a:cs typeface="Courier New" pitchFamily="49" charset="0"/>
-              </a:rPr>
-              <a:t>,outQu</a:t>
-            </a:r>
-            <a:r>
-              <a:rPr lang="en-US" sz="1000" dirty="0" smtClean="0">
-                <a:latin typeface="Courier New" pitchFamily="49" charset="0"/>
-                <a:cs typeface="Courier New" pitchFamily="49" charset="0"/>
-              </a:rPr>
-              <a:t>)</a:t>
-            </a:r>
-          </a:p>
-          <a:p>
-            <a:r>
-              <a:rPr lang="en-US" sz="1000" dirty="0" err="1" smtClean="0">
-                <a:latin typeface="Courier New" pitchFamily="49" charset="0"/>
-                <a:cs typeface="Courier New" pitchFamily="49" charset="0"/>
-              </a:rPr>
-              <a:t>addInterest</a:t>
-            </a:r>
-            <a:r>
-              <a:rPr lang="en-US" sz="1000" dirty="0" smtClean="0">
-                <a:latin typeface="Courier New" pitchFamily="49" charset="0"/>
-                <a:cs typeface="Courier New" pitchFamily="49" charset="0"/>
-              </a:rPr>
-              <a:t>(</a:t>
-            </a:r>
-            <a:r>
-              <a:rPr lang="en-US" sz="1000" dirty="0" err="1" smtClean="0">
-                <a:latin typeface="Courier New" pitchFamily="49" charset="0"/>
-                <a:cs typeface="Courier New" pitchFamily="49" charset="0"/>
-              </a:rPr>
-              <a:t>PutTrainStateMsg</a:t>
-            </a:r>
-            <a:r>
-              <a:rPr lang="en-US" sz="1000" dirty="0" smtClean="0">
-                <a:latin typeface="Courier New" pitchFamily="49" charset="0"/>
-                <a:cs typeface="Courier New" pitchFamily="49" charset="0"/>
-              </a:rPr>
-              <a:t>)</a:t>
-            </a:r>
-          </a:p>
-          <a:p>
-            <a:r>
-              <a:rPr lang="en-US" sz="1000" dirty="0" err="1" smtClean="0">
-                <a:latin typeface="Courier New" pitchFamily="49" charset="0"/>
-                <a:cs typeface="Courier New" pitchFamily="49" charset="0"/>
-              </a:rPr>
-              <a:t>addInterest</a:t>
-            </a:r>
-            <a:r>
-              <a:rPr lang="en-US" sz="1000" dirty="0" smtClean="0">
-                <a:latin typeface="Courier New" pitchFamily="49" charset="0"/>
-                <a:cs typeface="Courier New" pitchFamily="49" charset="0"/>
-              </a:rPr>
-              <a:t>(</a:t>
-            </a:r>
-            <a:r>
-              <a:rPr lang="en-US" sz="1000" dirty="0" err="1" smtClean="0">
-                <a:latin typeface="Courier New" pitchFamily="49" charset="0"/>
-                <a:cs typeface="Courier New" pitchFamily="49" charset="0"/>
-              </a:rPr>
-              <a:t>PutTrainPositionMsg</a:t>
-            </a:r>
-            <a:r>
-              <a:rPr lang="en-US" sz="1000" dirty="0" smtClean="0">
-                <a:latin typeface="Courier New" pitchFamily="49" charset="0"/>
-                <a:cs typeface="Courier New" pitchFamily="49" charset="0"/>
-              </a:rPr>
-              <a:t>)</a:t>
-            </a:r>
-          </a:p>
-          <a:p>
-            <a:r>
-              <a:rPr lang="en-US" sz="1000" dirty="0" err="1" smtClean="0">
-                <a:latin typeface="Courier New" pitchFamily="49" charset="0"/>
-                <a:cs typeface="Courier New" pitchFamily="49" charset="0"/>
-              </a:rPr>
-              <a:t>getNonblocking:msg</a:t>
-            </a:r>
-            <a:endParaRPr lang="en-US" sz="1000" dirty="0" smtClean="0">
-              <a:latin typeface="Courier New" pitchFamily="49" charset="0"/>
-              <a:cs typeface="Courier New" pitchFamily="49" charset="0"/>
-            </a:endParaRPr>
-          </a:p>
-          <a:p>
-            <a:r>
-              <a:rPr lang="en-US" sz="1000" dirty="0" smtClean="0">
+          <a:p>
+            <a:r>
+              <a:rPr lang="en-US" sz="1000" smtClean="0">
                 <a:latin typeface="Courier New" pitchFamily="49" charset="0"/>
                 <a:cs typeface="Courier New" pitchFamily="49" charset="0"/>
               </a:rPr>
@@ -13419,7 +13227,7 @@
           <a:p>
             <a:pPr algn="ctr"/>
             <a:r>
-              <a:rPr lang="en-US" dirty="0" smtClean="0">
+              <a:rPr lang="en-US" smtClean="0">
                 <a:solidFill>
                   <a:schemeClr val="accent6">
                     <a:lumMod val="75000"/>
@@ -13432,7 +13240,7 @@
           <a:p>
             <a:pPr algn="ctr"/>
             <a:r>
-              <a:rPr lang="en-US" sz="1200" dirty="0" smtClean="0">
+              <a:rPr lang="en-US" sz="1200" smtClean="0">
                 <a:solidFill>
                   <a:schemeClr val="accent6">
                     <a:lumMod val="75000"/>
@@ -13442,7 +13250,7 @@
               <a:t>How use a Throttle and </a:t>
             </a:r>
             <a:r>
-              <a:rPr lang="en-US" sz="1200" dirty="0" err="1" smtClean="0">
+              <a:rPr lang="en-US" sz="1200" err="1" smtClean="0">
                 <a:solidFill>
                   <a:schemeClr val="accent6">
                     <a:lumMod val="75000"/>
@@ -13451,7 +13259,7 @@
               </a:rPr>
               <a:t>GuiThrottle</a:t>
             </a:r>
-            <a:endParaRPr lang="en-US" sz="1200" dirty="0">
+            <a:endParaRPr lang="en-US" sz="1200">
               <a:solidFill>
                 <a:schemeClr val="accent6">
                   <a:lumMod val="75000"/>
@@ -13633,7 +13441,7 @@
           <a:p>
             <a:pPr algn="ctr"/>
             <a:r>
-              <a:rPr lang="en-US" sz="1200" dirty="0" smtClean="0">
+              <a:rPr lang="en-US" sz="1200" smtClean="0">
                 <a:solidFill>
                   <a:schemeClr val="accent6">
                     <a:lumMod val="75000"/>
@@ -13642,7 +13450,7 @@
               </a:rPr>
               <a:t>Throttle_Test.py</a:t>
             </a:r>
-            <a:endParaRPr lang="en-US" sz="1200" dirty="0">
+            <a:endParaRPr lang="en-US" sz="1200">
               <a:solidFill>
                 <a:schemeClr val="accent6">
                   <a:lumMod val="75000"/>
@@ -13771,20 +13579,13 @@
           <a:lstStyle/>
           <a:p>
             <a:r>
-              <a:rPr lang="en-US" sz="1000" dirty="0" err="1" smtClean="0">
-                <a:latin typeface="Courier New" pitchFamily="49" charset="0"/>
-                <a:cs typeface="Courier New" pitchFamily="49" charset="0"/>
-              </a:rPr>
-              <a:t>in</a:t>
-            </a:r>
-            <a:r>
-              <a:rPr lang="en-US" sz="1000" dirty="0" err="1" smtClean="0">
-                <a:latin typeface="Courier New" pitchFamily="49" charset="0"/>
-                <a:cs typeface="Courier New" pitchFamily="49" charset="0"/>
-              </a:rPr>
-              <a:t>Qu</a:t>
-            </a:r>
-            <a:endParaRPr lang="en-US" sz="1000" dirty="0" smtClean="0">
+              <a:rPr lang="en-US" sz="1000" err="1" smtClean="0">
+                <a:latin typeface="Courier New" pitchFamily="49" charset="0"/>
+                <a:cs typeface="Courier New" pitchFamily="49" charset="0"/>
+              </a:rPr>
+              <a:t>inQu</a:t>
+            </a:r>
+            <a:endParaRPr lang="en-US" sz="1000" smtClean="0">
               <a:latin typeface="Courier New" pitchFamily="49" charset="0"/>
               <a:cs typeface="Courier New" pitchFamily="49" charset="0"/>
             </a:endParaRPr>
@@ -13814,7 +13615,7 @@
           <a:lstStyle/>
           <a:p>
             <a:r>
-              <a:rPr lang="en-US" sz="1000" dirty="0" smtClean="0">
+              <a:rPr lang="en-US" sz="1000" smtClean="0">
                 <a:latin typeface="Courier New" pitchFamily="49" charset="0"/>
                 <a:cs typeface="Courier New" pitchFamily="49" charset="0"/>
               </a:rPr>
@@ -13896,13 +13697,13 @@
           <a:lstStyle/>
           <a:p>
             <a:r>
-              <a:rPr lang="en-US" sz="1000" dirty="0" err="1" smtClean="0">
+              <a:rPr lang="en-US" sz="1000" err="1" smtClean="0">
                 <a:latin typeface="Courier New" pitchFamily="49" charset="0"/>
                 <a:cs typeface="Courier New" pitchFamily="49" charset="0"/>
               </a:rPr>
               <a:t>inQuList</a:t>
             </a:r>
-            <a:endParaRPr lang="en-US" sz="1000" dirty="0" smtClean="0">
+            <a:endParaRPr lang="en-US" sz="1000" smtClean="0">
               <a:latin typeface="Courier New" pitchFamily="49" charset="0"/>
               <a:cs typeface="Courier New" pitchFamily="49" charset="0"/>
             </a:endParaRPr>
@@ -13968,7 +13769,7 @@
           <a:lstStyle/>
           <a:p>
             <a:r>
-              <a:rPr lang="en-US" sz="1000" dirty="0" smtClean="0">
+              <a:rPr lang="en-US" sz="1000" smtClean="0">
                 <a:latin typeface="Courier New" pitchFamily="49" charset="0"/>
                 <a:cs typeface="Courier New" pitchFamily="49" charset="0"/>
               </a:rPr>
@@ -14016,20 +13817,13 @@
           <a:lstStyle/>
           <a:p>
             <a:r>
-              <a:rPr lang="en-US" sz="1000" dirty="0" err="1" smtClean="0">
-                <a:latin typeface="Courier New" pitchFamily="49" charset="0"/>
-                <a:cs typeface="Courier New" pitchFamily="49" charset="0"/>
-              </a:rPr>
-              <a:t>in</a:t>
-            </a:r>
-            <a:r>
-              <a:rPr lang="en-US" sz="1000" dirty="0" err="1" smtClean="0">
-                <a:latin typeface="Courier New" pitchFamily="49" charset="0"/>
-                <a:cs typeface="Courier New" pitchFamily="49" charset="0"/>
-              </a:rPr>
-              <a:t>Qu</a:t>
-            </a:r>
-            <a:endParaRPr lang="en-US" sz="1000" dirty="0" smtClean="0">
+              <a:rPr lang="en-US" sz="1000" err="1" smtClean="0">
+                <a:latin typeface="Courier New" pitchFamily="49" charset="0"/>
+                <a:cs typeface="Courier New" pitchFamily="49" charset="0"/>
+              </a:rPr>
+              <a:t>inQu</a:t>
+            </a:r>
+            <a:endParaRPr lang="en-US" sz="1000" smtClean="0">
               <a:latin typeface="Courier New" pitchFamily="49" charset="0"/>
               <a:cs typeface="Courier New" pitchFamily="49" charset="0"/>
             </a:endParaRPr>
@@ -14109,13 +13903,13 @@
           <a:lstStyle/>
           <a:p>
             <a:r>
-              <a:rPr lang="en-US" sz="1000" dirty="0" err="1" smtClean="0">
+              <a:rPr lang="en-US" sz="1000" err="1" smtClean="0">
                 <a:latin typeface="Courier New" pitchFamily="49" charset="0"/>
                 <a:cs typeface="Courier New" pitchFamily="49" charset="0"/>
               </a:rPr>
               <a:t>inQuList</a:t>
             </a:r>
-            <a:endParaRPr lang="en-US" sz="1000" dirty="0" smtClean="0">
+            <a:endParaRPr lang="en-US" sz="1000" smtClean="0">
               <a:latin typeface="Courier New" pitchFamily="49" charset="0"/>
               <a:cs typeface="Courier New" pitchFamily="49" charset="0"/>
             </a:endParaRPr>
@@ -14145,7 +13939,7 @@
           <a:lstStyle/>
           <a:p>
             <a:r>
-              <a:rPr lang="en-US" sz="1000" dirty="0" smtClean="0">
+              <a:rPr lang="en-US" sz="1000" smtClean="0">
                 <a:latin typeface="Courier New" pitchFamily="49" charset="0"/>
                 <a:cs typeface="Courier New" pitchFamily="49" charset="0"/>
               </a:rPr>
@@ -14177,7 +13971,7 @@
           <a:lstStyle/>
           <a:p>
             <a:r>
-              <a:rPr lang="en-US" sz="1000" dirty="0" smtClean="0">
+              <a:rPr lang="en-US" sz="1000" smtClean="0">
                 <a:latin typeface="Courier New" pitchFamily="49" charset="0"/>
                 <a:cs typeface="Courier New" pitchFamily="49" charset="0"/>
               </a:rPr>
@@ -14246,7 +14040,7 @@
           <a:p>
             <a:pPr algn="ctr"/>
             <a:r>
-              <a:rPr lang="en-US" sz="1200" dirty="0" smtClean="0">
+              <a:rPr lang="en-US" sz="1200" smtClean="0">
                 <a:solidFill>
                   <a:schemeClr val="accent6">
                     <a:lumMod val="75000"/>
@@ -14255,7 +14049,7 @@
               </a:rPr>
               <a:t>GuiThrottle_Test.py</a:t>
             </a:r>
-            <a:endParaRPr lang="en-US" sz="1200" dirty="0">
+            <a:endParaRPr lang="en-US" sz="1200">
               <a:solidFill>
                 <a:schemeClr val="accent6">
                   <a:lumMod val="75000"/>

--- a/Scripting/ScriptingDocumenation/DesignDiagrams.pptx
+++ b/Scripting/ScriptingDocumenation/DesignDiagrams.pptx
@@ -3357,6 +3357,9 @@
           <a:p>
             <a:r>
               <a:rPr lang="en-US" sz="1000" smtClean="0">
+                <a:solidFill>
+                  <a:srgbClr val="C00000"/>
+                </a:solidFill>
                 <a:latin typeface="Courier New" pitchFamily="49" charset="0"/>
                 <a:cs typeface="Courier New" pitchFamily="49" charset="0"/>
               </a:rPr>
@@ -3415,7 +3418,7 @@
         </p:nvSpPr>
         <p:spPr>
           <a:xfrm>
-            <a:off x="2880189" y="2890465"/>
+            <a:off x="2991284" y="2642637"/>
             <a:ext cx="877163" cy="246221"/>
           </a:xfrm>
           <a:prstGeom prst="rect">
@@ -3606,7 +3609,7 @@
         <p:spPr>
           <a:xfrm>
             <a:off x="0" y="1967502"/>
-            <a:ext cx="2339102" cy="246221"/>
+            <a:ext cx="1877437" cy="400110"/>
           </a:xfrm>
           <a:prstGeom prst="rect">
             <a:avLst/>
@@ -3624,7 +3627,60 @@
                 <a:latin typeface="Courier New" pitchFamily="49" charset="0"/>
                 <a:cs typeface="Courier New" pitchFamily="49" charset="0"/>
               </a:rPr>
-              <a:t>start(clientHandlerFunction)</a:t>
+              <a:t>start(</a:t>
+            </a:r>
+            <a:r>
+              <a:rPr lang="en-US" sz="1000" smtClean="0">
+                <a:solidFill>
+                  <a:srgbClr val="0070C0"/>
+                </a:solidFill>
+                <a:latin typeface="Courier New" pitchFamily="49" charset="0"/>
+                <a:cs typeface="Courier New" pitchFamily="49" charset="0"/>
+              </a:rPr>
+              <a:t>host</a:t>
+            </a:r>
+            <a:r>
+              <a:rPr lang="en-US" sz="1000" smtClean="0">
+                <a:latin typeface="Courier New" pitchFamily="49" charset="0"/>
+                <a:cs typeface="Courier New" pitchFamily="49" charset="0"/>
+              </a:rPr>
+              <a:t>, </a:t>
+            </a:r>
+            <a:r>
+              <a:rPr lang="en-US" sz="1000" smtClean="0">
+                <a:solidFill>
+                  <a:srgbClr val="0070C0"/>
+                </a:solidFill>
+                <a:latin typeface="Courier New" pitchFamily="49" charset="0"/>
+                <a:cs typeface="Courier New" pitchFamily="49" charset="0"/>
+              </a:rPr>
+              <a:t>port</a:t>
+            </a:r>
+            <a:r>
+              <a:rPr lang="en-US" sz="1000" smtClean="0">
+                <a:latin typeface="Courier New" pitchFamily="49" charset="0"/>
+                <a:cs typeface="Courier New" pitchFamily="49" charset="0"/>
+              </a:rPr>
+              <a:t>, </a:t>
+            </a:r>
+          </a:p>
+          <a:p>
+            <a:r>
+              <a:rPr lang="en-US" sz="1000" smtClean="0">
+                <a:solidFill>
+                  <a:srgbClr val="C00000"/>
+                </a:solidFill>
+                <a:latin typeface="Courier New" pitchFamily="49" charset="0"/>
+                <a:cs typeface="Courier New" pitchFamily="49" charset="0"/>
+              </a:rPr>
+              <a:t>clientHandlerFunction</a:t>
+            </a:r>
+            <a:r>
+              <a:rPr lang="en-US" sz="1000" smtClean="0">
+                <a:latin typeface="Courier New" pitchFamily="49" charset="0"/>
+                <a:cs typeface="Courier New" pitchFamily="49" charset="0"/>
+              </a:rPr>
+              <a:t>)</a:t>
             </a:r>
             <a:endParaRPr lang="en-US" sz="1000">
               <a:latin typeface="Courier New" pitchFamily="49" charset="0"/>
@@ -3641,8 +3697,8 @@
         </p:nvSpPr>
         <p:spPr>
           <a:xfrm>
-            <a:off x="2837380" y="905838"/>
-            <a:ext cx="569387" cy="246221"/>
+            <a:off x="2247720" y="974205"/>
+            <a:ext cx="1492716" cy="246221"/>
           </a:xfrm>
           <a:prstGeom prst="rect">
             <a:avLst/>
@@ -3660,7 +3716,41 @@
                 <a:latin typeface="Courier New" pitchFamily="49" charset="0"/>
                 <a:cs typeface="Courier New" pitchFamily="49" charset="0"/>
               </a:rPr>
-              <a:t>start</a:t>
+              <a:t>start(</a:t>
+            </a:r>
+            <a:r>
+              <a:rPr lang="en-US" sz="1000" smtClean="0">
+                <a:solidFill>
+                  <a:srgbClr val="0070C0"/>
+                </a:solidFill>
+                <a:latin typeface="Courier New" pitchFamily="49" charset="0"/>
+                <a:cs typeface="Courier New" pitchFamily="49" charset="0"/>
+              </a:rPr>
+              <a:t>host</a:t>
+            </a:r>
+            <a:r>
+              <a:rPr lang="en-US" sz="1000" smtClean="0">
+                <a:latin typeface="Courier New" pitchFamily="49" charset="0"/>
+                <a:cs typeface="Courier New" pitchFamily="49" charset="0"/>
+              </a:rPr>
+              <a:t>, </a:t>
+            </a:r>
+            <a:r>
+              <a:rPr lang="en-US" sz="1000" smtClean="0">
+                <a:solidFill>
+                  <a:srgbClr val="0070C0"/>
+                </a:solidFill>
+                <a:latin typeface="Courier New" pitchFamily="49" charset="0"/>
+                <a:cs typeface="Courier New" pitchFamily="49" charset="0"/>
+              </a:rPr>
+              <a:t>port</a:t>
+            </a:r>
+            <a:r>
+              <a:rPr lang="en-US" sz="1000" smtClean="0">
+                <a:latin typeface="Courier New" pitchFamily="49" charset="0"/>
+                <a:cs typeface="Courier New" pitchFamily="49" charset="0"/>
+              </a:rPr>
+              <a:t>)</a:t>
             </a:r>
             <a:endParaRPr lang="en-US" sz="1000">
               <a:latin typeface="Courier New" pitchFamily="49" charset="0"/>
@@ -3677,8 +3767,8 @@
         </p:nvSpPr>
         <p:spPr>
           <a:xfrm>
-            <a:off x="1171255" y="760287"/>
-            <a:ext cx="569387" cy="246221"/>
+            <a:off x="154305" y="683375"/>
+            <a:ext cx="1877437" cy="400110"/>
           </a:xfrm>
           <a:prstGeom prst="rect">
             <a:avLst/>
@@ -3696,7 +3786,60 @@
                 <a:latin typeface="Courier New" pitchFamily="49" charset="0"/>
                 <a:cs typeface="Courier New" pitchFamily="49" charset="0"/>
               </a:rPr>
-              <a:t>start</a:t>
+              <a:t>start(</a:t>
+            </a:r>
+            <a:r>
+              <a:rPr lang="en-US" sz="1000" smtClean="0">
+                <a:solidFill>
+                  <a:srgbClr val="0070C0"/>
+                </a:solidFill>
+                <a:latin typeface="Courier New" pitchFamily="49" charset="0"/>
+                <a:cs typeface="Courier New" pitchFamily="49" charset="0"/>
+              </a:rPr>
+              <a:t>host</a:t>
+            </a:r>
+            <a:r>
+              <a:rPr lang="en-US" sz="1000" smtClean="0">
+                <a:latin typeface="Courier New" pitchFamily="49" charset="0"/>
+                <a:cs typeface="Courier New" pitchFamily="49" charset="0"/>
+              </a:rPr>
+              <a:t>, </a:t>
+            </a:r>
+            <a:r>
+              <a:rPr lang="en-US" sz="1000" smtClean="0">
+                <a:solidFill>
+                  <a:srgbClr val="0070C0"/>
+                </a:solidFill>
+                <a:latin typeface="Courier New" pitchFamily="49" charset="0"/>
+                <a:cs typeface="Courier New" pitchFamily="49" charset="0"/>
+              </a:rPr>
+              <a:t>port</a:t>
+            </a:r>
+            <a:r>
+              <a:rPr lang="en-US" sz="1000" smtClean="0">
+                <a:latin typeface="Courier New" pitchFamily="49" charset="0"/>
+                <a:cs typeface="Courier New" pitchFamily="49" charset="0"/>
+              </a:rPr>
+              <a:t>, </a:t>
+            </a:r>
+          </a:p>
+          <a:p>
+            <a:r>
+              <a:rPr lang="en-US" sz="1000" smtClean="0">
+                <a:solidFill>
+                  <a:srgbClr val="C00000"/>
+                </a:solidFill>
+                <a:latin typeface="Courier New" pitchFamily="49" charset="0"/>
+                <a:cs typeface="Courier New" pitchFamily="49" charset="0"/>
+              </a:rPr>
+              <a:t>clientHandlerFunction</a:t>
+            </a:r>
+            <a:r>
+              <a:rPr lang="en-US" sz="1000" smtClean="0">
+                <a:latin typeface="Courier New" pitchFamily="49" charset="0"/>
+                <a:cs typeface="Courier New" pitchFamily="49" charset="0"/>
+              </a:rPr>
+              <a:t>)</a:t>
             </a:r>
             <a:endParaRPr lang="en-US" sz="1000">
               <a:latin typeface="Courier New" pitchFamily="49" charset="0"/>
@@ -3789,7 +3932,7 @@
         <p:spPr>
           <a:xfrm>
             <a:off x="3266264" y="1617820"/>
-            <a:ext cx="52507" cy="1272645"/>
+            <a:ext cx="163602" cy="1024817"/>
           </a:xfrm>
           <a:prstGeom prst="straightConnector1">
             <a:avLst/>
@@ -3840,7 +3983,24 @@
                 <a:latin typeface="Courier New" pitchFamily="49" charset="0"/>
                 <a:cs typeface="Courier New" pitchFamily="49" charset="0"/>
               </a:rPr>
-              <a:t>call(msgSocket)</a:t>
+              <a:t>call(</a:t>
+            </a:r>
+            <a:r>
+              <a:rPr lang="en-US" sz="1000" smtClean="0">
+                <a:solidFill>
+                  <a:srgbClr val="FF0000"/>
+                </a:solidFill>
+                <a:latin typeface="Courier New" pitchFamily="49" charset="0"/>
+                <a:cs typeface="Courier New" pitchFamily="49" charset="0"/>
+              </a:rPr>
+              <a:t>msgSocket</a:t>
+            </a:r>
+            <a:r>
+              <a:rPr lang="en-US" sz="1000" smtClean="0">
+                <a:latin typeface="Courier New" pitchFamily="49" charset="0"/>
+                <a:cs typeface="Courier New" pitchFamily="49" charset="0"/>
+              </a:rPr>
+              <a:t>)</a:t>
             </a:r>
             <a:endParaRPr lang="en-US" sz="1000">
               <a:latin typeface="Courier New" pitchFamily="49" charset="0"/>
@@ -3858,7 +4018,7 @@
         <p:spPr>
           <a:xfrm>
             <a:off x="1827088" y="5279206"/>
-            <a:ext cx="723275" cy="400110"/>
+            <a:ext cx="723275" cy="553998"/>
           </a:xfrm>
           <a:prstGeom prst="rect">
             <a:avLst/>
@@ -3886,6 +4046,15 @@
                 <a:cs typeface="Courier New" pitchFamily="49" charset="0"/>
               </a:rPr>
               <a:t>receive</a:t>
+            </a:r>
+          </a:p>
+          <a:p>
+            <a:r>
+              <a:rPr lang="en-US" sz="1000" smtClean="0">
+                <a:latin typeface="Courier New" pitchFamily="49" charset="0"/>
+                <a:cs typeface="Courier New" pitchFamily="49" charset="0"/>
+              </a:rPr>
+              <a:t>close</a:t>
             </a:r>
             <a:endParaRPr lang="en-US" sz="1000">
               <a:latin typeface="Courier New" pitchFamily="49" charset="0"/>
@@ -3944,7 +4113,7 @@
         </p:nvSpPr>
         <p:spPr>
           <a:xfrm>
-            <a:off x="164388" y="1027418"/>
+            <a:off x="0" y="1172696"/>
             <a:ext cx="415498" cy="246221"/>
           </a:xfrm>
           <a:prstGeom prst="rect">
@@ -4043,8 +4212,8 @@
         </p:nvCxnSpPr>
         <p:spPr>
           <a:xfrm flipH="1" flipV="1">
-            <a:off x="579886" y="1150529"/>
-            <a:ext cx="311336" cy="404294"/>
+            <a:off x="415498" y="1295807"/>
+            <a:ext cx="475724" cy="259016"/>
           </a:xfrm>
           <a:prstGeom prst="straightConnector1">
             <a:avLst/>
@@ -6249,7 +6418,7 @@
         <p:spPr>
           <a:xfrm>
             <a:off x="0" y="3912742"/>
-            <a:ext cx="1800493" cy="400110"/>
+            <a:ext cx="1877437" cy="400110"/>
           </a:xfrm>
           <a:prstGeom prst="rect">
             <a:avLst/>
@@ -6267,16 +6436,43 @@
                 <a:latin typeface="Courier New" pitchFamily="49" charset="0"/>
                 <a:cs typeface="Courier New" pitchFamily="49" charset="0"/>
               </a:rPr>
-              <a:t>start(socketToClient,</a:t>
-            </a:r>
-          </a:p>
-          <a:p>
-            <a:r>
-              <a:rPr lang="en-US" sz="1000" smtClean="0">
+              <a:t>start(</a:t>
+            </a:r>
+            <a:r>
+              <a:rPr lang="en-US" sz="1000" smtClean="0">
+                <a:solidFill>
+                  <a:srgbClr val="FF0000"/>
+                </a:solidFill>
+                <a:latin typeface="Courier New" pitchFamily="49" charset="0"/>
+                <a:cs typeface="Courier New" pitchFamily="49" charset="0"/>
+              </a:rPr>
+              <a:t>socketToClient</a:t>
+            </a:r>
+            <a:r>
+              <a:rPr lang="en-US" sz="1000" smtClean="0">
+                <a:latin typeface="Courier New" pitchFamily="49" charset="0"/>
+                <a:cs typeface="Courier New" pitchFamily="49" charset="0"/>
+              </a:rPr>
+              <a:t>,</a:t>
+            </a:r>
+          </a:p>
+          <a:p>
+            <a:r>
+              <a:rPr lang="en-US" sz="1000" smtClean="0">
+                <a:solidFill>
+                  <a:srgbClr val="C00000"/>
+                </a:solidFill>
                 <a:latin typeface="Courier New" pitchFamily="49" charset="0"/>
                 <a:cs typeface="Courier New" pitchFamily="49" charset="0"/>
               </a:rPr>
               <a:t>clientHandlerFunction</a:t>
+            </a:r>
+            <a:r>
+              <a:rPr lang="en-US" sz="1000" smtClean="0">
+                <a:latin typeface="Courier New" pitchFamily="49" charset="0"/>
+                <a:cs typeface="Courier New" pitchFamily="49" charset="0"/>
+              </a:rPr>
+              <a:t>)</a:t>
             </a:r>
             <a:endParaRPr lang="en-US" sz="1000">
               <a:latin typeface="Courier New" pitchFamily="49" charset="0"/>
@@ -6293,7 +6489,7 @@
         </p:nvSpPr>
         <p:spPr>
           <a:xfrm>
-            <a:off x="1707223" y="2498336"/>
+            <a:off x="1715769" y="2575248"/>
             <a:ext cx="1107996" cy="246221"/>
           </a:xfrm>
           <a:prstGeom prst="rect">
@@ -6339,7 +6535,7 @@
         </p:nvSpPr>
         <p:spPr>
           <a:xfrm>
-            <a:off x="1541124" y="2917863"/>
+            <a:off x="1660765" y="3020413"/>
             <a:ext cx="1261884" cy="246221"/>
           </a:xfrm>
           <a:prstGeom prst="rect">
@@ -6369,6 +6565,9 @@
           <a:p>
             <a:r>
               <a:rPr lang="en-US" sz="1000" smtClean="0">
+                <a:solidFill>
+                  <a:srgbClr val="FF0000"/>
+                </a:solidFill>
                 <a:latin typeface="Courier New" pitchFamily="49" charset="0"/>
                 <a:cs typeface="Courier New" pitchFamily="49" charset="0"/>
               </a:rPr>
@@ -6388,8 +6587,8 @@
         </p:nvCxnSpPr>
         <p:spPr>
           <a:xfrm flipV="1">
-            <a:off x="1338828" y="2621447"/>
-            <a:ext cx="368395" cy="534258"/>
+            <a:off x="1338828" y="2698359"/>
+            <a:ext cx="376941" cy="457346"/>
           </a:xfrm>
           <a:prstGeom prst="straightConnector1">
             <a:avLst/>
@@ -6478,8 +6677,8 @@
         </p:nvCxnSpPr>
         <p:spPr>
           <a:xfrm flipH="1">
-            <a:off x="1338828" y="3040974"/>
-            <a:ext cx="202296" cy="114731"/>
+            <a:off x="1338828" y="3143524"/>
+            <a:ext cx="321937" cy="12181"/>
           </a:xfrm>
           <a:prstGeom prst="straightConnector1">
             <a:avLst/>
@@ -6541,6 +6740,9 @@
           <a:p>
             <a:r>
               <a:rPr lang="en-US" sz="1000" smtClean="0">
+                <a:solidFill>
+                  <a:srgbClr val="FF0000"/>
+                </a:solidFill>
                 <a:latin typeface="Courier New" pitchFamily="49" charset="0"/>
                 <a:cs typeface="Courier New" pitchFamily="49" charset="0"/>
               </a:rPr>
@@ -6596,8 +6798,8 @@
         </p:nvCxnSpPr>
         <p:spPr>
           <a:xfrm flipV="1">
-            <a:off x="2423209" y="3136686"/>
-            <a:ext cx="895562" cy="656193"/>
+            <a:off x="2423209" y="2888858"/>
+            <a:ext cx="1006657" cy="904021"/>
           </a:xfrm>
           <a:prstGeom prst="straightConnector1">
             <a:avLst/>
@@ -6637,7 +6839,7 @@
         </p:nvSpPr>
         <p:spPr>
           <a:xfrm>
-            <a:off x="1650715" y="4157610"/>
+            <a:off x="1214880" y="4285797"/>
             <a:ext cx="646331" cy="246221"/>
           </a:xfrm>
           <a:prstGeom prst="rect">
@@ -6888,6 +7090,102 @@
               <a:latin typeface="Courier New" pitchFamily="49" charset="0"/>
               <a:cs typeface="Courier New" pitchFamily="49" charset="0"/>
             </a:endParaRPr>
+          </a:p>
+        </p:txBody>
+      </p:sp>
+      <p:sp>
+        <p:nvSpPr>
+          <p:cNvPr id="101" name="Freeform 100"/>
+          <p:cNvSpPr/>
+          <p:nvPr/>
+        </p:nvSpPr>
+        <p:spPr>
+          <a:xfrm>
+            <a:off x="34183" y="2392822"/>
+            <a:ext cx="3555051" cy="1136591"/>
+          </a:xfrm>
+          <a:custGeom>
+            <a:avLst/>
+            <a:gdLst>
+              <a:gd name="connsiteX0" fmla="*/ 0 w 3555051"/>
+              <a:gd name="connsiteY0" fmla="*/ 1136591 h 1136591"/>
+              <a:gd name="connsiteX1" fmla="*/ 1478423 w 3555051"/>
+              <a:gd name="connsiteY1" fmla="*/ 1093862 h 1136591"/>
+              <a:gd name="connsiteX2" fmla="*/ 1649338 w 3555051"/>
+              <a:gd name="connsiteY2" fmla="*/ 0 h 1136591"/>
+              <a:gd name="connsiteX3" fmla="*/ 3016666 w 3555051"/>
+              <a:gd name="connsiteY3" fmla="*/ 68367 h 1136591"/>
+              <a:gd name="connsiteX4" fmla="*/ 2820112 w 3555051"/>
+              <a:gd name="connsiteY4" fmla="*/ 495657 h 1136591"/>
+              <a:gd name="connsiteX5" fmla="*/ 3555051 w 3555051"/>
+              <a:gd name="connsiteY5" fmla="*/ 888763 h 1136591"/>
+            </a:gdLst>
+            <a:ahLst/>
+            <a:cxnLst>
+              <a:cxn ang="0">
+                <a:pos x="connsiteX0" y="connsiteY0"/>
+              </a:cxn>
+              <a:cxn ang="0">
+                <a:pos x="connsiteX1" y="connsiteY1"/>
+              </a:cxn>
+              <a:cxn ang="0">
+                <a:pos x="connsiteX2" y="connsiteY2"/>
+              </a:cxn>
+              <a:cxn ang="0">
+                <a:pos x="connsiteX3" y="connsiteY3"/>
+              </a:cxn>
+              <a:cxn ang="0">
+                <a:pos x="connsiteX4" y="connsiteY4"/>
+              </a:cxn>
+              <a:cxn ang="0">
+                <a:pos x="connsiteX5" y="connsiteY5"/>
+              </a:cxn>
+            </a:cxnLst>
+            <a:rect l="l" t="t" r="r" b="b"/>
+            <a:pathLst>
+              <a:path w="3555051" h="1136591">
+                <a:moveTo>
+                  <a:pt x="0" y="1136591"/>
+                </a:moveTo>
+                <a:lnTo>
+                  <a:pt x="1478423" y="1093862"/>
+                </a:lnTo>
+                <a:lnTo>
+                  <a:pt x="1649338" y="0"/>
+                </a:lnTo>
+                <a:lnTo>
+                  <a:pt x="3016666" y="68367"/>
+                </a:lnTo>
+                <a:lnTo>
+                  <a:pt x="2820112" y="495657"/>
+                </a:lnTo>
+                <a:lnTo>
+                  <a:pt x="3555051" y="888763"/>
+                </a:lnTo>
+              </a:path>
+            </a:pathLst>
+          </a:custGeom>
+        </p:spPr>
+        <p:style>
+          <a:lnRef idx="2">
+            <a:schemeClr val="accent4"/>
+          </a:lnRef>
+          <a:fillRef idx="0">
+            <a:schemeClr val="accent4"/>
+          </a:fillRef>
+          <a:effectRef idx="1">
+            <a:schemeClr val="accent4"/>
+          </a:effectRef>
+          <a:fontRef idx="minor">
+            <a:schemeClr val="tx1"/>
+          </a:fontRef>
+        </p:style>
+        <p:txBody>
+          <a:bodyPr rtlCol="0" anchor="ctr"/>
+          <a:lstStyle/>
+          <a:p>
+            <a:pPr algn="ctr"/>
+            <a:endParaRPr lang="en-US"/>
           </a:p>
         </p:txBody>
       </p:sp>
@@ -8882,7 +9180,17 @@
                 <a:latin typeface="Courier New" pitchFamily="49" charset="0"/>
                 <a:cs typeface="Courier New" pitchFamily="49" charset="0"/>
               </a:rPr>
-              <a:t>,outQu</a:t>
+              <a:t>,</a:t>
+            </a:r>
+            <a:r>
+              <a:rPr lang="en-US" sz="1000" err="1" smtClean="0">
+                <a:solidFill>
+                  <a:srgbClr val="FF0000"/>
+                </a:solidFill>
+                <a:latin typeface="Courier New" pitchFamily="49" charset="0"/>
+                <a:cs typeface="Courier New" pitchFamily="49" charset="0"/>
+              </a:rPr>
+              <a:t>outQu</a:t>
             </a:r>
             <a:r>
               <a:rPr lang="en-US" sz="1000" smtClean="0">
@@ -8982,9 +9290,6 @@
           <a:p>
             <a:r>
               <a:rPr lang="en-US" sz="1000" smtClean="0">
-                <a:solidFill>
-                  <a:srgbClr val="FF0000"/>
-                </a:solidFill>
                 <a:latin typeface="Courier New" pitchFamily="49" charset="0"/>
                 <a:cs typeface="Courier New" pitchFamily="49" charset="0"/>
               </a:rPr>
@@ -9002,18 +9307,12 @@
             </a:r>
             <a:r>
               <a:rPr lang="en-US" sz="1000" smtClean="0">
-                <a:solidFill>
-                  <a:srgbClr val="FF0000"/>
-                </a:solidFill>
                 <a:latin typeface="Courier New" pitchFamily="49" charset="0"/>
                 <a:cs typeface="Courier New" pitchFamily="49" charset="0"/>
               </a:rPr>
               <a:t>)</a:t>
             </a:r>
             <a:endParaRPr lang="en-US" sz="1000">
-              <a:solidFill>
-                <a:srgbClr val="FF0000"/>
-              </a:solidFill>
               <a:latin typeface="Courier New" pitchFamily="49" charset="0"/>
               <a:cs typeface="Courier New" pitchFamily="49" charset="0"/>
             </a:endParaRPr>
@@ -9077,7 +9376,7 @@
         <p:spPr>
           <a:xfrm>
             <a:off x="210726" y="1894545"/>
-            <a:ext cx="646331" cy="400110"/>
+            <a:ext cx="415498" cy="246221"/>
           </a:xfrm>
           <a:prstGeom prst="rect">
             <a:avLst/>
@@ -9089,18 +9388,6 @@
             <a:spAutoFit/>
           </a:bodyPr>
           <a:lstStyle/>
-          <a:p>
-            <a:r>
-              <a:rPr lang="en-US" sz="1000" strike="sngStrike" smtClean="0">
-                <a:solidFill>
-                  <a:srgbClr val="FF0000"/>
-                </a:solidFill>
-                <a:latin typeface="Courier New" pitchFamily="49" charset="0"/>
-                <a:cs typeface="Courier New" pitchFamily="49" charset="0"/>
-              </a:rPr>
-              <a:t>create</a:t>
-            </a:r>
-          </a:p>
           <a:p>
             <a:r>
               <a:rPr lang="en-US" sz="1000" smtClean="0">
@@ -9274,9 +9561,6 @@
           <a:p>
             <a:r>
               <a:rPr lang="en-US" sz="1000" smtClean="0">
-                <a:solidFill>
-                  <a:srgbClr val="FF0000"/>
-                </a:solidFill>
                 <a:latin typeface="Courier New" pitchFamily="49" charset="0"/>
                 <a:cs typeface="Courier New" pitchFamily="49" charset="0"/>
               </a:rPr>
@@ -9284,9 +9568,6 @@
             </a:r>
             <a:r>
               <a:rPr lang="en-US" sz="1000" err="1" smtClean="0">
-                <a:solidFill>
-                  <a:srgbClr val="FF0000"/>
-                </a:solidFill>
                 <a:latin typeface="Courier New" pitchFamily="49" charset="0"/>
                 <a:cs typeface="Courier New" pitchFamily="49" charset="0"/>
               </a:rPr>
@@ -9294,9 +9575,6 @@
             </a:r>
             <a:r>
               <a:rPr lang="en-US" sz="1000" smtClean="0">
-                <a:solidFill>
-                  <a:srgbClr val="FF0000"/>
-                </a:solidFill>
                 <a:latin typeface="Courier New" pitchFamily="49" charset="0"/>
                 <a:cs typeface="Courier New" pitchFamily="49" charset="0"/>
               </a:rPr>
@@ -9536,14 +9814,14 @@
           </a:ln>
         </p:spPr>
         <p:style>
-          <a:lnRef idx="1">
-            <a:schemeClr val="accent1"/>
+          <a:lnRef idx="2">
+            <a:schemeClr val="dk1"/>
           </a:lnRef>
           <a:fillRef idx="0">
-            <a:schemeClr val="accent1"/>
-          </a:fillRef>
-          <a:effectRef idx="0">
-            <a:schemeClr val="accent1"/>
+            <a:schemeClr val="dk1"/>
+          </a:fillRef>
+          <a:effectRef idx="1">
+            <a:schemeClr val="dk1"/>
           </a:effectRef>
           <a:fontRef idx="minor">
             <a:schemeClr val="tx1"/>
@@ -9554,15 +9832,14 @@
         <p:nvCxnSpPr>
           <p:cNvPr id="29" name="Straight Arrow Connector 28"/>
           <p:cNvCxnSpPr>
-            <a:stCxn id="2" idx="0"/>
             <a:endCxn id="25" idx="2"/>
           </p:cNvCxnSpPr>
           <p:nvPr/>
         </p:nvCxnSpPr>
         <p:spPr>
           <a:xfrm flipV="1">
-            <a:off x="4256125" y="4055331"/>
-            <a:ext cx="963951" cy="1413948"/>
+            <a:off x="4520725" y="4055331"/>
+            <a:ext cx="699351" cy="1413977"/>
           </a:xfrm>
           <a:prstGeom prst="straightConnector1">
             <a:avLst/>
@@ -9572,14 +9849,14 @@
           </a:ln>
         </p:spPr>
         <p:style>
-          <a:lnRef idx="1">
-            <a:schemeClr val="accent1"/>
+          <a:lnRef idx="2">
+            <a:schemeClr val="dk1"/>
           </a:lnRef>
           <a:fillRef idx="0">
-            <a:schemeClr val="accent1"/>
-          </a:fillRef>
-          <a:effectRef idx="0">
-            <a:schemeClr val="accent1"/>
+            <a:schemeClr val="dk1"/>
+          </a:fillRef>
+          <a:effectRef idx="1">
+            <a:schemeClr val="dk1"/>
           </a:effectRef>
           <a:fontRef idx="minor">
             <a:schemeClr val="tx1"/>
@@ -9608,14 +9885,14 @@
           </a:ln>
         </p:spPr>
         <p:style>
-          <a:lnRef idx="1">
-            <a:schemeClr val="accent1"/>
+          <a:lnRef idx="2">
+            <a:schemeClr val="accent2"/>
           </a:lnRef>
           <a:fillRef idx="0">
-            <a:schemeClr val="accent1"/>
-          </a:fillRef>
-          <a:effectRef idx="0">
-            <a:schemeClr val="accent1"/>
+            <a:schemeClr val="accent2"/>
+          </a:fillRef>
+          <a:effectRef idx="1">
+            <a:schemeClr val="accent2"/>
           </a:effectRef>
           <a:fontRef idx="minor">
             <a:schemeClr val="tx1"/>
@@ -9644,14 +9921,14 @@
           </a:ln>
         </p:spPr>
         <p:style>
-          <a:lnRef idx="1">
-            <a:schemeClr val="accent1"/>
+          <a:lnRef idx="2">
+            <a:schemeClr val="accent2"/>
           </a:lnRef>
           <a:fillRef idx="0">
-            <a:schemeClr val="accent1"/>
-          </a:fillRef>
-          <a:effectRef idx="0">
-            <a:schemeClr val="accent1"/>
+            <a:schemeClr val="accent2"/>
+          </a:fillRef>
+          <a:effectRef idx="1">
+            <a:schemeClr val="accent2"/>
           </a:effectRef>
           <a:fontRef idx="minor">
             <a:schemeClr val="tx1"/>
@@ -9680,14 +9957,14 @@
           </a:ln>
         </p:spPr>
         <p:style>
-          <a:lnRef idx="1">
-            <a:schemeClr val="accent1"/>
+          <a:lnRef idx="2">
+            <a:schemeClr val="accent2"/>
           </a:lnRef>
           <a:fillRef idx="0">
-            <a:schemeClr val="accent1"/>
-          </a:fillRef>
-          <a:effectRef idx="0">
-            <a:schemeClr val="accent1"/>
+            <a:schemeClr val="accent2"/>
+          </a:fillRef>
+          <a:effectRef idx="1">
+            <a:schemeClr val="accent2"/>
           </a:effectRef>
           <a:fontRef idx="minor">
             <a:schemeClr val="tx1"/>
@@ -9716,14 +9993,14 @@
           </a:ln>
         </p:spPr>
         <p:style>
-          <a:lnRef idx="1">
-            <a:schemeClr val="accent1"/>
+          <a:lnRef idx="2">
+            <a:schemeClr val="dk1"/>
           </a:lnRef>
           <a:fillRef idx="0">
-            <a:schemeClr val="accent1"/>
-          </a:fillRef>
-          <a:effectRef idx="0">
-            <a:schemeClr val="accent1"/>
+            <a:schemeClr val="dk1"/>
+          </a:fillRef>
+          <a:effectRef idx="1">
+            <a:schemeClr val="dk1"/>
           </a:effectRef>
           <a:fontRef idx="minor">
             <a:schemeClr val="tx1"/>
@@ -9844,13 +10121,13 @@
           </a:ln>
         </p:spPr>
         <p:style>
-          <a:lnRef idx="1">
+          <a:lnRef idx="2">
             <a:schemeClr val="accent1"/>
           </a:lnRef>
           <a:fillRef idx="0">
             <a:schemeClr val="accent1"/>
           </a:fillRef>
-          <a:effectRef idx="0">
+          <a:effectRef idx="1">
             <a:schemeClr val="accent1"/>
           </a:effectRef>
           <a:fontRef idx="minor">
@@ -9880,13 +10157,13 @@
           </a:ln>
         </p:spPr>
         <p:style>
-          <a:lnRef idx="1">
+          <a:lnRef idx="2">
             <a:schemeClr val="accent1"/>
           </a:lnRef>
           <a:fillRef idx="0">
             <a:schemeClr val="accent1"/>
           </a:fillRef>
-          <a:effectRef idx="0">
+          <a:effectRef idx="1">
             <a:schemeClr val="accent1"/>
           </a:effectRef>
           <a:fontRef idx="minor">
@@ -9962,14 +10239,14 @@
           </a:ln>
         </p:spPr>
         <p:style>
-          <a:lnRef idx="1">
-            <a:schemeClr val="accent1"/>
+          <a:lnRef idx="2">
+            <a:schemeClr val="dk1"/>
           </a:lnRef>
           <a:fillRef idx="0">
-            <a:schemeClr val="accent1"/>
-          </a:fillRef>
-          <a:effectRef idx="0">
-            <a:schemeClr val="accent1"/>
+            <a:schemeClr val="dk1"/>
+          </a:fillRef>
+          <a:effectRef idx="1">
+            <a:schemeClr val="dk1"/>
           </a:effectRef>
           <a:fontRef idx="minor">
             <a:schemeClr val="tx1"/>
@@ -9998,14 +10275,14 @@
           </a:ln>
         </p:spPr>
         <p:style>
-          <a:lnRef idx="1">
-            <a:schemeClr val="accent1"/>
+          <a:lnRef idx="2">
+            <a:schemeClr val="accent2"/>
           </a:lnRef>
           <a:fillRef idx="0">
-            <a:schemeClr val="accent1"/>
-          </a:fillRef>
-          <a:effectRef idx="0">
-            <a:schemeClr val="accent1"/>
+            <a:schemeClr val="accent2"/>
+          </a:fillRef>
+          <a:effectRef idx="1">
+            <a:schemeClr val="accent2"/>
           </a:effectRef>
           <a:fontRef idx="minor">
             <a:schemeClr val="tx1"/>
@@ -10034,14 +10311,14 @@
           </a:ln>
         </p:spPr>
         <p:style>
-          <a:lnRef idx="1">
-            <a:schemeClr val="accent1"/>
+          <a:lnRef idx="2">
+            <a:schemeClr val="accent2"/>
           </a:lnRef>
           <a:fillRef idx="0">
-            <a:schemeClr val="accent1"/>
-          </a:fillRef>
-          <a:effectRef idx="0">
-            <a:schemeClr val="accent1"/>
+            <a:schemeClr val="accent2"/>
+          </a:fillRef>
+          <a:effectRef idx="1">
+            <a:schemeClr val="accent2"/>
           </a:effectRef>
           <a:fontRef idx="minor">
             <a:schemeClr val="tx1"/>
@@ -10092,7 +10369,7 @@
         </p:nvSpPr>
         <p:spPr>
           <a:xfrm>
-            <a:off x="3320267" y="5118245"/>
+            <a:off x="2679332" y="4844780"/>
             <a:ext cx="415498" cy="246221"/>
           </a:xfrm>
           <a:prstGeom prst="rect">
@@ -10164,7 +10441,7 @@
         </p:nvSpPr>
         <p:spPr>
           <a:xfrm>
-            <a:off x="4236379" y="5181602"/>
+            <a:off x="4663669" y="4967957"/>
             <a:ext cx="415498" cy="246221"/>
           </a:xfrm>
           <a:prstGeom prst="rect">
@@ -10201,7 +10478,7 @@
         <p:spPr>
           <a:xfrm>
             <a:off x="1872476" y="3155415"/>
-            <a:ext cx="1338828" cy="400110"/>
+            <a:ext cx="954107" cy="400110"/>
           </a:xfrm>
           <a:prstGeom prst="rect">
             <a:avLst/>
@@ -10224,18 +10501,11 @@
           </a:p>
           <a:p>
             <a:r>
-              <a:rPr lang="en-US" sz="1000" err="1" smtClean="0">
-                <a:latin typeface="Courier New" pitchFamily="49" charset="0"/>
-                <a:cs typeface="Courier New" pitchFamily="49" charset="0"/>
-              </a:rPr>
-              <a:t>qus</a:t>
-            </a:r>
-            <a:r>
-              <a:rPr lang="en-US" sz="1000" smtClean="0">
-                <a:latin typeface="Courier New" pitchFamily="49" charset="0"/>
-                <a:cs typeface="Courier New" pitchFamily="49" charset="0"/>
-              </a:rPr>
-              <a:t> &amp; interests</a:t>
+              <a:rPr lang="en-US" sz="1000" smtClean="0">
+                <a:latin typeface="Courier New" pitchFamily="49" charset="0"/>
+                <a:cs typeface="Courier New" pitchFamily="49" charset="0"/>
+              </a:rPr>
+              <a:t>interests</a:t>
             </a:r>
             <a:endParaRPr lang="en-US" sz="1000">
               <a:latin typeface="Courier New" pitchFamily="49" charset="0"/>
@@ -10252,7 +10522,7 @@
         </p:nvSpPr>
         <p:spPr>
           <a:xfrm>
-            <a:off x="5138603" y="3216479"/>
+            <a:off x="5010416" y="3207933"/>
             <a:ext cx="415498" cy="246221"/>
           </a:xfrm>
           <a:prstGeom prst="rect">
@@ -10314,7 +10584,17 @@
                 <a:latin typeface="Courier New" pitchFamily="49" charset="0"/>
                 <a:cs typeface="Courier New" pitchFamily="49" charset="0"/>
               </a:rPr>
-              <a:t>name,outQu</a:t>
+              <a:t>name,</a:t>
+            </a:r>
+            <a:r>
+              <a:rPr lang="en-US" sz="1000" err="1" smtClean="0">
+                <a:solidFill>
+                  <a:srgbClr val="FF0000"/>
+                </a:solidFill>
+                <a:latin typeface="Courier New" pitchFamily="49" charset="0"/>
+                <a:cs typeface="Courier New" pitchFamily="49" charset="0"/>
+              </a:rPr>
+              <a:t>outQu</a:t>
             </a:r>
             <a:r>
               <a:rPr lang="en-US" sz="1000" smtClean="0">
@@ -10370,7 +10650,7 @@
         </p:nvSpPr>
         <p:spPr>
           <a:xfrm>
-            <a:off x="7695344" y="2589091"/>
+            <a:off x="7720981" y="2836919"/>
             <a:ext cx="492443" cy="246221"/>
           </a:xfrm>
           <a:prstGeom prst="rect">
@@ -10493,8 +10773,8 @@
         </p:nvCxnSpPr>
         <p:spPr>
           <a:xfrm flipH="1">
-            <a:off x="5504769" y="2712202"/>
-            <a:ext cx="2190575" cy="1220019"/>
+            <a:off x="5504769" y="2960030"/>
+            <a:ext cx="2216212" cy="972191"/>
           </a:xfrm>
           <a:prstGeom prst="straightConnector1">
             <a:avLst/>
@@ -10658,13 +10938,17 @@
         </p:nvCxnSpPr>
         <p:spPr>
           <a:xfrm flipH="1">
-            <a:off x="7680727" y="2835312"/>
-            <a:ext cx="260839" cy="2365127"/>
+            <a:off x="7680727" y="3083140"/>
+            <a:ext cx="286476" cy="2117299"/>
           </a:xfrm>
           <a:prstGeom prst="straightConnector1">
             <a:avLst/>
           </a:prstGeom>
           <a:ln>
+            <a:solidFill>
+              <a:schemeClr val="accent1"/>
+            </a:solidFill>
+            <a:prstDash val="dash"/>
             <a:tailEnd type="arrow"/>
           </a:ln>
         </p:spPr>
@@ -10691,7 +10975,7 @@
         </p:nvSpPr>
         <p:spPr>
           <a:xfrm>
-            <a:off x="6266289" y="3324216"/>
+            <a:off x="6266289" y="3691685"/>
             <a:ext cx="2877711" cy="400110"/>
           </a:xfrm>
           <a:prstGeom prst="rect">
@@ -10734,7 +11018,17 @@
                 <a:latin typeface="Courier New" pitchFamily="49" charset="0"/>
                 <a:cs typeface="Courier New" pitchFamily="49" charset="0"/>
               </a:rPr>
-              <a:t>,outQu</a:t>
+              <a:t>,</a:t>
+            </a:r>
+            <a:r>
+              <a:rPr lang="en-US" sz="1000" err="1" smtClean="0">
+                <a:solidFill>
+                  <a:srgbClr val="FF0000"/>
+                </a:solidFill>
+                <a:latin typeface="Courier New" pitchFamily="49" charset="0"/>
+                <a:cs typeface="Courier New" pitchFamily="49" charset="0"/>
+              </a:rPr>
+              <a:t>outQu</a:t>
             </a:r>
             <a:r>
               <a:rPr lang="en-US" sz="1000" smtClean="0">
@@ -10880,9 +11174,9 @@
           <p:nvPr/>
         </p:nvCxnSpPr>
         <p:spPr>
-          <a:xfrm flipH="1">
-            <a:off x="1795003" y="2712202"/>
-            <a:ext cx="5900341" cy="218783"/>
+          <a:xfrm flipH="1" flipV="1">
+            <a:off x="1795003" y="2930985"/>
+            <a:ext cx="5925978" cy="29045"/>
           </a:xfrm>
           <a:prstGeom prst="straightConnector1">
             <a:avLst/>
@@ -10951,8 +11245,8 @@
         </p:nvSpPr>
         <p:spPr>
           <a:xfrm>
-            <a:off x="565081" y="4387068"/>
-            <a:ext cx="415498" cy="246221"/>
+            <a:off x="154883" y="4250335"/>
+            <a:ext cx="1569660" cy="400110"/>
           </a:xfrm>
           <a:prstGeom prst="rect">
             <a:avLst/>
@@ -10970,7 +11264,23 @@
                 <a:latin typeface="Courier New" pitchFamily="49" charset="0"/>
                 <a:cs typeface="Courier New" pitchFamily="49" charset="0"/>
               </a:rPr>
-              <a:t>put</a:t>
+              <a:t>add msgs to qus</a:t>
+            </a:r>
+          </a:p>
+          <a:p>
+            <a:r>
+              <a:rPr lang="en-US" sz="1000" smtClean="0">
+                <a:latin typeface="Courier New" pitchFamily="49" charset="0"/>
+                <a:cs typeface="Courier New" pitchFamily="49" charset="0"/>
+              </a:rPr>
+              <a:t>based </a:t>
+            </a:r>
+            <a:r>
+              <a:rPr lang="en-US" sz="1000" smtClean="0">
+                <a:latin typeface="Courier New" pitchFamily="49" charset="0"/>
+                <a:cs typeface="Courier New" pitchFamily="49" charset="0"/>
+              </a:rPr>
+              <a:t>on interests</a:t>
             </a:r>
             <a:endParaRPr lang="en-US" sz="1000">
               <a:latin typeface="Courier New" pitchFamily="49" charset="0"/>
@@ -10991,7 +11301,7 @@
         <p:spPr>
           <a:xfrm flipH="1" flipV="1">
             <a:off x="2141598" y="441430"/>
-            <a:ext cx="5799968" cy="2147661"/>
+            <a:ext cx="5825605" cy="2395489"/>
           </a:xfrm>
           <a:prstGeom prst="straightConnector1">
             <a:avLst/>
@@ -11028,7 +11338,7 @@
         <p:spPr>
           <a:xfrm flipH="1" flipV="1">
             <a:off x="7754390" y="1106715"/>
-            <a:ext cx="187176" cy="1482376"/>
+            <a:ext cx="212813" cy="1730204"/>
           </a:xfrm>
           <a:prstGeom prst="straightConnector1">
             <a:avLst/>
@@ -11061,7 +11371,7 @@
         </p:nvSpPr>
         <p:spPr>
           <a:xfrm>
-            <a:off x="6643956" y="2339084"/>
+            <a:off x="6327762" y="2381813"/>
             <a:ext cx="2108269" cy="246221"/>
           </a:xfrm>
           <a:prstGeom prst="rect">
@@ -11097,7 +11407,17 @@
                 <a:latin typeface="Courier New" pitchFamily="49" charset="0"/>
                 <a:cs typeface="Courier New" pitchFamily="49" charset="0"/>
               </a:rPr>
-              <a:t>,outQu</a:t>
+              <a:t>,</a:t>
+            </a:r>
+            <a:r>
+              <a:rPr lang="en-US" sz="1000" err="1" smtClean="0">
+                <a:solidFill>
+                  <a:srgbClr val="FF0000"/>
+                </a:solidFill>
+                <a:latin typeface="Courier New" pitchFamily="49" charset="0"/>
+                <a:cs typeface="Courier New" pitchFamily="49" charset="0"/>
+              </a:rPr>
+              <a:t>outQu</a:t>
             </a:r>
             <a:r>
               <a:rPr lang="en-US" sz="1000" smtClean="0">
@@ -11444,7 +11764,7 @@
         <p:spPr>
           <a:xfrm flipH="1" flipV="1">
             <a:off x="1129442" y="2373676"/>
-            <a:ext cx="6565902" cy="338526"/>
+            <a:ext cx="6591539" cy="586354"/>
           </a:xfrm>
           <a:prstGeom prst="straightConnector1">
             <a:avLst/>
@@ -11496,10 +11816,20 @@
                 <a:latin typeface="Courier New" pitchFamily="49" charset="0"/>
                 <a:cs typeface="Courier New" pitchFamily="49" charset="0"/>
               </a:rPr>
-              <a:t>Start(</a:t>
-            </a:r>
-            <a:r>
-              <a:rPr lang="en-US" sz="1000" err="1" smtClean="0">
+              <a:t>s</a:t>
+            </a:r>
+            <a:r>
+              <a:rPr lang="en-US" sz="1000" smtClean="0">
+                <a:latin typeface="Courier New" pitchFamily="49" charset="0"/>
+                <a:cs typeface="Courier New" pitchFamily="49" charset="0"/>
+              </a:rPr>
+              <a:t>tart(</a:t>
+            </a:r>
+            <a:r>
+              <a:rPr lang="en-US" sz="1000" smtClean="0">
+                <a:solidFill>
+                  <a:srgbClr val="FF0000"/>
+                </a:solidFill>
                 <a:latin typeface="Courier New" pitchFamily="49" charset="0"/>
                 <a:cs typeface="Courier New" pitchFamily="49" charset="0"/>
               </a:rPr>
@@ -11519,6 +11849,39 @@
           </a:p>
         </p:txBody>
       </p:sp>
+      <p:cxnSp>
+        <p:nvCxnSpPr>
+          <p:cNvPr id="71" name="Straight Arrow Connector 70"/>
+          <p:cNvCxnSpPr/>
+          <p:nvPr/>
+        </p:nvCxnSpPr>
+        <p:spPr>
+          <a:xfrm flipV="1">
+            <a:off x="4383993" y="4059253"/>
+            <a:ext cx="675117" cy="1392964"/>
+          </a:xfrm>
+          <a:prstGeom prst="straightConnector1">
+            <a:avLst/>
+          </a:prstGeom>
+          <a:ln>
+            <a:tailEnd type="arrow"/>
+          </a:ln>
+        </p:spPr>
+        <p:style>
+          <a:lnRef idx="2">
+            <a:schemeClr val="accent2"/>
+          </a:lnRef>
+          <a:fillRef idx="0">
+            <a:schemeClr val="accent2"/>
+          </a:fillRef>
+          <a:effectRef idx="1">
+            <a:schemeClr val="accent2"/>
+          </a:effectRef>
+          <a:fontRef idx="minor">
+            <a:schemeClr val="tx1"/>
+          </a:fontRef>
+        </p:style>
+      </p:cxnSp>
     </p:spTree>
   </p:cSld>
   <p:clrMapOvr>
@@ -14216,14 +14579,14 @@
       </p:sp>
       <p:sp>
         <p:nvSpPr>
-          <p:cNvPr id="11" name="TextBox 10"/>
-          <p:cNvSpPr txBox="1"/>
-          <p:nvPr/>
-        </p:nvSpPr>
-        <p:spPr>
-          <a:xfrm>
-            <a:off x="6593368" y="1363925"/>
-            <a:ext cx="1231427" cy="461665"/>
+          <p:cNvPr id="58" name="TextBox 57"/>
+          <p:cNvSpPr txBox="1"/>
+          <p:nvPr/>
+        </p:nvSpPr>
+        <p:spPr>
+          <a:xfrm>
+            <a:off x="3451950" y="1635653"/>
+            <a:ext cx="656911" cy="461665"/>
           </a:xfrm>
           <a:prstGeom prst="rect">
             <a:avLst/>
@@ -14251,14 +14614,14 @@
           <a:p>
             <a:pPr algn="ctr"/>
             <a:r>
-              <a:rPr lang="en-US" sz="1200" smtClean="0">
+              <a:rPr lang="en-US" sz="1200" err="1" smtClean="0">
                 <a:solidFill>
                   <a:schemeClr val="accent6">
                     <a:lumMod val="75000"/>
                   </a:schemeClr>
                 </a:solidFill>
               </a:rPr>
-              <a:t>MsgOutQuPump</a:t>
+              <a:t>waitFor</a:t>
             </a:r>
             <a:endParaRPr lang="en-US" sz="1200">
               <a:solidFill>
@@ -14272,825 +14635,13 @@
       </p:sp>
       <p:sp>
         <p:nvSpPr>
-          <p:cNvPr id="13" name="TextBox 12"/>
-          <p:cNvSpPr txBox="1"/>
-          <p:nvPr/>
-        </p:nvSpPr>
-        <p:spPr>
-          <a:xfrm>
-            <a:off x="6818461" y="2548880"/>
-            <a:ext cx="1107996" cy="246221"/>
-          </a:xfrm>
-          <a:prstGeom prst="rect">
-            <a:avLst/>
-          </a:prstGeom>
-          <a:solidFill>
-            <a:schemeClr val="tx2">
-              <a:lumMod val="20000"/>
-              <a:lumOff val="80000"/>
-            </a:schemeClr>
-          </a:solidFill>
-          <a:ln cmpd="sng">
-            <a:solidFill>
-              <a:schemeClr val="tx1"/>
-            </a:solidFill>
-          </a:ln>
-        </p:spPr>
-        <p:txBody>
-          <a:bodyPr wrap="none" rtlCol="0">
-            <a:spAutoFit/>
-          </a:bodyPr>
-          <a:lstStyle/>
-          <a:p>
-            <a:r>
-              <a:rPr lang="en-US" sz="1000" smtClean="0">
-                <a:latin typeface="Courier New" pitchFamily="49" charset="0"/>
-                <a:cs typeface="Courier New" pitchFamily="49" charset="0"/>
-              </a:rPr>
-              <a:t>msgOutQuPump</a:t>
-            </a:r>
-          </a:p>
-        </p:txBody>
-      </p:sp>
-      <p:cxnSp>
-        <p:nvCxnSpPr>
-          <p:cNvPr id="15" name="Straight Arrow Connector 14"/>
-          <p:cNvCxnSpPr>
-            <a:stCxn id="16" idx="1"/>
-            <a:endCxn id="13" idx="0"/>
-          </p:cNvCxnSpPr>
-          <p:nvPr/>
-        </p:nvCxnSpPr>
-        <p:spPr>
-          <a:xfrm flipH="1">
-            <a:off x="7372459" y="2122324"/>
-            <a:ext cx="26487" cy="426556"/>
-          </a:xfrm>
-          <a:prstGeom prst="straightConnector1">
-            <a:avLst/>
-          </a:prstGeom>
-          <a:ln>
-            <a:tailEnd type="arrow"/>
-          </a:ln>
-        </p:spPr>
-        <p:style>
-          <a:lnRef idx="1">
-            <a:schemeClr val="accent1"/>
-          </a:lnRef>
-          <a:fillRef idx="0">
-            <a:schemeClr val="accent1"/>
-          </a:fillRef>
-          <a:effectRef idx="0">
-            <a:schemeClr val="accent1"/>
-          </a:effectRef>
-          <a:fontRef idx="minor">
-            <a:schemeClr val="tx1"/>
-          </a:fontRef>
-        </p:style>
-      </p:cxnSp>
-      <p:sp>
-        <p:nvSpPr>
-          <p:cNvPr id="16" name="TextBox 15"/>
-          <p:cNvSpPr txBox="1"/>
-          <p:nvPr/>
-        </p:nvSpPr>
-        <p:spPr>
-          <a:xfrm>
-            <a:off x="7398946" y="1999213"/>
-            <a:ext cx="569387" cy="246221"/>
-          </a:xfrm>
-          <a:prstGeom prst="rect">
-            <a:avLst/>
-          </a:prstGeom>
-          <a:noFill/>
-        </p:spPr>
-        <p:txBody>
-          <a:bodyPr wrap="none" rtlCol="0">
-            <a:spAutoFit/>
-          </a:bodyPr>
-          <a:lstStyle/>
-          <a:p>
-            <a:r>
-              <a:rPr lang="en-US" sz="1000" smtClean="0">
-                <a:latin typeface="Courier New" pitchFamily="49" charset="0"/>
-                <a:cs typeface="Courier New" pitchFamily="49" charset="0"/>
-              </a:rPr>
-              <a:t>start</a:t>
-            </a:r>
-            <a:endParaRPr lang="en-US" sz="1000">
-              <a:latin typeface="Courier New" pitchFamily="49" charset="0"/>
-              <a:cs typeface="Courier New" pitchFamily="49" charset="0"/>
-            </a:endParaRPr>
-          </a:p>
-        </p:txBody>
-      </p:sp>
-      <p:sp>
-        <p:nvSpPr>
-          <p:cNvPr id="17" name="TextBox 16"/>
-          <p:cNvSpPr txBox="1"/>
-          <p:nvPr/>
-        </p:nvSpPr>
-        <p:spPr>
-          <a:xfrm>
-            <a:off x="7337302" y="3283483"/>
-            <a:ext cx="877163" cy="246221"/>
-          </a:xfrm>
-          <a:prstGeom prst="rect">
-            <a:avLst/>
-          </a:prstGeom>
-          <a:ln/>
-        </p:spPr>
-        <p:style>
-          <a:lnRef idx="1">
-            <a:schemeClr val="accent3"/>
-          </a:lnRef>
-          <a:fillRef idx="2">
-            <a:schemeClr val="accent3"/>
-          </a:fillRef>
-          <a:effectRef idx="1">
-            <a:schemeClr val="accent3"/>
-          </a:effectRef>
-          <a:fontRef idx="minor">
-            <a:schemeClr val="dk1"/>
-          </a:fontRef>
-        </p:style>
-        <p:txBody>
-          <a:bodyPr wrap="none" rtlCol="0">
-            <a:spAutoFit/>
-          </a:bodyPr>
-          <a:lstStyle/>
-          <a:p>
-            <a:r>
-              <a:rPr lang="en-US" sz="1000" smtClean="0">
-                <a:latin typeface="Courier New" pitchFamily="49" charset="0"/>
-                <a:cs typeface="Courier New" pitchFamily="49" charset="0"/>
-              </a:rPr>
-              <a:t>msgSocket</a:t>
-            </a:r>
-          </a:p>
-        </p:txBody>
-      </p:sp>
-      <p:sp>
-        <p:nvSpPr>
-          <p:cNvPr id="18" name="TextBox 17"/>
-          <p:cNvSpPr txBox="1"/>
-          <p:nvPr/>
-        </p:nvSpPr>
-        <p:spPr>
-          <a:xfrm>
-            <a:off x="6606123" y="3292046"/>
-            <a:ext cx="338554" cy="246221"/>
-          </a:xfrm>
-          <a:prstGeom prst="rect">
-            <a:avLst/>
-          </a:prstGeom>
-          <a:ln/>
-        </p:spPr>
-        <p:style>
-          <a:lnRef idx="1">
-            <a:schemeClr val="accent3"/>
-          </a:lnRef>
-          <a:fillRef idx="2">
-            <a:schemeClr val="accent3"/>
-          </a:fillRef>
-          <a:effectRef idx="1">
-            <a:schemeClr val="accent3"/>
-          </a:effectRef>
-          <a:fontRef idx="minor">
-            <a:schemeClr val="dk1"/>
-          </a:fontRef>
-        </p:style>
-        <p:txBody>
-          <a:bodyPr wrap="none" rtlCol="0">
-            <a:spAutoFit/>
-          </a:bodyPr>
-          <a:lstStyle/>
-          <a:p>
-            <a:r>
-              <a:rPr lang="en-US" sz="1000" smtClean="0">
-                <a:latin typeface="Courier New" pitchFamily="49" charset="0"/>
-                <a:cs typeface="Courier New" pitchFamily="49" charset="0"/>
-              </a:rPr>
-              <a:t>qu</a:t>
-            </a:r>
-          </a:p>
-        </p:txBody>
-      </p:sp>
-      <p:cxnSp>
-        <p:nvCxnSpPr>
-          <p:cNvPr id="22" name="Straight Arrow Connector 21"/>
-          <p:cNvCxnSpPr>
-            <a:stCxn id="13" idx="2"/>
-            <a:endCxn id="17" idx="0"/>
-          </p:cNvCxnSpPr>
-          <p:nvPr/>
-        </p:nvCxnSpPr>
-        <p:spPr>
-          <a:xfrm>
-            <a:off x="7372459" y="2795101"/>
-            <a:ext cx="403425" cy="488382"/>
-          </a:xfrm>
-          <a:prstGeom prst="straightConnector1">
-            <a:avLst/>
-          </a:prstGeom>
-          <a:ln>
-            <a:tailEnd type="arrow"/>
-          </a:ln>
-        </p:spPr>
-        <p:style>
-          <a:lnRef idx="1">
-            <a:schemeClr val="accent1"/>
-          </a:lnRef>
-          <a:fillRef idx="0">
-            <a:schemeClr val="accent1"/>
-          </a:fillRef>
-          <a:effectRef idx="0">
-            <a:schemeClr val="accent1"/>
-          </a:effectRef>
-          <a:fontRef idx="minor">
-            <a:schemeClr val="tx1"/>
-          </a:fontRef>
-        </p:style>
-      </p:cxnSp>
-      <p:cxnSp>
-        <p:nvCxnSpPr>
-          <p:cNvPr id="24" name="Straight Arrow Connector 23"/>
-          <p:cNvCxnSpPr>
-            <a:stCxn id="13" idx="2"/>
-            <a:endCxn id="18" idx="0"/>
-          </p:cNvCxnSpPr>
-          <p:nvPr/>
-        </p:nvCxnSpPr>
-        <p:spPr>
-          <a:xfrm flipH="1">
-            <a:off x="6775400" y="2795101"/>
-            <a:ext cx="597059" cy="496945"/>
-          </a:xfrm>
-          <a:prstGeom prst="straightConnector1">
-            <a:avLst/>
-          </a:prstGeom>
-          <a:ln>
-            <a:tailEnd type="arrow"/>
-          </a:ln>
-        </p:spPr>
-        <p:style>
-          <a:lnRef idx="1">
-            <a:schemeClr val="accent1"/>
-          </a:lnRef>
-          <a:fillRef idx="0">
-            <a:schemeClr val="accent1"/>
-          </a:fillRef>
-          <a:effectRef idx="0">
-            <a:schemeClr val="accent1"/>
-          </a:effectRef>
-          <a:fontRef idx="minor">
-            <a:schemeClr val="tx1"/>
-          </a:fontRef>
-        </p:style>
-      </p:cxnSp>
-      <p:sp>
-        <p:nvSpPr>
-          <p:cNvPr id="26" name="TextBox 25"/>
-          <p:cNvSpPr txBox="1"/>
-          <p:nvPr/>
-        </p:nvSpPr>
-        <p:spPr>
-          <a:xfrm>
-            <a:off x="7448605" y="2911901"/>
-            <a:ext cx="492443" cy="246221"/>
-          </a:xfrm>
-          <a:prstGeom prst="rect">
-            <a:avLst/>
-          </a:prstGeom>
-          <a:noFill/>
-        </p:spPr>
-        <p:txBody>
-          <a:bodyPr wrap="none" rtlCol="0">
-            <a:spAutoFit/>
-          </a:bodyPr>
-          <a:lstStyle/>
-          <a:p>
-            <a:r>
-              <a:rPr lang="en-US" sz="1000" smtClean="0">
-                <a:latin typeface="Courier New" pitchFamily="49" charset="0"/>
-                <a:cs typeface="Courier New" pitchFamily="49" charset="0"/>
-              </a:rPr>
-              <a:t>send</a:t>
-            </a:r>
-            <a:endParaRPr lang="en-US" sz="1000">
-              <a:latin typeface="Courier New" pitchFamily="49" charset="0"/>
-              <a:cs typeface="Courier New" pitchFamily="49" charset="0"/>
-            </a:endParaRPr>
-          </a:p>
-        </p:txBody>
-      </p:sp>
-      <p:sp>
-        <p:nvSpPr>
-          <p:cNvPr id="27" name="TextBox 26"/>
-          <p:cNvSpPr txBox="1"/>
-          <p:nvPr/>
-        </p:nvSpPr>
-        <p:spPr>
-          <a:xfrm>
-            <a:off x="6686604" y="2869091"/>
-            <a:ext cx="415498" cy="246221"/>
-          </a:xfrm>
-          <a:prstGeom prst="rect">
-            <a:avLst/>
-          </a:prstGeom>
-          <a:noFill/>
-        </p:spPr>
-        <p:txBody>
-          <a:bodyPr wrap="none" rtlCol="0">
-            <a:spAutoFit/>
-          </a:bodyPr>
-          <a:lstStyle/>
-          <a:p>
-            <a:r>
-              <a:rPr lang="en-US" sz="1000" smtClean="0">
-                <a:latin typeface="Courier New" pitchFamily="49" charset="0"/>
-                <a:cs typeface="Courier New" pitchFamily="49" charset="0"/>
-              </a:rPr>
-              <a:t>get</a:t>
-            </a:r>
-            <a:endParaRPr lang="en-US" sz="1000">
-              <a:latin typeface="Courier New" pitchFamily="49" charset="0"/>
-              <a:cs typeface="Courier New" pitchFamily="49" charset="0"/>
-            </a:endParaRPr>
-          </a:p>
-        </p:txBody>
-      </p:sp>
-      <p:sp>
-        <p:nvSpPr>
-          <p:cNvPr id="33" name="TextBox 32"/>
-          <p:cNvSpPr txBox="1"/>
-          <p:nvPr/>
-        </p:nvSpPr>
-        <p:spPr>
-          <a:xfrm>
-            <a:off x="3828079" y="3236823"/>
-            <a:ext cx="1116011" cy="461665"/>
-          </a:xfrm>
-          <a:prstGeom prst="rect">
-            <a:avLst/>
-          </a:prstGeom>
-          <a:noFill/>
-        </p:spPr>
-        <p:txBody>
-          <a:bodyPr wrap="none" rtlCol="0">
-            <a:spAutoFit/>
-          </a:bodyPr>
-          <a:lstStyle/>
-          <a:p>
-            <a:pPr algn="ctr"/>
-            <a:r>
-              <a:rPr lang="en-US" sz="1200" smtClean="0">
-                <a:solidFill>
-                  <a:schemeClr val="accent6">
-                    <a:lumMod val="75000"/>
-                  </a:schemeClr>
-                </a:solidFill>
-              </a:rPr>
-              <a:t>usage</a:t>
-            </a:r>
-          </a:p>
-          <a:p>
-            <a:pPr algn="ctr"/>
-            <a:r>
-              <a:rPr lang="en-US" sz="1200" smtClean="0">
-                <a:solidFill>
-                  <a:schemeClr val="accent6">
-                    <a:lumMod val="75000"/>
-                  </a:schemeClr>
-                </a:solidFill>
-              </a:rPr>
-              <a:t>MsgInQuPump</a:t>
-            </a:r>
-            <a:endParaRPr lang="en-US" sz="1200">
-              <a:solidFill>
-                <a:schemeClr val="accent6">
-                  <a:lumMod val="75000"/>
-                </a:schemeClr>
-              </a:solidFill>
-            </a:endParaRPr>
-          </a:p>
-        </p:txBody>
-      </p:sp>
-      <p:sp>
-        <p:nvSpPr>
-          <p:cNvPr id="34" name="TextBox 33"/>
-          <p:cNvSpPr txBox="1"/>
-          <p:nvPr/>
-        </p:nvSpPr>
-        <p:spPr>
-          <a:xfrm>
-            <a:off x="4036562" y="4288215"/>
-            <a:ext cx="1031051" cy="246221"/>
-          </a:xfrm>
-          <a:prstGeom prst="rect">
-            <a:avLst/>
-          </a:prstGeom>
-          <a:solidFill>
-            <a:schemeClr val="tx2">
-              <a:lumMod val="20000"/>
-              <a:lumOff val="80000"/>
-            </a:schemeClr>
-          </a:solidFill>
-          <a:ln cmpd="sng">
-            <a:solidFill>
-              <a:schemeClr val="tx1"/>
-            </a:solidFill>
-          </a:ln>
-        </p:spPr>
-        <p:txBody>
-          <a:bodyPr wrap="none" rtlCol="0">
-            <a:spAutoFit/>
-          </a:bodyPr>
-          <a:lstStyle/>
-          <a:p>
-            <a:r>
-              <a:rPr lang="en-US" sz="1000" smtClean="0">
-                <a:latin typeface="Courier New" pitchFamily="49" charset="0"/>
-                <a:cs typeface="Courier New" pitchFamily="49" charset="0"/>
-              </a:rPr>
-              <a:t>msgInQuPump</a:t>
-            </a:r>
-          </a:p>
-        </p:txBody>
-      </p:sp>
-      <p:cxnSp>
-        <p:nvCxnSpPr>
-          <p:cNvPr id="35" name="Straight Arrow Connector 34"/>
-          <p:cNvCxnSpPr>
-            <a:stCxn id="36" idx="1"/>
-            <a:endCxn id="34" idx="0"/>
-          </p:cNvCxnSpPr>
-          <p:nvPr/>
-        </p:nvCxnSpPr>
-        <p:spPr>
-          <a:xfrm flipH="1">
-            <a:off x="4552088" y="3995222"/>
-            <a:ext cx="23862" cy="292993"/>
-          </a:xfrm>
-          <a:prstGeom prst="straightConnector1">
-            <a:avLst/>
-          </a:prstGeom>
-          <a:ln>
-            <a:tailEnd type="arrow"/>
-          </a:ln>
-        </p:spPr>
-        <p:style>
-          <a:lnRef idx="1">
-            <a:schemeClr val="accent1"/>
-          </a:lnRef>
-          <a:fillRef idx="0">
-            <a:schemeClr val="accent1"/>
-          </a:fillRef>
-          <a:effectRef idx="0">
-            <a:schemeClr val="accent1"/>
-          </a:effectRef>
-          <a:fontRef idx="minor">
-            <a:schemeClr val="tx1"/>
-          </a:fontRef>
-        </p:style>
-      </p:cxnSp>
-      <p:sp>
-        <p:nvSpPr>
-          <p:cNvPr id="36" name="TextBox 35"/>
-          <p:cNvSpPr txBox="1"/>
-          <p:nvPr/>
-        </p:nvSpPr>
-        <p:spPr>
-          <a:xfrm>
-            <a:off x="4575950" y="3872111"/>
-            <a:ext cx="569387" cy="246221"/>
-          </a:xfrm>
-          <a:prstGeom prst="rect">
-            <a:avLst/>
-          </a:prstGeom>
-          <a:noFill/>
-        </p:spPr>
-        <p:txBody>
-          <a:bodyPr wrap="none" rtlCol="0">
-            <a:spAutoFit/>
-          </a:bodyPr>
-          <a:lstStyle/>
-          <a:p>
-            <a:r>
-              <a:rPr lang="en-US" sz="1000" smtClean="0">
-                <a:latin typeface="Courier New" pitchFamily="49" charset="0"/>
-                <a:cs typeface="Courier New" pitchFamily="49" charset="0"/>
-              </a:rPr>
-              <a:t>start</a:t>
-            </a:r>
-            <a:endParaRPr lang="en-US" sz="1000">
-              <a:latin typeface="Courier New" pitchFamily="49" charset="0"/>
-              <a:cs typeface="Courier New" pitchFamily="49" charset="0"/>
-            </a:endParaRPr>
-          </a:p>
-        </p:txBody>
-      </p:sp>
-      <p:sp>
-        <p:nvSpPr>
-          <p:cNvPr id="37" name="TextBox 36"/>
-          <p:cNvSpPr txBox="1"/>
-          <p:nvPr/>
-        </p:nvSpPr>
-        <p:spPr>
-          <a:xfrm>
-            <a:off x="3682100" y="5063913"/>
-            <a:ext cx="877163" cy="246221"/>
-          </a:xfrm>
-          <a:prstGeom prst="rect">
-            <a:avLst/>
-          </a:prstGeom>
-          <a:ln/>
-        </p:spPr>
-        <p:style>
-          <a:lnRef idx="1">
-            <a:schemeClr val="accent3"/>
-          </a:lnRef>
-          <a:fillRef idx="2">
-            <a:schemeClr val="accent3"/>
-          </a:fillRef>
-          <a:effectRef idx="1">
-            <a:schemeClr val="accent3"/>
-          </a:effectRef>
-          <a:fontRef idx="minor">
-            <a:schemeClr val="dk1"/>
-          </a:fontRef>
-        </p:style>
-        <p:txBody>
-          <a:bodyPr wrap="none" rtlCol="0">
-            <a:spAutoFit/>
-          </a:bodyPr>
-          <a:lstStyle/>
-          <a:p>
-            <a:r>
-              <a:rPr lang="en-US" sz="1000" smtClean="0">
-                <a:latin typeface="Courier New" pitchFamily="49" charset="0"/>
-                <a:cs typeface="Courier New" pitchFamily="49" charset="0"/>
-              </a:rPr>
-              <a:t>msgSocket</a:t>
-            </a:r>
-          </a:p>
-        </p:txBody>
-      </p:sp>
-      <p:sp>
-        <p:nvSpPr>
-          <p:cNvPr id="38" name="TextBox 37"/>
-          <p:cNvSpPr txBox="1"/>
-          <p:nvPr/>
-        </p:nvSpPr>
-        <p:spPr>
-          <a:xfrm>
-            <a:off x="4738625" y="5041654"/>
-            <a:ext cx="646331" cy="246221"/>
-          </a:xfrm>
-          <a:prstGeom prst="rect">
-            <a:avLst/>
-          </a:prstGeom>
-          <a:ln/>
-        </p:spPr>
-        <p:style>
-          <a:lnRef idx="1">
-            <a:schemeClr val="accent3"/>
-          </a:lnRef>
-          <a:fillRef idx="2">
-            <a:schemeClr val="accent3"/>
-          </a:fillRef>
-          <a:effectRef idx="1">
-            <a:schemeClr val="accent3"/>
-          </a:effectRef>
-          <a:fontRef idx="minor">
-            <a:schemeClr val="dk1"/>
-          </a:fontRef>
-        </p:style>
-        <p:txBody>
-          <a:bodyPr wrap="none" rtlCol="0">
-            <a:spAutoFit/>
-          </a:bodyPr>
-          <a:lstStyle/>
-          <a:p>
-            <a:r>
-              <a:rPr lang="en-US" sz="1000" smtClean="0">
-                <a:latin typeface="Courier New" pitchFamily="49" charset="0"/>
-                <a:cs typeface="Courier New" pitchFamily="49" charset="0"/>
-              </a:rPr>
-              <a:t>quList</a:t>
-            </a:r>
-          </a:p>
-        </p:txBody>
-      </p:sp>
-      <p:cxnSp>
-        <p:nvCxnSpPr>
-          <p:cNvPr id="39" name="Straight Arrow Connector 38"/>
-          <p:cNvCxnSpPr>
-            <a:stCxn id="34" idx="2"/>
-            <a:endCxn id="37" idx="0"/>
-          </p:cNvCxnSpPr>
-          <p:nvPr/>
-        </p:nvCxnSpPr>
-        <p:spPr>
-          <a:xfrm flipH="1">
-            <a:off x="4120682" y="4534436"/>
-            <a:ext cx="431406" cy="529477"/>
-          </a:xfrm>
-          <a:prstGeom prst="straightConnector1">
-            <a:avLst/>
-          </a:prstGeom>
-          <a:ln>
-            <a:tailEnd type="arrow"/>
-          </a:ln>
-        </p:spPr>
-        <p:style>
-          <a:lnRef idx="1">
-            <a:schemeClr val="accent1"/>
-          </a:lnRef>
-          <a:fillRef idx="0">
-            <a:schemeClr val="accent1"/>
-          </a:fillRef>
-          <a:effectRef idx="0">
-            <a:schemeClr val="accent1"/>
-          </a:effectRef>
-          <a:fontRef idx="minor">
-            <a:schemeClr val="tx1"/>
-          </a:fontRef>
-        </p:style>
-      </p:cxnSp>
-      <p:cxnSp>
-        <p:nvCxnSpPr>
-          <p:cNvPr id="40" name="Straight Arrow Connector 39"/>
-          <p:cNvCxnSpPr>
-            <a:stCxn id="34" idx="2"/>
-            <a:endCxn id="38" idx="0"/>
-          </p:cNvCxnSpPr>
-          <p:nvPr/>
-        </p:nvCxnSpPr>
-        <p:spPr>
-          <a:xfrm>
-            <a:off x="4552088" y="4534436"/>
-            <a:ext cx="509703" cy="507218"/>
-          </a:xfrm>
-          <a:prstGeom prst="straightConnector1">
-            <a:avLst/>
-          </a:prstGeom>
-          <a:ln>
-            <a:tailEnd type="arrow"/>
-          </a:ln>
-        </p:spPr>
-        <p:style>
-          <a:lnRef idx="1">
-            <a:schemeClr val="accent1"/>
-          </a:lnRef>
-          <a:fillRef idx="0">
-            <a:schemeClr val="accent1"/>
-          </a:fillRef>
-          <a:effectRef idx="0">
-            <a:schemeClr val="accent1"/>
-          </a:effectRef>
-          <a:fontRef idx="minor">
-            <a:schemeClr val="tx1"/>
-          </a:fontRef>
-        </p:style>
-      </p:cxnSp>
-      <p:sp>
-        <p:nvSpPr>
-          <p:cNvPr id="41" name="TextBox 40"/>
-          <p:cNvSpPr txBox="1"/>
-          <p:nvPr/>
-        </p:nvSpPr>
-        <p:spPr>
-          <a:xfrm>
-            <a:off x="4738624" y="4671783"/>
-            <a:ext cx="415498" cy="246221"/>
-          </a:xfrm>
-          <a:prstGeom prst="rect">
-            <a:avLst/>
-          </a:prstGeom>
-          <a:noFill/>
-        </p:spPr>
-        <p:txBody>
-          <a:bodyPr wrap="none" rtlCol="0">
-            <a:spAutoFit/>
-          </a:bodyPr>
-          <a:lstStyle/>
-          <a:p>
-            <a:r>
-              <a:rPr lang="en-US" sz="1000" smtClean="0">
-                <a:latin typeface="Courier New" pitchFamily="49" charset="0"/>
-                <a:cs typeface="Courier New" pitchFamily="49" charset="0"/>
-              </a:rPr>
-              <a:t>put</a:t>
-            </a:r>
-            <a:endParaRPr lang="en-US" sz="1000">
-              <a:latin typeface="Courier New" pitchFamily="49" charset="0"/>
-              <a:cs typeface="Courier New" pitchFamily="49" charset="0"/>
-            </a:endParaRPr>
-          </a:p>
-        </p:txBody>
-      </p:sp>
-      <p:sp>
-        <p:nvSpPr>
-          <p:cNvPr id="42" name="TextBox 41"/>
-          <p:cNvSpPr txBox="1"/>
-          <p:nvPr/>
-        </p:nvSpPr>
-        <p:spPr>
-          <a:xfrm>
-            <a:off x="3791689" y="4700893"/>
-            <a:ext cx="723275" cy="246221"/>
-          </a:xfrm>
-          <a:prstGeom prst="rect">
-            <a:avLst/>
-          </a:prstGeom>
-          <a:noFill/>
-        </p:spPr>
-        <p:txBody>
-          <a:bodyPr wrap="none" rtlCol="0">
-            <a:spAutoFit/>
-          </a:bodyPr>
-          <a:lstStyle/>
-          <a:p>
-            <a:r>
-              <a:rPr lang="en-US" sz="1000" smtClean="0">
-                <a:latin typeface="Courier New" pitchFamily="49" charset="0"/>
-                <a:cs typeface="Courier New" pitchFamily="49" charset="0"/>
-              </a:rPr>
-              <a:t>receive</a:t>
-            </a:r>
-            <a:endParaRPr lang="en-US" sz="1000">
-              <a:latin typeface="Courier New" pitchFamily="49" charset="0"/>
-              <a:cs typeface="Courier New" pitchFamily="49" charset="0"/>
-            </a:endParaRPr>
-          </a:p>
-        </p:txBody>
-      </p:sp>
-      <p:sp>
-        <p:nvSpPr>
-          <p:cNvPr id="58" name="TextBox 57"/>
-          <p:cNvSpPr txBox="1"/>
-          <p:nvPr/>
-        </p:nvSpPr>
-        <p:spPr>
-          <a:xfrm>
-            <a:off x="973669" y="1704020"/>
-            <a:ext cx="656911" cy="461665"/>
-          </a:xfrm>
-          <a:prstGeom prst="rect">
-            <a:avLst/>
-          </a:prstGeom>
-          <a:noFill/>
-        </p:spPr>
-        <p:txBody>
-          <a:bodyPr wrap="none" rtlCol="0">
-            <a:spAutoFit/>
-          </a:bodyPr>
-          <a:lstStyle/>
-          <a:p>
-            <a:pPr algn="ctr"/>
-            <a:r>
-              <a:rPr lang="en-US" sz="1200" smtClean="0">
-                <a:solidFill>
-                  <a:schemeClr val="accent6">
-                    <a:lumMod val="75000"/>
-                  </a:schemeClr>
-                </a:solidFill>
-              </a:rPr>
-              <a:t>usage</a:t>
-            </a:r>
-          </a:p>
-          <a:p>
-            <a:pPr algn="ctr"/>
-            <a:r>
-              <a:rPr lang="en-US" sz="1200" err="1" smtClean="0">
-                <a:solidFill>
-                  <a:schemeClr val="accent6">
-                    <a:lumMod val="75000"/>
-                  </a:schemeClr>
-                </a:solidFill>
-              </a:rPr>
-              <a:t>waitFor</a:t>
-            </a:r>
-            <a:endParaRPr lang="en-US" sz="1200">
-              <a:solidFill>
-                <a:schemeClr val="accent6">
-                  <a:lumMod val="75000"/>
-                </a:schemeClr>
-              </a:solidFill>
-            </a:endParaRPr>
-          </a:p>
-        </p:txBody>
-      </p:sp>
-      <p:sp>
-        <p:nvSpPr>
           <p:cNvPr id="59" name="TextBox 58"/>
           <p:cNvSpPr txBox="1"/>
           <p:nvPr/>
         </p:nvSpPr>
         <p:spPr>
           <a:xfrm>
-            <a:off x="572459" y="2827331"/>
+            <a:off x="3050740" y="2758964"/>
             <a:ext cx="723275" cy="246221"/>
           </a:xfrm>
           <a:prstGeom prst="rect">
@@ -15138,7 +14689,7 @@
         </p:nvCxnSpPr>
         <p:spPr>
           <a:xfrm flipH="1">
-            <a:off x="934097" y="2416361"/>
+            <a:off x="3412378" y="2347994"/>
             <a:ext cx="182885" cy="410970"/>
           </a:xfrm>
           <a:prstGeom prst="straightConnector1">
@@ -15171,7 +14722,7 @@
         </p:nvSpPr>
         <p:spPr>
           <a:xfrm>
-            <a:off x="1019380" y="2503695"/>
+            <a:off x="3497661" y="2435328"/>
             <a:ext cx="2185214" cy="246221"/>
           </a:xfrm>
           <a:prstGeom prst="rect">
@@ -15242,7 +14793,7 @@
         </p:nvSpPr>
         <p:spPr>
           <a:xfrm>
-            <a:off x="447534" y="3617171"/>
+            <a:off x="2925815" y="3548804"/>
             <a:ext cx="954107" cy="246221"/>
           </a:xfrm>
           <a:prstGeom prst="rect">
@@ -15295,7 +14846,7 @@
         </p:nvCxnSpPr>
         <p:spPr>
           <a:xfrm flipH="1">
-            <a:off x="924588" y="3073552"/>
+            <a:off x="3402869" y="3005185"/>
             <a:ext cx="9509" cy="543619"/>
           </a:xfrm>
           <a:prstGeom prst="straightConnector1">
@@ -15328,7 +14879,7 @@
         </p:nvSpPr>
         <p:spPr>
           <a:xfrm>
-            <a:off x="861840" y="3168090"/>
+            <a:off x="3340121" y="3099723"/>
             <a:ext cx="415498" cy="246221"/>
           </a:xfrm>
           <a:prstGeom prst="rect">

--- a/Scripting/ScriptingDocumenation/DesignDiagrams.pptx
+++ b/Scripting/ScriptingDocumenation/DesignDiagrams.pptx
@@ -298,7 +298,7 @@
             <a:fld id="{00F2EA4F-E096-48CD-A1C4-A4124DB919D8}" type="datetimeFigureOut">
               <a:rPr lang="en-US" smtClean="0"/>
               <a:pPr/>
-              <a:t>4/2/2013</a:t>
+              <a:t>4/5/2013</a:t>
             </a:fld>
             <a:endParaRPr lang="en-US"/>
           </a:p>
@@ -465,7 +465,7 @@
             <a:fld id="{00F2EA4F-E096-48CD-A1C4-A4124DB919D8}" type="datetimeFigureOut">
               <a:rPr lang="en-US" smtClean="0"/>
               <a:pPr/>
-              <a:t>4/2/2013</a:t>
+              <a:t>4/5/2013</a:t>
             </a:fld>
             <a:endParaRPr lang="en-US"/>
           </a:p>
@@ -642,7 +642,7 @@
             <a:fld id="{00F2EA4F-E096-48CD-A1C4-A4124DB919D8}" type="datetimeFigureOut">
               <a:rPr lang="en-US" smtClean="0"/>
               <a:pPr/>
-              <a:t>4/2/2013</a:t>
+              <a:t>4/5/2013</a:t>
             </a:fld>
             <a:endParaRPr lang="en-US"/>
           </a:p>
@@ -809,7 +809,7 @@
             <a:fld id="{00F2EA4F-E096-48CD-A1C4-A4124DB919D8}" type="datetimeFigureOut">
               <a:rPr lang="en-US" smtClean="0"/>
               <a:pPr/>
-              <a:t>4/2/2013</a:t>
+              <a:t>4/5/2013</a:t>
             </a:fld>
             <a:endParaRPr lang="en-US"/>
           </a:p>
@@ -1052,7 +1052,7 @@
             <a:fld id="{00F2EA4F-E096-48CD-A1C4-A4124DB919D8}" type="datetimeFigureOut">
               <a:rPr lang="en-US" smtClean="0"/>
               <a:pPr/>
-              <a:t>4/2/2013</a:t>
+              <a:t>4/5/2013</a:t>
             </a:fld>
             <a:endParaRPr lang="en-US"/>
           </a:p>
@@ -1337,7 +1337,7 @@
             <a:fld id="{00F2EA4F-E096-48CD-A1C4-A4124DB919D8}" type="datetimeFigureOut">
               <a:rPr lang="en-US" smtClean="0"/>
               <a:pPr/>
-              <a:t>4/2/2013</a:t>
+              <a:t>4/5/2013</a:t>
             </a:fld>
             <a:endParaRPr lang="en-US"/>
           </a:p>
@@ -1756,7 +1756,7 @@
             <a:fld id="{00F2EA4F-E096-48CD-A1C4-A4124DB919D8}" type="datetimeFigureOut">
               <a:rPr lang="en-US" smtClean="0"/>
               <a:pPr/>
-              <a:t>4/2/2013</a:t>
+              <a:t>4/5/2013</a:t>
             </a:fld>
             <a:endParaRPr lang="en-US"/>
           </a:p>
@@ -1871,7 +1871,7 @@
             <a:fld id="{00F2EA4F-E096-48CD-A1C4-A4124DB919D8}" type="datetimeFigureOut">
               <a:rPr lang="en-US" smtClean="0"/>
               <a:pPr/>
-              <a:t>4/2/2013</a:t>
+              <a:t>4/5/2013</a:t>
             </a:fld>
             <a:endParaRPr lang="en-US"/>
           </a:p>
@@ -1963,7 +1963,7 @@
             <a:fld id="{00F2EA4F-E096-48CD-A1C4-A4124DB919D8}" type="datetimeFigureOut">
               <a:rPr lang="en-US" smtClean="0"/>
               <a:pPr/>
-              <a:t>4/2/2013</a:t>
+              <a:t>4/5/2013</a:t>
             </a:fld>
             <a:endParaRPr lang="en-US"/>
           </a:p>
@@ -2237,7 +2237,7 @@
             <a:fld id="{00F2EA4F-E096-48CD-A1C4-A4124DB919D8}" type="datetimeFigureOut">
               <a:rPr lang="en-US" smtClean="0"/>
               <a:pPr/>
-              <a:t>4/2/2013</a:t>
+              <a:t>4/5/2013</a:t>
             </a:fld>
             <a:endParaRPr lang="en-US"/>
           </a:p>
@@ -2487,7 +2487,7 @@
             <a:fld id="{00F2EA4F-E096-48CD-A1C4-A4124DB919D8}" type="datetimeFigureOut">
               <a:rPr lang="en-US" smtClean="0"/>
               <a:pPr/>
-              <a:t>4/2/2013</a:t>
+              <a:t>4/5/2013</a:t>
             </a:fld>
             <a:endParaRPr lang="en-US"/>
           </a:p>
@@ -2697,7 +2697,7 @@
             <a:fld id="{00F2EA4F-E096-48CD-A1C4-A4124DB919D8}" type="datetimeFigureOut">
               <a:rPr lang="en-US" smtClean="0"/>
               <a:pPr/>
-              <a:t>4/2/2013</a:t>
+              <a:t>4/5/2013</a:t>
             </a:fld>
             <a:endParaRPr lang="en-US"/>
           </a:p>
@@ -11273,14 +11273,7 @@
                 <a:latin typeface="Courier New" pitchFamily="49" charset="0"/>
                 <a:cs typeface="Courier New" pitchFamily="49" charset="0"/>
               </a:rPr>
-              <a:t>based </a:t>
-            </a:r>
-            <a:r>
-              <a:rPr lang="en-US" sz="1000" smtClean="0">
-                <a:latin typeface="Courier New" pitchFamily="49" charset="0"/>
-                <a:cs typeface="Courier New" pitchFamily="49" charset="0"/>
-              </a:rPr>
-              <a:t>on interests</a:t>
+              <a:t>based on interests</a:t>
             </a:r>
             <a:endParaRPr lang="en-US" sz="1000">
               <a:latin typeface="Courier New" pitchFamily="49" charset="0"/>
@@ -11816,14 +11809,7 @@
                 <a:latin typeface="Courier New" pitchFamily="49" charset="0"/>
                 <a:cs typeface="Courier New" pitchFamily="49" charset="0"/>
               </a:rPr>
-              <a:t>s</a:t>
-            </a:r>
-            <a:r>
-              <a:rPr lang="en-US" sz="1000" smtClean="0">
-                <a:latin typeface="Courier New" pitchFamily="49" charset="0"/>
-                <a:cs typeface="Courier New" pitchFamily="49" charset="0"/>
-              </a:rPr>
-              <a:t>tart(</a:t>
+              <a:t>start(</a:t>
             </a:r>
             <a:r>
               <a:rPr lang="en-US" sz="1000" smtClean="0">
@@ -15070,7 +15056,7 @@
         </p:nvSpPr>
         <p:spPr>
           <a:xfrm>
-            <a:off x="4179871" y="3676438"/>
+            <a:off x="4200420" y="3419584"/>
             <a:ext cx="954107" cy="246221"/>
           </a:xfrm>
           <a:prstGeom prst="rect">
@@ -15324,9 +15310,9 @@
           <p:nvPr/>
         </p:nvCxnSpPr>
         <p:spPr>
-          <a:xfrm flipH="1">
-            <a:off x="4190917" y="3619752"/>
-            <a:ext cx="1093425" cy="551380"/>
+          <a:xfrm flipH="1" flipV="1">
+            <a:off x="4098450" y="3338926"/>
+            <a:ext cx="1185892" cy="280826"/>
           </a:xfrm>
           <a:prstGeom prst="straightConnector1">
             <a:avLst/>
@@ -15567,7 +15553,7 @@
         </p:nvSpPr>
         <p:spPr>
           <a:xfrm>
-            <a:off x="2681557" y="3657601"/>
+            <a:off x="2691831" y="3369925"/>
             <a:ext cx="646331" cy="553998"/>
           </a:xfrm>
           <a:prstGeom prst="rect">
@@ -15703,7 +15689,7 @@
         </p:nvSpPr>
         <p:spPr>
           <a:xfrm>
-            <a:off x="3544586" y="4048021"/>
+            <a:off x="3452119" y="3215815"/>
             <a:ext cx="646331" cy="246221"/>
           </a:xfrm>
           <a:prstGeom prst="rect">
@@ -15751,9 +15737,9 @@
           <p:nvPr/>
         </p:nvCxnSpPr>
         <p:spPr>
-          <a:xfrm>
-            <a:off x="2532344" y="4029005"/>
-            <a:ext cx="1012242" cy="142127"/>
+          <a:xfrm flipV="1">
+            <a:off x="2532344" y="3338926"/>
+            <a:ext cx="919775" cy="690079"/>
           </a:xfrm>
           <a:prstGeom prst="straightConnector1">
             <a:avLst/>
@@ -15894,6 +15880,55 @@
               <a:latin typeface="Courier New" pitchFamily="49" charset="0"/>
               <a:cs typeface="Courier New" pitchFamily="49" charset="0"/>
             </a:endParaRPr>
+          </a:p>
+        </p:txBody>
+      </p:sp>
+      <p:sp>
+        <p:nvSpPr>
+          <p:cNvPr id="28" name="TextBox 27"/>
+          <p:cNvSpPr txBox="1"/>
+          <p:nvPr/>
+        </p:nvSpPr>
+        <p:spPr>
+          <a:xfrm>
+            <a:off x="3088873" y="4489617"/>
+            <a:ext cx="1261884" cy="246221"/>
+          </a:xfrm>
+          <a:prstGeom prst="rect">
+            <a:avLst/>
+          </a:prstGeom>
+          <a:ln/>
+        </p:spPr>
+        <p:style>
+          <a:lnRef idx="1">
+            <a:schemeClr val="accent3"/>
+          </a:lnRef>
+          <a:fillRef idx="2">
+            <a:schemeClr val="accent3"/>
+          </a:fillRef>
+          <a:effectRef idx="1">
+            <a:schemeClr val="accent3"/>
+          </a:effectRef>
+          <a:fontRef idx="minor">
+            <a:schemeClr val="dk1"/>
+          </a:fontRef>
+        </p:style>
+        <p:txBody>
+          <a:bodyPr wrap="none" rtlCol="0">
+            <a:spAutoFit/>
+          </a:bodyPr>
+          <a:lstStyle/>
+          <a:p>
+            <a:r>
+              <a:rPr lang="en-US" sz="1000" smtClean="0">
+                <a:solidFill>
+                  <a:srgbClr val="FF0000"/>
+                </a:solidFill>
+                <a:latin typeface="Courier New" pitchFamily="49" charset="0"/>
+                <a:cs typeface="Courier New" pitchFamily="49" charset="0"/>
+              </a:rPr>
+              <a:t>socketToClient</a:t>
+            </a:r>
           </a:p>
         </p:txBody>
       </p:sp>

--- a/Scripting/ScriptingDocumenation/DesignDiagrams.pptx
+++ b/Scripting/ScriptingDocumenation/DesignDiagrams.pptx
@@ -297,7 +297,7 @@
             <a:fld id="{00F2EA4F-E096-48CD-A1C4-A4124DB919D8}" type="datetimeFigureOut">
               <a:rPr lang="en-US" smtClean="0"/>
               <a:pPr/>
-              <a:t>4/6/2013</a:t>
+              <a:t>4/7/2013</a:t>
             </a:fld>
             <a:endParaRPr lang="en-US"/>
           </a:p>
@@ -464,7 +464,7 @@
             <a:fld id="{00F2EA4F-E096-48CD-A1C4-A4124DB919D8}" type="datetimeFigureOut">
               <a:rPr lang="en-US" smtClean="0"/>
               <a:pPr/>
-              <a:t>4/6/2013</a:t>
+              <a:t>4/7/2013</a:t>
             </a:fld>
             <a:endParaRPr lang="en-US"/>
           </a:p>
@@ -641,7 +641,7 @@
             <a:fld id="{00F2EA4F-E096-48CD-A1C4-A4124DB919D8}" type="datetimeFigureOut">
               <a:rPr lang="en-US" smtClean="0"/>
               <a:pPr/>
-              <a:t>4/6/2013</a:t>
+              <a:t>4/7/2013</a:t>
             </a:fld>
             <a:endParaRPr lang="en-US"/>
           </a:p>
@@ -808,7 +808,7 @@
             <a:fld id="{00F2EA4F-E096-48CD-A1C4-A4124DB919D8}" type="datetimeFigureOut">
               <a:rPr lang="en-US" smtClean="0"/>
               <a:pPr/>
-              <a:t>4/6/2013</a:t>
+              <a:t>4/7/2013</a:t>
             </a:fld>
             <a:endParaRPr lang="en-US"/>
           </a:p>
@@ -1051,7 +1051,7 @@
             <a:fld id="{00F2EA4F-E096-48CD-A1C4-A4124DB919D8}" type="datetimeFigureOut">
               <a:rPr lang="en-US" smtClean="0"/>
               <a:pPr/>
-              <a:t>4/6/2013</a:t>
+              <a:t>4/7/2013</a:t>
             </a:fld>
             <a:endParaRPr lang="en-US"/>
           </a:p>
@@ -1336,7 +1336,7 @@
             <a:fld id="{00F2EA4F-E096-48CD-A1C4-A4124DB919D8}" type="datetimeFigureOut">
               <a:rPr lang="en-US" smtClean="0"/>
               <a:pPr/>
-              <a:t>4/6/2013</a:t>
+              <a:t>4/7/2013</a:t>
             </a:fld>
             <a:endParaRPr lang="en-US"/>
           </a:p>
@@ -1755,7 +1755,7 @@
             <a:fld id="{00F2EA4F-E096-48CD-A1C4-A4124DB919D8}" type="datetimeFigureOut">
               <a:rPr lang="en-US" smtClean="0"/>
               <a:pPr/>
-              <a:t>4/6/2013</a:t>
+              <a:t>4/7/2013</a:t>
             </a:fld>
             <a:endParaRPr lang="en-US"/>
           </a:p>
@@ -1870,7 +1870,7 @@
             <a:fld id="{00F2EA4F-E096-48CD-A1C4-A4124DB919D8}" type="datetimeFigureOut">
               <a:rPr lang="en-US" smtClean="0"/>
               <a:pPr/>
-              <a:t>4/6/2013</a:t>
+              <a:t>4/7/2013</a:t>
             </a:fld>
             <a:endParaRPr lang="en-US"/>
           </a:p>
@@ -1962,7 +1962,7 @@
             <a:fld id="{00F2EA4F-E096-48CD-A1C4-A4124DB919D8}" type="datetimeFigureOut">
               <a:rPr lang="en-US" smtClean="0"/>
               <a:pPr/>
-              <a:t>4/6/2013</a:t>
+              <a:t>4/7/2013</a:t>
             </a:fld>
             <a:endParaRPr lang="en-US"/>
           </a:p>
@@ -2236,7 +2236,7 @@
             <a:fld id="{00F2EA4F-E096-48CD-A1C4-A4124DB919D8}" type="datetimeFigureOut">
               <a:rPr lang="en-US" smtClean="0"/>
               <a:pPr/>
-              <a:t>4/6/2013</a:t>
+              <a:t>4/7/2013</a:t>
             </a:fld>
             <a:endParaRPr lang="en-US"/>
           </a:p>
@@ -2486,7 +2486,7 @@
             <a:fld id="{00F2EA4F-E096-48CD-A1C4-A4124DB919D8}" type="datetimeFigureOut">
               <a:rPr lang="en-US" smtClean="0"/>
               <a:pPr/>
-              <a:t>4/6/2013</a:t>
+              <a:t>4/7/2013</a:t>
             </a:fld>
             <a:endParaRPr lang="en-US"/>
           </a:p>
@@ -2696,7 +2696,7 @@
             <a:fld id="{00F2EA4F-E096-48CD-A1C4-A4124DB919D8}" type="datetimeFigureOut">
               <a:rPr lang="en-US" smtClean="0"/>
               <a:pPr/>
-              <a:t>4/6/2013</a:t>
+              <a:t>4/7/2013</a:t>
             </a:fld>
             <a:endParaRPr lang="en-US"/>
           </a:p>
@@ -5188,10 +5188,6 @@
               </a:rPr>
               <a:t>getBlocking/getNonblocking/waitFor:msg</a:t>
             </a:r>
-            <a:endParaRPr lang="en-US" sz="1000" smtClean="0">
-              <a:latin typeface="Courier New" pitchFamily="49" charset="0"/>
-              <a:cs typeface="Courier New" pitchFamily="49" charset="0"/>
-            </a:endParaRPr>
           </a:p>
           <a:p>
             <a:r>
@@ -13773,10 +13769,6 @@
               </a:rPr>
               <a:t>internalQu</a:t>
             </a:r>
-            <a:endParaRPr lang="en-US" sz="1000" smtClean="0">
-              <a:latin typeface="Courier New" pitchFamily="49" charset="0"/>
-              <a:cs typeface="Courier New" pitchFamily="49" charset="0"/>
-            </a:endParaRPr>
           </a:p>
         </p:txBody>
       </p:sp>
@@ -16567,6 +16559,13 @@
               </a:rPr>
               <a:t>message</a:t>
             </a:r>
+            <a:endParaRPr lang="en-US" sz="1200" b="1" smtClean="0">
+              <a:solidFill>
+                <a:schemeClr val="accent6">
+                  <a:lumMod val="75000"/>
+                </a:schemeClr>
+              </a:solidFill>
+            </a:endParaRPr>
           </a:p>
           <a:p>
             <a:r>
@@ -16648,14 +16647,14 @@
           <p:cNvPr id="323" name="Straight Arrow Connector 322"/>
           <p:cNvCxnSpPr>
             <a:stCxn id="324" idx="2"/>
-            <a:endCxn id="325" idx="0"/>
+            <a:endCxn id="98" idx="0"/>
           </p:cNvCxnSpPr>
           <p:nvPr/>
         </p:nvCxnSpPr>
         <p:spPr>
           <a:xfrm>
             <a:off x="5847345" y="5693237"/>
-            <a:ext cx="94868" cy="627085"/>
+            <a:ext cx="180381" cy="656195"/>
           </a:xfrm>
           <a:prstGeom prst="straightConnector1">
             <a:avLst/>
@@ -16721,52 +16720,6 @@
                 <a:cs typeface="Courier New" pitchFamily="49" charset="0"/>
               </a:rPr>
               <a:t>main</a:t>
-            </a:r>
-          </a:p>
-        </p:txBody>
-      </p:sp>
-      <p:sp>
-        <p:nvSpPr>
-          <p:cNvPr id="325" name="TextBox 324"/>
-          <p:cNvSpPr txBox="1"/>
-          <p:nvPr/>
-        </p:nvSpPr>
-        <p:spPr>
-          <a:xfrm>
-            <a:off x="5580575" y="6320322"/>
-            <a:ext cx="723275" cy="246221"/>
-          </a:xfrm>
-          <a:prstGeom prst="rect">
-            <a:avLst/>
-          </a:prstGeom>
-          <a:ln/>
-        </p:spPr>
-        <p:style>
-          <a:lnRef idx="1">
-            <a:schemeClr val="accent2"/>
-          </a:lnRef>
-          <a:fillRef idx="2">
-            <a:schemeClr val="accent2"/>
-          </a:fillRef>
-          <a:effectRef idx="1">
-            <a:schemeClr val="accent2"/>
-          </a:effectRef>
-          <a:fontRef idx="minor">
-            <a:schemeClr val="dk1"/>
-          </a:fontRef>
-        </p:style>
-        <p:txBody>
-          <a:bodyPr wrap="none" rtlCol="0">
-            <a:spAutoFit/>
-          </a:bodyPr>
-          <a:lstStyle/>
-          <a:p>
-            <a:r>
-              <a:rPr lang="en-US" sz="1000" smtClean="0">
-                <a:latin typeface="Courier New" pitchFamily="49" charset="0"/>
-                <a:cs typeface="Courier New" pitchFamily="49" charset="0"/>
-              </a:rPr>
-              <a:t>waitFor</a:t>
             </a:r>
           </a:p>
         </p:txBody>
@@ -16907,7 +16860,7 @@
         <p:spPr>
           <a:xfrm>
             <a:off x="5659340" y="5803186"/>
-            <a:ext cx="1415772" cy="246221"/>
+            <a:ext cx="723275" cy="246221"/>
           </a:xfrm>
           <a:prstGeom prst="rect">
             <a:avLst/>
@@ -16925,8 +16878,12 @@
                 <a:latin typeface="Courier New" pitchFamily="49" charset="0"/>
                 <a:cs typeface="Courier New" pitchFamily="49" charset="0"/>
               </a:rPr>
-              <a:t>call(qu,msg):msg</a:t>
-            </a:r>
+              <a:t>waitFor</a:t>
+            </a:r>
+            <a:endParaRPr lang="en-US" sz="1000" smtClean="0">
+              <a:latin typeface="Courier New" pitchFamily="49" charset="0"/>
+              <a:cs typeface="Courier New" pitchFamily="49" charset="0"/>
+            </a:endParaRPr>
           </a:p>
         </p:txBody>
       </p:sp>
@@ -16934,7 +16891,7 @@
         <p:nvCxnSpPr>
           <p:cNvPr id="338" name="Straight Arrow Connector 337"/>
           <p:cNvCxnSpPr>
-            <a:stCxn id="325" idx="1"/>
+            <a:stCxn id="98" idx="1"/>
             <a:endCxn id="329" idx="3"/>
           </p:cNvCxnSpPr>
           <p:nvPr/>
@@ -16942,7 +16899,7 @@
         <p:spPr>
           <a:xfrm flipH="1" flipV="1">
             <a:off x="5042400" y="6275620"/>
-            <a:ext cx="538175" cy="167813"/>
+            <a:ext cx="546744" cy="196923"/>
           </a:xfrm>
           <a:prstGeom prst="straightConnector1">
             <a:avLst/>
@@ -17853,6 +17810,55 @@
           <a:p>
             <a:pPr algn="ctr"/>
             <a:endParaRPr lang="en-US"/>
+          </a:p>
+        </p:txBody>
+      </p:sp>
+      <p:sp>
+        <p:nvSpPr>
+          <p:cNvPr id="98" name="TextBox 97"/>
+          <p:cNvSpPr txBox="1"/>
+          <p:nvPr/>
+        </p:nvSpPr>
+        <p:spPr>
+          <a:xfrm>
+            <a:off x="5589144" y="6349432"/>
+            <a:ext cx="877163" cy="246221"/>
+          </a:xfrm>
+          <a:prstGeom prst="rect">
+            <a:avLst/>
+          </a:prstGeom>
+          <a:ln/>
+        </p:spPr>
+        <p:style>
+          <a:lnRef idx="1">
+            <a:schemeClr val="accent3"/>
+          </a:lnRef>
+          <a:fillRef idx="2">
+            <a:schemeClr val="accent3"/>
+          </a:fillRef>
+          <a:effectRef idx="1">
+            <a:schemeClr val="accent3"/>
+          </a:effectRef>
+          <a:fontRef idx="minor">
+            <a:schemeClr val="dk1"/>
+          </a:fontRef>
+        </p:style>
+        <p:txBody>
+          <a:bodyPr wrap="none" rtlCol="0">
+            <a:spAutoFit/>
+          </a:bodyPr>
+          <a:lstStyle/>
+          <a:p>
+            <a:r>
+              <a:rPr lang="en-US" sz="1000" smtClean="0">
+                <a:solidFill>
+                  <a:srgbClr val="FF0000"/>
+                </a:solidFill>
+                <a:latin typeface="Courier New" pitchFamily="49" charset="0"/>
+                <a:cs typeface="Courier New" pitchFamily="49" charset="0"/>
+              </a:rPr>
+              <a:t>msgSocket</a:t>
+            </a:r>
           </a:p>
         </p:txBody>
       </p:sp>

--- a/Scripting/ScriptingDocumenation/DesignDiagrams.pptx
+++ b/Scripting/ScriptingDocumenation/DesignDiagrams.pptx
@@ -297,7 +297,7 @@
             <a:fld id="{00F2EA4F-E096-48CD-A1C4-A4124DB919D8}" type="datetimeFigureOut">
               <a:rPr lang="en-US" smtClean="0"/>
               <a:pPr/>
-              <a:t>4/7/2013</a:t>
+              <a:t>4/10/2013</a:t>
             </a:fld>
             <a:endParaRPr lang="en-US"/>
           </a:p>
@@ -464,7 +464,7 @@
             <a:fld id="{00F2EA4F-E096-48CD-A1C4-A4124DB919D8}" type="datetimeFigureOut">
               <a:rPr lang="en-US" smtClean="0"/>
               <a:pPr/>
-              <a:t>4/7/2013</a:t>
+              <a:t>4/10/2013</a:t>
             </a:fld>
             <a:endParaRPr lang="en-US"/>
           </a:p>
@@ -641,7 +641,7 @@
             <a:fld id="{00F2EA4F-E096-48CD-A1C4-A4124DB919D8}" type="datetimeFigureOut">
               <a:rPr lang="en-US" smtClean="0"/>
               <a:pPr/>
-              <a:t>4/7/2013</a:t>
+              <a:t>4/10/2013</a:t>
             </a:fld>
             <a:endParaRPr lang="en-US"/>
           </a:p>
@@ -808,7 +808,7 @@
             <a:fld id="{00F2EA4F-E096-48CD-A1C4-A4124DB919D8}" type="datetimeFigureOut">
               <a:rPr lang="en-US" smtClean="0"/>
               <a:pPr/>
-              <a:t>4/7/2013</a:t>
+              <a:t>4/10/2013</a:t>
             </a:fld>
             <a:endParaRPr lang="en-US"/>
           </a:p>
@@ -1051,7 +1051,7 @@
             <a:fld id="{00F2EA4F-E096-48CD-A1C4-A4124DB919D8}" type="datetimeFigureOut">
               <a:rPr lang="en-US" smtClean="0"/>
               <a:pPr/>
-              <a:t>4/7/2013</a:t>
+              <a:t>4/10/2013</a:t>
             </a:fld>
             <a:endParaRPr lang="en-US"/>
           </a:p>
@@ -1336,7 +1336,7 @@
             <a:fld id="{00F2EA4F-E096-48CD-A1C4-A4124DB919D8}" type="datetimeFigureOut">
               <a:rPr lang="en-US" smtClean="0"/>
               <a:pPr/>
-              <a:t>4/7/2013</a:t>
+              <a:t>4/10/2013</a:t>
             </a:fld>
             <a:endParaRPr lang="en-US"/>
           </a:p>
@@ -1755,7 +1755,7 @@
             <a:fld id="{00F2EA4F-E096-48CD-A1C4-A4124DB919D8}" type="datetimeFigureOut">
               <a:rPr lang="en-US" smtClean="0"/>
               <a:pPr/>
-              <a:t>4/7/2013</a:t>
+              <a:t>4/10/2013</a:t>
             </a:fld>
             <a:endParaRPr lang="en-US"/>
           </a:p>
@@ -1870,7 +1870,7 @@
             <a:fld id="{00F2EA4F-E096-48CD-A1C4-A4124DB919D8}" type="datetimeFigureOut">
               <a:rPr lang="en-US" smtClean="0"/>
               <a:pPr/>
-              <a:t>4/7/2013</a:t>
+              <a:t>4/10/2013</a:t>
             </a:fld>
             <a:endParaRPr lang="en-US"/>
           </a:p>
@@ -1962,7 +1962,7 @@
             <a:fld id="{00F2EA4F-E096-48CD-A1C4-A4124DB919D8}" type="datetimeFigureOut">
               <a:rPr lang="en-US" smtClean="0"/>
               <a:pPr/>
-              <a:t>4/7/2013</a:t>
+              <a:t>4/10/2013</a:t>
             </a:fld>
             <a:endParaRPr lang="en-US"/>
           </a:p>
@@ -2236,7 +2236,7 @@
             <a:fld id="{00F2EA4F-E096-48CD-A1C4-A4124DB919D8}" type="datetimeFigureOut">
               <a:rPr lang="en-US" smtClean="0"/>
               <a:pPr/>
-              <a:t>4/7/2013</a:t>
+              <a:t>4/10/2013</a:t>
             </a:fld>
             <a:endParaRPr lang="en-US"/>
           </a:p>
@@ -2486,7 +2486,7 @@
             <a:fld id="{00F2EA4F-E096-48CD-A1C4-A4124DB919D8}" type="datetimeFigureOut">
               <a:rPr lang="en-US" smtClean="0"/>
               <a:pPr/>
-              <a:t>4/7/2013</a:t>
+              <a:t>4/10/2013</a:t>
             </a:fld>
             <a:endParaRPr lang="en-US"/>
           </a:p>
@@ -2696,7 +2696,7 @@
             <a:fld id="{00F2EA4F-E096-48CD-A1C4-A4124DB919D8}" type="datetimeFigureOut">
               <a:rPr lang="en-US" smtClean="0"/>
               <a:pPr/>
-              <a:t>4/7/2013</a:t>
+              <a:t>4/10/2013</a:t>
             </a:fld>
             <a:endParaRPr lang="en-US"/>
           </a:p>
@@ -3315,13 +3315,13 @@
           <a:ln/>
         </p:spPr>
         <p:style>
-          <a:lnRef idx="1">
+          <a:lnRef idx="0">
             <a:schemeClr val="accent1"/>
           </a:lnRef>
           <a:fillRef idx="3">
             <a:schemeClr val="accent1"/>
           </a:fillRef>
-          <a:effectRef idx="2">
+          <a:effectRef idx="3">
             <a:schemeClr val="accent1"/>
           </a:effectRef>
           <a:fontRef idx="minor">
@@ -3934,6 +3934,223 @@
           <a:prstGeom prst="rect">
             <a:avLst/>
           </a:prstGeom>
+          <a:ln/>
+        </p:spPr>
+        <p:style>
+          <a:lnRef idx="0">
+            <a:schemeClr val="accent1"/>
+          </a:lnRef>
+          <a:fillRef idx="3">
+            <a:schemeClr val="accent1"/>
+          </a:fillRef>
+          <a:effectRef idx="3">
+            <a:schemeClr val="accent1"/>
+          </a:effectRef>
+          <a:fontRef idx="minor">
+            <a:schemeClr val="lt1"/>
+          </a:fontRef>
+        </p:style>
+        <p:txBody>
+          <a:bodyPr wrap="none" rtlCol="0">
+            <a:spAutoFit/>
+          </a:bodyPr>
+          <a:lstStyle/>
+          <a:p>
+            <a:r>
+              <a:rPr lang="en-US" sz="1000" smtClean="0">
+                <a:latin typeface="Courier New" pitchFamily="49" charset="0"/>
+                <a:cs typeface="Courier New" pitchFamily="49" charset="0"/>
+              </a:rPr>
+              <a:t>main</a:t>
+            </a:r>
+          </a:p>
+        </p:txBody>
+      </p:sp>
+      <p:cxnSp>
+        <p:nvCxnSpPr>
+          <p:cNvPr id="10" name="Straight Arrow Connector 9"/>
+          <p:cNvCxnSpPr>
+            <a:stCxn id="7" idx="1"/>
+            <a:endCxn id="5" idx="0"/>
+          </p:cNvCxnSpPr>
+          <p:nvPr/>
+        </p:nvCxnSpPr>
+        <p:spPr>
+          <a:xfrm flipH="1">
+            <a:off x="3036587" y="1497813"/>
+            <a:ext cx="847065" cy="825537"/>
+          </a:xfrm>
+          <a:prstGeom prst="straightConnector1">
+            <a:avLst/>
+          </a:prstGeom>
+          <a:ln>
+            <a:tailEnd type="arrow"/>
+          </a:ln>
+        </p:spPr>
+        <p:style>
+          <a:lnRef idx="1">
+            <a:schemeClr val="accent1"/>
+          </a:lnRef>
+          <a:fillRef idx="0">
+            <a:schemeClr val="accent1"/>
+          </a:fillRef>
+          <a:effectRef idx="0">
+            <a:schemeClr val="accent1"/>
+          </a:effectRef>
+          <a:fontRef idx="minor">
+            <a:schemeClr val="tx1"/>
+          </a:fontRef>
+        </p:style>
+      </p:cxnSp>
+      <p:sp>
+        <p:nvSpPr>
+          <p:cNvPr id="12" name="TextBox 11"/>
+          <p:cNvSpPr txBox="1"/>
+          <p:nvPr/>
+        </p:nvSpPr>
+        <p:spPr>
+          <a:xfrm>
+            <a:off x="3818582" y="2521983"/>
+            <a:ext cx="800219" cy="246221"/>
+          </a:xfrm>
+          <a:prstGeom prst="rect">
+            <a:avLst/>
+          </a:prstGeom>
+          <a:noFill/>
+        </p:spPr>
+        <p:txBody>
+          <a:bodyPr wrap="none" rtlCol="0">
+            <a:spAutoFit/>
+          </a:bodyPr>
+          <a:lstStyle/>
+          <a:p>
+            <a:r>
+              <a:rPr lang="en-US" sz="1000" smtClean="0">
+                <a:latin typeface="Courier New" pitchFamily="49" charset="0"/>
+                <a:cs typeface="Courier New" pitchFamily="49" charset="0"/>
+              </a:rPr>
+              <a:t>printLog</a:t>
+            </a:r>
+            <a:endParaRPr lang="en-US" sz="1000">
+              <a:latin typeface="Courier New" pitchFamily="49" charset="0"/>
+              <a:cs typeface="Courier New" pitchFamily="49" charset="0"/>
+            </a:endParaRPr>
+          </a:p>
+        </p:txBody>
+      </p:sp>
+      <p:sp>
+        <p:nvSpPr>
+          <p:cNvPr id="13" name="TextBox 12"/>
+          <p:cNvSpPr txBox="1"/>
+          <p:nvPr/>
+        </p:nvSpPr>
+        <p:spPr>
+          <a:xfrm>
+            <a:off x="4659350" y="1513403"/>
+            <a:ext cx="569387" cy="246221"/>
+          </a:xfrm>
+          <a:prstGeom prst="rect">
+            <a:avLst/>
+          </a:prstGeom>
+          <a:noFill/>
+        </p:spPr>
+        <p:txBody>
+          <a:bodyPr wrap="none" rtlCol="0">
+            <a:spAutoFit/>
+          </a:bodyPr>
+          <a:lstStyle/>
+          <a:p>
+            <a:r>
+              <a:rPr lang="en-US" sz="1000" smtClean="0">
+                <a:latin typeface="Courier New" pitchFamily="49" charset="0"/>
+                <a:cs typeface="Courier New" pitchFamily="49" charset="0"/>
+              </a:rPr>
+              <a:t>start</a:t>
+            </a:r>
+            <a:endParaRPr lang="en-US" sz="1000">
+              <a:latin typeface="Courier New" pitchFamily="49" charset="0"/>
+              <a:cs typeface="Courier New" pitchFamily="49" charset="0"/>
+            </a:endParaRPr>
+          </a:p>
+        </p:txBody>
+      </p:sp>
+      <p:sp>
+        <p:nvSpPr>
+          <p:cNvPr id="14" name="TextBox 13"/>
+          <p:cNvSpPr txBox="1"/>
+          <p:nvPr/>
+        </p:nvSpPr>
+        <p:spPr>
+          <a:xfrm>
+            <a:off x="2602807" y="1285659"/>
+            <a:ext cx="800219" cy="707886"/>
+          </a:xfrm>
+          <a:prstGeom prst="rect">
+            <a:avLst/>
+          </a:prstGeom>
+          <a:noFill/>
+        </p:spPr>
+        <p:txBody>
+          <a:bodyPr wrap="none" rtlCol="0">
+            <a:spAutoFit/>
+          </a:bodyPr>
+          <a:lstStyle/>
+          <a:p>
+            <a:r>
+              <a:rPr lang="en-US" sz="1000" smtClean="0">
+                <a:latin typeface="Courier New" pitchFamily="49" charset="0"/>
+                <a:cs typeface="Courier New" pitchFamily="49" charset="0"/>
+              </a:rPr>
+              <a:t>openLog</a:t>
+            </a:r>
+          </a:p>
+          <a:p>
+            <a:r>
+              <a:rPr lang="en-US" sz="1000" smtClean="0">
+                <a:latin typeface="Courier New" pitchFamily="49" charset="0"/>
+                <a:cs typeface="Courier New" pitchFamily="49" charset="0"/>
+              </a:rPr>
+              <a:t>printLog</a:t>
+            </a:r>
+          </a:p>
+          <a:p>
+            <a:r>
+              <a:rPr lang="en-US" sz="1000" smtClean="0">
+                <a:latin typeface="Courier New" pitchFamily="49" charset="0"/>
+                <a:cs typeface="Courier New" pitchFamily="49" charset="0"/>
+              </a:rPr>
+              <a:t>flushLog</a:t>
+            </a:r>
+          </a:p>
+          <a:p>
+            <a:r>
+              <a:rPr lang="en-US" sz="1000" smtClean="0">
+                <a:latin typeface="Courier New" pitchFamily="49" charset="0"/>
+                <a:cs typeface="Courier New" pitchFamily="49" charset="0"/>
+              </a:rPr>
+              <a:t>closeLog</a:t>
+            </a:r>
+            <a:endParaRPr lang="en-US" sz="1000">
+              <a:latin typeface="Courier New" pitchFamily="49" charset="0"/>
+              <a:cs typeface="Courier New" pitchFamily="49" charset="0"/>
+            </a:endParaRPr>
+          </a:p>
+        </p:txBody>
+      </p:sp>
+      <p:sp>
+        <p:nvSpPr>
+          <p:cNvPr id="16" name="TextBox 15"/>
+          <p:cNvSpPr txBox="1"/>
+          <p:nvPr/>
+        </p:nvSpPr>
+        <p:spPr>
+          <a:xfrm>
+            <a:off x="4991549" y="2307939"/>
+            <a:ext cx="1800493" cy="246221"/>
+          </a:xfrm>
+          <a:prstGeom prst="rect">
+            <a:avLst/>
+          </a:prstGeom>
           <a:solidFill>
             <a:schemeClr val="tx2">
               <a:lumMod val="20000"/>
@@ -3957,24 +4174,23 @@
                 <a:latin typeface="Courier New" pitchFamily="49" charset="0"/>
                 <a:cs typeface="Courier New" pitchFamily="49" charset="0"/>
               </a:rPr>
-              <a:t>main</a:t>
+              <a:t>manyLinesToLog thread</a:t>
             </a:r>
           </a:p>
         </p:txBody>
       </p:sp>
       <p:cxnSp>
         <p:nvCxnSpPr>
-          <p:cNvPr id="10" name="Straight Arrow Connector 9"/>
+          <p:cNvPr id="18" name="Straight Arrow Connector 17"/>
           <p:cNvCxnSpPr>
-            <a:stCxn id="7" idx="1"/>
-            <a:endCxn id="5" idx="0"/>
+            <a:stCxn id="7" idx="3"/>
           </p:cNvCxnSpPr>
           <p:nvPr/>
         </p:nvCxnSpPr>
         <p:spPr>
-          <a:xfrm flipH="1">
-            <a:off x="3036587" y="1497813"/>
-            <a:ext cx="847065" cy="825537"/>
+          <a:xfrm>
+            <a:off x="4376095" y="1497813"/>
+            <a:ext cx="646275" cy="656013"/>
           </a:xfrm>
           <a:prstGeom prst="straightConnector1">
             <a:avLst/>
@@ -3998,16 +4214,52 @@
           </a:fontRef>
         </p:style>
       </p:cxnSp>
-      <p:sp>
-        <p:nvSpPr>
-          <p:cNvPr id="12" name="TextBox 11"/>
-          <p:cNvSpPr txBox="1"/>
-          <p:nvPr/>
-        </p:nvSpPr>
-        <p:spPr>
-          <a:xfrm>
-            <a:off x="3818582" y="2521983"/>
-            <a:ext cx="800219" cy="246221"/>
+      <p:cxnSp>
+        <p:nvCxnSpPr>
+          <p:cNvPr id="20" name="Straight Arrow Connector 19"/>
+          <p:cNvCxnSpPr>
+            <a:stCxn id="16" idx="1"/>
+            <a:endCxn id="5" idx="3"/>
+          </p:cNvCxnSpPr>
+          <p:nvPr/>
+        </p:nvCxnSpPr>
+        <p:spPr>
+          <a:xfrm flipH="1">
+            <a:off x="3244336" y="2431050"/>
+            <a:ext cx="1747213" cy="15411"/>
+          </a:xfrm>
+          <a:prstGeom prst="straightConnector1">
+            <a:avLst/>
+          </a:prstGeom>
+          <a:ln>
+            <a:tailEnd type="arrow"/>
+          </a:ln>
+        </p:spPr>
+        <p:style>
+          <a:lnRef idx="1">
+            <a:schemeClr val="accent1"/>
+          </a:lnRef>
+          <a:fillRef idx="0">
+            <a:schemeClr val="accent1"/>
+          </a:fillRef>
+          <a:effectRef idx="0">
+            <a:schemeClr val="accent1"/>
+          </a:effectRef>
+          <a:fontRef idx="minor">
+            <a:schemeClr val="tx1"/>
+          </a:fontRef>
+        </p:style>
+      </p:cxnSp>
+      <p:sp>
+        <p:nvSpPr>
+          <p:cNvPr id="23" name="TextBox 22"/>
+          <p:cNvSpPr txBox="1"/>
+          <p:nvPr/>
+        </p:nvSpPr>
+        <p:spPr>
+          <a:xfrm>
+            <a:off x="3573715" y="746266"/>
+            <a:ext cx="1282531" cy="369332"/>
           </a:xfrm>
           <a:prstGeom prst="rect">
             <a:avLst/>
@@ -4021,128 +4273,83 @@
           <a:lstStyle/>
           <a:p>
             <a:r>
-              <a:rPr lang="en-US" sz="1000" smtClean="0">
-                <a:latin typeface="Courier New" pitchFamily="49" charset="0"/>
-                <a:cs typeface="Courier New" pitchFamily="49" charset="0"/>
-              </a:rPr>
-              <a:t>printLog</a:t>
-            </a:r>
-            <a:endParaRPr lang="en-US" sz="1000">
-              <a:latin typeface="Courier New" pitchFamily="49" charset="0"/>
-              <a:cs typeface="Courier New" pitchFamily="49" charset="0"/>
+              <a:rPr lang="en-US" smtClean="0">
+                <a:solidFill>
+                  <a:schemeClr val="accent6">
+                    <a:lumMod val="75000"/>
+                  </a:schemeClr>
+                </a:solidFill>
+              </a:rPr>
+              <a:t>Log_Test.py</a:t>
+            </a:r>
+            <a:endParaRPr lang="en-US">
+              <a:solidFill>
+                <a:schemeClr val="accent6">
+                  <a:lumMod val="75000"/>
+                </a:schemeClr>
+              </a:solidFill>
             </a:endParaRPr>
           </a:p>
         </p:txBody>
       </p:sp>
       <p:sp>
         <p:nvSpPr>
-          <p:cNvPr id="13" name="TextBox 12"/>
-          <p:cNvSpPr txBox="1"/>
-          <p:nvPr/>
-        </p:nvSpPr>
-        <p:spPr>
-          <a:xfrm>
-            <a:off x="4659350" y="1513403"/>
-            <a:ext cx="569387" cy="246221"/>
-          </a:xfrm>
-          <a:prstGeom prst="rect">
-            <a:avLst/>
-          </a:prstGeom>
-          <a:noFill/>
-        </p:spPr>
-        <p:txBody>
-          <a:bodyPr wrap="none" rtlCol="0">
-            <a:spAutoFit/>
-          </a:bodyPr>
-          <a:lstStyle/>
-          <a:p>
-            <a:r>
-              <a:rPr lang="en-US" sz="1000" smtClean="0">
-                <a:latin typeface="Courier New" pitchFamily="49" charset="0"/>
-                <a:cs typeface="Courier New" pitchFamily="49" charset="0"/>
-              </a:rPr>
-              <a:t>start</a:t>
-            </a:r>
-            <a:endParaRPr lang="en-US" sz="1000">
-              <a:latin typeface="Courier New" pitchFamily="49" charset="0"/>
-              <a:cs typeface="Courier New" pitchFamily="49" charset="0"/>
-            </a:endParaRPr>
-          </a:p>
-        </p:txBody>
-      </p:sp>
-      <p:sp>
-        <p:nvSpPr>
-          <p:cNvPr id="14" name="TextBox 13"/>
-          <p:cNvSpPr txBox="1"/>
-          <p:nvPr/>
-        </p:nvSpPr>
-        <p:spPr>
-          <a:xfrm>
-            <a:off x="2602807" y="1285659"/>
-            <a:ext cx="800219" cy="707886"/>
-          </a:xfrm>
-          <a:prstGeom prst="rect">
-            <a:avLst/>
-          </a:prstGeom>
-          <a:noFill/>
-        </p:spPr>
-        <p:txBody>
-          <a:bodyPr wrap="none" rtlCol="0">
-            <a:spAutoFit/>
-          </a:bodyPr>
-          <a:lstStyle/>
-          <a:p>
-            <a:r>
-              <a:rPr lang="en-US" sz="1000" smtClean="0">
-                <a:latin typeface="Courier New" pitchFamily="49" charset="0"/>
-                <a:cs typeface="Courier New" pitchFamily="49" charset="0"/>
-              </a:rPr>
-              <a:t>openLog</a:t>
-            </a:r>
-          </a:p>
-          <a:p>
-            <a:r>
-              <a:rPr lang="en-US" sz="1000" smtClean="0">
-                <a:latin typeface="Courier New" pitchFamily="49" charset="0"/>
-                <a:cs typeface="Courier New" pitchFamily="49" charset="0"/>
-              </a:rPr>
-              <a:t>printLog</a:t>
-            </a:r>
-          </a:p>
-          <a:p>
-            <a:r>
-              <a:rPr lang="en-US" sz="1000" smtClean="0">
-                <a:latin typeface="Courier New" pitchFamily="49" charset="0"/>
-                <a:cs typeface="Courier New" pitchFamily="49" charset="0"/>
-              </a:rPr>
-              <a:t>flushLog</a:t>
-            </a:r>
-          </a:p>
-          <a:p>
-            <a:r>
-              <a:rPr lang="en-US" sz="1000" smtClean="0">
-                <a:latin typeface="Courier New" pitchFamily="49" charset="0"/>
-                <a:cs typeface="Courier New" pitchFamily="49" charset="0"/>
-              </a:rPr>
-              <a:t>closeLog</a:t>
-            </a:r>
-            <a:endParaRPr lang="en-US" sz="1000">
-              <a:latin typeface="Courier New" pitchFamily="49" charset="0"/>
-              <a:cs typeface="Courier New" pitchFamily="49" charset="0"/>
-            </a:endParaRPr>
-          </a:p>
-        </p:txBody>
-      </p:sp>
-      <p:sp>
-        <p:nvSpPr>
-          <p:cNvPr id="16" name="TextBox 15"/>
-          <p:cNvSpPr txBox="1"/>
-          <p:nvPr/>
-        </p:nvSpPr>
-        <p:spPr>
-          <a:xfrm>
-            <a:off x="4991549" y="2307939"/>
-            <a:ext cx="1800493" cy="246221"/>
+          <p:cNvPr id="17" name="TextBox 16"/>
+          <p:cNvSpPr txBox="1"/>
+          <p:nvPr/>
+        </p:nvSpPr>
+        <p:spPr>
+          <a:xfrm>
+            <a:off x="3083980" y="5034015"/>
+            <a:ext cx="646331" cy="246221"/>
+          </a:xfrm>
+          <a:prstGeom prst="rect">
+            <a:avLst/>
+          </a:prstGeom>
+          <a:ln/>
+        </p:spPr>
+        <p:style>
+          <a:lnRef idx="2">
+            <a:schemeClr val="accent3">
+              <a:shade val="50000"/>
+            </a:schemeClr>
+          </a:lnRef>
+          <a:fillRef idx="1">
+            <a:schemeClr val="accent3"/>
+          </a:fillRef>
+          <a:effectRef idx="0">
+            <a:schemeClr val="accent3"/>
+          </a:effectRef>
+          <a:fontRef idx="minor">
+            <a:schemeClr val="lt1"/>
+          </a:fontRef>
+        </p:style>
+        <p:txBody>
+          <a:bodyPr wrap="none" rtlCol="0">
+            <a:spAutoFit/>
+          </a:bodyPr>
+          <a:lstStyle/>
+          <a:p>
+            <a:r>
+              <a:rPr lang="en-US" sz="1000" smtClean="0">
+                <a:latin typeface="Courier New" pitchFamily="49" charset="0"/>
+                <a:cs typeface="Courier New" pitchFamily="49" charset="0"/>
+              </a:rPr>
+              <a:t>screen</a:t>
+            </a:r>
+          </a:p>
+        </p:txBody>
+      </p:sp>
+      <p:sp>
+        <p:nvSpPr>
+          <p:cNvPr id="19" name="TextBox 18"/>
+          <p:cNvSpPr txBox="1"/>
+          <p:nvPr/>
+        </p:nvSpPr>
+        <p:spPr>
+          <a:xfrm>
+            <a:off x="5363132" y="4867916"/>
+            <a:ext cx="2031325" cy="246221"/>
           </a:xfrm>
           <a:prstGeom prst="rect">
             <a:avLst/>
@@ -4170,209 +4377,6 @@
                 <a:latin typeface="Courier New" pitchFamily="49" charset="0"/>
                 <a:cs typeface="Courier New" pitchFamily="49" charset="0"/>
               </a:rPr>
-              <a:t>manyLinesToLog thread</a:t>
-            </a:r>
-          </a:p>
-        </p:txBody>
-      </p:sp>
-      <p:cxnSp>
-        <p:nvCxnSpPr>
-          <p:cNvPr id="18" name="Straight Arrow Connector 17"/>
-          <p:cNvCxnSpPr>
-            <a:stCxn id="7" idx="3"/>
-          </p:cNvCxnSpPr>
-          <p:nvPr/>
-        </p:nvCxnSpPr>
-        <p:spPr>
-          <a:xfrm>
-            <a:off x="4376095" y="1497813"/>
-            <a:ext cx="646275" cy="656013"/>
-          </a:xfrm>
-          <a:prstGeom prst="straightConnector1">
-            <a:avLst/>
-          </a:prstGeom>
-          <a:ln>
-            <a:tailEnd type="arrow"/>
-          </a:ln>
-        </p:spPr>
-        <p:style>
-          <a:lnRef idx="1">
-            <a:schemeClr val="accent1"/>
-          </a:lnRef>
-          <a:fillRef idx="0">
-            <a:schemeClr val="accent1"/>
-          </a:fillRef>
-          <a:effectRef idx="0">
-            <a:schemeClr val="accent1"/>
-          </a:effectRef>
-          <a:fontRef idx="minor">
-            <a:schemeClr val="tx1"/>
-          </a:fontRef>
-        </p:style>
-      </p:cxnSp>
-      <p:cxnSp>
-        <p:nvCxnSpPr>
-          <p:cNvPr id="20" name="Straight Arrow Connector 19"/>
-          <p:cNvCxnSpPr>
-            <a:stCxn id="16" idx="1"/>
-            <a:endCxn id="5" idx="3"/>
-          </p:cNvCxnSpPr>
-          <p:nvPr/>
-        </p:nvCxnSpPr>
-        <p:spPr>
-          <a:xfrm flipH="1">
-            <a:off x="3244336" y="2431050"/>
-            <a:ext cx="1747213" cy="15411"/>
-          </a:xfrm>
-          <a:prstGeom prst="straightConnector1">
-            <a:avLst/>
-          </a:prstGeom>
-          <a:ln>
-            <a:tailEnd type="arrow"/>
-          </a:ln>
-        </p:spPr>
-        <p:style>
-          <a:lnRef idx="1">
-            <a:schemeClr val="accent1"/>
-          </a:lnRef>
-          <a:fillRef idx="0">
-            <a:schemeClr val="accent1"/>
-          </a:fillRef>
-          <a:effectRef idx="0">
-            <a:schemeClr val="accent1"/>
-          </a:effectRef>
-          <a:fontRef idx="minor">
-            <a:schemeClr val="tx1"/>
-          </a:fontRef>
-        </p:style>
-      </p:cxnSp>
-      <p:sp>
-        <p:nvSpPr>
-          <p:cNvPr id="23" name="TextBox 22"/>
-          <p:cNvSpPr txBox="1"/>
-          <p:nvPr/>
-        </p:nvSpPr>
-        <p:spPr>
-          <a:xfrm>
-            <a:off x="3573715" y="746266"/>
-            <a:ext cx="1282531" cy="369332"/>
-          </a:xfrm>
-          <a:prstGeom prst="rect">
-            <a:avLst/>
-          </a:prstGeom>
-          <a:noFill/>
-        </p:spPr>
-        <p:txBody>
-          <a:bodyPr wrap="none" rtlCol="0">
-            <a:spAutoFit/>
-          </a:bodyPr>
-          <a:lstStyle/>
-          <a:p>
-            <a:r>
-              <a:rPr lang="en-US" smtClean="0">
-                <a:solidFill>
-                  <a:schemeClr val="accent6">
-                    <a:lumMod val="75000"/>
-                  </a:schemeClr>
-                </a:solidFill>
-              </a:rPr>
-              <a:t>Log_Test.py</a:t>
-            </a:r>
-            <a:endParaRPr lang="en-US">
-              <a:solidFill>
-                <a:schemeClr val="accent6">
-                  <a:lumMod val="75000"/>
-                </a:schemeClr>
-              </a:solidFill>
-            </a:endParaRPr>
-          </a:p>
-        </p:txBody>
-      </p:sp>
-      <p:sp>
-        <p:nvSpPr>
-          <p:cNvPr id="17" name="TextBox 16"/>
-          <p:cNvSpPr txBox="1"/>
-          <p:nvPr/>
-        </p:nvSpPr>
-        <p:spPr>
-          <a:xfrm>
-            <a:off x="3083980" y="5034015"/>
-            <a:ext cx="646331" cy="246221"/>
-          </a:xfrm>
-          <a:prstGeom prst="rect">
-            <a:avLst/>
-          </a:prstGeom>
-          <a:ln/>
-        </p:spPr>
-        <p:style>
-          <a:lnRef idx="2">
-            <a:schemeClr val="accent3">
-              <a:shade val="50000"/>
-            </a:schemeClr>
-          </a:lnRef>
-          <a:fillRef idx="1">
-            <a:schemeClr val="accent3"/>
-          </a:fillRef>
-          <a:effectRef idx="0">
-            <a:schemeClr val="accent3"/>
-          </a:effectRef>
-          <a:fontRef idx="minor">
-            <a:schemeClr val="lt1"/>
-          </a:fontRef>
-        </p:style>
-        <p:txBody>
-          <a:bodyPr wrap="none" rtlCol="0">
-            <a:spAutoFit/>
-          </a:bodyPr>
-          <a:lstStyle/>
-          <a:p>
-            <a:r>
-              <a:rPr lang="en-US" sz="1000" smtClean="0">
-                <a:latin typeface="Courier New" pitchFamily="49" charset="0"/>
-                <a:cs typeface="Courier New" pitchFamily="49" charset="0"/>
-              </a:rPr>
-              <a:t>screen</a:t>
-            </a:r>
-          </a:p>
-        </p:txBody>
-      </p:sp>
-      <p:sp>
-        <p:nvSpPr>
-          <p:cNvPr id="19" name="TextBox 18"/>
-          <p:cNvSpPr txBox="1"/>
-          <p:nvPr/>
-        </p:nvSpPr>
-        <p:spPr>
-          <a:xfrm>
-            <a:off x="5363132" y="4867916"/>
-            <a:ext cx="2031325" cy="246221"/>
-          </a:xfrm>
-          <a:prstGeom prst="rect">
-            <a:avLst/>
-          </a:prstGeom>
-          <a:solidFill>
-            <a:schemeClr val="tx2">
-              <a:lumMod val="20000"/>
-              <a:lumOff val="80000"/>
-            </a:schemeClr>
-          </a:solidFill>
-          <a:ln cmpd="sng">
-            <a:solidFill>
-              <a:schemeClr val="tx1"/>
-            </a:solidFill>
-          </a:ln>
-        </p:spPr>
-        <p:txBody>
-          <a:bodyPr wrap="none" rtlCol="0">
-            <a:spAutoFit/>
-          </a:bodyPr>
-          <a:lstStyle/>
-          <a:p>
-            <a:r>
-              <a:rPr lang="en-US" sz="1000" smtClean="0">
-                <a:latin typeface="Courier New" pitchFamily="49" charset="0"/>
-                <a:cs typeface="Courier New" pitchFamily="49" charset="0"/>
-              </a:rPr>
               <a:t>manyLinesToScreen thread</a:t>
             </a:r>
           </a:p>
@@ -4392,18 +4396,22 @@
           <a:prstGeom prst="rect">
             <a:avLst/>
           </a:prstGeom>
-          <a:solidFill>
-            <a:schemeClr val="tx2">
-              <a:lumMod val="20000"/>
-              <a:lumOff val="80000"/>
-            </a:schemeClr>
-          </a:solidFill>
-          <a:ln cmpd="sng">
-            <a:solidFill>
-              <a:schemeClr val="tx1"/>
-            </a:solidFill>
-          </a:ln>
-        </p:spPr>
+          <a:ln/>
+        </p:spPr>
+        <p:style>
+          <a:lnRef idx="0">
+            <a:schemeClr val="accent1"/>
+          </a:lnRef>
+          <a:fillRef idx="3">
+            <a:schemeClr val="accent1"/>
+          </a:fillRef>
+          <a:effectRef idx="3">
+            <a:schemeClr val="accent1"/>
+          </a:effectRef>
+          <a:fontRef idx="minor">
+            <a:schemeClr val="lt1"/>
+          </a:fontRef>
+        </p:style>
         <p:txBody>
           <a:bodyPr wrap="none" rtlCol="0">
             <a:spAutoFit/>
@@ -4689,13 +4697,13 @@
           <a:ln/>
         </p:spPr>
         <p:style>
-          <a:lnRef idx="1">
+          <a:lnRef idx="0">
             <a:schemeClr val="accent1"/>
           </a:lnRef>
           <a:fillRef idx="3">
             <a:schemeClr val="accent1"/>
           </a:fillRef>
-          <a:effectRef idx="2">
+          <a:effectRef idx="3">
             <a:schemeClr val="accent1"/>
           </a:effectRef>
           <a:fontRef idx="minor">
@@ -5057,7 +5065,7 @@
         </p:nvSpPr>
         <p:spPr>
           <a:xfrm>
-            <a:off x="0" y="524348"/>
+            <a:off x="226032" y="524348"/>
             <a:ext cx="3108543" cy="861774"/>
           </a:xfrm>
           <a:prstGeom prst="rect">
@@ -5084,6 +5092,16 @@
                 <a:cs typeface="Courier New" pitchFamily="49" charset="0"/>
               </a:rPr>
               <a:t>name,</a:t>
+            </a:r>
+            <a:r>
+              <a:rPr lang="en-US" sz="1000" b="1" err="1" smtClean="0">
+                <a:solidFill>
+                  <a:srgbClr val="00B0F0"/>
+                </a:solidFill>
+                <a:latin typeface="Courier New" pitchFamily="49" charset="0"/>
+                <a:cs typeface="Courier New" pitchFamily="49" charset="0"/>
+              </a:rPr>
+              <a:t>inQu</a:t>
             </a:r>
             <a:r>
               <a:rPr lang="en-US" sz="1000" err="1" smtClean="0">
@@ -5093,7 +5111,7 @@
                 <a:latin typeface="Courier New" pitchFamily="49" charset="0"/>
                 <a:cs typeface="Courier New" pitchFamily="49" charset="0"/>
               </a:rPr>
-              <a:t>inQu,inQuNum</a:t>
+              <a:t>,inQuNum</a:t>
             </a:r>
             <a:r>
               <a:rPr lang="en-US" sz="1000" err="1" smtClean="0">
@@ -5103,9 +5121,9 @@
               <a:t>,</a:t>
             </a:r>
             <a:r>
-              <a:rPr lang="en-US" sz="1000" err="1" smtClean="0">
+              <a:rPr lang="en-US" sz="1000" b="1" err="1" smtClean="0">
                 <a:solidFill>
-                  <a:srgbClr val="FF0000"/>
+                  <a:srgbClr val="00B050"/>
                 </a:solidFill>
                 <a:latin typeface="Courier New" pitchFamily="49" charset="0"/>
                 <a:cs typeface="Courier New" pitchFamily="49" charset="0"/>
@@ -5430,7 +5448,10 @@
           <a:lstStyle/>
           <a:p>
             <a:r>
-              <a:rPr lang="en-US" sz="1000" smtClean="0">
+              <a:rPr lang="en-US" sz="1000" b="1" smtClean="0">
+                <a:solidFill>
+                  <a:srgbClr val="C00000"/>
+                </a:solidFill>
                 <a:latin typeface="Courier New" pitchFamily="49" charset="0"/>
                 <a:cs typeface="Courier New" pitchFamily="49" charset="0"/>
               </a:rPr>
@@ -5855,6 +5876,7 @@
             <a:avLst/>
           </a:prstGeom>
           <a:ln>
+            <a:prstDash val="dash"/>
             <a:tailEnd type="arrow"/>
           </a:ln>
         </p:spPr>
@@ -6006,14 +6028,14 @@
           <p:cNvPr id="49" name="Straight Arrow Connector 48"/>
           <p:cNvCxnSpPr>
             <a:stCxn id="12" idx="0"/>
-            <a:endCxn id="16" idx="2"/>
+            <a:endCxn id="167" idx="2"/>
           </p:cNvCxnSpPr>
           <p:nvPr/>
         </p:nvCxnSpPr>
         <p:spPr>
-          <a:xfrm flipV="1">
-            <a:off x="938487" y="3054095"/>
-            <a:ext cx="456407" cy="1838120"/>
+          <a:xfrm flipH="1" flipV="1">
+            <a:off x="461981" y="2609801"/>
+            <a:ext cx="476506" cy="2282414"/>
           </a:xfrm>
           <a:prstGeom prst="straightConnector1">
             <a:avLst/>
@@ -6090,17 +6112,17 @@
           <a:ln/>
         </p:spPr>
         <p:style>
-          <a:lnRef idx="1">
-            <a:schemeClr val="accent1"/>
-          </a:lnRef>
-          <a:fillRef idx="2">
-            <a:schemeClr val="accent1"/>
-          </a:fillRef>
-          <a:effectRef idx="1">
-            <a:schemeClr val="accent1"/>
-          </a:effectRef>
-          <a:fontRef idx="minor">
-            <a:schemeClr val="dk1"/>
+          <a:lnRef idx="0">
+            <a:schemeClr val="accent1"/>
+          </a:lnRef>
+          <a:fillRef idx="3">
+            <a:schemeClr val="accent1"/>
+          </a:fillRef>
+          <a:effectRef idx="3">
+            <a:schemeClr val="accent1"/>
+          </a:effectRef>
+          <a:fontRef idx="minor">
+            <a:schemeClr val="lt1"/>
           </a:fontRef>
         </p:style>
         <p:txBody>
@@ -6461,7 +6483,7 @@
         <p:spPr>
           <a:xfrm>
             <a:off x="5818277" y="1273355"/>
-            <a:ext cx="1415772" cy="553998"/>
+            <a:ext cx="2492990" cy="553998"/>
           </a:xfrm>
           <a:prstGeom prst="rect">
             <a:avLst/>
@@ -6479,23 +6501,43 @@
                 <a:latin typeface="Courier New" pitchFamily="49" charset="0"/>
                 <a:cs typeface="Courier New" pitchFamily="49" charset="0"/>
               </a:rPr>
-              <a:t>init(</a:t>
-            </a:r>
-            <a:r>
-              <a:rPr lang="en-US" sz="1000" err="1" smtClean="0">
-                <a:latin typeface="Courier New" pitchFamily="49" charset="0"/>
-                <a:cs typeface="Courier New" pitchFamily="49" charset="0"/>
-              </a:rPr>
-              <a:t>name,</a:t>
-            </a:r>
-            <a:r>
-              <a:rPr lang="en-US" sz="1000" err="1" smtClean="0">
+              <a:t>init(name,</a:t>
+            </a:r>
+            <a:r>
+              <a:rPr lang="en-US" sz="1000" b="1" smtClean="0">
+                <a:solidFill>
+                  <a:srgbClr val="00B0F0"/>
+                </a:solidFill>
+                <a:latin typeface="Courier New" pitchFamily="49" charset="0"/>
+                <a:cs typeface="Courier New" pitchFamily="49" charset="0"/>
+              </a:rPr>
+              <a:t>inQu</a:t>
+            </a:r>
+            <a:r>
+              <a:rPr lang="en-US" sz="1000" smtClean="0">
                 <a:solidFill>
                   <a:srgbClr val="FF0000"/>
                 </a:solidFill>
                 <a:latin typeface="Courier New" pitchFamily="49" charset="0"/>
                 <a:cs typeface="Courier New" pitchFamily="49" charset="0"/>
               </a:rPr>
+              <a:t>,inQuNum</a:t>
+            </a:r>
+            <a:r>
+              <a:rPr lang="en-US" sz="1000" smtClean="0">
+                <a:latin typeface="Courier New" pitchFamily="49" charset="0"/>
+                <a:cs typeface="Courier New" pitchFamily="49" charset="0"/>
+              </a:rPr>
+              <a:t>,</a:t>
+            </a:r>
+            <a:r>
+              <a:rPr lang="en-US" sz="1000" b="1" smtClean="0">
+                <a:solidFill>
+                  <a:srgbClr val="00B050"/>
+                </a:solidFill>
+                <a:latin typeface="Courier New" pitchFamily="49" charset="0"/>
+                <a:cs typeface="Courier New" pitchFamily="49" charset="0"/>
+              </a:rPr>
               <a:t>outQu</a:t>
             </a:r>
             <a:r>
@@ -6505,6 +6547,10 @@
               </a:rPr>
               <a:t>)</a:t>
             </a:r>
+            <a:endParaRPr lang="en-US" sz="1000" smtClean="0">
+              <a:latin typeface="Courier New" pitchFamily="49" charset="0"/>
+              <a:cs typeface="Courier New" pitchFamily="49" charset="0"/>
+            </a:endParaRPr>
           </a:p>
           <a:p>
             <a:r>
@@ -6561,17 +6607,17 @@
           <a:ln/>
         </p:spPr>
         <p:style>
-          <a:lnRef idx="1">
-            <a:schemeClr val="accent1"/>
-          </a:lnRef>
-          <a:fillRef idx="2">
-            <a:schemeClr val="accent1"/>
-          </a:fillRef>
-          <a:effectRef idx="1">
-            <a:schemeClr val="accent1"/>
-          </a:effectRef>
-          <a:fontRef idx="minor">
-            <a:schemeClr val="dk1"/>
+          <a:lnRef idx="0">
+            <a:schemeClr val="accent1"/>
+          </a:lnRef>
+          <a:fillRef idx="3">
+            <a:schemeClr val="accent1"/>
+          </a:fillRef>
+          <a:effectRef idx="3">
+            <a:schemeClr val="accent1"/>
+          </a:effectRef>
+          <a:fontRef idx="minor">
+            <a:schemeClr val="lt1"/>
           </a:fontRef>
         </p:style>
         <p:txBody>
@@ -6718,17 +6764,17 @@
           <a:ln/>
         </p:spPr>
         <p:style>
-          <a:lnRef idx="1">
-            <a:schemeClr val="accent1"/>
-          </a:lnRef>
-          <a:fillRef idx="2">
-            <a:schemeClr val="accent1"/>
-          </a:fillRef>
-          <a:effectRef idx="1">
-            <a:schemeClr val="accent1"/>
-          </a:effectRef>
-          <a:fontRef idx="minor">
-            <a:schemeClr val="dk1"/>
+          <a:lnRef idx="0">
+            <a:schemeClr val="accent1"/>
+          </a:lnRef>
+          <a:fillRef idx="3">
+            <a:schemeClr val="accent1"/>
+          </a:fillRef>
+          <a:effectRef idx="3">
+            <a:schemeClr val="accent1"/>
+          </a:effectRef>
+          <a:fontRef idx="minor">
+            <a:schemeClr val="lt1"/>
           </a:fontRef>
         </p:style>
         <p:txBody>
@@ -6878,7 +6924,7 @@
         <p:spPr>
           <a:xfrm>
             <a:off x="6266289" y="3691685"/>
-            <a:ext cx="2877711" cy="400110"/>
+            <a:ext cx="2954655" cy="400110"/>
           </a:xfrm>
           <a:prstGeom prst="rect">
             <a:avLst/>
@@ -6896,19 +6942,12 @@
                 <a:latin typeface="Courier New" pitchFamily="49" charset="0"/>
                 <a:cs typeface="Courier New" pitchFamily="49" charset="0"/>
               </a:rPr>
-              <a:t>init(</a:t>
-            </a:r>
-            <a:r>
-              <a:rPr lang="en-US" sz="1000" err="1" smtClean="0">
-                <a:latin typeface="Courier New" pitchFamily="49" charset="0"/>
-                <a:cs typeface="Courier New" pitchFamily="49" charset="0"/>
-              </a:rPr>
-              <a:t>name,host,port,</a:t>
-            </a:r>
-            <a:r>
-              <a:rPr lang="en-US" sz="1000" err="1" smtClean="0">
+              <a:t>init(name,host,port,</a:t>
+            </a:r>
+            <a:r>
+              <a:rPr lang="en-US" sz="1000" b="1" smtClean="0">
                 <a:solidFill>
-                  <a:srgbClr val="FF0000"/>
+                  <a:srgbClr val="C00000"/>
                 </a:solidFill>
                 <a:latin typeface="Courier New" pitchFamily="49" charset="0"/>
                 <a:cs typeface="Courier New" pitchFamily="49" charset="0"/>
@@ -6916,16 +6955,16 @@
               <a:t>inQuList</a:t>
             </a:r>
             <a:r>
-              <a:rPr lang="en-US" sz="1000" err="1" smtClean="0">
+              <a:rPr lang="en-US" sz="1000" smtClean="0">
                 <a:latin typeface="Courier New" pitchFamily="49" charset="0"/>
                 <a:cs typeface="Courier New" pitchFamily="49" charset="0"/>
               </a:rPr>
               <a:t>,</a:t>
             </a:r>
             <a:r>
-              <a:rPr lang="en-US" sz="1000" err="1" smtClean="0">
+              <a:rPr lang="en-US" sz="1000" b="1" smtClean="0">
                 <a:solidFill>
-                  <a:srgbClr val="FF0000"/>
+                  <a:srgbClr val="00B050"/>
                 </a:solidFill>
                 <a:latin typeface="Courier New" pitchFamily="49" charset="0"/>
                 <a:cs typeface="Courier New" pitchFamily="49" charset="0"/>
@@ -6939,6 +6978,10 @@
               </a:rPr>
               <a:t>)</a:t>
             </a:r>
+            <a:endParaRPr lang="en-US" sz="1000" smtClean="0">
+              <a:latin typeface="Courier New" pitchFamily="49" charset="0"/>
+              <a:cs typeface="Courier New" pitchFamily="49" charset="0"/>
+            </a:endParaRPr>
           </a:p>
           <a:p>
             <a:r>
@@ -7288,6 +7331,16 @@
               <a:t>start(</a:t>
             </a:r>
             <a:r>
+              <a:rPr lang="en-US" sz="1000" b="1" err="1" smtClean="0">
+                <a:solidFill>
+                  <a:srgbClr val="00B0F0"/>
+                </a:solidFill>
+                <a:latin typeface="Courier New" pitchFamily="49" charset="0"/>
+                <a:cs typeface="Courier New" pitchFamily="49" charset="0"/>
+              </a:rPr>
+              <a:t>inQu</a:t>
+            </a:r>
+            <a:r>
               <a:rPr lang="en-US" sz="1000" err="1" smtClean="0">
                 <a:solidFill>
                   <a:srgbClr val="FF0000"/>
@@ -7295,7 +7348,7 @@
                 <a:latin typeface="Courier New" pitchFamily="49" charset="0"/>
                 <a:cs typeface="Courier New" pitchFamily="49" charset="0"/>
               </a:rPr>
-              <a:t>inQu,inQuNum</a:t>
+              <a:t>,inQuNum</a:t>
             </a:r>
             <a:r>
               <a:rPr lang="en-US" sz="1000" err="1" smtClean="0">
@@ -7305,9 +7358,9 @@
               <a:t>,</a:t>
             </a:r>
             <a:r>
-              <a:rPr lang="en-US" sz="1000" err="1" smtClean="0">
+              <a:rPr lang="en-US" sz="1000" b="1" err="1" smtClean="0">
                 <a:solidFill>
-                  <a:srgbClr val="FF0000"/>
+                  <a:srgbClr val="00B050"/>
                 </a:solidFill>
                 <a:latin typeface="Courier New" pitchFamily="49" charset="0"/>
                 <a:cs typeface="Courier New" pitchFamily="49" charset="0"/>
@@ -7336,7 +7389,7 @@
         </p:nvSpPr>
         <p:spPr>
           <a:xfrm>
-            <a:off x="636999" y="2250565"/>
+            <a:off x="215759" y="2363580"/>
             <a:ext cx="492443" cy="246221"/>
           </a:xfrm>
           <a:prstGeom prst="rect">
@@ -7386,9 +7439,9 @@
           <p:nvPr/>
         </p:nvCxnSpPr>
         <p:spPr>
-          <a:xfrm>
-            <a:off x="714658" y="1661099"/>
-            <a:ext cx="168563" cy="589466"/>
+          <a:xfrm flipH="1">
+            <a:off x="461981" y="1661099"/>
+            <a:ext cx="252677" cy="702481"/>
           </a:xfrm>
           <a:prstGeom prst="straightConnector1">
             <a:avLst/>
@@ -7416,32 +7469,33 @@
         <p:nvCxnSpPr>
           <p:cNvPr id="171" name="Straight Arrow Connector 170"/>
           <p:cNvCxnSpPr>
-            <a:stCxn id="16" idx="0"/>
-            <a:endCxn id="167" idx="2"/>
+            <a:stCxn id="16" idx="2"/>
+            <a:endCxn id="12" idx="0"/>
           </p:cNvCxnSpPr>
           <p:nvPr/>
         </p:nvCxnSpPr>
         <p:spPr>
-          <a:xfrm flipH="1" flipV="1">
-            <a:off x="883221" y="2496786"/>
-            <a:ext cx="511673" cy="311088"/>
+          <a:xfrm flipH="1">
+            <a:off x="938487" y="3054095"/>
+            <a:ext cx="456407" cy="1838120"/>
           </a:xfrm>
           <a:prstGeom prst="straightConnector1">
             <a:avLst/>
           </a:prstGeom>
           <a:ln>
             <a:prstDash val="dash"/>
-            <a:tailEnd type="arrow"/>
+            <a:headEnd type="arrow" w="med" len="med"/>
+            <a:tailEnd type="none" w="med" len="med"/>
           </a:ln>
         </p:spPr>
         <p:style>
-          <a:lnRef idx="1">
+          <a:lnRef idx="2">
             <a:schemeClr val="accent1"/>
           </a:lnRef>
           <a:fillRef idx="0">
             <a:schemeClr val="accent1"/>
           </a:fillRef>
-          <a:effectRef idx="0">
+          <a:effectRef idx="1">
             <a:schemeClr val="accent1"/>
           </a:effectRef>
           <a:fontRef idx="minor">
@@ -7458,7 +7512,7 @@
         <p:spPr>
           <a:xfrm>
             <a:off x="27709" y="1754909"/>
-            <a:ext cx="6871855" cy="5098473"/>
+            <a:ext cx="6886799" cy="4933567"/>
           </a:xfrm>
           <a:custGeom>
             <a:avLst/>
@@ -7602,7 +7656,7 @@
         <p:spPr>
           <a:xfrm>
             <a:off x="7175351" y="5981252"/>
-            <a:ext cx="1775011" cy="461665"/>
+            <a:ext cx="1775011" cy="646331"/>
           </a:xfrm>
           <a:prstGeom prst="rect">
             <a:avLst/>
@@ -7637,7 +7691,15 @@
                   <a:srgbClr val="FF0000"/>
                 </a:solidFill>
               </a:rPr>
-              <a:t> be a protected object???</a:t>
+              <a:t> be a protected </a:t>
+            </a:r>
+            <a:r>
+              <a:rPr lang="en-US" sz="1200" smtClean="0">
+                <a:solidFill>
+                  <a:srgbClr val="FF0000"/>
+                </a:solidFill>
+              </a:rPr>
+              <a:t>object rather than shared data???</a:t>
             </a:r>
             <a:endParaRPr lang="en-US" sz="1200">
               <a:solidFill>
@@ -7658,8 +7720,8 @@
         </p:nvCxnSpPr>
         <p:spPr>
           <a:xfrm flipH="1" flipV="1">
-            <a:off x="1129442" y="2373676"/>
-            <a:ext cx="6591539" cy="586354"/>
+            <a:off x="708202" y="2486691"/>
+            <a:ext cx="7012779" cy="473339"/>
           </a:xfrm>
           <a:prstGeom prst="straightConnector1">
             <a:avLst/>
@@ -7692,8 +7754,8 @@
         </p:nvSpPr>
         <p:spPr>
           <a:xfrm>
-            <a:off x="7336945" y="1749205"/>
-            <a:ext cx="1107996" cy="246221"/>
+            <a:off x="6842959" y="1843798"/>
+            <a:ext cx="2108269" cy="246221"/>
           </a:xfrm>
           <a:prstGeom prst="rect">
             <a:avLst/>
@@ -7717,6 +7779,23 @@
               <a:rPr lang="en-US" sz="1000" smtClean="0">
                 <a:solidFill>
                   <a:srgbClr val="FF0000"/>
+                </a:solidFill>
+                <a:latin typeface="Courier New" pitchFamily="49" charset="0"/>
+                <a:cs typeface="Courier New" pitchFamily="49" charset="0"/>
+              </a:rPr>
+              <a:t>inQu,inQuNum</a:t>
+            </a:r>
+            <a:r>
+              <a:rPr lang="en-US" sz="1000" smtClean="0">
+                <a:latin typeface="Courier New" pitchFamily="49" charset="0"/>
+                <a:cs typeface="Courier New" pitchFamily="49" charset="0"/>
+              </a:rPr>
+              <a:t>,</a:t>
+            </a:r>
+            <a:r>
+              <a:rPr lang="en-US" sz="1000" b="1" smtClean="0">
+                <a:solidFill>
+                  <a:srgbClr val="00B050"/>
                 </a:solidFill>
                 <a:latin typeface="Courier New" pitchFamily="49" charset="0"/>
                 <a:cs typeface="Courier New" pitchFamily="49" charset="0"/>
@@ -7770,6 +7849,42 @@
           </a:fontRef>
         </p:style>
       </p:cxnSp>
+      <p:sp>
+        <p:nvSpPr>
+          <p:cNvPr id="76" name="TextBox 75"/>
+          <p:cNvSpPr txBox="1"/>
+          <p:nvPr/>
+        </p:nvSpPr>
+        <p:spPr>
+          <a:xfrm>
+            <a:off x="942578" y="3461822"/>
+            <a:ext cx="492443" cy="246221"/>
+          </a:xfrm>
+          <a:prstGeom prst="rect">
+            <a:avLst/>
+          </a:prstGeom>
+          <a:noFill/>
+        </p:spPr>
+        <p:txBody>
+          <a:bodyPr wrap="none" rtlCol="0">
+            <a:spAutoFit/>
+          </a:bodyPr>
+          <a:lstStyle/>
+          <a:p>
+            <a:r>
+              <a:rPr lang="en-US" sz="1000" smtClean="0">
+                <a:latin typeface="Courier New" pitchFamily="49" charset="0"/>
+                <a:cs typeface="Courier New" pitchFamily="49" charset="0"/>
+              </a:rPr>
+              <a:t>uses</a:t>
+            </a:r>
+            <a:endParaRPr lang="en-US" sz="1000">
+              <a:latin typeface="Courier New" pitchFamily="49" charset="0"/>
+              <a:cs typeface="Courier New" pitchFamily="49" charset="0"/>
+            </a:endParaRPr>
+          </a:p>
+        </p:txBody>
+      </p:sp>
     </p:spTree>
   </p:cSld>
   <p:clrMapOvr>
@@ -7812,13 +7927,13 @@
           <a:ln/>
         </p:spPr>
         <p:style>
-          <a:lnRef idx="1">
+          <a:lnRef idx="0">
             <a:schemeClr val="accent1"/>
           </a:lnRef>
           <a:fillRef idx="3">
             <a:schemeClr val="accent1"/>
           </a:fillRef>
-          <a:effectRef idx="2">
+          <a:effectRef idx="3">
             <a:schemeClr val="accent1"/>
           </a:effectRef>
           <a:fontRef idx="minor">
@@ -8036,7 +8151,7 @@
         <p:spPr>
           <a:xfrm>
             <a:off x="131128" y="3334289"/>
-            <a:ext cx="2723823" cy="1015663"/>
+            <a:ext cx="3339376" cy="1015663"/>
           </a:xfrm>
           <a:prstGeom prst="rect">
             <a:avLst/>
@@ -8090,21 +8205,24 @@
           </a:p>
           <a:p>
             <a:r>
-              <a:rPr lang="en-US" sz="1000" err="1" smtClean="0">
-                <a:latin typeface="Courier New" pitchFamily="49" charset="0"/>
-                <a:cs typeface="Courier New" pitchFamily="49" charset="0"/>
-              </a:rPr>
-              <a:t>addInterest</a:t>
-            </a:r>
-            <a:r>
-              <a:rPr lang="en-US" sz="1000" smtClean="0">
-                <a:latin typeface="Courier New" pitchFamily="49" charset="0"/>
-                <a:cs typeface="Courier New" pitchFamily="49" charset="0"/>
-              </a:rPr>
-              <a:t>(</a:t>
-            </a:r>
-            <a:r>
-              <a:rPr lang="en-US" sz="1000" err="1" smtClean="0">
+              <a:rPr lang="en-US" sz="1000" smtClean="0">
+                <a:latin typeface="Courier New" pitchFamily="49" charset="0"/>
+                <a:cs typeface="Courier New" pitchFamily="49" charset="0"/>
+              </a:rPr>
+              <a:t>addInterest(</a:t>
+            </a:r>
+            <a:r>
+              <a:rPr lang="en-US" sz="1000" smtClean="0">
+                <a:solidFill>
+                  <a:srgbClr val="FF0000"/>
+                </a:solidFill>
+                <a:latin typeface="Courier New" pitchFamily="49" charset="0"/>
+                <a:cs typeface="Courier New" pitchFamily="49" charset="0"/>
+              </a:rPr>
+              <a:t>inQuNum,</a:t>
+            </a:r>
+            <a:r>
+              <a:rPr lang="en-US" sz="1000" smtClean="0">
                 <a:latin typeface="Courier New" pitchFamily="49" charset="0"/>
                 <a:cs typeface="Courier New" pitchFamily="49" charset="0"/>
               </a:rPr>
@@ -8120,21 +8238,24 @@
           </a:p>
           <a:p>
             <a:r>
-              <a:rPr lang="en-US" sz="1000" err="1" smtClean="0">
-                <a:latin typeface="Courier New" pitchFamily="49" charset="0"/>
-                <a:cs typeface="Courier New" pitchFamily="49" charset="0"/>
-              </a:rPr>
-              <a:t>removeInterest</a:t>
-            </a:r>
-            <a:r>
-              <a:rPr lang="en-US" sz="1000" smtClean="0">
-                <a:latin typeface="Courier New" pitchFamily="49" charset="0"/>
-                <a:cs typeface="Courier New" pitchFamily="49" charset="0"/>
-              </a:rPr>
-              <a:t>(</a:t>
-            </a:r>
-            <a:r>
-              <a:rPr lang="en-US" sz="1000" err="1" smtClean="0">
+              <a:rPr lang="en-US" sz="1000" smtClean="0">
+                <a:latin typeface="Courier New" pitchFamily="49" charset="0"/>
+                <a:cs typeface="Courier New" pitchFamily="49" charset="0"/>
+              </a:rPr>
+              <a:t>removeInterest(</a:t>
+            </a:r>
+            <a:r>
+              <a:rPr lang="en-US" sz="1000" smtClean="0">
+                <a:solidFill>
+                  <a:srgbClr val="FF0000"/>
+                </a:solidFill>
+                <a:latin typeface="Courier New" pitchFamily="49" charset="0"/>
+                <a:cs typeface="Courier New" pitchFamily="49" charset="0"/>
+              </a:rPr>
+              <a:t>inQuNum,</a:t>
+            </a:r>
+            <a:r>
+              <a:rPr lang="en-US" sz="1000" smtClean="0">
                 <a:latin typeface="Courier New" pitchFamily="49" charset="0"/>
                 <a:cs typeface="Courier New" pitchFamily="49" charset="0"/>
               </a:rPr>
@@ -8581,13 +8702,13 @@
           <a:ln/>
         </p:spPr>
         <p:style>
-          <a:lnRef idx="1">
+          <a:lnRef idx="0">
             <a:schemeClr val="accent1"/>
           </a:lnRef>
           <a:fillRef idx="3">
             <a:schemeClr val="accent1"/>
           </a:fillRef>
-          <a:effectRef idx="2">
+          <a:effectRef idx="3">
             <a:schemeClr val="accent1"/>
           </a:effectRef>
           <a:fontRef idx="minor">
@@ -8636,13 +8757,13 @@
           <a:ln/>
         </p:spPr>
         <p:style>
-          <a:lnRef idx="1">
+          <a:lnRef idx="0">
             <a:schemeClr val="accent1"/>
           </a:lnRef>
           <a:fillRef idx="3">
             <a:schemeClr val="accent1"/>
           </a:fillRef>
-          <a:effectRef idx="2">
+          <a:effectRef idx="3">
             <a:schemeClr val="accent1"/>
           </a:effectRef>
           <a:fontRef idx="minor">
@@ -8729,13 +8850,13 @@
           <a:ln/>
         </p:spPr>
         <p:style>
-          <a:lnRef idx="1">
+          <a:lnRef idx="0">
             <a:schemeClr val="accent1"/>
           </a:lnRef>
           <a:fillRef idx="3">
             <a:schemeClr val="accent1"/>
           </a:fillRef>
-          <a:effectRef idx="2">
+          <a:effectRef idx="3">
             <a:schemeClr val="accent1"/>
           </a:effectRef>
           <a:fontRef idx="minor">
@@ -9537,13 +9658,13 @@
           <a:ln/>
         </p:spPr>
         <p:style>
-          <a:lnRef idx="1">
+          <a:lnRef idx="0">
             <a:schemeClr val="accent1"/>
           </a:lnRef>
           <a:fillRef idx="3">
             <a:schemeClr val="accent1"/>
           </a:fillRef>
-          <a:effectRef idx="2">
+          <a:effectRef idx="3">
             <a:schemeClr val="accent1"/>
           </a:effectRef>
           <a:fontRef idx="minor">
@@ -9592,13 +9713,13 @@
           <a:ln/>
         </p:spPr>
         <p:style>
-          <a:lnRef idx="1">
+          <a:lnRef idx="0">
             <a:schemeClr val="accent1"/>
           </a:lnRef>
           <a:fillRef idx="3">
             <a:schemeClr val="accent1"/>
           </a:fillRef>
-          <a:effectRef idx="2">
+          <a:effectRef idx="3">
             <a:schemeClr val="accent1"/>
           </a:effectRef>
           <a:fontRef idx="minor">
@@ -11282,18 +11403,22 @@
           <a:prstGeom prst="rect">
             <a:avLst/>
           </a:prstGeom>
-          <a:solidFill>
-            <a:schemeClr val="tx2">
-              <a:lumMod val="20000"/>
-              <a:lumOff val="80000"/>
-            </a:schemeClr>
-          </a:solidFill>
-          <a:ln cmpd="sng">
-            <a:solidFill>
-              <a:schemeClr val="tx1"/>
-            </a:solidFill>
-          </a:ln>
-        </p:spPr>
+          <a:ln/>
+        </p:spPr>
+        <p:style>
+          <a:lnRef idx="0">
+            <a:schemeClr val="accent1"/>
+          </a:lnRef>
+          <a:fillRef idx="3">
+            <a:schemeClr val="accent1"/>
+          </a:fillRef>
+          <a:effectRef idx="3">
+            <a:schemeClr val="accent1"/>
+          </a:effectRef>
+          <a:fontRef idx="minor">
+            <a:schemeClr val="lt1"/>
+          </a:fontRef>
+        </p:style>
         <p:txBody>
           <a:bodyPr wrap="none" rtlCol="0">
             <a:spAutoFit/>
@@ -11324,18 +11449,22 @@
           <a:prstGeom prst="rect">
             <a:avLst/>
           </a:prstGeom>
-          <a:solidFill>
-            <a:schemeClr val="tx2">
-              <a:lumMod val="20000"/>
-              <a:lumOff val="80000"/>
-            </a:schemeClr>
-          </a:solidFill>
-          <a:ln cmpd="sng">
-            <a:solidFill>
-              <a:schemeClr val="tx1"/>
-            </a:solidFill>
-          </a:ln>
-        </p:spPr>
+          <a:ln/>
+        </p:spPr>
+        <p:style>
+          <a:lnRef idx="0">
+            <a:schemeClr val="accent1"/>
+          </a:lnRef>
+          <a:fillRef idx="3">
+            <a:schemeClr val="accent1"/>
+          </a:fillRef>
+          <a:effectRef idx="3">
+            <a:schemeClr val="accent1"/>
+          </a:effectRef>
+          <a:fontRef idx="minor">
+            <a:schemeClr val="lt1"/>
+          </a:fontRef>
+        </p:style>
         <p:txBody>
           <a:bodyPr wrap="none" rtlCol="0">
             <a:spAutoFit/>
@@ -11479,13 +11608,13 @@
           <a:ln/>
         </p:spPr>
         <p:style>
-          <a:lnRef idx="1">
+          <a:lnRef idx="0">
             <a:schemeClr val="accent1"/>
           </a:lnRef>
           <a:fillRef idx="3">
             <a:schemeClr val="accent1"/>
           </a:fillRef>
-          <a:effectRef idx="2">
+          <a:effectRef idx="3">
             <a:schemeClr val="accent1"/>
           </a:effectRef>
           <a:fontRef idx="minor">
@@ -12149,15 +12278,13 @@
           <a:ln/>
         </p:spPr>
         <p:style>
-          <a:lnRef idx="2">
-            <a:schemeClr val="accent1">
-              <a:shade val="50000"/>
-            </a:schemeClr>
-          </a:lnRef>
-          <a:fillRef idx="1">
-            <a:schemeClr val="accent1"/>
-          </a:fillRef>
-          <a:effectRef idx="0">
+          <a:lnRef idx="0">
+            <a:schemeClr val="accent1"/>
+          </a:lnRef>
+          <a:fillRef idx="3">
+            <a:schemeClr val="accent1"/>
+          </a:fillRef>
+          <a:effectRef idx="3">
             <a:schemeClr val="accent1"/>
           </a:effectRef>
           <a:fontRef idx="minor">
@@ -12310,15 +12437,13 @@
           <a:ln/>
         </p:spPr>
         <p:style>
-          <a:lnRef idx="2">
-            <a:schemeClr val="accent1">
-              <a:shade val="50000"/>
-            </a:schemeClr>
-          </a:lnRef>
-          <a:fillRef idx="1">
-            <a:schemeClr val="accent1"/>
-          </a:fillRef>
-          <a:effectRef idx="0">
+          <a:lnRef idx="0">
+            <a:schemeClr val="accent1"/>
+          </a:lnRef>
+          <a:fillRef idx="3">
+            <a:schemeClr val="accent1"/>
+          </a:fillRef>
+          <a:effectRef idx="3">
             <a:schemeClr val="accent1"/>
           </a:effectRef>
           <a:fontRef idx="minor">
@@ -12897,15 +13022,13 @@
           <a:ln/>
         </p:spPr>
         <p:style>
-          <a:lnRef idx="2">
-            <a:schemeClr val="accent1">
-              <a:shade val="50000"/>
-            </a:schemeClr>
-          </a:lnRef>
-          <a:fillRef idx="1">
-            <a:schemeClr val="accent1"/>
-          </a:fillRef>
-          <a:effectRef idx="0">
+          <a:lnRef idx="0">
+            <a:schemeClr val="accent1"/>
+          </a:lnRef>
+          <a:fillRef idx="3">
+            <a:schemeClr val="accent1"/>
+          </a:fillRef>
+          <a:effectRef idx="3">
             <a:schemeClr val="accent1"/>
           </a:effectRef>
           <a:fontRef idx="minor">
@@ -12945,15 +13068,13 @@
           <a:ln/>
         </p:spPr>
         <p:style>
-          <a:lnRef idx="2">
-            <a:schemeClr val="accent1">
-              <a:shade val="50000"/>
-            </a:schemeClr>
-          </a:lnRef>
-          <a:fillRef idx="1">
-            <a:schemeClr val="accent1"/>
-          </a:fillRef>
-          <a:effectRef idx="0">
+          <a:lnRef idx="0">
+            <a:schemeClr val="accent1"/>
+          </a:lnRef>
+          <a:fillRef idx="3">
+            <a:schemeClr val="accent1"/>
+          </a:fillRef>
+          <a:effectRef idx="3">
             <a:schemeClr val="accent1"/>
           </a:effectRef>
           <a:fontRef idx="minor">
@@ -13835,13 +13956,13 @@
           <a:ln/>
         </p:spPr>
         <p:style>
-          <a:lnRef idx="1">
+          <a:lnRef idx="0">
             <a:schemeClr val="accent1"/>
           </a:lnRef>
           <a:fillRef idx="3">
             <a:schemeClr val="accent1"/>
           </a:fillRef>
-          <a:effectRef idx="2">
+          <a:effectRef idx="3">
             <a:schemeClr val="accent1"/>
           </a:effectRef>
           <a:fontRef idx="minor">
@@ -13881,13 +14002,13 @@
           <a:ln/>
         </p:spPr>
         <p:style>
-          <a:lnRef idx="1">
+          <a:lnRef idx="0">
             <a:schemeClr val="accent1"/>
           </a:lnRef>
           <a:fillRef idx="3">
             <a:schemeClr val="accent1"/>
           </a:fillRef>
-          <a:effectRef idx="2">
+          <a:effectRef idx="3">
             <a:schemeClr val="accent1"/>
           </a:effectRef>
           <a:fontRef idx="minor">
@@ -13927,13 +14048,13 @@
           <a:ln/>
         </p:spPr>
         <p:style>
-          <a:lnRef idx="1">
+          <a:lnRef idx="0">
             <a:schemeClr val="accent1"/>
           </a:lnRef>
           <a:fillRef idx="3">
             <a:schemeClr val="accent1"/>
           </a:fillRef>
-          <a:effectRef idx="2">
+          <a:effectRef idx="3">
             <a:schemeClr val="accent1"/>
           </a:effectRef>
           <a:fontRef idx="minor">
@@ -14981,13 +15102,13 @@
           <a:ln/>
         </p:spPr>
         <p:style>
-          <a:lnRef idx="1">
+          <a:lnRef idx="0">
             <a:schemeClr val="accent1"/>
           </a:lnRef>
           <a:fillRef idx="3">
             <a:schemeClr val="accent1"/>
           </a:fillRef>
-          <a:effectRef idx="2">
+          <a:effectRef idx="3">
             <a:schemeClr val="accent1"/>
           </a:effectRef>
           <a:fontRef idx="minor">
@@ -15111,13 +15232,13 @@
           <a:ln/>
         </p:spPr>
         <p:style>
-          <a:lnRef idx="1">
+          <a:lnRef idx="0">
             <a:schemeClr val="accent1"/>
           </a:lnRef>
           <a:fillRef idx="3">
             <a:schemeClr val="accent1"/>
           </a:fillRef>
-          <a:effectRef idx="2">
+          <a:effectRef idx="3">
             <a:schemeClr val="accent1"/>
           </a:effectRef>
           <a:fontRef idx="minor">
@@ -16547,25 +16668,8 @@
                   </a:schemeClr>
                 </a:solidFill>
               </a:rPr>
-              <a:t>waiting for a </a:t>
-            </a:r>
-            <a:r>
-              <a:rPr lang="en-US" sz="1200" b="1" smtClean="0">
-                <a:solidFill>
-                  <a:schemeClr val="accent6">
-                    <a:lumMod val="75000"/>
-                  </a:schemeClr>
-                </a:solidFill>
-              </a:rPr>
-              <a:t>message</a:t>
-            </a:r>
-            <a:endParaRPr lang="en-US" sz="1200" b="1" smtClean="0">
-              <a:solidFill>
-                <a:schemeClr val="accent6">
-                  <a:lumMod val="75000"/>
-                </a:schemeClr>
-              </a:solidFill>
-            </a:endParaRPr>
+              <a:t>waiting for a message</a:t>
+            </a:r>
           </a:p>
           <a:p>
             <a:r>
@@ -16695,13 +16799,13 @@
           <a:ln/>
         </p:spPr>
         <p:style>
-          <a:lnRef idx="1">
+          <a:lnRef idx="0">
             <a:schemeClr val="accent1"/>
           </a:lnRef>
           <a:fillRef idx="3">
             <a:schemeClr val="accent1"/>
           </a:fillRef>
-          <a:effectRef idx="2">
+          <a:effectRef idx="3">
             <a:schemeClr val="accent1"/>
           </a:effectRef>
           <a:fontRef idx="minor">
@@ -16880,10 +16984,6 @@
               </a:rPr>
               <a:t>waitFor</a:t>
             </a:r>
-            <a:endParaRPr lang="en-US" sz="1000" smtClean="0">
-              <a:latin typeface="Courier New" pitchFamily="49" charset="0"/>
-              <a:cs typeface="Courier New" pitchFamily="49" charset="0"/>
-            </a:endParaRPr>
           </a:p>
         </p:txBody>
       </p:sp>

--- a/Scripting/ScriptingDocumenation/DesignDiagrams.pptx
+++ b/Scripting/ScriptingDocumenation/DesignDiagrams.pptx
@@ -297,7 +297,7 @@
             <a:fld id="{00F2EA4F-E096-48CD-A1C4-A4124DB919D8}" type="datetimeFigureOut">
               <a:rPr lang="en-US" smtClean="0"/>
               <a:pPr/>
-              <a:t>4/10/2013</a:t>
+              <a:t>4/11/2013</a:t>
             </a:fld>
             <a:endParaRPr lang="en-US"/>
           </a:p>
@@ -464,7 +464,7 @@
             <a:fld id="{00F2EA4F-E096-48CD-A1C4-A4124DB919D8}" type="datetimeFigureOut">
               <a:rPr lang="en-US" smtClean="0"/>
               <a:pPr/>
-              <a:t>4/10/2013</a:t>
+              <a:t>4/11/2013</a:t>
             </a:fld>
             <a:endParaRPr lang="en-US"/>
           </a:p>
@@ -641,7 +641,7 @@
             <a:fld id="{00F2EA4F-E096-48CD-A1C4-A4124DB919D8}" type="datetimeFigureOut">
               <a:rPr lang="en-US" smtClean="0"/>
               <a:pPr/>
-              <a:t>4/10/2013</a:t>
+              <a:t>4/11/2013</a:t>
             </a:fld>
             <a:endParaRPr lang="en-US"/>
           </a:p>
@@ -808,7 +808,7 @@
             <a:fld id="{00F2EA4F-E096-48CD-A1C4-A4124DB919D8}" type="datetimeFigureOut">
               <a:rPr lang="en-US" smtClean="0"/>
               <a:pPr/>
-              <a:t>4/10/2013</a:t>
+              <a:t>4/11/2013</a:t>
             </a:fld>
             <a:endParaRPr lang="en-US"/>
           </a:p>
@@ -1051,7 +1051,7 @@
             <a:fld id="{00F2EA4F-E096-48CD-A1C4-A4124DB919D8}" type="datetimeFigureOut">
               <a:rPr lang="en-US" smtClean="0"/>
               <a:pPr/>
-              <a:t>4/10/2013</a:t>
+              <a:t>4/11/2013</a:t>
             </a:fld>
             <a:endParaRPr lang="en-US"/>
           </a:p>
@@ -1336,7 +1336,7 @@
             <a:fld id="{00F2EA4F-E096-48CD-A1C4-A4124DB919D8}" type="datetimeFigureOut">
               <a:rPr lang="en-US" smtClean="0"/>
               <a:pPr/>
-              <a:t>4/10/2013</a:t>
+              <a:t>4/11/2013</a:t>
             </a:fld>
             <a:endParaRPr lang="en-US"/>
           </a:p>
@@ -1755,7 +1755,7 @@
             <a:fld id="{00F2EA4F-E096-48CD-A1C4-A4124DB919D8}" type="datetimeFigureOut">
               <a:rPr lang="en-US" smtClean="0"/>
               <a:pPr/>
-              <a:t>4/10/2013</a:t>
+              <a:t>4/11/2013</a:t>
             </a:fld>
             <a:endParaRPr lang="en-US"/>
           </a:p>
@@ -1870,7 +1870,7 @@
             <a:fld id="{00F2EA4F-E096-48CD-A1C4-A4124DB919D8}" type="datetimeFigureOut">
               <a:rPr lang="en-US" smtClean="0"/>
               <a:pPr/>
-              <a:t>4/10/2013</a:t>
+              <a:t>4/11/2013</a:t>
             </a:fld>
             <a:endParaRPr lang="en-US"/>
           </a:p>
@@ -1962,7 +1962,7 @@
             <a:fld id="{00F2EA4F-E096-48CD-A1C4-A4124DB919D8}" type="datetimeFigureOut">
               <a:rPr lang="en-US" smtClean="0"/>
               <a:pPr/>
-              <a:t>4/10/2013</a:t>
+              <a:t>4/11/2013</a:t>
             </a:fld>
             <a:endParaRPr lang="en-US"/>
           </a:p>
@@ -2236,7 +2236,7 @@
             <a:fld id="{00F2EA4F-E096-48CD-A1C4-A4124DB919D8}" type="datetimeFigureOut">
               <a:rPr lang="en-US" smtClean="0"/>
               <a:pPr/>
-              <a:t>4/10/2013</a:t>
+              <a:t>4/11/2013</a:t>
             </a:fld>
             <a:endParaRPr lang="en-US"/>
           </a:p>
@@ -2486,7 +2486,7 @@
             <a:fld id="{00F2EA4F-E096-48CD-A1C4-A4124DB919D8}" type="datetimeFigureOut">
               <a:rPr lang="en-US" smtClean="0"/>
               <a:pPr/>
-              <a:t>4/10/2013</a:t>
+              <a:t>4/11/2013</a:t>
             </a:fld>
             <a:endParaRPr lang="en-US"/>
           </a:p>
@@ -2696,7 +2696,7 @@
             <a:fld id="{00F2EA4F-E096-48CD-A1C4-A4124DB919D8}" type="datetimeFigureOut">
               <a:rPr lang="en-US" smtClean="0"/>
               <a:pPr/>
-              <a:t>4/10/2013</a:t>
+              <a:t>4/11/2013</a:t>
             </a:fld>
             <a:endParaRPr lang="en-US"/>
           </a:p>
@@ -6547,10 +6547,6 @@
               </a:rPr>
               <a:t>)</a:t>
             </a:r>
-            <a:endParaRPr lang="en-US" sz="1000" smtClean="0">
-              <a:latin typeface="Courier New" pitchFamily="49" charset="0"/>
-              <a:cs typeface="Courier New" pitchFamily="49" charset="0"/>
-            </a:endParaRPr>
           </a:p>
           <a:p>
             <a:r>
@@ -6978,10 +6974,6 @@
               </a:rPr>
               <a:t>)</a:t>
             </a:r>
-            <a:endParaRPr lang="en-US" sz="1000" smtClean="0">
-              <a:latin typeface="Courier New" pitchFamily="49" charset="0"/>
-              <a:cs typeface="Courier New" pitchFamily="49" charset="0"/>
-            </a:endParaRPr>
           </a:p>
           <a:p>
             <a:r>
@@ -7599,7 +7591,7 @@
         </p:nvSpPr>
         <p:spPr>
           <a:xfrm>
-            <a:off x="4425139" y="139849"/>
+            <a:off x="7343000" y="0"/>
             <a:ext cx="1586973" cy="553998"/>
           </a:xfrm>
           <a:prstGeom prst="rect">
@@ -7691,15 +7683,7 @@
                   <a:srgbClr val="FF0000"/>
                 </a:solidFill>
               </a:rPr>
-              <a:t> be a protected </a:t>
-            </a:r>
-            <a:r>
-              <a:rPr lang="en-US" sz="1200" smtClean="0">
-                <a:solidFill>
-                  <a:srgbClr val="FF0000"/>
-                </a:solidFill>
-              </a:rPr>
-              <a:t>object rather than shared data???</a:t>
+              <a:t> be a protected object rather than shared data???</a:t>
             </a:r>
             <a:endParaRPr lang="en-US" sz="1200">
               <a:solidFill>
@@ -7877,6 +7861,93 @@
                 <a:cs typeface="Courier New" pitchFamily="49" charset="0"/>
               </a:rPr>
               <a:t>uses</a:t>
+            </a:r>
+            <a:endParaRPr lang="en-US" sz="1000">
+              <a:latin typeface="Courier New" pitchFamily="49" charset="0"/>
+              <a:cs typeface="Courier New" pitchFamily="49" charset="0"/>
+            </a:endParaRPr>
+          </a:p>
+        </p:txBody>
+      </p:sp>
+      <p:sp>
+        <p:nvSpPr>
+          <p:cNvPr id="62" name="Rectangle 61"/>
+          <p:cNvSpPr/>
+          <p:nvPr/>
+        </p:nvSpPr>
+        <p:spPr>
+          <a:xfrm>
+            <a:off x="3598539" y="192910"/>
+            <a:ext cx="2492990" cy="553998"/>
+          </a:xfrm>
+          <a:prstGeom prst="rect">
+            <a:avLst/>
+          </a:prstGeom>
+        </p:spPr>
+        <p:txBody>
+          <a:bodyPr wrap="none">
+            <a:spAutoFit/>
+          </a:bodyPr>
+          <a:lstStyle/>
+          <a:p>
+            <a:r>
+              <a:rPr lang="en-US" sz="1000" b="1" smtClean="0">
+                <a:solidFill>
+                  <a:srgbClr val="00B0F0"/>
+                </a:solidFill>
+                <a:latin typeface="Courier New" pitchFamily="49" charset="0"/>
+                <a:cs typeface="Courier New" pitchFamily="49" charset="0"/>
+              </a:rPr>
+              <a:t>inQu</a:t>
+            </a:r>
+            <a:r>
+              <a:rPr lang="en-US" sz="1000" smtClean="0">
+                <a:solidFill>
+                  <a:srgbClr val="FF0000"/>
+                </a:solidFill>
+                <a:latin typeface="Courier New" pitchFamily="49" charset="0"/>
+                <a:cs typeface="Courier New" pitchFamily="49" charset="0"/>
+              </a:rPr>
+              <a:t>,inQuNum</a:t>
+            </a:r>
+            <a:r>
+              <a:rPr lang="en-US" sz="1000" smtClean="0">
+                <a:latin typeface="Courier New" pitchFamily="49" charset="0"/>
+                <a:cs typeface="Courier New" pitchFamily="49" charset="0"/>
+              </a:rPr>
+              <a:t>,</a:t>
+            </a:r>
+            <a:r>
+              <a:rPr lang="en-US" sz="1000" b="1" smtClean="0">
+                <a:solidFill>
+                  <a:srgbClr val="00B050"/>
+                </a:solidFill>
+                <a:latin typeface="Courier New" pitchFamily="49" charset="0"/>
+                <a:cs typeface="Courier New" pitchFamily="49" charset="0"/>
+              </a:rPr>
+              <a:t>outQu</a:t>
+            </a:r>
+            <a:endParaRPr lang="en-US" sz="1000" b="1" smtClean="0">
+              <a:latin typeface="Courier New" pitchFamily="49" charset="0"/>
+              <a:cs typeface="Courier New" pitchFamily="49" charset="0"/>
+            </a:endParaRPr>
+          </a:p>
+          <a:p>
+            <a:r>
+              <a:rPr lang="en-US" sz="1000" b="1" smtClean="0">
+                <a:latin typeface="Courier New" pitchFamily="49" charset="0"/>
+                <a:cs typeface="Courier New" pitchFamily="49" charset="0"/>
+              </a:rPr>
+              <a:t>are bundled in the named tuple</a:t>
+            </a:r>
+          </a:p>
+          <a:p>
+            <a:r>
+              <a:rPr lang="en-US" sz="1000" smtClean="0">
+                <a:latin typeface="Courier New" pitchFamily="49" charset="0"/>
+                <a:cs typeface="Courier New" pitchFamily="49" charset="0"/>
+              </a:rPr>
+              <a:t>CommunicationsPackage</a:t>
             </a:r>
             <a:endParaRPr lang="en-US" sz="1000">
               <a:latin typeface="Courier New" pitchFamily="49" charset="0"/>
@@ -8226,14 +8297,7 @@
                 <a:latin typeface="Courier New" pitchFamily="49" charset="0"/>
                 <a:cs typeface="Courier New" pitchFamily="49" charset="0"/>
               </a:rPr>
-              <a:t>PutInitOutcomeMsg</a:t>
-            </a:r>
-            <a:r>
-              <a:rPr lang="en-US" sz="1000" smtClean="0">
-                <a:latin typeface="Courier New" pitchFamily="49" charset="0"/>
-                <a:cs typeface="Courier New" pitchFamily="49" charset="0"/>
-              </a:rPr>
-              <a:t>)</a:t>
+              <a:t>PutInitOutcomeMsg)</a:t>
             </a:r>
           </a:p>
           <a:p>
@@ -8259,14 +8323,7 @@
                 <a:latin typeface="Courier New" pitchFamily="49" charset="0"/>
                 <a:cs typeface="Courier New" pitchFamily="49" charset="0"/>
               </a:rPr>
-              <a:t>PutInitOutcomeMsg</a:t>
-            </a:r>
-            <a:r>
-              <a:rPr lang="en-US" sz="1000" smtClean="0">
-                <a:latin typeface="Courier New" pitchFamily="49" charset="0"/>
-                <a:cs typeface="Courier New" pitchFamily="49" charset="0"/>
-              </a:rPr>
-              <a:t>)</a:t>
+              <a:t>PutInitOutcomeMsg)</a:t>
             </a:r>
           </a:p>
           <a:p>

--- a/Scripting/ScriptingDocumenation/DesignDiagrams.pptx
+++ b/Scripting/ScriptingDocumenation/DesignDiagrams.pptx
@@ -297,7 +297,7 @@
             <a:fld id="{00F2EA4F-E096-48CD-A1C4-A4124DB919D8}" type="datetimeFigureOut">
               <a:rPr lang="en-US" smtClean="0"/>
               <a:pPr/>
-              <a:t>4/11/2013</a:t>
+              <a:t>4/1/2014</a:t>
             </a:fld>
             <a:endParaRPr lang="en-US"/>
           </a:p>
@@ -464,7 +464,7 @@
             <a:fld id="{00F2EA4F-E096-48CD-A1C4-A4124DB919D8}" type="datetimeFigureOut">
               <a:rPr lang="en-US" smtClean="0"/>
               <a:pPr/>
-              <a:t>4/11/2013</a:t>
+              <a:t>4/1/2014</a:t>
             </a:fld>
             <a:endParaRPr lang="en-US"/>
           </a:p>
@@ -641,7 +641,7 @@
             <a:fld id="{00F2EA4F-E096-48CD-A1C4-A4124DB919D8}" type="datetimeFigureOut">
               <a:rPr lang="en-US" smtClean="0"/>
               <a:pPr/>
-              <a:t>4/11/2013</a:t>
+              <a:t>4/1/2014</a:t>
             </a:fld>
             <a:endParaRPr lang="en-US"/>
           </a:p>
@@ -808,7 +808,7 @@
             <a:fld id="{00F2EA4F-E096-48CD-A1C4-A4124DB919D8}" type="datetimeFigureOut">
               <a:rPr lang="en-US" smtClean="0"/>
               <a:pPr/>
-              <a:t>4/11/2013</a:t>
+              <a:t>4/1/2014</a:t>
             </a:fld>
             <a:endParaRPr lang="en-US"/>
           </a:p>
@@ -1051,7 +1051,7 @@
             <a:fld id="{00F2EA4F-E096-48CD-A1C4-A4124DB919D8}" type="datetimeFigureOut">
               <a:rPr lang="en-US" smtClean="0"/>
               <a:pPr/>
-              <a:t>4/11/2013</a:t>
+              <a:t>4/1/2014</a:t>
             </a:fld>
             <a:endParaRPr lang="en-US"/>
           </a:p>
@@ -1336,7 +1336,7 @@
             <a:fld id="{00F2EA4F-E096-48CD-A1C4-A4124DB919D8}" type="datetimeFigureOut">
               <a:rPr lang="en-US" smtClean="0"/>
               <a:pPr/>
-              <a:t>4/11/2013</a:t>
+              <a:t>4/1/2014</a:t>
             </a:fld>
             <a:endParaRPr lang="en-US"/>
           </a:p>
@@ -1755,7 +1755,7 @@
             <a:fld id="{00F2EA4F-E096-48CD-A1C4-A4124DB919D8}" type="datetimeFigureOut">
               <a:rPr lang="en-US" smtClean="0"/>
               <a:pPr/>
-              <a:t>4/11/2013</a:t>
+              <a:t>4/1/2014</a:t>
             </a:fld>
             <a:endParaRPr lang="en-US"/>
           </a:p>
@@ -1870,7 +1870,7 @@
             <a:fld id="{00F2EA4F-E096-48CD-A1C4-A4124DB919D8}" type="datetimeFigureOut">
               <a:rPr lang="en-US" smtClean="0"/>
               <a:pPr/>
-              <a:t>4/11/2013</a:t>
+              <a:t>4/1/2014</a:t>
             </a:fld>
             <a:endParaRPr lang="en-US"/>
           </a:p>
@@ -1962,7 +1962,7 @@
             <a:fld id="{00F2EA4F-E096-48CD-A1C4-A4124DB919D8}" type="datetimeFigureOut">
               <a:rPr lang="en-US" smtClean="0"/>
               <a:pPr/>
-              <a:t>4/11/2013</a:t>
+              <a:t>4/1/2014</a:t>
             </a:fld>
             <a:endParaRPr lang="en-US"/>
           </a:p>
@@ -2236,7 +2236,7 @@
             <a:fld id="{00F2EA4F-E096-48CD-A1C4-A4124DB919D8}" type="datetimeFigureOut">
               <a:rPr lang="en-US" smtClean="0"/>
               <a:pPr/>
-              <a:t>4/11/2013</a:t>
+              <a:t>4/1/2014</a:t>
             </a:fld>
             <a:endParaRPr lang="en-US"/>
           </a:p>
@@ -2486,7 +2486,7 @@
             <a:fld id="{00F2EA4F-E096-48CD-A1C4-A4124DB919D8}" type="datetimeFigureOut">
               <a:rPr lang="en-US" smtClean="0"/>
               <a:pPr/>
-              <a:t>4/11/2013</a:t>
+              <a:t>4/1/2014</a:t>
             </a:fld>
             <a:endParaRPr lang="en-US"/>
           </a:p>
@@ -2696,7 +2696,7 @@
             <a:fld id="{00F2EA4F-E096-48CD-A1C4-A4124DB919D8}" type="datetimeFigureOut">
               <a:rPr lang="en-US" smtClean="0"/>
               <a:pPr/>
-              <a:t>4/11/2013</a:t>
+              <a:t>4/1/2014</a:t>
             </a:fld>
             <a:endParaRPr lang="en-US"/>
           </a:p>
@@ -3887,7 +3887,7 @@
         <p:spPr>
           <a:xfrm>
             <a:off x="5107990" y="2157251"/>
-            <a:ext cx="1800493" cy="246221"/>
+            <a:ext cx="2185214" cy="246221"/>
           </a:xfrm>
           <a:prstGeom prst="rect">
             <a:avLst/>
@@ -3915,7 +3915,21 @@
                 <a:latin typeface="Courier New" pitchFamily="49" charset="0"/>
                 <a:cs typeface="Courier New" pitchFamily="49" charset="0"/>
               </a:rPr>
-              <a:t>manyLinesToLog thread</a:t>
+              <a:t>printM</a:t>
+            </a:r>
+            <a:r>
+              <a:rPr lang="en-US" sz="1000" smtClean="0">
+                <a:latin typeface="Courier New" pitchFamily="49" charset="0"/>
+                <a:cs typeface="Courier New" pitchFamily="49" charset="0"/>
+              </a:rPr>
+              <a:t>anyLinesToLog </a:t>
+            </a:r>
+            <a:r>
+              <a:rPr lang="en-US" sz="1000" smtClean="0">
+                <a:latin typeface="Courier New" pitchFamily="49" charset="0"/>
+                <a:cs typeface="Courier New" pitchFamily="49" charset="0"/>
+              </a:rPr>
+              <a:t>thread</a:t>
             </a:r>
           </a:p>
         </p:txBody>
@@ -4083,7 +4097,7 @@
         <p:spPr>
           <a:xfrm>
             <a:off x="2602807" y="1285659"/>
-            <a:ext cx="800219" cy="707886"/>
+            <a:ext cx="569387" cy="707886"/>
           </a:xfrm>
           <a:prstGeom prst="rect">
             <a:avLst/>
@@ -4101,34 +4115,46 @@
                 <a:latin typeface="Courier New" pitchFamily="49" charset="0"/>
                 <a:cs typeface="Courier New" pitchFamily="49" charset="0"/>
               </a:rPr>
-              <a:t>openLog</a:t>
-            </a:r>
-          </a:p>
-          <a:p>
-            <a:r>
-              <a:rPr lang="en-US" sz="1000" smtClean="0">
-                <a:latin typeface="Courier New" pitchFamily="49" charset="0"/>
-                <a:cs typeface="Courier New" pitchFamily="49" charset="0"/>
-              </a:rPr>
-              <a:t>printLog</a:t>
-            </a:r>
-          </a:p>
-          <a:p>
-            <a:r>
-              <a:rPr lang="en-US" sz="1000" smtClean="0">
-                <a:latin typeface="Courier New" pitchFamily="49" charset="0"/>
-                <a:cs typeface="Courier New" pitchFamily="49" charset="0"/>
-              </a:rPr>
-              <a:t>flushLog</a:t>
-            </a:r>
-          </a:p>
-          <a:p>
-            <a:r>
-              <a:rPr lang="en-US" sz="1000" smtClean="0">
-                <a:latin typeface="Courier New" pitchFamily="49" charset="0"/>
-                <a:cs typeface="Courier New" pitchFamily="49" charset="0"/>
-              </a:rPr>
-              <a:t>closeLog</a:t>
+              <a:t>open</a:t>
+            </a:r>
+            <a:endParaRPr lang="en-US" sz="1000" smtClean="0">
+              <a:latin typeface="Courier New" pitchFamily="49" charset="0"/>
+              <a:cs typeface="Courier New" pitchFamily="49" charset="0"/>
+            </a:endParaRPr>
+          </a:p>
+          <a:p>
+            <a:r>
+              <a:rPr lang="en-US" sz="1000" smtClean="0">
+                <a:latin typeface="Courier New" pitchFamily="49" charset="0"/>
+                <a:cs typeface="Courier New" pitchFamily="49" charset="0"/>
+              </a:rPr>
+              <a:t>print</a:t>
+            </a:r>
+            <a:endParaRPr lang="en-US" sz="1000" smtClean="0">
+              <a:latin typeface="Courier New" pitchFamily="49" charset="0"/>
+              <a:cs typeface="Courier New" pitchFamily="49" charset="0"/>
+            </a:endParaRPr>
+          </a:p>
+          <a:p>
+            <a:r>
+              <a:rPr lang="en-US" sz="1000" smtClean="0">
+                <a:latin typeface="Courier New" pitchFamily="49" charset="0"/>
+                <a:cs typeface="Courier New" pitchFamily="49" charset="0"/>
+              </a:rPr>
+              <a:t>flush</a:t>
+            </a:r>
+            <a:endParaRPr lang="en-US" sz="1000" smtClean="0">
+              <a:latin typeface="Courier New" pitchFamily="49" charset="0"/>
+              <a:cs typeface="Courier New" pitchFamily="49" charset="0"/>
+            </a:endParaRPr>
+          </a:p>
+          <a:p>
+            <a:r>
+              <a:rPr lang="en-US" sz="1000" smtClean="0">
+                <a:latin typeface="Courier New" pitchFamily="49" charset="0"/>
+                <a:cs typeface="Courier New" pitchFamily="49" charset="0"/>
+              </a:rPr>
+              <a:t>close</a:t>
             </a:r>
             <a:endParaRPr lang="en-US" sz="1000">
               <a:latin typeface="Courier New" pitchFamily="49" charset="0"/>
@@ -4146,7 +4172,7 @@
         <p:spPr>
           <a:xfrm>
             <a:off x="4991549" y="2307939"/>
-            <a:ext cx="1800493" cy="246221"/>
+            <a:ext cx="2185214" cy="246221"/>
           </a:xfrm>
           <a:prstGeom prst="rect">
             <a:avLst/>
@@ -4174,7 +4200,21 @@
                 <a:latin typeface="Courier New" pitchFamily="49" charset="0"/>
                 <a:cs typeface="Courier New" pitchFamily="49" charset="0"/>
               </a:rPr>
-              <a:t>manyLinesToLog thread</a:t>
+              <a:t>printM</a:t>
+            </a:r>
+            <a:r>
+              <a:rPr lang="en-US" sz="1000" smtClean="0">
+                <a:latin typeface="Courier New" pitchFamily="49" charset="0"/>
+                <a:cs typeface="Courier New" pitchFamily="49" charset="0"/>
+              </a:rPr>
+              <a:t>anyLinesToLog </a:t>
+            </a:r>
+            <a:r>
+              <a:rPr lang="en-US" sz="1000" smtClean="0">
+                <a:latin typeface="Courier New" pitchFamily="49" charset="0"/>
+                <a:cs typeface="Courier New" pitchFamily="49" charset="0"/>
+              </a:rPr>
+              <a:t>thread</a:t>
             </a:r>
           </a:p>
         </p:txBody>
@@ -4349,7 +4389,7 @@
         <p:spPr>
           <a:xfrm>
             <a:off x="5363132" y="4867916"/>
-            <a:ext cx="2031325" cy="246221"/>
+            <a:ext cx="2416046" cy="246221"/>
           </a:xfrm>
           <a:prstGeom prst="rect">
             <a:avLst/>
@@ -4377,7 +4417,21 @@
                 <a:latin typeface="Courier New" pitchFamily="49" charset="0"/>
                 <a:cs typeface="Courier New" pitchFamily="49" charset="0"/>
               </a:rPr>
-              <a:t>manyLinesToScreen thread</a:t>
+              <a:t>printM</a:t>
+            </a:r>
+            <a:r>
+              <a:rPr lang="en-US" sz="1000" smtClean="0">
+                <a:latin typeface="Courier New" pitchFamily="49" charset="0"/>
+                <a:cs typeface="Courier New" pitchFamily="49" charset="0"/>
+              </a:rPr>
+              <a:t>anyLinesToScreen </a:t>
+            </a:r>
+            <a:r>
+              <a:rPr lang="en-US" sz="1000" smtClean="0">
+                <a:latin typeface="Courier New" pitchFamily="49" charset="0"/>
+                <a:cs typeface="Courier New" pitchFamily="49" charset="0"/>
+              </a:rPr>
+              <a:t>thread</a:t>
             </a:r>
           </a:p>
         </p:txBody>
@@ -4509,7 +4563,7 @@
         <p:spPr>
           <a:xfrm>
             <a:off x="5246691" y="5018604"/>
-            <a:ext cx="2031325" cy="246221"/>
+            <a:ext cx="2339102" cy="246221"/>
           </a:xfrm>
           <a:prstGeom prst="rect">
             <a:avLst/>
@@ -4537,8 +4591,19 @@
                 <a:latin typeface="Courier New" pitchFamily="49" charset="0"/>
                 <a:cs typeface="Courier New" pitchFamily="49" charset="0"/>
               </a:rPr>
-              <a:t>manyLinesToScreenthread</a:t>
-            </a:r>
+              <a:t>printM</a:t>
+            </a:r>
+            <a:r>
+              <a:rPr lang="en-US" sz="1000" smtClean="0">
+                <a:latin typeface="Courier New" pitchFamily="49" charset="0"/>
+                <a:cs typeface="Courier New" pitchFamily="49" charset="0"/>
+              </a:rPr>
+              <a:t>anyLinesToScreenthread</a:t>
+            </a:r>
+            <a:endParaRPr lang="en-US" sz="1000" smtClean="0">
+              <a:latin typeface="Courier New" pitchFamily="49" charset="0"/>
+              <a:cs typeface="Courier New" pitchFamily="49" charset="0"/>
+            </a:endParaRPr>
           </a:p>
         </p:txBody>
       </p:sp>
@@ -4869,19 +4934,17 @@
           <a:ln/>
         </p:spPr>
         <p:style>
-          <a:lnRef idx="2">
-            <a:schemeClr val="accent3">
-              <a:shade val="50000"/>
-            </a:schemeClr>
-          </a:lnRef>
-          <a:fillRef idx="1">
+          <a:lnRef idx="1">
             <a:schemeClr val="accent3"/>
-          </a:fillRef>
-          <a:effectRef idx="0">
+          </a:lnRef>
+          <a:fillRef idx="2">
             <a:schemeClr val="accent3"/>
-          </a:effectRef>
-          <a:fontRef idx="minor">
-            <a:schemeClr val="lt1"/>
+          </a:fillRef>
+          <a:effectRef idx="1">
+            <a:schemeClr val="accent3"/>
+          </a:effectRef>
+          <a:fontRef idx="minor">
+            <a:schemeClr val="dk1"/>
           </a:fontRef>
         </p:style>
         <p:txBody>

--- a/Scripting/ScriptingDocumenation/DesignDiagrams.pptx
+++ b/Scripting/ScriptingDocumenation/DesignDiagrams.pptx
@@ -297,7 +297,7 @@
             <a:fld id="{00F2EA4F-E096-48CD-A1C4-A4124DB919D8}" type="datetimeFigureOut">
               <a:rPr lang="en-US" smtClean="0"/>
               <a:pPr/>
-              <a:t>4/1/2014</a:t>
+              <a:t>4/2/2014</a:t>
             </a:fld>
             <a:endParaRPr lang="en-US"/>
           </a:p>
@@ -464,7 +464,7 @@
             <a:fld id="{00F2EA4F-E096-48CD-A1C4-A4124DB919D8}" type="datetimeFigureOut">
               <a:rPr lang="en-US" smtClean="0"/>
               <a:pPr/>
-              <a:t>4/1/2014</a:t>
+              <a:t>4/2/2014</a:t>
             </a:fld>
             <a:endParaRPr lang="en-US"/>
           </a:p>
@@ -641,7 +641,7 @@
             <a:fld id="{00F2EA4F-E096-48CD-A1C4-A4124DB919D8}" type="datetimeFigureOut">
               <a:rPr lang="en-US" smtClean="0"/>
               <a:pPr/>
-              <a:t>4/1/2014</a:t>
+              <a:t>4/2/2014</a:t>
             </a:fld>
             <a:endParaRPr lang="en-US"/>
           </a:p>
@@ -808,7 +808,7 @@
             <a:fld id="{00F2EA4F-E096-48CD-A1C4-A4124DB919D8}" type="datetimeFigureOut">
               <a:rPr lang="en-US" smtClean="0"/>
               <a:pPr/>
-              <a:t>4/1/2014</a:t>
+              <a:t>4/2/2014</a:t>
             </a:fld>
             <a:endParaRPr lang="en-US"/>
           </a:p>
@@ -1051,7 +1051,7 @@
             <a:fld id="{00F2EA4F-E096-48CD-A1C4-A4124DB919D8}" type="datetimeFigureOut">
               <a:rPr lang="en-US" smtClean="0"/>
               <a:pPr/>
-              <a:t>4/1/2014</a:t>
+              <a:t>4/2/2014</a:t>
             </a:fld>
             <a:endParaRPr lang="en-US"/>
           </a:p>
@@ -1336,7 +1336,7 @@
             <a:fld id="{00F2EA4F-E096-48CD-A1C4-A4124DB919D8}" type="datetimeFigureOut">
               <a:rPr lang="en-US" smtClean="0"/>
               <a:pPr/>
-              <a:t>4/1/2014</a:t>
+              <a:t>4/2/2014</a:t>
             </a:fld>
             <a:endParaRPr lang="en-US"/>
           </a:p>
@@ -1755,7 +1755,7 @@
             <a:fld id="{00F2EA4F-E096-48CD-A1C4-A4124DB919D8}" type="datetimeFigureOut">
               <a:rPr lang="en-US" smtClean="0"/>
               <a:pPr/>
-              <a:t>4/1/2014</a:t>
+              <a:t>4/2/2014</a:t>
             </a:fld>
             <a:endParaRPr lang="en-US"/>
           </a:p>
@@ -1870,7 +1870,7 @@
             <a:fld id="{00F2EA4F-E096-48CD-A1C4-A4124DB919D8}" type="datetimeFigureOut">
               <a:rPr lang="en-US" smtClean="0"/>
               <a:pPr/>
-              <a:t>4/1/2014</a:t>
+              <a:t>4/2/2014</a:t>
             </a:fld>
             <a:endParaRPr lang="en-US"/>
           </a:p>
@@ -1962,7 +1962,7 @@
             <a:fld id="{00F2EA4F-E096-48CD-A1C4-A4124DB919D8}" type="datetimeFigureOut">
               <a:rPr lang="en-US" smtClean="0"/>
               <a:pPr/>
-              <a:t>4/1/2014</a:t>
+              <a:t>4/2/2014</a:t>
             </a:fld>
             <a:endParaRPr lang="en-US"/>
           </a:p>
@@ -2236,7 +2236,7 @@
             <a:fld id="{00F2EA4F-E096-48CD-A1C4-A4124DB919D8}" type="datetimeFigureOut">
               <a:rPr lang="en-US" smtClean="0"/>
               <a:pPr/>
-              <a:t>4/1/2014</a:t>
+              <a:t>4/2/2014</a:t>
             </a:fld>
             <a:endParaRPr lang="en-US"/>
           </a:p>
@@ -2486,7 +2486,7 @@
             <a:fld id="{00F2EA4F-E096-48CD-A1C4-A4124DB919D8}" type="datetimeFigureOut">
               <a:rPr lang="en-US" smtClean="0"/>
               <a:pPr/>
-              <a:t>4/1/2014</a:t>
+              <a:t>4/2/2014</a:t>
             </a:fld>
             <a:endParaRPr lang="en-US"/>
           </a:p>
@@ -2696,7 +2696,7 @@
             <a:fld id="{00F2EA4F-E096-48CD-A1C4-A4124DB919D8}" type="datetimeFigureOut">
               <a:rPr lang="en-US" smtClean="0"/>
               <a:pPr/>
-              <a:t>4/1/2014</a:t>
+              <a:t>4/2/2014</a:t>
             </a:fld>
             <a:endParaRPr lang="en-US"/>
           </a:p>
@@ -3915,21 +3915,7 @@
                 <a:latin typeface="Courier New" pitchFamily="49" charset="0"/>
                 <a:cs typeface="Courier New" pitchFamily="49" charset="0"/>
               </a:rPr>
-              <a:t>printM</a:t>
-            </a:r>
-            <a:r>
-              <a:rPr lang="en-US" sz="1000" smtClean="0">
-                <a:latin typeface="Courier New" pitchFamily="49" charset="0"/>
-                <a:cs typeface="Courier New" pitchFamily="49" charset="0"/>
-              </a:rPr>
-              <a:t>anyLinesToLog </a:t>
-            </a:r>
-            <a:r>
-              <a:rPr lang="en-US" sz="1000" smtClean="0">
-                <a:latin typeface="Courier New" pitchFamily="49" charset="0"/>
-                <a:cs typeface="Courier New" pitchFamily="49" charset="0"/>
-              </a:rPr>
-              <a:t>thread</a:t>
+              <a:t>printManyLinesToLog thread</a:t>
             </a:r>
           </a:p>
         </p:txBody>
@@ -4117,10 +4103,6 @@
               </a:rPr>
               <a:t>open</a:t>
             </a:r>
-            <a:endParaRPr lang="en-US" sz="1000" smtClean="0">
-              <a:latin typeface="Courier New" pitchFamily="49" charset="0"/>
-              <a:cs typeface="Courier New" pitchFamily="49" charset="0"/>
-            </a:endParaRPr>
           </a:p>
           <a:p>
             <a:r>
@@ -4130,10 +4112,6 @@
               </a:rPr>
               <a:t>print</a:t>
             </a:r>
-            <a:endParaRPr lang="en-US" sz="1000" smtClean="0">
-              <a:latin typeface="Courier New" pitchFamily="49" charset="0"/>
-              <a:cs typeface="Courier New" pitchFamily="49" charset="0"/>
-            </a:endParaRPr>
           </a:p>
           <a:p>
             <a:r>
@@ -4143,10 +4121,6 @@
               </a:rPr>
               <a:t>flush</a:t>
             </a:r>
-            <a:endParaRPr lang="en-US" sz="1000" smtClean="0">
-              <a:latin typeface="Courier New" pitchFamily="49" charset="0"/>
-              <a:cs typeface="Courier New" pitchFamily="49" charset="0"/>
-            </a:endParaRPr>
           </a:p>
           <a:p>
             <a:r>
@@ -4200,21 +4174,7 @@
                 <a:latin typeface="Courier New" pitchFamily="49" charset="0"/>
                 <a:cs typeface="Courier New" pitchFamily="49" charset="0"/>
               </a:rPr>
-              <a:t>printM</a:t>
-            </a:r>
-            <a:r>
-              <a:rPr lang="en-US" sz="1000" smtClean="0">
-                <a:latin typeface="Courier New" pitchFamily="49" charset="0"/>
-                <a:cs typeface="Courier New" pitchFamily="49" charset="0"/>
-              </a:rPr>
-              <a:t>anyLinesToLog </a:t>
-            </a:r>
-            <a:r>
-              <a:rPr lang="en-US" sz="1000" smtClean="0">
-                <a:latin typeface="Courier New" pitchFamily="49" charset="0"/>
-                <a:cs typeface="Courier New" pitchFamily="49" charset="0"/>
-              </a:rPr>
-              <a:t>thread</a:t>
+              <a:t>printManyLinesToLog thread</a:t>
             </a:r>
           </a:p>
         </p:txBody>
@@ -4417,21 +4377,7 @@
                 <a:latin typeface="Courier New" pitchFamily="49" charset="0"/>
                 <a:cs typeface="Courier New" pitchFamily="49" charset="0"/>
               </a:rPr>
-              <a:t>printM</a:t>
-            </a:r>
-            <a:r>
-              <a:rPr lang="en-US" sz="1000" smtClean="0">
-                <a:latin typeface="Courier New" pitchFamily="49" charset="0"/>
-                <a:cs typeface="Courier New" pitchFamily="49" charset="0"/>
-              </a:rPr>
-              <a:t>anyLinesToScreen </a:t>
-            </a:r>
-            <a:r>
-              <a:rPr lang="en-US" sz="1000" smtClean="0">
-                <a:latin typeface="Courier New" pitchFamily="49" charset="0"/>
-                <a:cs typeface="Courier New" pitchFamily="49" charset="0"/>
-              </a:rPr>
-              <a:t>thread</a:t>
+              <a:t>printManyLinesToScreen thread</a:t>
             </a:r>
           </a:p>
         </p:txBody>
@@ -4591,19 +4537,8 @@
                 <a:latin typeface="Courier New" pitchFamily="49" charset="0"/>
                 <a:cs typeface="Courier New" pitchFamily="49" charset="0"/>
               </a:rPr>
-              <a:t>printM</a:t>
-            </a:r>
-            <a:r>
-              <a:rPr lang="en-US" sz="1000" smtClean="0">
-                <a:latin typeface="Courier New" pitchFamily="49" charset="0"/>
-                <a:cs typeface="Courier New" pitchFamily="49" charset="0"/>
-              </a:rPr>
-              <a:t>anyLinesToScreenthread</a:t>
-            </a:r>
-            <a:endParaRPr lang="en-US" sz="1000" smtClean="0">
-              <a:latin typeface="Courier New" pitchFamily="49" charset="0"/>
-              <a:cs typeface="Courier New" pitchFamily="49" charset="0"/>
-            </a:endParaRPr>
+              <a:t>printManyLinesToScreenthread</a:t>
+            </a:r>
           </a:p>
         </p:txBody>
       </p:sp>
@@ -7825,12 +7760,22 @@
             <a:r>
               <a:rPr lang="en-US" sz="1000" smtClean="0">
                 <a:solidFill>
+                  <a:srgbClr val="00B0F0"/>
+                </a:solidFill>
+                <a:latin typeface="Courier New" pitchFamily="49" charset="0"/>
+                <a:cs typeface="Courier New" pitchFamily="49" charset="0"/>
+              </a:rPr>
+              <a:t>inQu</a:t>
+            </a:r>
+            <a:r>
+              <a:rPr lang="en-US" sz="1000" smtClean="0">
+                <a:solidFill>
                   <a:srgbClr val="FF0000"/>
                 </a:solidFill>
                 <a:latin typeface="Courier New" pitchFamily="49" charset="0"/>
                 <a:cs typeface="Courier New" pitchFamily="49" charset="0"/>
               </a:rPr>
-              <a:t>inQu,inQuNum</a:t>
+              <a:t>,inQuNum</a:t>
             </a:r>
             <a:r>
               <a:rPr lang="en-US" sz="1000" smtClean="0">

--- a/Scripting/ScriptingDocumenation/DesignDiagrams.pptx
+++ b/Scripting/ScriptingDocumenation/DesignDiagrams.pptx
@@ -297,7 +297,7 @@
             <a:fld id="{00F2EA4F-E096-48CD-A1C4-A4124DB919D8}" type="datetimeFigureOut">
               <a:rPr lang="en-US" smtClean="0"/>
               <a:pPr/>
-              <a:t>4/2/2014</a:t>
+              <a:t>4/3/2014</a:t>
             </a:fld>
             <a:endParaRPr lang="en-US"/>
           </a:p>
@@ -464,7 +464,7 @@
             <a:fld id="{00F2EA4F-E096-48CD-A1C4-A4124DB919D8}" type="datetimeFigureOut">
               <a:rPr lang="en-US" smtClean="0"/>
               <a:pPr/>
-              <a:t>4/2/2014</a:t>
+              <a:t>4/3/2014</a:t>
             </a:fld>
             <a:endParaRPr lang="en-US"/>
           </a:p>
@@ -641,7 +641,7 @@
             <a:fld id="{00F2EA4F-E096-48CD-A1C4-A4124DB919D8}" type="datetimeFigureOut">
               <a:rPr lang="en-US" smtClean="0"/>
               <a:pPr/>
-              <a:t>4/2/2014</a:t>
+              <a:t>4/3/2014</a:t>
             </a:fld>
             <a:endParaRPr lang="en-US"/>
           </a:p>
@@ -808,7 +808,7 @@
             <a:fld id="{00F2EA4F-E096-48CD-A1C4-A4124DB919D8}" type="datetimeFigureOut">
               <a:rPr lang="en-US" smtClean="0"/>
               <a:pPr/>
-              <a:t>4/2/2014</a:t>
+              <a:t>4/3/2014</a:t>
             </a:fld>
             <a:endParaRPr lang="en-US"/>
           </a:p>
@@ -1051,7 +1051,7 @@
             <a:fld id="{00F2EA4F-E096-48CD-A1C4-A4124DB919D8}" type="datetimeFigureOut">
               <a:rPr lang="en-US" smtClean="0"/>
               <a:pPr/>
-              <a:t>4/2/2014</a:t>
+              <a:t>4/3/2014</a:t>
             </a:fld>
             <a:endParaRPr lang="en-US"/>
           </a:p>
@@ -1336,7 +1336,7 @@
             <a:fld id="{00F2EA4F-E096-48CD-A1C4-A4124DB919D8}" type="datetimeFigureOut">
               <a:rPr lang="en-US" smtClean="0"/>
               <a:pPr/>
-              <a:t>4/2/2014</a:t>
+              <a:t>4/3/2014</a:t>
             </a:fld>
             <a:endParaRPr lang="en-US"/>
           </a:p>
@@ -1755,7 +1755,7 @@
             <a:fld id="{00F2EA4F-E096-48CD-A1C4-A4124DB919D8}" type="datetimeFigureOut">
               <a:rPr lang="en-US" smtClean="0"/>
               <a:pPr/>
-              <a:t>4/2/2014</a:t>
+              <a:t>4/3/2014</a:t>
             </a:fld>
             <a:endParaRPr lang="en-US"/>
           </a:p>
@@ -1870,7 +1870,7 @@
             <a:fld id="{00F2EA4F-E096-48CD-A1C4-A4124DB919D8}" type="datetimeFigureOut">
               <a:rPr lang="en-US" smtClean="0"/>
               <a:pPr/>
-              <a:t>4/2/2014</a:t>
+              <a:t>4/3/2014</a:t>
             </a:fld>
             <a:endParaRPr lang="en-US"/>
           </a:p>
@@ -1962,7 +1962,7 @@
             <a:fld id="{00F2EA4F-E096-48CD-A1C4-A4124DB919D8}" type="datetimeFigureOut">
               <a:rPr lang="en-US" smtClean="0"/>
               <a:pPr/>
-              <a:t>4/2/2014</a:t>
+              <a:t>4/3/2014</a:t>
             </a:fld>
             <a:endParaRPr lang="en-US"/>
           </a:p>
@@ -2236,7 +2236,7 @@
             <a:fld id="{00F2EA4F-E096-48CD-A1C4-A4124DB919D8}" type="datetimeFigureOut">
               <a:rPr lang="en-US" smtClean="0"/>
               <a:pPr/>
-              <a:t>4/2/2014</a:t>
+              <a:t>4/3/2014</a:t>
             </a:fld>
             <a:endParaRPr lang="en-US"/>
           </a:p>
@@ -2486,7 +2486,7 @@
             <a:fld id="{00F2EA4F-E096-48CD-A1C4-A4124DB919D8}" type="datetimeFigureOut">
               <a:rPr lang="en-US" smtClean="0"/>
               <a:pPr/>
-              <a:t>4/2/2014</a:t>
+              <a:t>4/3/2014</a:t>
             </a:fld>
             <a:endParaRPr lang="en-US"/>
           </a:p>
@@ -2696,7 +2696,7 @@
             <a:fld id="{00F2EA4F-E096-48CD-A1C4-A4124DB919D8}" type="datetimeFigureOut">
               <a:rPr lang="en-US" smtClean="0"/>
               <a:pPr/>
-              <a:t>4/2/2014</a:t>
+              <a:t>4/3/2014</a:t>
             </a:fld>
             <a:endParaRPr lang="en-US"/>
           </a:p>

--- a/Scripting/ScriptingDocumenation/DesignDiagrams.pptx
+++ b/Scripting/ScriptingDocumenation/DesignDiagrams.pptx
@@ -297,7 +297,7 @@
             <a:fld id="{00F2EA4F-E096-48CD-A1C4-A4124DB919D8}" type="datetimeFigureOut">
               <a:rPr lang="en-US" smtClean="0"/>
               <a:pPr/>
-              <a:t>4/3/2014</a:t>
+              <a:t>4/4/2014</a:t>
             </a:fld>
             <a:endParaRPr lang="en-US"/>
           </a:p>
@@ -464,7 +464,7 @@
             <a:fld id="{00F2EA4F-E096-48CD-A1C4-A4124DB919D8}" type="datetimeFigureOut">
               <a:rPr lang="en-US" smtClean="0"/>
               <a:pPr/>
-              <a:t>4/3/2014</a:t>
+              <a:t>4/4/2014</a:t>
             </a:fld>
             <a:endParaRPr lang="en-US"/>
           </a:p>
@@ -641,7 +641,7 @@
             <a:fld id="{00F2EA4F-E096-48CD-A1C4-A4124DB919D8}" type="datetimeFigureOut">
               <a:rPr lang="en-US" smtClean="0"/>
               <a:pPr/>
-              <a:t>4/3/2014</a:t>
+              <a:t>4/4/2014</a:t>
             </a:fld>
             <a:endParaRPr lang="en-US"/>
           </a:p>
@@ -808,7 +808,7 @@
             <a:fld id="{00F2EA4F-E096-48CD-A1C4-A4124DB919D8}" type="datetimeFigureOut">
               <a:rPr lang="en-US" smtClean="0"/>
               <a:pPr/>
-              <a:t>4/3/2014</a:t>
+              <a:t>4/4/2014</a:t>
             </a:fld>
             <a:endParaRPr lang="en-US"/>
           </a:p>
@@ -1051,7 +1051,7 @@
             <a:fld id="{00F2EA4F-E096-48CD-A1C4-A4124DB919D8}" type="datetimeFigureOut">
               <a:rPr lang="en-US" smtClean="0"/>
               <a:pPr/>
-              <a:t>4/3/2014</a:t>
+              <a:t>4/4/2014</a:t>
             </a:fld>
             <a:endParaRPr lang="en-US"/>
           </a:p>
@@ -1336,7 +1336,7 @@
             <a:fld id="{00F2EA4F-E096-48CD-A1C4-A4124DB919D8}" type="datetimeFigureOut">
               <a:rPr lang="en-US" smtClean="0"/>
               <a:pPr/>
-              <a:t>4/3/2014</a:t>
+              <a:t>4/4/2014</a:t>
             </a:fld>
             <a:endParaRPr lang="en-US"/>
           </a:p>
@@ -1755,7 +1755,7 @@
             <a:fld id="{00F2EA4F-E096-48CD-A1C4-A4124DB919D8}" type="datetimeFigureOut">
               <a:rPr lang="en-US" smtClean="0"/>
               <a:pPr/>
-              <a:t>4/3/2014</a:t>
+              <a:t>4/4/2014</a:t>
             </a:fld>
             <a:endParaRPr lang="en-US"/>
           </a:p>
@@ -1870,7 +1870,7 @@
             <a:fld id="{00F2EA4F-E096-48CD-A1C4-A4124DB919D8}" type="datetimeFigureOut">
               <a:rPr lang="en-US" smtClean="0"/>
               <a:pPr/>
-              <a:t>4/3/2014</a:t>
+              <a:t>4/4/2014</a:t>
             </a:fld>
             <a:endParaRPr lang="en-US"/>
           </a:p>
@@ -1962,7 +1962,7 @@
             <a:fld id="{00F2EA4F-E096-48CD-A1C4-A4124DB919D8}" type="datetimeFigureOut">
               <a:rPr lang="en-US" smtClean="0"/>
               <a:pPr/>
-              <a:t>4/3/2014</a:t>
+              <a:t>4/4/2014</a:t>
             </a:fld>
             <a:endParaRPr lang="en-US"/>
           </a:p>
@@ -2236,7 +2236,7 @@
             <a:fld id="{00F2EA4F-E096-48CD-A1C4-A4124DB919D8}" type="datetimeFigureOut">
               <a:rPr lang="en-US" smtClean="0"/>
               <a:pPr/>
-              <a:t>4/3/2014</a:t>
+              <a:t>4/4/2014</a:t>
             </a:fld>
             <a:endParaRPr lang="en-US"/>
           </a:p>
@@ -2486,7 +2486,7 @@
             <a:fld id="{00F2EA4F-E096-48CD-A1C4-A4124DB919D8}" type="datetimeFigureOut">
               <a:rPr lang="en-US" smtClean="0"/>
               <a:pPr/>
-              <a:t>4/3/2014</a:t>
+              <a:t>4/4/2014</a:t>
             </a:fld>
             <a:endParaRPr lang="en-US"/>
           </a:p>
@@ -2696,7 +2696,7 @@
             <a:fld id="{00F2EA4F-E096-48CD-A1C4-A4124DB919D8}" type="datetimeFigureOut">
               <a:rPr lang="en-US" smtClean="0"/>
               <a:pPr/>
-              <a:t>4/3/2014</a:t>
+              <a:t>4/4/2014</a:t>
             </a:fld>
             <a:endParaRPr lang="en-US"/>
           </a:p>
@@ -5082,51 +5082,17 @@
                 <a:latin typeface="Courier New" pitchFamily="49" charset="0"/>
                 <a:cs typeface="Courier New" pitchFamily="49" charset="0"/>
               </a:rPr>
-              <a:t>init(</a:t>
-            </a:r>
-            <a:r>
-              <a:rPr lang="en-US" sz="1000" err="1" smtClean="0">
-                <a:latin typeface="Courier New" pitchFamily="49" charset="0"/>
-                <a:cs typeface="Courier New" pitchFamily="49" charset="0"/>
-              </a:rPr>
-              <a:t>name,</a:t>
-            </a:r>
-            <a:r>
-              <a:rPr lang="en-US" sz="1000" b="1" err="1" smtClean="0">
+              <a:t>init(name,</a:t>
+            </a:r>
+            <a:r>
+              <a:rPr lang="en-US" sz="1000" b="1" smtClean="0">
                 <a:solidFill>
                   <a:srgbClr val="00B0F0"/>
                 </a:solidFill>
                 <a:latin typeface="Courier New" pitchFamily="49" charset="0"/>
                 <a:cs typeface="Courier New" pitchFamily="49" charset="0"/>
               </a:rPr>
-              <a:t>inQu</a:t>
-            </a:r>
-            <a:r>
-              <a:rPr lang="en-US" sz="1000" err="1" smtClean="0">
-                <a:solidFill>
-                  <a:srgbClr val="FF0000"/>
-                </a:solidFill>
-                <a:latin typeface="Courier New" pitchFamily="49" charset="0"/>
-                <a:cs typeface="Courier New" pitchFamily="49" charset="0"/>
-              </a:rPr>
-              <a:t>,inQuNum</a:t>
-            </a:r>
-            <a:r>
-              <a:rPr lang="en-US" sz="1000" err="1" smtClean="0">
-                <a:latin typeface="Courier New" pitchFamily="49" charset="0"/>
-                <a:cs typeface="Courier New" pitchFamily="49" charset="0"/>
-              </a:rPr>
-              <a:t>,</a:t>
-            </a:r>
-            <a:r>
-              <a:rPr lang="en-US" sz="1000" b="1" err="1" smtClean="0">
-                <a:solidFill>
-                  <a:srgbClr val="00B050"/>
-                </a:solidFill>
-                <a:latin typeface="Courier New" pitchFamily="49" charset="0"/>
-                <a:cs typeface="Courier New" pitchFamily="49" charset="0"/>
-              </a:rPr>
-              <a:t>outQu</a:t>
+              <a:t>comPkg</a:t>
             </a:r>
             <a:r>
               <a:rPr lang="en-US" sz="1000" smtClean="0">
@@ -5135,6 +5101,10 @@
               </a:rPr>
               <a:t>)</a:t>
             </a:r>
+            <a:endParaRPr lang="en-US" sz="1000" smtClean="0">
+              <a:latin typeface="Courier New" pitchFamily="49" charset="0"/>
+              <a:cs typeface="Courier New" pitchFamily="49" charset="0"/>
+            </a:endParaRPr>
           </a:p>
           <a:p>
             <a:r>
@@ -5673,7 +5643,7 @@
         </p:nvSpPr>
         <p:spPr>
           <a:xfrm>
-            <a:off x="4935382" y="3809110"/>
+            <a:off x="4793869" y="3972395"/>
             <a:ext cx="569387" cy="246221"/>
           </a:xfrm>
           <a:prstGeom prst="rect">
@@ -5752,15 +5722,13 @@
       <p:cxnSp>
         <p:nvCxnSpPr>
           <p:cNvPr id="29" name="Straight Arrow Connector 28"/>
-          <p:cNvCxnSpPr>
-            <a:endCxn id="25" idx="2"/>
-          </p:cNvCxnSpPr>
+          <p:cNvCxnSpPr/>
           <p:nvPr/>
         </p:nvCxnSpPr>
         <p:spPr>
           <a:xfrm flipV="1">
-            <a:off x="4520725" y="4055331"/>
-            <a:ext cx="699351" cy="1413977"/>
+            <a:off x="4572000" y="4229503"/>
+            <a:ext cx="713392" cy="1224240"/>
           </a:xfrm>
           <a:prstGeom prst="straightConnector1">
             <a:avLst/>
@@ -5904,8 +5872,8 @@
         </p:nvCxnSpPr>
         <p:spPr>
           <a:xfrm flipH="1">
-            <a:off x="5220076" y="2306194"/>
-            <a:ext cx="440294" cy="1502916"/>
+            <a:off x="5078563" y="2306194"/>
+            <a:ext cx="581807" cy="1666201"/>
           </a:xfrm>
           <a:prstGeom prst="straightConnector1">
             <a:avLst/>
@@ -6032,8 +6000,8 @@
         </p:nvCxnSpPr>
         <p:spPr>
           <a:xfrm flipH="1" flipV="1">
-            <a:off x="461981" y="2609801"/>
-            <a:ext cx="476506" cy="2282414"/>
+            <a:off x="647038" y="2555372"/>
+            <a:ext cx="291449" cy="2336843"/>
           </a:xfrm>
           <a:prstGeom prst="straightConnector1">
             <a:avLst/>
@@ -6223,7 +6191,7 @@
         <p:spPr>
           <a:xfrm>
             <a:off x="714658" y="1661099"/>
-            <a:ext cx="4505418" cy="2148011"/>
+            <a:ext cx="4363905" cy="2311296"/>
           </a:xfrm>
           <a:prstGeom prst="straightConnector1">
             <a:avLst/>
@@ -6481,7 +6449,7 @@
         <p:spPr>
           <a:xfrm>
             <a:off x="5818277" y="1273355"/>
-            <a:ext cx="2492990" cy="553998"/>
+            <a:ext cx="1492716" cy="553998"/>
           </a:xfrm>
           <a:prstGeom prst="rect">
             <a:avLst/>
@@ -6509,34 +6477,7 @@
                 <a:latin typeface="Courier New" pitchFamily="49" charset="0"/>
                 <a:cs typeface="Courier New" pitchFamily="49" charset="0"/>
               </a:rPr>
-              <a:t>inQu</a:t>
-            </a:r>
-            <a:r>
-              <a:rPr lang="en-US" sz="1000" smtClean="0">
-                <a:solidFill>
-                  <a:srgbClr val="FF0000"/>
-                </a:solidFill>
-                <a:latin typeface="Courier New" pitchFamily="49" charset="0"/>
-                <a:cs typeface="Courier New" pitchFamily="49" charset="0"/>
-              </a:rPr>
-              <a:t>,inQuNum</a:t>
-            </a:r>
-            <a:r>
-              <a:rPr lang="en-US" sz="1000" smtClean="0">
-                <a:latin typeface="Courier New" pitchFamily="49" charset="0"/>
-                <a:cs typeface="Courier New" pitchFamily="49" charset="0"/>
-              </a:rPr>
-              <a:t>,</a:t>
-            </a:r>
-            <a:r>
-              <a:rPr lang="en-US" sz="1000" b="1" smtClean="0">
-                <a:solidFill>
-                  <a:srgbClr val="00B050"/>
-                </a:solidFill>
-                <a:latin typeface="Courier New" pitchFamily="49" charset="0"/>
-                <a:cs typeface="Courier New" pitchFamily="49" charset="0"/>
-              </a:rPr>
-              <a:t>outQu</a:t>
+              <a:t>comPkg</a:t>
             </a:r>
             <a:r>
               <a:rPr lang="en-US" sz="1000" smtClean="0">
@@ -6545,6 +6486,10 @@
               </a:rPr>
               <a:t>)</a:t>
             </a:r>
+            <a:endParaRPr lang="en-US" sz="1000" smtClean="0">
+              <a:latin typeface="Courier New" pitchFamily="49" charset="0"/>
+              <a:cs typeface="Courier New" pitchFamily="49" charset="0"/>
+            </a:endParaRPr>
           </a:p>
           <a:p>
             <a:r>
@@ -6708,15 +6653,15 @@
         <p:nvCxnSpPr>
           <p:cNvPr id="52" name="Straight Arrow Connector 51"/>
           <p:cNvCxnSpPr>
-            <a:stCxn id="41" idx="1"/>
+            <a:stCxn id="63" idx="1"/>
             <a:endCxn id="25" idx="3"/>
           </p:cNvCxnSpPr>
           <p:nvPr/>
         </p:nvCxnSpPr>
         <p:spPr>
-          <a:xfrm flipH="1">
-            <a:off x="5504769" y="2960030"/>
-            <a:ext cx="2216212" cy="972191"/>
+          <a:xfrm flipH="1" flipV="1">
+            <a:off x="5363256" y="4095506"/>
+            <a:ext cx="1730071" cy="19730"/>
           </a:xfrm>
           <a:prstGeom prst="straightConnector1">
             <a:avLst/>
@@ -6874,14 +6819,14 @@
           <p:cNvPr id="80" name="Straight Arrow Connector 79"/>
           <p:cNvCxnSpPr>
             <a:stCxn id="41" idx="2"/>
-            <a:endCxn id="75" idx="0"/>
+            <a:endCxn id="63" idx="0"/>
           </p:cNvCxnSpPr>
           <p:nvPr/>
         </p:nvCxnSpPr>
         <p:spPr>
-          <a:xfrm flipH="1">
-            <a:off x="7680727" y="3083140"/>
-            <a:ext cx="286476" cy="2117299"/>
+          <a:xfrm>
+            <a:off x="7967203" y="3083140"/>
+            <a:ext cx="64843" cy="908985"/>
           </a:xfrm>
           <a:prstGeom prst="straightConnector1">
             <a:avLst/>
@@ -6917,7 +6862,7 @@
         </p:nvSpPr>
         <p:spPr>
           <a:xfrm>
-            <a:off x="6266289" y="3691685"/>
+            <a:off x="6298954" y="4323049"/>
             <a:ext cx="2954655" cy="400110"/>
           </a:xfrm>
           <a:prstGeom prst="rect">
@@ -7103,7 +7048,7 @@
         <p:nvCxnSpPr>
           <p:cNvPr id="106" name="Straight Arrow Connector 105"/>
           <p:cNvCxnSpPr>
-            <a:stCxn id="41" idx="1"/>
+            <a:stCxn id="63" idx="1"/>
             <a:endCxn id="16" idx="3"/>
           </p:cNvCxnSpPr>
           <p:nvPr/>
@@ -7111,7 +7056,7 @@
         <p:spPr>
           <a:xfrm flipH="1" flipV="1">
             <a:off x="1795003" y="2930985"/>
-            <a:ext cx="5925978" cy="29045"/>
+            <a:ext cx="5298324" cy="1184251"/>
           </a:xfrm>
           <a:prstGeom prst="straightConnector1">
             <a:avLst/>
@@ -7300,7 +7245,7 @@
         <p:spPr>
           <a:xfrm>
             <a:off x="6327762" y="2381813"/>
-            <a:ext cx="2108269" cy="246221"/>
+            <a:ext cx="1569660" cy="246221"/>
           </a:xfrm>
           <a:prstGeom prst="rect">
             <a:avLst/>
@@ -7321,41 +7266,14 @@
               <a:t>start(</a:t>
             </a:r>
             <a:r>
-              <a:rPr lang="en-US" sz="1000" b="1" err="1" smtClean="0">
+              <a:rPr lang="en-US" sz="1000" b="1" smtClean="0">
                 <a:solidFill>
                   <a:srgbClr val="00B0F0"/>
                 </a:solidFill>
                 <a:latin typeface="Courier New" pitchFamily="49" charset="0"/>
                 <a:cs typeface="Courier New" pitchFamily="49" charset="0"/>
               </a:rPr>
-              <a:t>inQu</a:t>
-            </a:r>
-            <a:r>
-              <a:rPr lang="en-US" sz="1000" err="1" smtClean="0">
-                <a:solidFill>
-                  <a:srgbClr val="FF0000"/>
-                </a:solidFill>
-                <a:latin typeface="Courier New" pitchFamily="49" charset="0"/>
-                <a:cs typeface="Courier New" pitchFamily="49" charset="0"/>
-              </a:rPr>
-              <a:t>,inQuNum</a:t>
-            </a:r>
-            <a:r>
-              <a:rPr lang="en-US" sz="1000" err="1" smtClean="0">
-                <a:latin typeface="Courier New" pitchFamily="49" charset="0"/>
-                <a:cs typeface="Courier New" pitchFamily="49" charset="0"/>
-              </a:rPr>
-              <a:t>,</a:t>
-            </a:r>
-            <a:r>
-              <a:rPr lang="en-US" sz="1000" b="1" err="1" smtClean="0">
-                <a:solidFill>
-                  <a:srgbClr val="00B050"/>
-                </a:solidFill>
-                <a:latin typeface="Courier New" pitchFamily="49" charset="0"/>
-                <a:cs typeface="Courier New" pitchFamily="49" charset="0"/>
-              </a:rPr>
-              <a:t>outQu</a:t>
+              <a:t>next comPkg</a:t>
             </a:r>
             <a:r>
               <a:rPr lang="en-US" sz="1000" smtClean="0">
@@ -7379,7 +7297,7 @@
         </p:nvSpPr>
         <p:spPr>
           <a:xfrm>
-            <a:off x="215759" y="2363580"/>
+            <a:off x="400816" y="2309151"/>
             <a:ext cx="492443" cy="246221"/>
           </a:xfrm>
           <a:prstGeom prst="rect">
@@ -7430,8 +7348,8 @@
         </p:nvCxnSpPr>
         <p:spPr>
           <a:xfrm flipH="1">
-            <a:off x="461981" y="1661099"/>
-            <a:ext cx="252677" cy="702481"/>
+            <a:off x="647038" y="1661099"/>
+            <a:ext cx="67620" cy="648052"/>
           </a:xfrm>
           <a:prstGeom prst="straightConnector1">
             <a:avLst/>
@@ -7695,15 +7613,15 @@
         <p:nvCxnSpPr>
           <p:cNvPr id="74" name="Straight Arrow Connector 73"/>
           <p:cNvCxnSpPr>
-            <a:stCxn id="41" idx="1"/>
+            <a:stCxn id="63" idx="1"/>
             <a:endCxn id="167" idx="3"/>
           </p:cNvCxnSpPr>
           <p:nvPr/>
         </p:nvCxnSpPr>
         <p:spPr>
           <a:xfrm flipH="1" flipV="1">
-            <a:off x="708202" y="2486691"/>
-            <a:ext cx="7012779" cy="473339"/>
+            <a:off x="893259" y="2432262"/>
+            <a:ext cx="6200068" cy="1682974"/>
           </a:xfrm>
           <a:prstGeom prst="straightConnector1">
             <a:avLst/>
@@ -7736,8 +7654,8 @@
         </p:nvSpPr>
         <p:spPr>
           <a:xfrm>
-            <a:off x="6842959" y="1843798"/>
-            <a:ext cx="2108269" cy="246221"/>
+            <a:off x="6744987" y="1854684"/>
+            <a:ext cx="1569660" cy="246221"/>
           </a:xfrm>
           <a:prstGeom prst="rect">
             <a:avLst/>
@@ -7765,7 +7683,131 @@
                 <a:latin typeface="Courier New" pitchFamily="49" charset="0"/>
                 <a:cs typeface="Courier New" pitchFamily="49" charset="0"/>
               </a:rPr>
-              <a:t>inQu</a:t>
+              <a:t>next comPkg</a:t>
+            </a:r>
+            <a:r>
+              <a:rPr lang="en-US" sz="1000" smtClean="0">
+                <a:latin typeface="Courier New" pitchFamily="49" charset="0"/>
+                <a:cs typeface="Courier New" pitchFamily="49" charset="0"/>
+              </a:rPr>
+              <a:t>)</a:t>
+            </a:r>
+            <a:endParaRPr lang="en-US" sz="1000">
+              <a:latin typeface="Courier New" pitchFamily="49" charset="0"/>
+              <a:cs typeface="Courier New" pitchFamily="49" charset="0"/>
+            </a:endParaRPr>
+          </a:p>
+        </p:txBody>
+      </p:sp>
+      <p:cxnSp>
+        <p:nvCxnSpPr>
+          <p:cNvPr id="71" name="Straight Arrow Connector 70"/>
+          <p:cNvCxnSpPr>
+            <a:stCxn id="2" idx="0"/>
+            <a:endCxn id="25" idx="2"/>
+          </p:cNvCxnSpPr>
+          <p:nvPr/>
+        </p:nvCxnSpPr>
+        <p:spPr>
+          <a:xfrm flipV="1">
+            <a:off x="4256125" y="4218616"/>
+            <a:ext cx="822438" cy="1250663"/>
+          </a:xfrm>
+          <a:prstGeom prst="straightConnector1">
+            <a:avLst/>
+          </a:prstGeom>
+          <a:ln>
+            <a:tailEnd type="arrow"/>
+          </a:ln>
+        </p:spPr>
+        <p:style>
+          <a:lnRef idx="2">
+            <a:schemeClr val="accent2"/>
+          </a:lnRef>
+          <a:fillRef idx="0">
+            <a:schemeClr val="accent2"/>
+          </a:fillRef>
+          <a:effectRef idx="1">
+            <a:schemeClr val="accent2"/>
+          </a:effectRef>
+          <a:fontRef idx="minor">
+            <a:schemeClr val="tx1"/>
+          </a:fontRef>
+        </p:style>
+      </p:cxnSp>
+      <p:sp>
+        <p:nvSpPr>
+          <p:cNvPr id="76" name="TextBox 75"/>
+          <p:cNvSpPr txBox="1"/>
+          <p:nvPr/>
+        </p:nvSpPr>
+        <p:spPr>
+          <a:xfrm>
+            <a:off x="942578" y="3461822"/>
+            <a:ext cx="492443" cy="246221"/>
+          </a:xfrm>
+          <a:prstGeom prst="rect">
+            <a:avLst/>
+          </a:prstGeom>
+          <a:noFill/>
+        </p:spPr>
+        <p:txBody>
+          <a:bodyPr wrap="none" rtlCol="0">
+            <a:spAutoFit/>
+          </a:bodyPr>
+          <a:lstStyle/>
+          <a:p>
+            <a:r>
+              <a:rPr lang="en-US" sz="1000" smtClean="0">
+                <a:latin typeface="Courier New" pitchFamily="49" charset="0"/>
+                <a:cs typeface="Courier New" pitchFamily="49" charset="0"/>
+              </a:rPr>
+              <a:t>uses</a:t>
+            </a:r>
+            <a:endParaRPr lang="en-US" sz="1000">
+              <a:latin typeface="Courier New" pitchFamily="49" charset="0"/>
+              <a:cs typeface="Courier New" pitchFamily="49" charset="0"/>
+            </a:endParaRPr>
+          </a:p>
+        </p:txBody>
+      </p:sp>
+      <p:sp>
+        <p:nvSpPr>
+          <p:cNvPr id="62" name="Rectangle 61"/>
+          <p:cNvSpPr/>
+          <p:nvPr/>
+        </p:nvSpPr>
+        <p:spPr>
+          <a:xfrm>
+            <a:off x="3598539" y="192910"/>
+            <a:ext cx="2339102" cy="246221"/>
+          </a:xfrm>
+          <a:prstGeom prst="rect">
+            <a:avLst/>
+          </a:prstGeom>
+        </p:spPr>
+        <p:txBody>
+          <a:bodyPr wrap="none">
+            <a:spAutoFit/>
+          </a:bodyPr>
+          <a:lstStyle/>
+          <a:p>
+            <a:r>
+              <a:rPr lang="en-US" sz="1000" b="1" smtClean="0">
+                <a:latin typeface="Courier New" pitchFamily="49" charset="0"/>
+                <a:cs typeface="Courier New" pitchFamily="49" charset="0"/>
+              </a:rPr>
+              <a:t>comPkg</a:t>
+            </a:r>
+            <a:r>
+              <a:rPr lang="en-US" sz="1000" b="1" smtClean="0">
+                <a:solidFill>
+                  <a:srgbClr val="00B0F0"/>
+                </a:solidFill>
+                <a:latin typeface="Courier New" pitchFamily="49" charset="0"/>
+                <a:cs typeface="Courier New" pitchFamily="49" charset="0"/>
+              </a:rPr>
+              <a:t> =(inQu</a:t>
             </a:r>
             <a:r>
               <a:rPr lang="en-US" sz="1000" smtClean="0">
@@ -7792,172 +7834,144 @@
                 <a:latin typeface="Courier New" pitchFamily="49" charset="0"/>
                 <a:cs typeface="Courier New" pitchFamily="49" charset="0"/>
               </a:rPr>
-              <a:t>outQu</a:t>
-            </a:r>
-            <a:r>
-              <a:rPr lang="en-US" sz="1000" smtClean="0">
-                <a:latin typeface="Courier New" pitchFamily="49" charset="0"/>
-                <a:cs typeface="Courier New" pitchFamily="49" charset="0"/>
-              </a:rPr>
-              <a:t>)</a:t>
-            </a:r>
-            <a:endParaRPr lang="en-US" sz="1000">
-              <a:latin typeface="Courier New" pitchFamily="49" charset="0"/>
-              <a:cs typeface="Courier New" pitchFamily="49" charset="0"/>
-            </a:endParaRPr>
-          </a:p>
-        </p:txBody>
-      </p:sp>
-      <p:cxnSp>
-        <p:nvCxnSpPr>
-          <p:cNvPr id="71" name="Straight Arrow Connector 70"/>
-          <p:cNvCxnSpPr/>
-          <p:nvPr/>
-        </p:nvCxnSpPr>
-        <p:spPr>
-          <a:xfrm flipV="1">
-            <a:off x="4383993" y="4059253"/>
-            <a:ext cx="675117" cy="1392964"/>
-          </a:xfrm>
-          <a:prstGeom prst="straightConnector1">
-            <a:avLst/>
-          </a:prstGeom>
-          <a:ln>
-            <a:tailEnd type="arrow"/>
-          </a:ln>
-        </p:spPr>
-        <p:style>
-          <a:lnRef idx="2">
-            <a:schemeClr val="accent2"/>
-          </a:lnRef>
-          <a:fillRef idx="0">
-            <a:schemeClr val="accent2"/>
-          </a:fillRef>
-          <a:effectRef idx="1">
-            <a:schemeClr val="accent2"/>
-          </a:effectRef>
-          <a:fontRef idx="minor">
-            <a:schemeClr val="tx1"/>
-          </a:fontRef>
-        </p:style>
-      </p:cxnSp>
-      <p:sp>
-        <p:nvSpPr>
-          <p:cNvPr id="76" name="TextBox 75"/>
-          <p:cNvSpPr txBox="1"/>
-          <p:nvPr/>
-        </p:nvSpPr>
-        <p:spPr>
-          <a:xfrm>
-            <a:off x="942578" y="3461822"/>
-            <a:ext cx="492443" cy="246221"/>
-          </a:xfrm>
-          <a:prstGeom prst="rect">
-            <a:avLst/>
-          </a:prstGeom>
-          <a:noFill/>
-        </p:spPr>
-        <p:txBody>
-          <a:bodyPr wrap="none" rtlCol="0">
-            <a:spAutoFit/>
-          </a:bodyPr>
-          <a:lstStyle/>
-          <a:p>
-            <a:r>
-              <a:rPr lang="en-US" sz="1000" smtClean="0">
-                <a:latin typeface="Courier New" pitchFamily="49" charset="0"/>
-                <a:cs typeface="Courier New" pitchFamily="49" charset="0"/>
-              </a:rPr>
-              <a:t>uses</a:t>
-            </a:r>
-            <a:endParaRPr lang="en-US" sz="1000">
-              <a:latin typeface="Courier New" pitchFamily="49" charset="0"/>
-              <a:cs typeface="Courier New" pitchFamily="49" charset="0"/>
-            </a:endParaRPr>
-          </a:p>
-        </p:txBody>
-      </p:sp>
-      <p:sp>
-        <p:nvSpPr>
-          <p:cNvPr id="62" name="Rectangle 61"/>
-          <p:cNvSpPr/>
-          <p:nvPr/>
-        </p:nvSpPr>
-        <p:spPr>
-          <a:xfrm>
-            <a:off x="3598539" y="192910"/>
-            <a:ext cx="2492990" cy="553998"/>
-          </a:xfrm>
-          <a:prstGeom prst="rect">
-            <a:avLst/>
-          </a:prstGeom>
-        </p:spPr>
-        <p:txBody>
-          <a:bodyPr wrap="none">
-            <a:spAutoFit/>
-          </a:bodyPr>
-          <a:lstStyle/>
-          <a:p>
-            <a:r>
-              <a:rPr lang="en-US" sz="1000" b="1" smtClean="0">
-                <a:solidFill>
-                  <a:srgbClr val="00B0F0"/>
-                </a:solidFill>
-                <a:latin typeface="Courier New" pitchFamily="49" charset="0"/>
-                <a:cs typeface="Courier New" pitchFamily="49" charset="0"/>
-              </a:rPr>
-              <a:t>inQu</a:t>
-            </a:r>
-            <a:r>
-              <a:rPr lang="en-US" sz="1000" smtClean="0">
-                <a:solidFill>
-                  <a:srgbClr val="FF0000"/>
-                </a:solidFill>
-                <a:latin typeface="Courier New" pitchFamily="49" charset="0"/>
-                <a:cs typeface="Courier New" pitchFamily="49" charset="0"/>
-              </a:rPr>
-              <a:t>,inQuNum</a:t>
-            </a:r>
-            <a:r>
-              <a:rPr lang="en-US" sz="1000" smtClean="0">
-                <a:latin typeface="Courier New" pitchFamily="49" charset="0"/>
-                <a:cs typeface="Courier New" pitchFamily="49" charset="0"/>
-              </a:rPr>
-              <a:t>,</a:t>
-            </a:r>
-            <a:r>
-              <a:rPr lang="en-US" sz="1000" b="1" smtClean="0">
-                <a:solidFill>
-                  <a:srgbClr val="00B050"/>
-                </a:solidFill>
-                <a:latin typeface="Courier New" pitchFamily="49" charset="0"/>
-                <a:cs typeface="Courier New" pitchFamily="49" charset="0"/>
-              </a:rPr>
-              <a:t>outQu</a:t>
+              <a:t>outQu)</a:t>
             </a:r>
             <a:endParaRPr lang="en-US" sz="1000" b="1" smtClean="0">
               <a:latin typeface="Courier New" pitchFamily="49" charset="0"/>
               <a:cs typeface="Courier New" pitchFamily="49" charset="0"/>
             </a:endParaRPr>
           </a:p>
-          <a:p>
-            <a:r>
-              <a:rPr lang="en-US" sz="1000" b="1" smtClean="0">
-                <a:latin typeface="Courier New" pitchFamily="49" charset="0"/>
-                <a:cs typeface="Courier New" pitchFamily="49" charset="0"/>
-              </a:rPr>
-              <a:t>are bundled in the named tuple</a:t>
-            </a:r>
-          </a:p>
-          <a:p>
-            <a:r>
-              <a:rPr lang="en-US" sz="1000" smtClean="0">
-                <a:latin typeface="Courier New" pitchFamily="49" charset="0"/>
-                <a:cs typeface="Courier New" pitchFamily="49" charset="0"/>
-              </a:rPr>
-              <a:t>CommunicationsPackage</a:t>
-            </a:r>
-            <a:endParaRPr lang="en-US" sz="1000">
+        </p:txBody>
+      </p:sp>
+      <p:sp>
+        <p:nvSpPr>
+          <p:cNvPr id="63" name="TextBox 62"/>
+          <p:cNvSpPr txBox="1"/>
+          <p:nvPr/>
+        </p:nvSpPr>
+        <p:spPr>
+          <a:xfrm>
+            <a:off x="7093327" y="3992125"/>
+            <a:ext cx="1877437" cy="246221"/>
+          </a:xfrm>
+          <a:prstGeom prst="rect">
+            <a:avLst/>
+          </a:prstGeom>
+          <a:ln/>
+        </p:spPr>
+        <p:style>
+          <a:lnRef idx="1">
+            <a:schemeClr val="accent3"/>
+          </a:lnRef>
+          <a:fillRef idx="2">
+            <a:schemeClr val="accent3"/>
+          </a:fillRef>
+          <a:effectRef idx="1">
+            <a:schemeClr val="accent3"/>
+          </a:effectRef>
+          <a:fontRef idx="minor">
+            <a:schemeClr val="dk1"/>
+          </a:fontRef>
+        </p:style>
+        <p:txBody>
+          <a:bodyPr wrap="none" rtlCol="0">
+            <a:spAutoFit/>
+          </a:bodyPr>
+          <a:lstStyle/>
+          <a:p>
+            <a:r>
+              <a:rPr lang="en-US" sz="1000" smtClean="0">
+                <a:latin typeface="Courier New" pitchFamily="49" charset="0"/>
+                <a:cs typeface="Courier New" pitchFamily="49" charset="0"/>
+              </a:rPr>
+              <a:t>communicationResources</a:t>
+            </a:r>
+            <a:endParaRPr lang="en-US" sz="1000" smtClean="0">
+              <a:latin typeface="Courier New" pitchFamily="49" charset="0"/>
+              <a:cs typeface="Courier New" pitchFamily="49" charset="0"/>
+            </a:endParaRPr>
+          </a:p>
+        </p:txBody>
+      </p:sp>
+      <p:cxnSp>
+        <p:nvCxnSpPr>
+          <p:cNvPr id="67" name="Straight Arrow Connector 66"/>
+          <p:cNvCxnSpPr>
+            <a:stCxn id="63" idx="2"/>
+            <a:endCxn id="75" idx="0"/>
+          </p:cNvCxnSpPr>
+          <p:nvPr/>
+        </p:nvCxnSpPr>
+        <p:spPr>
+          <a:xfrm flipH="1">
+            <a:off x="7680727" y="4238346"/>
+            <a:ext cx="351319" cy="962093"/>
+          </a:xfrm>
+          <a:prstGeom prst="straightConnector1">
+            <a:avLst/>
+          </a:prstGeom>
+          <a:ln>
+            <a:solidFill>
+              <a:schemeClr val="accent1"/>
+            </a:solidFill>
+            <a:prstDash val="dash"/>
+            <a:tailEnd type="arrow"/>
+          </a:ln>
+        </p:spPr>
+        <p:style>
+          <a:lnRef idx="1">
+            <a:schemeClr val="accent1"/>
+          </a:lnRef>
+          <a:fillRef idx="0">
+            <a:schemeClr val="accent1"/>
+          </a:fillRef>
+          <a:effectRef idx="0">
+            <a:schemeClr val="accent1"/>
+          </a:effectRef>
+          <a:fontRef idx="minor">
+            <a:schemeClr val="tx1"/>
+          </a:fontRef>
+        </p:style>
+      </p:cxnSp>
+      <p:sp>
+        <p:nvSpPr>
+          <p:cNvPr id="73" name="TextBox 72"/>
+          <p:cNvSpPr txBox="1"/>
+          <p:nvPr/>
+        </p:nvSpPr>
+        <p:spPr>
+          <a:xfrm>
+            <a:off x="6754895" y="3202774"/>
+            <a:ext cx="2108269" cy="400110"/>
+          </a:xfrm>
+          <a:prstGeom prst="rect">
+            <a:avLst/>
+          </a:prstGeom>
+          <a:noFill/>
+        </p:spPr>
+        <p:txBody>
+          <a:bodyPr wrap="none" rtlCol="0">
+            <a:spAutoFit/>
+          </a:bodyPr>
+          <a:lstStyle/>
+          <a:p>
+            <a:r>
+              <a:rPr lang="en-US" sz="1000" smtClean="0">
+                <a:latin typeface="Courier New" pitchFamily="49" charset="0"/>
+                <a:cs typeface="Courier New" pitchFamily="49" charset="0"/>
+              </a:rPr>
+              <a:t>init(host,port,numComPkg)</a:t>
+            </a:r>
+          </a:p>
+          <a:p>
+            <a:r>
+              <a:rPr lang="en-US" sz="1000" smtClean="0">
+                <a:latin typeface="Courier New" pitchFamily="49" charset="0"/>
+                <a:cs typeface="Courier New" pitchFamily="49" charset="0"/>
+              </a:rPr>
+              <a:t>getNextPkg</a:t>
+            </a:r>
+            <a:endParaRPr lang="en-US" sz="1000" smtClean="0">
               <a:latin typeface="Courier New" pitchFamily="49" charset="0"/>
               <a:cs typeface="Courier New" pitchFamily="49" charset="0"/>
             </a:endParaRPr>
@@ -8138,7 +8152,7 @@
         <p:spPr>
           <a:xfrm>
             <a:off x="1812766" y="2724270"/>
-            <a:ext cx="1261884" cy="246221"/>
+            <a:ext cx="1877437" cy="246221"/>
           </a:xfrm>
           <a:prstGeom prst="rect">
             <a:avLst/>
@@ -8170,8 +8184,12 @@
                 <a:latin typeface="Courier New" pitchFamily="49" charset="0"/>
                 <a:cs typeface="Courier New" pitchFamily="49" charset="0"/>
               </a:rPr>
-              <a:t>msgPumpHandler</a:t>
-            </a:r>
+              <a:t>communicationResources</a:t>
+            </a:r>
+            <a:endParaRPr lang="en-US" sz="1000" smtClean="0">
+              <a:latin typeface="Courier New" pitchFamily="49" charset="0"/>
+              <a:cs typeface="Courier New" pitchFamily="49" charset="0"/>
+            </a:endParaRPr>
           </a:p>
         </p:txBody>
       </p:sp>
@@ -8248,31 +8266,17 @@
                 <a:latin typeface="Courier New" pitchFamily="49" charset="0"/>
                 <a:cs typeface="Courier New" pitchFamily="49" charset="0"/>
               </a:rPr>
-              <a:t>init(</a:t>
-            </a:r>
-            <a:r>
-              <a:rPr lang="en-US" sz="1000" err="1" smtClean="0">
-                <a:latin typeface="Courier New" pitchFamily="49" charset="0"/>
-                <a:cs typeface="Courier New" pitchFamily="49" charset="0"/>
-              </a:rPr>
-              <a:t>name,</a:t>
-            </a:r>
-            <a:r>
-              <a:rPr lang="en-US" sz="1000" err="1" smtClean="0">
+              <a:t>init(name,</a:t>
+            </a:r>
+            <a:r>
+              <a:rPr lang="en-US" sz="1000" smtClean="0">
                 <a:solidFill>
                   <a:srgbClr val="FF0000"/>
                 </a:solidFill>
                 <a:latin typeface="Courier New" pitchFamily="49" charset="0"/>
                 <a:cs typeface="Courier New" pitchFamily="49" charset="0"/>
               </a:rPr>
-              <a:t>inQu,inQuNum</a:t>
-            </a:r>
-            <a:r>
-              <a:rPr lang="en-US" sz="1000" err="1" smtClean="0">
-                <a:latin typeface="Courier New" pitchFamily="49" charset="0"/>
-                <a:cs typeface="Courier New" pitchFamily="49" charset="0"/>
-              </a:rPr>
-              <a:t>,outQu</a:t>
+              <a:t>comPkg</a:t>
             </a:r>
             <a:r>
               <a:rPr lang="en-US" sz="1000" smtClean="0">
@@ -8281,6 +8285,10 @@
               </a:rPr>
               <a:t>)</a:t>
             </a:r>
+            <a:endParaRPr lang="en-US" sz="1000" smtClean="0">
+              <a:latin typeface="Courier New" pitchFamily="49" charset="0"/>
+              <a:cs typeface="Courier New" pitchFamily="49" charset="0"/>
+            </a:endParaRPr>
           </a:p>
           <a:p>
             <a:r>
@@ -8410,8 +8418,8 @@
         </p:nvSpPr>
         <p:spPr>
           <a:xfrm>
-            <a:off x="2052272" y="1918269"/>
-            <a:ext cx="3416320" cy="400110"/>
+            <a:off x="1921638" y="2223071"/>
+            <a:ext cx="2108269" cy="400110"/>
           </a:xfrm>
           <a:prstGeom prst="rect">
             <a:avLst/>
@@ -8429,33 +8437,30 @@
                 <a:latin typeface="Courier New" pitchFamily="49" charset="0"/>
                 <a:cs typeface="Courier New" pitchFamily="49" charset="0"/>
               </a:rPr>
-              <a:t>init(name,’localhost’,1235,</a:t>
-            </a:r>
-            <a:r>
-              <a:rPr lang="en-US" sz="1000" smtClean="0">
-                <a:solidFill>
-                  <a:srgbClr val="FF0000"/>
-                </a:solidFill>
-                <a:latin typeface="Courier New" pitchFamily="49" charset="0"/>
-                <a:cs typeface="Courier New" pitchFamily="49" charset="0"/>
-              </a:rPr>
-              <a:t>inQuList</a:t>
-            </a:r>
-            <a:r>
-              <a:rPr lang="en-US" sz="1000" smtClean="0">
-                <a:latin typeface="Courier New" pitchFamily="49" charset="0"/>
-                <a:cs typeface="Courier New" pitchFamily="49" charset="0"/>
-              </a:rPr>
-              <a:t>,outQu)</a:t>
-            </a:r>
-          </a:p>
-          <a:p>
-            <a:r>
-              <a:rPr lang="en-US" sz="1000" err="1" smtClean="0">
-                <a:latin typeface="Courier New" pitchFamily="49" charset="0"/>
-                <a:cs typeface="Courier New" pitchFamily="49" charset="0"/>
-              </a:rPr>
-              <a:t>startPumps</a:t>
+              <a:t>init(’localhost</a:t>
+            </a:r>
+            <a:r>
+              <a:rPr lang="en-US" sz="1000" smtClean="0">
+                <a:latin typeface="Courier New" pitchFamily="49" charset="0"/>
+                <a:cs typeface="Courier New" pitchFamily="49" charset="0"/>
+              </a:rPr>
+              <a:t>’,</a:t>
+            </a:r>
+            <a:r>
+              <a:rPr lang="en-US" sz="1000" smtClean="0">
+                <a:latin typeface="Courier New" pitchFamily="49" charset="0"/>
+                <a:cs typeface="Courier New" pitchFamily="49" charset="0"/>
+              </a:rPr>
+              <a:t>1235, 1)</a:t>
+            </a:r>
+          </a:p>
+          <a:p>
+            <a:r>
+              <a:rPr lang="en-US" sz="1000" smtClean="0">
+                <a:latin typeface="Courier New" pitchFamily="49" charset="0"/>
+                <a:cs typeface="Courier New" pitchFamily="49" charset="0"/>
+              </a:rPr>
+              <a:t>getNextPkg</a:t>
             </a:r>
             <a:endParaRPr lang="en-US" sz="1000" smtClean="0">
               <a:latin typeface="Courier New" pitchFamily="49" charset="0"/>
@@ -8512,7 +8517,7 @@
         <p:spPr>
           <a:xfrm>
             <a:off x="1832904" y="1978563"/>
-            <a:ext cx="610804" cy="745707"/>
+            <a:ext cx="918581" cy="745707"/>
           </a:xfrm>
           <a:prstGeom prst="straightConnector1">
             <a:avLst/>
@@ -8649,7 +8654,7 @@
         <p:spPr>
           <a:xfrm>
             <a:off x="0" y="2300043"/>
-            <a:ext cx="2569934" cy="400110"/>
+            <a:ext cx="1723549" cy="400110"/>
           </a:xfrm>
           <a:prstGeom prst="rect">
             <a:avLst/>
@@ -8667,31 +8672,17 @@
                 <a:latin typeface="Courier New" pitchFamily="49" charset="0"/>
                 <a:cs typeface="Courier New" pitchFamily="49" charset="0"/>
               </a:rPr>
-              <a:t>create(</a:t>
-            </a:r>
-            <a:r>
-              <a:rPr lang="en-US" sz="1000" err="1" smtClean="0">
-                <a:latin typeface="Courier New" pitchFamily="49" charset="0"/>
-                <a:cs typeface="Courier New" pitchFamily="49" charset="0"/>
-              </a:rPr>
-              <a:t>name,</a:t>
-            </a:r>
-            <a:r>
-              <a:rPr lang="en-US" sz="1000" err="1" smtClean="0">
+              <a:t>create(name,</a:t>
+            </a:r>
+            <a:r>
+              <a:rPr lang="en-US" sz="1000" smtClean="0">
                 <a:solidFill>
                   <a:srgbClr val="FF0000"/>
                 </a:solidFill>
                 <a:latin typeface="Courier New" pitchFamily="49" charset="0"/>
                 <a:cs typeface="Courier New" pitchFamily="49" charset="0"/>
               </a:rPr>
-              <a:t>inQu,inQuNum</a:t>
-            </a:r>
-            <a:r>
-              <a:rPr lang="en-US" sz="1000" err="1" smtClean="0">
-                <a:latin typeface="Courier New" pitchFamily="49" charset="0"/>
-                <a:cs typeface="Courier New" pitchFamily="49" charset="0"/>
-              </a:rPr>
-              <a:t>,outQu</a:t>
+              <a:t>compPkg</a:t>
             </a:r>
             <a:r>
               <a:rPr lang="en-US" sz="1000" smtClean="0">
@@ -8700,6 +8691,10 @@
               </a:rPr>
               <a:t>)</a:t>
             </a:r>
+            <a:endParaRPr lang="en-US" sz="1000" smtClean="0">
+              <a:latin typeface="Courier New" pitchFamily="49" charset="0"/>
+              <a:cs typeface="Courier New" pitchFamily="49" charset="0"/>
+            </a:endParaRPr>
           </a:p>
           <a:p>
             <a:r>
@@ -9047,7 +9042,7 @@
         <p:spPr>
           <a:xfrm>
             <a:off x="6869675" y="2701179"/>
-            <a:ext cx="1261884" cy="246221"/>
+            <a:ext cx="1877437" cy="246221"/>
           </a:xfrm>
           <a:prstGeom prst="rect">
             <a:avLst/>
@@ -9079,65 +9074,7 @@
                 <a:latin typeface="Courier New" pitchFamily="49" charset="0"/>
                 <a:cs typeface="Courier New" pitchFamily="49" charset="0"/>
               </a:rPr>
-              <a:t>msgPumpHandler</a:t>
-            </a:r>
-          </a:p>
-        </p:txBody>
-      </p:sp>
-      <p:sp>
-        <p:nvSpPr>
-          <p:cNvPr id="89" name="TextBox 88"/>
-          <p:cNvSpPr txBox="1"/>
-          <p:nvPr/>
-        </p:nvSpPr>
-        <p:spPr>
-          <a:xfrm>
-            <a:off x="5727680" y="1755329"/>
-            <a:ext cx="3416320" cy="400110"/>
-          </a:xfrm>
-          <a:prstGeom prst="rect">
-            <a:avLst/>
-          </a:prstGeom>
-          <a:noFill/>
-        </p:spPr>
-        <p:txBody>
-          <a:bodyPr wrap="none" rtlCol="0">
-            <a:spAutoFit/>
-          </a:bodyPr>
-          <a:lstStyle/>
-          <a:p>
-            <a:r>
-              <a:rPr lang="en-US" sz="1000" smtClean="0">
-                <a:latin typeface="Courier New" pitchFamily="49" charset="0"/>
-                <a:cs typeface="Courier New" pitchFamily="49" charset="0"/>
-              </a:rPr>
-              <a:t>init(name,’localhost’,1235,</a:t>
-            </a:r>
-            <a:r>
-              <a:rPr lang="en-US" sz="1000" smtClean="0">
-                <a:solidFill>
-                  <a:srgbClr val="FF0000"/>
-                </a:solidFill>
-                <a:latin typeface="Courier New" pitchFamily="49" charset="0"/>
-                <a:cs typeface="Courier New" pitchFamily="49" charset="0"/>
-              </a:rPr>
-              <a:t>inQuList</a:t>
-            </a:r>
-            <a:r>
-              <a:rPr lang="en-US" sz="1000" smtClean="0">
-                <a:latin typeface="Courier New" pitchFamily="49" charset="0"/>
-                <a:cs typeface="Courier New" pitchFamily="49" charset="0"/>
-              </a:rPr>
-              <a:t>,outQu)</a:t>
-            </a:r>
-          </a:p>
-          <a:p>
-            <a:r>
-              <a:rPr lang="en-US" sz="1000" err="1" smtClean="0">
-                <a:latin typeface="Courier New" pitchFamily="49" charset="0"/>
-                <a:cs typeface="Courier New" pitchFamily="49" charset="0"/>
-              </a:rPr>
-              <a:t>startPumps</a:t>
+              <a:t>communicationResources</a:t>
             </a:r>
             <a:endParaRPr lang="en-US" sz="1000" smtClean="0">
               <a:latin typeface="Courier New" pitchFamily="49" charset="0"/>
@@ -9266,7 +9203,7 @@
         <p:spPr>
           <a:xfrm>
             <a:off x="7083451" y="1514409"/>
-            <a:ext cx="417166" cy="1186770"/>
+            <a:ext cx="724943" cy="1186770"/>
           </a:xfrm>
           <a:prstGeom prst="straightConnector1">
             <a:avLst/>
@@ -9402,8 +9339,8 @@
         </p:nvSpPr>
         <p:spPr>
           <a:xfrm>
-            <a:off x="4217371" y="2305134"/>
-            <a:ext cx="2492990" cy="246221"/>
+            <a:off x="4957619" y="2305134"/>
+            <a:ext cx="1569660" cy="246221"/>
           </a:xfrm>
           <a:prstGeom prst="rect">
             <a:avLst/>
@@ -9421,31 +9358,17 @@
                 <a:latin typeface="Courier New" pitchFamily="49" charset="0"/>
                 <a:cs typeface="Courier New" pitchFamily="49" charset="0"/>
               </a:rPr>
-              <a:t>start(</a:t>
-            </a:r>
-            <a:r>
-              <a:rPr lang="en-US" sz="1000" err="1" smtClean="0">
-                <a:latin typeface="Courier New" pitchFamily="49" charset="0"/>
-                <a:cs typeface="Courier New" pitchFamily="49" charset="0"/>
-              </a:rPr>
-              <a:t>name,</a:t>
-            </a:r>
-            <a:r>
-              <a:rPr lang="en-US" sz="1000" err="1" smtClean="0">
+              <a:t>start(name,</a:t>
+            </a:r>
+            <a:r>
+              <a:rPr lang="en-US" sz="1000" smtClean="0">
                 <a:solidFill>
                   <a:srgbClr val="FF0000"/>
                 </a:solidFill>
                 <a:latin typeface="Courier New" pitchFamily="49" charset="0"/>
                 <a:cs typeface="Courier New" pitchFamily="49" charset="0"/>
               </a:rPr>
-              <a:t>inQu,inQuNum</a:t>
-            </a:r>
-            <a:r>
-              <a:rPr lang="en-US" sz="1000" err="1" smtClean="0">
-                <a:latin typeface="Courier New" pitchFamily="49" charset="0"/>
-                <a:cs typeface="Courier New" pitchFamily="49" charset="0"/>
-              </a:rPr>
-              <a:t>,outQu</a:t>
+              <a:t>comPkg</a:t>
             </a:r>
             <a:r>
               <a:rPr lang="en-US" sz="1000" smtClean="0">
@@ -9454,6 +9377,10 @@
               </a:rPr>
               <a:t>)</a:t>
             </a:r>
+            <a:endParaRPr lang="en-US" sz="1000" smtClean="0">
+              <a:latin typeface="Courier New" pitchFamily="49" charset="0"/>
+              <a:cs typeface="Courier New" pitchFamily="49" charset="0"/>
+            </a:endParaRPr>
           </a:p>
         </p:txBody>
       </p:sp>
@@ -10581,6 +10508,65 @@
           <a:p>
             <a:pPr algn="ctr"/>
             <a:endParaRPr lang="en-US"/>
+          </a:p>
+        </p:txBody>
+      </p:sp>
+      <p:sp>
+        <p:nvSpPr>
+          <p:cNvPr id="66" name="TextBox 65"/>
+          <p:cNvSpPr txBox="1"/>
+          <p:nvPr/>
+        </p:nvSpPr>
+        <p:spPr>
+          <a:xfrm>
+            <a:off x="6820210" y="1918271"/>
+            <a:ext cx="2108269" cy="400110"/>
+          </a:xfrm>
+          <a:prstGeom prst="rect">
+            <a:avLst/>
+          </a:prstGeom>
+          <a:noFill/>
+        </p:spPr>
+        <p:txBody>
+          <a:bodyPr wrap="none" rtlCol="0">
+            <a:spAutoFit/>
+          </a:bodyPr>
+          <a:lstStyle/>
+          <a:p>
+            <a:r>
+              <a:rPr lang="en-US" sz="1000" smtClean="0">
+                <a:latin typeface="Courier New" pitchFamily="49" charset="0"/>
+                <a:cs typeface="Courier New" pitchFamily="49" charset="0"/>
+              </a:rPr>
+              <a:t>init(’localhost</a:t>
+            </a:r>
+            <a:r>
+              <a:rPr lang="en-US" sz="1000" smtClean="0">
+                <a:latin typeface="Courier New" pitchFamily="49" charset="0"/>
+                <a:cs typeface="Courier New" pitchFamily="49" charset="0"/>
+              </a:rPr>
+              <a:t>’,</a:t>
+            </a:r>
+            <a:r>
+              <a:rPr lang="en-US" sz="1000" smtClean="0">
+                <a:latin typeface="Courier New" pitchFamily="49" charset="0"/>
+                <a:cs typeface="Courier New" pitchFamily="49" charset="0"/>
+              </a:rPr>
+              <a:t>1235, 1)</a:t>
+            </a:r>
+          </a:p>
+          <a:p>
+            <a:r>
+              <a:rPr lang="en-US" sz="1000" smtClean="0">
+                <a:latin typeface="Courier New" pitchFamily="49" charset="0"/>
+                <a:cs typeface="Courier New" pitchFamily="49" charset="0"/>
+              </a:rPr>
+              <a:t>getNextPkg</a:t>
+            </a:r>
+            <a:endParaRPr lang="en-US" sz="1000" smtClean="0">
+              <a:latin typeface="Courier New" pitchFamily="49" charset="0"/>
+              <a:cs typeface="Courier New" pitchFamily="49" charset="0"/>
+            </a:endParaRPr>
           </a:p>
         </p:txBody>
       </p:sp>
